--- a/thesis_proposal/proposal.pptx
+++ b/thesis_proposal/proposal.pptx
@@ -5,39 +5,54 @@
     <p:sldMasterId id="2147483648" r:id="rId1"/>
   </p:sldMasterIdLst>
   <p:notesMasterIdLst>
-    <p:notesMasterId r:id="rId32"/>
+    <p:notesMasterId r:id="rId47"/>
   </p:notesMasterIdLst>
   <p:sldIdLst>
     <p:sldId id="256" r:id="rId2"/>
-    <p:sldId id="281" r:id="rId3"/>
+    <p:sldId id="300" r:id="rId3"/>
     <p:sldId id="282" r:id="rId4"/>
-    <p:sldId id="283" r:id="rId5"/>
-    <p:sldId id="292" r:id="rId6"/>
-    <p:sldId id="291" r:id="rId7"/>
-    <p:sldId id="284" r:id="rId8"/>
-    <p:sldId id="278" r:id="rId9"/>
-    <p:sldId id="277" r:id="rId10"/>
-    <p:sldId id="260" r:id="rId11"/>
-    <p:sldId id="273" r:id="rId12"/>
-    <p:sldId id="272" r:id="rId13"/>
-    <p:sldId id="279" r:id="rId14"/>
-    <p:sldId id="259" r:id="rId15"/>
-    <p:sldId id="261" r:id="rId16"/>
-    <p:sldId id="262" r:id="rId17"/>
-    <p:sldId id="275" r:id="rId18"/>
-    <p:sldId id="263" r:id="rId19"/>
-    <p:sldId id="269" r:id="rId20"/>
-    <p:sldId id="276" r:id="rId21"/>
-    <p:sldId id="290" r:id="rId22"/>
-    <p:sldId id="280" r:id="rId23"/>
-    <p:sldId id="285" r:id="rId24"/>
-    <p:sldId id="286" r:id="rId25"/>
-    <p:sldId id="287" r:id="rId26"/>
-    <p:sldId id="293" r:id="rId27"/>
-    <p:sldId id="289" r:id="rId28"/>
-    <p:sldId id="288" r:id="rId29"/>
-    <p:sldId id="268" r:id="rId30"/>
-    <p:sldId id="274" r:id="rId31"/>
+    <p:sldId id="299" r:id="rId5"/>
+    <p:sldId id="281" r:id="rId6"/>
+    <p:sldId id="283" r:id="rId7"/>
+    <p:sldId id="298" r:id="rId8"/>
+    <p:sldId id="292" r:id="rId9"/>
+    <p:sldId id="302" r:id="rId10"/>
+    <p:sldId id="303" r:id="rId11"/>
+    <p:sldId id="291" r:id="rId12"/>
+    <p:sldId id="296" r:id="rId13"/>
+    <p:sldId id="297" r:id="rId14"/>
+    <p:sldId id="301" r:id="rId15"/>
+    <p:sldId id="284" r:id="rId16"/>
+    <p:sldId id="278" r:id="rId17"/>
+    <p:sldId id="277" r:id="rId18"/>
+    <p:sldId id="260" r:id="rId19"/>
+    <p:sldId id="273" r:id="rId20"/>
+    <p:sldId id="272" r:id="rId21"/>
+    <p:sldId id="279" r:id="rId22"/>
+    <p:sldId id="259" r:id="rId23"/>
+    <p:sldId id="261" r:id="rId24"/>
+    <p:sldId id="262" r:id="rId25"/>
+    <p:sldId id="275" r:id="rId26"/>
+    <p:sldId id="263" r:id="rId27"/>
+    <p:sldId id="269" r:id="rId28"/>
+    <p:sldId id="276" r:id="rId29"/>
+    <p:sldId id="290" r:id="rId30"/>
+    <p:sldId id="285" r:id="rId31"/>
+    <p:sldId id="286" r:id="rId32"/>
+    <p:sldId id="293" r:id="rId33"/>
+    <p:sldId id="287" r:id="rId34"/>
+    <p:sldId id="289" r:id="rId35"/>
+    <p:sldId id="304" r:id="rId36"/>
+    <p:sldId id="305" r:id="rId37"/>
+    <p:sldId id="306" r:id="rId38"/>
+    <p:sldId id="307" r:id="rId39"/>
+    <p:sldId id="308" r:id="rId40"/>
+    <p:sldId id="309" r:id="rId41"/>
+    <p:sldId id="294" r:id="rId42"/>
+    <p:sldId id="295" r:id="rId43"/>
+    <p:sldId id="288" r:id="rId44"/>
+    <p:sldId id="268" r:id="rId45"/>
+    <p:sldId id="274" r:id="rId46"/>
   </p:sldIdLst>
   <p:sldSz cx="12192000" cy="6858000"/>
   <p:notesSz cx="6858000" cy="9144000"/>
@@ -651,7 +666,7 @@
     </p:spTree>
     <p:extLst>
       <p:ext uri="{BB962C8B-B14F-4D97-AF65-F5344CB8AC3E}">
-        <p14:creationId xmlns:p14="http://schemas.microsoft.com/office/powerpoint/2010/main" val="3232203025"/>
+        <p14:creationId xmlns:p14="http://schemas.microsoft.com/office/powerpoint/2010/main" val="2075521826"/>
       </p:ext>
     </p:extLst>
   </p:cSld>
@@ -705,7 +720,7 @@
           <a:bodyPr/>
           <a:lstStyle/>
           <a:p>
-            <a:endParaRPr lang="en-US" dirty="0"/>
+            <a:endParaRPr lang="en-US"/>
           </a:p>
         </p:txBody>
       </p:sp>
@@ -735,7 +750,7 @@
     </p:spTree>
     <p:extLst>
       <p:ext uri="{BB962C8B-B14F-4D97-AF65-F5344CB8AC3E}">
-        <p14:creationId xmlns:p14="http://schemas.microsoft.com/office/powerpoint/2010/main" val="180261347"/>
+        <p14:creationId xmlns:p14="http://schemas.microsoft.com/office/powerpoint/2010/main" val="1471488681"/>
       </p:ext>
     </p:extLst>
   </p:cSld>
@@ -789,10 +804,7 @@
           <a:bodyPr/>
           <a:lstStyle/>
           <a:p>
-            <a:r>
-              <a:rPr lang="en-US" dirty="0"/>
-              <a:t>As backup slide.</a:t>
-            </a:r>
+            <a:endParaRPr lang="en-US"/>
           </a:p>
         </p:txBody>
       </p:sp>
@@ -813,7 +825,7 @@
           <a:p>
             <a:fld id="{180B0F4F-C4CA-F945-8BD8-C2A10415F31A}" type="slidenum">
               <a:rPr lang="en-US" smtClean="0"/>
-              <a:t>29</a:t>
+              <a:t>22</a:t>
             </a:fld>
             <a:endParaRPr lang="en-US"/>
           </a:p>
@@ -822,7 +834,7 @@
     </p:spTree>
     <p:extLst>
       <p:ext uri="{BB962C8B-B14F-4D97-AF65-F5344CB8AC3E}">
-        <p14:creationId xmlns:p14="http://schemas.microsoft.com/office/powerpoint/2010/main" val="819162960"/>
+        <p14:creationId xmlns:p14="http://schemas.microsoft.com/office/powerpoint/2010/main" val="2207898864"/>
       </p:ext>
     </p:extLst>
   </p:cSld>
@@ -876,16 +888,7 @@
           <a:bodyPr/>
           <a:lstStyle/>
           <a:p>
-            <a:r>
-              <a:rPr lang="en-US" dirty="0"/>
-              <a:t>It might want to defrag / compress page tables </a:t>
-            </a:r>
-          </a:p>
-          <a:p>
-            <a:r>
-              <a:rPr lang="en-US" dirty="0"/>
-              <a:t>changes internal page-tables would violate</a:t>
-            </a:r>
+            <a:endParaRPr lang="en-US" dirty="0"/>
           </a:p>
         </p:txBody>
       </p:sp>
@@ -906,7 +909,523 @@
           <a:p>
             <a:fld id="{180B0F4F-C4CA-F945-8BD8-C2A10415F31A}" type="slidenum">
               <a:rPr lang="en-US" smtClean="0"/>
-              <a:t>30</a:t>
+              <a:t>23</a:t>
+            </a:fld>
+            <a:endParaRPr lang="en-US"/>
+          </a:p>
+        </p:txBody>
+      </p:sp>
+    </p:spTree>
+    <p:extLst>
+      <p:ext uri="{BB962C8B-B14F-4D97-AF65-F5344CB8AC3E}">
+        <p14:creationId xmlns:p14="http://schemas.microsoft.com/office/powerpoint/2010/main" val="1977058663"/>
+      </p:ext>
+    </p:extLst>
+  </p:cSld>
+  <p:clrMapOvr>
+    <a:masterClrMapping/>
+  </p:clrMapOvr>
+</p:notes>
+</file>
+
+<file path=ppt/notesSlides/notesSlide14.xml><?xml version="1.0" encoding="utf-8"?>
+<p:notes xmlns:a="http://schemas.openxmlformats.org/drawingml/2006/main" xmlns:r="http://schemas.openxmlformats.org/officeDocument/2006/relationships" xmlns:p="http://schemas.openxmlformats.org/presentationml/2006/main">
+  <p:cSld>
+    <p:spTree>
+      <p:nvGrpSpPr>
+        <p:cNvPr id="1" name=""/>
+        <p:cNvGrpSpPr/>
+        <p:nvPr/>
+      </p:nvGrpSpPr>
+      <p:grpSpPr>
+        <a:xfrm>
+          <a:off x="0" y="0"/>
+          <a:ext cx="0" cy="0"/>
+          <a:chOff x="0" y="0"/>
+          <a:chExt cx="0" cy="0"/>
+        </a:xfrm>
+      </p:grpSpPr>
+      <p:sp>
+        <p:nvSpPr>
+          <p:cNvPr id="2" name="Slide Image Placeholder 1"/>
+          <p:cNvSpPr>
+            <a:spLocks noGrp="1" noRot="1" noChangeAspect="1"/>
+          </p:cNvSpPr>
+          <p:nvPr>
+            <p:ph type="sldImg"/>
+          </p:nvPr>
+        </p:nvSpPr>
+        <p:spPr/>
+      </p:sp>
+      <p:sp>
+        <p:nvSpPr>
+          <p:cNvPr id="3" name="Notes Placeholder 2"/>
+          <p:cNvSpPr>
+            <a:spLocks noGrp="1"/>
+          </p:cNvSpPr>
+          <p:nvPr>
+            <p:ph type="body" idx="1"/>
+          </p:nvPr>
+        </p:nvSpPr>
+        <p:spPr/>
+        <p:txBody>
+          <a:bodyPr/>
+          <a:lstStyle/>
+          <a:p>
+            <a:endParaRPr lang="en-US"/>
+          </a:p>
+        </p:txBody>
+      </p:sp>
+      <p:sp>
+        <p:nvSpPr>
+          <p:cNvPr id="4" name="Slide Number Placeholder 3"/>
+          <p:cNvSpPr>
+            <a:spLocks noGrp="1"/>
+          </p:cNvSpPr>
+          <p:nvPr>
+            <p:ph type="sldNum" sz="quarter" idx="5"/>
+          </p:nvPr>
+        </p:nvSpPr>
+        <p:spPr/>
+        <p:txBody>
+          <a:bodyPr/>
+          <a:lstStyle/>
+          <a:p>
+            <a:fld id="{180B0F4F-C4CA-F945-8BD8-C2A10415F31A}" type="slidenum">
+              <a:rPr lang="en-US" smtClean="0"/>
+              <a:t>24</a:t>
+            </a:fld>
+            <a:endParaRPr lang="en-US"/>
+          </a:p>
+        </p:txBody>
+      </p:sp>
+    </p:spTree>
+    <p:extLst>
+      <p:ext uri="{BB962C8B-B14F-4D97-AF65-F5344CB8AC3E}">
+        <p14:creationId xmlns:p14="http://schemas.microsoft.com/office/powerpoint/2010/main" val="1305491200"/>
+      </p:ext>
+    </p:extLst>
+  </p:cSld>
+  <p:clrMapOvr>
+    <a:masterClrMapping/>
+  </p:clrMapOvr>
+</p:notes>
+</file>
+
+<file path=ppt/notesSlides/notesSlide15.xml><?xml version="1.0" encoding="utf-8"?>
+<p:notes xmlns:a="http://schemas.openxmlformats.org/drawingml/2006/main" xmlns:r="http://schemas.openxmlformats.org/officeDocument/2006/relationships" xmlns:p="http://schemas.openxmlformats.org/presentationml/2006/main">
+  <p:cSld>
+    <p:spTree>
+      <p:nvGrpSpPr>
+        <p:cNvPr id="1" name=""/>
+        <p:cNvGrpSpPr/>
+        <p:nvPr/>
+      </p:nvGrpSpPr>
+      <p:grpSpPr>
+        <a:xfrm>
+          <a:off x="0" y="0"/>
+          <a:ext cx="0" cy="0"/>
+          <a:chOff x="0" y="0"/>
+          <a:chExt cx="0" cy="0"/>
+        </a:xfrm>
+      </p:grpSpPr>
+      <p:sp>
+        <p:nvSpPr>
+          <p:cNvPr id="2" name="Slide Image Placeholder 1"/>
+          <p:cNvSpPr>
+            <a:spLocks noGrp="1" noRot="1" noChangeAspect="1"/>
+          </p:cNvSpPr>
+          <p:nvPr>
+            <p:ph type="sldImg"/>
+          </p:nvPr>
+        </p:nvSpPr>
+        <p:spPr/>
+      </p:sp>
+      <p:sp>
+        <p:nvSpPr>
+          <p:cNvPr id="3" name="Notes Placeholder 2"/>
+          <p:cNvSpPr>
+            <a:spLocks noGrp="1"/>
+          </p:cNvSpPr>
+          <p:nvPr>
+            <p:ph type="body" idx="1"/>
+          </p:nvPr>
+        </p:nvSpPr>
+        <p:spPr/>
+        <p:txBody>
+          <a:bodyPr/>
+          <a:lstStyle/>
+          <a:p>
+            <a:endParaRPr lang="en-US" dirty="0"/>
+          </a:p>
+        </p:txBody>
+      </p:sp>
+      <p:sp>
+        <p:nvSpPr>
+          <p:cNvPr id="4" name="Slide Number Placeholder 3"/>
+          <p:cNvSpPr>
+            <a:spLocks noGrp="1"/>
+          </p:cNvSpPr>
+          <p:nvPr>
+            <p:ph type="sldNum" sz="quarter" idx="5"/>
+          </p:nvPr>
+        </p:nvSpPr>
+        <p:spPr/>
+        <p:txBody>
+          <a:bodyPr/>
+          <a:lstStyle/>
+          <a:p>
+            <a:fld id="{180B0F4F-C4CA-F945-8BD8-C2A10415F31A}" type="slidenum">
+              <a:rPr lang="en-US" smtClean="0"/>
+              <a:t>26</a:t>
+            </a:fld>
+            <a:endParaRPr lang="en-US"/>
+          </a:p>
+        </p:txBody>
+      </p:sp>
+    </p:spTree>
+    <p:extLst>
+      <p:ext uri="{BB962C8B-B14F-4D97-AF65-F5344CB8AC3E}">
+        <p14:creationId xmlns:p14="http://schemas.microsoft.com/office/powerpoint/2010/main" val="2295082353"/>
+      </p:ext>
+    </p:extLst>
+  </p:cSld>
+  <p:clrMapOvr>
+    <a:masterClrMapping/>
+  </p:clrMapOvr>
+</p:notes>
+</file>
+
+<file path=ppt/notesSlides/notesSlide16.xml><?xml version="1.0" encoding="utf-8"?>
+<p:notes xmlns:a="http://schemas.openxmlformats.org/drawingml/2006/main" xmlns:r="http://schemas.openxmlformats.org/officeDocument/2006/relationships" xmlns:p="http://schemas.openxmlformats.org/presentationml/2006/main">
+  <p:cSld>
+    <p:spTree>
+      <p:nvGrpSpPr>
+        <p:cNvPr id="1" name=""/>
+        <p:cNvGrpSpPr/>
+        <p:nvPr/>
+      </p:nvGrpSpPr>
+      <p:grpSpPr>
+        <a:xfrm>
+          <a:off x="0" y="0"/>
+          <a:ext cx="0" cy="0"/>
+          <a:chOff x="0" y="0"/>
+          <a:chExt cx="0" cy="0"/>
+        </a:xfrm>
+      </p:grpSpPr>
+      <p:sp>
+        <p:nvSpPr>
+          <p:cNvPr id="2" name="Slide Image Placeholder 1"/>
+          <p:cNvSpPr>
+            <a:spLocks noGrp="1" noRot="1" noChangeAspect="1"/>
+          </p:cNvSpPr>
+          <p:nvPr>
+            <p:ph type="sldImg"/>
+          </p:nvPr>
+        </p:nvSpPr>
+        <p:spPr/>
+      </p:sp>
+      <p:sp>
+        <p:nvSpPr>
+          <p:cNvPr id="3" name="Notes Placeholder 2"/>
+          <p:cNvSpPr>
+            <a:spLocks noGrp="1"/>
+          </p:cNvSpPr>
+          <p:nvPr>
+            <p:ph type="body" idx="1"/>
+          </p:nvPr>
+        </p:nvSpPr>
+        <p:spPr/>
+        <p:txBody>
+          <a:bodyPr/>
+          <a:lstStyle/>
+          <a:p>
+            <a:endParaRPr lang="en-US" dirty="0"/>
+          </a:p>
+        </p:txBody>
+      </p:sp>
+      <p:sp>
+        <p:nvSpPr>
+          <p:cNvPr id="4" name="Slide Number Placeholder 3"/>
+          <p:cNvSpPr>
+            <a:spLocks noGrp="1"/>
+          </p:cNvSpPr>
+          <p:nvPr>
+            <p:ph type="sldNum" sz="quarter" idx="5"/>
+          </p:nvPr>
+        </p:nvSpPr>
+        <p:spPr/>
+        <p:txBody>
+          <a:bodyPr/>
+          <a:lstStyle/>
+          <a:p>
+            <a:fld id="{180B0F4F-C4CA-F945-8BD8-C2A10415F31A}" type="slidenum">
+              <a:rPr lang="en-US" smtClean="0"/>
+              <a:t>27</a:t>
+            </a:fld>
+            <a:endParaRPr lang="en-US"/>
+          </a:p>
+        </p:txBody>
+      </p:sp>
+    </p:spTree>
+    <p:extLst>
+      <p:ext uri="{BB962C8B-B14F-4D97-AF65-F5344CB8AC3E}">
+        <p14:creationId xmlns:p14="http://schemas.microsoft.com/office/powerpoint/2010/main" val="3232203025"/>
+      </p:ext>
+    </p:extLst>
+  </p:cSld>
+  <p:clrMapOvr>
+    <a:masterClrMapping/>
+  </p:clrMapOvr>
+</p:notes>
+</file>
+
+<file path=ppt/notesSlides/notesSlide17.xml><?xml version="1.0" encoding="utf-8"?>
+<p:notes xmlns:a="http://schemas.openxmlformats.org/drawingml/2006/main" xmlns:r="http://schemas.openxmlformats.org/officeDocument/2006/relationships" xmlns:p="http://schemas.openxmlformats.org/presentationml/2006/main">
+  <p:cSld>
+    <p:spTree>
+      <p:nvGrpSpPr>
+        <p:cNvPr id="1" name=""/>
+        <p:cNvGrpSpPr/>
+        <p:nvPr/>
+      </p:nvGrpSpPr>
+      <p:grpSpPr>
+        <a:xfrm>
+          <a:off x="0" y="0"/>
+          <a:ext cx="0" cy="0"/>
+          <a:chOff x="0" y="0"/>
+          <a:chExt cx="0" cy="0"/>
+        </a:xfrm>
+      </p:grpSpPr>
+      <p:sp>
+        <p:nvSpPr>
+          <p:cNvPr id="2" name="Slide Image Placeholder 1"/>
+          <p:cNvSpPr>
+            <a:spLocks noGrp="1" noRot="1" noChangeAspect="1"/>
+          </p:cNvSpPr>
+          <p:nvPr>
+            <p:ph type="sldImg"/>
+          </p:nvPr>
+        </p:nvSpPr>
+        <p:spPr/>
+      </p:sp>
+      <p:sp>
+        <p:nvSpPr>
+          <p:cNvPr id="3" name="Notes Placeholder 2"/>
+          <p:cNvSpPr>
+            <a:spLocks noGrp="1"/>
+          </p:cNvSpPr>
+          <p:nvPr>
+            <p:ph type="body" idx="1"/>
+          </p:nvPr>
+        </p:nvSpPr>
+        <p:spPr/>
+        <p:txBody>
+          <a:bodyPr/>
+          <a:lstStyle/>
+          <a:p>
+            <a:endParaRPr lang="en-US" dirty="0"/>
+          </a:p>
+        </p:txBody>
+      </p:sp>
+      <p:sp>
+        <p:nvSpPr>
+          <p:cNvPr id="4" name="Slide Number Placeholder 3"/>
+          <p:cNvSpPr>
+            <a:spLocks noGrp="1"/>
+          </p:cNvSpPr>
+          <p:nvPr>
+            <p:ph type="sldNum" sz="quarter" idx="5"/>
+          </p:nvPr>
+        </p:nvSpPr>
+        <p:spPr/>
+        <p:txBody>
+          <a:bodyPr/>
+          <a:lstStyle/>
+          <a:p>
+            <a:fld id="{180B0F4F-C4CA-F945-8BD8-C2A10415F31A}" type="slidenum">
+              <a:rPr lang="en-US" smtClean="0"/>
+              <a:t>28</a:t>
+            </a:fld>
+            <a:endParaRPr lang="en-US"/>
+          </a:p>
+        </p:txBody>
+      </p:sp>
+    </p:spTree>
+    <p:extLst>
+      <p:ext uri="{BB962C8B-B14F-4D97-AF65-F5344CB8AC3E}">
+        <p14:creationId xmlns:p14="http://schemas.microsoft.com/office/powerpoint/2010/main" val="180261347"/>
+      </p:ext>
+    </p:extLst>
+  </p:cSld>
+  <p:clrMapOvr>
+    <a:masterClrMapping/>
+  </p:clrMapOvr>
+</p:notes>
+</file>
+
+<file path=ppt/notesSlides/notesSlide18.xml><?xml version="1.0" encoding="utf-8"?>
+<p:notes xmlns:a="http://schemas.openxmlformats.org/drawingml/2006/main" xmlns:r="http://schemas.openxmlformats.org/officeDocument/2006/relationships" xmlns:p="http://schemas.openxmlformats.org/presentationml/2006/main">
+  <p:cSld>
+    <p:spTree>
+      <p:nvGrpSpPr>
+        <p:cNvPr id="1" name=""/>
+        <p:cNvGrpSpPr/>
+        <p:nvPr/>
+      </p:nvGrpSpPr>
+      <p:grpSpPr>
+        <a:xfrm>
+          <a:off x="0" y="0"/>
+          <a:ext cx="0" cy="0"/>
+          <a:chOff x="0" y="0"/>
+          <a:chExt cx="0" cy="0"/>
+        </a:xfrm>
+      </p:grpSpPr>
+      <p:sp>
+        <p:nvSpPr>
+          <p:cNvPr id="2" name="Slide Image Placeholder 1"/>
+          <p:cNvSpPr>
+            <a:spLocks noGrp="1" noRot="1" noChangeAspect="1"/>
+          </p:cNvSpPr>
+          <p:nvPr>
+            <p:ph type="sldImg"/>
+          </p:nvPr>
+        </p:nvSpPr>
+        <p:spPr/>
+      </p:sp>
+      <p:sp>
+        <p:nvSpPr>
+          <p:cNvPr id="3" name="Notes Placeholder 2"/>
+          <p:cNvSpPr>
+            <a:spLocks noGrp="1"/>
+          </p:cNvSpPr>
+          <p:nvPr>
+            <p:ph type="body" idx="1"/>
+          </p:nvPr>
+        </p:nvSpPr>
+        <p:spPr/>
+        <p:txBody>
+          <a:bodyPr/>
+          <a:lstStyle/>
+          <a:p>
+            <a:r>
+              <a:rPr lang="en-US" dirty="0"/>
+              <a:t>As backup slide.</a:t>
+            </a:r>
+          </a:p>
+        </p:txBody>
+      </p:sp>
+      <p:sp>
+        <p:nvSpPr>
+          <p:cNvPr id="4" name="Slide Number Placeholder 3"/>
+          <p:cNvSpPr>
+            <a:spLocks noGrp="1"/>
+          </p:cNvSpPr>
+          <p:nvPr>
+            <p:ph type="sldNum" sz="quarter" idx="5"/>
+          </p:nvPr>
+        </p:nvSpPr>
+        <p:spPr/>
+        <p:txBody>
+          <a:bodyPr/>
+          <a:lstStyle/>
+          <a:p>
+            <a:fld id="{180B0F4F-C4CA-F945-8BD8-C2A10415F31A}" type="slidenum">
+              <a:rPr lang="en-US" smtClean="0"/>
+              <a:t>44</a:t>
+            </a:fld>
+            <a:endParaRPr lang="en-US"/>
+          </a:p>
+        </p:txBody>
+      </p:sp>
+    </p:spTree>
+    <p:extLst>
+      <p:ext uri="{BB962C8B-B14F-4D97-AF65-F5344CB8AC3E}">
+        <p14:creationId xmlns:p14="http://schemas.microsoft.com/office/powerpoint/2010/main" val="819162960"/>
+      </p:ext>
+    </p:extLst>
+  </p:cSld>
+  <p:clrMapOvr>
+    <a:masterClrMapping/>
+  </p:clrMapOvr>
+</p:notes>
+</file>
+
+<file path=ppt/notesSlides/notesSlide19.xml><?xml version="1.0" encoding="utf-8"?>
+<p:notes xmlns:a="http://schemas.openxmlformats.org/drawingml/2006/main" xmlns:r="http://schemas.openxmlformats.org/officeDocument/2006/relationships" xmlns:p="http://schemas.openxmlformats.org/presentationml/2006/main">
+  <p:cSld>
+    <p:spTree>
+      <p:nvGrpSpPr>
+        <p:cNvPr id="1" name=""/>
+        <p:cNvGrpSpPr/>
+        <p:nvPr/>
+      </p:nvGrpSpPr>
+      <p:grpSpPr>
+        <a:xfrm>
+          <a:off x="0" y="0"/>
+          <a:ext cx="0" cy="0"/>
+          <a:chOff x="0" y="0"/>
+          <a:chExt cx="0" cy="0"/>
+        </a:xfrm>
+      </p:grpSpPr>
+      <p:sp>
+        <p:nvSpPr>
+          <p:cNvPr id="2" name="Slide Image Placeholder 1"/>
+          <p:cNvSpPr>
+            <a:spLocks noGrp="1" noRot="1" noChangeAspect="1"/>
+          </p:cNvSpPr>
+          <p:nvPr>
+            <p:ph type="sldImg"/>
+          </p:nvPr>
+        </p:nvSpPr>
+        <p:spPr/>
+      </p:sp>
+      <p:sp>
+        <p:nvSpPr>
+          <p:cNvPr id="3" name="Notes Placeholder 2"/>
+          <p:cNvSpPr>
+            <a:spLocks noGrp="1"/>
+          </p:cNvSpPr>
+          <p:nvPr>
+            <p:ph type="body" idx="1"/>
+          </p:nvPr>
+        </p:nvSpPr>
+        <p:spPr/>
+        <p:txBody>
+          <a:bodyPr/>
+          <a:lstStyle/>
+          <a:p>
+            <a:r>
+              <a:rPr lang="en-US" dirty="0"/>
+              <a:t>It might want to defrag / compress page tables </a:t>
+            </a:r>
+          </a:p>
+          <a:p>
+            <a:r>
+              <a:rPr lang="en-US" dirty="0"/>
+              <a:t>changes internal page-tables would violate</a:t>
+            </a:r>
+          </a:p>
+        </p:txBody>
+      </p:sp>
+      <p:sp>
+        <p:nvSpPr>
+          <p:cNvPr id="4" name="Slide Number Placeholder 3"/>
+          <p:cNvSpPr>
+            <a:spLocks noGrp="1"/>
+          </p:cNvSpPr>
+          <p:nvPr>
+            <p:ph type="sldNum" sz="quarter" idx="5"/>
+          </p:nvPr>
+        </p:nvSpPr>
+        <p:spPr/>
+        <p:txBody>
+          <a:bodyPr/>
+          <a:lstStyle/>
+          <a:p>
+            <a:fld id="{180B0F4F-C4CA-F945-8BD8-C2A10415F31A}" type="slidenum">
+              <a:rPr lang="en-US" smtClean="0"/>
+              <a:t>45</a:t>
             </a:fld>
             <a:endParaRPr lang="en-US"/>
           </a:p>
@@ -969,6 +1488,95 @@
           <a:bodyPr/>
           <a:lstStyle/>
           <a:p>
+            <a:r>
+              <a:rPr lang="en-US" dirty="0">
+                <a:solidFill>
+                  <a:srgbClr val="FF0000"/>
+                </a:solidFill>
+              </a:rPr>
+              <a:t>Basically bringing math (so to say proofs) reasoning to convince yourself on the correctness of the programs </a:t>
+            </a:r>
+          </a:p>
+          <a:p>
+            <a:pPr lvl="1"/>
+            <a:r>
+              <a:rPr lang="en-US" dirty="0">
+                <a:solidFill>
+                  <a:srgbClr val="FF0000"/>
+                </a:solidFill>
+              </a:rPr>
+              <a:t>Tools to do – Logic Program logic, the most famous one Hoare</a:t>
+            </a:r>
+          </a:p>
+          <a:p>
+            <a:r>
+              <a:rPr lang="en-US" dirty="0">
+                <a:solidFill>
+                  <a:srgbClr val="FF0000"/>
+                </a:solidFill>
+              </a:rPr>
+              <a:t>Put </a:t>
+            </a:r>
+            <a:r>
+              <a:rPr lang="en-US" dirty="0" err="1">
+                <a:solidFill>
+                  <a:srgbClr val="FF0000"/>
+                </a:solidFill>
+              </a:rPr>
+              <a:t>hoare</a:t>
+            </a:r>
+            <a:r>
+              <a:rPr lang="en-US" dirty="0">
+                <a:solidFill>
+                  <a:srgbClr val="FF0000"/>
+                </a:solidFill>
+              </a:rPr>
+              <a:t> triple here and explain it simply and give one more</a:t>
+            </a:r>
+          </a:p>
+          <a:p>
+            <a:r>
+              <a:rPr lang="en-US" dirty="0">
+                <a:solidFill>
+                  <a:srgbClr val="FF0000"/>
+                </a:solidFill>
+              </a:rPr>
+              <a:t>explain -- while explaining just mention what a program state is (physical resources tbt a program </a:t>
+            </a:r>
+            <a:r>
+              <a:rPr lang="en-US" dirty="0" err="1">
+                <a:solidFill>
+                  <a:srgbClr val="FF0000"/>
+                </a:solidFill>
+              </a:rPr>
+              <a:t>utilizez</a:t>
+            </a:r>
+            <a:r>
+              <a:rPr lang="en-US" dirty="0">
+                <a:solidFill>
+                  <a:srgbClr val="FF0000"/>
+                </a:solidFill>
+              </a:rPr>
+              <a:t> – memory disk caches </a:t>
+            </a:r>
+            <a:r>
+              <a:rPr lang="en-US" dirty="0" err="1">
+                <a:solidFill>
+                  <a:srgbClr val="FF0000"/>
+                </a:solidFill>
+              </a:rPr>
+              <a:t>etc</a:t>
+            </a:r>
+            <a:r>
+              <a:rPr lang="en-US" dirty="0">
+                <a:solidFill>
+                  <a:srgbClr val="FF0000"/>
+                </a:solidFill>
+              </a:rPr>
+              <a:t>)</a:t>
+            </a:r>
+          </a:p>
+          <a:p>
             <a:endParaRPr lang="en-US" dirty="0"/>
           </a:p>
         </p:txBody>
@@ -990,7 +1598,7 @@
           <a:p>
             <a:fld id="{180B0F4F-C4CA-F945-8BD8-C2A10415F31A}" type="slidenum">
               <a:rPr lang="en-US" smtClean="0"/>
-              <a:t>9</a:t>
+              <a:t>3</a:t>
             </a:fld>
             <a:endParaRPr lang="en-US"/>
           </a:p>
@@ -999,7 +1607,7 @@
     </p:spTree>
     <p:extLst>
       <p:ext uri="{BB962C8B-B14F-4D97-AF65-F5344CB8AC3E}">
-        <p14:creationId xmlns:p14="http://schemas.microsoft.com/office/powerpoint/2010/main" val="2791394585"/>
+        <p14:creationId xmlns:p14="http://schemas.microsoft.com/office/powerpoint/2010/main" val="3204955603"/>
       </p:ext>
     </p:extLst>
   </p:cSld>
@@ -1053,7 +1661,52 @@
           <a:bodyPr/>
           <a:lstStyle/>
           <a:p>
-            <a:endParaRPr lang="en-US"/>
+            <a:r>
+              <a:rPr lang="en-US" dirty="0" err="1"/>
+              <a:t>Oses</a:t>
+            </a:r>
+            <a:r>
+              <a:rPr lang="en-US" dirty="0"/>
+              <a:t> are important </a:t>
+            </a:r>
+          </a:p>
+          <a:p>
+            <a:r>
+              <a:rPr lang="en-US" dirty="0"/>
+              <a:t>Speaking to the device</a:t>
+            </a:r>
+          </a:p>
+          <a:p>
+            <a:endParaRPr lang="en-US" dirty="0"/>
+          </a:p>
+          <a:p>
+            <a:r>
+              <a:rPr lang="en-US" dirty="0"/>
+              <a:t>Pretty much everything relies on it</a:t>
+            </a:r>
+          </a:p>
+          <a:p>
+            <a:r>
+              <a:rPr lang="en-US" dirty="0"/>
+              <a:t>What are the samples? Long history of attempts to get – microkernel verification examples</a:t>
+            </a:r>
+          </a:p>
+          <a:p>
+            <a:r>
+              <a:rPr lang="en-US" dirty="0"/>
+              <a:t>--- still based on a lot assumptions, not general purpose microkernels – so can run a lot of stuff on the </a:t>
+            </a:r>
+            <a:r>
+              <a:rPr lang="en-US" dirty="0" err="1"/>
+              <a:t>userspace</a:t>
+            </a:r>
+            <a:endParaRPr lang="en-US" dirty="0"/>
+          </a:p>
+          <a:p>
+            <a:r>
+              <a:rPr lang="en-US" dirty="0"/>
+              <a:t>-- In this thesis we focus on principles for relatively ignored p– and what we think as important </a:t>
+            </a:r>
           </a:p>
         </p:txBody>
       </p:sp>
@@ -1074,7 +1727,7 @@
           <a:p>
             <a:fld id="{180B0F4F-C4CA-F945-8BD8-C2A10415F31A}" type="slidenum">
               <a:rPr lang="en-US" smtClean="0"/>
-              <a:t>10</a:t>
+              <a:t>4</a:t>
             </a:fld>
             <a:endParaRPr lang="en-US"/>
           </a:p>
@@ -1083,7 +1736,7 @@
     </p:spTree>
     <p:extLst>
       <p:ext uri="{BB962C8B-B14F-4D97-AF65-F5344CB8AC3E}">
-        <p14:creationId xmlns:p14="http://schemas.microsoft.com/office/powerpoint/2010/main" val="4175223098"/>
+        <p14:creationId xmlns:p14="http://schemas.microsoft.com/office/powerpoint/2010/main" val="3011786587"/>
       </p:ext>
     </p:extLst>
   </p:cSld>
@@ -1137,6 +1790,36 @@
           <a:bodyPr/>
           <a:lstStyle/>
           <a:p>
+            <a:r>
+              <a:rPr lang="en-US" dirty="0">
+                <a:solidFill>
+                  <a:srgbClr val="FF0000"/>
+                </a:solidFill>
+              </a:rPr>
+              <a:t>Put a general importance sentence</a:t>
+            </a:r>
+          </a:p>
+          <a:p>
+            <a:r>
+              <a:rPr lang="en-US" dirty="0">
+                <a:solidFill>
+                  <a:srgbClr val="FF0000"/>
+                </a:solidFill>
+              </a:rPr>
+              <a:t>What is systems software why it is more important</a:t>
+            </a:r>
+          </a:p>
+          <a:p>
+            <a:r>
+              <a:rPr lang="en-US" dirty="0">
+                <a:solidFill>
+                  <a:srgbClr val="FF0000"/>
+                </a:solidFill>
+              </a:rPr>
+              <a:t>A famous one OS KERNEL</a:t>
+            </a:r>
+          </a:p>
+          <a:p>
             <a:endParaRPr lang="en-US" dirty="0"/>
           </a:p>
         </p:txBody>
@@ -1158,7 +1841,7 @@
           <a:p>
             <a:fld id="{180B0F4F-C4CA-F945-8BD8-C2A10415F31A}" type="slidenum">
               <a:rPr lang="en-US" smtClean="0"/>
-              <a:t>11</a:t>
+              <a:t>5</a:t>
             </a:fld>
             <a:endParaRPr lang="en-US"/>
           </a:p>
@@ -1167,7 +1850,7 @@
     </p:spTree>
     <p:extLst>
       <p:ext uri="{BB962C8B-B14F-4D97-AF65-F5344CB8AC3E}">
-        <p14:creationId xmlns:p14="http://schemas.microsoft.com/office/powerpoint/2010/main" val="2075521826"/>
+        <p14:creationId xmlns:p14="http://schemas.microsoft.com/office/powerpoint/2010/main" val="232213502"/>
       </p:ext>
     </p:extLst>
   </p:cSld>
@@ -1221,7 +1904,37 @@
           <a:bodyPr/>
           <a:lstStyle/>
           <a:p>
-            <a:endParaRPr lang="en-US"/>
+            <a:r>
+              <a:rPr lang="en-US" dirty="0">
+                <a:solidFill>
+                  <a:srgbClr val="FF0000"/>
+                </a:solidFill>
+              </a:rPr>
+              <a:t>A logic of resources obtained by a proper treatment on the Hoare Logic</a:t>
+            </a:r>
+          </a:p>
+          <a:p>
+            <a:r>
+              <a:rPr lang="en-US" dirty="0">
+                <a:solidFill>
+                  <a:srgbClr val="FF0000"/>
+                </a:solidFill>
+              </a:rPr>
+              <a:t>What I mean by treatment is basically introducing logical operators and proof rules that allows enforcing proper usage of resource, in its very raw form complete separation (isolation) </a:t>
+            </a:r>
+          </a:p>
+          <a:p>
+            <a:r>
+              <a:rPr lang="en-US" dirty="0">
+                <a:solidFill>
+                  <a:srgbClr val="FF0000"/>
+                </a:solidFill>
+              </a:rPr>
+              <a:t> Here we see the most famous rule frame rule utilizing a logical operator called separation conj. </a:t>
+            </a:r>
+          </a:p>
+          <a:p>
+            <a:endParaRPr lang="en-US" dirty="0"/>
           </a:p>
         </p:txBody>
       </p:sp>
@@ -1242,7 +1955,7 @@
           <a:p>
             <a:fld id="{180B0F4F-C4CA-F945-8BD8-C2A10415F31A}" type="slidenum">
               <a:rPr lang="en-US" smtClean="0"/>
-              <a:t>12</a:t>
+              <a:t>6</a:t>
             </a:fld>
             <a:endParaRPr lang="en-US"/>
           </a:p>
@@ -1251,7 +1964,7 @@
     </p:spTree>
     <p:extLst>
       <p:ext uri="{BB962C8B-B14F-4D97-AF65-F5344CB8AC3E}">
-        <p14:creationId xmlns:p14="http://schemas.microsoft.com/office/powerpoint/2010/main" val="1471488681"/>
+        <p14:creationId xmlns:p14="http://schemas.microsoft.com/office/powerpoint/2010/main" val="1826190658"/>
       </p:ext>
     </p:extLst>
   </p:cSld>
@@ -1305,7 +2018,10 @@
           <a:bodyPr/>
           <a:lstStyle/>
           <a:p>
-            <a:endParaRPr lang="en-US"/>
+            <a:r>
+              <a:rPr lang="en-US" dirty="0"/>
+              <a:t>components that had to be plumbed through all parts of the proof — even portions that were mostly thread-local. So work started to explore embedding the elements of interference control as resources within separation logic assertions.</a:t>
+            </a:r>
           </a:p>
         </p:txBody>
       </p:sp>
@@ -1326,7 +2042,7 @@
           <a:p>
             <a:fld id="{180B0F4F-C4CA-F945-8BD8-C2A10415F31A}" type="slidenum">
               <a:rPr lang="en-US" smtClean="0"/>
-              <a:t>14</a:t>
+              <a:t>7</a:t>
             </a:fld>
             <a:endParaRPr lang="en-US"/>
           </a:p>
@@ -1335,7 +2051,7 @@
     </p:spTree>
     <p:extLst>
       <p:ext uri="{BB962C8B-B14F-4D97-AF65-F5344CB8AC3E}">
-        <p14:creationId xmlns:p14="http://schemas.microsoft.com/office/powerpoint/2010/main" val="2207898864"/>
+        <p14:creationId xmlns:p14="http://schemas.microsoft.com/office/powerpoint/2010/main" val="2188401786"/>
       </p:ext>
     </p:extLst>
   </p:cSld>
@@ -1389,6 +2105,32 @@
           <a:bodyPr/>
           <a:lstStyle/>
           <a:p>
+            <a:r>
+              <a:rPr lang="en-US" dirty="0"/>
+              <a:t>Generalization on the notion of resource – with partial commutative monoids (PCM)s</a:t>
+            </a:r>
+          </a:p>
+          <a:p>
+            <a:pPr lvl="1"/>
+            <a:r>
+              <a:rPr lang="en-US" dirty="0"/>
+              <a:t>This allows us to construct any resource that help us to reasoning </a:t>
+            </a:r>
+          </a:p>
+          <a:p>
+            <a:pPr lvl="1"/>
+            <a:r>
+              <a:rPr lang="en-US" dirty="0"/>
+              <a:t>Iris is the frame work that allow us to obtain, we define abstract protocols defining how two different accesses are regulated into a resource </a:t>
+            </a:r>
+          </a:p>
+          <a:p>
+            <a:r>
+              <a:rPr lang="en-US" dirty="0"/>
+              <a:t>The second mechanism invariants </a:t>
+            </a:r>
+          </a:p>
+          <a:p>
             <a:endParaRPr lang="en-US" dirty="0"/>
           </a:p>
         </p:txBody>
@@ -1410,7 +2152,7 @@
           <a:p>
             <a:fld id="{180B0F4F-C4CA-F945-8BD8-C2A10415F31A}" type="slidenum">
               <a:rPr lang="en-US" smtClean="0"/>
-              <a:t>15</a:t>
+              <a:t>8</a:t>
             </a:fld>
             <a:endParaRPr lang="en-US"/>
           </a:p>
@@ -1419,7 +2161,7 @@
     </p:spTree>
     <p:extLst>
       <p:ext uri="{BB962C8B-B14F-4D97-AF65-F5344CB8AC3E}">
-        <p14:creationId xmlns:p14="http://schemas.microsoft.com/office/powerpoint/2010/main" val="1977058663"/>
+        <p14:creationId xmlns:p14="http://schemas.microsoft.com/office/powerpoint/2010/main" val="3423690287"/>
       </p:ext>
     </p:extLst>
   </p:cSld>
@@ -1473,7 +2215,7 @@
           <a:bodyPr/>
           <a:lstStyle/>
           <a:p>
-            <a:endParaRPr lang="en-US"/>
+            <a:endParaRPr lang="en-US" dirty="0"/>
           </a:p>
         </p:txBody>
       </p:sp>
@@ -1494,7 +2236,7 @@
           <a:p>
             <a:fld id="{180B0F4F-C4CA-F945-8BD8-C2A10415F31A}" type="slidenum">
               <a:rPr lang="en-US" smtClean="0"/>
-              <a:t>16</a:t>
+              <a:t>17</a:t>
             </a:fld>
             <a:endParaRPr lang="en-US"/>
           </a:p>
@@ -1503,7 +2245,7 @@
     </p:spTree>
     <p:extLst>
       <p:ext uri="{BB962C8B-B14F-4D97-AF65-F5344CB8AC3E}">
-        <p14:creationId xmlns:p14="http://schemas.microsoft.com/office/powerpoint/2010/main" val="1305491200"/>
+        <p14:creationId xmlns:p14="http://schemas.microsoft.com/office/powerpoint/2010/main" val="2791394585"/>
       </p:ext>
     </p:extLst>
   </p:cSld>
@@ -1557,7 +2299,7 @@
           <a:bodyPr/>
           <a:lstStyle/>
           <a:p>
-            <a:endParaRPr lang="en-US" dirty="0"/>
+            <a:endParaRPr lang="en-US"/>
           </a:p>
         </p:txBody>
       </p:sp>
@@ -1587,7 +2329,7 @@
     </p:spTree>
     <p:extLst>
       <p:ext uri="{BB962C8B-B14F-4D97-AF65-F5344CB8AC3E}">
-        <p14:creationId xmlns:p14="http://schemas.microsoft.com/office/powerpoint/2010/main" val="2295082353"/>
+        <p14:creationId xmlns:p14="http://schemas.microsoft.com/office/powerpoint/2010/main" val="4175223098"/>
       </p:ext>
     </p:extLst>
   </p:cSld>
@@ -4896,6 +5638,1183 @@
 </file>
 
 <file path=ppt/slides/slide10.xml><?xml version="1.0" encoding="utf-8"?>
+<p:sld xmlns:a="http://schemas.openxmlformats.org/drawingml/2006/main" xmlns:r="http://schemas.openxmlformats.org/officeDocument/2006/relationships" xmlns:p="http://schemas.openxmlformats.org/presentationml/2006/main">
+  <p:cSld>
+    <p:spTree>
+      <p:nvGrpSpPr>
+        <p:cNvPr id="1" name=""/>
+        <p:cNvGrpSpPr/>
+        <p:nvPr/>
+      </p:nvGrpSpPr>
+      <p:grpSpPr>
+        <a:xfrm>
+          <a:off x="0" y="0"/>
+          <a:ext cx="0" cy="0"/>
+          <a:chOff x="0" y="0"/>
+          <a:chExt cx="0" cy="0"/>
+        </a:xfrm>
+      </p:grpSpPr>
+      <p:sp>
+        <p:nvSpPr>
+          <p:cNvPr id="2" name="Title 1">
+            <a:extLst>
+              <a:ext uri="{FF2B5EF4-FFF2-40B4-BE49-F238E27FC236}">
+                <a16:creationId xmlns:a16="http://schemas.microsoft.com/office/drawing/2014/main" id="{DF830A81-FF36-A76E-5825-EB785B3A0B35}"/>
+              </a:ext>
+            </a:extLst>
+          </p:cNvPr>
+          <p:cNvSpPr>
+            <a:spLocks noGrp="1"/>
+          </p:cNvSpPr>
+          <p:nvPr>
+            <p:ph type="title"/>
+          </p:nvPr>
+        </p:nvSpPr>
+        <p:spPr/>
+        <p:txBody>
+          <a:bodyPr/>
+          <a:lstStyle/>
+          <a:p>
+            <a:r>
+              <a:rPr lang="en-US" dirty="0"/>
+              <a:t>Separation Logic: Invariants and more</a:t>
+            </a:r>
+          </a:p>
+        </p:txBody>
+      </p:sp>
+      <p:sp>
+        <p:nvSpPr>
+          <p:cNvPr id="3" name="Content Placeholder 2">
+            <a:extLst>
+              <a:ext uri="{FF2B5EF4-FFF2-40B4-BE49-F238E27FC236}">
+                <a16:creationId xmlns:a16="http://schemas.microsoft.com/office/drawing/2014/main" id="{C673F07C-0B49-1BF6-DFDA-3D218416FB4D}"/>
+              </a:ext>
+            </a:extLst>
+          </p:cNvPr>
+          <p:cNvSpPr>
+            <a:spLocks noGrp="1"/>
+          </p:cNvSpPr>
+          <p:nvPr>
+            <p:ph idx="1"/>
+          </p:nvPr>
+        </p:nvSpPr>
+        <p:spPr/>
+        <p:txBody>
+          <a:bodyPr/>
+          <a:lstStyle/>
+          <a:p>
+            <a:endParaRPr lang="en-US"/>
+          </a:p>
+        </p:txBody>
+      </p:sp>
+    </p:spTree>
+    <p:extLst>
+      <p:ext uri="{BB962C8B-B14F-4D97-AF65-F5344CB8AC3E}">
+        <p14:creationId xmlns:p14="http://schemas.microsoft.com/office/powerpoint/2010/main" val="2068518749"/>
+      </p:ext>
+    </p:extLst>
+  </p:cSld>
+  <p:clrMapOvr>
+    <a:masterClrMapping/>
+  </p:clrMapOvr>
+</p:sld>
+</file>
+
+<file path=ppt/slides/slide11.xml><?xml version="1.0" encoding="utf-8"?>
+<p:sld xmlns:a="http://schemas.openxmlformats.org/drawingml/2006/main" xmlns:r="http://schemas.openxmlformats.org/officeDocument/2006/relationships" xmlns:p="http://schemas.openxmlformats.org/presentationml/2006/main">
+  <p:cSld>
+    <p:spTree>
+      <p:nvGrpSpPr>
+        <p:cNvPr id="1" name=""/>
+        <p:cNvGrpSpPr/>
+        <p:nvPr/>
+      </p:nvGrpSpPr>
+      <p:grpSpPr>
+        <a:xfrm>
+          <a:off x="0" y="0"/>
+          <a:ext cx="0" cy="0"/>
+          <a:chOff x="0" y="0"/>
+          <a:chExt cx="0" cy="0"/>
+        </a:xfrm>
+      </p:grpSpPr>
+      <p:sp>
+        <p:nvSpPr>
+          <p:cNvPr id="2" name="Title 1">
+            <a:extLst>
+              <a:ext uri="{FF2B5EF4-FFF2-40B4-BE49-F238E27FC236}">
+                <a16:creationId xmlns:a16="http://schemas.microsoft.com/office/drawing/2014/main" id="{2CC732FF-B4A8-7E52-65D3-018E5B5EF348}"/>
+              </a:ext>
+            </a:extLst>
+          </p:cNvPr>
+          <p:cNvSpPr>
+            <a:spLocks noGrp="1"/>
+          </p:cNvSpPr>
+          <p:nvPr>
+            <p:ph type="title"/>
+          </p:nvPr>
+        </p:nvSpPr>
+        <p:spPr/>
+        <p:txBody>
+          <a:bodyPr/>
+          <a:lstStyle/>
+          <a:p>
+            <a:r>
+              <a:rPr lang="en-US" dirty="0"/>
+              <a:t>Modal Logic: Contingency</a:t>
+            </a:r>
+          </a:p>
+        </p:txBody>
+      </p:sp>
+      <p:sp>
+        <p:nvSpPr>
+          <p:cNvPr id="3" name="Content Placeholder 2">
+            <a:extLst>
+              <a:ext uri="{FF2B5EF4-FFF2-40B4-BE49-F238E27FC236}">
+                <a16:creationId xmlns:a16="http://schemas.microsoft.com/office/drawing/2014/main" id="{C82F847F-F6D7-916A-E5A2-871AECF1F1B0}"/>
+              </a:ext>
+            </a:extLst>
+          </p:cNvPr>
+          <p:cNvSpPr>
+            <a:spLocks noGrp="1"/>
+          </p:cNvSpPr>
+          <p:nvPr>
+            <p:ph idx="1"/>
+          </p:nvPr>
+        </p:nvSpPr>
+        <p:spPr/>
+        <p:txBody>
+          <a:bodyPr/>
+          <a:lstStyle/>
+          <a:p>
+            <a:r>
+              <a:rPr lang="en-US" dirty="0">
+                <a:solidFill>
+                  <a:srgbClr val="FF0000"/>
+                </a:solidFill>
+              </a:rPr>
+              <a:t>Contingency</a:t>
+            </a:r>
+          </a:p>
+          <a:p>
+            <a:r>
+              <a:rPr lang="en-US" dirty="0">
+                <a:solidFill>
+                  <a:srgbClr val="FF0000"/>
+                </a:solidFill>
+              </a:rPr>
+              <a:t>The modals we are interested in this paper are shaped around </a:t>
+            </a:r>
+          </a:p>
+          <a:p>
+            <a:pPr lvl="1"/>
+            <a:r>
+              <a:rPr lang="en-US" dirty="0">
+                <a:solidFill>
+                  <a:srgbClr val="FF0000"/>
+                </a:solidFill>
+              </a:rPr>
+              <a:t>Hybrid logic style understanding of </a:t>
+            </a:r>
+          </a:p>
+          <a:p>
+            <a:pPr lvl="2"/>
+            <a:r>
+              <a:rPr lang="en-US" dirty="0">
+                <a:solidFill>
+                  <a:srgbClr val="FF0000"/>
+                </a:solidFill>
+              </a:rPr>
+              <a:t>[] satisfaction </a:t>
+            </a:r>
+            <a:r>
+              <a:rPr lang="en-US" dirty="0" err="1">
+                <a:solidFill>
+                  <a:srgbClr val="FF0000"/>
+                </a:solidFill>
+              </a:rPr>
+              <a:t>operatos</a:t>
+            </a:r>
+            <a:endParaRPr lang="en-US" dirty="0">
+              <a:solidFill>
+                <a:srgbClr val="FF0000"/>
+              </a:solidFill>
+            </a:endParaRPr>
+          </a:p>
+          <a:p>
+            <a:pPr lvl="3"/>
+            <a:r>
+              <a:rPr lang="en-US" dirty="0">
+                <a:solidFill>
+                  <a:srgbClr val="FF0000"/>
+                </a:solidFill>
+              </a:rPr>
+              <a:t>Unknown of other world</a:t>
+            </a:r>
+          </a:p>
+          <a:p>
+            <a:pPr lvl="2"/>
+            <a:r>
+              <a:rPr lang="en-US" dirty="0">
+                <a:solidFill>
+                  <a:srgbClr val="FF0000"/>
+                </a:solidFill>
+              </a:rPr>
+              <a:t>Interpreting </a:t>
+            </a:r>
+            <a:r>
+              <a:rPr lang="en-US" dirty="0" err="1">
+                <a:solidFill>
+                  <a:srgbClr val="FF0000"/>
+                </a:solidFill>
+              </a:rPr>
+              <a:t>Kripke</a:t>
+            </a:r>
+            <a:r>
+              <a:rPr lang="en-US" dirty="0">
+                <a:solidFill>
+                  <a:srgbClr val="FF0000"/>
+                </a:solidFill>
+              </a:rPr>
+              <a:t> models as </a:t>
+            </a:r>
+            <a:r>
+              <a:rPr lang="en-US" dirty="0" err="1">
+                <a:solidFill>
+                  <a:srgbClr val="FF0000"/>
+                </a:solidFill>
+              </a:rPr>
+              <a:t>stses</a:t>
+            </a:r>
+            <a:endParaRPr lang="en-US" dirty="0">
+              <a:solidFill>
+                <a:srgbClr val="FF0000"/>
+              </a:solidFill>
+            </a:endParaRPr>
+          </a:p>
+          <a:p>
+            <a:pPr lvl="3"/>
+            <a:r>
+              <a:rPr lang="en-US" dirty="0">
+                <a:solidFill>
+                  <a:srgbClr val="FF0000"/>
+                </a:solidFill>
+              </a:rPr>
+              <a:t>Multiple generated </a:t>
+            </a:r>
+            <a:r>
+              <a:rPr lang="en-US" dirty="0" err="1">
+                <a:solidFill>
+                  <a:srgbClr val="FF0000"/>
+                </a:solidFill>
+              </a:rPr>
+              <a:t>submodels</a:t>
+            </a:r>
+            <a:r>
+              <a:rPr lang="en-US" dirty="0">
+                <a:solidFill>
+                  <a:srgbClr val="FF0000"/>
+                </a:solidFill>
+              </a:rPr>
+              <a:t> </a:t>
+            </a:r>
+          </a:p>
+        </p:txBody>
+      </p:sp>
+    </p:spTree>
+    <p:extLst>
+      <p:ext uri="{BB962C8B-B14F-4D97-AF65-F5344CB8AC3E}">
+        <p14:creationId xmlns:p14="http://schemas.microsoft.com/office/powerpoint/2010/main" val="310425019"/>
+      </p:ext>
+    </p:extLst>
+  </p:cSld>
+  <p:clrMapOvr>
+    <a:masterClrMapping/>
+  </p:clrMapOvr>
+</p:sld>
+</file>
+
+<file path=ppt/slides/slide12.xml><?xml version="1.0" encoding="utf-8"?>
+<p:sld xmlns:a="http://schemas.openxmlformats.org/drawingml/2006/main" xmlns:r="http://schemas.openxmlformats.org/officeDocument/2006/relationships" xmlns:p="http://schemas.openxmlformats.org/presentationml/2006/main">
+  <p:cSld>
+    <p:spTree>
+      <p:nvGrpSpPr>
+        <p:cNvPr id="1" name=""/>
+        <p:cNvGrpSpPr/>
+        <p:nvPr/>
+      </p:nvGrpSpPr>
+      <p:grpSpPr>
+        <a:xfrm>
+          <a:off x="0" y="0"/>
+          <a:ext cx="0" cy="0"/>
+          <a:chOff x="0" y="0"/>
+          <a:chExt cx="0" cy="0"/>
+        </a:xfrm>
+      </p:grpSpPr>
+      <p:sp>
+        <p:nvSpPr>
+          <p:cNvPr id="2" name="Title 1">
+            <a:extLst>
+              <a:ext uri="{FF2B5EF4-FFF2-40B4-BE49-F238E27FC236}">
+                <a16:creationId xmlns:a16="http://schemas.microsoft.com/office/drawing/2014/main" id="{3317E965-FDCC-5723-1C3B-134E7A3D4F5C}"/>
+              </a:ext>
+            </a:extLst>
+          </p:cNvPr>
+          <p:cNvSpPr>
+            <a:spLocks noGrp="1"/>
+          </p:cNvSpPr>
+          <p:nvPr>
+            <p:ph type="title"/>
+          </p:nvPr>
+        </p:nvSpPr>
+        <p:spPr/>
+        <p:txBody>
+          <a:bodyPr/>
+          <a:lstStyle/>
+          <a:p>
+            <a:r>
+              <a:rPr lang="en-US" dirty="0"/>
+              <a:t>Modal Logic: </a:t>
+            </a:r>
+            <a:r>
+              <a:rPr lang="en-US" dirty="0" err="1"/>
+              <a:t>Kripke</a:t>
+            </a:r>
+            <a:r>
+              <a:rPr lang="en-US" dirty="0"/>
+              <a:t> Models</a:t>
+            </a:r>
+          </a:p>
+        </p:txBody>
+      </p:sp>
+      <p:sp>
+        <p:nvSpPr>
+          <p:cNvPr id="3" name="Content Placeholder 2">
+            <a:extLst>
+              <a:ext uri="{FF2B5EF4-FFF2-40B4-BE49-F238E27FC236}">
+                <a16:creationId xmlns:a16="http://schemas.microsoft.com/office/drawing/2014/main" id="{5C5D67A9-79B1-9016-EFEA-28B4633CC125}"/>
+              </a:ext>
+            </a:extLst>
+          </p:cNvPr>
+          <p:cNvSpPr>
+            <a:spLocks noGrp="1"/>
+          </p:cNvSpPr>
+          <p:nvPr>
+            <p:ph idx="1"/>
+          </p:nvPr>
+        </p:nvSpPr>
+        <p:spPr/>
+        <p:txBody>
+          <a:bodyPr/>
+          <a:lstStyle/>
+          <a:p>
+            <a:endParaRPr lang="en-US"/>
+          </a:p>
+        </p:txBody>
+      </p:sp>
+    </p:spTree>
+    <p:extLst>
+      <p:ext uri="{BB962C8B-B14F-4D97-AF65-F5344CB8AC3E}">
+        <p14:creationId xmlns:p14="http://schemas.microsoft.com/office/powerpoint/2010/main" val="1556793995"/>
+      </p:ext>
+    </p:extLst>
+  </p:cSld>
+  <p:clrMapOvr>
+    <a:masterClrMapping/>
+  </p:clrMapOvr>
+</p:sld>
+</file>
+
+<file path=ppt/slides/slide13.xml><?xml version="1.0" encoding="utf-8"?>
+<p:sld xmlns:a="http://schemas.openxmlformats.org/drawingml/2006/main" xmlns:r="http://schemas.openxmlformats.org/officeDocument/2006/relationships" xmlns:p="http://schemas.openxmlformats.org/presentationml/2006/main">
+  <p:cSld>
+    <p:spTree>
+      <p:nvGrpSpPr>
+        <p:cNvPr id="1" name=""/>
+        <p:cNvGrpSpPr/>
+        <p:nvPr/>
+      </p:nvGrpSpPr>
+      <p:grpSpPr>
+        <a:xfrm>
+          <a:off x="0" y="0"/>
+          <a:ext cx="0" cy="0"/>
+          <a:chOff x="0" y="0"/>
+          <a:chExt cx="0" cy="0"/>
+        </a:xfrm>
+      </p:grpSpPr>
+      <p:sp>
+        <p:nvSpPr>
+          <p:cNvPr id="2" name="Title 1">
+            <a:extLst>
+              <a:ext uri="{FF2B5EF4-FFF2-40B4-BE49-F238E27FC236}">
+                <a16:creationId xmlns:a16="http://schemas.microsoft.com/office/drawing/2014/main" id="{1A4E24CE-1F4A-3FEE-0A3D-57318C282B5B}"/>
+              </a:ext>
+            </a:extLst>
+          </p:cNvPr>
+          <p:cNvSpPr>
+            <a:spLocks noGrp="1"/>
+          </p:cNvSpPr>
+          <p:nvPr>
+            <p:ph type="title"/>
+          </p:nvPr>
+        </p:nvSpPr>
+        <p:spPr/>
+        <p:txBody>
+          <a:bodyPr/>
+          <a:lstStyle/>
+          <a:p>
+            <a:r>
+              <a:rPr lang="en-US" dirty="0"/>
+              <a:t>Generated (Sub)Models</a:t>
+            </a:r>
+          </a:p>
+        </p:txBody>
+      </p:sp>
+      <p:sp>
+        <p:nvSpPr>
+          <p:cNvPr id="3" name="Content Placeholder 2">
+            <a:extLst>
+              <a:ext uri="{FF2B5EF4-FFF2-40B4-BE49-F238E27FC236}">
+                <a16:creationId xmlns:a16="http://schemas.microsoft.com/office/drawing/2014/main" id="{A8207FBB-7EBD-7136-52E1-05030488E16F}"/>
+              </a:ext>
+            </a:extLst>
+          </p:cNvPr>
+          <p:cNvSpPr>
+            <a:spLocks noGrp="1"/>
+          </p:cNvSpPr>
+          <p:nvPr>
+            <p:ph idx="1"/>
+          </p:nvPr>
+        </p:nvSpPr>
+        <p:spPr/>
+        <p:txBody>
+          <a:bodyPr/>
+          <a:lstStyle/>
+          <a:p>
+            <a:endParaRPr lang="en-US"/>
+          </a:p>
+        </p:txBody>
+      </p:sp>
+    </p:spTree>
+    <p:extLst>
+      <p:ext uri="{BB962C8B-B14F-4D97-AF65-F5344CB8AC3E}">
+        <p14:creationId xmlns:p14="http://schemas.microsoft.com/office/powerpoint/2010/main" val="1833190168"/>
+      </p:ext>
+    </p:extLst>
+  </p:cSld>
+  <p:clrMapOvr>
+    <a:masterClrMapping/>
+  </p:clrMapOvr>
+</p:sld>
+</file>
+
+<file path=ppt/slides/slide14.xml><?xml version="1.0" encoding="utf-8"?>
+<p:sld xmlns:a="http://schemas.openxmlformats.org/drawingml/2006/main" xmlns:r="http://schemas.openxmlformats.org/officeDocument/2006/relationships" xmlns:p="http://schemas.openxmlformats.org/presentationml/2006/main">
+  <p:cSld>
+    <p:spTree>
+      <p:nvGrpSpPr>
+        <p:cNvPr id="1" name=""/>
+        <p:cNvGrpSpPr/>
+        <p:nvPr/>
+      </p:nvGrpSpPr>
+      <p:grpSpPr>
+        <a:xfrm>
+          <a:off x="0" y="0"/>
+          <a:ext cx="0" cy="0"/>
+          <a:chOff x="0" y="0"/>
+          <a:chExt cx="0" cy="0"/>
+        </a:xfrm>
+      </p:grpSpPr>
+      <p:sp>
+        <p:nvSpPr>
+          <p:cNvPr id="2" name="Title 1">
+            <a:extLst>
+              <a:ext uri="{FF2B5EF4-FFF2-40B4-BE49-F238E27FC236}">
+                <a16:creationId xmlns:a16="http://schemas.microsoft.com/office/drawing/2014/main" id="{172D8E66-FB7F-C477-E68A-D8EC21192F2E}"/>
+              </a:ext>
+            </a:extLst>
+          </p:cNvPr>
+          <p:cNvSpPr>
+            <a:spLocks noGrp="1"/>
+          </p:cNvSpPr>
+          <p:nvPr>
+            <p:ph type="title"/>
+          </p:nvPr>
+        </p:nvSpPr>
+        <p:spPr/>
+        <p:txBody>
+          <a:bodyPr/>
+          <a:lstStyle/>
+          <a:p>
+            <a:r>
+              <a:rPr lang="en-US" dirty="0" err="1"/>
+              <a:t>Bisimulation</a:t>
+            </a:r>
+            <a:r>
+              <a:rPr lang="en-US" dirty="0"/>
+              <a:t> on </a:t>
+            </a:r>
+            <a:r>
+              <a:rPr lang="en-US" dirty="0" err="1"/>
+              <a:t>Kripke</a:t>
+            </a:r>
+            <a:r>
+              <a:rPr lang="en-US" dirty="0"/>
+              <a:t> Models</a:t>
+            </a:r>
+          </a:p>
+        </p:txBody>
+      </p:sp>
+      <p:sp>
+        <p:nvSpPr>
+          <p:cNvPr id="3" name="Content Placeholder 2">
+            <a:extLst>
+              <a:ext uri="{FF2B5EF4-FFF2-40B4-BE49-F238E27FC236}">
+                <a16:creationId xmlns:a16="http://schemas.microsoft.com/office/drawing/2014/main" id="{FB0DFE53-07C3-75DE-0EFC-453A3ADE6937}"/>
+              </a:ext>
+            </a:extLst>
+          </p:cNvPr>
+          <p:cNvSpPr>
+            <a:spLocks noGrp="1"/>
+          </p:cNvSpPr>
+          <p:nvPr>
+            <p:ph idx="1"/>
+          </p:nvPr>
+        </p:nvSpPr>
+        <p:spPr/>
+        <p:txBody>
+          <a:bodyPr/>
+          <a:lstStyle/>
+          <a:p>
+            <a:endParaRPr lang="en-US"/>
+          </a:p>
+        </p:txBody>
+      </p:sp>
+    </p:spTree>
+    <p:extLst>
+      <p:ext uri="{BB962C8B-B14F-4D97-AF65-F5344CB8AC3E}">
+        <p14:creationId xmlns:p14="http://schemas.microsoft.com/office/powerpoint/2010/main" val="2396008538"/>
+      </p:ext>
+    </p:extLst>
+  </p:cSld>
+  <p:clrMapOvr>
+    <a:masterClrMapping/>
+  </p:clrMapOvr>
+</p:sld>
+</file>
+
+<file path=ppt/slides/slide15.xml><?xml version="1.0" encoding="utf-8"?>
+<p:sld xmlns:a="http://schemas.openxmlformats.org/drawingml/2006/main" xmlns:r="http://schemas.openxmlformats.org/officeDocument/2006/relationships" xmlns:p="http://schemas.openxmlformats.org/presentationml/2006/main">
+  <p:cSld>
+    <p:spTree>
+      <p:nvGrpSpPr>
+        <p:cNvPr id="1" name=""/>
+        <p:cNvGrpSpPr/>
+        <p:nvPr/>
+      </p:nvGrpSpPr>
+      <p:grpSpPr>
+        <a:xfrm>
+          <a:off x="0" y="0"/>
+          <a:ext cx="0" cy="0"/>
+          <a:chOff x="0" y="0"/>
+          <a:chExt cx="0" cy="0"/>
+        </a:xfrm>
+      </p:grpSpPr>
+      <p:sp>
+        <p:nvSpPr>
+          <p:cNvPr id="2" name="Title 1">
+            <a:extLst>
+              <a:ext uri="{FF2B5EF4-FFF2-40B4-BE49-F238E27FC236}">
+                <a16:creationId xmlns:a16="http://schemas.microsoft.com/office/drawing/2014/main" id="{F93AB455-8132-4A8E-A737-B2D84D7A21F6}"/>
+              </a:ext>
+            </a:extLst>
+          </p:cNvPr>
+          <p:cNvSpPr>
+            <a:spLocks noGrp="1"/>
+          </p:cNvSpPr>
+          <p:nvPr>
+            <p:ph type="title"/>
+          </p:nvPr>
+        </p:nvSpPr>
+        <p:spPr/>
+        <p:txBody>
+          <a:bodyPr>
+            <a:normAutofit/>
+          </a:bodyPr>
+          <a:lstStyle/>
+          <a:p>
+            <a:r>
+              <a:rPr lang="en-US" sz="7200" b="1" i="1" dirty="0"/>
+              <a:t>            Virtualization</a:t>
+            </a:r>
+          </a:p>
+        </p:txBody>
+      </p:sp>
+      <p:sp>
+        <p:nvSpPr>
+          <p:cNvPr id="3" name="Content Placeholder 2">
+            <a:extLst>
+              <a:ext uri="{FF2B5EF4-FFF2-40B4-BE49-F238E27FC236}">
+                <a16:creationId xmlns:a16="http://schemas.microsoft.com/office/drawing/2014/main" id="{3A0DAD15-51B3-CFA4-F27F-0647853C72C5}"/>
+              </a:ext>
+            </a:extLst>
+          </p:cNvPr>
+          <p:cNvSpPr>
+            <a:spLocks noGrp="1"/>
+          </p:cNvSpPr>
+          <p:nvPr>
+            <p:ph idx="1"/>
+          </p:nvPr>
+        </p:nvSpPr>
+        <p:spPr>
+          <a:xfrm>
+            <a:off x="142875" y="1825625"/>
+            <a:ext cx="11982450" cy="4351338"/>
+          </a:xfrm>
+        </p:spPr>
+        <p:txBody>
+          <a:bodyPr>
+            <a:normAutofit/>
+          </a:bodyPr>
+          <a:lstStyle/>
+          <a:p>
+            <a:pPr marL="0" indent="0">
+              <a:buNone/>
+            </a:pPr>
+            <a:r>
+              <a:rPr lang="en-US" sz="4800" dirty="0"/>
+              <a:t>		</a:t>
+            </a:r>
+          </a:p>
+          <a:p>
+            <a:pPr marL="0" indent="0">
+              <a:buNone/>
+            </a:pPr>
+            <a:r>
+              <a:rPr lang="en-US" sz="4800" dirty="0"/>
+              <a:t>	</a:t>
+            </a:r>
+          </a:p>
+          <a:p>
+            <a:pPr marL="0" indent="0">
+              <a:buNone/>
+            </a:pPr>
+            <a:r>
+              <a:rPr lang="en-US" sz="4800" dirty="0"/>
+              <a:t>Modal Understanding of Location Virtualization</a:t>
+            </a:r>
+          </a:p>
+        </p:txBody>
+      </p:sp>
+    </p:spTree>
+    <p:extLst>
+      <p:ext uri="{BB962C8B-B14F-4D97-AF65-F5344CB8AC3E}">
+        <p14:creationId xmlns:p14="http://schemas.microsoft.com/office/powerpoint/2010/main" val="3968974307"/>
+      </p:ext>
+    </p:extLst>
+  </p:cSld>
+  <p:clrMapOvr>
+    <a:masterClrMapping/>
+  </p:clrMapOvr>
+</p:sld>
+</file>
+
+<file path=ppt/slides/slide16.xml><?xml version="1.0" encoding="utf-8"?>
+<p:sld xmlns:a="http://schemas.openxmlformats.org/drawingml/2006/main" xmlns:r="http://schemas.openxmlformats.org/officeDocument/2006/relationships" xmlns:p="http://schemas.openxmlformats.org/presentationml/2006/main">
+  <p:cSld>
+    <p:spTree>
+      <p:nvGrpSpPr>
+        <p:cNvPr id="1" name=""/>
+        <p:cNvGrpSpPr/>
+        <p:nvPr/>
+      </p:nvGrpSpPr>
+      <p:grpSpPr>
+        <a:xfrm>
+          <a:off x="0" y="0"/>
+          <a:ext cx="0" cy="0"/>
+          <a:chOff x="0" y="0"/>
+          <a:chExt cx="0" cy="0"/>
+        </a:xfrm>
+      </p:grpSpPr>
+      <p:sp>
+        <p:nvSpPr>
+          <p:cNvPr id="3" name="Content Placeholder 2">
+            <a:extLst>
+              <a:ext uri="{FF2B5EF4-FFF2-40B4-BE49-F238E27FC236}">
+                <a16:creationId xmlns:a16="http://schemas.microsoft.com/office/drawing/2014/main" id="{564FD919-CB97-01ED-BAB4-2E9822E9360A}"/>
+              </a:ext>
+            </a:extLst>
+          </p:cNvPr>
+          <p:cNvSpPr>
+            <a:spLocks noGrp="1"/>
+          </p:cNvSpPr>
+          <p:nvPr>
+            <p:ph idx="1"/>
+          </p:nvPr>
+        </p:nvSpPr>
+        <p:spPr>
+          <a:xfrm>
+            <a:off x="993648" y="819785"/>
+            <a:ext cx="10515600" cy="4351338"/>
+          </a:xfrm>
+        </p:spPr>
+        <p:txBody>
+          <a:bodyPr/>
+          <a:lstStyle/>
+          <a:p>
+            <a:endParaRPr lang="en-US" dirty="0"/>
+          </a:p>
+          <a:p>
+            <a:endParaRPr lang="en-US" dirty="0"/>
+          </a:p>
+          <a:p>
+            <a:pPr marL="0" indent="0">
+              <a:buNone/>
+            </a:pPr>
+            <a:endParaRPr lang="en-US" dirty="0"/>
+          </a:p>
+          <a:p>
+            <a:pPr marL="0" indent="0">
+              <a:buNone/>
+            </a:pPr>
+            <a:r>
+              <a:rPr lang="en-US" dirty="0"/>
+              <a:t>				    </a:t>
+            </a:r>
+            <a:r>
+              <a:rPr lang="en-US" sz="4800" dirty="0"/>
+              <a:t>SYSTEM</a:t>
+            </a:r>
+          </a:p>
+          <a:p>
+            <a:pPr marL="0" indent="0">
+              <a:buNone/>
+            </a:pPr>
+            <a:r>
+              <a:rPr lang="en-US" sz="4800" dirty="0"/>
+              <a:t>	      (Translation &amp; Management)</a:t>
+            </a:r>
+            <a:r>
+              <a:rPr lang="en-US" dirty="0"/>
+              <a:t>	</a:t>
+            </a:r>
+          </a:p>
+        </p:txBody>
+      </p:sp>
+    </p:spTree>
+    <p:extLst>
+      <p:ext uri="{BB962C8B-B14F-4D97-AF65-F5344CB8AC3E}">
+        <p14:creationId xmlns:p14="http://schemas.microsoft.com/office/powerpoint/2010/main" val="2422990202"/>
+      </p:ext>
+    </p:extLst>
+  </p:cSld>
+  <p:clrMapOvr>
+    <a:masterClrMapping/>
+  </p:clrMapOvr>
+</p:sld>
+</file>
+
+<file path=ppt/slides/slide17.xml><?xml version="1.0" encoding="utf-8"?>
+<p:sld xmlns:a="http://schemas.openxmlformats.org/drawingml/2006/main" xmlns:r="http://schemas.openxmlformats.org/officeDocument/2006/relationships" xmlns:p="http://schemas.openxmlformats.org/presentationml/2006/main">
+  <p:cSld>
+    <p:spTree>
+      <p:nvGrpSpPr>
+        <p:cNvPr id="1" name=""/>
+        <p:cNvGrpSpPr/>
+        <p:nvPr/>
+      </p:nvGrpSpPr>
+      <p:grpSpPr>
+        <a:xfrm>
+          <a:off x="0" y="0"/>
+          <a:ext cx="0" cy="0"/>
+          <a:chOff x="0" y="0"/>
+          <a:chExt cx="0" cy="0"/>
+        </a:xfrm>
+      </p:grpSpPr>
+      <p:sp>
+        <p:nvSpPr>
+          <p:cNvPr id="2" name="Title 1">
+            <a:extLst>
+              <a:ext uri="{FF2B5EF4-FFF2-40B4-BE49-F238E27FC236}">
+                <a16:creationId xmlns:a16="http://schemas.microsoft.com/office/drawing/2014/main" id="{481F94B1-6BD0-0E36-4B5F-DBBF84D50B35}"/>
+              </a:ext>
+            </a:extLst>
+          </p:cNvPr>
+          <p:cNvSpPr>
+            <a:spLocks noGrp="1"/>
+          </p:cNvSpPr>
+          <p:nvPr>
+            <p:ph type="title"/>
+          </p:nvPr>
+        </p:nvSpPr>
+        <p:spPr/>
+        <p:txBody>
+          <a:bodyPr/>
+          <a:lstStyle/>
+          <a:p>
+            <a:r>
+              <a:rPr lang="en-US" dirty="0"/>
+              <a:t>Memory Location &amp; Virtualization</a:t>
+            </a:r>
+          </a:p>
+        </p:txBody>
+      </p:sp>
+      <p:sp>
+        <p:nvSpPr>
+          <p:cNvPr id="3" name="Content Placeholder 2">
+            <a:extLst>
+              <a:ext uri="{FF2B5EF4-FFF2-40B4-BE49-F238E27FC236}">
+                <a16:creationId xmlns:a16="http://schemas.microsoft.com/office/drawing/2014/main" id="{B02FB991-70A6-459B-46DF-5D381F42E7C9}"/>
+              </a:ext>
+            </a:extLst>
+          </p:cNvPr>
+          <p:cNvSpPr>
+            <a:spLocks noGrp="1"/>
+          </p:cNvSpPr>
+          <p:nvPr>
+            <p:ph idx="1"/>
+          </p:nvPr>
+        </p:nvSpPr>
+        <p:spPr/>
+        <p:txBody>
+          <a:bodyPr/>
+          <a:lstStyle/>
+          <a:p>
+            <a:r>
+              <a:rPr lang="en-US" dirty="0"/>
+              <a:t>What do we mean by virtualizing a memory location?</a:t>
+            </a:r>
+          </a:p>
+          <a:p>
+            <a:pPr lvl="1"/>
+            <a:r>
+              <a:rPr lang="en-US" dirty="0"/>
+              <a:t>realizing a mechanism to address more memory locations than you physically (actually) have</a:t>
+            </a:r>
+          </a:p>
+          <a:p>
+            <a:r>
+              <a:rPr lang="en-US" dirty="0"/>
+              <a:t>What is the abstraction for virtualizing memory location in OSes?</a:t>
+            </a:r>
+          </a:p>
+          <a:p>
+            <a:pPr lvl="1"/>
+            <a:r>
+              <a:rPr lang="en-US" dirty="0"/>
+              <a:t>an </a:t>
+            </a:r>
+            <a:r>
+              <a:rPr lang="en-US" b="1" i="1" dirty="0"/>
+              <a:t>address-space of a process </a:t>
+            </a:r>
+            <a:r>
+              <a:rPr lang="en-US" dirty="0"/>
+              <a:t>is a container of virtual-addresses used for memory referencing</a:t>
+            </a:r>
+          </a:p>
+          <a:p>
+            <a:r>
+              <a:rPr lang="en-US" dirty="0"/>
+              <a:t>How do we implement memory-location virtualization?</a:t>
+            </a:r>
+          </a:p>
+          <a:p>
+            <a:pPr lvl="1"/>
+            <a:r>
+              <a:rPr lang="en-US" b="1" i="1" dirty="0"/>
+              <a:t>address-translation</a:t>
+            </a:r>
+            <a:r>
+              <a:rPr lang="en-US" dirty="0"/>
+              <a:t>: by using per-address-space page-tables – a tree like structure</a:t>
+            </a:r>
+          </a:p>
+        </p:txBody>
+      </p:sp>
+    </p:spTree>
+    <p:extLst>
+      <p:ext uri="{BB962C8B-B14F-4D97-AF65-F5344CB8AC3E}">
+        <p14:creationId xmlns:p14="http://schemas.microsoft.com/office/powerpoint/2010/main" val="2570941388"/>
+      </p:ext>
+    </p:extLst>
+  </p:cSld>
+  <p:clrMapOvr>
+    <a:masterClrMapping/>
+  </p:clrMapOvr>
+  <p:timing>
+    <p:tnLst>
+      <p:par>
+        <p:cTn id="1" dur="indefinite" restart="never" nodeType="tmRoot">
+          <p:childTnLst>
+            <p:seq concurrent="1" nextAc="seek">
+              <p:cTn id="2" dur="indefinite" nodeType="mainSeq">
+                <p:childTnLst>
+                  <p:par>
+                    <p:cTn id="3" fill="hold">
+                      <p:stCondLst>
+                        <p:cond delay="indefinite"/>
+                      </p:stCondLst>
+                      <p:childTnLst>
+                        <p:par>
+                          <p:cTn id="4" fill="hold">
+                            <p:stCondLst>
+                              <p:cond delay="0"/>
+                            </p:stCondLst>
+                            <p:childTnLst>
+                              <p:par>
+                                <p:cTn id="5" presetID="1" presetClass="entr" presetSubtype="0" fill="hold" nodeType="clickEffect">
+                                  <p:stCondLst>
+                                    <p:cond delay="0"/>
+                                  </p:stCondLst>
+                                  <p:childTnLst>
+                                    <p:set>
+                                      <p:cBhvr>
+                                        <p:cTn id="6" dur="1" fill="hold">
+                                          <p:stCondLst>
+                                            <p:cond delay="0"/>
+                                          </p:stCondLst>
+                                        </p:cTn>
+                                        <p:tgtEl>
+                                          <p:spTgt spid="3">
+                                            <p:txEl>
+                                              <p:pRg st="0" end="0"/>
+                                            </p:txEl>
+                                          </p:spTgt>
+                                        </p:tgtEl>
+                                        <p:attrNameLst>
+                                          <p:attrName>style.visibility</p:attrName>
+                                        </p:attrNameLst>
+                                      </p:cBhvr>
+                                      <p:to>
+                                        <p:strVal val="visible"/>
+                                      </p:to>
+                                    </p:set>
+                                  </p:childTnLst>
+                                </p:cTn>
+                              </p:par>
+                              <p:par>
+                                <p:cTn id="7" presetID="1" presetClass="entr" presetSubtype="0" fill="hold" nodeType="withEffect">
+                                  <p:stCondLst>
+                                    <p:cond delay="0"/>
+                                  </p:stCondLst>
+                                  <p:childTnLst>
+                                    <p:set>
+                                      <p:cBhvr>
+                                        <p:cTn id="8" dur="1" fill="hold">
+                                          <p:stCondLst>
+                                            <p:cond delay="0"/>
+                                          </p:stCondLst>
+                                        </p:cTn>
+                                        <p:tgtEl>
+                                          <p:spTgt spid="3">
+                                            <p:txEl>
+                                              <p:pRg st="1" end="1"/>
+                                            </p:txEl>
+                                          </p:spTgt>
+                                        </p:tgtEl>
+                                        <p:attrNameLst>
+                                          <p:attrName>style.visibility</p:attrName>
+                                        </p:attrNameLst>
+                                      </p:cBhvr>
+                                      <p:to>
+                                        <p:strVal val="visible"/>
+                                      </p:to>
+                                    </p:set>
+                                  </p:childTnLst>
+                                </p:cTn>
+                              </p:par>
+                            </p:childTnLst>
+                          </p:cTn>
+                        </p:par>
+                      </p:childTnLst>
+                    </p:cTn>
+                  </p:par>
+                  <p:par>
+                    <p:cTn id="9" fill="hold">
+                      <p:stCondLst>
+                        <p:cond delay="indefinite"/>
+                      </p:stCondLst>
+                      <p:childTnLst>
+                        <p:par>
+                          <p:cTn id="10" fill="hold">
+                            <p:stCondLst>
+                              <p:cond delay="0"/>
+                            </p:stCondLst>
+                            <p:childTnLst>
+                              <p:par>
+                                <p:cTn id="11" presetID="1" presetClass="entr" presetSubtype="0" fill="hold" nodeType="clickEffect">
+                                  <p:stCondLst>
+                                    <p:cond delay="0"/>
+                                  </p:stCondLst>
+                                  <p:childTnLst>
+                                    <p:set>
+                                      <p:cBhvr>
+                                        <p:cTn id="12" dur="1" fill="hold">
+                                          <p:stCondLst>
+                                            <p:cond delay="0"/>
+                                          </p:stCondLst>
+                                        </p:cTn>
+                                        <p:tgtEl>
+                                          <p:spTgt spid="3">
+                                            <p:txEl>
+                                              <p:pRg st="2" end="2"/>
+                                            </p:txEl>
+                                          </p:spTgt>
+                                        </p:tgtEl>
+                                        <p:attrNameLst>
+                                          <p:attrName>style.visibility</p:attrName>
+                                        </p:attrNameLst>
+                                      </p:cBhvr>
+                                      <p:to>
+                                        <p:strVal val="visible"/>
+                                      </p:to>
+                                    </p:set>
+                                  </p:childTnLst>
+                                </p:cTn>
+                              </p:par>
+                              <p:par>
+                                <p:cTn id="13" presetID="1" presetClass="entr" presetSubtype="0" fill="hold" nodeType="withEffect">
+                                  <p:stCondLst>
+                                    <p:cond delay="0"/>
+                                  </p:stCondLst>
+                                  <p:childTnLst>
+                                    <p:set>
+                                      <p:cBhvr>
+                                        <p:cTn id="14" dur="1" fill="hold">
+                                          <p:stCondLst>
+                                            <p:cond delay="0"/>
+                                          </p:stCondLst>
+                                        </p:cTn>
+                                        <p:tgtEl>
+                                          <p:spTgt spid="3">
+                                            <p:txEl>
+                                              <p:pRg st="3" end="3"/>
+                                            </p:txEl>
+                                          </p:spTgt>
+                                        </p:tgtEl>
+                                        <p:attrNameLst>
+                                          <p:attrName>style.visibility</p:attrName>
+                                        </p:attrNameLst>
+                                      </p:cBhvr>
+                                      <p:to>
+                                        <p:strVal val="visible"/>
+                                      </p:to>
+                                    </p:set>
+                                  </p:childTnLst>
+                                </p:cTn>
+                              </p:par>
+                            </p:childTnLst>
+                          </p:cTn>
+                        </p:par>
+                      </p:childTnLst>
+                    </p:cTn>
+                  </p:par>
+                  <p:par>
+                    <p:cTn id="15" fill="hold">
+                      <p:stCondLst>
+                        <p:cond delay="indefinite"/>
+                      </p:stCondLst>
+                      <p:childTnLst>
+                        <p:par>
+                          <p:cTn id="16" fill="hold">
+                            <p:stCondLst>
+                              <p:cond delay="0"/>
+                            </p:stCondLst>
+                            <p:childTnLst>
+                              <p:par>
+                                <p:cTn id="17" presetID="1" presetClass="entr" presetSubtype="0" fill="hold" nodeType="clickEffect">
+                                  <p:stCondLst>
+                                    <p:cond delay="0"/>
+                                  </p:stCondLst>
+                                  <p:childTnLst>
+                                    <p:set>
+                                      <p:cBhvr>
+                                        <p:cTn id="18" dur="1" fill="hold">
+                                          <p:stCondLst>
+                                            <p:cond delay="0"/>
+                                          </p:stCondLst>
+                                        </p:cTn>
+                                        <p:tgtEl>
+                                          <p:spTgt spid="3">
+                                            <p:txEl>
+                                              <p:pRg st="4" end="4"/>
+                                            </p:txEl>
+                                          </p:spTgt>
+                                        </p:tgtEl>
+                                        <p:attrNameLst>
+                                          <p:attrName>style.visibility</p:attrName>
+                                        </p:attrNameLst>
+                                      </p:cBhvr>
+                                      <p:to>
+                                        <p:strVal val="visible"/>
+                                      </p:to>
+                                    </p:set>
+                                  </p:childTnLst>
+                                </p:cTn>
+                              </p:par>
+                              <p:par>
+                                <p:cTn id="19" presetID="1" presetClass="entr" presetSubtype="0" fill="hold" nodeType="withEffect">
+                                  <p:stCondLst>
+                                    <p:cond delay="0"/>
+                                  </p:stCondLst>
+                                  <p:childTnLst>
+                                    <p:set>
+                                      <p:cBhvr>
+                                        <p:cTn id="20" dur="1" fill="hold">
+                                          <p:stCondLst>
+                                            <p:cond delay="0"/>
+                                          </p:stCondLst>
+                                        </p:cTn>
+                                        <p:tgtEl>
+                                          <p:spTgt spid="3">
+                                            <p:txEl>
+                                              <p:pRg st="5" end="5"/>
+                                            </p:txEl>
+                                          </p:spTgt>
+                                        </p:tgtEl>
+                                        <p:attrNameLst>
+                                          <p:attrName>style.visibility</p:attrName>
+                                        </p:attrNameLst>
+                                      </p:cBhvr>
+                                      <p:to>
+                                        <p:strVal val="visible"/>
+                                      </p:to>
+                                    </p:set>
+                                  </p:childTnLst>
+                                </p:cTn>
+                              </p:par>
+                            </p:childTnLst>
+                          </p:cTn>
+                        </p:par>
+                      </p:childTnLst>
+                    </p:cTn>
+                  </p:par>
+                </p:childTnLst>
+              </p:cTn>
+              <p:prevCondLst>
+                <p:cond evt="onPrev" delay="0">
+                  <p:tgtEl>
+                    <p:sldTgt/>
+                  </p:tgtEl>
+                </p:cond>
+              </p:prevCondLst>
+              <p:nextCondLst>
+                <p:cond evt="onNext" delay="0">
+                  <p:tgtEl>
+                    <p:sldTgt/>
+                  </p:tgtEl>
+                </p:cond>
+              </p:nextCondLst>
+            </p:seq>
+          </p:childTnLst>
+        </p:cTn>
+      </p:par>
+    </p:tnLst>
+  </p:timing>
+</p:sld>
+</file>
+
+<file path=ppt/slides/slide18.xml><?xml version="1.0" encoding="utf-8"?>
 <p:sld xmlns:a="http://schemas.openxmlformats.org/drawingml/2006/main" xmlns:r="http://schemas.openxmlformats.org/officeDocument/2006/relationships" xmlns:p="http://schemas.openxmlformats.org/presentationml/2006/main">
   <p:cSld>
     <p:spTree>
@@ -9065,7 +10984,7 @@
 </p:sld>
 </file>
 
-<file path=ppt/slides/slide11.xml><?xml version="1.0" encoding="utf-8"?>
+<file path=ppt/slides/slide19.xml><?xml version="1.0" encoding="utf-8"?>
 <p:sld xmlns:a="http://schemas.openxmlformats.org/drawingml/2006/main" xmlns:r="http://schemas.openxmlformats.org/officeDocument/2006/relationships" xmlns:p="http://schemas.openxmlformats.org/presentationml/2006/main">
   <p:cSld>
     <p:spTree>
@@ -13705,7 +15624,7 @@
 </p:sld>
 </file>
 
-<file path=ppt/slides/slide12.xml><?xml version="1.0" encoding="utf-8"?>
+<file path=ppt/slides/slide2.xml><?xml version="1.0" encoding="utf-8"?>
 <p:sld xmlns:a="http://schemas.openxmlformats.org/drawingml/2006/main" xmlns:r="http://schemas.openxmlformats.org/officeDocument/2006/relationships" xmlns:p="http://schemas.openxmlformats.org/presentationml/2006/main">
   <p:cSld>
     <p:spTree>
@@ -13727,7 +15646,7 @@
           <p:cNvPr id="2" name="Title 1">
             <a:extLst>
               <a:ext uri="{FF2B5EF4-FFF2-40B4-BE49-F238E27FC236}">
-                <a16:creationId xmlns:a16="http://schemas.microsoft.com/office/drawing/2014/main" id="{4EBA4565-B28D-9851-2EE5-CE1EEE4EE251}"/>
+                <a16:creationId xmlns:a16="http://schemas.microsoft.com/office/drawing/2014/main" id="{DAFEDF38-55D4-6AB5-5DA1-F84D912C7A90}"/>
               </a:ext>
             </a:extLst>
           </p:cNvPr>
@@ -13745,7 +15664,7 @@
           <a:p>
             <a:r>
               <a:rPr lang="en-US" dirty="0"/>
-              <a:t>The System of Memory Virtualization</a:t>
+              <a:t>Talk</a:t>
             </a:r>
           </a:p>
         </p:txBody>
@@ -13755,7 +15674,7 @@
           <p:cNvPr id="3" name="Content Placeholder 2">
             <a:extLst>
               <a:ext uri="{FF2B5EF4-FFF2-40B4-BE49-F238E27FC236}">
-                <a16:creationId xmlns:a16="http://schemas.microsoft.com/office/drawing/2014/main" id="{2989CDC0-5BA8-EA62-9AF6-5F64F3CD534E}"/>
+                <a16:creationId xmlns:a16="http://schemas.microsoft.com/office/drawing/2014/main" id="{4C4635AD-CEB6-4832-4C82-4C84A74EF4DD}"/>
               </a:ext>
             </a:extLst>
           </p:cNvPr>
@@ -13771,39 +15690,58 @@
           <a:bodyPr/>
           <a:lstStyle/>
           <a:p>
-            <a:pPr marL="0" indent="0">
-              <a:buNone/>
-            </a:pPr>
-            <a:r>
-              <a:rPr lang="en-US" sz="1800" dirty="0">
-                <a:effectLst/>
-                <a:latin typeface="LinLibertineT"/>
-              </a:rPr>
-              <a:t> </a:t>
-            </a:r>
-            <a:r>
-              <a:rPr lang="en-US" dirty="0">
-                <a:effectLst/>
-              </a:rPr>
-              <a:t>“the virtual memory sub-system can be considered the core of a Solaris instance, and the implementation of Solaris virtual memory affects just about every other subsystem in the operating system” </a:t>
-            </a:r>
+            <a:r>
+              <a:rPr lang="en-US" dirty="0"/>
+              <a:t>Background</a:t>
+            </a:r>
+          </a:p>
+          <a:p>
+            <a:pPr lvl="1"/>
+            <a:r>
+              <a:rPr lang="en-US" dirty="0"/>
+              <a:t>Verification is important</a:t>
+            </a:r>
+          </a:p>
+          <a:p>
+            <a:pPr lvl="1"/>
+            <a:r>
+              <a:rPr lang="en-US" dirty="0"/>
+              <a:t>Operating system kernels as well – some pieces maybe more</a:t>
+            </a:r>
+          </a:p>
+          <a:p>
+            <a:pPr lvl="1"/>
+            <a:r>
+              <a:rPr lang="en-US" dirty="0"/>
+              <a:t>Program Logic</a:t>
+            </a:r>
+          </a:p>
+          <a:p>
+            <a:r>
+              <a:rPr lang="en-US" dirty="0"/>
+              <a:t>Proposed Work</a:t>
+            </a:r>
+          </a:p>
+          <a:p>
+            <a:pPr lvl="1"/>
+            <a:r>
+              <a:rPr lang="en-US" dirty="0"/>
+              <a:t>Machine Model</a:t>
+            </a:r>
+          </a:p>
+          <a:p>
+            <a:pPr lvl="1"/>
+            <a:r>
+              <a:rPr lang="en-US" dirty="0"/>
+              <a:t>Modal Understanding of Location Virtualization</a:t>
+            </a:r>
+          </a:p>
+          <a:p>
+            <a:pPr lvl="1"/>
             <a:endParaRPr lang="en-US" dirty="0"/>
           </a:p>
           <a:p>
-            <a:pPr marL="2286000" lvl="5" indent="0">
-              <a:buNone/>
-            </a:pPr>
-            <a:r>
-              <a:rPr lang="en-US" dirty="0"/>
-              <a:t>by </a:t>
-            </a:r>
-            <a:r>
-              <a:rPr lang="en-US" sz="1800" dirty="0">
-                <a:effectLst/>
-                <a:latin typeface="LinLibertineT"/>
-              </a:rPr>
-              <a:t>authoritative reference on the internals of the Solaris kernel, McDougall and Mauro </a:t>
-            </a:r>
+            <a:pPr lvl="1"/>
             <a:endParaRPr lang="en-US" dirty="0"/>
           </a:p>
         </p:txBody>
@@ -13811,7 +15749,7 @@
     </p:spTree>
     <p:extLst>
       <p:ext uri="{BB962C8B-B14F-4D97-AF65-F5344CB8AC3E}">
-        <p14:creationId xmlns:p14="http://schemas.microsoft.com/office/powerpoint/2010/main" val="3245068524"/>
+        <p14:creationId xmlns:p14="http://schemas.microsoft.com/office/powerpoint/2010/main" val="3921690841"/>
       </p:ext>
     </p:extLst>
   </p:cSld>
@@ -13821,7 +15759,7 @@
 </p:sld>
 </file>
 
-<file path=ppt/slides/slide13.xml><?xml version="1.0" encoding="utf-8"?>
+<file path=ppt/slides/slide20.xml><?xml version="1.0" encoding="utf-8"?>
 <p:sld xmlns:a="http://schemas.openxmlformats.org/drawingml/2006/main" xmlns:r="http://schemas.openxmlformats.org/officeDocument/2006/relationships" xmlns:p="http://schemas.openxmlformats.org/presentationml/2006/main">
   <p:cSld>
     <p:spTree>
@@ -13840,10 +15778,38 @@
       </p:grpSpPr>
       <p:sp>
         <p:nvSpPr>
+          <p:cNvPr id="2" name="Title 1">
+            <a:extLst>
+              <a:ext uri="{FF2B5EF4-FFF2-40B4-BE49-F238E27FC236}">
+                <a16:creationId xmlns:a16="http://schemas.microsoft.com/office/drawing/2014/main" id="{4EBA4565-B28D-9851-2EE5-CE1EEE4EE251}"/>
+              </a:ext>
+            </a:extLst>
+          </p:cNvPr>
+          <p:cNvSpPr>
+            <a:spLocks noGrp="1"/>
+          </p:cNvSpPr>
+          <p:nvPr>
+            <p:ph type="title"/>
+          </p:nvPr>
+        </p:nvSpPr>
+        <p:spPr/>
+        <p:txBody>
+          <a:bodyPr/>
+          <a:lstStyle/>
+          <a:p>
+            <a:r>
+              <a:rPr lang="en-US" dirty="0"/>
+              <a:t>The System of Memory Virtualization</a:t>
+            </a:r>
+          </a:p>
+        </p:txBody>
+      </p:sp>
+      <p:sp>
+        <p:nvSpPr>
           <p:cNvPr id="3" name="Content Placeholder 2">
             <a:extLst>
               <a:ext uri="{FF2B5EF4-FFF2-40B4-BE49-F238E27FC236}">
-                <a16:creationId xmlns:a16="http://schemas.microsoft.com/office/drawing/2014/main" id="{BFF2B646-AA21-3492-C127-C5076839C905}"/>
+                <a16:creationId xmlns:a16="http://schemas.microsoft.com/office/drawing/2014/main" id="{2989CDC0-5BA8-EA62-9AF6-5F64F3CD534E}"/>
               </a:ext>
             </a:extLst>
           </p:cNvPr>
@@ -13862,36 +15828,44 @@
             <a:pPr marL="0" indent="0">
               <a:buNone/>
             </a:pPr>
+            <a:r>
+              <a:rPr lang="en-US" sz="1800" dirty="0">
+                <a:effectLst/>
+                <a:latin typeface="LinLibertineT"/>
+              </a:rPr>
+              <a:t> </a:t>
+            </a:r>
+            <a:r>
+              <a:rPr lang="en-US" dirty="0">
+                <a:effectLst/>
+              </a:rPr>
+              <a:t>“the virtual memory sub-system can be considered the core of a Solaris instance, and the implementation of Solaris virtual memory affects just about every other subsystem in the operating system” </a:t>
+            </a:r>
             <a:endParaRPr lang="en-US" dirty="0"/>
           </a:p>
           <a:p>
-            <a:pPr marL="0" indent="0">
+            <a:pPr marL="2286000" lvl="5" indent="0">
               <a:buNone/>
             </a:pPr>
             <a:r>
               <a:rPr lang="en-US" dirty="0"/>
-              <a:t>                	      		        </a:t>
-            </a:r>
-            <a:r>
-              <a:rPr lang="en-US" sz="4800" dirty="0"/>
-              <a:t>LOGIC</a:t>
-            </a:r>
-          </a:p>
-          <a:p>
-            <a:pPr marL="0" indent="0">
-              <a:buNone/>
-            </a:pPr>
-            <a:r>
-              <a:rPr lang="en-US" sz="4000" dirty="0"/>
-              <a:t>         (Sharing, Contingency &amp; Satisfaction)</a:t>
-            </a:r>
+              <a:t>by </a:t>
+            </a:r>
+            <a:r>
+              <a:rPr lang="en-US" sz="1800" dirty="0">
+                <a:effectLst/>
+                <a:latin typeface="LinLibertineT"/>
+              </a:rPr>
+              <a:t>authoritative reference on the internals of the Solaris kernel, McDougall and Mauro </a:t>
+            </a:r>
+            <a:endParaRPr lang="en-US" dirty="0"/>
           </a:p>
         </p:txBody>
       </p:sp>
     </p:spTree>
     <p:extLst>
       <p:ext uri="{BB962C8B-B14F-4D97-AF65-F5344CB8AC3E}">
-        <p14:creationId xmlns:p14="http://schemas.microsoft.com/office/powerpoint/2010/main" val="2958213298"/>
+        <p14:creationId xmlns:p14="http://schemas.microsoft.com/office/powerpoint/2010/main" val="3245068524"/>
       </p:ext>
     </p:extLst>
   </p:cSld>
@@ -13901,7 +15875,7 @@
 </p:sld>
 </file>
 
-<file path=ppt/slides/slide14.xml><?xml version="1.0" encoding="utf-8"?>
+<file path=ppt/slides/slide21.xml><?xml version="1.0" encoding="utf-8"?>
 <p:sld xmlns:a="http://schemas.openxmlformats.org/drawingml/2006/main" xmlns:r="http://schemas.openxmlformats.org/officeDocument/2006/relationships" xmlns:p="http://schemas.openxmlformats.org/presentationml/2006/main">
   <p:cSld>
     <p:spTree>
@@ -13920,6 +15894,86 @@
       </p:grpSpPr>
       <p:sp>
         <p:nvSpPr>
+          <p:cNvPr id="3" name="Content Placeholder 2">
+            <a:extLst>
+              <a:ext uri="{FF2B5EF4-FFF2-40B4-BE49-F238E27FC236}">
+                <a16:creationId xmlns:a16="http://schemas.microsoft.com/office/drawing/2014/main" id="{BFF2B646-AA21-3492-C127-C5076839C905}"/>
+              </a:ext>
+            </a:extLst>
+          </p:cNvPr>
+          <p:cNvSpPr>
+            <a:spLocks noGrp="1"/>
+          </p:cNvSpPr>
+          <p:nvPr>
+            <p:ph idx="1"/>
+          </p:nvPr>
+        </p:nvSpPr>
+        <p:spPr/>
+        <p:txBody>
+          <a:bodyPr/>
+          <a:lstStyle/>
+          <a:p>
+            <a:pPr marL="0" indent="0">
+              <a:buNone/>
+            </a:pPr>
+            <a:endParaRPr lang="en-US" dirty="0"/>
+          </a:p>
+          <a:p>
+            <a:pPr marL="0" indent="0">
+              <a:buNone/>
+            </a:pPr>
+            <a:r>
+              <a:rPr lang="en-US" dirty="0"/>
+              <a:t>                	      		        </a:t>
+            </a:r>
+            <a:r>
+              <a:rPr lang="en-US" sz="4800" dirty="0"/>
+              <a:t>LOGIC</a:t>
+            </a:r>
+          </a:p>
+          <a:p>
+            <a:pPr marL="0" indent="0">
+              <a:buNone/>
+            </a:pPr>
+            <a:r>
+              <a:rPr lang="en-US" sz="4000" dirty="0"/>
+              <a:t>         (Sharing, Contingency &amp; Satisfaction)</a:t>
+            </a:r>
+          </a:p>
+        </p:txBody>
+      </p:sp>
+    </p:spTree>
+    <p:extLst>
+      <p:ext uri="{BB962C8B-B14F-4D97-AF65-F5344CB8AC3E}">
+        <p14:creationId xmlns:p14="http://schemas.microsoft.com/office/powerpoint/2010/main" val="2958213298"/>
+      </p:ext>
+    </p:extLst>
+  </p:cSld>
+  <p:clrMapOvr>
+    <a:masterClrMapping/>
+  </p:clrMapOvr>
+</p:sld>
+</file>
+
+<file path=ppt/slides/slide22.xml><?xml version="1.0" encoding="utf-8"?>
+<p:sld xmlns:a="http://schemas.openxmlformats.org/drawingml/2006/main" xmlns:r="http://schemas.openxmlformats.org/officeDocument/2006/relationships" xmlns:p="http://schemas.openxmlformats.org/presentationml/2006/main">
+  <p:cSld>
+    <p:spTree>
+      <p:nvGrpSpPr>
+        <p:cNvPr id="1" name=""/>
+        <p:cNvGrpSpPr/>
+        <p:nvPr/>
+      </p:nvGrpSpPr>
+      <p:grpSpPr>
+        <a:xfrm>
+          <a:off x="0" y="0"/>
+          <a:ext cx="0" cy="0"/>
+          <a:chOff x="0" y="0"/>
+          <a:chExt cx="0" cy="0"/>
+        </a:xfrm>
+      </p:grpSpPr>
+      <p:sp>
+        <p:nvSpPr>
           <p:cNvPr id="2" name="Title 1">
             <a:extLst>
               <a:ext uri="{FF2B5EF4-FFF2-40B4-BE49-F238E27FC236}">
@@ -14152,7 +16206,7 @@
 </p:sld>
 </file>
 
-<file path=ppt/slides/slide15.xml><?xml version="1.0" encoding="utf-8"?>
+<file path=ppt/slides/slide23.xml><?xml version="1.0" encoding="utf-8"?>
 <p:sld xmlns:a="http://schemas.openxmlformats.org/drawingml/2006/main" xmlns:r="http://schemas.openxmlformats.org/officeDocument/2006/relationships" xmlns:p="http://schemas.openxmlformats.org/presentationml/2006/main">
   <p:cSld>
     <p:spTree>
@@ -15237,7 +17291,7 @@
 </p:sld>
 </file>
 
-<file path=ppt/slides/slide16.xml><?xml version="1.0" encoding="utf-8"?>
+<file path=ppt/slides/slide24.xml><?xml version="1.0" encoding="utf-8"?>
 <p:sld xmlns:a="http://schemas.openxmlformats.org/drawingml/2006/main" xmlns:r="http://schemas.openxmlformats.org/officeDocument/2006/relationships" xmlns:p="http://schemas.openxmlformats.org/presentationml/2006/main">
   <p:cSld>
     <p:spTree>
@@ -16109,7 +18163,7 @@
 </p:sld>
 </file>
 
-<file path=ppt/slides/slide17.xml><?xml version="1.0" encoding="utf-8"?>
+<file path=ppt/slides/slide25.xml><?xml version="1.0" encoding="utf-8"?>
 <p:sld xmlns:a="http://schemas.openxmlformats.org/drawingml/2006/main" xmlns:r="http://schemas.openxmlformats.org/officeDocument/2006/relationships" xmlns:p="http://schemas.openxmlformats.org/presentationml/2006/main">
   <p:cSld>
     <p:spTree>
@@ -17995,7 +20049,7 @@
 </p:sld>
 </file>
 
-<file path=ppt/slides/slide18.xml><?xml version="1.0" encoding="utf-8"?>
+<file path=ppt/slides/slide26.xml><?xml version="1.0" encoding="utf-8"?>
 <p:sld xmlns:a="http://schemas.openxmlformats.org/drawingml/2006/main" xmlns:r="http://schemas.openxmlformats.org/officeDocument/2006/relationships" xmlns:p="http://schemas.openxmlformats.org/presentationml/2006/main">
   <p:cSld>
     <p:spTree>
@@ -18338,7 +20392,7 @@
 </p:sld>
 </file>
 
-<file path=ppt/slides/slide19.xml><?xml version="1.0" encoding="utf-8"?>
+<file path=ppt/slides/slide27.xml><?xml version="1.0" encoding="utf-8"?>
 <p:sld xmlns:a="http://schemas.openxmlformats.org/drawingml/2006/main" xmlns:r="http://schemas.openxmlformats.org/officeDocument/2006/relationships" xmlns:p="http://schemas.openxmlformats.org/presentationml/2006/main">
   <p:cSld>
     <p:spTree>
@@ -18471,117 +20525,7 @@
 </p:sld>
 </file>
 
-<file path=ppt/slides/slide2.xml><?xml version="1.0" encoding="utf-8"?>
-<p:sld xmlns:a="http://schemas.openxmlformats.org/drawingml/2006/main" xmlns:r="http://schemas.openxmlformats.org/officeDocument/2006/relationships" xmlns:p="http://schemas.openxmlformats.org/presentationml/2006/main">
-  <p:cSld>
-    <p:spTree>
-      <p:nvGrpSpPr>
-        <p:cNvPr id="1" name=""/>
-        <p:cNvGrpSpPr/>
-        <p:nvPr/>
-      </p:nvGrpSpPr>
-      <p:grpSpPr>
-        <a:xfrm>
-          <a:off x="0" y="0"/>
-          <a:ext cx="0" cy="0"/>
-          <a:chOff x="0" y="0"/>
-          <a:chExt cx="0" cy="0"/>
-        </a:xfrm>
-      </p:grpSpPr>
-      <p:sp>
-        <p:nvSpPr>
-          <p:cNvPr id="2" name="Title 1">
-            <a:extLst>
-              <a:ext uri="{FF2B5EF4-FFF2-40B4-BE49-F238E27FC236}">
-                <a16:creationId xmlns:a16="http://schemas.microsoft.com/office/drawing/2014/main" id="{3C38F4E5-B6DD-846C-EFED-25A10D454AF8}"/>
-              </a:ext>
-            </a:extLst>
-          </p:cNvPr>
-          <p:cNvSpPr>
-            <a:spLocks noGrp="1"/>
-          </p:cNvSpPr>
-          <p:nvPr>
-            <p:ph type="title"/>
-          </p:nvPr>
-        </p:nvSpPr>
-        <p:spPr/>
-        <p:txBody>
-          <a:bodyPr/>
-          <a:lstStyle/>
-          <a:p>
-            <a:r>
-              <a:rPr lang="en-US" dirty="0"/>
-              <a:t>Why do we verify software?</a:t>
-            </a:r>
-          </a:p>
-        </p:txBody>
-      </p:sp>
-      <p:sp>
-        <p:nvSpPr>
-          <p:cNvPr id="3" name="Content Placeholder 2">
-            <a:extLst>
-              <a:ext uri="{FF2B5EF4-FFF2-40B4-BE49-F238E27FC236}">
-                <a16:creationId xmlns:a16="http://schemas.microsoft.com/office/drawing/2014/main" id="{8B289C3B-DCD7-6638-78BA-8AB2834616A2}"/>
-              </a:ext>
-            </a:extLst>
-          </p:cNvPr>
-          <p:cNvSpPr>
-            <a:spLocks noGrp="1"/>
-          </p:cNvSpPr>
-          <p:nvPr>
-            <p:ph idx="1"/>
-          </p:nvPr>
-        </p:nvSpPr>
-        <p:spPr/>
-        <p:txBody>
-          <a:bodyPr/>
-          <a:lstStyle/>
-          <a:p>
-            <a:r>
-              <a:rPr lang="en-US" dirty="0">
-                <a:solidFill>
-                  <a:srgbClr val="FF0000"/>
-                </a:solidFill>
-              </a:rPr>
-              <a:t>Put a general importance sentence</a:t>
-            </a:r>
-          </a:p>
-          <a:p>
-            <a:r>
-              <a:rPr lang="en-US" dirty="0">
-                <a:solidFill>
-                  <a:srgbClr val="FF0000"/>
-                </a:solidFill>
-              </a:rPr>
-              <a:t>What is systems software why it is more important</a:t>
-            </a:r>
-          </a:p>
-          <a:p>
-            <a:r>
-              <a:rPr lang="en-US" dirty="0">
-                <a:solidFill>
-                  <a:srgbClr val="FF0000"/>
-                </a:solidFill>
-              </a:rPr>
-              <a:t>A famous one OS KERNEL</a:t>
-            </a:r>
-          </a:p>
-        </p:txBody>
-      </p:sp>
-    </p:spTree>
-    <p:extLst>
-      <p:ext uri="{BB962C8B-B14F-4D97-AF65-F5344CB8AC3E}">
-        <p14:creationId xmlns:p14="http://schemas.microsoft.com/office/powerpoint/2010/main" val="2667852005"/>
-      </p:ext>
-    </p:extLst>
-  </p:cSld>
-  <p:clrMapOvr>
-    <a:masterClrMapping/>
-  </p:clrMapOvr>
-</p:sld>
-</file>
-
-<file path=ppt/slides/slide20.xml><?xml version="1.0" encoding="utf-8"?>
+<file path=ppt/slides/slide28.xml><?xml version="1.0" encoding="utf-8"?>
 <p:sld xmlns:a="http://schemas.openxmlformats.org/drawingml/2006/main" xmlns:r="http://schemas.openxmlformats.org/officeDocument/2006/relationships" xmlns:p="http://schemas.openxmlformats.org/presentationml/2006/main">
   <p:cSld>
     <p:spTree>
@@ -21750,7 +23694,7 @@
 </p:sld>
 </file>
 
-<file path=ppt/slides/slide21.xml><?xml version="1.0" encoding="utf-8"?>
+<file path=ppt/slides/slide29.xml><?xml version="1.0" encoding="utf-8"?>
 <p:sld xmlns:a="http://schemas.openxmlformats.org/drawingml/2006/main" xmlns:r="http://schemas.openxmlformats.org/officeDocument/2006/relationships" xmlns:p="http://schemas.openxmlformats.org/presentationml/2006/main">
   <p:cSld>
     <p:spTree>
@@ -21788,7 +23732,10 @@
           <a:bodyPr/>
           <a:lstStyle/>
           <a:p>
-            <a:endParaRPr lang="en-US" dirty="0"/>
+            <a:r>
+              <a:rPr lang="en-US" dirty="0"/>
+              <a:t>More Experiments:</a:t>
+            </a:r>
           </a:p>
         </p:txBody>
       </p:sp>
@@ -21813,7 +23760,7 @@
           <a:bodyPr/>
           <a:lstStyle/>
           <a:p>
-            <a:endParaRPr lang="en-US"/>
+            <a:endParaRPr lang="en-US" dirty="0"/>
           </a:p>
         </p:txBody>
       </p:sp>
@@ -21830,7 +23777,7 @@
 </p:sld>
 </file>
 
-<file path=ppt/slides/slide22.xml><?xml version="1.0" encoding="utf-8"?>
+<file path=ppt/slides/slide3.xml><?xml version="1.0" encoding="utf-8"?>
 <p:sld xmlns:a="http://schemas.openxmlformats.org/drawingml/2006/main" xmlns:r="http://schemas.openxmlformats.org/officeDocument/2006/relationships" xmlns:p="http://schemas.openxmlformats.org/presentationml/2006/main">
   <p:cSld>
     <p:spTree>
@@ -21847,152 +23794,96 @@
           <a:chExt cx="0" cy="0"/>
         </a:xfrm>
       </p:grpSpPr>
-      <p:pic>
-        <p:nvPicPr>
-          <p:cNvPr id="4" name="Picture 3" descr="Icon&#10;&#10;Description automatically generated">
-            <a:extLst>
-              <a:ext uri="{FF2B5EF4-FFF2-40B4-BE49-F238E27FC236}">
-                <a16:creationId xmlns:a16="http://schemas.microsoft.com/office/drawing/2014/main" id="{F8F8C805-B5AF-8CF2-879F-AFBBF2A7A971}"/>
-              </a:ext>
-            </a:extLst>
-          </p:cNvPr>
-          <p:cNvPicPr>
-            <a:picLocks noChangeAspect="1"/>
-          </p:cNvPicPr>
-          <p:nvPr/>
-        </p:nvPicPr>
-        <p:blipFill>
-          <a:blip r:embed="rId2"/>
-          <a:stretch>
-            <a:fillRect/>
-          </a:stretch>
-        </p:blipFill>
-        <p:spPr>
-          <a:xfrm>
-            <a:off x="4283379" y="1347229"/>
-            <a:ext cx="3462127" cy="3462127"/>
-          </a:xfrm>
-          <a:prstGeom prst="rect">
-            <a:avLst/>
-          </a:prstGeom>
-        </p:spPr>
-      </p:pic>
+      <p:sp>
+        <p:nvSpPr>
+          <p:cNvPr id="2" name="Title 1">
+            <a:extLst>
+              <a:ext uri="{FF2B5EF4-FFF2-40B4-BE49-F238E27FC236}">
+                <a16:creationId xmlns:a16="http://schemas.microsoft.com/office/drawing/2014/main" id="{50D26CC9-8300-B82C-D98E-ADCCF4904E68}"/>
+              </a:ext>
+            </a:extLst>
+          </p:cNvPr>
+          <p:cNvSpPr>
+            <a:spLocks noGrp="1"/>
+          </p:cNvSpPr>
+          <p:nvPr>
+            <p:ph type="title"/>
+          </p:nvPr>
+        </p:nvSpPr>
+        <p:spPr/>
+        <p:txBody>
+          <a:bodyPr/>
+          <a:lstStyle/>
+          <a:p>
+            <a:r>
+              <a:rPr lang="en-US" dirty="0"/>
+              <a:t>What is Software Verification?</a:t>
+            </a:r>
+          </a:p>
+        </p:txBody>
+      </p:sp>
+      <p:sp>
+        <p:nvSpPr>
+          <p:cNvPr id="3" name="Content Placeholder 2">
+            <a:extLst>
+              <a:ext uri="{FF2B5EF4-FFF2-40B4-BE49-F238E27FC236}">
+                <a16:creationId xmlns:a16="http://schemas.microsoft.com/office/drawing/2014/main" id="{D1C7640D-4C98-07F9-2023-E1F2B0E39E2D}"/>
+              </a:ext>
+            </a:extLst>
+          </p:cNvPr>
+          <p:cNvSpPr>
+            <a:spLocks noGrp="1"/>
+          </p:cNvSpPr>
+          <p:nvPr>
+            <p:ph idx="1"/>
+          </p:nvPr>
+        </p:nvSpPr>
+        <p:spPr/>
+        <p:txBody>
+          <a:bodyPr/>
+          <a:lstStyle/>
+          <a:p>
+            <a:r>
+              <a:rPr lang="en-US" dirty="0"/>
+              <a:t>The activity of understanding programs mathematically</a:t>
+            </a:r>
+          </a:p>
+          <a:p>
+            <a:pPr lvl="1"/>
+            <a:r>
+              <a:rPr lang="en-US" dirty="0"/>
+              <a:t>Specification</a:t>
+            </a:r>
+          </a:p>
+          <a:p>
+            <a:pPr lvl="1"/>
+            <a:r>
+              <a:rPr lang="en-US" dirty="0"/>
+              <a:t>Proof</a:t>
+            </a:r>
+          </a:p>
+          <a:p>
+            <a:r>
+              <a:rPr lang="en-US" dirty="0"/>
+              <a:t>Ancient tool -- Logic</a:t>
+            </a:r>
+          </a:p>
+        </p:txBody>
+      </p:sp>
     </p:spTree>
     <p:extLst>
       <p:ext uri="{BB962C8B-B14F-4D97-AF65-F5344CB8AC3E}">
-        <p14:creationId xmlns:p14="http://schemas.microsoft.com/office/powerpoint/2010/main" val="737132392"/>
+        <p14:creationId xmlns:p14="http://schemas.microsoft.com/office/powerpoint/2010/main" val="1644873007"/>
       </p:ext>
     </p:extLst>
   </p:cSld>
   <p:clrMapOvr>
     <a:masterClrMapping/>
   </p:clrMapOvr>
-  <p:timing>
-    <p:tnLst>
-      <p:par>
-        <p:cTn id="1" dur="indefinite" restart="never" nodeType="tmRoot">
-          <p:childTnLst>
-            <p:seq concurrent="1" nextAc="seek">
-              <p:cTn id="2" dur="indefinite" nodeType="mainSeq">
-                <p:childTnLst>
-                  <p:par>
-                    <p:cTn id="3" fill="hold">
-                      <p:stCondLst>
-                        <p:cond delay="indefinite"/>
-                      </p:stCondLst>
-                      <p:childTnLst>
-                        <p:par>
-                          <p:cTn id="4" fill="hold">
-                            <p:stCondLst>
-                              <p:cond delay="0"/>
-                            </p:stCondLst>
-                            <p:childTnLst>
-                              <p:par>
-                                <p:cTn id="5" presetID="1" presetClass="entr" presetSubtype="0" fill="hold" nodeType="clickEffect">
-                                  <p:stCondLst>
-                                    <p:cond delay="0"/>
-                                  </p:stCondLst>
-                                  <p:childTnLst>
-                                    <p:set>
-                                      <p:cBhvr>
-                                        <p:cTn id="6" dur="1" fill="hold">
-                                          <p:stCondLst>
-                                            <p:cond delay="0"/>
-                                          </p:stCondLst>
-                                        </p:cTn>
-                                        <p:tgtEl>
-                                          <p:spTgt spid="4"/>
-                                        </p:tgtEl>
-                                        <p:attrNameLst>
-                                          <p:attrName>style.visibility</p:attrName>
-                                        </p:attrNameLst>
-                                      </p:cBhvr>
-                                      <p:to>
-                                        <p:strVal val="visible"/>
-                                      </p:to>
-                                    </p:set>
-                                  </p:childTnLst>
-                                </p:cTn>
-                              </p:par>
-                              <p:par>
-                                <p:cTn id="7" presetID="1" presetClass="exit" presetSubtype="0" fill="hold" nodeType="withEffect">
-                                  <p:stCondLst>
-                                    <p:cond delay="0"/>
-                                  </p:stCondLst>
-                                  <p:childTnLst>
-                                    <p:set>
-                                      <p:cBhvr>
-                                        <p:cTn id="8" dur="1" fill="hold">
-                                          <p:stCondLst>
-                                            <p:cond delay="0"/>
-                                          </p:stCondLst>
-                                        </p:cTn>
-                                        <p:tgtEl>
-                                          <p:spTgt spid="4"/>
-                                        </p:tgtEl>
-                                        <p:attrNameLst>
-                                          <p:attrName>style.visibility</p:attrName>
-                                        </p:attrNameLst>
-                                      </p:cBhvr>
-                                      <p:to>
-                                        <p:strVal val="hidden"/>
-                                      </p:to>
-                                    </p:set>
-                                  </p:childTnLst>
-                                </p:cTn>
-                              </p:par>
-                            </p:childTnLst>
-                          </p:cTn>
-                        </p:par>
-                      </p:childTnLst>
-                    </p:cTn>
-                  </p:par>
-                </p:childTnLst>
-              </p:cTn>
-              <p:prevCondLst>
-                <p:cond evt="onPrev" delay="0">
-                  <p:tgtEl>
-                    <p:sldTgt/>
-                  </p:tgtEl>
-                </p:cond>
-              </p:prevCondLst>
-              <p:nextCondLst>
-                <p:cond evt="onNext" delay="0">
-                  <p:tgtEl>
-                    <p:sldTgt/>
-                  </p:tgtEl>
-                </p:cond>
-              </p:nextCondLst>
-            </p:seq>
-          </p:childTnLst>
-        </p:cTn>
-      </p:par>
-    </p:tnLst>
-  </p:timing>
 </p:sld>
 </file>
 
-<file path=ppt/slides/slide23.xml><?xml version="1.0" encoding="utf-8"?>
+<file path=ppt/slides/slide30.xml><?xml version="1.0" encoding="utf-8"?>
 <p:sld xmlns:a="http://schemas.openxmlformats.org/drawingml/2006/main" xmlns:r="http://schemas.openxmlformats.org/officeDocument/2006/relationships" xmlns:p="http://schemas.openxmlformats.org/presentationml/2006/main">
   <p:cSld>
     <p:spTree>
@@ -22098,7 +23989,7 @@
 </p:sld>
 </file>
 
-<file path=ppt/slides/slide24.xml><?xml version="1.0" encoding="utf-8"?>
+<file path=ppt/slides/slide31.xml><?xml version="1.0" encoding="utf-8"?>
 <p:sld xmlns:a="http://schemas.openxmlformats.org/drawingml/2006/main" xmlns:r="http://schemas.openxmlformats.org/officeDocument/2006/relationships" xmlns:p="http://schemas.openxmlformats.org/presentationml/2006/main">
   <p:cSld>
     <p:spTree>
@@ -22180,7 +24071,7 @@
 </p:sld>
 </file>
 
-<file path=ppt/slides/slide25.xml><?xml version="1.0" encoding="utf-8"?>
+<file path=ppt/slides/slide32.xml><?xml version="1.0" encoding="utf-8"?>
 <p:sld xmlns:a="http://schemas.openxmlformats.org/drawingml/2006/main" xmlns:r="http://schemas.openxmlformats.org/officeDocument/2006/relationships" xmlns:p="http://schemas.openxmlformats.org/presentationml/2006/main">
   <p:cSld>
     <p:spTree>
@@ -22202,7 +24093,7 @@
           <p:cNvPr id="2" name="Title 1">
             <a:extLst>
               <a:ext uri="{FF2B5EF4-FFF2-40B4-BE49-F238E27FC236}">
-                <a16:creationId xmlns:a16="http://schemas.microsoft.com/office/drawing/2014/main" id="{17A6D691-BDDA-5E13-0C8A-1D78CEDE0074}"/>
+                <a16:creationId xmlns:a16="http://schemas.microsoft.com/office/drawing/2014/main" id="{32498B55-B2CD-1FF4-4FA9-4D93DE1C3C94}"/>
               </a:ext>
             </a:extLst>
           </p:cNvPr>
@@ -22218,41 +24109,19 @@
           <a:bodyPr/>
           <a:lstStyle/>
           <a:p>
-            <a:endParaRPr lang="en-US" dirty="0"/>
-          </a:p>
-        </p:txBody>
-      </p:sp>
-      <p:sp>
-        <p:nvSpPr>
-          <p:cNvPr id="3" name="Content Placeholder 2">
-            <a:extLst>
-              <a:ext uri="{FF2B5EF4-FFF2-40B4-BE49-F238E27FC236}">
-                <a16:creationId xmlns:a16="http://schemas.microsoft.com/office/drawing/2014/main" id="{23C01DBE-CCE9-68C7-7A81-749C37BD7775}"/>
-              </a:ext>
-            </a:extLst>
-          </p:cNvPr>
-          <p:cNvSpPr>
-            <a:spLocks noGrp="1"/>
-          </p:cNvSpPr>
-          <p:nvPr>
-            <p:ph idx="1"/>
-          </p:nvPr>
-        </p:nvSpPr>
-        <p:spPr/>
-        <p:txBody>
-          <a:bodyPr/>
-          <a:lstStyle/>
-          <a:p>
-            <a:endParaRPr lang="en-US" dirty="0"/>
-          </a:p>
-        </p:txBody>
-      </p:sp>
-      <p:sp>
-        <p:nvSpPr>
-          <p:cNvPr id="4" name="Oval 3">
-            <a:extLst>
-              <a:ext uri="{FF2B5EF4-FFF2-40B4-BE49-F238E27FC236}">
-                <a16:creationId xmlns:a16="http://schemas.microsoft.com/office/drawing/2014/main" id="{E6B8F967-2106-1D18-92BD-E8E5404924A2}"/>
+            <a:r>
+              <a:rPr lang="en-US" dirty="0"/>
+              <a:t>Protocols in OS Kernels </a:t>
+            </a:r>
+          </a:p>
+        </p:txBody>
+      </p:sp>
+      <p:sp>
+        <p:nvSpPr>
+          <p:cNvPr id="4" name="Rectangle 3">
+            <a:extLst>
+              <a:ext uri="{FF2B5EF4-FFF2-40B4-BE49-F238E27FC236}">
+                <a16:creationId xmlns:a16="http://schemas.microsoft.com/office/drawing/2014/main" id="{45849D7D-8806-8E94-B59B-CE3E4E1F7324}"/>
               </a:ext>
             </a:extLst>
           </p:cNvPr>
@@ -22261,12 +24130,13 @@
         </p:nvSpPr>
         <p:spPr>
           <a:xfrm>
-            <a:off x="2009775" y="2305050"/>
-            <a:ext cx="361950" cy="390525"/>
-          </a:xfrm>
-          <a:prstGeom prst="ellipse">
+            <a:off x="5419210" y="2171700"/>
+            <a:ext cx="1562615" cy="510658"/>
+          </a:xfrm>
+          <a:prstGeom prst="rect">
             <a:avLst/>
           </a:prstGeom>
+          <a:noFill/>
         </p:spPr>
         <p:style>
           <a:lnRef idx="2">
@@ -22295,10 +24165,46 @@
       </p:sp>
       <p:sp>
         <p:nvSpPr>
-          <p:cNvPr id="5" name="Oval 4">
-            <a:extLst>
-              <a:ext uri="{FF2B5EF4-FFF2-40B4-BE49-F238E27FC236}">
-                <a16:creationId xmlns:a16="http://schemas.microsoft.com/office/drawing/2014/main" id="{B296B064-DF16-1B37-7221-83021B9C69F6}"/>
+          <p:cNvPr id="8" name="TextBox 7">
+            <a:extLst>
+              <a:ext uri="{FF2B5EF4-FFF2-40B4-BE49-F238E27FC236}">
+                <a16:creationId xmlns:a16="http://schemas.microsoft.com/office/drawing/2014/main" id="{DBAD8D47-D4D1-CB10-2A3D-E0A5BDDFB540}"/>
+              </a:ext>
+            </a:extLst>
+          </p:cNvPr>
+          <p:cNvSpPr txBox="1"/>
+          <p:nvPr/>
+        </p:nvSpPr>
+        <p:spPr>
+          <a:xfrm>
+            <a:off x="5549921" y="2230075"/>
+            <a:ext cx="1308079" cy="369332"/>
+          </a:xfrm>
+          <a:prstGeom prst="rect">
+            <a:avLst/>
+          </a:prstGeom>
+          <a:noFill/>
+        </p:spPr>
+        <p:txBody>
+          <a:bodyPr wrap="square" rtlCol="0">
+            <a:spAutoFit/>
+          </a:bodyPr>
+          <a:lstStyle/>
+          <a:p>
+            <a:r>
+              <a:rPr lang="en-US" dirty="0" err="1"/>
+              <a:t>system_call</a:t>
+            </a:r>
+            <a:endParaRPr lang="en-US" dirty="0"/>
+          </a:p>
+        </p:txBody>
+      </p:sp>
+      <p:sp>
+        <p:nvSpPr>
+          <p:cNvPr id="9" name="Rectangle 8">
+            <a:extLst>
+              <a:ext uri="{FF2B5EF4-FFF2-40B4-BE49-F238E27FC236}">
+                <a16:creationId xmlns:a16="http://schemas.microsoft.com/office/drawing/2014/main" id="{7338F7DA-1B7A-6B68-DC79-9E897569F12A}"/>
               </a:ext>
             </a:extLst>
           </p:cNvPr>
@@ -22307,12 +24213,13 @@
         </p:nvSpPr>
         <p:spPr>
           <a:xfrm>
-            <a:off x="2009775" y="3555999"/>
-            <a:ext cx="361950" cy="390525"/>
-          </a:xfrm>
-          <a:prstGeom prst="ellipse">
+            <a:off x="5492606" y="1304925"/>
+            <a:ext cx="1298719" cy="510659"/>
+          </a:xfrm>
+          <a:prstGeom prst="rect">
             <a:avLst/>
           </a:prstGeom>
+          <a:noFill/>
         </p:spPr>
         <p:style>
           <a:lnRef idx="2">
@@ -22341,10 +24248,45 @@
       </p:sp>
       <p:sp>
         <p:nvSpPr>
-          <p:cNvPr id="6" name="Oval 5">
-            <a:extLst>
-              <a:ext uri="{FF2B5EF4-FFF2-40B4-BE49-F238E27FC236}">
-                <a16:creationId xmlns:a16="http://schemas.microsoft.com/office/drawing/2014/main" id="{1E410281-34A4-EDFB-6C13-2279BCCF7354}"/>
+          <p:cNvPr id="10" name="TextBox 9">
+            <a:extLst>
+              <a:ext uri="{FF2B5EF4-FFF2-40B4-BE49-F238E27FC236}">
+                <a16:creationId xmlns:a16="http://schemas.microsoft.com/office/drawing/2014/main" id="{7AA5ECA9-551C-6138-5A8D-D8AFD52C247F}"/>
+              </a:ext>
+            </a:extLst>
+          </p:cNvPr>
+          <p:cNvSpPr txBox="1"/>
+          <p:nvPr/>
+        </p:nvSpPr>
+        <p:spPr>
+          <a:xfrm>
+            <a:off x="5492607" y="1378870"/>
+            <a:ext cx="1393900" cy="369332"/>
+          </a:xfrm>
+          <a:prstGeom prst="rect">
+            <a:avLst/>
+          </a:prstGeom>
+          <a:noFill/>
+        </p:spPr>
+        <p:txBody>
+          <a:bodyPr wrap="square" rtlCol="0">
+            <a:spAutoFit/>
+          </a:bodyPr>
+          <a:lstStyle/>
+          <a:p>
+            <a:r>
+              <a:rPr lang="en-US" dirty="0"/>
+              <a:t>user process</a:t>
+            </a:r>
+          </a:p>
+        </p:txBody>
+      </p:sp>
+      <p:sp>
+        <p:nvSpPr>
+          <p:cNvPr id="11" name="Rectangle 10">
+            <a:extLst>
+              <a:ext uri="{FF2B5EF4-FFF2-40B4-BE49-F238E27FC236}">
+                <a16:creationId xmlns:a16="http://schemas.microsoft.com/office/drawing/2014/main" id="{4A1DBED3-A943-B1DA-1453-9E6D694EC167}"/>
               </a:ext>
             </a:extLst>
           </p:cNvPr>
@@ -22353,12 +24295,13 @@
         </p:nvSpPr>
         <p:spPr>
           <a:xfrm>
-            <a:off x="2000250" y="4895855"/>
-            <a:ext cx="361950" cy="390525"/>
-          </a:xfrm>
-          <a:prstGeom prst="ellipse">
+            <a:off x="1828800" y="2945899"/>
+            <a:ext cx="942975" cy="509828"/>
+          </a:xfrm>
+          <a:prstGeom prst="rect">
             <a:avLst/>
           </a:prstGeom>
+          <a:noFill/>
         </p:spPr>
         <p:style>
           <a:lnRef idx="2">
@@ -22387,10 +24330,46 @@
       </p:sp>
       <p:sp>
         <p:nvSpPr>
-          <p:cNvPr id="7" name="Oval 6">
-            <a:extLst>
-              <a:ext uri="{FF2B5EF4-FFF2-40B4-BE49-F238E27FC236}">
-                <a16:creationId xmlns:a16="http://schemas.microsoft.com/office/drawing/2014/main" id="{15F28363-A2B6-E416-FDC3-16F97656FF42}"/>
+          <p:cNvPr id="12" name="TextBox 11">
+            <a:extLst>
+              <a:ext uri="{FF2B5EF4-FFF2-40B4-BE49-F238E27FC236}">
+                <a16:creationId xmlns:a16="http://schemas.microsoft.com/office/drawing/2014/main" id="{816BB130-A069-4BDB-A55B-48E7ABC30C32}"/>
+              </a:ext>
+            </a:extLst>
+          </p:cNvPr>
+          <p:cNvSpPr txBox="1"/>
+          <p:nvPr/>
+        </p:nvSpPr>
+        <p:spPr>
+          <a:xfrm>
+            <a:off x="1906495" y="3012574"/>
+            <a:ext cx="780170" cy="369332"/>
+          </a:xfrm>
+          <a:prstGeom prst="rect">
+            <a:avLst/>
+          </a:prstGeom>
+          <a:noFill/>
+        </p:spPr>
+        <p:txBody>
+          <a:bodyPr wrap="square" rtlCol="0">
+            <a:spAutoFit/>
+          </a:bodyPr>
+          <a:lstStyle/>
+          <a:p>
+            <a:r>
+              <a:rPr lang="en-US" dirty="0" err="1"/>
+              <a:t>mmap</a:t>
+            </a:r>
+            <a:endParaRPr lang="en-US" dirty="0"/>
+          </a:p>
+        </p:txBody>
+      </p:sp>
+      <p:sp>
+        <p:nvSpPr>
+          <p:cNvPr id="13" name="Rectangle 12">
+            <a:extLst>
+              <a:ext uri="{FF2B5EF4-FFF2-40B4-BE49-F238E27FC236}">
+                <a16:creationId xmlns:a16="http://schemas.microsoft.com/office/drawing/2014/main" id="{CCB2C353-0576-3DD9-B4C7-2C65F1CB82F8}"/>
               </a:ext>
             </a:extLst>
           </p:cNvPr>
@@ -22399,12 +24378,13 @@
         </p:nvSpPr>
         <p:spPr>
           <a:xfrm>
-            <a:off x="7324725" y="3555998"/>
-            <a:ext cx="361950" cy="390525"/>
-          </a:xfrm>
-          <a:prstGeom prst="ellipse">
+            <a:off x="7413231" y="2702888"/>
+            <a:ext cx="2576290" cy="595941"/>
+          </a:xfrm>
+          <a:prstGeom prst="rect">
             <a:avLst/>
           </a:prstGeom>
+          <a:noFill/>
         </p:spPr>
         <p:style>
           <a:lnRef idx="2">
@@ -22427,16 +24407,54 @@
           <a:lstStyle/>
           <a:p>
             <a:pPr algn="ctr"/>
-            <a:endParaRPr lang="en-US"/>
-          </a:p>
-        </p:txBody>
-      </p:sp>
-      <p:sp>
-        <p:nvSpPr>
-          <p:cNvPr id="8" name="Oval 7">
-            <a:extLst>
-              <a:ext uri="{FF2B5EF4-FFF2-40B4-BE49-F238E27FC236}">
-                <a16:creationId xmlns:a16="http://schemas.microsoft.com/office/drawing/2014/main" id="{17F994BD-F77C-FE72-17C4-6C61B617ECA2}"/>
+            <a:r>
+              <a:rPr lang="en-US" dirty="0"/>
+              <a:t>x</a:t>
+            </a:r>
+          </a:p>
+        </p:txBody>
+      </p:sp>
+      <p:sp>
+        <p:nvSpPr>
+          <p:cNvPr id="14" name="TextBox 13">
+            <a:extLst>
+              <a:ext uri="{FF2B5EF4-FFF2-40B4-BE49-F238E27FC236}">
+                <a16:creationId xmlns:a16="http://schemas.microsoft.com/office/drawing/2014/main" id="{1330C3D4-50F3-4969-3122-8B12CE803349}"/>
+              </a:ext>
+            </a:extLst>
+          </p:cNvPr>
+          <p:cNvSpPr txBox="1"/>
+          <p:nvPr/>
+        </p:nvSpPr>
+        <p:spPr>
+          <a:xfrm>
+            <a:off x="7488985" y="2825171"/>
+            <a:ext cx="2462436" cy="369332"/>
+          </a:xfrm>
+          <a:prstGeom prst="rect">
+            <a:avLst/>
+          </a:prstGeom>
+          <a:noFill/>
+        </p:spPr>
+        <p:txBody>
+          <a:bodyPr wrap="square" rtlCol="0">
+            <a:spAutoFit/>
+          </a:bodyPr>
+          <a:lstStyle/>
+          <a:p>
+            <a:r>
+              <a:rPr lang="en-US" dirty="0"/>
+              <a:t>Virtual File System (VFS)</a:t>
+            </a:r>
+          </a:p>
+        </p:txBody>
+      </p:sp>
+      <p:sp>
+        <p:nvSpPr>
+          <p:cNvPr id="15" name="Rectangle 14">
+            <a:extLst>
+              <a:ext uri="{FF2B5EF4-FFF2-40B4-BE49-F238E27FC236}">
+                <a16:creationId xmlns:a16="http://schemas.microsoft.com/office/drawing/2014/main" id="{7C3ADB81-68F2-216A-14D1-2A9E6138E495}"/>
               </a:ext>
             </a:extLst>
           </p:cNvPr>
@@ -22445,12 +24463,13 @@
         </p:nvSpPr>
         <p:spPr>
           <a:xfrm>
-            <a:off x="9067800" y="2305049"/>
-            <a:ext cx="361950" cy="390525"/>
-          </a:xfrm>
-          <a:prstGeom prst="ellipse">
+            <a:off x="3086100" y="2952750"/>
+            <a:ext cx="1433158" cy="509828"/>
+          </a:xfrm>
+          <a:prstGeom prst="rect">
             <a:avLst/>
           </a:prstGeom>
+          <a:noFill/>
         </p:spPr>
         <p:style>
           <a:lnRef idx="2">
@@ -22479,10 +24498,46 @@
       </p:sp>
       <p:sp>
         <p:nvSpPr>
-          <p:cNvPr id="9" name="Oval 8">
-            <a:extLst>
-              <a:ext uri="{FF2B5EF4-FFF2-40B4-BE49-F238E27FC236}">
-                <a16:creationId xmlns:a16="http://schemas.microsoft.com/office/drawing/2014/main" id="{A97C5065-5C26-2600-4EBB-4461425DF9FF}"/>
+          <p:cNvPr id="16" name="TextBox 15">
+            <a:extLst>
+              <a:ext uri="{FF2B5EF4-FFF2-40B4-BE49-F238E27FC236}">
+                <a16:creationId xmlns:a16="http://schemas.microsoft.com/office/drawing/2014/main" id="{01CBF8BD-4879-9273-95CD-08F7D1D48326}"/>
+              </a:ext>
+            </a:extLst>
+          </p:cNvPr>
+          <p:cNvSpPr txBox="1"/>
+          <p:nvPr/>
+        </p:nvSpPr>
+        <p:spPr>
+          <a:xfrm>
+            <a:off x="3190575" y="3003049"/>
+            <a:ext cx="1295700" cy="369332"/>
+          </a:xfrm>
+          <a:prstGeom prst="rect">
+            <a:avLst/>
+          </a:prstGeom>
+          <a:noFill/>
+        </p:spPr>
+        <p:txBody>
+          <a:bodyPr wrap="square" rtlCol="0">
+            <a:spAutoFit/>
+          </a:bodyPr>
+          <a:lstStyle/>
+          <a:p>
+            <a:r>
+              <a:rPr lang="en-US" dirty="0" err="1"/>
+              <a:t>mmap_lazy</a:t>
+            </a:r>
+            <a:endParaRPr lang="en-US" dirty="0"/>
+          </a:p>
+        </p:txBody>
+      </p:sp>
+      <p:sp>
+        <p:nvSpPr>
+          <p:cNvPr id="17" name="Rectangle 16">
+            <a:extLst>
+              <a:ext uri="{FF2B5EF4-FFF2-40B4-BE49-F238E27FC236}">
+                <a16:creationId xmlns:a16="http://schemas.microsoft.com/office/drawing/2014/main" id="{129368DE-4A8A-F2C1-C968-CE54B172F514}"/>
               </a:ext>
             </a:extLst>
           </p:cNvPr>
@@ -22491,12 +24546,13 @@
         </p:nvSpPr>
         <p:spPr>
           <a:xfrm>
-            <a:off x="9067800" y="3555999"/>
-            <a:ext cx="361950" cy="390525"/>
-          </a:xfrm>
-          <a:prstGeom prst="ellipse">
+            <a:off x="1473280" y="3692781"/>
+            <a:ext cx="3321759" cy="1180082"/>
+          </a:xfrm>
+          <a:prstGeom prst="rect">
             <a:avLst/>
           </a:prstGeom>
+          <a:noFill/>
         </p:spPr>
         <p:style>
           <a:lnRef idx="2">
@@ -22525,10 +24581,45 @@
       </p:sp>
       <p:sp>
         <p:nvSpPr>
-          <p:cNvPr id="10" name="Oval 9">
-            <a:extLst>
-              <a:ext uri="{FF2B5EF4-FFF2-40B4-BE49-F238E27FC236}">
-                <a16:creationId xmlns:a16="http://schemas.microsoft.com/office/drawing/2014/main" id="{155F3550-A1F4-CDD8-4C53-6D96D6A3EB87}"/>
+          <p:cNvPr id="18" name="TextBox 17">
+            <a:extLst>
+              <a:ext uri="{FF2B5EF4-FFF2-40B4-BE49-F238E27FC236}">
+                <a16:creationId xmlns:a16="http://schemas.microsoft.com/office/drawing/2014/main" id="{EC4FB180-8F97-A0A7-8E0F-4A3B838DBEA5}"/>
+              </a:ext>
+            </a:extLst>
+          </p:cNvPr>
+          <p:cNvSpPr txBox="1"/>
+          <p:nvPr/>
+        </p:nvSpPr>
+        <p:spPr>
+          <a:xfrm>
+            <a:off x="1510935" y="3826127"/>
+            <a:ext cx="3284104" cy="369332"/>
+          </a:xfrm>
+          <a:prstGeom prst="rect">
+            <a:avLst/>
+          </a:prstGeom>
+          <a:noFill/>
+        </p:spPr>
+        <p:txBody>
+          <a:bodyPr wrap="none" rtlCol="0">
+            <a:spAutoFit/>
+          </a:bodyPr>
+          <a:lstStyle/>
+          <a:p>
+            <a:r>
+              <a:rPr lang="en-US" dirty="0"/>
+              <a:t>Virtual Memory Manager (VMM)</a:t>
+            </a:r>
+          </a:p>
+        </p:txBody>
+      </p:sp>
+      <p:sp>
+        <p:nvSpPr>
+          <p:cNvPr id="21" name="Rectangle 20">
+            <a:extLst>
+              <a:ext uri="{FF2B5EF4-FFF2-40B4-BE49-F238E27FC236}">
+                <a16:creationId xmlns:a16="http://schemas.microsoft.com/office/drawing/2014/main" id="{0D4085BB-3185-8F9D-CA0E-47FBC6C342BE}"/>
               </a:ext>
             </a:extLst>
           </p:cNvPr>
@@ -22537,12 +24628,13 @@
         </p:nvSpPr>
         <p:spPr>
           <a:xfrm>
-            <a:off x="9067800" y="4895855"/>
-            <a:ext cx="361950" cy="390525"/>
-          </a:xfrm>
-          <a:prstGeom prst="ellipse">
+            <a:off x="7413231" y="3647741"/>
+            <a:ext cx="890365" cy="426482"/>
+          </a:xfrm>
+          <a:prstGeom prst="rect">
             <a:avLst/>
           </a:prstGeom>
+          <a:noFill/>
         </p:spPr>
         <p:style>
           <a:lnRef idx="2">
@@ -22569,10 +24661,789 @@
           </a:p>
         </p:txBody>
       </p:sp>
+      <p:sp>
+        <p:nvSpPr>
+          <p:cNvPr id="22" name="TextBox 21">
+            <a:extLst>
+              <a:ext uri="{FF2B5EF4-FFF2-40B4-BE49-F238E27FC236}">
+                <a16:creationId xmlns:a16="http://schemas.microsoft.com/office/drawing/2014/main" id="{227AC275-B1C1-76A7-9165-9BD395400B7A}"/>
+              </a:ext>
+            </a:extLst>
+          </p:cNvPr>
+          <p:cNvSpPr txBox="1"/>
+          <p:nvPr/>
+        </p:nvSpPr>
+        <p:spPr>
+          <a:xfrm>
+            <a:off x="7516248" y="3682150"/>
+            <a:ext cx="656779" cy="369332"/>
+          </a:xfrm>
+          <a:prstGeom prst="rect">
+            <a:avLst/>
+          </a:prstGeom>
+          <a:noFill/>
+        </p:spPr>
+        <p:txBody>
+          <a:bodyPr wrap="square" rtlCol="0">
+            <a:spAutoFit/>
+          </a:bodyPr>
+          <a:lstStyle/>
+          <a:p>
+            <a:r>
+              <a:rPr lang="en-US" dirty="0"/>
+              <a:t>ext2</a:t>
+            </a:r>
+          </a:p>
+        </p:txBody>
+      </p:sp>
+      <p:sp>
+        <p:nvSpPr>
+          <p:cNvPr id="23" name="Rectangle 22">
+            <a:extLst>
+              <a:ext uri="{FF2B5EF4-FFF2-40B4-BE49-F238E27FC236}">
+                <a16:creationId xmlns:a16="http://schemas.microsoft.com/office/drawing/2014/main" id="{5D06259C-8EB2-D00C-5607-2F2E9B1CC6C5}"/>
+              </a:ext>
+            </a:extLst>
+          </p:cNvPr>
+          <p:cNvSpPr/>
+          <p:nvPr/>
+        </p:nvSpPr>
+        <p:spPr>
+          <a:xfrm>
+            <a:off x="8998921" y="3647741"/>
+            <a:ext cx="1041197" cy="438150"/>
+          </a:xfrm>
+          <a:prstGeom prst="rect">
+            <a:avLst/>
+          </a:prstGeom>
+          <a:noFill/>
+        </p:spPr>
+        <p:style>
+          <a:lnRef idx="2">
+            <a:schemeClr val="accent1">
+              <a:shade val="15000"/>
+            </a:schemeClr>
+          </a:lnRef>
+          <a:fillRef idx="1">
+            <a:schemeClr val="accent1"/>
+          </a:fillRef>
+          <a:effectRef idx="0">
+            <a:schemeClr val="accent1"/>
+          </a:effectRef>
+          <a:fontRef idx="minor">
+            <a:schemeClr val="lt1"/>
+          </a:fontRef>
+        </p:style>
+        <p:txBody>
+          <a:bodyPr rtlCol="0" anchor="ctr"/>
+          <a:lstStyle/>
+          <a:p>
+            <a:pPr algn="ctr"/>
+            <a:endParaRPr lang="en-US"/>
+          </a:p>
+        </p:txBody>
+      </p:sp>
+      <p:sp>
+        <p:nvSpPr>
+          <p:cNvPr id="24" name="TextBox 23">
+            <a:extLst>
+              <a:ext uri="{FF2B5EF4-FFF2-40B4-BE49-F238E27FC236}">
+                <a16:creationId xmlns:a16="http://schemas.microsoft.com/office/drawing/2014/main" id="{50F04E11-D16F-A25E-4F8D-34AA20A9ABB4}"/>
+              </a:ext>
+            </a:extLst>
+          </p:cNvPr>
+          <p:cNvSpPr txBox="1"/>
+          <p:nvPr/>
+        </p:nvSpPr>
+        <p:spPr>
+          <a:xfrm>
+            <a:off x="9053290" y="3695366"/>
+            <a:ext cx="986828" cy="369332"/>
+          </a:xfrm>
+          <a:prstGeom prst="rect">
+            <a:avLst/>
+          </a:prstGeom>
+          <a:noFill/>
+        </p:spPr>
+        <p:txBody>
+          <a:bodyPr wrap="square" rtlCol="0">
+            <a:spAutoFit/>
+          </a:bodyPr>
+          <a:lstStyle/>
+          <a:p>
+            <a:r>
+              <a:rPr lang="en-US" dirty="0" err="1"/>
+              <a:t>mem_fs</a:t>
+            </a:r>
+            <a:endParaRPr lang="en-US" dirty="0"/>
+          </a:p>
+        </p:txBody>
+      </p:sp>
+      <p:sp>
+        <p:nvSpPr>
+          <p:cNvPr id="25" name="Rectangle 24">
+            <a:extLst>
+              <a:ext uri="{FF2B5EF4-FFF2-40B4-BE49-F238E27FC236}">
+                <a16:creationId xmlns:a16="http://schemas.microsoft.com/office/drawing/2014/main" id="{88F15FBE-2671-C06D-9CFD-0738FFF0E1BA}"/>
+              </a:ext>
+            </a:extLst>
+          </p:cNvPr>
+          <p:cNvSpPr/>
+          <p:nvPr/>
+        </p:nvSpPr>
+        <p:spPr>
+          <a:xfrm>
+            <a:off x="7912227" y="4281188"/>
+            <a:ext cx="1278930" cy="510658"/>
+          </a:xfrm>
+          <a:prstGeom prst="rect">
+            <a:avLst/>
+          </a:prstGeom>
+          <a:noFill/>
+        </p:spPr>
+        <p:style>
+          <a:lnRef idx="2">
+            <a:schemeClr val="accent1">
+              <a:shade val="15000"/>
+            </a:schemeClr>
+          </a:lnRef>
+          <a:fillRef idx="1">
+            <a:schemeClr val="accent1"/>
+          </a:fillRef>
+          <a:effectRef idx="0">
+            <a:schemeClr val="accent1"/>
+          </a:effectRef>
+          <a:fontRef idx="minor">
+            <a:schemeClr val="lt1"/>
+          </a:fontRef>
+        </p:style>
+        <p:txBody>
+          <a:bodyPr rtlCol="0" anchor="ctr"/>
+          <a:lstStyle/>
+          <a:p>
+            <a:pPr algn="ctr"/>
+            <a:endParaRPr lang="en-US"/>
+          </a:p>
+        </p:txBody>
+      </p:sp>
+      <p:sp>
+        <p:nvSpPr>
+          <p:cNvPr id="26" name="TextBox 25">
+            <a:extLst>
+              <a:ext uri="{FF2B5EF4-FFF2-40B4-BE49-F238E27FC236}">
+                <a16:creationId xmlns:a16="http://schemas.microsoft.com/office/drawing/2014/main" id="{5CAA5E83-9C11-13D8-3E6B-B3336CBF0115}"/>
+              </a:ext>
+            </a:extLst>
+          </p:cNvPr>
+          <p:cNvSpPr txBox="1"/>
+          <p:nvPr/>
+        </p:nvSpPr>
+        <p:spPr>
+          <a:xfrm>
+            <a:off x="7969957" y="4345243"/>
+            <a:ext cx="1233992" cy="369332"/>
+          </a:xfrm>
+          <a:prstGeom prst="rect">
+            <a:avLst/>
+          </a:prstGeom>
+          <a:noFill/>
+        </p:spPr>
+        <p:txBody>
+          <a:bodyPr wrap="square" rtlCol="0">
+            <a:spAutoFit/>
+          </a:bodyPr>
+          <a:lstStyle/>
+          <a:p>
+            <a:r>
+              <a:rPr lang="en-US" dirty="0"/>
+              <a:t>page cache</a:t>
+            </a:r>
+          </a:p>
+        </p:txBody>
+      </p:sp>
+      <p:sp>
+        <p:nvSpPr>
+          <p:cNvPr id="27" name="Rectangle 26">
+            <a:extLst>
+              <a:ext uri="{FF2B5EF4-FFF2-40B4-BE49-F238E27FC236}">
+                <a16:creationId xmlns:a16="http://schemas.microsoft.com/office/drawing/2014/main" id="{F30A0FCC-8D6C-FFF9-86AF-98C39BB64915}"/>
+              </a:ext>
+            </a:extLst>
+          </p:cNvPr>
+          <p:cNvSpPr/>
+          <p:nvPr/>
+        </p:nvSpPr>
+        <p:spPr>
+          <a:xfrm>
+            <a:off x="3433985" y="4281188"/>
+            <a:ext cx="1278930" cy="510658"/>
+          </a:xfrm>
+          <a:prstGeom prst="rect">
+            <a:avLst/>
+          </a:prstGeom>
+          <a:noFill/>
+        </p:spPr>
+        <p:style>
+          <a:lnRef idx="2">
+            <a:schemeClr val="accent1">
+              <a:shade val="15000"/>
+            </a:schemeClr>
+          </a:lnRef>
+          <a:fillRef idx="1">
+            <a:schemeClr val="accent1"/>
+          </a:fillRef>
+          <a:effectRef idx="0">
+            <a:schemeClr val="accent1"/>
+          </a:effectRef>
+          <a:fontRef idx="minor">
+            <a:schemeClr val="lt1"/>
+          </a:fontRef>
+        </p:style>
+        <p:txBody>
+          <a:bodyPr rtlCol="0" anchor="ctr"/>
+          <a:lstStyle/>
+          <a:p>
+            <a:pPr algn="ctr"/>
+            <a:endParaRPr lang="en-US"/>
+          </a:p>
+        </p:txBody>
+      </p:sp>
+      <p:sp>
+        <p:nvSpPr>
+          <p:cNvPr id="28" name="TextBox 27">
+            <a:extLst>
+              <a:ext uri="{FF2B5EF4-FFF2-40B4-BE49-F238E27FC236}">
+                <a16:creationId xmlns:a16="http://schemas.microsoft.com/office/drawing/2014/main" id="{4CF4D862-1F76-F872-FD71-D929F88D77A5}"/>
+              </a:ext>
+            </a:extLst>
+          </p:cNvPr>
+          <p:cNvSpPr txBox="1"/>
+          <p:nvPr/>
+        </p:nvSpPr>
+        <p:spPr>
+          <a:xfrm>
+            <a:off x="3462114" y="4345243"/>
+            <a:ext cx="1113446" cy="369332"/>
+          </a:xfrm>
+          <a:prstGeom prst="rect">
+            <a:avLst/>
+          </a:prstGeom>
+          <a:noFill/>
+        </p:spPr>
+        <p:txBody>
+          <a:bodyPr wrap="none" rtlCol="0">
+            <a:spAutoFit/>
+          </a:bodyPr>
+          <a:lstStyle/>
+          <a:p>
+            <a:r>
+              <a:rPr lang="en-US" dirty="0" err="1"/>
+              <a:t>vmm_flist</a:t>
+            </a:r>
+            <a:endParaRPr lang="en-US" dirty="0"/>
+          </a:p>
+        </p:txBody>
+      </p:sp>
+      <p:sp>
+        <p:nvSpPr>
+          <p:cNvPr id="29" name="Rectangle 28">
+            <a:extLst>
+              <a:ext uri="{FF2B5EF4-FFF2-40B4-BE49-F238E27FC236}">
+                <a16:creationId xmlns:a16="http://schemas.microsoft.com/office/drawing/2014/main" id="{257326AC-A5B3-2735-4E4F-41925B56871E}"/>
+              </a:ext>
+            </a:extLst>
+          </p:cNvPr>
+          <p:cNvSpPr/>
+          <p:nvPr/>
+        </p:nvSpPr>
+        <p:spPr>
+          <a:xfrm>
+            <a:off x="5419210" y="5026317"/>
+            <a:ext cx="1829822" cy="510658"/>
+          </a:xfrm>
+          <a:prstGeom prst="rect">
+            <a:avLst/>
+          </a:prstGeom>
+          <a:noFill/>
+        </p:spPr>
+        <p:style>
+          <a:lnRef idx="2">
+            <a:schemeClr val="accent1">
+              <a:shade val="15000"/>
+            </a:schemeClr>
+          </a:lnRef>
+          <a:fillRef idx="1">
+            <a:schemeClr val="accent1"/>
+          </a:fillRef>
+          <a:effectRef idx="0">
+            <a:schemeClr val="accent1"/>
+          </a:effectRef>
+          <a:fontRef idx="minor">
+            <a:schemeClr val="lt1"/>
+          </a:fontRef>
+        </p:style>
+        <p:txBody>
+          <a:bodyPr rtlCol="0" anchor="ctr"/>
+          <a:lstStyle/>
+          <a:p>
+            <a:pPr algn="ctr"/>
+            <a:endParaRPr lang="en-US"/>
+          </a:p>
+        </p:txBody>
+      </p:sp>
+      <p:sp>
+        <p:nvSpPr>
+          <p:cNvPr id="30" name="Rectangle 29">
+            <a:extLst>
+              <a:ext uri="{FF2B5EF4-FFF2-40B4-BE49-F238E27FC236}">
+                <a16:creationId xmlns:a16="http://schemas.microsoft.com/office/drawing/2014/main" id="{BE8B3002-C467-288E-D27B-4475521E14CE}"/>
+              </a:ext>
+            </a:extLst>
+          </p:cNvPr>
+          <p:cNvSpPr/>
+          <p:nvPr/>
+        </p:nvSpPr>
+        <p:spPr>
+          <a:xfrm>
+            <a:off x="7308023" y="5602910"/>
+            <a:ext cx="1883134" cy="510658"/>
+          </a:xfrm>
+          <a:prstGeom prst="rect">
+            <a:avLst/>
+          </a:prstGeom>
+          <a:noFill/>
+        </p:spPr>
+        <p:style>
+          <a:lnRef idx="2">
+            <a:schemeClr val="accent1">
+              <a:shade val="15000"/>
+            </a:schemeClr>
+          </a:lnRef>
+          <a:fillRef idx="1">
+            <a:schemeClr val="accent1"/>
+          </a:fillRef>
+          <a:effectRef idx="0">
+            <a:schemeClr val="accent1"/>
+          </a:effectRef>
+          <a:fontRef idx="minor">
+            <a:schemeClr val="lt1"/>
+          </a:fontRef>
+        </p:style>
+        <p:txBody>
+          <a:bodyPr rtlCol="0" anchor="ctr"/>
+          <a:lstStyle/>
+          <a:p>
+            <a:pPr algn="ctr"/>
+            <a:endParaRPr lang="en-US"/>
+          </a:p>
+        </p:txBody>
+      </p:sp>
+      <p:sp>
+        <p:nvSpPr>
+          <p:cNvPr id="31" name="Rectangle 30">
+            <a:extLst>
+              <a:ext uri="{FF2B5EF4-FFF2-40B4-BE49-F238E27FC236}">
+                <a16:creationId xmlns:a16="http://schemas.microsoft.com/office/drawing/2014/main" id="{1CDC9832-B1F9-A4C3-E56D-17037F14E766}"/>
+              </a:ext>
+            </a:extLst>
+          </p:cNvPr>
+          <p:cNvSpPr/>
+          <p:nvPr/>
+        </p:nvSpPr>
+        <p:spPr>
+          <a:xfrm>
+            <a:off x="3433985" y="5600730"/>
+            <a:ext cx="2058621" cy="510658"/>
+          </a:xfrm>
+          <a:prstGeom prst="rect">
+            <a:avLst/>
+          </a:prstGeom>
+          <a:noFill/>
+        </p:spPr>
+        <p:style>
+          <a:lnRef idx="2">
+            <a:schemeClr val="accent1">
+              <a:shade val="15000"/>
+            </a:schemeClr>
+          </a:lnRef>
+          <a:fillRef idx="1">
+            <a:schemeClr val="accent1"/>
+          </a:fillRef>
+          <a:effectRef idx="0">
+            <a:schemeClr val="accent1"/>
+          </a:effectRef>
+          <a:fontRef idx="minor">
+            <a:schemeClr val="lt1"/>
+          </a:fontRef>
+        </p:style>
+        <p:txBody>
+          <a:bodyPr rtlCol="0" anchor="ctr"/>
+          <a:lstStyle/>
+          <a:p>
+            <a:pPr algn="ctr"/>
+            <a:endParaRPr lang="en-US"/>
+          </a:p>
+        </p:txBody>
+      </p:sp>
+      <p:sp>
+        <p:nvSpPr>
+          <p:cNvPr id="32" name="Rectangle 31">
+            <a:extLst>
+              <a:ext uri="{FF2B5EF4-FFF2-40B4-BE49-F238E27FC236}">
+                <a16:creationId xmlns:a16="http://schemas.microsoft.com/office/drawing/2014/main" id="{FF0B7269-9346-01AB-A83D-CD53A433B5F7}"/>
+              </a:ext>
+            </a:extLst>
+          </p:cNvPr>
+          <p:cNvSpPr/>
+          <p:nvPr/>
+        </p:nvSpPr>
+        <p:spPr>
+          <a:xfrm>
+            <a:off x="7719991" y="6247820"/>
+            <a:ext cx="1593872" cy="510658"/>
+          </a:xfrm>
+          <a:prstGeom prst="rect">
+            <a:avLst/>
+          </a:prstGeom>
+          <a:noFill/>
+        </p:spPr>
+        <p:style>
+          <a:lnRef idx="2">
+            <a:schemeClr val="accent1">
+              <a:shade val="15000"/>
+            </a:schemeClr>
+          </a:lnRef>
+          <a:fillRef idx="1">
+            <a:schemeClr val="accent1"/>
+          </a:fillRef>
+          <a:effectRef idx="0">
+            <a:schemeClr val="accent1"/>
+          </a:effectRef>
+          <a:fontRef idx="minor">
+            <a:schemeClr val="lt1"/>
+          </a:fontRef>
+        </p:style>
+        <p:txBody>
+          <a:bodyPr rtlCol="0" anchor="ctr"/>
+          <a:lstStyle/>
+          <a:p>
+            <a:pPr algn="ctr"/>
+            <a:endParaRPr lang="en-US"/>
+          </a:p>
+        </p:txBody>
+      </p:sp>
+      <p:sp>
+        <p:nvSpPr>
+          <p:cNvPr id="33" name="Rectangle 32">
+            <a:extLst>
+              <a:ext uri="{FF2B5EF4-FFF2-40B4-BE49-F238E27FC236}">
+                <a16:creationId xmlns:a16="http://schemas.microsoft.com/office/drawing/2014/main" id="{43A9696B-A148-E9AA-11B7-7E481EAC5F53}"/>
+              </a:ext>
+            </a:extLst>
+          </p:cNvPr>
+          <p:cNvSpPr/>
+          <p:nvPr/>
+        </p:nvSpPr>
+        <p:spPr>
+          <a:xfrm>
+            <a:off x="3590925" y="6247820"/>
+            <a:ext cx="1901681" cy="510658"/>
+          </a:xfrm>
+          <a:prstGeom prst="rect">
+            <a:avLst/>
+          </a:prstGeom>
+          <a:noFill/>
+        </p:spPr>
+        <p:style>
+          <a:lnRef idx="2">
+            <a:schemeClr val="accent1">
+              <a:shade val="15000"/>
+            </a:schemeClr>
+          </a:lnRef>
+          <a:fillRef idx="1">
+            <a:schemeClr val="accent1"/>
+          </a:fillRef>
+          <a:effectRef idx="0">
+            <a:schemeClr val="accent1"/>
+          </a:effectRef>
+          <a:fontRef idx="minor">
+            <a:schemeClr val="lt1"/>
+          </a:fontRef>
+        </p:style>
+        <p:txBody>
+          <a:bodyPr rtlCol="0" anchor="ctr"/>
+          <a:lstStyle/>
+          <a:p>
+            <a:pPr algn="ctr"/>
+            <a:endParaRPr lang="en-US"/>
+          </a:p>
+        </p:txBody>
+      </p:sp>
+      <p:sp>
+        <p:nvSpPr>
+          <p:cNvPr id="34" name="TextBox 33">
+            <a:extLst>
+              <a:ext uri="{FF2B5EF4-FFF2-40B4-BE49-F238E27FC236}">
+                <a16:creationId xmlns:a16="http://schemas.microsoft.com/office/drawing/2014/main" id="{D7C2E1D9-FCE6-5B12-ED86-C05A8048B475}"/>
+              </a:ext>
+            </a:extLst>
+          </p:cNvPr>
+          <p:cNvSpPr txBox="1"/>
+          <p:nvPr/>
+        </p:nvSpPr>
+        <p:spPr>
+          <a:xfrm>
+            <a:off x="5503996" y="5096980"/>
+            <a:ext cx="1699169" cy="369332"/>
+          </a:xfrm>
+          <a:prstGeom prst="rect">
+            <a:avLst/>
+          </a:prstGeom>
+          <a:noFill/>
+        </p:spPr>
+        <p:txBody>
+          <a:bodyPr wrap="square" rtlCol="0">
+            <a:spAutoFit/>
+          </a:bodyPr>
+          <a:lstStyle/>
+          <a:p>
+            <a:r>
+              <a:rPr lang="en-US" dirty="0"/>
+              <a:t>Device drivers</a:t>
+            </a:r>
+          </a:p>
+        </p:txBody>
+      </p:sp>
+      <p:sp>
+        <p:nvSpPr>
+          <p:cNvPr id="35" name="TextBox 34">
+            <a:extLst>
+              <a:ext uri="{FF2B5EF4-FFF2-40B4-BE49-F238E27FC236}">
+                <a16:creationId xmlns:a16="http://schemas.microsoft.com/office/drawing/2014/main" id="{D0BF98F3-856E-F254-105C-E3ADC46BBA01}"/>
+              </a:ext>
+            </a:extLst>
+          </p:cNvPr>
+          <p:cNvSpPr txBox="1"/>
+          <p:nvPr/>
+        </p:nvSpPr>
+        <p:spPr>
+          <a:xfrm>
+            <a:off x="3810000" y="6318483"/>
+            <a:ext cx="1609211" cy="369332"/>
+          </a:xfrm>
+          <a:prstGeom prst="rect">
+            <a:avLst/>
+          </a:prstGeom>
+          <a:noFill/>
+        </p:spPr>
+        <p:txBody>
+          <a:bodyPr wrap="square" rtlCol="0">
+            <a:spAutoFit/>
+          </a:bodyPr>
+          <a:lstStyle/>
+          <a:p>
+            <a:r>
+              <a:rPr lang="en-US" dirty="0" err="1"/>
+              <a:t>hw_memory</a:t>
+            </a:r>
+            <a:endParaRPr lang="en-US" dirty="0"/>
+          </a:p>
+        </p:txBody>
+      </p:sp>
+      <p:sp>
+        <p:nvSpPr>
+          <p:cNvPr id="36" name="TextBox 35">
+            <a:extLst>
+              <a:ext uri="{FF2B5EF4-FFF2-40B4-BE49-F238E27FC236}">
+                <a16:creationId xmlns:a16="http://schemas.microsoft.com/office/drawing/2014/main" id="{CCE846E0-B23B-EDB9-CCFB-9913AD1DA1C7}"/>
+              </a:ext>
+            </a:extLst>
+          </p:cNvPr>
+          <p:cNvSpPr txBox="1"/>
+          <p:nvPr/>
+        </p:nvSpPr>
+        <p:spPr>
+          <a:xfrm>
+            <a:off x="8050093" y="6318483"/>
+            <a:ext cx="1003198" cy="369332"/>
+          </a:xfrm>
+          <a:prstGeom prst="rect">
+            <a:avLst/>
+          </a:prstGeom>
+          <a:noFill/>
+        </p:spPr>
+        <p:txBody>
+          <a:bodyPr wrap="square" rtlCol="0">
+            <a:spAutoFit/>
+          </a:bodyPr>
+          <a:lstStyle/>
+          <a:p>
+            <a:r>
+              <a:rPr lang="en-US" dirty="0" err="1"/>
+              <a:t>hw_disk</a:t>
+            </a:r>
+            <a:endParaRPr lang="en-US" dirty="0"/>
+          </a:p>
+        </p:txBody>
+      </p:sp>
+      <p:sp>
+        <p:nvSpPr>
+          <p:cNvPr id="37" name="TextBox 36">
+            <a:extLst>
+              <a:ext uri="{FF2B5EF4-FFF2-40B4-BE49-F238E27FC236}">
+                <a16:creationId xmlns:a16="http://schemas.microsoft.com/office/drawing/2014/main" id="{B4FC284F-F727-32A8-FF1E-4E37883B495A}"/>
+              </a:ext>
+            </a:extLst>
+          </p:cNvPr>
+          <p:cNvSpPr txBox="1"/>
+          <p:nvPr/>
+        </p:nvSpPr>
+        <p:spPr>
+          <a:xfrm>
+            <a:off x="3521728" y="5671393"/>
+            <a:ext cx="1883133" cy="369332"/>
+          </a:xfrm>
+          <a:prstGeom prst="rect">
+            <a:avLst/>
+          </a:prstGeom>
+          <a:noFill/>
+        </p:spPr>
+        <p:txBody>
+          <a:bodyPr wrap="square" rtlCol="0">
+            <a:spAutoFit/>
+          </a:bodyPr>
+          <a:lstStyle/>
+          <a:p>
+            <a:r>
+              <a:rPr lang="en-US" dirty="0" err="1"/>
+              <a:t>mem_disk_driver</a:t>
+            </a:r>
+            <a:endParaRPr lang="en-US" dirty="0"/>
+          </a:p>
+        </p:txBody>
+      </p:sp>
+      <p:sp>
+        <p:nvSpPr>
+          <p:cNvPr id="38" name="Rectangle 37">
+            <a:extLst>
+              <a:ext uri="{FF2B5EF4-FFF2-40B4-BE49-F238E27FC236}">
+                <a16:creationId xmlns:a16="http://schemas.microsoft.com/office/drawing/2014/main" id="{2D1D870A-4D2E-3D56-18AD-1DB1E2D68BB1}"/>
+              </a:ext>
+            </a:extLst>
+          </p:cNvPr>
+          <p:cNvSpPr/>
+          <p:nvPr/>
+        </p:nvSpPr>
+        <p:spPr>
+          <a:xfrm>
+            <a:off x="5614567" y="6226920"/>
+            <a:ext cx="1901681" cy="510658"/>
+          </a:xfrm>
+          <a:prstGeom prst="rect">
+            <a:avLst/>
+          </a:prstGeom>
+          <a:noFill/>
+        </p:spPr>
+        <p:style>
+          <a:lnRef idx="2">
+            <a:schemeClr val="accent1">
+              <a:shade val="15000"/>
+            </a:schemeClr>
+          </a:lnRef>
+          <a:fillRef idx="1">
+            <a:schemeClr val="accent1"/>
+          </a:fillRef>
+          <a:effectRef idx="0">
+            <a:schemeClr val="accent1"/>
+          </a:effectRef>
+          <a:fontRef idx="minor">
+            <a:schemeClr val="lt1"/>
+          </a:fontRef>
+        </p:style>
+        <p:txBody>
+          <a:bodyPr rtlCol="0" anchor="ctr"/>
+          <a:lstStyle/>
+          <a:p>
+            <a:pPr algn="ctr"/>
+            <a:endParaRPr lang="en-US"/>
+          </a:p>
+        </p:txBody>
+      </p:sp>
+      <p:sp>
+        <p:nvSpPr>
+          <p:cNvPr id="39" name="TextBox 38">
+            <a:extLst>
+              <a:ext uri="{FF2B5EF4-FFF2-40B4-BE49-F238E27FC236}">
+                <a16:creationId xmlns:a16="http://schemas.microsoft.com/office/drawing/2014/main" id="{A0771301-E0C2-2F61-F19A-22112184FA3D}"/>
+              </a:ext>
+            </a:extLst>
+          </p:cNvPr>
+          <p:cNvSpPr txBox="1"/>
+          <p:nvPr/>
+        </p:nvSpPr>
+        <p:spPr>
+          <a:xfrm>
+            <a:off x="5801486" y="6308209"/>
+            <a:ext cx="1391599" cy="369332"/>
+          </a:xfrm>
+          <a:prstGeom prst="rect">
+            <a:avLst/>
+          </a:prstGeom>
+          <a:noFill/>
+        </p:spPr>
+        <p:txBody>
+          <a:bodyPr wrap="none" rtlCol="0">
+            <a:spAutoFit/>
+          </a:bodyPr>
+          <a:lstStyle/>
+          <a:p>
+            <a:r>
+              <a:rPr lang="en-US" dirty="0" err="1"/>
+              <a:t>Hw_network</a:t>
+            </a:r>
+            <a:endParaRPr lang="en-US" dirty="0"/>
+          </a:p>
+        </p:txBody>
+      </p:sp>
+      <p:sp>
+        <p:nvSpPr>
+          <p:cNvPr id="40" name="TextBox 39">
+            <a:extLst>
+              <a:ext uri="{FF2B5EF4-FFF2-40B4-BE49-F238E27FC236}">
+                <a16:creationId xmlns:a16="http://schemas.microsoft.com/office/drawing/2014/main" id="{1A8C2447-4861-B1F9-CC7F-E5E1E6BE7573}"/>
+              </a:ext>
+            </a:extLst>
+          </p:cNvPr>
+          <p:cNvSpPr txBox="1"/>
+          <p:nvPr/>
+        </p:nvSpPr>
+        <p:spPr>
+          <a:xfrm>
+            <a:off x="7379143" y="5671393"/>
+            <a:ext cx="1753277" cy="369332"/>
+          </a:xfrm>
+          <a:prstGeom prst="rect">
+            <a:avLst/>
+          </a:prstGeom>
+          <a:noFill/>
+        </p:spPr>
+        <p:txBody>
+          <a:bodyPr wrap="square" rtlCol="0">
+            <a:spAutoFit/>
+          </a:bodyPr>
+          <a:lstStyle/>
+          <a:p>
+            <a:r>
+              <a:rPr lang="en-US" dirty="0"/>
+              <a:t>block disk driver </a:t>
+            </a:r>
+          </a:p>
+        </p:txBody>
+      </p:sp>
     </p:spTree>
     <p:extLst>
       <p:ext uri="{BB962C8B-B14F-4D97-AF65-F5344CB8AC3E}">
-        <p14:creationId xmlns:p14="http://schemas.microsoft.com/office/powerpoint/2010/main" val="1389587112"/>
+        <p14:creationId xmlns:p14="http://schemas.microsoft.com/office/powerpoint/2010/main" val="866808073"/>
       </p:ext>
     </p:extLst>
   </p:cSld>
@@ -22582,7 +25453,7 @@
 </p:sld>
 </file>
 
-<file path=ppt/slides/slide26.xml><?xml version="1.0" encoding="utf-8"?>
+<file path=ppt/slides/slide33.xml><?xml version="1.0" encoding="utf-8"?>
 <p:sld xmlns:a="http://schemas.openxmlformats.org/drawingml/2006/main" xmlns:r="http://schemas.openxmlformats.org/officeDocument/2006/relationships" xmlns:p="http://schemas.openxmlformats.org/presentationml/2006/main">
   <p:cSld>
     <p:spTree>
@@ -22604,7 +25475,7 @@
           <p:cNvPr id="2" name="Title 1">
             <a:extLst>
               <a:ext uri="{FF2B5EF4-FFF2-40B4-BE49-F238E27FC236}">
-                <a16:creationId xmlns:a16="http://schemas.microsoft.com/office/drawing/2014/main" id="{32498B55-B2CD-1FF4-4FA9-4D93DE1C3C94}"/>
+                <a16:creationId xmlns:a16="http://schemas.microsoft.com/office/drawing/2014/main" id="{17A6D691-BDDA-5E13-0C8A-1D78CEDE0074}"/>
               </a:ext>
             </a:extLst>
           </p:cNvPr>
@@ -22620,7 +25491,7 @@
           <a:bodyPr/>
           <a:lstStyle/>
           <a:p>
-            <a:endParaRPr lang="en-US"/>
+            <a:endParaRPr lang="en-US" dirty="0"/>
           </a:p>
         </p:txBody>
       </p:sp>
@@ -22629,7 +25500,7 @@
           <p:cNvPr id="3" name="Content Placeholder 2">
             <a:extLst>
               <a:ext uri="{FF2B5EF4-FFF2-40B4-BE49-F238E27FC236}">
-                <a16:creationId xmlns:a16="http://schemas.microsoft.com/office/drawing/2014/main" id="{F01491CD-36F5-1FEA-7B51-200DDEBC6396}"/>
+                <a16:creationId xmlns:a16="http://schemas.microsoft.com/office/drawing/2014/main" id="{23C01DBE-CCE9-68C7-7A81-749C37BD7775}"/>
               </a:ext>
             </a:extLst>
           </p:cNvPr>
@@ -22645,6 +25516,328 @@
           <a:bodyPr/>
           <a:lstStyle/>
           <a:p>
+            <a:endParaRPr lang="en-US" dirty="0"/>
+          </a:p>
+        </p:txBody>
+      </p:sp>
+      <p:sp>
+        <p:nvSpPr>
+          <p:cNvPr id="4" name="Oval 3">
+            <a:extLst>
+              <a:ext uri="{FF2B5EF4-FFF2-40B4-BE49-F238E27FC236}">
+                <a16:creationId xmlns:a16="http://schemas.microsoft.com/office/drawing/2014/main" id="{E6B8F967-2106-1D18-92BD-E8E5404924A2}"/>
+              </a:ext>
+            </a:extLst>
+          </p:cNvPr>
+          <p:cNvSpPr/>
+          <p:nvPr/>
+        </p:nvSpPr>
+        <p:spPr>
+          <a:xfrm>
+            <a:off x="2009775" y="2305050"/>
+            <a:ext cx="361950" cy="390525"/>
+          </a:xfrm>
+          <a:prstGeom prst="ellipse">
+            <a:avLst/>
+          </a:prstGeom>
+        </p:spPr>
+        <p:style>
+          <a:lnRef idx="2">
+            <a:schemeClr val="accent1">
+              <a:shade val="15000"/>
+            </a:schemeClr>
+          </a:lnRef>
+          <a:fillRef idx="1">
+            <a:schemeClr val="accent1"/>
+          </a:fillRef>
+          <a:effectRef idx="0">
+            <a:schemeClr val="accent1"/>
+          </a:effectRef>
+          <a:fontRef idx="minor">
+            <a:schemeClr val="lt1"/>
+          </a:fontRef>
+        </p:style>
+        <p:txBody>
+          <a:bodyPr rtlCol="0" anchor="ctr"/>
+          <a:lstStyle/>
+          <a:p>
+            <a:pPr algn="ctr"/>
+            <a:endParaRPr lang="en-US"/>
+          </a:p>
+        </p:txBody>
+      </p:sp>
+      <p:sp>
+        <p:nvSpPr>
+          <p:cNvPr id="5" name="Oval 4">
+            <a:extLst>
+              <a:ext uri="{FF2B5EF4-FFF2-40B4-BE49-F238E27FC236}">
+                <a16:creationId xmlns:a16="http://schemas.microsoft.com/office/drawing/2014/main" id="{B296B064-DF16-1B37-7221-83021B9C69F6}"/>
+              </a:ext>
+            </a:extLst>
+          </p:cNvPr>
+          <p:cNvSpPr/>
+          <p:nvPr/>
+        </p:nvSpPr>
+        <p:spPr>
+          <a:xfrm>
+            <a:off x="2009775" y="3555999"/>
+            <a:ext cx="361950" cy="390525"/>
+          </a:xfrm>
+          <a:prstGeom prst="ellipse">
+            <a:avLst/>
+          </a:prstGeom>
+        </p:spPr>
+        <p:style>
+          <a:lnRef idx="2">
+            <a:schemeClr val="accent1">
+              <a:shade val="15000"/>
+            </a:schemeClr>
+          </a:lnRef>
+          <a:fillRef idx="1">
+            <a:schemeClr val="accent1"/>
+          </a:fillRef>
+          <a:effectRef idx="0">
+            <a:schemeClr val="accent1"/>
+          </a:effectRef>
+          <a:fontRef idx="minor">
+            <a:schemeClr val="lt1"/>
+          </a:fontRef>
+        </p:style>
+        <p:txBody>
+          <a:bodyPr rtlCol="0" anchor="ctr"/>
+          <a:lstStyle/>
+          <a:p>
+            <a:pPr algn="ctr"/>
+            <a:endParaRPr lang="en-US"/>
+          </a:p>
+        </p:txBody>
+      </p:sp>
+      <p:sp>
+        <p:nvSpPr>
+          <p:cNvPr id="6" name="Oval 5">
+            <a:extLst>
+              <a:ext uri="{FF2B5EF4-FFF2-40B4-BE49-F238E27FC236}">
+                <a16:creationId xmlns:a16="http://schemas.microsoft.com/office/drawing/2014/main" id="{1E410281-34A4-EDFB-6C13-2279BCCF7354}"/>
+              </a:ext>
+            </a:extLst>
+          </p:cNvPr>
+          <p:cNvSpPr/>
+          <p:nvPr/>
+        </p:nvSpPr>
+        <p:spPr>
+          <a:xfrm>
+            <a:off x="2000250" y="4895855"/>
+            <a:ext cx="361950" cy="390525"/>
+          </a:xfrm>
+          <a:prstGeom prst="ellipse">
+            <a:avLst/>
+          </a:prstGeom>
+        </p:spPr>
+        <p:style>
+          <a:lnRef idx="2">
+            <a:schemeClr val="accent1">
+              <a:shade val="15000"/>
+            </a:schemeClr>
+          </a:lnRef>
+          <a:fillRef idx="1">
+            <a:schemeClr val="accent1"/>
+          </a:fillRef>
+          <a:effectRef idx="0">
+            <a:schemeClr val="accent1"/>
+          </a:effectRef>
+          <a:fontRef idx="minor">
+            <a:schemeClr val="lt1"/>
+          </a:fontRef>
+        </p:style>
+        <p:txBody>
+          <a:bodyPr rtlCol="0" anchor="ctr"/>
+          <a:lstStyle/>
+          <a:p>
+            <a:pPr algn="ctr"/>
+            <a:endParaRPr lang="en-US"/>
+          </a:p>
+        </p:txBody>
+      </p:sp>
+      <p:sp>
+        <p:nvSpPr>
+          <p:cNvPr id="7" name="Oval 6">
+            <a:extLst>
+              <a:ext uri="{FF2B5EF4-FFF2-40B4-BE49-F238E27FC236}">
+                <a16:creationId xmlns:a16="http://schemas.microsoft.com/office/drawing/2014/main" id="{15F28363-A2B6-E416-FDC3-16F97656FF42}"/>
+              </a:ext>
+            </a:extLst>
+          </p:cNvPr>
+          <p:cNvSpPr/>
+          <p:nvPr/>
+        </p:nvSpPr>
+        <p:spPr>
+          <a:xfrm>
+            <a:off x="7324725" y="3555998"/>
+            <a:ext cx="361950" cy="390525"/>
+          </a:xfrm>
+          <a:prstGeom prst="ellipse">
+            <a:avLst/>
+          </a:prstGeom>
+        </p:spPr>
+        <p:style>
+          <a:lnRef idx="2">
+            <a:schemeClr val="accent1">
+              <a:shade val="15000"/>
+            </a:schemeClr>
+          </a:lnRef>
+          <a:fillRef idx="1">
+            <a:schemeClr val="accent1"/>
+          </a:fillRef>
+          <a:effectRef idx="0">
+            <a:schemeClr val="accent1"/>
+          </a:effectRef>
+          <a:fontRef idx="minor">
+            <a:schemeClr val="lt1"/>
+          </a:fontRef>
+        </p:style>
+        <p:txBody>
+          <a:bodyPr rtlCol="0" anchor="ctr"/>
+          <a:lstStyle/>
+          <a:p>
+            <a:pPr algn="ctr"/>
+            <a:endParaRPr lang="en-US"/>
+          </a:p>
+        </p:txBody>
+      </p:sp>
+      <p:sp>
+        <p:nvSpPr>
+          <p:cNvPr id="8" name="Oval 7">
+            <a:extLst>
+              <a:ext uri="{FF2B5EF4-FFF2-40B4-BE49-F238E27FC236}">
+                <a16:creationId xmlns:a16="http://schemas.microsoft.com/office/drawing/2014/main" id="{17F994BD-F77C-FE72-17C4-6C61B617ECA2}"/>
+              </a:ext>
+            </a:extLst>
+          </p:cNvPr>
+          <p:cNvSpPr/>
+          <p:nvPr/>
+        </p:nvSpPr>
+        <p:spPr>
+          <a:xfrm>
+            <a:off x="9067800" y="2305049"/>
+            <a:ext cx="361950" cy="390525"/>
+          </a:xfrm>
+          <a:prstGeom prst="ellipse">
+            <a:avLst/>
+          </a:prstGeom>
+        </p:spPr>
+        <p:style>
+          <a:lnRef idx="2">
+            <a:schemeClr val="accent1">
+              <a:shade val="15000"/>
+            </a:schemeClr>
+          </a:lnRef>
+          <a:fillRef idx="1">
+            <a:schemeClr val="accent1"/>
+          </a:fillRef>
+          <a:effectRef idx="0">
+            <a:schemeClr val="accent1"/>
+          </a:effectRef>
+          <a:fontRef idx="minor">
+            <a:schemeClr val="lt1"/>
+          </a:fontRef>
+        </p:style>
+        <p:txBody>
+          <a:bodyPr rtlCol="0" anchor="ctr"/>
+          <a:lstStyle/>
+          <a:p>
+            <a:pPr algn="ctr"/>
+            <a:endParaRPr lang="en-US"/>
+          </a:p>
+        </p:txBody>
+      </p:sp>
+      <p:sp>
+        <p:nvSpPr>
+          <p:cNvPr id="9" name="Oval 8">
+            <a:extLst>
+              <a:ext uri="{FF2B5EF4-FFF2-40B4-BE49-F238E27FC236}">
+                <a16:creationId xmlns:a16="http://schemas.microsoft.com/office/drawing/2014/main" id="{A97C5065-5C26-2600-4EBB-4461425DF9FF}"/>
+              </a:ext>
+            </a:extLst>
+          </p:cNvPr>
+          <p:cNvSpPr/>
+          <p:nvPr/>
+        </p:nvSpPr>
+        <p:spPr>
+          <a:xfrm>
+            <a:off x="9067800" y="3555999"/>
+            <a:ext cx="361950" cy="390525"/>
+          </a:xfrm>
+          <a:prstGeom prst="ellipse">
+            <a:avLst/>
+          </a:prstGeom>
+        </p:spPr>
+        <p:style>
+          <a:lnRef idx="2">
+            <a:schemeClr val="accent1">
+              <a:shade val="15000"/>
+            </a:schemeClr>
+          </a:lnRef>
+          <a:fillRef idx="1">
+            <a:schemeClr val="accent1"/>
+          </a:fillRef>
+          <a:effectRef idx="0">
+            <a:schemeClr val="accent1"/>
+          </a:effectRef>
+          <a:fontRef idx="minor">
+            <a:schemeClr val="lt1"/>
+          </a:fontRef>
+        </p:style>
+        <p:txBody>
+          <a:bodyPr rtlCol="0" anchor="ctr"/>
+          <a:lstStyle/>
+          <a:p>
+            <a:pPr algn="ctr"/>
+            <a:endParaRPr lang="en-US"/>
+          </a:p>
+        </p:txBody>
+      </p:sp>
+      <p:sp>
+        <p:nvSpPr>
+          <p:cNvPr id="10" name="Oval 9">
+            <a:extLst>
+              <a:ext uri="{FF2B5EF4-FFF2-40B4-BE49-F238E27FC236}">
+                <a16:creationId xmlns:a16="http://schemas.microsoft.com/office/drawing/2014/main" id="{155F3550-A1F4-CDD8-4C53-6D96D6A3EB87}"/>
+              </a:ext>
+            </a:extLst>
+          </p:cNvPr>
+          <p:cNvSpPr/>
+          <p:nvPr/>
+        </p:nvSpPr>
+        <p:spPr>
+          <a:xfrm>
+            <a:off x="9067800" y="4895855"/>
+            <a:ext cx="361950" cy="390525"/>
+          </a:xfrm>
+          <a:prstGeom prst="ellipse">
+            <a:avLst/>
+          </a:prstGeom>
+        </p:spPr>
+        <p:style>
+          <a:lnRef idx="2">
+            <a:schemeClr val="accent1">
+              <a:shade val="15000"/>
+            </a:schemeClr>
+          </a:lnRef>
+          <a:fillRef idx="1">
+            <a:schemeClr val="accent1"/>
+          </a:fillRef>
+          <a:effectRef idx="0">
+            <a:schemeClr val="accent1"/>
+          </a:effectRef>
+          <a:fontRef idx="minor">
+            <a:schemeClr val="lt1"/>
+          </a:fontRef>
+        </p:style>
+        <p:txBody>
+          <a:bodyPr rtlCol="0" anchor="ctr"/>
+          <a:lstStyle/>
+          <a:p>
+            <a:pPr algn="ctr"/>
             <a:endParaRPr lang="en-US"/>
           </a:p>
         </p:txBody>
@@ -22652,7 +25845,7 @@
     </p:spTree>
     <p:extLst>
       <p:ext uri="{BB962C8B-B14F-4D97-AF65-F5344CB8AC3E}">
-        <p14:creationId xmlns:p14="http://schemas.microsoft.com/office/powerpoint/2010/main" val="866808073"/>
+        <p14:creationId xmlns:p14="http://schemas.microsoft.com/office/powerpoint/2010/main" val="1389587112"/>
       </p:ext>
     </p:extLst>
   </p:cSld>
@@ -22662,7 +25855,7 @@
 </p:sld>
 </file>
 
-<file path=ppt/slides/slide27.xml><?xml version="1.0" encoding="utf-8"?>
+<file path=ppt/slides/slide34.xml><?xml version="1.0" encoding="utf-8"?>
 <p:sld xmlns:a="http://schemas.openxmlformats.org/drawingml/2006/main" xmlns:r="http://schemas.openxmlformats.org/officeDocument/2006/relationships" xmlns:p="http://schemas.openxmlformats.org/presentationml/2006/main">
   <p:cSld>
     <p:spTree>
@@ -22775,7 +25968,1169 @@
 </p:sld>
 </file>
 
-<file path=ppt/slides/slide28.xml><?xml version="1.0" encoding="utf-8"?>
+<file path=ppt/slides/slide35.xml><?xml version="1.0" encoding="utf-8"?>
+<p:sld xmlns:a="http://schemas.openxmlformats.org/drawingml/2006/main" xmlns:r="http://schemas.openxmlformats.org/officeDocument/2006/relationships" xmlns:p="http://schemas.openxmlformats.org/presentationml/2006/main">
+  <p:cSld>
+    <p:spTree>
+      <p:nvGrpSpPr>
+        <p:cNvPr id="1" name=""/>
+        <p:cNvGrpSpPr/>
+        <p:nvPr/>
+      </p:nvGrpSpPr>
+      <p:grpSpPr>
+        <a:xfrm>
+          <a:off x="0" y="0"/>
+          <a:ext cx="0" cy="0"/>
+          <a:chOff x="0" y="0"/>
+          <a:chExt cx="0" cy="0"/>
+        </a:xfrm>
+      </p:grpSpPr>
+      <p:sp>
+        <p:nvSpPr>
+          <p:cNvPr id="2" name="Title 1">
+            <a:extLst>
+              <a:ext uri="{FF2B5EF4-FFF2-40B4-BE49-F238E27FC236}">
+                <a16:creationId xmlns:a16="http://schemas.microsoft.com/office/drawing/2014/main" id="{8C247F51-7974-6BFA-85AD-AE319D026DEE}"/>
+              </a:ext>
+            </a:extLst>
+          </p:cNvPr>
+          <p:cNvSpPr>
+            <a:spLocks noGrp="1"/>
+          </p:cNvSpPr>
+          <p:nvPr>
+            <p:ph type="title"/>
+          </p:nvPr>
+        </p:nvSpPr>
+        <p:spPr/>
+        <p:txBody>
+          <a:bodyPr/>
+          <a:lstStyle/>
+          <a:p>
+            <a:r>
+              <a:rPr lang="en-US" dirty="0"/>
+              <a:t>RG-STS: Logic for Modularity of Protocols</a:t>
+            </a:r>
+          </a:p>
+        </p:txBody>
+      </p:sp>
+      <p:sp>
+        <p:nvSpPr>
+          <p:cNvPr id="3" name="Content Placeholder 2">
+            <a:extLst>
+              <a:ext uri="{FF2B5EF4-FFF2-40B4-BE49-F238E27FC236}">
+                <a16:creationId xmlns:a16="http://schemas.microsoft.com/office/drawing/2014/main" id="{3380684A-A042-8B0A-4D4B-3D3291078825}"/>
+              </a:ext>
+            </a:extLst>
+          </p:cNvPr>
+          <p:cNvSpPr>
+            <a:spLocks noGrp="1"/>
+          </p:cNvSpPr>
+          <p:nvPr>
+            <p:ph idx="1"/>
+          </p:nvPr>
+        </p:nvSpPr>
+        <p:spPr/>
+        <p:txBody>
+          <a:bodyPr/>
+          <a:lstStyle/>
+          <a:p>
+            <a:endParaRPr lang="en-US"/>
+          </a:p>
+        </p:txBody>
+      </p:sp>
+    </p:spTree>
+    <p:extLst>
+      <p:ext uri="{BB962C8B-B14F-4D97-AF65-F5344CB8AC3E}">
+        <p14:creationId xmlns:p14="http://schemas.microsoft.com/office/powerpoint/2010/main" val="2934936581"/>
+      </p:ext>
+    </p:extLst>
+  </p:cSld>
+  <p:clrMapOvr>
+    <a:masterClrMapping/>
+  </p:clrMapOvr>
+</p:sld>
+</file>
+
+<file path=ppt/slides/slide36.xml><?xml version="1.0" encoding="utf-8"?>
+<p:sld xmlns:a="http://schemas.openxmlformats.org/drawingml/2006/main" xmlns:r="http://schemas.openxmlformats.org/officeDocument/2006/relationships" xmlns:p="http://schemas.openxmlformats.org/presentationml/2006/main">
+  <p:cSld>
+    <p:spTree>
+      <p:nvGrpSpPr>
+        <p:cNvPr id="1" name=""/>
+        <p:cNvGrpSpPr/>
+        <p:nvPr/>
+      </p:nvGrpSpPr>
+      <p:grpSpPr>
+        <a:xfrm>
+          <a:off x="0" y="0"/>
+          <a:ext cx="0" cy="0"/>
+          <a:chOff x="0" y="0"/>
+          <a:chExt cx="0" cy="0"/>
+        </a:xfrm>
+      </p:grpSpPr>
+      <p:sp>
+        <p:nvSpPr>
+          <p:cNvPr id="2" name="Title 1">
+            <a:extLst>
+              <a:ext uri="{FF2B5EF4-FFF2-40B4-BE49-F238E27FC236}">
+                <a16:creationId xmlns:a16="http://schemas.microsoft.com/office/drawing/2014/main" id="{94333BC2-CB1A-F174-6230-0C18B4E311EF}"/>
+              </a:ext>
+            </a:extLst>
+          </p:cNvPr>
+          <p:cNvSpPr>
+            <a:spLocks noGrp="1"/>
+          </p:cNvSpPr>
+          <p:nvPr>
+            <p:ph type="title"/>
+          </p:nvPr>
+        </p:nvSpPr>
+        <p:spPr/>
+        <p:txBody>
+          <a:bodyPr/>
+          <a:lstStyle/>
+          <a:p>
+            <a:r>
+              <a:rPr lang="en-US" dirty="0"/>
+              <a:t>RG-STS: The Law of RG-</a:t>
+            </a:r>
+            <a:r>
+              <a:rPr lang="en-US" dirty="0" err="1"/>
+              <a:t>Bisimulation</a:t>
+            </a:r>
+            <a:endParaRPr lang="en-US" dirty="0"/>
+          </a:p>
+        </p:txBody>
+      </p:sp>
+      <p:sp>
+        <p:nvSpPr>
+          <p:cNvPr id="3" name="Content Placeholder 2">
+            <a:extLst>
+              <a:ext uri="{FF2B5EF4-FFF2-40B4-BE49-F238E27FC236}">
+                <a16:creationId xmlns:a16="http://schemas.microsoft.com/office/drawing/2014/main" id="{BF7F15D2-D4EC-C5B9-F6CC-F93095C4B5A6}"/>
+              </a:ext>
+            </a:extLst>
+          </p:cNvPr>
+          <p:cNvSpPr>
+            <a:spLocks noGrp="1"/>
+          </p:cNvSpPr>
+          <p:nvPr>
+            <p:ph idx="1"/>
+          </p:nvPr>
+        </p:nvSpPr>
+        <p:spPr/>
+        <p:txBody>
+          <a:bodyPr/>
+          <a:lstStyle/>
+          <a:p>
+            <a:endParaRPr lang="en-US"/>
+          </a:p>
+        </p:txBody>
+      </p:sp>
+    </p:spTree>
+    <p:extLst>
+      <p:ext uri="{BB962C8B-B14F-4D97-AF65-F5344CB8AC3E}">
+        <p14:creationId xmlns:p14="http://schemas.microsoft.com/office/powerpoint/2010/main" val="3467763286"/>
+      </p:ext>
+    </p:extLst>
+  </p:cSld>
+  <p:clrMapOvr>
+    <a:masterClrMapping/>
+  </p:clrMapOvr>
+</p:sld>
+</file>
+
+<file path=ppt/slides/slide37.xml><?xml version="1.0" encoding="utf-8"?>
+<p:sld xmlns:a="http://schemas.openxmlformats.org/drawingml/2006/main" xmlns:r="http://schemas.openxmlformats.org/officeDocument/2006/relationships" xmlns:p="http://schemas.openxmlformats.org/presentationml/2006/main">
+  <p:cSld>
+    <p:spTree>
+      <p:nvGrpSpPr>
+        <p:cNvPr id="1" name=""/>
+        <p:cNvGrpSpPr/>
+        <p:nvPr/>
+      </p:nvGrpSpPr>
+      <p:grpSpPr>
+        <a:xfrm>
+          <a:off x="0" y="0"/>
+          <a:ext cx="0" cy="0"/>
+          <a:chOff x="0" y="0"/>
+          <a:chExt cx="0" cy="0"/>
+        </a:xfrm>
+      </p:grpSpPr>
+      <p:sp>
+        <p:nvSpPr>
+          <p:cNvPr id="2" name="Title 1">
+            <a:extLst>
+              <a:ext uri="{FF2B5EF4-FFF2-40B4-BE49-F238E27FC236}">
+                <a16:creationId xmlns:a16="http://schemas.microsoft.com/office/drawing/2014/main" id="{7B9E512E-60F9-D90D-3941-CDEE61933F37}"/>
+              </a:ext>
+            </a:extLst>
+          </p:cNvPr>
+          <p:cNvSpPr>
+            <a:spLocks noGrp="1"/>
+          </p:cNvSpPr>
+          <p:nvPr>
+            <p:ph type="title"/>
+          </p:nvPr>
+        </p:nvSpPr>
+        <p:spPr/>
+        <p:txBody>
+          <a:bodyPr/>
+          <a:lstStyle/>
+          <a:p>
+            <a:r>
+              <a:rPr lang="en-US" dirty="0"/>
+              <a:t>RG-STS: The Law of Conformance</a:t>
+            </a:r>
+          </a:p>
+        </p:txBody>
+      </p:sp>
+      <p:sp>
+        <p:nvSpPr>
+          <p:cNvPr id="3" name="Content Placeholder 2">
+            <a:extLst>
+              <a:ext uri="{FF2B5EF4-FFF2-40B4-BE49-F238E27FC236}">
+                <a16:creationId xmlns:a16="http://schemas.microsoft.com/office/drawing/2014/main" id="{45C3D680-0694-DF04-F869-4B0A87058B97}"/>
+              </a:ext>
+            </a:extLst>
+          </p:cNvPr>
+          <p:cNvSpPr>
+            <a:spLocks noGrp="1"/>
+          </p:cNvSpPr>
+          <p:nvPr>
+            <p:ph idx="1"/>
+          </p:nvPr>
+        </p:nvSpPr>
+        <p:spPr/>
+        <p:txBody>
+          <a:bodyPr/>
+          <a:lstStyle/>
+          <a:p>
+            <a:endParaRPr lang="en-US"/>
+          </a:p>
+        </p:txBody>
+      </p:sp>
+    </p:spTree>
+    <p:extLst>
+      <p:ext uri="{BB962C8B-B14F-4D97-AF65-F5344CB8AC3E}">
+        <p14:creationId xmlns:p14="http://schemas.microsoft.com/office/powerpoint/2010/main" val="4110734046"/>
+      </p:ext>
+    </p:extLst>
+  </p:cSld>
+  <p:clrMapOvr>
+    <a:masterClrMapping/>
+  </p:clrMapOvr>
+</p:sld>
+</file>
+
+<file path=ppt/slides/slide38.xml><?xml version="1.0" encoding="utf-8"?>
+<p:sld xmlns:a="http://schemas.openxmlformats.org/drawingml/2006/main" xmlns:r="http://schemas.openxmlformats.org/officeDocument/2006/relationships" xmlns:p="http://schemas.openxmlformats.org/presentationml/2006/main">
+  <p:cSld>
+    <p:spTree>
+      <p:nvGrpSpPr>
+        <p:cNvPr id="1" name=""/>
+        <p:cNvGrpSpPr/>
+        <p:nvPr/>
+      </p:nvGrpSpPr>
+      <p:grpSpPr>
+        <a:xfrm>
+          <a:off x="0" y="0"/>
+          <a:ext cx="0" cy="0"/>
+          <a:chOff x="0" y="0"/>
+          <a:chExt cx="0" cy="0"/>
+        </a:xfrm>
+      </p:grpSpPr>
+      <p:sp>
+        <p:nvSpPr>
+          <p:cNvPr id="2" name="Title 1">
+            <a:extLst>
+              <a:ext uri="{FF2B5EF4-FFF2-40B4-BE49-F238E27FC236}">
+                <a16:creationId xmlns:a16="http://schemas.microsoft.com/office/drawing/2014/main" id="{EE31D451-765F-D9FA-F280-5F58E345B4B7}"/>
+              </a:ext>
+            </a:extLst>
+          </p:cNvPr>
+          <p:cNvSpPr>
+            <a:spLocks noGrp="1"/>
+          </p:cNvSpPr>
+          <p:nvPr>
+            <p:ph type="title"/>
+          </p:nvPr>
+        </p:nvSpPr>
+        <p:spPr/>
+        <p:txBody>
+          <a:bodyPr/>
+          <a:lstStyle/>
+          <a:p>
+            <a:r>
+              <a:rPr lang="en-US" dirty="0"/>
+              <a:t>RG-STS: The Law of Tolerance</a:t>
+            </a:r>
+          </a:p>
+        </p:txBody>
+      </p:sp>
+      <p:sp>
+        <p:nvSpPr>
+          <p:cNvPr id="3" name="Content Placeholder 2">
+            <a:extLst>
+              <a:ext uri="{FF2B5EF4-FFF2-40B4-BE49-F238E27FC236}">
+                <a16:creationId xmlns:a16="http://schemas.microsoft.com/office/drawing/2014/main" id="{F3711FCA-6188-2F4D-02AE-AEBF33950F34}"/>
+              </a:ext>
+            </a:extLst>
+          </p:cNvPr>
+          <p:cNvSpPr>
+            <a:spLocks noGrp="1"/>
+          </p:cNvSpPr>
+          <p:nvPr>
+            <p:ph idx="1"/>
+          </p:nvPr>
+        </p:nvSpPr>
+        <p:spPr/>
+        <p:txBody>
+          <a:bodyPr/>
+          <a:lstStyle/>
+          <a:p>
+            <a:endParaRPr lang="en-US"/>
+          </a:p>
+        </p:txBody>
+      </p:sp>
+    </p:spTree>
+    <p:extLst>
+      <p:ext uri="{BB962C8B-B14F-4D97-AF65-F5344CB8AC3E}">
+        <p14:creationId xmlns:p14="http://schemas.microsoft.com/office/powerpoint/2010/main" val="105396800"/>
+      </p:ext>
+    </p:extLst>
+  </p:cSld>
+  <p:clrMapOvr>
+    <a:masterClrMapping/>
+  </p:clrMapOvr>
+</p:sld>
+</file>
+
+<file path=ppt/slides/slide39.xml><?xml version="1.0" encoding="utf-8"?>
+<p:sld xmlns:a="http://schemas.openxmlformats.org/drawingml/2006/main" xmlns:r="http://schemas.openxmlformats.org/officeDocument/2006/relationships" xmlns:p="http://schemas.openxmlformats.org/presentationml/2006/main">
+  <p:cSld>
+    <p:spTree>
+      <p:nvGrpSpPr>
+        <p:cNvPr id="1" name=""/>
+        <p:cNvGrpSpPr/>
+        <p:nvPr/>
+      </p:nvGrpSpPr>
+      <p:grpSpPr>
+        <a:xfrm>
+          <a:off x="0" y="0"/>
+          <a:ext cx="0" cy="0"/>
+          <a:chOff x="0" y="0"/>
+          <a:chExt cx="0" cy="0"/>
+        </a:xfrm>
+      </p:grpSpPr>
+      <p:sp>
+        <p:nvSpPr>
+          <p:cNvPr id="2" name="Title 1">
+            <a:extLst>
+              <a:ext uri="{FF2B5EF4-FFF2-40B4-BE49-F238E27FC236}">
+                <a16:creationId xmlns:a16="http://schemas.microsoft.com/office/drawing/2014/main" id="{A124CB6A-F539-31F2-2CF0-92F79851DCA9}"/>
+              </a:ext>
+            </a:extLst>
+          </p:cNvPr>
+          <p:cNvSpPr>
+            <a:spLocks noGrp="1"/>
+          </p:cNvSpPr>
+          <p:nvPr>
+            <p:ph type="title"/>
+          </p:nvPr>
+        </p:nvSpPr>
+        <p:spPr/>
+        <p:txBody>
+          <a:bodyPr/>
+          <a:lstStyle/>
+          <a:p>
+            <a:r>
+              <a:rPr lang="en-US" dirty="0"/>
+              <a:t>RG-STS: Connecting to a Program Logic</a:t>
+            </a:r>
+          </a:p>
+        </p:txBody>
+      </p:sp>
+      <p:sp>
+        <p:nvSpPr>
+          <p:cNvPr id="3" name="Content Placeholder 2">
+            <a:extLst>
+              <a:ext uri="{FF2B5EF4-FFF2-40B4-BE49-F238E27FC236}">
+                <a16:creationId xmlns:a16="http://schemas.microsoft.com/office/drawing/2014/main" id="{0DFD0B67-4A0A-C748-3DA2-2F188CBDC4D6}"/>
+              </a:ext>
+            </a:extLst>
+          </p:cNvPr>
+          <p:cNvSpPr>
+            <a:spLocks noGrp="1"/>
+          </p:cNvSpPr>
+          <p:nvPr>
+            <p:ph idx="1"/>
+          </p:nvPr>
+        </p:nvSpPr>
+        <p:spPr/>
+        <p:txBody>
+          <a:bodyPr/>
+          <a:lstStyle/>
+          <a:p>
+            <a:endParaRPr lang="en-US"/>
+          </a:p>
+        </p:txBody>
+      </p:sp>
+    </p:spTree>
+    <p:extLst>
+      <p:ext uri="{BB962C8B-B14F-4D97-AF65-F5344CB8AC3E}">
+        <p14:creationId xmlns:p14="http://schemas.microsoft.com/office/powerpoint/2010/main" val="2816408523"/>
+      </p:ext>
+    </p:extLst>
+  </p:cSld>
+  <p:clrMapOvr>
+    <a:masterClrMapping/>
+  </p:clrMapOvr>
+</p:sld>
+</file>
+
+<file path=ppt/slides/slide4.xml><?xml version="1.0" encoding="utf-8"?>
+<p:sld xmlns:a="http://schemas.openxmlformats.org/drawingml/2006/main" xmlns:r="http://schemas.openxmlformats.org/officeDocument/2006/relationships" xmlns:p="http://schemas.openxmlformats.org/presentationml/2006/main">
+  <p:cSld>
+    <p:spTree>
+      <p:nvGrpSpPr>
+        <p:cNvPr id="1" name=""/>
+        <p:cNvGrpSpPr/>
+        <p:nvPr/>
+      </p:nvGrpSpPr>
+      <p:grpSpPr>
+        <a:xfrm>
+          <a:off x="0" y="0"/>
+          <a:ext cx="0" cy="0"/>
+          <a:chOff x="0" y="0"/>
+          <a:chExt cx="0" cy="0"/>
+        </a:xfrm>
+      </p:grpSpPr>
+      <p:sp>
+        <p:nvSpPr>
+          <p:cNvPr id="2" name="Title 1">
+            <a:extLst>
+              <a:ext uri="{FF2B5EF4-FFF2-40B4-BE49-F238E27FC236}">
+                <a16:creationId xmlns:a16="http://schemas.microsoft.com/office/drawing/2014/main" id="{843B7DFB-42FA-7C12-9E71-3C4F5DB97CC6}"/>
+              </a:ext>
+            </a:extLst>
+          </p:cNvPr>
+          <p:cNvSpPr>
+            <a:spLocks noGrp="1"/>
+          </p:cNvSpPr>
+          <p:nvPr>
+            <p:ph type="title"/>
+          </p:nvPr>
+        </p:nvSpPr>
+        <p:spPr/>
+        <p:txBody>
+          <a:bodyPr/>
+          <a:lstStyle/>
+          <a:p>
+            <a:r>
+              <a:rPr lang="en-US" dirty="0"/>
+              <a:t>Why Verification? Why OS Kernels?</a:t>
+            </a:r>
+          </a:p>
+        </p:txBody>
+      </p:sp>
+      <p:sp>
+        <p:nvSpPr>
+          <p:cNvPr id="3" name="Content Placeholder 2">
+            <a:extLst>
+              <a:ext uri="{FF2B5EF4-FFF2-40B4-BE49-F238E27FC236}">
+                <a16:creationId xmlns:a16="http://schemas.microsoft.com/office/drawing/2014/main" id="{856F201B-61FB-46D3-8039-7FDB48C155D6}"/>
+              </a:ext>
+            </a:extLst>
+          </p:cNvPr>
+          <p:cNvSpPr>
+            <a:spLocks noGrp="1"/>
+          </p:cNvSpPr>
+          <p:nvPr>
+            <p:ph idx="1"/>
+          </p:nvPr>
+        </p:nvSpPr>
+        <p:spPr/>
+        <p:txBody>
+          <a:bodyPr/>
+          <a:lstStyle/>
+          <a:p>
+            <a:r>
+              <a:rPr lang="en-US" dirty="0"/>
+              <a:t>Kernels are piece of constructs speaking to the bare-metal</a:t>
+            </a:r>
+          </a:p>
+          <a:p>
+            <a:pPr lvl="1"/>
+            <a:r>
+              <a:rPr lang="en-US" dirty="0"/>
+              <a:t>One of the closest software artifacts operating something physical!</a:t>
+            </a:r>
+          </a:p>
+          <a:p>
+            <a:pPr lvl="1"/>
+            <a:r>
+              <a:rPr lang="en-US" dirty="0"/>
+              <a:t>Convincing ourselves on their (almost) correctness!</a:t>
+            </a:r>
+          </a:p>
+          <a:p>
+            <a:r>
+              <a:rPr lang="en-US" dirty="0"/>
+              <a:t>Long story of verification attempts OS Kernels</a:t>
+            </a:r>
+          </a:p>
+          <a:p>
+            <a:pPr lvl="1"/>
+            <a:r>
+              <a:rPr lang="en-US" dirty="0" err="1"/>
+              <a:t>Verisoft</a:t>
+            </a:r>
+            <a:r>
+              <a:rPr lang="en-US" dirty="0"/>
+              <a:t> – custom-hardware</a:t>
+            </a:r>
+          </a:p>
+          <a:p>
+            <a:pPr lvl="1"/>
+            <a:r>
+              <a:rPr lang="en-US" dirty="0" err="1"/>
+              <a:t>CertiKOS</a:t>
+            </a:r>
+            <a:r>
+              <a:rPr lang="en-US" dirty="0"/>
+              <a:t>, SeL4 – not quite …[TODO]</a:t>
+            </a:r>
+          </a:p>
+          <a:p>
+            <a:r>
+              <a:rPr lang="en-US" dirty="0"/>
+              <a:t>Our attempt</a:t>
+            </a:r>
+          </a:p>
+          <a:p>
+            <a:pPr lvl="1"/>
+            <a:r>
+              <a:rPr lang="en-US" dirty="0"/>
+              <a:t>We cannot ignore these details</a:t>
+            </a:r>
+          </a:p>
+          <a:p>
+            <a:pPr lvl="1"/>
+            <a:r>
+              <a:rPr lang="en-US" dirty="0"/>
+              <a:t>[TODO]</a:t>
+            </a:r>
+          </a:p>
+          <a:p>
+            <a:pPr lvl="1"/>
+            <a:r>
+              <a:rPr lang="en-US" dirty="0"/>
+              <a:t>Proposed reasoning principles that capture </a:t>
+            </a:r>
+          </a:p>
+          <a:p>
+            <a:pPr lvl="1"/>
+            <a:endParaRPr lang="en-US" dirty="0"/>
+          </a:p>
+          <a:p>
+            <a:endParaRPr lang="en-US" dirty="0"/>
+          </a:p>
+          <a:p>
+            <a:pPr lvl="1"/>
+            <a:endParaRPr lang="en-US" dirty="0"/>
+          </a:p>
+        </p:txBody>
+      </p:sp>
+    </p:spTree>
+    <p:extLst>
+      <p:ext uri="{BB962C8B-B14F-4D97-AF65-F5344CB8AC3E}">
+        <p14:creationId xmlns:p14="http://schemas.microsoft.com/office/powerpoint/2010/main" val="2951211648"/>
+      </p:ext>
+    </p:extLst>
+  </p:cSld>
+  <p:clrMapOvr>
+    <a:masterClrMapping/>
+  </p:clrMapOvr>
+</p:sld>
+</file>
+
+<file path=ppt/slides/slide40.xml><?xml version="1.0" encoding="utf-8"?>
+<p:sld xmlns:a="http://schemas.openxmlformats.org/drawingml/2006/main" xmlns:r="http://schemas.openxmlformats.org/officeDocument/2006/relationships" xmlns:p="http://schemas.openxmlformats.org/presentationml/2006/main">
+  <p:cSld>
+    <p:spTree>
+      <p:nvGrpSpPr>
+        <p:cNvPr id="1" name=""/>
+        <p:cNvGrpSpPr/>
+        <p:nvPr/>
+      </p:nvGrpSpPr>
+      <p:grpSpPr>
+        <a:xfrm>
+          <a:off x="0" y="0"/>
+          <a:ext cx="0" cy="0"/>
+          <a:chOff x="0" y="0"/>
+          <a:chExt cx="0" cy="0"/>
+        </a:xfrm>
+      </p:grpSpPr>
+      <p:sp>
+        <p:nvSpPr>
+          <p:cNvPr id="2" name="Title 1">
+            <a:extLst>
+              <a:ext uri="{FF2B5EF4-FFF2-40B4-BE49-F238E27FC236}">
+                <a16:creationId xmlns:a16="http://schemas.microsoft.com/office/drawing/2014/main" id="{632D8C67-9855-F94C-DF23-26192F6BC23E}"/>
+              </a:ext>
+            </a:extLst>
+          </p:cNvPr>
+          <p:cNvSpPr>
+            <a:spLocks noGrp="1"/>
+          </p:cNvSpPr>
+          <p:nvPr>
+            <p:ph type="title"/>
+          </p:nvPr>
+        </p:nvSpPr>
+        <p:spPr/>
+        <p:txBody>
+          <a:bodyPr/>
+          <a:lstStyle/>
+          <a:p>
+            <a:r>
+              <a:rPr lang="en-US" dirty="0"/>
+              <a:t>RG-STS: Proof Rules under </a:t>
+            </a:r>
+            <a:r>
+              <a:rPr lang="en-US" dirty="0" err="1"/>
+              <a:t>Bisimulation</a:t>
+            </a:r>
+            <a:endParaRPr lang="en-US" dirty="0"/>
+          </a:p>
+        </p:txBody>
+      </p:sp>
+      <p:sp>
+        <p:nvSpPr>
+          <p:cNvPr id="3" name="Content Placeholder 2">
+            <a:extLst>
+              <a:ext uri="{FF2B5EF4-FFF2-40B4-BE49-F238E27FC236}">
+                <a16:creationId xmlns:a16="http://schemas.microsoft.com/office/drawing/2014/main" id="{32E31EBD-9FBD-4498-F0A3-877AF12FEDB8}"/>
+              </a:ext>
+            </a:extLst>
+          </p:cNvPr>
+          <p:cNvSpPr>
+            <a:spLocks noGrp="1"/>
+          </p:cNvSpPr>
+          <p:nvPr>
+            <p:ph idx="1"/>
+          </p:nvPr>
+        </p:nvSpPr>
+        <p:spPr/>
+        <p:txBody>
+          <a:bodyPr/>
+          <a:lstStyle/>
+          <a:p>
+            <a:endParaRPr lang="en-US"/>
+          </a:p>
+        </p:txBody>
+      </p:sp>
+    </p:spTree>
+    <p:extLst>
+      <p:ext uri="{BB962C8B-B14F-4D97-AF65-F5344CB8AC3E}">
+        <p14:creationId xmlns:p14="http://schemas.microsoft.com/office/powerpoint/2010/main" val="4011935431"/>
+      </p:ext>
+    </p:extLst>
+  </p:cSld>
+  <p:clrMapOvr>
+    <a:masterClrMapping/>
+  </p:clrMapOvr>
+</p:sld>
+</file>
+
+<file path=ppt/slides/slide41.xml><?xml version="1.0" encoding="utf-8"?>
+<p:sld xmlns:a="http://schemas.openxmlformats.org/drawingml/2006/main" xmlns:r="http://schemas.openxmlformats.org/officeDocument/2006/relationships" xmlns:p="http://schemas.openxmlformats.org/presentationml/2006/main">
+  <p:cSld>
+    <p:spTree>
+      <p:nvGrpSpPr>
+        <p:cNvPr id="1" name=""/>
+        <p:cNvGrpSpPr/>
+        <p:nvPr/>
+      </p:nvGrpSpPr>
+      <p:grpSpPr>
+        <a:xfrm>
+          <a:off x="0" y="0"/>
+          <a:ext cx="0" cy="0"/>
+          <a:chOff x="0" y="0"/>
+          <a:chExt cx="0" cy="0"/>
+        </a:xfrm>
+      </p:grpSpPr>
+      <p:sp>
+        <p:nvSpPr>
+          <p:cNvPr id="2" name="Title 1">
+            <a:extLst>
+              <a:ext uri="{FF2B5EF4-FFF2-40B4-BE49-F238E27FC236}">
+                <a16:creationId xmlns:a16="http://schemas.microsoft.com/office/drawing/2014/main" id="{17A6D691-BDDA-5E13-0C8A-1D78CEDE0074}"/>
+              </a:ext>
+            </a:extLst>
+          </p:cNvPr>
+          <p:cNvSpPr>
+            <a:spLocks noGrp="1"/>
+          </p:cNvSpPr>
+          <p:nvPr>
+            <p:ph type="title"/>
+          </p:nvPr>
+        </p:nvSpPr>
+        <p:spPr/>
+        <p:txBody>
+          <a:bodyPr/>
+          <a:lstStyle/>
+          <a:p>
+            <a:r>
+              <a:rPr lang="en-US" dirty="0"/>
+              <a:t>What does all these mean in our example?</a:t>
+            </a:r>
+          </a:p>
+        </p:txBody>
+      </p:sp>
+      <p:sp>
+        <p:nvSpPr>
+          <p:cNvPr id="3" name="Content Placeholder 2">
+            <a:extLst>
+              <a:ext uri="{FF2B5EF4-FFF2-40B4-BE49-F238E27FC236}">
+                <a16:creationId xmlns:a16="http://schemas.microsoft.com/office/drawing/2014/main" id="{23C01DBE-CCE9-68C7-7A81-749C37BD7775}"/>
+              </a:ext>
+            </a:extLst>
+          </p:cNvPr>
+          <p:cNvSpPr>
+            <a:spLocks noGrp="1"/>
+          </p:cNvSpPr>
+          <p:nvPr>
+            <p:ph idx="1"/>
+          </p:nvPr>
+        </p:nvSpPr>
+        <p:spPr/>
+        <p:txBody>
+          <a:bodyPr/>
+          <a:lstStyle/>
+          <a:p>
+            <a:endParaRPr lang="en-US" dirty="0"/>
+          </a:p>
+        </p:txBody>
+      </p:sp>
+      <p:sp>
+        <p:nvSpPr>
+          <p:cNvPr id="4" name="Oval 3">
+            <a:extLst>
+              <a:ext uri="{FF2B5EF4-FFF2-40B4-BE49-F238E27FC236}">
+                <a16:creationId xmlns:a16="http://schemas.microsoft.com/office/drawing/2014/main" id="{E6B8F967-2106-1D18-92BD-E8E5404924A2}"/>
+              </a:ext>
+            </a:extLst>
+          </p:cNvPr>
+          <p:cNvSpPr/>
+          <p:nvPr/>
+        </p:nvSpPr>
+        <p:spPr>
+          <a:xfrm>
+            <a:off x="2009775" y="2305050"/>
+            <a:ext cx="361950" cy="390525"/>
+          </a:xfrm>
+          <a:prstGeom prst="ellipse">
+            <a:avLst/>
+          </a:prstGeom>
+        </p:spPr>
+        <p:style>
+          <a:lnRef idx="2">
+            <a:schemeClr val="accent1">
+              <a:shade val="15000"/>
+            </a:schemeClr>
+          </a:lnRef>
+          <a:fillRef idx="1">
+            <a:schemeClr val="accent1"/>
+          </a:fillRef>
+          <a:effectRef idx="0">
+            <a:schemeClr val="accent1"/>
+          </a:effectRef>
+          <a:fontRef idx="minor">
+            <a:schemeClr val="lt1"/>
+          </a:fontRef>
+        </p:style>
+        <p:txBody>
+          <a:bodyPr rtlCol="0" anchor="ctr"/>
+          <a:lstStyle/>
+          <a:p>
+            <a:pPr algn="ctr"/>
+            <a:endParaRPr lang="en-US"/>
+          </a:p>
+        </p:txBody>
+      </p:sp>
+      <p:sp>
+        <p:nvSpPr>
+          <p:cNvPr id="5" name="Oval 4">
+            <a:extLst>
+              <a:ext uri="{FF2B5EF4-FFF2-40B4-BE49-F238E27FC236}">
+                <a16:creationId xmlns:a16="http://schemas.microsoft.com/office/drawing/2014/main" id="{B296B064-DF16-1B37-7221-83021B9C69F6}"/>
+              </a:ext>
+            </a:extLst>
+          </p:cNvPr>
+          <p:cNvSpPr/>
+          <p:nvPr/>
+        </p:nvSpPr>
+        <p:spPr>
+          <a:xfrm>
+            <a:off x="2009775" y="3555999"/>
+            <a:ext cx="361950" cy="390525"/>
+          </a:xfrm>
+          <a:prstGeom prst="ellipse">
+            <a:avLst/>
+          </a:prstGeom>
+        </p:spPr>
+        <p:style>
+          <a:lnRef idx="2">
+            <a:schemeClr val="accent1">
+              <a:shade val="15000"/>
+            </a:schemeClr>
+          </a:lnRef>
+          <a:fillRef idx="1">
+            <a:schemeClr val="accent1"/>
+          </a:fillRef>
+          <a:effectRef idx="0">
+            <a:schemeClr val="accent1"/>
+          </a:effectRef>
+          <a:fontRef idx="minor">
+            <a:schemeClr val="lt1"/>
+          </a:fontRef>
+        </p:style>
+        <p:txBody>
+          <a:bodyPr rtlCol="0" anchor="ctr"/>
+          <a:lstStyle/>
+          <a:p>
+            <a:pPr algn="ctr"/>
+            <a:endParaRPr lang="en-US"/>
+          </a:p>
+        </p:txBody>
+      </p:sp>
+      <p:sp>
+        <p:nvSpPr>
+          <p:cNvPr id="6" name="Oval 5">
+            <a:extLst>
+              <a:ext uri="{FF2B5EF4-FFF2-40B4-BE49-F238E27FC236}">
+                <a16:creationId xmlns:a16="http://schemas.microsoft.com/office/drawing/2014/main" id="{1E410281-34A4-EDFB-6C13-2279BCCF7354}"/>
+              </a:ext>
+            </a:extLst>
+          </p:cNvPr>
+          <p:cNvSpPr/>
+          <p:nvPr/>
+        </p:nvSpPr>
+        <p:spPr>
+          <a:xfrm>
+            <a:off x="2000250" y="4895855"/>
+            <a:ext cx="361950" cy="390525"/>
+          </a:xfrm>
+          <a:prstGeom prst="ellipse">
+            <a:avLst/>
+          </a:prstGeom>
+        </p:spPr>
+        <p:style>
+          <a:lnRef idx="2">
+            <a:schemeClr val="accent1">
+              <a:shade val="15000"/>
+            </a:schemeClr>
+          </a:lnRef>
+          <a:fillRef idx="1">
+            <a:schemeClr val="accent1"/>
+          </a:fillRef>
+          <a:effectRef idx="0">
+            <a:schemeClr val="accent1"/>
+          </a:effectRef>
+          <a:fontRef idx="minor">
+            <a:schemeClr val="lt1"/>
+          </a:fontRef>
+        </p:style>
+        <p:txBody>
+          <a:bodyPr rtlCol="0" anchor="ctr"/>
+          <a:lstStyle/>
+          <a:p>
+            <a:pPr algn="ctr"/>
+            <a:endParaRPr lang="en-US"/>
+          </a:p>
+        </p:txBody>
+      </p:sp>
+      <p:sp>
+        <p:nvSpPr>
+          <p:cNvPr id="7" name="Oval 6">
+            <a:extLst>
+              <a:ext uri="{FF2B5EF4-FFF2-40B4-BE49-F238E27FC236}">
+                <a16:creationId xmlns:a16="http://schemas.microsoft.com/office/drawing/2014/main" id="{15F28363-A2B6-E416-FDC3-16F97656FF42}"/>
+              </a:ext>
+            </a:extLst>
+          </p:cNvPr>
+          <p:cNvSpPr/>
+          <p:nvPr/>
+        </p:nvSpPr>
+        <p:spPr>
+          <a:xfrm>
+            <a:off x="7324725" y="3555998"/>
+            <a:ext cx="361950" cy="390525"/>
+          </a:xfrm>
+          <a:prstGeom prst="ellipse">
+            <a:avLst/>
+          </a:prstGeom>
+        </p:spPr>
+        <p:style>
+          <a:lnRef idx="2">
+            <a:schemeClr val="accent1">
+              <a:shade val="15000"/>
+            </a:schemeClr>
+          </a:lnRef>
+          <a:fillRef idx="1">
+            <a:schemeClr val="accent1"/>
+          </a:fillRef>
+          <a:effectRef idx="0">
+            <a:schemeClr val="accent1"/>
+          </a:effectRef>
+          <a:fontRef idx="minor">
+            <a:schemeClr val="lt1"/>
+          </a:fontRef>
+        </p:style>
+        <p:txBody>
+          <a:bodyPr rtlCol="0" anchor="ctr"/>
+          <a:lstStyle/>
+          <a:p>
+            <a:pPr algn="ctr"/>
+            <a:endParaRPr lang="en-US"/>
+          </a:p>
+        </p:txBody>
+      </p:sp>
+      <p:sp>
+        <p:nvSpPr>
+          <p:cNvPr id="8" name="Oval 7">
+            <a:extLst>
+              <a:ext uri="{FF2B5EF4-FFF2-40B4-BE49-F238E27FC236}">
+                <a16:creationId xmlns:a16="http://schemas.microsoft.com/office/drawing/2014/main" id="{17F994BD-F77C-FE72-17C4-6C61B617ECA2}"/>
+              </a:ext>
+            </a:extLst>
+          </p:cNvPr>
+          <p:cNvSpPr/>
+          <p:nvPr/>
+        </p:nvSpPr>
+        <p:spPr>
+          <a:xfrm>
+            <a:off x="9067800" y="2305049"/>
+            <a:ext cx="361950" cy="390525"/>
+          </a:xfrm>
+          <a:prstGeom prst="ellipse">
+            <a:avLst/>
+          </a:prstGeom>
+        </p:spPr>
+        <p:style>
+          <a:lnRef idx="2">
+            <a:schemeClr val="accent1">
+              <a:shade val="15000"/>
+            </a:schemeClr>
+          </a:lnRef>
+          <a:fillRef idx="1">
+            <a:schemeClr val="accent1"/>
+          </a:fillRef>
+          <a:effectRef idx="0">
+            <a:schemeClr val="accent1"/>
+          </a:effectRef>
+          <a:fontRef idx="minor">
+            <a:schemeClr val="lt1"/>
+          </a:fontRef>
+        </p:style>
+        <p:txBody>
+          <a:bodyPr rtlCol="0" anchor="ctr"/>
+          <a:lstStyle/>
+          <a:p>
+            <a:pPr algn="ctr"/>
+            <a:endParaRPr lang="en-US"/>
+          </a:p>
+        </p:txBody>
+      </p:sp>
+      <p:sp>
+        <p:nvSpPr>
+          <p:cNvPr id="9" name="Oval 8">
+            <a:extLst>
+              <a:ext uri="{FF2B5EF4-FFF2-40B4-BE49-F238E27FC236}">
+                <a16:creationId xmlns:a16="http://schemas.microsoft.com/office/drawing/2014/main" id="{A97C5065-5C26-2600-4EBB-4461425DF9FF}"/>
+              </a:ext>
+            </a:extLst>
+          </p:cNvPr>
+          <p:cNvSpPr/>
+          <p:nvPr/>
+        </p:nvSpPr>
+        <p:spPr>
+          <a:xfrm>
+            <a:off x="9067800" y="3555999"/>
+            <a:ext cx="361950" cy="390525"/>
+          </a:xfrm>
+          <a:prstGeom prst="ellipse">
+            <a:avLst/>
+          </a:prstGeom>
+        </p:spPr>
+        <p:style>
+          <a:lnRef idx="2">
+            <a:schemeClr val="accent1">
+              <a:shade val="15000"/>
+            </a:schemeClr>
+          </a:lnRef>
+          <a:fillRef idx="1">
+            <a:schemeClr val="accent1"/>
+          </a:fillRef>
+          <a:effectRef idx="0">
+            <a:schemeClr val="accent1"/>
+          </a:effectRef>
+          <a:fontRef idx="minor">
+            <a:schemeClr val="lt1"/>
+          </a:fontRef>
+        </p:style>
+        <p:txBody>
+          <a:bodyPr rtlCol="0" anchor="ctr"/>
+          <a:lstStyle/>
+          <a:p>
+            <a:pPr algn="ctr"/>
+            <a:endParaRPr lang="en-US"/>
+          </a:p>
+        </p:txBody>
+      </p:sp>
+      <p:sp>
+        <p:nvSpPr>
+          <p:cNvPr id="10" name="Oval 9">
+            <a:extLst>
+              <a:ext uri="{FF2B5EF4-FFF2-40B4-BE49-F238E27FC236}">
+                <a16:creationId xmlns:a16="http://schemas.microsoft.com/office/drawing/2014/main" id="{155F3550-A1F4-CDD8-4C53-6D96D6A3EB87}"/>
+              </a:ext>
+            </a:extLst>
+          </p:cNvPr>
+          <p:cNvSpPr/>
+          <p:nvPr/>
+        </p:nvSpPr>
+        <p:spPr>
+          <a:xfrm>
+            <a:off x="9067800" y="4895855"/>
+            <a:ext cx="361950" cy="390525"/>
+          </a:xfrm>
+          <a:prstGeom prst="ellipse">
+            <a:avLst/>
+          </a:prstGeom>
+        </p:spPr>
+        <p:style>
+          <a:lnRef idx="2">
+            <a:schemeClr val="accent1">
+              <a:shade val="15000"/>
+            </a:schemeClr>
+          </a:lnRef>
+          <a:fillRef idx="1">
+            <a:schemeClr val="accent1"/>
+          </a:fillRef>
+          <a:effectRef idx="0">
+            <a:schemeClr val="accent1"/>
+          </a:effectRef>
+          <a:fontRef idx="minor">
+            <a:schemeClr val="lt1"/>
+          </a:fontRef>
+        </p:style>
+        <p:txBody>
+          <a:bodyPr rtlCol="0" anchor="ctr"/>
+          <a:lstStyle/>
+          <a:p>
+            <a:pPr algn="ctr"/>
+            <a:endParaRPr lang="en-US"/>
+          </a:p>
+        </p:txBody>
+      </p:sp>
+    </p:spTree>
+    <p:extLst>
+      <p:ext uri="{BB962C8B-B14F-4D97-AF65-F5344CB8AC3E}">
+        <p14:creationId xmlns:p14="http://schemas.microsoft.com/office/powerpoint/2010/main" val="2430606378"/>
+      </p:ext>
+    </p:extLst>
+  </p:cSld>
+  <p:clrMapOvr>
+    <a:masterClrMapping/>
+  </p:clrMapOvr>
+</p:sld>
+</file>
+
+<file path=ppt/slides/slide42.xml><?xml version="1.0" encoding="utf-8"?>
+<p:sld xmlns:a="http://schemas.openxmlformats.org/drawingml/2006/main" xmlns:r="http://schemas.openxmlformats.org/officeDocument/2006/relationships" xmlns:p="http://schemas.openxmlformats.org/presentationml/2006/main">
+  <p:cSld>
+    <p:spTree>
+      <p:nvGrpSpPr>
+        <p:cNvPr id="1" name=""/>
+        <p:cNvGrpSpPr/>
+        <p:nvPr/>
+      </p:nvGrpSpPr>
+      <p:grpSpPr>
+        <a:xfrm>
+          <a:off x="0" y="0"/>
+          <a:ext cx="0" cy="0"/>
+          <a:chOff x="0" y="0"/>
+          <a:chExt cx="0" cy="0"/>
+        </a:xfrm>
+      </p:grpSpPr>
+      <p:sp>
+        <p:nvSpPr>
+          <p:cNvPr id="2" name="Title 1">
+            <a:extLst>
+              <a:ext uri="{FF2B5EF4-FFF2-40B4-BE49-F238E27FC236}">
+                <a16:creationId xmlns:a16="http://schemas.microsoft.com/office/drawing/2014/main" id="{49074C14-374B-7943-F1DC-88A056B80D77}"/>
+              </a:ext>
+            </a:extLst>
+          </p:cNvPr>
+          <p:cNvSpPr>
+            <a:spLocks noGrp="1"/>
+          </p:cNvSpPr>
+          <p:nvPr>
+            <p:ph type="title"/>
+          </p:nvPr>
+        </p:nvSpPr>
+        <p:spPr/>
+        <p:txBody>
+          <a:bodyPr/>
+          <a:lstStyle/>
+          <a:p>
+            <a:r>
+              <a:rPr lang="en-US" dirty="0"/>
+              <a:t>More on  </a:t>
+            </a:r>
+          </a:p>
+        </p:txBody>
+      </p:sp>
+      <p:sp>
+        <p:nvSpPr>
+          <p:cNvPr id="3" name="Content Placeholder 2">
+            <a:extLst>
+              <a:ext uri="{FF2B5EF4-FFF2-40B4-BE49-F238E27FC236}">
+                <a16:creationId xmlns:a16="http://schemas.microsoft.com/office/drawing/2014/main" id="{C0F2BF73-C558-B793-D222-51ACD17D6658}"/>
+              </a:ext>
+            </a:extLst>
+          </p:cNvPr>
+          <p:cNvSpPr>
+            <a:spLocks noGrp="1"/>
+          </p:cNvSpPr>
+          <p:nvPr>
+            <p:ph idx="1"/>
+          </p:nvPr>
+        </p:nvSpPr>
+        <p:spPr/>
+        <p:txBody>
+          <a:bodyPr/>
+          <a:lstStyle/>
+          <a:p>
+            <a:endParaRPr lang="en-US"/>
+          </a:p>
+        </p:txBody>
+      </p:sp>
+    </p:spTree>
+    <p:extLst>
+      <p:ext uri="{BB962C8B-B14F-4D97-AF65-F5344CB8AC3E}">
+        <p14:creationId xmlns:p14="http://schemas.microsoft.com/office/powerpoint/2010/main" val="2243728954"/>
+      </p:ext>
+    </p:extLst>
+  </p:cSld>
+  <p:clrMapOvr>
+    <a:masterClrMapping/>
+  </p:clrMapOvr>
+</p:sld>
+</file>
+
+<file path=ppt/slides/slide43.xml><?xml version="1.0" encoding="utf-8"?>
 <p:sld xmlns:a="http://schemas.openxmlformats.org/drawingml/2006/main" xmlns:r="http://schemas.openxmlformats.org/officeDocument/2006/relationships" xmlns:p="http://schemas.openxmlformats.org/presentationml/2006/main">
   <p:cSld>
     <p:spTree>
@@ -22937,7 +27292,7 @@
 </p:sld>
 </file>
 
-<file path=ppt/slides/slide29.xml><?xml version="1.0" encoding="utf-8"?>
+<file path=ppt/slides/slide44.xml><?xml version="1.0" encoding="utf-8"?>
 <p:sld xmlns:a="http://schemas.openxmlformats.org/drawingml/2006/main" xmlns:r="http://schemas.openxmlformats.org/officeDocument/2006/relationships" xmlns:p="http://schemas.openxmlformats.org/presentationml/2006/main">
   <p:cSld>
     <p:spTree>
@@ -23024,176 +27379,7 @@
 </p:sld>
 </file>
 
-<file path=ppt/slides/slide3.xml><?xml version="1.0" encoding="utf-8"?>
-<p:sld xmlns:a="http://schemas.openxmlformats.org/drawingml/2006/main" xmlns:r="http://schemas.openxmlformats.org/officeDocument/2006/relationships" xmlns:p="http://schemas.openxmlformats.org/presentationml/2006/main">
-  <p:cSld>
-    <p:spTree>
-      <p:nvGrpSpPr>
-        <p:cNvPr id="1" name=""/>
-        <p:cNvGrpSpPr/>
-        <p:nvPr/>
-      </p:nvGrpSpPr>
-      <p:grpSpPr>
-        <a:xfrm>
-          <a:off x="0" y="0"/>
-          <a:ext cx="0" cy="0"/>
-          <a:chOff x="0" y="0"/>
-          <a:chExt cx="0" cy="0"/>
-        </a:xfrm>
-      </p:grpSpPr>
-      <p:sp>
-        <p:nvSpPr>
-          <p:cNvPr id="2" name="Title 1">
-            <a:extLst>
-              <a:ext uri="{FF2B5EF4-FFF2-40B4-BE49-F238E27FC236}">
-                <a16:creationId xmlns:a16="http://schemas.microsoft.com/office/drawing/2014/main" id="{50D26CC9-8300-B82C-D98E-ADCCF4904E68}"/>
-              </a:ext>
-            </a:extLst>
-          </p:cNvPr>
-          <p:cNvSpPr>
-            <a:spLocks noGrp="1"/>
-          </p:cNvSpPr>
-          <p:nvPr>
-            <p:ph type="title"/>
-          </p:nvPr>
-        </p:nvSpPr>
-        <p:spPr/>
-        <p:txBody>
-          <a:bodyPr/>
-          <a:lstStyle/>
-          <a:p>
-            <a:r>
-              <a:rPr lang="en-US" dirty="0"/>
-              <a:t>What is Software Verification?</a:t>
-            </a:r>
-          </a:p>
-        </p:txBody>
-      </p:sp>
-      <p:sp>
-        <p:nvSpPr>
-          <p:cNvPr id="3" name="Content Placeholder 2">
-            <a:extLst>
-              <a:ext uri="{FF2B5EF4-FFF2-40B4-BE49-F238E27FC236}">
-                <a16:creationId xmlns:a16="http://schemas.microsoft.com/office/drawing/2014/main" id="{D1C7640D-4C98-07F9-2023-E1F2B0E39E2D}"/>
-              </a:ext>
-            </a:extLst>
-          </p:cNvPr>
-          <p:cNvSpPr>
-            <a:spLocks noGrp="1"/>
-          </p:cNvSpPr>
-          <p:nvPr>
-            <p:ph idx="1"/>
-          </p:nvPr>
-        </p:nvSpPr>
-        <p:spPr/>
-        <p:txBody>
-          <a:bodyPr/>
-          <a:lstStyle/>
-          <a:p>
-            <a:r>
-              <a:rPr lang="en-US" dirty="0">
-                <a:solidFill>
-                  <a:srgbClr val="FF0000"/>
-                </a:solidFill>
-              </a:rPr>
-              <a:t>Basically bringing math (so to say proofs) reasoning to convince yourself on the correctness of the programs </a:t>
-            </a:r>
-          </a:p>
-          <a:p>
-            <a:pPr lvl="1"/>
-            <a:r>
-              <a:rPr lang="en-US" dirty="0">
-                <a:solidFill>
-                  <a:srgbClr val="FF0000"/>
-                </a:solidFill>
-              </a:rPr>
-              <a:t>Tools to do – Logic Program logic, the most famous one Hoare</a:t>
-            </a:r>
-          </a:p>
-          <a:p>
-            <a:r>
-              <a:rPr lang="en-US" dirty="0">
-                <a:solidFill>
-                  <a:srgbClr val="FF0000"/>
-                </a:solidFill>
-              </a:rPr>
-              <a:t>Put </a:t>
-            </a:r>
-            <a:r>
-              <a:rPr lang="en-US" dirty="0" err="1">
-                <a:solidFill>
-                  <a:srgbClr val="FF0000"/>
-                </a:solidFill>
-              </a:rPr>
-              <a:t>hoare</a:t>
-            </a:r>
-            <a:r>
-              <a:rPr lang="en-US" dirty="0">
-                <a:solidFill>
-                  <a:srgbClr val="FF0000"/>
-                </a:solidFill>
-              </a:rPr>
-              <a:t> triple here and explain it simply and give one more</a:t>
-            </a:r>
-          </a:p>
-          <a:p>
-            <a:r>
-              <a:rPr lang="en-US" dirty="0">
-                <a:solidFill>
-                  <a:srgbClr val="FF0000"/>
-                </a:solidFill>
-              </a:rPr>
-              <a:t>explain -- while explaining just mention what a program state is (physical resources tbt a program </a:t>
-            </a:r>
-            <a:r>
-              <a:rPr lang="en-US" dirty="0" err="1">
-                <a:solidFill>
-                  <a:srgbClr val="FF0000"/>
-                </a:solidFill>
-              </a:rPr>
-              <a:t>utilizez</a:t>
-            </a:r>
-            <a:r>
-              <a:rPr lang="en-US" dirty="0">
-                <a:solidFill>
-                  <a:srgbClr val="FF0000"/>
-                </a:solidFill>
-              </a:rPr>
-              <a:t> – memory disk caches </a:t>
-            </a:r>
-            <a:r>
-              <a:rPr lang="en-US" dirty="0" err="1">
-                <a:solidFill>
-                  <a:srgbClr val="FF0000"/>
-                </a:solidFill>
-              </a:rPr>
-              <a:t>etc</a:t>
-            </a:r>
-            <a:r>
-              <a:rPr lang="en-US" dirty="0">
-                <a:solidFill>
-                  <a:srgbClr val="FF0000"/>
-                </a:solidFill>
-              </a:rPr>
-              <a:t>)</a:t>
-            </a:r>
-          </a:p>
-        </p:txBody>
-      </p:sp>
-    </p:spTree>
-    <p:extLst>
-      <p:ext uri="{BB962C8B-B14F-4D97-AF65-F5344CB8AC3E}">
-        <p14:creationId xmlns:p14="http://schemas.microsoft.com/office/powerpoint/2010/main" val="1644873007"/>
-      </p:ext>
-    </p:extLst>
-  </p:cSld>
-  <p:clrMapOvr>
-    <a:masterClrMapping/>
-  </p:clrMapOvr>
-</p:sld>
-</file>
-
-<file path=ppt/slides/slide30.xml><?xml version="1.0" encoding="utf-8"?>
+<file path=ppt/slides/slide45.xml><?xml version="1.0" encoding="utf-8"?>
 <p:sld xmlns:a="http://schemas.openxmlformats.org/drawingml/2006/main" xmlns:r="http://schemas.openxmlformats.org/officeDocument/2006/relationships" xmlns:p="http://schemas.openxmlformats.org/presentationml/2006/main">
   <p:cSld>
     <p:spTree>
@@ -27189,119 +31375,6 @@
 </p:sld>
 </file>
 
-<file path=ppt/slides/slide4.xml><?xml version="1.0" encoding="utf-8"?>
-<p:sld xmlns:a="http://schemas.openxmlformats.org/drawingml/2006/main" xmlns:r="http://schemas.openxmlformats.org/officeDocument/2006/relationships" xmlns:p="http://schemas.openxmlformats.org/presentationml/2006/main">
-  <p:cSld>
-    <p:spTree>
-      <p:nvGrpSpPr>
-        <p:cNvPr id="1" name=""/>
-        <p:cNvGrpSpPr/>
-        <p:nvPr/>
-      </p:nvGrpSpPr>
-      <p:grpSpPr>
-        <a:xfrm>
-          <a:off x="0" y="0"/>
-          <a:ext cx="0" cy="0"/>
-          <a:chOff x="0" y="0"/>
-          <a:chExt cx="0" cy="0"/>
-        </a:xfrm>
-      </p:grpSpPr>
-      <p:sp>
-        <p:nvSpPr>
-          <p:cNvPr id="2" name="Title 1">
-            <a:extLst>
-              <a:ext uri="{FF2B5EF4-FFF2-40B4-BE49-F238E27FC236}">
-                <a16:creationId xmlns:a16="http://schemas.microsoft.com/office/drawing/2014/main" id="{103427D0-11AE-2CA5-BB8C-8D823CD90E4D}"/>
-              </a:ext>
-            </a:extLst>
-          </p:cNvPr>
-          <p:cNvSpPr>
-            <a:spLocks noGrp="1"/>
-          </p:cNvSpPr>
-          <p:nvPr>
-            <p:ph type="title"/>
-          </p:nvPr>
-        </p:nvSpPr>
-        <p:spPr/>
-        <p:txBody>
-          <a:bodyPr/>
-          <a:lstStyle/>
-          <a:p>
-            <a:r>
-              <a:rPr lang="en-US" dirty="0"/>
-              <a:t>Separation Logic</a:t>
-            </a:r>
-          </a:p>
-        </p:txBody>
-      </p:sp>
-      <p:sp>
-        <p:nvSpPr>
-          <p:cNvPr id="3" name="Content Placeholder 2">
-            <a:extLst>
-              <a:ext uri="{FF2B5EF4-FFF2-40B4-BE49-F238E27FC236}">
-                <a16:creationId xmlns:a16="http://schemas.microsoft.com/office/drawing/2014/main" id="{39DF9E50-57C6-E958-45F7-21BE056FC497}"/>
-              </a:ext>
-            </a:extLst>
-          </p:cNvPr>
-          <p:cNvSpPr>
-            <a:spLocks noGrp="1"/>
-          </p:cNvSpPr>
-          <p:nvPr>
-            <p:ph idx="1"/>
-          </p:nvPr>
-        </p:nvSpPr>
-        <p:spPr/>
-        <p:txBody>
-          <a:bodyPr/>
-          <a:lstStyle/>
-          <a:p>
-            <a:r>
-              <a:rPr lang="en-US" dirty="0">
-                <a:solidFill>
-                  <a:srgbClr val="FF0000"/>
-                </a:solidFill>
-              </a:rPr>
-              <a:t>A logic of resources obtained by a proper treatment on the Hoare Logic</a:t>
-            </a:r>
-          </a:p>
-          <a:p>
-            <a:r>
-              <a:rPr lang="en-US" dirty="0">
-                <a:solidFill>
-                  <a:srgbClr val="FF0000"/>
-                </a:solidFill>
-              </a:rPr>
-              <a:t>What I mean by treatment is basically introducing logical operators and proof rules that allows enforcing proper usage of resource, in its very raw form complete separation (isolation) </a:t>
-            </a:r>
-          </a:p>
-          <a:p>
-            <a:r>
-              <a:rPr lang="en-US" dirty="0">
-                <a:solidFill>
-                  <a:srgbClr val="FF0000"/>
-                </a:solidFill>
-              </a:rPr>
-              <a:t> Here we see the most famous rule frame rule utilizing a logical operator called separation conj. </a:t>
-            </a:r>
-          </a:p>
-          <a:p>
-            <a:endParaRPr lang="en-US" dirty="0"/>
-          </a:p>
-        </p:txBody>
-      </p:sp>
-    </p:spTree>
-    <p:extLst>
-      <p:ext uri="{BB962C8B-B14F-4D97-AF65-F5344CB8AC3E}">
-        <p14:creationId xmlns:p14="http://schemas.microsoft.com/office/powerpoint/2010/main" val="2796159970"/>
-      </p:ext>
-    </p:extLst>
-  </p:cSld>
-  <p:clrMapOvr>
-    <a:masterClrMapping/>
-  </p:clrMapOvr>
-</p:sld>
-</file>
-
 <file path=ppt/slides/slide5.xml><?xml version="1.0" encoding="utf-8"?>
 <p:sld xmlns:a="http://schemas.openxmlformats.org/drawingml/2006/main" xmlns:r="http://schemas.openxmlformats.org/officeDocument/2006/relationships" xmlns:p="http://schemas.openxmlformats.org/presentationml/2006/main">
   <p:cSld>
@@ -27324,7 +31397,7 @@
           <p:cNvPr id="2" name="Title 1">
             <a:extLst>
               <a:ext uri="{FF2B5EF4-FFF2-40B4-BE49-F238E27FC236}">
-                <a16:creationId xmlns:a16="http://schemas.microsoft.com/office/drawing/2014/main" id="{5BB43984-0517-E4DD-68EE-43F3A90361AC}"/>
+                <a16:creationId xmlns:a16="http://schemas.microsoft.com/office/drawing/2014/main" id="{3C38F4E5-B6DD-846C-EFED-25A10D454AF8}"/>
               </a:ext>
             </a:extLst>
           </p:cNvPr>
@@ -27342,61 +31415,74 @@
           <a:p>
             <a:r>
               <a:rPr lang="en-US" dirty="0"/>
-              <a:t>Abstract Separation Logic</a:t>
-            </a:r>
-          </a:p>
-        </p:txBody>
-      </p:sp>
-      <p:sp>
-        <p:nvSpPr>
-          <p:cNvPr id="3" name="Content Placeholder 2">
-            <a:extLst>
-              <a:ext uri="{FF2B5EF4-FFF2-40B4-BE49-F238E27FC236}">
-                <a16:creationId xmlns:a16="http://schemas.microsoft.com/office/drawing/2014/main" id="{145797CB-C562-35AA-2AAF-11A6DBD8F3D1}"/>
-              </a:ext>
-            </a:extLst>
-          </p:cNvPr>
-          <p:cNvSpPr>
-            <a:spLocks noGrp="1"/>
-          </p:cNvSpPr>
+              <a:t>What is a Program Logic?</a:t>
+            </a:r>
+          </a:p>
+        </p:txBody>
+      </p:sp>
+      <p:pic>
+        <p:nvPicPr>
+          <p:cNvPr id="9" name="Content Placeholder 8">
+            <a:extLst>
+              <a:ext uri="{FF2B5EF4-FFF2-40B4-BE49-F238E27FC236}">
+                <a16:creationId xmlns:a16="http://schemas.microsoft.com/office/drawing/2014/main" id="{F7155C9B-602B-CCE3-8927-F0FF333320D2}"/>
+              </a:ext>
+            </a:extLst>
+          </p:cNvPr>
+          <p:cNvPicPr>
+            <a:picLocks noGrp="1" noChangeAspect="1"/>
+          </p:cNvPicPr>
           <p:nvPr>
             <p:ph idx="1"/>
           </p:nvPr>
-        </p:nvSpPr>
-        <p:spPr/>
-        <p:txBody>
-          <a:bodyPr/>
-          <a:lstStyle/>
-          <a:p>
-            <a:r>
-              <a:rPr lang="en-US" dirty="0"/>
-              <a:t>Generalization on the notion of resource – with partial commutative monoids (PCM)s</a:t>
-            </a:r>
-          </a:p>
-          <a:p>
-            <a:r>
-              <a:rPr lang="en-US" dirty="0"/>
-              <a:t>This allows us to construct any resource that help us to reasoning </a:t>
-            </a:r>
-          </a:p>
-          <a:p>
-            <a:r>
-              <a:rPr lang="en-US" dirty="0"/>
-              <a:t>Iris is the frame work that allow us to obtain, we define abstract protocols defining how two different accesses are regulated into a resource </a:t>
-            </a:r>
-          </a:p>
-          <a:p>
-            <a:r>
-              <a:rPr lang="en-US" dirty="0"/>
-              <a:t>The second mechanism invariants </a:t>
-            </a:r>
-          </a:p>
-        </p:txBody>
-      </p:sp>
+        </p:nvPicPr>
+        <p:blipFill>
+          <a:blip r:embed="rId3"/>
+          <a:stretch>
+            <a:fillRect/>
+          </a:stretch>
+        </p:blipFill>
+        <p:spPr>
+          <a:xfrm>
+            <a:off x="4562647" y="2680176"/>
+            <a:ext cx="2427434" cy="781716"/>
+          </a:xfrm>
+        </p:spPr>
+      </p:pic>
+      <p:pic>
+        <p:nvPicPr>
+          <p:cNvPr id="11" name="Picture 10" descr="A black text on a white background&#10;&#10;Description automatically generated">
+            <a:extLst>
+              <a:ext uri="{FF2B5EF4-FFF2-40B4-BE49-F238E27FC236}">
+                <a16:creationId xmlns:a16="http://schemas.microsoft.com/office/drawing/2014/main" id="{FE260376-57DE-A0FC-BFBD-32FA73578EE1}"/>
+              </a:ext>
+            </a:extLst>
+          </p:cNvPr>
+          <p:cNvPicPr>
+            <a:picLocks noChangeAspect="1"/>
+          </p:cNvPicPr>
+          <p:nvPr/>
+        </p:nvPicPr>
+        <p:blipFill>
+          <a:blip r:embed="rId4"/>
+          <a:stretch>
+            <a:fillRect/>
+          </a:stretch>
+        </p:blipFill>
+        <p:spPr>
+          <a:xfrm>
+            <a:off x="4020633" y="4004339"/>
+            <a:ext cx="5938895" cy="2041495"/>
+          </a:xfrm>
+          <a:prstGeom prst="rect">
+            <a:avLst/>
+          </a:prstGeom>
+        </p:spPr>
+      </p:pic>
     </p:spTree>
     <p:extLst>
       <p:ext uri="{BB962C8B-B14F-4D97-AF65-F5344CB8AC3E}">
-        <p14:creationId xmlns:p14="http://schemas.microsoft.com/office/powerpoint/2010/main" val="4049945497"/>
+        <p14:creationId xmlns:p14="http://schemas.microsoft.com/office/powerpoint/2010/main" val="2667852005"/>
       </p:ext>
     </p:extLst>
   </p:cSld>
@@ -27428,7 +31514,7 @@
           <p:cNvPr id="2" name="Title 1">
             <a:extLst>
               <a:ext uri="{FF2B5EF4-FFF2-40B4-BE49-F238E27FC236}">
-                <a16:creationId xmlns:a16="http://schemas.microsoft.com/office/drawing/2014/main" id="{2CC732FF-B4A8-7E52-65D3-018E5B5EF348}"/>
+                <a16:creationId xmlns:a16="http://schemas.microsoft.com/office/drawing/2014/main" id="{103427D0-11AE-2CA5-BB8C-8D823CD90E4D}"/>
               </a:ext>
             </a:extLst>
           </p:cNvPr>
@@ -27446,7 +31532,7 @@
           <a:p>
             <a:r>
               <a:rPr lang="en-US" dirty="0"/>
-              <a:t>Modal Logic</a:t>
+              <a:t>Separation Logic</a:t>
             </a:r>
           </a:p>
         </p:txBody>
@@ -27456,7 +31542,7 @@
           <p:cNvPr id="3" name="Content Placeholder 2">
             <a:extLst>
               <a:ext uri="{FF2B5EF4-FFF2-40B4-BE49-F238E27FC236}">
-                <a16:creationId xmlns:a16="http://schemas.microsoft.com/office/drawing/2014/main" id="{C82F847F-F6D7-916A-E5A2-871AECF1F1B0}"/>
+                <a16:creationId xmlns:a16="http://schemas.microsoft.com/office/drawing/2014/main" id="{39DF9E50-57C6-E958-45F7-21BE056FC497}"/>
               </a:ext>
             </a:extLst>
           </p:cNvPr>
@@ -27473,143 +31559,76 @@
           <a:lstStyle/>
           <a:p>
             <a:r>
-              <a:rPr lang="en-US" dirty="0">
-                <a:solidFill>
-                  <a:srgbClr val="FF0000"/>
-                </a:solidFill>
-              </a:rPr>
-              <a:t>Contingency</a:t>
-            </a:r>
-          </a:p>
-          <a:p>
-            <a:r>
-              <a:rPr lang="en-US" dirty="0">
-                <a:solidFill>
-                  <a:srgbClr val="FF0000"/>
-                </a:solidFill>
-              </a:rPr>
-              <a:t>The modals we are interested in this paper are shaped around </a:t>
-            </a:r>
-          </a:p>
-          <a:p>
-            <a:pPr lvl="1"/>
-            <a:r>
-              <a:rPr lang="en-US" dirty="0">
-                <a:solidFill>
-                  <a:srgbClr val="FF0000"/>
-                </a:solidFill>
-              </a:rPr>
-              <a:t>Hybrid logic style understanding of </a:t>
-            </a:r>
-          </a:p>
-          <a:p>
-            <a:pPr lvl="2"/>
-            <a:r>
-              <a:rPr lang="en-US" dirty="0">
-                <a:solidFill>
-                  <a:srgbClr val="FF0000"/>
-                </a:solidFill>
-              </a:rPr>
-              <a:t>[] satisfaction </a:t>
-            </a:r>
-            <a:r>
-              <a:rPr lang="en-US" dirty="0" err="1">
-                <a:solidFill>
-                  <a:srgbClr val="FF0000"/>
-                </a:solidFill>
-              </a:rPr>
-              <a:t>operatos</a:t>
-            </a:r>
-            <a:endParaRPr lang="en-US" dirty="0">
-              <a:solidFill>
-                <a:srgbClr val="FF0000"/>
-              </a:solidFill>
-            </a:endParaRPr>
-          </a:p>
-          <a:p>
-            <a:pPr lvl="3"/>
-            <a:r>
-              <a:rPr lang="en-US" dirty="0">
-                <a:solidFill>
-                  <a:srgbClr val="FF0000"/>
-                </a:solidFill>
-              </a:rPr>
-              <a:t>Unknown of other world</a:t>
-            </a:r>
-          </a:p>
-          <a:p>
-            <a:pPr lvl="2"/>
-            <a:r>
-              <a:rPr lang="en-US" dirty="0">
-                <a:solidFill>
-                  <a:srgbClr val="FF0000"/>
-                </a:solidFill>
-              </a:rPr>
-              <a:t>Interpreting </a:t>
-            </a:r>
-            <a:r>
-              <a:rPr lang="en-US" dirty="0" err="1">
-                <a:solidFill>
-                  <a:srgbClr val="FF0000"/>
-                </a:solidFill>
-              </a:rPr>
-              <a:t>Kripke</a:t>
-            </a:r>
-            <a:r>
-              <a:rPr lang="en-US" dirty="0">
-                <a:solidFill>
-                  <a:srgbClr val="FF0000"/>
-                </a:solidFill>
-              </a:rPr>
-              <a:t> models as </a:t>
-            </a:r>
-            <a:r>
-              <a:rPr lang="en-US" dirty="0" err="1">
-                <a:solidFill>
-                  <a:srgbClr val="FF0000"/>
-                </a:solidFill>
-              </a:rPr>
-              <a:t>stses</a:t>
-            </a:r>
-            <a:endParaRPr lang="en-US" dirty="0">
-              <a:solidFill>
-                <a:srgbClr val="FF0000"/>
-              </a:solidFill>
-            </a:endParaRPr>
-          </a:p>
-          <a:p>
-            <a:pPr lvl="3"/>
-            <a:r>
-              <a:rPr lang="en-US" dirty="0">
-                <a:solidFill>
-                  <a:srgbClr val="FF0000"/>
-                </a:solidFill>
-              </a:rPr>
-              <a:t>Multiple generated </a:t>
-            </a:r>
-            <a:r>
-              <a:rPr lang="en-US" dirty="0" err="1">
-                <a:solidFill>
-                  <a:srgbClr val="FF0000"/>
-                </a:solidFill>
-              </a:rPr>
-              <a:t>submodels</a:t>
-            </a:r>
-            <a:r>
-              <a:rPr lang="en-US" dirty="0">
-                <a:solidFill>
-                  <a:srgbClr val="FF0000"/>
-                </a:solidFill>
-              </a:rPr>
-              <a:t> </a:t>
-            </a:r>
-          </a:p>
-        </p:txBody>
-      </p:sp>
+              <a:rPr lang="en-US" dirty="0"/>
+              <a:t>A logic of resources</a:t>
+            </a:r>
+          </a:p>
+        </p:txBody>
+      </p:sp>
+      <p:pic>
+        <p:nvPicPr>
+          <p:cNvPr id="5" name="Picture 4" descr="A black text on a white background&#10;&#10;Description automatically generated">
+            <a:extLst>
+              <a:ext uri="{FF2B5EF4-FFF2-40B4-BE49-F238E27FC236}">
+                <a16:creationId xmlns:a16="http://schemas.microsoft.com/office/drawing/2014/main" id="{7AFF737F-30B0-D733-88E5-5C76A134B7D7}"/>
+              </a:ext>
+            </a:extLst>
+          </p:cNvPr>
+          <p:cNvPicPr>
+            <a:picLocks noChangeAspect="1"/>
+          </p:cNvPicPr>
+          <p:nvPr/>
+        </p:nvPicPr>
+        <p:blipFill>
+          <a:blip r:embed="rId3"/>
+          <a:stretch>
+            <a:fillRect/>
+          </a:stretch>
+        </p:blipFill>
+        <p:spPr>
+          <a:xfrm>
+            <a:off x="5416550" y="3073400"/>
+            <a:ext cx="1358900" cy="711200"/>
+          </a:xfrm>
+          <a:prstGeom prst="rect">
+            <a:avLst/>
+          </a:prstGeom>
+        </p:spPr>
+      </p:pic>
+      <p:pic>
+        <p:nvPicPr>
+          <p:cNvPr id="7" name="Picture 6" descr="A black text on a white background&#10;&#10;Description automatically generated">
+            <a:extLst>
+              <a:ext uri="{FF2B5EF4-FFF2-40B4-BE49-F238E27FC236}">
+                <a16:creationId xmlns:a16="http://schemas.microsoft.com/office/drawing/2014/main" id="{32FE0E75-1866-4905-DB92-C19332FA2784}"/>
+              </a:ext>
+            </a:extLst>
+          </p:cNvPr>
+          <p:cNvPicPr>
+            <a:picLocks noChangeAspect="1"/>
+          </p:cNvPicPr>
+          <p:nvPr/>
+        </p:nvPicPr>
+        <p:blipFill>
+          <a:blip r:embed="rId4"/>
+          <a:stretch>
+            <a:fillRect/>
+          </a:stretch>
+        </p:blipFill>
+        <p:spPr>
+          <a:xfrm>
+            <a:off x="5734050" y="3986371"/>
+            <a:ext cx="2082800" cy="673100"/>
+          </a:xfrm>
+          <a:prstGeom prst="rect">
+            <a:avLst/>
+          </a:prstGeom>
+        </p:spPr>
+      </p:pic>
     </p:spTree>
     <p:extLst>
       <p:ext uri="{BB962C8B-B14F-4D97-AF65-F5344CB8AC3E}">
-        <p14:creationId xmlns:p14="http://schemas.microsoft.com/office/powerpoint/2010/main" val="310425019"/>
+        <p14:creationId xmlns:p14="http://schemas.microsoft.com/office/powerpoint/2010/main" val="2796159970"/>
       </p:ext>
     </p:extLst>
   </p:cSld>
@@ -27641,7 +31660,7 @@
           <p:cNvPr id="2" name="Title 1">
             <a:extLst>
               <a:ext uri="{FF2B5EF4-FFF2-40B4-BE49-F238E27FC236}">
-                <a16:creationId xmlns:a16="http://schemas.microsoft.com/office/drawing/2014/main" id="{F93AB455-8132-4A8E-A737-B2D84D7A21F6}"/>
+                <a16:creationId xmlns:a16="http://schemas.microsoft.com/office/drawing/2014/main" id="{AE062B67-9EF3-C756-67A4-16E57E4A35ED}"/>
               </a:ext>
             </a:extLst>
           </p:cNvPr>
@@ -27654,14 +31673,12 @@
         </p:nvSpPr>
         <p:spPr/>
         <p:txBody>
-          <a:bodyPr>
-            <a:normAutofit/>
-          </a:bodyPr>
-          <a:lstStyle/>
-          <a:p>
-            <a:r>
-              <a:rPr lang="en-US" sz="7200" b="1" i="1" dirty="0"/>
-              <a:t>            Virtualization</a:t>
+          <a:bodyPr/>
+          <a:lstStyle/>
+          <a:p>
+            <a:r>
+              <a:rPr lang="en-US" dirty="0"/>
+              <a:t>More on Separation Logic</a:t>
             </a:r>
           </a:p>
         </p:txBody>
@@ -27671,7 +31688,7 @@
           <p:cNvPr id="3" name="Content Placeholder 2">
             <a:extLst>
               <a:ext uri="{FF2B5EF4-FFF2-40B4-BE49-F238E27FC236}">
-                <a16:creationId xmlns:a16="http://schemas.microsoft.com/office/drawing/2014/main" id="{3A0DAD15-51B3-CFA4-F27F-0647853C72C5}"/>
+                <a16:creationId xmlns:a16="http://schemas.microsoft.com/office/drawing/2014/main" id="{F8EBAA7D-01A5-E04C-36FD-7D92E2C00B2A}"/>
               </a:ext>
             </a:extLst>
           </p:cNvPr>
@@ -27682,50 +31699,121 @@
             <p:ph idx="1"/>
           </p:nvPr>
         </p:nvSpPr>
-        <p:spPr>
-          <a:xfrm>
-            <a:off x="142875" y="1825625"/>
-            <a:ext cx="11982450" cy="4351338"/>
-          </a:xfrm>
-        </p:spPr>
+        <p:spPr/>
         <p:txBody>
           <a:bodyPr>
             <a:normAutofit/>
           </a:bodyPr>
           <a:lstStyle/>
           <a:p>
-            <a:pPr marL="0" indent="0">
-              <a:buNone/>
-            </a:pPr>
-            <a:r>
-              <a:rPr lang="en-US" sz="4800" dirty="0"/>
-              <a:t>		</a:t>
-            </a:r>
-          </a:p>
-          <a:p>
-            <a:pPr marL="0" indent="0">
-              <a:buNone/>
-            </a:pPr>
-            <a:r>
-              <a:rPr lang="en-US" sz="4800" dirty="0"/>
-              <a:t>	</a:t>
-            </a:r>
-          </a:p>
-          <a:p>
-            <a:pPr marL="0" indent="0">
-              <a:buNone/>
-            </a:pPr>
-            <a:r>
-              <a:rPr lang="en-US" sz="4800" dirty="0"/>
-              <a:t>Modal Understanding of Location Virtualization</a:t>
-            </a:r>
+            <a:r>
+              <a:rPr lang="en-US" dirty="0"/>
+              <a:t>Useful concurrent programs </a:t>
+            </a:r>
+            <a:r>
+              <a:rPr lang="en-US" i="1" dirty="0"/>
+              <a:t>shares!</a:t>
+            </a:r>
+          </a:p>
+          <a:p>
+            <a:r>
+              <a:rPr lang="en-US" dirty="0"/>
+              <a:t>Essence: </a:t>
+            </a:r>
+            <a:r>
+              <a:rPr lang="en-US" i="1" dirty="0"/>
+              <a:t>composing </a:t>
+            </a:r>
+            <a:r>
+              <a:rPr lang="en-US" dirty="0"/>
+              <a:t>the updates of each thread to model interleaving</a:t>
+            </a:r>
+          </a:p>
+          <a:p>
+            <a:pPr lvl="1"/>
+            <a:r>
+              <a:rPr lang="en-US" dirty="0"/>
+              <a:t>Current Local </a:t>
+            </a:r>
+            <a:r>
+              <a:rPr lang="en-US" b="1" i="1" dirty="0"/>
+              <a:t>View </a:t>
+            </a:r>
+            <a:r>
+              <a:rPr lang="en-US" dirty="0"/>
+              <a:t>for a “</a:t>
+            </a:r>
+            <a:r>
+              <a:rPr lang="en-US" b="1" i="1" dirty="0"/>
+              <a:t>guarantee step” </a:t>
+            </a:r>
+            <a:r>
+              <a:rPr lang="en-US" i="1" dirty="0"/>
+              <a:t>changing local program state</a:t>
+            </a:r>
+          </a:p>
+          <a:p>
+            <a:pPr lvl="1"/>
+            <a:r>
+              <a:rPr lang="en-US" dirty="0"/>
+              <a:t>Other </a:t>
+            </a:r>
+            <a:r>
+              <a:rPr lang="en-US" b="1" i="1" dirty="0"/>
+              <a:t>Views </a:t>
+            </a:r>
+            <a:r>
+              <a:rPr lang="en-US" dirty="0"/>
+              <a:t> </a:t>
+            </a:r>
+            <a:r>
+              <a:rPr lang="en-US" b="1" i="1" dirty="0"/>
+              <a:t>”rely steps”</a:t>
+            </a:r>
+            <a:r>
+              <a:rPr lang="en-US" dirty="0"/>
+              <a:t>:</a:t>
+            </a:r>
+          </a:p>
+          <a:p>
+            <a:pPr lvl="2"/>
+            <a:r>
+              <a:rPr lang="en-US" dirty="0"/>
+              <a:t>Local state is unchanged</a:t>
+            </a:r>
+          </a:p>
+          <a:p>
+            <a:pPr lvl="2"/>
+            <a:r>
+              <a:rPr lang="en-US" dirty="0"/>
+              <a:t>The change in the global state is described by the </a:t>
+            </a:r>
+            <a:r>
+              <a:rPr lang="en-US" b="1" i="1" u="sng" dirty="0"/>
+              <a:t>interference relation</a:t>
+            </a:r>
+          </a:p>
+          <a:p>
+            <a:r>
+              <a:rPr lang="en-US" dirty="0"/>
+              <a:t>Plumbing interference relation throughout the whole proof [TODO]</a:t>
+            </a:r>
+          </a:p>
+          <a:p>
+            <a:r>
+              <a:rPr lang="en-US" dirty="0"/>
+              <a:t>Cumbersome proof due to carrying all the bits on the local state [TODO]</a:t>
+            </a:r>
+          </a:p>
+          <a:p>
+            <a:endParaRPr lang="en-US" dirty="0"/>
           </a:p>
         </p:txBody>
       </p:sp>
     </p:spTree>
     <p:extLst>
       <p:ext uri="{BB962C8B-B14F-4D97-AF65-F5344CB8AC3E}">
-        <p14:creationId xmlns:p14="http://schemas.microsoft.com/office/powerpoint/2010/main" val="3968974307"/>
+        <p14:creationId xmlns:p14="http://schemas.microsoft.com/office/powerpoint/2010/main" val="4134306460"/>
       </p:ext>
     </p:extLst>
   </p:cSld>
@@ -27754,10 +31842,38 @@
       </p:grpSpPr>
       <p:sp>
         <p:nvSpPr>
+          <p:cNvPr id="2" name="Title 1">
+            <a:extLst>
+              <a:ext uri="{FF2B5EF4-FFF2-40B4-BE49-F238E27FC236}">
+                <a16:creationId xmlns:a16="http://schemas.microsoft.com/office/drawing/2014/main" id="{5BB43984-0517-E4DD-68EE-43F3A90361AC}"/>
+              </a:ext>
+            </a:extLst>
+          </p:cNvPr>
+          <p:cNvSpPr>
+            <a:spLocks noGrp="1"/>
+          </p:cNvSpPr>
+          <p:nvPr>
+            <p:ph type="title"/>
+          </p:nvPr>
+        </p:nvSpPr>
+        <p:spPr/>
+        <p:txBody>
+          <a:bodyPr/>
+          <a:lstStyle/>
+          <a:p>
+            <a:r>
+              <a:rPr lang="en-US" dirty="0"/>
+              <a:t>Abstracting Separation Logic</a:t>
+            </a:r>
+          </a:p>
+        </p:txBody>
+      </p:sp>
+      <p:sp>
+        <p:nvSpPr>
           <p:cNvPr id="3" name="Content Placeholder 2">
             <a:extLst>
               <a:ext uri="{FF2B5EF4-FFF2-40B4-BE49-F238E27FC236}">
-                <a16:creationId xmlns:a16="http://schemas.microsoft.com/office/drawing/2014/main" id="{564FD919-CB97-01ED-BAB4-2E9822E9360A}"/>
+                <a16:creationId xmlns:a16="http://schemas.microsoft.com/office/drawing/2014/main" id="{145797CB-C562-35AA-2AAF-11A6DBD8F3D1}"/>
               </a:ext>
             </a:extLst>
           </p:cNvPr>
@@ -27768,59 +31884,19 @@
             <p:ph idx="1"/>
           </p:nvPr>
         </p:nvSpPr>
-        <p:spPr>
-          <a:xfrm>
-            <a:off x="993648" y="819785"/>
-            <a:ext cx="10515600" cy="4351338"/>
-          </a:xfrm>
-        </p:spPr>
+        <p:spPr/>
         <p:txBody>
           <a:bodyPr/>
           <a:lstStyle/>
           <a:p>
             <a:endParaRPr lang="en-US" dirty="0"/>
-          </a:p>
-          <a:p>
-            <a:endParaRPr lang="en-US" dirty="0"/>
-          </a:p>
-          <a:p>
-            <a:pPr marL="0" indent="0">
-              <a:buNone/>
-            </a:pPr>
-            <a:endParaRPr lang="en-US" dirty="0"/>
-          </a:p>
-          <a:p>
-            <a:pPr marL="0" indent="0">
-              <a:buNone/>
-            </a:pPr>
-            <a:r>
-              <a:rPr lang="en-US" dirty="0"/>
-              <a:t>				    </a:t>
-            </a:r>
-            <a:r>
-              <a:rPr lang="en-US" sz="4800" dirty="0"/>
-              <a:t>SYSTEM</a:t>
-            </a:r>
-          </a:p>
-          <a:p>
-            <a:pPr marL="0" indent="0">
-              <a:buNone/>
-            </a:pPr>
-            <a:r>
-              <a:rPr lang="en-US" sz="4800" dirty="0"/>
-              <a:t>	      (Translation &amp; Management)</a:t>
-            </a:r>
-            <a:r>
-              <a:rPr lang="en-US" dirty="0"/>
-              <a:t>	</a:t>
-            </a:r>
           </a:p>
         </p:txBody>
       </p:sp>
     </p:spTree>
     <p:extLst>
       <p:ext uri="{BB962C8B-B14F-4D97-AF65-F5344CB8AC3E}">
-        <p14:creationId xmlns:p14="http://schemas.microsoft.com/office/powerpoint/2010/main" val="2422990202"/>
+        <p14:creationId xmlns:p14="http://schemas.microsoft.com/office/powerpoint/2010/main" val="4049945497"/>
       </p:ext>
     </p:extLst>
   </p:cSld>
@@ -27852,7 +31928,7 @@
           <p:cNvPr id="2" name="Title 1">
             <a:extLst>
               <a:ext uri="{FF2B5EF4-FFF2-40B4-BE49-F238E27FC236}">
-                <a16:creationId xmlns:a16="http://schemas.microsoft.com/office/drawing/2014/main" id="{481F94B1-6BD0-0E36-4B5F-DBBF84D50B35}"/>
+                <a16:creationId xmlns:a16="http://schemas.microsoft.com/office/drawing/2014/main" id="{76C0843C-BC04-4196-A298-9C5913719532}"/>
               </a:ext>
             </a:extLst>
           </p:cNvPr>
@@ -27870,7 +31946,7 @@
           <a:p>
             <a:r>
               <a:rPr lang="en-US" dirty="0"/>
-              <a:t>Memory Location &amp; Virtualization</a:t>
+              <a:t>Separation Logic: Ghost Resources</a:t>
             </a:r>
           </a:p>
         </p:txBody>
@@ -27880,7 +31956,7 @@
           <p:cNvPr id="3" name="Content Placeholder 2">
             <a:extLst>
               <a:ext uri="{FF2B5EF4-FFF2-40B4-BE49-F238E27FC236}">
-                <a16:creationId xmlns:a16="http://schemas.microsoft.com/office/drawing/2014/main" id="{B02FB991-70A6-459B-46DF-5D381F42E7C9}"/>
+                <a16:creationId xmlns:a16="http://schemas.microsoft.com/office/drawing/2014/main" id="{1824EA8A-1D68-7635-6978-065364BED065}"/>
               </a:ext>
             </a:extLst>
           </p:cNvPr>
@@ -27896,338 +31972,20 @@
           <a:bodyPr/>
           <a:lstStyle/>
           <a:p>
-            <a:r>
-              <a:rPr lang="en-US" dirty="0"/>
-              <a:t>What do we mean by virtualizing a memory location?</a:t>
-            </a:r>
-          </a:p>
-          <a:p>
-            <a:pPr lvl="1"/>
-            <a:r>
-              <a:rPr lang="en-US" dirty="0"/>
-              <a:t>realizing a mechanism to address more memory locations than you physically (actually) have</a:t>
-            </a:r>
-          </a:p>
-          <a:p>
-            <a:r>
-              <a:rPr lang="en-US" dirty="0"/>
-              <a:t>What is the abstraction for virtualizing memory location in OSes?</a:t>
-            </a:r>
-          </a:p>
-          <a:p>
-            <a:pPr lvl="1"/>
-            <a:r>
-              <a:rPr lang="en-US" dirty="0"/>
-              <a:t>an </a:t>
-            </a:r>
-            <a:r>
-              <a:rPr lang="en-US" b="1" i="1" dirty="0"/>
-              <a:t>address-space of a process </a:t>
-            </a:r>
-            <a:r>
-              <a:rPr lang="en-US" dirty="0"/>
-              <a:t>is a container of virtual-addresses used for memory referencing</a:t>
-            </a:r>
-          </a:p>
-          <a:p>
-            <a:r>
-              <a:rPr lang="en-US" dirty="0"/>
-              <a:t>How do we implement memory-location virtualization?</a:t>
-            </a:r>
-          </a:p>
-          <a:p>
-            <a:pPr lvl="1"/>
-            <a:r>
-              <a:rPr lang="en-US" b="1" i="1" dirty="0"/>
-              <a:t>address-translation</a:t>
-            </a:r>
-            <a:r>
-              <a:rPr lang="en-US" dirty="0"/>
-              <a:t>: by using per-address-space page-tables – a tree like structure</a:t>
-            </a:r>
+            <a:endParaRPr lang="en-US"/>
           </a:p>
         </p:txBody>
       </p:sp>
     </p:spTree>
     <p:extLst>
       <p:ext uri="{BB962C8B-B14F-4D97-AF65-F5344CB8AC3E}">
-        <p14:creationId xmlns:p14="http://schemas.microsoft.com/office/powerpoint/2010/main" val="2570941388"/>
+        <p14:creationId xmlns:p14="http://schemas.microsoft.com/office/powerpoint/2010/main" val="834453319"/>
       </p:ext>
     </p:extLst>
   </p:cSld>
   <p:clrMapOvr>
     <a:masterClrMapping/>
   </p:clrMapOvr>
-  <p:timing>
-    <p:tnLst>
-      <p:par>
-        <p:cTn id="1" dur="indefinite" restart="never" nodeType="tmRoot">
-          <p:childTnLst>
-            <p:seq concurrent="1" nextAc="seek">
-              <p:cTn id="2" dur="indefinite" nodeType="mainSeq">
-                <p:childTnLst>
-                  <p:par>
-                    <p:cTn id="3" fill="hold">
-                      <p:stCondLst>
-                        <p:cond delay="indefinite"/>
-                      </p:stCondLst>
-                      <p:childTnLst>
-                        <p:par>
-                          <p:cTn id="4" fill="hold">
-                            <p:stCondLst>
-                              <p:cond delay="0"/>
-                            </p:stCondLst>
-                            <p:childTnLst>
-                              <p:par>
-                                <p:cTn id="5" presetID="1" presetClass="entr" presetSubtype="0" fill="hold" nodeType="clickEffect">
-                                  <p:stCondLst>
-                                    <p:cond delay="0"/>
-                                  </p:stCondLst>
-                                  <p:childTnLst>
-                                    <p:set>
-                                      <p:cBhvr>
-                                        <p:cTn id="6" dur="1" fill="hold">
-                                          <p:stCondLst>
-                                            <p:cond delay="0"/>
-                                          </p:stCondLst>
-                                        </p:cTn>
-                                        <p:tgtEl>
-                                          <p:spTgt spid="3">
-                                            <p:txEl>
-                                              <p:pRg st="0" end="0"/>
-                                            </p:txEl>
-                                          </p:spTgt>
-                                        </p:tgtEl>
-                                        <p:attrNameLst>
-                                          <p:attrName>style.visibility</p:attrName>
-                                        </p:attrNameLst>
-                                      </p:cBhvr>
-                                      <p:to>
-                                        <p:strVal val="visible"/>
-                                      </p:to>
-                                    </p:set>
-                                  </p:childTnLst>
-                                </p:cTn>
-                              </p:par>
-                              <p:par>
-                                <p:cTn id="7" presetID="1" presetClass="entr" presetSubtype="0" fill="hold" nodeType="withEffect">
-                                  <p:stCondLst>
-                                    <p:cond delay="0"/>
-                                  </p:stCondLst>
-                                  <p:childTnLst>
-                                    <p:set>
-                                      <p:cBhvr>
-                                        <p:cTn id="8" dur="1" fill="hold">
-                                          <p:stCondLst>
-                                            <p:cond delay="0"/>
-                                          </p:stCondLst>
-                                        </p:cTn>
-                                        <p:tgtEl>
-                                          <p:spTgt spid="3">
-                                            <p:txEl>
-                                              <p:pRg st="1" end="1"/>
-                                            </p:txEl>
-                                          </p:spTgt>
-                                        </p:tgtEl>
-                                        <p:attrNameLst>
-                                          <p:attrName>style.visibility</p:attrName>
-                                        </p:attrNameLst>
-                                      </p:cBhvr>
-                                      <p:to>
-                                        <p:strVal val="visible"/>
-                                      </p:to>
-                                    </p:set>
-                                  </p:childTnLst>
-                                </p:cTn>
-                              </p:par>
-                            </p:childTnLst>
-                          </p:cTn>
-                        </p:par>
-                      </p:childTnLst>
-                    </p:cTn>
-                  </p:par>
-                  <p:par>
-                    <p:cTn id="9" fill="hold">
-                      <p:stCondLst>
-                        <p:cond delay="indefinite"/>
-                      </p:stCondLst>
-                      <p:childTnLst>
-                        <p:par>
-                          <p:cTn id="10" fill="hold">
-                            <p:stCondLst>
-                              <p:cond delay="0"/>
-                            </p:stCondLst>
-                            <p:childTnLst>
-                              <p:par>
-                                <p:cTn id="11" presetID="1" presetClass="entr" presetSubtype="0" fill="hold" nodeType="clickEffect">
-                                  <p:stCondLst>
-                                    <p:cond delay="0"/>
-                                  </p:stCondLst>
-                                  <p:childTnLst>
-                                    <p:set>
-                                      <p:cBhvr>
-                                        <p:cTn id="12" dur="1" fill="hold">
-                                          <p:stCondLst>
-                                            <p:cond delay="0"/>
-                                          </p:stCondLst>
-                                        </p:cTn>
-                                        <p:tgtEl>
-                                          <p:spTgt spid="3">
-                                            <p:txEl>
-                                              <p:pRg st="2" end="2"/>
-                                            </p:txEl>
-                                          </p:spTgt>
-                                        </p:tgtEl>
-                                        <p:attrNameLst>
-                                          <p:attrName>style.visibility</p:attrName>
-                                        </p:attrNameLst>
-                                      </p:cBhvr>
-                                      <p:to>
-                                        <p:strVal val="visible"/>
-                                      </p:to>
-                                    </p:set>
-                                  </p:childTnLst>
-                                </p:cTn>
-                              </p:par>
-                              <p:par>
-                                <p:cTn id="13" presetID="1" presetClass="entr" presetSubtype="0" fill="hold" nodeType="withEffect">
-                                  <p:stCondLst>
-                                    <p:cond delay="0"/>
-                                  </p:stCondLst>
-                                  <p:childTnLst>
-                                    <p:set>
-                                      <p:cBhvr>
-                                        <p:cTn id="14" dur="1" fill="hold">
-                                          <p:stCondLst>
-                                            <p:cond delay="0"/>
-                                          </p:stCondLst>
-                                        </p:cTn>
-                                        <p:tgtEl>
-                                          <p:spTgt spid="3">
-                                            <p:txEl>
-                                              <p:pRg st="3" end="3"/>
-                                            </p:txEl>
-                                          </p:spTgt>
-                                        </p:tgtEl>
-                                        <p:attrNameLst>
-                                          <p:attrName>style.visibility</p:attrName>
-                                        </p:attrNameLst>
-                                      </p:cBhvr>
-                                      <p:to>
-                                        <p:strVal val="visible"/>
-                                      </p:to>
-                                    </p:set>
-                                  </p:childTnLst>
-                                </p:cTn>
-                              </p:par>
-                            </p:childTnLst>
-                          </p:cTn>
-                        </p:par>
-                      </p:childTnLst>
-                    </p:cTn>
-                  </p:par>
-                  <p:par>
-                    <p:cTn id="15" fill="hold">
-                      <p:stCondLst>
-                        <p:cond delay="indefinite"/>
-                      </p:stCondLst>
-                      <p:childTnLst>
-                        <p:par>
-                          <p:cTn id="16" fill="hold">
-                            <p:stCondLst>
-                              <p:cond delay="0"/>
-                            </p:stCondLst>
-                            <p:childTnLst>
-                              <p:par>
-                                <p:cTn id="17" presetID="1" presetClass="entr" presetSubtype="0" fill="hold" nodeType="clickEffect">
-                                  <p:stCondLst>
-                                    <p:cond delay="0"/>
-                                  </p:stCondLst>
-                                  <p:childTnLst>
-                                    <p:set>
-                                      <p:cBhvr>
-                                        <p:cTn id="18" dur="1" fill="hold">
-                                          <p:stCondLst>
-                                            <p:cond delay="0"/>
-                                          </p:stCondLst>
-                                        </p:cTn>
-                                        <p:tgtEl>
-                                          <p:spTgt spid="3">
-                                            <p:txEl>
-                                              <p:pRg st="4" end="4"/>
-                                            </p:txEl>
-                                          </p:spTgt>
-                                        </p:tgtEl>
-                                        <p:attrNameLst>
-                                          <p:attrName>style.visibility</p:attrName>
-                                        </p:attrNameLst>
-                                      </p:cBhvr>
-                                      <p:to>
-                                        <p:strVal val="visible"/>
-                                      </p:to>
-                                    </p:set>
-                                  </p:childTnLst>
-                                </p:cTn>
-                              </p:par>
-                              <p:par>
-                                <p:cTn id="19" presetID="1" presetClass="entr" presetSubtype="0" fill="hold" nodeType="withEffect">
-                                  <p:stCondLst>
-                                    <p:cond delay="0"/>
-                                  </p:stCondLst>
-                                  <p:childTnLst>
-                                    <p:set>
-                                      <p:cBhvr>
-                                        <p:cTn id="20" dur="1" fill="hold">
-                                          <p:stCondLst>
-                                            <p:cond delay="0"/>
-                                          </p:stCondLst>
-                                        </p:cTn>
-                                        <p:tgtEl>
-                                          <p:spTgt spid="3">
-                                            <p:txEl>
-                                              <p:pRg st="5" end="5"/>
-                                            </p:txEl>
-                                          </p:spTgt>
-                                        </p:tgtEl>
-                                        <p:attrNameLst>
-                                          <p:attrName>style.visibility</p:attrName>
-                                        </p:attrNameLst>
-                                      </p:cBhvr>
-                                      <p:to>
-                                        <p:strVal val="visible"/>
-                                      </p:to>
-                                    </p:set>
-                                  </p:childTnLst>
-                                </p:cTn>
-                              </p:par>
-                            </p:childTnLst>
-                          </p:cTn>
-                        </p:par>
-                      </p:childTnLst>
-                    </p:cTn>
-                  </p:par>
-                </p:childTnLst>
-              </p:cTn>
-              <p:prevCondLst>
-                <p:cond evt="onPrev" delay="0">
-                  <p:tgtEl>
-                    <p:sldTgt/>
-                  </p:tgtEl>
-                </p:cond>
-              </p:prevCondLst>
-              <p:nextCondLst>
-                <p:cond evt="onNext" delay="0">
-                  <p:tgtEl>
-                    <p:sldTgt/>
-                  </p:tgtEl>
-                </p:cond>
-              </p:nextCondLst>
-            </p:seq>
-          </p:childTnLst>
-        </p:cTn>
-      </p:par>
-    </p:tnLst>
-  </p:timing>
 </p:sld>
 </file>
 

--- a/thesis_proposal/proposal.pptx
+++ b/thesis_proposal/proposal.pptx
@@ -5,7 +5,7 @@
     <p:sldMasterId id="2147483648" r:id="rId1"/>
   </p:sldMasterIdLst>
   <p:notesMasterIdLst>
-    <p:notesMasterId r:id="rId47"/>
+    <p:notesMasterId r:id="rId48"/>
   </p:notesMasterIdLst>
   <p:sldIdLst>
     <p:sldId id="256" r:id="rId2"/>
@@ -22,37 +22,38 @@
     <p:sldId id="296" r:id="rId13"/>
     <p:sldId id="297" r:id="rId14"/>
     <p:sldId id="301" r:id="rId15"/>
-    <p:sldId id="284" r:id="rId16"/>
-    <p:sldId id="278" r:id="rId17"/>
-    <p:sldId id="277" r:id="rId18"/>
-    <p:sldId id="260" r:id="rId19"/>
-    <p:sldId id="273" r:id="rId20"/>
-    <p:sldId id="272" r:id="rId21"/>
-    <p:sldId id="279" r:id="rId22"/>
-    <p:sldId id="259" r:id="rId23"/>
-    <p:sldId id="261" r:id="rId24"/>
-    <p:sldId id="262" r:id="rId25"/>
-    <p:sldId id="275" r:id="rId26"/>
-    <p:sldId id="263" r:id="rId27"/>
-    <p:sldId id="269" r:id="rId28"/>
-    <p:sldId id="276" r:id="rId29"/>
-    <p:sldId id="290" r:id="rId30"/>
-    <p:sldId id="285" r:id="rId31"/>
-    <p:sldId id="286" r:id="rId32"/>
-    <p:sldId id="293" r:id="rId33"/>
-    <p:sldId id="287" r:id="rId34"/>
-    <p:sldId id="289" r:id="rId35"/>
-    <p:sldId id="304" r:id="rId36"/>
-    <p:sldId id="305" r:id="rId37"/>
-    <p:sldId id="306" r:id="rId38"/>
-    <p:sldId id="307" r:id="rId39"/>
-    <p:sldId id="308" r:id="rId40"/>
-    <p:sldId id="309" r:id="rId41"/>
-    <p:sldId id="294" r:id="rId42"/>
-    <p:sldId id="295" r:id="rId43"/>
-    <p:sldId id="288" r:id="rId44"/>
-    <p:sldId id="268" r:id="rId45"/>
-    <p:sldId id="274" r:id="rId46"/>
+    <p:sldId id="310" r:id="rId16"/>
+    <p:sldId id="284" r:id="rId17"/>
+    <p:sldId id="278" r:id="rId18"/>
+    <p:sldId id="277" r:id="rId19"/>
+    <p:sldId id="260" r:id="rId20"/>
+    <p:sldId id="273" r:id="rId21"/>
+    <p:sldId id="272" r:id="rId22"/>
+    <p:sldId id="279" r:id="rId23"/>
+    <p:sldId id="259" r:id="rId24"/>
+    <p:sldId id="261" r:id="rId25"/>
+    <p:sldId id="262" r:id="rId26"/>
+    <p:sldId id="275" r:id="rId27"/>
+    <p:sldId id="263" r:id="rId28"/>
+    <p:sldId id="269" r:id="rId29"/>
+    <p:sldId id="276" r:id="rId30"/>
+    <p:sldId id="290" r:id="rId31"/>
+    <p:sldId id="285" r:id="rId32"/>
+    <p:sldId id="286" r:id="rId33"/>
+    <p:sldId id="293" r:id="rId34"/>
+    <p:sldId id="287" r:id="rId35"/>
+    <p:sldId id="289" r:id="rId36"/>
+    <p:sldId id="304" r:id="rId37"/>
+    <p:sldId id="305" r:id="rId38"/>
+    <p:sldId id="306" r:id="rId39"/>
+    <p:sldId id="307" r:id="rId40"/>
+    <p:sldId id="308" r:id="rId41"/>
+    <p:sldId id="309" r:id="rId42"/>
+    <p:sldId id="294" r:id="rId43"/>
+    <p:sldId id="295" r:id="rId44"/>
+    <p:sldId id="288" r:id="rId45"/>
+    <p:sldId id="268" r:id="rId46"/>
+    <p:sldId id="274" r:id="rId47"/>
   </p:sldIdLst>
   <p:sldSz cx="12192000" cy="6858000"/>
   <p:notesSz cx="6858000" cy="9144000"/>
@@ -636,7 +637,7 @@
           <a:bodyPr/>
           <a:lstStyle/>
           <a:p>
-            <a:endParaRPr lang="en-US" dirty="0"/>
+            <a:endParaRPr lang="en-US"/>
           </a:p>
         </p:txBody>
       </p:sp>
@@ -666,7 +667,7 @@
     </p:spTree>
     <p:extLst>
       <p:ext uri="{BB962C8B-B14F-4D97-AF65-F5344CB8AC3E}">
-        <p14:creationId xmlns:p14="http://schemas.microsoft.com/office/powerpoint/2010/main" val="2075521826"/>
+        <p14:creationId xmlns:p14="http://schemas.microsoft.com/office/powerpoint/2010/main" val="4175223098"/>
       </p:ext>
     </p:extLst>
   </p:cSld>
@@ -720,7 +721,7 @@
           <a:bodyPr/>
           <a:lstStyle/>
           <a:p>
-            <a:endParaRPr lang="en-US"/>
+            <a:endParaRPr lang="en-US" dirty="0"/>
           </a:p>
         </p:txBody>
       </p:sp>
@@ -750,7 +751,7 @@
     </p:spTree>
     <p:extLst>
       <p:ext uri="{BB962C8B-B14F-4D97-AF65-F5344CB8AC3E}">
-        <p14:creationId xmlns:p14="http://schemas.microsoft.com/office/powerpoint/2010/main" val="1471488681"/>
+        <p14:creationId xmlns:p14="http://schemas.microsoft.com/office/powerpoint/2010/main" val="2075521826"/>
       </p:ext>
     </p:extLst>
   </p:cSld>
@@ -825,7 +826,7 @@
           <a:p>
             <a:fld id="{180B0F4F-C4CA-F945-8BD8-C2A10415F31A}" type="slidenum">
               <a:rPr lang="en-US" smtClean="0"/>
-              <a:t>22</a:t>
+              <a:t>21</a:t>
             </a:fld>
             <a:endParaRPr lang="en-US"/>
           </a:p>
@@ -834,7 +835,7 @@
     </p:spTree>
     <p:extLst>
       <p:ext uri="{BB962C8B-B14F-4D97-AF65-F5344CB8AC3E}">
-        <p14:creationId xmlns:p14="http://schemas.microsoft.com/office/powerpoint/2010/main" val="2207898864"/>
+        <p14:creationId xmlns:p14="http://schemas.microsoft.com/office/powerpoint/2010/main" val="1471488681"/>
       </p:ext>
     </p:extLst>
   </p:cSld>
@@ -888,7 +889,7 @@
           <a:bodyPr/>
           <a:lstStyle/>
           <a:p>
-            <a:endParaRPr lang="en-US" dirty="0"/>
+            <a:endParaRPr lang="en-US"/>
           </a:p>
         </p:txBody>
       </p:sp>
@@ -918,7 +919,7 @@
     </p:spTree>
     <p:extLst>
       <p:ext uri="{BB962C8B-B14F-4D97-AF65-F5344CB8AC3E}">
-        <p14:creationId xmlns:p14="http://schemas.microsoft.com/office/powerpoint/2010/main" val="1977058663"/>
+        <p14:creationId xmlns:p14="http://schemas.microsoft.com/office/powerpoint/2010/main" val="2207898864"/>
       </p:ext>
     </p:extLst>
   </p:cSld>
@@ -972,7 +973,7 @@
           <a:bodyPr/>
           <a:lstStyle/>
           <a:p>
-            <a:endParaRPr lang="en-US"/>
+            <a:endParaRPr lang="en-US" dirty="0"/>
           </a:p>
         </p:txBody>
       </p:sp>
@@ -1002,7 +1003,7 @@
     </p:spTree>
     <p:extLst>
       <p:ext uri="{BB962C8B-B14F-4D97-AF65-F5344CB8AC3E}">
-        <p14:creationId xmlns:p14="http://schemas.microsoft.com/office/powerpoint/2010/main" val="1305491200"/>
+        <p14:creationId xmlns:p14="http://schemas.microsoft.com/office/powerpoint/2010/main" val="1977058663"/>
       </p:ext>
     </p:extLst>
   </p:cSld>
@@ -1056,7 +1057,7 @@
           <a:bodyPr/>
           <a:lstStyle/>
           <a:p>
-            <a:endParaRPr lang="en-US" dirty="0"/>
+            <a:endParaRPr lang="en-US"/>
           </a:p>
         </p:txBody>
       </p:sp>
@@ -1077,7 +1078,7 @@
           <a:p>
             <a:fld id="{180B0F4F-C4CA-F945-8BD8-C2A10415F31A}" type="slidenum">
               <a:rPr lang="en-US" smtClean="0"/>
-              <a:t>26</a:t>
+              <a:t>25</a:t>
             </a:fld>
             <a:endParaRPr lang="en-US"/>
           </a:p>
@@ -1086,7 +1087,7 @@
     </p:spTree>
     <p:extLst>
       <p:ext uri="{BB962C8B-B14F-4D97-AF65-F5344CB8AC3E}">
-        <p14:creationId xmlns:p14="http://schemas.microsoft.com/office/powerpoint/2010/main" val="2295082353"/>
+        <p14:creationId xmlns:p14="http://schemas.microsoft.com/office/powerpoint/2010/main" val="1305491200"/>
       </p:ext>
     </p:extLst>
   </p:cSld>
@@ -1170,7 +1171,7 @@
     </p:spTree>
     <p:extLst>
       <p:ext uri="{BB962C8B-B14F-4D97-AF65-F5344CB8AC3E}">
-        <p14:creationId xmlns:p14="http://schemas.microsoft.com/office/powerpoint/2010/main" val="3232203025"/>
+        <p14:creationId xmlns:p14="http://schemas.microsoft.com/office/powerpoint/2010/main" val="2295082353"/>
       </p:ext>
     </p:extLst>
   </p:cSld>
@@ -1254,7 +1255,7 @@
     </p:spTree>
     <p:extLst>
       <p:ext uri="{BB962C8B-B14F-4D97-AF65-F5344CB8AC3E}">
-        <p14:creationId xmlns:p14="http://schemas.microsoft.com/office/powerpoint/2010/main" val="180261347"/>
+        <p14:creationId xmlns:p14="http://schemas.microsoft.com/office/powerpoint/2010/main" val="3232203025"/>
       </p:ext>
     </p:extLst>
   </p:cSld>
@@ -1308,10 +1309,7 @@
           <a:bodyPr/>
           <a:lstStyle/>
           <a:p>
-            <a:r>
-              <a:rPr lang="en-US" dirty="0"/>
-              <a:t>As backup slide.</a:t>
-            </a:r>
+            <a:endParaRPr lang="en-US" dirty="0"/>
           </a:p>
         </p:txBody>
       </p:sp>
@@ -1332,7 +1330,7 @@
           <a:p>
             <a:fld id="{180B0F4F-C4CA-F945-8BD8-C2A10415F31A}" type="slidenum">
               <a:rPr lang="en-US" smtClean="0"/>
-              <a:t>44</a:t>
+              <a:t>29</a:t>
             </a:fld>
             <a:endParaRPr lang="en-US"/>
           </a:p>
@@ -1341,7 +1339,7 @@
     </p:spTree>
     <p:extLst>
       <p:ext uri="{BB962C8B-B14F-4D97-AF65-F5344CB8AC3E}">
-        <p14:creationId xmlns:p14="http://schemas.microsoft.com/office/powerpoint/2010/main" val="819162960"/>
+        <p14:creationId xmlns:p14="http://schemas.microsoft.com/office/powerpoint/2010/main" val="180261347"/>
       </p:ext>
     </p:extLst>
   </p:cSld>
@@ -1397,13 +1395,7 @@
           <a:p>
             <a:r>
               <a:rPr lang="en-US" dirty="0"/>
-              <a:t>It might want to defrag / compress page tables </a:t>
-            </a:r>
-          </a:p>
-          <a:p>
-            <a:r>
-              <a:rPr lang="en-US" dirty="0"/>
-              <a:t>changes internal page-tables would violate</a:t>
+              <a:t>As backup slide.</a:t>
             </a:r>
           </a:p>
         </p:txBody>
@@ -1434,7 +1426,7 @@
     </p:spTree>
     <p:extLst>
       <p:ext uri="{BB962C8B-B14F-4D97-AF65-F5344CB8AC3E}">
-        <p14:creationId xmlns:p14="http://schemas.microsoft.com/office/powerpoint/2010/main" val="4220821738"/>
+        <p14:creationId xmlns:p14="http://schemas.microsoft.com/office/powerpoint/2010/main" val="819162960"/>
       </p:ext>
     </p:extLst>
   </p:cSld>
@@ -1608,6 +1600,99 @@
     <p:extLst>
       <p:ext uri="{BB962C8B-B14F-4D97-AF65-F5344CB8AC3E}">
         <p14:creationId xmlns:p14="http://schemas.microsoft.com/office/powerpoint/2010/main" val="3204955603"/>
+      </p:ext>
+    </p:extLst>
+  </p:cSld>
+  <p:clrMapOvr>
+    <a:masterClrMapping/>
+  </p:clrMapOvr>
+</p:notes>
+</file>
+
+<file path=ppt/notesSlides/notesSlide20.xml><?xml version="1.0" encoding="utf-8"?>
+<p:notes xmlns:a="http://schemas.openxmlformats.org/drawingml/2006/main" xmlns:r="http://schemas.openxmlformats.org/officeDocument/2006/relationships" xmlns:p="http://schemas.openxmlformats.org/presentationml/2006/main">
+  <p:cSld>
+    <p:spTree>
+      <p:nvGrpSpPr>
+        <p:cNvPr id="1" name=""/>
+        <p:cNvGrpSpPr/>
+        <p:nvPr/>
+      </p:nvGrpSpPr>
+      <p:grpSpPr>
+        <a:xfrm>
+          <a:off x="0" y="0"/>
+          <a:ext cx="0" cy="0"/>
+          <a:chOff x="0" y="0"/>
+          <a:chExt cx="0" cy="0"/>
+        </a:xfrm>
+      </p:grpSpPr>
+      <p:sp>
+        <p:nvSpPr>
+          <p:cNvPr id="2" name="Slide Image Placeholder 1"/>
+          <p:cNvSpPr>
+            <a:spLocks noGrp="1" noRot="1" noChangeAspect="1"/>
+          </p:cNvSpPr>
+          <p:nvPr>
+            <p:ph type="sldImg"/>
+          </p:nvPr>
+        </p:nvSpPr>
+        <p:spPr/>
+      </p:sp>
+      <p:sp>
+        <p:nvSpPr>
+          <p:cNvPr id="3" name="Notes Placeholder 2"/>
+          <p:cNvSpPr>
+            <a:spLocks noGrp="1"/>
+          </p:cNvSpPr>
+          <p:nvPr>
+            <p:ph type="body" idx="1"/>
+          </p:nvPr>
+        </p:nvSpPr>
+        <p:spPr/>
+        <p:txBody>
+          <a:bodyPr/>
+          <a:lstStyle/>
+          <a:p>
+            <a:r>
+              <a:rPr lang="en-US" dirty="0"/>
+              <a:t>It might want to defrag / compress page tables </a:t>
+            </a:r>
+          </a:p>
+          <a:p>
+            <a:r>
+              <a:rPr lang="en-US" dirty="0"/>
+              <a:t>changes internal page-tables would violate</a:t>
+            </a:r>
+          </a:p>
+        </p:txBody>
+      </p:sp>
+      <p:sp>
+        <p:nvSpPr>
+          <p:cNvPr id="4" name="Slide Number Placeholder 3"/>
+          <p:cNvSpPr>
+            <a:spLocks noGrp="1"/>
+          </p:cNvSpPr>
+          <p:nvPr>
+            <p:ph type="sldNum" sz="quarter" idx="5"/>
+          </p:nvPr>
+        </p:nvSpPr>
+        <p:spPr/>
+        <p:txBody>
+          <a:bodyPr/>
+          <a:lstStyle/>
+          <a:p>
+            <a:fld id="{180B0F4F-C4CA-F945-8BD8-C2A10415F31A}" type="slidenum">
+              <a:rPr lang="en-US" smtClean="0"/>
+              <a:t>46</a:t>
+            </a:fld>
+            <a:endParaRPr lang="en-US"/>
+          </a:p>
+        </p:txBody>
+      </p:sp>
+    </p:spTree>
+    <p:extLst>
+      <p:ext uri="{BB962C8B-B14F-4D97-AF65-F5344CB8AC3E}">
+        <p14:creationId xmlns:p14="http://schemas.microsoft.com/office/powerpoint/2010/main" val="4220821738"/>
       </p:ext>
     </p:extLst>
   </p:cSld>
@@ -2023,6 +2108,27 @@
               <a:t>components that had to be plumbed through all parts of the proof — even portions that were mostly thread-local. So work started to explore embedding the elements of interference control as resources within separation logic assertions.</a:t>
             </a:r>
           </a:p>
+          <a:p>
+            <a:endParaRPr lang="en-US" dirty="0"/>
+          </a:p>
+          <a:p>
+            <a:r>
+              <a:rPr lang="en-US" dirty="0"/>
+              <a:t>Plumbing interference relation throughout the whole proof [TODO]</a:t>
+            </a:r>
+          </a:p>
+          <a:p>
+            <a:r>
+              <a:rPr lang="en-US" dirty="0"/>
+              <a:t>Cumbersome proof due to carrying all the bits on the local state [TODO]</a:t>
+            </a:r>
+          </a:p>
+          <a:p>
+            <a:endParaRPr lang="en-US" dirty="0"/>
+          </a:p>
+          <a:p>
+            <a:endParaRPr lang="en-US" dirty="0"/>
+          </a:p>
         </p:txBody>
       </p:sp>
       <p:sp>
@@ -2215,7 +2321,27 @@
           <a:bodyPr/>
           <a:lstStyle/>
           <a:p>
-            <a:endParaRPr lang="en-US" dirty="0"/>
+            <a:pPr marL="0" marR="0" lvl="0" indent="0" algn="l" defTabSz="914400" rtl="0" eaLnBrk="1" fontAlgn="auto" latinLnBrk="0" hangingPunct="1">
+              <a:lnSpc>
+                <a:spcPct val="100000"/>
+              </a:lnSpc>
+              <a:spcBef>
+                <a:spcPts val="0"/>
+              </a:spcBef>
+              <a:spcAft>
+                <a:spcPts val="0"/>
+              </a:spcAft>
+              <a:buClrTx/>
+              <a:buSzTx/>
+              <a:buFontTx/>
+              <a:buNone/>
+              <a:tabLst/>
+              <a:defRPr/>
+            </a:pPr>
+            <a:r>
+              <a:rPr lang="en-US" dirty="0"/>
+              <a:t>Capability of sharing knowledge: up until now we were …</a:t>
+            </a:r>
           </a:p>
         </p:txBody>
       </p:sp>
@@ -2236,7 +2362,7 @@
           <a:p>
             <a:fld id="{180B0F4F-C4CA-F945-8BD8-C2A10415F31A}" type="slidenum">
               <a:rPr lang="en-US" smtClean="0"/>
-              <a:t>17</a:t>
+              <a:t>9</a:t>
             </a:fld>
             <a:endParaRPr lang="en-US"/>
           </a:p>
@@ -2245,7 +2371,7 @@
     </p:spTree>
     <p:extLst>
       <p:ext uri="{BB962C8B-B14F-4D97-AF65-F5344CB8AC3E}">
-        <p14:creationId xmlns:p14="http://schemas.microsoft.com/office/powerpoint/2010/main" val="2791394585"/>
+        <p14:creationId xmlns:p14="http://schemas.microsoft.com/office/powerpoint/2010/main" val="415171539"/>
       </p:ext>
     </p:extLst>
   </p:cSld>
@@ -2299,7 +2425,7 @@
           <a:bodyPr/>
           <a:lstStyle/>
           <a:p>
-            <a:endParaRPr lang="en-US"/>
+            <a:endParaRPr lang="en-US" dirty="0"/>
           </a:p>
         </p:txBody>
       </p:sp>
@@ -2329,7 +2455,7 @@
     </p:spTree>
     <p:extLst>
       <p:ext uri="{BB962C8B-B14F-4D97-AF65-F5344CB8AC3E}">
-        <p14:creationId xmlns:p14="http://schemas.microsoft.com/office/powerpoint/2010/main" val="4175223098"/>
+        <p14:creationId xmlns:p14="http://schemas.microsoft.com/office/powerpoint/2010/main" val="2791394585"/>
       </p:ext>
     </p:extLst>
   </p:cSld>
@@ -5677,7 +5803,7 @@
           <a:p>
             <a:r>
               <a:rPr lang="en-US" dirty="0"/>
-              <a:t>Separation Logic: Invariants and more</a:t>
+              <a:t>Separation Logic: Invariant Constructions</a:t>
             </a:r>
           </a:p>
         </p:txBody>
@@ -5703,7 +5829,34 @@
           <a:bodyPr/>
           <a:lstStyle/>
           <a:p>
-            <a:endParaRPr lang="en-US"/>
+            <a:r>
+              <a:rPr lang="en-US" dirty="0"/>
+              <a:t>Encoding state-transition-systems (STS)es as an invariant-construction</a:t>
+            </a:r>
+          </a:p>
+          <a:p>
+            <a:r>
+              <a:rPr lang="en-US" dirty="0" err="1"/>
+              <a:t>STSes</a:t>
+            </a:r>
+            <a:r>
+              <a:rPr lang="en-US" dirty="0"/>
+              <a:t> for governing shared state</a:t>
+            </a:r>
+          </a:p>
+          <a:p>
+            <a:r>
+              <a:rPr lang="en-US" dirty="0"/>
+              <a:t>Together with an interpretation of a state! </a:t>
+            </a:r>
+          </a:p>
+          <a:p>
+            <a:pPr lvl="1"/>
+            <a:endParaRPr lang="en-US" dirty="0"/>
+          </a:p>
+          <a:p>
+            <a:pPr lvl="1"/>
+            <a:endParaRPr lang="en-US" dirty="0"/>
           </a:p>
         </p:txBody>
       </p:sp>
@@ -6224,7 +6377,7 @@
           <p:cNvPr id="2" name="Title 1">
             <a:extLst>
               <a:ext uri="{FF2B5EF4-FFF2-40B4-BE49-F238E27FC236}">
-                <a16:creationId xmlns:a16="http://schemas.microsoft.com/office/drawing/2014/main" id="{F93AB455-8132-4A8E-A737-B2D84D7A21F6}"/>
+                <a16:creationId xmlns:a16="http://schemas.microsoft.com/office/drawing/2014/main" id="{23C96342-FA73-0BB3-3D51-90A14848EC00}"/>
               </a:ext>
             </a:extLst>
           </p:cNvPr>
@@ -6235,7 +6388,12 @@
             <p:ph type="title"/>
           </p:nvPr>
         </p:nvSpPr>
-        <p:spPr/>
+        <p:spPr>
+          <a:xfrm>
+            <a:off x="838200" y="2854325"/>
+            <a:ext cx="10515600" cy="1325563"/>
+          </a:xfrm>
+        </p:spPr>
         <p:txBody>
           <a:bodyPr>
             <a:normAutofit/>
@@ -6243,64 +6401,10 @@
           <a:lstStyle/>
           <a:p>
             <a:r>
-              <a:rPr lang="en-US" sz="7200" b="1" i="1" dirty="0"/>
-              <a:t>            Virtualization</a:t>
-            </a:r>
-          </a:p>
-        </p:txBody>
-      </p:sp>
-      <p:sp>
-        <p:nvSpPr>
-          <p:cNvPr id="3" name="Content Placeholder 2">
-            <a:extLst>
-              <a:ext uri="{FF2B5EF4-FFF2-40B4-BE49-F238E27FC236}">
-                <a16:creationId xmlns:a16="http://schemas.microsoft.com/office/drawing/2014/main" id="{3A0DAD15-51B3-CFA4-F27F-0647853C72C5}"/>
-              </a:ext>
-            </a:extLst>
-          </p:cNvPr>
-          <p:cNvSpPr>
-            <a:spLocks noGrp="1"/>
-          </p:cNvSpPr>
-          <p:nvPr>
-            <p:ph idx="1"/>
-          </p:nvPr>
-        </p:nvSpPr>
-        <p:spPr>
-          <a:xfrm>
-            <a:off x="142875" y="1825625"/>
-            <a:ext cx="11982450" cy="4351338"/>
-          </a:xfrm>
-        </p:spPr>
-        <p:txBody>
-          <a:bodyPr>
-            <a:normAutofit/>
-          </a:bodyPr>
-          <a:lstStyle/>
-          <a:p>
-            <a:pPr marL="0" indent="0">
-              <a:buNone/>
-            </a:pPr>
-            <a:r>
-              <a:rPr lang="en-US" sz="4800" dirty="0"/>
-              <a:t>		</a:t>
-            </a:r>
-          </a:p>
-          <a:p>
-            <a:pPr marL="0" indent="0">
-              <a:buNone/>
-            </a:pPr>
-            <a:r>
-              <a:rPr lang="en-US" sz="4800" dirty="0"/>
-              <a:t>	</a:t>
-            </a:r>
-          </a:p>
-          <a:p>
-            <a:pPr marL="0" indent="0">
-              <a:buNone/>
-            </a:pPr>
-            <a:r>
-              <a:rPr lang="en-US" sz="4800" dirty="0"/>
-              <a:t>Modal Understanding of Location Virtualization</a:t>
+              <a:rPr lang="en-US" sz="4800" dirty="0">
+                <a:latin typeface="+mn-lt"/>
+              </a:rPr>
+              <a:t>				Proposed Work</a:t>
             </a:r>
           </a:p>
         </p:txBody>
@@ -6308,7 +6412,7 @@
     </p:spTree>
     <p:extLst>
       <p:ext uri="{BB962C8B-B14F-4D97-AF65-F5344CB8AC3E}">
-        <p14:creationId xmlns:p14="http://schemas.microsoft.com/office/powerpoint/2010/main" val="3968974307"/>
+        <p14:creationId xmlns:p14="http://schemas.microsoft.com/office/powerpoint/2010/main" val="3913141060"/>
       </p:ext>
     </p:extLst>
   </p:cSld>
@@ -6337,6 +6441,122 @@
       </p:grpSpPr>
       <p:sp>
         <p:nvSpPr>
+          <p:cNvPr id="2" name="Title 1">
+            <a:extLst>
+              <a:ext uri="{FF2B5EF4-FFF2-40B4-BE49-F238E27FC236}">
+                <a16:creationId xmlns:a16="http://schemas.microsoft.com/office/drawing/2014/main" id="{F93AB455-8132-4A8E-A737-B2D84D7A21F6}"/>
+              </a:ext>
+            </a:extLst>
+          </p:cNvPr>
+          <p:cNvSpPr>
+            <a:spLocks noGrp="1"/>
+          </p:cNvSpPr>
+          <p:nvPr>
+            <p:ph type="title"/>
+          </p:nvPr>
+        </p:nvSpPr>
+        <p:spPr/>
+        <p:txBody>
+          <a:bodyPr>
+            <a:normAutofit/>
+          </a:bodyPr>
+          <a:lstStyle/>
+          <a:p>
+            <a:r>
+              <a:rPr lang="en-US" sz="7200" b="1" i="1" dirty="0"/>
+              <a:t>            Virtualization</a:t>
+            </a:r>
+          </a:p>
+        </p:txBody>
+      </p:sp>
+      <p:sp>
+        <p:nvSpPr>
+          <p:cNvPr id="3" name="Content Placeholder 2">
+            <a:extLst>
+              <a:ext uri="{FF2B5EF4-FFF2-40B4-BE49-F238E27FC236}">
+                <a16:creationId xmlns:a16="http://schemas.microsoft.com/office/drawing/2014/main" id="{3A0DAD15-51B3-CFA4-F27F-0647853C72C5}"/>
+              </a:ext>
+            </a:extLst>
+          </p:cNvPr>
+          <p:cNvSpPr>
+            <a:spLocks noGrp="1"/>
+          </p:cNvSpPr>
+          <p:nvPr>
+            <p:ph idx="1"/>
+          </p:nvPr>
+        </p:nvSpPr>
+        <p:spPr>
+          <a:xfrm>
+            <a:off x="142875" y="1825625"/>
+            <a:ext cx="11982450" cy="4351338"/>
+          </a:xfrm>
+        </p:spPr>
+        <p:txBody>
+          <a:bodyPr>
+            <a:normAutofit/>
+          </a:bodyPr>
+          <a:lstStyle/>
+          <a:p>
+            <a:pPr marL="0" indent="0">
+              <a:buNone/>
+            </a:pPr>
+            <a:r>
+              <a:rPr lang="en-US" sz="4800" dirty="0"/>
+              <a:t>		</a:t>
+            </a:r>
+          </a:p>
+          <a:p>
+            <a:pPr marL="0" indent="0">
+              <a:buNone/>
+            </a:pPr>
+            <a:r>
+              <a:rPr lang="en-US" sz="4800" dirty="0"/>
+              <a:t>	</a:t>
+            </a:r>
+          </a:p>
+          <a:p>
+            <a:pPr marL="0" indent="0">
+              <a:buNone/>
+            </a:pPr>
+            <a:r>
+              <a:rPr lang="en-US" sz="4800" dirty="0"/>
+              <a:t>Modal Understanding of Location Virtualization</a:t>
+            </a:r>
+          </a:p>
+        </p:txBody>
+      </p:sp>
+    </p:spTree>
+    <p:extLst>
+      <p:ext uri="{BB962C8B-B14F-4D97-AF65-F5344CB8AC3E}">
+        <p14:creationId xmlns:p14="http://schemas.microsoft.com/office/powerpoint/2010/main" val="3968974307"/>
+      </p:ext>
+    </p:extLst>
+  </p:cSld>
+  <p:clrMapOvr>
+    <a:masterClrMapping/>
+  </p:clrMapOvr>
+</p:sld>
+</file>
+
+<file path=ppt/slides/slide17.xml><?xml version="1.0" encoding="utf-8"?>
+<p:sld xmlns:a="http://schemas.openxmlformats.org/drawingml/2006/main" xmlns:r="http://schemas.openxmlformats.org/officeDocument/2006/relationships" xmlns:p="http://schemas.openxmlformats.org/presentationml/2006/main">
+  <p:cSld>
+    <p:spTree>
+      <p:nvGrpSpPr>
+        <p:cNvPr id="1" name=""/>
+        <p:cNvGrpSpPr/>
+        <p:nvPr/>
+      </p:nvGrpSpPr>
+      <p:grpSpPr>
+        <a:xfrm>
+          <a:off x="0" y="0"/>
+          <a:ext cx="0" cy="0"/>
+          <a:chOff x="0" y="0"/>
+          <a:chExt cx="0" cy="0"/>
+        </a:xfrm>
+      </p:grpSpPr>
+      <p:sp>
+        <p:nvSpPr>
           <p:cNvPr id="3" name="Content Placeholder 2">
             <a:extLst>
               <a:ext uri="{FF2B5EF4-FFF2-40B4-BE49-F238E27FC236}">
@@ -6413,7 +6633,7 @@
 </p:sld>
 </file>
 
-<file path=ppt/slides/slide17.xml><?xml version="1.0" encoding="utf-8"?>
+<file path=ppt/slides/slide18.xml><?xml version="1.0" encoding="utf-8"?>
 <p:sld xmlns:a="http://schemas.openxmlformats.org/drawingml/2006/main" xmlns:r="http://schemas.openxmlformats.org/officeDocument/2006/relationships" xmlns:p="http://schemas.openxmlformats.org/presentationml/2006/main">
   <p:cSld>
     <p:spTree>
@@ -6814,7 +7034,7 @@
 </p:sld>
 </file>
 
-<file path=ppt/slides/slide18.xml><?xml version="1.0" encoding="utf-8"?>
+<file path=ppt/slides/slide19.xml><?xml version="1.0" encoding="utf-8"?>
 <p:sld xmlns:a="http://schemas.openxmlformats.org/drawingml/2006/main" xmlns:r="http://schemas.openxmlformats.org/officeDocument/2006/relationships" xmlns:p="http://schemas.openxmlformats.org/presentationml/2006/main">
   <p:cSld>
     <p:spTree>
@@ -10984,7 +11204,142 @@
 </p:sld>
 </file>
 
-<file path=ppt/slides/slide19.xml><?xml version="1.0" encoding="utf-8"?>
+<file path=ppt/slides/slide2.xml><?xml version="1.0" encoding="utf-8"?>
+<p:sld xmlns:a="http://schemas.openxmlformats.org/drawingml/2006/main" xmlns:r="http://schemas.openxmlformats.org/officeDocument/2006/relationships" xmlns:p="http://schemas.openxmlformats.org/presentationml/2006/main">
+  <p:cSld>
+    <p:spTree>
+      <p:nvGrpSpPr>
+        <p:cNvPr id="1" name=""/>
+        <p:cNvGrpSpPr/>
+        <p:nvPr/>
+      </p:nvGrpSpPr>
+      <p:grpSpPr>
+        <a:xfrm>
+          <a:off x="0" y="0"/>
+          <a:ext cx="0" cy="0"/>
+          <a:chOff x="0" y="0"/>
+          <a:chExt cx="0" cy="0"/>
+        </a:xfrm>
+      </p:grpSpPr>
+      <p:sp>
+        <p:nvSpPr>
+          <p:cNvPr id="2" name="Title 1">
+            <a:extLst>
+              <a:ext uri="{FF2B5EF4-FFF2-40B4-BE49-F238E27FC236}">
+                <a16:creationId xmlns:a16="http://schemas.microsoft.com/office/drawing/2014/main" id="{DAFEDF38-55D4-6AB5-5DA1-F84D912C7A90}"/>
+              </a:ext>
+            </a:extLst>
+          </p:cNvPr>
+          <p:cNvSpPr>
+            <a:spLocks noGrp="1"/>
+          </p:cNvSpPr>
+          <p:nvPr>
+            <p:ph type="title"/>
+          </p:nvPr>
+        </p:nvSpPr>
+        <p:spPr/>
+        <p:txBody>
+          <a:bodyPr/>
+          <a:lstStyle/>
+          <a:p>
+            <a:r>
+              <a:rPr lang="en-US" dirty="0"/>
+              <a:t>Talk</a:t>
+            </a:r>
+          </a:p>
+        </p:txBody>
+      </p:sp>
+      <p:sp>
+        <p:nvSpPr>
+          <p:cNvPr id="3" name="Content Placeholder 2">
+            <a:extLst>
+              <a:ext uri="{FF2B5EF4-FFF2-40B4-BE49-F238E27FC236}">
+                <a16:creationId xmlns:a16="http://schemas.microsoft.com/office/drawing/2014/main" id="{4C4635AD-CEB6-4832-4C82-4C84A74EF4DD}"/>
+              </a:ext>
+            </a:extLst>
+          </p:cNvPr>
+          <p:cNvSpPr>
+            <a:spLocks noGrp="1"/>
+          </p:cNvSpPr>
+          <p:nvPr>
+            <p:ph idx="1"/>
+          </p:nvPr>
+        </p:nvSpPr>
+        <p:spPr/>
+        <p:txBody>
+          <a:bodyPr/>
+          <a:lstStyle/>
+          <a:p>
+            <a:r>
+              <a:rPr lang="en-US" dirty="0"/>
+              <a:t>Background</a:t>
+            </a:r>
+          </a:p>
+          <a:p>
+            <a:pPr lvl="1"/>
+            <a:r>
+              <a:rPr lang="en-US" dirty="0"/>
+              <a:t>Verification is important</a:t>
+            </a:r>
+          </a:p>
+          <a:p>
+            <a:pPr lvl="1"/>
+            <a:r>
+              <a:rPr lang="en-US" dirty="0"/>
+              <a:t>Operating system kernels as well – some pieces maybe more</a:t>
+            </a:r>
+          </a:p>
+          <a:p>
+            <a:pPr lvl="1"/>
+            <a:r>
+              <a:rPr lang="en-US" dirty="0"/>
+              <a:t>Program Logic</a:t>
+            </a:r>
+          </a:p>
+          <a:p>
+            <a:r>
+              <a:rPr lang="en-US" dirty="0"/>
+              <a:t>Proposed Work</a:t>
+            </a:r>
+          </a:p>
+          <a:p>
+            <a:pPr lvl="1"/>
+            <a:r>
+              <a:rPr lang="en-US" dirty="0"/>
+              <a:t>Machine Model</a:t>
+            </a:r>
+          </a:p>
+          <a:p>
+            <a:pPr lvl="1"/>
+            <a:r>
+              <a:rPr lang="en-US" dirty="0"/>
+              <a:t>Modal Understanding of Location Virtualization</a:t>
+            </a:r>
+          </a:p>
+          <a:p>
+            <a:pPr lvl="1"/>
+            <a:endParaRPr lang="en-US" dirty="0"/>
+          </a:p>
+          <a:p>
+            <a:pPr lvl="1"/>
+            <a:endParaRPr lang="en-US" dirty="0"/>
+          </a:p>
+        </p:txBody>
+      </p:sp>
+    </p:spTree>
+    <p:extLst>
+      <p:ext uri="{BB962C8B-B14F-4D97-AF65-F5344CB8AC3E}">
+        <p14:creationId xmlns:p14="http://schemas.microsoft.com/office/powerpoint/2010/main" val="3921690841"/>
+      </p:ext>
+    </p:extLst>
+  </p:cSld>
+  <p:clrMapOvr>
+    <a:masterClrMapping/>
+  </p:clrMapOvr>
+</p:sld>
+</file>
+
+<file path=ppt/slides/slide20.xml><?xml version="1.0" encoding="utf-8"?>
 <p:sld xmlns:a="http://schemas.openxmlformats.org/drawingml/2006/main" xmlns:r="http://schemas.openxmlformats.org/officeDocument/2006/relationships" xmlns:p="http://schemas.openxmlformats.org/presentationml/2006/main">
   <p:cSld>
     <p:spTree>
@@ -15624,257 +15979,6 @@
 </p:sld>
 </file>
 
-<file path=ppt/slides/slide2.xml><?xml version="1.0" encoding="utf-8"?>
-<p:sld xmlns:a="http://schemas.openxmlformats.org/drawingml/2006/main" xmlns:r="http://schemas.openxmlformats.org/officeDocument/2006/relationships" xmlns:p="http://schemas.openxmlformats.org/presentationml/2006/main">
-  <p:cSld>
-    <p:spTree>
-      <p:nvGrpSpPr>
-        <p:cNvPr id="1" name=""/>
-        <p:cNvGrpSpPr/>
-        <p:nvPr/>
-      </p:nvGrpSpPr>
-      <p:grpSpPr>
-        <a:xfrm>
-          <a:off x="0" y="0"/>
-          <a:ext cx="0" cy="0"/>
-          <a:chOff x="0" y="0"/>
-          <a:chExt cx="0" cy="0"/>
-        </a:xfrm>
-      </p:grpSpPr>
-      <p:sp>
-        <p:nvSpPr>
-          <p:cNvPr id="2" name="Title 1">
-            <a:extLst>
-              <a:ext uri="{FF2B5EF4-FFF2-40B4-BE49-F238E27FC236}">
-                <a16:creationId xmlns:a16="http://schemas.microsoft.com/office/drawing/2014/main" id="{DAFEDF38-55D4-6AB5-5DA1-F84D912C7A90}"/>
-              </a:ext>
-            </a:extLst>
-          </p:cNvPr>
-          <p:cNvSpPr>
-            <a:spLocks noGrp="1"/>
-          </p:cNvSpPr>
-          <p:nvPr>
-            <p:ph type="title"/>
-          </p:nvPr>
-        </p:nvSpPr>
-        <p:spPr/>
-        <p:txBody>
-          <a:bodyPr/>
-          <a:lstStyle/>
-          <a:p>
-            <a:r>
-              <a:rPr lang="en-US" dirty="0"/>
-              <a:t>Talk</a:t>
-            </a:r>
-          </a:p>
-        </p:txBody>
-      </p:sp>
-      <p:sp>
-        <p:nvSpPr>
-          <p:cNvPr id="3" name="Content Placeholder 2">
-            <a:extLst>
-              <a:ext uri="{FF2B5EF4-FFF2-40B4-BE49-F238E27FC236}">
-                <a16:creationId xmlns:a16="http://schemas.microsoft.com/office/drawing/2014/main" id="{4C4635AD-CEB6-4832-4C82-4C84A74EF4DD}"/>
-              </a:ext>
-            </a:extLst>
-          </p:cNvPr>
-          <p:cNvSpPr>
-            <a:spLocks noGrp="1"/>
-          </p:cNvSpPr>
-          <p:nvPr>
-            <p:ph idx="1"/>
-          </p:nvPr>
-        </p:nvSpPr>
-        <p:spPr/>
-        <p:txBody>
-          <a:bodyPr/>
-          <a:lstStyle/>
-          <a:p>
-            <a:r>
-              <a:rPr lang="en-US" dirty="0"/>
-              <a:t>Background</a:t>
-            </a:r>
-          </a:p>
-          <a:p>
-            <a:pPr lvl="1"/>
-            <a:r>
-              <a:rPr lang="en-US" dirty="0"/>
-              <a:t>Verification is important</a:t>
-            </a:r>
-          </a:p>
-          <a:p>
-            <a:pPr lvl="1"/>
-            <a:r>
-              <a:rPr lang="en-US" dirty="0"/>
-              <a:t>Operating system kernels as well – some pieces maybe more</a:t>
-            </a:r>
-          </a:p>
-          <a:p>
-            <a:pPr lvl="1"/>
-            <a:r>
-              <a:rPr lang="en-US" dirty="0"/>
-              <a:t>Program Logic</a:t>
-            </a:r>
-          </a:p>
-          <a:p>
-            <a:r>
-              <a:rPr lang="en-US" dirty="0"/>
-              <a:t>Proposed Work</a:t>
-            </a:r>
-          </a:p>
-          <a:p>
-            <a:pPr lvl="1"/>
-            <a:r>
-              <a:rPr lang="en-US" dirty="0"/>
-              <a:t>Machine Model</a:t>
-            </a:r>
-          </a:p>
-          <a:p>
-            <a:pPr lvl="1"/>
-            <a:r>
-              <a:rPr lang="en-US" dirty="0"/>
-              <a:t>Modal Understanding of Location Virtualization</a:t>
-            </a:r>
-          </a:p>
-          <a:p>
-            <a:pPr lvl="1"/>
-            <a:endParaRPr lang="en-US" dirty="0"/>
-          </a:p>
-          <a:p>
-            <a:pPr lvl="1"/>
-            <a:endParaRPr lang="en-US" dirty="0"/>
-          </a:p>
-        </p:txBody>
-      </p:sp>
-    </p:spTree>
-    <p:extLst>
-      <p:ext uri="{BB962C8B-B14F-4D97-AF65-F5344CB8AC3E}">
-        <p14:creationId xmlns:p14="http://schemas.microsoft.com/office/powerpoint/2010/main" val="3921690841"/>
-      </p:ext>
-    </p:extLst>
-  </p:cSld>
-  <p:clrMapOvr>
-    <a:masterClrMapping/>
-  </p:clrMapOvr>
-</p:sld>
-</file>
-
-<file path=ppt/slides/slide20.xml><?xml version="1.0" encoding="utf-8"?>
-<p:sld xmlns:a="http://schemas.openxmlformats.org/drawingml/2006/main" xmlns:r="http://schemas.openxmlformats.org/officeDocument/2006/relationships" xmlns:p="http://schemas.openxmlformats.org/presentationml/2006/main">
-  <p:cSld>
-    <p:spTree>
-      <p:nvGrpSpPr>
-        <p:cNvPr id="1" name=""/>
-        <p:cNvGrpSpPr/>
-        <p:nvPr/>
-      </p:nvGrpSpPr>
-      <p:grpSpPr>
-        <a:xfrm>
-          <a:off x="0" y="0"/>
-          <a:ext cx="0" cy="0"/>
-          <a:chOff x="0" y="0"/>
-          <a:chExt cx="0" cy="0"/>
-        </a:xfrm>
-      </p:grpSpPr>
-      <p:sp>
-        <p:nvSpPr>
-          <p:cNvPr id="2" name="Title 1">
-            <a:extLst>
-              <a:ext uri="{FF2B5EF4-FFF2-40B4-BE49-F238E27FC236}">
-                <a16:creationId xmlns:a16="http://schemas.microsoft.com/office/drawing/2014/main" id="{4EBA4565-B28D-9851-2EE5-CE1EEE4EE251}"/>
-              </a:ext>
-            </a:extLst>
-          </p:cNvPr>
-          <p:cNvSpPr>
-            <a:spLocks noGrp="1"/>
-          </p:cNvSpPr>
-          <p:nvPr>
-            <p:ph type="title"/>
-          </p:nvPr>
-        </p:nvSpPr>
-        <p:spPr/>
-        <p:txBody>
-          <a:bodyPr/>
-          <a:lstStyle/>
-          <a:p>
-            <a:r>
-              <a:rPr lang="en-US" dirty="0"/>
-              <a:t>The System of Memory Virtualization</a:t>
-            </a:r>
-          </a:p>
-        </p:txBody>
-      </p:sp>
-      <p:sp>
-        <p:nvSpPr>
-          <p:cNvPr id="3" name="Content Placeholder 2">
-            <a:extLst>
-              <a:ext uri="{FF2B5EF4-FFF2-40B4-BE49-F238E27FC236}">
-                <a16:creationId xmlns:a16="http://schemas.microsoft.com/office/drawing/2014/main" id="{2989CDC0-5BA8-EA62-9AF6-5F64F3CD534E}"/>
-              </a:ext>
-            </a:extLst>
-          </p:cNvPr>
-          <p:cNvSpPr>
-            <a:spLocks noGrp="1"/>
-          </p:cNvSpPr>
-          <p:nvPr>
-            <p:ph idx="1"/>
-          </p:nvPr>
-        </p:nvSpPr>
-        <p:spPr/>
-        <p:txBody>
-          <a:bodyPr/>
-          <a:lstStyle/>
-          <a:p>
-            <a:pPr marL="0" indent="0">
-              <a:buNone/>
-            </a:pPr>
-            <a:r>
-              <a:rPr lang="en-US" sz="1800" dirty="0">
-                <a:effectLst/>
-                <a:latin typeface="LinLibertineT"/>
-              </a:rPr>
-              <a:t> </a:t>
-            </a:r>
-            <a:r>
-              <a:rPr lang="en-US" dirty="0">
-                <a:effectLst/>
-              </a:rPr>
-              <a:t>“the virtual memory sub-system can be considered the core of a Solaris instance, and the implementation of Solaris virtual memory affects just about every other subsystem in the operating system” </a:t>
-            </a:r>
-            <a:endParaRPr lang="en-US" dirty="0"/>
-          </a:p>
-          <a:p>
-            <a:pPr marL="2286000" lvl="5" indent="0">
-              <a:buNone/>
-            </a:pPr>
-            <a:r>
-              <a:rPr lang="en-US" dirty="0"/>
-              <a:t>by </a:t>
-            </a:r>
-            <a:r>
-              <a:rPr lang="en-US" sz="1800" dirty="0">
-                <a:effectLst/>
-                <a:latin typeface="LinLibertineT"/>
-              </a:rPr>
-              <a:t>authoritative reference on the internals of the Solaris kernel, McDougall and Mauro </a:t>
-            </a:r>
-            <a:endParaRPr lang="en-US" dirty="0"/>
-          </a:p>
-        </p:txBody>
-      </p:sp>
-    </p:spTree>
-    <p:extLst>
-      <p:ext uri="{BB962C8B-B14F-4D97-AF65-F5344CB8AC3E}">
-        <p14:creationId xmlns:p14="http://schemas.microsoft.com/office/powerpoint/2010/main" val="3245068524"/>
-      </p:ext>
-    </p:extLst>
-  </p:cSld>
-  <p:clrMapOvr>
-    <a:masterClrMapping/>
-  </p:clrMapOvr>
-</p:sld>
-</file>
-
 <file path=ppt/slides/slide21.xml><?xml version="1.0" encoding="utf-8"?>
 <p:sld xmlns:a="http://schemas.openxmlformats.org/drawingml/2006/main" xmlns:r="http://schemas.openxmlformats.org/officeDocument/2006/relationships" xmlns:p="http://schemas.openxmlformats.org/presentationml/2006/main">
   <p:cSld>
@@ -15894,10 +15998,38 @@
       </p:grpSpPr>
       <p:sp>
         <p:nvSpPr>
+          <p:cNvPr id="2" name="Title 1">
+            <a:extLst>
+              <a:ext uri="{FF2B5EF4-FFF2-40B4-BE49-F238E27FC236}">
+                <a16:creationId xmlns:a16="http://schemas.microsoft.com/office/drawing/2014/main" id="{4EBA4565-B28D-9851-2EE5-CE1EEE4EE251}"/>
+              </a:ext>
+            </a:extLst>
+          </p:cNvPr>
+          <p:cNvSpPr>
+            <a:spLocks noGrp="1"/>
+          </p:cNvSpPr>
+          <p:nvPr>
+            <p:ph type="title"/>
+          </p:nvPr>
+        </p:nvSpPr>
+        <p:spPr/>
+        <p:txBody>
+          <a:bodyPr/>
+          <a:lstStyle/>
+          <a:p>
+            <a:r>
+              <a:rPr lang="en-US" dirty="0"/>
+              <a:t>The System of Memory Virtualization</a:t>
+            </a:r>
+          </a:p>
+        </p:txBody>
+      </p:sp>
+      <p:sp>
+        <p:nvSpPr>
           <p:cNvPr id="3" name="Content Placeholder 2">
             <a:extLst>
               <a:ext uri="{FF2B5EF4-FFF2-40B4-BE49-F238E27FC236}">
-                <a16:creationId xmlns:a16="http://schemas.microsoft.com/office/drawing/2014/main" id="{BFF2B646-AA21-3492-C127-C5076839C905}"/>
+                <a16:creationId xmlns:a16="http://schemas.microsoft.com/office/drawing/2014/main" id="{2989CDC0-5BA8-EA62-9AF6-5F64F3CD534E}"/>
               </a:ext>
             </a:extLst>
           </p:cNvPr>
@@ -15916,36 +16048,44 @@
             <a:pPr marL="0" indent="0">
               <a:buNone/>
             </a:pPr>
+            <a:r>
+              <a:rPr lang="en-US" sz="1800" dirty="0">
+                <a:effectLst/>
+                <a:latin typeface="LinLibertineT"/>
+              </a:rPr>
+              <a:t> </a:t>
+            </a:r>
+            <a:r>
+              <a:rPr lang="en-US" dirty="0">
+                <a:effectLst/>
+              </a:rPr>
+              <a:t>“the virtual memory sub-system can be considered the core of a Solaris instance, and the implementation of Solaris virtual memory affects just about every other subsystem in the operating system” </a:t>
+            </a:r>
             <a:endParaRPr lang="en-US" dirty="0"/>
           </a:p>
           <a:p>
-            <a:pPr marL="0" indent="0">
+            <a:pPr marL="2286000" lvl="5" indent="0">
               <a:buNone/>
             </a:pPr>
             <a:r>
               <a:rPr lang="en-US" dirty="0"/>
-              <a:t>                	      		        </a:t>
-            </a:r>
-            <a:r>
-              <a:rPr lang="en-US" sz="4800" dirty="0"/>
-              <a:t>LOGIC</a:t>
-            </a:r>
-          </a:p>
-          <a:p>
-            <a:pPr marL="0" indent="0">
-              <a:buNone/>
-            </a:pPr>
-            <a:r>
-              <a:rPr lang="en-US" sz="4000" dirty="0"/>
-              <a:t>         (Sharing, Contingency &amp; Satisfaction)</a:t>
-            </a:r>
+              <a:t>by </a:t>
+            </a:r>
+            <a:r>
+              <a:rPr lang="en-US" sz="1800" dirty="0">
+                <a:effectLst/>
+                <a:latin typeface="LinLibertineT"/>
+              </a:rPr>
+              <a:t>authoritative reference on the internals of the Solaris kernel, McDougall and Mauro </a:t>
+            </a:r>
+            <a:endParaRPr lang="en-US" dirty="0"/>
           </a:p>
         </p:txBody>
       </p:sp>
     </p:spTree>
     <p:extLst>
       <p:ext uri="{BB962C8B-B14F-4D97-AF65-F5344CB8AC3E}">
-        <p14:creationId xmlns:p14="http://schemas.microsoft.com/office/powerpoint/2010/main" val="2958213298"/>
+        <p14:creationId xmlns:p14="http://schemas.microsoft.com/office/powerpoint/2010/main" val="3245068524"/>
       </p:ext>
     </p:extLst>
   </p:cSld>
@@ -15974,6 +16114,86 @@
       </p:grpSpPr>
       <p:sp>
         <p:nvSpPr>
+          <p:cNvPr id="3" name="Content Placeholder 2">
+            <a:extLst>
+              <a:ext uri="{FF2B5EF4-FFF2-40B4-BE49-F238E27FC236}">
+                <a16:creationId xmlns:a16="http://schemas.microsoft.com/office/drawing/2014/main" id="{BFF2B646-AA21-3492-C127-C5076839C905}"/>
+              </a:ext>
+            </a:extLst>
+          </p:cNvPr>
+          <p:cNvSpPr>
+            <a:spLocks noGrp="1"/>
+          </p:cNvSpPr>
+          <p:nvPr>
+            <p:ph idx="1"/>
+          </p:nvPr>
+        </p:nvSpPr>
+        <p:spPr/>
+        <p:txBody>
+          <a:bodyPr/>
+          <a:lstStyle/>
+          <a:p>
+            <a:pPr marL="0" indent="0">
+              <a:buNone/>
+            </a:pPr>
+            <a:endParaRPr lang="en-US" dirty="0"/>
+          </a:p>
+          <a:p>
+            <a:pPr marL="0" indent="0">
+              <a:buNone/>
+            </a:pPr>
+            <a:r>
+              <a:rPr lang="en-US" dirty="0"/>
+              <a:t>                	      		        </a:t>
+            </a:r>
+            <a:r>
+              <a:rPr lang="en-US" sz="4800" dirty="0"/>
+              <a:t>LOGIC</a:t>
+            </a:r>
+          </a:p>
+          <a:p>
+            <a:pPr marL="0" indent="0">
+              <a:buNone/>
+            </a:pPr>
+            <a:r>
+              <a:rPr lang="en-US" sz="4000" dirty="0"/>
+              <a:t>         (Sharing, Contingency &amp; Satisfaction)</a:t>
+            </a:r>
+          </a:p>
+        </p:txBody>
+      </p:sp>
+    </p:spTree>
+    <p:extLst>
+      <p:ext uri="{BB962C8B-B14F-4D97-AF65-F5344CB8AC3E}">
+        <p14:creationId xmlns:p14="http://schemas.microsoft.com/office/powerpoint/2010/main" val="2958213298"/>
+      </p:ext>
+    </p:extLst>
+  </p:cSld>
+  <p:clrMapOvr>
+    <a:masterClrMapping/>
+  </p:clrMapOvr>
+</p:sld>
+</file>
+
+<file path=ppt/slides/slide23.xml><?xml version="1.0" encoding="utf-8"?>
+<p:sld xmlns:a="http://schemas.openxmlformats.org/drawingml/2006/main" xmlns:r="http://schemas.openxmlformats.org/officeDocument/2006/relationships" xmlns:p="http://schemas.openxmlformats.org/presentationml/2006/main">
+  <p:cSld>
+    <p:spTree>
+      <p:nvGrpSpPr>
+        <p:cNvPr id="1" name=""/>
+        <p:cNvGrpSpPr/>
+        <p:nvPr/>
+      </p:nvGrpSpPr>
+      <p:grpSpPr>
+        <a:xfrm>
+          <a:off x="0" y="0"/>
+          <a:ext cx="0" cy="0"/>
+          <a:chOff x="0" y="0"/>
+          <a:chExt cx="0" cy="0"/>
+        </a:xfrm>
+      </p:grpSpPr>
+      <p:sp>
+        <p:nvSpPr>
           <p:cNvPr id="2" name="Title 1">
             <a:extLst>
               <a:ext uri="{FF2B5EF4-FFF2-40B4-BE49-F238E27FC236}">
@@ -16206,7 +16426,7 @@
 </p:sld>
 </file>
 
-<file path=ppt/slides/slide23.xml><?xml version="1.0" encoding="utf-8"?>
+<file path=ppt/slides/slide24.xml><?xml version="1.0" encoding="utf-8"?>
 <p:sld xmlns:a="http://schemas.openxmlformats.org/drawingml/2006/main" xmlns:r="http://schemas.openxmlformats.org/officeDocument/2006/relationships" xmlns:p="http://schemas.openxmlformats.org/presentationml/2006/main">
   <p:cSld>
     <p:spTree>
@@ -17291,7 +17511,7 @@
 </p:sld>
 </file>
 
-<file path=ppt/slides/slide24.xml><?xml version="1.0" encoding="utf-8"?>
+<file path=ppt/slides/slide25.xml><?xml version="1.0" encoding="utf-8"?>
 <p:sld xmlns:a="http://schemas.openxmlformats.org/drawingml/2006/main" xmlns:r="http://schemas.openxmlformats.org/officeDocument/2006/relationships" xmlns:p="http://schemas.openxmlformats.org/presentationml/2006/main">
   <p:cSld>
     <p:spTree>
@@ -18163,7 +18383,7 @@
 </p:sld>
 </file>
 
-<file path=ppt/slides/slide25.xml><?xml version="1.0" encoding="utf-8"?>
+<file path=ppt/slides/slide26.xml><?xml version="1.0" encoding="utf-8"?>
 <p:sld xmlns:a="http://schemas.openxmlformats.org/drawingml/2006/main" xmlns:r="http://schemas.openxmlformats.org/officeDocument/2006/relationships" xmlns:p="http://schemas.openxmlformats.org/presentationml/2006/main">
   <p:cSld>
     <p:spTree>
@@ -20049,7 +20269,7 @@
 </p:sld>
 </file>
 
-<file path=ppt/slides/slide26.xml><?xml version="1.0" encoding="utf-8"?>
+<file path=ppt/slides/slide27.xml><?xml version="1.0" encoding="utf-8"?>
 <p:sld xmlns:a="http://schemas.openxmlformats.org/drawingml/2006/main" xmlns:r="http://schemas.openxmlformats.org/officeDocument/2006/relationships" xmlns:p="http://schemas.openxmlformats.org/presentationml/2006/main">
   <p:cSld>
     <p:spTree>
@@ -20392,7 +20612,7 @@
 </p:sld>
 </file>
 
-<file path=ppt/slides/slide27.xml><?xml version="1.0" encoding="utf-8"?>
+<file path=ppt/slides/slide28.xml><?xml version="1.0" encoding="utf-8"?>
 <p:sld xmlns:a="http://schemas.openxmlformats.org/drawingml/2006/main" xmlns:r="http://schemas.openxmlformats.org/officeDocument/2006/relationships" xmlns:p="http://schemas.openxmlformats.org/presentationml/2006/main">
   <p:cSld>
     <p:spTree>
@@ -20525,7 +20745,7 @@
 </p:sld>
 </file>
 
-<file path=ppt/slides/slide28.xml><?xml version="1.0" encoding="utf-8"?>
+<file path=ppt/slides/slide29.xml><?xml version="1.0" encoding="utf-8"?>
 <p:sld xmlns:a="http://schemas.openxmlformats.org/drawingml/2006/main" xmlns:r="http://schemas.openxmlformats.org/officeDocument/2006/relationships" xmlns:p="http://schemas.openxmlformats.org/presentationml/2006/main">
   <p:cSld>
     <p:spTree>
@@ -23694,89 +23914,6 @@
 </p:sld>
 </file>
 
-<file path=ppt/slides/slide29.xml><?xml version="1.0" encoding="utf-8"?>
-<p:sld xmlns:a="http://schemas.openxmlformats.org/drawingml/2006/main" xmlns:r="http://schemas.openxmlformats.org/officeDocument/2006/relationships" xmlns:p="http://schemas.openxmlformats.org/presentationml/2006/main">
-  <p:cSld>
-    <p:spTree>
-      <p:nvGrpSpPr>
-        <p:cNvPr id="1" name=""/>
-        <p:cNvGrpSpPr/>
-        <p:nvPr/>
-      </p:nvGrpSpPr>
-      <p:grpSpPr>
-        <a:xfrm>
-          <a:off x="0" y="0"/>
-          <a:ext cx="0" cy="0"/>
-          <a:chOff x="0" y="0"/>
-          <a:chExt cx="0" cy="0"/>
-        </a:xfrm>
-      </p:grpSpPr>
-      <p:sp>
-        <p:nvSpPr>
-          <p:cNvPr id="2" name="Title 1">
-            <a:extLst>
-              <a:ext uri="{FF2B5EF4-FFF2-40B4-BE49-F238E27FC236}">
-                <a16:creationId xmlns:a16="http://schemas.microsoft.com/office/drawing/2014/main" id="{6607F88C-492F-CB6E-C9C7-5B6BCB2BC9E1}"/>
-              </a:ext>
-            </a:extLst>
-          </p:cNvPr>
-          <p:cNvSpPr>
-            <a:spLocks noGrp="1"/>
-          </p:cNvSpPr>
-          <p:nvPr>
-            <p:ph type="title"/>
-          </p:nvPr>
-        </p:nvSpPr>
-        <p:spPr/>
-        <p:txBody>
-          <a:bodyPr/>
-          <a:lstStyle/>
-          <a:p>
-            <a:r>
-              <a:rPr lang="en-US" dirty="0"/>
-              <a:t>More Experiments:</a:t>
-            </a:r>
-          </a:p>
-        </p:txBody>
-      </p:sp>
-      <p:sp>
-        <p:nvSpPr>
-          <p:cNvPr id="3" name="Content Placeholder 2">
-            <a:extLst>
-              <a:ext uri="{FF2B5EF4-FFF2-40B4-BE49-F238E27FC236}">
-                <a16:creationId xmlns:a16="http://schemas.microsoft.com/office/drawing/2014/main" id="{F4160E22-E85C-62C0-036D-B472B81E04E4}"/>
-              </a:ext>
-            </a:extLst>
-          </p:cNvPr>
-          <p:cNvSpPr>
-            <a:spLocks noGrp="1"/>
-          </p:cNvSpPr>
-          <p:nvPr>
-            <p:ph idx="1"/>
-          </p:nvPr>
-        </p:nvSpPr>
-        <p:spPr/>
-        <p:txBody>
-          <a:bodyPr/>
-          <a:lstStyle/>
-          <a:p>
-            <a:endParaRPr lang="en-US" dirty="0"/>
-          </a:p>
-        </p:txBody>
-      </p:sp>
-    </p:spTree>
-    <p:extLst>
-      <p:ext uri="{BB962C8B-B14F-4D97-AF65-F5344CB8AC3E}">
-        <p14:creationId xmlns:p14="http://schemas.microsoft.com/office/powerpoint/2010/main" val="4257692284"/>
-      </p:ext>
-    </p:extLst>
-  </p:cSld>
-  <p:clrMapOvr>
-    <a:masterClrMapping/>
-  </p:clrMapOvr>
-</p:sld>
-</file>
-
 <file path=ppt/slides/slide3.xml><?xml version="1.0" encoding="utf-8"?>
 <p:sld xmlns:a="http://schemas.openxmlformats.org/drawingml/2006/main" xmlns:r="http://schemas.openxmlformats.org/officeDocument/2006/relationships" xmlns:p="http://schemas.openxmlformats.org/presentationml/2006/main">
   <p:cSld>
@@ -23905,7 +24042,7 @@
           <p:cNvPr id="2" name="Title 1">
             <a:extLst>
               <a:ext uri="{FF2B5EF4-FFF2-40B4-BE49-F238E27FC236}">
-                <a16:creationId xmlns:a16="http://schemas.microsoft.com/office/drawing/2014/main" id="{269C6564-DED0-853B-B44C-D831EC6965DD}"/>
+                <a16:creationId xmlns:a16="http://schemas.microsoft.com/office/drawing/2014/main" id="{6607F88C-492F-CB6E-C9C7-5B6BCB2BC9E1}"/>
               </a:ext>
             </a:extLst>
           </p:cNvPr>
@@ -23918,16 +24055,13 @@
         </p:nvSpPr>
         <p:spPr/>
         <p:txBody>
-          <a:bodyPr>
-            <a:normAutofit/>
-          </a:bodyPr>
-          <a:lstStyle/>
-          <a:p>
-            <a:r>
-              <a:rPr lang="en-US" sz="7200" b="1" i="1" dirty="0"/>
-              <a:t>                Evolution</a:t>
-            </a:r>
-            <a:endParaRPr lang="en-US" sz="7200" dirty="0"/>
+          <a:bodyPr/>
+          <a:lstStyle/>
+          <a:p>
+            <a:r>
+              <a:rPr lang="en-US" dirty="0"/>
+              <a:t>More Experiments:</a:t>
+            </a:r>
           </a:p>
         </p:txBody>
       </p:sp>
@@ -23936,7 +24070,7 @@
           <p:cNvPr id="3" name="Content Placeholder 2">
             <a:extLst>
               <a:ext uri="{FF2B5EF4-FFF2-40B4-BE49-F238E27FC236}">
-                <a16:creationId xmlns:a16="http://schemas.microsoft.com/office/drawing/2014/main" id="{2F3F60BA-8075-ACE3-C85A-047CB4EB3A31}"/>
+                <a16:creationId xmlns:a16="http://schemas.microsoft.com/office/drawing/2014/main" id="{F4160E22-E85C-62C0-036D-B472B81E04E4}"/>
               </a:ext>
             </a:extLst>
           </p:cNvPr>
@@ -23947,39 +24081,19 @@
             <p:ph idx="1"/>
           </p:nvPr>
         </p:nvSpPr>
-        <p:spPr>
-          <a:xfrm>
-            <a:off x="142875" y="1825625"/>
-            <a:ext cx="11906250" cy="4351338"/>
-          </a:xfrm>
-        </p:spPr>
+        <p:spPr/>
         <p:txBody>
           <a:bodyPr/>
           <a:lstStyle/>
           <a:p>
             <a:endParaRPr lang="en-US" dirty="0"/>
-          </a:p>
-          <a:p>
-            <a:endParaRPr lang="en-US" dirty="0"/>
-          </a:p>
-          <a:p>
-            <a:endParaRPr lang="en-US" dirty="0"/>
-          </a:p>
-          <a:p>
-            <a:pPr marL="0" indent="0">
-              <a:buNone/>
-            </a:pPr>
-            <a:r>
-              <a:rPr lang="en-US" sz="4800" b="1" dirty="0"/>
-              <a:t> Modal Understanding of Protocol Modularity</a:t>
-            </a:r>
           </a:p>
         </p:txBody>
       </p:sp>
     </p:spTree>
     <p:extLst>
       <p:ext uri="{BB962C8B-B14F-4D97-AF65-F5344CB8AC3E}">
-        <p14:creationId xmlns:p14="http://schemas.microsoft.com/office/powerpoint/2010/main" val="3220351956"/>
+        <p14:creationId xmlns:p14="http://schemas.microsoft.com/office/powerpoint/2010/main" val="4257692284"/>
       </p:ext>
     </p:extLst>
   </p:cSld>
@@ -24011,7 +24125,7 @@
           <p:cNvPr id="2" name="Title 1">
             <a:extLst>
               <a:ext uri="{FF2B5EF4-FFF2-40B4-BE49-F238E27FC236}">
-                <a16:creationId xmlns:a16="http://schemas.microsoft.com/office/drawing/2014/main" id="{4B815EFB-30B8-9FD1-A8E4-9F85936E827A}"/>
+                <a16:creationId xmlns:a16="http://schemas.microsoft.com/office/drawing/2014/main" id="{269C6564-DED0-853B-B44C-D831EC6965DD}"/>
               </a:ext>
             </a:extLst>
           </p:cNvPr>
@@ -24022,46 +24136,70 @@
             <p:ph type="title"/>
           </p:nvPr>
         </p:nvSpPr>
+        <p:spPr/>
+        <p:txBody>
+          <a:bodyPr>
+            <a:normAutofit/>
+          </a:bodyPr>
+          <a:lstStyle/>
+          <a:p>
+            <a:r>
+              <a:rPr lang="en-US" sz="7200" b="1" i="1" dirty="0"/>
+              <a:t>                Evolution</a:t>
+            </a:r>
+            <a:endParaRPr lang="en-US" sz="7200" dirty="0"/>
+          </a:p>
+        </p:txBody>
+      </p:sp>
+      <p:sp>
+        <p:nvSpPr>
+          <p:cNvPr id="3" name="Content Placeholder 2">
+            <a:extLst>
+              <a:ext uri="{FF2B5EF4-FFF2-40B4-BE49-F238E27FC236}">
+                <a16:creationId xmlns:a16="http://schemas.microsoft.com/office/drawing/2014/main" id="{2F3F60BA-8075-ACE3-C85A-047CB4EB3A31}"/>
+              </a:ext>
+            </a:extLst>
+          </p:cNvPr>
+          <p:cNvSpPr>
+            <a:spLocks noGrp="1"/>
+          </p:cNvSpPr>
+          <p:nvPr>
+            <p:ph idx="1"/>
+          </p:nvPr>
+        </p:nvSpPr>
         <p:spPr>
           <a:xfrm>
-            <a:off x="838200" y="2540000"/>
-            <a:ext cx="10515600" cy="1778000"/>
-          </a:xfrm>
-        </p:spPr>
-        <p:txBody>
-          <a:bodyPr>
-            <a:normAutofit fontScale="90000"/>
-          </a:bodyPr>
-          <a:lstStyle/>
-          <a:p>
-            <a:pPr marL="0" indent="0"/>
-            <a:r>
-              <a:rPr lang="en-US" sz="4400" dirty="0">
-                <a:latin typeface="+mn-lt"/>
-              </a:rPr>
-              <a:t>                                       SYSTEM</a:t>
-            </a:r>
-            <a:br>
-              <a:rPr lang="en-US" sz="4400" dirty="0">
-                <a:latin typeface="+mn-lt"/>
-              </a:rPr>
-            </a:br>
-            <a:r>
-              <a:rPr lang="en-US" sz="4400" dirty="0">
-                <a:latin typeface="+mn-lt"/>
-              </a:rPr>
-              <a:t>	    (Protocols &amp; Future Feature Extensions)</a:t>
-            </a:r>
-            <a:endParaRPr lang="en-US" dirty="0">
-              <a:latin typeface="+mn-lt"/>
-            </a:endParaRPr>
+            <a:off x="142875" y="1825625"/>
+            <a:ext cx="11906250" cy="4351338"/>
+          </a:xfrm>
+        </p:spPr>
+        <p:txBody>
+          <a:bodyPr/>
+          <a:lstStyle/>
+          <a:p>
+            <a:endParaRPr lang="en-US" dirty="0"/>
+          </a:p>
+          <a:p>
+            <a:endParaRPr lang="en-US" dirty="0"/>
+          </a:p>
+          <a:p>
+            <a:endParaRPr lang="en-US" dirty="0"/>
+          </a:p>
+          <a:p>
+            <a:pPr marL="0" indent="0">
+              <a:buNone/>
+            </a:pPr>
+            <a:r>
+              <a:rPr lang="en-US" sz="4800" b="1" dirty="0"/>
+              <a:t> Modal Understanding of Protocol Modularity</a:t>
+            </a:r>
           </a:p>
         </p:txBody>
       </p:sp>
     </p:spTree>
     <p:extLst>
       <p:ext uri="{BB962C8B-B14F-4D97-AF65-F5344CB8AC3E}">
-        <p14:creationId xmlns:p14="http://schemas.microsoft.com/office/powerpoint/2010/main" val="1196961909"/>
+        <p14:creationId xmlns:p14="http://schemas.microsoft.com/office/powerpoint/2010/main" val="3220351956"/>
       </p:ext>
     </p:extLst>
   </p:cSld>
@@ -24093,7 +24231,7 @@
           <p:cNvPr id="2" name="Title 1">
             <a:extLst>
               <a:ext uri="{FF2B5EF4-FFF2-40B4-BE49-F238E27FC236}">
-                <a16:creationId xmlns:a16="http://schemas.microsoft.com/office/drawing/2014/main" id="{32498B55-B2CD-1FF4-4FA9-4D93DE1C3C94}"/>
+                <a16:creationId xmlns:a16="http://schemas.microsoft.com/office/drawing/2014/main" id="{4B815EFB-30B8-9FD1-A8E4-9F85936E827A}"/>
               </a:ext>
             </a:extLst>
           </p:cNvPr>
@@ -24104,1346 +24242,46 @@
             <p:ph type="title"/>
           </p:nvPr>
         </p:nvSpPr>
-        <p:spPr/>
-        <p:txBody>
-          <a:bodyPr/>
-          <a:lstStyle/>
-          <a:p>
-            <a:r>
-              <a:rPr lang="en-US" dirty="0"/>
-              <a:t>Protocols in OS Kernels </a:t>
-            </a:r>
-          </a:p>
-        </p:txBody>
-      </p:sp>
-      <p:sp>
-        <p:nvSpPr>
-          <p:cNvPr id="4" name="Rectangle 3">
-            <a:extLst>
-              <a:ext uri="{FF2B5EF4-FFF2-40B4-BE49-F238E27FC236}">
-                <a16:creationId xmlns:a16="http://schemas.microsoft.com/office/drawing/2014/main" id="{45849D7D-8806-8E94-B59B-CE3E4E1F7324}"/>
-              </a:ext>
-            </a:extLst>
-          </p:cNvPr>
-          <p:cNvSpPr/>
-          <p:nvPr/>
-        </p:nvSpPr>
         <p:spPr>
           <a:xfrm>
-            <a:off x="5419210" y="2171700"/>
-            <a:ext cx="1562615" cy="510658"/>
-          </a:xfrm>
-          <a:prstGeom prst="rect">
-            <a:avLst/>
-          </a:prstGeom>
-          <a:noFill/>
-        </p:spPr>
-        <p:style>
-          <a:lnRef idx="2">
-            <a:schemeClr val="accent1">
-              <a:shade val="15000"/>
-            </a:schemeClr>
-          </a:lnRef>
-          <a:fillRef idx="1">
-            <a:schemeClr val="accent1"/>
-          </a:fillRef>
-          <a:effectRef idx="0">
-            <a:schemeClr val="accent1"/>
-          </a:effectRef>
-          <a:fontRef idx="minor">
-            <a:schemeClr val="lt1"/>
-          </a:fontRef>
-        </p:style>
-        <p:txBody>
-          <a:bodyPr rtlCol="0" anchor="ctr"/>
-          <a:lstStyle/>
-          <a:p>
-            <a:pPr algn="ctr"/>
-            <a:endParaRPr lang="en-US"/>
-          </a:p>
-        </p:txBody>
-      </p:sp>
-      <p:sp>
-        <p:nvSpPr>
-          <p:cNvPr id="8" name="TextBox 7">
-            <a:extLst>
-              <a:ext uri="{FF2B5EF4-FFF2-40B4-BE49-F238E27FC236}">
-                <a16:creationId xmlns:a16="http://schemas.microsoft.com/office/drawing/2014/main" id="{DBAD8D47-D4D1-CB10-2A3D-E0A5BDDFB540}"/>
-              </a:ext>
-            </a:extLst>
-          </p:cNvPr>
-          <p:cNvSpPr txBox="1"/>
-          <p:nvPr/>
-        </p:nvSpPr>
-        <p:spPr>
-          <a:xfrm>
-            <a:off x="5549921" y="2230075"/>
-            <a:ext cx="1308079" cy="369332"/>
-          </a:xfrm>
-          <a:prstGeom prst="rect">
-            <a:avLst/>
-          </a:prstGeom>
-          <a:noFill/>
-        </p:spPr>
-        <p:txBody>
-          <a:bodyPr wrap="square" rtlCol="0">
-            <a:spAutoFit/>
+            <a:off x="838200" y="2540000"/>
+            <a:ext cx="10515600" cy="1778000"/>
+          </a:xfrm>
+        </p:spPr>
+        <p:txBody>
+          <a:bodyPr>
+            <a:normAutofit fontScale="90000"/>
           </a:bodyPr>
           <a:lstStyle/>
           <a:p>
-            <a:r>
-              <a:rPr lang="en-US" dirty="0" err="1"/>
-              <a:t>system_call</a:t>
-            </a:r>
-            <a:endParaRPr lang="en-US" dirty="0"/>
-          </a:p>
-        </p:txBody>
-      </p:sp>
-      <p:sp>
-        <p:nvSpPr>
-          <p:cNvPr id="9" name="Rectangle 8">
-            <a:extLst>
-              <a:ext uri="{FF2B5EF4-FFF2-40B4-BE49-F238E27FC236}">
-                <a16:creationId xmlns:a16="http://schemas.microsoft.com/office/drawing/2014/main" id="{7338F7DA-1B7A-6B68-DC79-9E897569F12A}"/>
-              </a:ext>
-            </a:extLst>
-          </p:cNvPr>
-          <p:cNvSpPr/>
-          <p:nvPr/>
-        </p:nvSpPr>
-        <p:spPr>
-          <a:xfrm>
-            <a:off x="5492606" y="1304925"/>
-            <a:ext cx="1298719" cy="510659"/>
-          </a:xfrm>
-          <a:prstGeom prst="rect">
-            <a:avLst/>
-          </a:prstGeom>
-          <a:noFill/>
-        </p:spPr>
-        <p:style>
-          <a:lnRef idx="2">
-            <a:schemeClr val="accent1">
-              <a:shade val="15000"/>
-            </a:schemeClr>
-          </a:lnRef>
-          <a:fillRef idx="1">
-            <a:schemeClr val="accent1"/>
-          </a:fillRef>
-          <a:effectRef idx="0">
-            <a:schemeClr val="accent1"/>
-          </a:effectRef>
-          <a:fontRef idx="minor">
-            <a:schemeClr val="lt1"/>
-          </a:fontRef>
-        </p:style>
-        <p:txBody>
-          <a:bodyPr rtlCol="0" anchor="ctr"/>
-          <a:lstStyle/>
-          <a:p>
-            <a:pPr algn="ctr"/>
-            <a:endParaRPr lang="en-US"/>
-          </a:p>
-        </p:txBody>
-      </p:sp>
-      <p:sp>
-        <p:nvSpPr>
-          <p:cNvPr id="10" name="TextBox 9">
-            <a:extLst>
-              <a:ext uri="{FF2B5EF4-FFF2-40B4-BE49-F238E27FC236}">
-                <a16:creationId xmlns:a16="http://schemas.microsoft.com/office/drawing/2014/main" id="{7AA5ECA9-551C-6138-5A8D-D8AFD52C247F}"/>
-              </a:ext>
-            </a:extLst>
-          </p:cNvPr>
-          <p:cNvSpPr txBox="1"/>
-          <p:nvPr/>
-        </p:nvSpPr>
-        <p:spPr>
-          <a:xfrm>
-            <a:off x="5492607" y="1378870"/>
-            <a:ext cx="1393900" cy="369332"/>
-          </a:xfrm>
-          <a:prstGeom prst="rect">
-            <a:avLst/>
-          </a:prstGeom>
-          <a:noFill/>
-        </p:spPr>
-        <p:txBody>
-          <a:bodyPr wrap="square" rtlCol="0">
-            <a:spAutoFit/>
-          </a:bodyPr>
-          <a:lstStyle/>
-          <a:p>
-            <a:r>
-              <a:rPr lang="en-US" dirty="0"/>
-              <a:t>user process</a:t>
-            </a:r>
-          </a:p>
-        </p:txBody>
-      </p:sp>
-      <p:sp>
-        <p:nvSpPr>
-          <p:cNvPr id="11" name="Rectangle 10">
-            <a:extLst>
-              <a:ext uri="{FF2B5EF4-FFF2-40B4-BE49-F238E27FC236}">
-                <a16:creationId xmlns:a16="http://schemas.microsoft.com/office/drawing/2014/main" id="{4A1DBED3-A943-B1DA-1453-9E6D694EC167}"/>
-              </a:ext>
-            </a:extLst>
-          </p:cNvPr>
-          <p:cNvSpPr/>
-          <p:nvPr/>
-        </p:nvSpPr>
-        <p:spPr>
-          <a:xfrm>
-            <a:off x="1828800" y="2945899"/>
-            <a:ext cx="942975" cy="509828"/>
-          </a:xfrm>
-          <a:prstGeom prst="rect">
-            <a:avLst/>
-          </a:prstGeom>
-          <a:noFill/>
-        </p:spPr>
-        <p:style>
-          <a:lnRef idx="2">
-            <a:schemeClr val="accent1">
-              <a:shade val="15000"/>
-            </a:schemeClr>
-          </a:lnRef>
-          <a:fillRef idx="1">
-            <a:schemeClr val="accent1"/>
-          </a:fillRef>
-          <a:effectRef idx="0">
-            <a:schemeClr val="accent1"/>
-          </a:effectRef>
-          <a:fontRef idx="minor">
-            <a:schemeClr val="lt1"/>
-          </a:fontRef>
-        </p:style>
-        <p:txBody>
-          <a:bodyPr rtlCol="0" anchor="ctr"/>
-          <a:lstStyle/>
-          <a:p>
-            <a:pPr algn="ctr"/>
-            <a:endParaRPr lang="en-US"/>
-          </a:p>
-        </p:txBody>
-      </p:sp>
-      <p:sp>
-        <p:nvSpPr>
-          <p:cNvPr id="12" name="TextBox 11">
-            <a:extLst>
-              <a:ext uri="{FF2B5EF4-FFF2-40B4-BE49-F238E27FC236}">
-                <a16:creationId xmlns:a16="http://schemas.microsoft.com/office/drawing/2014/main" id="{816BB130-A069-4BDB-A55B-48E7ABC30C32}"/>
-              </a:ext>
-            </a:extLst>
-          </p:cNvPr>
-          <p:cNvSpPr txBox="1"/>
-          <p:nvPr/>
-        </p:nvSpPr>
-        <p:spPr>
-          <a:xfrm>
-            <a:off x="1906495" y="3012574"/>
-            <a:ext cx="780170" cy="369332"/>
-          </a:xfrm>
-          <a:prstGeom prst="rect">
-            <a:avLst/>
-          </a:prstGeom>
-          <a:noFill/>
-        </p:spPr>
-        <p:txBody>
-          <a:bodyPr wrap="square" rtlCol="0">
-            <a:spAutoFit/>
-          </a:bodyPr>
-          <a:lstStyle/>
-          <a:p>
-            <a:r>
-              <a:rPr lang="en-US" dirty="0" err="1"/>
-              <a:t>mmap</a:t>
-            </a:r>
-            <a:endParaRPr lang="en-US" dirty="0"/>
-          </a:p>
-        </p:txBody>
-      </p:sp>
-      <p:sp>
-        <p:nvSpPr>
-          <p:cNvPr id="13" name="Rectangle 12">
-            <a:extLst>
-              <a:ext uri="{FF2B5EF4-FFF2-40B4-BE49-F238E27FC236}">
-                <a16:creationId xmlns:a16="http://schemas.microsoft.com/office/drawing/2014/main" id="{CCB2C353-0576-3DD9-B4C7-2C65F1CB82F8}"/>
-              </a:ext>
-            </a:extLst>
-          </p:cNvPr>
-          <p:cNvSpPr/>
-          <p:nvPr/>
-        </p:nvSpPr>
-        <p:spPr>
-          <a:xfrm>
-            <a:off x="7413231" y="2702888"/>
-            <a:ext cx="2576290" cy="595941"/>
-          </a:xfrm>
-          <a:prstGeom prst="rect">
-            <a:avLst/>
-          </a:prstGeom>
-          <a:noFill/>
-        </p:spPr>
-        <p:style>
-          <a:lnRef idx="2">
-            <a:schemeClr val="accent1">
-              <a:shade val="15000"/>
-            </a:schemeClr>
-          </a:lnRef>
-          <a:fillRef idx="1">
-            <a:schemeClr val="accent1"/>
-          </a:fillRef>
-          <a:effectRef idx="0">
-            <a:schemeClr val="accent1"/>
-          </a:effectRef>
-          <a:fontRef idx="minor">
-            <a:schemeClr val="lt1"/>
-          </a:fontRef>
-        </p:style>
-        <p:txBody>
-          <a:bodyPr rtlCol="0" anchor="ctr"/>
-          <a:lstStyle/>
-          <a:p>
-            <a:pPr algn="ctr"/>
-            <a:r>
-              <a:rPr lang="en-US" dirty="0"/>
-              <a:t>x</a:t>
-            </a:r>
-          </a:p>
-        </p:txBody>
-      </p:sp>
-      <p:sp>
-        <p:nvSpPr>
-          <p:cNvPr id="14" name="TextBox 13">
-            <a:extLst>
-              <a:ext uri="{FF2B5EF4-FFF2-40B4-BE49-F238E27FC236}">
-                <a16:creationId xmlns:a16="http://schemas.microsoft.com/office/drawing/2014/main" id="{1330C3D4-50F3-4969-3122-8B12CE803349}"/>
-              </a:ext>
-            </a:extLst>
-          </p:cNvPr>
-          <p:cNvSpPr txBox="1"/>
-          <p:nvPr/>
-        </p:nvSpPr>
-        <p:spPr>
-          <a:xfrm>
-            <a:off x="7488985" y="2825171"/>
-            <a:ext cx="2462436" cy="369332"/>
-          </a:xfrm>
-          <a:prstGeom prst="rect">
-            <a:avLst/>
-          </a:prstGeom>
-          <a:noFill/>
-        </p:spPr>
-        <p:txBody>
-          <a:bodyPr wrap="square" rtlCol="0">
-            <a:spAutoFit/>
-          </a:bodyPr>
-          <a:lstStyle/>
-          <a:p>
-            <a:r>
-              <a:rPr lang="en-US" dirty="0"/>
-              <a:t>Virtual File System (VFS)</a:t>
-            </a:r>
-          </a:p>
-        </p:txBody>
-      </p:sp>
-      <p:sp>
-        <p:nvSpPr>
-          <p:cNvPr id="15" name="Rectangle 14">
-            <a:extLst>
-              <a:ext uri="{FF2B5EF4-FFF2-40B4-BE49-F238E27FC236}">
-                <a16:creationId xmlns:a16="http://schemas.microsoft.com/office/drawing/2014/main" id="{7C3ADB81-68F2-216A-14D1-2A9E6138E495}"/>
-              </a:ext>
-            </a:extLst>
-          </p:cNvPr>
-          <p:cNvSpPr/>
-          <p:nvPr/>
-        </p:nvSpPr>
-        <p:spPr>
-          <a:xfrm>
-            <a:off x="3086100" y="2952750"/>
-            <a:ext cx="1433158" cy="509828"/>
-          </a:xfrm>
-          <a:prstGeom prst="rect">
-            <a:avLst/>
-          </a:prstGeom>
-          <a:noFill/>
-        </p:spPr>
-        <p:style>
-          <a:lnRef idx="2">
-            <a:schemeClr val="accent1">
-              <a:shade val="15000"/>
-            </a:schemeClr>
-          </a:lnRef>
-          <a:fillRef idx="1">
-            <a:schemeClr val="accent1"/>
-          </a:fillRef>
-          <a:effectRef idx="0">
-            <a:schemeClr val="accent1"/>
-          </a:effectRef>
-          <a:fontRef idx="minor">
-            <a:schemeClr val="lt1"/>
-          </a:fontRef>
-        </p:style>
-        <p:txBody>
-          <a:bodyPr rtlCol="0" anchor="ctr"/>
-          <a:lstStyle/>
-          <a:p>
-            <a:pPr algn="ctr"/>
-            <a:endParaRPr lang="en-US"/>
-          </a:p>
-        </p:txBody>
-      </p:sp>
-      <p:sp>
-        <p:nvSpPr>
-          <p:cNvPr id="16" name="TextBox 15">
-            <a:extLst>
-              <a:ext uri="{FF2B5EF4-FFF2-40B4-BE49-F238E27FC236}">
-                <a16:creationId xmlns:a16="http://schemas.microsoft.com/office/drawing/2014/main" id="{01CBF8BD-4879-9273-95CD-08F7D1D48326}"/>
-              </a:ext>
-            </a:extLst>
-          </p:cNvPr>
-          <p:cNvSpPr txBox="1"/>
-          <p:nvPr/>
-        </p:nvSpPr>
-        <p:spPr>
-          <a:xfrm>
-            <a:off x="3190575" y="3003049"/>
-            <a:ext cx="1295700" cy="369332"/>
-          </a:xfrm>
-          <a:prstGeom prst="rect">
-            <a:avLst/>
-          </a:prstGeom>
-          <a:noFill/>
-        </p:spPr>
-        <p:txBody>
-          <a:bodyPr wrap="square" rtlCol="0">
-            <a:spAutoFit/>
-          </a:bodyPr>
-          <a:lstStyle/>
-          <a:p>
-            <a:r>
-              <a:rPr lang="en-US" dirty="0" err="1"/>
-              <a:t>mmap_lazy</a:t>
-            </a:r>
-            <a:endParaRPr lang="en-US" dirty="0"/>
-          </a:p>
-        </p:txBody>
-      </p:sp>
-      <p:sp>
-        <p:nvSpPr>
-          <p:cNvPr id="17" name="Rectangle 16">
-            <a:extLst>
-              <a:ext uri="{FF2B5EF4-FFF2-40B4-BE49-F238E27FC236}">
-                <a16:creationId xmlns:a16="http://schemas.microsoft.com/office/drawing/2014/main" id="{129368DE-4A8A-F2C1-C968-CE54B172F514}"/>
-              </a:ext>
-            </a:extLst>
-          </p:cNvPr>
-          <p:cNvSpPr/>
-          <p:nvPr/>
-        </p:nvSpPr>
-        <p:spPr>
-          <a:xfrm>
-            <a:off x="1473280" y="3692781"/>
-            <a:ext cx="3321759" cy="1180082"/>
-          </a:xfrm>
-          <a:prstGeom prst="rect">
-            <a:avLst/>
-          </a:prstGeom>
-          <a:noFill/>
-        </p:spPr>
-        <p:style>
-          <a:lnRef idx="2">
-            <a:schemeClr val="accent1">
-              <a:shade val="15000"/>
-            </a:schemeClr>
-          </a:lnRef>
-          <a:fillRef idx="1">
-            <a:schemeClr val="accent1"/>
-          </a:fillRef>
-          <a:effectRef idx="0">
-            <a:schemeClr val="accent1"/>
-          </a:effectRef>
-          <a:fontRef idx="minor">
-            <a:schemeClr val="lt1"/>
-          </a:fontRef>
-        </p:style>
-        <p:txBody>
-          <a:bodyPr rtlCol="0" anchor="ctr"/>
-          <a:lstStyle/>
-          <a:p>
-            <a:pPr algn="ctr"/>
-            <a:endParaRPr lang="en-US"/>
-          </a:p>
-        </p:txBody>
-      </p:sp>
-      <p:sp>
-        <p:nvSpPr>
-          <p:cNvPr id="18" name="TextBox 17">
-            <a:extLst>
-              <a:ext uri="{FF2B5EF4-FFF2-40B4-BE49-F238E27FC236}">
-                <a16:creationId xmlns:a16="http://schemas.microsoft.com/office/drawing/2014/main" id="{EC4FB180-8F97-A0A7-8E0F-4A3B838DBEA5}"/>
-              </a:ext>
-            </a:extLst>
-          </p:cNvPr>
-          <p:cNvSpPr txBox="1"/>
-          <p:nvPr/>
-        </p:nvSpPr>
-        <p:spPr>
-          <a:xfrm>
-            <a:off x="1510935" y="3826127"/>
-            <a:ext cx="3284104" cy="369332"/>
-          </a:xfrm>
-          <a:prstGeom prst="rect">
-            <a:avLst/>
-          </a:prstGeom>
-          <a:noFill/>
-        </p:spPr>
-        <p:txBody>
-          <a:bodyPr wrap="none" rtlCol="0">
-            <a:spAutoFit/>
-          </a:bodyPr>
-          <a:lstStyle/>
-          <a:p>
-            <a:r>
-              <a:rPr lang="en-US" dirty="0"/>
-              <a:t>Virtual Memory Manager (VMM)</a:t>
-            </a:r>
-          </a:p>
-        </p:txBody>
-      </p:sp>
-      <p:sp>
-        <p:nvSpPr>
-          <p:cNvPr id="21" name="Rectangle 20">
-            <a:extLst>
-              <a:ext uri="{FF2B5EF4-FFF2-40B4-BE49-F238E27FC236}">
-                <a16:creationId xmlns:a16="http://schemas.microsoft.com/office/drawing/2014/main" id="{0D4085BB-3185-8F9D-CA0E-47FBC6C342BE}"/>
-              </a:ext>
-            </a:extLst>
-          </p:cNvPr>
-          <p:cNvSpPr/>
-          <p:nvPr/>
-        </p:nvSpPr>
-        <p:spPr>
-          <a:xfrm>
-            <a:off x="7413231" y="3647741"/>
-            <a:ext cx="890365" cy="426482"/>
-          </a:xfrm>
-          <a:prstGeom prst="rect">
-            <a:avLst/>
-          </a:prstGeom>
-          <a:noFill/>
-        </p:spPr>
-        <p:style>
-          <a:lnRef idx="2">
-            <a:schemeClr val="accent1">
-              <a:shade val="15000"/>
-            </a:schemeClr>
-          </a:lnRef>
-          <a:fillRef idx="1">
-            <a:schemeClr val="accent1"/>
-          </a:fillRef>
-          <a:effectRef idx="0">
-            <a:schemeClr val="accent1"/>
-          </a:effectRef>
-          <a:fontRef idx="minor">
-            <a:schemeClr val="lt1"/>
-          </a:fontRef>
-        </p:style>
-        <p:txBody>
-          <a:bodyPr rtlCol="0" anchor="ctr"/>
-          <a:lstStyle/>
-          <a:p>
-            <a:pPr algn="ctr"/>
-            <a:endParaRPr lang="en-US"/>
-          </a:p>
-        </p:txBody>
-      </p:sp>
-      <p:sp>
-        <p:nvSpPr>
-          <p:cNvPr id="22" name="TextBox 21">
-            <a:extLst>
-              <a:ext uri="{FF2B5EF4-FFF2-40B4-BE49-F238E27FC236}">
-                <a16:creationId xmlns:a16="http://schemas.microsoft.com/office/drawing/2014/main" id="{227AC275-B1C1-76A7-9165-9BD395400B7A}"/>
-              </a:ext>
-            </a:extLst>
-          </p:cNvPr>
-          <p:cNvSpPr txBox="1"/>
-          <p:nvPr/>
-        </p:nvSpPr>
-        <p:spPr>
-          <a:xfrm>
-            <a:off x="7516248" y="3682150"/>
-            <a:ext cx="656779" cy="369332"/>
-          </a:xfrm>
-          <a:prstGeom prst="rect">
-            <a:avLst/>
-          </a:prstGeom>
-          <a:noFill/>
-        </p:spPr>
-        <p:txBody>
-          <a:bodyPr wrap="square" rtlCol="0">
-            <a:spAutoFit/>
-          </a:bodyPr>
-          <a:lstStyle/>
-          <a:p>
-            <a:r>
-              <a:rPr lang="en-US" dirty="0"/>
-              <a:t>ext2</a:t>
-            </a:r>
-          </a:p>
-        </p:txBody>
-      </p:sp>
-      <p:sp>
-        <p:nvSpPr>
-          <p:cNvPr id="23" name="Rectangle 22">
-            <a:extLst>
-              <a:ext uri="{FF2B5EF4-FFF2-40B4-BE49-F238E27FC236}">
-                <a16:creationId xmlns:a16="http://schemas.microsoft.com/office/drawing/2014/main" id="{5D06259C-8EB2-D00C-5607-2F2E9B1CC6C5}"/>
-              </a:ext>
-            </a:extLst>
-          </p:cNvPr>
-          <p:cNvSpPr/>
-          <p:nvPr/>
-        </p:nvSpPr>
-        <p:spPr>
-          <a:xfrm>
-            <a:off x="8998921" y="3647741"/>
-            <a:ext cx="1041197" cy="438150"/>
-          </a:xfrm>
-          <a:prstGeom prst="rect">
-            <a:avLst/>
-          </a:prstGeom>
-          <a:noFill/>
-        </p:spPr>
-        <p:style>
-          <a:lnRef idx="2">
-            <a:schemeClr val="accent1">
-              <a:shade val="15000"/>
-            </a:schemeClr>
-          </a:lnRef>
-          <a:fillRef idx="1">
-            <a:schemeClr val="accent1"/>
-          </a:fillRef>
-          <a:effectRef idx="0">
-            <a:schemeClr val="accent1"/>
-          </a:effectRef>
-          <a:fontRef idx="minor">
-            <a:schemeClr val="lt1"/>
-          </a:fontRef>
-        </p:style>
-        <p:txBody>
-          <a:bodyPr rtlCol="0" anchor="ctr"/>
-          <a:lstStyle/>
-          <a:p>
-            <a:pPr algn="ctr"/>
-            <a:endParaRPr lang="en-US"/>
-          </a:p>
-        </p:txBody>
-      </p:sp>
-      <p:sp>
-        <p:nvSpPr>
-          <p:cNvPr id="24" name="TextBox 23">
-            <a:extLst>
-              <a:ext uri="{FF2B5EF4-FFF2-40B4-BE49-F238E27FC236}">
-                <a16:creationId xmlns:a16="http://schemas.microsoft.com/office/drawing/2014/main" id="{50F04E11-D16F-A25E-4F8D-34AA20A9ABB4}"/>
-              </a:ext>
-            </a:extLst>
-          </p:cNvPr>
-          <p:cNvSpPr txBox="1"/>
-          <p:nvPr/>
-        </p:nvSpPr>
-        <p:spPr>
-          <a:xfrm>
-            <a:off x="9053290" y="3695366"/>
-            <a:ext cx="986828" cy="369332"/>
-          </a:xfrm>
-          <a:prstGeom prst="rect">
-            <a:avLst/>
-          </a:prstGeom>
-          <a:noFill/>
-        </p:spPr>
-        <p:txBody>
-          <a:bodyPr wrap="square" rtlCol="0">
-            <a:spAutoFit/>
-          </a:bodyPr>
-          <a:lstStyle/>
-          <a:p>
-            <a:r>
-              <a:rPr lang="en-US" dirty="0" err="1"/>
-              <a:t>mem_fs</a:t>
-            </a:r>
-            <a:endParaRPr lang="en-US" dirty="0"/>
-          </a:p>
-        </p:txBody>
-      </p:sp>
-      <p:sp>
-        <p:nvSpPr>
-          <p:cNvPr id="25" name="Rectangle 24">
-            <a:extLst>
-              <a:ext uri="{FF2B5EF4-FFF2-40B4-BE49-F238E27FC236}">
-                <a16:creationId xmlns:a16="http://schemas.microsoft.com/office/drawing/2014/main" id="{88F15FBE-2671-C06D-9CFD-0738FFF0E1BA}"/>
-              </a:ext>
-            </a:extLst>
-          </p:cNvPr>
-          <p:cNvSpPr/>
-          <p:nvPr/>
-        </p:nvSpPr>
-        <p:spPr>
-          <a:xfrm>
-            <a:off x="7912227" y="4281188"/>
-            <a:ext cx="1278930" cy="510658"/>
-          </a:xfrm>
-          <a:prstGeom prst="rect">
-            <a:avLst/>
-          </a:prstGeom>
-          <a:noFill/>
-        </p:spPr>
-        <p:style>
-          <a:lnRef idx="2">
-            <a:schemeClr val="accent1">
-              <a:shade val="15000"/>
-            </a:schemeClr>
-          </a:lnRef>
-          <a:fillRef idx="1">
-            <a:schemeClr val="accent1"/>
-          </a:fillRef>
-          <a:effectRef idx="0">
-            <a:schemeClr val="accent1"/>
-          </a:effectRef>
-          <a:fontRef idx="minor">
-            <a:schemeClr val="lt1"/>
-          </a:fontRef>
-        </p:style>
-        <p:txBody>
-          <a:bodyPr rtlCol="0" anchor="ctr"/>
-          <a:lstStyle/>
-          <a:p>
-            <a:pPr algn="ctr"/>
-            <a:endParaRPr lang="en-US"/>
-          </a:p>
-        </p:txBody>
-      </p:sp>
-      <p:sp>
-        <p:nvSpPr>
-          <p:cNvPr id="26" name="TextBox 25">
-            <a:extLst>
-              <a:ext uri="{FF2B5EF4-FFF2-40B4-BE49-F238E27FC236}">
-                <a16:creationId xmlns:a16="http://schemas.microsoft.com/office/drawing/2014/main" id="{5CAA5E83-9C11-13D8-3E6B-B3336CBF0115}"/>
-              </a:ext>
-            </a:extLst>
-          </p:cNvPr>
-          <p:cNvSpPr txBox="1"/>
-          <p:nvPr/>
-        </p:nvSpPr>
-        <p:spPr>
-          <a:xfrm>
-            <a:off x="7969957" y="4345243"/>
-            <a:ext cx="1233992" cy="369332"/>
-          </a:xfrm>
-          <a:prstGeom prst="rect">
-            <a:avLst/>
-          </a:prstGeom>
-          <a:noFill/>
-        </p:spPr>
-        <p:txBody>
-          <a:bodyPr wrap="square" rtlCol="0">
-            <a:spAutoFit/>
-          </a:bodyPr>
-          <a:lstStyle/>
-          <a:p>
-            <a:r>
-              <a:rPr lang="en-US" dirty="0"/>
-              <a:t>page cache</a:t>
-            </a:r>
-          </a:p>
-        </p:txBody>
-      </p:sp>
-      <p:sp>
-        <p:nvSpPr>
-          <p:cNvPr id="27" name="Rectangle 26">
-            <a:extLst>
-              <a:ext uri="{FF2B5EF4-FFF2-40B4-BE49-F238E27FC236}">
-                <a16:creationId xmlns:a16="http://schemas.microsoft.com/office/drawing/2014/main" id="{F30A0FCC-8D6C-FFF9-86AF-98C39BB64915}"/>
-              </a:ext>
-            </a:extLst>
-          </p:cNvPr>
-          <p:cNvSpPr/>
-          <p:nvPr/>
-        </p:nvSpPr>
-        <p:spPr>
-          <a:xfrm>
-            <a:off x="3433985" y="4281188"/>
-            <a:ext cx="1278930" cy="510658"/>
-          </a:xfrm>
-          <a:prstGeom prst="rect">
-            <a:avLst/>
-          </a:prstGeom>
-          <a:noFill/>
-        </p:spPr>
-        <p:style>
-          <a:lnRef idx="2">
-            <a:schemeClr val="accent1">
-              <a:shade val="15000"/>
-            </a:schemeClr>
-          </a:lnRef>
-          <a:fillRef idx="1">
-            <a:schemeClr val="accent1"/>
-          </a:fillRef>
-          <a:effectRef idx="0">
-            <a:schemeClr val="accent1"/>
-          </a:effectRef>
-          <a:fontRef idx="minor">
-            <a:schemeClr val="lt1"/>
-          </a:fontRef>
-        </p:style>
-        <p:txBody>
-          <a:bodyPr rtlCol="0" anchor="ctr"/>
-          <a:lstStyle/>
-          <a:p>
-            <a:pPr algn="ctr"/>
-            <a:endParaRPr lang="en-US"/>
-          </a:p>
-        </p:txBody>
-      </p:sp>
-      <p:sp>
-        <p:nvSpPr>
-          <p:cNvPr id="28" name="TextBox 27">
-            <a:extLst>
-              <a:ext uri="{FF2B5EF4-FFF2-40B4-BE49-F238E27FC236}">
-                <a16:creationId xmlns:a16="http://schemas.microsoft.com/office/drawing/2014/main" id="{4CF4D862-1F76-F872-FD71-D929F88D77A5}"/>
-              </a:ext>
-            </a:extLst>
-          </p:cNvPr>
-          <p:cNvSpPr txBox="1"/>
-          <p:nvPr/>
-        </p:nvSpPr>
-        <p:spPr>
-          <a:xfrm>
-            <a:off x="3462114" y="4345243"/>
-            <a:ext cx="1113446" cy="369332"/>
-          </a:xfrm>
-          <a:prstGeom prst="rect">
-            <a:avLst/>
-          </a:prstGeom>
-          <a:noFill/>
-        </p:spPr>
-        <p:txBody>
-          <a:bodyPr wrap="none" rtlCol="0">
-            <a:spAutoFit/>
-          </a:bodyPr>
-          <a:lstStyle/>
-          <a:p>
-            <a:r>
-              <a:rPr lang="en-US" dirty="0" err="1"/>
-              <a:t>vmm_flist</a:t>
-            </a:r>
-            <a:endParaRPr lang="en-US" dirty="0"/>
-          </a:p>
-        </p:txBody>
-      </p:sp>
-      <p:sp>
-        <p:nvSpPr>
-          <p:cNvPr id="29" name="Rectangle 28">
-            <a:extLst>
-              <a:ext uri="{FF2B5EF4-FFF2-40B4-BE49-F238E27FC236}">
-                <a16:creationId xmlns:a16="http://schemas.microsoft.com/office/drawing/2014/main" id="{257326AC-A5B3-2735-4E4F-41925B56871E}"/>
-              </a:ext>
-            </a:extLst>
-          </p:cNvPr>
-          <p:cNvSpPr/>
-          <p:nvPr/>
-        </p:nvSpPr>
-        <p:spPr>
-          <a:xfrm>
-            <a:off x="5419210" y="5026317"/>
-            <a:ext cx="1829822" cy="510658"/>
-          </a:xfrm>
-          <a:prstGeom prst="rect">
-            <a:avLst/>
-          </a:prstGeom>
-          <a:noFill/>
-        </p:spPr>
-        <p:style>
-          <a:lnRef idx="2">
-            <a:schemeClr val="accent1">
-              <a:shade val="15000"/>
-            </a:schemeClr>
-          </a:lnRef>
-          <a:fillRef idx="1">
-            <a:schemeClr val="accent1"/>
-          </a:fillRef>
-          <a:effectRef idx="0">
-            <a:schemeClr val="accent1"/>
-          </a:effectRef>
-          <a:fontRef idx="minor">
-            <a:schemeClr val="lt1"/>
-          </a:fontRef>
-        </p:style>
-        <p:txBody>
-          <a:bodyPr rtlCol="0" anchor="ctr"/>
-          <a:lstStyle/>
-          <a:p>
-            <a:pPr algn="ctr"/>
-            <a:endParaRPr lang="en-US"/>
-          </a:p>
-        </p:txBody>
-      </p:sp>
-      <p:sp>
-        <p:nvSpPr>
-          <p:cNvPr id="30" name="Rectangle 29">
-            <a:extLst>
-              <a:ext uri="{FF2B5EF4-FFF2-40B4-BE49-F238E27FC236}">
-                <a16:creationId xmlns:a16="http://schemas.microsoft.com/office/drawing/2014/main" id="{BE8B3002-C467-288E-D27B-4475521E14CE}"/>
-              </a:ext>
-            </a:extLst>
-          </p:cNvPr>
-          <p:cNvSpPr/>
-          <p:nvPr/>
-        </p:nvSpPr>
-        <p:spPr>
-          <a:xfrm>
-            <a:off x="7308023" y="5602910"/>
-            <a:ext cx="1883134" cy="510658"/>
-          </a:xfrm>
-          <a:prstGeom prst="rect">
-            <a:avLst/>
-          </a:prstGeom>
-          <a:noFill/>
-        </p:spPr>
-        <p:style>
-          <a:lnRef idx="2">
-            <a:schemeClr val="accent1">
-              <a:shade val="15000"/>
-            </a:schemeClr>
-          </a:lnRef>
-          <a:fillRef idx="1">
-            <a:schemeClr val="accent1"/>
-          </a:fillRef>
-          <a:effectRef idx="0">
-            <a:schemeClr val="accent1"/>
-          </a:effectRef>
-          <a:fontRef idx="minor">
-            <a:schemeClr val="lt1"/>
-          </a:fontRef>
-        </p:style>
-        <p:txBody>
-          <a:bodyPr rtlCol="0" anchor="ctr"/>
-          <a:lstStyle/>
-          <a:p>
-            <a:pPr algn="ctr"/>
-            <a:endParaRPr lang="en-US"/>
-          </a:p>
-        </p:txBody>
-      </p:sp>
-      <p:sp>
-        <p:nvSpPr>
-          <p:cNvPr id="31" name="Rectangle 30">
-            <a:extLst>
-              <a:ext uri="{FF2B5EF4-FFF2-40B4-BE49-F238E27FC236}">
-                <a16:creationId xmlns:a16="http://schemas.microsoft.com/office/drawing/2014/main" id="{1CDC9832-B1F9-A4C3-E56D-17037F14E766}"/>
-              </a:ext>
-            </a:extLst>
-          </p:cNvPr>
-          <p:cNvSpPr/>
-          <p:nvPr/>
-        </p:nvSpPr>
-        <p:spPr>
-          <a:xfrm>
-            <a:off x="3433985" y="5600730"/>
-            <a:ext cx="2058621" cy="510658"/>
-          </a:xfrm>
-          <a:prstGeom prst="rect">
-            <a:avLst/>
-          </a:prstGeom>
-          <a:noFill/>
-        </p:spPr>
-        <p:style>
-          <a:lnRef idx="2">
-            <a:schemeClr val="accent1">
-              <a:shade val="15000"/>
-            </a:schemeClr>
-          </a:lnRef>
-          <a:fillRef idx="1">
-            <a:schemeClr val="accent1"/>
-          </a:fillRef>
-          <a:effectRef idx="0">
-            <a:schemeClr val="accent1"/>
-          </a:effectRef>
-          <a:fontRef idx="minor">
-            <a:schemeClr val="lt1"/>
-          </a:fontRef>
-        </p:style>
-        <p:txBody>
-          <a:bodyPr rtlCol="0" anchor="ctr"/>
-          <a:lstStyle/>
-          <a:p>
-            <a:pPr algn="ctr"/>
-            <a:endParaRPr lang="en-US"/>
-          </a:p>
-        </p:txBody>
-      </p:sp>
-      <p:sp>
-        <p:nvSpPr>
-          <p:cNvPr id="32" name="Rectangle 31">
-            <a:extLst>
-              <a:ext uri="{FF2B5EF4-FFF2-40B4-BE49-F238E27FC236}">
-                <a16:creationId xmlns:a16="http://schemas.microsoft.com/office/drawing/2014/main" id="{FF0B7269-9346-01AB-A83D-CD53A433B5F7}"/>
-              </a:ext>
-            </a:extLst>
-          </p:cNvPr>
-          <p:cNvSpPr/>
-          <p:nvPr/>
-        </p:nvSpPr>
-        <p:spPr>
-          <a:xfrm>
-            <a:off x="7719991" y="6247820"/>
-            <a:ext cx="1593872" cy="510658"/>
-          </a:xfrm>
-          <a:prstGeom prst="rect">
-            <a:avLst/>
-          </a:prstGeom>
-          <a:noFill/>
-        </p:spPr>
-        <p:style>
-          <a:lnRef idx="2">
-            <a:schemeClr val="accent1">
-              <a:shade val="15000"/>
-            </a:schemeClr>
-          </a:lnRef>
-          <a:fillRef idx="1">
-            <a:schemeClr val="accent1"/>
-          </a:fillRef>
-          <a:effectRef idx="0">
-            <a:schemeClr val="accent1"/>
-          </a:effectRef>
-          <a:fontRef idx="minor">
-            <a:schemeClr val="lt1"/>
-          </a:fontRef>
-        </p:style>
-        <p:txBody>
-          <a:bodyPr rtlCol="0" anchor="ctr"/>
-          <a:lstStyle/>
-          <a:p>
-            <a:pPr algn="ctr"/>
-            <a:endParaRPr lang="en-US"/>
-          </a:p>
-        </p:txBody>
-      </p:sp>
-      <p:sp>
-        <p:nvSpPr>
-          <p:cNvPr id="33" name="Rectangle 32">
-            <a:extLst>
-              <a:ext uri="{FF2B5EF4-FFF2-40B4-BE49-F238E27FC236}">
-                <a16:creationId xmlns:a16="http://schemas.microsoft.com/office/drawing/2014/main" id="{43A9696B-A148-E9AA-11B7-7E481EAC5F53}"/>
-              </a:ext>
-            </a:extLst>
-          </p:cNvPr>
-          <p:cNvSpPr/>
-          <p:nvPr/>
-        </p:nvSpPr>
-        <p:spPr>
-          <a:xfrm>
-            <a:off x="3590925" y="6247820"/>
-            <a:ext cx="1901681" cy="510658"/>
-          </a:xfrm>
-          <a:prstGeom prst="rect">
-            <a:avLst/>
-          </a:prstGeom>
-          <a:noFill/>
-        </p:spPr>
-        <p:style>
-          <a:lnRef idx="2">
-            <a:schemeClr val="accent1">
-              <a:shade val="15000"/>
-            </a:schemeClr>
-          </a:lnRef>
-          <a:fillRef idx="1">
-            <a:schemeClr val="accent1"/>
-          </a:fillRef>
-          <a:effectRef idx="0">
-            <a:schemeClr val="accent1"/>
-          </a:effectRef>
-          <a:fontRef idx="minor">
-            <a:schemeClr val="lt1"/>
-          </a:fontRef>
-        </p:style>
-        <p:txBody>
-          <a:bodyPr rtlCol="0" anchor="ctr"/>
-          <a:lstStyle/>
-          <a:p>
-            <a:pPr algn="ctr"/>
-            <a:endParaRPr lang="en-US"/>
-          </a:p>
-        </p:txBody>
-      </p:sp>
-      <p:sp>
-        <p:nvSpPr>
-          <p:cNvPr id="34" name="TextBox 33">
-            <a:extLst>
-              <a:ext uri="{FF2B5EF4-FFF2-40B4-BE49-F238E27FC236}">
-                <a16:creationId xmlns:a16="http://schemas.microsoft.com/office/drawing/2014/main" id="{D7C2E1D9-FCE6-5B12-ED86-C05A8048B475}"/>
-              </a:ext>
-            </a:extLst>
-          </p:cNvPr>
-          <p:cNvSpPr txBox="1"/>
-          <p:nvPr/>
-        </p:nvSpPr>
-        <p:spPr>
-          <a:xfrm>
-            <a:off x="5503996" y="5096980"/>
-            <a:ext cx="1699169" cy="369332"/>
-          </a:xfrm>
-          <a:prstGeom prst="rect">
-            <a:avLst/>
-          </a:prstGeom>
-          <a:noFill/>
-        </p:spPr>
-        <p:txBody>
-          <a:bodyPr wrap="square" rtlCol="0">
-            <a:spAutoFit/>
-          </a:bodyPr>
-          <a:lstStyle/>
-          <a:p>
-            <a:r>
-              <a:rPr lang="en-US" dirty="0"/>
-              <a:t>Device drivers</a:t>
-            </a:r>
-          </a:p>
-        </p:txBody>
-      </p:sp>
-      <p:sp>
-        <p:nvSpPr>
-          <p:cNvPr id="35" name="TextBox 34">
-            <a:extLst>
-              <a:ext uri="{FF2B5EF4-FFF2-40B4-BE49-F238E27FC236}">
-                <a16:creationId xmlns:a16="http://schemas.microsoft.com/office/drawing/2014/main" id="{D0BF98F3-856E-F254-105C-E3ADC46BBA01}"/>
-              </a:ext>
-            </a:extLst>
-          </p:cNvPr>
-          <p:cNvSpPr txBox="1"/>
-          <p:nvPr/>
-        </p:nvSpPr>
-        <p:spPr>
-          <a:xfrm>
-            <a:off x="3810000" y="6318483"/>
-            <a:ext cx="1609211" cy="369332"/>
-          </a:xfrm>
-          <a:prstGeom prst="rect">
-            <a:avLst/>
-          </a:prstGeom>
-          <a:noFill/>
-        </p:spPr>
-        <p:txBody>
-          <a:bodyPr wrap="square" rtlCol="0">
-            <a:spAutoFit/>
-          </a:bodyPr>
-          <a:lstStyle/>
-          <a:p>
-            <a:r>
-              <a:rPr lang="en-US" dirty="0" err="1"/>
-              <a:t>hw_memory</a:t>
-            </a:r>
-            <a:endParaRPr lang="en-US" dirty="0"/>
-          </a:p>
-        </p:txBody>
-      </p:sp>
-      <p:sp>
-        <p:nvSpPr>
-          <p:cNvPr id="36" name="TextBox 35">
-            <a:extLst>
-              <a:ext uri="{FF2B5EF4-FFF2-40B4-BE49-F238E27FC236}">
-                <a16:creationId xmlns:a16="http://schemas.microsoft.com/office/drawing/2014/main" id="{CCE846E0-B23B-EDB9-CCFB-9913AD1DA1C7}"/>
-              </a:ext>
-            </a:extLst>
-          </p:cNvPr>
-          <p:cNvSpPr txBox="1"/>
-          <p:nvPr/>
-        </p:nvSpPr>
-        <p:spPr>
-          <a:xfrm>
-            <a:off x="8050093" y="6318483"/>
-            <a:ext cx="1003198" cy="369332"/>
-          </a:xfrm>
-          <a:prstGeom prst="rect">
-            <a:avLst/>
-          </a:prstGeom>
-          <a:noFill/>
-        </p:spPr>
-        <p:txBody>
-          <a:bodyPr wrap="square" rtlCol="0">
-            <a:spAutoFit/>
-          </a:bodyPr>
-          <a:lstStyle/>
-          <a:p>
-            <a:r>
-              <a:rPr lang="en-US" dirty="0" err="1"/>
-              <a:t>hw_disk</a:t>
-            </a:r>
-            <a:endParaRPr lang="en-US" dirty="0"/>
-          </a:p>
-        </p:txBody>
-      </p:sp>
-      <p:sp>
-        <p:nvSpPr>
-          <p:cNvPr id="37" name="TextBox 36">
-            <a:extLst>
-              <a:ext uri="{FF2B5EF4-FFF2-40B4-BE49-F238E27FC236}">
-                <a16:creationId xmlns:a16="http://schemas.microsoft.com/office/drawing/2014/main" id="{B4FC284F-F727-32A8-FF1E-4E37883B495A}"/>
-              </a:ext>
-            </a:extLst>
-          </p:cNvPr>
-          <p:cNvSpPr txBox="1"/>
-          <p:nvPr/>
-        </p:nvSpPr>
-        <p:spPr>
-          <a:xfrm>
-            <a:off x="3521728" y="5671393"/>
-            <a:ext cx="1883133" cy="369332"/>
-          </a:xfrm>
-          <a:prstGeom prst="rect">
-            <a:avLst/>
-          </a:prstGeom>
-          <a:noFill/>
-        </p:spPr>
-        <p:txBody>
-          <a:bodyPr wrap="square" rtlCol="0">
-            <a:spAutoFit/>
-          </a:bodyPr>
-          <a:lstStyle/>
-          <a:p>
-            <a:r>
-              <a:rPr lang="en-US" dirty="0" err="1"/>
-              <a:t>mem_disk_driver</a:t>
-            </a:r>
-            <a:endParaRPr lang="en-US" dirty="0"/>
-          </a:p>
-        </p:txBody>
-      </p:sp>
-      <p:sp>
-        <p:nvSpPr>
-          <p:cNvPr id="38" name="Rectangle 37">
-            <a:extLst>
-              <a:ext uri="{FF2B5EF4-FFF2-40B4-BE49-F238E27FC236}">
-                <a16:creationId xmlns:a16="http://schemas.microsoft.com/office/drawing/2014/main" id="{2D1D870A-4D2E-3D56-18AD-1DB1E2D68BB1}"/>
-              </a:ext>
-            </a:extLst>
-          </p:cNvPr>
-          <p:cNvSpPr/>
-          <p:nvPr/>
-        </p:nvSpPr>
-        <p:spPr>
-          <a:xfrm>
-            <a:off x="5614567" y="6226920"/>
-            <a:ext cx="1901681" cy="510658"/>
-          </a:xfrm>
-          <a:prstGeom prst="rect">
-            <a:avLst/>
-          </a:prstGeom>
-          <a:noFill/>
-        </p:spPr>
-        <p:style>
-          <a:lnRef idx="2">
-            <a:schemeClr val="accent1">
-              <a:shade val="15000"/>
-            </a:schemeClr>
-          </a:lnRef>
-          <a:fillRef idx="1">
-            <a:schemeClr val="accent1"/>
-          </a:fillRef>
-          <a:effectRef idx="0">
-            <a:schemeClr val="accent1"/>
-          </a:effectRef>
-          <a:fontRef idx="minor">
-            <a:schemeClr val="lt1"/>
-          </a:fontRef>
-        </p:style>
-        <p:txBody>
-          <a:bodyPr rtlCol="0" anchor="ctr"/>
-          <a:lstStyle/>
-          <a:p>
-            <a:pPr algn="ctr"/>
-            <a:endParaRPr lang="en-US"/>
-          </a:p>
-        </p:txBody>
-      </p:sp>
-      <p:sp>
-        <p:nvSpPr>
-          <p:cNvPr id="39" name="TextBox 38">
-            <a:extLst>
-              <a:ext uri="{FF2B5EF4-FFF2-40B4-BE49-F238E27FC236}">
-                <a16:creationId xmlns:a16="http://schemas.microsoft.com/office/drawing/2014/main" id="{A0771301-E0C2-2F61-F19A-22112184FA3D}"/>
-              </a:ext>
-            </a:extLst>
-          </p:cNvPr>
-          <p:cNvSpPr txBox="1"/>
-          <p:nvPr/>
-        </p:nvSpPr>
-        <p:spPr>
-          <a:xfrm>
-            <a:off x="5801486" y="6308209"/>
-            <a:ext cx="1391599" cy="369332"/>
-          </a:xfrm>
-          <a:prstGeom prst="rect">
-            <a:avLst/>
-          </a:prstGeom>
-          <a:noFill/>
-        </p:spPr>
-        <p:txBody>
-          <a:bodyPr wrap="none" rtlCol="0">
-            <a:spAutoFit/>
-          </a:bodyPr>
-          <a:lstStyle/>
-          <a:p>
-            <a:r>
-              <a:rPr lang="en-US" dirty="0" err="1"/>
-              <a:t>Hw_network</a:t>
-            </a:r>
-            <a:endParaRPr lang="en-US" dirty="0"/>
-          </a:p>
-        </p:txBody>
-      </p:sp>
-      <p:sp>
-        <p:nvSpPr>
-          <p:cNvPr id="40" name="TextBox 39">
-            <a:extLst>
-              <a:ext uri="{FF2B5EF4-FFF2-40B4-BE49-F238E27FC236}">
-                <a16:creationId xmlns:a16="http://schemas.microsoft.com/office/drawing/2014/main" id="{1A8C2447-4861-B1F9-CC7F-E5E1E6BE7573}"/>
-              </a:ext>
-            </a:extLst>
-          </p:cNvPr>
-          <p:cNvSpPr txBox="1"/>
-          <p:nvPr/>
-        </p:nvSpPr>
-        <p:spPr>
-          <a:xfrm>
-            <a:off x="7379143" y="5671393"/>
-            <a:ext cx="1753277" cy="369332"/>
-          </a:xfrm>
-          <a:prstGeom prst="rect">
-            <a:avLst/>
-          </a:prstGeom>
-          <a:noFill/>
-        </p:spPr>
-        <p:txBody>
-          <a:bodyPr wrap="square" rtlCol="0">
-            <a:spAutoFit/>
-          </a:bodyPr>
-          <a:lstStyle/>
-          <a:p>
-            <a:r>
-              <a:rPr lang="en-US" dirty="0"/>
-              <a:t>block disk driver </a:t>
-            </a:r>
+            <a:pPr marL="0" indent="0"/>
+            <a:r>
+              <a:rPr lang="en-US" sz="4400" dirty="0">
+                <a:latin typeface="+mn-lt"/>
+              </a:rPr>
+              <a:t>                                       SYSTEM</a:t>
+            </a:r>
+            <a:br>
+              <a:rPr lang="en-US" sz="4400" dirty="0">
+                <a:latin typeface="+mn-lt"/>
+              </a:rPr>
+            </a:br>
+            <a:r>
+              <a:rPr lang="en-US" sz="4400" dirty="0">
+                <a:latin typeface="+mn-lt"/>
+              </a:rPr>
+              <a:t>	    (Protocols &amp; Future Feature Extensions)</a:t>
+            </a:r>
+            <a:endParaRPr lang="en-US" dirty="0">
+              <a:latin typeface="+mn-lt"/>
+            </a:endParaRPr>
           </a:p>
         </p:txBody>
       </p:sp>
     </p:spTree>
     <p:extLst>
       <p:ext uri="{BB962C8B-B14F-4D97-AF65-F5344CB8AC3E}">
-        <p14:creationId xmlns:p14="http://schemas.microsoft.com/office/powerpoint/2010/main" val="866808073"/>
+        <p14:creationId xmlns:p14="http://schemas.microsoft.com/office/powerpoint/2010/main" val="1196961909"/>
       </p:ext>
     </p:extLst>
   </p:cSld>
@@ -25475,7 +24313,7 @@
           <p:cNvPr id="2" name="Title 1">
             <a:extLst>
               <a:ext uri="{FF2B5EF4-FFF2-40B4-BE49-F238E27FC236}">
-                <a16:creationId xmlns:a16="http://schemas.microsoft.com/office/drawing/2014/main" id="{17A6D691-BDDA-5E13-0C8A-1D78CEDE0074}"/>
+                <a16:creationId xmlns:a16="http://schemas.microsoft.com/office/drawing/2014/main" id="{32498B55-B2CD-1FF4-4FA9-4D93DE1C3C94}"/>
               </a:ext>
             </a:extLst>
           </p:cNvPr>
@@ -25491,41 +24329,19 @@
           <a:bodyPr/>
           <a:lstStyle/>
           <a:p>
-            <a:endParaRPr lang="en-US" dirty="0"/>
-          </a:p>
-        </p:txBody>
-      </p:sp>
-      <p:sp>
-        <p:nvSpPr>
-          <p:cNvPr id="3" name="Content Placeholder 2">
-            <a:extLst>
-              <a:ext uri="{FF2B5EF4-FFF2-40B4-BE49-F238E27FC236}">
-                <a16:creationId xmlns:a16="http://schemas.microsoft.com/office/drawing/2014/main" id="{23C01DBE-CCE9-68C7-7A81-749C37BD7775}"/>
-              </a:ext>
-            </a:extLst>
-          </p:cNvPr>
-          <p:cNvSpPr>
-            <a:spLocks noGrp="1"/>
-          </p:cNvSpPr>
-          <p:nvPr>
-            <p:ph idx="1"/>
-          </p:nvPr>
-        </p:nvSpPr>
-        <p:spPr/>
-        <p:txBody>
-          <a:bodyPr/>
-          <a:lstStyle/>
-          <a:p>
-            <a:endParaRPr lang="en-US" dirty="0"/>
-          </a:p>
-        </p:txBody>
-      </p:sp>
-      <p:sp>
-        <p:nvSpPr>
-          <p:cNvPr id="4" name="Oval 3">
-            <a:extLst>
-              <a:ext uri="{FF2B5EF4-FFF2-40B4-BE49-F238E27FC236}">
-                <a16:creationId xmlns:a16="http://schemas.microsoft.com/office/drawing/2014/main" id="{E6B8F967-2106-1D18-92BD-E8E5404924A2}"/>
+            <a:r>
+              <a:rPr lang="en-US" dirty="0"/>
+              <a:t>Protocols in OS Kernels </a:t>
+            </a:r>
+          </a:p>
+        </p:txBody>
+      </p:sp>
+      <p:sp>
+        <p:nvSpPr>
+          <p:cNvPr id="4" name="Rectangle 3">
+            <a:extLst>
+              <a:ext uri="{FF2B5EF4-FFF2-40B4-BE49-F238E27FC236}">
+                <a16:creationId xmlns:a16="http://schemas.microsoft.com/office/drawing/2014/main" id="{45849D7D-8806-8E94-B59B-CE3E4E1F7324}"/>
               </a:ext>
             </a:extLst>
           </p:cNvPr>
@@ -25534,12 +24350,13 @@
         </p:nvSpPr>
         <p:spPr>
           <a:xfrm>
-            <a:off x="2009775" y="2305050"/>
-            <a:ext cx="361950" cy="390525"/>
-          </a:xfrm>
-          <a:prstGeom prst="ellipse">
+            <a:off x="5419210" y="2171700"/>
+            <a:ext cx="1562615" cy="510658"/>
+          </a:xfrm>
+          <a:prstGeom prst="rect">
             <a:avLst/>
           </a:prstGeom>
+          <a:noFill/>
         </p:spPr>
         <p:style>
           <a:lnRef idx="2">
@@ -25568,10 +24385,46 @@
       </p:sp>
       <p:sp>
         <p:nvSpPr>
-          <p:cNvPr id="5" name="Oval 4">
-            <a:extLst>
-              <a:ext uri="{FF2B5EF4-FFF2-40B4-BE49-F238E27FC236}">
-                <a16:creationId xmlns:a16="http://schemas.microsoft.com/office/drawing/2014/main" id="{B296B064-DF16-1B37-7221-83021B9C69F6}"/>
+          <p:cNvPr id="8" name="TextBox 7">
+            <a:extLst>
+              <a:ext uri="{FF2B5EF4-FFF2-40B4-BE49-F238E27FC236}">
+                <a16:creationId xmlns:a16="http://schemas.microsoft.com/office/drawing/2014/main" id="{DBAD8D47-D4D1-CB10-2A3D-E0A5BDDFB540}"/>
+              </a:ext>
+            </a:extLst>
+          </p:cNvPr>
+          <p:cNvSpPr txBox="1"/>
+          <p:nvPr/>
+        </p:nvSpPr>
+        <p:spPr>
+          <a:xfrm>
+            <a:off x="5549921" y="2230075"/>
+            <a:ext cx="1308079" cy="369332"/>
+          </a:xfrm>
+          <a:prstGeom prst="rect">
+            <a:avLst/>
+          </a:prstGeom>
+          <a:noFill/>
+        </p:spPr>
+        <p:txBody>
+          <a:bodyPr wrap="square" rtlCol="0">
+            <a:spAutoFit/>
+          </a:bodyPr>
+          <a:lstStyle/>
+          <a:p>
+            <a:r>
+              <a:rPr lang="en-US" dirty="0" err="1"/>
+              <a:t>system_call</a:t>
+            </a:r>
+            <a:endParaRPr lang="en-US" dirty="0"/>
+          </a:p>
+        </p:txBody>
+      </p:sp>
+      <p:sp>
+        <p:nvSpPr>
+          <p:cNvPr id="9" name="Rectangle 8">
+            <a:extLst>
+              <a:ext uri="{FF2B5EF4-FFF2-40B4-BE49-F238E27FC236}">
+                <a16:creationId xmlns:a16="http://schemas.microsoft.com/office/drawing/2014/main" id="{7338F7DA-1B7A-6B68-DC79-9E897569F12A}"/>
               </a:ext>
             </a:extLst>
           </p:cNvPr>
@@ -25580,12 +24433,13 @@
         </p:nvSpPr>
         <p:spPr>
           <a:xfrm>
-            <a:off x="2009775" y="3555999"/>
-            <a:ext cx="361950" cy="390525"/>
-          </a:xfrm>
-          <a:prstGeom prst="ellipse">
+            <a:off x="5492606" y="1304925"/>
+            <a:ext cx="1298719" cy="510659"/>
+          </a:xfrm>
+          <a:prstGeom prst="rect">
             <a:avLst/>
           </a:prstGeom>
+          <a:noFill/>
         </p:spPr>
         <p:style>
           <a:lnRef idx="2">
@@ -25614,10 +24468,45 @@
       </p:sp>
       <p:sp>
         <p:nvSpPr>
-          <p:cNvPr id="6" name="Oval 5">
-            <a:extLst>
-              <a:ext uri="{FF2B5EF4-FFF2-40B4-BE49-F238E27FC236}">
-                <a16:creationId xmlns:a16="http://schemas.microsoft.com/office/drawing/2014/main" id="{1E410281-34A4-EDFB-6C13-2279BCCF7354}"/>
+          <p:cNvPr id="10" name="TextBox 9">
+            <a:extLst>
+              <a:ext uri="{FF2B5EF4-FFF2-40B4-BE49-F238E27FC236}">
+                <a16:creationId xmlns:a16="http://schemas.microsoft.com/office/drawing/2014/main" id="{7AA5ECA9-551C-6138-5A8D-D8AFD52C247F}"/>
+              </a:ext>
+            </a:extLst>
+          </p:cNvPr>
+          <p:cNvSpPr txBox="1"/>
+          <p:nvPr/>
+        </p:nvSpPr>
+        <p:spPr>
+          <a:xfrm>
+            <a:off x="5492607" y="1378870"/>
+            <a:ext cx="1393900" cy="369332"/>
+          </a:xfrm>
+          <a:prstGeom prst="rect">
+            <a:avLst/>
+          </a:prstGeom>
+          <a:noFill/>
+        </p:spPr>
+        <p:txBody>
+          <a:bodyPr wrap="square" rtlCol="0">
+            <a:spAutoFit/>
+          </a:bodyPr>
+          <a:lstStyle/>
+          <a:p>
+            <a:r>
+              <a:rPr lang="en-US" dirty="0"/>
+              <a:t>user process</a:t>
+            </a:r>
+          </a:p>
+        </p:txBody>
+      </p:sp>
+      <p:sp>
+        <p:nvSpPr>
+          <p:cNvPr id="11" name="Rectangle 10">
+            <a:extLst>
+              <a:ext uri="{FF2B5EF4-FFF2-40B4-BE49-F238E27FC236}">
+                <a16:creationId xmlns:a16="http://schemas.microsoft.com/office/drawing/2014/main" id="{4A1DBED3-A943-B1DA-1453-9E6D694EC167}"/>
               </a:ext>
             </a:extLst>
           </p:cNvPr>
@@ -25626,12 +24515,13 @@
         </p:nvSpPr>
         <p:spPr>
           <a:xfrm>
-            <a:off x="2000250" y="4895855"/>
-            <a:ext cx="361950" cy="390525"/>
-          </a:xfrm>
-          <a:prstGeom prst="ellipse">
+            <a:off x="1828800" y="2945899"/>
+            <a:ext cx="942975" cy="509828"/>
+          </a:xfrm>
+          <a:prstGeom prst="rect">
             <a:avLst/>
           </a:prstGeom>
+          <a:noFill/>
         </p:spPr>
         <p:style>
           <a:lnRef idx="2">
@@ -25660,10 +24550,46 @@
       </p:sp>
       <p:sp>
         <p:nvSpPr>
-          <p:cNvPr id="7" name="Oval 6">
-            <a:extLst>
-              <a:ext uri="{FF2B5EF4-FFF2-40B4-BE49-F238E27FC236}">
-                <a16:creationId xmlns:a16="http://schemas.microsoft.com/office/drawing/2014/main" id="{15F28363-A2B6-E416-FDC3-16F97656FF42}"/>
+          <p:cNvPr id="12" name="TextBox 11">
+            <a:extLst>
+              <a:ext uri="{FF2B5EF4-FFF2-40B4-BE49-F238E27FC236}">
+                <a16:creationId xmlns:a16="http://schemas.microsoft.com/office/drawing/2014/main" id="{816BB130-A069-4BDB-A55B-48E7ABC30C32}"/>
+              </a:ext>
+            </a:extLst>
+          </p:cNvPr>
+          <p:cNvSpPr txBox="1"/>
+          <p:nvPr/>
+        </p:nvSpPr>
+        <p:spPr>
+          <a:xfrm>
+            <a:off x="1906495" y="3012574"/>
+            <a:ext cx="780170" cy="369332"/>
+          </a:xfrm>
+          <a:prstGeom prst="rect">
+            <a:avLst/>
+          </a:prstGeom>
+          <a:noFill/>
+        </p:spPr>
+        <p:txBody>
+          <a:bodyPr wrap="square" rtlCol="0">
+            <a:spAutoFit/>
+          </a:bodyPr>
+          <a:lstStyle/>
+          <a:p>
+            <a:r>
+              <a:rPr lang="en-US" dirty="0" err="1"/>
+              <a:t>mmap</a:t>
+            </a:r>
+            <a:endParaRPr lang="en-US" dirty="0"/>
+          </a:p>
+        </p:txBody>
+      </p:sp>
+      <p:sp>
+        <p:nvSpPr>
+          <p:cNvPr id="13" name="Rectangle 12">
+            <a:extLst>
+              <a:ext uri="{FF2B5EF4-FFF2-40B4-BE49-F238E27FC236}">
+                <a16:creationId xmlns:a16="http://schemas.microsoft.com/office/drawing/2014/main" id="{CCB2C353-0576-3DD9-B4C7-2C65F1CB82F8}"/>
               </a:ext>
             </a:extLst>
           </p:cNvPr>
@@ -25672,12 +24598,13 @@
         </p:nvSpPr>
         <p:spPr>
           <a:xfrm>
-            <a:off x="7324725" y="3555998"/>
-            <a:ext cx="361950" cy="390525"/>
-          </a:xfrm>
-          <a:prstGeom prst="ellipse">
+            <a:off x="7413231" y="2702888"/>
+            <a:ext cx="2576290" cy="595941"/>
+          </a:xfrm>
+          <a:prstGeom prst="rect">
             <a:avLst/>
           </a:prstGeom>
+          <a:noFill/>
         </p:spPr>
         <p:style>
           <a:lnRef idx="2">
@@ -25700,16 +24627,54 @@
           <a:lstStyle/>
           <a:p>
             <a:pPr algn="ctr"/>
-            <a:endParaRPr lang="en-US"/>
-          </a:p>
-        </p:txBody>
-      </p:sp>
-      <p:sp>
-        <p:nvSpPr>
-          <p:cNvPr id="8" name="Oval 7">
-            <a:extLst>
-              <a:ext uri="{FF2B5EF4-FFF2-40B4-BE49-F238E27FC236}">
-                <a16:creationId xmlns:a16="http://schemas.microsoft.com/office/drawing/2014/main" id="{17F994BD-F77C-FE72-17C4-6C61B617ECA2}"/>
+            <a:r>
+              <a:rPr lang="en-US" dirty="0"/>
+              <a:t>x</a:t>
+            </a:r>
+          </a:p>
+        </p:txBody>
+      </p:sp>
+      <p:sp>
+        <p:nvSpPr>
+          <p:cNvPr id="14" name="TextBox 13">
+            <a:extLst>
+              <a:ext uri="{FF2B5EF4-FFF2-40B4-BE49-F238E27FC236}">
+                <a16:creationId xmlns:a16="http://schemas.microsoft.com/office/drawing/2014/main" id="{1330C3D4-50F3-4969-3122-8B12CE803349}"/>
+              </a:ext>
+            </a:extLst>
+          </p:cNvPr>
+          <p:cNvSpPr txBox="1"/>
+          <p:nvPr/>
+        </p:nvSpPr>
+        <p:spPr>
+          <a:xfrm>
+            <a:off x="7488985" y="2825171"/>
+            <a:ext cx="2462436" cy="369332"/>
+          </a:xfrm>
+          <a:prstGeom prst="rect">
+            <a:avLst/>
+          </a:prstGeom>
+          <a:noFill/>
+        </p:spPr>
+        <p:txBody>
+          <a:bodyPr wrap="square" rtlCol="0">
+            <a:spAutoFit/>
+          </a:bodyPr>
+          <a:lstStyle/>
+          <a:p>
+            <a:r>
+              <a:rPr lang="en-US" dirty="0"/>
+              <a:t>Virtual File System (VFS)</a:t>
+            </a:r>
+          </a:p>
+        </p:txBody>
+      </p:sp>
+      <p:sp>
+        <p:nvSpPr>
+          <p:cNvPr id="15" name="Rectangle 14">
+            <a:extLst>
+              <a:ext uri="{FF2B5EF4-FFF2-40B4-BE49-F238E27FC236}">
+                <a16:creationId xmlns:a16="http://schemas.microsoft.com/office/drawing/2014/main" id="{7C3ADB81-68F2-216A-14D1-2A9E6138E495}"/>
               </a:ext>
             </a:extLst>
           </p:cNvPr>
@@ -25718,12 +24683,13 @@
         </p:nvSpPr>
         <p:spPr>
           <a:xfrm>
-            <a:off x="9067800" y="2305049"/>
-            <a:ext cx="361950" cy="390525"/>
-          </a:xfrm>
-          <a:prstGeom prst="ellipse">
+            <a:off x="3086100" y="2952750"/>
+            <a:ext cx="1433158" cy="509828"/>
+          </a:xfrm>
+          <a:prstGeom prst="rect">
             <a:avLst/>
           </a:prstGeom>
+          <a:noFill/>
         </p:spPr>
         <p:style>
           <a:lnRef idx="2">
@@ -25752,10 +24718,46 @@
       </p:sp>
       <p:sp>
         <p:nvSpPr>
-          <p:cNvPr id="9" name="Oval 8">
-            <a:extLst>
-              <a:ext uri="{FF2B5EF4-FFF2-40B4-BE49-F238E27FC236}">
-                <a16:creationId xmlns:a16="http://schemas.microsoft.com/office/drawing/2014/main" id="{A97C5065-5C26-2600-4EBB-4461425DF9FF}"/>
+          <p:cNvPr id="16" name="TextBox 15">
+            <a:extLst>
+              <a:ext uri="{FF2B5EF4-FFF2-40B4-BE49-F238E27FC236}">
+                <a16:creationId xmlns:a16="http://schemas.microsoft.com/office/drawing/2014/main" id="{01CBF8BD-4879-9273-95CD-08F7D1D48326}"/>
+              </a:ext>
+            </a:extLst>
+          </p:cNvPr>
+          <p:cNvSpPr txBox="1"/>
+          <p:nvPr/>
+        </p:nvSpPr>
+        <p:spPr>
+          <a:xfrm>
+            <a:off x="3190575" y="3003049"/>
+            <a:ext cx="1295700" cy="369332"/>
+          </a:xfrm>
+          <a:prstGeom prst="rect">
+            <a:avLst/>
+          </a:prstGeom>
+          <a:noFill/>
+        </p:spPr>
+        <p:txBody>
+          <a:bodyPr wrap="square" rtlCol="0">
+            <a:spAutoFit/>
+          </a:bodyPr>
+          <a:lstStyle/>
+          <a:p>
+            <a:r>
+              <a:rPr lang="en-US" dirty="0" err="1"/>
+              <a:t>mmap_lazy</a:t>
+            </a:r>
+            <a:endParaRPr lang="en-US" dirty="0"/>
+          </a:p>
+        </p:txBody>
+      </p:sp>
+      <p:sp>
+        <p:nvSpPr>
+          <p:cNvPr id="17" name="Rectangle 16">
+            <a:extLst>
+              <a:ext uri="{FF2B5EF4-FFF2-40B4-BE49-F238E27FC236}">
+                <a16:creationId xmlns:a16="http://schemas.microsoft.com/office/drawing/2014/main" id="{129368DE-4A8A-F2C1-C968-CE54B172F514}"/>
               </a:ext>
             </a:extLst>
           </p:cNvPr>
@@ -25764,12 +24766,13 @@
         </p:nvSpPr>
         <p:spPr>
           <a:xfrm>
-            <a:off x="9067800" y="3555999"/>
-            <a:ext cx="361950" cy="390525"/>
-          </a:xfrm>
-          <a:prstGeom prst="ellipse">
+            <a:off x="1473280" y="3692781"/>
+            <a:ext cx="3321759" cy="1180082"/>
+          </a:xfrm>
+          <a:prstGeom prst="rect">
             <a:avLst/>
           </a:prstGeom>
+          <a:noFill/>
         </p:spPr>
         <p:style>
           <a:lnRef idx="2">
@@ -25798,10 +24801,45 @@
       </p:sp>
       <p:sp>
         <p:nvSpPr>
-          <p:cNvPr id="10" name="Oval 9">
-            <a:extLst>
-              <a:ext uri="{FF2B5EF4-FFF2-40B4-BE49-F238E27FC236}">
-                <a16:creationId xmlns:a16="http://schemas.microsoft.com/office/drawing/2014/main" id="{155F3550-A1F4-CDD8-4C53-6D96D6A3EB87}"/>
+          <p:cNvPr id="18" name="TextBox 17">
+            <a:extLst>
+              <a:ext uri="{FF2B5EF4-FFF2-40B4-BE49-F238E27FC236}">
+                <a16:creationId xmlns:a16="http://schemas.microsoft.com/office/drawing/2014/main" id="{EC4FB180-8F97-A0A7-8E0F-4A3B838DBEA5}"/>
+              </a:ext>
+            </a:extLst>
+          </p:cNvPr>
+          <p:cNvSpPr txBox="1"/>
+          <p:nvPr/>
+        </p:nvSpPr>
+        <p:spPr>
+          <a:xfrm>
+            <a:off x="1510935" y="3826127"/>
+            <a:ext cx="3284104" cy="369332"/>
+          </a:xfrm>
+          <a:prstGeom prst="rect">
+            <a:avLst/>
+          </a:prstGeom>
+          <a:noFill/>
+        </p:spPr>
+        <p:txBody>
+          <a:bodyPr wrap="none" rtlCol="0">
+            <a:spAutoFit/>
+          </a:bodyPr>
+          <a:lstStyle/>
+          <a:p>
+            <a:r>
+              <a:rPr lang="en-US" dirty="0"/>
+              <a:t>Virtual Memory Manager (VMM)</a:t>
+            </a:r>
+          </a:p>
+        </p:txBody>
+      </p:sp>
+      <p:sp>
+        <p:nvSpPr>
+          <p:cNvPr id="21" name="Rectangle 20">
+            <a:extLst>
+              <a:ext uri="{FF2B5EF4-FFF2-40B4-BE49-F238E27FC236}">
+                <a16:creationId xmlns:a16="http://schemas.microsoft.com/office/drawing/2014/main" id="{0D4085BB-3185-8F9D-CA0E-47FBC6C342BE}"/>
               </a:ext>
             </a:extLst>
           </p:cNvPr>
@@ -25810,12 +24848,13 @@
         </p:nvSpPr>
         <p:spPr>
           <a:xfrm>
-            <a:off x="9067800" y="4895855"/>
-            <a:ext cx="361950" cy="390525"/>
-          </a:xfrm>
-          <a:prstGeom prst="ellipse">
+            <a:off x="7413231" y="3647741"/>
+            <a:ext cx="890365" cy="426482"/>
+          </a:xfrm>
+          <a:prstGeom prst="rect">
             <a:avLst/>
           </a:prstGeom>
+          <a:noFill/>
         </p:spPr>
         <p:style>
           <a:lnRef idx="2">
@@ -25842,10 +24881,789 @@
           </a:p>
         </p:txBody>
       </p:sp>
+      <p:sp>
+        <p:nvSpPr>
+          <p:cNvPr id="22" name="TextBox 21">
+            <a:extLst>
+              <a:ext uri="{FF2B5EF4-FFF2-40B4-BE49-F238E27FC236}">
+                <a16:creationId xmlns:a16="http://schemas.microsoft.com/office/drawing/2014/main" id="{227AC275-B1C1-76A7-9165-9BD395400B7A}"/>
+              </a:ext>
+            </a:extLst>
+          </p:cNvPr>
+          <p:cNvSpPr txBox="1"/>
+          <p:nvPr/>
+        </p:nvSpPr>
+        <p:spPr>
+          <a:xfrm>
+            <a:off x="7516248" y="3682150"/>
+            <a:ext cx="656779" cy="369332"/>
+          </a:xfrm>
+          <a:prstGeom prst="rect">
+            <a:avLst/>
+          </a:prstGeom>
+          <a:noFill/>
+        </p:spPr>
+        <p:txBody>
+          <a:bodyPr wrap="square" rtlCol="0">
+            <a:spAutoFit/>
+          </a:bodyPr>
+          <a:lstStyle/>
+          <a:p>
+            <a:r>
+              <a:rPr lang="en-US" dirty="0"/>
+              <a:t>ext2</a:t>
+            </a:r>
+          </a:p>
+        </p:txBody>
+      </p:sp>
+      <p:sp>
+        <p:nvSpPr>
+          <p:cNvPr id="23" name="Rectangle 22">
+            <a:extLst>
+              <a:ext uri="{FF2B5EF4-FFF2-40B4-BE49-F238E27FC236}">
+                <a16:creationId xmlns:a16="http://schemas.microsoft.com/office/drawing/2014/main" id="{5D06259C-8EB2-D00C-5607-2F2E9B1CC6C5}"/>
+              </a:ext>
+            </a:extLst>
+          </p:cNvPr>
+          <p:cNvSpPr/>
+          <p:nvPr/>
+        </p:nvSpPr>
+        <p:spPr>
+          <a:xfrm>
+            <a:off x="8998921" y="3647741"/>
+            <a:ext cx="1041197" cy="438150"/>
+          </a:xfrm>
+          <a:prstGeom prst="rect">
+            <a:avLst/>
+          </a:prstGeom>
+          <a:noFill/>
+        </p:spPr>
+        <p:style>
+          <a:lnRef idx="2">
+            <a:schemeClr val="accent1">
+              <a:shade val="15000"/>
+            </a:schemeClr>
+          </a:lnRef>
+          <a:fillRef idx="1">
+            <a:schemeClr val="accent1"/>
+          </a:fillRef>
+          <a:effectRef idx="0">
+            <a:schemeClr val="accent1"/>
+          </a:effectRef>
+          <a:fontRef idx="minor">
+            <a:schemeClr val="lt1"/>
+          </a:fontRef>
+        </p:style>
+        <p:txBody>
+          <a:bodyPr rtlCol="0" anchor="ctr"/>
+          <a:lstStyle/>
+          <a:p>
+            <a:pPr algn="ctr"/>
+            <a:endParaRPr lang="en-US"/>
+          </a:p>
+        </p:txBody>
+      </p:sp>
+      <p:sp>
+        <p:nvSpPr>
+          <p:cNvPr id="24" name="TextBox 23">
+            <a:extLst>
+              <a:ext uri="{FF2B5EF4-FFF2-40B4-BE49-F238E27FC236}">
+                <a16:creationId xmlns:a16="http://schemas.microsoft.com/office/drawing/2014/main" id="{50F04E11-D16F-A25E-4F8D-34AA20A9ABB4}"/>
+              </a:ext>
+            </a:extLst>
+          </p:cNvPr>
+          <p:cNvSpPr txBox="1"/>
+          <p:nvPr/>
+        </p:nvSpPr>
+        <p:spPr>
+          <a:xfrm>
+            <a:off x="9053290" y="3695366"/>
+            <a:ext cx="986828" cy="369332"/>
+          </a:xfrm>
+          <a:prstGeom prst="rect">
+            <a:avLst/>
+          </a:prstGeom>
+          <a:noFill/>
+        </p:spPr>
+        <p:txBody>
+          <a:bodyPr wrap="square" rtlCol="0">
+            <a:spAutoFit/>
+          </a:bodyPr>
+          <a:lstStyle/>
+          <a:p>
+            <a:r>
+              <a:rPr lang="en-US" dirty="0" err="1"/>
+              <a:t>mem_fs</a:t>
+            </a:r>
+            <a:endParaRPr lang="en-US" dirty="0"/>
+          </a:p>
+        </p:txBody>
+      </p:sp>
+      <p:sp>
+        <p:nvSpPr>
+          <p:cNvPr id="25" name="Rectangle 24">
+            <a:extLst>
+              <a:ext uri="{FF2B5EF4-FFF2-40B4-BE49-F238E27FC236}">
+                <a16:creationId xmlns:a16="http://schemas.microsoft.com/office/drawing/2014/main" id="{88F15FBE-2671-C06D-9CFD-0738FFF0E1BA}"/>
+              </a:ext>
+            </a:extLst>
+          </p:cNvPr>
+          <p:cNvSpPr/>
+          <p:nvPr/>
+        </p:nvSpPr>
+        <p:spPr>
+          <a:xfrm>
+            <a:off x="7912227" y="4281188"/>
+            <a:ext cx="1278930" cy="510658"/>
+          </a:xfrm>
+          <a:prstGeom prst="rect">
+            <a:avLst/>
+          </a:prstGeom>
+          <a:noFill/>
+        </p:spPr>
+        <p:style>
+          <a:lnRef idx="2">
+            <a:schemeClr val="accent1">
+              <a:shade val="15000"/>
+            </a:schemeClr>
+          </a:lnRef>
+          <a:fillRef idx="1">
+            <a:schemeClr val="accent1"/>
+          </a:fillRef>
+          <a:effectRef idx="0">
+            <a:schemeClr val="accent1"/>
+          </a:effectRef>
+          <a:fontRef idx="minor">
+            <a:schemeClr val="lt1"/>
+          </a:fontRef>
+        </p:style>
+        <p:txBody>
+          <a:bodyPr rtlCol="0" anchor="ctr"/>
+          <a:lstStyle/>
+          <a:p>
+            <a:pPr algn="ctr"/>
+            <a:endParaRPr lang="en-US"/>
+          </a:p>
+        </p:txBody>
+      </p:sp>
+      <p:sp>
+        <p:nvSpPr>
+          <p:cNvPr id="26" name="TextBox 25">
+            <a:extLst>
+              <a:ext uri="{FF2B5EF4-FFF2-40B4-BE49-F238E27FC236}">
+                <a16:creationId xmlns:a16="http://schemas.microsoft.com/office/drawing/2014/main" id="{5CAA5E83-9C11-13D8-3E6B-B3336CBF0115}"/>
+              </a:ext>
+            </a:extLst>
+          </p:cNvPr>
+          <p:cNvSpPr txBox="1"/>
+          <p:nvPr/>
+        </p:nvSpPr>
+        <p:spPr>
+          <a:xfrm>
+            <a:off x="7969957" y="4345243"/>
+            <a:ext cx="1233992" cy="369332"/>
+          </a:xfrm>
+          <a:prstGeom prst="rect">
+            <a:avLst/>
+          </a:prstGeom>
+          <a:noFill/>
+        </p:spPr>
+        <p:txBody>
+          <a:bodyPr wrap="square" rtlCol="0">
+            <a:spAutoFit/>
+          </a:bodyPr>
+          <a:lstStyle/>
+          <a:p>
+            <a:r>
+              <a:rPr lang="en-US" dirty="0"/>
+              <a:t>page cache</a:t>
+            </a:r>
+          </a:p>
+        </p:txBody>
+      </p:sp>
+      <p:sp>
+        <p:nvSpPr>
+          <p:cNvPr id="27" name="Rectangle 26">
+            <a:extLst>
+              <a:ext uri="{FF2B5EF4-FFF2-40B4-BE49-F238E27FC236}">
+                <a16:creationId xmlns:a16="http://schemas.microsoft.com/office/drawing/2014/main" id="{F30A0FCC-8D6C-FFF9-86AF-98C39BB64915}"/>
+              </a:ext>
+            </a:extLst>
+          </p:cNvPr>
+          <p:cNvSpPr/>
+          <p:nvPr/>
+        </p:nvSpPr>
+        <p:spPr>
+          <a:xfrm>
+            <a:off x="3433985" y="4281188"/>
+            <a:ext cx="1278930" cy="510658"/>
+          </a:xfrm>
+          <a:prstGeom prst="rect">
+            <a:avLst/>
+          </a:prstGeom>
+          <a:noFill/>
+        </p:spPr>
+        <p:style>
+          <a:lnRef idx="2">
+            <a:schemeClr val="accent1">
+              <a:shade val="15000"/>
+            </a:schemeClr>
+          </a:lnRef>
+          <a:fillRef idx="1">
+            <a:schemeClr val="accent1"/>
+          </a:fillRef>
+          <a:effectRef idx="0">
+            <a:schemeClr val="accent1"/>
+          </a:effectRef>
+          <a:fontRef idx="minor">
+            <a:schemeClr val="lt1"/>
+          </a:fontRef>
+        </p:style>
+        <p:txBody>
+          <a:bodyPr rtlCol="0" anchor="ctr"/>
+          <a:lstStyle/>
+          <a:p>
+            <a:pPr algn="ctr"/>
+            <a:endParaRPr lang="en-US"/>
+          </a:p>
+        </p:txBody>
+      </p:sp>
+      <p:sp>
+        <p:nvSpPr>
+          <p:cNvPr id="28" name="TextBox 27">
+            <a:extLst>
+              <a:ext uri="{FF2B5EF4-FFF2-40B4-BE49-F238E27FC236}">
+                <a16:creationId xmlns:a16="http://schemas.microsoft.com/office/drawing/2014/main" id="{4CF4D862-1F76-F872-FD71-D929F88D77A5}"/>
+              </a:ext>
+            </a:extLst>
+          </p:cNvPr>
+          <p:cNvSpPr txBox="1"/>
+          <p:nvPr/>
+        </p:nvSpPr>
+        <p:spPr>
+          <a:xfrm>
+            <a:off x="3462114" y="4345243"/>
+            <a:ext cx="1113446" cy="369332"/>
+          </a:xfrm>
+          <a:prstGeom prst="rect">
+            <a:avLst/>
+          </a:prstGeom>
+          <a:noFill/>
+        </p:spPr>
+        <p:txBody>
+          <a:bodyPr wrap="none" rtlCol="0">
+            <a:spAutoFit/>
+          </a:bodyPr>
+          <a:lstStyle/>
+          <a:p>
+            <a:r>
+              <a:rPr lang="en-US" dirty="0" err="1"/>
+              <a:t>vmm_flist</a:t>
+            </a:r>
+            <a:endParaRPr lang="en-US" dirty="0"/>
+          </a:p>
+        </p:txBody>
+      </p:sp>
+      <p:sp>
+        <p:nvSpPr>
+          <p:cNvPr id="29" name="Rectangle 28">
+            <a:extLst>
+              <a:ext uri="{FF2B5EF4-FFF2-40B4-BE49-F238E27FC236}">
+                <a16:creationId xmlns:a16="http://schemas.microsoft.com/office/drawing/2014/main" id="{257326AC-A5B3-2735-4E4F-41925B56871E}"/>
+              </a:ext>
+            </a:extLst>
+          </p:cNvPr>
+          <p:cNvSpPr/>
+          <p:nvPr/>
+        </p:nvSpPr>
+        <p:spPr>
+          <a:xfrm>
+            <a:off x="5419210" y="5026317"/>
+            <a:ext cx="1829822" cy="510658"/>
+          </a:xfrm>
+          <a:prstGeom prst="rect">
+            <a:avLst/>
+          </a:prstGeom>
+          <a:noFill/>
+        </p:spPr>
+        <p:style>
+          <a:lnRef idx="2">
+            <a:schemeClr val="accent1">
+              <a:shade val="15000"/>
+            </a:schemeClr>
+          </a:lnRef>
+          <a:fillRef idx="1">
+            <a:schemeClr val="accent1"/>
+          </a:fillRef>
+          <a:effectRef idx="0">
+            <a:schemeClr val="accent1"/>
+          </a:effectRef>
+          <a:fontRef idx="minor">
+            <a:schemeClr val="lt1"/>
+          </a:fontRef>
+        </p:style>
+        <p:txBody>
+          <a:bodyPr rtlCol="0" anchor="ctr"/>
+          <a:lstStyle/>
+          <a:p>
+            <a:pPr algn="ctr"/>
+            <a:endParaRPr lang="en-US"/>
+          </a:p>
+        </p:txBody>
+      </p:sp>
+      <p:sp>
+        <p:nvSpPr>
+          <p:cNvPr id="30" name="Rectangle 29">
+            <a:extLst>
+              <a:ext uri="{FF2B5EF4-FFF2-40B4-BE49-F238E27FC236}">
+                <a16:creationId xmlns:a16="http://schemas.microsoft.com/office/drawing/2014/main" id="{BE8B3002-C467-288E-D27B-4475521E14CE}"/>
+              </a:ext>
+            </a:extLst>
+          </p:cNvPr>
+          <p:cNvSpPr/>
+          <p:nvPr/>
+        </p:nvSpPr>
+        <p:spPr>
+          <a:xfrm>
+            <a:off x="7308023" y="5602910"/>
+            <a:ext cx="1883134" cy="510658"/>
+          </a:xfrm>
+          <a:prstGeom prst="rect">
+            <a:avLst/>
+          </a:prstGeom>
+          <a:noFill/>
+        </p:spPr>
+        <p:style>
+          <a:lnRef idx="2">
+            <a:schemeClr val="accent1">
+              <a:shade val="15000"/>
+            </a:schemeClr>
+          </a:lnRef>
+          <a:fillRef idx="1">
+            <a:schemeClr val="accent1"/>
+          </a:fillRef>
+          <a:effectRef idx="0">
+            <a:schemeClr val="accent1"/>
+          </a:effectRef>
+          <a:fontRef idx="minor">
+            <a:schemeClr val="lt1"/>
+          </a:fontRef>
+        </p:style>
+        <p:txBody>
+          <a:bodyPr rtlCol="0" anchor="ctr"/>
+          <a:lstStyle/>
+          <a:p>
+            <a:pPr algn="ctr"/>
+            <a:endParaRPr lang="en-US"/>
+          </a:p>
+        </p:txBody>
+      </p:sp>
+      <p:sp>
+        <p:nvSpPr>
+          <p:cNvPr id="31" name="Rectangle 30">
+            <a:extLst>
+              <a:ext uri="{FF2B5EF4-FFF2-40B4-BE49-F238E27FC236}">
+                <a16:creationId xmlns:a16="http://schemas.microsoft.com/office/drawing/2014/main" id="{1CDC9832-B1F9-A4C3-E56D-17037F14E766}"/>
+              </a:ext>
+            </a:extLst>
+          </p:cNvPr>
+          <p:cNvSpPr/>
+          <p:nvPr/>
+        </p:nvSpPr>
+        <p:spPr>
+          <a:xfrm>
+            <a:off x="3433985" y="5600730"/>
+            <a:ext cx="2058621" cy="510658"/>
+          </a:xfrm>
+          <a:prstGeom prst="rect">
+            <a:avLst/>
+          </a:prstGeom>
+          <a:noFill/>
+        </p:spPr>
+        <p:style>
+          <a:lnRef idx="2">
+            <a:schemeClr val="accent1">
+              <a:shade val="15000"/>
+            </a:schemeClr>
+          </a:lnRef>
+          <a:fillRef idx="1">
+            <a:schemeClr val="accent1"/>
+          </a:fillRef>
+          <a:effectRef idx="0">
+            <a:schemeClr val="accent1"/>
+          </a:effectRef>
+          <a:fontRef idx="minor">
+            <a:schemeClr val="lt1"/>
+          </a:fontRef>
+        </p:style>
+        <p:txBody>
+          <a:bodyPr rtlCol="0" anchor="ctr"/>
+          <a:lstStyle/>
+          <a:p>
+            <a:pPr algn="ctr"/>
+            <a:endParaRPr lang="en-US"/>
+          </a:p>
+        </p:txBody>
+      </p:sp>
+      <p:sp>
+        <p:nvSpPr>
+          <p:cNvPr id="32" name="Rectangle 31">
+            <a:extLst>
+              <a:ext uri="{FF2B5EF4-FFF2-40B4-BE49-F238E27FC236}">
+                <a16:creationId xmlns:a16="http://schemas.microsoft.com/office/drawing/2014/main" id="{FF0B7269-9346-01AB-A83D-CD53A433B5F7}"/>
+              </a:ext>
+            </a:extLst>
+          </p:cNvPr>
+          <p:cNvSpPr/>
+          <p:nvPr/>
+        </p:nvSpPr>
+        <p:spPr>
+          <a:xfrm>
+            <a:off x="7719991" y="6247820"/>
+            <a:ext cx="1593872" cy="510658"/>
+          </a:xfrm>
+          <a:prstGeom prst="rect">
+            <a:avLst/>
+          </a:prstGeom>
+          <a:noFill/>
+        </p:spPr>
+        <p:style>
+          <a:lnRef idx="2">
+            <a:schemeClr val="accent1">
+              <a:shade val="15000"/>
+            </a:schemeClr>
+          </a:lnRef>
+          <a:fillRef idx="1">
+            <a:schemeClr val="accent1"/>
+          </a:fillRef>
+          <a:effectRef idx="0">
+            <a:schemeClr val="accent1"/>
+          </a:effectRef>
+          <a:fontRef idx="minor">
+            <a:schemeClr val="lt1"/>
+          </a:fontRef>
+        </p:style>
+        <p:txBody>
+          <a:bodyPr rtlCol="0" anchor="ctr"/>
+          <a:lstStyle/>
+          <a:p>
+            <a:pPr algn="ctr"/>
+            <a:endParaRPr lang="en-US"/>
+          </a:p>
+        </p:txBody>
+      </p:sp>
+      <p:sp>
+        <p:nvSpPr>
+          <p:cNvPr id="33" name="Rectangle 32">
+            <a:extLst>
+              <a:ext uri="{FF2B5EF4-FFF2-40B4-BE49-F238E27FC236}">
+                <a16:creationId xmlns:a16="http://schemas.microsoft.com/office/drawing/2014/main" id="{43A9696B-A148-E9AA-11B7-7E481EAC5F53}"/>
+              </a:ext>
+            </a:extLst>
+          </p:cNvPr>
+          <p:cNvSpPr/>
+          <p:nvPr/>
+        </p:nvSpPr>
+        <p:spPr>
+          <a:xfrm>
+            <a:off x="3590925" y="6247820"/>
+            <a:ext cx="1901681" cy="510658"/>
+          </a:xfrm>
+          <a:prstGeom prst="rect">
+            <a:avLst/>
+          </a:prstGeom>
+          <a:noFill/>
+        </p:spPr>
+        <p:style>
+          <a:lnRef idx="2">
+            <a:schemeClr val="accent1">
+              <a:shade val="15000"/>
+            </a:schemeClr>
+          </a:lnRef>
+          <a:fillRef idx="1">
+            <a:schemeClr val="accent1"/>
+          </a:fillRef>
+          <a:effectRef idx="0">
+            <a:schemeClr val="accent1"/>
+          </a:effectRef>
+          <a:fontRef idx="minor">
+            <a:schemeClr val="lt1"/>
+          </a:fontRef>
+        </p:style>
+        <p:txBody>
+          <a:bodyPr rtlCol="0" anchor="ctr"/>
+          <a:lstStyle/>
+          <a:p>
+            <a:pPr algn="ctr"/>
+            <a:endParaRPr lang="en-US"/>
+          </a:p>
+        </p:txBody>
+      </p:sp>
+      <p:sp>
+        <p:nvSpPr>
+          <p:cNvPr id="34" name="TextBox 33">
+            <a:extLst>
+              <a:ext uri="{FF2B5EF4-FFF2-40B4-BE49-F238E27FC236}">
+                <a16:creationId xmlns:a16="http://schemas.microsoft.com/office/drawing/2014/main" id="{D7C2E1D9-FCE6-5B12-ED86-C05A8048B475}"/>
+              </a:ext>
+            </a:extLst>
+          </p:cNvPr>
+          <p:cNvSpPr txBox="1"/>
+          <p:nvPr/>
+        </p:nvSpPr>
+        <p:spPr>
+          <a:xfrm>
+            <a:off x="5503996" y="5096980"/>
+            <a:ext cx="1699169" cy="369332"/>
+          </a:xfrm>
+          <a:prstGeom prst="rect">
+            <a:avLst/>
+          </a:prstGeom>
+          <a:noFill/>
+        </p:spPr>
+        <p:txBody>
+          <a:bodyPr wrap="square" rtlCol="0">
+            <a:spAutoFit/>
+          </a:bodyPr>
+          <a:lstStyle/>
+          <a:p>
+            <a:r>
+              <a:rPr lang="en-US" dirty="0"/>
+              <a:t>Device drivers</a:t>
+            </a:r>
+          </a:p>
+        </p:txBody>
+      </p:sp>
+      <p:sp>
+        <p:nvSpPr>
+          <p:cNvPr id="35" name="TextBox 34">
+            <a:extLst>
+              <a:ext uri="{FF2B5EF4-FFF2-40B4-BE49-F238E27FC236}">
+                <a16:creationId xmlns:a16="http://schemas.microsoft.com/office/drawing/2014/main" id="{D0BF98F3-856E-F254-105C-E3ADC46BBA01}"/>
+              </a:ext>
+            </a:extLst>
+          </p:cNvPr>
+          <p:cNvSpPr txBox="1"/>
+          <p:nvPr/>
+        </p:nvSpPr>
+        <p:spPr>
+          <a:xfrm>
+            <a:off x="3810000" y="6318483"/>
+            <a:ext cx="1609211" cy="369332"/>
+          </a:xfrm>
+          <a:prstGeom prst="rect">
+            <a:avLst/>
+          </a:prstGeom>
+          <a:noFill/>
+        </p:spPr>
+        <p:txBody>
+          <a:bodyPr wrap="square" rtlCol="0">
+            <a:spAutoFit/>
+          </a:bodyPr>
+          <a:lstStyle/>
+          <a:p>
+            <a:r>
+              <a:rPr lang="en-US" dirty="0" err="1"/>
+              <a:t>hw_memory</a:t>
+            </a:r>
+            <a:endParaRPr lang="en-US" dirty="0"/>
+          </a:p>
+        </p:txBody>
+      </p:sp>
+      <p:sp>
+        <p:nvSpPr>
+          <p:cNvPr id="36" name="TextBox 35">
+            <a:extLst>
+              <a:ext uri="{FF2B5EF4-FFF2-40B4-BE49-F238E27FC236}">
+                <a16:creationId xmlns:a16="http://schemas.microsoft.com/office/drawing/2014/main" id="{CCE846E0-B23B-EDB9-CCFB-9913AD1DA1C7}"/>
+              </a:ext>
+            </a:extLst>
+          </p:cNvPr>
+          <p:cNvSpPr txBox="1"/>
+          <p:nvPr/>
+        </p:nvSpPr>
+        <p:spPr>
+          <a:xfrm>
+            <a:off x="8050093" y="6318483"/>
+            <a:ext cx="1003198" cy="369332"/>
+          </a:xfrm>
+          <a:prstGeom prst="rect">
+            <a:avLst/>
+          </a:prstGeom>
+          <a:noFill/>
+        </p:spPr>
+        <p:txBody>
+          <a:bodyPr wrap="square" rtlCol="0">
+            <a:spAutoFit/>
+          </a:bodyPr>
+          <a:lstStyle/>
+          <a:p>
+            <a:r>
+              <a:rPr lang="en-US" dirty="0" err="1"/>
+              <a:t>hw_disk</a:t>
+            </a:r>
+            <a:endParaRPr lang="en-US" dirty="0"/>
+          </a:p>
+        </p:txBody>
+      </p:sp>
+      <p:sp>
+        <p:nvSpPr>
+          <p:cNvPr id="37" name="TextBox 36">
+            <a:extLst>
+              <a:ext uri="{FF2B5EF4-FFF2-40B4-BE49-F238E27FC236}">
+                <a16:creationId xmlns:a16="http://schemas.microsoft.com/office/drawing/2014/main" id="{B4FC284F-F727-32A8-FF1E-4E37883B495A}"/>
+              </a:ext>
+            </a:extLst>
+          </p:cNvPr>
+          <p:cNvSpPr txBox="1"/>
+          <p:nvPr/>
+        </p:nvSpPr>
+        <p:spPr>
+          <a:xfrm>
+            <a:off x="3521728" y="5671393"/>
+            <a:ext cx="1883133" cy="369332"/>
+          </a:xfrm>
+          <a:prstGeom prst="rect">
+            <a:avLst/>
+          </a:prstGeom>
+          <a:noFill/>
+        </p:spPr>
+        <p:txBody>
+          <a:bodyPr wrap="square" rtlCol="0">
+            <a:spAutoFit/>
+          </a:bodyPr>
+          <a:lstStyle/>
+          <a:p>
+            <a:r>
+              <a:rPr lang="en-US" dirty="0" err="1"/>
+              <a:t>mem_disk_driver</a:t>
+            </a:r>
+            <a:endParaRPr lang="en-US" dirty="0"/>
+          </a:p>
+        </p:txBody>
+      </p:sp>
+      <p:sp>
+        <p:nvSpPr>
+          <p:cNvPr id="38" name="Rectangle 37">
+            <a:extLst>
+              <a:ext uri="{FF2B5EF4-FFF2-40B4-BE49-F238E27FC236}">
+                <a16:creationId xmlns:a16="http://schemas.microsoft.com/office/drawing/2014/main" id="{2D1D870A-4D2E-3D56-18AD-1DB1E2D68BB1}"/>
+              </a:ext>
+            </a:extLst>
+          </p:cNvPr>
+          <p:cNvSpPr/>
+          <p:nvPr/>
+        </p:nvSpPr>
+        <p:spPr>
+          <a:xfrm>
+            <a:off x="5614567" y="6226920"/>
+            <a:ext cx="1901681" cy="510658"/>
+          </a:xfrm>
+          <a:prstGeom prst="rect">
+            <a:avLst/>
+          </a:prstGeom>
+          <a:noFill/>
+        </p:spPr>
+        <p:style>
+          <a:lnRef idx="2">
+            <a:schemeClr val="accent1">
+              <a:shade val="15000"/>
+            </a:schemeClr>
+          </a:lnRef>
+          <a:fillRef idx="1">
+            <a:schemeClr val="accent1"/>
+          </a:fillRef>
+          <a:effectRef idx="0">
+            <a:schemeClr val="accent1"/>
+          </a:effectRef>
+          <a:fontRef idx="minor">
+            <a:schemeClr val="lt1"/>
+          </a:fontRef>
+        </p:style>
+        <p:txBody>
+          <a:bodyPr rtlCol="0" anchor="ctr"/>
+          <a:lstStyle/>
+          <a:p>
+            <a:pPr algn="ctr"/>
+            <a:endParaRPr lang="en-US"/>
+          </a:p>
+        </p:txBody>
+      </p:sp>
+      <p:sp>
+        <p:nvSpPr>
+          <p:cNvPr id="39" name="TextBox 38">
+            <a:extLst>
+              <a:ext uri="{FF2B5EF4-FFF2-40B4-BE49-F238E27FC236}">
+                <a16:creationId xmlns:a16="http://schemas.microsoft.com/office/drawing/2014/main" id="{A0771301-E0C2-2F61-F19A-22112184FA3D}"/>
+              </a:ext>
+            </a:extLst>
+          </p:cNvPr>
+          <p:cNvSpPr txBox="1"/>
+          <p:nvPr/>
+        </p:nvSpPr>
+        <p:spPr>
+          <a:xfrm>
+            <a:off x="5801486" y="6308209"/>
+            <a:ext cx="1391599" cy="369332"/>
+          </a:xfrm>
+          <a:prstGeom prst="rect">
+            <a:avLst/>
+          </a:prstGeom>
+          <a:noFill/>
+        </p:spPr>
+        <p:txBody>
+          <a:bodyPr wrap="none" rtlCol="0">
+            <a:spAutoFit/>
+          </a:bodyPr>
+          <a:lstStyle/>
+          <a:p>
+            <a:r>
+              <a:rPr lang="en-US" dirty="0" err="1"/>
+              <a:t>Hw_network</a:t>
+            </a:r>
+            <a:endParaRPr lang="en-US" dirty="0"/>
+          </a:p>
+        </p:txBody>
+      </p:sp>
+      <p:sp>
+        <p:nvSpPr>
+          <p:cNvPr id="40" name="TextBox 39">
+            <a:extLst>
+              <a:ext uri="{FF2B5EF4-FFF2-40B4-BE49-F238E27FC236}">
+                <a16:creationId xmlns:a16="http://schemas.microsoft.com/office/drawing/2014/main" id="{1A8C2447-4861-B1F9-CC7F-E5E1E6BE7573}"/>
+              </a:ext>
+            </a:extLst>
+          </p:cNvPr>
+          <p:cNvSpPr txBox="1"/>
+          <p:nvPr/>
+        </p:nvSpPr>
+        <p:spPr>
+          <a:xfrm>
+            <a:off x="7379143" y="5671393"/>
+            <a:ext cx="1753277" cy="369332"/>
+          </a:xfrm>
+          <a:prstGeom prst="rect">
+            <a:avLst/>
+          </a:prstGeom>
+          <a:noFill/>
+        </p:spPr>
+        <p:txBody>
+          <a:bodyPr wrap="square" rtlCol="0">
+            <a:spAutoFit/>
+          </a:bodyPr>
+          <a:lstStyle/>
+          <a:p>
+            <a:r>
+              <a:rPr lang="en-US" dirty="0"/>
+              <a:t>block disk driver </a:t>
+            </a:r>
+          </a:p>
+        </p:txBody>
+      </p:sp>
     </p:spTree>
     <p:extLst>
       <p:ext uri="{BB962C8B-B14F-4D97-AF65-F5344CB8AC3E}">
-        <p14:creationId xmlns:p14="http://schemas.microsoft.com/office/powerpoint/2010/main" val="1389587112"/>
+        <p14:creationId xmlns:p14="http://schemas.microsoft.com/office/powerpoint/2010/main" val="866808073"/>
       </p:ext>
     </p:extLst>
   </p:cSld>
@@ -25874,10 +25692,35 @@
       </p:grpSpPr>
       <p:sp>
         <p:nvSpPr>
+          <p:cNvPr id="2" name="Title 1">
+            <a:extLst>
+              <a:ext uri="{FF2B5EF4-FFF2-40B4-BE49-F238E27FC236}">
+                <a16:creationId xmlns:a16="http://schemas.microsoft.com/office/drawing/2014/main" id="{17A6D691-BDDA-5E13-0C8A-1D78CEDE0074}"/>
+              </a:ext>
+            </a:extLst>
+          </p:cNvPr>
+          <p:cNvSpPr>
+            <a:spLocks noGrp="1"/>
+          </p:cNvSpPr>
+          <p:nvPr>
+            <p:ph type="title"/>
+          </p:nvPr>
+        </p:nvSpPr>
+        <p:spPr/>
+        <p:txBody>
+          <a:bodyPr/>
+          <a:lstStyle/>
+          <a:p>
+            <a:endParaRPr lang="en-US" dirty="0"/>
+          </a:p>
+        </p:txBody>
+      </p:sp>
+      <p:sp>
+        <p:nvSpPr>
           <p:cNvPr id="3" name="Content Placeholder 2">
             <a:extLst>
               <a:ext uri="{FF2B5EF4-FFF2-40B4-BE49-F238E27FC236}">
-                <a16:creationId xmlns:a16="http://schemas.microsoft.com/office/drawing/2014/main" id="{BFF2B646-AA21-3492-C127-C5076839C905}"/>
+                <a16:creationId xmlns:a16="http://schemas.microsoft.com/office/drawing/2014/main" id="{23C01DBE-CCE9-68C7-7A81-749C37BD7775}"/>
               </a:ext>
             </a:extLst>
           </p:cNvPr>
@@ -25888,77 +25731,341 @@
             <p:ph idx="1"/>
           </p:nvPr>
         </p:nvSpPr>
+        <p:spPr/>
+        <p:txBody>
+          <a:bodyPr/>
+          <a:lstStyle/>
+          <a:p>
+            <a:endParaRPr lang="en-US" dirty="0"/>
+          </a:p>
+        </p:txBody>
+      </p:sp>
+      <p:sp>
+        <p:nvSpPr>
+          <p:cNvPr id="4" name="Oval 3">
+            <a:extLst>
+              <a:ext uri="{FF2B5EF4-FFF2-40B4-BE49-F238E27FC236}">
+                <a16:creationId xmlns:a16="http://schemas.microsoft.com/office/drawing/2014/main" id="{E6B8F967-2106-1D18-92BD-E8E5404924A2}"/>
+              </a:ext>
+            </a:extLst>
+          </p:cNvPr>
+          <p:cNvSpPr/>
+          <p:nvPr/>
+        </p:nvSpPr>
         <p:spPr>
           <a:xfrm>
-            <a:off x="76201" y="1825625"/>
-            <a:ext cx="12049124" cy="4351338"/>
-          </a:xfrm>
-        </p:spPr>
-        <p:txBody>
-          <a:bodyPr/>
-          <a:lstStyle/>
-          <a:p>
-            <a:pPr marL="0" indent="0">
-              <a:buNone/>
-            </a:pPr>
-            <a:endParaRPr lang="en-US" dirty="0"/>
-          </a:p>
-          <a:p>
-            <a:pPr marL="0" indent="0">
-              <a:buNone/>
-            </a:pPr>
-            <a:r>
-              <a:rPr lang="en-US" dirty="0"/>
-              <a:t>                	      		                </a:t>
-            </a:r>
-            <a:r>
-              <a:rPr lang="en-US" sz="4800" dirty="0"/>
-              <a:t>LOGIC</a:t>
-            </a:r>
-          </a:p>
-          <a:p>
-            <a:pPr marL="0" indent="0">
-              <a:buNone/>
-            </a:pPr>
-            <a:r>
-              <a:rPr lang="en-US" sz="4800" dirty="0"/>
-              <a:t>  </a:t>
-            </a:r>
-            <a:r>
-              <a:rPr lang="en-US" sz="4000" dirty="0"/>
-              <a:t>(</a:t>
-            </a:r>
-            <a:r>
-              <a:rPr lang="en-US" sz="4000" dirty="0" err="1"/>
-              <a:t>Kripke</a:t>
-            </a:r>
-            <a:r>
-              <a:rPr lang="en-US" sz="4000" dirty="0"/>
-              <a:t> Models, Generated </a:t>
-            </a:r>
-            <a:r>
-              <a:rPr lang="en-US" sz="4000" dirty="0" err="1"/>
-              <a:t>SubModels</a:t>
-            </a:r>
-            <a:r>
-              <a:rPr lang="en-US" sz="4000" dirty="0"/>
-              <a:t> &amp; </a:t>
-            </a:r>
-            <a:r>
-              <a:rPr lang="en-US" sz="4000" dirty="0" err="1"/>
-              <a:t>Bisimulation</a:t>
-            </a:r>
-            <a:r>
-              <a:rPr lang="en-US" sz="4000" dirty="0"/>
-              <a:t>)</a:t>
-            </a:r>
+            <a:off x="2009775" y="2305050"/>
+            <a:ext cx="361950" cy="390525"/>
+          </a:xfrm>
+          <a:prstGeom prst="ellipse">
+            <a:avLst/>
+          </a:prstGeom>
+        </p:spPr>
+        <p:style>
+          <a:lnRef idx="2">
+            <a:schemeClr val="accent1">
+              <a:shade val="15000"/>
+            </a:schemeClr>
+          </a:lnRef>
+          <a:fillRef idx="1">
+            <a:schemeClr val="accent1"/>
+          </a:fillRef>
+          <a:effectRef idx="0">
+            <a:schemeClr val="accent1"/>
+          </a:effectRef>
+          <a:fontRef idx="minor">
+            <a:schemeClr val="lt1"/>
+          </a:fontRef>
+        </p:style>
+        <p:txBody>
+          <a:bodyPr rtlCol="0" anchor="ctr"/>
+          <a:lstStyle/>
+          <a:p>
+            <a:pPr algn="ctr"/>
+            <a:endParaRPr lang="en-US"/>
+          </a:p>
+        </p:txBody>
+      </p:sp>
+      <p:sp>
+        <p:nvSpPr>
+          <p:cNvPr id="5" name="Oval 4">
+            <a:extLst>
+              <a:ext uri="{FF2B5EF4-FFF2-40B4-BE49-F238E27FC236}">
+                <a16:creationId xmlns:a16="http://schemas.microsoft.com/office/drawing/2014/main" id="{B296B064-DF16-1B37-7221-83021B9C69F6}"/>
+              </a:ext>
+            </a:extLst>
+          </p:cNvPr>
+          <p:cNvSpPr/>
+          <p:nvPr/>
+        </p:nvSpPr>
+        <p:spPr>
+          <a:xfrm>
+            <a:off x="2009775" y="3555999"/>
+            <a:ext cx="361950" cy="390525"/>
+          </a:xfrm>
+          <a:prstGeom prst="ellipse">
+            <a:avLst/>
+          </a:prstGeom>
+        </p:spPr>
+        <p:style>
+          <a:lnRef idx="2">
+            <a:schemeClr val="accent1">
+              <a:shade val="15000"/>
+            </a:schemeClr>
+          </a:lnRef>
+          <a:fillRef idx="1">
+            <a:schemeClr val="accent1"/>
+          </a:fillRef>
+          <a:effectRef idx="0">
+            <a:schemeClr val="accent1"/>
+          </a:effectRef>
+          <a:fontRef idx="minor">
+            <a:schemeClr val="lt1"/>
+          </a:fontRef>
+        </p:style>
+        <p:txBody>
+          <a:bodyPr rtlCol="0" anchor="ctr"/>
+          <a:lstStyle/>
+          <a:p>
+            <a:pPr algn="ctr"/>
+            <a:endParaRPr lang="en-US"/>
+          </a:p>
+        </p:txBody>
+      </p:sp>
+      <p:sp>
+        <p:nvSpPr>
+          <p:cNvPr id="6" name="Oval 5">
+            <a:extLst>
+              <a:ext uri="{FF2B5EF4-FFF2-40B4-BE49-F238E27FC236}">
+                <a16:creationId xmlns:a16="http://schemas.microsoft.com/office/drawing/2014/main" id="{1E410281-34A4-EDFB-6C13-2279BCCF7354}"/>
+              </a:ext>
+            </a:extLst>
+          </p:cNvPr>
+          <p:cNvSpPr/>
+          <p:nvPr/>
+        </p:nvSpPr>
+        <p:spPr>
+          <a:xfrm>
+            <a:off x="2000250" y="4895855"/>
+            <a:ext cx="361950" cy="390525"/>
+          </a:xfrm>
+          <a:prstGeom prst="ellipse">
+            <a:avLst/>
+          </a:prstGeom>
+        </p:spPr>
+        <p:style>
+          <a:lnRef idx="2">
+            <a:schemeClr val="accent1">
+              <a:shade val="15000"/>
+            </a:schemeClr>
+          </a:lnRef>
+          <a:fillRef idx="1">
+            <a:schemeClr val="accent1"/>
+          </a:fillRef>
+          <a:effectRef idx="0">
+            <a:schemeClr val="accent1"/>
+          </a:effectRef>
+          <a:fontRef idx="minor">
+            <a:schemeClr val="lt1"/>
+          </a:fontRef>
+        </p:style>
+        <p:txBody>
+          <a:bodyPr rtlCol="0" anchor="ctr"/>
+          <a:lstStyle/>
+          <a:p>
+            <a:pPr algn="ctr"/>
+            <a:endParaRPr lang="en-US"/>
+          </a:p>
+        </p:txBody>
+      </p:sp>
+      <p:sp>
+        <p:nvSpPr>
+          <p:cNvPr id="7" name="Oval 6">
+            <a:extLst>
+              <a:ext uri="{FF2B5EF4-FFF2-40B4-BE49-F238E27FC236}">
+                <a16:creationId xmlns:a16="http://schemas.microsoft.com/office/drawing/2014/main" id="{15F28363-A2B6-E416-FDC3-16F97656FF42}"/>
+              </a:ext>
+            </a:extLst>
+          </p:cNvPr>
+          <p:cNvSpPr/>
+          <p:nvPr/>
+        </p:nvSpPr>
+        <p:spPr>
+          <a:xfrm>
+            <a:off x="7324725" y="3555998"/>
+            <a:ext cx="361950" cy="390525"/>
+          </a:xfrm>
+          <a:prstGeom prst="ellipse">
+            <a:avLst/>
+          </a:prstGeom>
+        </p:spPr>
+        <p:style>
+          <a:lnRef idx="2">
+            <a:schemeClr val="accent1">
+              <a:shade val="15000"/>
+            </a:schemeClr>
+          </a:lnRef>
+          <a:fillRef idx="1">
+            <a:schemeClr val="accent1"/>
+          </a:fillRef>
+          <a:effectRef idx="0">
+            <a:schemeClr val="accent1"/>
+          </a:effectRef>
+          <a:fontRef idx="minor">
+            <a:schemeClr val="lt1"/>
+          </a:fontRef>
+        </p:style>
+        <p:txBody>
+          <a:bodyPr rtlCol="0" anchor="ctr"/>
+          <a:lstStyle/>
+          <a:p>
+            <a:pPr algn="ctr"/>
+            <a:endParaRPr lang="en-US"/>
+          </a:p>
+        </p:txBody>
+      </p:sp>
+      <p:sp>
+        <p:nvSpPr>
+          <p:cNvPr id="8" name="Oval 7">
+            <a:extLst>
+              <a:ext uri="{FF2B5EF4-FFF2-40B4-BE49-F238E27FC236}">
+                <a16:creationId xmlns:a16="http://schemas.microsoft.com/office/drawing/2014/main" id="{17F994BD-F77C-FE72-17C4-6C61B617ECA2}"/>
+              </a:ext>
+            </a:extLst>
+          </p:cNvPr>
+          <p:cNvSpPr/>
+          <p:nvPr/>
+        </p:nvSpPr>
+        <p:spPr>
+          <a:xfrm>
+            <a:off x="9067800" y="2305049"/>
+            <a:ext cx="361950" cy="390525"/>
+          </a:xfrm>
+          <a:prstGeom prst="ellipse">
+            <a:avLst/>
+          </a:prstGeom>
+        </p:spPr>
+        <p:style>
+          <a:lnRef idx="2">
+            <a:schemeClr val="accent1">
+              <a:shade val="15000"/>
+            </a:schemeClr>
+          </a:lnRef>
+          <a:fillRef idx="1">
+            <a:schemeClr val="accent1"/>
+          </a:fillRef>
+          <a:effectRef idx="0">
+            <a:schemeClr val="accent1"/>
+          </a:effectRef>
+          <a:fontRef idx="minor">
+            <a:schemeClr val="lt1"/>
+          </a:fontRef>
+        </p:style>
+        <p:txBody>
+          <a:bodyPr rtlCol="0" anchor="ctr"/>
+          <a:lstStyle/>
+          <a:p>
+            <a:pPr algn="ctr"/>
+            <a:endParaRPr lang="en-US"/>
+          </a:p>
+        </p:txBody>
+      </p:sp>
+      <p:sp>
+        <p:nvSpPr>
+          <p:cNvPr id="9" name="Oval 8">
+            <a:extLst>
+              <a:ext uri="{FF2B5EF4-FFF2-40B4-BE49-F238E27FC236}">
+                <a16:creationId xmlns:a16="http://schemas.microsoft.com/office/drawing/2014/main" id="{A97C5065-5C26-2600-4EBB-4461425DF9FF}"/>
+              </a:ext>
+            </a:extLst>
+          </p:cNvPr>
+          <p:cNvSpPr/>
+          <p:nvPr/>
+        </p:nvSpPr>
+        <p:spPr>
+          <a:xfrm>
+            <a:off x="9067800" y="3555999"/>
+            <a:ext cx="361950" cy="390525"/>
+          </a:xfrm>
+          <a:prstGeom prst="ellipse">
+            <a:avLst/>
+          </a:prstGeom>
+        </p:spPr>
+        <p:style>
+          <a:lnRef idx="2">
+            <a:schemeClr val="accent1">
+              <a:shade val="15000"/>
+            </a:schemeClr>
+          </a:lnRef>
+          <a:fillRef idx="1">
+            <a:schemeClr val="accent1"/>
+          </a:fillRef>
+          <a:effectRef idx="0">
+            <a:schemeClr val="accent1"/>
+          </a:effectRef>
+          <a:fontRef idx="minor">
+            <a:schemeClr val="lt1"/>
+          </a:fontRef>
+        </p:style>
+        <p:txBody>
+          <a:bodyPr rtlCol="0" anchor="ctr"/>
+          <a:lstStyle/>
+          <a:p>
+            <a:pPr algn="ctr"/>
+            <a:endParaRPr lang="en-US"/>
+          </a:p>
+        </p:txBody>
+      </p:sp>
+      <p:sp>
+        <p:nvSpPr>
+          <p:cNvPr id="10" name="Oval 9">
+            <a:extLst>
+              <a:ext uri="{FF2B5EF4-FFF2-40B4-BE49-F238E27FC236}">
+                <a16:creationId xmlns:a16="http://schemas.microsoft.com/office/drawing/2014/main" id="{155F3550-A1F4-CDD8-4C53-6D96D6A3EB87}"/>
+              </a:ext>
+            </a:extLst>
+          </p:cNvPr>
+          <p:cNvSpPr/>
+          <p:nvPr/>
+        </p:nvSpPr>
+        <p:spPr>
+          <a:xfrm>
+            <a:off x="9067800" y="4895855"/>
+            <a:ext cx="361950" cy="390525"/>
+          </a:xfrm>
+          <a:prstGeom prst="ellipse">
+            <a:avLst/>
+          </a:prstGeom>
+        </p:spPr>
+        <p:style>
+          <a:lnRef idx="2">
+            <a:schemeClr val="accent1">
+              <a:shade val="15000"/>
+            </a:schemeClr>
+          </a:lnRef>
+          <a:fillRef idx="1">
+            <a:schemeClr val="accent1"/>
+          </a:fillRef>
+          <a:effectRef idx="0">
+            <a:schemeClr val="accent1"/>
+          </a:effectRef>
+          <a:fontRef idx="minor">
+            <a:schemeClr val="lt1"/>
+          </a:fontRef>
+        </p:style>
+        <p:txBody>
+          <a:bodyPr rtlCol="0" anchor="ctr"/>
+          <a:lstStyle/>
+          <a:p>
+            <a:pPr algn="ctr"/>
+            <a:endParaRPr lang="en-US"/>
           </a:p>
         </p:txBody>
       </p:sp>
     </p:spTree>
     <p:extLst>
       <p:ext uri="{BB962C8B-B14F-4D97-AF65-F5344CB8AC3E}">
-        <p14:creationId xmlns:p14="http://schemas.microsoft.com/office/powerpoint/2010/main" val="3285897361"/>
+        <p14:creationId xmlns:p14="http://schemas.microsoft.com/office/powerpoint/2010/main" val="1389587112"/>
       </p:ext>
     </p:extLst>
   </p:cSld>
@@ -25987,38 +26094,10 @@
       </p:grpSpPr>
       <p:sp>
         <p:nvSpPr>
-          <p:cNvPr id="2" name="Title 1">
-            <a:extLst>
-              <a:ext uri="{FF2B5EF4-FFF2-40B4-BE49-F238E27FC236}">
-                <a16:creationId xmlns:a16="http://schemas.microsoft.com/office/drawing/2014/main" id="{8C247F51-7974-6BFA-85AD-AE319D026DEE}"/>
-              </a:ext>
-            </a:extLst>
-          </p:cNvPr>
-          <p:cNvSpPr>
-            <a:spLocks noGrp="1"/>
-          </p:cNvSpPr>
-          <p:nvPr>
-            <p:ph type="title"/>
-          </p:nvPr>
-        </p:nvSpPr>
-        <p:spPr/>
-        <p:txBody>
-          <a:bodyPr/>
-          <a:lstStyle/>
-          <a:p>
-            <a:r>
-              <a:rPr lang="en-US" dirty="0"/>
-              <a:t>RG-STS: Logic for Modularity of Protocols</a:t>
-            </a:r>
-          </a:p>
-        </p:txBody>
-      </p:sp>
-      <p:sp>
-        <p:nvSpPr>
           <p:cNvPr id="3" name="Content Placeholder 2">
             <a:extLst>
               <a:ext uri="{FF2B5EF4-FFF2-40B4-BE49-F238E27FC236}">
-                <a16:creationId xmlns:a16="http://schemas.microsoft.com/office/drawing/2014/main" id="{3380684A-A042-8B0A-4D4B-3D3291078825}"/>
+                <a16:creationId xmlns:a16="http://schemas.microsoft.com/office/drawing/2014/main" id="{BFF2B646-AA21-3492-C127-C5076839C905}"/>
               </a:ext>
             </a:extLst>
           </p:cNvPr>
@@ -26029,19 +26108,77 @@
             <p:ph idx="1"/>
           </p:nvPr>
         </p:nvSpPr>
-        <p:spPr/>
+        <p:spPr>
+          <a:xfrm>
+            <a:off x="76201" y="1825625"/>
+            <a:ext cx="12049124" cy="4351338"/>
+          </a:xfrm>
+        </p:spPr>
         <p:txBody>
           <a:bodyPr/>
           <a:lstStyle/>
           <a:p>
-            <a:endParaRPr lang="en-US"/>
+            <a:pPr marL="0" indent="0">
+              <a:buNone/>
+            </a:pPr>
+            <a:endParaRPr lang="en-US" dirty="0"/>
+          </a:p>
+          <a:p>
+            <a:pPr marL="0" indent="0">
+              <a:buNone/>
+            </a:pPr>
+            <a:r>
+              <a:rPr lang="en-US" dirty="0"/>
+              <a:t>                	      		                </a:t>
+            </a:r>
+            <a:r>
+              <a:rPr lang="en-US" sz="4800" dirty="0"/>
+              <a:t>LOGIC</a:t>
+            </a:r>
+          </a:p>
+          <a:p>
+            <a:pPr marL="0" indent="0">
+              <a:buNone/>
+            </a:pPr>
+            <a:r>
+              <a:rPr lang="en-US" sz="4800" dirty="0"/>
+              <a:t>  </a:t>
+            </a:r>
+            <a:r>
+              <a:rPr lang="en-US" sz="4000" dirty="0"/>
+              <a:t>(</a:t>
+            </a:r>
+            <a:r>
+              <a:rPr lang="en-US" sz="4000" dirty="0" err="1"/>
+              <a:t>Kripke</a:t>
+            </a:r>
+            <a:r>
+              <a:rPr lang="en-US" sz="4000" dirty="0"/>
+              <a:t> Models, Generated </a:t>
+            </a:r>
+            <a:r>
+              <a:rPr lang="en-US" sz="4000" dirty="0" err="1"/>
+              <a:t>SubModels</a:t>
+            </a:r>
+            <a:r>
+              <a:rPr lang="en-US" sz="4000" dirty="0"/>
+              <a:t> &amp; </a:t>
+            </a:r>
+            <a:r>
+              <a:rPr lang="en-US" sz="4000" dirty="0" err="1"/>
+              <a:t>Bisimulation</a:t>
+            </a:r>
+            <a:r>
+              <a:rPr lang="en-US" sz="4000" dirty="0"/>
+              <a:t>)</a:t>
+            </a:r>
           </a:p>
         </p:txBody>
       </p:sp>
     </p:spTree>
     <p:extLst>
       <p:ext uri="{BB962C8B-B14F-4D97-AF65-F5344CB8AC3E}">
-        <p14:creationId xmlns:p14="http://schemas.microsoft.com/office/powerpoint/2010/main" val="2934936581"/>
+        <p14:creationId xmlns:p14="http://schemas.microsoft.com/office/powerpoint/2010/main" val="3285897361"/>
       </p:ext>
     </p:extLst>
   </p:cSld>
@@ -26073,7 +26210,7 @@
           <p:cNvPr id="2" name="Title 1">
             <a:extLst>
               <a:ext uri="{FF2B5EF4-FFF2-40B4-BE49-F238E27FC236}">
-                <a16:creationId xmlns:a16="http://schemas.microsoft.com/office/drawing/2014/main" id="{94333BC2-CB1A-F174-6230-0C18B4E311EF}"/>
+                <a16:creationId xmlns:a16="http://schemas.microsoft.com/office/drawing/2014/main" id="{8C247F51-7974-6BFA-85AD-AE319D026DEE}"/>
               </a:ext>
             </a:extLst>
           </p:cNvPr>
@@ -26091,13 +26228,8 @@
           <a:p>
             <a:r>
               <a:rPr lang="en-US" dirty="0"/>
-              <a:t>RG-STS: The Law of RG-</a:t>
-            </a:r>
-            <a:r>
-              <a:rPr lang="en-US" dirty="0" err="1"/>
-              <a:t>Bisimulation</a:t>
-            </a:r>
-            <a:endParaRPr lang="en-US" dirty="0"/>
+              <a:t>RG-STS: Logic for Modularity of Protocols</a:t>
+            </a:r>
           </a:p>
         </p:txBody>
       </p:sp>
@@ -26106,7 +26238,7 @@
           <p:cNvPr id="3" name="Content Placeholder 2">
             <a:extLst>
               <a:ext uri="{FF2B5EF4-FFF2-40B4-BE49-F238E27FC236}">
-                <a16:creationId xmlns:a16="http://schemas.microsoft.com/office/drawing/2014/main" id="{BF7F15D2-D4EC-C5B9-F6CC-F93095C4B5A6}"/>
+                <a16:creationId xmlns:a16="http://schemas.microsoft.com/office/drawing/2014/main" id="{3380684A-A042-8B0A-4D4B-3D3291078825}"/>
               </a:ext>
             </a:extLst>
           </p:cNvPr>
@@ -26129,7 +26261,7 @@
     </p:spTree>
     <p:extLst>
       <p:ext uri="{BB962C8B-B14F-4D97-AF65-F5344CB8AC3E}">
-        <p14:creationId xmlns:p14="http://schemas.microsoft.com/office/powerpoint/2010/main" val="3467763286"/>
+        <p14:creationId xmlns:p14="http://schemas.microsoft.com/office/powerpoint/2010/main" val="2934936581"/>
       </p:ext>
     </p:extLst>
   </p:cSld>
@@ -26161,7 +26293,7 @@
           <p:cNvPr id="2" name="Title 1">
             <a:extLst>
               <a:ext uri="{FF2B5EF4-FFF2-40B4-BE49-F238E27FC236}">
-                <a16:creationId xmlns:a16="http://schemas.microsoft.com/office/drawing/2014/main" id="{7B9E512E-60F9-D90D-3941-CDEE61933F37}"/>
+                <a16:creationId xmlns:a16="http://schemas.microsoft.com/office/drawing/2014/main" id="{94333BC2-CB1A-F174-6230-0C18B4E311EF}"/>
               </a:ext>
             </a:extLst>
           </p:cNvPr>
@@ -26179,8 +26311,13 @@
           <a:p>
             <a:r>
               <a:rPr lang="en-US" dirty="0"/>
-              <a:t>RG-STS: The Law of Conformance</a:t>
-            </a:r>
+              <a:t>RG-STS: The Law of RG-</a:t>
+            </a:r>
+            <a:r>
+              <a:rPr lang="en-US" dirty="0" err="1"/>
+              <a:t>Bisimulation</a:t>
+            </a:r>
+            <a:endParaRPr lang="en-US" dirty="0"/>
           </a:p>
         </p:txBody>
       </p:sp>
@@ -26189,7 +26326,7 @@
           <p:cNvPr id="3" name="Content Placeholder 2">
             <a:extLst>
               <a:ext uri="{FF2B5EF4-FFF2-40B4-BE49-F238E27FC236}">
-                <a16:creationId xmlns:a16="http://schemas.microsoft.com/office/drawing/2014/main" id="{45C3D680-0694-DF04-F869-4B0A87058B97}"/>
+                <a16:creationId xmlns:a16="http://schemas.microsoft.com/office/drawing/2014/main" id="{BF7F15D2-D4EC-C5B9-F6CC-F93095C4B5A6}"/>
               </a:ext>
             </a:extLst>
           </p:cNvPr>
@@ -26212,7 +26349,7 @@
     </p:spTree>
     <p:extLst>
       <p:ext uri="{BB962C8B-B14F-4D97-AF65-F5344CB8AC3E}">
-        <p14:creationId xmlns:p14="http://schemas.microsoft.com/office/powerpoint/2010/main" val="4110734046"/>
+        <p14:creationId xmlns:p14="http://schemas.microsoft.com/office/powerpoint/2010/main" val="3467763286"/>
       </p:ext>
     </p:extLst>
   </p:cSld>
@@ -26244,7 +26381,7 @@
           <p:cNvPr id="2" name="Title 1">
             <a:extLst>
               <a:ext uri="{FF2B5EF4-FFF2-40B4-BE49-F238E27FC236}">
-                <a16:creationId xmlns:a16="http://schemas.microsoft.com/office/drawing/2014/main" id="{EE31D451-765F-D9FA-F280-5F58E345B4B7}"/>
+                <a16:creationId xmlns:a16="http://schemas.microsoft.com/office/drawing/2014/main" id="{7B9E512E-60F9-D90D-3941-CDEE61933F37}"/>
               </a:ext>
             </a:extLst>
           </p:cNvPr>
@@ -26262,7 +26399,7 @@
           <a:p>
             <a:r>
               <a:rPr lang="en-US" dirty="0"/>
-              <a:t>RG-STS: The Law of Tolerance</a:t>
+              <a:t>RG-STS: The Law of Conformance</a:t>
             </a:r>
           </a:p>
         </p:txBody>
@@ -26272,7 +26409,7 @@
           <p:cNvPr id="3" name="Content Placeholder 2">
             <a:extLst>
               <a:ext uri="{FF2B5EF4-FFF2-40B4-BE49-F238E27FC236}">
-                <a16:creationId xmlns:a16="http://schemas.microsoft.com/office/drawing/2014/main" id="{F3711FCA-6188-2F4D-02AE-AEBF33950F34}"/>
+                <a16:creationId xmlns:a16="http://schemas.microsoft.com/office/drawing/2014/main" id="{45C3D680-0694-DF04-F869-4B0A87058B97}"/>
               </a:ext>
             </a:extLst>
           </p:cNvPr>
@@ -26295,7 +26432,7 @@
     </p:spTree>
     <p:extLst>
       <p:ext uri="{BB962C8B-B14F-4D97-AF65-F5344CB8AC3E}">
-        <p14:creationId xmlns:p14="http://schemas.microsoft.com/office/powerpoint/2010/main" val="105396800"/>
+        <p14:creationId xmlns:p14="http://schemas.microsoft.com/office/powerpoint/2010/main" val="4110734046"/>
       </p:ext>
     </p:extLst>
   </p:cSld>
@@ -26327,7 +26464,7 @@
           <p:cNvPr id="2" name="Title 1">
             <a:extLst>
               <a:ext uri="{FF2B5EF4-FFF2-40B4-BE49-F238E27FC236}">
-                <a16:creationId xmlns:a16="http://schemas.microsoft.com/office/drawing/2014/main" id="{A124CB6A-F539-31F2-2CF0-92F79851DCA9}"/>
+                <a16:creationId xmlns:a16="http://schemas.microsoft.com/office/drawing/2014/main" id="{EE31D451-765F-D9FA-F280-5F58E345B4B7}"/>
               </a:ext>
             </a:extLst>
           </p:cNvPr>
@@ -26345,7 +26482,7 @@
           <a:p>
             <a:r>
               <a:rPr lang="en-US" dirty="0"/>
-              <a:t>RG-STS: Connecting to a Program Logic</a:t>
+              <a:t>RG-STS: The Law of Tolerance</a:t>
             </a:r>
           </a:p>
         </p:txBody>
@@ -26355,7 +26492,7 @@
           <p:cNvPr id="3" name="Content Placeholder 2">
             <a:extLst>
               <a:ext uri="{FF2B5EF4-FFF2-40B4-BE49-F238E27FC236}">
-                <a16:creationId xmlns:a16="http://schemas.microsoft.com/office/drawing/2014/main" id="{0DFD0B67-4A0A-C748-3DA2-2F188CBDC4D6}"/>
+                <a16:creationId xmlns:a16="http://schemas.microsoft.com/office/drawing/2014/main" id="{F3711FCA-6188-2F4D-02AE-AEBF33950F34}"/>
               </a:ext>
             </a:extLst>
           </p:cNvPr>
@@ -26378,7 +26515,7 @@
     </p:spTree>
     <p:extLst>
       <p:ext uri="{BB962C8B-B14F-4D97-AF65-F5344CB8AC3E}">
-        <p14:creationId xmlns:p14="http://schemas.microsoft.com/office/powerpoint/2010/main" val="2816408523"/>
+        <p14:creationId xmlns:p14="http://schemas.microsoft.com/office/powerpoint/2010/main" val="105396800"/>
       </p:ext>
     </p:extLst>
   </p:cSld>
@@ -26576,7 +26713,7 @@
           <p:cNvPr id="2" name="Title 1">
             <a:extLst>
               <a:ext uri="{FF2B5EF4-FFF2-40B4-BE49-F238E27FC236}">
-                <a16:creationId xmlns:a16="http://schemas.microsoft.com/office/drawing/2014/main" id="{632D8C67-9855-F94C-DF23-26192F6BC23E}"/>
+                <a16:creationId xmlns:a16="http://schemas.microsoft.com/office/drawing/2014/main" id="{A124CB6A-F539-31F2-2CF0-92F79851DCA9}"/>
               </a:ext>
             </a:extLst>
           </p:cNvPr>
@@ -26594,13 +26731,8 @@
           <a:p>
             <a:r>
               <a:rPr lang="en-US" dirty="0"/>
-              <a:t>RG-STS: Proof Rules under </a:t>
-            </a:r>
-            <a:r>
-              <a:rPr lang="en-US" dirty="0" err="1"/>
-              <a:t>Bisimulation</a:t>
-            </a:r>
-            <a:endParaRPr lang="en-US" dirty="0"/>
+              <a:t>RG-STS: Connecting to a Program Logic</a:t>
+            </a:r>
           </a:p>
         </p:txBody>
       </p:sp>
@@ -26609,7 +26741,7 @@
           <p:cNvPr id="3" name="Content Placeholder 2">
             <a:extLst>
               <a:ext uri="{FF2B5EF4-FFF2-40B4-BE49-F238E27FC236}">
-                <a16:creationId xmlns:a16="http://schemas.microsoft.com/office/drawing/2014/main" id="{32E31EBD-9FBD-4498-F0A3-877AF12FEDB8}"/>
+                <a16:creationId xmlns:a16="http://schemas.microsoft.com/office/drawing/2014/main" id="{0DFD0B67-4A0A-C748-3DA2-2F188CBDC4D6}"/>
               </a:ext>
             </a:extLst>
           </p:cNvPr>
@@ -26632,7 +26764,7 @@
     </p:spTree>
     <p:extLst>
       <p:ext uri="{BB962C8B-B14F-4D97-AF65-F5344CB8AC3E}">
-        <p14:creationId xmlns:p14="http://schemas.microsoft.com/office/powerpoint/2010/main" val="4011935431"/>
+        <p14:creationId xmlns:p14="http://schemas.microsoft.com/office/powerpoint/2010/main" val="2816408523"/>
       </p:ext>
     </p:extLst>
   </p:cSld>
@@ -26664,7 +26796,7 @@
           <p:cNvPr id="2" name="Title 1">
             <a:extLst>
               <a:ext uri="{FF2B5EF4-FFF2-40B4-BE49-F238E27FC236}">
-                <a16:creationId xmlns:a16="http://schemas.microsoft.com/office/drawing/2014/main" id="{17A6D691-BDDA-5E13-0C8A-1D78CEDE0074}"/>
+                <a16:creationId xmlns:a16="http://schemas.microsoft.com/office/drawing/2014/main" id="{632D8C67-9855-F94C-DF23-26192F6BC23E}"/>
               </a:ext>
             </a:extLst>
           </p:cNvPr>
@@ -26682,8 +26814,13 @@
           <a:p>
             <a:r>
               <a:rPr lang="en-US" dirty="0"/>
-              <a:t>What does all these mean in our example?</a:t>
-            </a:r>
+              <a:t>RG-STS: Proof Rules under </a:t>
+            </a:r>
+            <a:r>
+              <a:rPr lang="en-US" dirty="0" err="1"/>
+              <a:t>Bisimulation</a:t>
+            </a:r>
+            <a:endParaRPr lang="en-US" dirty="0"/>
           </a:p>
         </p:txBody>
       </p:sp>
@@ -26692,7 +26829,7 @@
           <p:cNvPr id="3" name="Content Placeholder 2">
             <a:extLst>
               <a:ext uri="{FF2B5EF4-FFF2-40B4-BE49-F238E27FC236}">
-                <a16:creationId xmlns:a16="http://schemas.microsoft.com/office/drawing/2014/main" id="{23C01DBE-CCE9-68C7-7A81-749C37BD7775}"/>
+                <a16:creationId xmlns:a16="http://schemas.microsoft.com/office/drawing/2014/main" id="{32E31EBD-9FBD-4498-F0A3-877AF12FEDB8}"/>
               </a:ext>
             </a:extLst>
           </p:cNvPr>
@@ -26708,328 +26845,6 @@
           <a:bodyPr/>
           <a:lstStyle/>
           <a:p>
-            <a:endParaRPr lang="en-US" dirty="0"/>
-          </a:p>
-        </p:txBody>
-      </p:sp>
-      <p:sp>
-        <p:nvSpPr>
-          <p:cNvPr id="4" name="Oval 3">
-            <a:extLst>
-              <a:ext uri="{FF2B5EF4-FFF2-40B4-BE49-F238E27FC236}">
-                <a16:creationId xmlns:a16="http://schemas.microsoft.com/office/drawing/2014/main" id="{E6B8F967-2106-1D18-92BD-E8E5404924A2}"/>
-              </a:ext>
-            </a:extLst>
-          </p:cNvPr>
-          <p:cNvSpPr/>
-          <p:nvPr/>
-        </p:nvSpPr>
-        <p:spPr>
-          <a:xfrm>
-            <a:off x="2009775" y="2305050"/>
-            <a:ext cx="361950" cy="390525"/>
-          </a:xfrm>
-          <a:prstGeom prst="ellipse">
-            <a:avLst/>
-          </a:prstGeom>
-        </p:spPr>
-        <p:style>
-          <a:lnRef idx="2">
-            <a:schemeClr val="accent1">
-              <a:shade val="15000"/>
-            </a:schemeClr>
-          </a:lnRef>
-          <a:fillRef idx="1">
-            <a:schemeClr val="accent1"/>
-          </a:fillRef>
-          <a:effectRef idx="0">
-            <a:schemeClr val="accent1"/>
-          </a:effectRef>
-          <a:fontRef idx="minor">
-            <a:schemeClr val="lt1"/>
-          </a:fontRef>
-        </p:style>
-        <p:txBody>
-          <a:bodyPr rtlCol="0" anchor="ctr"/>
-          <a:lstStyle/>
-          <a:p>
-            <a:pPr algn="ctr"/>
-            <a:endParaRPr lang="en-US"/>
-          </a:p>
-        </p:txBody>
-      </p:sp>
-      <p:sp>
-        <p:nvSpPr>
-          <p:cNvPr id="5" name="Oval 4">
-            <a:extLst>
-              <a:ext uri="{FF2B5EF4-FFF2-40B4-BE49-F238E27FC236}">
-                <a16:creationId xmlns:a16="http://schemas.microsoft.com/office/drawing/2014/main" id="{B296B064-DF16-1B37-7221-83021B9C69F6}"/>
-              </a:ext>
-            </a:extLst>
-          </p:cNvPr>
-          <p:cNvSpPr/>
-          <p:nvPr/>
-        </p:nvSpPr>
-        <p:spPr>
-          <a:xfrm>
-            <a:off x="2009775" y="3555999"/>
-            <a:ext cx="361950" cy="390525"/>
-          </a:xfrm>
-          <a:prstGeom prst="ellipse">
-            <a:avLst/>
-          </a:prstGeom>
-        </p:spPr>
-        <p:style>
-          <a:lnRef idx="2">
-            <a:schemeClr val="accent1">
-              <a:shade val="15000"/>
-            </a:schemeClr>
-          </a:lnRef>
-          <a:fillRef idx="1">
-            <a:schemeClr val="accent1"/>
-          </a:fillRef>
-          <a:effectRef idx="0">
-            <a:schemeClr val="accent1"/>
-          </a:effectRef>
-          <a:fontRef idx="minor">
-            <a:schemeClr val="lt1"/>
-          </a:fontRef>
-        </p:style>
-        <p:txBody>
-          <a:bodyPr rtlCol="0" anchor="ctr"/>
-          <a:lstStyle/>
-          <a:p>
-            <a:pPr algn="ctr"/>
-            <a:endParaRPr lang="en-US"/>
-          </a:p>
-        </p:txBody>
-      </p:sp>
-      <p:sp>
-        <p:nvSpPr>
-          <p:cNvPr id="6" name="Oval 5">
-            <a:extLst>
-              <a:ext uri="{FF2B5EF4-FFF2-40B4-BE49-F238E27FC236}">
-                <a16:creationId xmlns:a16="http://schemas.microsoft.com/office/drawing/2014/main" id="{1E410281-34A4-EDFB-6C13-2279BCCF7354}"/>
-              </a:ext>
-            </a:extLst>
-          </p:cNvPr>
-          <p:cNvSpPr/>
-          <p:nvPr/>
-        </p:nvSpPr>
-        <p:spPr>
-          <a:xfrm>
-            <a:off x="2000250" y="4895855"/>
-            <a:ext cx="361950" cy="390525"/>
-          </a:xfrm>
-          <a:prstGeom prst="ellipse">
-            <a:avLst/>
-          </a:prstGeom>
-        </p:spPr>
-        <p:style>
-          <a:lnRef idx="2">
-            <a:schemeClr val="accent1">
-              <a:shade val="15000"/>
-            </a:schemeClr>
-          </a:lnRef>
-          <a:fillRef idx="1">
-            <a:schemeClr val="accent1"/>
-          </a:fillRef>
-          <a:effectRef idx="0">
-            <a:schemeClr val="accent1"/>
-          </a:effectRef>
-          <a:fontRef idx="minor">
-            <a:schemeClr val="lt1"/>
-          </a:fontRef>
-        </p:style>
-        <p:txBody>
-          <a:bodyPr rtlCol="0" anchor="ctr"/>
-          <a:lstStyle/>
-          <a:p>
-            <a:pPr algn="ctr"/>
-            <a:endParaRPr lang="en-US"/>
-          </a:p>
-        </p:txBody>
-      </p:sp>
-      <p:sp>
-        <p:nvSpPr>
-          <p:cNvPr id="7" name="Oval 6">
-            <a:extLst>
-              <a:ext uri="{FF2B5EF4-FFF2-40B4-BE49-F238E27FC236}">
-                <a16:creationId xmlns:a16="http://schemas.microsoft.com/office/drawing/2014/main" id="{15F28363-A2B6-E416-FDC3-16F97656FF42}"/>
-              </a:ext>
-            </a:extLst>
-          </p:cNvPr>
-          <p:cNvSpPr/>
-          <p:nvPr/>
-        </p:nvSpPr>
-        <p:spPr>
-          <a:xfrm>
-            <a:off x="7324725" y="3555998"/>
-            <a:ext cx="361950" cy="390525"/>
-          </a:xfrm>
-          <a:prstGeom prst="ellipse">
-            <a:avLst/>
-          </a:prstGeom>
-        </p:spPr>
-        <p:style>
-          <a:lnRef idx="2">
-            <a:schemeClr val="accent1">
-              <a:shade val="15000"/>
-            </a:schemeClr>
-          </a:lnRef>
-          <a:fillRef idx="1">
-            <a:schemeClr val="accent1"/>
-          </a:fillRef>
-          <a:effectRef idx="0">
-            <a:schemeClr val="accent1"/>
-          </a:effectRef>
-          <a:fontRef idx="minor">
-            <a:schemeClr val="lt1"/>
-          </a:fontRef>
-        </p:style>
-        <p:txBody>
-          <a:bodyPr rtlCol="0" anchor="ctr"/>
-          <a:lstStyle/>
-          <a:p>
-            <a:pPr algn="ctr"/>
-            <a:endParaRPr lang="en-US"/>
-          </a:p>
-        </p:txBody>
-      </p:sp>
-      <p:sp>
-        <p:nvSpPr>
-          <p:cNvPr id="8" name="Oval 7">
-            <a:extLst>
-              <a:ext uri="{FF2B5EF4-FFF2-40B4-BE49-F238E27FC236}">
-                <a16:creationId xmlns:a16="http://schemas.microsoft.com/office/drawing/2014/main" id="{17F994BD-F77C-FE72-17C4-6C61B617ECA2}"/>
-              </a:ext>
-            </a:extLst>
-          </p:cNvPr>
-          <p:cNvSpPr/>
-          <p:nvPr/>
-        </p:nvSpPr>
-        <p:spPr>
-          <a:xfrm>
-            <a:off x="9067800" y="2305049"/>
-            <a:ext cx="361950" cy="390525"/>
-          </a:xfrm>
-          <a:prstGeom prst="ellipse">
-            <a:avLst/>
-          </a:prstGeom>
-        </p:spPr>
-        <p:style>
-          <a:lnRef idx="2">
-            <a:schemeClr val="accent1">
-              <a:shade val="15000"/>
-            </a:schemeClr>
-          </a:lnRef>
-          <a:fillRef idx="1">
-            <a:schemeClr val="accent1"/>
-          </a:fillRef>
-          <a:effectRef idx="0">
-            <a:schemeClr val="accent1"/>
-          </a:effectRef>
-          <a:fontRef idx="minor">
-            <a:schemeClr val="lt1"/>
-          </a:fontRef>
-        </p:style>
-        <p:txBody>
-          <a:bodyPr rtlCol="0" anchor="ctr"/>
-          <a:lstStyle/>
-          <a:p>
-            <a:pPr algn="ctr"/>
-            <a:endParaRPr lang="en-US"/>
-          </a:p>
-        </p:txBody>
-      </p:sp>
-      <p:sp>
-        <p:nvSpPr>
-          <p:cNvPr id="9" name="Oval 8">
-            <a:extLst>
-              <a:ext uri="{FF2B5EF4-FFF2-40B4-BE49-F238E27FC236}">
-                <a16:creationId xmlns:a16="http://schemas.microsoft.com/office/drawing/2014/main" id="{A97C5065-5C26-2600-4EBB-4461425DF9FF}"/>
-              </a:ext>
-            </a:extLst>
-          </p:cNvPr>
-          <p:cNvSpPr/>
-          <p:nvPr/>
-        </p:nvSpPr>
-        <p:spPr>
-          <a:xfrm>
-            <a:off x="9067800" y="3555999"/>
-            <a:ext cx="361950" cy="390525"/>
-          </a:xfrm>
-          <a:prstGeom prst="ellipse">
-            <a:avLst/>
-          </a:prstGeom>
-        </p:spPr>
-        <p:style>
-          <a:lnRef idx="2">
-            <a:schemeClr val="accent1">
-              <a:shade val="15000"/>
-            </a:schemeClr>
-          </a:lnRef>
-          <a:fillRef idx="1">
-            <a:schemeClr val="accent1"/>
-          </a:fillRef>
-          <a:effectRef idx="0">
-            <a:schemeClr val="accent1"/>
-          </a:effectRef>
-          <a:fontRef idx="minor">
-            <a:schemeClr val="lt1"/>
-          </a:fontRef>
-        </p:style>
-        <p:txBody>
-          <a:bodyPr rtlCol="0" anchor="ctr"/>
-          <a:lstStyle/>
-          <a:p>
-            <a:pPr algn="ctr"/>
-            <a:endParaRPr lang="en-US"/>
-          </a:p>
-        </p:txBody>
-      </p:sp>
-      <p:sp>
-        <p:nvSpPr>
-          <p:cNvPr id="10" name="Oval 9">
-            <a:extLst>
-              <a:ext uri="{FF2B5EF4-FFF2-40B4-BE49-F238E27FC236}">
-                <a16:creationId xmlns:a16="http://schemas.microsoft.com/office/drawing/2014/main" id="{155F3550-A1F4-CDD8-4C53-6D96D6A3EB87}"/>
-              </a:ext>
-            </a:extLst>
-          </p:cNvPr>
-          <p:cNvSpPr/>
-          <p:nvPr/>
-        </p:nvSpPr>
-        <p:spPr>
-          <a:xfrm>
-            <a:off x="9067800" y="4895855"/>
-            <a:ext cx="361950" cy="390525"/>
-          </a:xfrm>
-          <a:prstGeom prst="ellipse">
-            <a:avLst/>
-          </a:prstGeom>
-        </p:spPr>
-        <p:style>
-          <a:lnRef idx="2">
-            <a:schemeClr val="accent1">
-              <a:shade val="15000"/>
-            </a:schemeClr>
-          </a:lnRef>
-          <a:fillRef idx="1">
-            <a:schemeClr val="accent1"/>
-          </a:fillRef>
-          <a:effectRef idx="0">
-            <a:schemeClr val="accent1"/>
-          </a:effectRef>
-          <a:fontRef idx="minor">
-            <a:schemeClr val="lt1"/>
-          </a:fontRef>
-        </p:style>
-        <p:txBody>
-          <a:bodyPr rtlCol="0" anchor="ctr"/>
-          <a:lstStyle/>
-          <a:p>
-            <a:pPr algn="ctr"/>
             <a:endParaRPr lang="en-US"/>
           </a:p>
         </p:txBody>
@@ -27037,7 +26852,7 @@
     </p:spTree>
     <p:extLst>
       <p:ext uri="{BB962C8B-B14F-4D97-AF65-F5344CB8AC3E}">
-        <p14:creationId xmlns:p14="http://schemas.microsoft.com/office/powerpoint/2010/main" val="2430606378"/>
+        <p14:creationId xmlns:p14="http://schemas.microsoft.com/office/powerpoint/2010/main" val="4011935431"/>
       </p:ext>
     </p:extLst>
   </p:cSld>
@@ -27069,6 +26884,411 @@
           <p:cNvPr id="2" name="Title 1">
             <a:extLst>
               <a:ext uri="{FF2B5EF4-FFF2-40B4-BE49-F238E27FC236}">
+                <a16:creationId xmlns:a16="http://schemas.microsoft.com/office/drawing/2014/main" id="{17A6D691-BDDA-5E13-0C8A-1D78CEDE0074}"/>
+              </a:ext>
+            </a:extLst>
+          </p:cNvPr>
+          <p:cNvSpPr>
+            <a:spLocks noGrp="1"/>
+          </p:cNvSpPr>
+          <p:nvPr>
+            <p:ph type="title"/>
+          </p:nvPr>
+        </p:nvSpPr>
+        <p:spPr/>
+        <p:txBody>
+          <a:bodyPr/>
+          <a:lstStyle/>
+          <a:p>
+            <a:r>
+              <a:rPr lang="en-US" dirty="0"/>
+              <a:t>What does all these mean in our example?</a:t>
+            </a:r>
+          </a:p>
+        </p:txBody>
+      </p:sp>
+      <p:sp>
+        <p:nvSpPr>
+          <p:cNvPr id="3" name="Content Placeholder 2">
+            <a:extLst>
+              <a:ext uri="{FF2B5EF4-FFF2-40B4-BE49-F238E27FC236}">
+                <a16:creationId xmlns:a16="http://schemas.microsoft.com/office/drawing/2014/main" id="{23C01DBE-CCE9-68C7-7A81-749C37BD7775}"/>
+              </a:ext>
+            </a:extLst>
+          </p:cNvPr>
+          <p:cNvSpPr>
+            <a:spLocks noGrp="1"/>
+          </p:cNvSpPr>
+          <p:nvPr>
+            <p:ph idx="1"/>
+          </p:nvPr>
+        </p:nvSpPr>
+        <p:spPr/>
+        <p:txBody>
+          <a:bodyPr/>
+          <a:lstStyle/>
+          <a:p>
+            <a:endParaRPr lang="en-US" dirty="0"/>
+          </a:p>
+        </p:txBody>
+      </p:sp>
+      <p:sp>
+        <p:nvSpPr>
+          <p:cNvPr id="4" name="Oval 3">
+            <a:extLst>
+              <a:ext uri="{FF2B5EF4-FFF2-40B4-BE49-F238E27FC236}">
+                <a16:creationId xmlns:a16="http://schemas.microsoft.com/office/drawing/2014/main" id="{E6B8F967-2106-1D18-92BD-E8E5404924A2}"/>
+              </a:ext>
+            </a:extLst>
+          </p:cNvPr>
+          <p:cNvSpPr/>
+          <p:nvPr/>
+        </p:nvSpPr>
+        <p:spPr>
+          <a:xfrm>
+            <a:off x="2009775" y="2305050"/>
+            <a:ext cx="361950" cy="390525"/>
+          </a:xfrm>
+          <a:prstGeom prst="ellipse">
+            <a:avLst/>
+          </a:prstGeom>
+        </p:spPr>
+        <p:style>
+          <a:lnRef idx="2">
+            <a:schemeClr val="accent1">
+              <a:shade val="15000"/>
+            </a:schemeClr>
+          </a:lnRef>
+          <a:fillRef idx="1">
+            <a:schemeClr val="accent1"/>
+          </a:fillRef>
+          <a:effectRef idx="0">
+            <a:schemeClr val="accent1"/>
+          </a:effectRef>
+          <a:fontRef idx="minor">
+            <a:schemeClr val="lt1"/>
+          </a:fontRef>
+        </p:style>
+        <p:txBody>
+          <a:bodyPr rtlCol="0" anchor="ctr"/>
+          <a:lstStyle/>
+          <a:p>
+            <a:pPr algn="ctr"/>
+            <a:endParaRPr lang="en-US"/>
+          </a:p>
+        </p:txBody>
+      </p:sp>
+      <p:sp>
+        <p:nvSpPr>
+          <p:cNvPr id="5" name="Oval 4">
+            <a:extLst>
+              <a:ext uri="{FF2B5EF4-FFF2-40B4-BE49-F238E27FC236}">
+                <a16:creationId xmlns:a16="http://schemas.microsoft.com/office/drawing/2014/main" id="{B296B064-DF16-1B37-7221-83021B9C69F6}"/>
+              </a:ext>
+            </a:extLst>
+          </p:cNvPr>
+          <p:cNvSpPr/>
+          <p:nvPr/>
+        </p:nvSpPr>
+        <p:spPr>
+          <a:xfrm>
+            <a:off x="2009775" y="3555999"/>
+            <a:ext cx="361950" cy="390525"/>
+          </a:xfrm>
+          <a:prstGeom prst="ellipse">
+            <a:avLst/>
+          </a:prstGeom>
+        </p:spPr>
+        <p:style>
+          <a:lnRef idx="2">
+            <a:schemeClr val="accent1">
+              <a:shade val="15000"/>
+            </a:schemeClr>
+          </a:lnRef>
+          <a:fillRef idx="1">
+            <a:schemeClr val="accent1"/>
+          </a:fillRef>
+          <a:effectRef idx="0">
+            <a:schemeClr val="accent1"/>
+          </a:effectRef>
+          <a:fontRef idx="minor">
+            <a:schemeClr val="lt1"/>
+          </a:fontRef>
+        </p:style>
+        <p:txBody>
+          <a:bodyPr rtlCol="0" anchor="ctr"/>
+          <a:lstStyle/>
+          <a:p>
+            <a:pPr algn="ctr"/>
+            <a:endParaRPr lang="en-US"/>
+          </a:p>
+        </p:txBody>
+      </p:sp>
+      <p:sp>
+        <p:nvSpPr>
+          <p:cNvPr id="6" name="Oval 5">
+            <a:extLst>
+              <a:ext uri="{FF2B5EF4-FFF2-40B4-BE49-F238E27FC236}">
+                <a16:creationId xmlns:a16="http://schemas.microsoft.com/office/drawing/2014/main" id="{1E410281-34A4-EDFB-6C13-2279BCCF7354}"/>
+              </a:ext>
+            </a:extLst>
+          </p:cNvPr>
+          <p:cNvSpPr/>
+          <p:nvPr/>
+        </p:nvSpPr>
+        <p:spPr>
+          <a:xfrm>
+            <a:off x="2000250" y="4895855"/>
+            <a:ext cx="361950" cy="390525"/>
+          </a:xfrm>
+          <a:prstGeom prst="ellipse">
+            <a:avLst/>
+          </a:prstGeom>
+        </p:spPr>
+        <p:style>
+          <a:lnRef idx="2">
+            <a:schemeClr val="accent1">
+              <a:shade val="15000"/>
+            </a:schemeClr>
+          </a:lnRef>
+          <a:fillRef idx="1">
+            <a:schemeClr val="accent1"/>
+          </a:fillRef>
+          <a:effectRef idx="0">
+            <a:schemeClr val="accent1"/>
+          </a:effectRef>
+          <a:fontRef idx="minor">
+            <a:schemeClr val="lt1"/>
+          </a:fontRef>
+        </p:style>
+        <p:txBody>
+          <a:bodyPr rtlCol="0" anchor="ctr"/>
+          <a:lstStyle/>
+          <a:p>
+            <a:pPr algn="ctr"/>
+            <a:endParaRPr lang="en-US"/>
+          </a:p>
+        </p:txBody>
+      </p:sp>
+      <p:sp>
+        <p:nvSpPr>
+          <p:cNvPr id="7" name="Oval 6">
+            <a:extLst>
+              <a:ext uri="{FF2B5EF4-FFF2-40B4-BE49-F238E27FC236}">
+                <a16:creationId xmlns:a16="http://schemas.microsoft.com/office/drawing/2014/main" id="{15F28363-A2B6-E416-FDC3-16F97656FF42}"/>
+              </a:ext>
+            </a:extLst>
+          </p:cNvPr>
+          <p:cNvSpPr/>
+          <p:nvPr/>
+        </p:nvSpPr>
+        <p:spPr>
+          <a:xfrm>
+            <a:off x="7324725" y="3555998"/>
+            <a:ext cx="361950" cy="390525"/>
+          </a:xfrm>
+          <a:prstGeom prst="ellipse">
+            <a:avLst/>
+          </a:prstGeom>
+        </p:spPr>
+        <p:style>
+          <a:lnRef idx="2">
+            <a:schemeClr val="accent1">
+              <a:shade val="15000"/>
+            </a:schemeClr>
+          </a:lnRef>
+          <a:fillRef idx="1">
+            <a:schemeClr val="accent1"/>
+          </a:fillRef>
+          <a:effectRef idx="0">
+            <a:schemeClr val="accent1"/>
+          </a:effectRef>
+          <a:fontRef idx="minor">
+            <a:schemeClr val="lt1"/>
+          </a:fontRef>
+        </p:style>
+        <p:txBody>
+          <a:bodyPr rtlCol="0" anchor="ctr"/>
+          <a:lstStyle/>
+          <a:p>
+            <a:pPr algn="ctr"/>
+            <a:endParaRPr lang="en-US"/>
+          </a:p>
+        </p:txBody>
+      </p:sp>
+      <p:sp>
+        <p:nvSpPr>
+          <p:cNvPr id="8" name="Oval 7">
+            <a:extLst>
+              <a:ext uri="{FF2B5EF4-FFF2-40B4-BE49-F238E27FC236}">
+                <a16:creationId xmlns:a16="http://schemas.microsoft.com/office/drawing/2014/main" id="{17F994BD-F77C-FE72-17C4-6C61B617ECA2}"/>
+              </a:ext>
+            </a:extLst>
+          </p:cNvPr>
+          <p:cNvSpPr/>
+          <p:nvPr/>
+        </p:nvSpPr>
+        <p:spPr>
+          <a:xfrm>
+            <a:off x="9067800" y="2305049"/>
+            <a:ext cx="361950" cy="390525"/>
+          </a:xfrm>
+          <a:prstGeom prst="ellipse">
+            <a:avLst/>
+          </a:prstGeom>
+        </p:spPr>
+        <p:style>
+          <a:lnRef idx="2">
+            <a:schemeClr val="accent1">
+              <a:shade val="15000"/>
+            </a:schemeClr>
+          </a:lnRef>
+          <a:fillRef idx="1">
+            <a:schemeClr val="accent1"/>
+          </a:fillRef>
+          <a:effectRef idx="0">
+            <a:schemeClr val="accent1"/>
+          </a:effectRef>
+          <a:fontRef idx="minor">
+            <a:schemeClr val="lt1"/>
+          </a:fontRef>
+        </p:style>
+        <p:txBody>
+          <a:bodyPr rtlCol="0" anchor="ctr"/>
+          <a:lstStyle/>
+          <a:p>
+            <a:pPr algn="ctr"/>
+            <a:endParaRPr lang="en-US"/>
+          </a:p>
+        </p:txBody>
+      </p:sp>
+      <p:sp>
+        <p:nvSpPr>
+          <p:cNvPr id="9" name="Oval 8">
+            <a:extLst>
+              <a:ext uri="{FF2B5EF4-FFF2-40B4-BE49-F238E27FC236}">
+                <a16:creationId xmlns:a16="http://schemas.microsoft.com/office/drawing/2014/main" id="{A97C5065-5C26-2600-4EBB-4461425DF9FF}"/>
+              </a:ext>
+            </a:extLst>
+          </p:cNvPr>
+          <p:cNvSpPr/>
+          <p:nvPr/>
+        </p:nvSpPr>
+        <p:spPr>
+          <a:xfrm>
+            <a:off x="9067800" y="3555999"/>
+            <a:ext cx="361950" cy="390525"/>
+          </a:xfrm>
+          <a:prstGeom prst="ellipse">
+            <a:avLst/>
+          </a:prstGeom>
+        </p:spPr>
+        <p:style>
+          <a:lnRef idx="2">
+            <a:schemeClr val="accent1">
+              <a:shade val="15000"/>
+            </a:schemeClr>
+          </a:lnRef>
+          <a:fillRef idx="1">
+            <a:schemeClr val="accent1"/>
+          </a:fillRef>
+          <a:effectRef idx="0">
+            <a:schemeClr val="accent1"/>
+          </a:effectRef>
+          <a:fontRef idx="minor">
+            <a:schemeClr val="lt1"/>
+          </a:fontRef>
+        </p:style>
+        <p:txBody>
+          <a:bodyPr rtlCol="0" anchor="ctr"/>
+          <a:lstStyle/>
+          <a:p>
+            <a:pPr algn="ctr"/>
+            <a:endParaRPr lang="en-US"/>
+          </a:p>
+        </p:txBody>
+      </p:sp>
+      <p:sp>
+        <p:nvSpPr>
+          <p:cNvPr id="10" name="Oval 9">
+            <a:extLst>
+              <a:ext uri="{FF2B5EF4-FFF2-40B4-BE49-F238E27FC236}">
+                <a16:creationId xmlns:a16="http://schemas.microsoft.com/office/drawing/2014/main" id="{155F3550-A1F4-CDD8-4C53-6D96D6A3EB87}"/>
+              </a:ext>
+            </a:extLst>
+          </p:cNvPr>
+          <p:cNvSpPr/>
+          <p:nvPr/>
+        </p:nvSpPr>
+        <p:spPr>
+          <a:xfrm>
+            <a:off x="9067800" y="4895855"/>
+            <a:ext cx="361950" cy="390525"/>
+          </a:xfrm>
+          <a:prstGeom prst="ellipse">
+            <a:avLst/>
+          </a:prstGeom>
+        </p:spPr>
+        <p:style>
+          <a:lnRef idx="2">
+            <a:schemeClr val="accent1">
+              <a:shade val="15000"/>
+            </a:schemeClr>
+          </a:lnRef>
+          <a:fillRef idx="1">
+            <a:schemeClr val="accent1"/>
+          </a:fillRef>
+          <a:effectRef idx="0">
+            <a:schemeClr val="accent1"/>
+          </a:effectRef>
+          <a:fontRef idx="minor">
+            <a:schemeClr val="lt1"/>
+          </a:fontRef>
+        </p:style>
+        <p:txBody>
+          <a:bodyPr rtlCol="0" anchor="ctr"/>
+          <a:lstStyle/>
+          <a:p>
+            <a:pPr algn="ctr"/>
+            <a:endParaRPr lang="en-US"/>
+          </a:p>
+        </p:txBody>
+      </p:sp>
+    </p:spTree>
+    <p:extLst>
+      <p:ext uri="{BB962C8B-B14F-4D97-AF65-F5344CB8AC3E}">
+        <p14:creationId xmlns:p14="http://schemas.microsoft.com/office/powerpoint/2010/main" val="2430606378"/>
+      </p:ext>
+    </p:extLst>
+  </p:cSld>
+  <p:clrMapOvr>
+    <a:masterClrMapping/>
+  </p:clrMapOvr>
+</p:sld>
+</file>
+
+<file path=ppt/slides/slide43.xml><?xml version="1.0" encoding="utf-8"?>
+<p:sld xmlns:a="http://schemas.openxmlformats.org/drawingml/2006/main" xmlns:r="http://schemas.openxmlformats.org/officeDocument/2006/relationships" xmlns:p="http://schemas.openxmlformats.org/presentationml/2006/main">
+  <p:cSld>
+    <p:spTree>
+      <p:nvGrpSpPr>
+        <p:cNvPr id="1" name=""/>
+        <p:cNvGrpSpPr/>
+        <p:nvPr/>
+      </p:nvGrpSpPr>
+      <p:grpSpPr>
+        <a:xfrm>
+          <a:off x="0" y="0"/>
+          <a:ext cx="0" cy="0"/>
+          <a:chOff x="0" y="0"/>
+          <a:chExt cx="0" cy="0"/>
+        </a:xfrm>
+      </p:grpSpPr>
+      <p:sp>
+        <p:nvSpPr>
+          <p:cNvPr id="2" name="Title 1">
+            <a:extLst>
+              <a:ext uri="{FF2B5EF4-FFF2-40B4-BE49-F238E27FC236}">
                 <a16:creationId xmlns:a16="http://schemas.microsoft.com/office/drawing/2014/main" id="{49074C14-374B-7943-F1DC-88A056B80D77}"/>
               </a:ext>
             </a:extLst>
@@ -27130,7 +27350,7 @@
 </p:sld>
 </file>
 
-<file path=ppt/slides/slide43.xml><?xml version="1.0" encoding="utf-8"?>
+<file path=ppt/slides/slide44.xml><?xml version="1.0" encoding="utf-8"?>
 <p:sld xmlns:a="http://schemas.openxmlformats.org/drawingml/2006/main" xmlns:r="http://schemas.openxmlformats.org/officeDocument/2006/relationships" xmlns:p="http://schemas.openxmlformats.org/presentationml/2006/main">
   <p:cSld>
     <p:spTree>
@@ -27292,7 +27512,7 @@
 </p:sld>
 </file>
 
-<file path=ppt/slides/slide44.xml><?xml version="1.0" encoding="utf-8"?>
+<file path=ppt/slides/slide45.xml><?xml version="1.0" encoding="utf-8"?>
 <p:sld xmlns:a="http://schemas.openxmlformats.org/drawingml/2006/main" xmlns:r="http://schemas.openxmlformats.org/officeDocument/2006/relationships" xmlns:p="http://schemas.openxmlformats.org/presentationml/2006/main">
   <p:cSld>
     <p:spTree>
@@ -27379,7 +27599,7 @@
 </p:sld>
 </file>
 
-<file path=ppt/slides/slide45.xml><?xml version="1.0" encoding="utf-8"?>
+<file path=ppt/slides/slide46.xml><?xml version="1.0" encoding="utf-8"?>
 <p:sld xmlns:a="http://schemas.openxmlformats.org/drawingml/2006/main" xmlns:r="http://schemas.openxmlformats.org/officeDocument/2006/relationships" xmlns:p="http://schemas.openxmlformats.org/presentationml/2006/main">
   <p:cSld>
     <p:spTree>
@@ -31444,7 +31664,7 @@
         </p:blipFill>
         <p:spPr>
           <a:xfrm>
-            <a:off x="4562647" y="2680176"/>
+            <a:off x="4633767" y="2924016"/>
             <a:ext cx="2427434" cy="781716"/>
           </a:xfrm>
         </p:spPr>
@@ -31471,7 +31691,7 @@
         </p:blipFill>
         <p:spPr>
           <a:xfrm>
-            <a:off x="4020633" y="4004339"/>
+            <a:off x="3168484" y="1912126"/>
             <a:ext cx="5938895" cy="2041495"/>
           </a:xfrm>
           <a:prstGeom prst="rect">
@@ -31479,6 +31699,294 @@
           </a:prstGeom>
         </p:spPr>
       </p:pic>
+      <p:sp>
+        <p:nvSpPr>
+          <p:cNvPr id="12" name="Left Brace 11">
+            <a:extLst>
+              <a:ext uri="{FF2B5EF4-FFF2-40B4-BE49-F238E27FC236}">
+                <a16:creationId xmlns:a16="http://schemas.microsoft.com/office/drawing/2014/main" id="{00B5B5B7-8975-E70B-7917-9B5855060AB5}"/>
+              </a:ext>
+            </a:extLst>
+          </p:cNvPr>
+          <p:cNvSpPr/>
+          <p:nvPr/>
+        </p:nvSpPr>
+        <p:spPr>
+          <a:xfrm rot="16200000">
+            <a:off x="5579798" y="3537059"/>
+            <a:ext cx="518160" cy="490348"/>
+          </a:xfrm>
+          <a:prstGeom prst="leftBrace">
+            <a:avLst>
+              <a:gd name="adj1" fmla="val 25000"/>
+              <a:gd name="adj2" fmla="val 50000"/>
+            </a:avLst>
+          </a:prstGeom>
+        </p:spPr>
+        <p:style>
+          <a:lnRef idx="1">
+            <a:schemeClr val="accent1"/>
+          </a:lnRef>
+          <a:fillRef idx="0">
+            <a:schemeClr val="accent1"/>
+          </a:fillRef>
+          <a:effectRef idx="0">
+            <a:schemeClr val="accent1"/>
+          </a:effectRef>
+          <a:fontRef idx="minor">
+            <a:schemeClr val="tx1"/>
+          </a:fontRef>
+        </p:style>
+        <p:txBody>
+          <a:bodyPr rtlCol="0" anchor="ctr"/>
+          <a:lstStyle/>
+          <a:p>
+            <a:pPr algn="ctr"/>
+            <a:endParaRPr lang="en-US"/>
+          </a:p>
+        </p:txBody>
+      </p:sp>
+      <p:sp>
+        <p:nvSpPr>
+          <p:cNvPr id="13" name="Left Brace 12">
+            <a:extLst>
+              <a:ext uri="{FF2B5EF4-FFF2-40B4-BE49-F238E27FC236}">
+                <a16:creationId xmlns:a16="http://schemas.microsoft.com/office/drawing/2014/main" id="{36139BA9-CBBC-7C3A-0B77-800DC388487B}"/>
+              </a:ext>
+            </a:extLst>
+          </p:cNvPr>
+          <p:cNvSpPr/>
+          <p:nvPr/>
+        </p:nvSpPr>
+        <p:spPr>
+          <a:xfrm rot="16200000">
+            <a:off x="4766998" y="3567539"/>
+            <a:ext cx="518160" cy="490348"/>
+          </a:xfrm>
+          <a:prstGeom prst="leftBrace">
+            <a:avLst>
+              <a:gd name="adj1" fmla="val 25000"/>
+              <a:gd name="adj2" fmla="val 50000"/>
+            </a:avLst>
+          </a:prstGeom>
+        </p:spPr>
+        <p:style>
+          <a:lnRef idx="1">
+            <a:schemeClr val="accent1"/>
+          </a:lnRef>
+          <a:fillRef idx="0">
+            <a:schemeClr val="accent1"/>
+          </a:fillRef>
+          <a:effectRef idx="0">
+            <a:schemeClr val="accent1"/>
+          </a:effectRef>
+          <a:fontRef idx="minor">
+            <a:schemeClr val="tx1"/>
+          </a:fontRef>
+        </p:style>
+        <p:txBody>
+          <a:bodyPr rtlCol="0" anchor="ctr"/>
+          <a:lstStyle/>
+          <a:p>
+            <a:pPr algn="ctr"/>
+            <a:endParaRPr lang="en-US"/>
+          </a:p>
+        </p:txBody>
+      </p:sp>
+      <p:sp>
+        <p:nvSpPr>
+          <p:cNvPr id="14" name="Left Brace 13">
+            <a:extLst>
+              <a:ext uri="{FF2B5EF4-FFF2-40B4-BE49-F238E27FC236}">
+                <a16:creationId xmlns:a16="http://schemas.microsoft.com/office/drawing/2014/main" id="{C379006D-9F61-FCED-1E0B-75883FAECF92}"/>
+              </a:ext>
+            </a:extLst>
+          </p:cNvPr>
+          <p:cNvSpPr/>
+          <p:nvPr/>
+        </p:nvSpPr>
+        <p:spPr>
+          <a:xfrm rot="16200000">
+            <a:off x="6260518" y="3608179"/>
+            <a:ext cx="518160" cy="490348"/>
+          </a:xfrm>
+          <a:prstGeom prst="leftBrace">
+            <a:avLst>
+              <a:gd name="adj1" fmla="val 25000"/>
+              <a:gd name="adj2" fmla="val 50000"/>
+            </a:avLst>
+          </a:prstGeom>
+        </p:spPr>
+        <p:style>
+          <a:lnRef idx="1">
+            <a:schemeClr val="accent1"/>
+          </a:lnRef>
+          <a:fillRef idx="0">
+            <a:schemeClr val="accent1"/>
+          </a:fillRef>
+          <a:effectRef idx="0">
+            <a:schemeClr val="accent1"/>
+          </a:effectRef>
+          <a:fontRef idx="minor">
+            <a:schemeClr val="tx1"/>
+          </a:fontRef>
+        </p:style>
+        <p:txBody>
+          <a:bodyPr rtlCol="0" anchor="ctr"/>
+          <a:lstStyle/>
+          <a:p>
+            <a:pPr algn="ctr"/>
+            <a:endParaRPr lang="en-US"/>
+          </a:p>
+        </p:txBody>
+      </p:sp>
+      <p:sp>
+        <p:nvSpPr>
+          <p:cNvPr id="15" name="Oval Callout 14">
+            <a:extLst>
+              <a:ext uri="{FF2B5EF4-FFF2-40B4-BE49-F238E27FC236}">
+                <a16:creationId xmlns:a16="http://schemas.microsoft.com/office/drawing/2014/main" id="{7B9D3A22-C287-BBD1-B0E3-CF135DAA6783}"/>
+              </a:ext>
+            </a:extLst>
+          </p:cNvPr>
+          <p:cNvSpPr/>
+          <p:nvPr/>
+        </p:nvSpPr>
+        <p:spPr>
+          <a:xfrm>
+            <a:off x="1341120" y="4401992"/>
+            <a:ext cx="2413624" cy="1267288"/>
+          </a:xfrm>
+          <a:prstGeom prst="wedgeEllipseCallout">
+            <a:avLst>
+              <a:gd name="adj1" fmla="val 103346"/>
+              <a:gd name="adj2" fmla="val -76998"/>
+            </a:avLst>
+          </a:prstGeom>
+        </p:spPr>
+        <p:style>
+          <a:lnRef idx="2">
+            <a:schemeClr val="accent1">
+              <a:shade val="15000"/>
+            </a:schemeClr>
+          </a:lnRef>
+          <a:fillRef idx="1">
+            <a:schemeClr val="accent1"/>
+          </a:fillRef>
+          <a:effectRef idx="0">
+            <a:schemeClr val="accent1"/>
+          </a:effectRef>
+          <a:fontRef idx="minor">
+            <a:schemeClr val="lt1"/>
+          </a:fontRef>
+        </p:style>
+        <p:txBody>
+          <a:bodyPr rtlCol="0" anchor="ctr"/>
+          <a:lstStyle/>
+          <a:p>
+            <a:pPr algn="ctr"/>
+            <a:endParaRPr lang="en-US"/>
+          </a:p>
+        </p:txBody>
+      </p:sp>
+      <p:sp>
+        <p:nvSpPr>
+          <p:cNvPr id="16" name="Oval Callout 15">
+            <a:extLst>
+              <a:ext uri="{FF2B5EF4-FFF2-40B4-BE49-F238E27FC236}">
+                <a16:creationId xmlns:a16="http://schemas.microsoft.com/office/drawing/2014/main" id="{D1470AB5-5780-7216-9007-F65DA842A6D6}"/>
+              </a:ext>
+            </a:extLst>
+          </p:cNvPr>
+          <p:cNvSpPr/>
+          <p:nvPr/>
+        </p:nvSpPr>
+        <p:spPr>
+          <a:xfrm>
+            <a:off x="4647577" y="4733191"/>
+            <a:ext cx="2413624" cy="1267288"/>
+          </a:xfrm>
+          <a:prstGeom prst="wedgeEllipseCallout">
+            <a:avLst>
+              <a:gd name="adj1" fmla="val -627"/>
+              <a:gd name="adj2" fmla="val -104257"/>
+            </a:avLst>
+          </a:prstGeom>
+        </p:spPr>
+        <p:style>
+          <a:lnRef idx="2">
+            <a:schemeClr val="accent1">
+              <a:shade val="15000"/>
+            </a:schemeClr>
+          </a:lnRef>
+          <a:fillRef idx="1">
+            <a:schemeClr val="accent1"/>
+          </a:fillRef>
+          <a:effectRef idx="0">
+            <a:schemeClr val="accent1"/>
+          </a:effectRef>
+          <a:fontRef idx="minor">
+            <a:schemeClr val="lt1"/>
+          </a:fontRef>
+        </p:style>
+        <p:txBody>
+          <a:bodyPr rtlCol="0" anchor="ctr"/>
+          <a:lstStyle/>
+          <a:p>
+            <a:pPr algn="ctr"/>
+            <a:endParaRPr lang="en-US"/>
+          </a:p>
+        </p:txBody>
+      </p:sp>
+      <p:sp>
+        <p:nvSpPr>
+          <p:cNvPr id="17" name="Oval Callout 16">
+            <a:extLst>
+              <a:ext uri="{FF2B5EF4-FFF2-40B4-BE49-F238E27FC236}">
+                <a16:creationId xmlns:a16="http://schemas.microsoft.com/office/drawing/2014/main" id="{18516E7E-8FAD-A4E4-6132-8DE8ED6B2952}"/>
+              </a:ext>
+            </a:extLst>
+          </p:cNvPr>
+          <p:cNvSpPr/>
+          <p:nvPr/>
+        </p:nvSpPr>
+        <p:spPr>
+          <a:xfrm>
+            <a:off x="7954034" y="4733191"/>
+            <a:ext cx="2413624" cy="1267288"/>
+          </a:xfrm>
+          <a:prstGeom prst="wedgeEllipseCallout">
+            <a:avLst>
+              <a:gd name="adj1" fmla="val -111335"/>
+              <a:gd name="adj2" fmla="val -97843"/>
+            </a:avLst>
+          </a:prstGeom>
+        </p:spPr>
+        <p:style>
+          <a:lnRef idx="2">
+            <a:schemeClr val="accent1">
+              <a:shade val="15000"/>
+            </a:schemeClr>
+          </a:lnRef>
+          <a:fillRef idx="1">
+            <a:schemeClr val="accent1"/>
+          </a:fillRef>
+          <a:effectRef idx="0">
+            <a:schemeClr val="accent1"/>
+          </a:effectRef>
+          <a:fontRef idx="minor">
+            <a:schemeClr val="lt1"/>
+          </a:fontRef>
+        </p:style>
+        <p:txBody>
+          <a:bodyPr rtlCol="0" anchor="ctr"/>
+          <a:lstStyle/>
+          <a:p>
+            <a:pPr algn="ctr"/>
+            <a:endParaRPr lang="en-US"/>
+          </a:p>
+        </p:txBody>
+      </p:sp>
     </p:spTree>
     <p:extLst>
       <p:ext uri="{BB962C8B-B14F-4D97-AF65-F5344CB8AC3E}">
@@ -31563,6 +32071,32 @@
               <a:t>A logic of resources</a:t>
             </a:r>
           </a:p>
+          <a:p>
+            <a:r>
+              <a:rPr lang="en-US" dirty="0"/>
+              <a:t>Physical resources a program can use</a:t>
+            </a:r>
+          </a:p>
+          <a:p>
+            <a:r>
+              <a:rPr lang="en-US" b="1" dirty="0"/>
+              <a:t>p -&gt; v </a:t>
+            </a:r>
+            <a:endParaRPr lang="en-US" i="1" dirty="0"/>
+          </a:p>
+          <a:p>
+            <a:r>
+              <a:rPr lang="en-US" i="1" dirty="0"/>
+              <a:t>P * Q</a:t>
+            </a:r>
+            <a:br>
+              <a:rPr lang="en-US" i="1" dirty="0"/>
+            </a:br>
+            <a:br>
+              <a:rPr lang="en-US" i="1" dirty="0"/>
+            </a:br>
+            <a:endParaRPr lang="en-US" i="1" dirty="0"/>
+          </a:p>
         </p:txBody>
       </p:sp>
       <p:pic>
@@ -31587,8 +32121,8 @@
         </p:blipFill>
         <p:spPr>
           <a:xfrm>
-            <a:off x="5416550" y="3073400"/>
-            <a:ext cx="1358900" cy="711200"/>
+            <a:off x="4604653" y="3505477"/>
+            <a:ext cx="4028168" cy="2108200"/>
           </a:xfrm>
           <a:prstGeom prst="rect">
             <a:avLst/>
@@ -31617,8 +32151,38 @@
         </p:blipFill>
         <p:spPr>
           <a:xfrm>
-            <a:off x="5734050" y="3986371"/>
-            <a:ext cx="2082800" cy="673100"/>
+            <a:off x="5504813" y="1904521"/>
+            <a:ext cx="6256015" cy="2021761"/>
+          </a:xfrm>
+          <a:prstGeom prst="rect">
+            <a:avLst/>
+          </a:prstGeom>
+        </p:spPr>
+      </p:pic>
+      <p:pic>
+        <p:nvPicPr>
+          <p:cNvPr id="9" name="Picture 8" descr="A black text on a white background&#10;&#10;Description automatically generated">
+            <a:extLst>
+              <a:ext uri="{FF2B5EF4-FFF2-40B4-BE49-F238E27FC236}">
+                <a16:creationId xmlns:a16="http://schemas.microsoft.com/office/drawing/2014/main" id="{E197400B-118F-78E1-0189-EA6E988C017B}"/>
+              </a:ext>
+            </a:extLst>
+          </p:cNvPr>
+          <p:cNvPicPr>
+            <a:picLocks noChangeAspect="1"/>
+          </p:cNvPicPr>
+          <p:nvPr/>
+        </p:nvPicPr>
+        <p:blipFill>
+          <a:blip r:embed="rId5"/>
+          <a:stretch>
+            <a:fillRect/>
+          </a:stretch>
+        </p:blipFill>
+        <p:spPr>
+          <a:xfrm>
+            <a:off x="0" y="4963952"/>
+            <a:ext cx="6419612" cy="2021761"/>
           </a:xfrm>
           <a:prstGeom prst="rect">
             <a:avLst/>
@@ -31796,17 +32360,15 @@
           <a:p>
             <a:r>
               <a:rPr lang="en-US" dirty="0"/>
-              <a:t>Plumbing interference relation throughout the whole proof [TODO]</a:t>
-            </a:r>
-          </a:p>
-          <a:p>
+              <a:t>Getting cumbersome</a:t>
+            </a:r>
+          </a:p>
+          <a:p>
+            <a:pPr lvl="1"/>
             <a:r>
               <a:rPr lang="en-US" dirty="0"/>
-              <a:t>Cumbersome proof due to carrying all the bits on the local state [TODO]</a:t>
-            </a:r>
-          </a:p>
-          <a:p>
-            <a:endParaRPr lang="en-US" dirty="0"/>
+              <a:t>All these local-state related pieces plumbed through all over the proof?</a:t>
+            </a:r>
           </a:p>
         </p:txBody>
       </p:sp>
@@ -31863,7 +32425,7 @@
           <a:p>
             <a:r>
               <a:rPr lang="en-US" dirty="0"/>
-              <a:t>Abstracting Separation Logic</a:t>
+              <a:t>Abstracting Separation Logic: Ghosts</a:t>
             </a:r>
           </a:p>
         </p:txBody>
@@ -31889,10 +32451,113 @@
           <a:bodyPr/>
           <a:lstStyle/>
           <a:p>
+            <a:r>
+              <a:rPr lang="en-US" dirty="0"/>
+              <a:t>Generalized notion of resource with </a:t>
+            </a:r>
+            <a:r>
+              <a:rPr lang="en-US" b="1" dirty="0"/>
+              <a:t>PCM</a:t>
+            </a:r>
+            <a:r>
+              <a:rPr lang="en-US" dirty="0"/>
+              <a:t>s</a:t>
+            </a:r>
+          </a:p>
+          <a:p>
+            <a:pPr lvl="1"/>
+            <a:r>
+              <a:rPr lang="en-US" dirty="0"/>
+              <a:t>Either for</a:t>
+            </a:r>
+            <a:r>
+              <a:rPr lang="en-US" b="1" dirty="0"/>
+              <a:t> ghost (logical) </a:t>
+            </a:r>
+            <a:r>
+              <a:rPr lang="en-US" dirty="0"/>
+              <a:t>or </a:t>
+            </a:r>
+            <a:r>
+              <a:rPr lang="en-US" b="1" dirty="0"/>
+              <a:t>physical state (heap, stack etc.)</a:t>
+            </a:r>
+          </a:p>
+          <a:p>
+            <a:pPr lvl="1"/>
+            <a:endParaRPr lang="en-US" b="1" dirty="0"/>
+          </a:p>
+          <a:p>
+            <a:pPr lvl="1"/>
+            <a:endParaRPr lang="en-US" b="1" dirty="0"/>
+          </a:p>
+          <a:p>
+            <a:pPr lvl="1"/>
+            <a:endParaRPr lang="en-US" b="1" dirty="0"/>
+          </a:p>
+          <a:p>
+            <a:pPr lvl="1"/>
+            <a:r>
+              <a:rPr lang="en-US" dirty="0"/>
+              <a:t>Capability of custom-tailored “</a:t>
+            </a:r>
+            <a:r>
+              <a:rPr lang="en-US" i="1" dirty="0" err="1"/>
+              <a:t>pointsto</a:t>
+            </a:r>
+            <a:r>
+              <a:rPr lang="en-US" i="1" dirty="0"/>
+              <a:t>” relations,</a:t>
+            </a:r>
+          </a:p>
+          <a:p>
+            <a:pPr lvl="2"/>
+            <a:r>
+              <a:rPr lang="en-US" i="1" dirty="0"/>
+              <a:t> e.g. virtual-memory-</a:t>
+            </a:r>
+            <a:r>
+              <a:rPr lang="en-US" i="1" dirty="0" err="1"/>
+              <a:t>pointsto</a:t>
+            </a:r>
+            <a:r>
+              <a:rPr lang="en-US" i="1" dirty="0"/>
+              <a:t>!</a:t>
+            </a:r>
             <a:endParaRPr lang="en-US" dirty="0"/>
           </a:p>
         </p:txBody>
       </p:sp>
+      <p:pic>
+        <p:nvPicPr>
+          <p:cNvPr id="5" name="Picture 4">
+            <a:extLst>
+              <a:ext uri="{FF2B5EF4-FFF2-40B4-BE49-F238E27FC236}">
+                <a16:creationId xmlns:a16="http://schemas.microsoft.com/office/drawing/2014/main" id="{4A14AAB7-AD43-CFB1-6593-2BB9FF09E48F}"/>
+              </a:ext>
+            </a:extLst>
+          </p:cNvPr>
+          <p:cNvPicPr>
+            <a:picLocks noChangeAspect="1"/>
+          </p:cNvPicPr>
+          <p:nvPr/>
+        </p:nvPicPr>
+        <p:blipFill>
+          <a:blip r:embed="rId3"/>
+          <a:stretch>
+            <a:fillRect/>
+          </a:stretch>
+        </p:blipFill>
+        <p:spPr>
+          <a:xfrm>
+            <a:off x="4922520" y="2839720"/>
+            <a:ext cx="1993900" cy="797560"/>
+          </a:xfrm>
+          <a:prstGeom prst="rect">
+            <a:avLst/>
+          </a:prstGeom>
+        </p:spPr>
+      </p:pic>
     </p:spTree>
     <p:extLst>
       <p:ext uri="{BB962C8B-B14F-4D97-AF65-F5344CB8AC3E}">
@@ -31946,7 +32611,7 @@
           <a:p>
             <a:r>
               <a:rPr lang="en-US" dirty="0"/>
-              <a:t>Separation Logic: Ghost Resources</a:t>
+              <a:t>Separation Logic: Sharing Knowledge</a:t>
             </a:r>
           </a:p>
         </p:txBody>
@@ -31972,10 +32637,79 @@
           <a:bodyPr/>
           <a:lstStyle/>
           <a:p>
-            <a:endParaRPr lang="en-US"/>
-          </a:p>
-        </p:txBody>
-      </p:sp>
+            <a:r>
+              <a:rPr lang="en-US" dirty="0"/>
+              <a:t>Capability of sharing knowledge</a:t>
+            </a:r>
+          </a:p>
+          <a:p>
+            <a:r>
+              <a:rPr lang="en-US" dirty="0"/>
+              <a:t>Even using it under a promise</a:t>
+            </a:r>
+          </a:p>
+        </p:txBody>
+      </p:sp>
+      <p:pic>
+        <p:nvPicPr>
+          <p:cNvPr id="5" name="Picture 4" descr="A mathematical equation with black text&#10;&#10;Description automatically generated">
+            <a:extLst>
+              <a:ext uri="{FF2B5EF4-FFF2-40B4-BE49-F238E27FC236}">
+                <a16:creationId xmlns:a16="http://schemas.microsoft.com/office/drawing/2014/main" id="{AF2A6A61-4B34-8CBA-3976-C399ADA92AC7}"/>
+              </a:ext>
+            </a:extLst>
+          </p:cNvPr>
+          <p:cNvPicPr>
+            <a:picLocks noChangeAspect="1"/>
+          </p:cNvPicPr>
+          <p:nvPr/>
+        </p:nvPicPr>
+        <p:blipFill>
+          <a:blip r:embed="rId3"/>
+          <a:stretch>
+            <a:fillRect/>
+          </a:stretch>
+        </p:blipFill>
+        <p:spPr>
+          <a:xfrm>
+            <a:off x="2464167" y="3272790"/>
+            <a:ext cx="7263665" cy="1695450"/>
+          </a:xfrm>
+          <a:prstGeom prst="rect">
+            <a:avLst/>
+          </a:prstGeom>
+        </p:spPr>
+      </p:pic>
+      <p:pic>
+        <p:nvPicPr>
+          <p:cNvPr id="7" name="Picture 6">
+            <a:extLst>
+              <a:ext uri="{FF2B5EF4-FFF2-40B4-BE49-F238E27FC236}">
+                <a16:creationId xmlns:a16="http://schemas.microsoft.com/office/drawing/2014/main" id="{F6ACF4D4-0EE7-4F44-ED8E-98044DEBF06C}"/>
+              </a:ext>
+            </a:extLst>
+          </p:cNvPr>
+          <p:cNvPicPr>
+            <a:picLocks noChangeAspect="1"/>
+          </p:cNvPicPr>
+          <p:nvPr/>
+        </p:nvPicPr>
+        <p:blipFill>
+          <a:blip r:embed="rId4"/>
+          <a:stretch>
+            <a:fillRect/>
+          </a:stretch>
+        </p:blipFill>
+        <p:spPr>
+          <a:xfrm>
+            <a:off x="6356349" y="1690688"/>
+            <a:ext cx="1020189" cy="889952"/>
+          </a:xfrm>
+          <a:prstGeom prst="rect">
+            <a:avLst/>
+          </a:prstGeom>
+        </p:spPr>
+      </p:pic>
     </p:spTree>
     <p:extLst>
       <p:ext uri="{BB962C8B-B14F-4D97-AF65-F5344CB8AC3E}">

--- a/thesis_proposal/proposal.pptx
+++ b/thesis_proposal/proposal.pptx
@@ -17,9 +17,9 @@
     <p:sldId id="298" r:id="rId8"/>
     <p:sldId id="292" r:id="rId9"/>
     <p:sldId id="302" r:id="rId10"/>
-    <p:sldId id="303" r:id="rId11"/>
-    <p:sldId id="291" r:id="rId12"/>
-    <p:sldId id="296" r:id="rId13"/>
+    <p:sldId id="291" r:id="rId11"/>
+    <p:sldId id="296" r:id="rId12"/>
+    <p:sldId id="303" r:id="rId13"/>
     <p:sldId id="297" r:id="rId14"/>
     <p:sldId id="301" r:id="rId15"/>
     <p:sldId id="310" r:id="rId16"/>
@@ -637,7 +637,7 @@
           <a:bodyPr/>
           <a:lstStyle/>
           <a:p>
-            <a:endParaRPr lang="en-US"/>
+            <a:endParaRPr lang="en-US" dirty="0"/>
           </a:p>
         </p:txBody>
       </p:sp>
@@ -658,7 +658,7 @@
           <a:p>
             <a:fld id="{180B0F4F-C4CA-F945-8BD8-C2A10415F31A}" type="slidenum">
               <a:rPr lang="en-US" smtClean="0"/>
-              <a:t>19</a:t>
+              <a:t>18</a:t>
             </a:fld>
             <a:endParaRPr lang="en-US"/>
           </a:p>
@@ -667,7 +667,7 @@
     </p:spTree>
     <p:extLst>
       <p:ext uri="{BB962C8B-B14F-4D97-AF65-F5344CB8AC3E}">
-        <p14:creationId xmlns:p14="http://schemas.microsoft.com/office/powerpoint/2010/main" val="4175223098"/>
+        <p14:creationId xmlns:p14="http://schemas.microsoft.com/office/powerpoint/2010/main" val="2791394585"/>
       </p:ext>
     </p:extLst>
   </p:cSld>
@@ -721,7 +721,7 @@
           <a:bodyPr/>
           <a:lstStyle/>
           <a:p>
-            <a:endParaRPr lang="en-US" dirty="0"/>
+            <a:endParaRPr lang="en-US"/>
           </a:p>
         </p:txBody>
       </p:sp>
@@ -742,7 +742,7 @@
           <a:p>
             <a:fld id="{180B0F4F-C4CA-F945-8BD8-C2A10415F31A}" type="slidenum">
               <a:rPr lang="en-US" smtClean="0"/>
-              <a:t>20</a:t>
+              <a:t>19</a:t>
             </a:fld>
             <a:endParaRPr lang="en-US"/>
           </a:p>
@@ -751,7 +751,7 @@
     </p:spTree>
     <p:extLst>
       <p:ext uri="{BB962C8B-B14F-4D97-AF65-F5344CB8AC3E}">
-        <p14:creationId xmlns:p14="http://schemas.microsoft.com/office/powerpoint/2010/main" val="2075521826"/>
+        <p14:creationId xmlns:p14="http://schemas.microsoft.com/office/powerpoint/2010/main" val="4175223098"/>
       </p:ext>
     </p:extLst>
   </p:cSld>
@@ -805,7 +805,7 @@
           <a:bodyPr/>
           <a:lstStyle/>
           <a:p>
-            <a:endParaRPr lang="en-US"/>
+            <a:endParaRPr lang="en-US" dirty="0"/>
           </a:p>
         </p:txBody>
       </p:sp>
@@ -826,7 +826,7 @@
           <a:p>
             <a:fld id="{180B0F4F-C4CA-F945-8BD8-C2A10415F31A}" type="slidenum">
               <a:rPr lang="en-US" smtClean="0"/>
-              <a:t>21</a:t>
+              <a:t>20</a:t>
             </a:fld>
             <a:endParaRPr lang="en-US"/>
           </a:p>
@@ -835,7 +835,7 @@
     </p:spTree>
     <p:extLst>
       <p:ext uri="{BB962C8B-B14F-4D97-AF65-F5344CB8AC3E}">
-        <p14:creationId xmlns:p14="http://schemas.microsoft.com/office/powerpoint/2010/main" val="1471488681"/>
+        <p14:creationId xmlns:p14="http://schemas.microsoft.com/office/powerpoint/2010/main" val="2075521826"/>
       </p:ext>
     </p:extLst>
   </p:cSld>
@@ -910,7 +910,7 @@
           <a:p>
             <a:fld id="{180B0F4F-C4CA-F945-8BD8-C2A10415F31A}" type="slidenum">
               <a:rPr lang="en-US" smtClean="0"/>
-              <a:t>23</a:t>
+              <a:t>21</a:t>
             </a:fld>
             <a:endParaRPr lang="en-US"/>
           </a:p>
@@ -919,7 +919,7 @@
     </p:spTree>
     <p:extLst>
       <p:ext uri="{BB962C8B-B14F-4D97-AF65-F5344CB8AC3E}">
-        <p14:creationId xmlns:p14="http://schemas.microsoft.com/office/powerpoint/2010/main" val="2207898864"/>
+        <p14:creationId xmlns:p14="http://schemas.microsoft.com/office/powerpoint/2010/main" val="1471488681"/>
       </p:ext>
     </p:extLst>
   </p:cSld>
@@ -973,7 +973,7 @@
           <a:bodyPr/>
           <a:lstStyle/>
           <a:p>
-            <a:endParaRPr lang="en-US" dirty="0"/>
+            <a:endParaRPr lang="en-US"/>
           </a:p>
         </p:txBody>
       </p:sp>
@@ -994,7 +994,7 @@
           <a:p>
             <a:fld id="{180B0F4F-C4CA-F945-8BD8-C2A10415F31A}" type="slidenum">
               <a:rPr lang="en-US" smtClean="0"/>
-              <a:t>24</a:t>
+              <a:t>23</a:t>
             </a:fld>
             <a:endParaRPr lang="en-US"/>
           </a:p>
@@ -1003,7 +1003,7 @@
     </p:spTree>
     <p:extLst>
       <p:ext uri="{BB962C8B-B14F-4D97-AF65-F5344CB8AC3E}">
-        <p14:creationId xmlns:p14="http://schemas.microsoft.com/office/powerpoint/2010/main" val="1977058663"/>
+        <p14:creationId xmlns:p14="http://schemas.microsoft.com/office/powerpoint/2010/main" val="2207898864"/>
       </p:ext>
     </p:extLst>
   </p:cSld>
@@ -1057,7 +1057,7 @@
           <a:bodyPr/>
           <a:lstStyle/>
           <a:p>
-            <a:endParaRPr lang="en-US"/>
+            <a:endParaRPr lang="en-US" dirty="0"/>
           </a:p>
         </p:txBody>
       </p:sp>
@@ -1078,7 +1078,7 @@
           <a:p>
             <a:fld id="{180B0F4F-C4CA-F945-8BD8-C2A10415F31A}" type="slidenum">
               <a:rPr lang="en-US" smtClean="0"/>
-              <a:t>25</a:t>
+              <a:t>24</a:t>
             </a:fld>
             <a:endParaRPr lang="en-US"/>
           </a:p>
@@ -1087,7 +1087,7 @@
     </p:spTree>
     <p:extLst>
       <p:ext uri="{BB962C8B-B14F-4D97-AF65-F5344CB8AC3E}">
-        <p14:creationId xmlns:p14="http://schemas.microsoft.com/office/powerpoint/2010/main" val="1305491200"/>
+        <p14:creationId xmlns:p14="http://schemas.microsoft.com/office/powerpoint/2010/main" val="1977058663"/>
       </p:ext>
     </p:extLst>
   </p:cSld>
@@ -1141,7 +1141,7 @@
           <a:bodyPr/>
           <a:lstStyle/>
           <a:p>
-            <a:endParaRPr lang="en-US" dirty="0"/>
+            <a:endParaRPr lang="en-US"/>
           </a:p>
         </p:txBody>
       </p:sp>
@@ -1162,7 +1162,7 @@
           <a:p>
             <a:fld id="{180B0F4F-C4CA-F945-8BD8-C2A10415F31A}" type="slidenum">
               <a:rPr lang="en-US" smtClean="0"/>
-              <a:t>27</a:t>
+              <a:t>25</a:t>
             </a:fld>
             <a:endParaRPr lang="en-US"/>
           </a:p>
@@ -1171,7 +1171,7 @@
     </p:spTree>
     <p:extLst>
       <p:ext uri="{BB962C8B-B14F-4D97-AF65-F5344CB8AC3E}">
-        <p14:creationId xmlns:p14="http://schemas.microsoft.com/office/powerpoint/2010/main" val="2295082353"/>
+        <p14:creationId xmlns:p14="http://schemas.microsoft.com/office/powerpoint/2010/main" val="1305491200"/>
       </p:ext>
     </p:extLst>
   </p:cSld>
@@ -1246,7 +1246,7 @@
           <a:p>
             <a:fld id="{180B0F4F-C4CA-F945-8BD8-C2A10415F31A}" type="slidenum">
               <a:rPr lang="en-US" smtClean="0"/>
-              <a:t>28</a:t>
+              <a:t>27</a:t>
             </a:fld>
             <a:endParaRPr lang="en-US"/>
           </a:p>
@@ -1255,7 +1255,7 @@
     </p:spTree>
     <p:extLst>
       <p:ext uri="{BB962C8B-B14F-4D97-AF65-F5344CB8AC3E}">
-        <p14:creationId xmlns:p14="http://schemas.microsoft.com/office/powerpoint/2010/main" val="3232203025"/>
+        <p14:creationId xmlns:p14="http://schemas.microsoft.com/office/powerpoint/2010/main" val="2295082353"/>
       </p:ext>
     </p:extLst>
   </p:cSld>
@@ -1330,7 +1330,7 @@
           <a:p>
             <a:fld id="{180B0F4F-C4CA-F945-8BD8-C2A10415F31A}" type="slidenum">
               <a:rPr lang="en-US" smtClean="0"/>
-              <a:t>29</a:t>
+              <a:t>28</a:t>
             </a:fld>
             <a:endParaRPr lang="en-US"/>
           </a:p>
@@ -1339,7 +1339,7 @@
     </p:spTree>
     <p:extLst>
       <p:ext uri="{BB962C8B-B14F-4D97-AF65-F5344CB8AC3E}">
-        <p14:creationId xmlns:p14="http://schemas.microsoft.com/office/powerpoint/2010/main" val="180261347"/>
+        <p14:creationId xmlns:p14="http://schemas.microsoft.com/office/powerpoint/2010/main" val="3232203025"/>
       </p:ext>
     </p:extLst>
   </p:cSld>
@@ -1393,10 +1393,7 @@
           <a:bodyPr/>
           <a:lstStyle/>
           <a:p>
-            <a:r>
-              <a:rPr lang="en-US" dirty="0"/>
-              <a:t>As backup slide.</a:t>
-            </a:r>
+            <a:endParaRPr lang="en-US" dirty="0"/>
           </a:p>
         </p:txBody>
       </p:sp>
@@ -1417,7 +1414,7 @@
           <a:p>
             <a:fld id="{180B0F4F-C4CA-F945-8BD8-C2A10415F31A}" type="slidenum">
               <a:rPr lang="en-US" smtClean="0"/>
-              <a:t>45</a:t>
+              <a:t>29</a:t>
             </a:fld>
             <a:endParaRPr lang="en-US"/>
           </a:p>
@@ -1426,7 +1423,7 @@
     </p:spTree>
     <p:extLst>
       <p:ext uri="{BB962C8B-B14F-4D97-AF65-F5344CB8AC3E}">
-        <p14:creationId xmlns:p14="http://schemas.microsoft.com/office/powerpoint/2010/main" val="819162960"/>
+        <p14:creationId xmlns:p14="http://schemas.microsoft.com/office/powerpoint/2010/main" val="180261347"/>
       </p:ext>
     </p:extLst>
   </p:cSld>
@@ -1655,6 +1652,93 @@
           <a:p>
             <a:r>
               <a:rPr lang="en-US" dirty="0"/>
+              <a:t>As backup slide.</a:t>
+            </a:r>
+          </a:p>
+        </p:txBody>
+      </p:sp>
+      <p:sp>
+        <p:nvSpPr>
+          <p:cNvPr id="4" name="Slide Number Placeholder 3"/>
+          <p:cNvSpPr>
+            <a:spLocks noGrp="1"/>
+          </p:cNvSpPr>
+          <p:nvPr>
+            <p:ph type="sldNum" sz="quarter" idx="5"/>
+          </p:nvPr>
+        </p:nvSpPr>
+        <p:spPr/>
+        <p:txBody>
+          <a:bodyPr/>
+          <a:lstStyle/>
+          <a:p>
+            <a:fld id="{180B0F4F-C4CA-F945-8BD8-C2A10415F31A}" type="slidenum">
+              <a:rPr lang="en-US" smtClean="0"/>
+              <a:t>45</a:t>
+            </a:fld>
+            <a:endParaRPr lang="en-US"/>
+          </a:p>
+        </p:txBody>
+      </p:sp>
+    </p:spTree>
+    <p:extLst>
+      <p:ext uri="{BB962C8B-B14F-4D97-AF65-F5344CB8AC3E}">
+        <p14:creationId xmlns:p14="http://schemas.microsoft.com/office/powerpoint/2010/main" val="819162960"/>
+      </p:ext>
+    </p:extLst>
+  </p:cSld>
+  <p:clrMapOvr>
+    <a:masterClrMapping/>
+  </p:clrMapOvr>
+</p:notes>
+</file>
+
+<file path=ppt/notesSlides/notesSlide21.xml><?xml version="1.0" encoding="utf-8"?>
+<p:notes xmlns:a="http://schemas.openxmlformats.org/drawingml/2006/main" xmlns:r="http://schemas.openxmlformats.org/officeDocument/2006/relationships" xmlns:p="http://schemas.openxmlformats.org/presentationml/2006/main">
+  <p:cSld>
+    <p:spTree>
+      <p:nvGrpSpPr>
+        <p:cNvPr id="1" name=""/>
+        <p:cNvGrpSpPr/>
+        <p:nvPr/>
+      </p:nvGrpSpPr>
+      <p:grpSpPr>
+        <a:xfrm>
+          <a:off x="0" y="0"/>
+          <a:ext cx="0" cy="0"/>
+          <a:chOff x="0" y="0"/>
+          <a:chExt cx="0" cy="0"/>
+        </a:xfrm>
+      </p:grpSpPr>
+      <p:sp>
+        <p:nvSpPr>
+          <p:cNvPr id="2" name="Slide Image Placeholder 1"/>
+          <p:cNvSpPr>
+            <a:spLocks noGrp="1" noRot="1" noChangeAspect="1"/>
+          </p:cNvSpPr>
+          <p:nvPr>
+            <p:ph type="sldImg"/>
+          </p:nvPr>
+        </p:nvSpPr>
+        <p:spPr/>
+      </p:sp>
+      <p:sp>
+        <p:nvSpPr>
+          <p:cNvPr id="3" name="Notes Placeholder 2"/>
+          <p:cNvSpPr>
+            <a:spLocks noGrp="1"/>
+          </p:cNvSpPr>
+          <p:nvPr>
+            <p:ph type="body" idx="1"/>
+          </p:nvPr>
+        </p:nvSpPr>
+        <p:spPr/>
+        <p:txBody>
+          <a:bodyPr/>
+          <a:lstStyle/>
+          <a:p>
+            <a:r>
+              <a:rPr lang="en-US" dirty="0"/>
               <a:t>It might want to defrag / compress page tables </a:t>
             </a:r>
           </a:p>
@@ -2425,6 +2509,139 @@
           <a:bodyPr/>
           <a:lstStyle/>
           <a:p>
+            <a:r>
+              <a:rPr lang="en-US" dirty="0">
+                <a:solidFill>
+                  <a:srgbClr val="FF0000"/>
+                </a:solidFill>
+              </a:rPr>
+              <a:t>Contingency</a:t>
+            </a:r>
+          </a:p>
+          <a:p>
+            <a:r>
+              <a:rPr lang="en-US" dirty="0">
+                <a:solidFill>
+                  <a:srgbClr val="FF0000"/>
+                </a:solidFill>
+              </a:rPr>
+              <a:t>The modals we are interested in this paper are shaped around </a:t>
+            </a:r>
+          </a:p>
+          <a:p>
+            <a:pPr lvl="1"/>
+            <a:r>
+              <a:rPr lang="en-US" dirty="0">
+                <a:solidFill>
+                  <a:srgbClr val="FF0000"/>
+                </a:solidFill>
+              </a:rPr>
+              <a:t>Hybrid logic style understanding of </a:t>
+            </a:r>
+          </a:p>
+          <a:p>
+            <a:pPr lvl="2"/>
+            <a:r>
+              <a:rPr lang="en-US" dirty="0">
+                <a:solidFill>
+                  <a:srgbClr val="FF0000"/>
+                </a:solidFill>
+              </a:rPr>
+              <a:t>[] satisfaction </a:t>
+            </a:r>
+            <a:r>
+              <a:rPr lang="en-US" dirty="0" err="1">
+                <a:solidFill>
+                  <a:srgbClr val="FF0000"/>
+                </a:solidFill>
+              </a:rPr>
+              <a:t>operatos</a:t>
+            </a:r>
+            <a:endParaRPr lang="en-US" dirty="0">
+              <a:solidFill>
+                <a:srgbClr val="FF0000"/>
+              </a:solidFill>
+            </a:endParaRPr>
+          </a:p>
+          <a:p>
+            <a:pPr lvl="3"/>
+            <a:r>
+              <a:rPr lang="en-US" dirty="0">
+                <a:solidFill>
+                  <a:srgbClr val="FF0000"/>
+                </a:solidFill>
+              </a:rPr>
+              <a:t>Unknown of other world</a:t>
+            </a:r>
+          </a:p>
+          <a:p>
+            <a:pPr lvl="2"/>
+            <a:r>
+              <a:rPr lang="en-US" dirty="0">
+                <a:solidFill>
+                  <a:srgbClr val="FF0000"/>
+                </a:solidFill>
+              </a:rPr>
+              <a:t>Interpreting </a:t>
+            </a:r>
+            <a:r>
+              <a:rPr lang="en-US" dirty="0" err="1">
+                <a:solidFill>
+                  <a:srgbClr val="FF0000"/>
+                </a:solidFill>
+              </a:rPr>
+              <a:t>Kripke</a:t>
+            </a:r>
+            <a:r>
+              <a:rPr lang="en-US" dirty="0">
+                <a:solidFill>
+                  <a:srgbClr val="FF0000"/>
+                </a:solidFill>
+              </a:rPr>
+              <a:t> models as </a:t>
+            </a:r>
+            <a:r>
+              <a:rPr lang="en-US" dirty="0" err="1">
+                <a:solidFill>
+                  <a:srgbClr val="FF0000"/>
+                </a:solidFill>
+              </a:rPr>
+              <a:t>stses</a:t>
+            </a:r>
+            <a:endParaRPr lang="en-US" dirty="0">
+              <a:solidFill>
+                <a:srgbClr val="FF0000"/>
+              </a:solidFill>
+            </a:endParaRPr>
+          </a:p>
+          <a:p>
+            <a:pPr lvl="3"/>
+            <a:r>
+              <a:rPr lang="en-US" dirty="0">
+                <a:solidFill>
+                  <a:srgbClr val="FF0000"/>
+                </a:solidFill>
+              </a:rPr>
+              <a:t>Multiple generated </a:t>
+            </a:r>
+            <a:r>
+              <a:rPr lang="en-US" dirty="0" err="1">
+                <a:solidFill>
+                  <a:srgbClr val="FF0000"/>
+                </a:solidFill>
+              </a:rPr>
+              <a:t>submodels</a:t>
+            </a:r>
+            <a:r>
+              <a:rPr lang="en-US" dirty="0">
+                <a:solidFill>
+                  <a:srgbClr val="FF0000"/>
+                </a:solidFill>
+              </a:rPr>
+              <a:t> </a:t>
+            </a:r>
+          </a:p>
+          <a:p>
             <a:endParaRPr lang="en-US" dirty="0"/>
           </a:p>
         </p:txBody>
@@ -2446,7 +2663,7 @@
           <a:p>
             <a:fld id="{180B0F4F-C4CA-F945-8BD8-C2A10415F31A}" type="slidenum">
               <a:rPr lang="en-US" smtClean="0"/>
-              <a:t>18</a:t>
+              <a:t>10</a:t>
             </a:fld>
             <a:endParaRPr lang="en-US"/>
           </a:p>
@@ -2455,7 +2672,7 @@
     </p:spTree>
     <p:extLst>
       <p:ext uri="{BB962C8B-B14F-4D97-AF65-F5344CB8AC3E}">
-        <p14:creationId xmlns:p14="http://schemas.microsoft.com/office/powerpoint/2010/main" val="2791394585"/>
+        <p14:creationId xmlns:p14="http://schemas.microsoft.com/office/powerpoint/2010/main" val="1656027510"/>
       </p:ext>
     </p:extLst>
   </p:cSld>
@@ -5785,7 +6002,7 @@
           <p:cNvPr id="2" name="Title 1">
             <a:extLst>
               <a:ext uri="{FF2B5EF4-FFF2-40B4-BE49-F238E27FC236}">
-                <a16:creationId xmlns:a16="http://schemas.microsoft.com/office/drawing/2014/main" id="{DF830A81-FF36-A76E-5825-EB785B3A0B35}"/>
+                <a16:creationId xmlns:a16="http://schemas.microsoft.com/office/drawing/2014/main" id="{2CC732FF-B4A8-7E52-65D3-018E5B5EF348}"/>
               </a:ext>
             </a:extLst>
           </p:cNvPr>
@@ -5803,7 +6020,7 @@
           <a:p>
             <a:r>
               <a:rPr lang="en-US" dirty="0"/>
-              <a:t>Separation Logic: Invariant Constructions</a:t>
+              <a:t>Modal Logic: Contingency</a:t>
             </a:r>
           </a:p>
         </p:txBody>
@@ -5813,7 +6030,7 @@
           <p:cNvPr id="3" name="Content Placeholder 2">
             <a:extLst>
               <a:ext uri="{FF2B5EF4-FFF2-40B4-BE49-F238E27FC236}">
-                <a16:creationId xmlns:a16="http://schemas.microsoft.com/office/drawing/2014/main" id="{C673F07C-0B49-1BF6-DFDA-3D218416FB4D}"/>
+                <a16:creationId xmlns:a16="http://schemas.microsoft.com/office/drawing/2014/main" id="{C82F847F-F6D7-916A-E5A2-871AECF1F1B0}"/>
               </a:ext>
             </a:extLst>
           </p:cNvPr>
@@ -5829,33 +6046,6 @@
           <a:bodyPr/>
           <a:lstStyle/>
           <a:p>
-            <a:r>
-              <a:rPr lang="en-US" dirty="0"/>
-              <a:t>Encoding state-transition-systems (STS)es as an invariant-construction</a:t>
-            </a:r>
-          </a:p>
-          <a:p>
-            <a:r>
-              <a:rPr lang="en-US" dirty="0" err="1"/>
-              <a:t>STSes</a:t>
-            </a:r>
-            <a:r>
-              <a:rPr lang="en-US" dirty="0"/>
-              <a:t> for governing shared state</a:t>
-            </a:r>
-          </a:p>
-          <a:p>
-            <a:r>
-              <a:rPr lang="en-US" dirty="0"/>
-              <a:t>Together with an interpretation of a state! </a:t>
-            </a:r>
-          </a:p>
-          <a:p>
-            <a:pPr lvl="1"/>
-            <a:endParaRPr lang="en-US" dirty="0"/>
-          </a:p>
-          <a:p>
-            <a:pPr lvl="1"/>
             <a:endParaRPr lang="en-US" dirty="0"/>
           </a:p>
         </p:txBody>
@@ -5863,7 +6053,7 @@
     </p:spTree>
     <p:extLst>
       <p:ext uri="{BB962C8B-B14F-4D97-AF65-F5344CB8AC3E}">
-        <p14:creationId xmlns:p14="http://schemas.microsoft.com/office/powerpoint/2010/main" val="2068518749"/>
+        <p14:creationId xmlns:p14="http://schemas.microsoft.com/office/powerpoint/2010/main" val="310425019"/>
       </p:ext>
     </p:extLst>
   </p:cSld>
@@ -5895,7 +6085,7 @@
           <p:cNvPr id="2" name="Title 1">
             <a:extLst>
               <a:ext uri="{FF2B5EF4-FFF2-40B4-BE49-F238E27FC236}">
-                <a16:creationId xmlns:a16="http://schemas.microsoft.com/office/drawing/2014/main" id="{2CC732FF-B4A8-7E52-65D3-018E5B5EF348}"/>
+                <a16:creationId xmlns:a16="http://schemas.microsoft.com/office/drawing/2014/main" id="{3317E965-FDCC-5723-1C3B-134E7A3D4F5C}"/>
               </a:ext>
             </a:extLst>
           </p:cNvPr>
@@ -5913,7 +6103,15 @@
           <a:p>
             <a:r>
               <a:rPr lang="en-US" dirty="0"/>
-              <a:t>Modal Logic: Contingency</a:t>
+              <a:t>Modal Logic: </a:t>
+            </a:r>
+            <a:r>
+              <a:rPr lang="en-US" dirty="0" err="1"/>
+              <a:t>Kripke</a:t>
+            </a:r>
+            <a:r>
+              <a:rPr lang="en-US" dirty="0"/>
+              <a:t> Models</a:t>
             </a:r>
           </a:p>
         </p:txBody>
@@ -5923,7 +6121,7 @@
           <p:cNvPr id="3" name="Content Placeholder 2">
             <a:extLst>
               <a:ext uri="{FF2B5EF4-FFF2-40B4-BE49-F238E27FC236}">
-                <a16:creationId xmlns:a16="http://schemas.microsoft.com/office/drawing/2014/main" id="{C82F847F-F6D7-916A-E5A2-871AECF1F1B0}"/>
+                <a16:creationId xmlns:a16="http://schemas.microsoft.com/office/drawing/2014/main" id="{5C5D67A9-79B1-9016-EFEA-28B4633CC125}"/>
               </a:ext>
             </a:extLst>
           </p:cNvPr>
@@ -5939,144 +6137,14 @@
           <a:bodyPr/>
           <a:lstStyle/>
           <a:p>
-            <a:r>
-              <a:rPr lang="en-US" dirty="0">
-                <a:solidFill>
-                  <a:srgbClr val="FF0000"/>
-                </a:solidFill>
-              </a:rPr>
-              <a:t>Contingency</a:t>
-            </a:r>
-          </a:p>
-          <a:p>
-            <a:r>
-              <a:rPr lang="en-US" dirty="0">
-                <a:solidFill>
-                  <a:srgbClr val="FF0000"/>
-                </a:solidFill>
-              </a:rPr>
-              <a:t>The modals we are interested in this paper are shaped around </a:t>
-            </a:r>
-          </a:p>
-          <a:p>
-            <a:pPr lvl="1"/>
-            <a:r>
-              <a:rPr lang="en-US" dirty="0">
-                <a:solidFill>
-                  <a:srgbClr val="FF0000"/>
-                </a:solidFill>
-              </a:rPr>
-              <a:t>Hybrid logic style understanding of </a:t>
-            </a:r>
-          </a:p>
-          <a:p>
-            <a:pPr lvl="2"/>
-            <a:r>
-              <a:rPr lang="en-US" dirty="0">
-                <a:solidFill>
-                  <a:srgbClr val="FF0000"/>
-                </a:solidFill>
-              </a:rPr>
-              <a:t>[] satisfaction </a:t>
-            </a:r>
-            <a:r>
-              <a:rPr lang="en-US" dirty="0" err="1">
-                <a:solidFill>
-                  <a:srgbClr val="FF0000"/>
-                </a:solidFill>
-              </a:rPr>
-              <a:t>operatos</a:t>
-            </a:r>
-            <a:endParaRPr lang="en-US" dirty="0">
-              <a:solidFill>
-                <a:srgbClr val="FF0000"/>
-              </a:solidFill>
-            </a:endParaRPr>
-          </a:p>
-          <a:p>
-            <a:pPr lvl="3"/>
-            <a:r>
-              <a:rPr lang="en-US" dirty="0">
-                <a:solidFill>
-                  <a:srgbClr val="FF0000"/>
-                </a:solidFill>
-              </a:rPr>
-              <a:t>Unknown of other world</a:t>
-            </a:r>
-          </a:p>
-          <a:p>
-            <a:pPr lvl="2"/>
-            <a:r>
-              <a:rPr lang="en-US" dirty="0">
-                <a:solidFill>
-                  <a:srgbClr val="FF0000"/>
-                </a:solidFill>
-              </a:rPr>
-              <a:t>Interpreting </a:t>
-            </a:r>
-            <a:r>
-              <a:rPr lang="en-US" dirty="0" err="1">
-                <a:solidFill>
-                  <a:srgbClr val="FF0000"/>
-                </a:solidFill>
-              </a:rPr>
-              <a:t>Kripke</a:t>
-            </a:r>
-            <a:r>
-              <a:rPr lang="en-US" dirty="0">
-                <a:solidFill>
-                  <a:srgbClr val="FF0000"/>
-                </a:solidFill>
-              </a:rPr>
-              <a:t> models as </a:t>
-            </a:r>
-            <a:r>
-              <a:rPr lang="en-US" dirty="0" err="1">
-                <a:solidFill>
-                  <a:srgbClr val="FF0000"/>
-                </a:solidFill>
-              </a:rPr>
-              <a:t>stses</a:t>
-            </a:r>
-            <a:endParaRPr lang="en-US" dirty="0">
-              <a:solidFill>
-                <a:srgbClr val="FF0000"/>
-              </a:solidFill>
-            </a:endParaRPr>
-          </a:p>
-          <a:p>
-            <a:pPr lvl="3"/>
-            <a:r>
-              <a:rPr lang="en-US" dirty="0">
-                <a:solidFill>
-                  <a:srgbClr val="FF0000"/>
-                </a:solidFill>
-              </a:rPr>
-              <a:t>Multiple generated </a:t>
-            </a:r>
-            <a:r>
-              <a:rPr lang="en-US" dirty="0" err="1">
-                <a:solidFill>
-                  <a:srgbClr val="FF0000"/>
-                </a:solidFill>
-              </a:rPr>
-              <a:t>submodels</a:t>
-            </a:r>
-            <a:r>
-              <a:rPr lang="en-US" dirty="0">
-                <a:solidFill>
-                  <a:srgbClr val="FF0000"/>
-                </a:solidFill>
-              </a:rPr>
-              <a:t> </a:t>
-            </a:r>
+            <a:endParaRPr lang="en-US"/>
           </a:p>
         </p:txBody>
       </p:sp>
     </p:spTree>
     <p:extLst>
       <p:ext uri="{BB962C8B-B14F-4D97-AF65-F5344CB8AC3E}">
-        <p14:creationId xmlns:p14="http://schemas.microsoft.com/office/powerpoint/2010/main" val="310425019"/>
+        <p14:creationId xmlns:p14="http://schemas.microsoft.com/office/powerpoint/2010/main" val="1556793995"/>
       </p:ext>
     </p:extLst>
   </p:cSld>
@@ -6108,7 +6176,7 @@
           <p:cNvPr id="2" name="Title 1">
             <a:extLst>
               <a:ext uri="{FF2B5EF4-FFF2-40B4-BE49-F238E27FC236}">
-                <a16:creationId xmlns:a16="http://schemas.microsoft.com/office/drawing/2014/main" id="{3317E965-FDCC-5723-1C3B-134E7A3D4F5C}"/>
+                <a16:creationId xmlns:a16="http://schemas.microsoft.com/office/drawing/2014/main" id="{DF830A81-FF36-A76E-5825-EB785B3A0B35}"/>
               </a:ext>
             </a:extLst>
           </p:cNvPr>
@@ -6125,16 +6193,12 @@
           <a:lstStyle/>
           <a:p>
             <a:r>
-              <a:rPr lang="en-US" dirty="0"/>
-              <a:t>Modal Logic: </a:t>
-            </a:r>
-            <a:r>
               <a:rPr lang="en-US" dirty="0" err="1"/>
               <a:t>Kripke</a:t>
             </a:r>
             <a:r>
               <a:rPr lang="en-US" dirty="0"/>
-              <a:t> Models</a:t>
+              <a:t> Models as Iris Invariant Constructions</a:t>
             </a:r>
           </a:p>
         </p:txBody>
@@ -6144,7 +6208,7 @@
           <p:cNvPr id="3" name="Content Placeholder 2">
             <a:extLst>
               <a:ext uri="{FF2B5EF4-FFF2-40B4-BE49-F238E27FC236}">
-                <a16:creationId xmlns:a16="http://schemas.microsoft.com/office/drawing/2014/main" id="{5C5D67A9-79B1-9016-EFEA-28B4633CC125}"/>
+                <a16:creationId xmlns:a16="http://schemas.microsoft.com/office/drawing/2014/main" id="{C673F07C-0B49-1BF6-DFDA-3D218416FB4D}"/>
               </a:ext>
             </a:extLst>
           </p:cNvPr>
@@ -6160,14 +6224,105 @@
           <a:bodyPr/>
           <a:lstStyle/>
           <a:p>
-            <a:endParaRPr lang="en-US"/>
-          </a:p>
-        </p:txBody>
-      </p:sp>
+            <a:r>
+              <a:rPr lang="en-US" dirty="0"/>
+              <a:t>State transition systems – a well-known specification method</a:t>
+            </a:r>
+          </a:p>
+          <a:p>
+            <a:pPr lvl="1"/>
+            <a:r>
+              <a:rPr lang="en-US" dirty="0"/>
+              <a:t>e.g. many of stuff in your automata (or theory of computation) book</a:t>
+            </a:r>
+          </a:p>
+          <a:p>
+            <a:r>
+              <a:rPr lang="en-US" dirty="0"/>
+              <a:t>Monoid encoding state-transition-systems (STS)es</a:t>
+            </a:r>
+          </a:p>
+          <a:p>
+            <a:pPr lvl="1"/>
+            <a:r>
+              <a:rPr lang="en-US" dirty="0"/>
+              <a:t>Seems like very useful for governing shared-state </a:t>
+            </a:r>
+          </a:p>
+          <a:p>
+            <a:pPr lvl="1"/>
+            <a:endParaRPr lang="en-US" dirty="0"/>
+          </a:p>
+          <a:p>
+            <a:pPr lvl="1"/>
+            <a:endParaRPr lang="en-US" dirty="0"/>
+          </a:p>
+        </p:txBody>
+      </p:sp>
+      <p:pic>
+        <p:nvPicPr>
+          <p:cNvPr id="5" name="Picture 4">
+            <a:extLst>
+              <a:ext uri="{FF2B5EF4-FFF2-40B4-BE49-F238E27FC236}">
+                <a16:creationId xmlns:a16="http://schemas.microsoft.com/office/drawing/2014/main" id="{DDBD4194-B3A0-E694-C227-2C9B869AC8F8}"/>
+              </a:ext>
+            </a:extLst>
+          </p:cNvPr>
+          <p:cNvPicPr>
+            <a:picLocks noChangeAspect="1"/>
+          </p:cNvPicPr>
+          <p:nvPr/>
+        </p:nvPicPr>
+        <p:blipFill>
+          <a:blip r:embed="rId2"/>
+          <a:stretch>
+            <a:fillRect/>
+          </a:stretch>
+        </p:blipFill>
+        <p:spPr>
+          <a:xfrm>
+            <a:off x="2960369" y="6291263"/>
+            <a:ext cx="4872991" cy="447357"/>
+          </a:xfrm>
+          <a:prstGeom prst="rect">
+            <a:avLst/>
+          </a:prstGeom>
+        </p:spPr>
+      </p:pic>
+      <p:pic>
+        <p:nvPicPr>
+          <p:cNvPr id="7" name="Picture 6" descr="A close-up of math symbols&#10;&#10;Description automatically generated">
+            <a:extLst>
+              <a:ext uri="{FF2B5EF4-FFF2-40B4-BE49-F238E27FC236}">
+                <a16:creationId xmlns:a16="http://schemas.microsoft.com/office/drawing/2014/main" id="{EA3F953F-772B-E169-67CD-72A3E28E7775}"/>
+              </a:ext>
+            </a:extLst>
+          </p:cNvPr>
+          <p:cNvPicPr>
+            <a:picLocks noChangeAspect="1"/>
+          </p:cNvPicPr>
+          <p:nvPr/>
+        </p:nvPicPr>
+        <p:blipFill>
+          <a:blip r:embed="rId3"/>
+          <a:stretch>
+            <a:fillRect/>
+          </a:stretch>
+        </p:blipFill>
+        <p:spPr>
+          <a:xfrm>
+            <a:off x="2976258" y="3559493"/>
+            <a:ext cx="6239483" cy="2617470"/>
+          </a:xfrm>
+          <a:prstGeom prst="rect">
+            <a:avLst/>
+          </a:prstGeom>
+        </p:spPr>
+      </p:pic>
     </p:spTree>
     <p:extLst>
       <p:ext uri="{BB962C8B-B14F-4D97-AF65-F5344CB8AC3E}">
-        <p14:creationId xmlns:p14="http://schemas.microsoft.com/office/powerpoint/2010/main" val="1556793995"/>
+        <p14:creationId xmlns:p14="http://schemas.microsoft.com/office/powerpoint/2010/main" val="2068518749"/>
       </p:ext>
     </p:extLst>
   </p:cSld>
@@ -6390,7 +6545,7 @@
         </p:nvSpPr>
         <p:spPr>
           <a:xfrm>
-            <a:off x="838200" y="2854325"/>
+            <a:off x="604520" y="2854325"/>
             <a:ext cx="10515600" cy="1325563"/>
           </a:xfrm>
         </p:spPr>
@@ -26142,11 +26297,20 @@
             </a:pPr>
             <a:r>
               <a:rPr lang="en-US" sz="4800" dirty="0"/>
-              <a:t>  </a:t>
+              <a:t>  				</a:t>
             </a:r>
             <a:r>
               <a:rPr lang="en-US" sz="4000" dirty="0"/>
-              <a:t>(</a:t>
+              <a:t>(Exploiting </a:t>
+            </a:r>
+          </a:p>
+          <a:p>
+            <a:pPr marL="0" indent="0">
+              <a:buNone/>
+            </a:pPr>
+            <a:r>
+              <a:rPr lang="en-US" sz="4000" dirty="0"/>
+              <a:t>					</a:t>
             </a:r>
             <a:r>
               <a:rPr lang="en-US" sz="4000" dirty="0" err="1"/>
@@ -26154,7 +26318,16 @@
             </a:r>
             <a:r>
               <a:rPr lang="en-US" sz="4000" dirty="0"/>
-              <a:t> Models, Generated </a:t>
+              <a:t> Models, </a:t>
+            </a:r>
+          </a:p>
+          <a:p>
+            <a:pPr marL="0" indent="0">
+              <a:buNone/>
+            </a:pPr>
+            <a:r>
+              <a:rPr lang="en-US" sz="4000" dirty="0"/>
+              <a:t>					Generated </a:t>
             </a:r>
             <a:r>
               <a:rPr lang="en-US" sz="4000" dirty="0" err="1"/>
@@ -26162,7 +26335,7 @@
             </a:r>
             <a:r>
               <a:rPr lang="en-US" sz="4000" dirty="0"/>
-              <a:t> &amp; </a:t>
+              <a:t> 							&amp;</a:t>
             </a:r>
             <a:r>
               <a:rPr lang="en-US" sz="4000" dirty="0" err="1"/>
@@ -26635,38 +26808,13 @@
             </a:r>
             <a:r>
               <a:rPr lang="en-US" dirty="0"/>
-              <a:t>, SeL4 – not quite …[TODO]</a:t>
-            </a:r>
-          </a:p>
-          <a:p>
-            <a:r>
-              <a:rPr lang="en-US" dirty="0"/>
-              <a:t>Our attempt</a:t>
-            </a:r>
-          </a:p>
-          <a:p>
-            <a:pPr lvl="1"/>
-            <a:r>
-              <a:rPr lang="en-US" dirty="0"/>
-              <a:t>We cannot ignore these details</a:t>
-            </a:r>
-          </a:p>
-          <a:p>
-            <a:pPr lvl="1"/>
-            <a:r>
-              <a:rPr lang="en-US" dirty="0"/>
-              <a:t>[TODO]</a:t>
-            </a:r>
-          </a:p>
-          <a:p>
-            <a:pPr lvl="1"/>
-            <a:r>
-              <a:rPr lang="en-US" dirty="0"/>
-              <a:t>Proposed reasoning principles that capture </a:t>
-            </a:r>
-          </a:p>
-          <a:p>
-            <a:pPr lvl="1"/>
+              <a:t>, SeL4 </a:t>
+            </a:r>
+          </a:p>
+          <a:p>
+            <a:pPr marL="457200" lvl="1" indent="0">
+              <a:buNone/>
+            </a:pPr>
             <a:endParaRPr lang="en-US" dirty="0"/>
           </a:p>
           <a:p>
@@ -31691,7 +31839,7 @@
         </p:blipFill>
         <p:spPr>
           <a:xfrm>
-            <a:off x="3168484" y="1912126"/>
+            <a:off x="6560238" y="676652"/>
             <a:ext cx="5938895" cy="2041495"/>
           </a:xfrm>
           <a:prstGeom prst="rect">
@@ -31760,7 +31908,7 @@
         </p:nvSpPr>
         <p:spPr>
           <a:xfrm rot="16200000">
-            <a:off x="4766998" y="3567539"/>
+            <a:off x="4848278" y="3567539"/>
             <a:ext cx="518160" cy="490348"/>
           </a:xfrm>
           <a:prstGeom prst="leftBrace">
@@ -31807,7 +31955,7 @@
         </p:nvSpPr>
         <p:spPr>
           <a:xfrm rot="16200000">
-            <a:off x="6260518" y="3608179"/>
+            <a:off x="6301158" y="3577699"/>
             <a:ext cx="518160" cy="490348"/>
           </a:xfrm>
           <a:prstGeom prst="leftBrace">
@@ -31854,15 +32002,16 @@
         </p:nvSpPr>
         <p:spPr>
           <a:xfrm>
-            <a:off x="1341120" y="4401992"/>
-            <a:ext cx="2413624" cy="1267288"/>
+            <a:off x="282250" y="4482915"/>
+            <a:ext cx="3084184" cy="1767840"/>
           </a:xfrm>
           <a:prstGeom prst="wedgeEllipseCallout">
             <a:avLst>
-              <a:gd name="adj1" fmla="val 103346"/>
-              <a:gd name="adj2" fmla="val -76998"/>
+              <a:gd name="adj1" fmla="val 106293"/>
+              <a:gd name="adj2" fmla="val -76196"/>
             </a:avLst>
           </a:prstGeom>
+          <a:noFill/>
         </p:spPr>
         <p:style>
           <a:lnRef idx="2">
@@ -31912,6 +32061,7 @@
               <a:gd name="adj2" fmla="val -104257"/>
             </a:avLst>
           </a:prstGeom>
+          <a:noFill/>
         </p:spPr>
         <p:style>
           <a:lnRef idx="2">
@@ -31953,14 +32103,15 @@
         <p:spPr>
           <a:xfrm>
             <a:off x="7954034" y="4733191"/>
-            <a:ext cx="2413624" cy="1267288"/>
+            <a:ext cx="2846046" cy="1517564"/>
           </a:xfrm>
           <a:prstGeom prst="wedgeEllipseCallout">
             <a:avLst>
-              <a:gd name="adj1" fmla="val -111335"/>
-              <a:gd name="adj2" fmla="val -97843"/>
+              <a:gd name="adj1" fmla="val -99527"/>
+              <a:gd name="adj2" fmla="val -92611"/>
             </a:avLst>
           </a:prstGeom>
+          <a:noFill/>
         </p:spPr>
         <p:style>
           <a:lnRef idx="2">
@@ -31984,6 +32135,135 @@
           <a:p>
             <a:pPr algn="ctr"/>
             <a:endParaRPr lang="en-US"/>
+          </a:p>
+        </p:txBody>
+      </p:sp>
+      <p:sp>
+        <p:nvSpPr>
+          <p:cNvPr id="18" name="TextBox 17">
+            <a:extLst>
+              <a:ext uri="{FF2B5EF4-FFF2-40B4-BE49-F238E27FC236}">
+                <a16:creationId xmlns:a16="http://schemas.microsoft.com/office/drawing/2014/main" id="{647F9DB9-1360-AB3A-A47E-7944ACE33880}"/>
+              </a:ext>
+            </a:extLst>
+          </p:cNvPr>
+          <p:cNvSpPr txBox="1"/>
+          <p:nvPr/>
+        </p:nvSpPr>
+        <p:spPr>
+          <a:xfrm>
+            <a:off x="642932" y="4814471"/>
+            <a:ext cx="2283148" cy="923330"/>
+          </a:xfrm>
+          <a:prstGeom prst="rect">
+            <a:avLst/>
+          </a:prstGeom>
+          <a:noFill/>
+        </p:spPr>
+        <p:txBody>
+          <a:bodyPr wrap="square" rtlCol="0">
+            <a:spAutoFit/>
+          </a:bodyPr>
+          <a:lstStyle/>
+          <a:p>
+            <a:r>
+              <a:rPr lang="en-US" dirty="0"/>
+              <a:t>assumed to hold on the program state  before running </a:t>
+            </a:r>
+            <a:r>
+              <a:rPr lang="en-US" i="1" dirty="0"/>
+              <a:t>e</a:t>
+            </a:r>
+            <a:endParaRPr lang="en-US" dirty="0"/>
+          </a:p>
+        </p:txBody>
+      </p:sp>
+      <p:sp>
+        <p:nvSpPr>
+          <p:cNvPr id="19" name="TextBox 18">
+            <a:extLst>
+              <a:ext uri="{FF2B5EF4-FFF2-40B4-BE49-F238E27FC236}">
+                <a16:creationId xmlns:a16="http://schemas.microsoft.com/office/drawing/2014/main" id="{45BF1C36-1186-D5A3-2364-8E11BCE267AC}"/>
+              </a:ext>
+            </a:extLst>
+          </p:cNvPr>
+          <p:cNvSpPr txBox="1"/>
+          <p:nvPr/>
+        </p:nvSpPr>
+        <p:spPr>
+          <a:xfrm>
+            <a:off x="5035721" y="5109400"/>
+            <a:ext cx="1708731" cy="369332"/>
+          </a:xfrm>
+          <a:prstGeom prst="rect">
+            <a:avLst/>
+          </a:prstGeom>
+          <a:noFill/>
+        </p:spPr>
+        <p:txBody>
+          <a:bodyPr wrap="square" rtlCol="0">
+            <a:spAutoFit/>
+          </a:bodyPr>
+          <a:lstStyle/>
+          <a:p>
+            <a:r>
+              <a:rPr lang="en-US" i="1" dirty="0"/>
+              <a:t>e </a:t>
+            </a:r>
+            <a:r>
+              <a:rPr lang="en-US" dirty="0"/>
+              <a:t>is our program</a:t>
+            </a:r>
+            <a:endParaRPr lang="en-US" i="1" dirty="0"/>
+          </a:p>
+        </p:txBody>
+      </p:sp>
+      <p:sp>
+        <p:nvSpPr>
+          <p:cNvPr id="23" name="TextBox 22">
+            <a:extLst>
+              <a:ext uri="{FF2B5EF4-FFF2-40B4-BE49-F238E27FC236}">
+                <a16:creationId xmlns:a16="http://schemas.microsoft.com/office/drawing/2014/main" id="{4BAB43EE-9907-28D5-4F95-D7CDAC8BBA6D}"/>
+              </a:ext>
+            </a:extLst>
+          </p:cNvPr>
+          <p:cNvSpPr txBox="1"/>
+          <p:nvPr/>
+        </p:nvSpPr>
+        <p:spPr>
+          <a:xfrm>
+            <a:off x="8313499" y="4997503"/>
+            <a:ext cx="2120822" cy="923330"/>
+          </a:xfrm>
+          <a:prstGeom prst="rect">
+            <a:avLst/>
+          </a:prstGeom>
+          <a:noFill/>
+        </p:spPr>
+        <p:txBody>
+          <a:bodyPr wrap="square" rtlCol="0">
+            <a:spAutoFit/>
+          </a:bodyPr>
+          <a:lstStyle/>
+          <a:p>
+            <a:r>
+              <a:rPr lang="en-US" dirty="0"/>
+              <a:t>must hold after the program state</a:t>
+            </a:r>
+          </a:p>
+          <a:p>
+            <a:r>
+              <a:rPr lang="en-US" dirty="0"/>
+              <a:t>after </a:t>
+            </a:r>
+            <a:r>
+              <a:rPr lang="en-US" i="1" dirty="0"/>
+              <a:t>e terminates</a:t>
+            </a:r>
+            <a:r>
+              <a:rPr lang="en-US" dirty="0"/>
+              <a:t> </a:t>
+            </a:r>
           </a:p>
         </p:txBody>
       </p:sp>
@@ -32297,7 +32577,7 @@
             <a:pPr lvl="1"/>
             <a:r>
               <a:rPr lang="en-US" dirty="0"/>
-              <a:t>Current Local </a:t>
+              <a:t>Current local </a:t>
             </a:r>
             <a:r>
               <a:rPr lang="en-US" b="1" i="1" dirty="0"/>
@@ -32493,6 +32773,14 @@
           </a:p>
           <a:p>
             <a:pPr lvl="1"/>
+            <a:r>
+              <a:rPr lang="en-US" dirty="0" err="1"/>
+              <a:t>Authorative</a:t>
+            </a:r>
+            <a:r>
+              <a:rPr lang="en-US" dirty="0"/>
+              <a:t> monoids: full vs. fragmental ownership</a:t>
+            </a:r>
             <a:endParaRPr lang="en-US" b="1" dirty="0"/>
           </a:p>
           <a:p>
@@ -32550,8 +32838,38 @@
         </p:blipFill>
         <p:spPr>
           <a:xfrm>
-            <a:off x="4922520" y="2839720"/>
-            <a:ext cx="1993900" cy="797560"/>
+            <a:off x="4241800" y="2787252"/>
+            <a:ext cx="1386840" cy="554736"/>
+          </a:xfrm>
+          <a:prstGeom prst="rect">
+            <a:avLst/>
+          </a:prstGeom>
+        </p:spPr>
+      </p:pic>
+      <p:pic>
+        <p:nvPicPr>
+          <p:cNvPr id="7" name="Picture 6">
+            <a:extLst>
+              <a:ext uri="{FF2B5EF4-FFF2-40B4-BE49-F238E27FC236}">
+                <a16:creationId xmlns:a16="http://schemas.microsoft.com/office/drawing/2014/main" id="{96DD7389-2990-316A-ADB4-002BCFE7FE8D}"/>
+              </a:ext>
+            </a:extLst>
+          </p:cNvPr>
+          <p:cNvPicPr>
+            <a:picLocks noChangeAspect="1"/>
+          </p:cNvPicPr>
+          <p:nvPr/>
+        </p:nvPicPr>
+        <p:blipFill>
+          <a:blip r:embed="rId4"/>
+          <a:stretch>
+            <a:fillRect/>
+          </a:stretch>
+        </p:blipFill>
+        <p:spPr>
+          <a:xfrm>
+            <a:off x="71120" y="4760306"/>
+            <a:ext cx="12100560" cy="554736"/>
           </a:xfrm>
           <a:prstGeom prst="rect">
             <a:avLst/>
@@ -32702,8 +33020,8 @@
         </p:blipFill>
         <p:spPr>
           <a:xfrm>
-            <a:off x="6356349" y="1690688"/>
-            <a:ext cx="1020189" cy="889952"/>
+            <a:off x="6095999" y="1722176"/>
+            <a:ext cx="783847" cy="683781"/>
           </a:xfrm>
           <a:prstGeom prst="rect">
             <a:avLst/>

--- a/thesis_proposal/proposal.pptx
+++ b/thesis_proposal/proposal.pptx
@@ -19,9 +19,9 @@
     <p:sldId id="302" r:id="rId10"/>
     <p:sldId id="291" r:id="rId11"/>
     <p:sldId id="296" r:id="rId12"/>
-    <p:sldId id="303" r:id="rId13"/>
-    <p:sldId id="297" r:id="rId14"/>
-    <p:sldId id="301" r:id="rId15"/>
+    <p:sldId id="297" r:id="rId13"/>
+    <p:sldId id="311" r:id="rId14"/>
+    <p:sldId id="303" r:id="rId15"/>
     <p:sldId id="310" r:id="rId16"/>
     <p:sldId id="284" r:id="rId17"/>
     <p:sldId id="278" r:id="rId18"/>
@@ -637,6 +637,49 @@
           <a:bodyPr/>
           <a:lstStyle/>
           <a:p>
+            <a:pPr marL="0" marR="0" lvl="0" indent="0" algn="l" defTabSz="914400" rtl="0" eaLnBrk="1" fontAlgn="auto" latinLnBrk="0" hangingPunct="1">
+              <a:lnSpc>
+                <a:spcPct val="100000"/>
+              </a:lnSpc>
+              <a:spcBef>
+                <a:spcPts val="0"/>
+              </a:spcBef>
+              <a:spcAft>
+                <a:spcPts val="0"/>
+              </a:spcAft>
+              <a:buClrTx/>
+              <a:buSzTx/>
+              <a:buFontTx/>
+              <a:buNone/>
+              <a:tabLst/>
+              <a:defRPr/>
+            </a:pPr>
+            <a:r>
+              <a:rPr lang="en-US" dirty="0">
+                <a:sym typeface="Wingdings" pitchFamily="2" charset="2"/>
+              </a:rPr>
+              <a:t>What exactly is this accessibility relation </a:t>
+            </a:r>
+            <a:r>
+              <a:rPr lang="en-US" i="1" dirty="0">
+                <a:sym typeface="Wingdings" pitchFamily="2" charset="2"/>
+              </a:rPr>
+              <a:t>R</a:t>
+            </a:r>
+            <a:r>
+              <a:rPr lang="en-US" dirty="0">
+                <a:sym typeface="Wingdings" pitchFamily="2" charset="2"/>
+              </a:rPr>
+              <a:t>?</a:t>
+            </a:r>
+            <a:r>
+              <a:rPr lang="en-US" i="1" dirty="0">
+                <a:sym typeface="Wingdings" pitchFamily="2" charset="2"/>
+              </a:rPr>
+              <a:t> </a:t>
+            </a:r>
+          </a:p>
+          <a:p>
             <a:endParaRPr lang="en-US" dirty="0"/>
           </a:p>
         </p:txBody>
@@ -658,7 +701,7 @@
           <a:p>
             <a:fld id="{180B0F4F-C4CA-F945-8BD8-C2A10415F31A}" type="slidenum">
               <a:rPr lang="en-US" smtClean="0"/>
-              <a:t>18</a:t>
+              <a:t>11</a:t>
             </a:fld>
             <a:endParaRPr lang="en-US"/>
           </a:p>
@@ -667,7 +710,7 @@
     </p:spTree>
     <p:extLst>
       <p:ext uri="{BB962C8B-B14F-4D97-AF65-F5344CB8AC3E}">
-        <p14:creationId xmlns:p14="http://schemas.microsoft.com/office/powerpoint/2010/main" val="2791394585"/>
+        <p14:creationId xmlns:p14="http://schemas.microsoft.com/office/powerpoint/2010/main" val="3162072186"/>
       </p:ext>
     </p:extLst>
   </p:cSld>
@@ -721,7 +764,544 @@
           <a:bodyPr/>
           <a:lstStyle/>
           <a:p>
-            <a:endParaRPr lang="en-US"/>
+            <a:pPr>
+              <a:buFont typeface="+mj-lt"/>
+              <a:buAutoNum type="arabicPeriod" startAt="491"/>
+            </a:pPr>
+            <a:r>
+              <a:rPr lang="en-US" sz="1800" dirty="0">
+                <a:effectLst/>
+                <a:latin typeface="NimbusRomNo9L"/>
+              </a:rPr>
+              <a:t>Clearly this holds when for any </a:t>
+            </a:r>
+            <a:r>
+              <a:rPr lang="en-US" sz="1800" dirty="0">
+                <a:effectLst/>
+                <a:latin typeface="LibertineMathMI"/>
+              </a:rPr>
+              <a:t>𝑤 </a:t>
+            </a:r>
+            <a:r>
+              <a:rPr lang="en-US" sz="1800" dirty="0">
+                <a:effectLst/>
+                <a:latin typeface="NimbusRomNo9L"/>
+              </a:rPr>
+              <a:t>and </a:t>
+            </a:r>
+            <a:r>
+              <a:rPr lang="en-US" sz="1800" dirty="0">
+                <a:effectLst/>
+                <a:latin typeface="LibertineMathMI"/>
+              </a:rPr>
+              <a:t>𝑚</a:t>
+            </a:r>
+            <a:r>
+              <a:rPr lang="en-US" sz="1800" dirty="0">
+                <a:effectLst/>
+                <a:latin typeface="NimbusRomNo9L"/>
+              </a:rPr>
+              <a:t>, there is exactly one </a:t>
+            </a:r>
+            <a:r>
+              <a:rPr lang="en-US" sz="1800" dirty="0">
+                <a:effectLst/>
+                <a:latin typeface="LibertineMathMI"/>
+              </a:rPr>
+              <a:t>𝑤</a:t>
+            </a:r>
+            <a:r>
+              <a:rPr lang="en-US" sz="1800" dirty="0">
+                <a:effectLst/>
+                <a:latin typeface="txsys"/>
+              </a:rPr>
+              <a:t>′ </a:t>
+            </a:r>
+            <a:r>
+              <a:rPr lang="en-US" sz="1800" dirty="0">
+                <a:effectLst/>
+                <a:latin typeface="NimbusRomNo9L"/>
+              </a:rPr>
+              <a:t>such that </a:t>
+            </a:r>
+            <a:r>
+              <a:rPr lang="en-US" sz="1800" dirty="0">
+                <a:effectLst/>
+                <a:latin typeface="LibertineMathMI"/>
+              </a:rPr>
+              <a:t>𝑤𝑅</a:t>
+            </a:r>
+            <a:r>
+              <a:rPr lang="en-US" sz="1800" dirty="0">
+                <a:effectLst/>
+                <a:latin typeface="LibertineMathMI7"/>
+              </a:rPr>
+              <a:t>𝑚</a:t>
+            </a:r>
+            <a:r>
+              <a:rPr lang="en-US" sz="1800" dirty="0">
+                <a:effectLst/>
+                <a:latin typeface="LibertineMathMI"/>
+              </a:rPr>
+              <a:t>𝑤</a:t>
+            </a:r>
+            <a:r>
+              <a:rPr lang="en-US" sz="1800" dirty="0">
+                <a:effectLst/>
+                <a:latin typeface="txsys"/>
+              </a:rPr>
+              <a:t>′</a:t>
+            </a:r>
+            <a:r>
+              <a:rPr lang="en-US" sz="1800" dirty="0">
+                <a:effectLst/>
+                <a:latin typeface="NimbusRomNo9L"/>
+              </a:rPr>
+              <a:t>. </a:t>
+            </a:r>
+            <a:endParaRPr lang="en-US" dirty="0">
+              <a:effectLst/>
+            </a:endParaRPr>
+          </a:p>
+          <a:p>
+            <a:pPr>
+              <a:buFont typeface="+mj-lt"/>
+              <a:buAutoNum type="arabicPeriod" startAt="491"/>
+            </a:pPr>
+            <a:r>
+              <a:rPr lang="en-US" sz="1800" dirty="0">
+                <a:solidFill>
+                  <a:srgbClr val="FF0000"/>
+                </a:solidFill>
+                <a:effectLst/>
+                <a:latin typeface="NimbusRomNo9L"/>
+              </a:rPr>
+              <a:t>500  </a:t>
+            </a:r>
+            <a:r>
+              <a:rPr lang="en-US" sz="1800" dirty="0">
+                <a:effectLst/>
+                <a:latin typeface="NimbusRomNo9L"/>
+              </a:rPr>
+              <a:t>However, it also holds for a broad class of intuitively similar models: those where instead of requiring </a:t>
+            </a:r>
+            <a:endParaRPr lang="en-US" dirty="0">
+              <a:effectLst/>
+            </a:endParaRPr>
+          </a:p>
+          <a:p>
+            <a:pPr>
+              <a:buFont typeface="+mj-lt"/>
+              <a:buAutoNum type="arabicPeriod" startAt="491"/>
+            </a:pPr>
+            <a:r>
+              <a:rPr lang="en-US" sz="1800" dirty="0">
+                <a:solidFill>
+                  <a:srgbClr val="FF0000"/>
+                </a:solidFill>
+                <a:effectLst/>
+                <a:latin typeface="NimbusRomNo9L"/>
+              </a:rPr>
+              <a:t>501  </a:t>
+            </a:r>
+            <a:r>
+              <a:rPr lang="en-US" sz="1800" dirty="0">
+                <a:effectLst/>
+                <a:latin typeface="NimbusRomNo9L"/>
+              </a:rPr>
+              <a:t>that each state have exactly one successor for each relation, we instead require that when a world has </a:t>
+            </a:r>
+            <a:endParaRPr lang="en-US" dirty="0">
+              <a:effectLst/>
+            </a:endParaRPr>
+          </a:p>
+          <a:p>
+            <a:pPr>
+              <a:buFont typeface="+mj-lt"/>
+              <a:buAutoNum type="arabicPeriod" startAt="491"/>
+            </a:pPr>
+            <a:r>
+              <a:rPr lang="en-US" sz="1800" dirty="0">
+                <a:solidFill>
+                  <a:srgbClr val="FF0000"/>
+                </a:solidFill>
+                <a:effectLst/>
+                <a:latin typeface="NimbusRomNo9L"/>
+              </a:rPr>
+              <a:t>502  </a:t>
+            </a:r>
+            <a:r>
+              <a:rPr lang="en-US" sz="1800" dirty="0">
+                <a:effectLst/>
+                <a:latin typeface="NimbusRomNo9L"/>
+              </a:rPr>
+              <a:t>multiple </a:t>
+            </a:r>
+            <a:r>
+              <a:rPr lang="en-US" sz="1800" dirty="0" err="1">
+                <a:effectLst/>
+                <a:latin typeface="NimbusRomNo9L"/>
+              </a:rPr>
+              <a:t>sucessor</a:t>
+            </a:r>
+            <a:r>
+              <a:rPr lang="en-US" sz="1800" dirty="0">
+                <a:effectLst/>
+                <a:latin typeface="NimbusRomNo9L"/>
+              </a:rPr>
+              <a:t> states, they have all the same successors and the same propositional variables are </a:t>
+            </a:r>
+            <a:endParaRPr lang="en-US" dirty="0">
+              <a:effectLst/>
+            </a:endParaRPr>
+          </a:p>
+          <a:p>
+            <a:pPr>
+              <a:buFont typeface="+mj-lt"/>
+              <a:buAutoNum type="arabicPeriod" startAt="491"/>
+            </a:pPr>
+            <a:r>
+              <a:rPr lang="en-US" sz="1800" dirty="0">
+                <a:solidFill>
+                  <a:srgbClr val="FF0000"/>
+                </a:solidFill>
+                <a:effectLst/>
+                <a:latin typeface="NimbusRomNo9L"/>
+              </a:rPr>
+              <a:t>503  </a:t>
+            </a:r>
+            <a:r>
+              <a:rPr lang="en-US" sz="1800" dirty="0">
+                <a:effectLst/>
+                <a:latin typeface="NimbusRomNo9L"/>
+              </a:rPr>
+              <a:t>true in each: </a:t>
+            </a:r>
+            <a:endParaRPr lang="en-US" dirty="0">
+              <a:effectLst/>
+            </a:endParaRPr>
+          </a:p>
+          <a:p>
+            <a:r>
+              <a:rPr lang="en-US" sz="1800" dirty="0">
+                <a:solidFill>
+                  <a:srgbClr val="FF0000"/>
+                </a:solidFill>
+                <a:effectLst/>
+                <a:latin typeface="NimbusRomNo9L"/>
+              </a:rPr>
+              <a:t>504</a:t>
+            </a:r>
+            <a:br>
+              <a:rPr lang="en-US" sz="1800" dirty="0">
+                <a:solidFill>
+                  <a:srgbClr val="FF0000"/>
+                </a:solidFill>
+                <a:effectLst/>
+                <a:latin typeface="NimbusRomNo9L"/>
+              </a:rPr>
+            </a:br>
+            <a:r>
+              <a:rPr lang="en-US" sz="1800" dirty="0">
+                <a:solidFill>
+                  <a:srgbClr val="FF0000"/>
+                </a:solidFill>
+                <a:effectLst/>
+                <a:latin typeface="NimbusRomNo9L"/>
+              </a:rPr>
+              <a:t>505 </a:t>
+            </a:r>
+            <a:r>
+              <a:rPr lang="en-US" sz="1800" dirty="0">
+                <a:effectLst/>
+                <a:latin typeface="txsys"/>
+              </a:rPr>
+              <a:t>∀</a:t>
+            </a:r>
+            <a:r>
+              <a:rPr lang="en-US" sz="1800" dirty="0">
+                <a:effectLst/>
+                <a:latin typeface="LibertineMathMI"/>
+              </a:rPr>
+              <a:t>𝑤,𝑤</a:t>
+            </a:r>
+            <a:r>
+              <a:rPr lang="en-US" sz="1800" dirty="0">
+                <a:effectLst/>
+                <a:latin typeface="txsys"/>
+              </a:rPr>
+              <a:t>′</a:t>
+            </a:r>
+            <a:r>
+              <a:rPr lang="en-US" sz="1800" dirty="0">
+                <a:effectLst/>
+                <a:latin typeface="LibertineMathMI"/>
+              </a:rPr>
+              <a:t>,𝑤</a:t>
+            </a:r>
+            <a:r>
+              <a:rPr lang="en-US" sz="1800" dirty="0">
+                <a:effectLst/>
+                <a:latin typeface="txsys"/>
+              </a:rPr>
+              <a:t>′′</a:t>
+            </a:r>
+            <a:r>
+              <a:rPr lang="en-US" sz="1800" dirty="0">
+                <a:effectLst/>
+                <a:latin typeface="LibertineMathMI"/>
+              </a:rPr>
+              <a:t>,𝑚.𝑤𝑅</a:t>
+            </a:r>
+            <a:r>
+              <a:rPr lang="en-US" sz="1800" dirty="0">
+                <a:effectLst/>
+                <a:latin typeface="LibertineMathMI7"/>
+              </a:rPr>
+              <a:t>𝑚</a:t>
+            </a:r>
+            <a:r>
+              <a:rPr lang="en-US" sz="1800" dirty="0">
+                <a:effectLst/>
+                <a:latin typeface="LibertineMathMI"/>
+              </a:rPr>
+              <a:t>𝑤</a:t>
+            </a:r>
+            <a:r>
+              <a:rPr lang="en-US" sz="1800" dirty="0">
+                <a:effectLst/>
+                <a:latin typeface="txsys"/>
+              </a:rPr>
+              <a:t>′ ∧</a:t>
+            </a:r>
+            <a:r>
+              <a:rPr lang="en-US" sz="1800" dirty="0">
+                <a:effectLst/>
+                <a:latin typeface="LibertineMathMI"/>
+              </a:rPr>
+              <a:t>𝑤𝑅</a:t>
+            </a:r>
+            <a:r>
+              <a:rPr lang="en-US" sz="1800" dirty="0">
+                <a:effectLst/>
+                <a:latin typeface="LibertineMathMI7"/>
+              </a:rPr>
+              <a:t>𝑚</a:t>
+            </a:r>
+            <a:r>
+              <a:rPr lang="en-US" sz="1800" dirty="0">
+                <a:effectLst/>
+                <a:latin typeface="LibertineMathMI"/>
+              </a:rPr>
+              <a:t>𝑤</a:t>
+            </a:r>
+            <a:r>
+              <a:rPr lang="en-US" sz="1800" dirty="0">
+                <a:effectLst/>
+                <a:latin typeface="txsys"/>
+              </a:rPr>
+              <a:t>′′ ⇒ (∀</a:t>
+            </a:r>
+            <a:r>
+              <a:rPr lang="en-US" sz="1800" dirty="0">
+                <a:effectLst/>
+                <a:latin typeface="LibertineMathMI"/>
+              </a:rPr>
+              <a:t>𝑝.𝑤</a:t>
+            </a:r>
+            <a:r>
+              <a:rPr lang="en-US" sz="1800" dirty="0">
+                <a:effectLst/>
+                <a:latin typeface="txsys"/>
+              </a:rPr>
+              <a:t>′ ∈ </a:t>
+            </a:r>
+            <a:r>
+              <a:rPr lang="en-US" sz="1800" dirty="0">
+                <a:effectLst/>
+                <a:latin typeface="LibertineMathMI"/>
+              </a:rPr>
+              <a:t>𝑉 </a:t>
+            </a:r>
+            <a:r>
+              <a:rPr lang="en-US" sz="1800" dirty="0">
+                <a:effectLst/>
+                <a:latin typeface="txsys"/>
+              </a:rPr>
+              <a:t>(</a:t>
+            </a:r>
+            <a:r>
+              <a:rPr lang="en-US" sz="1800" dirty="0">
+                <a:effectLst/>
+                <a:latin typeface="LibertineMathMI"/>
+              </a:rPr>
+              <a:t>𝑝</a:t>
+            </a:r>
+            <a:r>
+              <a:rPr lang="en-US" sz="1800" dirty="0">
+                <a:effectLst/>
+                <a:latin typeface="txsys"/>
+              </a:rPr>
+              <a:t>) ⇔ </a:t>
+            </a:r>
+            <a:r>
+              <a:rPr lang="en-US" sz="1800" dirty="0">
+                <a:effectLst/>
+                <a:latin typeface="LibertineMathMI"/>
+              </a:rPr>
+              <a:t>𝑤</a:t>
+            </a:r>
+            <a:r>
+              <a:rPr lang="en-US" sz="1800" dirty="0">
+                <a:effectLst/>
+                <a:latin typeface="txsys"/>
+              </a:rPr>
+              <a:t>′′ ∈ </a:t>
+            </a:r>
+            <a:r>
+              <a:rPr lang="en-US" sz="1800" dirty="0">
+                <a:effectLst/>
+                <a:latin typeface="LibertineMathMI"/>
+              </a:rPr>
+              <a:t>𝑉 </a:t>
+            </a:r>
+            <a:r>
+              <a:rPr lang="en-US" sz="1800" dirty="0">
+                <a:effectLst/>
+                <a:latin typeface="txsys"/>
+              </a:rPr>
+              <a:t>(</a:t>
+            </a:r>
+            <a:r>
+              <a:rPr lang="en-US" sz="1800" dirty="0">
+                <a:effectLst/>
+                <a:latin typeface="LibertineMathMI"/>
+              </a:rPr>
+              <a:t>𝑝</a:t>
+            </a:r>
+            <a:r>
+              <a:rPr lang="en-US" sz="1800" dirty="0">
+                <a:effectLst/>
+                <a:latin typeface="txsys"/>
+              </a:rPr>
+              <a:t>)) ∧ (∀</a:t>
+            </a:r>
+            <a:r>
+              <a:rPr lang="en-US" sz="1800" dirty="0">
+                <a:effectLst/>
+                <a:latin typeface="LibertineMathMI"/>
+              </a:rPr>
+              <a:t>𝑠,𝑚</a:t>
+            </a:r>
+            <a:r>
+              <a:rPr lang="en-US" sz="1800" dirty="0">
+                <a:effectLst/>
+                <a:latin typeface="txsys"/>
+              </a:rPr>
+              <a:t>′</a:t>
+            </a:r>
+            <a:r>
+              <a:rPr lang="en-US" sz="1800" dirty="0">
+                <a:effectLst/>
+                <a:latin typeface="LibertineMathMI"/>
+              </a:rPr>
+              <a:t>.𝑤</a:t>
+            </a:r>
+            <a:r>
+              <a:rPr lang="en-US" sz="1800" dirty="0">
+                <a:effectLst/>
+                <a:latin typeface="txsys"/>
+              </a:rPr>
+              <a:t>′</a:t>
+            </a:r>
+            <a:r>
+              <a:rPr lang="en-US" sz="1800" dirty="0">
+                <a:effectLst/>
+                <a:latin typeface="LibertineMathMI"/>
+              </a:rPr>
+              <a:t>𝑅</a:t>
+            </a:r>
+            <a:r>
+              <a:rPr lang="en-US" sz="1800" dirty="0">
+                <a:effectLst/>
+                <a:latin typeface="LibertineMathMI7"/>
+              </a:rPr>
+              <a:t>𝑚</a:t>
+            </a:r>
+            <a:r>
+              <a:rPr lang="en-US" sz="1800" dirty="0">
+                <a:effectLst/>
+                <a:latin typeface="txsys"/>
+              </a:rPr>
+              <a:t>′</a:t>
+            </a:r>
+            <a:r>
+              <a:rPr lang="en-US" sz="1800" dirty="0">
+                <a:effectLst/>
+                <a:latin typeface="LibertineMathMI"/>
+              </a:rPr>
+              <a:t>𝑠 </a:t>
+            </a:r>
+            <a:r>
+              <a:rPr lang="en-US" sz="1800" dirty="0">
+                <a:effectLst/>
+                <a:latin typeface="txsys"/>
+              </a:rPr>
+              <a:t>⇔ </a:t>
+            </a:r>
+            <a:r>
+              <a:rPr lang="en-US" sz="1800" dirty="0">
+                <a:effectLst/>
+                <a:latin typeface="LibertineMathMI"/>
+              </a:rPr>
+              <a:t>𝑤</a:t>
+            </a:r>
+            <a:r>
+              <a:rPr lang="en-US" sz="1800" dirty="0">
+                <a:effectLst/>
+                <a:latin typeface="txsys"/>
+              </a:rPr>
+              <a:t>′′</a:t>
+            </a:r>
+            <a:r>
+              <a:rPr lang="en-US" sz="1800" dirty="0">
+                <a:effectLst/>
+                <a:latin typeface="LibertineMathMI"/>
+              </a:rPr>
+              <a:t>𝑅</a:t>
+            </a:r>
+            <a:r>
+              <a:rPr lang="en-US" sz="1800" dirty="0">
+                <a:effectLst/>
+                <a:latin typeface="LibertineMathMI7"/>
+              </a:rPr>
+              <a:t>𝑚</a:t>
+            </a:r>
+            <a:r>
+              <a:rPr lang="en-US" sz="1800" dirty="0">
+                <a:effectLst/>
+                <a:latin typeface="txsys"/>
+              </a:rPr>
+              <a:t>′</a:t>
+            </a:r>
+            <a:r>
+              <a:rPr lang="en-US" sz="1800" dirty="0">
+                <a:effectLst/>
+                <a:latin typeface="LibertineMathMI"/>
+              </a:rPr>
+              <a:t>𝑠</a:t>
+            </a:r>
+            <a:r>
+              <a:rPr lang="en-US" sz="1800" dirty="0">
+                <a:effectLst/>
+                <a:latin typeface="txsys"/>
+              </a:rPr>
+              <a:t>) </a:t>
+            </a:r>
+            <a:endParaRPr lang="en-US" dirty="0"/>
+          </a:p>
+          <a:p>
+            <a:endParaRPr lang="en-US" dirty="0"/>
           </a:p>
         </p:txBody>
       </p:sp>
@@ -742,7 +1322,7 @@
           <a:p>
             <a:fld id="{180B0F4F-C4CA-F945-8BD8-C2A10415F31A}" type="slidenum">
               <a:rPr lang="en-US" smtClean="0"/>
-              <a:t>19</a:t>
+              <a:t>12</a:t>
             </a:fld>
             <a:endParaRPr lang="en-US"/>
           </a:p>
@@ -751,7 +1331,7 @@
     </p:spTree>
     <p:extLst>
       <p:ext uri="{BB962C8B-B14F-4D97-AF65-F5344CB8AC3E}">
-        <p14:creationId xmlns:p14="http://schemas.microsoft.com/office/powerpoint/2010/main" val="4175223098"/>
+        <p14:creationId xmlns:p14="http://schemas.microsoft.com/office/powerpoint/2010/main" val="942807407"/>
       </p:ext>
     </p:extLst>
   </p:cSld>
@@ -805,7 +1385,16 @@
           <a:bodyPr/>
           <a:lstStyle/>
           <a:p>
-            <a:endParaRPr lang="en-US" dirty="0"/>
+            <a:r>
+              <a:rPr lang="en-US" dirty="0"/>
+              <a:t>Here we see the carrier type STSS of a monoid encoding of state transition system with tokens. It is simply a triple of s set of all possible states  and a set of token used in </a:t>
+            </a:r>
+          </a:p>
+          <a:p>
+            <a:r>
+              <a:rPr lang="en-US" dirty="0"/>
+              <a:t>\phi intention on the state </a:t>
+            </a:r>
           </a:p>
         </p:txBody>
       </p:sp>
@@ -826,7 +1415,7 @@
           <a:p>
             <a:fld id="{180B0F4F-C4CA-F945-8BD8-C2A10415F31A}" type="slidenum">
               <a:rPr lang="en-US" smtClean="0"/>
-              <a:t>20</a:t>
+              <a:t>14</a:t>
             </a:fld>
             <a:endParaRPr lang="en-US"/>
           </a:p>
@@ -835,7 +1424,7 @@
     </p:spTree>
     <p:extLst>
       <p:ext uri="{BB962C8B-B14F-4D97-AF65-F5344CB8AC3E}">
-        <p14:creationId xmlns:p14="http://schemas.microsoft.com/office/powerpoint/2010/main" val="2075521826"/>
+        <p14:creationId xmlns:p14="http://schemas.microsoft.com/office/powerpoint/2010/main" val="764613221"/>
       </p:ext>
     </p:extLst>
   </p:cSld>
@@ -889,7 +1478,7 @@
           <a:bodyPr/>
           <a:lstStyle/>
           <a:p>
-            <a:endParaRPr lang="en-US"/>
+            <a:endParaRPr lang="en-US" dirty="0"/>
           </a:p>
         </p:txBody>
       </p:sp>
@@ -910,7 +1499,7 @@
           <a:p>
             <a:fld id="{180B0F4F-C4CA-F945-8BD8-C2A10415F31A}" type="slidenum">
               <a:rPr lang="en-US" smtClean="0"/>
-              <a:t>21</a:t>
+              <a:t>18</a:t>
             </a:fld>
             <a:endParaRPr lang="en-US"/>
           </a:p>
@@ -919,7 +1508,7 @@
     </p:spTree>
     <p:extLst>
       <p:ext uri="{BB962C8B-B14F-4D97-AF65-F5344CB8AC3E}">
-        <p14:creationId xmlns:p14="http://schemas.microsoft.com/office/powerpoint/2010/main" val="1471488681"/>
+        <p14:creationId xmlns:p14="http://schemas.microsoft.com/office/powerpoint/2010/main" val="2791394585"/>
       </p:ext>
     </p:extLst>
   </p:cSld>
@@ -994,7 +1583,7 @@
           <a:p>
             <a:fld id="{180B0F4F-C4CA-F945-8BD8-C2A10415F31A}" type="slidenum">
               <a:rPr lang="en-US" smtClean="0"/>
-              <a:t>23</a:t>
+              <a:t>19</a:t>
             </a:fld>
             <a:endParaRPr lang="en-US"/>
           </a:p>
@@ -1003,7 +1592,7 @@
     </p:spTree>
     <p:extLst>
       <p:ext uri="{BB962C8B-B14F-4D97-AF65-F5344CB8AC3E}">
-        <p14:creationId xmlns:p14="http://schemas.microsoft.com/office/powerpoint/2010/main" val="2207898864"/>
+        <p14:creationId xmlns:p14="http://schemas.microsoft.com/office/powerpoint/2010/main" val="4175223098"/>
       </p:ext>
     </p:extLst>
   </p:cSld>
@@ -1078,7 +1667,7 @@
           <a:p>
             <a:fld id="{180B0F4F-C4CA-F945-8BD8-C2A10415F31A}" type="slidenum">
               <a:rPr lang="en-US" smtClean="0"/>
-              <a:t>24</a:t>
+              <a:t>20</a:t>
             </a:fld>
             <a:endParaRPr lang="en-US"/>
           </a:p>
@@ -1087,7 +1676,7 @@
     </p:spTree>
     <p:extLst>
       <p:ext uri="{BB962C8B-B14F-4D97-AF65-F5344CB8AC3E}">
-        <p14:creationId xmlns:p14="http://schemas.microsoft.com/office/powerpoint/2010/main" val="1977058663"/>
+        <p14:creationId xmlns:p14="http://schemas.microsoft.com/office/powerpoint/2010/main" val="2075521826"/>
       </p:ext>
     </p:extLst>
   </p:cSld>
@@ -1162,7 +1751,7 @@
           <a:p>
             <a:fld id="{180B0F4F-C4CA-F945-8BD8-C2A10415F31A}" type="slidenum">
               <a:rPr lang="en-US" smtClean="0"/>
-              <a:t>25</a:t>
+              <a:t>21</a:t>
             </a:fld>
             <a:endParaRPr lang="en-US"/>
           </a:p>
@@ -1171,7 +1760,7 @@
     </p:spTree>
     <p:extLst>
       <p:ext uri="{BB962C8B-B14F-4D97-AF65-F5344CB8AC3E}">
-        <p14:creationId xmlns:p14="http://schemas.microsoft.com/office/powerpoint/2010/main" val="1305491200"/>
+        <p14:creationId xmlns:p14="http://schemas.microsoft.com/office/powerpoint/2010/main" val="1471488681"/>
       </p:ext>
     </p:extLst>
   </p:cSld>
@@ -1225,7 +1814,7 @@
           <a:bodyPr/>
           <a:lstStyle/>
           <a:p>
-            <a:endParaRPr lang="en-US" dirty="0"/>
+            <a:endParaRPr lang="en-US"/>
           </a:p>
         </p:txBody>
       </p:sp>
@@ -1246,7 +1835,7 @@
           <a:p>
             <a:fld id="{180B0F4F-C4CA-F945-8BD8-C2A10415F31A}" type="slidenum">
               <a:rPr lang="en-US" smtClean="0"/>
-              <a:t>27</a:t>
+              <a:t>23</a:t>
             </a:fld>
             <a:endParaRPr lang="en-US"/>
           </a:p>
@@ -1255,7 +1844,7 @@
     </p:spTree>
     <p:extLst>
       <p:ext uri="{BB962C8B-B14F-4D97-AF65-F5344CB8AC3E}">
-        <p14:creationId xmlns:p14="http://schemas.microsoft.com/office/powerpoint/2010/main" val="2295082353"/>
+        <p14:creationId xmlns:p14="http://schemas.microsoft.com/office/powerpoint/2010/main" val="2207898864"/>
       </p:ext>
     </p:extLst>
   </p:cSld>
@@ -1330,7 +1919,7 @@
           <a:p>
             <a:fld id="{180B0F4F-C4CA-F945-8BD8-C2A10415F31A}" type="slidenum">
               <a:rPr lang="en-US" smtClean="0"/>
-              <a:t>28</a:t>
+              <a:t>24</a:t>
             </a:fld>
             <a:endParaRPr lang="en-US"/>
           </a:p>
@@ -1339,7 +1928,7 @@
     </p:spTree>
     <p:extLst>
       <p:ext uri="{BB962C8B-B14F-4D97-AF65-F5344CB8AC3E}">
-        <p14:creationId xmlns:p14="http://schemas.microsoft.com/office/powerpoint/2010/main" val="3232203025"/>
+        <p14:creationId xmlns:p14="http://schemas.microsoft.com/office/powerpoint/2010/main" val="1977058663"/>
       </p:ext>
     </p:extLst>
   </p:cSld>
@@ -1393,7 +1982,7 @@
           <a:bodyPr/>
           <a:lstStyle/>
           <a:p>
-            <a:endParaRPr lang="en-US" dirty="0"/>
+            <a:endParaRPr lang="en-US"/>
           </a:p>
         </p:txBody>
       </p:sp>
@@ -1414,7 +2003,7 @@
           <a:p>
             <a:fld id="{180B0F4F-C4CA-F945-8BD8-C2A10415F31A}" type="slidenum">
               <a:rPr lang="en-US" smtClean="0"/>
-              <a:t>29</a:t>
+              <a:t>25</a:t>
             </a:fld>
             <a:endParaRPr lang="en-US"/>
           </a:p>
@@ -1423,7 +2012,7 @@
     </p:spTree>
     <p:extLst>
       <p:ext uri="{BB962C8B-B14F-4D97-AF65-F5344CB8AC3E}">
-        <p14:creationId xmlns:p14="http://schemas.microsoft.com/office/powerpoint/2010/main" val="180261347"/>
+        <p14:creationId xmlns:p14="http://schemas.microsoft.com/office/powerpoint/2010/main" val="1305491200"/>
       </p:ext>
     </p:extLst>
   </p:cSld>
@@ -1650,6 +2239,258 @@
           <a:bodyPr/>
           <a:lstStyle/>
           <a:p>
+            <a:endParaRPr lang="en-US" dirty="0"/>
+          </a:p>
+        </p:txBody>
+      </p:sp>
+      <p:sp>
+        <p:nvSpPr>
+          <p:cNvPr id="4" name="Slide Number Placeholder 3"/>
+          <p:cNvSpPr>
+            <a:spLocks noGrp="1"/>
+          </p:cNvSpPr>
+          <p:nvPr>
+            <p:ph type="sldNum" sz="quarter" idx="5"/>
+          </p:nvPr>
+        </p:nvSpPr>
+        <p:spPr/>
+        <p:txBody>
+          <a:bodyPr/>
+          <a:lstStyle/>
+          <a:p>
+            <a:fld id="{180B0F4F-C4CA-F945-8BD8-C2A10415F31A}" type="slidenum">
+              <a:rPr lang="en-US" smtClean="0"/>
+              <a:t>27</a:t>
+            </a:fld>
+            <a:endParaRPr lang="en-US"/>
+          </a:p>
+        </p:txBody>
+      </p:sp>
+    </p:spTree>
+    <p:extLst>
+      <p:ext uri="{BB962C8B-B14F-4D97-AF65-F5344CB8AC3E}">
+        <p14:creationId xmlns:p14="http://schemas.microsoft.com/office/powerpoint/2010/main" val="2295082353"/>
+      </p:ext>
+    </p:extLst>
+  </p:cSld>
+  <p:clrMapOvr>
+    <a:masterClrMapping/>
+  </p:clrMapOvr>
+</p:notes>
+</file>
+
+<file path=ppt/notesSlides/notesSlide21.xml><?xml version="1.0" encoding="utf-8"?>
+<p:notes xmlns:a="http://schemas.openxmlformats.org/drawingml/2006/main" xmlns:r="http://schemas.openxmlformats.org/officeDocument/2006/relationships" xmlns:p="http://schemas.openxmlformats.org/presentationml/2006/main">
+  <p:cSld>
+    <p:spTree>
+      <p:nvGrpSpPr>
+        <p:cNvPr id="1" name=""/>
+        <p:cNvGrpSpPr/>
+        <p:nvPr/>
+      </p:nvGrpSpPr>
+      <p:grpSpPr>
+        <a:xfrm>
+          <a:off x="0" y="0"/>
+          <a:ext cx="0" cy="0"/>
+          <a:chOff x="0" y="0"/>
+          <a:chExt cx="0" cy="0"/>
+        </a:xfrm>
+      </p:grpSpPr>
+      <p:sp>
+        <p:nvSpPr>
+          <p:cNvPr id="2" name="Slide Image Placeholder 1"/>
+          <p:cNvSpPr>
+            <a:spLocks noGrp="1" noRot="1" noChangeAspect="1"/>
+          </p:cNvSpPr>
+          <p:nvPr>
+            <p:ph type="sldImg"/>
+          </p:nvPr>
+        </p:nvSpPr>
+        <p:spPr/>
+      </p:sp>
+      <p:sp>
+        <p:nvSpPr>
+          <p:cNvPr id="3" name="Notes Placeholder 2"/>
+          <p:cNvSpPr>
+            <a:spLocks noGrp="1"/>
+          </p:cNvSpPr>
+          <p:nvPr>
+            <p:ph type="body" idx="1"/>
+          </p:nvPr>
+        </p:nvSpPr>
+        <p:spPr/>
+        <p:txBody>
+          <a:bodyPr/>
+          <a:lstStyle/>
+          <a:p>
+            <a:endParaRPr lang="en-US" dirty="0"/>
+          </a:p>
+        </p:txBody>
+      </p:sp>
+      <p:sp>
+        <p:nvSpPr>
+          <p:cNvPr id="4" name="Slide Number Placeholder 3"/>
+          <p:cNvSpPr>
+            <a:spLocks noGrp="1"/>
+          </p:cNvSpPr>
+          <p:nvPr>
+            <p:ph type="sldNum" sz="quarter" idx="5"/>
+          </p:nvPr>
+        </p:nvSpPr>
+        <p:spPr/>
+        <p:txBody>
+          <a:bodyPr/>
+          <a:lstStyle/>
+          <a:p>
+            <a:fld id="{180B0F4F-C4CA-F945-8BD8-C2A10415F31A}" type="slidenum">
+              <a:rPr lang="en-US" smtClean="0"/>
+              <a:t>28</a:t>
+            </a:fld>
+            <a:endParaRPr lang="en-US"/>
+          </a:p>
+        </p:txBody>
+      </p:sp>
+    </p:spTree>
+    <p:extLst>
+      <p:ext uri="{BB962C8B-B14F-4D97-AF65-F5344CB8AC3E}">
+        <p14:creationId xmlns:p14="http://schemas.microsoft.com/office/powerpoint/2010/main" val="3232203025"/>
+      </p:ext>
+    </p:extLst>
+  </p:cSld>
+  <p:clrMapOvr>
+    <a:masterClrMapping/>
+  </p:clrMapOvr>
+</p:notes>
+</file>
+
+<file path=ppt/notesSlides/notesSlide22.xml><?xml version="1.0" encoding="utf-8"?>
+<p:notes xmlns:a="http://schemas.openxmlformats.org/drawingml/2006/main" xmlns:r="http://schemas.openxmlformats.org/officeDocument/2006/relationships" xmlns:p="http://schemas.openxmlformats.org/presentationml/2006/main">
+  <p:cSld>
+    <p:spTree>
+      <p:nvGrpSpPr>
+        <p:cNvPr id="1" name=""/>
+        <p:cNvGrpSpPr/>
+        <p:nvPr/>
+      </p:nvGrpSpPr>
+      <p:grpSpPr>
+        <a:xfrm>
+          <a:off x="0" y="0"/>
+          <a:ext cx="0" cy="0"/>
+          <a:chOff x="0" y="0"/>
+          <a:chExt cx="0" cy="0"/>
+        </a:xfrm>
+      </p:grpSpPr>
+      <p:sp>
+        <p:nvSpPr>
+          <p:cNvPr id="2" name="Slide Image Placeholder 1"/>
+          <p:cNvSpPr>
+            <a:spLocks noGrp="1" noRot="1" noChangeAspect="1"/>
+          </p:cNvSpPr>
+          <p:nvPr>
+            <p:ph type="sldImg"/>
+          </p:nvPr>
+        </p:nvSpPr>
+        <p:spPr/>
+      </p:sp>
+      <p:sp>
+        <p:nvSpPr>
+          <p:cNvPr id="3" name="Notes Placeholder 2"/>
+          <p:cNvSpPr>
+            <a:spLocks noGrp="1"/>
+          </p:cNvSpPr>
+          <p:nvPr>
+            <p:ph type="body" idx="1"/>
+          </p:nvPr>
+        </p:nvSpPr>
+        <p:spPr/>
+        <p:txBody>
+          <a:bodyPr/>
+          <a:lstStyle/>
+          <a:p>
+            <a:endParaRPr lang="en-US" dirty="0"/>
+          </a:p>
+        </p:txBody>
+      </p:sp>
+      <p:sp>
+        <p:nvSpPr>
+          <p:cNvPr id="4" name="Slide Number Placeholder 3"/>
+          <p:cNvSpPr>
+            <a:spLocks noGrp="1"/>
+          </p:cNvSpPr>
+          <p:nvPr>
+            <p:ph type="sldNum" sz="quarter" idx="5"/>
+          </p:nvPr>
+        </p:nvSpPr>
+        <p:spPr/>
+        <p:txBody>
+          <a:bodyPr/>
+          <a:lstStyle/>
+          <a:p>
+            <a:fld id="{180B0F4F-C4CA-F945-8BD8-C2A10415F31A}" type="slidenum">
+              <a:rPr lang="en-US" smtClean="0"/>
+              <a:t>29</a:t>
+            </a:fld>
+            <a:endParaRPr lang="en-US"/>
+          </a:p>
+        </p:txBody>
+      </p:sp>
+    </p:spTree>
+    <p:extLst>
+      <p:ext uri="{BB962C8B-B14F-4D97-AF65-F5344CB8AC3E}">
+        <p14:creationId xmlns:p14="http://schemas.microsoft.com/office/powerpoint/2010/main" val="180261347"/>
+      </p:ext>
+    </p:extLst>
+  </p:cSld>
+  <p:clrMapOvr>
+    <a:masterClrMapping/>
+  </p:clrMapOvr>
+</p:notes>
+</file>
+
+<file path=ppt/notesSlides/notesSlide23.xml><?xml version="1.0" encoding="utf-8"?>
+<p:notes xmlns:a="http://schemas.openxmlformats.org/drawingml/2006/main" xmlns:r="http://schemas.openxmlformats.org/officeDocument/2006/relationships" xmlns:p="http://schemas.openxmlformats.org/presentationml/2006/main">
+  <p:cSld>
+    <p:spTree>
+      <p:nvGrpSpPr>
+        <p:cNvPr id="1" name=""/>
+        <p:cNvGrpSpPr/>
+        <p:nvPr/>
+      </p:nvGrpSpPr>
+      <p:grpSpPr>
+        <a:xfrm>
+          <a:off x="0" y="0"/>
+          <a:ext cx="0" cy="0"/>
+          <a:chOff x="0" y="0"/>
+          <a:chExt cx="0" cy="0"/>
+        </a:xfrm>
+      </p:grpSpPr>
+      <p:sp>
+        <p:nvSpPr>
+          <p:cNvPr id="2" name="Slide Image Placeholder 1"/>
+          <p:cNvSpPr>
+            <a:spLocks noGrp="1" noRot="1" noChangeAspect="1"/>
+          </p:cNvSpPr>
+          <p:nvPr>
+            <p:ph type="sldImg"/>
+          </p:nvPr>
+        </p:nvSpPr>
+        <p:spPr/>
+      </p:sp>
+      <p:sp>
+        <p:nvSpPr>
+          <p:cNvPr id="3" name="Notes Placeholder 2"/>
+          <p:cNvSpPr>
+            <a:spLocks noGrp="1"/>
+          </p:cNvSpPr>
+          <p:nvPr>
+            <p:ph type="body" idx="1"/>
+          </p:nvPr>
+        </p:nvSpPr>
+        <p:spPr/>
+        <p:txBody>
+          <a:bodyPr/>
+          <a:lstStyle/>
+          <a:p>
             <a:r>
               <a:rPr lang="en-US" dirty="0"/>
               <a:t>As backup slide.</a:t>
@@ -1693,7 +2534,7 @@
 </p:notes>
 </file>
 
-<file path=ppt/notesSlides/notesSlide21.xml><?xml version="1.0" encoding="utf-8"?>
+<file path=ppt/notesSlides/notesSlide24.xml><?xml version="1.0" encoding="utf-8"?>
 <p:notes xmlns:a="http://schemas.openxmlformats.org/drawingml/2006/main" xmlns:r="http://schemas.openxmlformats.org/officeDocument/2006/relationships" xmlns:p="http://schemas.openxmlformats.org/presentationml/2006/main">
   <p:cSld>
     <p:spTree>
@@ -6046,6 +6887,50 @@
           <a:bodyPr/>
           <a:lstStyle/>
           <a:p>
+            <a:r>
+              <a:rPr lang="en-US" dirty="0"/>
+              <a:t>Logic for contingent truth</a:t>
+            </a:r>
+          </a:p>
+          <a:p>
+            <a:r>
+              <a:rPr lang="en-US" dirty="0"/>
+              <a:t>Hybrid logic</a:t>
+            </a:r>
+          </a:p>
+          <a:p>
+            <a:pPr lvl="1"/>
+            <a:r>
+              <a:rPr lang="en-US" dirty="0"/>
+              <a:t>Inspired by dynamic logic’s satisfaction operator</a:t>
+            </a:r>
+          </a:p>
+          <a:p>
+            <a:r>
+              <a:rPr lang="en-US" dirty="0" err="1"/>
+              <a:t>Kripke</a:t>
+            </a:r>
+            <a:r>
+              <a:rPr lang="en-US" dirty="0"/>
+              <a:t> models</a:t>
+            </a:r>
+          </a:p>
+          <a:p>
+            <a:pPr lvl="1"/>
+            <a:r>
+              <a:rPr lang="en-US" dirty="0"/>
+              <a:t>Labelled transition systems (LTS)es,  state-transition-systems (STS)es</a:t>
+            </a:r>
+          </a:p>
+          <a:p>
+            <a:pPr lvl="1"/>
+            <a:r>
+              <a:rPr lang="en-US" dirty="0"/>
+              <a:t>A model for a logic of propositions representing contingency	</a:t>
+            </a:r>
+          </a:p>
+          <a:p>
+            <a:pPr lvl="2"/>
             <a:endParaRPr lang="en-US" dirty="0"/>
           </a:p>
         </p:txBody>
@@ -6060,6 +6945,294 @@
   <p:clrMapOvr>
     <a:masterClrMapping/>
   </p:clrMapOvr>
+  <p:timing>
+    <p:tnLst>
+      <p:par>
+        <p:cTn id="1" dur="indefinite" restart="never" nodeType="tmRoot">
+          <p:childTnLst>
+            <p:seq concurrent="1" nextAc="seek">
+              <p:cTn id="2" dur="indefinite" nodeType="mainSeq">
+                <p:childTnLst>
+                  <p:par>
+                    <p:cTn id="3" fill="hold">
+                      <p:stCondLst>
+                        <p:cond delay="indefinite"/>
+                      </p:stCondLst>
+                      <p:childTnLst>
+                        <p:par>
+                          <p:cTn id="4" fill="hold">
+                            <p:stCondLst>
+                              <p:cond delay="0"/>
+                            </p:stCondLst>
+                            <p:childTnLst>
+                              <p:par>
+                                <p:cTn id="5" presetID="1" presetClass="entr" presetSubtype="0" fill="hold" nodeType="clickEffect">
+                                  <p:stCondLst>
+                                    <p:cond delay="0"/>
+                                  </p:stCondLst>
+                                  <p:childTnLst>
+                                    <p:set>
+                                      <p:cBhvr>
+                                        <p:cTn id="6" dur="1" fill="hold">
+                                          <p:stCondLst>
+                                            <p:cond delay="0"/>
+                                          </p:stCondLst>
+                                        </p:cTn>
+                                        <p:tgtEl>
+                                          <p:spTgt spid="3">
+                                            <p:txEl>
+                                              <p:pRg st="0" end="0"/>
+                                            </p:txEl>
+                                          </p:spTgt>
+                                        </p:tgtEl>
+                                        <p:attrNameLst>
+                                          <p:attrName>style.visibility</p:attrName>
+                                        </p:attrNameLst>
+                                      </p:cBhvr>
+                                      <p:to>
+                                        <p:strVal val="visible"/>
+                                      </p:to>
+                                    </p:set>
+                                  </p:childTnLst>
+                                </p:cTn>
+                              </p:par>
+                            </p:childTnLst>
+                          </p:cTn>
+                        </p:par>
+                      </p:childTnLst>
+                    </p:cTn>
+                  </p:par>
+                  <p:par>
+                    <p:cTn id="7" fill="hold">
+                      <p:stCondLst>
+                        <p:cond delay="indefinite"/>
+                      </p:stCondLst>
+                      <p:childTnLst>
+                        <p:par>
+                          <p:cTn id="8" fill="hold">
+                            <p:stCondLst>
+                              <p:cond delay="0"/>
+                            </p:stCondLst>
+                            <p:childTnLst>
+                              <p:par>
+                                <p:cTn id="9" presetID="1" presetClass="entr" presetSubtype="0" fill="hold" nodeType="clickEffect">
+                                  <p:stCondLst>
+                                    <p:cond delay="0"/>
+                                  </p:stCondLst>
+                                  <p:childTnLst>
+                                    <p:set>
+                                      <p:cBhvr>
+                                        <p:cTn id="10" dur="1" fill="hold">
+                                          <p:stCondLst>
+                                            <p:cond delay="0"/>
+                                          </p:stCondLst>
+                                        </p:cTn>
+                                        <p:tgtEl>
+                                          <p:spTgt spid="3">
+                                            <p:txEl>
+                                              <p:pRg st="1" end="1"/>
+                                            </p:txEl>
+                                          </p:spTgt>
+                                        </p:tgtEl>
+                                        <p:attrNameLst>
+                                          <p:attrName>style.visibility</p:attrName>
+                                        </p:attrNameLst>
+                                      </p:cBhvr>
+                                      <p:to>
+                                        <p:strVal val="visible"/>
+                                      </p:to>
+                                    </p:set>
+                                  </p:childTnLst>
+                                </p:cTn>
+                              </p:par>
+                              <p:par>
+                                <p:cTn id="11" presetID="1" presetClass="entr" presetSubtype="0" fill="hold" nodeType="withEffect">
+                                  <p:stCondLst>
+                                    <p:cond delay="0"/>
+                                  </p:stCondLst>
+                                  <p:childTnLst>
+                                    <p:set>
+                                      <p:cBhvr>
+                                        <p:cTn id="12" dur="1" fill="hold">
+                                          <p:stCondLst>
+                                            <p:cond delay="0"/>
+                                          </p:stCondLst>
+                                        </p:cTn>
+                                        <p:tgtEl>
+                                          <p:spTgt spid="3">
+                                            <p:txEl>
+                                              <p:pRg st="2" end="2"/>
+                                            </p:txEl>
+                                          </p:spTgt>
+                                        </p:tgtEl>
+                                        <p:attrNameLst>
+                                          <p:attrName>style.visibility</p:attrName>
+                                        </p:attrNameLst>
+                                      </p:cBhvr>
+                                      <p:to>
+                                        <p:strVal val="visible"/>
+                                      </p:to>
+                                    </p:set>
+                                  </p:childTnLst>
+                                </p:cTn>
+                              </p:par>
+                            </p:childTnLst>
+                          </p:cTn>
+                        </p:par>
+                      </p:childTnLst>
+                    </p:cTn>
+                  </p:par>
+                  <p:par>
+                    <p:cTn id="13" fill="hold">
+                      <p:stCondLst>
+                        <p:cond delay="indefinite"/>
+                      </p:stCondLst>
+                      <p:childTnLst>
+                        <p:par>
+                          <p:cTn id="14" fill="hold">
+                            <p:stCondLst>
+                              <p:cond delay="0"/>
+                            </p:stCondLst>
+                            <p:childTnLst>
+                              <p:par>
+                                <p:cTn id="15" presetID="1" presetClass="entr" presetSubtype="0" fill="hold" nodeType="clickEffect">
+                                  <p:stCondLst>
+                                    <p:cond delay="0"/>
+                                  </p:stCondLst>
+                                  <p:childTnLst>
+                                    <p:set>
+                                      <p:cBhvr>
+                                        <p:cTn id="16" dur="1" fill="hold">
+                                          <p:stCondLst>
+                                            <p:cond delay="0"/>
+                                          </p:stCondLst>
+                                        </p:cTn>
+                                        <p:tgtEl>
+                                          <p:spTgt spid="3">
+                                            <p:txEl>
+                                              <p:pRg st="3" end="3"/>
+                                            </p:txEl>
+                                          </p:spTgt>
+                                        </p:tgtEl>
+                                        <p:attrNameLst>
+                                          <p:attrName>style.visibility</p:attrName>
+                                        </p:attrNameLst>
+                                      </p:cBhvr>
+                                      <p:to>
+                                        <p:strVal val="visible"/>
+                                      </p:to>
+                                    </p:set>
+                                  </p:childTnLst>
+                                </p:cTn>
+                              </p:par>
+                            </p:childTnLst>
+                          </p:cTn>
+                        </p:par>
+                      </p:childTnLst>
+                    </p:cTn>
+                  </p:par>
+                  <p:par>
+                    <p:cTn id="17" fill="hold">
+                      <p:stCondLst>
+                        <p:cond delay="indefinite"/>
+                      </p:stCondLst>
+                      <p:childTnLst>
+                        <p:par>
+                          <p:cTn id="18" fill="hold">
+                            <p:stCondLst>
+                              <p:cond delay="0"/>
+                            </p:stCondLst>
+                            <p:childTnLst>
+                              <p:par>
+                                <p:cTn id="19" presetID="1" presetClass="entr" presetSubtype="0" fill="hold" nodeType="clickEffect">
+                                  <p:stCondLst>
+                                    <p:cond delay="0"/>
+                                  </p:stCondLst>
+                                  <p:childTnLst>
+                                    <p:set>
+                                      <p:cBhvr>
+                                        <p:cTn id="20" dur="1" fill="hold">
+                                          <p:stCondLst>
+                                            <p:cond delay="0"/>
+                                          </p:stCondLst>
+                                        </p:cTn>
+                                        <p:tgtEl>
+                                          <p:spTgt spid="3">
+                                            <p:txEl>
+                                              <p:pRg st="4" end="4"/>
+                                            </p:txEl>
+                                          </p:spTgt>
+                                        </p:tgtEl>
+                                        <p:attrNameLst>
+                                          <p:attrName>style.visibility</p:attrName>
+                                        </p:attrNameLst>
+                                      </p:cBhvr>
+                                      <p:to>
+                                        <p:strVal val="visible"/>
+                                      </p:to>
+                                    </p:set>
+                                  </p:childTnLst>
+                                </p:cTn>
+                              </p:par>
+                              <p:par>
+                                <p:cTn id="21" presetID="1" presetClass="entr" presetSubtype="0" fill="hold" nodeType="withEffect">
+                                  <p:stCondLst>
+                                    <p:cond delay="0"/>
+                                  </p:stCondLst>
+                                  <p:childTnLst>
+                                    <p:set>
+                                      <p:cBhvr>
+                                        <p:cTn id="22" dur="1" fill="hold">
+                                          <p:stCondLst>
+                                            <p:cond delay="0"/>
+                                          </p:stCondLst>
+                                        </p:cTn>
+                                        <p:tgtEl>
+                                          <p:spTgt spid="3">
+                                            <p:txEl>
+                                              <p:pRg st="5" end="5"/>
+                                            </p:txEl>
+                                          </p:spTgt>
+                                        </p:tgtEl>
+                                        <p:attrNameLst>
+                                          <p:attrName>style.visibility</p:attrName>
+                                        </p:attrNameLst>
+                                      </p:cBhvr>
+                                      <p:to>
+                                        <p:strVal val="visible"/>
+                                      </p:to>
+                                    </p:set>
+                                  </p:childTnLst>
+                                </p:cTn>
+                              </p:par>
+                            </p:childTnLst>
+                          </p:cTn>
+                        </p:par>
+                      </p:childTnLst>
+                    </p:cTn>
+                  </p:par>
+                </p:childTnLst>
+              </p:cTn>
+              <p:prevCondLst>
+                <p:cond evt="onPrev" delay="0">
+                  <p:tgtEl>
+                    <p:sldTgt/>
+                  </p:tgtEl>
+                </p:cond>
+              </p:prevCondLst>
+              <p:nextCondLst>
+                <p:cond evt="onNext" delay="0">
+                  <p:tgtEl>
+                    <p:sldTgt/>
+                  </p:tgtEl>
+                </p:cond>
+              </p:nextCondLst>
+            </p:seq>
+          </p:childTnLst>
+        </p:cTn>
+      </p:par>
+    </p:tnLst>
+  </p:timing>
 </p:sld>
 </file>
 
@@ -6137,7 +7310,273 @@
           <a:bodyPr/>
           <a:lstStyle/>
           <a:p>
-            <a:endParaRPr lang="en-US"/>
+            <a:r>
+              <a:rPr lang="en-US" dirty="0"/>
+              <a:t>A </a:t>
+            </a:r>
+            <a:r>
+              <a:rPr lang="en-US" dirty="0" err="1"/>
+              <a:t>Kripke</a:t>
+            </a:r>
+            <a:r>
+              <a:rPr lang="en-US" dirty="0"/>
+              <a:t> Model (</a:t>
+            </a:r>
+            <a:r>
+              <a:rPr lang="en-US" i="1" dirty="0" err="1"/>
+              <a:t>W</a:t>
+            </a:r>
+            <a:r>
+              <a:rPr lang="en-US" dirty="0" err="1"/>
+              <a:t>,</a:t>
+            </a:r>
+            <a:r>
+              <a:rPr lang="en-US" i="1" dirty="0" err="1"/>
+              <a:t>R</a:t>
+            </a:r>
+            <a:r>
+              <a:rPr lang="en-US" baseline="-25000" dirty="0" err="1"/>
+              <a:t>i</a:t>
+            </a:r>
+            <a:r>
+              <a:rPr lang="en-US" dirty="0" err="1"/>
+              <a:t>,</a:t>
+            </a:r>
+            <a:r>
+              <a:rPr lang="en-US" i="1" dirty="0" err="1"/>
+              <a:t>V</a:t>
+            </a:r>
+            <a:r>
+              <a:rPr lang="en-US" dirty="0"/>
+              <a:t>)</a:t>
+            </a:r>
+          </a:p>
+          <a:p>
+            <a:pPr lvl="1"/>
+            <a:r>
+              <a:rPr lang="en-US" i="1" dirty="0"/>
+              <a:t>W</a:t>
+            </a:r>
+            <a:r>
+              <a:rPr lang="en-US" dirty="0"/>
+              <a:t> is a set of worlds </a:t>
+            </a:r>
+          </a:p>
+          <a:p>
+            <a:pPr lvl="1"/>
+            <a:r>
+              <a:rPr lang="en-US" i="1" dirty="0"/>
+              <a:t>R</a:t>
+            </a:r>
+            <a:r>
+              <a:rPr lang="en-US" dirty="0"/>
+              <a:t> is subset of </a:t>
+            </a:r>
+            <a:r>
+              <a:rPr lang="en-US" i="1" dirty="0"/>
+              <a:t>W</a:t>
+            </a:r>
+            <a:r>
+              <a:rPr lang="en-US" dirty="0"/>
+              <a:t> x </a:t>
+            </a:r>
+            <a:r>
+              <a:rPr lang="en-US" i="1" dirty="0"/>
+              <a:t>W  </a:t>
+            </a:r>
+            <a:r>
+              <a:rPr lang="en-US" dirty="0"/>
+              <a:t>-- accessibility relation between worlds</a:t>
+            </a:r>
+            <a:endParaRPr lang="en-US" i="1" dirty="0"/>
+          </a:p>
+          <a:p>
+            <a:pPr lvl="1"/>
+            <a:r>
+              <a:rPr lang="en-US" i="1" dirty="0"/>
+              <a:t>V</a:t>
+            </a:r>
+            <a:r>
+              <a:rPr lang="en-US" dirty="0"/>
+              <a:t> : </a:t>
+            </a:r>
+            <a:r>
+              <a:rPr lang="en-US" dirty="0" err="1"/>
+              <a:t>PropVar</a:t>
+            </a:r>
+            <a:r>
+              <a:rPr lang="en-US" dirty="0"/>
+              <a:t> </a:t>
+            </a:r>
+            <a:r>
+              <a:rPr lang="en-US" dirty="0">
+                <a:sym typeface="Wingdings" pitchFamily="2" charset="2"/>
+              </a:rPr>
+              <a:t> P(W) gives for each propositional </a:t>
+            </a:r>
+            <a:r>
+              <a:rPr lang="en-US" i="1" dirty="0">
+                <a:sym typeface="Wingdings" pitchFamily="2" charset="2"/>
+              </a:rPr>
+              <a:t>p</a:t>
+            </a:r>
+            <a:r>
+              <a:rPr lang="en-US" dirty="0">
+                <a:sym typeface="Wingdings" pitchFamily="2" charset="2"/>
+              </a:rPr>
+              <a:t> a set of worlds </a:t>
+            </a:r>
+            <a:r>
+              <a:rPr lang="en-US" i="1" dirty="0">
+                <a:sym typeface="Wingdings" pitchFamily="2" charset="2"/>
+              </a:rPr>
+              <a:t>V(p)</a:t>
+            </a:r>
+          </a:p>
+          <a:p>
+            <a:pPr lvl="1"/>
+            <a:endParaRPr lang="en-US" i="1" dirty="0">
+              <a:sym typeface="Wingdings" pitchFamily="2" charset="2"/>
+            </a:endParaRPr>
+          </a:p>
+          <a:p>
+            <a:pPr lvl="1"/>
+            <a:endParaRPr lang="en-US" i="1" dirty="0">
+              <a:sym typeface="Wingdings" pitchFamily="2" charset="2"/>
+            </a:endParaRPr>
+          </a:p>
+          <a:p>
+            <a:pPr lvl="1"/>
+            <a:endParaRPr lang="en-US" i="1" dirty="0">
+              <a:sym typeface="Wingdings" pitchFamily="2" charset="2"/>
+            </a:endParaRPr>
+          </a:p>
+          <a:p>
+            <a:pPr lvl="1"/>
+            <a:endParaRPr lang="en-US" i="1" dirty="0">
+              <a:sym typeface="Wingdings" pitchFamily="2" charset="2"/>
+            </a:endParaRPr>
+          </a:p>
+          <a:p>
+            <a:pPr lvl="1"/>
+            <a:endParaRPr lang="en-US" i="1" dirty="0">
+              <a:sym typeface="Wingdings" pitchFamily="2" charset="2"/>
+            </a:endParaRPr>
+          </a:p>
+          <a:p>
+            <a:pPr lvl="1"/>
+            <a:r>
+              <a:rPr lang="en-US" dirty="0">
+                <a:sym typeface="Wingdings" pitchFamily="2" charset="2"/>
+              </a:rPr>
+              <a:t>Going back Hoare triple: P =&gt; [e]Q   or with the rules above &lt;m&gt;Q</a:t>
+            </a:r>
+          </a:p>
+          <a:p>
+            <a:pPr lvl="1"/>
+            <a:endParaRPr lang="en-US" i="1" dirty="0">
+              <a:sym typeface="Wingdings" pitchFamily="2" charset="2"/>
+            </a:endParaRPr>
+          </a:p>
+          <a:p>
+            <a:pPr lvl="1"/>
+            <a:endParaRPr lang="en-US" i="1" dirty="0">
+              <a:sym typeface="Wingdings" pitchFamily="2" charset="2"/>
+            </a:endParaRPr>
+          </a:p>
+          <a:p>
+            <a:pPr lvl="1"/>
+            <a:endParaRPr lang="en-US" i="1" dirty="0">
+              <a:sym typeface="Wingdings" pitchFamily="2" charset="2"/>
+            </a:endParaRPr>
+          </a:p>
+          <a:p>
+            <a:pPr lvl="1"/>
+            <a:endParaRPr lang="en-US" i="1" dirty="0">
+              <a:sym typeface="Wingdings" pitchFamily="2" charset="2"/>
+            </a:endParaRPr>
+          </a:p>
+        </p:txBody>
+      </p:sp>
+      <p:pic>
+        <p:nvPicPr>
+          <p:cNvPr id="5" name="Picture 4" descr="A group of black arrows&#10;&#10;Description automatically generated">
+            <a:extLst>
+              <a:ext uri="{FF2B5EF4-FFF2-40B4-BE49-F238E27FC236}">
+                <a16:creationId xmlns:a16="http://schemas.microsoft.com/office/drawing/2014/main" id="{92E9D492-46A5-A3E9-100E-7320CD21E21F}"/>
+              </a:ext>
+            </a:extLst>
+          </p:cNvPr>
+          <p:cNvPicPr>
+            <a:picLocks noChangeAspect="1"/>
+          </p:cNvPicPr>
+          <p:nvPr/>
+        </p:nvPicPr>
+        <p:blipFill>
+          <a:blip r:embed="rId3"/>
+          <a:stretch>
+            <a:fillRect/>
+          </a:stretch>
+        </p:blipFill>
+        <p:spPr>
+          <a:xfrm>
+            <a:off x="2048509" y="3737610"/>
+            <a:ext cx="7252399" cy="1443990"/>
+          </a:xfrm>
+          <a:prstGeom prst="rect">
+            <a:avLst/>
+          </a:prstGeom>
+        </p:spPr>
+      </p:pic>
+      <p:sp>
+        <p:nvSpPr>
+          <p:cNvPr id="6" name="Frame 5">
+            <a:extLst>
+              <a:ext uri="{FF2B5EF4-FFF2-40B4-BE49-F238E27FC236}">
+                <a16:creationId xmlns:a16="http://schemas.microsoft.com/office/drawing/2014/main" id="{705C8F68-DBC9-7890-4259-A70936F3E187}"/>
+              </a:ext>
+            </a:extLst>
+          </p:cNvPr>
+          <p:cNvSpPr/>
+          <p:nvPr/>
+        </p:nvSpPr>
+        <p:spPr>
+          <a:xfrm>
+            <a:off x="5394960" y="4612640"/>
+            <a:ext cx="3905948" cy="436880"/>
+          </a:xfrm>
+          <a:prstGeom prst="frame">
+            <a:avLst>
+              <a:gd name="adj1" fmla="val 5523"/>
+            </a:avLst>
+          </a:prstGeom>
+        </p:spPr>
+        <p:style>
+          <a:lnRef idx="2">
+            <a:schemeClr val="accent1">
+              <a:shade val="15000"/>
+            </a:schemeClr>
+          </a:lnRef>
+          <a:fillRef idx="1">
+            <a:schemeClr val="accent1"/>
+          </a:fillRef>
+          <a:effectRef idx="0">
+            <a:schemeClr val="accent1"/>
+          </a:effectRef>
+          <a:fontRef idx="minor">
+            <a:schemeClr val="lt1"/>
+          </a:fontRef>
+        </p:style>
+        <p:txBody>
+          <a:bodyPr rtlCol="0" anchor="ctr"/>
+          <a:lstStyle/>
+          <a:p>
+            <a:pPr algn="ctr"/>
+            <a:endParaRPr lang="en-US">
+              <a:solidFill>
+                <a:schemeClr val="tx1"/>
+              </a:solidFill>
+            </a:endParaRPr>
           </a:p>
         </p:txBody>
       </p:sp>
@@ -6151,6 +7590,374 @@
   <p:clrMapOvr>
     <a:masterClrMapping/>
   </p:clrMapOvr>
+  <p:timing>
+    <p:tnLst>
+      <p:par>
+        <p:cTn id="1" dur="indefinite" restart="never" nodeType="tmRoot">
+          <p:childTnLst>
+            <p:seq concurrent="1" nextAc="seek">
+              <p:cTn id="2" dur="indefinite" nodeType="mainSeq">
+                <p:childTnLst>
+                  <p:par>
+                    <p:cTn id="3" fill="hold">
+                      <p:stCondLst>
+                        <p:cond delay="indefinite"/>
+                      </p:stCondLst>
+                      <p:childTnLst>
+                        <p:par>
+                          <p:cTn id="4" fill="hold">
+                            <p:stCondLst>
+                              <p:cond delay="0"/>
+                            </p:stCondLst>
+                            <p:childTnLst>
+                              <p:par>
+                                <p:cTn id="5" presetID="1" presetClass="entr" presetSubtype="0" fill="hold" nodeType="clickEffect">
+                                  <p:stCondLst>
+                                    <p:cond delay="0"/>
+                                  </p:stCondLst>
+                                  <p:childTnLst>
+                                    <p:set>
+                                      <p:cBhvr>
+                                        <p:cTn id="6" dur="1" fill="hold">
+                                          <p:stCondLst>
+                                            <p:cond delay="0"/>
+                                          </p:stCondLst>
+                                        </p:cTn>
+                                        <p:tgtEl>
+                                          <p:spTgt spid="3">
+                                            <p:txEl>
+                                              <p:pRg st="0" end="0"/>
+                                            </p:txEl>
+                                          </p:spTgt>
+                                        </p:tgtEl>
+                                        <p:attrNameLst>
+                                          <p:attrName>style.visibility</p:attrName>
+                                        </p:attrNameLst>
+                                      </p:cBhvr>
+                                      <p:to>
+                                        <p:strVal val="visible"/>
+                                      </p:to>
+                                    </p:set>
+                                  </p:childTnLst>
+                                </p:cTn>
+                              </p:par>
+                            </p:childTnLst>
+                          </p:cTn>
+                        </p:par>
+                      </p:childTnLst>
+                    </p:cTn>
+                  </p:par>
+                  <p:par>
+                    <p:cTn id="7" fill="hold">
+                      <p:stCondLst>
+                        <p:cond delay="indefinite"/>
+                      </p:stCondLst>
+                      <p:childTnLst>
+                        <p:par>
+                          <p:cTn id="8" fill="hold">
+                            <p:stCondLst>
+                              <p:cond delay="0"/>
+                            </p:stCondLst>
+                            <p:childTnLst>
+                              <p:par>
+                                <p:cTn id="9" presetID="1" presetClass="entr" presetSubtype="0" fill="hold" nodeType="clickEffect">
+                                  <p:stCondLst>
+                                    <p:cond delay="0"/>
+                                  </p:stCondLst>
+                                  <p:childTnLst>
+                                    <p:set>
+                                      <p:cBhvr>
+                                        <p:cTn id="10" dur="1" fill="hold">
+                                          <p:stCondLst>
+                                            <p:cond delay="0"/>
+                                          </p:stCondLst>
+                                        </p:cTn>
+                                        <p:tgtEl>
+                                          <p:spTgt spid="3">
+                                            <p:txEl>
+                                              <p:pRg st="1" end="1"/>
+                                            </p:txEl>
+                                          </p:spTgt>
+                                        </p:tgtEl>
+                                        <p:attrNameLst>
+                                          <p:attrName>style.visibility</p:attrName>
+                                        </p:attrNameLst>
+                                      </p:cBhvr>
+                                      <p:to>
+                                        <p:strVal val="visible"/>
+                                      </p:to>
+                                    </p:set>
+                                  </p:childTnLst>
+                                </p:cTn>
+                              </p:par>
+                            </p:childTnLst>
+                          </p:cTn>
+                        </p:par>
+                      </p:childTnLst>
+                    </p:cTn>
+                  </p:par>
+                  <p:par>
+                    <p:cTn id="11" fill="hold">
+                      <p:stCondLst>
+                        <p:cond delay="indefinite"/>
+                      </p:stCondLst>
+                      <p:childTnLst>
+                        <p:par>
+                          <p:cTn id="12" fill="hold">
+                            <p:stCondLst>
+                              <p:cond delay="0"/>
+                            </p:stCondLst>
+                            <p:childTnLst>
+                              <p:par>
+                                <p:cTn id="13" presetID="1" presetClass="entr" presetSubtype="0" fill="hold" nodeType="clickEffect">
+                                  <p:stCondLst>
+                                    <p:cond delay="0"/>
+                                  </p:stCondLst>
+                                  <p:childTnLst>
+                                    <p:set>
+                                      <p:cBhvr>
+                                        <p:cTn id="14" dur="1" fill="hold">
+                                          <p:stCondLst>
+                                            <p:cond delay="0"/>
+                                          </p:stCondLst>
+                                        </p:cTn>
+                                        <p:tgtEl>
+                                          <p:spTgt spid="3">
+                                            <p:txEl>
+                                              <p:pRg st="2" end="2"/>
+                                            </p:txEl>
+                                          </p:spTgt>
+                                        </p:tgtEl>
+                                        <p:attrNameLst>
+                                          <p:attrName>style.visibility</p:attrName>
+                                        </p:attrNameLst>
+                                      </p:cBhvr>
+                                      <p:to>
+                                        <p:strVal val="visible"/>
+                                      </p:to>
+                                    </p:set>
+                                  </p:childTnLst>
+                                </p:cTn>
+                              </p:par>
+                            </p:childTnLst>
+                          </p:cTn>
+                        </p:par>
+                      </p:childTnLst>
+                    </p:cTn>
+                  </p:par>
+                  <p:par>
+                    <p:cTn id="15" fill="hold">
+                      <p:stCondLst>
+                        <p:cond delay="indefinite"/>
+                      </p:stCondLst>
+                      <p:childTnLst>
+                        <p:par>
+                          <p:cTn id="16" fill="hold">
+                            <p:stCondLst>
+                              <p:cond delay="0"/>
+                            </p:stCondLst>
+                            <p:childTnLst>
+                              <p:par>
+                                <p:cTn id="17" presetID="1" presetClass="entr" presetSubtype="0" fill="hold" nodeType="clickEffect">
+                                  <p:stCondLst>
+                                    <p:cond delay="0"/>
+                                  </p:stCondLst>
+                                  <p:childTnLst>
+                                    <p:set>
+                                      <p:cBhvr>
+                                        <p:cTn id="18" dur="1" fill="hold">
+                                          <p:stCondLst>
+                                            <p:cond delay="0"/>
+                                          </p:stCondLst>
+                                        </p:cTn>
+                                        <p:tgtEl>
+                                          <p:spTgt spid="3">
+                                            <p:txEl>
+                                              <p:pRg st="3" end="3"/>
+                                            </p:txEl>
+                                          </p:spTgt>
+                                        </p:tgtEl>
+                                        <p:attrNameLst>
+                                          <p:attrName>style.visibility</p:attrName>
+                                        </p:attrNameLst>
+                                      </p:cBhvr>
+                                      <p:to>
+                                        <p:strVal val="visible"/>
+                                      </p:to>
+                                    </p:set>
+                                  </p:childTnLst>
+                                </p:cTn>
+                              </p:par>
+                            </p:childTnLst>
+                          </p:cTn>
+                        </p:par>
+                      </p:childTnLst>
+                    </p:cTn>
+                  </p:par>
+                  <p:par>
+                    <p:cTn id="19" fill="hold">
+                      <p:stCondLst>
+                        <p:cond delay="indefinite"/>
+                      </p:stCondLst>
+                      <p:childTnLst>
+                        <p:par>
+                          <p:cTn id="20" fill="hold">
+                            <p:stCondLst>
+                              <p:cond delay="0"/>
+                            </p:stCondLst>
+                            <p:childTnLst>
+                              <p:par>
+                                <p:cTn id="21" presetID="1" presetClass="entr" presetSubtype="0" fill="hold" nodeType="clickEffect">
+                                  <p:stCondLst>
+                                    <p:cond delay="0"/>
+                                  </p:stCondLst>
+                                  <p:childTnLst>
+                                    <p:set>
+                                      <p:cBhvr>
+                                        <p:cTn id="22" dur="1" fill="hold">
+                                          <p:stCondLst>
+                                            <p:cond delay="0"/>
+                                          </p:stCondLst>
+                                        </p:cTn>
+                                        <p:tgtEl>
+                                          <p:spTgt spid="5"/>
+                                        </p:tgtEl>
+                                        <p:attrNameLst>
+                                          <p:attrName>style.visibility</p:attrName>
+                                        </p:attrNameLst>
+                                      </p:cBhvr>
+                                      <p:to>
+                                        <p:strVal val="visible"/>
+                                      </p:to>
+                                    </p:set>
+                                  </p:childTnLst>
+                                </p:cTn>
+                              </p:par>
+                            </p:childTnLst>
+                          </p:cTn>
+                        </p:par>
+                      </p:childTnLst>
+                    </p:cTn>
+                  </p:par>
+                  <p:par>
+                    <p:cTn id="23" fill="hold">
+                      <p:stCondLst>
+                        <p:cond delay="indefinite"/>
+                      </p:stCondLst>
+                      <p:childTnLst>
+                        <p:par>
+                          <p:cTn id="24" fill="hold">
+                            <p:stCondLst>
+                              <p:cond delay="0"/>
+                            </p:stCondLst>
+                            <p:childTnLst>
+                              <p:par>
+                                <p:cTn id="25" presetID="1" presetClass="entr" presetSubtype="0" fill="hold" nodeType="clickEffect">
+                                  <p:stCondLst>
+                                    <p:cond delay="0"/>
+                                  </p:stCondLst>
+                                  <p:childTnLst>
+                                    <p:set>
+                                      <p:cBhvr>
+                                        <p:cTn id="26" dur="1" fill="hold">
+                                          <p:stCondLst>
+                                            <p:cond delay="0"/>
+                                          </p:stCondLst>
+                                        </p:cTn>
+                                        <p:tgtEl>
+                                          <p:spTgt spid="3">
+                                            <p:txEl>
+                                              <p:pRg st="9" end="9"/>
+                                            </p:txEl>
+                                          </p:spTgt>
+                                        </p:tgtEl>
+                                        <p:attrNameLst>
+                                          <p:attrName>style.visibility</p:attrName>
+                                        </p:attrNameLst>
+                                      </p:cBhvr>
+                                      <p:to>
+                                        <p:strVal val="visible"/>
+                                      </p:to>
+                                    </p:set>
+                                  </p:childTnLst>
+                                </p:cTn>
+                              </p:par>
+                            </p:childTnLst>
+                          </p:cTn>
+                        </p:par>
+                      </p:childTnLst>
+                    </p:cTn>
+                  </p:par>
+                  <p:par>
+                    <p:cTn id="27" fill="hold">
+                      <p:stCondLst>
+                        <p:cond delay="indefinite"/>
+                      </p:stCondLst>
+                      <p:childTnLst>
+                        <p:par>
+                          <p:cTn id="28" fill="hold">
+                            <p:stCondLst>
+                              <p:cond delay="0"/>
+                            </p:stCondLst>
+                            <p:childTnLst>
+                              <p:par>
+                                <p:cTn id="29" presetID="1" presetClass="entr" presetSubtype="0" fill="hold" grpId="0" nodeType="clickEffect">
+                                  <p:stCondLst>
+                                    <p:cond delay="0"/>
+                                  </p:stCondLst>
+                                  <p:childTnLst>
+                                    <p:set>
+                                      <p:cBhvr>
+                                        <p:cTn id="30" dur="1" fill="hold">
+                                          <p:stCondLst>
+                                            <p:cond delay="0"/>
+                                          </p:stCondLst>
+                                        </p:cTn>
+                                        <p:tgtEl>
+                                          <p:spTgt spid="6"/>
+                                        </p:tgtEl>
+                                        <p:attrNameLst>
+                                          <p:attrName>style.visibility</p:attrName>
+                                        </p:attrNameLst>
+                                      </p:cBhvr>
+                                      <p:to>
+                                        <p:strVal val="visible"/>
+                                      </p:to>
+                                    </p:set>
+                                  </p:childTnLst>
+                                </p:cTn>
+                              </p:par>
+                            </p:childTnLst>
+                          </p:cTn>
+                        </p:par>
+                      </p:childTnLst>
+                    </p:cTn>
+                  </p:par>
+                </p:childTnLst>
+              </p:cTn>
+              <p:prevCondLst>
+                <p:cond evt="onPrev" delay="0">
+                  <p:tgtEl>
+                    <p:sldTgt/>
+                  </p:tgtEl>
+                </p:cond>
+              </p:prevCondLst>
+              <p:nextCondLst>
+                <p:cond evt="onNext" delay="0">
+                  <p:tgtEl>
+                    <p:sldTgt/>
+                  </p:tgtEl>
+                </p:cond>
+              </p:nextCondLst>
+            </p:seq>
+          </p:childTnLst>
+        </p:cTn>
+      </p:par>
+    </p:tnLst>
+    <p:bldLst>
+      <p:bldP spid="6" grpId="0" animBg="1"/>
+    </p:bldLst>
+  </p:timing>
 </p:sld>
 </file>
 
@@ -6176,7 +7983,7 @@
           <p:cNvPr id="2" name="Title 1">
             <a:extLst>
               <a:ext uri="{FF2B5EF4-FFF2-40B4-BE49-F238E27FC236}">
-                <a16:creationId xmlns:a16="http://schemas.microsoft.com/office/drawing/2014/main" id="{DF830A81-FF36-A76E-5825-EB785B3A0B35}"/>
+                <a16:creationId xmlns:a16="http://schemas.microsoft.com/office/drawing/2014/main" id="{1A4E24CE-1F4A-3FEE-0A3D-57318C282B5B}"/>
               </a:ext>
             </a:extLst>
           </p:cNvPr>
@@ -6194,11 +8001,19 @@
           <a:p>
             <a:r>
               <a:rPr lang="en-US" dirty="0" err="1"/>
+              <a:t>Bisimulation</a:t>
+            </a:r>
+            <a:r>
+              <a:rPr lang="en-US" dirty="0"/>
+              <a:t> on </a:t>
+            </a:r>
+            <a:r>
+              <a:rPr lang="en-US" dirty="0" err="1"/>
               <a:t>Kripke</a:t>
             </a:r>
             <a:r>
               <a:rPr lang="en-US" dirty="0"/>
-              <a:t> Models as Iris Invariant Constructions</a:t>
+              <a:t> Models</a:t>
             </a:r>
           </a:p>
         </p:txBody>
@@ -6208,7 +8023,7 @@
           <p:cNvPr id="3" name="Content Placeholder 2">
             <a:extLst>
               <a:ext uri="{FF2B5EF4-FFF2-40B4-BE49-F238E27FC236}">
-                <a16:creationId xmlns:a16="http://schemas.microsoft.com/office/drawing/2014/main" id="{C673F07C-0B49-1BF6-DFDA-3D218416FB4D}"/>
+                <a16:creationId xmlns:a16="http://schemas.microsoft.com/office/drawing/2014/main" id="{A8207FBB-7EBD-7136-52E1-05030488E16F}"/>
               </a:ext>
             </a:extLst>
           </p:cNvPr>
@@ -6226,75 +8041,88 @@
           <a:p>
             <a:r>
               <a:rPr lang="en-US" dirty="0"/>
-              <a:t>State transition systems – a well-known specification method</a:t>
+              <a:t>How about having the same truth for another </a:t>
+            </a:r>
+            <a:r>
+              <a:rPr lang="en-US" b="1" i="1" dirty="0"/>
+              <a:t>similar</a:t>
+            </a:r>
+            <a:r>
+              <a:rPr lang="en-US" dirty="0"/>
+              <a:t> model?</a:t>
             </a:r>
           </a:p>
           <a:p>
             <a:pPr lvl="1"/>
             <a:r>
               <a:rPr lang="en-US" dirty="0"/>
-              <a:t>e.g. many of stuff in your automata (or theory of computation) book</a:t>
-            </a:r>
-          </a:p>
-          <a:p>
+              <a:t>&lt;m&gt;P only for a unique </a:t>
+            </a:r>
+            <a:r>
+              <a:rPr lang="en-US" i="1" dirty="0"/>
+              <a:t>w’</a:t>
+            </a:r>
             <a:r>
               <a:rPr lang="en-US" dirty="0"/>
-              <a:t>Monoid encoding state-transition-systems (STS)es</a:t>
-            </a:r>
-          </a:p>
-          <a:p>
-            <a:pPr lvl="1"/>
+              <a:t> that can be accessed </a:t>
+            </a:r>
+            <a:r>
+              <a:rPr lang="en-US" i="1" dirty="0"/>
+              <a:t>w</a:t>
+            </a:r>
             <a:r>
               <a:rPr lang="en-US" dirty="0"/>
-              <a:t>Seems like very useful for governing shared-state </a:t>
-            </a:r>
-          </a:p>
-          <a:p>
-            <a:pPr lvl="1"/>
-            <a:endParaRPr lang="en-US" dirty="0"/>
-          </a:p>
-          <a:p>
-            <a:pPr lvl="1"/>
+              <a:t> </a:t>
+            </a:r>
+            <a:r>
+              <a:rPr lang="en-US" i="1" dirty="0"/>
+              <a:t>R</a:t>
+            </a:r>
+            <a:r>
+              <a:rPr lang="en-US" baseline="-25000" dirty="0"/>
+              <a:t>m </a:t>
+            </a:r>
+            <a:r>
+              <a:rPr lang="en-US" i="1" dirty="0"/>
+              <a:t>w’ </a:t>
+            </a:r>
+            <a:r>
+              <a:rPr lang="en-US" dirty="0"/>
+              <a:t>?</a:t>
+            </a:r>
+          </a:p>
+          <a:p>
+            <a:r>
+              <a:rPr lang="en-US" dirty="0" err="1"/>
+              <a:t>Bisimulation</a:t>
+            </a:r>
+            <a:r>
+              <a:rPr lang="en-US" dirty="0"/>
+              <a:t> of </a:t>
+            </a:r>
+            <a:r>
+              <a:rPr lang="en-US" dirty="0" err="1"/>
+              <a:t>Kripke</a:t>
+            </a:r>
+            <a:r>
+              <a:rPr lang="en-US" dirty="0"/>
+              <a:t> Structures</a:t>
+            </a:r>
+          </a:p>
+          <a:p>
+            <a:pPr marL="457200" lvl="1" indent="0">
+              <a:buNone/>
+            </a:pPr>
             <a:endParaRPr lang="en-US" dirty="0"/>
           </a:p>
         </p:txBody>
       </p:sp>
       <p:pic>
         <p:nvPicPr>
-          <p:cNvPr id="5" name="Picture 4">
-            <a:extLst>
-              <a:ext uri="{FF2B5EF4-FFF2-40B4-BE49-F238E27FC236}">
-                <a16:creationId xmlns:a16="http://schemas.microsoft.com/office/drawing/2014/main" id="{DDBD4194-B3A0-E694-C227-2C9B869AC8F8}"/>
-              </a:ext>
-            </a:extLst>
-          </p:cNvPr>
-          <p:cNvPicPr>
-            <a:picLocks noChangeAspect="1"/>
-          </p:cNvPicPr>
-          <p:nvPr/>
-        </p:nvPicPr>
-        <p:blipFill>
-          <a:blip r:embed="rId2"/>
-          <a:stretch>
-            <a:fillRect/>
-          </a:stretch>
-        </p:blipFill>
-        <p:spPr>
-          <a:xfrm>
-            <a:off x="2960369" y="6291263"/>
-            <a:ext cx="4872991" cy="447357"/>
-          </a:xfrm>
-          <a:prstGeom prst="rect">
-            <a:avLst/>
-          </a:prstGeom>
-        </p:spPr>
-      </p:pic>
-      <p:pic>
-        <p:nvPicPr>
-          <p:cNvPr id="7" name="Picture 6" descr="A close-up of math symbols&#10;&#10;Description automatically generated">
-            <a:extLst>
-              <a:ext uri="{FF2B5EF4-FFF2-40B4-BE49-F238E27FC236}">
-                <a16:creationId xmlns:a16="http://schemas.microsoft.com/office/drawing/2014/main" id="{EA3F953F-772B-E169-67CD-72A3E28E7775}"/>
+          <p:cNvPr id="5" name="Picture 4" descr="A close up of text&#10;&#10;Description automatically generated">
+            <a:extLst>
+              <a:ext uri="{FF2B5EF4-FFF2-40B4-BE49-F238E27FC236}">
+                <a16:creationId xmlns:a16="http://schemas.microsoft.com/office/drawing/2014/main" id="{09C75229-A7F0-CE23-7408-D8682B2E4DE0}"/>
               </a:ext>
             </a:extLst>
           </p:cNvPr>
@@ -6311,24 +8139,644 @@
         </p:blipFill>
         <p:spPr>
           <a:xfrm>
-            <a:off x="2976258" y="3559493"/>
-            <a:ext cx="6239483" cy="2617470"/>
+            <a:off x="223384" y="3429000"/>
+            <a:ext cx="11745231" cy="1833880"/>
           </a:xfrm>
           <a:prstGeom prst="rect">
             <a:avLst/>
           </a:prstGeom>
         </p:spPr>
       </p:pic>
+      <p:sp>
+        <p:nvSpPr>
+          <p:cNvPr id="6" name="Frame 5">
+            <a:extLst>
+              <a:ext uri="{FF2B5EF4-FFF2-40B4-BE49-F238E27FC236}">
+                <a16:creationId xmlns:a16="http://schemas.microsoft.com/office/drawing/2014/main" id="{E284EC74-EA3E-ABAF-F84E-64F641290632}"/>
+              </a:ext>
+            </a:extLst>
+          </p:cNvPr>
+          <p:cNvSpPr/>
+          <p:nvPr/>
+        </p:nvSpPr>
+        <p:spPr>
+          <a:xfrm>
+            <a:off x="1076960" y="4185920"/>
+            <a:ext cx="7823200" cy="406400"/>
+          </a:xfrm>
+          <a:prstGeom prst="frame">
+            <a:avLst>
+              <a:gd name="adj1" fmla="val 7500"/>
+            </a:avLst>
+          </a:prstGeom>
+        </p:spPr>
+        <p:style>
+          <a:lnRef idx="2">
+            <a:schemeClr val="accent1">
+              <a:shade val="15000"/>
+            </a:schemeClr>
+          </a:lnRef>
+          <a:fillRef idx="1">
+            <a:schemeClr val="accent1"/>
+          </a:fillRef>
+          <a:effectRef idx="0">
+            <a:schemeClr val="accent1"/>
+          </a:effectRef>
+          <a:fontRef idx="minor">
+            <a:schemeClr val="lt1"/>
+          </a:fontRef>
+        </p:style>
+        <p:txBody>
+          <a:bodyPr rtlCol="0" anchor="ctr"/>
+          <a:lstStyle/>
+          <a:p>
+            <a:pPr algn="ctr"/>
+            <a:endParaRPr lang="en-US">
+              <a:solidFill>
+                <a:schemeClr val="tx1"/>
+              </a:solidFill>
+            </a:endParaRPr>
+          </a:p>
+        </p:txBody>
+      </p:sp>
+      <p:sp>
+        <p:nvSpPr>
+          <p:cNvPr id="7" name="Frame 6">
+            <a:extLst>
+              <a:ext uri="{FF2B5EF4-FFF2-40B4-BE49-F238E27FC236}">
+                <a16:creationId xmlns:a16="http://schemas.microsoft.com/office/drawing/2014/main" id="{645B7900-D6F4-DD3F-6285-7E583EC16371}"/>
+              </a:ext>
+            </a:extLst>
+          </p:cNvPr>
+          <p:cNvSpPr/>
+          <p:nvPr/>
+        </p:nvSpPr>
+        <p:spPr>
+          <a:xfrm>
+            <a:off x="1076960" y="4572000"/>
+            <a:ext cx="8859520" cy="406400"/>
+          </a:xfrm>
+          <a:prstGeom prst="frame">
+            <a:avLst>
+              <a:gd name="adj1" fmla="val 7500"/>
+            </a:avLst>
+          </a:prstGeom>
+        </p:spPr>
+        <p:style>
+          <a:lnRef idx="2">
+            <a:schemeClr val="accent1">
+              <a:shade val="15000"/>
+            </a:schemeClr>
+          </a:lnRef>
+          <a:fillRef idx="1">
+            <a:schemeClr val="accent1"/>
+          </a:fillRef>
+          <a:effectRef idx="0">
+            <a:schemeClr val="accent1"/>
+          </a:effectRef>
+          <a:fontRef idx="minor">
+            <a:schemeClr val="lt1"/>
+          </a:fontRef>
+        </p:style>
+        <p:txBody>
+          <a:bodyPr rtlCol="0" anchor="ctr"/>
+          <a:lstStyle/>
+          <a:p>
+            <a:pPr algn="ctr"/>
+            <a:endParaRPr lang="en-US">
+              <a:solidFill>
+                <a:schemeClr val="tx1"/>
+              </a:solidFill>
+            </a:endParaRPr>
+          </a:p>
+        </p:txBody>
+      </p:sp>
+      <p:sp>
+        <p:nvSpPr>
+          <p:cNvPr id="8" name="Frame 7">
+            <a:extLst>
+              <a:ext uri="{FF2B5EF4-FFF2-40B4-BE49-F238E27FC236}">
+                <a16:creationId xmlns:a16="http://schemas.microsoft.com/office/drawing/2014/main" id="{35804645-DB3C-3AAB-9A80-CC6450852CB3}"/>
+              </a:ext>
+            </a:extLst>
+          </p:cNvPr>
+          <p:cNvSpPr/>
+          <p:nvPr/>
+        </p:nvSpPr>
+        <p:spPr>
+          <a:xfrm>
+            <a:off x="1076960" y="4937760"/>
+            <a:ext cx="8859520" cy="406400"/>
+          </a:xfrm>
+          <a:prstGeom prst="frame">
+            <a:avLst>
+              <a:gd name="adj1" fmla="val 7500"/>
+            </a:avLst>
+          </a:prstGeom>
+        </p:spPr>
+        <p:style>
+          <a:lnRef idx="2">
+            <a:schemeClr val="accent1">
+              <a:shade val="15000"/>
+            </a:schemeClr>
+          </a:lnRef>
+          <a:fillRef idx="1">
+            <a:schemeClr val="accent1"/>
+          </a:fillRef>
+          <a:effectRef idx="0">
+            <a:schemeClr val="accent1"/>
+          </a:effectRef>
+          <a:fontRef idx="minor">
+            <a:schemeClr val="lt1"/>
+          </a:fontRef>
+        </p:style>
+        <p:txBody>
+          <a:bodyPr rtlCol="0" anchor="ctr"/>
+          <a:lstStyle/>
+          <a:p>
+            <a:pPr algn="ctr"/>
+            <a:endParaRPr lang="en-US">
+              <a:solidFill>
+                <a:schemeClr val="tx1"/>
+              </a:solidFill>
+            </a:endParaRPr>
+          </a:p>
+        </p:txBody>
+      </p:sp>
     </p:spTree>
     <p:extLst>
       <p:ext uri="{BB962C8B-B14F-4D97-AF65-F5344CB8AC3E}">
-        <p14:creationId xmlns:p14="http://schemas.microsoft.com/office/powerpoint/2010/main" val="2068518749"/>
+        <p14:creationId xmlns:p14="http://schemas.microsoft.com/office/powerpoint/2010/main" val="1833190168"/>
       </p:ext>
     </p:extLst>
   </p:cSld>
   <p:clrMapOvr>
     <a:masterClrMapping/>
   </p:clrMapOvr>
+  <p:timing>
+    <p:tnLst>
+      <p:par>
+        <p:cTn id="1" dur="indefinite" restart="never" nodeType="tmRoot">
+          <p:childTnLst>
+            <p:seq concurrent="1" nextAc="seek">
+              <p:cTn id="2" dur="indefinite" nodeType="mainSeq">
+                <p:childTnLst>
+                  <p:par>
+                    <p:cTn id="3" fill="hold">
+                      <p:stCondLst>
+                        <p:cond delay="indefinite"/>
+                      </p:stCondLst>
+                      <p:childTnLst>
+                        <p:par>
+                          <p:cTn id="4" fill="hold">
+                            <p:stCondLst>
+                              <p:cond delay="0"/>
+                            </p:stCondLst>
+                            <p:childTnLst>
+                              <p:par>
+                                <p:cTn id="5" presetID="1" presetClass="entr" presetSubtype="0" fill="hold" nodeType="clickEffect">
+                                  <p:stCondLst>
+                                    <p:cond delay="0"/>
+                                  </p:stCondLst>
+                                  <p:childTnLst>
+                                    <p:set>
+                                      <p:cBhvr>
+                                        <p:cTn id="6" dur="1" fill="hold">
+                                          <p:stCondLst>
+                                            <p:cond delay="0"/>
+                                          </p:stCondLst>
+                                        </p:cTn>
+                                        <p:tgtEl>
+                                          <p:spTgt spid="3">
+                                            <p:txEl>
+                                              <p:pRg st="0" end="0"/>
+                                            </p:txEl>
+                                          </p:spTgt>
+                                        </p:tgtEl>
+                                        <p:attrNameLst>
+                                          <p:attrName>style.visibility</p:attrName>
+                                        </p:attrNameLst>
+                                      </p:cBhvr>
+                                      <p:to>
+                                        <p:strVal val="visible"/>
+                                      </p:to>
+                                    </p:set>
+                                  </p:childTnLst>
+                                </p:cTn>
+                              </p:par>
+                            </p:childTnLst>
+                          </p:cTn>
+                        </p:par>
+                      </p:childTnLst>
+                    </p:cTn>
+                  </p:par>
+                  <p:par>
+                    <p:cTn id="7" fill="hold">
+                      <p:stCondLst>
+                        <p:cond delay="indefinite"/>
+                      </p:stCondLst>
+                      <p:childTnLst>
+                        <p:par>
+                          <p:cTn id="8" fill="hold">
+                            <p:stCondLst>
+                              <p:cond delay="0"/>
+                            </p:stCondLst>
+                            <p:childTnLst>
+                              <p:par>
+                                <p:cTn id="9" presetID="1" presetClass="entr" presetSubtype="0" fill="hold" nodeType="clickEffect">
+                                  <p:stCondLst>
+                                    <p:cond delay="0"/>
+                                  </p:stCondLst>
+                                  <p:childTnLst>
+                                    <p:set>
+                                      <p:cBhvr>
+                                        <p:cTn id="10" dur="1" fill="hold">
+                                          <p:stCondLst>
+                                            <p:cond delay="0"/>
+                                          </p:stCondLst>
+                                        </p:cTn>
+                                        <p:tgtEl>
+                                          <p:spTgt spid="3">
+                                            <p:txEl>
+                                              <p:pRg st="1" end="1"/>
+                                            </p:txEl>
+                                          </p:spTgt>
+                                        </p:tgtEl>
+                                        <p:attrNameLst>
+                                          <p:attrName>style.visibility</p:attrName>
+                                        </p:attrNameLst>
+                                      </p:cBhvr>
+                                      <p:to>
+                                        <p:strVal val="visible"/>
+                                      </p:to>
+                                    </p:set>
+                                  </p:childTnLst>
+                                </p:cTn>
+                              </p:par>
+                            </p:childTnLst>
+                          </p:cTn>
+                        </p:par>
+                      </p:childTnLst>
+                    </p:cTn>
+                  </p:par>
+                  <p:par>
+                    <p:cTn id="11" fill="hold">
+                      <p:stCondLst>
+                        <p:cond delay="indefinite"/>
+                      </p:stCondLst>
+                      <p:childTnLst>
+                        <p:par>
+                          <p:cTn id="12" fill="hold">
+                            <p:stCondLst>
+                              <p:cond delay="0"/>
+                            </p:stCondLst>
+                            <p:childTnLst>
+                              <p:par>
+                                <p:cTn id="13" presetID="1" presetClass="entr" presetSubtype="0" fill="hold" nodeType="clickEffect">
+                                  <p:stCondLst>
+                                    <p:cond delay="0"/>
+                                  </p:stCondLst>
+                                  <p:childTnLst>
+                                    <p:set>
+                                      <p:cBhvr>
+                                        <p:cTn id="14" dur="1" fill="hold">
+                                          <p:stCondLst>
+                                            <p:cond delay="0"/>
+                                          </p:stCondLst>
+                                        </p:cTn>
+                                        <p:tgtEl>
+                                          <p:spTgt spid="3">
+                                            <p:txEl>
+                                              <p:pRg st="2" end="2"/>
+                                            </p:txEl>
+                                          </p:spTgt>
+                                        </p:tgtEl>
+                                        <p:attrNameLst>
+                                          <p:attrName>style.visibility</p:attrName>
+                                        </p:attrNameLst>
+                                      </p:cBhvr>
+                                      <p:to>
+                                        <p:strVal val="visible"/>
+                                      </p:to>
+                                    </p:set>
+                                  </p:childTnLst>
+                                </p:cTn>
+                              </p:par>
+                            </p:childTnLst>
+                          </p:cTn>
+                        </p:par>
+                      </p:childTnLst>
+                    </p:cTn>
+                  </p:par>
+                  <p:par>
+                    <p:cTn id="15" fill="hold">
+                      <p:stCondLst>
+                        <p:cond delay="indefinite"/>
+                      </p:stCondLst>
+                      <p:childTnLst>
+                        <p:par>
+                          <p:cTn id="16" fill="hold">
+                            <p:stCondLst>
+                              <p:cond delay="0"/>
+                            </p:stCondLst>
+                            <p:childTnLst>
+                              <p:par>
+                                <p:cTn id="17" presetID="1" presetClass="entr" presetSubtype="0" fill="hold" nodeType="clickEffect">
+                                  <p:stCondLst>
+                                    <p:cond delay="0"/>
+                                  </p:stCondLst>
+                                  <p:childTnLst>
+                                    <p:set>
+                                      <p:cBhvr>
+                                        <p:cTn id="18" dur="1" fill="hold">
+                                          <p:stCondLst>
+                                            <p:cond delay="0"/>
+                                          </p:stCondLst>
+                                        </p:cTn>
+                                        <p:tgtEl>
+                                          <p:spTgt spid="5"/>
+                                        </p:tgtEl>
+                                        <p:attrNameLst>
+                                          <p:attrName>style.visibility</p:attrName>
+                                        </p:attrNameLst>
+                                      </p:cBhvr>
+                                      <p:to>
+                                        <p:strVal val="visible"/>
+                                      </p:to>
+                                    </p:set>
+                                  </p:childTnLst>
+                                </p:cTn>
+                              </p:par>
+                            </p:childTnLst>
+                          </p:cTn>
+                        </p:par>
+                      </p:childTnLst>
+                    </p:cTn>
+                  </p:par>
+                  <p:par>
+                    <p:cTn id="19" fill="hold">
+                      <p:stCondLst>
+                        <p:cond delay="indefinite"/>
+                      </p:stCondLst>
+                      <p:childTnLst>
+                        <p:par>
+                          <p:cTn id="20" fill="hold">
+                            <p:stCondLst>
+                              <p:cond delay="0"/>
+                            </p:stCondLst>
+                            <p:childTnLst>
+                              <p:par>
+                                <p:cTn id="21" presetID="1" presetClass="entr" presetSubtype="0" fill="hold" grpId="0" nodeType="clickEffect">
+                                  <p:stCondLst>
+                                    <p:cond delay="0"/>
+                                  </p:stCondLst>
+                                  <p:childTnLst>
+                                    <p:set>
+                                      <p:cBhvr>
+                                        <p:cTn id="22" dur="1" fill="hold">
+                                          <p:stCondLst>
+                                            <p:cond delay="0"/>
+                                          </p:stCondLst>
+                                        </p:cTn>
+                                        <p:tgtEl>
+                                          <p:spTgt spid="6"/>
+                                        </p:tgtEl>
+                                        <p:attrNameLst>
+                                          <p:attrName>style.visibility</p:attrName>
+                                        </p:attrNameLst>
+                                      </p:cBhvr>
+                                      <p:to>
+                                        <p:strVal val="visible"/>
+                                      </p:to>
+                                    </p:set>
+                                  </p:childTnLst>
+                                </p:cTn>
+                              </p:par>
+                            </p:childTnLst>
+                          </p:cTn>
+                        </p:par>
+                      </p:childTnLst>
+                    </p:cTn>
+                  </p:par>
+                  <p:par>
+                    <p:cTn id="23" fill="hold">
+                      <p:stCondLst>
+                        <p:cond delay="indefinite"/>
+                      </p:stCondLst>
+                      <p:childTnLst>
+                        <p:par>
+                          <p:cTn id="24" fill="hold">
+                            <p:stCondLst>
+                              <p:cond delay="0"/>
+                            </p:stCondLst>
+                            <p:childTnLst>
+                              <p:par>
+                                <p:cTn id="25" presetID="1" presetClass="exit" presetSubtype="0" fill="hold" grpId="1" nodeType="clickEffect">
+                                  <p:stCondLst>
+                                    <p:cond delay="0"/>
+                                  </p:stCondLst>
+                                  <p:childTnLst>
+                                    <p:set>
+                                      <p:cBhvr>
+                                        <p:cTn id="26" dur="1" fill="hold">
+                                          <p:stCondLst>
+                                            <p:cond delay="0"/>
+                                          </p:stCondLst>
+                                        </p:cTn>
+                                        <p:tgtEl>
+                                          <p:spTgt spid="6"/>
+                                        </p:tgtEl>
+                                        <p:attrNameLst>
+                                          <p:attrName>style.visibility</p:attrName>
+                                        </p:attrNameLst>
+                                      </p:cBhvr>
+                                      <p:to>
+                                        <p:strVal val="hidden"/>
+                                      </p:to>
+                                    </p:set>
+                                  </p:childTnLst>
+                                </p:cTn>
+                              </p:par>
+                              <p:par>
+                                <p:cTn id="27" presetID="1" presetClass="entr" presetSubtype="0" fill="hold" grpId="0" nodeType="withEffect">
+                                  <p:stCondLst>
+                                    <p:cond delay="0"/>
+                                  </p:stCondLst>
+                                  <p:childTnLst>
+                                    <p:set>
+                                      <p:cBhvr>
+                                        <p:cTn id="28" dur="1" fill="hold">
+                                          <p:stCondLst>
+                                            <p:cond delay="0"/>
+                                          </p:stCondLst>
+                                        </p:cTn>
+                                        <p:tgtEl>
+                                          <p:spTgt spid="7"/>
+                                        </p:tgtEl>
+                                        <p:attrNameLst>
+                                          <p:attrName>style.visibility</p:attrName>
+                                        </p:attrNameLst>
+                                      </p:cBhvr>
+                                      <p:to>
+                                        <p:strVal val="visible"/>
+                                      </p:to>
+                                    </p:set>
+                                  </p:childTnLst>
+                                </p:cTn>
+                              </p:par>
+                            </p:childTnLst>
+                          </p:cTn>
+                        </p:par>
+                      </p:childTnLst>
+                    </p:cTn>
+                  </p:par>
+                  <p:par>
+                    <p:cTn id="29" fill="hold">
+                      <p:stCondLst>
+                        <p:cond delay="indefinite"/>
+                      </p:stCondLst>
+                      <p:childTnLst>
+                        <p:par>
+                          <p:cTn id="30" fill="hold">
+                            <p:stCondLst>
+                              <p:cond delay="0"/>
+                            </p:stCondLst>
+                            <p:childTnLst>
+                              <p:par>
+                                <p:cTn id="31" presetID="1" presetClass="entr" presetSubtype="0" fill="hold" grpId="0" nodeType="clickEffect">
+                                  <p:stCondLst>
+                                    <p:cond delay="0"/>
+                                  </p:stCondLst>
+                                  <p:childTnLst>
+                                    <p:set>
+                                      <p:cBhvr>
+                                        <p:cTn id="32" dur="1" fill="hold">
+                                          <p:stCondLst>
+                                            <p:cond delay="0"/>
+                                          </p:stCondLst>
+                                        </p:cTn>
+                                        <p:tgtEl>
+                                          <p:spTgt spid="8"/>
+                                        </p:tgtEl>
+                                        <p:attrNameLst>
+                                          <p:attrName>style.visibility</p:attrName>
+                                        </p:attrNameLst>
+                                      </p:cBhvr>
+                                      <p:to>
+                                        <p:strVal val="visible"/>
+                                      </p:to>
+                                    </p:set>
+                                  </p:childTnLst>
+                                </p:cTn>
+                              </p:par>
+                              <p:par>
+                                <p:cTn id="33" presetID="1" presetClass="exit" presetSubtype="0" fill="hold" grpId="1" nodeType="withEffect">
+                                  <p:stCondLst>
+                                    <p:cond delay="0"/>
+                                  </p:stCondLst>
+                                  <p:childTnLst>
+                                    <p:set>
+                                      <p:cBhvr>
+                                        <p:cTn id="34" dur="1" fill="hold">
+                                          <p:stCondLst>
+                                            <p:cond delay="0"/>
+                                          </p:stCondLst>
+                                        </p:cTn>
+                                        <p:tgtEl>
+                                          <p:spTgt spid="7"/>
+                                        </p:tgtEl>
+                                        <p:attrNameLst>
+                                          <p:attrName>style.visibility</p:attrName>
+                                        </p:attrNameLst>
+                                      </p:cBhvr>
+                                      <p:to>
+                                        <p:strVal val="hidden"/>
+                                      </p:to>
+                                    </p:set>
+                                  </p:childTnLst>
+                                </p:cTn>
+                              </p:par>
+                            </p:childTnLst>
+                          </p:cTn>
+                        </p:par>
+                      </p:childTnLst>
+                    </p:cTn>
+                  </p:par>
+                  <p:par>
+                    <p:cTn id="35" fill="hold">
+                      <p:stCondLst>
+                        <p:cond delay="indefinite"/>
+                      </p:stCondLst>
+                      <p:childTnLst>
+                        <p:par>
+                          <p:cTn id="36" fill="hold">
+                            <p:stCondLst>
+                              <p:cond delay="0"/>
+                            </p:stCondLst>
+                            <p:childTnLst>
+                              <p:par>
+                                <p:cTn id="37" presetID="1" presetClass="exit" presetSubtype="0" fill="hold" grpId="1" nodeType="clickEffect">
+                                  <p:stCondLst>
+                                    <p:cond delay="0"/>
+                                  </p:stCondLst>
+                                  <p:childTnLst>
+                                    <p:set>
+                                      <p:cBhvr>
+                                        <p:cTn id="38" dur="1" fill="hold">
+                                          <p:stCondLst>
+                                            <p:cond delay="0"/>
+                                          </p:stCondLst>
+                                        </p:cTn>
+                                        <p:tgtEl>
+                                          <p:spTgt spid="8"/>
+                                        </p:tgtEl>
+                                        <p:attrNameLst>
+                                          <p:attrName>style.visibility</p:attrName>
+                                        </p:attrNameLst>
+                                      </p:cBhvr>
+                                      <p:to>
+                                        <p:strVal val="hidden"/>
+                                      </p:to>
+                                    </p:set>
+                                  </p:childTnLst>
+                                </p:cTn>
+                              </p:par>
+                            </p:childTnLst>
+                          </p:cTn>
+                        </p:par>
+                      </p:childTnLst>
+                    </p:cTn>
+                  </p:par>
+                </p:childTnLst>
+              </p:cTn>
+              <p:prevCondLst>
+                <p:cond evt="onPrev" delay="0">
+                  <p:tgtEl>
+                    <p:sldTgt/>
+                  </p:tgtEl>
+                </p:cond>
+              </p:prevCondLst>
+              <p:nextCondLst>
+                <p:cond evt="onNext" delay="0">
+                  <p:tgtEl>
+                    <p:sldTgt/>
+                  </p:tgtEl>
+                </p:cond>
+              </p:nextCondLst>
+            </p:seq>
+          </p:childTnLst>
+        </p:cTn>
+      </p:par>
+    </p:tnLst>
+    <p:bldLst>
+      <p:bldP spid="6" grpId="0" animBg="1"/>
+      <p:bldP spid="6" grpId="1" animBg="1"/>
+      <p:bldP spid="7" grpId="0" animBg="1"/>
+      <p:bldP spid="7" grpId="1" animBg="1"/>
+      <p:bldP spid="8" grpId="0" animBg="1"/>
+      <p:bldP spid="8" grpId="1" animBg="1"/>
+    </p:bldLst>
+  </p:timing>
 </p:sld>
 </file>
 
@@ -6354,7 +8802,7 @@
           <p:cNvPr id="2" name="Title 1">
             <a:extLst>
               <a:ext uri="{FF2B5EF4-FFF2-40B4-BE49-F238E27FC236}">
-                <a16:creationId xmlns:a16="http://schemas.microsoft.com/office/drawing/2014/main" id="{1A4E24CE-1F4A-3FEE-0A3D-57318C282B5B}"/>
+                <a16:creationId xmlns:a16="http://schemas.microsoft.com/office/drawing/2014/main" id="{5433C6B2-A284-36C4-1EBB-59B9A1A41895}"/>
               </a:ext>
             </a:extLst>
           </p:cNvPr>
@@ -6372,7 +8820,7 @@
           <a:p>
             <a:r>
               <a:rPr lang="en-US" dirty="0"/>
-              <a:t>Generated (Sub)Models</a:t>
+              <a:t>Generating (Sub)Models </a:t>
             </a:r>
           </a:p>
         </p:txBody>
@@ -6382,7 +8830,7 @@
           <p:cNvPr id="3" name="Content Placeholder 2">
             <a:extLst>
               <a:ext uri="{FF2B5EF4-FFF2-40B4-BE49-F238E27FC236}">
-                <a16:creationId xmlns:a16="http://schemas.microsoft.com/office/drawing/2014/main" id="{A8207FBB-7EBD-7136-52E1-05030488E16F}"/>
+                <a16:creationId xmlns:a16="http://schemas.microsoft.com/office/drawing/2014/main" id="{F300089F-D6C5-9835-5416-03E0CBE451F1}"/>
               </a:ext>
             </a:extLst>
           </p:cNvPr>
@@ -6398,14 +8846,18 @@
           <a:bodyPr/>
           <a:lstStyle/>
           <a:p>
-            <a:endParaRPr lang="en-US"/>
+            <a:endParaRPr lang="en-US" dirty="0"/>
+          </a:p>
+          <a:p>
+            <a:pPr lvl="1"/>
+            <a:endParaRPr lang="en-US" dirty="0"/>
           </a:p>
         </p:txBody>
       </p:sp>
     </p:spTree>
     <p:extLst>
       <p:ext uri="{BB962C8B-B14F-4D97-AF65-F5344CB8AC3E}">
-        <p14:creationId xmlns:p14="http://schemas.microsoft.com/office/powerpoint/2010/main" val="1833190168"/>
+        <p14:creationId xmlns:p14="http://schemas.microsoft.com/office/powerpoint/2010/main" val="193226324"/>
       </p:ext>
     </p:extLst>
   </p:cSld>
@@ -6437,7 +8889,7 @@
           <p:cNvPr id="2" name="Title 1">
             <a:extLst>
               <a:ext uri="{FF2B5EF4-FFF2-40B4-BE49-F238E27FC236}">
-                <a16:creationId xmlns:a16="http://schemas.microsoft.com/office/drawing/2014/main" id="{172D8E66-FB7F-C477-E68A-D8EC21192F2E}"/>
+                <a16:creationId xmlns:a16="http://schemas.microsoft.com/office/drawing/2014/main" id="{DF830A81-FF36-A76E-5825-EB785B3A0B35}"/>
               </a:ext>
             </a:extLst>
           </p:cNvPr>
@@ -6455,19 +8907,11 @@
           <a:p>
             <a:r>
               <a:rPr lang="en-US" dirty="0" err="1"/>
-              <a:t>Bisimulation</a:t>
+              <a:t>Kripke</a:t>
             </a:r>
             <a:r>
               <a:rPr lang="en-US" dirty="0"/>
-              <a:t> on </a:t>
-            </a:r>
-            <a:r>
-              <a:rPr lang="en-US" dirty="0" err="1"/>
-              <a:t>Kripke</a:t>
-            </a:r>
-            <a:r>
-              <a:rPr lang="en-US" dirty="0"/>
-              <a:t> Models</a:t>
+              <a:t> Models as Iris Invariant Constructions</a:t>
             </a:r>
           </a:p>
         </p:txBody>
@@ -6477,7 +8921,7 @@
           <p:cNvPr id="3" name="Content Placeholder 2">
             <a:extLst>
               <a:ext uri="{FF2B5EF4-FFF2-40B4-BE49-F238E27FC236}">
-                <a16:creationId xmlns:a16="http://schemas.microsoft.com/office/drawing/2014/main" id="{FB0DFE53-07C3-75DE-0EFC-453A3ADE6937}"/>
+                <a16:creationId xmlns:a16="http://schemas.microsoft.com/office/drawing/2014/main" id="{C673F07C-0B49-1BF6-DFDA-3D218416FB4D}"/>
               </a:ext>
             </a:extLst>
           </p:cNvPr>
@@ -6493,20 +8937,1425 @@
           <a:bodyPr/>
           <a:lstStyle/>
           <a:p>
-            <a:endParaRPr lang="en-US"/>
+            <a:r>
+              <a:rPr lang="en-US" dirty="0"/>
+              <a:t>State transition systems – a well-known specification method</a:t>
+            </a:r>
+          </a:p>
+          <a:p>
+            <a:r>
+              <a:rPr lang="en-US" dirty="0"/>
+              <a:t>Monoid encoding state-transition-systems (STS)es with Tokens</a:t>
+            </a:r>
+          </a:p>
+          <a:p>
+            <a:pPr lvl="1"/>
+            <a:r>
+              <a:rPr lang="en-US" dirty="0"/>
+              <a:t>Tokens as modalities, states as worlds, and interpretations as world predicates</a:t>
+            </a:r>
+          </a:p>
+        </p:txBody>
+      </p:sp>
+      <p:pic>
+        <p:nvPicPr>
+          <p:cNvPr id="5" name="Picture 4">
+            <a:extLst>
+              <a:ext uri="{FF2B5EF4-FFF2-40B4-BE49-F238E27FC236}">
+                <a16:creationId xmlns:a16="http://schemas.microsoft.com/office/drawing/2014/main" id="{DDBD4194-B3A0-E694-C227-2C9B869AC8F8}"/>
+              </a:ext>
+            </a:extLst>
+          </p:cNvPr>
+          <p:cNvPicPr>
+            <a:picLocks noChangeAspect="1"/>
+          </p:cNvPicPr>
+          <p:nvPr/>
+        </p:nvPicPr>
+        <p:blipFill>
+          <a:blip r:embed="rId3"/>
+          <a:stretch>
+            <a:fillRect/>
+          </a:stretch>
+        </p:blipFill>
+        <p:spPr>
+          <a:xfrm>
+            <a:off x="2580018" y="6334388"/>
+            <a:ext cx="4704701" cy="431907"/>
+          </a:xfrm>
+          <a:prstGeom prst="rect">
+            <a:avLst/>
+          </a:prstGeom>
+        </p:spPr>
+      </p:pic>
+      <p:pic>
+        <p:nvPicPr>
+          <p:cNvPr id="7" name="Picture 6" descr="A close-up of math symbols&#10;&#10;Description automatically generated">
+            <a:extLst>
+              <a:ext uri="{FF2B5EF4-FFF2-40B4-BE49-F238E27FC236}">
+                <a16:creationId xmlns:a16="http://schemas.microsoft.com/office/drawing/2014/main" id="{EA3F953F-772B-E169-67CD-72A3E28E7775}"/>
+              </a:ext>
+            </a:extLst>
+          </p:cNvPr>
+          <p:cNvPicPr>
+            <a:picLocks noChangeAspect="1"/>
+          </p:cNvPicPr>
+          <p:nvPr/>
+        </p:nvPicPr>
+        <p:blipFill>
+          <a:blip r:embed="rId4"/>
+          <a:stretch>
+            <a:fillRect/>
+          </a:stretch>
+        </p:blipFill>
+        <p:spPr>
+          <a:xfrm>
+            <a:off x="2580018" y="3446781"/>
+            <a:ext cx="6736702" cy="2826054"/>
+          </a:xfrm>
+          <a:prstGeom prst="rect">
+            <a:avLst/>
+          </a:prstGeom>
+        </p:spPr>
+      </p:pic>
+      <p:sp>
+        <p:nvSpPr>
+          <p:cNvPr id="8" name="Frame 7">
+            <a:extLst>
+              <a:ext uri="{FF2B5EF4-FFF2-40B4-BE49-F238E27FC236}">
+                <a16:creationId xmlns:a16="http://schemas.microsoft.com/office/drawing/2014/main" id="{46B920BF-D7A9-FF71-43A4-45F790885763}"/>
+              </a:ext>
+            </a:extLst>
+          </p:cNvPr>
+          <p:cNvSpPr/>
+          <p:nvPr/>
+        </p:nvSpPr>
+        <p:spPr>
+          <a:xfrm>
+            <a:off x="2569858" y="3474720"/>
+            <a:ext cx="1748142" cy="396240"/>
+          </a:xfrm>
+          <a:prstGeom prst="frame">
+            <a:avLst>
+              <a:gd name="adj1" fmla="val 2244"/>
+            </a:avLst>
+          </a:prstGeom>
+        </p:spPr>
+        <p:style>
+          <a:lnRef idx="2">
+            <a:schemeClr val="accent1">
+              <a:shade val="15000"/>
+            </a:schemeClr>
+          </a:lnRef>
+          <a:fillRef idx="1">
+            <a:schemeClr val="accent1"/>
+          </a:fillRef>
+          <a:effectRef idx="0">
+            <a:schemeClr val="accent1"/>
+          </a:effectRef>
+          <a:fontRef idx="minor">
+            <a:schemeClr val="lt1"/>
+          </a:fontRef>
+        </p:style>
+        <p:txBody>
+          <a:bodyPr rtlCol="0" anchor="ctr"/>
+          <a:lstStyle/>
+          <a:p>
+            <a:pPr algn="ctr"/>
+            <a:endParaRPr lang="en-US">
+              <a:solidFill>
+                <a:schemeClr val="tx1"/>
+              </a:solidFill>
+            </a:endParaRPr>
+          </a:p>
+        </p:txBody>
+      </p:sp>
+      <p:sp>
+        <p:nvSpPr>
+          <p:cNvPr id="9" name="Frame 8">
+            <a:extLst>
+              <a:ext uri="{FF2B5EF4-FFF2-40B4-BE49-F238E27FC236}">
+                <a16:creationId xmlns:a16="http://schemas.microsoft.com/office/drawing/2014/main" id="{464FE9C2-CDBD-BCAD-318B-B2D176FCCE36}"/>
+              </a:ext>
+            </a:extLst>
+          </p:cNvPr>
+          <p:cNvSpPr/>
+          <p:nvPr/>
+        </p:nvSpPr>
+        <p:spPr>
+          <a:xfrm>
+            <a:off x="5455298" y="3474720"/>
+            <a:ext cx="2296782" cy="396240"/>
+          </a:xfrm>
+          <a:prstGeom prst="frame">
+            <a:avLst>
+              <a:gd name="adj1" fmla="val 2244"/>
+            </a:avLst>
+          </a:prstGeom>
+        </p:spPr>
+        <p:style>
+          <a:lnRef idx="2">
+            <a:schemeClr val="accent1">
+              <a:shade val="15000"/>
+            </a:schemeClr>
+          </a:lnRef>
+          <a:fillRef idx="1">
+            <a:schemeClr val="accent1"/>
+          </a:fillRef>
+          <a:effectRef idx="0">
+            <a:schemeClr val="accent1"/>
+          </a:effectRef>
+          <a:fontRef idx="minor">
+            <a:schemeClr val="lt1"/>
+          </a:fontRef>
+        </p:style>
+        <p:txBody>
+          <a:bodyPr rtlCol="0" anchor="ctr"/>
+          <a:lstStyle/>
+          <a:p>
+            <a:pPr algn="ctr"/>
+            <a:endParaRPr lang="en-US">
+              <a:solidFill>
+                <a:schemeClr val="tx1"/>
+              </a:solidFill>
+            </a:endParaRPr>
+          </a:p>
+        </p:txBody>
+      </p:sp>
+      <p:sp>
+        <p:nvSpPr>
+          <p:cNvPr id="10" name="Frame 9">
+            <a:extLst>
+              <a:ext uri="{FF2B5EF4-FFF2-40B4-BE49-F238E27FC236}">
+                <a16:creationId xmlns:a16="http://schemas.microsoft.com/office/drawing/2014/main" id="{299AD7FA-0C5E-74C8-87CE-A67D6D2C488D}"/>
+              </a:ext>
+            </a:extLst>
+          </p:cNvPr>
+          <p:cNvSpPr/>
+          <p:nvPr/>
+        </p:nvSpPr>
+        <p:spPr>
+          <a:xfrm>
+            <a:off x="3352178" y="3878579"/>
+            <a:ext cx="3668382" cy="396240"/>
+          </a:xfrm>
+          <a:prstGeom prst="frame">
+            <a:avLst>
+              <a:gd name="adj1" fmla="val 2244"/>
+            </a:avLst>
+          </a:prstGeom>
+        </p:spPr>
+        <p:style>
+          <a:lnRef idx="2">
+            <a:schemeClr val="accent1">
+              <a:shade val="15000"/>
+            </a:schemeClr>
+          </a:lnRef>
+          <a:fillRef idx="1">
+            <a:schemeClr val="accent1"/>
+          </a:fillRef>
+          <a:effectRef idx="0">
+            <a:schemeClr val="accent1"/>
+          </a:effectRef>
+          <a:fontRef idx="minor">
+            <a:schemeClr val="lt1"/>
+          </a:fontRef>
+        </p:style>
+        <p:txBody>
+          <a:bodyPr rtlCol="0" anchor="ctr"/>
+          <a:lstStyle/>
+          <a:p>
+            <a:pPr algn="ctr"/>
+            <a:endParaRPr lang="en-US">
+              <a:solidFill>
+                <a:schemeClr val="tx1"/>
+              </a:solidFill>
+            </a:endParaRPr>
+          </a:p>
+        </p:txBody>
+      </p:sp>
+      <p:sp>
+        <p:nvSpPr>
+          <p:cNvPr id="11" name="Frame 10">
+            <a:extLst>
+              <a:ext uri="{FF2B5EF4-FFF2-40B4-BE49-F238E27FC236}">
+                <a16:creationId xmlns:a16="http://schemas.microsoft.com/office/drawing/2014/main" id="{FC64A83B-2063-9FEC-E655-8BC7B60928BC}"/>
+              </a:ext>
+            </a:extLst>
+          </p:cNvPr>
+          <p:cNvSpPr/>
+          <p:nvPr/>
+        </p:nvSpPr>
+        <p:spPr>
+          <a:xfrm>
+            <a:off x="3352178" y="4274819"/>
+            <a:ext cx="5517502" cy="396240"/>
+          </a:xfrm>
+          <a:prstGeom prst="frame">
+            <a:avLst>
+              <a:gd name="adj1" fmla="val 2244"/>
+            </a:avLst>
+          </a:prstGeom>
+        </p:spPr>
+        <p:style>
+          <a:lnRef idx="2">
+            <a:schemeClr val="accent1">
+              <a:shade val="15000"/>
+            </a:schemeClr>
+          </a:lnRef>
+          <a:fillRef idx="1">
+            <a:schemeClr val="accent1"/>
+          </a:fillRef>
+          <a:effectRef idx="0">
+            <a:schemeClr val="accent1"/>
+          </a:effectRef>
+          <a:fontRef idx="minor">
+            <a:schemeClr val="lt1"/>
+          </a:fontRef>
+        </p:style>
+        <p:txBody>
+          <a:bodyPr rtlCol="0" anchor="ctr"/>
+          <a:lstStyle/>
+          <a:p>
+            <a:pPr algn="ctr"/>
+            <a:endParaRPr lang="en-US">
+              <a:solidFill>
+                <a:schemeClr val="tx1"/>
+              </a:solidFill>
+            </a:endParaRPr>
+          </a:p>
+        </p:txBody>
+      </p:sp>
+      <p:sp>
+        <p:nvSpPr>
+          <p:cNvPr id="12" name="Frame 11">
+            <a:extLst>
+              <a:ext uri="{FF2B5EF4-FFF2-40B4-BE49-F238E27FC236}">
+                <a16:creationId xmlns:a16="http://schemas.microsoft.com/office/drawing/2014/main" id="{8E35D13C-CD23-6838-A596-D45F861DEC47}"/>
+              </a:ext>
+            </a:extLst>
+          </p:cNvPr>
+          <p:cNvSpPr/>
+          <p:nvPr/>
+        </p:nvSpPr>
+        <p:spPr>
+          <a:xfrm>
+            <a:off x="6603689" y="5044438"/>
+            <a:ext cx="1239831" cy="396240"/>
+          </a:xfrm>
+          <a:prstGeom prst="frame">
+            <a:avLst>
+              <a:gd name="adj1" fmla="val 2244"/>
+            </a:avLst>
+          </a:prstGeom>
+        </p:spPr>
+        <p:style>
+          <a:lnRef idx="2">
+            <a:schemeClr val="accent1">
+              <a:shade val="15000"/>
+            </a:schemeClr>
+          </a:lnRef>
+          <a:fillRef idx="1">
+            <a:schemeClr val="accent1"/>
+          </a:fillRef>
+          <a:effectRef idx="0">
+            <a:schemeClr val="accent1"/>
+          </a:effectRef>
+          <a:fontRef idx="minor">
+            <a:schemeClr val="lt1"/>
+          </a:fontRef>
+        </p:style>
+        <p:txBody>
+          <a:bodyPr rtlCol="0" anchor="ctr"/>
+          <a:lstStyle/>
+          <a:p>
+            <a:pPr algn="ctr"/>
+            <a:endParaRPr lang="en-US">
+              <a:solidFill>
+                <a:schemeClr val="tx1"/>
+              </a:solidFill>
+            </a:endParaRPr>
+          </a:p>
+        </p:txBody>
+      </p:sp>
+      <p:sp>
+        <p:nvSpPr>
+          <p:cNvPr id="13" name="Frame 12">
+            <a:extLst>
+              <a:ext uri="{FF2B5EF4-FFF2-40B4-BE49-F238E27FC236}">
+                <a16:creationId xmlns:a16="http://schemas.microsoft.com/office/drawing/2014/main" id="{ADBE8EC2-1CC5-EFCE-6279-9F76028DCC07}"/>
+              </a:ext>
+            </a:extLst>
+          </p:cNvPr>
+          <p:cNvSpPr/>
+          <p:nvPr/>
+        </p:nvSpPr>
+        <p:spPr>
+          <a:xfrm>
+            <a:off x="6491929" y="5440678"/>
+            <a:ext cx="1422711" cy="396240"/>
+          </a:xfrm>
+          <a:prstGeom prst="frame">
+            <a:avLst>
+              <a:gd name="adj1" fmla="val 2244"/>
+            </a:avLst>
+          </a:prstGeom>
+        </p:spPr>
+        <p:style>
+          <a:lnRef idx="2">
+            <a:schemeClr val="accent1">
+              <a:shade val="15000"/>
+            </a:schemeClr>
+          </a:lnRef>
+          <a:fillRef idx="1">
+            <a:schemeClr val="accent1"/>
+          </a:fillRef>
+          <a:effectRef idx="0">
+            <a:schemeClr val="accent1"/>
+          </a:effectRef>
+          <a:fontRef idx="minor">
+            <a:schemeClr val="lt1"/>
+          </a:fontRef>
+        </p:style>
+        <p:txBody>
+          <a:bodyPr rtlCol="0" anchor="ctr"/>
+          <a:lstStyle/>
+          <a:p>
+            <a:pPr algn="ctr"/>
+            <a:endParaRPr lang="en-US">
+              <a:solidFill>
+                <a:schemeClr val="tx1"/>
+              </a:solidFill>
+            </a:endParaRPr>
+          </a:p>
+        </p:txBody>
+      </p:sp>
+      <p:sp>
+        <p:nvSpPr>
+          <p:cNvPr id="14" name="Frame 13">
+            <a:extLst>
+              <a:ext uri="{FF2B5EF4-FFF2-40B4-BE49-F238E27FC236}">
+                <a16:creationId xmlns:a16="http://schemas.microsoft.com/office/drawing/2014/main" id="{8D9A6778-47F6-941B-27CB-513B59137766}"/>
+              </a:ext>
+            </a:extLst>
+          </p:cNvPr>
+          <p:cNvSpPr/>
+          <p:nvPr/>
+        </p:nvSpPr>
+        <p:spPr>
+          <a:xfrm>
+            <a:off x="3352178" y="5865165"/>
+            <a:ext cx="4562462" cy="396240"/>
+          </a:xfrm>
+          <a:prstGeom prst="frame">
+            <a:avLst>
+              <a:gd name="adj1" fmla="val 2244"/>
+            </a:avLst>
+          </a:prstGeom>
+        </p:spPr>
+        <p:style>
+          <a:lnRef idx="2">
+            <a:schemeClr val="accent1">
+              <a:shade val="15000"/>
+            </a:schemeClr>
+          </a:lnRef>
+          <a:fillRef idx="1">
+            <a:schemeClr val="accent1"/>
+          </a:fillRef>
+          <a:effectRef idx="0">
+            <a:schemeClr val="accent1"/>
+          </a:effectRef>
+          <a:fontRef idx="minor">
+            <a:schemeClr val="lt1"/>
+          </a:fontRef>
+        </p:style>
+        <p:txBody>
+          <a:bodyPr rtlCol="0" anchor="ctr"/>
+          <a:lstStyle/>
+          <a:p>
+            <a:pPr algn="ctr"/>
+            <a:endParaRPr lang="en-US">
+              <a:solidFill>
+                <a:schemeClr val="tx1"/>
+              </a:solidFill>
+            </a:endParaRPr>
+          </a:p>
+        </p:txBody>
+      </p:sp>
+      <p:sp>
+        <p:nvSpPr>
+          <p:cNvPr id="15" name="Frame 14">
+            <a:extLst>
+              <a:ext uri="{FF2B5EF4-FFF2-40B4-BE49-F238E27FC236}">
+                <a16:creationId xmlns:a16="http://schemas.microsoft.com/office/drawing/2014/main" id="{CE974DF7-0A25-4884-7009-90CB67E9DE8C}"/>
+              </a:ext>
+            </a:extLst>
+          </p:cNvPr>
+          <p:cNvSpPr/>
+          <p:nvPr/>
+        </p:nvSpPr>
+        <p:spPr>
+          <a:xfrm>
+            <a:off x="6766093" y="6375083"/>
+            <a:ext cx="630854" cy="396240"/>
+          </a:xfrm>
+          <a:prstGeom prst="frame">
+            <a:avLst>
+              <a:gd name="adj1" fmla="val 2244"/>
+            </a:avLst>
+          </a:prstGeom>
+        </p:spPr>
+        <p:style>
+          <a:lnRef idx="2">
+            <a:schemeClr val="accent1">
+              <a:shade val="15000"/>
+            </a:schemeClr>
+          </a:lnRef>
+          <a:fillRef idx="1">
+            <a:schemeClr val="accent1"/>
+          </a:fillRef>
+          <a:effectRef idx="0">
+            <a:schemeClr val="accent1"/>
+          </a:effectRef>
+          <a:fontRef idx="minor">
+            <a:schemeClr val="lt1"/>
+          </a:fontRef>
+        </p:style>
+        <p:txBody>
+          <a:bodyPr rtlCol="0" anchor="ctr"/>
+          <a:lstStyle/>
+          <a:p>
+            <a:pPr algn="ctr"/>
+            <a:endParaRPr lang="en-US">
+              <a:solidFill>
+                <a:schemeClr val="tx1"/>
+              </a:solidFill>
+            </a:endParaRPr>
+          </a:p>
+        </p:txBody>
+      </p:sp>
+      <p:sp>
+        <p:nvSpPr>
+          <p:cNvPr id="16" name="Frame 15">
+            <a:extLst>
+              <a:ext uri="{FF2B5EF4-FFF2-40B4-BE49-F238E27FC236}">
+                <a16:creationId xmlns:a16="http://schemas.microsoft.com/office/drawing/2014/main" id="{F2F5FFD8-5DB8-A019-525A-1EAA02297334}"/>
+              </a:ext>
+            </a:extLst>
+          </p:cNvPr>
+          <p:cNvSpPr/>
+          <p:nvPr/>
+        </p:nvSpPr>
+        <p:spPr>
+          <a:xfrm>
+            <a:off x="6908800" y="2783840"/>
+            <a:ext cx="4445000" cy="426720"/>
+          </a:xfrm>
+          <a:prstGeom prst="frame">
+            <a:avLst>
+              <a:gd name="adj1" fmla="val 2381"/>
+            </a:avLst>
+          </a:prstGeom>
+        </p:spPr>
+        <p:style>
+          <a:lnRef idx="2">
+            <a:schemeClr val="accent1">
+              <a:shade val="15000"/>
+            </a:schemeClr>
+          </a:lnRef>
+          <a:fillRef idx="1">
+            <a:schemeClr val="accent1"/>
+          </a:fillRef>
+          <a:effectRef idx="0">
+            <a:schemeClr val="accent1"/>
+          </a:effectRef>
+          <a:fontRef idx="minor">
+            <a:schemeClr val="lt1"/>
+          </a:fontRef>
+        </p:style>
+        <p:txBody>
+          <a:bodyPr rtlCol="0" anchor="ctr"/>
+          <a:lstStyle/>
+          <a:p>
+            <a:pPr algn="ctr"/>
+            <a:endParaRPr lang="en-US">
+              <a:solidFill>
+                <a:schemeClr val="tx1"/>
+              </a:solidFill>
+            </a:endParaRPr>
           </a:p>
         </p:txBody>
       </p:sp>
     </p:spTree>
     <p:extLst>
       <p:ext uri="{BB962C8B-B14F-4D97-AF65-F5344CB8AC3E}">
-        <p14:creationId xmlns:p14="http://schemas.microsoft.com/office/powerpoint/2010/main" val="2396008538"/>
+        <p14:creationId xmlns:p14="http://schemas.microsoft.com/office/powerpoint/2010/main" val="2068518749"/>
       </p:ext>
     </p:extLst>
   </p:cSld>
   <p:clrMapOvr>
     <a:masterClrMapping/>
   </p:clrMapOvr>
+  <p:timing>
+    <p:tnLst>
+      <p:par>
+        <p:cTn id="1" dur="indefinite" restart="never" nodeType="tmRoot">
+          <p:childTnLst>
+            <p:seq concurrent="1" nextAc="seek">
+              <p:cTn id="2" dur="indefinite" nodeType="mainSeq">
+                <p:childTnLst>
+                  <p:par>
+                    <p:cTn id="3" fill="hold">
+                      <p:stCondLst>
+                        <p:cond delay="indefinite"/>
+                      </p:stCondLst>
+                      <p:childTnLst>
+                        <p:par>
+                          <p:cTn id="4" fill="hold">
+                            <p:stCondLst>
+                              <p:cond delay="0"/>
+                            </p:stCondLst>
+                            <p:childTnLst>
+                              <p:par>
+                                <p:cTn id="5" presetID="1" presetClass="entr" presetSubtype="0" fill="hold" nodeType="clickEffect">
+                                  <p:stCondLst>
+                                    <p:cond delay="0"/>
+                                  </p:stCondLst>
+                                  <p:childTnLst>
+                                    <p:set>
+                                      <p:cBhvr>
+                                        <p:cTn id="6" dur="1" fill="hold">
+                                          <p:stCondLst>
+                                            <p:cond delay="0"/>
+                                          </p:stCondLst>
+                                        </p:cTn>
+                                        <p:tgtEl>
+                                          <p:spTgt spid="3">
+                                            <p:txEl>
+                                              <p:pRg st="0" end="0"/>
+                                            </p:txEl>
+                                          </p:spTgt>
+                                        </p:tgtEl>
+                                        <p:attrNameLst>
+                                          <p:attrName>style.visibility</p:attrName>
+                                        </p:attrNameLst>
+                                      </p:cBhvr>
+                                      <p:to>
+                                        <p:strVal val="visible"/>
+                                      </p:to>
+                                    </p:set>
+                                  </p:childTnLst>
+                                </p:cTn>
+                              </p:par>
+                            </p:childTnLst>
+                          </p:cTn>
+                        </p:par>
+                      </p:childTnLst>
+                    </p:cTn>
+                  </p:par>
+                  <p:par>
+                    <p:cTn id="7" fill="hold">
+                      <p:stCondLst>
+                        <p:cond delay="indefinite"/>
+                      </p:stCondLst>
+                      <p:childTnLst>
+                        <p:par>
+                          <p:cTn id="8" fill="hold">
+                            <p:stCondLst>
+                              <p:cond delay="0"/>
+                            </p:stCondLst>
+                            <p:childTnLst>
+                              <p:par>
+                                <p:cTn id="9" presetID="1" presetClass="entr" presetSubtype="0" fill="hold" nodeType="clickEffect">
+                                  <p:stCondLst>
+                                    <p:cond delay="0"/>
+                                  </p:stCondLst>
+                                  <p:childTnLst>
+                                    <p:set>
+                                      <p:cBhvr>
+                                        <p:cTn id="10" dur="1" fill="hold">
+                                          <p:stCondLst>
+                                            <p:cond delay="0"/>
+                                          </p:stCondLst>
+                                        </p:cTn>
+                                        <p:tgtEl>
+                                          <p:spTgt spid="3">
+                                            <p:txEl>
+                                              <p:pRg st="1" end="1"/>
+                                            </p:txEl>
+                                          </p:spTgt>
+                                        </p:tgtEl>
+                                        <p:attrNameLst>
+                                          <p:attrName>style.visibility</p:attrName>
+                                        </p:attrNameLst>
+                                      </p:cBhvr>
+                                      <p:to>
+                                        <p:strVal val="visible"/>
+                                      </p:to>
+                                    </p:set>
+                                  </p:childTnLst>
+                                </p:cTn>
+                              </p:par>
+                            </p:childTnLst>
+                          </p:cTn>
+                        </p:par>
+                      </p:childTnLst>
+                    </p:cTn>
+                  </p:par>
+                  <p:par>
+                    <p:cTn id="11" fill="hold">
+                      <p:stCondLst>
+                        <p:cond delay="indefinite"/>
+                      </p:stCondLst>
+                      <p:childTnLst>
+                        <p:par>
+                          <p:cTn id="12" fill="hold">
+                            <p:stCondLst>
+                              <p:cond delay="0"/>
+                            </p:stCondLst>
+                            <p:childTnLst>
+                              <p:par>
+                                <p:cTn id="13" presetID="1" presetClass="entr" presetSubtype="0" fill="hold" nodeType="clickEffect">
+                                  <p:stCondLst>
+                                    <p:cond delay="0"/>
+                                  </p:stCondLst>
+                                  <p:childTnLst>
+                                    <p:set>
+                                      <p:cBhvr>
+                                        <p:cTn id="14" dur="1" fill="hold">
+                                          <p:stCondLst>
+                                            <p:cond delay="0"/>
+                                          </p:stCondLst>
+                                        </p:cTn>
+                                        <p:tgtEl>
+                                          <p:spTgt spid="3">
+                                            <p:txEl>
+                                              <p:pRg st="2" end="2"/>
+                                            </p:txEl>
+                                          </p:spTgt>
+                                        </p:tgtEl>
+                                        <p:attrNameLst>
+                                          <p:attrName>style.visibility</p:attrName>
+                                        </p:attrNameLst>
+                                      </p:cBhvr>
+                                      <p:to>
+                                        <p:strVal val="visible"/>
+                                      </p:to>
+                                    </p:set>
+                                  </p:childTnLst>
+                                </p:cTn>
+                              </p:par>
+                            </p:childTnLst>
+                          </p:cTn>
+                        </p:par>
+                      </p:childTnLst>
+                    </p:cTn>
+                  </p:par>
+                  <p:par>
+                    <p:cTn id="15" fill="hold">
+                      <p:stCondLst>
+                        <p:cond delay="indefinite"/>
+                      </p:stCondLst>
+                      <p:childTnLst>
+                        <p:par>
+                          <p:cTn id="16" fill="hold">
+                            <p:stCondLst>
+                              <p:cond delay="0"/>
+                            </p:stCondLst>
+                            <p:childTnLst>
+                              <p:par>
+                                <p:cTn id="17" presetID="1" presetClass="entr" presetSubtype="0" fill="hold" nodeType="clickEffect">
+                                  <p:stCondLst>
+                                    <p:cond delay="0"/>
+                                  </p:stCondLst>
+                                  <p:childTnLst>
+                                    <p:set>
+                                      <p:cBhvr>
+                                        <p:cTn id="18" dur="1" fill="hold">
+                                          <p:stCondLst>
+                                            <p:cond delay="0"/>
+                                          </p:stCondLst>
+                                        </p:cTn>
+                                        <p:tgtEl>
+                                          <p:spTgt spid="7"/>
+                                        </p:tgtEl>
+                                        <p:attrNameLst>
+                                          <p:attrName>style.visibility</p:attrName>
+                                        </p:attrNameLst>
+                                      </p:cBhvr>
+                                      <p:to>
+                                        <p:strVal val="visible"/>
+                                      </p:to>
+                                    </p:set>
+                                  </p:childTnLst>
+                                </p:cTn>
+                              </p:par>
+                            </p:childTnLst>
+                          </p:cTn>
+                        </p:par>
+                      </p:childTnLst>
+                    </p:cTn>
+                  </p:par>
+                  <p:par>
+                    <p:cTn id="19" fill="hold">
+                      <p:stCondLst>
+                        <p:cond delay="indefinite"/>
+                      </p:stCondLst>
+                      <p:childTnLst>
+                        <p:par>
+                          <p:cTn id="20" fill="hold">
+                            <p:stCondLst>
+                              <p:cond delay="0"/>
+                            </p:stCondLst>
+                            <p:childTnLst>
+                              <p:par>
+                                <p:cTn id="21" presetID="1" presetClass="entr" presetSubtype="0" fill="hold" grpId="0" nodeType="clickEffect">
+                                  <p:stCondLst>
+                                    <p:cond delay="0"/>
+                                  </p:stCondLst>
+                                  <p:childTnLst>
+                                    <p:set>
+                                      <p:cBhvr>
+                                        <p:cTn id="22" dur="1" fill="hold">
+                                          <p:stCondLst>
+                                            <p:cond delay="0"/>
+                                          </p:stCondLst>
+                                        </p:cTn>
+                                        <p:tgtEl>
+                                          <p:spTgt spid="8"/>
+                                        </p:tgtEl>
+                                        <p:attrNameLst>
+                                          <p:attrName>style.visibility</p:attrName>
+                                        </p:attrNameLst>
+                                      </p:cBhvr>
+                                      <p:to>
+                                        <p:strVal val="visible"/>
+                                      </p:to>
+                                    </p:set>
+                                  </p:childTnLst>
+                                </p:cTn>
+                              </p:par>
+                            </p:childTnLst>
+                          </p:cTn>
+                        </p:par>
+                      </p:childTnLst>
+                    </p:cTn>
+                  </p:par>
+                  <p:par>
+                    <p:cTn id="23" fill="hold">
+                      <p:stCondLst>
+                        <p:cond delay="indefinite"/>
+                      </p:stCondLst>
+                      <p:childTnLst>
+                        <p:par>
+                          <p:cTn id="24" fill="hold">
+                            <p:stCondLst>
+                              <p:cond delay="0"/>
+                            </p:stCondLst>
+                            <p:childTnLst>
+                              <p:par>
+                                <p:cTn id="25" presetID="1" presetClass="entr" presetSubtype="0" fill="hold" grpId="0" nodeType="clickEffect">
+                                  <p:stCondLst>
+                                    <p:cond delay="0"/>
+                                  </p:stCondLst>
+                                  <p:childTnLst>
+                                    <p:set>
+                                      <p:cBhvr>
+                                        <p:cTn id="26" dur="1" fill="hold">
+                                          <p:stCondLst>
+                                            <p:cond delay="0"/>
+                                          </p:stCondLst>
+                                        </p:cTn>
+                                        <p:tgtEl>
+                                          <p:spTgt spid="9"/>
+                                        </p:tgtEl>
+                                        <p:attrNameLst>
+                                          <p:attrName>style.visibility</p:attrName>
+                                        </p:attrNameLst>
+                                      </p:cBhvr>
+                                      <p:to>
+                                        <p:strVal val="visible"/>
+                                      </p:to>
+                                    </p:set>
+                                  </p:childTnLst>
+                                </p:cTn>
+                              </p:par>
+                            </p:childTnLst>
+                          </p:cTn>
+                        </p:par>
+                      </p:childTnLst>
+                    </p:cTn>
+                  </p:par>
+                  <p:par>
+                    <p:cTn id="27" fill="hold">
+                      <p:stCondLst>
+                        <p:cond delay="indefinite"/>
+                      </p:stCondLst>
+                      <p:childTnLst>
+                        <p:par>
+                          <p:cTn id="28" fill="hold">
+                            <p:stCondLst>
+                              <p:cond delay="0"/>
+                            </p:stCondLst>
+                            <p:childTnLst>
+                              <p:par>
+                                <p:cTn id="29" presetID="1" presetClass="exit" presetSubtype="0" fill="hold" grpId="1" nodeType="clickEffect">
+                                  <p:stCondLst>
+                                    <p:cond delay="0"/>
+                                  </p:stCondLst>
+                                  <p:childTnLst>
+                                    <p:set>
+                                      <p:cBhvr>
+                                        <p:cTn id="30" dur="1" fill="hold">
+                                          <p:stCondLst>
+                                            <p:cond delay="0"/>
+                                          </p:stCondLst>
+                                        </p:cTn>
+                                        <p:tgtEl>
+                                          <p:spTgt spid="8"/>
+                                        </p:tgtEl>
+                                        <p:attrNameLst>
+                                          <p:attrName>style.visibility</p:attrName>
+                                        </p:attrNameLst>
+                                      </p:cBhvr>
+                                      <p:to>
+                                        <p:strVal val="hidden"/>
+                                      </p:to>
+                                    </p:set>
+                                  </p:childTnLst>
+                                </p:cTn>
+                              </p:par>
+                              <p:par>
+                                <p:cTn id="31" presetID="1" presetClass="exit" presetSubtype="0" fill="hold" grpId="1" nodeType="withEffect">
+                                  <p:stCondLst>
+                                    <p:cond delay="0"/>
+                                  </p:stCondLst>
+                                  <p:childTnLst>
+                                    <p:set>
+                                      <p:cBhvr>
+                                        <p:cTn id="32" dur="1" fill="hold">
+                                          <p:stCondLst>
+                                            <p:cond delay="0"/>
+                                          </p:stCondLst>
+                                        </p:cTn>
+                                        <p:tgtEl>
+                                          <p:spTgt spid="9"/>
+                                        </p:tgtEl>
+                                        <p:attrNameLst>
+                                          <p:attrName>style.visibility</p:attrName>
+                                        </p:attrNameLst>
+                                      </p:cBhvr>
+                                      <p:to>
+                                        <p:strVal val="hidden"/>
+                                      </p:to>
+                                    </p:set>
+                                  </p:childTnLst>
+                                </p:cTn>
+                              </p:par>
+                              <p:par>
+                                <p:cTn id="33" presetID="1" presetClass="entr" presetSubtype="0" fill="hold" grpId="0" nodeType="withEffect">
+                                  <p:stCondLst>
+                                    <p:cond delay="0"/>
+                                  </p:stCondLst>
+                                  <p:childTnLst>
+                                    <p:set>
+                                      <p:cBhvr>
+                                        <p:cTn id="34" dur="1" fill="hold">
+                                          <p:stCondLst>
+                                            <p:cond delay="0"/>
+                                          </p:stCondLst>
+                                        </p:cTn>
+                                        <p:tgtEl>
+                                          <p:spTgt spid="10"/>
+                                        </p:tgtEl>
+                                        <p:attrNameLst>
+                                          <p:attrName>style.visibility</p:attrName>
+                                        </p:attrNameLst>
+                                      </p:cBhvr>
+                                      <p:to>
+                                        <p:strVal val="visible"/>
+                                      </p:to>
+                                    </p:set>
+                                  </p:childTnLst>
+                                </p:cTn>
+                              </p:par>
+                            </p:childTnLst>
+                          </p:cTn>
+                        </p:par>
+                      </p:childTnLst>
+                    </p:cTn>
+                  </p:par>
+                  <p:par>
+                    <p:cTn id="35" fill="hold">
+                      <p:stCondLst>
+                        <p:cond delay="indefinite"/>
+                      </p:stCondLst>
+                      <p:childTnLst>
+                        <p:par>
+                          <p:cTn id="36" fill="hold">
+                            <p:stCondLst>
+                              <p:cond delay="0"/>
+                            </p:stCondLst>
+                            <p:childTnLst>
+                              <p:par>
+                                <p:cTn id="37" presetID="1" presetClass="entr" presetSubtype="0" fill="hold" grpId="0" nodeType="clickEffect">
+                                  <p:stCondLst>
+                                    <p:cond delay="0"/>
+                                  </p:stCondLst>
+                                  <p:childTnLst>
+                                    <p:set>
+                                      <p:cBhvr>
+                                        <p:cTn id="38" dur="1" fill="hold">
+                                          <p:stCondLst>
+                                            <p:cond delay="0"/>
+                                          </p:stCondLst>
+                                        </p:cTn>
+                                        <p:tgtEl>
+                                          <p:spTgt spid="11"/>
+                                        </p:tgtEl>
+                                        <p:attrNameLst>
+                                          <p:attrName>style.visibility</p:attrName>
+                                        </p:attrNameLst>
+                                      </p:cBhvr>
+                                      <p:to>
+                                        <p:strVal val="visible"/>
+                                      </p:to>
+                                    </p:set>
+                                  </p:childTnLst>
+                                </p:cTn>
+                              </p:par>
+                            </p:childTnLst>
+                          </p:cTn>
+                        </p:par>
+                      </p:childTnLst>
+                    </p:cTn>
+                  </p:par>
+                  <p:par>
+                    <p:cTn id="39" fill="hold">
+                      <p:stCondLst>
+                        <p:cond delay="indefinite"/>
+                      </p:stCondLst>
+                      <p:childTnLst>
+                        <p:par>
+                          <p:cTn id="40" fill="hold">
+                            <p:stCondLst>
+                              <p:cond delay="0"/>
+                            </p:stCondLst>
+                            <p:childTnLst>
+                              <p:par>
+                                <p:cTn id="41" presetID="1" presetClass="entr" presetSubtype="0" fill="hold" grpId="0" nodeType="clickEffect">
+                                  <p:stCondLst>
+                                    <p:cond delay="0"/>
+                                  </p:stCondLst>
+                                  <p:childTnLst>
+                                    <p:set>
+                                      <p:cBhvr>
+                                        <p:cTn id="42" dur="1" fill="hold">
+                                          <p:stCondLst>
+                                            <p:cond delay="0"/>
+                                          </p:stCondLst>
+                                        </p:cTn>
+                                        <p:tgtEl>
+                                          <p:spTgt spid="12"/>
+                                        </p:tgtEl>
+                                        <p:attrNameLst>
+                                          <p:attrName>style.visibility</p:attrName>
+                                        </p:attrNameLst>
+                                      </p:cBhvr>
+                                      <p:to>
+                                        <p:strVal val="visible"/>
+                                      </p:to>
+                                    </p:set>
+                                  </p:childTnLst>
+                                </p:cTn>
+                              </p:par>
+                            </p:childTnLst>
+                          </p:cTn>
+                        </p:par>
+                      </p:childTnLst>
+                    </p:cTn>
+                  </p:par>
+                  <p:par>
+                    <p:cTn id="43" fill="hold">
+                      <p:stCondLst>
+                        <p:cond delay="indefinite"/>
+                      </p:stCondLst>
+                      <p:childTnLst>
+                        <p:par>
+                          <p:cTn id="44" fill="hold">
+                            <p:stCondLst>
+                              <p:cond delay="0"/>
+                            </p:stCondLst>
+                            <p:childTnLst>
+                              <p:par>
+                                <p:cTn id="45" presetID="1" presetClass="exit" presetSubtype="0" fill="hold" grpId="1" nodeType="clickEffect">
+                                  <p:stCondLst>
+                                    <p:cond delay="0"/>
+                                  </p:stCondLst>
+                                  <p:childTnLst>
+                                    <p:set>
+                                      <p:cBhvr>
+                                        <p:cTn id="46" dur="1" fill="hold">
+                                          <p:stCondLst>
+                                            <p:cond delay="0"/>
+                                          </p:stCondLst>
+                                        </p:cTn>
+                                        <p:tgtEl>
+                                          <p:spTgt spid="10"/>
+                                        </p:tgtEl>
+                                        <p:attrNameLst>
+                                          <p:attrName>style.visibility</p:attrName>
+                                        </p:attrNameLst>
+                                      </p:cBhvr>
+                                      <p:to>
+                                        <p:strVal val="hidden"/>
+                                      </p:to>
+                                    </p:set>
+                                  </p:childTnLst>
+                                </p:cTn>
+                              </p:par>
+                              <p:par>
+                                <p:cTn id="47" presetID="1" presetClass="exit" presetSubtype="0" fill="hold" grpId="1" nodeType="withEffect">
+                                  <p:stCondLst>
+                                    <p:cond delay="0"/>
+                                  </p:stCondLst>
+                                  <p:childTnLst>
+                                    <p:set>
+                                      <p:cBhvr>
+                                        <p:cTn id="48" dur="1" fill="hold">
+                                          <p:stCondLst>
+                                            <p:cond delay="0"/>
+                                          </p:stCondLst>
+                                        </p:cTn>
+                                        <p:tgtEl>
+                                          <p:spTgt spid="11"/>
+                                        </p:tgtEl>
+                                        <p:attrNameLst>
+                                          <p:attrName>style.visibility</p:attrName>
+                                        </p:attrNameLst>
+                                      </p:cBhvr>
+                                      <p:to>
+                                        <p:strVal val="hidden"/>
+                                      </p:to>
+                                    </p:set>
+                                  </p:childTnLst>
+                                </p:cTn>
+                              </p:par>
+                              <p:par>
+                                <p:cTn id="49" presetID="1" presetClass="exit" presetSubtype="0" fill="hold" grpId="1" nodeType="withEffect">
+                                  <p:stCondLst>
+                                    <p:cond delay="0"/>
+                                  </p:stCondLst>
+                                  <p:childTnLst>
+                                    <p:set>
+                                      <p:cBhvr>
+                                        <p:cTn id="50" dur="1" fill="hold">
+                                          <p:stCondLst>
+                                            <p:cond delay="0"/>
+                                          </p:stCondLst>
+                                        </p:cTn>
+                                        <p:tgtEl>
+                                          <p:spTgt spid="12"/>
+                                        </p:tgtEl>
+                                        <p:attrNameLst>
+                                          <p:attrName>style.visibility</p:attrName>
+                                        </p:attrNameLst>
+                                      </p:cBhvr>
+                                      <p:to>
+                                        <p:strVal val="hidden"/>
+                                      </p:to>
+                                    </p:set>
+                                  </p:childTnLst>
+                                </p:cTn>
+                              </p:par>
+                            </p:childTnLst>
+                          </p:cTn>
+                        </p:par>
+                      </p:childTnLst>
+                    </p:cTn>
+                  </p:par>
+                  <p:par>
+                    <p:cTn id="51" fill="hold">
+                      <p:stCondLst>
+                        <p:cond delay="indefinite"/>
+                      </p:stCondLst>
+                      <p:childTnLst>
+                        <p:par>
+                          <p:cTn id="52" fill="hold">
+                            <p:stCondLst>
+                              <p:cond delay="0"/>
+                            </p:stCondLst>
+                            <p:childTnLst>
+                              <p:par>
+                                <p:cTn id="53" presetID="1" presetClass="entr" presetSubtype="0" fill="hold" grpId="0" nodeType="clickEffect">
+                                  <p:stCondLst>
+                                    <p:cond delay="0"/>
+                                  </p:stCondLst>
+                                  <p:childTnLst>
+                                    <p:set>
+                                      <p:cBhvr>
+                                        <p:cTn id="54" dur="1" fill="hold">
+                                          <p:stCondLst>
+                                            <p:cond delay="0"/>
+                                          </p:stCondLst>
+                                        </p:cTn>
+                                        <p:tgtEl>
+                                          <p:spTgt spid="13"/>
+                                        </p:tgtEl>
+                                        <p:attrNameLst>
+                                          <p:attrName>style.visibility</p:attrName>
+                                        </p:attrNameLst>
+                                      </p:cBhvr>
+                                      <p:to>
+                                        <p:strVal val="visible"/>
+                                      </p:to>
+                                    </p:set>
+                                  </p:childTnLst>
+                                </p:cTn>
+                              </p:par>
+                            </p:childTnLst>
+                          </p:cTn>
+                        </p:par>
+                      </p:childTnLst>
+                    </p:cTn>
+                  </p:par>
+                  <p:par>
+                    <p:cTn id="55" fill="hold">
+                      <p:stCondLst>
+                        <p:cond delay="indefinite"/>
+                      </p:stCondLst>
+                      <p:childTnLst>
+                        <p:par>
+                          <p:cTn id="56" fill="hold">
+                            <p:stCondLst>
+                              <p:cond delay="0"/>
+                            </p:stCondLst>
+                            <p:childTnLst>
+                              <p:par>
+                                <p:cTn id="57" presetID="1" presetClass="entr" presetSubtype="0" fill="hold" grpId="0" nodeType="clickEffect">
+                                  <p:stCondLst>
+                                    <p:cond delay="0"/>
+                                  </p:stCondLst>
+                                  <p:childTnLst>
+                                    <p:set>
+                                      <p:cBhvr>
+                                        <p:cTn id="58" dur="1" fill="hold">
+                                          <p:stCondLst>
+                                            <p:cond delay="0"/>
+                                          </p:stCondLst>
+                                        </p:cTn>
+                                        <p:tgtEl>
+                                          <p:spTgt spid="14"/>
+                                        </p:tgtEl>
+                                        <p:attrNameLst>
+                                          <p:attrName>style.visibility</p:attrName>
+                                        </p:attrNameLst>
+                                      </p:cBhvr>
+                                      <p:to>
+                                        <p:strVal val="visible"/>
+                                      </p:to>
+                                    </p:set>
+                                  </p:childTnLst>
+                                </p:cTn>
+                              </p:par>
+                              <p:par>
+                                <p:cTn id="59" presetID="1" presetClass="exit" presetSubtype="0" fill="hold" grpId="1" nodeType="withEffect">
+                                  <p:stCondLst>
+                                    <p:cond delay="0"/>
+                                  </p:stCondLst>
+                                  <p:childTnLst>
+                                    <p:set>
+                                      <p:cBhvr>
+                                        <p:cTn id="60" dur="1" fill="hold">
+                                          <p:stCondLst>
+                                            <p:cond delay="0"/>
+                                          </p:stCondLst>
+                                        </p:cTn>
+                                        <p:tgtEl>
+                                          <p:spTgt spid="13"/>
+                                        </p:tgtEl>
+                                        <p:attrNameLst>
+                                          <p:attrName>style.visibility</p:attrName>
+                                        </p:attrNameLst>
+                                      </p:cBhvr>
+                                      <p:to>
+                                        <p:strVal val="hidden"/>
+                                      </p:to>
+                                    </p:set>
+                                  </p:childTnLst>
+                                </p:cTn>
+                              </p:par>
+                            </p:childTnLst>
+                          </p:cTn>
+                        </p:par>
+                      </p:childTnLst>
+                    </p:cTn>
+                  </p:par>
+                  <p:par>
+                    <p:cTn id="61" fill="hold">
+                      <p:stCondLst>
+                        <p:cond delay="indefinite"/>
+                      </p:stCondLst>
+                      <p:childTnLst>
+                        <p:par>
+                          <p:cTn id="62" fill="hold">
+                            <p:stCondLst>
+                              <p:cond delay="0"/>
+                            </p:stCondLst>
+                            <p:childTnLst>
+                              <p:par>
+                                <p:cTn id="63" presetID="1" presetClass="entr" presetSubtype="0" fill="hold" grpId="0" nodeType="clickEffect">
+                                  <p:stCondLst>
+                                    <p:cond delay="0"/>
+                                  </p:stCondLst>
+                                  <p:childTnLst>
+                                    <p:set>
+                                      <p:cBhvr>
+                                        <p:cTn id="64" dur="1" fill="hold">
+                                          <p:stCondLst>
+                                            <p:cond delay="0"/>
+                                          </p:stCondLst>
+                                        </p:cTn>
+                                        <p:tgtEl>
+                                          <p:spTgt spid="16"/>
+                                        </p:tgtEl>
+                                        <p:attrNameLst>
+                                          <p:attrName>style.visibility</p:attrName>
+                                        </p:attrNameLst>
+                                      </p:cBhvr>
+                                      <p:to>
+                                        <p:strVal val="visible"/>
+                                      </p:to>
+                                    </p:set>
+                                  </p:childTnLst>
+                                </p:cTn>
+                              </p:par>
+                              <p:par>
+                                <p:cTn id="65" presetID="1" presetClass="entr" presetSubtype="0" fill="hold" nodeType="withEffect">
+                                  <p:stCondLst>
+                                    <p:cond delay="0"/>
+                                  </p:stCondLst>
+                                  <p:childTnLst>
+                                    <p:set>
+                                      <p:cBhvr>
+                                        <p:cTn id="66" dur="1" fill="hold">
+                                          <p:stCondLst>
+                                            <p:cond delay="0"/>
+                                          </p:stCondLst>
+                                        </p:cTn>
+                                        <p:tgtEl>
+                                          <p:spTgt spid="5"/>
+                                        </p:tgtEl>
+                                        <p:attrNameLst>
+                                          <p:attrName>style.visibility</p:attrName>
+                                        </p:attrNameLst>
+                                      </p:cBhvr>
+                                      <p:to>
+                                        <p:strVal val="visible"/>
+                                      </p:to>
+                                    </p:set>
+                                  </p:childTnLst>
+                                </p:cTn>
+                              </p:par>
+                              <p:par>
+                                <p:cTn id="67" presetID="1" presetClass="entr" presetSubtype="0" fill="hold" grpId="0" nodeType="withEffect">
+                                  <p:stCondLst>
+                                    <p:cond delay="0"/>
+                                  </p:stCondLst>
+                                  <p:childTnLst>
+                                    <p:set>
+                                      <p:cBhvr>
+                                        <p:cTn id="68" dur="1" fill="hold">
+                                          <p:stCondLst>
+                                            <p:cond delay="0"/>
+                                          </p:stCondLst>
+                                        </p:cTn>
+                                        <p:tgtEl>
+                                          <p:spTgt spid="15"/>
+                                        </p:tgtEl>
+                                        <p:attrNameLst>
+                                          <p:attrName>style.visibility</p:attrName>
+                                        </p:attrNameLst>
+                                      </p:cBhvr>
+                                      <p:to>
+                                        <p:strVal val="visible"/>
+                                      </p:to>
+                                    </p:set>
+                                  </p:childTnLst>
+                                </p:cTn>
+                              </p:par>
+                              <p:par>
+                                <p:cTn id="69" presetID="1" presetClass="exit" presetSubtype="0" fill="hold" grpId="1" nodeType="withEffect">
+                                  <p:stCondLst>
+                                    <p:cond delay="0"/>
+                                  </p:stCondLst>
+                                  <p:childTnLst>
+                                    <p:set>
+                                      <p:cBhvr>
+                                        <p:cTn id="70" dur="1" fill="hold">
+                                          <p:stCondLst>
+                                            <p:cond delay="0"/>
+                                          </p:stCondLst>
+                                        </p:cTn>
+                                        <p:tgtEl>
+                                          <p:spTgt spid="14"/>
+                                        </p:tgtEl>
+                                        <p:attrNameLst>
+                                          <p:attrName>style.visibility</p:attrName>
+                                        </p:attrNameLst>
+                                      </p:cBhvr>
+                                      <p:to>
+                                        <p:strVal val="hidden"/>
+                                      </p:to>
+                                    </p:set>
+                                  </p:childTnLst>
+                                </p:cTn>
+                              </p:par>
+                            </p:childTnLst>
+                          </p:cTn>
+                        </p:par>
+                      </p:childTnLst>
+                    </p:cTn>
+                  </p:par>
+                </p:childTnLst>
+              </p:cTn>
+              <p:prevCondLst>
+                <p:cond evt="onPrev" delay="0">
+                  <p:tgtEl>
+                    <p:sldTgt/>
+                  </p:tgtEl>
+                </p:cond>
+              </p:prevCondLst>
+              <p:nextCondLst>
+                <p:cond evt="onNext" delay="0">
+                  <p:tgtEl>
+                    <p:sldTgt/>
+                  </p:tgtEl>
+                </p:cond>
+              </p:nextCondLst>
+            </p:seq>
+          </p:childTnLst>
+        </p:cTn>
+      </p:par>
+    </p:tnLst>
+    <p:bldLst>
+      <p:bldP spid="8" grpId="0" animBg="1"/>
+      <p:bldP spid="8" grpId="1" animBg="1"/>
+      <p:bldP spid="9" grpId="0" animBg="1"/>
+      <p:bldP spid="9" grpId="1" animBg="1"/>
+      <p:bldP spid="10" grpId="0" animBg="1"/>
+      <p:bldP spid="10" grpId="1" animBg="1"/>
+      <p:bldP spid="11" grpId="0" animBg="1"/>
+      <p:bldP spid="11" grpId="1" animBg="1"/>
+      <p:bldP spid="12" grpId="0" animBg="1"/>
+      <p:bldP spid="12" grpId="1" animBg="1"/>
+      <p:bldP spid="13" grpId="0" animBg="1"/>
+      <p:bldP spid="13" grpId="1" animBg="1"/>
+      <p:bldP spid="14" grpId="0" animBg="1"/>
+      <p:bldP spid="14" grpId="1" animBg="1"/>
+      <p:bldP spid="15" grpId="0" animBg="1"/>
+      <p:bldP spid="16" grpId="0" animBg="1"/>
+    </p:bldLst>
+  </p:timing>
 </p:sld>
 </file>
 
@@ -24215,7 +28064,7 @@
           <a:p>
             <a:r>
               <a:rPr lang="en-US" dirty="0"/>
-              <a:t>More Experiments:</a:t>
+              <a:t>Current Project Status for x64Iris</a:t>
             </a:r>
           </a:p>
         </p:txBody>
@@ -24238,9 +28087,92 @@
         </p:nvSpPr>
         <p:spPr/>
         <p:txBody>
-          <a:bodyPr/>
-          <a:lstStyle/>
-          <a:p>
+          <a:bodyPr>
+            <a:normAutofit lnSpcReduction="10000"/>
+          </a:bodyPr>
+          <a:lstStyle/>
+          <a:p>
+            <a:r>
+              <a:rPr lang="en-US" dirty="0"/>
+              <a:t>What is done?</a:t>
+            </a:r>
+          </a:p>
+          <a:p>
+            <a:pPr lvl="1"/>
+            <a:r>
+              <a:rPr lang="en-US" dirty="0"/>
+              <a:t>Machine model – subset of x86</a:t>
+            </a:r>
+          </a:p>
+          <a:p>
+            <a:pPr lvl="1"/>
+            <a:r>
+              <a:rPr lang="en-US" dirty="0"/>
+              <a:t>Soundness proofs of all instructions except:</a:t>
+            </a:r>
+          </a:p>
+          <a:p>
+            <a:pPr marL="914400" lvl="2" indent="0">
+              <a:buNone/>
+            </a:pPr>
+            <a:r>
+              <a:rPr lang="en-US" dirty="0"/>
+              <a:t>Segment selector related ones, Page fault interrupts</a:t>
+            </a:r>
+          </a:p>
+          <a:p>
+            <a:pPr lvl="1"/>
+            <a:r>
+              <a:rPr lang="en-US" dirty="0"/>
+              <a:t>Proof of address-space switching</a:t>
+            </a:r>
+          </a:p>
+          <a:p>
+            <a:pPr lvl="1"/>
+            <a:r>
+              <a:rPr lang="en-US" dirty="0"/>
+              <a:t>Proof of identity mapping</a:t>
+            </a:r>
+          </a:p>
+          <a:p>
+            <a:pPr lvl="1"/>
+            <a:r>
+              <a:rPr lang="en-US" dirty="0"/>
+              <a:t>Proof of adding a new-page axiomatizing </a:t>
+            </a:r>
+            <a:r>
+              <a:rPr lang="en-US" b="1" dirty="0"/>
+              <a:t>page-table-walk</a:t>
+            </a:r>
+          </a:p>
+          <a:p>
+            <a:r>
+              <a:rPr lang="en-US" dirty="0"/>
+              <a:t>To be done</a:t>
+            </a:r>
+          </a:p>
+          <a:p>
+            <a:pPr lvl="1"/>
+            <a:r>
+              <a:rPr lang="en-US" dirty="0"/>
+              <a:t>Proof of page-table-walk</a:t>
+            </a:r>
+          </a:p>
+          <a:p>
+            <a:pPr lvl="1"/>
+            <a:r>
+              <a:rPr lang="en-US" dirty="0"/>
+              <a:t>Fine-tuning instructions’ specs with extended address-space-invariants for identity mappings</a:t>
+            </a:r>
+          </a:p>
+          <a:p>
+            <a:pPr marL="457200" lvl="1" indent="0">
+              <a:buNone/>
+            </a:pPr>
+            <a:endParaRPr lang="en-US" dirty="0"/>
+          </a:p>
+          <a:p>
+            <a:pPr lvl="1"/>
             <a:endParaRPr lang="en-US" dirty="0"/>
           </a:p>
         </p:txBody>
@@ -24505,13 +28437,17 @@
         </p:nvSpPr>
         <p:spPr>
           <a:xfrm>
-            <a:off x="5419210" y="2171700"/>
+            <a:off x="5378570" y="2039620"/>
             <a:ext cx="1562615" cy="510658"/>
           </a:xfrm>
           <a:prstGeom prst="rect">
             <a:avLst/>
           </a:prstGeom>
-          <a:noFill/>
+          <a:solidFill>
+            <a:schemeClr val="bg2">
+              <a:lumMod val="90000"/>
+            </a:schemeClr>
+          </a:solidFill>
         </p:spPr>
         <p:style>
           <a:lnRef idx="2">
@@ -24552,13 +28488,17 @@
         </p:nvSpPr>
         <p:spPr>
           <a:xfrm>
-            <a:off x="5549921" y="2230075"/>
+            <a:off x="5509281" y="2097995"/>
             <a:ext cx="1308079" cy="369332"/>
           </a:xfrm>
           <a:prstGeom prst="rect">
             <a:avLst/>
           </a:prstGeom>
-          <a:noFill/>
+          <a:solidFill>
+            <a:schemeClr val="bg2">
+              <a:lumMod val="90000"/>
+            </a:schemeClr>
+          </a:solidFill>
         </p:spPr>
         <p:txBody>
           <a:bodyPr wrap="square" rtlCol="0">
@@ -24670,7 +28610,7 @@
         </p:nvSpPr>
         <p:spPr>
           <a:xfrm>
-            <a:off x="1828800" y="2945899"/>
+            <a:off x="1828800" y="2732539"/>
             <a:ext cx="942975" cy="509828"/>
           </a:xfrm>
           <a:prstGeom prst="rect">
@@ -24717,7 +28657,7 @@
         </p:nvSpPr>
         <p:spPr>
           <a:xfrm>
-            <a:off x="1906495" y="3012574"/>
+            <a:off x="1906495" y="2799214"/>
             <a:ext cx="780170" cy="369332"/>
           </a:xfrm>
           <a:prstGeom prst="rect">
@@ -24759,7 +28699,11 @@
           <a:prstGeom prst="rect">
             <a:avLst/>
           </a:prstGeom>
-          <a:noFill/>
+          <a:solidFill>
+            <a:schemeClr val="bg2">
+              <a:lumMod val="90000"/>
+            </a:schemeClr>
+          </a:solidFill>
         </p:spPr>
         <p:style>
           <a:lnRef idx="2">
@@ -24809,7 +28753,11 @@
           <a:prstGeom prst="rect">
             <a:avLst/>
           </a:prstGeom>
-          <a:noFill/>
+          <a:solidFill>
+            <a:schemeClr val="bg2">
+              <a:lumMod val="90000"/>
+            </a:schemeClr>
+          </a:solidFill>
         </p:spPr>
         <p:txBody>
           <a:bodyPr wrap="square" rtlCol="0">
@@ -24838,7 +28786,7 @@
         </p:nvSpPr>
         <p:spPr>
           <a:xfrm>
-            <a:off x="3086100" y="2952750"/>
+            <a:off x="3086100" y="2739390"/>
             <a:ext cx="1433158" cy="509828"/>
           </a:xfrm>
           <a:prstGeom prst="rect">
@@ -24885,7 +28833,7 @@
         </p:nvSpPr>
         <p:spPr>
           <a:xfrm>
-            <a:off x="3190575" y="3003049"/>
+            <a:off x="3190575" y="2789689"/>
             <a:ext cx="1295700" cy="369332"/>
           </a:xfrm>
           <a:prstGeom prst="rect">
@@ -24921,7 +28869,7 @@
         </p:nvSpPr>
         <p:spPr>
           <a:xfrm>
-            <a:off x="1473280" y="3692781"/>
+            <a:off x="1473280" y="3479421"/>
             <a:ext cx="3321759" cy="1180082"/>
           </a:xfrm>
           <a:prstGeom prst="rect">
@@ -24968,7 +28916,7 @@
         </p:nvSpPr>
         <p:spPr>
           <a:xfrm>
-            <a:off x="1510935" y="3826127"/>
+            <a:off x="1510935" y="3612767"/>
             <a:ext cx="3284104" cy="369332"/>
           </a:xfrm>
           <a:prstGeom prst="rect">
@@ -25003,7 +28951,7 @@
         </p:nvSpPr>
         <p:spPr>
           <a:xfrm>
-            <a:off x="7413231" y="3647741"/>
+            <a:off x="7413231" y="3515661"/>
             <a:ext cx="890365" cy="426482"/>
           </a:xfrm>
           <a:prstGeom prst="rect">
@@ -25050,7 +28998,7 @@
         </p:nvSpPr>
         <p:spPr>
           <a:xfrm>
-            <a:off x="7516248" y="3682150"/>
+            <a:off x="7516248" y="3550070"/>
             <a:ext cx="656779" cy="369332"/>
           </a:xfrm>
           <a:prstGeom prst="rect">
@@ -25085,7 +29033,7 @@
         </p:nvSpPr>
         <p:spPr>
           <a:xfrm>
-            <a:off x="8998921" y="3647741"/>
+            <a:off x="8998921" y="3515661"/>
             <a:ext cx="1041197" cy="438150"/>
           </a:xfrm>
           <a:prstGeom prst="rect">
@@ -25132,7 +29080,7 @@
         </p:nvSpPr>
         <p:spPr>
           <a:xfrm>
-            <a:off x="9053290" y="3695366"/>
+            <a:off x="9053290" y="3563286"/>
             <a:ext cx="986828" cy="369332"/>
           </a:xfrm>
           <a:prstGeom prst="rect">
@@ -25168,7 +29116,7 @@
         </p:nvSpPr>
         <p:spPr>
           <a:xfrm>
-            <a:off x="7912227" y="4281188"/>
+            <a:off x="7912227" y="4220228"/>
             <a:ext cx="1278930" cy="510658"/>
           </a:xfrm>
           <a:prstGeom prst="rect">
@@ -25215,7 +29163,7 @@
         </p:nvSpPr>
         <p:spPr>
           <a:xfrm>
-            <a:off x="7969957" y="4345243"/>
+            <a:off x="7969957" y="4284283"/>
             <a:ext cx="1233992" cy="369332"/>
           </a:xfrm>
           <a:prstGeom prst="rect">
@@ -25250,7 +29198,7 @@
         </p:nvSpPr>
         <p:spPr>
           <a:xfrm>
-            <a:off x="3433985" y="4281188"/>
+            <a:off x="3433985" y="4067828"/>
             <a:ext cx="1278930" cy="510658"/>
           </a:xfrm>
           <a:prstGeom prst="rect">
@@ -25297,7 +29245,7 @@
         </p:nvSpPr>
         <p:spPr>
           <a:xfrm>
-            <a:off x="3462114" y="4345243"/>
+            <a:off x="3462114" y="4131883"/>
             <a:ext cx="1113446" cy="369332"/>
           </a:xfrm>
           <a:prstGeom prst="rect">
@@ -25333,13 +29281,17 @@
         </p:nvSpPr>
         <p:spPr>
           <a:xfrm>
-            <a:off x="5419210" y="5026317"/>
+            <a:off x="5419210" y="4894237"/>
             <a:ext cx="1829822" cy="510658"/>
           </a:xfrm>
           <a:prstGeom prst="rect">
             <a:avLst/>
           </a:prstGeom>
-          <a:noFill/>
+          <a:solidFill>
+            <a:schemeClr val="bg2">
+              <a:lumMod val="90000"/>
+            </a:schemeClr>
+          </a:solidFill>
         </p:spPr>
         <p:style>
           <a:lnRef idx="2">
@@ -25380,7 +29332,7 @@
         </p:nvSpPr>
         <p:spPr>
           <a:xfrm>
-            <a:off x="7308023" y="5602910"/>
+            <a:off x="7440103" y="5602910"/>
             <a:ext cx="1883134" cy="510658"/>
           </a:xfrm>
           <a:prstGeom prst="rect">
@@ -25427,7 +29379,7 @@
         </p:nvSpPr>
         <p:spPr>
           <a:xfrm>
-            <a:off x="3433985" y="5600730"/>
+            <a:off x="3566065" y="5600730"/>
             <a:ext cx="2058621" cy="510658"/>
           </a:xfrm>
           <a:prstGeom prst="rect">
@@ -25568,13 +29520,17 @@
         </p:nvSpPr>
         <p:spPr>
           <a:xfrm>
-            <a:off x="5503996" y="5096980"/>
+            <a:off x="5503996" y="4964900"/>
             <a:ext cx="1699169" cy="369332"/>
           </a:xfrm>
           <a:prstGeom prst="rect">
             <a:avLst/>
           </a:prstGeom>
-          <a:noFill/>
+          <a:solidFill>
+            <a:schemeClr val="bg2">
+              <a:lumMod val="90000"/>
+            </a:schemeClr>
+          </a:solidFill>
         </p:spPr>
         <p:txBody>
           <a:bodyPr wrap="square" rtlCol="0">
@@ -25675,7 +29631,7 @@
         </p:nvSpPr>
         <p:spPr>
           <a:xfrm>
-            <a:off x="3521728" y="5671393"/>
+            <a:off x="3653808" y="5671393"/>
             <a:ext cx="1883133" cy="369332"/>
           </a:xfrm>
           <a:prstGeom prst="rect">
@@ -25794,7 +29750,7 @@
         </p:nvSpPr>
         <p:spPr>
           <a:xfrm>
-            <a:off x="7379143" y="5671393"/>
+            <a:off x="7511223" y="5671393"/>
             <a:ext cx="1753277" cy="369332"/>
           </a:xfrm>
           <a:prstGeom prst="rect">
@@ -25812,6 +29768,408 @@
               <a:rPr lang="en-US" dirty="0"/>
               <a:t>block disk driver </a:t>
             </a:r>
+          </a:p>
+        </p:txBody>
+      </p:sp>
+      <p:sp>
+        <p:nvSpPr>
+          <p:cNvPr id="42" name="Frame 41">
+            <a:extLst>
+              <a:ext uri="{FF2B5EF4-FFF2-40B4-BE49-F238E27FC236}">
+                <a16:creationId xmlns:a16="http://schemas.microsoft.com/office/drawing/2014/main" id="{ADC8364F-A459-973C-EE43-500B87F8B83F}"/>
+              </a:ext>
+            </a:extLst>
+          </p:cNvPr>
+          <p:cNvSpPr/>
+          <p:nvPr/>
+        </p:nvSpPr>
+        <p:spPr>
+          <a:xfrm>
+            <a:off x="7249032" y="2529958"/>
+            <a:ext cx="3053208" cy="1581605"/>
+          </a:xfrm>
+          <a:prstGeom prst="frame">
+            <a:avLst>
+              <a:gd name="adj1" fmla="val 1580"/>
+            </a:avLst>
+          </a:prstGeom>
+        </p:spPr>
+        <p:style>
+          <a:lnRef idx="2">
+            <a:schemeClr val="accent1">
+              <a:shade val="15000"/>
+            </a:schemeClr>
+          </a:lnRef>
+          <a:fillRef idx="1">
+            <a:schemeClr val="accent1"/>
+          </a:fillRef>
+          <a:effectRef idx="0">
+            <a:schemeClr val="accent1"/>
+          </a:effectRef>
+          <a:fontRef idx="minor">
+            <a:schemeClr val="lt1"/>
+          </a:fontRef>
+        </p:style>
+        <p:txBody>
+          <a:bodyPr rtlCol="0" anchor="ctr"/>
+          <a:lstStyle/>
+          <a:p>
+            <a:pPr algn="ctr"/>
+            <a:endParaRPr lang="en-US">
+              <a:solidFill>
+                <a:schemeClr val="tx1"/>
+              </a:solidFill>
+            </a:endParaRPr>
+          </a:p>
+        </p:txBody>
+      </p:sp>
+      <p:cxnSp>
+        <p:nvCxnSpPr>
+          <p:cNvPr id="44" name="Straight Connector 43">
+            <a:extLst>
+              <a:ext uri="{FF2B5EF4-FFF2-40B4-BE49-F238E27FC236}">
+                <a16:creationId xmlns:a16="http://schemas.microsoft.com/office/drawing/2014/main" id="{2FB9AC9C-E674-9572-37F1-7528575AE349}"/>
+              </a:ext>
+            </a:extLst>
+          </p:cNvPr>
+          <p:cNvCxnSpPr>
+            <a:cxnSpLocks/>
+          </p:cNvCxnSpPr>
+          <p:nvPr/>
+        </p:nvCxnSpPr>
+        <p:spPr>
+          <a:xfrm>
+            <a:off x="1016000" y="1910080"/>
+            <a:ext cx="10337800" cy="0"/>
+          </a:xfrm>
+          <a:prstGeom prst="line">
+            <a:avLst/>
+          </a:prstGeom>
+          <a:ln w="60325">
+            <a:gradFill>
+              <a:gsLst>
+                <a:gs pos="0">
+                  <a:schemeClr val="accent1">
+                    <a:lumMod val="5000"/>
+                    <a:lumOff val="95000"/>
+                  </a:schemeClr>
+                </a:gs>
+                <a:gs pos="74000">
+                  <a:schemeClr val="accent1">
+                    <a:lumMod val="45000"/>
+                    <a:lumOff val="55000"/>
+                  </a:schemeClr>
+                </a:gs>
+                <a:gs pos="83000">
+                  <a:schemeClr val="accent1">
+                    <a:lumMod val="45000"/>
+                    <a:lumOff val="55000"/>
+                  </a:schemeClr>
+                </a:gs>
+                <a:gs pos="100000">
+                  <a:schemeClr val="accent1">
+                    <a:lumMod val="30000"/>
+                    <a:lumOff val="70000"/>
+                  </a:schemeClr>
+                </a:gs>
+              </a:gsLst>
+              <a:lin ang="5400000" scaled="1"/>
+            </a:gradFill>
+            <a:prstDash val="lgDash"/>
+          </a:ln>
+        </p:spPr>
+        <p:style>
+          <a:lnRef idx="1">
+            <a:schemeClr val="accent1"/>
+          </a:lnRef>
+          <a:fillRef idx="0">
+            <a:schemeClr val="accent1"/>
+          </a:fillRef>
+          <a:effectRef idx="0">
+            <a:schemeClr val="accent1"/>
+          </a:effectRef>
+          <a:fontRef idx="minor">
+            <a:schemeClr val="tx1"/>
+          </a:fontRef>
+        </p:style>
+      </p:cxnSp>
+      <p:sp>
+        <p:nvSpPr>
+          <p:cNvPr id="46" name="TextBox 45">
+            <a:extLst>
+              <a:ext uri="{FF2B5EF4-FFF2-40B4-BE49-F238E27FC236}">
+                <a16:creationId xmlns:a16="http://schemas.microsoft.com/office/drawing/2014/main" id="{AB77974A-6185-6AFA-D2EC-4D962263EDD0}"/>
+              </a:ext>
+            </a:extLst>
+          </p:cNvPr>
+          <p:cNvSpPr txBox="1"/>
+          <p:nvPr/>
+        </p:nvSpPr>
+        <p:spPr>
+          <a:xfrm>
+            <a:off x="4641550" y="2815878"/>
+            <a:ext cx="635018" cy="369332"/>
+          </a:xfrm>
+          <a:prstGeom prst="rect">
+            <a:avLst/>
+          </a:prstGeom>
+          <a:noFill/>
+        </p:spPr>
+        <p:txBody>
+          <a:bodyPr wrap="square" rtlCol="0">
+            <a:spAutoFit/>
+          </a:bodyPr>
+          <a:lstStyle/>
+          <a:p>
+            <a:r>
+              <a:rPr lang="en-US" dirty="0"/>
+              <a:t>……..</a:t>
+            </a:r>
+          </a:p>
+        </p:txBody>
+      </p:sp>
+      <p:cxnSp>
+        <p:nvCxnSpPr>
+          <p:cNvPr id="48" name="Straight Connector 47">
+            <a:extLst>
+              <a:ext uri="{FF2B5EF4-FFF2-40B4-BE49-F238E27FC236}">
+                <a16:creationId xmlns:a16="http://schemas.microsoft.com/office/drawing/2014/main" id="{3F967932-8ADE-DBB4-1DE9-21F8B51D4D45}"/>
+              </a:ext>
+            </a:extLst>
+          </p:cNvPr>
+          <p:cNvCxnSpPr/>
+          <p:nvPr/>
+        </p:nvCxnSpPr>
+        <p:spPr>
+          <a:xfrm flipH="1">
+            <a:off x="1510935" y="2005128"/>
+            <a:ext cx="3201980" cy="669424"/>
+          </a:xfrm>
+          <a:prstGeom prst="line">
+            <a:avLst/>
+          </a:prstGeom>
+          <a:ln w="38100"/>
+        </p:spPr>
+        <p:style>
+          <a:lnRef idx="1">
+            <a:schemeClr val="accent1"/>
+          </a:lnRef>
+          <a:fillRef idx="0">
+            <a:schemeClr val="accent1"/>
+          </a:fillRef>
+          <a:effectRef idx="0">
+            <a:schemeClr val="accent1"/>
+          </a:effectRef>
+          <a:fontRef idx="minor">
+            <a:schemeClr val="tx1"/>
+          </a:fontRef>
+        </p:style>
+      </p:cxnSp>
+      <p:cxnSp>
+        <p:nvCxnSpPr>
+          <p:cNvPr id="49" name="Straight Connector 48">
+            <a:extLst>
+              <a:ext uri="{FF2B5EF4-FFF2-40B4-BE49-F238E27FC236}">
+                <a16:creationId xmlns:a16="http://schemas.microsoft.com/office/drawing/2014/main" id="{482CF13A-3B07-0182-4AE2-CEF2A18AD6E1}"/>
+              </a:ext>
+            </a:extLst>
+          </p:cNvPr>
+          <p:cNvCxnSpPr>
+            <a:cxnSpLocks/>
+          </p:cNvCxnSpPr>
+          <p:nvPr/>
+        </p:nvCxnSpPr>
+        <p:spPr>
+          <a:xfrm>
+            <a:off x="1523236" y="2674552"/>
+            <a:ext cx="0" cy="708012"/>
+          </a:xfrm>
+          <a:prstGeom prst="line">
+            <a:avLst/>
+          </a:prstGeom>
+          <a:ln w="38100"/>
+        </p:spPr>
+        <p:style>
+          <a:lnRef idx="1">
+            <a:schemeClr val="accent1"/>
+          </a:lnRef>
+          <a:fillRef idx="0">
+            <a:schemeClr val="accent1"/>
+          </a:fillRef>
+          <a:effectRef idx="0">
+            <a:schemeClr val="accent1"/>
+          </a:effectRef>
+          <a:fontRef idx="minor">
+            <a:schemeClr val="tx1"/>
+          </a:fontRef>
+        </p:style>
+      </p:cxnSp>
+      <p:cxnSp>
+        <p:nvCxnSpPr>
+          <p:cNvPr id="52" name="Straight Connector 51">
+            <a:extLst>
+              <a:ext uri="{FF2B5EF4-FFF2-40B4-BE49-F238E27FC236}">
+                <a16:creationId xmlns:a16="http://schemas.microsoft.com/office/drawing/2014/main" id="{E32BFD86-8FE0-7EA0-3EFD-6A0612F4CC1C}"/>
+              </a:ext>
+            </a:extLst>
+          </p:cNvPr>
+          <p:cNvCxnSpPr>
+            <a:cxnSpLocks/>
+          </p:cNvCxnSpPr>
+          <p:nvPr/>
+        </p:nvCxnSpPr>
+        <p:spPr>
+          <a:xfrm flipH="1">
+            <a:off x="4679302" y="1989440"/>
+            <a:ext cx="2461097" cy="13706"/>
+          </a:xfrm>
+          <a:prstGeom prst="line">
+            <a:avLst/>
+          </a:prstGeom>
+          <a:ln w="38100"/>
+        </p:spPr>
+        <p:style>
+          <a:lnRef idx="1">
+            <a:schemeClr val="accent1"/>
+          </a:lnRef>
+          <a:fillRef idx="0">
+            <a:schemeClr val="accent1"/>
+          </a:fillRef>
+          <a:effectRef idx="0">
+            <a:schemeClr val="accent1"/>
+          </a:effectRef>
+          <a:fontRef idx="minor">
+            <a:schemeClr val="tx1"/>
+          </a:fontRef>
+        </p:style>
+      </p:cxnSp>
+      <p:cxnSp>
+        <p:nvCxnSpPr>
+          <p:cNvPr id="54" name="Straight Connector 53">
+            <a:extLst>
+              <a:ext uri="{FF2B5EF4-FFF2-40B4-BE49-F238E27FC236}">
+                <a16:creationId xmlns:a16="http://schemas.microsoft.com/office/drawing/2014/main" id="{56C3EEFB-8784-0E1D-932D-CBC63BC8308E}"/>
+              </a:ext>
+            </a:extLst>
+          </p:cNvPr>
+          <p:cNvCxnSpPr>
+            <a:cxnSpLocks/>
+          </p:cNvCxnSpPr>
+          <p:nvPr/>
+        </p:nvCxnSpPr>
+        <p:spPr>
+          <a:xfrm>
+            <a:off x="7136806" y="1984160"/>
+            <a:ext cx="30102" cy="1398404"/>
+          </a:xfrm>
+          <a:prstGeom prst="line">
+            <a:avLst/>
+          </a:prstGeom>
+          <a:ln w="38100"/>
+        </p:spPr>
+        <p:style>
+          <a:lnRef idx="1">
+            <a:schemeClr val="accent1"/>
+          </a:lnRef>
+          <a:fillRef idx="0">
+            <a:schemeClr val="accent1"/>
+          </a:fillRef>
+          <a:effectRef idx="0">
+            <a:schemeClr val="accent1"/>
+          </a:effectRef>
+          <a:fontRef idx="minor">
+            <a:schemeClr val="tx1"/>
+          </a:fontRef>
+        </p:style>
+      </p:cxnSp>
+      <p:cxnSp>
+        <p:nvCxnSpPr>
+          <p:cNvPr id="57" name="Straight Connector 56">
+            <a:extLst>
+              <a:ext uri="{FF2B5EF4-FFF2-40B4-BE49-F238E27FC236}">
+                <a16:creationId xmlns:a16="http://schemas.microsoft.com/office/drawing/2014/main" id="{9D50AD91-751C-6AD7-46E2-2DC515A9B9B9}"/>
+              </a:ext>
+            </a:extLst>
+          </p:cNvPr>
+          <p:cNvCxnSpPr>
+            <a:cxnSpLocks/>
+          </p:cNvCxnSpPr>
+          <p:nvPr/>
+        </p:nvCxnSpPr>
+        <p:spPr>
+          <a:xfrm flipH="1" flipV="1">
+            <a:off x="1523236" y="3382564"/>
+            <a:ext cx="5630469" cy="3086"/>
+          </a:xfrm>
+          <a:prstGeom prst="line">
+            <a:avLst/>
+          </a:prstGeom>
+          <a:ln w="38100"/>
+        </p:spPr>
+        <p:style>
+          <a:lnRef idx="1">
+            <a:schemeClr val="accent1"/>
+          </a:lnRef>
+          <a:fillRef idx="0">
+            <a:schemeClr val="accent1"/>
+          </a:fillRef>
+          <a:effectRef idx="0">
+            <a:schemeClr val="accent1"/>
+          </a:effectRef>
+          <a:fontRef idx="minor">
+            <a:schemeClr val="tx1"/>
+          </a:fontRef>
+        </p:style>
+      </p:cxnSp>
+      <p:sp>
+        <p:nvSpPr>
+          <p:cNvPr id="63" name="Frame 62">
+            <a:extLst>
+              <a:ext uri="{FF2B5EF4-FFF2-40B4-BE49-F238E27FC236}">
+                <a16:creationId xmlns:a16="http://schemas.microsoft.com/office/drawing/2014/main" id="{86A57947-338B-828E-D83D-8C724CCC568A}"/>
+              </a:ext>
+            </a:extLst>
+          </p:cNvPr>
+          <p:cNvSpPr/>
+          <p:nvPr/>
+        </p:nvSpPr>
+        <p:spPr>
+          <a:xfrm>
+            <a:off x="3512199" y="4783804"/>
+            <a:ext cx="5860990" cy="1403051"/>
+          </a:xfrm>
+          <a:prstGeom prst="frame">
+            <a:avLst>
+              <a:gd name="adj1" fmla="val 1580"/>
+            </a:avLst>
+          </a:prstGeom>
+        </p:spPr>
+        <p:style>
+          <a:lnRef idx="2">
+            <a:schemeClr val="accent1">
+              <a:shade val="15000"/>
+            </a:schemeClr>
+          </a:lnRef>
+          <a:fillRef idx="1">
+            <a:schemeClr val="accent1"/>
+          </a:fillRef>
+          <a:effectRef idx="0">
+            <a:schemeClr val="accent1"/>
+          </a:effectRef>
+          <a:fontRef idx="minor">
+            <a:schemeClr val="lt1"/>
+          </a:fontRef>
+        </p:style>
+        <p:txBody>
+          <a:bodyPr rtlCol="0" anchor="ctr"/>
+          <a:lstStyle/>
+          <a:p>
+            <a:pPr algn="ctr"/>
+            <a:endParaRPr lang="en-US">
+              <a:solidFill>
+                <a:schemeClr val="tx1"/>
+              </a:solidFill>
+            </a:endParaRPr>
           </a:p>
         </p:txBody>
       </p:sp>
@@ -25866,7 +30224,10 @@
           <a:bodyPr/>
           <a:lstStyle/>
           <a:p>
-            <a:endParaRPr lang="en-US" dirty="0"/>
+            <a:r>
+              <a:rPr lang="en-US" dirty="0"/>
+              <a:t>Protocols (STS)es for File Operations</a:t>
+            </a:r>
           </a:p>
         </p:txBody>
       </p:sp>
@@ -25909,12 +30270,24 @@
         </p:nvSpPr>
         <p:spPr>
           <a:xfrm>
-            <a:off x="2009775" y="2305050"/>
-            <a:ext cx="361950" cy="390525"/>
+            <a:off x="2009774" y="2305050"/>
+            <a:ext cx="550546" cy="549910"/>
           </a:xfrm>
           <a:prstGeom prst="ellipse">
             <a:avLst/>
           </a:prstGeom>
+          <a:solidFill>
+            <a:schemeClr val="accent1">
+              <a:alpha val="35818"/>
+            </a:schemeClr>
+          </a:solidFill>
+          <a:ln>
+            <a:solidFill>
+              <a:schemeClr val="tx1">
+                <a:alpha val="74087"/>
+              </a:schemeClr>
+            </a:solidFill>
+          </a:ln>
         </p:spPr>
         <p:style>
           <a:lnRef idx="2">
@@ -25937,16 +30310,36 @@
           <a:lstStyle/>
           <a:p>
             <a:pPr algn="ctr"/>
-            <a:endParaRPr lang="en-US"/>
-          </a:p>
-        </p:txBody>
-      </p:sp>
-      <p:sp>
-        <p:nvSpPr>
-          <p:cNvPr id="5" name="Oval 4">
-            <a:extLst>
-              <a:ext uri="{FF2B5EF4-FFF2-40B4-BE49-F238E27FC236}">
-                <a16:creationId xmlns:a16="http://schemas.microsoft.com/office/drawing/2014/main" id="{B296B064-DF16-1B37-7221-83021B9C69F6}"/>
+            <a:r>
+              <a:rPr lang="en-US" dirty="0" err="1">
+                <a:solidFill>
+                  <a:schemeClr val="tx1"/>
+                </a:solidFill>
+              </a:rPr>
+              <a:t>s</a:t>
+            </a:r>
+            <a:r>
+              <a:rPr lang="en-US" baseline="-25000" dirty="0" err="1">
+                <a:solidFill>
+                  <a:schemeClr val="tx1"/>
+                </a:solidFill>
+              </a:rPr>
+              <a:t>i</a:t>
+            </a:r>
+            <a:endParaRPr lang="en-US" baseline="-25000" dirty="0">
+              <a:solidFill>
+                <a:schemeClr val="tx1"/>
+              </a:solidFill>
+            </a:endParaRPr>
+          </a:p>
+        </p:txBody>
+      </p:sp>
+      <p:sp>
+        <p:nvSpPr>
+          <p:cNvPr id="18" name="Oval 17">
+            <a:extLst>
+              <a:ext uri="{FF2B5EF4-FFF2-40B4-BE49-F238E27FC236}">
+                <a16:creationId xmlns:a16="http://schemas.microsoft.com/office/drawing/2014/main" id="{3D379EF6-0682-80E6-A44E-630DAB5C5D4D}"/>
               </a:ext>
             </a:extLst>
           </p:cNvPr>
@@ -25955,12 +30348,24 @@
         </p:nvSpPr>
         <p:spPr>
           <a:xfrm>
-            <a:off x="2009775" y="3555999"/>
-            <a:ext cx="361950" cy="390525"/>
+            <a:off x="1979294" y="3393440"/>
+            <a:ext cx="550546" cy="549910"/>
           </a:xfrm>
           <a:prstGeom prst="ellipse">
             <a:avLst/>
           </a:prstGeom>
+          <a:solidFill>
+            <a:schemeClr val="accent1">
+              <a:alpha val="35818"/>
+            </a:schemeClr>
+          </a:solidFill>
+          <a:ln>
+            <a:solidFill>
+              <a:schemeClr val="tx1">
+                <a:alpha val="74087"/>
+              </a:schemeClr>
+            </a:solidFill>
+          </a:ln>
         </p:spPr>
         <p:style>
           <a:lnRef idx="2">
@@ -25983,16 +30388,31 @@
           <a:lstStyle/>
           <a:p>
             <a:pPr algn="ctr"/>
-            <a:endParaRPr lang="en-US"/>
-          </a:p>
-        </p:txBody>
-      </p:sp>
-      <p:sp>
-        <p:nvSpPr>
-          <p:cNvPr id="6" name="Oval 5">
-            <a:extLst>
-              <a:ext uri="{FF2B5EF4-FFF2-40B4-BE49-F238E27FC236}">
-                <a16:creationId xmlns:a16="http://schemas.microsoft.com/office/drawing/2014/main" id="{1E410281-34A4-EDFB-6C13-2279BCCF7354}"/>
+            <a:r>
+              <a:rPr lang="en-US" dirty="0">
+                <a:solidFill>
+                  <a:schemeClr val="tx1"/>
+                </a:solidFill>
+              </a:rPr>
+              <a:t>s</a:t>
+            </a:r>
+            <a:r>
+              <a:rPr lang="en-US" baseline="-25000" dirty="0">
+                <a:solidFill>
+                  <a:schemeClr val="tx1"/>
+                </a:solidFill>
+              </a:rPr>
+              <a:t>o</a:t>
+            </a:r>
+          </a:p>
+        </p:txBody>
+      </p:sp>
+      <p:sp>
+        <p:nvSpPr>
+          <p:cNvPr id="19" name="Oval 18">
+            <a:extLst>
+              <a:ext uri="{FF2B5EF4-FFF2-40B4-BE49-F238E27FC236}">
+                <a16:creationId xmlns:a16="http://schemas.microsoft.com/office/drawing/2014/main" id="{EC7EC0D5-1E2A-E2AE-31B4-BE6AC64AAB01}"/>
               </a:ext>
             </a:extLst>
           </p:cNvPr>
@@ -26001,12 +30421,24 @@
         </p:nvSpPr>
         <p:spPr>
           <a:xfrm>
-            <a:off x="2000250" y="4895855"/>
-            <a:ext cx="361950" cy="390525"/>
+            <a:off x="1989454" y="4528026"/>
+            <a:ext cx="550546" cy="549910"/>
           </a:xfrm>
           <a:prstGeom prst="ellipse">
             <a:avLst/>
           </a:prstGeom>
+          <a:solidFill>
+            <a:schemeClr val="accent1">
+              <a:alpha val="35818"/>
+            </a:schemeClr>
+          </a:solidFill>
+          <a:ln>
+            <a:solidFill>
+              <a:schemeClr val="tx1">
+                <a:alpha val="74087"/>
+              </a:schemeClr>
+            </a:solidFill>
+          </a:ln>
         </p:spPr>
         <p:style>
           <a:lnRef idx="2">
@@ -26029,16 +30461,36 @@
           <a:lstStyle/>
           <a:p>
             <a:pPr algn="ctr"/>
-            <a:endParaRPr lang="en-US"/>
-          </a:p>
-        </p:txBody>
-      </p:sp>
-      <p:sp>
-        <p:nvSpPr>
-          <p:cNvPr id="7" name="Oval 6">
-            <a:extLst>
-              <a:ext uri="{FF2B5EF4-FFF2-40B4-BE49-F238E27FC236}">
-                <a16:creationId xmlns:a16="http://schemas.microsoft.com/office/drawing/2014/main" id="{15F28363-A2B6-E416-FDC3-16F97656FF42}"/>
+            <a:r>
+              <a:rPr lang="en-US" dirty="0" err="1">
+                <a:solidFill>
+                  <a:schemeClr val="tx1"/>
+                </a:solidFill>
+              </a:rPr>
+              <a:t>s</a:t>
+            </a:r>
+            <a:r>
+              <a:rPr lang="en-US" baseline="-25000" dirty="0" err="1">
+                <a:solidFill>
+                  <a:schemeClr val="tx1"/>
+                </a:solidFill>
+              </a:rPr>
+              <a:t>c</a:t>
+            </a:r>
+            <a:endParaRPr lang="en-US" baseline="-25000" dirty="0">
+              <a:solidFill>
+                <a:schemeClr val="tx1"/>
+              </a:solidFill>
+            </a:endParaRPr>
+          </a:p>
+        </p:txBody>
+      </p:sp>
+      <p:sp>
+        <p:nvSpPr>
+          <p:cNvPr id="20" name="Oval 19">
+            <a:extLst>
+              <a:ext uri="{FF2B5EF4-FFF2-40B4-BE49-F238E27FC236}">
+                <a16:creationId xmlns:a16="http://schemas.microsoft.com/office/drawing/2014/main" id="{A94B3D34-7477-EED9-E5BE-C65CF84BE65A}"/>
               </a:ext>
             </a:extLst>
           </p:cNvPr>
@@ -26047,12 +30499,24 @@
         </p:nvSpPr>
         <p:spPr>
           <a:xfrm>
-            <a:off x="7324725" y="3555998"/>
-            <a:ext cx="361950" cy="390525"/>
+            <a:off x="9937433" y="2305050"/>
+            <a:ext cx="550546" cy="549910"/>
           </a:xfrm>
           <a:prstGeom prst="ellipse">
             <a:avLst/>
           </a:prstGeom>
+          <a:solidFill>
+            <a:schemeClr val="accent1">
+              <a:alpha val="35818"/>
+            </a:schemeClr>
+          </a:solidFill>
+          <a:ln>
+            <a:solidFill>
+              <a:schemeClr val="tx1">
+                <a:alpha val="74087"/>
+              </a:schemeClr>
+            </a:solidFill>
+          </a:ln>
         </p:spPr>
         <p:style>
           <a:lnRef idx="2">
@@ -26075,16 +30539,36 @@
           <a:lstStyle/>
           <a:p>
             <a:pPr algn="ctr"/>
-            <a:endParaRPr lang="en-US"/>
-          </a:p>
-        </p:txBody>
-      </p:sp>
-      <p:sp>
-        <p:nvSpPr>
-          <p:cNvPr id="8" name="Oval 7">
-            <a:extLst>
-              <a:ext uri="{FF2B5EF4-FFF2-40B4-BE49-F238E27FC236}">
-                <a16:creationId xmlns:a16="http://schemas.microsoft.com/office/drawing/2014/main" id="{17F994BD-F77C-FE72-17C4-6C61B617ECA2}"/>
+            <a:r>
+              <a:rPr lang="en-US" dirty="0" err="1">
+                <a:solidFill>
+                  <a:schemeClr val="tx1"/>
+                </a:solidFill>
+              </a:rPr>
+              <a:t>s</a:t>
+            </a:r>
+            <a:r>
+              <a:rPr lang="en-US" baseline="-25000" dirty="0" err="1">
+                <a:solidFill>
+                  <a:schemeClr val="tx1"/>
+                </a:solidFill>
+              </a:rPr>
+              <a:t>i</a:t>
+            </a:r>
+            <a:endParaRPr lang="en-US" baseline="-25000" dirty="0">
+              <a:solidFill>
+                <a:schemeClr val="tx1"/>
+              </a:solidFill>
+            </a:endParaRPr>
+          </a:p>
+        </p:txBody>
+      </p:sp>
+      <p:sp>
+        <p:nvSpPr>
+          <p:cNvPr id="21" name="Oval 20">
+            <a:extLst>
+              <a:ext uri="{FF2B5EF4-FFF2-40B4-BE49-F238E27FC236}">
+                <a16:creationId xmlns:a16="http://schemas.microsoft.com/office/drawing/2014/main" id="{7C714E2F-A63B-635A-94F7-461CF659C5F2}"/>
               </a:ext>
             </a:extLst>
           </p:cNvPr>
@@ -26093,12 +30577,24 @@
         </p:nvSpPr>
         <p:spPr>
           <a:xfrm>
-            <a:off x="9067800" y="2305049"/>
-            <a:ext cx="361950" cy="390525"/>
+            <a:off x="9906953" y="3393440"/>
+            <a:ext cx="550546" cy="549910"/>
           </a:xfrm>
           <a:prstGeom prst="ellipse">
             <a:avLst/>
           </a:prstGeom>
+          <a:solidFill>
+            <a:schemeClr val="accent1">
+              <a:alpha val="35818"/>
+            </a:schemeClr>
+          </a:solidFill>
+          <a:ln>
+            <a:solidFill>
+              <a:schemeClr val="tx1">
+                <a:alpha val="74087"/>
+              </a:schemeClr>
+            </a:solidFill>
+          </a:ln>
         </p:spPr>
         <p:style>
           <a:lnRef idx="2">
@@ -26121,16 +30617,31 @@
           <a:lstStyle/>
           <a:p>
             <a:pPr algn="ctr"/>
-            <a:endParaRPr lang="en-US"/>
-          </a:p>
-        </p:txBody>
-      </p:sp>
-      <p:sp>
-        <p:nvSpPr>
-          <p:cNvPr id="9" name="Oval 8">
-            <a:extLst>
-              <a:ext uri="{FF2B5EF4-FFF2-40B4-BE49-F238E27FC236}">
-                <a16:creationId xmlns:a16="http://schemas.microsoft.com/office/drawing/2014/main" id="{A97C5065-5C26-2600-4EBB-4461425DF9FF}"/>
+            <a:r>
+              <a:rPr lang="en-US" dirty="0">
+                <a:solidFill>
+                  <a:schemeClr val="tx1"/>
+                </a:solidFill>
+              </a:rPr>
+              <a:t>s</a:t>
+            </a:r>
+            <a:r>
+              <a:rPr lang="en-US" baseline="-25000" dirty="0">
+                <a:solidFill>
+                  <a:schemeClr val="tx1"/>
+                </a:solidFill>
+              </a:rPr>
+              <a:t>o</a:t>
+            </a:r>
+          </a:p>
+        </p:txBody>
+      </p:sp>
+      <p:sp>
+        <p:nvSpPr>
+          <p:cNvPr id="22" name="Oval 21">
+            <a:extLst>
+              <a:ext uri="{FF2B5EF4-FFF2-40B4-BE49-F238E27FC236}">
+                <a16:creationId xmlns:a16="http://schemas.microsoft.com/office/drawing/2014/main" id="{8518DDBE-BE53-D61A-1AE5-BCEB7EB8380A}"/>
               </a:ext>
             </a:extLst>
           </p:cNvPr>
@@ -26139,12 +30650,24 @@
         </p:nvSpPr>
         <p:spPr>
           <a:xfrm>
-            <a:off x="9067800" y="3555999"/>
-            <a:ext cx="361950" cy="390525"/>
+            <a:off x="9917113" y="4528026"/>
+            <a:ext cx="550546" cy="549910"/>
           </a:xfrm>
           <a:prstGeom prst="ellipse">
             <a:avLst/>
           </a:prstGeom>
+          <a:solidFill>
+            <a:schemeClr val="accent1">
+              <a:alpha val="35818"/>
+            </a:schemeClr>
+          </a:solidFill>
+          <a:ln>
+            <a:solidFill>
+              <a:schemeClr val="tx1">
+                <a:alpha val="74087"/>
+              </a:schemeClr>
+            </a:solidFill>
+          </a:ln>
         </p:spPr>
         <p:style>
           <a:lnRef idx="2">
@@ -26167,16 +30690,36 @@
           <a:lstStyle/>
           <a:p>
             <a:pPr algn="ctr"/>
-            <a:endParaRPr lang="en-US"/>
-          </a:p>
-        </p:txBody>
-      </p:sp>
-      <p:sp>
-        <p:nvSpPr>
-          <p:cNvPr id="10" name="Oval 9">
-            <a:extLst>
-              <a:ext uri="{FF2B5EF4-FFF2-40B4-BE49-F238E27FC236}">
-                <a16:creationId xmlns:a16="http://schemas.microsoft.com/office/drawing/2014/main" id="{155F3550-A1F4-CDD8-4C53-6D96D6A3EB87}"/>
+            <a:r>
+              <a:rPr lang="en-US" dirty="0" err="1">
+                <a:solidFill>
+                  <a:schemeClr val="tx1"/>
+                </a:solidFill>
+              </a:rPr>
+              <a:t>s</a:t>
+            </a:r>
+            <a:r>
+              <a:rPr lang="en-US" baseline="-25000" dirty="0" err="1">
+                <a:solidFill>
+                  <a:schemeClr val="tx1"/>
+                </a:solidFill>
+              </a:rPr>
+              <a:t>c</a:t>
+            </a:r>
+            <a:endParaRPr lang="en-US" baseline="-25000" dirty="0">
+              <a:solidFill>
+                <a:schemeClr val="tx1"/>
+              </a:solidFill>
+            </a:endParaRPr>
+          </a:p>
+        </p:txBody>
+      </p:sp>
+      <p:sp>
+        <p:nvSpPr>
+          <p:cNvPr id="23" name="Oval 22">
+            <a:extLst>
+              <a:ext uri="{FF2B5EF4-FFF2-40B4-BE49-F238E27FC236}">
+                <a16:creationId xmlns:a16="http://schemas.microsoft.com/office/drawing/2014/main" id="{ED166AF5-951D-B9FF-8C2B-5D9DE6D9DE22}"/>
               </a:ext>
             </a:extLst>
           </p:cNvPr>
@@ -26185,12 +30728,24 @@
         </p:nvSpPr>
         <p:spPr>
           <a:xfrm>
-            <a:off x="9067800" y="4895855"/>
-            <a:ext cx="361950" cy="390525"/>
+            <a:off x="8108633" y="3393440"/>
+            <a:ext cx="550546" cy="549910"/>
           </a:xfrm>
           <a:prstGeom prst="ellipse">
             <a:avLst/>
           </a:prstGeom>
+          <a:solidFill>
+            <a:schemeClr val="accent1">
+              <a:alpha val="35818"/>
+            </a:schemeClr>
+          </a:solidFill>
+          <a:ln>
+            <a:solidFill>
+              <a:schemeClr val="tx1">
+                <a:alpha val="74087"/>
+              </a:schemeClr>
+            </a:solidFill>
+          </a:ln>
         </p:spPr>
         <p:style>
           <a:lnRef idx="2">
@@ -26213,7 +30768,22 @@
           <a:lstStyle/>
           <a:p>
             <a:pPr algn="ctr"/>
-            <a:endParaRPr lang="en-US"/>
+            <a:r>
+              <a:rPr lang="en-US" dirty="0">
+                <a:solidFill>
+                  <a:schemeClr val="tx1"/>
+                </a:solidFill>
+              </a:rPr>
+              <a:t>s</a:t>
+            </a:r>
+            <a:r>
+              <a:rPr lang="en-US" baseline="-25000" dirty="0">
+                <a:solidFill>
+                  <a:schemeClr val="tx1"/>
+                </a:solidFill>
+              </a:rPr>
+              <a:t>f</a:t>
+            </a:r>
           </a:p>
         </p:txBody>
       </p:sp>
@@ -31839,7 +36409,7 @@
         </p:blipFill>
         <p:spPr>
           <a:xfrm>
-            <a:off x="6560238" y="676652"/>
+            <a:off x="3024558" y="2559540"/>
             <a:ext cx="5938895" cy="2041495"/>
           </a:xfrm>
           <a:prstGeom prst="rect">
@@ -32277,6 +36847,563 @@
   <p:clrMapOvr>
     <a:masterClrMapping/>
   </p:clrMapOvr>
+  <p:timing>
+    <p:tnLst>
+      <p:par>
+        <p:cTn id="1" dur="indefinite" restart="never" nodeType="tmRoot">
+          <p:childTnLst>
+            <p:seq concurrent="1" nextAc="seek">
+              <p:cTn id="2" dur="indefinite" nodeType="mainSeq">
+                <p:childTnLst>
+                  <p:par>
+                    <p:cTn id="3" fill="hold">
+                      <p:stCondLst>
+                        <p:cond delay="indefinite"/>
+                      </p:stCondLst>
+                      <p:childTnLst>
+                        <p:par>
+                          <p:cTn id="4" fill="hold">
+                            <p:stCondLst>
+                              <p:cond delay="0"/>
+                            </p:stCondLst>
+                            <p:childTnLst>
+                              <p:par>
+                                <p:cTn id="5" presetID="1" presetClass="entr" presetSubtype="0" fill="hold" nodeType="clickEffect">
+                                  <p:stCondLst>
+                                    <p:cond delay="0"/>
+                                  </p:stCondLst>
+                                  <p:childTnLst>
+                                    <p:set>
+                                      <p:cBhvr>
+                                        <p:cTn id="6" dur="1" fill="hold">
+                                          <p:stCondLst>
+                                            <p:cond delay="0"/>
+                                          </p:stCondLst>
+                                        </p:cTn>
+                                        <p:tgtEl>
+                                          <p:spTgt spid="9"/>
+                                        </p:tgtEl>
+                                        <p:attrNameLst>
+                                          <p:attrName>style.visibility</p:attrName>
+                                        </p:attrNameLst>
+                                      </p:cBhvr>
+                                      <p:to>
+                                        <p:strVal val="visible"/>
+                                      </p:to>
+                                    </p:set>
+                                  </p:childTnLst>
+                                </p:cTn>
+                              </p:par>
+                            </p:childTnLst>
+                          </p:cTn>
+                        </p:par>
+                      </p:childTnLst>
+                    </p:cTn>
+                  </p:par>
+                  <p:par>
+                    <p:cTn id="7" fill="hold">
+                      <p:stCondLst>
+                        <p:cond delay="indefinite"/>
+                      </p:stCondLst>
+                      <p:childTnLst>
+                        <p:par>
+                          <p:cTn id="8" fill="hold">
+                            <p:stCondLst>
+                              <p:cond delay="0"/>
+                            </p:stCondLst>
+                            <p:childTnLst>
+                              <p:par>
+                                <p:cTn id="9" presetID="1" presetClass="entr" presetSubtype="0" fill="hold" grpId="0" nodeType="clickEffect">
+                                  <p:stCondLst>
+                                    <p:cond delay="0"/>
+                                  </p:stCondLst>
+                                  <p:childTnLst>
+                                    <p:set>
+                                      <p:cBhvr>
+                                        <p:cTn id="10" dur="1" fill="hold">
+                                          <p:stCondLst>
+                                            <p:cond delay="0"/>
+                                          </p:stCondLst>
+                                        </p:cTn>
+                                        <p:tgtEl>
+                                          <p:spTgt spid="13"/>
+                                        </p:tgtEl>
+                                        <p:attrNameLst>
+                                          <p:attrName>style.visibility</p:attrName>
+                                        </p:attrNameLst>
+                                      </p:cBhvr>
+                                      <p:to>
+                                        <p:strVal val="visible"/>
+                                      </p:to>
+                                    </p:set>
+                                  </p:childTnLst>
+                                </p:cTn>
+                              </p:par>
+                              <p:par>
+                                <p:cTn id="11" presetID="1" presetClass="entr" presetSubtype="0" fill="hold" grpId="0" nodeType="withEffect">
+                                  <p:stCondLst>
+                                    <p:cond delay="0"/>
+                                  </p:stCondLst>
+                                  <p:childTnLst>
+                                    <p:set>
+                                      <p:cBhvr>
+                                        <p:cTn id="12" dur="1" fill="hold">
+                                          <p:stCondLst>
+                                            <p:cond delay="0"/>
+                                          </p:stCondLst>
+                                        </p:cTn>
+                                        <p:tgtEl>
+                                          <p:spTgt spid="15"/>
+                                        </p:tgtEl>
+                                        <p:attrNameLst>
+                                          <p:attrName>style.visibility</p:attrName>
+                                        </p:attrNameLst>
+                                      </p:cBhvr>
+                                      <p:to>
+                                        <p:strVal val="visible"/>
+                                      </p:to>
+                                    </p:set>
+                                  </p:childTnLst>
+                                </p:cTn>
+                              </p:par>
+                            </p:childTnLst>
+                          </p:cTn>
+                        </p:par>
+                      </p:childTnLst>
+                    </p:cTn>
+                  </p:par>
+                  <p:par>
+                    <p:cTn id="13" fill="hold">
+                      <p:stCondLst>
+                        <p:cond delay="indefinite"/>
+                      </p:stCondLst>
+                      <p:childTnLst>
+                        <p:par>
+                          <p:cTn id="14" fill="hold">
+                            <p:stCondLst>
+                              <p:cond delay="0"/>
+                            </p:stCondLst>
+                            <p:childTnLst>
+                              <p:par>
+                                <p:cTn id="15" presetID="1" presetClass="entr" presetSubtype="0" fill="hold" grpId="0" nodeType="clickEffect">
+                                  <p:stCondLst>
+                                    <p:cond delay="0"/>
+                                  </p:stCondLst>
+                                  <p:childTnLst>
+                                    <p:set>
+                                      <p:cBhvr>
+                                        <p:cTn id="16" dur="1" fill="hold">
+                                          <p:stCondLst>
+                                            <p:cond delay="0"/>
+                                          </p:stCondLst>
+                                        </p:cTn>
+                                        <p:tgtEl>
+                                          <p:spTgt spid="12"/>
+                                        </p:tgtEl>
+                                        <p:attrNameLst>
+                                          <p:attrName>style.visibility</p:attrName>
+                                        </p:attrNameLst>
+                                      </p:cBhvr>
+                                      <p:to>
+                                        <p:strVal val="visible"/>
+                                      </p:to>
+                                    </p:set>
+                                  </p:childTnLst>
+                                </p:cTn>
+                              </p:par>
+                              <p:par>
+                                <p:cTn id="17" presetID="1" presetClass="entr" presetSubtype="0" fill="hold" grpId="0" nodeType="withEffect">
+                                  <p:stCondLst>
+                                    <p:cond delay="0"/>
+                                  </p:stCondLst>
+                                  <p:childTnLst>
+                                    <p:set>
+                                      <p:cBhvr>
+                                        <p:cTn id="18" dur="1" fill="hold">
+                                          <p:stCondLst>
+                                            <p:cond delay="0"/>
+                                          </p:stCondLst>
+                                        </p:cTn>
+                                        <p:tgtEl>
+                                          <p:spTgt spid="16"/>
+                                        </p:tgtEl>
+                                        <p:attrNameLst>
+                                          <p:attrName>style.visibility</p:attrName>
+                                        </p:attrNameLst>
+                                      </p:cBhvr>
+                                      <p:to>
+                                        <p:strVal val="visible"/>
+                                      </p:to>
+                                    </p:set>
+                                  </p:childTnLst>
+                                </p:cTn>
+                              </p:par>
+                            </p:childTnLst>
+                          </p:cTn>
+                        </p:par>
+                      </p:childTnLst>
+                    </p:cTn>
+                  </p:par>
+                  <p:par>
+                    <p:cTn id="19" fill="hold">
+                      <p:stCondLst>
+                        <p:cond delay="indefinite"/>
+                      </p:stCondLst>
+                      <p:childTnLst>
+                        <p:par>
+                          <p:cTn id="20" fill="hold">
+                            <p:stCondLst>
+                              <p:cond delay="0"/>
+                            </p:stCondLst>
+                            <p:childTnLst>
+                              <p:par>
+                                <p:cTn id="21" presetID="1" presetClass="entr" presetSubtype="0" fill="hold" grpId="0" nodeType="clickEffect">
+                                  <p:stCondLst>
+                                    <p:cond delay="0"/>
+                                  </p:stCondLst>
+                                  <p:childTnLst>
+                                    <p:set>
+                                      <p:cBhvr>
+                                        <p:cTn id="22" dur="1" fill="hold">
+                                          <p:stCondLst>
+                                            <p:cond delay="0"/>
+                                          </p:stCondLst>
+                                        </p:cTn>
+                                        <p:tgtEl>
+                                          <p:spTgt spid="14"/>
+                                        </p:tgtEl>
+                                        <p:attrNameLst>
+                                          <p:attrName>style.visibility</p:attrName>
+                                        </p:attrNameLst>
+                                      </p:cBhvr>
+                                      <p:to>
+                                        <p:strVal val="visible"/>
+                                      </p:to>
+                                    </p:set>
+                                  </p:childTnLst>
+                                </p:cTn>
+                              </p:par>
+                              <p:par>
+                                <p:cTn id="23" presetID="1" presetClass="entr" presetSubtype="0" fill="hold" grpId="0" nodeType="withEffect">
+                                  <p:stCondLst>
+                                    <p:cond delay="0"/>
+                                  </p:stCondLst>
+                                  <p:childTnLst>
+                                    <p:set>
+                                      <p:cBhvr>
+                                        <p:cTn id="24" dur="1" fill="hold">
+                                          <p:stCondLst>
+                                            <p:cond delay="0"/>
+                                          </p:stCondLst>
+                                        </p:cTn>
+                                        <p:tgtEl>
+                                          <p:spTgt spid="17"/>
+                                        </p:tgtEl>
+                                        <p:attrNameLst>
+                                          <p:attrName>style.visibility</p:attrName>
+                                        </p:attrNameLst>
+                                      </p:cBhvr>
+                                      <p:to>
+                                        <p:strVal val="visible"/>
+                                      </p:to>
+                                    </p:set>
+                                  </p:childTnLst>
+                                </p:cTn>
+                              </p:par>
+                            </p:childTnLst>
+                          </p:cTn>
+                        </p:par>
+                      </p:childTnLst>
+                    </p:cTn>
+                  </p:par>
+                  <p:par>
+                    <p:cTn id="25" fill="hold">
+                      <p:stCondLst>
+                        <p:cond delay="indefinite"/>
+                      </p:stCondLst>
+                      <p:childTnLst>
+                        <p:par>
+                          <p:cTn id="26" fill="hold">
+                            <p:stCondLst>
+                              <p:cond delay="0"/>
+                            </p:stCondLst>
+                            <p:childTnLst>
+                              <p:par>
+                                <p:cTn id="27" presetID="1" presetClass="exit" presetSubtype="0" fill="hold" nodeType="clickEffect">
+                                  <p:stCondLst>
+                                    <p:cond delay="0"/>
+                                  </p:stCondLst>
+                                  <p:childTnLst>
+                                    <p:set>
+                                      <p:cBhvr>
+                                        <p:cTn id="28" dur="1" fill="hold">
+                                          <p:stCondLst>
+                                            <p:cond delay="0"/>
+                                          </p:stCondLst>
+                                        </p:cTn>
+                                        <p:tgtEl>
+                                          <p:spTgt spid="9"/>
+                                        </p:tgtEl>
+                                        <p:attrNameLst>
+                                          <p:attrName>style.visibility</p:attrName>
+                                        </p:attrNameLst>
+                                      </p:cBhvr>
+                                      <p:to>
+                                        <p:strVal val="hidden"/>
+                                      </p:to>
+                                    </p:set>
+                                  </p:childTnLst>
+                                </p:cTn>
+                              </p:par>
+                              <p:par>
+                                <p:cTn id="29" presetID="1" presetClass="exit" presetSubtype="0" fill="hold" grpId="1" nodeType="withEffect">
+                                  <p:stCondLst>
+                                    <p:cond delay="0"/>
+                                  </p:stCondLst>
+                                  <p:childTnLst>
+                                    <p:set>
+                                      <p:cBhvr>
+                                        <p:cTn id="30" dur="1" fill="hold">
+                                          <p:stCondLst>
+                                            <p:cond delay="0"/>
+                                          </p:stCondLst>
+                                        </p:cTn>
+                                        <p:tgtEl>
+                                          <p:spTgt spid="13"/>
+                                        </p:tgtEl>
+                                        <p:attrNameLst>
+                                          <p:attrName>style.visibility</p:attrName>
+                                        </p:attrNameLst>
+                                      </p:cBhvr>
+                                      <p:to>
+                                        <p:strVal val="hidden"/>
+                                      </p:to>
+                                    </p:set>
+                                  </p:childTnLst>
+                                </p:cTn>
+                              </p:par>
+                              <p:par>
+                                <p:cTn id="31" presetID="1" presetClass="exit" presetSubtype="0" fill="hold" grpId="1" nodeType="withEffect">
+                                  <p:stCondLst>
+                                    <p:cond delay="0"/>
+                                  </p:stCondLst>
+                                  <p:childTnLst>
+                                    <p:set>
+                                      <p:cBhvr>
+                                        <p:cTn id="32" dur="1" fill="hold">
+                                          <p:stCondLst>
+                                            <p:cond delay="0"/>
+                                          </p:stCondLst>
+                                        </p:cTn>
+                                        <p:tgtEl>
+                                          <p:spTgt spid="15"/>
+                                        </p:tgtEl>
+                                        <p:attrNameLst>
+                                          <p:attrName>style.visibility</p:attrName>
+                                        </p:attrNameLst>
+                                      </p:cBhvr>
+                                      <p:to>
+                                        <p:strVal val="hidden"/>
+                                      </p:to>
+                                    </p:set>
+                                  </p:childTnLst>
+                                </p:cTn>
+                              </p:par>
+                              <p:par>
+                                <p:cTn id="33" presetID="1" presetClass="exit" presetSubtype="0" fill="hold" grpId="1" nodeType="withEffect">
+                                  <p:stCondLst>
+                                    <p:cond delay="0"/>
+                                  </p:stCondLst>
+                                  <p:childTnLst>
+                                    <p:set>
+                                      <p:cBhvr>
+                                        <p:cTn id="34" dur="1" fill="hold">
+                                          <p:stCondLst>
+                                            <p:cond delay="0"/>
+                                          </p:stCondLst>
+                                        </p:cTn>
+                                        <p:tgtEl>
+                                          <p:spTgt spid="16"/>
+                                        </p:tgtEl>
+                                        <p:attrNameLst>
+                                          <p:attrName>style.visibility</p:attrName>
+                                        </p:attrNameLst>
+                                      </p:cBhvr>
+                                      <p:to>
+                                        <p:strVal val="hidden"/>
+                                      </p:to>
+                                    </p:set>
+                                  </p:childTnLst>
+                                </p:cTn>
+                              </p:par>
+                              <p:par>
+                                <p:cTn id="35" presetID="1" presetClass="exit" presetSubtype="0" fill="hold" grpId="1" nodeType="withEffect">
+                                  <p:stCondLst>
+                                    <p:cond delay="0"/>
+                                  </p:stCondLst>
+                                  <p:childTnLst>
+                                    <p:set>
+                                      <p:cBhvr>
+                                        <p:cTn id="36" dur="1" fill="hold">
+                                          <p:stCondLst>
+                                            <p:cond delay="0"/>
+                                          </p:stCondLst>
+                                        </p:cTn>
+                                        <p:tgtEl>
+                                          <p:spTgt spid="12"/>
+                                        </p:tgtEl>
+                                        <p:attrNameLst>
+                                          <p:attrName>style.visibility</p:attrName>
+                                        </p:attrNameLst>
+                                      </p:cBhvr>
+                                      <p:to>
+                                        <p:strVal val="hidden"/>
+                                      </p:to>
+                                    </p:set>
+                                  </p:childTnLst>
+                                </p:cTn>
+                              </p:par>
+                              <p:par>
+                                <p:cTn id="37" presetID="1" presetClass="exit" presetSubtype="0" fill="hold" grpId="1" nodeType="withEffect">
+                                  <p:stCondLst>
+                                    <p:cond delay="0"/>
+                                  </p:stCondLst>
+                                  <p:childTnLst>
+                                    <p:set>
+                                      <p:cBhvr>
+                                        <p:cTn id="38" dur="1" fill="hold">
+                                          <p:stCondLst>
+                                            <p:cond delay="0"/>
+                                          </p:stCondLst>
+                                        </p:cTn>
+                                        <p:tgtEl>
+                                          <p:spTgt spid="17"/>
+                                        </p:tgtEl>
+                                        <p:attrNameLst>
+                                          <p:attrName>style.visibility</p:attrName>
+                                        </p:attrNameLst>
+                                      </p:cBhvr>
+                                      <p:to>
+                                        <p:strVal val="hidden"/>
+                                      </p:to>
+                                    </p:set>
+                                  </p:childTnLst>
+                                </p:cTn>
+                              </p:par>
+                              <p:par>
+                                <p:cTn id="39" presetID="1" presetClass="exit" presetSubtype="0" fill="hold" grpId="1" nodeType="withEffect">
+                                  <p:stCondLst>
+                                    <p:cond delay="0"/>
+                                  </p:stCondLst>
+                                  <p:childTnLst>
+                                    <p:set>
+                                      <p:cBhvr>
+                                        <p:cTn id="40" dur="1" fill="hold">
+                                          <p:stCondLst>
+                                            <p:cond delay="0"/>
+                                          </p:stCondLst>
+                                        </p:cTn>
+                                        <p:tgtEl>
+                                          <p:spTgt spid="14"/>
+                                        </p:tgtEl>
+                                        <p:attrNameLst>
+                                          <p:attrName>style.visibility</p:attrName>
+                                        </p:attrNameLst>
+                                      </p:cBhvr>
+                                      <p:to>
+                                        <p:strVal val="hidden"/>
+                                      </p:to>
+                                    </p:set>
+                                  </p:childTnLst>
+                                </p:cTn>
+                              </p:par>
+                            </p:childTnLst>
+                          </p:cTn>
+                        </p:par>
+                      </p:childTnLst>
+                    </p:cTn>
+                  </p:par>
+                  <p:par>
+                    <p:cTn id="41" fill="hold">
+                      <p:stCondLst>
+                        <p:cond delay="indefinite"/>
+                      </p:stCondLst>
+                      <p:childTnLst>
+                        <p:par>
+                          <p:cTn id="42" fill="hold">
+                            <p:stCondLst>
+                              <p:cond delay="0"/>
+                            </p:stCondLst>
+                            <p:childTnLst>
+                              <p:par>
+                                <p:cTn id="43" presetID="1" presetClass="entr" presetSubtype="0" fill="hold" nodeType="clickEffect">
+                                  <p:stCondLst>
+                                    <p:cond delay="0"/>
+                                  </p:stCondLst>
+                                  <p:childTnLst>
+                                    <p:set>
+                                      <p:cBhvr>
+                                        <p:cTn id="44" dur="1" fill="hold">
+                                          <p:stCondLst>
+                                            <p:cond delay="0"/>
+                                          </p:stCondLst>
+                                        </p:cTn>
+                                        <p:tgtEl>
+                                          <p:spTgt spid="11"/>
+                                        </p:tgtEl>
+                                        <p:attrNameLst>
+                                          <p:attrName>style.visibility</p:attrName>
+                                        </p:attrNameLst>
+                                      </p:cBhvr>
+                                      <p:to>
+                                        <p:strVal val="visible"/>
+                                      </p:to>
+                                    </p:set>
+                                  </p:childTnLst>
+                                </p:cTn>
+                              </p:par>
+                            </p:childTnLst>
+                          </p:cTn>
+                        </p:par>
+                      </p:childTnLst>
+                    </p:cTn>
+                  </p:par>
+                </p:childTnLst>
+              </p:cTn>
+              <p:prevCondLst>
+                <p:cond evt="onPrev" delay="0">
+                  <p:tgtEl>
+                    <p:sldTgt/>
+                  </p:tgtEl>
+                </p:cond>
+              </p:prevCondLst>
+              <p:nextCondLst>
+                <p:cond evt="onNext" delay="0">
+                  <p:tgtEl>
+                    <p:sldTgt/>
+                  </p:tgtEl>
+                </p:cond>
+              </p:nextCondLst>
+            </p:seq>
+          </p:childTnLst>
+        </p:cTn>
+      </p:par>
+    </p:tnLst>
+    <p:bldLst>
+      <p:bldP spid="12" grpId="0" animBg="1"/>
+      <p:bldP spid="12" grpId="1" animBg="1"/>
+      <p:bldP spid="13" grpId="0" animBg="1"/>
+      <p:bldP spid="13" grpId="1" animBg="1"/>
+      <p:bldP spid="14" grpId="0" animBg="1"/>
+      <p:bldP spid="14" grpId="1" animBg="1"/>
+      <p:bldP spid="15" grpId="0" animBg="1"/>
+      <p:bldP spid="15" grpId="1" animBg="1"/>
+      <p:bldP spid="16" grpId="0" animBg="1"/>
+      <p:bldP spid="16" grpId="1" animBg="1"/>
+      <p:bldP spid="17" grpId="0" animBg="1"/>
+      <p:bldP spid="17" grpId="1" animBg="1"/>
+    </p:bldLst>
+  </p:timing>
 </p:sld>
 </file>
 
@@ -32359,7 +37486,7 @@
           </a:p>
           <a:p>
             <a:r>
-              <a:rPr lang="en-US" b="1" dirty="0"/>
+              <a:rPr lang="en-US" dirty="0"/>
               <a:t>p -&gt; v </a:t>
             </a:r>
             <a:endParaRPr lang="en-US" i="1" dirty="0"/>
@@ -32401,7 +37528,7 @@
         </p:blipFill>
         <p:spPr>
           <a:xfrm>
-            <a:off x="4604653" y="3505477"/>
+            <a:off x="3490729" y="2503804"/>
             <a:ext cx="4028168" cy="2108200"/>
           </a:xfrm>
           <a:prstGeom prst="rect">
@@ -32431,7 +37558,7 @@
         </p:blipFill>
         <p:spPr>
           <a:xfrm>
-            <a:off x="5504813" y="1904521"/>
+            <a:off x="2672598" y="2522774"/>
             <a:ext cx="6256015" cy="2021761"/>
           </a:xfrm>
           <a:prstGeom prst="rect">
@@ -32461,7 +37588,7 @@
         </p:blipFill>
         <p:spPr>
           <a:xfrm>
-            <a:off x="0" y="4963952"/>
+            <a:off x="5384800" y="4612004"/>
             <a:ext cx="6419612" cy="2021761"/>
           </a:xfrm>
           <a:prstGeom prst="rect">
@@ -32479,6 +37606,581 @@
   <p:clrMapOvr>
     <a:masterClrMapping/>
   </p:clrMapOvr>
+  <p:timing>
+    <p:tnLst>
+      <p:par>
+        <p:cTn id="1" dur="indefinite" restart="never" nodeType="tmRoot">
+          <p:childTnLst>
+            <p:seq concurrent="1" nextAc="seek">
+              <p:cTn id="2" dur="indefinite" nodeType="mainSeq">
+                <p:childTnLst>
+                  <p:par>
+                    <p:cTn id="3" fill="hold">
+                      <p:stCondLst>
+                        <p:cond delay="indefinite"/>
+                      </p:stCondLst>
+                      <p:childTnLst>
+                        <p:par>
+                          <p:cTn id="4" fill="hold">
+                            <p:stCondLst>
+                              <p:cond delay="0"/>
+                            </p:stCondLst>
+                            <p:childTnLst>
+                              <p:par>
+                                <p:cTn id="5" presetID="1" presetClass="entr" presetSubtype="0" fill="hold" nodeType="clickEffect">
+                                  <p:stCondLst>
+                                    <p:cond delay="0"/>
+                                  </p:stCondLst>
+                                  <p:childTnLst>
+                                    <p:set>
+                                      <p:cBhvr>
+                                        <p:cTn id="6" dur="1" fill="hold">
+                                          <p:stCondLst>
+                                            <p:cond delay="0"/>
+                                          </p:stCondLst>
+                                        </p:cTn>
+                                        <p:tgtEl>
+                                          <p:spTgt spid="3">
+                                            <p:txEl>
+                                              <p:pRg st="0" end="0"/>
+                                            </p:txEl>
+                                          </p:spTgt>
+                                        </p:tgtEl>
+                                        <p:attrNameLst>
+                                          <p:attrName>style.visibility</p:attrName>
+                                        </p:attrNameLst>
+                                      </p:cBhvr>
+                                      <p:to>
+                                        <p:strVal val="visible"/>
+                                      </p:to>
+                                    </p:set>
+                                  </p:childTnLst>
+                                </p:cTn>
+                              </p:par>
+                            </p:childTnLst>
+                          </p:cTn>
+                        </p:par>
+                      </p:childTnLst>
+                    </p:cTn>
+                  </p:par>
+                  <p:par>
+                    <p:cTn id="7" fill="hold">
+                      <p:stCondLst>
+                        <p:cond delay="indefinite"/>
+                      </p:stCondLst>
+                      <p:childTnLst>
+                        <p:par>
+                          <p:cTn id="8" fill="hold">
+                            <p:stCondLst>
+                              <p:cond delay="0"/>
+                            </p:stCondLst>
+                            <p:childTnLst>
+                              <p:par>
+                                <p:cTn id="9" presetID="1" presetClass="entr" presetSubtype="0" fill="hold" nodeType="clickEffect">
+                                  <p:stCondLst>
+                                    <p:cond delay="0"/>
+                                  </p:stCondLst>
+                                  <p:childTnLst>
+                                    <p:set>
+                                      <p:cBhvr>
+                                        <p:cTn id="10" dur="1" fill="hold">
+                                          <p:stCondLst>
+                                            <p:cond delay="0"/>
+                                          </p:stCondLst>
+                                        </p:cTn>
+                                        <p:tgtEl>
+                                          <p:spTgt spid="3">
+                                            <p:txEl>
+                                              <p:pRg st="1" end="1"/>
+                                            </p:txEl>
+                                          </p:spTgt>
+                                        </p:tgtEl>
+                                        <p:attrNameLst>
+                                          <p:attrName>style.visibility</p:attrName>
+                                        </p:attrNameLst>
+                                      </p:cBhvr>
+                                      <p:to>
+                                        <p:strVal val="visible"/>
+                                      </p:to>
+                                    </p:set>
+                                  </p:childTnLst>
+                                </p:cTn>
+                              </p:par>
+                            </p:childTnLst>
+                          </p:cTn>
+                        </p:par>
+                      </p:childTnLst>
+                    </p:cTn>
+                  </p:par>
+                  <p:par>
+                    <p:cTn id="11" fill="hold">
+                      <p:stCondLst>
+                        <p:cond delay="indefinite"/>
+                      </p:stCondLst>
+                      <p:childTnLst>
+                        <p:par>
+                          <p:cTn id="12" fill="hold">
+                            <p:stCondLst>
+                              <p:cond delay="0"/>
+                            </p:stCondLst>
+                            <p:childTnLst>
+                              <p:par>
+                                <p:cTn id="13" presetID="1" presetClass="entr" presetSubtype="0" fill="hold" nodeType="clickEffect">
+                                  <p:stCondLst>
+                                    <p:cond delay="0"/>
+                                  </p:stCondLst>
+                                  <p:childTnLst>
+                                    <p:set>
+                                      <p:cBhvr>
+                                        <p:cTn id="14" dur="1" fill="hold">
+                                          <p:stCondLst>
+                                            <p:cond delay="0"/>
+                                          </p:stCondLst>
+                                        </p:cTn>
+                                        <p:tgtEl>
+                                          <p:spTgt spid="3">
+                                            <p:txEl>
+                                              <p:pRg st="2" end="2"/>
+                                            </p:txEl>
+                                          </p:spTgt>
+                                        </p:tgtEl>
+                                        <p:attrNameLst>
+                                          <p:attrName>style.visibility</p:attrName>
+                                        </p:attrNameLst>
+                                      </p:cBhvr>
+                                      <p:to>
+                                        <p:strVal val="visible"/>
+                                      </p:to>
+                                    </p:set>
+                                  </p:childTnLst>
+                                </p:cTn>
+                              </p:par>
+                            </p:childTnLst>
+                          </p:cTn>
+                        </p:par>
+                      </p:childTnLst>
+                    </p:cTn>
+                  </p:par>
+                  <p:par>
+                    <p:cTn id="15" fill="hold">
+                      <p:stCondLst>
+                        <p:cond delay="indefinite"/>
+                      </p:stCondLst>
+                      <p:childTnLst>
+                        <p:par>
+                          <p:cTn id="16" fill="hold">
+                            <p:stCondLst>
+                              <p:cond delay="0"/>
+                            </p:stCondLst>
+                            <p:childTnLst>
+                              <p:par>
+                                <p:cTn id="17" presetID="1" presetClass="entr" presetSubtype="0" fill="hold" nodeType="clickEffect">
+                                  <p:stCondLst>
+                                    <p:cond delay="0"/>
+                                  </p:stCondLst>
+                                  <p:childTnLst>
+                                    <p:set>
+                                      <p:cBhvr>
+                                        <p:cTn id="18" dur="1" fill="hold">
+                                          <p:stCondLst>
+                                            <p:cond delay="0"/>
+                                          </p:stCondLst>
+                                        </p:cTn>
+                                        <p:tgtEl>
+                                          <p:spTgt spid="3">
+                                            <p:txEl>
+                                              <p:pRg st="3" end="3"/>
+                                            </p:txEl>
+                                          </p:spTgt>
+                                        </p:tgtEl>
+                                        <p:attrNameLst>
+                                          <p:attrName>style.visibility</p:attrName>
+                                        </p:attrNameLst>
+                                      </p:cBhvr>
+                                      <p:to>
+                                        <p:strVal val="visible"/>
+                                      </p:to>
+                                    </p:set>
+                                  </p:childTnLst>
+                                </p:cTn>
+                              </p:par>
+                            </p:childTnLst>
+                          </p:cTn>
+                        </p:par>
+                      </p:childTnLst>
+                    </p:cTn>
+                  </p:par>
+                  <p:par>
+                    <p:cTn id="19" fill="hold">
+                      <p:stCondLst>
+                        <p:cond delay="indefinite"/>
+                      </p:stCondLst>
+                      <p:childTnLst>
+                        <p:par>
+                          <p:cTn id="20" fill="hold">
+                            <p:stCondLst>
+                              <p:cond delay="0"/>
+                            </p:stCondLst>
+                            <p:childTnLst>
+                              <p:par>
+                                <p:cTn id="21" presetID="1" presetClass="exit" presetSubtype="0" fill="hold" nodeType="clickEffect">
+                                  <p:stCondLst>
+                                    <p:cond delay="0"/>
+                                  </p:stCondLst>
+                                  <p:childTnLst>
+                                    <p:set>
+                                      <p:cBhvr>
+                                        <p:cTn id="22" dur="1" fill="hold">
+                                          <p:stCondLst>
+                                            <p:cond delay="0"/>
+                                          </p:stCondLst>
+                                        </p:cTn>
+                                        <p:tgtEl>
+                                          <p:spTgt spid="3">
+                                            <p:txEl>
+                                              <p:pRg st="0" end="0"/>
+                                            </p:txEl>
+                                          </p:spTgt>
+                                        </p:tgtEl>
+                                        <p:attrNameLst>
+                                          <p:attrName>style.visibility</p:attrName>
+                                        </p:attrNameLst>
+                                      </p:cBhvr>
+                                      <p:to>
+                                        <p:strVal val="hidden"/>
+                                      </p:to>
+                                    </p:set>
+                                  </p:childTnLst>
+                                </p:cTn>
+                              </p:par>
+                              <p:par>
+                                <p:cTn id="23" presetID="1" presetClass="exit" presetSubtype="0" fill="hold" nodeType="withEffect">
+                                  <p:stCondLst>
+                                    <p:cond delay="0"/>
+                                  </p:stCondLst>
+                                  <p:childTnLst>
+                                    <p:set>
+                                      <p:cBhvr>
+                                        <p:cTn id="24" dur="1" fill="hold">
+                                          <p:stCondLst>
+                                            <p:cond delay="0"/>
+                                          </p:stCondLst>
+                                        </p:cTn>
+                                        <p:tgtEl>
+                                          <p:spTgt spid="3">
+                                            <p:txEl>
+                                              <p:pRg st="1" end="1"/>
+                                            </p:txEl>
+                                          </p:spTgt>
+                                        </p:tgtEl>
+                                        <p:attrNameLst>
+                                          <p:attrName>style.visibility</p:attrName>
+                                        </p:attrNameLst>
+                                      </p:cBhvr>
+                                      <p:to>
+                                        <p:strVal val="hidden"/>
+                                      </p:to>
+                                    </p:set>
+                                  </p:childTnLst>
+                                </p:cTn>
+                              </p:par>
+                              <p:par>
+                                <p:cTn id="25" presetID="1" presetClass="exit" presetSubtype="0" fill="hold" nodeType="withEffect">
+                                  <p:stCondLst>
+                                    <p:cond delay="0"/>
+                                  </p:stCondLst>
+                                  <p:childTnLst>
+                                    <p:set>
+                                      <p:cBhvr>
+                                        <p:cTn id="26" dur="1" fill="hold">
+                                          <p:stCondLst>
+                                            <p:cond delay="0"/>
+                                          </p:stCondLst>
+                                        </p:cTn>
+                                        <p:tgtEl>
+                                          <p:spTgt spid="3">
+                                            <p:txEl>
+                                              <p:pRg st="2" end="2"/>
+                                            </p:txEl>
+                                          </p:spTgt>
+                                        </p:tgtEl>
+                                        <p:attrNameLst>
+                                          <p:attrName>style.visibility</p:attrName>
+                                        </p:attrNameLst>
+                                      </p:cBhvr>
+                                      <p:to>
+                                        <p:strVal val="hidden"/>
+                                      </p:to>
+                                    </p:set>
+                                  </p:childTnLst>
+                                </p:cTn>
+                              </p:par>
+                              <p:par>
+                                <p:cTn id="27" presetID="1" presetClass="exit" presetSubtype="0" fill="hold" nodeType="withEffect">
+                                  <p:stCondLst>
+                                    <p:cond delay="0"/>
+                                  </p:stCondLst>
+                                  <p:childTnLst>
+                                    <p:set>
+                                      <p:cBhvr>
+                                        <p:cTn id="28" dur="1" fill="hold">
+                                          <p:stCondLst>
+                                            <p:cond delay="0"/>
+                                          </p:stCondLst>
+                                        </p:cTn>
+                                        <p:tgtEl>
+                                          <p:spTgt spid="3">
+                                            <p:txEl>
+                                              <p:pRg st="3" end="3"/>
+                                            </p:txEl>
+                                          </p:spTgt>
+                                        </p:tgtEl>
+                                        <p:attrNameLst>
+                                          <p:attrName>style.visibility</p:attrName>
+                                        </p:attrNameLst>
+                                      </p:cBhvr>
+                                      <p:to>
+                                        <p:strVal val="hidden"/>
+                                      </p:to>
+                                    </p:set>
+                                  </p:childTnLst>
+                                </p:cTn>
+                              </p:par>
+                            </p:childTnLst>
+                          </p:cTn>
+                        </p:par>
+                      </p:childTnLst>
+                    </p:cTn>
+                  </p:par>
+                  <p:par>
+                    <p:cTn id="29" fill="hold">
+                      <p:stCondLst>
+                        <p:cond delay="indefinite"/>
+                      </p:stCondLst>
+                      <p:childTnLst>
+                        <p:par>
+                          <p:cTn id="30" fill="hold">
+                            <p:stCondLst>
+                              <p:cond delay="0"/>
+                            </p:stCondLst>
+                            <p:childTnLst>
+                              <p:par>
+                                <p:cTn id="31" presetID="1" presetClass="entr" presetSubtype="0" fill="hold" nodeType="clickEffect">
+                                  <p:stCondLst>
+                                    <p:cond delay="0"/>
+                                  </p:stCondLst>
+                                  <p:childTnLst>
+                                    <p:set>
+                                      <p:cBhvr>
+                                        <p:cTn id="32" dur="1" fill="hold">
+                                          <p:stCondLst>
+                                            <p:cond delay="0"/>
+                                          </p:stCondLst>
+                                        </p:cTn>
+                                        <p:tgtEl>
+                                          <p:spTgt spid="5"/>
+                                        </p:tgtEl>
+                                        <p:attrNameLst>
+                                          <p:attrName>style.visibility</p:attrName>
+                                        </p:attrNameLst>
+                                      </p:cBhvr>
+                                      <p:to>
+                                        <p:strVal val="visible"/>
+                                      </p:to>
+                                    </p:set>
+                                  </p:childTnLst>
+                                </p:cTn>
+                              </p:par>
+                            </p:childTnLst>
+                          </p:cTn>
+                        </p:par>
+                      </p:childTnLst>
+                    </p:cTn>
+                  </p:par>
+                  <p:par>
+                    <p:cTn id="33" fill="hold">
+                      <p:stCondLst>
+                        <p:cond delay="indefinite"/>
+                      </p:stCondLst>
+                      <p:childTnLst>
+                        <p:par>
+                          <p:cTn id="34" fill="hold">
+                            <p:stCondLst>
+                              <p:cond delay="0"/>
+                            </p:stCondLst>
+                            <p:childTnLst>
+                              <p:par>
+                                <p:cTn id="35" presetID="1" presetClass="entr" presetSubtype="0" fill="hold" nodeType="clickEffect">
+                                  <p:stCondLst>
+                                    <p:cond delay="0"/>
+                                  </p:stCondLst>
+                                  <p:childTnLst>
+                                    <p:set>
+                                      <p:cBhvr>
+                                        <p:cTn id="36" dur="1" fill="hold">
+                                          <p:stCondLst>
+                                            <p:cond delay="0"/>
+                                          </p:stCondLst>
+                                        </p:cTn>
+                                        <p:tgtEl>
+                                          <p:spTgt spid="9"/>
+                                        </p:tgtEl>
+                                        <p:attrNameLst>
+                                          <p:attrName>style.visibility</p:attrName>
+                                        </p:attrNameLst>
+                                      </p:cBhvr>
+                                      <p:to>
+                                        <p:strVal val="visible"/>
+                                      </p:to>
+                                    </p:set>
+                                  </p:childTnLst>
+                                </p:cTn>
+                              </p:par>
+                            </p:childTnLst>
+                          </p:cTn>
+                        </p:par>
+                      </p:childTnLst>
+                    </p:cTn>
+                  </p:par>
+                  <p:par>
+                    <p:cTn id="37" fill="hold">
+                      <p:stCondLst>
+                        <p:cond delay="indefinite"/>
+                      </p:stCondLst>
+                      <p:childTnLst>
+                        <p:par>
+                          <p:cTn id="38" fill="hold">
+                            <p:stCondLst>
+                              <p:cond delay="0"/>
+                            </p:stCondLst>
+                            <p:childTnLst>
+                              <p:par>
+                                <p:cTn id="39" presetID="1" presetClass="exit" presetSubtype="0" fill="hold" nodeType="clickEffect">
+                                  <p:stCondLst>
+                                    <p:cond delay="0"/>
+                                  </p:stCondLst>
+                                  <p:childTnLst>
+                                    <p:set>
+                                      <p:cBhvr>
+                                        <p:cTn id="40" dur="1" fill="hold">
+                                          <p:stCondLst>
+                                            <p:cond delay="0"/>
+                                          </p:stCondLst>
+                                        </p:cTn>
+                                        <p:tgtEl>
+                                          <p:spTgt spid="9"/>
+                                        </p:tgtEl>
+                                        <p:attrNameLst>
+                                          <p:attrName>style.visibility</p:attrName>
+                                        </p:attrNameLst>
+                                      </p:cBhvr>
+                                      <p:to>
+                                        <p:strVal val="hidden"/>
+                                      </p:to>
+                                    </p:set>
+                                  </p:childTnLst>
+                                </p:cTn>
+                              </p:par>
+                              <p:par>
+                                <p:cTn id="41" presetID="1" presetClass="exit" presetSubtype="0" fill="hold" nodeType="withEffect">
+                                  <p:stCondLst>
+                                    <p:cond delay="0"/>
+                                  </p:stCondLst>
+                                  <p:childTnLst>
+                                    <p:set>
+                                      <p:cBhvr>
+                                        <p:cTn id="42" dur="1" fill="hold">
+                                          <p:stCondLst>
+                                            <p:cond delay="0"/>
+                                          </p:stCondLst>
+                                        </p:cTn>
+                                        <p:tgtEl>
+                                          <p:spTgt spid="5"/>
+                                        </p:tgtEl>
+                                        <p:attrNameLst>
+                                          <p:attrName>style.visibility</p:attrName>
+                                        </p:attrNameLst>
+                                      </p:cBhvr>
+                                      <p:to>
+                                        <p:strVal val="hidden"/>
+                                      </p:to>
+                                    </p:set>
+                                  </p:childTnLst>
+                                </p:cTn>
+                              </p:par>
+                            </p:childTnLst>
+                          </p:cTn>
+                        </p:par>
+                      </p:childTnLst>
+                    </p:cTn>
+                  </p:par>
+                  <p:par>
+                    <p:cTn id="43" fill="hold">
+                      <p:stCondLst>
+                        <p:cond delay="indefinite"/>
+                      </p:stCondLst>
+                      <p:childTnLst>
+                        <p:par>
+                          <p:cTn id="44" fill="hold">
+                            <p:stCondLst>
+                              <p:cond delay="0"/>
+                            </p:stCondLst>
+                            <p:childTnLst>
+                              <p:par>
+                                <p:cTn id="45" presetID="1" presetClass="entr" presetSubtype="0" fill="hold" nodeType="clickEffect">
+                                  <p:stCondLst>
+                                    <p:cond delay="0"/>
+                                  </p:stCondLst>
+                                  <p:childTnLst>
+                                    <p:set>
+                                      <p:cBhvr>
+                                        <p:cTn id="46" dur="1" fill="hold">
+                                          <p:stCondLst>
+                                            <p:cond delay="0"/>
+                                          </p:stCondLst>
+                                        </p:cTn>
+                                        <p:tgtEl>
+                                          <p:spTgt spid="7"/>
+                                        </p:tgtEl>
+                                        <p:attrNameLst>
+                                          <p:attrName>style.visibility</p:attrName>
+                                        </p:attrNameLst>
+                                      </p:cBhvr>
+                                      <p:to>
+                                        <p:strVal val="visible"/>
+                                      </p:to>
+                                    </p:set>
+                                  </p:childTnLst>
+                                </p:cTn>
+                              </p:par>
+                            </p:childTnLst>
+                          </p:cTn>
+                        </p:par>
+                      </p:childTnLst>
+                    </p:cTn>
+                  </p:par>
+                </p:childTnLst>
+              </p:cTn>
+              <p:prevCondLst>
+                <p:cond evt="onPrev" delay="0">
+                  <p:tgtEl>
+                    <p:sldTgt/>
+                  </p:tgtEl>
+                </p:cond>
+              </p:prevCondLst>
+              <p:nextCondLst>
+                <p:cond evt="onNext" delay="0">
+                  <p:tgtEl>
+                    <p:sldTgt/>
+                  </p:tgtEl>
+                </p:cond>
+              </p:nextCondLst>
+            </p:seq>
+          </p:childTnLst>
+        </p:cTn>
+      </p:par>
+    </p:tnLst>
+  </p:timing>
 </p:sld>
 </file>
 
@@ -32662,6 +38364,392 @@
   <p:clrMapOvr>
     <a:masterClrMapping/>
   </p:clrMapOvr>
+  <p:timing>
+    <p:tnLst>
+      <p:par>
+        <p:cTn id="1" dur="indefinite" restart="never" nodeType="tmRoot">
+          <p:childTnLst>
+            <p:seq concurrent="1" nextAc="seek">
+              <p:cTn id="2" dur="indefinite" nodeType="mainSeq">
+                <p:childTnLst>
+                  <p:par>
+                    <p:cTn id="3" fill="hold">
+                      <p:stCondLst>
+                        <p:cond delay="indefinite"/>
+                      </p:stCondLst>
+                      <p:childTnLst>
+                        <p:par>
+                          <p:cTn id="4" fill="hold">
+                            <p:stCondLst>
+                              <p:cond delay="0"/>
+                            </p:stCondLst>
+                            <p:childTnLst>
+                              <p:par>
+                                <p:cTn id="5" presetID="1" presetClass="entr" presetSubtype="0" fill="hold" nodeType="clickEffect">
+                                  <p:stCondLst>
+                                    <p:cond delay="0"/>
+                                  </p:stCondLst>
+                                  <p:childTnLst>
+                                    <p:set>
+                                      <p:cBhvr>
+                                        <p:cTn id="6" dur="1" fill="hold">
+                                          <p:stCondLst>
+                                            <p:cond delay="0"/>
+                                          </p:stCondLst>
+                                        </p:cTn>
+                                        <p:tgtEl>
+                                          <p:spTgt spid="3">
+                                            <p:txEl>
+                                              <p:pRg st="0" end="0"/>
+                                            </p:txEl>
+                                          </p:spTgt>
+                                        </p:tgtEl>
+                                        <p:attrNameLst>
+                                          <p:attrName>style.visibility</p:attrName>
+                                        </p:attrNameLst>
+                                      </p:cBhvr>
+                                      <p:to>
+                                        <p:strVal val="visible"/>
+                                      </p:to>
+                                    </p:set>
+                                  </p:childTnLst>
+                                </p:cTn>
+                              </p:par>
+                            </p:childTnLst>
+                          </p:cTn>
+                        </p:par>
+                      </p:childTnLst>
+                    </p:cTn>
+                  </p:par>
+                  <p:par>
+                    <p:cTn id="7" fill="hold">
+                      <p:stCondLst>
+                        <p:cond delay="indefinite"/>
+                      </p:stCondLst>
+                      <p:childTnLst>
+                        <p:par>
+                          <p:cTn id="8" fill="hold">
+                            <p:stCondLst>
+                              <p:cond delay="0"/>
+                            </p:stCondLst>
+                            <p:childTnLst>
+                              <p:par>
+                                <p:cTn id="9" presetID="1" presetClass="entr" presetSubtype="0" fill="hold" nodeType="clickEffect">
+                                  <p:stCondLst>
+                                    <p:cond delay="0"/>
+                                  </p:stCondLst>
+                                  <p:childTnLst>
+                                    <p:set>
+                                      <p:cBhvr>
+                                        <p:cTn id="10" dur="1" fill="hold">
+                                          <p:stCondLst>
+                                            <p:cond delay="0"/>
+                                          </p:stCondLst>
+                                        </p:cTn>
+                                        <p:tgtEl>
+                                          <p:spTgt spid="3">
+                                            <p:txEl>
+                                              <p:pRg st="1" end="1"/>
+                                            </p:txEl>
+                                          </p:spTgt>
+                                        </p:tgtEl>
+                                        <p:attrNameLst>
+                                          <p:attrName>style.visibility</p:attrName>
+                                        </p:attrNameLst>
+                                      </p:cBhvr>
+                                      <p:to>
+                                        <p:strVal val="visible"/>
+                                      </p:to>
+                                    </p:set>
+                                  </p:childTnLst>
+                                </p:cTn>
+                              </p:par>
+                            </p:childTnLst>
+                          </p:cTn>
+                        </p:par>
+                      </p:childTnLst>
+                    </p:cTn>
+                  </p:par>
+                  <p:par>
+                    <p:cTn id="11" fill="hold">
+                      <p:stCondLst>
+                        <p:cond delay="indefinite"/>
+                      </p:stCondLst>
+                      <p:childTnLst>
+                        <p:par>
+                          <p:cTn id="12" fill="hold">
+                            <p:stCondLst>
+                              <p:cond delay="0"/>
+                            </p:stCondLst>
+                            <p:childTnLst>
+                              <p:par>
+                                <p:cTn id="13" presetID="1" presetClass="entr" presetSubtype="0" fill="hold" nodeType="clickEffect">
+                                  <p:stCondLst>
+                                    <p:cond delay="0"/>
+                                  </p:stCondLst>
+                                  <p:childTnLst>
+                                    <p:set>
+                                      <p:cBhvr>
+                                        <p:cTn id="14" dur="1" fill="hold">
+                                          <p:stCondLst>
+                                            <p:cond delay="0"/>
+                                          </p:stCondLst>
+                                        </p:cTn>
+                                        <p:tgtEl>
+                                          <p:spTgt spid="3">
+                                            <p:txEl>
+                                              <p:pRg st="2" end="2"/>
+                                            </p:txEl>
+                                          </p:spTgt>
+                                        </p:tgtEl>
+                                        <p:attrNameLst>
+                                          <p:attrName>style.visibility</p:attrName>
+                                        </p:attrNameLst>
+                                      </p:cBhvr>
+                                      <p:to>
+                                        <p:strVal val="visible"/>
+                                      </p:to>
+                                    </p:set>
+                                  </p:childTnLst>
+                                </p:cTn>
+                              </p:par>
+                            </p:childTnLst>
+                          </p:cTn>
+                        </p:par>
+                      </p:childTnLst>
+                    </p:cTn>
+                  </p:par>
+                  <p:par>
+                    <p:cTn id="15" fill="hold">
+                      <p:stCondLst>
+                        <p:cond delay="indefinite"/>
+                      </p:stCondLst>
+                      <p:childTnLst>
+                        <p:par>
+                          <p:cTn id="16" fill="hold">
+                            <p:stCondLst>
+                              <p:cond delay="0"/>
+                            </p:stCondLst>
+                            <p:childTnLst>
+                              <p:par>
+                                <p:cTn id="17" presetID="1" presetClass="entr" presetSubtype="0" fill="hold" nodeType="clickEffect">
+                                  <p:stCondLst>
+                                    <p:cond delay="0"/>
+                                  </p:stCondLst>
+                                  <p:childTnLst>
+                                    <p:set>
+                                      <p:cBhvr>
+                                        <p:cTn id="18" dur="1" fill="hold">
+                                          <p:stCondLst>
+                                            <p:cond delay="0"/>
+                                          </p:stCondLst>
+                                        </p:cTn>
+                                        <p:tgtEl>
+                                          <p:spTgt spid="3">
+                                            <p:txEl>
+                                              <p:pRg st="3" end="3"/>
+                                            </p:txEl>
+                                          </p:spTgt>
+                                        </p:tgtEl>
+                                        <p:attrNameLst>
+                                          <p:attrName>style.visibility</p:attrName>
+                                        </p:attrNameLst>
+                                      </p:cBhvr>
+                                      <p:to>
+                                        <p:strVal val="visible"/>
+                                      </p:to>
+                                    </p:set>
+                                  </p:childTnLst>
+                                </p:cTn>
+                              </p:par>
+                              <p:par>
+                                <p:cTn id="19" presetID="1" presetClass="entr" presetSubtype="0" fill="hold" nodeType="withEffect">
+                                  <p:stCondLst>
+                                    <p:cond delay="0"/>
+                                  </p:stCondLst>
+                                  <p:childTnLst>
+                                    <p:set>
+                                      <p:cBhvr>
+                                        <p:cTn id="20" dur="1" fill="hold">
+                                          <p:stCondLst>
+                                            <p:cond delay="0"/>
+                                          </p:stCondLst>
+                                        </p:cTn>
+                                        <p:tgtEl>
+                                          <p:spTgt spid="3">
+                                            <p:txEl>
+                                              <p:pRg st="4" end="4"/>
+                                            </p:txEl>
+                                          </p:spTgt>
+                                        </p:tgtEl>
+                                        <p:attrNameLst>
+                                          <p:attrName>style.visibility</p:attrName>
+                                        </p:attrNameLst>
+                                      </p:cBhvr>
+                                      <p:to>
+                                        <p:strVal val="visible"/>
+                                      </p:to>
+                                    </p:set>
+                                  </p:childTnLst>
+                                </p:cTn>
+                              </p:par>
+                              <p:par>
+                                <p:cTn id="21" presetID="1" presetClass="entr" presetSubtype="0" fill="hold" nodeType="withEffect">
+                                  <p:stCondLst>
+                                    <p:cond delay="0"/>
+                                  </p:stCondLst>
+                                  <p:childTnLst>
+                                    <p:set>
+                                      <p:cBhvr>
+                                        <p:cTn id="22" dur="1" fill="hold">
+                                          <p:stCondLst>
+                                            <p:cond delay="0"/>
+                                          </p:stCondLst>
+                                        </p:cTn>
+                                        <p:tgtEl>
+                                          <p:spTgt spid="3">
+                                            <p:txEl>
+                                              <p:pRg st="5" end="5"/>
+                                            </p:txEl>
+                                          </p:spTgt>
+                                        </p:tgtEl>
+                                        <p:attrNameLst>
+                                          <p:attrName>style.visibility</p:attrName>
+                                        </p:attrNameLst>
+                                      </p:cBhvr>
+                                      <p:to>
+                                        <p:strVal val="visible"/>
+                                      </p:to>
+                                    </p:set>
+                                  </p:childTnLst>
+                                </p:cTn>
+                              </p:par>
+                            </p:childTnLst>
+                          </p:cTn>
+                        </p:par>
+                      </p:childTnLst>
+                    </p:cTn>
+                  </p:par>
+                  <p:par>
+                    <p:cTn id="23" fill="hold">
+                      <p:stCondLst>
+                        <p:cond delay="indefinite"/>
+                      </p:stCondLst>
+                      <p:childTnLst>
+                        <p:par>
+                          <p:cTn id="24" fill="hold">
+                            <p:stCondLst>
+                              <p:cond delay="0"/>
+                            </p:stCondLst>
+                            <p:childTnLst>
+                              <p:par>
+                                <p:cTn id="25" presetID="1" presetClass="entr" presetSubtype="0" fill="hold" nodeType="clickEffect">
+                                  <p:stCondLst>
+                                    <p:cond delay="0"/>
+                                  </p:stCondLst>
+                                  <p:childTnLst>
+                                    <p:set>
+                                      <p:cBhvr>
+                                        <p:cTn id="26" dur="1" fill="hold">
+                                          <p:stCondLst>
+                                            <p:cond delay="0"/>
+                                          </p:stCondLst>
+                                        </p:cTn>
+                                        <p:tgtEl>
+                                          <p:spTgt spid="3">
+                                            <p:txEl>
+                                              <p:pRg st="6" end="6"/>
+                                            </p:txEl>
+                                          </p:spTgt>
+                                        </p:tgtEl>
+                                        <p:attrNameLst>
+                                          <p:attrName>style.visibility</p:attrName>
+                                        </p:attrNameLst>
+                                      </p:cBhvr>
+                                      <p:to>
+                                        <p:strVal val="visible"/>
+                                      </p:to>
+                                    </p:set>
+                                  </p:childTnLst>
+                                </p:cTn>
+                              </p:par>
+                            </p:childTnLst>
+                          </p:cTn>
+                        </p:par>
+                      </p:childTnLst>
+                    </p:cTn>
+                  </p:par>
+                  <p:par>
+                    <p:cTn id="27" fill="hold">
+                      <p:stCondLst>
+                        <p:cond delay="indefinite"/>
+                      </p:stCondLst>
+                      <p:childTnLst>
+                        <p:par>
+                          <p:cTn id="28" fill="hold">
+                            <p:stCondLst>
+                              <p:cond delay="0"/>
+                            </p:stCondLst>
+                            <p:childTnLst>
+                              <p:par>
+                                <p:cTn id="29" presetID="1" presetClass="entr" presetSubtype="0" fill="hold" nodeType="clickEffect">
+                                  <p:stCondLst>
+                                    <p:cond delay="0"/>
+                                  </p:stCondLst>
+                                  <p:childTnLst>
+                                    <p:set>
+                                      <p:cBhvr>
+                                        <p:cTn id="30" dur="1" fill="hold">
+                                          <p:stCondLst>
+                                            <p:cond delay="0"/>
+                                          </p:stCondLst>
+                                        </p:cTn>
+                                        <p:tgtEl>
+                                          <p:spTgt spid="3">
+                                            <p:txEl>
+                                              <p:pRg st="7" end="7"/>
+                                            </p:txEl>
+                                          </p:spTgt>
+                                        </p:tgtEl>
+                                        <p:attrNameLst>
+                                          <p:attrName>style.visibility</p:attrName>
+                                        </p:attrNameLst>
+                                      </p:cBhvr>
+                                      <p:to>
+                                        <p:strVal val="visible"/>
+                                      </p:to>
+                                    </p:set>
+                                  </p:childTnLst>
+                                </p:cTn>
+                              </p:par>
+                            </p:childTnLst>
+                          </p:cTn>
+                        </p:par>
+                      </p:childTnLst>
+                    </p:cTn>
+                  </p:par>
+                </p:childTnLst>
+              </p:cTn>
+              <p:prevCondLst>
+                <p:cond evt="onPrev" delay="0">
+                  <p:tgtEl>
+                    <p:sldTgt/>
+                  </p:tgtEl>
+                </p:cond>
+              </p:prevCondLst>
+              <p:nextCondLst>
+                <p:cond evt="onNext" delay="0">
+                  <p:tgtEl>
+                    <p:sldTgt/>
+                  </p:tgtEl>
+                </p:cond>
+              </p:nextCondLst>
+            </p:seq>
+          </p:childTnLst>
+        </p:cTn>
+      </p:par>
+    </p:tnLst>
+  </p:timing>
 </p:sld>
 </file>
 
@@ -32795,7 +38883,7 @@
             </a:r>
             <a:r>
               <a:rPr lang="en-US" i="1" dirty="0"/>
-              <a:t>” relations,</a:t>
+              <a:t>” relations</a:t>
             </a:r>
           </a:p>
           <a:p>
@@ -32811,6 +38899,21 @@
             <a:r>
               <a:rPr lang="en-US" i="1" dirty="0"/>
               <a:t>!</a:t>
+            </a:r>
+          </a:p>
+          <a:p>
+            <a:pPr lvl="2"/>
+            <a:endParaRPr lang="en-US" i="1" dirty="0"/>
+          </a:p>
+          <a:p>
+            <a:pPr lvl="2"/>
+            <a:endParaRPr lang="en-US" i="1" dirty="0"/>
+          </a:p>
+          <a:p>
+            <a:pPr lvl="2"/>
+            <a:r>
+              <a:rPr lang="en-US" i="1" dirty="0"/>
+              <a:t>                                                              </a:t>
             </a:r>
             <a:endParaRPr lang="en-US" dirty="0"/>
           </a:p>
@@ -32848,10 +38951,10 @@
       </p:pic>
       <p:pic>
         <p:nvPicPr>
-          <p:cNvPr id="7" name="Picture 6">
-            <a:extLst>
-              <a:ext uri="{FF2B5EF4-FFF2-40B4-BE49-F238E27FC236}">
-                <a16:creationId xmlns:a16="http://schemas.microsoft.com/office/drawing/2014/main" id="{96DD7389-2990-316A-ADB4-002BCFE7FE8D}"/>
+          <p:cNvPr id="11" name="Picture 10">
+            <a:extLst>
+              <a:ext uri="{FF2B5EF4-FFF2-40B4-BE49-F238E27FC236}">
+                <a16:creationId xmlns:a16="http://schemas.microsoft.com/office/drawing/2014/main" id="{C1126A22-4648-58F4-0561-FB5A6274D2A2}"/>
               </a:ext>
             </a:extLst>
           </p:cNvPr>
@@ -32868,14 +38971,80 @@
         </p:blipFill>
         <p:spPr>
           <a:xfrm>
-            <a:off x="71120" y="4760306"/>
-            <a:ext cx="12100560" cy="554736"/>
+            <a:off x="838200" y="5010890"/>
+            <a:ext cx="4842176" cy="501580"/>
           </a:xfrm>
           <a:prstGeom prst="rect">
             <a:avLst/>
           </a:prstGeom>
         </p:spPr>
       </p:pic>
+      <p:pic>
+        <p:nvPicPr>
+          <p:cNvPr id="13" name="Picture 12" descr="A close-up of a math problem&#10;&#10;Description automatically generated">
+            <a:extLst>
+              <a:ext uri="{FF2B5EF4-FFF2-40B4-BE49-F238E27FC236}">
+                <a16:creationId xmlns:a16="http://schemas.microsoft.com/office/drawing/2014/main" id="{79BFAEA9-6CF3-4058-631C-5DEF836ADF47}"/>
+              </a:ext>
+            </a:extLst>
+          </p:cNvPr>
+          <p:cNvPicPr>
+            <a:picLocks noChangeAspect="1"/>
+          </p:cNvPicPr>
+          <p:nvPr/>
+        </p:nvPicPr>
+        <p:blipFill>
+          <a:blip r:embed="rId5"/>
+          <a:stretch>
+            <a:fillRect/>
+          </a:stretch>
+        </p:blipFill>
+        <p:spPr>
+          <a:xfrm>
+            <a:off x="6226965" y="4983480"/>
+            <a:ext cx="4930452" cy="1010920"/>
+          </a:xfrm>
+          <a:prstGeom prst="rect">
+            <a:avLst/>
+          </a:prstGeom>
+        </p:spPr>
+      </p:pic>
+      <p:sp>
+        <p:nvSpPr>
+          <p:cNvPr id="14" name="TextBox 13">
+            <a:extLst>
+              <a:ext uri="{FF2B5EF4-FFF2-40B4-BE49-F238E27FC236}">
+                <a16:creationId xmlns:a16="http://schemas.microsoft.com/office/drawing/2014/main" id="{19D7D11B-83D0-9DE8-FC3F-9FADCF57D965}"/>
+              </a:ext>
+            </a:extLst>
+          </p:cNvPr>
+          <p:cNvSpPr txBox="1"/>
+          <p:nvPr/>
+        </p:nvSpPr>
+        <p:spPr>
+          <a:xfrm>
+            <a:off x="5616022" y="5119608"/>
+            <a:ext cx="704039" cy="369332"/>
+          </a:xfrm>
+          <a:prstGeom prst="rect">
+            <a:avLst/>
+          </a:prstGeom>
+          <a:noFill/>
+        </p:spPr>
+        <p:txBody>
+          <a:bodyPr wrap="none" rtlCol="0">
+            <a:spAutoFit/>
+          </a:bodyPr>
+          <a:lstStyle/>
+          <a:p>
+            <a:r>
+              <a:rPr lang="en-US" i="1" dirty="0"/>
+              <a:t>.........</a:t>
+            </a:r>
+            <a:endParaRPr lang="en-US" dirty="0"/>
+          </a:p>
+        </p:txBody>
+      </p:sp>
     </p:spTree>
     <p:extLst>
       <p:ext uri="{BB962C8B-B14F-4D97-AF65-F5344CB8AC3E}">
@@ -32886,6 +39055,428 @@
   <p:clrMapOvr>
     <a:masterClrMapping/>
   </p:clrMapOvr>
+  <p:timing>
+    <p:tnLst>
+      <p:par>
+        <p:cTn id="1" dur="indefinite" restart="never" nodeType="tmRoot">
+          <p:childTnLst>
+            <p:seq concurrent="1" nextAc="seek">
+              <p:cTn id="2" dur="indefinite" nodeType="mainSeq">
+                <p:childTnLst>
+                  <p:par>
+                    <p:cTn id="3" fill="hold">
+                      <p:stCondLst>
+                        <p:cond delay="indefinite"/>
+                      </p:stCondLst>
+                      <p:childTnLst>
+                        <p:par>
+                          <p:cTn id="4" fill="hold">
+                            <p:stCondLst>
+                              <p:cond delay="0"/>
+                            </p:stCondLst>
+                            <p:childTnLst>
+                              <p:par>
+                                <p:cTn id="5" presetID="1" presetClass="entr" presetSubtype="0" fill="hold" nodeType="clickEffect">
+                                  <p:stCondLst>
+                                    <p:cond delay="0"/>
+                                  </p:stCondLst>
+                                  <p:childTnLst>
+                                    <p:set>
+                                      <p:cBhvr>
+                                        <p:cTn id="6" dur="1" fill="hold">
+                                          <p:stCondLst>
+                                            <p:cond delay="0"/>
+                                          </p:stCondLst>
+                                        </p:cTn>
+                                        <p:tgtEl>
+                                          <p:spTgt spid="3">
+                                            <p:txEl>
+                                              <p:pRg st="0" end="0"/>
+                                            </p:txEl>
+                                          </p:spTgt>
+                                        </p:tgtEl>
+                                        <p:attrNameLst>
+                                          <p:attrName>style.visibility</p:attrName>
+                                        </p:attrNameLst>
+                                      </p:cBhvr>
+                                      <p:to>
+                                        <p:strVal val="visible"/>
+                                      </p:to>
+                                    </p:set>
+                                  </p:childTnLst>
+                                </p:cTn>
+                              </p:par>
+                            </p:childTnLst>
+                          </p:cTn>
+                        </p:par>
+                      </p:childTnLst>
+                    </p:cTn>
+                  </p:par>
+                  <p:par>
+                    <p:cTn id="7" fill="hold">
+                      <p:stCondLst>
+                        <p:cond delay="indefinite"/>
+                      </p:stCondLst>
+                      <p:childTnLst>
+                        <p:par>
+                          <p:cTn id="8" fill="hold">
+                            <p:stCondLst>
+                              <p:cond delay="0"/>
+                            </p:stCondLst>
+                            <p:childTnLst>
+                              <p:par>
+                                <p:cTn id="9" presetID="1" presetClass="entr" presetSubtype="0" fill="hold" nodeType="clickEffect">
+                                  <p:stCondLst>
+                                    <p:cond delay="0"/>
+                                  </p:stCondLst>
+                                  <p:childTnLst>
+                                    <p:set>
+                                      <p:cBhvr>
+                                        <p:cTn id="10" dur="1" fill="hold">
+                                          <p:stCondLst>
+                                            <p:cond delay="0"/>
+                                          </p:stCondLst>
+                                        </p:cTn>
+                                        <p:tgtEl>
+                                          <p:spTgt spid="3">
+                                            <p:txEl>
+                                              <p:pRg st="1" end="1"/>
+                                            </p:txEl>
+                                          </p:spTgt>
+                                        </p:tgtEl>
+                                        <p:attrNameLst>
+                                          <p:attrName>style.visibility</p:attrName>
+                                        </p:attrNameLst>
+                                      </p:cBhvr>
+                                      <p:to>
+                                        <p:strVal val="visible"/>
+                                      </p:to>
+                                    </p:set>
+                                  </p:childTnLst>
+                                </p:cTn>
+                              </p:par>
+                            </p:childTnLst>
+                          </p:cTn>
+                        </p:par>
+                      </p:childTnLst>
+                    </p:cTn>
+                  </p:par>
+                  <p:par>
+                    <p:cTn id="11" fill="hold">
+                      <p:stCondLst>
+                        <p:cond delay="indefinite"/>
+                      </p:stCondLst>
+                      <p:childTnLst>
+                        <p:par>
+                          <p:cTn id="12" fill="hold">
+                            <p:stCondLst>
+                              <p:cond delay="0"/>
+                            </p:stCondLst>
+                            <p:childTnLst>
+                              <p:par>
+                                <p:cTn id="13" presetID="1" presetClass="entr" presetSubtype="0" fill="hold" nodeType="clickEffect">
+                                  <p:stCondLst>
+                                    <p:cond delay="0"/>
+                                  </p:stCondLst>
+                                  <p:childTnLst>
+                                    <p:set>
+                                      <p:cBhvr>
+                                        <p:cTn id="14" dur="1" fill="hold">
+                                          <p:stCondLst>
+                                            <p:cond delay="0"/>
+                                          </p:stCondLst>
+                                        </p:cTn>
+                                        <p:tgtEl>
+                                          <p:spTgt spid="5"/>
+                                        </p:tgtEl>
+                                        <p:attrNameLst>
+                                          <p:attrName>style.visibility</p:attrName>
+                                        </p:attrNameLst>
+                                      </p:cBhvr>
+                                      <p:to>
+                                        <p:strVal val="visible"/>
+                                      </p:to>
+                                    </p:set>
+                                  </p:childTnLst>
+                                </p:cTn>
+                              </p:par>
+                            </p:childTnLst>
+                          </p:cTn>
+                        </p:par>
+                      </p:childTnLst>
+                    </p:cTn>
+                  </p:par>
+                  <p:par>
+                    <p:cTn id="15" fill="hold">
+                      <p:stCondLst>
+                        <p:cond delay="indefinite"/>
+                      </p:stCondLst>
+                      <p:childTnLst>
+                        <p:par>
+                          <p:cTn id="16" fill="hold">
+                            <p:stCondLst>
+                              <p:cond delay="0"/>
+                            </p:stCondLst>
+                            <p:childTnLst>
+                              <p:par>
+                                <p:cTn id="17" presetID="1" presetClass="entr" presetSubtype="0" fill="hold" nodeType="clickEffect">
+                                  <p:stCondLst>
+                                    <p:cond delay="0"/>
+                                  </p:stCondLst>
+                                  <p:childTnLst>
+                                    <p:set>
+                                      <p:cBhvr>
+                                        <p:cTn id="18" dur="1" fill="hold">
+                                          <p:stCondLst>
+                                            <p:cond delay="0"/>
+                                          </p:stCondLst>
+                                        </p:cTn>
+                                        <p:tgtEl>
+                                          <p:spTgt spid="3">
+                                            <p:txEl>
+                                              <p:pRg st="4" end="4"/>
+                                            </p:txEl>
+                                          </p:spTgt>
+                                        </p:tgtEl>
+                                        <p:attrNameLst>
+                                          <p:attrName>style.visibility</p:attrName>
+                                        </p:attrNameLst>
+                                      </p:cBhvr>
+                                      <p:to>
+                                        <p:strVal val="visible"/>
+                                      </p:to>
+                                    </p:set>
+                                  </p:childTnLst>
+                                </p:cTn>
+                              </p:par>
+                            </p:childTnLst>
+                          </p:cTn>
+                        </p:par>
+                      </p:childTnLst>
+                    </p:cTn>
+                  </p:par>
+                  <p:par>
+                    <p:cTn id="19" fill="hold">
+                      <p:stCondLst>
+                        <p:cond delay="indefinite"/>
+                      </p:stCondLst>
+                      <p:childTnLst>
+                        <p:par>
+                          <p:cTn id="20" fill="hold">
+                            <p:stCondLst>
+                              <p:cond delay="0"/>
+                            </p:stCondLst>
+                            <p:childTnLst>
+                              <p:par>
+                                <p:cTn id="21" presetID="1" presetClass="entr" presetSubtype="0" fill="hold" nodeType="clickEffect">
+                                  <p:stCondLst>
+                                    <p:cond delay="0"/>
+                                  </p:stCondLst>
+                                  <p:childTnLst>
+                                    <p:set>
+                                      <p:cBhvr>
+                                        <p:cTn id="22" dur="1" fill="hold">
+                                          <p:stCondLst>
+                                            <p:cond delay="0"/>
+                                          </p:stCondLst>
+                                        </p:cTn>
+                                        <p:tgtEl>
+                                          <p:spTgt spid="3">
+                                            <p:txEl>
+                                              <p:pRg st="5" end="5"/>
+                                            </p:txEl>
+                                          </p:spTgt>
+                                        </p:tgtEl>
+                                        <p:attrNameLst>
+                                          <p:attrName>style.visibility</p:attrName>
+                                        </p:attrNameLst>
+                                      </p:cBhvr>
+                                      <p:to>
+                                        <p:strVal val="visible"/>
+                                      </p:to>
+                                    </p:set>
+                                  </p:childTnLst>
+                                </p:cTn>
+                              </p:par>
+                            </p:childTnLst>
+                          </p:cTn>
+                        </p:par>
+                      </p:childTnLst>
+                    </p:cTn>
+                  </p:par>
+                  <p:par>
+                    <p:cTn id="23" fill="hold">
+                      <p:stCondLst>
+                        <p:cond delay="indefinite"/>
+                      </p:stCondLst>
+                      <p:childTnLst>
+                        <p:par>
+                          <p:cTn id="24" fill="hold">
+                            <p:stCondLst>
+                              <p:cond delay="0"/>
+                            </p:stCondLst>
+                            <p:childTnLst>
+                              <p:par>
+                                <p:cTn id="25" presetID="1" presetClass="entr" presetSubtype="0" fill="hold" nodeType="clickEffect">
+                                  <p:stCondLst>
+                                    <p:cond delay="0"/>
+                                  </p:stCondLst>
+                                  <p:childTnLst>
+                                    <p:set>
+                                      <p:cBhvr>
+                                        <p:cTn id="26" dur="1" fill="hold">
+                                          <p:stCondLst>
+                                            <p:cond delay="0"/>
+                                          </p:stCondLst>
+                                        </p:cTn>
+                                        <p:tgtEl>
+                                          <p:spTgt spid="3">
+                                            <p:txEl>
+                                              <p:pRg st="6" end="6"/>
+                                            </p:txEl>
+                                          </p:spTgt>
+                                        </p:tgtEl>
+                                        <p:attrNameLst>
+                                          <p:attrName>style.visibility</p:attrName>
+                                        </p:attrNameLst>
+                                      </p:cBhvr>
+                                      <p:to>
+                                        <p:strVal val="visible"/>
+                                      </p:to>
+                                    </p:set>
+                                  </p:childTnLst>
+                                </p:cTn>
+                              </p:par>
+                            </p:childTnLst>
+                          </p:cTn>
+                        </p:par>
+                      </p:childTnLst>
+                    </p:cTn>
+                  </p:par>
+                  <p:par>
+                    <p:cTn id="27" fill="hold">
+                      <p:stCondLst>
+                        <p:cond delay="indefinite"/>
+                      </p:stCondLst>
+                      <p:childTnLst>
+                        <p:par>
+                          <p:cTn id="28" fill="hold">
+                            <p:stCondLst>
+                              <p:cond delay="0"/>
+                            </p:stCondLst>
+                            <p:childTnLst>
+                              <p:par>
+                                <p:cTn id="29" presetID="1" presetClass="entr" presetSubtype="0" fill="hold" nodeType="clickEffect">
+                                  <p:stCondLst>
+                                    <p:cond delay="0"/>
+                                  </p:stCondLst>
+                                  <p:childTnLst>
+                                    <p:set>
+                                      <p:cBhvr>
+                                        <p:cTn id="30" dur="1" fill="hold">
+                                          <p:stCondLst>
+                                            <p:cond delay="0"/>
+                                          </p:stCondLst>
+                                        </p:cTn>
+                                        <p:tgtEl>
+                                          <p:spTgt spid="11"/>
+                                        </p:tgtEl>
+                                        <p:attrNameLst>
+                                          <p:attrName>style.visibility</p:attrName>
+                                        </p:attrNameLst>
+                                      </p:cBhvr>
+                                      <p:to>
+                                        <p:strVal val="visible"/>
+                                      </p:to>
+                                    </p:set>
+                                  </p:childTnLst>
+                                </p:cTn>
+                              </p:par>
+                              <p:par>
+                                <p:cTn id="31" presetID="1" presetClass="entr" presetSubtype="0" fill="hold" grpId="0" nodeType="withEffect">
+                                  <p:stCondLst>
+                                    <p:cond delay="0"/>
+                                  </p:stCondLst>
+                                  <p:childTnLst>
+                                    <p:set>
+                                      <p:cBhvr>
+                                        <p:cTn id="32" dur="1" fill="hold">
+                                          <p:stCondLst>
+                                            <p:cond delay="0"/>
+                                          </p:stCondLst>
+                                        </p:cTn>
+                                        <p:tgtEl>
+                                          <p:spTgt spid="14"/>
+                                        </p:tgtEl>
+                                        <p:attrNameLst>
+                                          <p:attrName>style.visibility</p:attrName>
+                                        </p:attrNameLst>
+                                      </p:cBhvr>
+                                      <p:to>
+                                        <p:strVal val="visible"/>
+                                      </p:to>
+                                    </p:set>
+                                  </p:childTnLst>
+                                </p:cTn>
+                              </p:par>
+                              <p:par>
+                                <p:cTn id="33" presetID="1" presetClass="entr" presetSubtype="0" fill="hold" nodeType="withEffect">
+                                  <p:stCondLst>
+                                    <p:cond delay="0"/>
+                                  </p:stCondLst>
+                                  <p:childTnLst>
+                                    <p:set>
+                                      <p:cBhvr>
+                                        <p:cTn id="34" dur="1" fill="hold">
+                                          <p:stCondLst>
+                                            <p:cond delay="0"/>
+                                          </p:stCondLst>
+                                        </p:cTn>
+                                        <p:tgtEl>
+                                          <p:spTgt spid="13"/>
+                                        </p:tgtEl>
+                                        <p:attrNameLst>
+                                          <p:attrName>style.visibility</p:attrName>
+                                        </p:attrNameLst>
+                                      </p:cBhvr>
+                                      <p:to>
+                                        <p:strVal val="visible"/>
+                                      </p:to>
+                                    </p:set>
+                                  </p:childTnLst>
+                                </p:cTn>
+                              </p:par>
+                            </p:childTnLst>
+                          </p:cTn>
+                        </p:par>
+                      </p:childTnLst>
+                    </p:cTn>
+                  </p:par>
+                </p:childTnLst>
+              </p:cTn>
+              <p:prevCondLst>
+                <p:cond evt="onPrev" delay="0">
+                  <p:tgtEl>
+                    <p:sldTgt/>
+                  </p:tgtEl>
+                </p:cond>
+              </p:prevCondLst>
+              <p:nextCondLst>
+                <p:cond evt="onNext" delay="0">
+                  <p:tgtEl>
+                    <p:sldTgt/>
+                  </p:tgtEl>
+                </p:cond>
+              </p:nextCondLst>
+            </p:seq>
+          </p:childTnLst>
+        </p:cTn>
+      </p:par>
+    </p:tnLst>
+    <p:bldLst>
+      <p:bldP spid="14" grpId="0"/>
+    </p:bldLst>
+  </p:timing>
 </p:sld>
 </file>
 
@@ -32990,8 +39581,8 @@
         </p:blipFill>
         <p:spPr>
           <a:xfrm>
-            <a:off x="2464167" y="3272790"/>
-            <a:ext cx="7263665" cy="1695450"/>
+            <a:off x="2720523" y="3097824"/>
+            <a:ext cx="6750952" cy="1575775"/>
           </a:xfrm>
           <a:prstGeom prst="rect">
             <a:avLst/>
@@ -33020,7 +39611,7 @@
         </p:blipFill>
         <p:spPr>
           <a:xfrm>
-            <a:off x="6095999" y="1722176"/>
+            <a:off x="5902959" y="1690688"/>
             <a:ext cx="783847" cy="683781"/>
           </a:xfrm>
           <a:prstGeom prst="rect">
@@ -33038,6 +39629,224 @@
   <p:clrMapOvr>
     <a:masterClrMapping/>
   </p:clrMapOvr>
+  <p:timing>
+    <p:tnLst>
+      <p:par>
+        <p:cTn id="1" dur="indefinite" restart="never" nodeType="tmRoot">
+          <p:childTnLst>
+            <p:seq concurrent="1" nextAc="seek">
+              <p:cTn id="2" dur="indefinite" nodeType="mainSeq">
+                <p:childTnLst>
+                  <p:par>
+                    <p:cTn id="3" fill="hold">
+                      <p:stCondLst>
+                        <p:cond delay="indefinite"/>
+                      </p:stCondLst>
+                      <p:childTnLst>
+                        <p:par>
+                          <p:cTn id="4" fill="hold">
+                            <p:stCondLst>
+                              <p:cond delay="0"/>
+                            </p:stCondLst>
+                            <p:childTnLst>
+                              <p:par>
+                                <p:cTn id="5" presetID="1" presetClass="entr" presetSubtype="0" fill="hold" nodeType="clickEffect">
+                                  <p:stCondLst>
+                                    <p:cond delay="0"/>
+                                  </p:stCondLst>
+                                  <p:childTnLst>
+                                    <p:set>
+                                      <p:cBhvr>
+                                        <p:cTn id="6" dur="1" fill="hold">
+                                          <p:stCondLst>
+                                            <p:cond delay="0"/>
+                                          </p:stCondLst>
+                                        </p:cTn>
+                                        <p:tgtEl>
+                                          <p:spTgt spid="3">
+                                            <p:txEl>
+                                              <p:pRg st="0" end="0"/>
+                                            </p:txEl>
+                                          </p:spTgt>
+                                        </p:tgtEl>
+                                        <p:attrNameLst>
+                                          <p:attrName>style.visibility</p:attrName>
+                                        </p:attrNameLst>
+                                      </p:cBhvr>
+                                      <p:to>
+                                        <p:strVal val="visible"/>
+                                      </p:to>
+                                    </p:set>
+                                  </p:childTnLst>
+                                </p:cTn>
+                              </p:par>
+                            </p:childTnLst>
+                          </p:cTn>
+                        </p:par>
+                      </p:childTnLst>
+                    </p:cTn>
+                  </p:par>
+                  <p:par>
+                    <p:cTn id="7" fill="hold">
+                      <p:stCondLst>
+                        <p:cond delay="indefinite"/>
+                      </p:stCondLst>
+                      <p:childTnLst>
+                        <p:par>
+                          <p:cTn id="8" fill="hold">
+                            <p:stCondLst>
+                              <p:cond delay="0"/>
+                            </p:stCondLst>
+                            <p:childTnLst>
+                              <p:par>
+                                <p:cTn id="9" presetID="1" presetClass="entr" presetSubtype="0" fill="hold" nodeType="clickEffect">
+                                  <p:stCondLst>
+                                    <p:cond delay="0"/>
+                                  </p:stCondLst>
+                                  <p:childTnLst>
+                                    <p:set>
+                                      <p:cBhvr>
+                                        <p:cTn id="10" dur="1" fill="hold">
+                                          <p:stCondLst>
+                                            <p:cond delay="0"/>
+                                          </p:stCondLst>
+                                        </p:cTn>
+                                        <p:tgtEl>
+                                          <p:spTgt spid="7"/>
+                                        </p:tgtEl>
+                                        <p:attrNameLst>
+                                          <p:attrName>style.visibility</p:attrName>
+                                        </p:attrNameLst>
+                                      </p:cBhvr>
+                                      <p:to>
+                                        <p:strVal val="visible"/>
+                                      </p:to>
+                                    </p:set>
+                                  </p:childTnLst>
+                                </p:cTn>
+                              </p:par>
+                            </p:childTnLst>
+                          </p:cTn>
+                        </p:par>
+                      </p:childTnLst>
+                    </p:cTn>
+                  </p:par>
+                  <p:par>
+                    <p:cTn id="11" fill="hold">
+                      <p:stCondLst>
+                        <p:cond delay="indefinite"/>
+                      </p:stCondLst>
+                      <p:childTnLst>
+                        <p:par>
+                          <p:cTn id="12" fill="hold">
+                            <p:stCondLst>
+                              <p:cond delay="0"/>
+                            </p:stCondLst>
+                            <p:childTnLst>
+                              <p:par>
+                                <p:cTn id="13" presetID="1" presetClass="entr" presetSubtype="0" fill="hold" nodeType="clickEffect">
+                                  <p:stCondLst>
+                                    <p:cond delay="0"/>
+                                  </p:stCondLst>
+                                  <p:childTnLst>
+                                    <p:set>
+                                      <p:cBhvr>
+                                        <p:cTn id="14" dur="1" fill="hold">
+                                          <p:stCondLst>
+                                            <p:cond delay="0"/>
+                                          </p:stCondLst>
+                                        </p:cTn>
+                                        <p:tgtEl>
+                                          <p:spTgt spid="3">
+                                            <p:txEl>
+                                              <p:pRg st="1" end="1"/>
+                                            </p:txEl>
+                                          </p:spTgt>
+                                        </p:tgtEl>
+                                        <p:attrNameLst>
+                                          <p:attrName>style.visibility</p:attrName>
+                                        </p:attrNameLst>
+                                      </p:cBhvr>
+                                      <p:to>
+                                        <p:strVal val="visible"/>
+                                      </p:to>
+                                    </p:set>
+                                  </p:childTnLst>
+                                </p:cTn>
+                              </p:par>
+                            </p:childTnLst>
+                          </p:cTn>
+                        </p:par>
+                      </p:childTnLst>
+                    </p:cTn>
+                  </p:par>
+                  <p:par>
+                    <p:cTn id="15" fill="hold">
+                      <p:stCondLst>
+                        <p:cond delay="indefinite"/>
+                      </p:stCondLst>
+                      <p:childTnLst>
+                        <p:par>
+                          <p:cTn id="16" fill="hold">
+                            <p:stCondLst>
+                              <p:cond delay="0"/>
+                            </p:stCondLst>
+                            <p:childTnLst>
+                              <p:par>
+                                <p:cTn id="17" presetID="1" presetClass="entr" presetSubtype="0" fill="hold" nodeType="clickEffect">
+                                  <p:stCondLst>
+                                    <p:cond delay="0"/>
+                                  </p:stCondLst>
+                                  <p:childTnLst>
+                                    <p:set>
+                                      <p:cBhvr>
+                                        <p:cTn id="18" dur="1" fill="hold">
+                                          <p:stCondLst>
+                                            <p:cond delay="0"/>
+                                          </p:stCondLst>
+                                        </p:cTn>
+                                        <p:tgtEl>
+                                          <p:spTgt spid="5"/>
+                                        </p:tgtEl>
+                                        <p:attrNameLst>
+                                          <p:attrName>style.visibility</p:attrName>
+                                        </p:attrNameLst>
+                                      </p:cBhvr>
+                                      <p:to>
+                                        <p:strVal val="visible"/>
+                                      </p:to>
+                                    </p:set>
+                                  </p:childTnLst>
+                                </p:cTn>
+                              </p:par>
+                            </p:childTnLst>
+                          </p:cTn>
+                        </p:par>
+                      </p:childTnLst>
+                    </p:cTn>
+                  </p:par>
+                </p:childTnLst>
+              </p:cTn>
+              <p:prevCondLst>
+                <p:cond evt="onPrev" delay="0">
+                  <p:tgtEl>
+                    <p:sldTgt/>
+                  </p:tgtEl>
+                </p:cond>
+              </p:prevCondLst>
+              <p:nextCondLst>
+                <p:cond evt="onNext" delay="0">
+                  <p:tgtEl>
+                    <p:sldTgt/>
+                  </p:tgtEl>
+                </p:cond>
+              </p:nextCondLst>
+            </p:seq>
+          </p:childTnLst>
+        </p:cTn>
+      </p:par>
+    </p:tnLst>
+  </p:timing>
 </p:sld>
 </file>
 

--- a/thesis_proposal/proposal.pptx
+++ b/thesis_proposal/proposal.pptx
@@ -5,7 +5,7 @@
     <p:sldMasterId id="2147483648" r:id="rId1"/>
   </p:sldMasterIdLst>
   <p:notesMasterIdLst>
-    <p:notesMasterId r:id="rId48"/>
+    <p:notesMasterId r:id="rId47"/>
   </p:notesMasterIdLst>
   <p:sldIdLst>
     <p:sldId id="256" r:id="rId2"/>
@@ -49,11 +49,10 @@
     <p:sldId id="307" r:id="rId40"/>
     <p:sldId id="308" r:id="rId41"/>
     <p:sldId id="309" r:id="rId42"/>
-    <p:sldId id="294" r:id="rId43"/>
-    <p:sldId id="295" r:id="rId44"/>
-    <p:sldId id="288" r:id="rId45"/>
-    <p:sldId id="268" r:id="rId46"/>
-    <p:sldId id="274" r:id="rId47"/>
+    <p:sldId id="295" r:id="rId43"/>
+    <p:sldId id="288" r:id="rId44"/>
+    <p:sldId id="268" r:id="rId45"/>
+    <p:sldId id="274" r:id="rId46"/>
   </p:sldIdLst>
   <p:sldSz cx="12192000" cy="6858000"/>
   <p:notesSz cx="6858000" cy="9144000"/>
@@ -2515,7 +2514,7 @@
           <a:p>
             <a:fld id="{180B0F4F-C4CA-F945-8BD8-C2A10415F31A}" type="slidenum">
               <a:rPr lang="en-US" smtClean="0"/>
-              <a:t>45</a:t>
+              <a:t>44</a:t>
             </a:fld>
             <a:endParaRPr lang="en-US"/>
           </a:p>
@@ -2608,7 +2607,7 @@
           <a:p>
             <a:fld id="{180B0F4F-C4CA-F945-8BD8-C2A10415F31A}" type="slidenum">
               <a:rPr lang="en-US" smtClean="0"/>
-              <a:t>46</a:t>
+              <a:t>45</a:t>
             </a:fld>
             <a:endParaRPr lang="en-US"/>
           </a:p>
@@ -28064,7 +28063,7 @@
           <a:p>
             <a:r>
               <a:rPr lang="en-US" dirty="0"/>
-              <a:t>Current Project Status for x64Iris</a:t>
+              <a:t>Current Status for x64Iris</a:t>
             </a:r>
           </a:p>
         </p:txBody>
@@ -29116,7 +29115,7 @@
         </p:nvSpPr>
         <p:spPr>
           <a:xfrm>
-            <a:off x="7912227" y="4220228"/>
+            <a:off x="7912227" y="4199908"/>
             <a:ext cx="1278930" cy="510658"/>
           </a:xfrm>
           <a:prstGeom prst="rect">
@@ -29163,7 +29162,7 @@
         </p:nvSpPr>
         <p:spPr>
           <a:xfrm>
-            <a:off x="7969957" y="4284283"/>
+            <a:off x="7969957" y="4263963"/>
             <a:ext cx="1233992" cy="369332"/>
           </a:xfrm>
           <a:prstGeom prst="rect">
@@ -29332,7 +29331,7 @@
         </p:nvSpPr>
         <p:spPr>
           <a:xfrm>
-            <a:off x="7440103" y="5602910"/>
+            <a:off x="7440103" y="5511470"/>
             <a:ext cx="1883134" cy="510658"/>
           </a:xfrm>
           <a:prstGeom prst="rect">
@@ -29379,7 +29378,7 @@
         </p:nvSpPr>
         <p:spPr>
           <a:xfrm>
-            <a:off x="3566065" y="5600730"/>
+            <a:off x="3566065" y="5509290"/>
             <a:ext cx="2058621" cy="510658"/>
           </a:xfrm>
           <a:prstGeom prst="rect">
@@ -29426,7 +29425,7 @@
         </p:nvSpPr>
         <p:spPr>
           <a:xfrm>
-            <a:off x="7719991" y="6247820"/>
+            <a:off x="7719991" y="6288460"/>
             <a:ext cx="1593872" cy="510658"/>
           </a:xfrm>
           <a:prstGeom prst="rect">
@@ -29473,7 +29472,7 @@
         </p:nvSpPr>
         <p:spPr>
           <a:xfrm>
-            <a:off x="3590925" y="6247820"/>
+            <a:off x="3590925" y="6288460"/>
             <a:ext cx="1901681" cy="510658"/>
           </a:xfrm>
           <a:prstGeom prst="rect">
@@ -29559,7 +29558,7 @@
         </p:nvSpPr>
         <p:spPr>
           <a:xfrm>
-            <a:off x="3810000" y="6318483"/>
+            <a:off x="3810000" y="6359123"/>
             <a:ext cx="1609211" cy="369332"/>
           </a:xfrm>
           <a:prstGeom prst="rect">
@@ -29595,7 +29594,7 @@
         </p:nvSpPr>
         <p:spPr>
           <a:xfrm>
-            <a:off x="8050093" y="6318483"/>
+            <a:off x="8050093" y="6359123"/>
             <a:ext cx="1003198" cy="369332"/>
           </a:xfrm>
           <a:prstGeom prst="rect">
@@ -29631,7 +29630,7 @@
         </p:nvSpPr>
         <p:spPr>
           <a:xfrm>
-            <a:off x="3653808" y="5671393"/>
+            <a:off x="3653808" y="5579953"/>
             <a:ext cx="1883133" cy="369332"/>
           </a:xfrm>
           <a:prstGeom prst="rect">
@@ -29667,7 +29666,7 @@
         </p:nvSpPr>
         <p:spPr>
           <a:xfrm>
-            <a:off x="5614567" y="6226920"/>
+            <a:off x="5614567" y="6267560"/>
             <a:ext cx="1901681" cy="510658"/>
           </a:xfrm>
           <a:prstGeom prst="rect">
@@ -29714,8 +29713,8 @@
         </p:nvSpPr>
         <p:spPr>
           <a:xfrm>
-            <a:off x="5801486" y="6308209"/>
-            <a:ext cx="1391599" cy="369332"/>
+            <a:off x="5801486" y="6348849"/>
+            <a:ext cx="1367554" cy="369332"/>
           </a:xfrm>
           <a:prstGeom prst="rect">
             <a:avLst/>
@@ -29730,7 +29729,7 @@
           <a:p>
             <a:r>
               <a:rPr lang="en-US" dirty="0" err="1"/>
-              <a:t>Hw_network</a:t>
+              <a:t>hw_network</a:t>
             </a:r>
             <a:endParaRPr lang="en-US" dirty="0"/>
           </a:p>
@@ -29750,7 +29749,7 @@
         </p:nvSpPr>
         <p:spPr>
           <a:xfrm>
-            <a:off x="7511223" y="5671393"/>
+            <a:off x="7511223" y="5579953"/>
             <a:ext cx="1753277" cy="369332"/>
           </a:xfrm>
           <a:prstGeom prst="rect">
@@ -30135,8 +30134,8 @@
         </p:nvSpPr>
         <p:spPr>
           <a:xfrm>
-            <a:off x="3512199" y="4783804"/>
-            <a:ext cx="5860990" cy="1403051"/>
+            <a:off x="3512199" y="4753325"/>
+            <a:ext cx="5860990" cy="1339926"/>
           </a:xfrm>
           <a:prstGeom prst="frame">
             <a:avLst>
@@ -30170,6 +30169,146 @@
                 <a:schemeClr val="tx1"/>
               </a:solidFill>
             </a:endParaRPr>
+          </a:p>
+        </p:txBody>
+      </p:sp>
+      <p:cxnSp>
+        <p:nvCxnSpPr>
+          <p:cNvPr id="64" name="Straight Connector 63">
+            <a:extLst>
+              <a:ext uri="{FF2B5EF4-FFF2-40B4-BE49-F238E27FC236}">
+                <a16:creationId xmlns:a16="http://schemas.microsoft.com/office/drawing/2014/main" id="{C327C1A8-6734-02E4-7660-84C8F5D6AF7C}"/>
+              </a:ext>
+            </a:extLst>
+          </p:cNvPr>
+          <p:cNvCxnSpPr>
+            <a:cxnSpLocks/>
+          </p:cNvCxnSpPr>
+          <p:nvPr/>
+        </p:nvCxnSpPr>
+        <p:spPr>
+          <a:xfrm flipV="1">
+            <a:off x="838200" y="6166535"/>
+            <a:ext cx="10998200" cy="30480"/>
+          </a:xfrm>
+          <a:prstGeom prst="line">
+            <a:avLst/>
+          </a:prstGeom>
+          <a:ln w="60325">
+            <a:gradFill>
+              <a:gsLst>
+                <a:gs pos="0">
+                  <a:schemeClr val="accent1">
+                    <a:lumMod val="5000"/>
+                    <a:lumOff val="95000"/>
+                  </a:schemeClr>
+                </a:gs>
+                <a:gs pos="74000">
+                  <a:schemeClr val="accent1">
+                    <a:lumMod val="45000"/>
+                    <a:lumOff val="55000"/>
+                  </a:schemeClr>
+                </a:gs>
+                <a:gs pos="83000">
+                  <a:schemeClr val="accent1">
+                    <a:lumMod val="45000"/>
+                    <a:lumOff val="55000"/>
+                  </a:schemeClr>
+                </a:gs>
+                <a:gs pos="100000">
+                  <a:schemeClr val="accent1">
+                    <a:lumMod val="30000"/>
+                    <a:lumOff val="70000"/>
+                  </a:schemeClr>
+                </a:gs>
+              </a:gsLst>
+              <a:lin ang="5400000" scaled="1"/>
+            </a:gradFill>
+            <a:prstDash val="lgDash"/>
+          </a:ln>
+        </p:spPr>
+        <p:style>
+          <a:lnRef idx="1">
+            <a:schemeClr val="accent1"/>
+          </a:lnRef>
+          <a:fillRef idx="0">
+            <a:schemeClr val="accent1"/>
+          </a:fillRef>
+          <a:effectRef idx="0">
+            <a:schemeClr val="accent1"/>
+          </a:effectRef>
+          <a:fontRef idx="minor">
+            <a:schemeClr val="tx1"/>
+          </a:fontRef>
+        </p:style>
+      </p:cxnSp>
+      <p:sp>
+        <p:nvSpPr>
+          <p:cNvPr id="66" name="TextBox 65">
+            <a:extLst>
+              <a:ext uri="{FF2B5EF4-FFF2-40B4-BE49-F238E27FC236}">
+                <a16:creationId xmlns:a16="http://schemas.microsoft.com/office/drawing/2014/main" id="{D1FE6F0B-9B01-8188-E54A-E19B1F7D8462}"/>
+              </a:ext>
+            </a:extLst>
+          </p:cNvPr>
+          <p:cNvSpPr txBox="1"/>
+          <p:nvPr/>
+        </p:nvSpPr>
+        <p:spPr>
+          <a:xfrm>
+            <a:off x="2392487" y="6348849"/>
+            <a:ext cx="635018" cy="369332"/>
+          </a:xfrm>
+          <a:prstGeom prst="rect">
+            <a:avLst/>
+          </a:prstGeom>
+          <a:noFill/>
+        </p:spPr>
+        <p:txBody>
+          <a:bodyPr wrap="square" rtlCol="0">
+            <a:spAutoFit/>
+          </a:bodyPr>
+          <a:lstStyle/>
+          <a:p>
+            <a:r>
+              <a:rPr lang="en-US" dirty="0"/>
+              <a:t>……..</a:t>
+            </a:r>
+          </a:p>
+        </p:txBody>
+      </p:sp>
+      <p:sp>
+        <p:nvSpPr>
+          <p:cNvPr id="67" name="TextBox 66">
+            <a:extLst>
+              <a:ext uri="{FF2B5EF4-FFF2-40B4-BE49-F238E27FC236}">
+                <a16:creationId xmlns:a16="http://schemas.microsoft.com/office/drawing/2014/main" id="{DF3EAE4D-A657-A1BA-092F-BAE7FCE82001}"/>
+              </a:ext>
+            </a:extLst>
+          </p:cNvPr>
+          <p:cNvSpPr txBox="1"/>
+          <p:nvPr/>
+        </p:nvSpPr>
+        <p:spPr>
+          <a:xfrm>
+            <a:off x="9482004" y="6359123"/>
+            <a:ext cx="635018" cy="369332"/>
+          </a:xfrm>
+          <a:prstGeom prst="rect">
+            <a:avLst/>
+          </a:prstGeom>
+          <a:noFill/>
+        </p:spPr>
+        <p:txBody>
+          <a:bodyPr wrap="square" rtlCol="0">
+            <a:spAutoFit/>
+          </a:bodyPr>
+          <a:lstStyle/>
+          <a:p>
+            <a:r>
+              <a:rPr lang="en-US" dirty="0"/>
+              <a:t>……..</a:t>
+            </a:r>
           </a:p>
         </p:txBody>
       </p:sp>
@@ -30787,6 +30926,723 @@
           </a:p>
         </p:txBody>
       </p:sp>
+      <p:sp>
+        <p:nvSpPr>
+          <p:cNvPr id="24" name="TextBox 23">
+            <a:extLst>
+              <a:ext uri="{FF2B5EF4-FFF2-40B4-BE49-F238E27FC236}">
+                <a16:creationId xmlns:a16="http://schemas.microsoft.com/office/drawing/2014/main" id="{ED8583F2-70E3-EC13-59C7-9A657A31CB18}"/>
+              </a:ext>
+            </a:extLst>
+          </p:cNvPr>
+          <p:cNvSpPr txBox="1"/>
+          <p:nvPr/>
+        </p:nvSpPr>
+        <p:spPr>
+          <a:xfrm>
+            <a:off x="1391920" y="5394960"/>
+            <a:ext cx="3210560" cy="369332"/>
+          </a:xfrm>
+          <a:prstGeom prst="rect">
+            <a:avLst/>
+          </a:prstGeom>
+          <a:noFill/>
+        </p:spPr>
+        <p:txBody>
+          <a:bodyPr wrap="square" rtlCol="0">
+            <a:spAutoFit/>
+          </a:bodyPr>
+          <a:lstStyle/>
+          <a:p>
+            <a:r>
+              <a:rPr lang="en-US" dirty="0"/>
+              <a:t>A traditional filesystem protocol</a:t>
+            </a:r>
+          </a:p>
+        </p:txBody>
+      </p:sp>
+      <p:sp>
+        <p:nvSpPr>
+          <p:cNvPr id="25" name="TextBox 24">
+            <a:extLst>
+              <a:ext uri="{FF2B5EF4-FFF2-40B4-BE49-F238E27FC236}">
+                <a16:creationId xmlns:a16="http://schemas.microsoft.com/office/drawing/2014/main" id="{8A331171-6FB3-0C15-9047-38F40B2DFC59}"/>
+              </a:ext>
+            </a:extLst>
+          </p:cNvPr>
+          <p:cNvSpPr txBox="1"/>
+          <p:nvPr/>
+        </p:nvSpPr>
+        <p:spPr>
+          <a:xfrm>
+            <a:off x="7508240" y="5394960"/>
+            <a:ext cx="3210560" cy="369332"/>
+          </a:xfrm>
+          <a:prstGeom prst="rect">
+            <a:avLst/>
+          </a:prstGeom>
+          <a:noFill/>
+        </p:spPr>
+        <p:txBody>
+          <a:bodyPr wrap="square" rtlCol="0">
+            <a:spAutoFit/>
+          </a:bodyPr>
+          <a:lstStyle/>
+          <a:p>
+            <a:r>
+              <a:rPr lang="en-US" dirty="0"/>
+              <a:t>A distributed filesystem protocol</a:t>
+            </a:r>
+          </a:p>
+        </p:txBody>
+      </p:sp>
+      <p:cxnSp>
+        <p:nvCxnSpPr>
+          <p:cNvPr id="27" name="Straight Arrow Connector 26">
+            <a:extLst>
+              <a:ext uri="{FF2B5EF4-FFF2-40B4-BE49-F238E27FC236}">
+                <a16:creationId xmlns:a16="http://schemas.microsoft.com/office/drawing/2014/main" id="{74FD6A63-DAF7-0EDD-84B1-F8C9E3EE7E2C}"/>
+              </a:ext>
+            </a:extLst>
+          </p:cNvPr>
+          <p:cNvCxnSpPr>
+            <a:cxnSpLocks/>
+            <a:stCxn id="4" idx="4"/>
+            <a:endCxn id="18" idx="0"/>
+          </p:cNvCxnSpPr>
+          <p:nvPr/>
+        </p:nvCxnSpPr>
+        <p:spPr>
+          <a:xfrm flipH="1">
+            <a:off x="2254567" y="2854960"/>
+            <a:ext cx="30480" cy="538480"/>
+          </a:xfrm>
+          <a:prstGeom prst="straightConnector1">
+            <a:avLst/>
+          </a:prstGeom>
+          <a:ln>
+            <a:tailEnd type="triangle"/>
+          </a:ln>
+        </p:spPr>
+        <p:style>
+          <a:lnRef idx="1">
+            <a:schemeClr val="accent1"/>
+          </a:lnRef>
+          <a:fillRef idx="0">
+            <a:schemeClr val="accent1"/>
+          </a:fillRef>
+          <a:effectRef idx="0">
+            <a:schemeClr val="accent1"/>
+          </a:effectRef>
+          <a:fontRef idx="minor">
+            <a:schemeClr val="tx1"/>
+          </a:fontRef>
+        </p:style>
+      </p:cxnSp>
+      <p:cxnSp>
+        <p:nvCxnSpPr>
+          <p:cNvPr id="28" name="Straight Arrow Connector 27">
+            <a:extLst>
+              <a:ext uri="{FF2B5EF4-FFF2-40B4-BE49-F238E27FC236}">
+                <a16:creationId xmlns:a16="http://schemas.microsoft.com/office/drawing/2014/main" id="{2E996B10-2623-8697-D914-0441852DCED7}"/>
+              </a:ext>
+            </a:extLst>
+          </p:cNvPr>
+          <p:cNvCxnSpPr>
+            <a:cxnSpLocks/>
+            <a:stCxn id="18" idx="4"/>
+            <a:endCxn id="19" idx="0"/>
+          </p:cNvCxnSpPr>
+          <p:nvPr/>
+        </p:nvCxnSpPr>
+        <p:spPr>
+          <a:xfrm>
+            <a:off x="2254567" y="3943350"/>
+            <a:ext cx="10160" cy="584676"/>
+          </a:xfrm>
+          <a:prstGeom prst="straightConnector1">
+            <a:avLst/>
+          </a:prstGeom>
+          <a:ln>
+            <a:tailEnd type="triangle"/>
+          </a:ln>
+        </p:spPr>
+        <p:style>
+          <a:lnRef idx="1">
+            <a:schemeClr val="accent1"/>
+          </a:lnRef>
+          <a:fillRef idx="0">
+            <a:schemeClr val="accent1"/>
+          </a:fillRef>
+          <a:effectRef idx="0">
+            <a:schemeClr val="accent1"/>
+          </a:effectRef>
+          <a:fontRef idx="minor">
+            <a:schemeClr val="tx1"/>
+          </a:fontRef>
+        </p:style>
+      </p:cxnSp>
+      <p:sp>
+        <p:nvSpPr>
+          <p:cNvPr id="32" name="TextBox 31">
+            <a:extLst>
+              <a:ext uri="{FF2B5EF4-FFF2-40B4-BE49-F238E27FC236}">
+                <a16:creationId xmlns:a16="http://schemas.microsoft.com/office/drawing/2014/main" id="{2CFD4A8F-70C3-6F5A-C0DE-494902964CBE}"/>
+              </a:ext>
+            </a:extLst>
+          </p:cNvPr>
+          <p:cNvSpPr txBox="1"/>
+          <p:nvPr/>
+        </p:nvSpPr>
+        <p:spPr>
+          <a:xfrm>
+            <a:off x="1909180" y="2933819"/>
+            <a:ext cx="651140" cy="369332"/>
+          </a:xfrm>
+          <a:prstGeom prst="rect">
+            <a:avLst/>
+          </a:prstGeom>
+          <a:noFill/>
+        </p:spPr>
+        <p:txBody>
+          <a:bodyPr wrap="none" rtlCol="0">
+            <a:spAutoFit/>
+          </a:bodyPr>
+          <a:lstStyle/>
+          <a:p>
+            <a:pPr algn="r"/>
+            <a:r>
+              <a:rPr lang="en-US" i="1" dirty="0"/>
+              <a:t>open</a:t>
+            </a:r>
+          </a:p>
+        </p:txBody>
+      </p:sp>
+      <p:sp>
+        <p:nvSpPr>
+          <p:cNvPr id="33" name="TextBox 32">
+            <a:extLst>
+              <a:ext uri="{FF2B5EF4-FFF2-40B4-BE49-F238E27FC236}">
+                <a16:creationId xmlns:a16="http://schemas.microsoft.com/office/drawing/2014/main" id="{0A61B0F1-6D30-1C3D-F213-90FE2F0D859C}"/>
+              </a:ext>
+            </a:extLst>
+          </p:cNvPr>
+          <p:cNvSpPr txBox="1"/>
+          <p:nvPr/>
+        </p:nvSpPr>
+        <p:spPr>
+          <a:xfrm>
+            <a:off x="1907577" y="4018359"/>
+            <a:ext cx="652743" cy="369332"/>
+          </a:xfrm>
+          <a:prstGeom prst="rect">
+            <a:avLst/>
+          </a:prstGeom>
+          <a:noFill/>
+        </p:spPr>
+        <p:txBody>
+          <a:bodyPr wrap="none" rtlCol="0">
+            <a:spAutoFit/>
+          </a:bodyPr>
+          <a:lstStyle/>
+          <a:p>
+            <a:pPr algn="r"/>
+            <a:r>
+              <a:rPr lang="en-US" i="1" dirty="0"/>
+              <a:t>close</a:t>
+            </a:r>
+          </a:p>
+        </p:txBody>
+      </p:sp>
+      <p:cxnSp>
+        <p:nvCxnSpPr>
+          <p:cNvPr id="36" name="Curved Connector 35">
+            <a:extLst>
+              <a:ext uri="{FF2B5EF4-FFF2-40B4-BE49-F238E27FC236}">
+                <a16:creationId xmlns:a16="http://schemas.microsoft.com/office/drawing/2014/main" id="{65F1E4ED-BDEF-ACA2-8B28-7AF03BD5B12B}"/>
+              </a:ext>
+            </a:extLst>
+          </p:cNvPr>
+          <p:cNvCxnSpPr>
+            <a:cxnSpLocks/>
+            <a:stCxn id="18" idx="6"/>
+            <a:endCxn id="18" idx="7"/>
+          </p:cNvCxnSpPr>
+          <p:nvPr/>
+        </p:nvCxnSpPr>
+        <p:spPr>
+          <a:xfrm flipH="1" flipV="1">
+            <a:off x="2449214" y="3473972"/>
+            <a:ext cx="80626" cy="194423"/>
+          </a:xfrm>
+          <a:prstGeom prst="curvedConnector4">
+            <a:avLst>
+              <a:gd name="adj1" fmla="val -1430258"/>
+              <a:gd name="adj2" fmla="val 259000"/>
+            </a:avLst>
+          </a:prstGeom>
+          <a:ln>
+            <a:tailEnd type="triangle"/>
+          </a:ln>
+        </p:spPr>
+        <p:style>
+          <a:lnRef idx="1">
+            <a:schemeClr val="accent1"/>
+          </a:lnRef>
+          <a:fillRef idx="0">
+            <a:schemeClr val="accent1"/>
+          </a:fillRef>
+          <a:effectRef idx="0">
+            <a:schemeClr val="accent1"/>
+          </a:effectRef>
+          <a:fontRef idx="minor">
+            <a:schemeClr val="tx1"/>
+          </a:fontRef>
+        </p:style>
+      </p:cxnSp>
+      <p:sp>
+        <p:nvSpPr>
+          <p:cNvPr id="47" name="TextBox 46">
+            <a:extLst>
+              <a:ext uri="{FF2B5EF4-FFF2-40B4-BE49-F238E27FC236}">
+                <a16:creationId xmlns:a16="http://schemas.microsoft.com/office/drawing/2014/main" id="{3A7E63AB-C592-E861-31DE-5BEAA3C3EC91}"/>
+              </a:ext>
+            </a:extLst>
+          </p:cNvPr>
+          <p:cNvSpPr txBox="1"/>
+          <p:nvPr/>
+        </p:nvSpPr>
+        <p:spPr>
+          <a:xfrm>
+            <a:off x="3332480" y="3137717"/>
+            <a:ext cx="666273" cy="646331"/>
+          </a:xfrm>
+          <a:prstGeom prst="rect">
+            <a:avLst/>
+          </a:prstGeom>
+          <a:noFill/>
+        </p:spPr>
+        <p:txBody>
+          <a:bodyPr wrap="none" rtlCol="0">
+            <a:spAutoFit/>
+          </a:bodyPr>
+          <a:lstStyle/>
+          <a:p>
+            <a:r>
+              <a:rPr lang="en-US" i="1" dirty="0"/>
+              <a:t>read</a:t>
+            </a:r>
+          </a:p>
+          <a:p>
+            <a:r>
+              <a:rPr lang="en-US" i="1" dirty="0"/>
+              <a:t>write</a:t>
+            </a:r>
+          </a:p>
+        </p:txBody>
+      </p:sp>
+      <p:cxnSp>
+        <p:nvCxnSpPr>
+          <p:cNvPr id="48" name="Curved Connector 47">
+            <a:extLst>
+              <a:ext uri="{FF2B5EF4-FFF2-40B4-BE49-F238E27FC236}">
+                <a16:creationId xmlns:a16="http://schemas.microsoft.com/office/drawing/2014/main" id="{621B1AEC-F6E3-94CB-6296-80383E4833E4}"/>
+              </a:ext>
+            </a:extLst>
+          </p:cNvPr>
+          <p:cNvCxnSpPr>
+            <a:cxnSpLocks/>
+            <a:stCxn id="23" idx="0"/>
+            <a:endCxn id="23" idx="2"/>
+          </p:cNvCxnSpPr>
+          <p:nvPr/>
+        </p:nvCxnSpPr>
+        <p:spPr>
+          <a:xfrm rot="16200000" flipH="1" flipV="1">
+            <a:off x="8108792" y="3393280"/>
+            <a:ext cx="274955" cy="275273"/>
+          </a:xfrm>
+          <a:prstGeom prst="curvedConnector4">
+            <a:avLst>
+              <a:gd name="adj1" fmla="val -83141"/>
+              <a:gd name="adj2" fmla="val 297462"/>
+            </a:avLst>
+          </a:prstGeom>
+          <a:ln>
+            <a:tailEnd type="triangle"/>
+          </a:ln>
+        </p:spPr>
+        <p:style>
+          <a:lnRef idx="1">
+            <a:schemeClr val="accent1"/>
+          </a:lnRef>
+          <a:fillRef idx="0">
+            <a:schemeClr val="accent1"/>
+          </a:fillRef>
+          <a:effectRef idx="0">
+            <a:schemeClr val="accent1"/>
+          </a:effectRef>
+          <a:fontRef idx="minor">
+            <a:schemeClr val="tx1"/>
+          </a:fontRef>
+        </p:style>
+      </p:cxnSp>
+      <p:sp>
+        <p:nvSpPr>
+          <p:cNvPr id="49" name="TextBox 48">
+            <a:extLst>
+              <a:ext uri="{FF2B5EF4-FFF2-40B4-BE49-F238E27FC236}">
+                <a16:creationId xmlns:a16="http://schemas.microsoft.com/office/drawing/2014/main" id="{3F818209-4A62-FAA1-95F1-F1A0940CE854}"/>
+              </a:ext>
+            </a:extLst>
+          </p:cNvPr>
+          <p:cNvSpPr txBox="1"/>
+          <p:nvPr/>
+        </p:nvSpPr>
+        <p:spPr>
+          <a:xfrm>
+            <a:off x="7530703" y="2846301"/>
+            <a:ext cx="666273" cy="646331"/>
+          </a:xfrm>
+          <a:prstGeom prst="rect">
+            <a:avLst/>
+          </a:prstGeom>
+          <a:noFill/>
+        </p:spPr>
+        <p:txBody>
+          <a:bodyPr wrap="none" rtlCol="0">
+            <a:spAutoFit/>
+          </a:bodyPr>
+          <a:lstStyle/>
+          <a:p>
+            <a:r>
+              <a:rPr lang="en-US" i="1" dirty="0"/>
+              <a:t>read</a:t>
+            </a:r>
+          </a:p>
+          <a:p>
+            <a:r>
+              <a:rPr lang="en-US" i="1" dirty="0"/>
+              <a:t>write</a:t>
+            </a:r>
+          </a:p>
+        </p:txBody>
+      </p:sp>
+      <p:cxnSp>
+        <p:nvCxnSpPr>
+          <p:cNvPr id="57" name="Straight Arrow Connector 56">
+            <a:extLst>
+              <a:ext uri="{FF2B5EF4-FFF2-40B4-BE49-F238E27FC236}">
+                <a16:creationId xmlns:a16="http://schemas.microsoft.com/office/drawing/2014/main" id="{E1127C4E-88B2-1DB9-95FA-8E865E0E34D2}"/>
+              </a:ext>
+            </a:extLst>
+          </p:cNvPr>
+          <p:cNvCxnSpPr>
+            <a:stCxn id="21" idx="1"/>
+            <a:endCxn id="23" idx="7"/>
+          </p:cNvCxnSpPr>
+          <p:nvPr/>
+        </p:nvCxnSpPr>
+        <p:spPr>
+          <a:xfrm flipH="1">
+            <a:off x="8578553" y="3473972"/>
+            <a:ext cx="1409026" cy="0"/>
+          </a:xfrm>
+          <a:prstGeom prst="straightConnector1">
+            <a:avLst/>
+          </a:prstGeom>
+          <a:ln>
+            <a:tailEnd type="triangle"/>
+          </a:ln>
+        </p:spPr>
+        <p:style>
+          <a:lnRef idx="1">
+            <a:schemeClr val="accent1"/>
+          </a:lnRef>
+          <a:fillRef idx="0">
+            <a:schemeClr val="accent1"/>
+          </a:fillRef>
+          <a:effectRef idx="0">
+            <a:schemeClr val="accent1"/>
+          </a:effectRef>
+          <a:fontRef idx="minor">
+            <a:schemeClr val="tx1"/>
+          </a:fontRef>
+        </p:style>
+      </p:cxnSp>
+      <p:sp>
+        <p:nvSpPr>
+          <p:cNvPr id="58" name="TextBox 57">
+            <a:extLst>
+              <a:ext uri="{FF2B5EF4-FFF2-40B4-BE49-F238E27FC236}">
+                <a16:creationId xmlns:a16="http://schemas.microsoft.com/office/drawing/2014/main" id="{9299B4E1-6DEE-BA46-D9A4-7230E8B4547B}"/>
+              </a:ext>
+            </a:extLst>
+          </p:cNvPr>
+          <p:cNvSpPr txBox="1"/>
+          <p:nvPr/>
+        </p:nvSpPr>
+        <p:spPr>
+          <a:xfrm>
+            <a:off x="8824933" y="2936513"/>
+            <a:ext cx="967880" cy="646331"/>
+          </a:xfrm>
+          <a:prstGeom prst="rect">
+            <a:avLst/>
+          </a:prstGeom>
+          <a:noFill/>
+        </p:spPr>
+        <p:txBody>
+          <a:bodyPr wrap="square" rtlCol="0">
+            <a:spAutoFit/>
+          </a:bodyPr>
+          <a:lstStyle/>
+          <a:p>
+            <a:endParaRPr lang="en-US" i="1" dirty="0"/>
+          </a:p>
+          <a:p>
+            <a:r>
+              <a:rPr lang="en-US" i="1" dirty="0"/>
+              <a:t>write</a:t>
+            </a:r>
+          </a:p>
+        </p:txBody>
+      </p:sp>
+      <p:cxnSp>
+        <p:nvCxnSpPr>
+          <p:cNvPr id="59" name="Straight Arrow Connector 58">
+            <a:extLst>
+              <a:ext uri="{FF2B5EF4-FFF2-40B4-BE49-F238E27FC236}">
+                <a16:creationId xmlns:a16="http://schemas.microsoft.com/office/drawing/2014/main" id="{B80204F7-BAC4-F103-F331-43EBF8EDDA73}"/>
+              </a:ext>
+            </a:extLst>
+          </p:cNvPr>
+          <p:cNvCxnSpPr>
+            <a:cxnSpLocks/>
+            <a:stCxn id="23" idx="4"/>
+            <a:endCxn id="21" idx="3"/>
+          </p:cNvCxnSpPr>
+          <p:nvPr/>
+        </p:nvCxnSpPr>
+        <p:spPr>
+          <a:xfrm flipV="1">
+            <a:off x="8383906" y="3862818"/>
+            <a:ext cx="1603673" cy="80532"/>
+          </a:xfrm>
+          <a:prstGeom prst="straightConnector1">
+            <a:avLst/>
+          </a:prstGeom>
+          <a:ln>
+            <a:tailEnd type="triangle"/>
+          </a:ln>
+        </p:spPr>
+        <p:style>
+          <a:lnRef idx="1">
+            <a:schemeClr val="accent1"/>
+          </a:lnRef>
+          <a:fillRef idx="0">
+            <a:schemeClr val="accent1"/>
+          </a:fillRef>
+          <a:effectRef idx="0">
+            <a:schemeClr val="accent1"/>
+          </a:effectRef>
+          <a:fontRef idx="minor">
+            <a:schemeClr val="tx1"/>
+          </a:fontRef>
+        </p:style>
+      </p:cxnSp>
+      <p:sp>
+        <p:nvSpPr>
+          <p:cNvPr id="60" name="TextBox 59">
+            <a:extLst>
+              <a:ext uri="{FF2B5EF4-FFF2-40B4-BE49-F238E27FC236}">
+                <a16:creationId xmlns:a16="http://schemas.microsoft.com/office/drawing/2014/main" id="{F2388205-F3C8-2AE2-BF43-DBC3321560CF}"/>
+              </a:ext>
+            </a:extLst>
+          </p:cNvPr>
+          <p:cNvSpPr txBox="1"/>
+          <p:nvPr/>
+        </p:nvSpPr>
+        <p:spPr>
+          <a:xfrm>
+            <a:off x="8841750" y="3429000"/>
+            <a:ext cx="967880" cy="646331"/>
+          </a:xfrm>
+          <a:prstGeom prst="rect">
+            <a:avLst/>
+          </a:prstGeom>
+          <a:noFill/>
+        </p:spPr>
+        <p:txBody>
+          <a:bodyPr wrap="square" rtlCol="0">
+            <a:spAutoFit/>
+          </a:bodyPr>
+          <a:lstStyle/>
+          <a:p>
+            <a:endParaRPr lang="en-US" i="1" dirty="0"/>
+          </a:p>
+          <a:p>
+            <a:r>
+              <a:rPr lang="en-US" i="1" dirty="0"/>
+              <a:t>flush</a:t>
+            </a:r>
+          </a:p>
+        </p:txBody>
+      </p:sp>
+      <p:cxnSp>
+        <p:nvCxnSpPr>
+          <p:cNvPr id="63" name="Straight Arrow Connector 62">
+            <a:extLst>
+              <a:ext uri="{FF2B5EF4-FFF2-40B4-BE49-F238E27FC236}">
+                <a16:creationId xmlns:a16="http://schemas.microsoft.com/office/drawing/2014/main" id="{C08266A4-4E74-9A1A-957A-E57B3C67FD34}"/>
+              </a:ext>
+            </a:extLst>
+          </p:cNvPr>
+          <p:cNvCxnSpPr>
+            <a:cxnSpLocks/>
+          </p:cNvCxnSpPr>
+          <p:nvPr/>
+        </p:nvCxnSpPr>
+        <p:spPr>
+          <a:xfrm flipH="1">
+            <a:off x="10165734" y="2839642"/>
+            <a:ext cx="30480" cy="538480"/>
+          </a:xfrm>
+          <a:prstGeom prst="straightConnector1">
+            <a:avLst/>
+          </a:prstGeom>
+          <a:ln>
+            <a:tailEnd type="triangle"/>
+          </a:ln>
+        </p:spPr>
+        <p:style>
+          <a:lnRef idx="1">
+            <a:schemeClr val="accent1"/>
+          </a:lnRef>
+          <a:fillRef idx="0">
+            <a:schemeClr val="accent1"/>
+          </a:fillRef>
+          <a:effectRef idx="0">
+            <a:schemeClr val="accent1"/>
+          </a:effectRef>
+          <a:fontRef idx="minor">
+            <a:schemeClr val="tx1"/>
+          </a:fontRef>
+        </p:style>
+      </p:cxnSp>
+      <p:cxnSp>
+        <p:nvCxnSpPr>
+          <p:cNvPr id="64" name="Straight Arrow Connector 63">
+            <a:extLst>
+              <a:ext uri="{FF2B5EF4-FFF2-40B4-BE49-F238E27FC236}">
+                <a16:creationId xmlns:a16="http://schemas.microsoft.com/office/drawing/2014/main" id="{82187FAC-534E-440E-4B66-D693ECA2544D}"/>
+              </a:ext>
+            </a:extLst>
+          </p:cNvPr>
+          <p:cNvCxnSpPr>
+            <a:cxnSpLocks/>
+          </p:cNvCxnSpPr>
+          <p:nvPr/>
+        </p:nvCxnSpPr>
+        <p:spPr>
+          <a:xfrm>
+            <a:off x="10165734" y="3928032"/>
+            <a:ext cx="10160" cy="584676"/>
+          </a:xfrm>
+          <a:prstGeom prst="straightConnector1">
+            <a:avLst/>
+          </a:prstGeom>
+          <a:ln>
+            <a:tailEnd type="triangle"/>
+          </a:ln>
+        </p:spPr>
+        <p:style>
+          <a:lnRef idx="1">
+            <a:schemeClr val="accent1"/>
+          </a:lnRef>
+          <a:fillRef idx="0">
+            <a:schemeClr val="accent1"/>
+          </a:fillRef>
+          <a:effectRef idx="0">
+            <a:schemeClr val="accent1"/>
+          </a:effectRef>
+          <a:fontRef idx="minor">
+            <a:schemeClr val="tx1"/>
+          </a:fontRef>
+        </p:style>
+      </p:cxnSp>
+      <p:sp>
+        <p:nvSpPr>
+          <p:cNvPr id="65" name="TextBox 64">
+            <a:extLst>
+              <a:ext uri="{FF2B5EF4-FFF2-40B4-BE49-F238E27FC236}">
+                <a16:creationId xmlns:a16="http://schemas.microsoft.com/office/drawing/2014/main" id="{43AA5B51-4C23-6AE3-B77E-614269ECFF01}"/>
+              </a:ext>
+            </a:extLst>
+          </p:cNvPr>
+          <p:cNvSpPr txBox="1"/>
+          <p:nvPr/>
+        </p:nvSpPr>
+        <p:spPr>
+          <a:xfrm>
+            <a:off x="9820347" y="2918501"/>
+            <a:ext cx="651140" cy="369332"/>
+          </a:xfrm>
+          <a:prstGeom prst="rect">
+            <a:avLst/>
+          </a:prstGeom>
+          <a:noFill/>
+        </p:spPr>
+        <p:txBody>
+          <a:bodyPr wrap="none" rtlCol="0">
+            <a:spAutoFit/>
+          </a:bodyPr>
+          <a:lstStyle/>
+          <a:p>
+            <a:pPr algn="r"/>
+            <a:r>
+              <a:rPr lang="en-US" i="1" dirty="0"/>
+              <a:t>open</a:t>
+            </a:r>
+          </a:p>
+        </p:txBody>
+      </p:sp>
+      <p:sp>
+        <p:nvSpPr>
+          <p:cNvPr id="66" name="TextBox 65">
+            <a:extLst>
+              <a:ext uri="{FF2B5EF4-FFF2-40B4-BE49-F238E27FC236}">
+                <a16:creationId xmlns:a16="http://schemas.microsoft.com/office/drawing/2014/main" id="{7FDEF6BB-826B-2ADF-1777-0D599851151F}"/>
+              </a:ext>
+            </a:extLst>
+          </p:cNvPr>
+          <p:cNvSpPr txBox="1"/>
+          <p:nvPr/>
+        </p:nvSpPr>
+        <p:spPr>
+          <a:xfrm>
+            <a:off x="9818744" y="4003041"/>
+            <a:ext cx="652743" cy="369332"/>
+          </a:xfrm>
+          <a:prstGeom prst="rect">
+            <a:avLst/>
+          </a:prstGeom>
+          <a:noFill/>
+        </p:spPr>
+        <p:txBody>
+          <a:bodyPr wrap="none" rtlCol="0">
+            <a:spAutoFit/>
+          </a:bodyPr>
+          <a:lstStyle/>
+          <a:p>
+            <a:pPr algn="r"/>
+            <a:r>
+              <a:rPr lang="en-US" i="1" dirty="0"/>
+              <a:t>close</a:t>
+            </a:r>
+          </a:p>
+        </p:txBody>
+      </p:sp>
     </p:spTree>
     <p:extLst>
       <p:ext uri="{BB962C8B-B14F-4D97-AF65-F5344CB8AC3E}">
@@ -30866,12 +31722,8 @@
               <a:buNone/>
             </a:pPr>
             <a:r>
-              <a:rPr lang="en-US" sz="4800" dirty="0"/>
-              <a:t>  				</a:t>
-            </a:r>
-            <a:r>
-              <a:rPr lang="en-US" sz="4000" dirty="0"/>
-              <a:t>(Exploiting </a:t>
+              <a:rPr lang="en-US" sz="3200" dirty="0"/>
+              <a:t>	</a:t>
             </a:r>
           </a:p>
           <a:p>
@@ -30879,40 +31731,31 @@
               <a:buNone/>
             </a:pPr>
             <a:r>
-              <a:rPr lang="en-US" sz="4000" dirty="0"/>
-              <a:t>					</a:t>
-            </a:r>
-            <a:r>
-              <a:rPr lang="en-US" sz="4000" dirty="0" err="1"/>
+              <a:rPr lang="en-US" sz="3200" dirty="0"/>
+              <a:t>	(Exploiting </a:t>
+            </a:r>
+            <a:r>
+              <a:rPr lang="en-US" sz="3200" dirty="0" err="1"/>
               <a:t>Kripke</a:t>
             </a:r>
             <a:r>
-              <a:rPr lang="en-US" sz="4000" dirty="0"/>
-              <a:t> Models, </a:t>
-            </a:r>
-          </a:p>
-          <a:p>
-            <a:pPr marL="0" indent="0">
-              <a:buNone/>
-            </a:pPr>
-            <a:r>
-              <a:rPr lang="en-US" sz="4000" dirty="0"/>
-              <a:t>					Generated </a:t>
-            </a:r>
-            <a:r>
-              <a:rPr lang="en-US" sz="4000" dirty="0" err="1"/>
+              <a:rPr lang="en-US" sz="3200" dirty="0"/>
+              <a:t> Models, Generated </a:t>
+            </a:r>
+            <a:r>
+              <a:rPr lang="en-US" sz="3200" dirty="0" err="1"/>
               <a:t>SubModels</a:t>
             </a:r>
             <a:r>
-              <a:rPr lang="en-US" sz="4000" dirty="0"/>
-              <a:t> 							&amp;</a:t>
-            </a:r>
-            <a:r>
-              <a:rPr lang="en-US" sz="4000" dirty="0" err="1"/>
+              <a:rPr lang="en-US" sz="3200" dirty="0"/>
+              <a:t> &amp;</a:t>
+            </a:r>
+            <a:r>
+              <a:rPr lang="en-US" sz="3200" dirty="0" err="1"/>
               <a:t>Bisimulation</a:t>
             </a:r>
             <a:r>
-              <a:rPr lang="en-US" sz="4000" dirty="0"/>
+              <a:rPr lang="en-US" sz="3200" dirty="0"/>
               <a:t>)</a:t>
             </a:r>
           </a:p>
@@ -30997,7 +31840,70 @@
           <a:bodyPr/>
           <a:lstStyle/>
           <a:p>
-            <a:endParaRPr lang="en-US"/>
+            <a:r>
+              <a:rPr lang="en-US" dirty="0"/>
+              <a:t>Two major pieces</a:t>
+            </a:r>
+          </a:p>
+          <a:p>
+            <a:pPr lvl="1"/>
+            <a:r>
+              <a:rPr lang="en-US" dirty="0"/>
+              <a:t>Morphisms to relate two protocol (</a:t>
+            </a:r>
+            <a:r>
+              <a:rPr lang="en-US" b="1" dirty="0"/>
+              <a:t>RG-</a:t>
+            </a:r>
+            <a:r>
+              <a:rPr lang="en-US" b="1" dirty="0" err="1"/>
+              <a:t>Bisim</a:t>
+            </a:r>
+            <a:r>
+              <a:rPr lang="en-US" dirty="0"/>
+              <a:t>)</a:t>
+            </a:r>
+          </a:p>
+          <a:p>
+            <a:pPr lvl="1"/>
+            <a:r>
+              <a:rPr lang="en-US" dirty="0"/>
+              <a:t>Linking to program logic through (</a:t>
+            </a:r>
+            <a:r>
+              <a:rPr lang="en-US" b="1" dirty="0" err="1"/>
+              <a:t>IslandUpdate</a:t>
+            </a:r>
+            <a:r>
+              <a:rPr lang="en-US" b="1" dirty="0"/>
+              <a:t> Rule)</a:t>
+            </a:r>
+          </a:p>
+          <a:p>
+            <a:pPr lvl="2"/>
+            <a:r>
+              <a:rPr lang="en-US" dirty="0"/>
+              <a:t>Proof rules </a:t>
+            </a:r>
+            <a:r>
+              <a:rPr lang="en-US" dirty="0" err="1"/>
+              <a:t>bisimilar</a:t>
+            </a:r>
+            <a:r>
+              <a:rPr lang="en-US" dirty="0"/>
+              <a:t> protocols</a:t>
+            </a:r>
+          </a:p>
+          <a:p>
+            <a:pPr lvl="2"/>
+            <a:r>
+              <a:rPr lang="en-US" dirty="0"/>
+              <a:t>Proof rules for generated smaller protocols</a:t>
+            </a:r>
+          </a:p>
+          <a:p>
+            <a:pPr lvl="2"/>
+            <a:endParaRPr lang="en-US" dirty="0"/>
           </a:p>
         </p:txBody>
       </p:sp>
@@ -31532,13 +32438,16 @@
           <a:p>
             <a:r>
               <a:rPr lang="en-US" dirty="0"/>
-              <a:t>RG-STS: Proof Rules under </a:t>
+              <a:t>RG-STS: Proof Rules for </a:t>
             </a:r>
             <a:r>
               <a:rPr lang="en-US" dirty="0" err="1"/>
-              <a:t>Bisimulation</a:t>
-            </a:r>
-            <a:endParaRPr lang="en-US" dirty="0"/>
+              <a:t>Bisimilar</a:t>
+            </a:r>
+            <a:r>
+              <a:rPr lang="en-US" dirty="0"/>
+              <a:t> Protocols</a:t>
+            </a:r>
           </a:p>
         </p:txBody>
       </p:sp>
@@ -31602,7 +32511,7 @@
           <p:cNvPr id="2" name="Title 1">
             <a:extLst>
               <a:ext uri="{FF2B5EF4-FFF2-40B4-BE49-F238E27FC236}">
-                <a16:creationId xmlns:a16="http://schemas.microsoft.com/office/drawing/2014/main" id="{17A6D691-BDDA-5E13-0C8A-1D78CEDE0074}"/>
+                <a16:creationId xmlns:a16="http://schemas.microsoft.com/office/drawing/2014/main" id="{49074C14-374B-7943-F1DC-88A056B80D77}"/>
               </a:ext>
             </a:extLst>
           </p:cNvPr>
@@ -31620,7 +32529,7 @@
           <a:p>
             <a:r>
               <a:rPr lang="en-US" dirty="0"/>
-              <a:t>What does all these mean in our example?</a:t>
+              <a:t>Current Status of RG-STS</a:t>
             </a:r>
           </a:p>
         </p:txBody>
@@ -31630,7 +32539,7 @@
           <p:cNvPr id="3" name="Content Placeholder 2">
             <a:extLst>
               <a:ext uri="{FF2B5EF4-FFF2-40B4-BE49-F238E27FC236}">
-                <a16:creationId xmlns:a16="http://schemas.microsoft.com/office/drawing/2014/main" id="{23C01DBE-CCE9-68C7-7A81-749C37BD7775}"/>
+                <a16:creationId xmlns:a16="http://schemas.microsoft.com/office/drawing/2014/main" id="{C0F2BF73-C558-B793-D222-51ACD17D6658}"/>
               </a:ext>
             </a:extLst>
           </p:cNvPr>
@@ -31641,417 +32550,137 @@
             <p:ph idx="1"/>
           </p:nvPr>
         </p:nvSpPr>
-        <p:spPr/>
-        <p:txBody>
-          <a:bodyPr/>
-          <a:lstStyle/>
-          <a:p>
+        <p:spPr>
+          <a:xfrm>
+            <a:off x="838200" y="1825624"/>
+            <a:ext cx="10515600" cy="4788535"/>
+          </a:xfrm>
+        </p:spPr>
+        <p:txBody>
+          <a:bodyPr>
+            <a:normAutofit fontScale="92500" lnSpcReduction="20000"/>
+          </a:bodyPr>
+          <a:lstStyle/>
+          <a:p>
+            <a:r>
+              <a:rPr lang="en-US" dirty="0"/>
+              <a:t>Currently being worked on</a:t>
+            </a:r>
+          </a:p>
+          <a:p>
+            <a:pPr lvl="1"/>
+            <a:r>
+              <a:rPr lang="en-US" dirty="0"/>
+              <a:t>Soundness proofs is under-change </a:t>
+            </a:r>
+          </a:p>
+          <a:p>
+            <a:pPr lvl="1"/>
+            <a:r>
+              <a:rPr lang="en-US" dirty="0"/>
+              <a:t>Proofs of filesystem protocols presented in this paper </a:t>
+            </a:r>
+          </a:p>
+          <a:p>
+            <a:r>
+              <a:rPr lang="en-US" dirty="0"/>
+              <a:t>Already done</a:t>
+            </a:r>
+          </a:p>
+          <a:p>
+            <a:pPr lvl="1"/>
+            <a:r>
+              <a:rPr lang="en-US" b="1" dirty="0" err="1"/>
+              <a:t>mmap</a:t>
+            </a:r>
+            <a:r>
+              <a:rPr lang="en-US" b="1" dirty="0"/>
+              <a:t> </a:t>
+            </a:r>
+            <a:r>
+              <a:rPr lang="en-US" dirty="0"/>
+              <a:t>and </a:t>
+            </a:r>
+            <a:r>
+              <a:rPr lang="en-US" b="1" dirty="0" err="1"/>
+              <a:t>mmap_lazy</a:t>
+            </a:r>
+            <a:r>
+              <a:rPr lang="en-US" b="1" dirty="0"/>
+              <a:t> </a:t>
+            </a:r>
+            <a:r>
+              <a:rPr lang="en-US" dirty="0"/>
+              <a:t>are implemented inside the kernel as a candidate for being an extra experiment</a:t>
+            </a:r>
+          </a:p>
+          <a:p>
+            <a:pPr lvl="1"/>
+            <a:r>
+              <a:rPr lang="en-US" b="1" dirty="0" err="1"/>
+              <a:t>Vfs</a:t>
+            </a:r>
+            <a:r>
+              <a:rPr lang="en-US" b="1" dirty="0"/>
+              <a:t> -- </a:t>
+            </a:r>
+            <a:r>
+              <a:rPr lang="en-US" dirty="0"/>
+              <a:t>realized by S5 (already exists inside xv6 OS) and ext2 (implemented by us)</a:t>
+            </a:r>
+            <a:endParaRPr lang="en-US" b="1" dirty="0"/>
+          </a:p>
+          <a:p>
+            <a:pPr lvl="1"/>
+            <a:r>
+              <a:rPr lang="en-US" b="1" dirty="0"/>
+              <a:t>Disk device drivers</a:t>
+            </a:r>
+            <a:r>
+              <a:rPr lang="en-US" dirty="0"/>
+              <a:t>: A block disk driver for our ext2 vs. in-memory block device driver (to</a:t>
+            </a:r>
+          </a:p>
+          <a:p>
+            <a:r>
+              <a:rPr lang="en-US" dirty="0"/>
+              <a:t>To be done</a:t>
+            </a:r>
+          </a:p>
+          <a:p>
+            <a:pPr lvl="1"/>
+            <a:r>
+              <a:rPr lang="en-US" dirty="0"/>
+              <a:t>Finish the soundness </a:t>
+            </a:r>
+          </a:p>
+          <a:p>
+            <a:pPr lvl="1"/>
+            <a:r>
+              <a:rPr lang="en-US" dirty="0"/>
+              <a:t>Pick-up one extra example in addition to the filesystem protocol example amongst the examples mentioned above</a:t>
+            </a:r>
+          </a:p>
+          <a:p>
+            <a:pPr lvl="2"/>
+            <a:r>
+              <a:rPr lang="en-US" dirty="0"/>
+              <a:t>Not necessarily the implementation of them </a:t>
+            </a:r>
+          </a:p>
+          <a:p>
+            <a:pPr lvl="2"/>
+            <a:r>
+              <a:rPr lang="en-US" dirty="0"/>
+              <a:t>Not necessarily the complete protocol of them</a:t>
+            </a:r>
+          </a:p>
+          <a:p>
+            <a:pPr lvl="1"/>
             <a:endParaRPr lang="en-US" dirty="0"/>
           </a:p>
-        </p:txBody>
-      </p:sp>
-      <p:sp>
-        <p:nvSpPr>
-          <p:cNvPr id="4" name="Oval 3">
-            <a:extLst>
-              <a:ext uri="{FF2B5EF4-FFF2-40B4-BE49-F238E27FC236}">
-                <a16:creationId xmlns:a16="http://schemas.microsoft.com/office/drawing/2014/main" id="{E6B8F967-2106-1D18-92BD-E8E5404924A2}"/>
-              </a:ext>
-            </a:extLst>
-          </p:cNvPr>
-          <p:cNvSpPr/>
-          <p:nvPr/>
-        </p:nvSpPr>
-        <p:spPr>
-          <a:xfrm>
-            <a:off x="2009775" y="2305050"/>
-            <a:ext cx="361950" cy="390525"/>
-          </a:xfrm>
-          <a:prstGeom prst="ellipse">
-            <a:avLst/>
-          </a:prstGeom>
-        </p:spPr>
-        <p:style>
-          <a:lnRef idx="2">
-            <a:schemeClr val="accent1">
-              <a:shade val="15000"/>
-            </a:schemeClr>
-          </a:lnRef>
-          <a:fillRef idx="1">
-            <a:schemeClr val="accent1"/>
-          </a:fillRef>
-          <a:effectRef idx="0">
-            <a:schemeClr val="accent1"/>
-          </a:effectRef>
-          <a:fontRef idx="minor">
-            <a:schemeClr val="lt1"/>
-          </a:fontRef>
-        </p:style>
-        <p:txBody>
-          <a:bodyPr rtlCol="0" anchor="ctr"/>
-          <a:lstStyle/>
-          <a:p>
-            <a:pPr algn="ctr"/>
-            <a:endParaRPr lang="en-US"/>
-          </a:p>
-        </p:txBody>
-      </p:sp>
-      <p:sp>
-        <p:nvSpPr>
-          <p:cNvPr id="5" name="Oval 4">
-            <a:extLst>
-              <a:ext uri="{FF2B5EF4-FFF2-40B4-BE49-F238E27FC236}">
-                <a16:creationId xmlns:a16="http://schemas.microsoft.com/office/drawing/2014/main" id="{B296B064-DF16-1B37-7221-83021B9C69F6}"/>
-              </a:ext>
-            </a:extLst>
-          </p:cNvPr>
-          <p:cNvSpPr/>
-          <p:nvPr/>
-        </p:nvSpPr>
-        <p:spPr>
-          <a:xfrm>
-            <a:off x="2009775" y="3555999"/>
-            <a:ext cx="361950" cy="390525"/>
-          </a:xfrm>
-          <a:prstGeom prst="ellipse">
-            <a:avLst/>
-          </a:prstGeom>
-        </p:spPr>
-        <p:style>
-          <a:lnRef idx="2">
-            <a:schemeClr val="accent1">
-              <a:shade val="15000"/>
-            </a:schemeClr>
-          </a:lnRef>
-          <a:fillRef idx="1">
-            <a:schemeClr val="accent1"/>
-          </a:fillRef>
-          <a:effectRef idx="0">
-            <a:schemeClr val="accent1"/>
-          </a:effectRef>
-          <a:fontRef idx="minor">
-            <a:schemeClr val="lt1"/>
-          </a:fontRef>
-        </p:style>
-        <p:txBody>
-          <a:bodyPr rtlCol="0" anchor="ctr"/>
-          <a:lstStyle/>
-          <a:p>
-            <a:pPr algn="ctr"/>
-            <a:endParaRPr lang="en-US"/>
-          </a:p>
-        </p:txBody>
-      </p:sp>
-      <p:sp>
-        <p:nvSpPr>
-          <p:cNvPr id="6" name="Oval 5">
-            <a:extLst>
-              <a:ext uri="{FF2B5EF4-FFF2-40B4-BE49-F238E27FC236}">
-                <a16:creationId xmlns:a16="http://schemas.microsoft.com/office/drawing/2014/main" id="{1E410281-34A4-EDFB-6C13-2279BCCF7354}"/>
-              </a:ext>
-            </a:extLst>
-          </p:cNvPr>
-          <p:cNvSpPr/>
-          <p:nvPr/>
-        </p:nvSpPr>
-        <p:spPr>
-          <a:xfrm>
-            <a:off x="2000250" y="4895855"/>
-            <a:ext cx="361950" cy="390525"/>
-          </a:xfrm>
-          <a:prstGeom prst="ellipse">
-            <a:avLst/>
-          </a:prstGeom>
-        </p:spPr>
-        <p:style>
-          <a:lnRef idx="2">
-            <a:schemeClr val="accent1">
-              <a:shade val="15000"/>
-            </a:schemeClr>
-          </a:lnRef>
-          <a:fillRef idx="1">
-            <a:schemeClr val="accent1"/>
-          </a:fillRef>
-          <a:effectRef idx="0">
-            <a:schemeClr val="accent1"/>
-          </a:effectRef>
-          <a:fontRef idx="minor">
-            <a:schemeClr val="lt1"/>
-          </a:fontRef>
-        </p:style>
-        <p:txBody>
-          <a:bodyPr rtlCol="0" anchor="ctr"/>
-          <a:lstStyle/>
-          <a:p>
-            <a:pPr algn="ctr"/>
-            <a:endParaRPr lang="en-US"/>
-          </a:p>
-        </p:txBody>
-      </p:sp>
-      <p:sp>
-        <p:nvSpPr>
-          <p:cNvPr id="7" name="Oval 6">
-            <a:extLst>
-              <a:ext uri="{FF2B5EF4-FFF2-40B4-BE49-F238E27FC236}">
-                <a16:creationId xmlns:a16="http://schemas.microsoft.com/office/drawing/2014/main" id="{15F28363-A2B6-E416-FDC3-16F97656FF42}"/>
-              </a:ext>
-            </a:extLst>
-          </p:cNvPr>
-          <p:cNvSpPr/>
-          <p:nvPr/>
-        </p:nvSpPr>
-        <p:spPr>
-          <a:xfrm>
-            <a:off x="7324725" y="3555998"/>
-            <a:ext cx="361950" cy="390525"/>
-          </a:xfrm>
-          <a:prstGeom prst="ellipse">
-            <a:avLst/>
-          </a:prstGeom>
-        </p:spPr>
-        <p:style>
-          <a:lnRef idx="2">
-            <a:schemeClr val="accent1">
-              <a:shade val="15000"/>
-            </a:schemeClr>
-          </a:lnRef>
-          <a:fillRef idx="1">
-            <a:schemeClr val="accent1"/>
-          </a:fillRef>
-          <a:effectRef idx="0">
-            <a:schemeClr val="accent1"/>
-          </a:effectRef>
-          <a:fontRef idx="minor">
-            <a:schemeClr val="lt1"/>
-          </a:fontRef>
-        </p:style>
-        <p:txBody>
-          <a:bodyPr rtlCol="0" anchor="ctr"/>
-          <a:lstStyle/>
-          <a:p>
-            <a:pPr algn="ctr"/>
-            <a:endParaRPr lang="en-US"/>
-          </a:p>
-        </p:txBody>
-      </p:sp>
-      <p:sp>
-        <p:nvSpPr>
-          <p:cNvPr id="8" name="Oval 7">
-            <a:extLst>
-              <a:ext uri="{FF2B5EF4-FFF2-40B4-BE49-F238E27FC236}">
-                <a16:creationId xmlns:a16="http://schemas.microsoft.com/office/drawing/2014/main" id="{17F994BD-F77C-FE72-17C4-6C61B617ECA2}"/>
-              </a:ext>
-            </a:extLst>
-          </p:cNvPr>
-          <p:cNvSpPr/>
-          <p:nvPr/>
-        </p:nvSpPr>
-        <p:spPr>
-          <a:xfrm>
-            <a:off x="9067800" y="2305049"/>
-            <a:ext cx="361950" cy="390525"/>
-          </a:xfrm>
-          <a:prstGeom prst="ellipse">
-            <a:avLst/>
-          </a:prstGeom>
-        </p:spPr>
-        <p:style>
-          <a:lnRef idx="2">
-            <a:schemeClr val="accent1">
-              <a:shade val="15000"/>
-            </a:schemeClr>
-          </a:lnRef>
-          <a:fillRef idx="1">
-            <a:schemeClr val="accent1"/>
-          </a:fillRef>
-          <a:effectRef idx="0">
-            <a:schemeClr val="accent1"/>
-          </a:effectRef>
-          <a:fontRef idx="minor">
-            <a:schemeClr val="lt1"/>
-          </a:fontRef>
-        </p:style>
-        <p:txBody>
-          <a:bodyPr rtlCol="0" anchor="ctr"/>
-          <a:lstStyle/>
-          <a:p>
-            <a:pPr algn="ctr"/>
-            <a:endParaRPr lang="en-US"/>
-          </a:p>
-        </p:txBody>
-      </p:sp>
-      <p:sp>
-        <p:nvSpPr>
-          <p:cNvPr id="9" name="Oval 8">
-            <a:extLst>
-              <a:ext uri="{FF2B5EF4-FFF2-40B4-BE49-F238E27FC236}">
-                <a16:creationId xmlns:a16="http://schemas.microsoft.com/office/drawing/2014/main" id="{A97C5065-5C26-2600-4EBB-4461425DF9FF}"/>
-              </a:ext>
-            </a:extLst>
-          </p:cNvPr>
-          <p:cNvSpPr/>
-          <p:nvPr/>
-        </p:nvSpPr>
-        <p:spPr>
-          <a:xfrm>
-            <a:off x="9067800" y="3555999"/>
-            <a:ext cx="361950" cy="390525"/>
-          </a:xfrm>
-          <a:prstGeom prst="ellipse">
-            <a:avLst/>
-          </a:prstGeom>
-        </p:spPr>
-        <p:style>
-          <a:lnRef idx="2">
-            <a:schemeClr val="accent1">
-              <a:shade val="15000"/>
-            </a:schemeClr>
-          </a:lnRef>
-          <a:fillRef idx="1">
-            <a:schemeClr val="accent1"/>
-          </a:fillRef>
-          <a:effectRef idx="0">
-            <a:schemeClr val="accent1"/>
-          </a:effectRef>
-          <a:fontRef idx="minor">
-            <a:schemeClr val="lt1"/>
-          </a:fontRef>
-        </p:style>
-        <p:txBody>
-          <a:bodyPr rtlCol="0" anchor="ctr"/>
-          <a:lstStyle/>
-          <a:p>
-            <a:pPr algn="ctr"/>
-            <a:endParaRPr lang="en-US"/>
-          </a:p>
-        </p:txBody>
-      </p:sp>
-      <p:sp>
-        <p:nvSpPr>
-          <p:cNvPr id="10" name="Oval 9">
-            <a:extLst>
-              <a:ext uri="{FF2B5EF4-FFF2-40B4-BE49-F238E27FC236}">
-                <a16:creationId xmlns:a16="http://schemas.microsoft.com/office/drawing/2014/main" id="{155F3550-A1F4-CDD8-4C53-6D96D6A3EB87}"/>
-              </a:ext>
-            </a:extLst>
-          </p:cNvPr>
-          <p:cNvSpPr/>
-          <p:nvPr/>
-        </p:nvSpPr>
-        <p:spPr>
-          <a:xfrm>
-            <a:off x="9067800" y="4895855"/>
-            <a:ext cx="361950" cy="390525"/>
-          </a:xfrm>
-          <a:prstGeom prst="ellipse">
-            <a:avLst/>
-          </a:prstGeom>
-        </p:spPr>
-        <p:style>
-          <a:lnRef idx="2">
-            <a:schemeClr val="accent1">
-              <a:shade val="15000"/>
-            </a:schemeClr>
-          </a:lnRef>
-          <a:fillRef idx="1">
-            <a:schemeClr val="accent1"/>
-          </a:fillRef>
-          <a:effectRef idx="0">
-            <a:schemeClr val="accent1"/>
-          </a:effectRef>
-          <a:fontRef idx="minor">
-            <a:schemeClr val="lt1"/>
-          </a:fontRef>
-        </p:style>
-        <p:txBody>
-          <a:bodyPr rtlCol="0" anchor="ctr"/>
-          <a:lstStyle/>
-          <a:p>
-            <a:pPr algn="ctr"/>
-            <a:endParaRPr lang="en-US"/>
-          </a:p>
-        </p:txBody>
-      </p:sp>
-    </p:spTree>
-    <p:extLst>
-      <p:ext uri="{BB962C8B-B14F-4D97-AF65-F5344CB8AC3E}">
-        <p14:creationId xmlns:p14="http://schemas.microsoft.com/office/powerpoint/2010/main" val="2430606378"/>
-      </p:ext>
-    </p:extLst>
-  </p:cSld>
-  <p:clrMapOvr>
-    <a:masterClrMapping/>
-  </p:clrMapOvr>
-</p:sld>
-</file>
-
-<file path=ppt/slides/slide43.xml><?xml version="1.0" encoding="utf-8"?>
-<p:sld xmlns:a="http://schemas.openxmlformats.org/drawingml/2006/main" xmlns:r="http://schemas.openxmlformats.org/officeDocument/2006/relationships" xmlns:p="http://schemas.openxmlformats.org/presentationml/2006/main">
-  <p:cSld>
-    <p:spTree>
-      <p:nvGrpSpPr>
-        <p:cNvPr id="1" name=""/>
-        <p:cNvGrpSpPr/>
-        <p:nvPr/>
-      </p:nvGrpSpPr>
-      <p:grpSpPr>
-        <a:xfrm>
-          <a:off x="0" y="0"/>
-          <a:ext cx="0" cy="0"/>
-          <a:chOff x="0" y="0"/>
-          <a:chExt cx="0" cy="0"/>
-        </a:xfrm>
-      </p:grpSpPr>
-      <p:sp>
-        <p:nvSpPr>
-          <p:cNvPr id="2" name="Title 1">
-            <a:extLst>
-              <a:ext uri="{FF2B5EF4-FFF2-40B4-BE49-F238E27FC236}">
-                <a16:creationId xmlns:a16="http://schemas.microsoft.com/office/drawing/2014/main" id="{49074C14-374B-7943-F1DC-88A056B80D77}"/>
-              </a:ext>
-            </a:extLst>
-          </p:cNvPr>
-          <p:cNvSpPr>
-            <a:spLocks noGrp="1"/>
-          </p:cNvSpPr>
-          <p:nvPr>
-            <p:ph type="title"/>
-          </p:nvPr>
-        </p:nvSpPr>
-        <p:spPr/>
-        <p:txBody>
-          <a:bodyPr/>
-          <a:lstStyle/>
-          <a:p>
-            <a:r>
-              <a:rPr lang="en-US" dirty="0"/>
-              <a:t>More on  </a:t>
-            </a:r>
-          </a:p>
-        </p:txBody>
-      </p:sp>
-      <p:sp>
-        <p:nvSpPr>
-          <p:cNvPr id="3" name="Content Placeholder 2">
-            <a:extLst>
-              <a:ext uri="{FF2B5EF4-FFF2-40B4-BE49-F238E27FC236}">
-                <a16:creationId xmlns:a16="http://schemas.microsoft.com/office/drawing/2014/main" id="{C0F2BF73-C558-B793-D222-51ACD17D6658}"/>
-              </a:ext>
-            </a:extLst>
-          </p:cNvPr>
-          <p:cNvSpPr>
-            <a:spLocks noGrp="1"/>
-          </p:cNvSpPr>
-          <p:nvPr>
-            <p:ph idx="1"/>
-          </p:nvPr>
-        </p:nvSpPr>
-        <p:spPr/>
-        <p:txBody>
-          <a:bodyPr/>
-          <a:lstStyle/>
-          <a:p>
-            <a:endParaRPr lang="en-US"/>
+          <a:p>
+            <a:endParaRPr lang="en-US" b="1" dirty="0"/>
           </a:p>
         </p:txBody>
       </p:sp>
@@ -32068,7 +32697,7 @@
 </p:sld>
 </file>
 
-<file path=ppt/slides/slide44.xml><?xml version="1.0" encoding="utf-8"?>
+<file path=ppt/slides/slide43.xml><?xml version="1.0" encoding="utf-8"?>
 <p:sld xmlns:a="http://schemas.openxmlformats.org/drawingml/2006/main" xmlns:r="http://schemas.openxmlformats.org/officeDocument/2006/relationships" xmlns:p="http://schemas.openxmlformats.org/presentationml/2006/main">
   <p:cSld>
     <p:spTree>
@@ -32230,7 +32859,7 @@
 </p:sld>
 </file>
 
-<file path=ppt/slides/slide45.xml><?xml version="1.0" encoding="utf-8"?>
+<file path=ppt/slides/slide44.xml><?xml version="1.0" encoding="utf-8"?>
 <p:sld xmlns:a="http://schemas.openxmlformats.org/drawingml/2006/main" xmlns:r="http://schemas.openxmlformats.org/officeDocument/2006/relationships" xmlns:p="http://schemas.openxmlformats.org/presentationml/2006/main">
   <p:cSld>
     <p:spTree>
@@ -32317,7 +32946,7 @@
 </p:sld>
 </file>
 
-<file path=ppt/slides/slide46.xml><?xml version="1.0" encoding="utf-8"?>
+<file path=ppt/slides/slide45.xml><?xml version="1.0" encoding="utf-8"?>
 <p:sld xmlns:a="http://schemas.openxmlformats.org/drawingml/2006/main" xmlns:r="http://schemas.openxmlformats.org/officeDocument/2006/relationships" xmlns:p="http://schemas.openxmlformats.org/presentationml/2006/main">
   <p:cSld>
     <p:spTree>

--- a/thesis_proposal/proposal.pptx
+++ b/thesis_proposal/proposal.pptx
@@ -5,7 +5,7 @@
     <p:sldMasterId id="2147483648" r:id="rId1"/>
   </p:sldMasterIdLst>
   <p:notesMasterIdLst>
-    <p:notesMasterId r:id="rId47"/>
+    <p:notesMasterId r:id="rId48"/>
   </p:notesMasterIdLst>
   <p:sldIdLst>
     <p:sldId id="256" r:id="rId2"/>
@@ -42,17 +42,18 @@
     <p:sldId id="286" r:id="rId33"/>
     <p:sldId id="293" r:id="rId34"/>
     <p:sldId id="287" r:id="rId35"/>
-    <p:sldId id="289" r:id="rId36"/>
-    <p:sldId id="304" r:id="rId37"/>
-    <p:sldId id="305" r:id="rId38"/>
-    <p:sldId id="306" r:id="rId39"/>
-    <p:sldId id="307" r:id="rId40"/>
-    <p:sldId id="308" r:id="rId41"/>
-    <p:sldId id="309" r:id="rId42"/>
-    <p:sldId id="295" r:id="rId43"/>
-    <p:sldId id="288" r:id="rId44"/>
-    <p:sldId id="268" r:id="rId45"/>
-    <p:sldId id="274" r:id="rId46"/>
+    <p:sldId id="312" r:id="rId36"/>
+    <p:sldId id="289" r:id="rId37"/>
+    <p:sldId id="304" r:id="rId38"/>
+    <p:sldId id="305" r:id="rId39"/>
+    <p:sldId id="306" r:id="rId40"/>
+    <p:sldId id="307" r:id="rId41"/>
+    <p:sldId id="308" r:id="rId42"/>
+    <p:sldId id="309" r:id="rId43"/>
+    <p:sldId id="295" r:id="rId44"/>
+    <p:sldId id="288" r:id="rId45"/>
+    <p:sldId id="268" r:id="rId46"/>
+    <p:sldId id="274" r:id="rId47"/>
   </p:sldIdLst>
   <p:sldSz cx="12192000" cy="6858000"/>
   <p:notesSz cx="6858000" cy="9144000"/>
@@ -2514,7 +2515,7 @@
           <a:p>
             <a:fld id="{180B0F4F-C4CA-F945-8BD8-C2A10415F31A}" type="slidenum">
               <a:rPr lang="en-US" smtClean="0"/>
-              <a:t>44</a:t>
+              <a:t>45</a:t>
             </a:fld>
             <a:endParaRPr lang="en-US"/>
           </a:p>
@@ -2607,7 +2608,7 @@
           <a:p>
             <a:fld id="{180B0F4F-C4CA-F945-8BD8-C2A10415F31A}" type="slidenum">
               <a:rPr lang="en-US" smtClean="0"/>
-              <a:t>45</a:t>
+              <a:t>46</a:t>
             </a:fld>
             <a:endParaRPr lang="en-US"/>
           </a:p>
@@ -28506,10 +28507,9 @@
           <a:lstStyle/>
           <a:p>
             <a:r>
-              <a:rPr lang="en-US" dirty="0" err="1"/>
-              <a:t>system_call</a:t>
-            </a:r>
-            <a:endParaRPr lang="en-US" dirty="0"/>
+              <a:rPr lang="en-US" dirty="0"/>
+              <a:t>Sys Calls</a:t>
+            </a:r>
           </a:p>
         </p:txBody>
       </p:sp>
@@ -29539,7 +29539,7 @@
           <a:p>
             <a:r>
               <a:rPr lang="en-US" dirty="0"/>
-              <a:t>Device drivers</a:t>
+              <a:t>Device Drivers</a:t>
             </a:r>
           </a:p>
         </p:txBody>
@@ -29767,58 +29767,6 @@
               <a:rPr lang="en-US" dirty="0"/>
               <a:t>block disk driver </a:t>
             </a:r>
-          </a:p>
-        </p:txBody>
-      </p:sp>
-      <p:sp>
-        <p:nvSpPr>
-          <p:cNvPr id="42" name="Frame 41">
-            <a:extLst>
-              <a:ext uri="{FF2B5EF4-FFF2-40B4-BE49-F238E27FC236}">
-                <a16:creationId xmlns:a16="http://schemas.microsoft.com/office/drawing/2014/main" id="{ADC8364F-A459-973C-EE43-500B87F8B83F}"/>
-              </a:ext>
-            </a:extLst>
-          </p:cNvPr>
-          <p:cNvSpPr/>
-          <p:nvPr/>
-        </p:nvSpPr>
-        <p:spPr>
-          <a:xfrm>
-            <a:off x="7249032" y="2529958"/>
-            <a:ext cx="3053208" cy="1581605"/>
-          </a:xfrm>
-          <a:prstGeom prst="frame">
-            <a:avLst>
-              <a:gd name="adj1" fmla="val 1580"/>
-            </a:avLst>
-          </a:prstGeom>
-        </p:spPr>
-        <p:style>
-          <a:lnRef idx="2">
-            <a:schemeClr val="accent1">
-              <a:shade val="15000"/>
-            </a:schemeClr>
-          </a:lnRef>
-          <a:fillRef idx="1">
-            <a:schemeClr val="accent1"/>
-          </a:fillRef>
-          <a:effectRef idx="0">
-            <a:schemeClr val="accent1"/>
-          </a:effectRef>
-          <a:fontRef idx="minor">
-            <a:schemeClr val="lt1"/>
-          </a:fontRef>
-        </p:style>
-        <p:txBody>
-          <a:bodyPr rtlCol="0" anchor="ctr"/>
-          <a:lstStyle/>
-          <a:p>
-            <a:pPr algn="ctr"/>
-            <a:endParaRPr lang="en-US">
-              <a:solidFill>
-                <a:schemeClr val="tx1"/>
-              </a:solidFill>
-            </a:endParaRPr>
           </a:p>
         </p:txBody>
       </p:sp>
@@ -29929,251 +29877,6 @@
       </p:sp>
       <p:cxnSp>
         <p:nvCxnSpPr>
-          <p:cNvPr id="48" name="Straight Connector 47">
-            <a:extLst>
-              <a:ext uri="{FF2B5EF4-FFF2-40B4-BE49-F238E27FC236}">
-                <a16:creationId xmlns:a16="http://schemas.microsoft.com/office/drawing/2014/main" id="{3F967932-8ADE-DBB4-1DE9-21F8B51D4D45}"/>
-              </a:ext>
-            </a:extLst>
-          </p:cNvPr>
-          <p:cNvCxnSpPr/>
-          <p:nvPr/>
-        </p:nvCxnSpPr>
-        <p:spPr>
-          <a:xfrm flipH="1">
-            <a:off x="1510935" y="2005128"/>
-            <a:ext cx="3201980" cy="669424"/>
-          </a:xfrm>
-          <a:prstGeom prst="line">
-            <a:avLst/>
-          </a:prstGeom>
-          <a:ln w="38100"/>
-        </p:spPr>
-        <p:style>
-          <a:lnRef idx="1">
-            <a:schemeClr val="accent1"/>
-          </a:lnRef>
-          <a:fillRef idx="0">
-            <a:schemeClr val="accent1"/>
-          </a:fillRef>
-          <a:effectRef idx="0">
-            <a:schemeClr val="accent1"/>
-          </a:effectRef>
-          <a:fontRef idx="minor">
-            <a:schemeClr val="tx1"/>
-          </a:fontRef>
-        </p:style>
-      </p:cxnSp>
-      <p:cxnSp>
-        <p:nvCxnSpPr>
-          <p:cNvPr id="49" name="Straight Connector 48">
-            <a:extLst>
-              <a:ext uri="{FF2B5EF4-FFF2-40B4-BE49-F238E27FC236}">
-                <a16:creationId xmlns:a16="http://schemas.microsoft.com/office/drawing/2014/main" id="{482CF13A-3B07-0182-4AE2-CEF2A18AD6E1}"/>
-              </a:ext>
-            </a:extLst>
-          </p:cNvPr>
-          <p:cNvCxnSpPr>
-            <a:cxnSpLocks/>
-          </p:cNvCxnSpPr>
-          <p:nvPr/>
-        </p:nvCxnSpPr>
-        <p:spPr>
-          <a:xfrm>
-            <a:off x="1523236" y="2674552"/>
-            <a:ext cx="0" cy="708012"/>
-          </a:xfrm>
-          <a:prstGeom prst="line">
-            <a:avLst/>
-          </a:prstGeom>
-          <a:ln w="38100"/>
-        </p:spPr>
-        <p:style>
-          <a:lnRef idx="1">
-            <a:schemeClr val="accent1"/>
-          </a:lnRef>
-          <a:fillRef idx="0">
-            <a:schemeClr val="accent1"/>
-          </a:fillRef>
-          <a:effectRef idx="0">
-            <a:schemeClr val="accent1"/>
-          </a:effectRef>
-          <a:fontRef idx="minor">
-            <a:schemeClr val="tx1"/>
-          </a:fontRef>
-        </p:style>
-      </p:cxnSp>
-      <p:cxnSp>
-        <p:nvCxnSpPr>
-          <p:cNvPr id="52" name="Straight Connector 51">
-            <a:extLst>
-              <a:ext uri="{FF2B5EF4-FFF2-40B4-BE49-F238E27FC236}">
-                <a16:creationId xmlns:a16="http://schemas.microsoft.com/office/drawing/2014/main" id="{E32BFD86-8FE0-7EA0-3EFD-6A0612F4CC1C}"/>
-              </a:ext>
-            </a:extLst>
-          </p:cNvPr>
-          <p:cNvCxnSpPr>
-            <a:cxnSpLocks/>
-          </p:cNvCxnSpPr>
-          <p:nvPr/>
-        </p:nvCxnSpPr>
-        <p:spPr>
-          <a:xfrm flipH="1">
-            <a:off x="4679302" y="1989440"/>
-            <a:ext cx="2461097" cy="13706"/>
-          </a:xfrm>
-          <a:prstGeom prst="line">
-            <a:avLst/>
-          </a:prstGeom>
-          <a:ln w="38100"/>
-        </p:spPr>
-        <p:style>
-          <a:lnRef idx="1">
-            <a:schemeClr val="accent1"/>
-          </a:lnRef>
-          <a:fillRef idx="0">
-            <a:schemeClr val="accent1"/>
-          </a:fillRef>
-          <a:effectRef idx="0">
-            <a:schemeClr val="accent1"/>
-          </a:effectRef>
-          <a:fontRef idx="minor">
-            <a:schemeClr val="tx1"/>
-          </a:fontRef>
-        </p:style>
-      </p:cxnSp>
-      <p:cxnSp>
-        <p:nvCxnSpPr>
-          <p:cNvPr id="54" name="Straight Connector 53">
-            <a:extLst>
-              <a:ext uri="{FF2B5EF4-FFF2-40B4-BE49-F238E27FC236}">
-                <a16:creationId xmlns:a16="http://schemas.microsoft.com/office/drawing/2014/main" id="{56C3EEFB-8784-0E1D-932D-CBC63BC8308E}"/>
-              </a:ext>
-            </a:extLst>
-          </p:cNvPr>
-          <p:cNvCxnSpPr>
-            <a:cxnSpLocks/>
-          </p:cNvCxnSpPr>
-          <p:nvPr/>
-        </p:nvCxnSpPr>
-        <p:spPr>
-          <a:xfrm>
-            <a:off x="7136806" y="1984160"/>
-            <a:ext cx="30102" cy="1398404"/>
-          </a:xfrm>
-          <a:prstGeom prst="line">
-            <a:avLst/>
-          </a:prstGeom>
-          <a:ln w="38100"/>
-        </p:spPr>
-        <p:style>
-          <a:lnRef idx="1">
-            <a:schemeClr val="accent1"/>
-          </a:lnRef>
-          <a:fillRef idx="0">
-            <a:schemeClr val="accent1"/>
-          </a:fillRef>
-          <a:effectRef idx="0">
-            <a:schemeClr val="accent1"/>
-          </a:effectRef>
-          <a:fontRef idx="minor">
-            <a:schemeClr val="tx1"/>
-          </a:fontRef>
-        </p:style>
-      </p:cxnSp>
-      <p:cxnSp>
-        <p:nvCxnSpPr>
-          <p:cNvPr id="57" name="Straight Connector 56">
-            <a:extLst>
-              <a:ext uri="{FF2B5EF4-FFF2-40B4-BE49-F238E27FC236}">
-                <a16:creationId xmlns:a16="http://schemas.microsoft.com/office/drawing/2014/main" id="{9D50AD91-751C-6AD7-46E2-2DC515A9B9B9}"/>
-              </a:ext>
-            </a:extLst>
-          </p:cNvPr>
-          <p:cNvCxnSpPr>
-            <a:cxnSpLocks/>
-          </p:cNvCxnSpPr>
-          <p:nvPr/>
-        </p:nvCxnSpPr>
-        <p:spPr>
-          <a:xfrm flipH="1" flipV="1">
-            <a:off x="1523236" y="3382564"/>
-            <a:ext cx="5630469" cy="3086"/>
-          </a:xfrm>
-          <a:prstGeom prst="line">
-            <a:avLst/>
-          </a:prstGeom>
-          <a:ln w="38100"/>
-        </p:spPr>
-        <p:style>
-          <a:lnRef idx="1">
-            <a:schemeClr val="accent1"/>
-          </a:lnRef>
-          <a:fillRef idx="0">
-            <a:schemeClr val="accent1"/>
-          </a:fillRef>
-          <a:effectRef idx="0">
-            <a:schemeClr val="accent1"/>
-          </a:effectRef>
-          <a:fontRef idx="minor">
-            <a:schemeClr val="tx1"/>
-          </a:fontRef>
-        </p:style>
-      </p:cxnSp>
-      <p:sp>
-        <p:nvSpPr>
-          <p:cNvPr id="63" name="Frame 62">
-            <a:extLst>
-              <a:ext uri="{FF2B5EF4-FFF2-40B4-BE49-F238E27FC236}">
-                <a16:creationId xmlns:a16="http://schemas.microsoft.com/office/drawing/2014/main" id="{86A57947-338B-828E-D83D-8C724CCC568A}"/>
-              </a:ext>
-            </a:extLst>
-          </p:cNvPr>
-          <p:cNvSpPr/>
-          <p:nvPr/>
-        </p:nvSpPr>
-        <p:spPr>
-          <a:xfrm>
-            <a:off x="3512199" y="4753325"/>
-            <a:ext cx="5860990" cy="1339926"/>
-          </a:xfrm>
-          <a:prstGeom prst="frame">
-            <a:avLst>
-              <a:gd name="adj1" fmla="val 1580"/>
-            </a:avLst>
-          </a:prstGeom>
-        </p:spPr>
-        <p:style>
-          <a:lnRef idx="2">
-            <a:schemeClr val="accent1">
-              <a:shade val="15000"/>
-            </a:schemeClr>
-          </a:lnRef>
-          <a:fillRef idx="1">
-            <a:schemeClr val="accent1"/>
-          </a:fillRef>
-          <a:effectRef idx="0">
-            <a:schemeClr val="accent1"/>
-          </a:effectRef>
-          <a:fontRef idx="minor">
-            <a:schemeClr val="lt1"/>
-          </a:fontRef>
-        </p:style>
-        <p:txBody>
-          <a:bodyPr rtlCol="0" anchor="ctr"/>
-          <a:lstStyle/>
-          <a:p>
-            <a:pPr algn="ctr"/>
-            <a:endParaRPr lang="en-US">
-              <a:solidFill>
-                <a:schemeClr val="tx1"/>
-              </a:solidFill>
-            </a:endParaRPr>
-          </a:p>
-        </p:txBody>
-      </p:sp>
-      <p:cxnSp>
-        <p:nvCxnSpPr>
           <p:cNvPr id="64" name="Straight Connector 63">
             <a:extLst>
               <a:ext uri="{FF2B5EF4-FFF2-40B4-BE49-F238E27FC236}">
@@ -30312,6 +30015,218 @@
           </a:p>
         </p:txBody>
       </p:sp>
+      <p:sp>
+        <p:nvSpPr>
+          <p:cNvPr id="68" name="Freeform 67">
+            <a:extLst>
+              <a:ext uri="{FF2B5EF4-FFF2-40B4-BE49-F238E27FC236}">
+                <a16:creationId xmlns:a16="http://schemas.microsoft.com/office/drawing/2014/main" id="{E8054AE7-21D3-2E8B-D887-2E7C3F4EFF42}"/>
+              </a:ext>
+            </a:extLst>
+          </p:cNvPr>
+          <p:cNvSpPr/>
+          <p:nvPr/>
+        </p:nvSpPr>
+        <p:spPr>
+          <a:xfrm>
+            <a:off x="1411331" y="1990348"/>
+            <a:ext cx="5648960" cy="1422400"/>
+          </a:xfrm>
+          <a:custGeom>
+            <a:avLst/>
+            <a:gdLst>
+              <a:gd name="connsiteX0" fmla="*/ 0 w 5648960"/>
+              <a:gd name="connsiteY0" fmla="*/ 660400 h 1422400"/>
+              <a:gd name="connsiteX1" fmla="*/ 3200400 w 5648960"/>
+              <a:gd name="connsiteY1" fmla="*/ 0 h 1422400"/>
+              <a:gd name="connsiteX2" fmla="*/ 5618480 w 5648960"/>
+              <a:gd name="connsiteY2" fmla="*/ 0 h 1422400"/>
+              <a:gd name="connsiteX3" fmla="*/ 5648960 w 5648960"/>
+              <a:gd name="connsiteY3" fmla="*/ 1422400 h 1422400"/>
+              <a:gd name="connsiteX4" fmla="*/ 10160 w 5648960"/>
+              <a:gd name="connsiteY4" fmla="*/ 1402080 h 1422400"/>
+              <a:gd name="connsiteX5" fmla="*/ 0 w 5648960"/>
+              <a:gd name="connsiteY5" fmla="*/ 660400 h 1422400"/>
+            </a:gdLst>
+            <a:ahLst/>
+            <a:cxnLst>
+              <a:cxn ang="0">
+                <a:pos x="connsiteX0" y="connsiteY0"/>
+              </a:cxn>
+              <a:cxn ang="0">
+                <a:pos x="connsiteX1" y="connsiteY1"/>
+              </a:cxn>
+              <a:cxn ang="0">
+                <a:pos x="connsiteX2" y="connsiteY2"/>
+              </a:cxn>
+              <a:cxn ang="0">
+                <a:pos x="connsiteX3" y="connsiteY3"/>
+              </a:cxn>
+              <a:cxn ang="0">
+                <a:pos x="connsiteX4" y="connsiteY4"/>
+              </a:cxn>
+              <a:cxn ang="0">
+                <a:pos x="connsiteX5" y="connsiteY5"/>
+              </a:cxn>
+            </a:cxnLst>
+            <a:rect l="l" t="t" r="r" b="b"/>
+            <a:pathLst>
+              <a:path w="5648960" h="1422400">
+                <a:moveTo>
+                  <a:pt x="0" y="660400"/>
+                </a:moveTo>
+                <a:lnTo>
+                  <a:pt x="3200400" y="0"/>
+                </a:lnTo>
+                <a:lnTo>
+                  <a:pt x="5618480" y="0"/>
+                </a:lnTo>
+                <a:lnTo>
+                  <a:pt x="5648960" y="1422400"/>
+                </a:lnTo>
+                <a:lnTo>
+                  <a:pt x="10160" y="1402080"/>
+                </a:lnTo>
+                <a:lnTo>
+                  <a:pt x="0" y="660400"/>
+                </a:lnTo>
+                <a:close/>
+              </a:path>
+            </a:pathLst>
+          </a:custGeom>
+          <a:solidFill>
+            <a:schemeClr val="accent1">
+              <a:alpha val="5959"/>
+            </a:schemeClr>
+          </a:solidFill>
+        </p:spPr>
+        <p:style>
+          <a:lnRef idx="2">
+            <a:schemeClr val="accent1">
+              <a:shade val="15000"/>
+            </a:schemeClr>
+          </a:lnRef>
+          <a:fillRef idx="1">
+            <a:schemeClr val="accent1"/>
+          </a:fillRef>
+          <a:effectRef idx="0">
+            <a:schemeClr val="accent1"/>
+          </a:effectRef>
+          <a:fontRef idx="minor">
+            <a:schemeClr val="lt1"/>
+          </a:fontRef>
+        </p:style>
+        <p:txBody>
+          <a:bodyPr rtlCol="0" anchor="ctr"/>
+          <a:lstStyle/>
+          <a:p>
+            <a:pPr algn="ctr"/>
+            <a:endParaRPr lang="en-US"/>
+          </a:p>
+        </p:txBody>
+      </p:sp>
+      <p:sp>
+        <p:nvSpPr>
+          <p:cNvPr id="69" name="Rectangle 68">
+            <a:extLst>
+              <a:ext uri="{FF2B5EF4-FFF2-40B4-BE49-F238E27FC236}">
+                <a16:creationId xmlns:a16="http://schemas.microsoft.com/office/drawing/2014/main" id="{E522AFAC-53B2-F467-2522-B45D881585A6}"/>
+              </a:ext>
+            </a:extLst>
+          </p:cNvPr>
+          <p:cNvSpPr/>
+          <p:nvPr/>
+        </p:nvSpPr>
+        <p:spPr>
+          <a:xfrm>
+            <a:off x="7299408" y="2549539"/>
+            <a:ext cx="3036473" cy="1581605"/>
+          </a:xfrm>
+          <a:prstGeom prst="rect">
+            <a:avLst/>
+          </a:prstGeom>
+          <a:solidFill>
+            <a:schemeClr val="accent1">
+              <a:alpha val="13000"/>
+            </a:schemeClr>
+          </a:solidFill>
+        </p:spPr>
+        <p:style>
+          <a:lnRef idx="2">
+            <a:schemeClr val="accent1">
+              <a:shade val="15000"/>
+            </a:schemeClr>
+          </a:lnRef>
+          <a:fillRef idx="1">
+            <a:schemeClr val="accent1"/>
+          </a:fillRef>
+          <a:effectRef idx="0">
+            <a:schemeClr val="accent1"/>
+          </a:effectRef>
+          <a:fontRef idx="minor">
+            <a:schemeClr val="lt1"/>
+          </a:fontRef>
+        </p:style>
+        <p:txBody>
+          <a:bodyPr rtlCol="0" anchor="ctr"/>
+          <a:lstStyle/>
+          <a:p>
+            <a:pPr algn="ctr"/>
+            <a:endParaRPr lang="en-US"/>
+          </a:p>
+        </p:txBody>
+      </p:sp>
+      <p:sp>
+        <p:nvSpPr>
+          <p:cNvPr id="70" name="Rectangle 69">
+            <a:extLst>
+              <a:ext uri="{FF2B5EF4-FFF2-40B4-BE49-F238E27FC236}">
+                <a16:creationId xmlns:a16="http://schemas.microsoft.com/office/drawing/2014/main" id="{C97A3D20-11BB-4A17-7749-CEB1DF5D5029}"/>
+              </a:ext>
+            </a:extLst>
+          </p:cNvPr>
+          <p:cNvSpPr/>
+          <p:nvPr/>
+        </p:nvSpPr>
+        <p:spPr>
+          <a:xfrm>
+            <a:off x="3520139" y="4791855"/>
+            <a:ext cx="5888021" cy="1273085"/>
+          </a:xfrm>
+          <a:prstGeom prst="rect">
+            <a:avLst/>
+          </a:prstGeom>
+          <a:solidFill>
+            <a:schemeClr val="accent1">
+              <a:alpha val="13000"/>
+            </a:schemeClr>
+          </a:solidFill>
+        </p:spPr>
+        <p:style>
+          <a:lnRef idx="2">
+            <a:schemeClr val="accent1">
+              <a:shade val="15000"/>
+            </a:schemeClr>
+          </a:lnRef>
+          <a:fillRef idx="1">
+            <a:schemeClr val="accent1"/>
+          </a:fillRef>
+          <a:effectRef idx="0">
+            <a:schemeClr val="accent1"/>
+          </a:effectRef>
+          <a:fontRef idx="minor">
+            <a:schemeClr val="lt1"/>
+          </a:fontRef>
+        </p:style>
+        <p:txBody>
+          <a:bodyPr rtlCol="0" anchor="ctr"/>
+          <a:lstStyle/>
+          <a:p>
+            <a:pPr algn="ctr"/>
+            <a:endParaRPr lang="en-US"/>
+          </a:p>
+        </p:txBody>
+      </p:sp>
     </p:spTree>
     <p:extLst>
       <p:ext uri="{BB962C8B-B14F-4D97-AF65-F5344CB8AC3E}">
@@ -31643,6 +31558,87 @@
           </a:p>
         </p:txBody>
       </p:sp>
+      <p:cxnSp>
+        <p:nvCxnSpPr>
+          <p:cNvPr id="67" name="Curved Connector 66">
+            <a:extLst>
+              <a:ext uri="{FF2B5EF4-FFF2-40B4-BE49-F238E27FC236}">
+                <a16:creationId xmlns:a16="http://schemas.microsoft.com/office/drawing/2014/main" id="{9C7CAC2B-B594-E67B-9017-08FA3F440C69}"/>
+              </a:ext>
+            </a:extLst>
+          </p:cNvPr>
+          <p:cNvCxnSpPr>
+            <a:cxnSpLocks/>
+            <a:stCxn id="21" idx="5"/>
+            <a:endCxn id="21" idx="6"/>
+          </p:cNvCxnSpPr>
+          <p:nvPr/>
+        </p:nvCxnSpPr>
+        <p:spPr>
+          <a:xfrm rot="5400000" flipH="1" flipV="1">
+            <a:off x="10319974" y="3725294"/>
+            <a:ext cx="194423" cy="80626"/>
+          </a:xfrm>
+          <a:prstGeom prst="curvedConnector4">
+            <a:avLst>
+              <a:gd name="adj1" fmla="val -159000"/>
+              <a:gd name="adj2" fmla="val 736370"/>
+            </a:avLst>
+          </a:prstGeom>
+          <a:ln>
+            <a:tailEnd type="triangle"/>
+          </a:ln>
+        </p:spPr>
+        <p:style>
+          <a:lnRef idx="1">
+            <a:schemeClr val="accent1"/>
+          </a:lnRef>
+          <a:fillRef idx="0">
+            <a:schemeClr val="accent1"/>
+          </a:fillRef>
+          <a:effectRef idx="0">
+            <a:schemeClr val="accent1"/>
+          </a:effectRef>
+          <a:fontRef idx="minor">
+            <a:schemeClr val="tx1"/>
+          </a:fontRef>
+        </p:style>
+      </p:cxnSp>
+      <p:sp>
+        <p:nvSpPr>
+          <p:cNvPr id="68" name="TextBox 67">
+            <a:extLst>
+              <a:ext uri="{FF2B5EF4-FFF2-40B4-BE49-F238E27FC236}">
+                <a16:creationId xmlns:a16="http://schemas.microsoft.com/office/drawing/2014/main" id="{86823AEC-6497-388D-F812-37B4EC4ECBFD}"/>
+              </a:ext>
+            </a:extLst>
+          </p:cNvPr>
+          <p:cNvSpPr txBox="1"/>
+          <p:nvPr/>
+        </p:nvSpPr>
+        <p:spPr>
+          <a:xfrm>
+            <a:off x="10540851" y="3436920"/>
+            <a:ext cx="666273" cy="369332"/>
+          </a:xfrm>
+          <a:prstGeom prst="rect">
+            <a:avLst/>
+          </a:prstGeom>
+          <a:noFill/>
+        </p:spPr>
+        <p:txBody>
+          <a:bodyPr wrap="square" rtlCol="0">
+            <a:spAutoFit/>
+          </a:bodyPr>
+          <a:lstStyle/>
+          <a:p>
+            <a:r>
+              <a:rPr lang="en-US" i="1" dirty="0"/>
+              <a:t>read</a:t>
+            </a:r>
+          </a:p>
+        </p:txBody>
+      </p:sp>
     </p:spTree>
     <p:extLst>
       <p:ext uri="{BB962C8B-B14F-4D97-AF65-F5344CB8AC3E}">
@@ -31653,6 +31649,1001 @@
   <p:clrMapOvr>
     <a:masterClrMapping/>
   </p:clrMapOvr>
+  <p:timing>
+    <p:tnLst>
+      <p:par>
+        <p:cTn id="1" dur="indefinite" restart="never" nodeType="tmRoot">
+          <p:childTnLst>
+            <p:seq concurrent="1" nextAc="seek">
+              <p:cTn id="2" dur="indefinite" nodeType="mainSeq">
+                <p:childTnLst>
+                  <p:par>
+                    <p:cTn id="3" fill="hold">
+                      <p:stCondLst>
+                        <p:cond delay="indefinite"/>
+                      </p:stCondLst>
+                      <p:childTnLst>
+                        <p:par>
+                          <p:cTn id="4" fill="hold">
+                            <p:stCondLst>
+                              <p:cond delay="0"/>
+                            </p:stCondLst>
+                            <p:childTnLst>
+                              <p:par>
+                                <p:cTn id="5" presetID="1" presetClass="entr" presetSubtype="0" fill="hold" grpId="0" nodeType="clickEffect">
+                                  <p:stCondLst>
+                                    <p:cond delay="0"/>
+                                  </p:stCondLst>
+                                  <p:childTnLst>
+                                    <p:set>
+                                      <p:cBhvr>
+                                        <p:cTn id="6" dur="1" fill="hold">
+                                          <p:stCondLst>
+                                            <p:cond delay="0"/>
+                                          </p:stCondLst>
+                                        </p:cTn>
+                                        <p:tgtEl>
+                                          <p:spTgt spid="4"/>
+                                        </p:tgtEl>
+                                        <p:attrNameLst>
+                                          <p:attrName>style.visibility</p:attrName>
+                                        </p:attrNameLst>
+                                      </p:cBhvr>
+                                      <p:to>
+                                        <p:strVal val="visible"/>
+                                      </p:to>
+                                    </p:set>
+                                  </p:childTnLst>
+                                </p:cTn>
+                              </p:par>
+                            </p:childTnLst>
+                          </p:cTn>
+                        </p:par>
+                      </p:childTnLst>
+                    </p:cTn>
+                  </p:par>
+                  <p:par>
+                    <p:cTn id="7" fill="hold">
+                      <p:stCondLst>
+                        <p:cond delay="indefinite"/>
+                      </p:stCondLst>
+                      <p:childTnLst>
+                        <p:par>
+                          <p:cTn id="8" fill="hold">
+                            <p:stCondLst>
+                              <p:cond delay="0"/>
+                            </p:stCondLst>
+                            <p:childTnLst>
+                              <p:par>
+                                <p:cTn id="9" presetID="1" presetClass="entr" presetSubtype="0" fill="hold" nodeType="clickEffect">
+                                  <p:stCondLst>
+                                    <p:cond delay="0"/>
+                                  </p:stCondLst>
+                                  <p:childTnLst>
+                                    <p:set>
+                                      <p:cBhvr>
+                                        <p:cTn id="10" dur="1" fill="hold">
+                                          <p:stCondLst>
+                                            <p:cond delay="0"/>
+                                          </p:stCondLst>
+                                        </p:cTn>
+                                        <p:tgtEl>
+                                          <p:spTgt spid="27"/>
+                                        </p:tgtEl>
+                                        <p:attrNameLst>
+                                          <p:attrName>style.visibility</p:attrName>
+                                        </p:attrNameLst>
+                                      </p:cBhvr>
+                                      <p:to>
+                                        <p:strVal val="visible"/>
+                                      </p:to>
+                                    </p:set>
+                                  </p:childTnLst>
+                                </p:cTn>
+                              </p:par>
+                              <p:par>
+                                <p:cTn id="11" presetID="1" presetClass="entr" presetSubtype="0" fill="hold" grpId="0" nodeType="withEffect">
+                                  <p:stCondLst>
+                                    <p:cond delay="0"/>
+                                  </p:stCondLst>
+                                  <p:childTnLst>
+                                    <p:set>
+                                      <p:cBhvr>
+                                        <p:cTn id="12" dur="1" fill="hold">
+                                          <p:stCondLst>
+                                            <p:cond delay="0"/>
+                                          </p:stCondLst>
+                                        </p:cTn>
+                                        <p:tgtEl>
+                                          <p:spTgt spid="32"/>
+                                        </p:tgtEl>
+                                        <p:attrNameLst>
+                                          <p:attrName>style.visibility</p:attrName>
+                                        </p:attrNameLst>
+                                      </p:cBhvr>
+                                      <p:to>
+                                        <p:strVal val="visible"/>
+                                      </p:to>
+                                    </p:set>
+                                  </p:childTnLst>
+                                </p:cTn>
+                              </p:par>
+                              <p:par>
+                                <p:cTn id="13" presetID="1" presetClass="entr" presetSubtype="0" fill="hold" grpId="0" nodeType="withEffect">
+                                  <p:stCondLst>
+                                    <p:cond delay="0"/>
+                                  </p:stCondLst>
+                                  <p:childTnLst>
+                                    <p:set>
+                                      <p:cBhvr>
+                                        <p:cTn id="14" dur="1" fill="hold">
+                                          <p:stCondLst>
+                                            <p:cond delay="0"/>
+                                          </p:stCondLst>
+                                        </p:cTn>
+                                        <p:tgtEl>
+                                          <p:spTgt spid="18"/>
+                                        </p:tgtEl>
+                                        <p:attrNameLst>
+                                          <p:attrName>style.visibility</p:attrName>
+                                        </p:attrNameLst>
+                                      </p:cBhvr>
+                                      <p:to>
+                                        <p:strVal val="visible"/>
+                                      </p:to>
+                                    </p:set>
+                                  </p:childTnLst>
+                                </p:cTn>
+                              </p:par>
+                            </p:childTnLst>
+                          </p:cTn>
+                        </p:par>
+                      </p:childTnLst>
+                    </p:cTn>
+                  </p:par>
+                  <p:par>
+                    <p:cTn id="15" fill="hold">
+                      <p:stCondLst>
+                        <p:cond delay="indefinite"/>
+                      </p:stCondLst>
+                      <p:childTnLst>
+                        <p:par>
+                          <p:cTn id="16" fill="hold">
+                            <p:stCondLst>
+                              <p:cond delay="0"/>
+                            </p:stCondLst>
+                            <p:childTnLst>
+                              <p:par>
+                                <p:cTn id="17" presetID="1" presetClass="entr" presetSubtype="0" fill="hold" grpId="0" nodeType="clickEffect">
+                                  <p:stCondLst>
+                                    <p:cond delay="0"/>
+                                  </p:stCondLst>
+                                  <p:childTnLst>
+                                    <p:set>
+                                      <p:cBhvr>
+                                        <p:cTn id="18" dur="1" fill="hold">
+                                          <p:stCondLst>
+                                            <p:cond delay="0"/>
+                                          </p:stCondLst>
+                                        </p:cTn>
+                                        <p:tgtEl>
+                                          <p:spTgt spid="47"/>
+                                        </p:tgtEl>
+                                        <p:attrNameLst>
+                                          <p:attrName>style.visibility</p:attrName>
+                                        </p:attrNameLst>
+                                      </p:cBhvr>
+                                      <p:to>
+                                        <p:strVal val="visible"/>
+                                      </p:to>
+                                    </p:set>
+                                  </p:childTnLst>
+                                </p:cTn>
+                              </p:par>
+                              <p:par>
+                                <p:cTn id="19" presetID="1" presetClass="entr" presetSubtype="0" fill="hold" nodeType="withEffect">
+                                  <p:stCondLst>
+                                    <p:cond delay="0"/>
+                                  </p:stCondLst>
+                                  <p:childTnLst>
+                                    <p:set>
+                                      <p:cBhvr>
+                                        <p:cTn id="20" dur="1" fill="hold">
+                                          <p:stCondLst>
+                                            <p:cond delay="0"/>
+                                          </p:stCondLst>
+                                        </p:cTn>
+                                        <p:tgtEl>
+                                          <p:spTgt spid="36"/>
+                                        </p:tgtEl>
+                                        <p:attrNameLst>
+                                          <p:attrName>style.visibility</p:attrName>
+                                        </p:attrNameLst>
+                                      </p:cBhvr>
+                                      <p:to>
+                                        <p:strVal val="visible"/>
+                                      </p:to>
+                                    </p:set>
+                                  </p:childTnLst>
+                                </p:cTn>
+                              </p:par>
+                            </p:childTnLst>
+                          </p:cTn>
+                        </p:par>
+                      </p:childTnLst>
+                    </p:cTn>
+                  </p:par>
+                  <p:par>
+                    <p:cTn id="21" fill="hold">
+                      <p:stCondLst>
+                        <p:cond delay="indefinite"/>
+                      </p:stCondLst>
+                      <p:childTnLst>
+                        <p:par>
+                          <p:cTn id="22" fill="hold">
+                            <p:stCondLst>
+                              <p:cond delay="0"/>
+                            </p:stCondLst>
+                            <p:childTnLst>
+                              <p:par>
+                                <p:cTn id="23" presetID="1" presetClass="entr" presetSubtype="0" fill="hold" grpId="0" nodeType="clickEffect">
+                                  <p:stCondLst>
+                                    <p:cond delay="0"/>
+                                  </p:stCondLst>
+                                  <p:childTnLst>
+                                    <p:set>
+                                      <p:cBhvr>
+                                        <p:cTn id="24" dur="1" fill="hold">
+                                          <p:stCondLst>
+                                            <p:cond delay="0"/>
+                                          </p:stCondLst>
+                                        </p:cTn>
+                                        <p:tgtEl>
+                                          <p:spTgt spid="33"/>
+                                        </p:tgtEl>
+                                        <p:attrNameLst>
+                                          <p:attrName>style.visibility</p:attrName>
+                                        </p:attrNameLst>
+                                      </p:cBhvr>
+                                      <p:to>
+                                        <p:strVal val="visible"/>
+                                      </p:to>
+                                    </p:set>
+                                  </p:childTnLst>
+                                </p:cTn>
+                              </p:par>
+                              <p:par>
+                                <p:cTn id="25" presetID="1" presetClass="entr" presetSubtype="0" fill="hold" nodeType="withEffect">
+                                  <p:stCondLst>
+                                    <p:cond delay="0"/>
+                                  </p:stCondLst>
+                                  <p:childTnLst>
+                                    <p:set>
+                                      <p:cBhvr>
+                                        <p:cTn id="26" dur="1" fill="hold">
+                                          <p:stCondLst>
+                                            <p:cond delay="0"/>
+                                          </p:stCondLst>
+                                        </p:cTn>
+                                        <p:tgtEl>
+                                          <p:spTgt spid="28"/>
+                                        </p:tgtEl>
+                                        <p:attrNameLst>
+                                          <p:attrName>style.visibility</p:attrName>
+                                        </p:attrNameLst>
+                                      </p:cBhvr>
+                                      <p:to>
+                                        <p:strVal val="visible"/>
+                                      </p:to>
+                                    </p:set>
+                                  </p:childTnLst>
+                                </p:cTn>
+                              </p:par>
+                              <p:par>
+                                <p:cTn id="27" presetID="1" presetClass="entr" presetSubtype="0" fill="hold" grpId="0" nodeType="withEffect">
+                                  <p:stCondLst>
+                                    <p:cond delay="0"/>
+                                  </p:stCondLst>
+                                  <p:childTnLst>
+                                    <p:set>
+                                      <p:cBhvr>
+                                        <p:cTn id="28" dur="1" fill="hold">
+                                          <p:stCondLst>
+                                            <p:cond delay="0"/>
+                                          </p:stCondLst>
+                                        </p:cTn>
+                                        <p:tgtEl>
+                                          <p:spTgt spid="19"/>
+                                        </p:tgtEl>
+                                        <p:attrNameLst>
+                                          <p:attrName>style.visibility</p:attrName>
+                                        </p:attrNameLst>
+                                      </p:cBhvr>
+                                      <p:to>
+                                        <p:strVal val="visible"/>
+                                      </p:to>
+                                    </p:set>
+                                  </p:childTnLst>
+                                </p:cTn>
+                              </p:par>
+                            </p:childTnLst>
+                          </p:cTn>
+                        </p:par>
+                      </p:childTnLst>
+                    </p:cTn>
+                  </p:par>
+                  <p:par>
+                    <p:cTn id="29" fill="hold">
+                      <p:stCondLst>
+                        <p:cond delay="indefinite"/>
+                      </p:stCondLst>
+                      <p:childTnLst>
+                        <p:par>
+                          <p:cTn id="30" fill="hold">
+                            <p:stCondLst>
+                              <p:cond delay="0"/>
+                            </p:stCondLst>
+                            <p:childTnLst>
+                              <p:par>
+                                <p:cTn id="31" presetID="1" presetClass="entr" presetSubtype="0" fill="hold" grpId="0" nodeType="clickEffect">
+                                  <p:stCondLst>
+                                    <p:cond delay="0"/>
+                                  </p:stCondLst>
+                                  <p:childTnLst>
+                                    <p:set>
+                                      <p:cBhvr>
+                                        <p:cTn id="32" dur="1" fill="hold">
+                                          <p:stCondLst>
+                                            <p:cond delay="0"/>
+                                          </p:stCondLst>
+                                        </p:cTn>
+                                        <p:tgtEl>
+                                          <p:spTgt spid="24"/>
+                                        </p:tgtEl>
+                                        <p:attrNameLst>
+                                          <p:attrName>style.visibility</p:attrName>
+                                        </p:attrNameLst>
+                                      </p:cBhvr>
+                                      <p:to>
+                                        <p:strVal val="visible"/>
+                                      </p:to>
+                                    </p:set>
+                                  </p:childTnLst>
+                                </p:cTn>
+                              </p:par>
+                            </p:childTnLst>
+                          </p:cTn>
+                        </p:par>
+                      </p:childTnLst>
+                    </p:cTn>
+                  </p:par>
+                  <p:par>
+                    <p:cTn id="33" fill="hold">
+                      <p:stCondLst>
+                        <p:cond delay="indefinite"/>
+                      </p:stCondLst>
+                      <p:childTnLst>
+                        <p:par>
+                          <p:cTn id="34" fill="hold">
+                            <p:stCondLst>
+                              <p:cond delay="0"/>
+                            </p:stCondLst>
+                            <p:childTnLst>
+                              <p:par>
+                                <p:cTn id="35" presetID="1" presetClass="entr" presetSubtype="0" fill="hold" grpId="0" nodeType="clickEffect">
+                                  <p:stCondLst>
+                                    <p:cond delay="0"/>
+                                  </p:stCondLst>
+                                  <p:childTnLst>
+                                    <p:set>
+                                      <p:cBhvr>
+                                        <p:cTn id="36" dur="1" fill="hold">
+                                          <p:stCondLst>
+                                            <p:cond delay="0"/>
+                                          </p:stCondLst>
+                                        </p:cTn>
+                                        <p:tgtEl>
+                                          <p:spTgt spid="20"/>
+                                        </p:tgtEl>
+                                        <p:attrNameLst>
+                                          <p:attrName>style.visibility</p:attrName>
+                                        </p:attrNameLst>
+                                      </p:cBhvr>
+                                      <p:to>
+                                        <p:strVal val="visible"/>
+                                      </p:to>
+                                    </p:set>
+                                  </p:childTnLst>
+                                </p:cTn>
+                              </p:par>
+                            </p:childTnLst>
+                          </p:cTn>
+                        </p:par>
+                      </p:childTnLst>
+                    </p:cTn>
+                  </p:par>
+                  <p:par>
+                    <p:cTn id="37" fill="hold">
+                      <p:stCondLst>
+                        <p:cond delay="indefinite"/>
+                      </p:stCondLst>
+                      <p:childTnLst>
+                        <p:par>
+                          <p:cTn id="38" fill="hold">
+                            <p:stCondLst>
+                              <p:cond delay="0"/>
+                            </p:stCondLst>
+                            <p:childTnLst>
+                              <p:par>
+                                <p:cTn id="39" presetID="1" presetClass="entr" presetSubtype="0" fill="hold" nodeType="clickEffect">
+                                  <p:stCondLst>
+                                    <p:cond delay="0"/>
+                                  </p:stCondLst>
+                                  <p:childTnLst>
+                                    <p:set>
+                                      <p:cBhvr>
+                                        <p:cTn id="40" dur="1" fill="hold">
+                                          <p:stCondLst>
+                                            <p:cond delay="0"/>
+                                          </p:stCondLst>
+                                        </p:cTn>
+                                        <p:tgtEl>
+                                          <p:spTgt spid="63"/>
+                                        </p:tgtEl>
+                                        <p:attrNameLst>
+                                          <p:attrName>style.visibility</p:attrName>
+                                        </p:attrNameLst>
+                                      </p:cBhvr>
+                                      <p:to>
+                                        <p:strVal val="visible"/>
+                                      </p:to>
+                                    </p:set>
+                                  </p:childTnLst>
+                                </p:cTn>
+                              </p:par>
+                              <p:par>
+                                <p:cTn id="41" presetID="1" presetClass="entr" presetSubtype="0" fill="hold" grpId="0" nodeType="withEffect">
+                                  <p:stCondLst>
+                                    <p:cond delay="0"/>
+                                  </p:stCondLst>
+                                  <p:childTnLst>
+                                    <p:set>
+                                      <p:cBhvr>
+                                        <p:cTn id="42" dur="1" fill="hold">
+                                          <p:stCondLst>
+                                            <p:cond delay="0"/>
+                                          </p:stCondLst>
+                                        </p:cTn>
+                                        <p:tgtEl>
+                                          <p:spTgt spid="65"/>
+                                        </p:tgtEl>
+                                        <p:attrNameLst>
+                                          <p:attrName>style.visibility</p:attrName>
+                                        </p:attrNameLst>
+                                      </p:cBhvr>
+                                      <p:to>
+                                        <p:strVal val="visible"/>
+                                      </p:to>
+                                    </p:set>
+                                  </p:childTnLst>
+                                </p:cTn>
+                              </p:par>
+                              <p:par>
+                                <p:cTn id="43" presetID="1" presetClass="entr" presetSubtype="0" fill="hold" grpId="0" nodeType="withEffect">
+                                  <p:stCondLst>
+                                    <p:cond delay="0"/>
+                                  </p:stCondLst>
+                                  <p:childTnLst>
+                                    <p:set>
+                                      <p:cBhvr>
+                                        <p:cTn id="44" dur="1" fill="hold">
+                                          <p:stCondLst>
+                                            <p:cond delay="0"/>
+                                          </p:stCondLst>
+                                        </p:cTn>
+                                        <p:tgtEl>
+                                          <p:spTgt spid="21"/>
+                                        </p:tgtEl>
+                                        <p:attrNameLst>
+                                          <p:attrName>style.visibility</p:attrName>
+                                        </p:attrNameLst>
+                                      </p:cBhvr>
+                                      <p:to>
+                                        <p:strVal val="visible"/>
+                                      </p:to>
+                                    </p:set>
+                                  </p:childTnLst>
+                                </p:cTn>
+                              </p:par>
+                            </p:childTnLst>
+                          </p:cTn>
+                        </p:par>
+                      </p:childTnLst>
+                    </p:cTn>
+                  </p:par>
+                  <p:par>
+                    <p:cTn id="45" fill="hold">
+                      <p:stCondLst>
+                        <p:cond delay="indefinite"/>
+                      </p:stCondLst>
+                      <p:childTnLst>
+                        <p:par>
+                          <p:cTn id="46" fill="hold">
+                            <p:stCondLst>
+                              <p:cond delay="0"/>
+                            </p:stCondLst>
+                            <p:childTnLst>
+                              <p:par>
+                                <p:cTn id="47" presetID="1" presetClass="entr" presetSubtype="0" fill="hold" nodeType="clickEffect">
+                                  <p:stCondLst>
+                                    <p:cond delay="0"/>
+                                  </p:stCondLst>
+                                  <p:childTnLst>
+                                    <p:set>
+                                      <p:cBhvr>
+                                        <p:cTn id="48" dur="1" fill="hold">
+                                          <p:stCondLst>
+                                            <p:cond delay="0"/>
+                                          </p:stCondLst>
+                                        </p:cTn>
+                                        <p:tgtEl>
+                                          <p:spTgt spid="67"/>
+                                        </p:tgtEl>
+                                        <p:attrNameLst>
+                                          <p:attrName>style.visibility</p:attrName>
+                                        </p:attrNameLst>
+                                      </p:cBhvr>
+                                      <p:to>
+                                        <p:strVal val="visible"/>
+                                      </p:to>
+                                    </p:set>
+                                  </p:childTnLst>
+                                </p:cTn>
+                              </p:par>
+                              <p:par>
+                                <p:cTn id="49" presetID="1" presetClass="entr" presetSubtype="0" fill="hold" grpId="0" nodeType="withEffect">
+                                  <p:stCondLst>
+                                    <p:cond delay="0"/>
+                                  </p:stCondLst>
+                                  <p:childTnLst>
+                                    <p:set>
+                                      <p:cBhvr>
+                                        <p:cTn id="50" dur="1" fill="hold">
+                                          <p:stCondLst>
+                                            <p:cond delay="0"/>
+                                          </p:stCondLst>
+                                        </p:cTn>
+                                        <p:tgtEl>
+                                          <p:spTgt spid="68"/>
+                                        </p:tgtEl>
+                                        <p:attrNameLst>
+                                          <p:attrName>style.visibility</p:attrName>
+                                        </p:attrNameLst>
+                                      </p:cBhvr>
+                                      <p:to>
+                                        <p:strVal val="visible"/>
+                                      </p:to>
+                                    </p:set>
+                                  </p:childTnLst>
+                                </p:cTn>
+                              </p:par>
+                            </p:childTnLst>
+                          </p:cTn>
+                        </p:par>
+                      </p:childTnLst>
+                    </p:cTn>
+                  </p:par>
+                  <p:par>
+                    <p:cTn id="51" fill="hold">
+                      <p:stCondLst>
+                        <p:cond delay="indefinite"/>
+                      </p:stCondLst>
+                      <p:childTnLst>
+                        <p:par>
+                          <p:cTn id="52" fill="hold">
+                            <p:stCondLst>
+                              <p:cond delay="0"/>
+                            </p:stCondLst>
+                            <p:childTnLst>
+                              <p:par>
+                                <p:cTn id="53" presetID="1" presetClass="entr" presetSubtype="0" fill="hold" grpId="0" nodeType="clickEffect">
+                                  <p:stCondLst>
+                                    <p:cond delay="0"/>
+                                  </p:stCondLst>
+                                  <p:childTnLst>
+                                    <p:set>
+                                      <p:cBhvr>
+                                        <p:cTn id="54" dur="1" fill="hold">
+                                          <p:stCondLst>
+                                            <p:cond delay="0"/>
+                                          </p:stCondLst>
+                                        </p:cTn>
+                                        <p:tgtEl>
+                                          <p:spTgt spid="58"/>
+                                        </p:tgtEl>
+                                        <p:attrNameLst>
+                                          <p:attrName>style.visibility</p:attrName>
+                                        </p:attrNameLst>
+                                      </p:cBhvr>
+                                      <p:to>
+                                        <p:strVal val="visible"/>
+                                      </p:to>
+                                    </p:set>
+                                  </p:childTnLst>
+                                </p:cTn>
+                              </p:par>
+                              <p:par>
+                                <p:cTn id="55" presetID="1" presetClass="entr" presetSubtype="0" fill="hold" nodeType="withEffect">
+                                  <p:stCondLst>
+                                    <p:cond delay="0"/>
+                                  </p:stCondLst>
+                                  <p:childTnLst>
+                                    <p:set>
+                                      <p:cBhvr>
+                                        <p:cTn id="56" dur="1" fill="hold">
+                                          <p:stCondLst>
+                                            <p:cond delay="0"/>
+                                          </p:stCondLst>
+                                        </p:cTn>
+                                        <p:tgtEl>
+                                          <p:spTgt spid="57"/>
+                                        </p:tgtEl>
+                                        <p:attrNameLst>
+                                          <p:attrName>style.visibility</p:attrName>
+                                        </p:attrNameLst>
+                                      </p:cBhvr>
+                                      <p:to>
+                                        <p:strVal val="visible"/>
+                                      </p:to>
+                                    </p:set>
+                                  </p:childTnLst>
+                                </p:cTn>
+                              </p:par>
+                              <p:par>
+                                <p:cTn id="57" presetID="1" presetClass="entr" presetSubtype="0" fill="hold" grpId="0" nodeType="withEffect">
+                                  <p:stCondLst>
+                                    <p:cond delay="0"/>
+                                  </p:stCondLst>
+                                  <p:childTnLst>
+                                    <p:set>
+                                      <p:cBhvr>
+                                        <p:cTn id="58" dur="1" fill="hold">
+                                          <p:stCondLst>
+                                            <p:cond delay="0"/>
+                                          </p:stCondLst>
+                                        </p:cTn>
+                                        <p:tgtEl>
+                                          <p:spTgt spid="23"/>
+                                        </p:tgtEl>
+                                        <p:attrNameLst>
+                                          <p:attrName>style.visibility</p:attrName>
+                                        </p:attrNameLst>
+                                      </p:cBhvr>
+                                      <p:to>
+                                        <p:strVal val="visible"/>
+                                      </p:to>
+                                    </p:set>
+                                  </p:childTnLst>
+                                </p:cTn>
+                              </p:par>
+                            </p:childTnLst>
+                          </p:cTn>
+                        </p:par>
+                      </p:childTnLst>
+                    </p:cTn>
+                  </p:par>
+                  <p:par>
+                    <p:cTn id="59" fill="hold">
+                      <p:stCondLst>
+                        <p:cond delay="indefinite"/>
+                      </p:stCondLst>
+                      <p:childTnLst>
+                        <p:par>
+                          <p:cTn id="60" fill="hold">
+                            <p:stCondLst>
+                              <p:cond delay="0"/>
+                            </p:stCondLst>
+                            <p:childTnLst>
+                              <p:par>
+                                <p:cTn id="61" presetID="1" presetClass="entr" presetSubtype="0" fill="hold" grpId="0" nodeType="clickEffect">
+                                  <p:stCondLst>
+                                    <p:cond delay="0"/>
+                                  </p:stCondLst>
+                                  <p:childTnLst>
+                                    <p:set>
+                                      <p:cBhvr>
+                                        <p:cTn id="62" dur="1" fill="hold">
+                                          <p:stCondLst>
+                                            <p:cond delay="0"/>
+                                          </p:stCondLst>
+                                        </p:cTn>
+                                        <p:tgtEl>
+                                          <p:spTgt spid="49"/>
+                                        </p:tgtEl>
+                                        <p:attrNameLst>
+                                          <p:attrName>style.visibility</p:attrName>
+                                        </p:attrNameLst>
+                                      </p:cBhvr>
+                                      <p:to>
+                                        <p:strVal val="visible"/>
+                                      </p:to>
+                                    </p:set>
+                                  </p:childTnLst>
+                                </p:cTn>
+                              </p:par>
+                              <p:par>
+                                <p:cTn id="63" presetID="1" presetClass="entr" presetSubtype="0" fill="hold" nodeType="withEffect">
+                                  <p:stCondLst>
+                                    <p:cond delay="0"/>
+                                  </p:stCondLst>
+                                  <p:childTnLst>
+                                    <p:set>
+                                      <p:cBhvr>
+                                        <p:cTn id="64" dur="1" fill="hold">
+                                          <p:stCondLst>
+                                            <p:cond delay="0"/>
+                                          </p:stCondLst>
+                                        </p:cTn>
+                                        <p:tgtEl>
+                                          <p:spTgt spid="48"/>
+                                        </p:tgtEl>
+                                        <p:attrNameLst>
+                                          <p:attrName>style.visibility</p:attrName>
+                                        </p:attrNameLst>
+                                      </p:cBhvr>
+                                      <p:to>
+                                        <p:strVal val="visible"/>
+                                      </p:to>
+                                    </p:set>
+                                  </p:childTnLst>
+                                </p:cTn>
+                              </p:par>
+                            </p:childTnLst>
+                          </p:cTn>
+                        </p:par>
+                      </p:childTnLst>
+                    </p:cTn>
+                  </p:par>
+                  <p:par>
+                    <p:cTn id="65" fill="hold">
+                      <p:stCondLst>
+                        <p:cond delay="indefinite"/>
+                      </p:stCondLst>
+                      <p:childTnLst>
+                        <p:par>
+                          <p:cTn id="66" fill="hold">
+                            <p:stCondLst>
+                              <p:cond delay="0"/>
+                            </p:stCondLst>
+                            <p:childTnLst>
+                              <p:par>
+                                <p:cTn id="67" presetID="1" presetClass="entr" presetSubtype="0" fill="hold" grpId="0" nodeType="clickEffect">
+                                  <p:stCondLst>
+                                    <p:cond delay="0"/>
+                                  </p:stCondLst>
+                                  <p:childTnLst>
+                                    <p:set>
+                                      <p:cBhvr>
+                                        <p:cTn id="68" dur="1" fill="hold">
+                                          <p:stCondLst>
+                                            <p:cond delay="0"/>
+                                          </p:stCondLst>
+                                        </p:cTn>
+                                        <p:tgtEl>
+                                          <p:spTgt spid="60"/>
+                                        </p:tgtEl>
+                                        <p:attrNameLst>
+                                          <p:attrName>style.visibility</p:attrName>
+                                        </p:attrNameLst>
+                                      </p:cBhvr>
+                                      <p:to>
+                                        <p:strVal val="visible"/>
+                                      </p:to>
+                                    </p:set>
+                                  </p:childTnLst>
+                                </p:cTn>
+                              </p:par>
+                              <p:par>
+                                <p:cTn id="69" presetID="1" presetClass="entr" presetSubtype="0" fill="hold" nodeType="withEffect">
+                                  <p:stCondLst>
+                                    <p:cond delay="0"/>
+                                  </p:stCondLst>
+                                  <p:childTnLst>
+                                    <p:set>
+                                      <p:cBhvr>
+                                        <p:cTn id="70" dur="1" fill="hold">
+                                          <p:stCondLst>
+                                            <p:cond delay="0"/>
+                                          </p:stCondLst>
+                                        </p:cTn>
+                                        <p:tgtEl>
+                                          <p:spTgt spid="59"/>
+                                        </p:tgtEl>
+                                        <p:attrNameLst>
+                                          <p:attrName>style.visibility</p:attrName>
+                                        </p:attrNameLst>
+                                      </p:cBhvr>
+                                      <p:to>
+                                        <p:strVal val="visible"/>
+                                      </p:to>
+                                    </p:set>
+                                  </p:childTnLst>
+                                </p:cTn>
+                              </p:par>
+                            </p:childTnLst>
+                          </p:cTn>
+                        </p:par>
+                      </p:childTnLst>
+                    </p:cTn>
+                  </p:par>
+                  <p:par>
+                    <p:cTn id="71" fill="hold">
+                      <p:stCondLst>
+                        <p:cond delay="indefinite"/>
+                      </p:stCondLst>
+                      <p:childTnLst>
+                        <p:par>
+                          <p:cTn id="72" fill="hold">
+                            <p:stCondLst>
+                              <p:cond delay="0"/>
+                            </p:stCondLst>
+                            <p:childTnLst>
+                              <p:par>
+                                <p:cTn id="73" presetID="1" presetClass="entr" presetSubtype="0" fill="hold" grpId="0" nodeType="clickEffect">
+                                  <p:stCondLst>
+                                    <p:cond delay="0"/>
+                                  </p:stCondLst>
+                                  <p:childTnLst>
+                                    <p:set>
+                                      <p:cBhvr>
+                                        <p:cTn id="74" dur="1" fill="hold">
+                                          <p:stCondLst>
+                                            <p:cond delay="0"/>
+                                          </p:stCondLst>
+                                        </p:cTn>
+                                        <p:tgtEl>
+                                          <p:spTgt spid="66"/>
+                                        </p:tgtEl>
+                                        <p:attrNameLst>
+                                          <p:attrName>style.visibility</p:attrName>
+                                        </p:attrNameLst>
+                                      </p:cBhvr>
+                                      <p:to>
+                                        <p:strVal val="visible"/>
+                                      </p:to>
+                                    </p:set>
+                                  </p:childTnLst>
+                                </p:cTn>
+                              </p:par>
+                              <p:par>
+                                <p:cTn id="75" presetID="1" presetClass="entr" presetSubtype="0" fill="hold" nodeType="withEffect">
+                                  <p:stCondLst>
+                                    <p:cond delay="0"/>
+                                  </p:stCondLst>
+                                  <p:childTnLst>
+                                    <p:set>
+                                      <p:cBhvr>
+                                        <p:cTn id="76" dur="1" fill="hold">
+                                          <p:stCondLst>
+                                            <p:cond delay="0"/>
+                                          </p:stCondLst>
+                                        </p:cTn>
+                                        <p:tgtEl>
+                                          <p:spTgt spid="64"/>
+                                        </p:tgtEl>
+                                        <p:attrNameLst>
+                                          <p:attrName>style.visibility</p:attrName>
+                                        </p:attrNameLst>
+                                      </p:cBhvr>
+                                      <p:to>
+                                        <p:strVal val="visible"/>
+                                      </p:to>
+                                    </p:set>
+                                  </p:childTnLst>
+                                </p:cTn>
+                              </p:par>
+                              <p:par>
+                                <p:cTn id="77" presetID="1" presetClass="entr" presetSubtype="0" fill="hold" grpId="0" nodeType="withEffect">
+                                  <p:stCondLst>
+                                    <p:cond delay="0"/>
+                                  </p:stCondLst>
+                                  <p:childTnLst>
+                                    <p:set>
+                                      <p:cBhvr>
+                                        <p:cTn id="78" dur="1" fill="hold">
+                                          <p:stCondLst>
+                                            <p:cond delay="0"/>
+                                          </p:stCondLst>
+                                        </p:cTn>
+                                        <p:tgtEl>
+                                          <p:spTgt spid="22"/>
+                                        </p:tgtEl>
+                                        <p:attrNameLst>
+                                          <p:attrName>style.visibility</p:attrName>
+                                        </p:attrNameLst>
+                                      </p:cBhvr>
+                                      <p:to>
+                                        <p:strVal val="visible"/>
+                                      </p:to>
+                                    </p:set>
+                                  </p:childTnLst>
+                                </p:cTn>
+                              </p:par>
+                              <p:par>
+                                <p:cTn id="79" presetID="1" presetClass="entr" presetSubtype="0" fill="hold" grpId="0" nodeType="withEffect">
+                                  <p:stCondLst>
+                                    <p:cond delay="0"/>
+                                  </p:stCondLst>
+                                  <p:childTnLst>
+                                    <p:set>
+                                      <p:cBhvr>
+                                        <p:cTn id="80" dur="1" fill="hold">
+                                          <p:stCondLst>
+                                            <p:cond delay="0"/>
+                                          </p:stCondLst>
+                                        </p:cTn>
+                                        <p:tgtEl>
+                                          <p:spTgt spid="25"/>
+                                        </p:tgtEl>
+                                        <p:attrNameLst>
+                                          <p:attrName>style.visibility</p:attrName>
+                                        </p:attrNameLst>
+                                      </p:cBhvr>
+                                      <p:to>
+                                        <p:strVal val="visible"/>
+                                      </p:to>
+                                    </p:set>
+                                  </p:childTnLst>
+                                </p:cTn>
+                              </p:par>
+                            </p:childTnLst>
+                          </p:cTn>
+                        </p:par>
+                      </p:childTnLst>
+                    </p:cTn>
+                  </p:par>
+                </p:childTnLst>
+              </p:cTn>
+              <p:prevCondLst>
+                <p:cond evt="onPrev" delay="0">
+                  <p:tgtEl>
+                    <p:sldTgt/>
+                  </p:tgtEl>
+                </p:cond>
+              </p:prevCondLst>
+              <p:nextCondLst>
+                <p:cond evt="onNext" delay="0">
+                  <p:tgtEl>
+                    <p:sldTgt/>
+                  </p:tgtEl>
+                </p:cond>
+              </p:nextCondLst>
+            </p:seq>
+          </p:childTnLst>
+        </p:cTn>
+      </p:par>
+    </p:tnLst>
+    <p:bldLst>
+      <p:bldP spid="4" grpId="0" animBg="1"/>
+      <p:bldP spid="18" grpId="0" animBg="1"/>
+      <p:bldP spid="19" grpId="0" animBg="1"/>
+      <p:bldP spid="20" grpId="0" animBg="1"/>
+      <p:bldP spid="21" grpId="0" animBg="1"/>
+      <p:bldP spid="22" grpId="0" animBg="1"/>
+      <p:bldP spid="23" grpId="0" animBg="1"/>
+      <p:bldP spid="24" grpId="0"/>
+      <p:bldP spid="25" grpId="0"/>
+      <p:bldP spid="32" grpId="0"/>
+      <p:bldP spid="33" grpId="0"/>
+      <p:bldP spid="47" grpId="0"/>
+      <p:bldP spid="49" grpId="0"/>
+      <p:bldP spid="58" grpId="0"/>
+      <p:bldP spid="60" grpId="0"/>
+      <p:bldP spid="65" grpId="0"/>
+      <p:bldP spid="66" grpId="0"/>
+      <p:bldP spid="68" grpId="0"/>
+    </p:bldLst>
+  </p:timing>
 </p:sld>
 </file>
 
@@ -31675,88 +32666,2066 @@
       </p:grpSpPr>
       <p:sp>
         <p:nvSpPr>
-          <p:cNvPr id="3" name="Content Placeholder 2">
-            <a:extLst>
-              <a:ext uri="{FF2B5EF4-FFF2-40B4-BE49-F238E27FC236}">
-                <a16:creationId xmlns:a16="http://schemas.microsoft.com/office/drawing/2014/main" id="{BFF2B646-AA21-3492-C127-C5076839C905}"/>
-              </a:ext>
-            </a:extLst>
-          </p:cNvPr>
-          <p:cNvSpPr>
-            <a:spLocks noGrp="1"/>
-          </p:cNvSpPr>
-          <p:nvPr>
-            <p:ph idx="1"/>
-          </p:nvPr>
+          <p:cNvPr id="4" name="Oval 3">
+            <a:extLst>
+              <a:ext uri="{FF2B5EF4-FFF2-40B4-BE49-F238E27FC236}">
+                <a16:creationId xmlns:a16="http://schemas.microsoft.com/office/drawing/2014/main" id="{E6B8F967-2106-1D18-92BD-E8E5404924A2}"/>
+              </a:ext>
+            </a:extLst>
+          </p:cNvPr>
+          <p:cNvSpPr/>
+          <p:nvPr/>
         </p:nvSpPr>
         <p:spPr>
           <a:xfrm>
-            <a:off x="76201" y="1825625"/>
-            <a:ext cx="12049124" cy="4351338"/>
-          </a:xfrm>
-        </p:spPr>
-        <p:txBody>
-          <a:bodyPr/>
+            <a:off x="1995786" y="145615"/>
+            <a:ext cx="550546" cy="549910"/>
+          </a:xfrm>
+          <a:prstGeom prst="ellipse">
+            <a:avLst/>
+          </a:prstGeom>
+          <a:solidFill>
+            <a:schemeClr val="accent1">
+              <a:alpha val="35818"/>
+            </a:schemeClr>
+          </a:solidFill>
+          <a:ln>
+            <a:solidFill>
+              <a:schemeClr val="tx1">
+                <a:alpha val="74087"/>
+              </a:schemeClr>
+            </a:solidFill>
+          </a:ln>
+        </p:spPr>
+        <p:style>
+          <a:lnRef idx="2">
+            <a:schemeClr val="accent1">
+              <a:shade val="15000"/>
+            </a:schemeClr>
+          </a:lnRef>
+          <a:fillRef idx="1">
+            <a:schemeClr val="accent1"/>
+          </a:fillRef>
+          <a:effectRef idx="0">
+            <a:schemeClr val="accent1"/>
+          </a:effectRef>
+          <a:fontRef idx="minor">
+            <a:schemeClr val="lt1"/>
+          </a:fontRef>
+        </p:style>
+        <p:txBody>
+          <a:bodyPr rtlCol="0" anchor="ctr"/>
           <a:lstStyle/>
           <a:p>
-            <a:pPr marL="0" indent="0">
-              <a:buNone/>
-            </a:pPr>
-            <a:endParaRPr lang="en-US" dirty="0"/>
-          </a:p>
-          <a:p>
-            <a:pPr marL="0" indent="0">
-              <a:buNone/>
-            </a:pPr>
+            <a:pPr algn="ctr"/>
+            <a:r>
+              <a:rPr lang="en-US" dirty="0" err="1">
+                <a:solidFill>
+                  <a:schemeClr val="tx1"/>
+                </a:solidFill>
+              </a:rPr>
+              <a:t>s</a:t>
+            </a:r>
+            <a:r>
+              <a:rPr lang="en-US" baseline="-25000" dirty="0" err="1">
+                <a:solidFill>
+                  <a:schemeClr val="tx1"/>
+                </a:solidFill>
+              </a:rPr>
+              <a:t>i</a:t>
+            </a:r>
+            <a:endParaRPr lang="en-US" baseline="-25000" dirty="0">
+              <a:solidFill>
+                <a:schemeClr val="tx1"/>
+              </a:solidFill>
+            </a:endParaRPr>
+          </a:p>
+        </p:txBody>
+      </p:sp>
+      <p:sp>
+        <p:nvSpPr>
+          <p:cNvPr id="18" name="Oval 17">
+            <a:extLst>
+              <a:ext uri="{FF2B5EF4-FFF2-40B4-BE49-F238E27FC236}">
+                <a16:creationId xmlns:a16="http://schemas.microsoft.com/office/drawing/2014/main" id="{3D379EF6-0682-80E6-A44E-630DAB5C5D4D}"/>
+              </a:ext>
+            </a:extLst>
+          </p:cNvPr>
+          <p:cNvSpPr/>
+          <p:nvPr/>
+        </p:nvSpPr>
+        <p:spPr>
+          <a:xfrm>
+            <a:off x="1965306" y="1234005"/>
+            <a:ext cx="550546" cy="549910"/>
+          </a:xfrm>
+          <a:prstGeom prst="ellipse">
+            <a:avLst/>
+          </a:prstGeom>
+          <a:solidFill>
+            <a:schemeClr val="accent1">
+              <a:alpha val="35818"/>
+            </a:schemeClr>
+          </a:solidFill>
+          <a:ln>
+            <a:solidFill>
+              <a:schemeClr val="tx1">
+                <a:alpha val="74087"/>
+              </a:schemeClr>
+            </a:solidFill>
+          </a:ln>
+        </p:spPr>
+        <p:style>
+          <a:lnRef idx="2">
+            <a:schemeClr val="accent1">
+              <a:shade val="15000"/>
+            </a:schemeClr>
+          </a:lnRef>
+          <a:fillRef idx="1">
+            <a:schemeClr val="accent1"/>
+          </a:fillRef>
+          <a:effectRef idx="0">
+            <a:schemeClr val="accent1"/>
+          </a:effectRef>
+          <a:fontRef idx="minor">
+            <a:schemeClr val="lt1"/>
+          </a:fontRef>
+        </p:style>
+        <p:txBody>
+          <a:bodyPr rtlCol="0" anchor="ctr"/>
+          <a:lstStyle/>
+          <a:p>
+            <a:pPr algn="ctr"/>
+            <a:r>
+              <a:rPr lang="en-US" dirty="0">
+                <a:solidFill>
+                  <a:schemeClr val="tx1"/>
+                </a:solidFill>
+              </a:rPr>
+              <a:t>s</a:t>
+            </a:r>
+            <a:r>
+              <a:rPr lang="en-US" baseline="-25000" dirty="0">
+                <a:solidFill>
+                  <a:schemeClr val="tx1"/>
+                </a:solidFill>
+              </a:rPr>
+              <a:t>o</a:t>
+            </a:r>
+          </a:p>
+        </p:txBody>
+      </p:sp>
+      <p:sp>
+        <p:nvSpPr>
+          <p:cNvPr id="19" name="Oval 18">
+            <a:extLst>
+              <a:ext uri="{FF2B5EF4-FFF2-40B4-BE49-F238E27FC236}">
+                <a16:creationId xmlns:a16="http://schemas.microsoft.com/office/drawing/2014/main" id="{EC7EC0D5-1E2A-E2AE-31B4-BE6AC64AAB01}"/>
+              </a:ext>
+            </a:extLst>
+          </p:cNvPr>
+          <p:cNvSpPr/>
+          <p:nvPr/>
+        </p:nvSpPr>
+        <p:spPr>
+          <a:xfrm>
+            <a:off x="1975466" y="2368591"/>
+            <a:ext cx="550546" cy="549910"/>
+          </a:xfrm>
+          <a:prstGeom prst="ellipse">
+            <a:avLst/>
+          </a:prstGeom>
+          <a:solidFill>
+            <a:schemeClr val="accent1">
+              <a:alpha val="35818"/>
+            </a:schemeClr>
+          </a:solidFill>
+          <a:ln>
+            <a:solidFill>
+              <a:schemeClr val="tx1">
+                <a:alpha val="74087"/>
+              </a:schemeClr>
+            </a:solidFill>
+          </a:ln>
+        </p:spPr>
+        <p:style>
+          <a:lnRef idx="2">
+            <a:schemeClr val="accent1">
+              <a:shade val="15000"/>
+            </a:schemeClr>
+          </a:lnRef>
+          <a:fillRef idx="1">
+            <a:schemeClr val="accent1"/>
+          </a:fillRef>
+          <a:effectRef idx="0">
+            <a:schemeClr val="accent1"/>
+          </a:effectRef>
+          <a:fontRef idx="minor">
+            <a:schemeClr val="lt1"/>
+          </a:fontRef>
+        </p:style>
+        <p:txBody>
+          <a:bodyPr rtlCol="0" anchor="ctr"/>
+          <a:lstStyle/>
+          <a:p>
+            <a:pPr algn="ctr"/>
+            <a:r>
+              <a:rPr lang="en-US" dirty="0" err="1">
+                <a:solidFill>
+                  <a:schemeClr val="tx1"/>
+                </a:solidFill>
+              </a:rPr>
+              <a:t>s</a:t>
+            </a:r>
+            <a:r>
+              <a:rPr lang="en-US" baseline="-25000" dirty="0" err="1">
+                <a:solidFill>
+                  <a:schemeClr val="tx1"/>
+                </a:solidFill>
+              </a:rPr>
+              <a:t>c</a:t>
+            </a:r>
+            <a:endParaRPr lang="en-US" baseline="-25000" dirty="0">
+              <a:solidFill>
+                <a:schemeClr val="tx1"/>
+              </a:solidFill>
+            </a:endParaRPr>
+          </a:p>
+        </p:txBody>
+      </p:sp>
+      <p:sp>
+        <p:nvSpPr>
+          <p:cNvPr id="20" name="Oval 19">
+            <a:extLst>
+              <a:ext uri="{FF2B5EF4-FFF2-40B4-BE49-F238E27FC236}">
+                <a16:creationId xmlns:a16="http://schemas.microsoft.com/office/drawing/2014/main" id="{A94B3D34-7477-EED9-E5BE-C65CF84BE65A}"/>
+              </a:ext>
+            </a:extLst>
+          </p:cNvPr>
+          <p:cNvSpPr/>
+          <p:nvPr/>
+        </p:nvSpPr>
+        <p:spPr>
+          <a:xfrm>
+            <a:off x="9756774" y="145615"/>
+            <a:ext cx="550546" cy="549910"/>
+          </a:xfrm>
+          <a:prstGeom prst="ellipse">
+            <a:avLst/>
+          </a:prstGeom>
+          <a:solidFill>
+            <a:schemeClr val="accent1">
+              <a:alpha val="35818"/>
+            </a:schemeClr>
+          </a:solidFill>
+          <a:ln>
+            <a:solidFill>
+              <a:schemeClr val="tx1">
+                <a:alpha val="74087"/>
+              </a:schemeClr>
+            </a:solidFill>
+          </a:ln>
+        </p:spPr>
+        <p:style>
+          <a:lnRef idx="2">
+            <a:schemeClr val="accent1">
+              <a:shade val="15000"/>
+            </a:schemeClr>
+          </a:lnRef>
+          <a:fillRef idx="1">
+            <a:schemeClr val="accent1"/>
+          </a:fillRef>
+          <a:effectRef idx="0">
+            <a:schemeClr val="accent1"/>
+          </a:effectRef>
+          <a:fontRef idx="minor">
+            <a:schemeClr val="lt1"/>
+          </a:fontRef>
+        </p:style>
+        <p:txBody>
+          <a:bodyPr rtlCol="0" anchor="ctr"/>
+          <a:lstStyle/>
+          <a:p>
+            <a:pPr algn="ctr"/>
+            <a:r>
+              <a:rPr lang="en-US" dirty="0" err="1">
+                <a:solidFill>
+                  <a:schemeClr val="tx1"/>
+                </a:solidFill>
+              </a:rPr>
+              <a:t>s</a:t>
+            </a:r>
+            <a:r>
+              <a:rPr lang="en-US" baseline="-25000" dirty="0" err="1">
+                <a:solidFill>
+                  <a:schemeClr val="tx1"/>
+                </a:solidFill>
+              </a:rPr>
+              <a:t>i</a:t>
+            </a:r>
+            <a:endParaRPr lang="en-US" baseline="-25000" dirty="0">
+              <a:solidFill>
+                <a:schemeClr val="tx1"/>
+              </a:solidFill>
+            </a:endParaRPr>
+          </a:p>
+        </p:txBody>
+      </p:sp>
+      <p:sp>
+        <p:nvSpPr>
+          <p:cNvPr id="21" name="Oval 20">
+            <a:extLst>
+              <a:ext uri="{FF2B5EF4-FFF2-40B4-BE49-F238E27FC236}">
+                <a16:creationId xmlns:a16="http://schemas.microsoft.com/office/drawing/2014/main" id="{7C714E2F-A63B-635A-94F7-461CF659C5F2}"/>
+              </a:ext>
+            </a:extLst>
+          </p:cNvPr>
+          <p:cNvSpPr/>
+          <p:nvPr/>
+        </p:nvSpPr>
+        <p:spPr>
+          <a:xfrm>
+            <a:off x="9726294" y="1234005"/>
+            <a:ext cx="550546" cy="549910"/>
+          </a:xfrm>
+          <a:prstGeom prst="ellipse">
+            <a:avLst/>
+          </a:prstGeom>
+          <a:solidFill>
+            <a:schemeClr val="accent1">
+              <a:alpha val="35818"/>
+            </a:schemeClr>
+          </a:solidFill>
+          <a:ln>
+            <a:solidFill>
+              <a:schemeClr val="tx1">
+                <a:alpha val="74087"/>
+              </a:schemeClr>
+            </a:solidFill>
+          </a:ln>
+        </p:spPr>
+        <p:style>
+          <a:lnRef idx="2">
+            <a:schemeClr val="accent1">
+              <a:shade val="15000"/>
+            </a:schemeClr>
+          </a:lnRef>
+          <a:fillRef idx="1">
+            <a:schemeClr val="accent1"/>
+          </a:fillRef>
+          <a:effectRef idx="0">
+            <a:schemeClr val="accent1"/>
+          </a:effectRef>
+          <a:fontRef idx="minor">
+            <a:schemeClr val="lt1"/>
+          </a:fontRef>
+        </p:style>
+        <p:txBody>
+          <a:bodyPr rtlCol="0" anchor="ctr"/>
+          <a:lstStyle/>
+          <a:p>
+            <a:pPr algn="ctr"/>
+            <a:r>
+              <a:rPr lang="en-US" dirty="0">
+                <a:solidFill>
+                  <a:schemeClr val="tx1"/>
+                </a:solidFill>
+              </a:rPr>
+              <a:t>s</a:t>
+            </a:r>
+            <a:r>
+              <a:rPr lang="en-US" baseline="-25000" dirty="0">
+                <a:solidFill>
+                  <a:schemeClr val="tx1"/>
+                </a:solidFill>
+              </a:rPr>
+              <a:t>o</a:t>
+            </a:r>
+          </a:p>
+        </p:txBody>
+      </p:sp>
+      <p:sp>
+        <p:nvSpPr>
+          <p:cNvPr id="22" name="Oval 21">
+            <a:extLst>
+              <a:ext uri="{FF2B5EF4-FFF2-40B4-BE49-F238E27FC236}">
+                <a16:creationId xmlns:a16="http://schemas.microsoft.com/office/drawing/2014/main" id="{8518DDBE-BE53-D61A-1AE5-BCEB7EB8380A}"/>
+              </a:ext>
+            </a:extLst>
+          </p:cNvPr>
+          <p:cNvSpPr/>
+          <p:nvPr/>
+        </p:nvSpPr>
+        <p:spPr>
+          <a:xfrm>
+            <a:off x="9736454" y="2368591"/>
+            <a:ext cx="550546" cy="549910"/>
+          </a:xfrm>
+          <a:prstGeom prst="ellipse">
+            <a:avLst/>
+          </a:prstGeom>
+          <a:solidFill>
+            <a:schemeClr val="accent1">
+              <a:alpha val="35818"/>
+            </a:schemeClr>
+          </a:solidFill>
+          <a:ln>
+            <a:solidFill>
+              <a:schemeClr val="tx1">
+                <a:alpha val="74087"/>
+              </a:schemeClr>
+            </a:solidFill>
+          </a:ln>
+        </p:spPr>
+        <p:style>
+          <a:lnRef idx="2">
+            <a:schemeClr val="accent1">
+              <a:shade val="15000"/>
+            </a:schemeClr>
+          </a:lnRef>
+          <a:fillRef idx="1">
+            <a:schemeClr val="accent1"/>
+          </a:fillRef>
+          <a:effectRef idx="0">
+            <a:schemeClr val="accent1"/>
+          </a:effectRef>
+          <a:fontRef idx="minor">
+            <a:schemeClr val="lt1"/>
+          </a:fontRef>
+        </p:style>
+        <p:txBody>
+          <a:bodyPr rtlCol="0" anchor="ctr"/>
+          <a:lstStyle/>
+          <a:p>
+            <a:pPr algn="ctr"/>
+            <a:r>
+              <a:rPr lang="en-US" dirty="0" err="1">
+                <a:solidFill>
+                  <a:schemeClr val="tx1"/>
+                </a:solidFill>
+              </a:rPr>
+              <a:t>s</a:t>
+            </a:r>
+            <a:r>
+              <a:rPr lang="en-US" baseline="-25000" dirty="0" err="1">
+                <a:solidFill>
+                  <a:schemeClr val="tx1"/>
+                </a:solidFill>
+              </a:rPr>
+              <a:t>c</a:t>
+            </a:r>
+            <a:endParaRPr lang="en-US" baseline="-25000" dirty="0">
+              <a:solidFill>
+                <a:schemeClr val="tx1"/>
+              </a:solidFill>
+            </a:endParaRPr>
+          </a:p>
+        </p:txBody>
+      </p:sp>
+      <p:sp>
+        <p:nvSpPr>
+          <p:cNvPr id="23" name="Oval 22">
+            <a:extLst>
+              <a:ext uri="{FF2B5EF4-FFF2-40B4-BE49-F238E27FC236}">
+                <a16:creationId xmlns:a16="http://schemas.microsoft.com/office/drawing/2014/main" id="{ED166AF5-951D-B9FF-8C2B-5D9DE6D9DE22}"/>
+              </a:ext>
+            </a:extLst>
+          </p:cNvPr>
+          <p:cNvSpPr/>
+          <p:nvPr/>
+        </p:nvSpPr>
+        <p:spPr>
+          <a:xfrm>
+            <a:off x="7927974" y="1234005"/>
+            <a:ext cx="550546" cy="549910"/>
+          </a:xfrm>
+          <a:prstGeom prst="ellipse">
+            <a:avLst/>
+          </a:prstGeom>
+          <a:solidFill>
+            <a:schemeClr val="accent1">
+              <a:alpha val="35818"/>
+            </a:schemeClr>
+          </a:solidFill>
+          <a:ln>
+            <a:solidFill>
+              <a:schemeClr val="tx1">
+                <a:alpha val="74087"/>
+              </a:schemeClr>
+            </a:solidFill>
+          </a:ln>
+        </p:spPr>
+        <p:style>
+          <a:lnRef idx="2">
+            <a:schemeClr val="accent1">
+              <a:shade val="15000"/>
+            </a:schemeClr>
+          </a:lnRef>
+          <a:fillRef idx="1">
+            <a:schemeClr val="accent1"/>
+          </a:fillRef>
+          <a:effectRef idx="0">
+            <a:schemeClr val="accent1"/>
+          </a:effectRef>
+          <a:fontRef idx="minor">
+            <a:schemeClr val="lt1"/>
+          </a:fontRef>
+        </p:style>
+        <p:txBody>
+          <a:bodyPr rtlCol="0" anchor="ctr"/>
+          <a:lstStyle/>
+          <a:p>
+            <a:pPr algn="ctr"/>
+            <a:r>
+              <a:rPr lang="en-US" dirty="0">
+                <a:solidFill>
+                  <a:schemeClr val="tx1"/>
+                </a:solidFill>
+              </a:rPr>
+              <a:t>s</a:t>
+            </a:r>
+            <a:r>
+              <a:rPr lang="en-US" baseline="-25000" dirty="0">
+                <a:solidFill>
+                  <a:schemeClr val="tx1"/>
+                </a:solidFill>
+              </a:rPr>
+              <a:t>f</a:t>
+            </a:r>
+          </a:p>
+        </p:txBody>
+      </p:sp>
+      <p:sp>
+        <p:nvSpPr>
+          <p:cNvPr id="24" name="TextBox 23">
+            <a:extLst>
+              <a:ext uri="{FF2B5EF4-FFF2-40B4-BE49-F238E27FC236}">
+                <a16:creationId xmlns:a16="http://schemas.microsoft.com/office/drawing/2014/main" id="{ED8583F2-70E3-EC13-59C7-9A657A31CB18}"/>
+              </a:ext>
+            </a:extLst>
+          </p:cNvPr>
+          <p:cNvSpPr txBox="1"/>
+          <p:nvPr/>
+        </p:nvSpPr>
+        <p:spPr>
+          <a:xfrm>
+            <a:off x="1148080" y="3058836"/>
+            <a:ext cx="3210560" cy="369332"/>
+          </a:xfrm>
+          <a:prstGeom prst="rect">
+            <a:avLst/>
+          </a:prstGeom>
+          <a:noFill/>
+        </p:spPr>
+        <p:txBody>
+          <a:bodyPr wrap="square" rtlCol="0">
+            <a:spAutoFit/>
+          </a:bodyPr>
+          <a:lstStyle/>
+          <a:p>
             <a:r>
               <a:rPr lang="en-US" dirty="0"/>
-              <a:t>                	      		                </a:t>
-            </a:r>
-            <a:r>
-              <a:rPr lang="en-US" sz="4800" dirty="0"/>
-              <a:t>LOGIC</a:t>
-            </a:r>
-          </a:p>
-          <a:p>
-            <a:pPr marL="0" indent="0">
-              <a:buNone/>
-            </a:pPr>
-            <a:r>
-              <a:rPr lang="en-US" sz="3200" dirty="0"/>
-              <a:t>	</a:t>
-            </a:r>
-          </a:p>
-          <a:p>
-            <a:pPr marL="0" indent="0">
-              <a:buNone/>
-            </a:pPr>
-            <a:r>
-              <a:rPr lang="en-US" sz="3200" dirty="0"/>
-              <a:t>	(Exploiting </a:t>
-            </a:r>
-            <a:r>
-              <a:rPr lang="en-US" sz="3200" dirty="0" err="1"/>
-              <a:t>Kripke</a:t>
-            </a:r>
-            <a:r>
-              <a:rPr lang="en-US" sz="3200" dirty="0"/>
-              <a:t> Models, Generated </a:t>
-            </a:r>
-            <a:r>
-              <a:rPr lang="en-US" sz="3200" dirty="0" err="1"/>
-              <a:t>SubModels</a:t>
-            </a:r>
-            <a:r>
-              <a:rPr lang="en-US" sz="3200" dirty="0"/>
-              <a:t> &amp;</a:t>
-            </a:r>
-            <a:r>
-              <a:rPr lang="en-US" sz="3200" dirty="0" err="1"/>
-              <a:t>Bisimulation</a:t>
-            </a:r>
-            <a:r>
-              <a:rPr lang="en-US" sz="3200" dirty="0"/>
-              <a:t>)</a:t>
+              <a:t>A traditional filesystem protocol</a:t>
+            </a:r>
+          </a:p>
+        </p:txBody>
+      </p:sp>
+      <p:sp>
+        <p:nvSpPr>
+          <p:cNvPr id="25" name="TextBox 24">
+            <a:extLst>
+              <a:ext uri="{FF2B5EF4-FFF2-40B4-BE49-F238E27FC236}">
+                <a16:creationId xmlns:a16="http://schemas.microsoft.com/office/drawing/2014/main" id="{8A331171-6FB3-0C15-9047-38F40B2DFC59}"/>
+              </a:ext>
+            </a:extLst>
+          </p:cNvPr>
+          <p:cNvSpPr txBox="1"/>
+          <p:nvPr/>
+        </p:nvSpPr>
+        <p:spPr>
+          <a:xfrm>
+            <a:off x="7675540" y="3068481"/>
+            <a:ext cx="3210560" cy="369332"/>
+          </a:xfrm>
+          <a:prstGeom prst="rect">
+            <a:avLst/>
+          </a:prstGeom>
+          <a:noFill/>
+        </p:spPr>
+        <p:txBody>
+          <a:bodyPr wrap="square" rtlCol="0">
+            <a:spAutoFit/>
+          </a:bodyPr>
+          <a:lstStyle/>
+          <a:p>
+            <a:r>
+              <a:rPr lang="en-US" dirty="0"/>
+              <a:t>A distributed filesystem protocol</a:t>
+            </a:r>
+          </a:p>
+        </p:txBody>
+      </p:sp>
+      <p:cxnSp>
+        <p:nvCxnSpPr>
+          <p:cNvPr id="27" name="Straight Arrow Connector 26">
+            <a:extLst>
+              <a:ext uri="{FF2B5EF4-FFF2-40B4-BE49-F238E27FC236}">
+                <a16:creationId xmlns:a16="http://schemas.microsoft.com/office/drawing/2014/main" id="{74FD6A63-DAF7-0EDD-84B1-F8C9E3EE7E2C}"/>
+              </a:ext>
+            </a:extLst>
+          </p:cNvPr>
+          <p:cNvCxnSpPr>
+            <a:cxnSpLocks/>
+            <a:stCxn id="4" idx="4"/>
+            <a:endCxn id="18" idx="0"/>
+          </p:cNvCxnSpPr>
+          <p:nvPr/>
+        </p:nvCxnSpPr>
+        <p:spPr>
+          <a:xfrm flipH="1">
+            <a:off x="2240579" y="695525"/>
+            <a:ext cx="30480" cy="538480"/>
+          </a:xfrm>
+          <a:prstGeom prst="straightConnector1">
+            <a:avLst/>
+          </a:prstGeom>
+          <a:ln>
+            <a:tailEnd type="triangle"/>
+          </a:ln>
+        </p:spPr>
+        <p:style>
+          <a:lnRef idx="1">
+            <a:schemeClr val="accent1"/>
+          </a:lnRef>
+          <a:fillRef idx="0">
+            <a:schemeClr val="accent1"/>
+          </a:fillRef>
+          <a:effectRef idx="0">
+            <a:schemeClr val="accent1"/>
+          </a:effectRef>
+          <a:fontRef idx="minor">
+            <a:schemeClr val="tx1"/>
+          </a:fontRef>
+        </p:style>
+      </p:cxnSp>
+      <p:cxnSp>
+        <p:nvCxnSpPr>
+          <p:cNvPr id="28" name="Straight Arrow Connector 27">
+            <a:extLst>
+              <a:ext uri="{FF2B5EF4-FFF2-40B4-BE49-F238E27FC236}">
+                <a16:creationId xmlns:a16="http://schemas.microsoft.com/office/drawing/2014/main" id="{2E996B10-2623-8697-D914-0441852DCED7}"/>
+              </a:ext>
+            </a:extLst>
+          </p:cNvPr>
+          <p:cNvCxnSpPr>
+            <a:cxnSpLocks/>
+            <a:stCxn id="18" idx="4"/>
+            <a:endCxn id="19" idx="0"/>
+          </p:cNvCxnSpPr>
+          <p:nvPr/>
+        </p:nvCxnSpPr>
+        <p:spPr>
+          <a:xfrm>
+            <a:off x="2240579" y="1783915"/>
+            <a:ext cx="10160" cy="584676"/>
+          </a:xfrm>
+          <a:prstGeom prst="straightConnector1">
+            <a:avLst/>
+          </a:prstGeom>
+          <a:ln>
+            <a:tailEnd type="triangle"/>
+          </a:ln>
+        </p:spPr>
+        <p:style>
+          <a:lnRef idx="1">
+            <a:schemeClr val="accent1"/>
+          </a:lnRef>
+          <a:fillRef idx="0">
+            <a:schemeClr val="accent1"/>
+          </a:fillRef>
+          <a:effectRef idx="0">
+            <a:schemeClr val="accent1"/>
+          </a:effectRef>
+          <a:fontRef idx="minor">
+            <a:schemeClr val="tx1"/>
+          </a:fontRef>
+        </p:style>
+      </p:cxnSp>
+      <p:sp>
+        <p:nvSpPr>
+          <p:cNvPr id="32" name="TextBox 31">
+            <a:extLst>
+              <a:ext uri="{FF2B5EF4-FFF2-40B4-BE49-F238E27FC236}">
+                <a16:creationId xmlns:a16="http://schemas.microsoft.com/office/drawing/2014/main" id="{2CFD4A8F-70C3-6F5A-C0DE-494902964CBE}"/>
+              </a:ext>
+            </a:extLst>
+          </p:cNvPr>
+          <p:cNvSpPr txBox="1"/>
+          <p:nvPr/>
+        </p:nvSpPr>
+        <p:spPr>
+          <a:xfrm>
+            <a:off x="1895192" y="774384"/>
+            <a:ext cx="651140" cy="369332"/>
+          </a:xfrm>
+          <a:prstGeom prst="rect">
+            <a:avLst/>
+          </a:prstGeom>
+          <a:noFill/>
+        </p:spPr>
+        <p:txBody>
+          <a:bodyPr wrap="none" rtlCol="0">
+            <a:spAutoFit/>
+          </a:bodyPr>
+          <a:lstStyle/>
+          <a:p>
+            <a:pPr algn="r"/>
+            <a:r>
+              <a:rPr lang="en-US" i="1" dirty="0"/>
+              <a:t>open</a:t>
+            </a:r>
+          </a:p>
+        </p:txBody>
+      </p:sp>
+      <p:sp>
+        <p:nvSpPr>
+          <p:cNvPr id="33" name="TextBox 32">
+            <a:extLst>
+              <a:ext uri="{FF2B5EF4-FFF2-40B4-BE49-F238E27FC236}">
+                <a16:creationId xmlns:a16="http://schemas.microsoft.com/office/drawing/2014/main" id="{0A61B0F1-6D30-1C3D-F213-90FE2F0D859C}"/>
+              </a:ext>
+            </a:extLst>
+          </p:cNvPr>
+          <p:cNvSpPr txBox="1"/>
+          <p:nvPr/>
+        </p:nvSpPr>
+        <p:spPr>
+          <a:xfrm>
+            <a:off x="1893589" y="1858924"/>
+            <a:ext cx="652743" cy="369332"/>
+          </a:xfrm>
+          <a:prstGeom prst="rect">
+            <a:avLst/>
+          </a:prstGeom>
+          <a:noFill/>
+        </p:spPr>
+        <p:txBody>
+          <a:bodyPr wrap="none" rtlCol="0">
+            <a:spAutoFit/>
+          </a:bodyPr>
+          <a:lstStyle/>
+          <a:p>
+            <a:pPr algn="r"/>
+            <a:r>
+              <a:rPr lang="en-US" i="1" dirty="0"/>
+              <a:t>close</a:t>
+            </a:r>
+          </a:p>
+        </p:txBody>
+      </p:sp>
+      <p:cxnSp>
+        <p:nvCxnSpPr>
+          <p:cNvPr id="36" name="Curved Connector 35">
+            <a:extLst>
+              <a:ext uri="{FF2B5EF4-FFF2-40B4-BE49-F238E27FC236}">
+                <a16:creationId xmlns:a16="http://schemas.microsoft.com/office/drawing/2014/main" id="{65F1E4ED-BDEF-ACA2-8B28-7AF03BD5B12B}"/>
+              </a:ext>
+            </a:extLst>
+          </p:cNvPr>
+          <p:cNvCxnSpPr>
+            <a:cxnSpLocks/>
+            <a:stCxn id="18" idx="6"/>
+            <a:endCxn id="18" idx="7"/>
+          </p:cNvCxnSpPr>
+          <p:nvPr/>
+        </p:nvCxnSpPr>
+        <p:spPr>
+          <a:xfrm flipH="1" flipV="1">
+            <a:off x="2435226" y="1314537"/>
+            <a:ext cx="80626" cy="194423"/>
+          </a:xfrm>
+          <a:prstGeom prst="curvedConnector4">
+            <a:avLst>
+              <a:gd name="adj1" fmla="val -1430258"/>
+              <a:gd name="adj2" fmla="val 259000"/>
+            </a:avLst>
+          </a:prstGeom>
+          <a:ln>
+            <a:tailEnd type="triangle"/>
+          </a:ln>
+        </p:spPr>
+        <p:style>
+          <a:lnRef idx="1">
+            <a:schemeClr val="accent1"/>
+          </a:lnRef>
+          <a:fillRef idx="0">
+            <a:schemeClr val="accent1"/>
+          </a:fillRef>
+          <a:effectRef idx="0">
+            <a:schemeClr val="accent1"/>
+          </a:effectRef>
+          <a:fontRef idx="minor">
+            <a:schemeClr val="tx1"/>
+          </a:fontRef>
+        </p:style>
+      </p:cxnSp>
+      <p:sp>
+        <p:nvSpPr>
+          <p:cNvPr id="47" name="TextBox 46">
+            <a:extLst>
+              <a:ext uri="{FF2B5EF4-FFF2-40B4-BE49-F238E27FC236}">
+                <a16:creationId xmlns:a16="http://schemas.microsoft.com/office/drawing/2014/main" id="{3A7E63AB-C592-E861-31DE-5BEAA3C3EC91}"/>
+              </a:ext>
+            </a:extLst>
+          </p:cNvPr>
+          <p:cNvSpPr txBox="1"/>
+          <p:nvPr/>
+        </p:nvSpPr>
+        <p:spPr>
+          <a:xfrm>
+            <a:off x="3318492" y="978282"/>
+            <a:ext cx="666273" cy="646331"/>
+          </a:xfrm>
+          <a:prstGeom prst="rect">
+            <a:avLst/>
+          </a:prstGeom>
+          <a:noFill/>
+        </p:spPr>
+        <p:txBody>
+          <a:bodyPr wrap="none" rtlCol="0">
+            <a:spAutoFit/>
+          </a:bodyPr>
+          <a:lstStyle/>
+          <a:p>
+            <a:r>
+              <a:rPr lang="en-US" i="1" dirty="0"/>
+              <a:t>read</a:t>
+            </a:r>
+          </a:p>
+          <a:p>
+            <a:r>
+              <a:rPr lang="en-US" i="1" dirty="0"/>
+              <a:t>write</a:t>
+            </a:r>
+          </a:p>
+        </p:txBody>
+      </p:sp>
+      <p:cxnSp>
+        <p:nvCxnSpPr>
+          <p:cNvPr id="48" name="Curved Connector 47">
+            <a:extLst>
+              <a:ext uri="{FF2B5EF4-FFF2-40B4-BE49-F238E27FC236}">
+                <a16:creationId xmlns:a16="http://schemas.microsoft.com/office/drawing/2014/main" id="{621B1AEC-F6E3-94CB-6296-80383E4833E4}"/>
+              </a:ext>
+            </a:extLst>
+          </p:cNvPr>
+          <p:cNvCxnSpPr>
+            <a:cxnSpLocks/>
+            <a:stCxn id="23" idx="0"/>
+            <a:endCxn id="23" idx="2"/>
+          </p:cNvCxnSpPr>
+          <p:nvPr/>
+        </p:nvCxnSpPr>
+        <p:spPr>
+          <a:xfrm rot="16200000" flipH="1" flipV="1">
+            <a:off x="7928133" y="1233845"/>
+            <a:ext cx="274955" cy="275273"/>
+          </a:xfrm>
+          <a:prstGeom prst="curvedConnector4">
+            <a:avLst>
+              <a:gd name="adj1" fmla="val -83141"/>
+              <a:gd name="adj2" fmla="val 297462"/>
+            </a:avLst>
+          </a:prstGeom>
+          <a:ln>
+            <a:tailEnd type="triangle"/>
+          </a:ln>
+        </p:spPr>
+        <p:style>
+          <a:lnRef idx="1">
+            <a:schemeClr val="accent1"/>
+          </a:lnRef>
+          <a:fillRef idx="0">
+            <a:schemeClr val="accent1"/>
+          </a:fillRef>
+          <a:effectRef idx="0">
+            <a:schemeClr val="accent1"/>
+          </a:effectRef>
+          <a:fontRef idx="minor">
+            <a:schemeClr val="tx1"/>
+          </a:fontRef>
+        </p:style>
+      </p:cxnSp>
+      <p:sp>
+        <p:nvSpPr>
+          <p:cNvPr id="49" name="TextBox 48">
+            <a:extLst>
+              <a:ext uri="{FF2B5EF4-FFF2-40B4-BE49-F238E27FC236}">
+                <a16:creationId xmlns:a16="http://schemas.microsoft.com/office/drawing/2014/main" id="{3F818209-4A62-FAA1-95F1-F1A0940CE854}"/>
+              </a:ext>
+            </a:extLst>
+          </p:cNvPr>
+          <p:cNvSpPr txBox="1"/>
+          <p:nvPr/>
+        </p:nvSpPr>
+        <p:spPr>
+          <a:xfrm>
+            <a:off x="7350044" y="686866"/>
+            <a:ext cx="666273" cy="646331"/>
+          </a:xfrm>
+          <a:prstGeom prst="rect">
+            <a:avLst/>
+          </a:prstGeom>
+          <a:noFill/>
+        </p:spPr>
+        <p:txBody>
+          <a:bodyPr wrap="none" rtlCol="0">
+            <a:spAutoFit/>
+          </a:bodyPr>
+          <a:lstStyle/>
+          <a:p>
+            <a:r>
+              <a:rPr lang="en-US" i="1" dirty="0"/>
+              <a:t>read</a:t>
+            </a:r>
+          </a:p>
+          <a:p>
+            <a:r>
+              <a:rPr lang="en-US" i="1" dirty="0"/>
+              <a:t>write</a:t>
+            </a:r>
+          </a:p>
+        </p:txBody>
+      </p:sp>
+      <p:cxnSp>
+        <p:nvCxnSpPr>
+          <p:cNvPr id="57" name="Straight Arrow Connector 56">
+            <a:extLst>
+              <a:ext uri="{FF2B5EF4-FFF2-40B4-BE49-F238E27FC236}">
+                <a16:creationId xmlns:a16="http://schemas.microsoft.com/office/drawing/2014/main" id="{E1127C4E-88B2-1DB9-95FA-8E865E0E34D2}"/>
+              </a:ext>
+            </a:extLst>
+          </p:cNvPr>
+          <p:cNvCxnSpPr>
+            <a:stCxn id="21" idx="1"/>
+            <a:endCxn id="23" idx="7"/>
+          </p:cNvCxnSpPr>
+          <p:nvPr/>
+        </p:nvCxnSpPr>
+        <p:spPr>
+          <a:xfrm flipH="1">
+            <a:off x="8397894" y="1314537"/>
+            <a:ext cx="1409026" cy="0"/>
+          </a:xfrm>
+          <a:prstGeom prst="straightConnector1">
+            <a:avLst/>
+          </a:prstGeom>
+          <a:ln>
+            <a:tailEnd type="triangle"/>
+          </a:ln>
+        </p:spPr>
+        <p:style>
+          <a:lnRef idx="1">
+            <a:schemeClr val="accent1"/>
+          </a:lnRef>
+          <a:fillRef idx="0">
+            <a:schemeClr val="accent1"/>
+          </a:fillRef>
+          <a:effectRef idx="0">
+            <a:schemeClr val="accent1"/>
+          </a:effectRef>
+          <a:fontRef idx="minor">
+            <a:schemeClr val="tx1"/>
+          </a:fontRef>
+        </p:style>
+      </p:cxnSp>
+      <p:sp>
+        <p:nvSpPr>
+          <p:cNvPr id="58" name="TextBox 57">
+            <a:extLst>
+              <a:ext uri="{FF2B5EF4-FFF2-40B4-BE49-F238E27FC236}">
+                <a16:creationId xmlns:a16="http://schemas.microsoft.com/office/drawing/2014/main" id="{9299B4E1-6DEE-BA46-D9A4-7230E8B4547B}"/>
+              </a:ext>
+            </a:extLst>
+          </p:cNvPr>
+          <p:cNvSpPr txBox="1"/>
+          <p:nvPr/>
+        </p:nvSpPr>
+        <p:spPr>
+          <a:xfrm>
+            <a:off x="8644274" y="777078"/>
+            <a:ext cx="967880" cy="646331"/>
+          </a:xfrm>
+          <a:prstGeom prst="rect">
+            <a:avLst/>
+          </a:prstGeom>
+          <a:noFill/>
+        </p:spPr>
+        <p:txBody>
+          <a:bodyPr wrap="square" rtlCol="0">
+            <a:spAutoFit/>
+          </a:bodyPr>
+          <a:lstStyle/>
+          <a:p>
+            <a:endParaRPr lang="en-US" i="1" dirty="0"/>
+          </a:p>
+          <a:p>
+            <a:r>
+              <a:rPr lang="en-US" i="1" dirty="0"/>
+              <a:t>write</a:t>
+            </a:r>
+          </a:p>
+        </p:txBody>
+      </p:sp>
+      <p:cxnSp>
+        <p:nvCxnSpPr>
+          <p:cNvPr id="59" name="Straight Arrow Connector 58">
+            <a:extLst>
+              <a:ext uri="{FF2B5EF4-FFF2-40B4-BE49-F238E27FC236}">
+                <a16:creationId xmlns:a16="http://schemas.microsoft.com/office/drawing/2014/main" id="{B80204F7-BAC4-F103-F331-43EBF8EDDA73}"/>
+              </a:ext>
+            </a:extLst>
+          </p:cNvPr>
+          <p:cNvCxnSpPr>
+            <a:cxnSpLocks/>
+            <a:stCxn id="23" idx="4"/>
+            <a:endCxn id="21" idx="3"/>
+          </p:cNvCxnSpPr>
+          <p:nvPr/>
+        </p:nvCxnSpPr>
+        <p:spPr>
+          <a:xfrm flipV="1">
+            <a:off x="8203247" y="1703383"/>
+            <a:ext cx="1603673" cy="80532"/>
+          </a:xfrm>
+          <a:prstGeom prst="straightConnector1">
+            <a:avLst/>
+          </a:prstGeom>
+          <a:ln>
+            <a:tailEnd type="triangle"/>
+          </a:ln>
+        </p:spPr>
+        <p:style>
+          <a:lnRef idx="1">
+            <a:schemeClr val="accent1"/>
+          </a:lnRef>
+          <a:fillRef idx="0">
+            <a:schemeClr val="accent1"/>
+          </a:fillRef>
+          <a:effectRef idx="0">
+            <a:schemeClr val="accent1"/>
+          </a:effectRef>
+          <a:fontRef idx="minor">
+            <a:schemeClr val="tx1"/>
+          </a:fontRef>
+        </p:style>
+      </p:cxnSp>
+      <p:sp>
+        <p:nvSpPr>
+          <p:cNvPr id="60" name="TextBox 59">
+            <a:extLst>
+              <a:ext uri="{FF2B5EF4-FFF2-40B4-BE49-F238E27FC236}">
+                <a16:creationId xmlns:a16="http://schemas.microsoft.com/office/drawing/2014/main" id="{F2388205-F3C8-2AE2-BF43-DBC3321560CF}"/>
+              </a:ext>
+            </a:extLst>
+          </p:cNvPr>
+          <p:cNvSpPr txBox="1"/>
+          <p:nvPr/>
+        </p:nvSpPr>
+        <p:spPr>
+          <a:xfrm>
+            <a:off x="8661091" y="1269565"/>
+            <a:ext cx="967880" cy="646331"/>
+          </a:xfrm>
+          <a:prstGeom prst="rect">
+            <a:avLst/>
+          </a:prstGeom>
+          <a:noFill/>
+        </p:spPr>
+        <p:txBody>
+          <a:bodyPr wrap="square" rtlCol="0">
+            <a:spAutoFit/>
+          </a:bodyPr>
+          <a:lstStyle/>
+          <a:p>
+            <a:endParaRPr lang="en-US" i="1" dirty="0"/>
+          </a:p>
+          <a:p>
+            <a:r>
+              <a:rPr lang="en-US" i="1" dirty="0"/>
+              <a:t>flush</a:t>
+            </a:r>
+          </a:p>
+        </p:txBody>
+      </p:sp>
+      <p:cxnSp>
+        <p:nvCxnSpPr>
+          <p:cNvPr id="63" name="Straight Arrow Connector 62">
+            <a:extLst>
+              <a:ext uri="{FF2B5EF4-FFF2-40B4-BE49-F238E27FC236}">
+                <a16:creationId xmlns:a16="http://schemas.microsoft.com/office/drawing/2014/main" id="{C08266A4-4E74-9A1A-957A-E57B3C67FD34}"/>
+              </a:ext>
+            </a:extLst>
+          </p:cNvPr>
+          <p:cNvCxnSpPr>
+            <a:cxnSpLocks/>
+          </p:cNvCxnSpPr>
+          <p:nvPr/>
+        </p:nvCxnSpPr>
+        <p:spPr>
+          <a:xfrm flipH="1">
+            <a:off x="9985075" y="680207"/>
+            <a:ext cx="30480" cy="538480"/>
+          </a:xfrm>
+          <a:prstGeom prst="straightConnector1">
+            <a:avLst/>
+          </a:prstGeom>
+          <a:ln>
+            <a:tailEnd type="triangle"/>
+          </a:ln>
+        </p:spPr>
+        <p:style>
+          <a:lnRef idx="1">
+            <a:schemeClr val="accent1"/>
+          </a:lnRef>
+          <a:fillRef idx="0">
+            <a:schemeClr val="accent1"/>
+          </a:fillRef>
+          <a:effectRef idx="0">
+            <a:schemeClr val="accent1"/>
+          </a:effectRef>
+          <a:fontRef idx="minor">
+            <a:schemeClr val="tx1"/>
+          </a:fontRef>
+        </p:style>
+      </p:cxnSp>
+      <p:cxnSp>
+        <p:nvCxnSpPr>
+          <p:cNvPr id="64" name="Straight Arrow Connector 63">
+            <a:extLst>
+              <a:ext uri="{FF2B5EF4-FFF2-40B4-BE49-F238E27FC236}">
+                <a16:creationId xmlns:a16="http://schemas.microsoft.com/office/drawing/2014/main" id="{82187FAC-534E-440E-4B66-D693ECA2544D}"/>
+              </a:ext>
+            </a:extLst>
+          </p:cNvPr>
+          <p:cNvCxnSpPr>
+            <a:cxnSpLocks/>
+          </p:cNvCxnSpPr>
+          <p:nvPr/>
+        </p:nvCxnSpPr>
+        <p:spPr>
+          <a:xfrm>
+            <a:off x="9985075" y="1768597"/>
+            <a:ext cx="10160" cy="584676"/>
+          </a:xfrm>
+          <a:prstGeom prst="straightConnector1">
+            <a:avLst/>
+          </a:prstGeom>
+          <a:ln>
+            <a:tailEnd type="triangle"/>
+          </a:ln>
+        </p:spPr>
+        <p:style>
+          <a:lnRef idx="1">
+            <a:schemeClr val="accent1"/>
+          </a:lnRef>
+          <a:fillRef idx="0">
+            <a:schemeClr val="accent1"/>
+          </a:fillRef>
+          <a:effectRef idx="0">
+            <a:schemeClr val="accent1"/>
+          </a:effectRef>
+          <a:fontRef idx="minor">
+            <a:schemeClr val="tx1"/>
+          </a:fontRef>
+        </p:style>
+      </p:cxnSp>
+      <p:sp>
+        <p:nvSpPr>
+          <p:cNvPr id="65" name="TextBox 64">
+            <a:extLst>
+              <a:ext uri="{FF2B5EF4-FFF2-40B4-BE49-F238E27FC236}">
+                <a16:creationId xmlns:a16="http://schemas.microsoft.com/office/drawing/2014/main" id="{43AA5B51-4C23-6AE3-B77E-614269ECFF01}"/>
+              </a:ext>
+            </a:extLst>
+          </p:cNvPr>
+          <p:cNvSpPr txBox="1"/>
+          <p:nvPr/>
+        </p:nvSpPr>
+        <p:spPr>
+          <a:xfrm>
+            <a:off x="9639688" y="759066"/>
+            <a:ext cx="651140" cy="369332"/>
+          </a:xfrm>
+          <a:prstGeom prst="rect">
+            <a:avLst/>
+          </a:prstGeom>
+          <a:noFill/>
+        </p:spPr>
+        <p:txBody>
+          <a:bodyPr wrap="none" rtlCol="0">
+            <a:spAutoFit/>
+          </a:bodyPr>
+          <a:lstStyle/>
+          <a:p>
+            <a:pPr algn="r"/>
+            <a:r>
+              <a:rPr lang="en-US" i="1" dirty="0"/>
+              <a:t>open</a:t>
+            </a:r>
+          </a:p>
+        </p:txBody>
+      </p:sp>
+      <p:sp>
+        <p:nvSpPr>
+          <p:cNvPr id="66" name="TextBox 65">
+            <a:extLst>
+              <a:ext uri="{FF2B5EF4-FFF2-40B4-BE49-F238E27FC236}">
+                <a16:creationId xmlns:a16="http://schemas.microsoft.com/office/drawing/2014/main" id="{7FDEF6BB-826B-2ADF-1777-0D599851151F}"/>
+              </a:ext>
+            </a:extLst>
+          </p:cNvPr>
+          <p:cNvSpPr txBox="1"/>
+          <p:nvPr/>
+        </p:nvSpPr>
+        <p:spPr>
+          <a:xfrm>
+            <a:off x="9638085" y="1843606"/>
+            <a:ext cx="652743" cy="369332"/>
+          </a:xfrm>
+          <a:prstGeom prst="rect">
+            <a:avLst/>
+          </a:prstGeom>
+          <a:noFill/>
+        </p:spPr>
+        <p:txBody>
+          <a:bodyPr wrap="none" rtlCol="0">
+            <a:spAutoFit/>
+          </a:bodyPr>
+          <a:lstStyle/>
+          <a:p>
+            <a:pPr algn="r"/>
+            <a:r>
+              <a:rPr lang="en-US" i="1" dirty="0"/>
+              <a:t>close</a:t>
+            </a:r>
+          </a:p>
+        </p:txBody>
+      </p:sp>
+      <p:cxnSp>
+        <p:nvCxnSpPr>
+          <p:cNvPr id="67" name="Curved Connector 66">
+            <a:extLst>
+              <a:ext uri="{FF2B5EF4-FFF2-40B4-BE49-F238E27FC236}">
+                <a16:creationId xmlns:a16="http://schemas.microsoft.com/office/drawing/2014/main" id="{9C7CAC2B-B594-E67B-9017-08FA3F440C69}"/>
+              </a:ext>
+            </a:extLst>
+          </p:cNvPr>
+          <p:cNvCxnSpPr>
+            <a:cxnSpLocks/>
+            <a:stCxn id="21" idx="5"/>
+            <a:endCxn id="21" idx="6"/>
+          </p:cNvCxnSpPr>
+          <p:nvPr/>
+        </p:nvCxnSpPr>
+        <p:spPr>
+          <a:xfrm rot="5400000" flipH="1" flipV="1">
+            <a:off x="10139315" y="1565859"/>
+            <a:ext cx="194423" cy="80626"/>
+          </a:xfrm>
+          <a:prstGeom prst="curvedConnector4">
+            <a:avLst>
+              <a:gd name="adj1" fmla="val -159000"/>
+              <a:gd name="adj2" fmla="val 736370"/>
+            </a:avLst>
+          </a:prstGeom>
+          <a:ln>
+            <a:tailEnd type="triangle"/>
+          </a:ln>
+        </p:spPr>
+        <p:style>
+          <a:lnRef idx="1">
+            <a:schemeClr val="accent1"/>
+          </a:lnRef>
+          <a:fillRef idx="0">
+            <a:schemeClr val="accent1"/>
+          </a:fillRef>
+          <a:effectRef idx="0">
+            <a:schemeClr val="accent1"/>
+          </a:effectRef>
+          <a:fontRef idx="minor">
+            <a:schemeClr val="tx1"/>
+          </a:fontRef>
+        </p:style>
+      </p:cxnSp>
+      <p:sp>
+        <p:nvSpPr>
+          <p:cNvPr id="68" name="TextBox 67">
+            <a:extLst>
+              <a:ext uri="{FF2B5EF4-FFF2-40B4-BE49-F238E27FC236}">
+                <a16:creationId xmlns:a16="http://schemas.microsoft.com/office/drawing/2014/main" id="{86823AEC-6497-388D-F812-37B4EC4ECBFD}"/>
+              </a:ext>
+            </a:extLst>
+          </p:cNvPr>
+          <p:cNvSpPr txBox="1"/>
+          <p:nvPr/>
+        </p:nvSpPr>
+        <p:spPr>
+          <a:xfrm>
+            <a:off x="10360192" y="1277485"/>
+            <a:ext cx="666273" cy="369332"/>
+          </a:xfrm>
+          <a:prstGeom prst="rect">
+            <a:avLst/>
+          </a:prstGeom>
+          <a:noFill/>
+        </p:spPr>
+        <p:txBody>
+          <a:bodyPr wrap="square" rtlCol="0">
+            <a:spAutoFit/>
+          </a:bodyPr>
+          <a:lstStyle/>
+          <a:p>
+            <a:r>
+              <a:rPr lang="en-US" i="1" dirty="0"/>
+              <a:t>read</a:t>
+            </a:r>
+          </a:p>
+        </p:txBody>
+      </p:sp>
+      <p:sp>
+        <p:nvSpPr>
+          <p:cNvPr id="7" name="Oval 6">
+            <a:extLst>
+              <a:ext uri="{FF2B5EF4-FFF2-40B4-BE49-F238E27FC236}">
+                <a16:creationId xmlns:a16="http://schemas.microsoft.com/office/drawing/2014/main" id="{1148DF73-113A-8F3E-F3D8-472F2D7C87CE}"/>
+              </a:ext>
+            </a:extLst>
+          </p:cNvPr>
+          <p:cNvSpPr/>
+          <p:nvPr/>
+        </p:nvSpPr>
+        <p:spPr>
+          <a:xfrm>
+            <a:off x="1299033" y="4986329"/>
+            <a:ext cx="550546" cy="549910"/>
+          </a:xfrm>
+          <a:prstGeom prst="ellipse">
+            <a:avLst/>
+          </a:prstGeom>
+          <a:solidFill>
+            <a:schemeClr val="accent1">
+              <a:alpha val="35818"/>
+            </a:schemeClr>
+          </a:solidFill>
+          <a:ln>
+            <a:solidFill>
+              <a:schemeClr val="tx1">
+                <a:alpha val="74087"/>
+              </a:schemeClr>
+            </a:solidFill>
+          </a:ln>
+        </p:spPr>
+        <p:style>
+          <a:lnRef idx="2">
+            <a:schemeClr val="accent1">
+              <a:shade val="15000"/>
+            </a:schemeClr>
+          </a:lnRef>
+          <a:fillRef idx="1">
+            <a:schemeClr val="accent1"/>
+          </a:fillRef>
+          <a:effectRef idx="0">
+            <a:schemeClr val="accent1"/>
+          </a:effectRef>
+          <a:fontRef idx="minor">
+            <a:schemeClr val="lt1"/>
+          </a:fontRef>
+        </p:style>
+        <p:txBody>
+          <a:bodyPr rtlCol="0" anchor="ctr"/>
+          <a:lstStyle/>
+          <a:p>
+            <a:pPr algn="ctr"/>
+            <a:r>
+              <a:rPr lang="en-US" dirty="0">
+                <a:solidFill>
+                  <a:schemeClr val="tx1"/>
+                </a:solidFill>
+              </a:rPr>
+              <a:t>s</a:t>
+            </a:r>
+            <a:r>
+              <a:rPr lang="en-US" baseline="-25000" dirty="0">
+                <a:solidFill>
+                  <a:schemeClr val="tx1"/>
+                </a:solidFill>
+              </a:rPr>
+              <a:t>o</a:t>
+            </a:r>
+          </a:p>
+        </p:txBody>
+      </p:sp>
+      <p:cxnSp>
+        <p:nvCxnSpPr>
+          <p:cNvPr id="8" name="Curved Connector 7">
+            <a:extLst>
+              <a:ext uri="{FF2B5EF4-FFF2-40B4-BE49-F238E27FC236}">
+                <a16:creationId xmlns:a16="http://schemas.microsoft.com/office/drawing/2014/main" id="{F7616DA2-B81D-6ECF-4243-409AE4351666}"/>
+              </a:ext>
+            </a:extLst>
+          </p:cNvPr>
+          <p:cNvCxnSpPr>
+            <a:cxnSpLocks/>
+            <a:stCxn id="7" idx="6"/>
+            <a:endCxn id="7" idx="7"/>
+          </p:cNvCxnSpPr>
+          <p:nvPr/>
+        </p:nvCxnSpPr>
+        <p:spPr>
+          <a:xfrm flipH="1" flipV="1">
+            <a:off x="1768953" y="5066861"/>
+            <a:ext cx="80626" cy="194423"/>
+          </a:xfrm>
+          <a:prstGeom prst="curvedConnector4">
+            <a:avLst>
+              <a:gd name="adj1" fmla="val -1430258"/>
+              <a:gd name="adj2" fmla="val 259000"/>
+            </a:avLst>
+          </a:prstGeom>
+          <a:ln>
+            <a:tailEnd type="triangle"/>
+          </a:ln>
+        </p:spPr>
+        <p:style>
+          <a:lnRef idx="1">
+            <a:schemeClr val="accent1"/>
+          </a:lnRef>
+          <a:fillRef idx="0">
+            <a:schemeClr val="accent1"/>
+          </a:fillRef>
+          <a:effectRef idx="0">
+            <a:schemeClr val="accent1"/>
+          </a:effectRef>
+          <a:fontRef idx="minor">
+            <a:schemeClr val="tx1"/>
+          </a:fontRef>
+        </p:style>
+      </p:cxnSp>
+      <p:sp>
+        <p:nvSpPr>
+          <p:cNvPr id="9" name="TextBox 8">
+            <a:extLst>
+              <a:ext uri="{FF2B5EF4-FFF2-40B4-BE49-F238E27FC236}">
+                <a16:creationId xmlns:a16="http://schemas.microsoft.com/office/drawing/2014/main" id="{83ECC40C-DCF6-5021-2B8F-D679859374A4}"/>
+              </a:ext>
+            </a:extLst>
+          </p:cNvPr>
+          <p:cNvSpPr txBox="1"/>
+          <p:nvPr/>
+        </p:nvSpPr>
+        <p:spPr>
+          <a:xfrm>
+            <a:off x="2652219" y="4730606"/>
+            <a:ext cx="666273" cy="646331"/>
+          </a:xfrm>
+          <a:prstGeom prst="rect">
+            <a:avLst/>
+          </a:prstGeom>
+          <a:noFill/>
+        </p:spPr>
+        <p:txBody>
+          <a:bodyPr wrap="none" rtlCol="0">
+            <a:spAutoFit/>
+          </a:bodyPr>
+          <a:lstStyle/>
+          <a:p>
+            <a:r>
+              <a:rPr lang="en-US" i="1" dirty="0"/>
+              <a:t>read</a:t>
+            </a:r>
+          </a:p>
+          <a:p>
+            <a:r>
+              <a:rPr lang="en-US" i="1" dirty="0"/>
+              <a:t>write</a:t>
+            </a:r>
+          </a:p>
+        </p:txBody>
+      </p:sp>
+      <p:sp>
+        <p:nvSpPr>
+          <p:cNvPr id="10" name="Oval 9">
+            <a:extLst>
+              <a:ext uri="{FF2B5EF4-FFF2-40B4-BE49-F238E27FC236}">
+                <a16:creationId xmlns:a16="http://schemas.microsoft.com/office/drawing/2014/main" id="{EC35D0A9-7CB4-2755-5FB4-69A636CE0348}"/>
+              </a:ext>
+            </a:extLst>
+          </p:cNvPr>
+          <p:cNvSpPr/>
+          <p:nvPr/>
+        </p:nvSpPr>
+        <p:spPr>
+          <a:xfrm>
+            <a:off x="9878694" y="4972885"/>
+            <a:ext cx="550546" cy="549910"/>
+          </a:xfrm>
+          <a:prstGeom prst="ellipse">
+            <a:avLst/>
+          </a:prstGeom>
+          <a:solidFill>
+            <a:schemeClr val="accent1">
+              <a:alpha val="35818"/>
+            </a:schemeClr>
+          </a:solidFill>
+          <a:ln>
+            <a:solidFill>
+              <a:schemeClr val="tx1">
+                <a:alpha val="74087"/>
+              </a:schemeClr>
+            </a:solidFill>
+          </a:ln>
+        </p:spPr>
+        <p:style>
+          <a:lnRef idx="2">
+            <a:schemeClr val="accent1">
+              <a:shade val="15000"/>
+            </a:schemeClr>
+          </a:lnRef>
+          <a:fillRef idx="1">
+            <a:schemeClr val="accent1"/>
+          </a:fillRef>
+          <a:effectRef idx="0">
+            <a:schemeClr val="accent1"/>
+          </a:effectRef>
+          <a:fontRef idx="minor">
+            <a:schemeClr val="lt1"/>
+          </a:fontRef>
+        </p:style>
+        <p:txBody>
+          <a:bodyPr rtlCol="0" anchor="ctr"/>
+          <a:lstStyle/>
+          <a:p>
+            <a:pPr algn="ctr"/>
+            <a:r>
+              <a:rPr lang="en-US" dirty="0">
+                <a:solidFill>
+                  <a:schemeClr val="tx1"/>
+                </a:solidFill>
+              </a:rPr>
+              <a:t>s</a:t>
+            </a:r>
+            <a:r>
+              <a:rPr lang="en-US" baseline="-25000" dirty="0">
+                <a:solidFill>
+                  <a:schemeClr val="tx1"/>
+                </a:solidFill>
+              </a:rPr>
+              <a:t>o</a:t>
+            </a:r>
+          </a:p>
+        </p:txBody>
+      </p:sp>
+      <p:sp>
+        <p:nvSpPr>
+          <p:cNvPr id="11" name="Oval 10">
+            <a:extLst>
+              <a:ext uri="{FF2B5EF4-FFF2-40B4-BE49-F238E27FC236}">
+                <a16:creationId xmlns:a16="http://schemas.microsoft.com/office/drawing/2014/main" id="{74CB7C73-90CC-BDDD-63C1-50C0D71310AF}"/>
+              </a:ext>
+            </a:extLst>
+          </p:cNvPr>
+          <p:cNvSpPr/>
+          <p:nvPr/>
+        </p:nvSpPr>
+        <p:spPr>
+          <a:xfrm>
+            <a:off x="8080374" y="4972885"/>
+            <a:ext cx="550546" cy="549910"/>
+          </a:xfrm>
+          <a:prstGeom prst="ellipse">
+            <a:avLst/>
+          </a:prstGeom>
+          <a:solidFill>
+            <a:schemeClr val="accent1">
+              <a:alpha val="35818"/>
+            </a:schemeClr>
+          </a:solidFill>
+          <a:ln>
+            <a:solidFill>
+              <a:schemeClr val="tx1">
+                <a:alpha val="74087"/>
+              </a:schemeClr>
+            </a:solidFill>
+          </a:ln>
+        </p:spPr>
+        <p:style>
+          <a:lnRef idx="2">
+            <a:schemeClr val="accent1">
+              <a:shade val="15000"/>
+            </a:schemeClr>
+          </a:lnRef>
+          <a:fillRef idx="1">
+            <a:schemeClr val="accent1"/>
+          </a:fillRef>
+          <a:effectRef idx="0">
+            <a:schemeClr val="accent1"/>
+          </a:effectRef>
+          <a:fontRef idx="minor">
+            <a:schemeClr val="lt1"/>
+          </a:fontRef>
+        </p:style>
+        <p:txBody>
+          <a:bodyPr rtlCol="0" anchor="ctr"/>
+          <a:lstStyle/>
+          <a:p>
+            <a:pPr algn="ctr"/>
+            <a:r>
+              <a:rPr lang="en-US" dirty="0">
+                <a:solidFill>
+                  <a:schemeClr val="tx1"/>
+                </a:solidFill>
+              </a:rPr>
+              <a:t>s</a:t>
+            </a:r>
+            <a:r>
+              <a:rPr lang="en-US" baseline="-25000" dirty="0">
+                <a:solidFill>
+                  <a:schemeClr val="tx1"/>
+                </a:solidFill>
+              </a:rPr>
+              <a:t>f</a:t>
+            </a:r>
+          </a:p>
+        </p:txBody>
+      </p:sp>
+      <p:cxnSp>
+        <p:nvCxnSpPr>
+          <p:cNvPr id="12" name="Curved Connector 11">
+            <a:extLst>
+              <a:ext uri="{FF2B5EF4-FFF2-40B4-BE49-F238E27FC236}">
+                <a16:creationId xmlns:a16="http://schemas.microsoft.com/office/drawing/2014/main" id="{07E7B836-C82B-5036-25E8-392F85B136B7}"/>
+              </a:ext>
+            </a:extLst>
+          </p:cNvPr>
+          <p:cNvCxnSpPr>
+            <a:cxnSpLocks/>
+            <a:stCxn id="11" idx="0"/>
+            <a:endCxn id="11" idx="2"/>
+          </p:cNvCxnSpPr>
+          <p:nvPr/>
+        </p:nvCxnSpPr>
+        <p:spPr>
+          <a:xfrm rot="16200000" flipH="1" flipV="1">
+            <a:off x="8080533" y="4972725"/>
+            <a:ext cx="274955" cy="275273"/>
+          </a:xfrm>
+          <a:prstGeom prst="curvedConnector4">
+            <a:avLst>
+              <a:gd name="adj1" fmla="val -83141"/>
+              <a:gd name="adj2" fmla="val 297462"/>
+            </a:avLst>
+          </a:prstGeom>
+          <a:ln>
+            <a:tailEnd type="triangle"/>
+          </a:ln>
+        </p:spPr>
+        <p:style>
+          <a:lnRef idx="1">
+            <a:schemeClr val="accent1"/>
+          </a:lnRef>
+          <a:fillRef idx="0">
+            <a:schemeClr val="accent1"/>
+          </a:fillRef>
+          <a:effectRef idx="0">
+            <a:schemeClr val="accent1"/>
+          </a:effectRef>
+          <a:fontRef idx="minor">
+            <a:schemeClr val="tx1"/>
+          </a:fontRef>
+        </p:style>
+      </p:cxnSp>
+      <p:sp>
+        <p:nvSpPr>
+          <p:cNvPr id="13" name="TextBox 12">
+            <a:extLst>
+              <a:ext uri="{FF2B5EF4-FFF2-40B4-BE49-F238E27FC236}">
+                <a16:creationId xmlns:a16="http://schemas.microsoft.com/office/drawing/2014/main" id="{2DC0DDA8-BE8F-3235-56AB-5348FA8649BC}"/>
+              </a:ext>
+            </a:extLst>
+          </p:cNvPr>
+          <p:cNvSpPr txBox="1"/>
+          <p:nvPr/>
+        </p:nvSpPr>
+        <p:spPr>
+          <a:xfrm>
+            <a:off x="7502444" y="4425746"/>
+            <a:ext cx="666273" cy="646331"/>
+          </a:xfrm>
+          <a:prstGeom prst="rect">
+            <a:avLst/>
+          </a:prstGeom>
+          <a:noFill/>
+        </p:spPr>
+        <p:txBody>
+          <a:bodyPr wrap="none" rtlCol="0">
+            <a:spAutoFit/>
+          </a:bodyPr>
+          <a:lstStyle/>
+          <a:p>
+            <a:r>
+              <a:rPr lang="en-US" i="1" dirty="0"/>
+              <a:t>read</a:t>
+            </a:r>
+          </a:p>
+          <a:p>
+            <a:r>
+              <a:rPr lang="en-US" i="1" dirty="0"/>
+              <a:t>write</a:t>
+            </a:r>
+          </a:p>
+        </p:txBody>
+      </p:sp>
+      <p:cxnSp>
+        <p:nvCxnSpPr>
+          <p:cNvPr id="14" name="Straight Arrow Connector 13">
+            <a:extLst>
+              <a:ext uri="{FF2B5EF4-FFF2-40B4-BE49-F238E27FC236}">
+                <a16:creationId xmlns:a16="http://schemas.microsoft.com/office/drawing/2014/main" id="{49A1FF1F-B8BE-B0A2-0D91-C19892AC88E6}"/>
+              </a:ext>
+            </a:extLst>
+          </p:cNvPr>
+          <p:cNvCxnSpPr>
+            <a:stCxn id="10" idx="1"/>
+            <a:endCxn id="11" idx="7"/>
+          </p:cNvCxnSpPr>
+          <p:nvPr/>
+        </p:nvCxnSpPr>
+        <p:spPr>
+          <a:xfrm flipH="1">
+            <a:off x="8550294" y="5053417"/>
+            <a:ext cx="1409026" cy="0"/>
+          </a:xfrm>
+          <a:prstGeom prst="straightConnector1">
+            <a:avLst/>
+          </a:prstGeom>
+          <a:ln>
+            <a:tailEnd type="triangle"/>
+          </a:ln>
+        </p:spPr>
+        <p:style>
+          <a:lnRef idx="1">
+            <a:schemeClr val="accent1"/>
+          </a:lnRef>
+          <a:fillRef idx="0">
+            <a:schemeClr val="accent1"/>
+          </a:fillRef>
+          <a:effectRef idx="0">
+            <a:schemeClr val="accent1"/>
+          </a:effectRef>
+          <a:fontRef idx="minor">
+            <a:schemeClr val="tx1"/>
+          </a:fontRef>
+        </p:style>
+      </p:cxnSp>
+      <p:sp>
+        <p:nvSpPr>
+          <p:cNvPr id="15" name="TextBox 14">
+            <a:extLst>
+              <a:ext uri="{FF2B5EF4-FFF2-40B4-BE49-F238E27FC236}">
+                <a16:creationId xmlns:a16="http://schemas.microsoft.com/office/drawing/2014/main" id="{DA1C52E0-CA62-FB06-53B7-16B9B1BCDA68}"/>
+              </a:ext>
+            </a:extLst>
+          </p:cNvPr>
+          <p:cNvSpPr txBox="1"/>
+          <p:nvPr/>
+        </p:nvSpPr>
+        <p:spPr>
+          <a:xfrm>
+            <a:off x="8796674" y="4515958"/>
+            <a:ext cx="967880" cy="646331"/>
+          </a:xfrm>
+          <a:prstGeom prst="rect">
+            <a:avLst/>
+          </a:prstGeom>
+          <a:noFill/>
+        </p:spPr>
+        <p:txBody>
+          <a:bodyPr wrap="square" rtlCol="0">
+            <a:spAutoFit/>
+          </a:bodyPr>
+          <a:lstStyle/>
+          <a:p>
+            <a:endParaRPr lang="en-US" i="1" dirty="0"/>
+          </a:p>
+          <a:p>
+            <a:r>
+              <a:rPr lang="en-US" i="1" dirty="0"/>
+              <a:t>write</a:t>
+            </a:r>
+          </a:p>
+        </p:txBody>
+      </p:sp>
+      <p:cxnSp>
+        <p:nvCxnSpPr>
+          <p:cNvPr id="16" name="Straight Arrow Connector 15">
+            <a:extLst>
+              <a:ext uri="{FF2B5EF4-FFF2-40B4-BE49-F238E27FC236}">
+                <a16:creationId xmlns:a16="http://schemas.microsoft.com/office/drawing/2014/main" id="{3CA28BDA-7164-0DBA-A065-388D8704211F}"/>
+              </a:ext>
+            </a:extLst>
+          </p:cNvPr>
+          <p:cNvCxnSpPr>
+            <a:cxnSpLocks/>
+            <a:stCxn id="11" idx="4"/>
+            <a:endCxn id="10" idx="3"/>
+          </p:cNvCxnSpPr>
+          <p:nvPr/>
+        </p:nvCxnSpPr>
+        <p:spPr>
+          <a:xfrm flipV="1">
+            <a:off x="8355647" y="5442263"/>
+            <a:ext cx="1603673" cy="80532"/>
+          </a:xfrm>
+          <a:prstGeom prst="straightConnector1">
+            <a:avLst/>
+          </a:prstGeom>
+          <a:ln>
+            <a:tailEnd type="triangle"/>
+          </a:ln>
+        </p:spPr>
+        <p:style>
+          <a:lnRef idx="1">
+            <a:schemeClr val="accent1"/>
+          </a:lnRef>
+          <a:fillRef idx="0">
+            <a:schemeClr val="accent1"/>
+          </a:fillRef>
+          <a:effectRef idx="0">
+            <a:schemeClr val="accent1"/>
+          </a:effectRef>
+          <a:fontRef idx="minor">
+            <a:schemeClr val="tx1"/>
+          </a:fontRef>
+        </p:style>
+      </p:cxnSp>
+      <p:sp>
+        <p:nvSpPr>
+          <p:cNvPr id="17" name="TextBox 16">
+            <a:extLst>
+              <a:ext uri="{FF2B5EF4-FFF2-40B4-BE49-F238E27FC236}">
+                <a16:creationId xmlns:a16="http://schemas.microsoft.com/office/drawing/2014/main" id="{67293D7C-11CF-F152-16F9-099EF6136CA5}"/>
+              </a:ext>
+            </a:extLst>
+          </p:cNvPr>
+          <p:cNvSpPr txBox="1"/>
+          <p:nvPr/>
+        </p:nvSpPr>
+        <p:spPr>
+          <a:xfrm>
+            <a:off x="8813491" y="5008445"/>
+            <a:ext cx="967880" cy="646331"/>
+          </a:xfrm>
+          <a:prstGeom prst="rect">
+            <a:avLst/>
+          </a:prstGeom>
+          <a:noFill/>
+        </p:spPr>
+        <p:txBody>
+          <a:bodyPr wrap="square" rtlCol="0">
+            <a:spAutoFit/>
+          </a:bodyPr>
+          <a:lstStyle/>
+          <a:p>
+            <a:endParaRPr lang="en-US" i="1" dirty="0"/>
+          </a:p>
+          <a:p>
+            <a:r>
+              <a:rPr lang="en-US" i="1" dirty="0"/>
+              <a:t>flush</a:t>
+            </a:r>
+          </a:p>
+        </p:txBody>
+      </p:sp>
+      <p:cxnSp>
+        <p:nvCxnSpPr>
+          <p:cNvPr id="26" name="Curved Connector 25">
+            <a:extLst>
+              <a:ext uri="{FF2B5EF4-FFF2-40B4-BE49-F238E27FC236}">
+                <a16:creationId xmlns:a16="http://schemas.microsoft.com/office/drawing/2014/main" id="{66429DF4-0766-DE10-9D60-0B7B41669992}"/>
+              </a:ext>
+            </a:extLst>
+          </p:cNvPr>
+          <p:cNvCxnSpPr>
+            <a:cxnSpLocks/>
+            <a:stCxn id="10" idx="5"/>
+            <a:endCxn id="10" idx="6"/>
+          </p:cNvCxnSpPr>
+          <p:nvPr/>
+        </p:nvCxnSpPr>
+        <p:spPr>
+          <a:xfrm rot="5400000" flipH="1" flipV="1">
+            <a:off x="10291715" y="5304739"/>
+            <a:ext cx="194423" cy="80626"/>
+          </a:xfrm>
+          <a:prstGeom prst="curvedConnector4">
+            <a:avLst>
+              <a:gd name="adj1" fmla="val -159000"/>
+              <a:gd name="adj2" fmla="val 736370"/>
+            </a:avLst>
+          </a:prstGeom>
+          <a:ln>
+            <a:tailEnd type="triangle"/>
+          </a:ln>
+        </p:spPr>
+        <p:style>
+          <a:lnRef idx="1">
+            <a:schemeClr val="accent1"/>
+          </a:lnRef>
+          <a:fillRef idx="0">
+            <a:schemeClr val="accent1"/>
+          </a:fillRef>
+          <a:effectRef idx="0">
+            <a:schemeClr val="accent1"/>
+          </a:effectRef>
+          <a:fontRef idx="minor">
+            <a:schemeClr val="tx1"/>
+          </a:fontRef>
+        </p:style>
+      </p:cxnSp>
+      <p:sp>
+        <p:nvSpPr>
+          <p:cNvPr id="29" name="TextBox 28">
+            <a:extLst>
+              <a:ext uri="{FF2B5EF4-FFF2-40B4-BE49-F238E27FC236}">
+                <a16:creationId xmlns:a16="http://schemas.microsoft.com/office/drawing/2014/main" id="{7104DFCE-AAC5-2BCE-B350-00976DD42791}"/>
+              </a:ext>
+            </a:extLst>
+          </p:cNvPr>
+          <p:cNvSpPr txBox="1"/>
+          <p:nvPr/>
+        </p:nvSpPr>
+        <p:spPr>
+          <a:xfrm>
+            <a:off x="10512592" y="5016365"/>
+            <a:ext cx="666273" cy="369332"/>
+          </a:xfrm>
+          <a:prstGeom prst="rect">
+            <a:avLst/>
+          </a:prstGeom>
+          <a:noFill/>
+        </p:spPr>
+        <p:txBody>
+          <a:bodyPr wrap="square" rtlCol="0">
+            <a:spAutoFit/>
+          </a:bodyPr>
+          <a:lstStyle/>
+          <a:p>
+            <a:r>
+              <a:rPr lang="en-US" i="1" dirty="0"/>
+              <a:t>read</a:t>
+            </a:r>
+          </a:p>
+        </p:txBody>
+      </p:sp>
+      <p:sp>
+        <p:nvSpPr>
+          <p:cNvPr id="30" name="TextBox 29">
+            <a:extLst>
+              <a:ext uri="{FF2B5EF4-FFF2-40B4-BE49-F238E27FC236}">
+                <a16:creationId xmlns:a16="http://schemas.microsoft.com/office/drawing/2014/main" id="{A60B24AD-C1B1-5818-5717-B69804B64E0B}"/>
+              </a:ext>
+            </a:extLst>
+          </p:cNvPr>
+          <p:cNvSpPr txBox="1"/>
+          <p:nvPr/>
+        </p:nvSpPr>
+        <p:spPr>
+          <a:xfrm>
+            <a:off x="1014682" y="5830861"/>
+            <a:ext cx="4723665" cy="369332"/>
+          </a:xfrm>
+          <a:prstGeom prst="rect">
+            <a:avLst/>
+          </a:prstGeom>
+          <a:noFill/>
+        </p:spPr>
+        <p:txBody>
+          <a:bodyPr wrap="none" rtlCol="0">
+            <a:spAutoFit/>
+          </a:bodyPr>
+          <a:lstStyle/>
+          <a:p>
+            <a:r>
+              <a:rPr lang="en-US" dirty="0"/>
+              <a:t>A  traditional subprotocol from </a:t>
+            </a:r>
+            <a:r>
+              <a:rPr lang="en-US" b="1" i="1" dirty="0"/>
+              <a:t>opened</a:t>
+            </a:r>
+            <a:r>
+              <a:rPr lang="en-US" dirty="0"/>
+              <a:t> (s</a:t>
+            </a:r>
+            <a:r>
+              <a:rPr lang="en-US" baseline="-25000" dirty="0"/>
+              <a:t>o</a:t>
+            </a:r>
+            <a:r>
+              <a:rPr lang="en-US" dirty="0"/>
+              <a:t>) state</a:t>
+            </a:r>
+          </a:p>
+        </p:txBody>
+      </p:sp>
+      <p:sp>
+        <p:nvSpPr>
+          <p:cNvPr id="31" name="TextBox 30">
+            <a:extLst>
+              <a:ext uri="{FF2B5EF4-FFF2-40B4-BE49-F238E27FC236}">
+                <a16:creationId xmlns:a16="http://schemas.microsoft.com/office/drawing/2014/main" id="{CADC2F37-5D09-0292-990D-442E9ABEA2B6}"/>
+              </a:ext>
+            </a:extLst>
+          </p:cNvPr>
+          <p:cNvSpPr txBox="1"/>
+          <p:nvPr/>
+        </p:nvSpPr>
+        <p:spPr>
+          <a:xfrm>
+            <a:off x="7456791" y="5865776"/>
+            <a:ext cx="4551952" cy="369332"/>
+          </a:xfrm>
+          <a:prstGeom prst="rect">
+            <a:avLst/>
+          </a:prstGeom>
+          <a:noFill/>
+        </p:spPr>
+        <p:txBody>
+          <a:bodyPr wrap="none" rtlCol="0">
+            <a:spAutoFit/>
+          </a:bodyPr>
+          <a:lstStyle/>
+          <a:p>
+            <a:r>
+              <a:rPr lang="en-US" dirty="0"/>
+              <a:t>A distribute subprotocol from </a:t>
+            </a:r>
+            <a:r>
+              <a:rPr lang="en-US" b="1" i="1" dirty="0"/>
+              <a:t>flushed </a:t>
+            </a:r>
+            <a:r>
+              <a:rPr lang="en-US" dirty="0"/>
+              <a:t>(s</a:t>
+            </a:r>
+            <a:r>
+              <a:rPr lang="en-US" baseline="-25000" dirty="0"/>
+              <a:t>f</a:t>
+            </a:r>
+            <a:r>
+              <a:rPr lang="en-US" dirty="0"/>
+              <a:t>) state</a:t>
             </a:r>
           </a:p>
         </p:txBody>
@@ -31764,13 +34733,1459 @@
     </p:spTree>
     <p:extLst>
       <p:ext uri="{BB962C8B-B14F-4D97-AF65-F5344CB8AC3E}">
-        <p14:creationId xmlns:p14="http://schemas.microsoft.com/office/powerpoint/2010/main" val="3285897361"/>
+        <p14:creationId xmlns:p14="http://schemas.microsoft.com/office/powerpoint/2010/main" val="375059848"/>
       </p:ext>
     </p:extLst>
   </p:cSld>
   <p:clrMapOvr>
     <a:masterClrMapping/>
   </p:clrMapOvr>
+  <p:timing>
+    <p:tnLst>
+      <p:par>
+        <p:cTn id="1" dur="indefinite" restart="never" nodeType="tmRoot">
+          <p:childTnLst>
+            <p:seq concurrent="1" nextAc="seek">
+              <p:cTn id="2" dur="indefinite" nodeType="mainSeq">
+                <p:childTnLst>
+                  <p:par>
+                    <p:cTn id="3" fill="hold">
+                      <p:stCondLst>
+                        <p:cond delay="indefinite"/>
+                      </p:stCondLst>
+                      <p:childTnLst>
+                        <p:par>
+                          <p:cTn id="4" fill="hold">
+                            <p:stCondLst>
+                              <p:cond delay="0"/>
+                            </p:stCondLst>
+                            <p:childTnLst>
+                              <p:par>
+                                <p:cTn id="5" presetID="1" presetClass="entr" presetSubtype="0" fill="hold" grpId="0" nodeType="clickEffect">
+                                  <p:stCondLst>
+                                    <p:cond delay="0"/>
+                                  </p:stCondLst>
+                                  <p:childTnLst>
+                                    <p:set>
+                                      <p:cBhvr>
+                                        <p:cTn id="6" dur="1" fill="hold">
+                                          <p:stCondLst>
+                                            <p:cond delay="0"/>
+                                          </p:stCondLst>
+                                        </p:cTn>
+                                        <p:tgtEl>
+                                          <p:spTgt spid="4"/>
+                                        </p:tgtEl>
+                                        <p:attrNameLst>
+                                          <p:attrName>style.visibility</p:attrName>
+                                        </p:attrNameLst>
+                                      </p:cBhvr>
+                                      <p:to>
+                                        <p:strVal val="visible"/>
+                                      </p:to>
+                                    </p:set>
+                                  </p:childTnLst>
+                                </p:cTn>
+                              </p:par>
+                            </p:childTnLst>
+                          </p:cTn>
+                        </p:par>
+                      </p:childTnLst>
+                    </p:cTn>
+                  </p:par>
+                  <p:par>
+                    <p:cTn id="7" fill="hold">
+                      <p:stCondLst>
+                        <p:cond delay="indefinite"/>
+                      </p:stCondLst>
+                      <p:childTnLst>
+                        <p:par>
+                          <p:cTn id="8" fill="hold">
+                            <p:stCondLst>
+                              <p:cond delay="0"/>
+                            </p:stCondLst>
+                            <p:childTnLst>
+                              <p:par>
+                                <p:cTn id="9" presetID="1" presetClass="entr" presetSubtype="0" fill="hold" nodeType="clickEffect">
+                                  <p:stCondLst>
+                                    <p:cond delay="0"/>
+                                  </p:stCondLst>
+                                  <p:childTnLst>
+                                    <p:set>
+                                      <p:cBhvr>
+                                        <p:cTn id="10" dur="1" fill="hold">
+                                          <p:stCondLst>
+                                            <p:cond delay="0"/>
+                                          </p:stCondLst>
+                                        </p:cTn>
+                                        <p:tgtEl>
+                                          <p:spTgt spid="27"/>
+                                        </p:tgtEl>
+                                        <p:attrNameLst>
+                                          <p:attrName>style.visibility</p:attrName>
+                                        </p:attrNameLst>
+                                      </p:cBhvr>
+                                      <p:to>
+                                        <p:strVal val="visible"/>
+                                      </p:to>
+                                    </p:set>
+                                  </p:childTnLst>
+                                </p:cTn>
+                              </p:par>
+                              <p:par>
+                                <p:cTn id="11" presetID="1" presetClass="entr" presetSubtype="0" fill="hold" grpId="0" nodeType="withEffect">
+                                  <p:stCondLst>
+                                    <p:cond delay="0"/>
+                                  </p:stCondLst>
+                                  <p:childTnLst>
+                                    <p:set>
+                                      <p:cBhvr>
+                                        <p:cTn id="12" dur="1" fill="hold">
+                                          <p:stCondLst>
+                                            <p:cond delay="0"/>
+                                          </p:stCondLst>
+                                        </p:cTn>
+                                        <p:tgtEl>
+                                          <p:spTgt spid="32"/>
+                                        </p:tgtEl>
+                                        <p:attrNameLst>
+                                          <p:attrName>style.visibility</p:attrName>
+                                        </p:attrNameLst>
+                                      </p:cBhvr>
+                                      <p:to>
+                                        <p:strVal val="visible"/>
+                                      </p:to>
+                                    </p:set>
+                                  </p:childTnLst>
+                                </p:cTn>
+                              </p:par>
+                              <p:par>
+                                <p:cTn id="13" presetID="1" presetClass="entr" presetSubtype="0" fill="hold" grpId="0" nodeType="withEffect">
+                                  <p:stCondLst>
+                                    <p:cond delay="0"/>
+                                  </p:stCondLst>
+                                  <p:childTnLst>
+                                    <p:set>
+                                      <p:cBhvr>
+                                        <p:cTn id="14" dur="1" fill="hold">
+                                          <p:stCondLst>
+                                            <p:cond delay="0"/>
+                                          </p:stCondLst>
+                                        </p:cTn>
+                                        <p:tgtEl>
+                                          <p:spTgt spid="18"/>
+                                        </p:tgtEl>
+                                        <p:attrNameLst>
+                                          <p:attrName>style.visibility</p:attrName>
+                                        </p:attrNameLst>
+                                      </p:cBhvr>
+                                      <p:to>
+                                        <p:strVal val="visible"/>
+                                      </p:to>
+                                    </p:set>
+                                  </p:childTnLst>
+                                </p:cTn>
+                              </p:par>
+                            </p:childTnLst>
+                          </p:cTn>
+                        </p:par>
+                      </p:childTnLst>
+                    </p:cTn>
+                  </p:par>
+                  <p:par>
+                    <p:cTn id="15" fill="hold">
+                      <p:stCondLst>
+                        <p:cond delay="indefinite"/>
+                      </p:stCondLst>
+                      <p:childTnLst>
+                        <p:par>
+                          <p:cTn id="16" fill="hold">
+                            <p:stCondLst>
+                              <p:cond delay="0"/>
+                            </p:stCondLst>
+                            <p:childTnLst>
+                              <p:par>
+                                <p:cTn id="17" presetID="1" presetClass="entr" presetSubtype="0" fill="hold" grpId="0" nodeType="clickEffect">
+                                  <p:stCondLst>
+                                    <p:cond delay="0"/>
+                                  </p:stCondLst>
+                                  <p:childTnLst>
+                                    <p:set>
+                                      <p:cBhvr>
+                                        <p:cTn id="18" dur="1" fill="hold">
+                                          <p:stCondLst>
+                                            <p:cond delay="0"/>
+                                          </p:stCondLst>
+                                        </p:cTn>
+                                        <p:tgtEl>
+                                          <p:spTgt spid="47"/>
+                                        </p:tgtEl>
+                                        <p:attrNameLst>
+                                          <p:attrName>style.visibility</p:attrName>
+                                        </p:attrNameLst>
+                                      </p:cBhvr>
+                                      <p:to>
+                                        <p:strVal val="visible"/>
+                                      </p:to>
+                                    </p:set>
+                                  </p:childTnLst>
+                                </p:cTn>
+                              </p:par>
+                              <p:par>
+                                <p:cTn id="19" presetID="1" presetClass="entr" presetSubtype="0" fill="hold" nodeType="withEffect">
+                                  <p:stCondLst>
+                                    <p:cond delay="0"/>
+                                  </p:stCondLst>
+                                  <p:childTnLst>
+                                    <p:set>
+                                      <p:cBhvr>
+                                        <p:cTn id="20" dur="1" fill="hold">
+                                          <p:stCondLst>
+                                            <p:cond delay="0"/>
+                                          </p:stCondLst>
+                                        </p:cTn>
+                                        <p:tgtEl>
+                                          <p:spTgt spid="36"/>
+                                        </p:tgtEl>
+                                        <p:attrNameLst>
+                                          <p:attrName>style.visibility</p:attrName>
+                                        </p:attrNameLst>
+                                      </p:cBhvr>
+                                      <p:to>
+                                        <p:strVal val="visible"/>
+                                      </p:to>
+                                    </p:set>
+                                  </p:childTnLst>
+                                </p:cTn>
+                              </p:par>
+                            </p:childTnLst>
+                          </p:cTn>
+                        </p:par>
+                      </p:childTnLst>
+                    </p:cTn>
+                  </p:par>
+                  <p:par>
+                    <p:cTn id="21" fill="hold">
+                      <p:stCondLst>
+                        <p:cond delay="indefinite"/>
+                      </p:stCondLst>
+                      <p:childTnLst>
+                        <p:par>
+                          <p:cTn id="22" fill="hold">
+                            <p:stCondLst>
+                              <p:cond delay="0"/>
+                            </p:stCondLst>
+                            <p:childTnLst>
+                              <p:par>
+                                <p:cTn id="23" presetID="1" presetClass="entr" presetSubtype="0" fill="hold" grpId="0" nodeType="clickEffect">
+                                  <p:stCondLst>
+                                    <p:cond delay="0"/>
+                                  </p:stCondLst>
+                                  <p:childTnLst>
+                                    <p:set>
+                                      <p:cBhvr>
+                                        <p:cTn id="24" dur="1" fill="hold">
+                                          <p:stCondLst>
+                                            <p:cond delay="0"/>
+                                          </p:stCondLst>
+                                        </p:cTn>
+                                        <p:tgtEl>
+                                          <p:spTgt spid="33"/>
+                                        </p:tgtEl>
+                                        <p:attrNameLst>
+                                          <p:attrName>style.visibility</p:attrName>
+                                        </p:attrNameLst>
+                                      </p:cBhvr>
+                                      <p:to>
+                                        <p:strVal val="visible"/>
+                                      </p:to>
+                                    </p:set>
+                                  </p:childTnLst>
+                                </p:cTn>
+                              </p:par>
+                              <p:par>
+                                <p:cTn id="25" presetID="1" presetClass="entr" presetSubtype="0" fill="hold" nodeType="withEffect">
+                                  <p:stCondLst>
+                                    <p:cond delay="0"/>
+                                  </p:stCondLst>
+                                  <p:childTnLst>
+                                    <p:set>
+                                      <p:cBhvr>
+                                        <p:cTn id="26" dur="1" fill="hold">
+                                          <p:stCondLst>
+                                            <p:cond delay="0"/>
+                                          </p:stCondLst>
+                                        </p:cTn>
+                                        <p:tgtEl>
+                                          <p:spTgt spid="28"/>
+                                        </p:tgtEl>
+                                        <p:attrNameLst>
+                                          <p:attrName>style.visibility</p:attrName>
+                                        </p:attrNameLst>
+                                      </p:cBhvr>
+                                      <p:to>
+                                        <p:strVal val="visible"/>
+                                      </p:to>
+                                    </p:set>
+                                  </p:childTnLst>
+                                </p:cTn>
+                              </p:par>
+                              <p:par>
+                                <p:cTn id="27" presetID="1" presetClass="entr" presetSubtype="0" fill="hold" grpId="0" nodeType="withEffect">
+                                  <p:stCondLst>
+                                    <p:cond delay="0"/>
+                                  </p:stCondLst>
+                                  <p:childTnLst>
+                                    <p:set>
+                                      <p:cBhvr>
+                                        <p:cTn id="28" dur="1" fill="hold">
+                                          <p:stCondLst>
+                                            <p:cond delay="0"/>
+                                          </p:stCondLst>
+                                        </p:cTn>
+                                        <p:tgtEl>
+                                          <p:spTgt spid="19"/>
+                                        </p:tgtEl>
+                                        <p:attrNameLst>
+                                          <p:attrName>style.visibility</p:attrName>
+                                        </p:attrNameLst>
+                                      </p:cBhvr>
+                                      <p:to>
+                                        <p:strVal val="visible"/>
+                                      </p:to>
+                                    </p:set>
+                                  </p:childTnLst>
+                                </p:cTn>
+                              </p:par>
+                            </p:childTnLst>
+                          </p:cTn>
+                        </p:par>
+                      </p:childTnLst>
+                    </p:cTn>
+                  </p:par>
+                  <p:par>
+                    <p:cTn id="29" fill="hold">
+                      <p:stCondLst>
+                        <p:cond delay="indefinite"/>
+                      </p:stCondLst>
+                      <p:childTnLst>
+                        <p:par>
+                          <p:cTn id="30" fill="hold">
+                            <p:stCondLst>
+                              <p:cond delay="0"/>
+                            </p:stCondLst>
+                            <p:childTnLst>
+                              <p:par>
+                                <p:cTn id="31" presetID="1" presetClass="entr" presetSubtype="0" fill="hold" grpId="0" nodeType="clickEffect">
+                                  <p:stCondLst>
+                                    <p:cond delay="0"/>
+                                  </p:stCondLst>
+                                  <p:childTnLst>
+                                    <p:set>
+                                      <p:cBhvr>
+                                        <p:cTn id="32" dur="1" fill="hold">
+                                          <p:stCondLst>
+                                            <p:cond delay="0"/>
+                                          </p:stCondLst>
+                                        </p:cTn>
+                                        <p:tgtEl>
+                                          <p:spTgt spid="24"/>
+                                        </p:tgtEl>
+                                        <p:attrNameLst>
+                                          <p:attrName>style.visibility</p:attrName>
+                                        </p:attrNameLst>
+                                      </p:cBhvr>
+                                      <p:to>
+                                        <p:strVal val="visible"/>
+                                      </p:to>
+                                    </p:set>
+                                  </p:childTnLst>
+                                </p:cTn>
+                              </p:par>
+                            </p:childTnLst>
+                          </p:cTn>
+                        </p:par>
+                      </p:childTnLst>
+                    </p:cTn>
+                  </p:par>
+                  <p:par>
+                    <p:cTn id="33" fill="hold">
+                      <p:stCondLst>
+                        <p:cond delay="indefinite"/>
+                      </p:stCondLst>
+                      <p:childTnLst>
+                        <p:par>
+                          <p:cTn id="34" fill="hold">
+                            <p:stCondLst>
+                              <p:cond delay="0"/>
+                            </p:stCondLst>
+                            <p:childTnLst>
+                              <p:par>
+                                <p:cTn id="35" presetID="1" presetClass="entr" presetSubtype="0" fill="hold" grpId="0" nodeType="clickEffect">
+                                  <p:stCondLst>
+                                    <p:cond delay="0"/>
+                                  </p:stCondLst>
+                                  <p:childTnLst>
+                                    <p:set>
+                                      <p:cBhvr>
+                                        <p:cTn id="36" dur="1" fill="hold">
+                                          <p:stCondLst>
+                                            <p:cond delay="0"/>
+                                          </p:stCondLst>
+                                        </p:cTn>
+                                        <p:tgtEl>
+                                          <p:spTgt spid="20"/>
+                                        </p:tgtEl>
+                                        <p:attrNameLst>
+                                          <p:attrName>style.visibility</p:attrName>
+                                        </p:attrNameLst>
+                                      </p:cBhvr>
+                                      <p:to>
+                                        <p:strVal val="visible"/>
+                                      </p:to>
+                                    </p:set>
+                                  </p:childTnLst>
+                                </p:cTn>
+                              </p:par>
+                            </p:childTnLst>
+                          </p:cTn>
+                        </p:par>
+                      </p:childTnLst>
+                    </p:cTn>
+                  </p:par>
+                  <p:par>
+                    <p:cTn id="37" fill="hold">
+                      <p:stCondLst>
+                        <p:cond delay="indefinite"/>
+                      </p:stCondLst>
+                      <p:childTnLst>
+                        <p:par>
+                          <p:cTn id="38" fill="hold">
+                            <p:stCondLst>
+                              <p:cond delay="0"/>
+                            </p:stCondLst>
+                            <p:childTnLst>
+                              <p:par>
+                                <p:cTn id="39" presetID="1" presetClass="entr" presetSubtype="0" fill="hold" nodeType="clickEffect">
+                                  <p:stCondLst>
+                                    <p:cond delay="0"/>
+                                  </p:stCondLst>
+                                  <p:childTnLst>
+                                    <p:set>
+                                      <p:cBhvr>
+                                        <p:cTn id="40" dur="1" fill="hold">
+                                          <p:stCondLst>
+                                            <p:cond delay="0"/>
+                                          </p:stCondLst>
+                                        </p:cTn>
+                                        <p:tgtEl>
+                                          <p:spTgt spid="63"/>
+                                        </p:tgtEl>
+                                        <p:attrNameLst>
+                                          <p:attrName>style.visibility</p:attrName>
+                                        </p:attrNameLst>
+                                      </p:cBhvr>
+                                      <p:to>
+                                        <p:strVal val="visible"/>
+                                      </p:to>
+                                    </p:set>
+                                  </p:childTnLst>
+                                </p:cTn>
+                              </p:par>
+                              <p:par>
+                                <p:cTn id="41" presetID="1" presetClass="entr" presetSubtype="0" fill="hold" grpId="0" nodeType="withEffect">
+                                  <p:stCondLst>
+                                    <p:cond delay="0"/>
+                                  </p:stCondLst>
+                                  <p:childTnLst>
+                                    <p:set>
+                                      <p:cBhvr>
+                                        <p:cTn id="42" dur="1" fill="hold">
+                                          <p:stCondLst>
+                                            <p:cond delay="0"/>
+                                          </p:stCondLst>
+                                        </p:cTn>
+                                        <p:tgtEl>
+                                          <p:spTgt spid="65"/>
+                                        </p:tgtEl>
+                                        <p:attrNameLst>
+                                          <p:attrName>style.visibility</p:attrName>
+                                        </p:attrNameLst>
+                                      </p:cBhvr>
+                                      <p:to>
+                                        <p:strVal val="visible"/>
+                                      </p:to>
+                                    </p:set>
+                                  </p:childTnLst>
+                                </p:cTn>
+                              </p:par>
+                              <p:par>
+                                <p:cTn id="43" presetID="1" presetClass="entr" presetSubtype="0" fill="hold" grpId="0" nodeType="withEffect">
+                                  <p:stCondLst>
+                                    <p:cond delay="0"/>
+                                  </p:stCondLst>
+                                  <p:childTnLst>
+                                    <p:set>
+                                      <p:cBhvr>
+                                        <p:cTn id="44" dur="1" fill="hold">
+                                          <p:stCondLst>
+                                            <p:cond delay="0"/>
+                                          </p:stCondLst>
+                                        </p:cTn>
+                                        <p:tgtEl>
+                                          <p:spTgt spid="21"/>
+                                        </p:tgtEl>
+                                        <p:attrNameLst>
+                                          <p:attrName>style.visibility</p:attrName>
+                                        </p:attrNameLst>
+                                      </p:cBhvr>
+                                      <p:to>
+                                        <p:strVal val="visible"/>
+                                      </p:to>
+                                    </p:set>
+                                  </p:childTnLst>
+                                </p:cTn>
+                              </p:par>
+                            </p:childTnLst>
+                          </p:cTn>
+                        </p:par>
+                      </p:childTnLst>
+                    </p:cTn>
+                  </p:par>
+                  <p:par>
+                    <p:cTn id="45" fill="hold">
+                      <p:stCondLst>
+                        <p:cond delay="indefinite"/>
+                      </p:stCondLst>
+                      <p:childTnLst>
+                        <p:par>
+                          <p:cTn id="46" fill="hold">
+                            <p:stCondLst>
+                              <p:cond delay="0"/>
+                            </p:stCondLst>
+                            <p:childTnLst>
+                              <p:par>
+                                <p:cTn id="47" presetID="1" presetClass="entr" presetSubtype="0" fill="hold" nodeType="clickEffect">
+                                  <p:stCondLst>
+                                    <p:cond delay="0"/>
+                                  </p:stCondLst>
+                                  <p:childTnLst>
+                                    <p:set>
+                                      <p:cBhvr>
+                                        <p:cTn id="48" dur="1" fill="hold">
+                                          <p:stCondLst>
+                                            <p:cond delay="0"/>
+                                          </p:stCondLst>
+                                        </p:cTn>
+                                        <p:tgtEl>
+                                          <p:spTgt spid="67"/>
+                                        </p:tgtEl>
+                                        <p:attrNameLst>
+                                          <p:attrName>style.visibility</p:attrName>
+                                        </p:attrNameLst>
+                                      </p:cBhvr>
+                                      <p:to>
+                                        <p:strVal val="visible"/>
+                                      </p:to>
+                                    </p:set>
+                                  </p:childTnLst>
+                                </p:cTn>
+                              </p:par>
+                              <p:par>
+                                <p:cTn id="49" presetID="1" presetClass="entr" presetSubtype="0" fill="hold" grpId="0" nodeType="withEffect">
+                                  <p:stCondLst>
+                                    <p:cond delay="0"/>
+                                  </p:stCondLst>
+                                  <p:childTnLst>
+                                    <p:set>
+                                      <p:cBhvr>
+                                        <p:cTn id="50" dur="1" fill="hold">
+                                          <p:stCondLst>
+                                            <p:cond delay="0"/>
+                                          </p:stCondLst>
+                                        </p:cTn>
+                                        <p:tgtEl>
+                                          <p:spTgt spid="68"/>
+                                        </p:tgtEl>
+                                        <p:attrNameLst>
+                                          <p:attrName>style.visibility</p:attrName>
+                                        </p:attrNameLst>
+                                      </p:cBhvr>
+                                      <p:to>
+                                        <p:strVal val="visible"/>
+                                      </p:to>
+                                    </p:set>
+                                  </p:childTnLst>
+                                </p:cTn>
+                              </p:par>
+                            </p:childTnLst>
+                          </p:cTn>
+                        </p:par>
+                      </p:childTnLst>
+                    </p:cTn>
+                  </p:par>
+                  <p:par>
+                    <p:cTn id="51" fill="hold">
+                      <p:stCondLst>
+                        <p:cond delay="indefinite"/>
+                      </p:stCondLst>
+                      <p:childTnLst>
+                        <p:par>
+                          <p:cTn id="52" fill="hold">
+                            <p:stCondLst>
+                              <p:cond delay="0"/>
+                            </p:stCondLst>
+                            <p:childTnLst>
+                              <p:par>
+                                <p:cTn id="53" presetID="1" presetClass="entr" presetSubtype="0" fill="hold" grpId="0" nodeType="clickEffect">
+                                  <p:stCondLst>
+                                    <p:cond delay="0"/>
+                                  </p:stCondLst>
+                                  <p:childTnLst>
+                                    <p:set>
+                                      <p:cBhvr>
+                                        <p:cTn id="54" dur="1" fill="hold">
+                                          <p:stCondLst>
+                                            <p:cond delay="0"/>
+                                          </p:stCondLst>
+                                        </p:cTn>
+                                        <p:tgtEl>
+                                          <p:spTgt spid="58"/>
+                                        </p:tgtEl>
+                                        <p:attrNameLst>
+                                          <p:attrName>style.visibility</p:attrName>
+                                        </p:attrNameLst>
+                                      </p:cBhvr>
+                                      <p:to>
+                                        <p:strVal val="visible"/>
+                                      </p:to>
+                                    </p:set>
+                                  </p:childTnLst>
+                                </p:cTn>
+                              </p:par>
+                              <p:par>
+                                <p:cTn id="55" presetID="1" presetClass="entr" presetSubtype="0" fill="hold" nodeType="withEffect">
+                                  <p:stCondLst>
+                                    <p:cond delay="0"/>
+                                  </p:stCondLst>
+                                  <p:childTnLst>
+                                    <p:set>
+                                      <p:cBhvr>
+                                        <p:cTn id="56" dur="1" fill="hold">
+                                          <p:stCondLst>
+                                            <p:cond delay="0"/>
+                                          </p:stCondLst>
+                                        </p:cTn>
+                                        <p:tgtEl>
+                                          <p:spTgt spid="57"/>
+                                        </p:tgtEl>
+                                        <p:attrNameLst>
+                                          <p:attrName>style.visibility</p:attrName>
+                                        </p:attrNameLst>
+                                      </p:cBhvr>
+                                      <p:to>
+                                        <p:strVal val="visible"/>
+                                      </p:to>
+                                    </p:set>
+                                  </p:childTnLst>
+                                </p:cTn>
+                              </p:par>
+                              <p:par>
+                                <p:cTn id="57" presetID="1" presetClass="entr" presetSubtype="0" fill="hold" grpId="0" nodeType="withEffect">
+                                  <p:stCondLst>
+                                    <p:cond delay="0"/>
+                                  </p:stCondLst>
+                                  <p:childTnLst>
+                                    <p:set>
+                                      <p:cBhvr>
+                                        <p:cTn id="58" dur="1" fill="hold">
+                                          <p:stCondLst>
+                                            <p:cond delay="0"/>
+                                          </p:stCondLst>
+                                        </p:cTn>
+                                        <p:tgtEl>
+                                          <p:spTgt spid="23"/>
+                                        </p:tgtEl>
+                                        <p:attrNameLst>
+                                          <p:attrName>style.visibility</p:attrName>
+                                        </p:attrNameLst>
+                                      </p:cBhvr>
+                                      <p:to>
+                                        <p:strVal val="visible"/>
+                                      </p:to>
+                                    </p:set>
+                                  </p:childTnLst>
+                                </p:cTn>
+                              </p:par>
+                            </p:childTnLst>
+                          </p:cTn>
+                        </p:par>
+                      </p:childTnLst>
+                    </p:cTn>
+                  </p:par>
+                  <p:par>
+                    <p:cTn id="59" fill="hold">
+                      <p:stCondLst>
+                        <p:cond delay="indefinite"/>
+                      </p:stCondLst>
+                      <p:childTnLst>
+                        <p:par>
+                          <p:cTn id="60" fill="hold">
+                            <p:stCondLst>
+                              <p:cond delay="0"/>
+                            </p:stCondLst>
+                            <p:childTnLst>
+                              <p:par>
+                                <p:cTn id="61" presetID="1" presetClass="entr" presetSubtype="0" fill="hold" grpId="0" nodeType="clickEffect">
+                                  <p:stCondLst>
+                                    <p:cond delay="0"/>
+                                  </p:stCondLst>
+                                  <p:childTnLst>
+                                    <p:set>
+                                      <p:cBhvr>
+                                        <p:cTn id="62" dur="1" fill="hold">
+                                          <p:stCondLst>
+                                            <p:cond delay="0"/>
+                                          </p:stCondLst>
+                                        </p:cTn>
+                                        <p:tgtEl>
+                                          <p:spTgt spid="49"/>
+                                        </p:tgtEl>
+                                        <p:attrNameLst>
+                                          <p:attrName>style.visibility</p:attrName>
+                                        </p:attrNameLst>
+                                      </p:cBhvr>
+                                      <p:to>
+                                        <p:strVal val="visible"/>
+                                      </p:to>
+                                    </p:set>
+                                  </p:childTnLst>
+                                </p:cTn>
+                              </p:par>
+                              <p:par>
+                                <p:cTn id="63" presetID="1" presetClass="entr" presetSubtype="0" fill="hold" nodeType="withEffect">
+                                  <p:stCondLst>
+                                    <p:cond delay="0"/>
+                                  </p:stCondLst>
+                                  <p:childTnLst>
+                                    <p:set>
+                                      <p:cBhvr>
+                                        <p:cTn id="64" dur="1" fill="hold">
+                                          <p:stCondLst>
+                                            <p:cond delay="0"/>
+                                          </p:stCondLst>
+                                        </p:cTn>
+                                        <p:tgtEl>
+                                          <p:spTgt spid="48"/>
+                                        </p:tgtEl>
+                                        <p:attrNameLst>
+                                          <p:attrName>style.visibility</p:attrName>
+                                        </p:attrNameLst>
+                                      </p:cBhvr>
+                                      <p:to>
+                                        <p:strVal val="visible"/>
+                                      </p:to>
+                                    </p:set>
+                                  </p:childTnLst>
+                                </p:cTn>
+                              </p:par>
+                            </p:childTnLst>
+                          </p:cTn>
+                        </p:par>
+                      </p:childTnLst>
+                    </p:cTn>
+                  </p:par>
+                  <p:par>
+                    <p:cTn id="65" fill="hold">
+                      <p:stCondLst>
+                        <p:cond delay="indefinite"/>
+                      </p:stCondLst>
+                      <p:childTnLst>
+                        <p:par>
+                          <p:cTn id="66" fill="hold">
+                            <p:stCondLst>
+                              <p:cond delay="0"/>
+                            </p:stCondLst>
+                            <p:childTnLst>
+                              <p:par>
+                                <p:cTn id="67" presetID="1" presetClass="entr" presetSubtype="0" fill="hold" grpId="0" nodeType="clickEffect">
+                                  <p:stCondLst>
+                                    <p:cond delay="0"/>
+                                  </p:stCondLst>
+                                  <p:childTnLst>
+                                    <p:set>
+                                      <p:cBhvr>
+                                        <p:cTn id="68" dur="1" fill="hold">
+                                          <p:stCondLst>
+                                            <p:cond delay="0"/>
+                                          </p:stCondLst>
+                                        </p:cTn>
+                                        <p:tgtEl>
+                                          <p:spTgt spid="60"/>
+                                        </p:tgtEl>
+                                        <p:attrNameLst>
+                                          <p:attrName>style.visibility</p:attrName>
+                                        </p:attrNameLst>
+                                      </p:cBhvr>
+                                      <p:to>
+                                        <p:strVal val="visible"/>
+                                      </p:to>
+                                    </p:set>
+                                  </p:childTnLst>
+                                </p:cTn>
+                              </p:par>
+                              <p:par>
+                                <p:cTn id="69" presetID="1" presetClass="entr" presetSubtype="0" fill="hold" nodeType="withEffect">
+                                  <p:stCondLst>
+                                    <p:cond delay="0"/>
+                                  </p:stCondLst>
+                                  <p:childTnLst>
+                                    <p:set>
+                                      <p:cBhvr>
+                                        <p:cTn id="70" dur="1" fill="hold">
+                                          <p:stCondLst>
+                                            <p:cond delay="0"/>
+                                          </p:stCondLst>
+                                        </p:cTn>
+                                        <p:tgtEl>
+                                          <p:spTgt spid="59"/>
+                                        </p:tgtEl>
+                                        <p:attrNameLst>
+                                          <p:attrName>style.visibility</p:attrName>
+                                        </p:attrNameLst>
+                                      </p:cBhvr>
+                                      <p:to>
+                                        <p:strVal val="visible"/>
+                                      </p:to>
+                                    </p:set>
+                                  </p:childTnLst>
+                                </p:cTn>
+                              </p:par>
+                            </p:childTnLst>
+                          </p:cTn>
+                        </p:par>
+                      </p:childTnLst>
+                    </p:cTn>
+                  </p:par>
+                  <p:par>
+                    <p:cTn id="71" fill="hold">
+                      <p:stCondLst>
+                        <p:cond delay="indefinite"/>
+                      </p:stCondLst>
+                      <p:childTnLst>
+                        <p:par>
+                          <p:cTn id="72" fill="hold">
+                            <p:stCondLst>
+                              <p:cond delay="0"/>
+                            </p:stCondLst>
+                            <p:childTnLst>
+                              <p:par>
+                                <p:cTn id="73" presetID="1" presetClass="entr" presetSubtype="0" fill="hold" grpId="0" nodeType="clickEffect">
+                                  <p:stCondLst>
+                                    <p:cond delay="0"/>
+                                  </p:stCondLst>
+                                  <p:childTnLst>
+                                    <p:set>
+                                      <p:cBhvr>
+                                        <p:cTn id="74" dur="1" fill="hold">
+                                          <p:stCondLst>
+                                            <p:cond delay="0"/>
+                                          </p:stCondLst>
+                                        </p:cTn>
+                                        <p:tgtEl>
+                                          <p:spTgt spid="66"/>
+                                        </p:tgtEl>
+                                        <p:attrNameLst>
+                                          <p:attrName>style.visibility</p:attrName>
+                                        </p:attrNameLst>
+                                      </p:cBhvr>
+                                      <p:to>
+                                        <p:strVal val="visible"/>
+                                      </p:to>
+                                    </p:set>
+                                  </p:childTnLst>
+                                </p:cTn>
+                              </p:par>
+                              <p:par>
+                                <p:cTn id="75" presetID="1" presetClass="entr" presetSubtype="0" fill="hold" nodeType="withEffect">
+                                  <p:stCondLst>
+                                    <p:cond delay="0"/>
+                                  </p:stCondLst>
+                                  <p:childTnLst>
+                                    <p:set>
+                                      <p:cBhvr>
+                                        <p:cTn id="76" dur="1" fill="hold">
+                                          <p:stCondLst>
+                                            <p:cond delay="0"/>
+                                          </p:stCondLst>
+                                        </p:cTn>
+                                        <p:tgtEl>
+                                          <p:spTgt spid="64"/>
+                                        </p:tgtEl>
+                                        <p:attrNameLst>
+                                          <p:attrName>style.visibility</p:attrName>
+                                        </p:attrNameLst>
+                                      </p:cBhvr>
+                                      <p:to>
+                                        <p:strVal val="visible"/>
+                                      </p:to>
+                                    </p:set>
+                                  </p:childTnLst>
+                                </p:cTn>
+                              </p:par>
+                              <p:par>
+                                <p:cTn id="77" presetID="1" presetClass="entr" presetSubtype="0" fill="hold" grpId="0" nodeType="withEffect">
+                                  <p:stCondLst>
+                                    <p:cond delay="0"/>
+                                  </p:stCondLst>
+                                  <p:childTnLst>
+                                    <p:set>
+                                      <p:cBhvr>
+                                        <p:cTn id="78" dur="1" fill="hold">
+                                          <p:stCondLst>
+                                            <p:cond delay="0"/>
+                                          </p:stCondLst>
+                                        </p:cTn>
+                                        <p:tgtEl>
+                                          <p:spTgt spid="22"/>
+                                        </p:tgtEl>
+                                        <p:attrNameLst>
+                                          <p:attrName>style.visibility</p:attrName>
+                                        </p:attrNameLst>
+                                      </p:cBhvr>
+                                      <p:to>
+                                        <p:strVal val="visible"/>
+                                      </p:to>
+                                    </p:set>
+                                  </p:childTnLst>
+                                </p:cTn>
+                              </p:par>
+                              <p:par>
+                                <p:cTn id="79" presetID="1" presetClass="entr" presetSubtype="0" fill="hold" grpId="0" nodeType="withEffect">
+                                  <p:stCondLst>
+                                    <p:cond delay="0"/>
+                                  </p:stCondLst>
+                                  <p:childTnLst>
+                                    <p:set>
+                                      <p:cBhvr>
+                                        <p:cTn id="80" dur="1" fill="hold">
+                                          <p:stCondLst>
+                                            <p:cond delay="0"/>
+                                          </p:stCondLst>
+                                        </p:cTn>
+                                        <p:tgtEl>
+                                          <p:spTgt spid="25"/>
+                                        </p:tgtEl>
+                                        <p:attrNameLst>
+                                          <p:attrName>style.visibility</p:attrName>
+                                        </p:attrNameLst>
+                                      </p:cBhvr>
+                                      <p:to>
+                                        <p:strVal val="visible"/>
+                                      </p:to>
+                                    </p:set>
+                                  </p:childTnLst>
+                                </p:cTn>
+                              </p:par>
+                            </p:childTnLst>
+                          </p:cTn>
+                        </p:par>
+                      </p:childTnLst>
+                    </p:cTn>
+                  </p:par>
+                  <p:par>
+                    <p:cTn id="81" fill="hold">
+                      <p:stCondLst>
+                        <p:cond delay="indefinite"/>
+                      </p:stCondLst>
+                      <p:childTnLst>
+                        <p:par>
+                          <p:cTn id="82" fill="hold">
+                            <p:stCondLst>
+                              <p:cond delay="0"/>
+                            </p:stCondLst>
+                            <p:childTnLst>
+                              <p:par>
+                                <p:cTn id="83" presetID="1" presetClass="entr" presetSubtype="0" fill="hold" nodeType="clickEffect">
+                                  <p:stCondLst>
+                                    <p:cond delay="0"/>
+                                  </p:stCondLst>
+                                  <p:childTnLst>
+                                    <p:set>
+                                      <p:cBhvr>
+                                        <p:cTn id="84" dur="1" fill="hold">
+                                          <p:stCondLst>
+                                            <p:cond delay="0"/>
+                                          </p:stCondLst>
+                                        </p:cTn>
+                                        <p:tgtEl>
+                                          <p:spTgt spid="8"/>
+                                        </p:tgtEl>
+                                        <p:attrNameLst>
+                                          <p:attrName>style.visibility</p:attrName>
+                                        </p:attrNameLst>
+                                      </p:cBhvr>
+                                      <p:to>
+                                        <p:strVal val="visible"/>
+                                      </p:to>
+                                    </p:set>
+                                  </p:childTnLst>
+                                </p:cTn>
+                              </p:par>
+                              <p:par>
+                                <p:cTn id="85" presetID="1" presetClass="entr" presetSubtype="0" fill="hold" grpId="0" nodeType="withEffect">
+                                  <p:stCondLst>
+                                    <p:cond delay="0"/>
+                                  </p:stCondLst>
+                                  <p:childTnLst>
+                                    <p:set>
+                                      <p:cBhvr>
+                                        <p:cTn id="86" dur="1" fill="hold">
+                                          <p:stCondLst>
+                                            <p:cond delay="0"/>
+                                          </p:stCondLst>
+                                        </p:cTn>
+                                        <p:tgtEl>
+                                          <p:spTgt spid="9"/>
+                                        </p:tgtEl>
+                                        <p:attrNameLst>
+                                          <p:attrName>style.visibility</p:attrName>
+                                        </p:attrNameLst>
+                                      </p:cBhvr>
+                                      <p:to>
+                                        <p:strVal val="visible"/>
+                                      </p:to>
+                                    </p:set>
+                                  </p:childTnLst>
+                                </p:cTn>
+                              </p:par>
+                              <p:par>
+                                <p:cTn id="87" presetID="1" presetClass="entr" presetSubtype="0" fill="hold" grpId="0" nodeType="withEffect">
+                                  <p:stCondLst>
+                                    <p:cond delay="0"/>
+                                  </p:stCondLst>
+                                  <p:childTnLst>
+                                    <p:set>
+                                      <p:cBhvr>
+                                        <p:cTn id="88" dur="1" fill="hold">
+                                          <p:stCondLst>
+                                            <p:cond delay="0"/>
+                                          </p:stCondLst>
+                                        </p:cTn>
+                                        <p:tgtEl>
+                                          <p:spTgt spid="7"/>
+                                        </p:tgtEl>
+                                        <p:attrNameLst>
+                                          <p:attrName>style.visibility</p:attrName>
+                                        </p:attrNameLst>
+                                      </p:cBhvr>
+                                      <p:to>
+                                        <p:strVal val="visible"/>
+                                      </p:to>
+                                    </p:set>
+                                  </p:childTnLst>
+                                </p:cTn>
+                              </p:par>
+                              <p:par>
+                                <p:cTn id="89" presetID="1" presetClass="entr" presetSubtype="0" fill="hold" grpId="0" nodeType="withEffect">
+                                  <p:stCondLst>
+                                    <p:cond delay="0"/>
+                                  </p:stCondLst>
+                                  <p:childTnLst>
+                                    <p:set>
+                                      <p:cBhvr>
+                                        <p:cTn id="90" dur="1" fill="hold">
+                                          <p:stCondLst>
+                                            <p:cond delay="0"/>
+                                          </p:stCondLst>
+                                        </p:cTn>
+                                        <p:tgtEl>
+                                          <p:spTgt spid="30"/>
+                                        </p:tgtEl>
+                                        <p:attrNameLst>
+                                          <p:attrName>style.visibility</p:attrName>
+                                        </p:attrNameLst>
+                                      </p:cBhvr>
+                                      <p:to>
+                                        <p:strVal val="visible"/>
+                                      </p:to>
+                                    </p:set>
+                                  </p:childTnLst>
+                                </p:cTn>
+                              </p:par>
+                            </p:childTnLst>
+                          </p:cTn>
+                        </p:par>
+                      </p:childTnLst>
+                    </p:cTn>
+                  </p:par>
+                  <p:par>
+                    <p:cTn id="91" fill="hold">
+                      <p:stCondLst>
+                        <p:cond delay="indefinite"/>
+                      </p:stCondLst>
+                      <p:childTnLst>
+                        <p:par>
+                          <p:cTn id="92" fill="hold">
+                            <p:stCondLst>
+                              <p:cond delay="0"/>
+                            </p:stCondLst>
+                            <p:childTnLst>
+                              <p:par>
+                                <p:cTn id="93" presetID="1" presetClass="entr" presetSubtype="0" fill="hold" grpId="0" nodeType="clickEffect">
+                                  <p:stCondLst>
+                                    <p:cond delay="0"/>
+                                  </p:stCondLst>
+                                  <p:childTnLst>
+                                    <p:set>
+                                      <p:cBhvr>
+                                        <p:cTn id="94" dur="1" fill="hold">
+                                          <p:stCondLst>
+                                            <p:cond delay="0"/>
+                                          </p:stCondLst>
+                                        </p:cTn>
+                                        <p:tgtEl>
+                                          <p:spTgt spid="13"/>
+                                        </p:tgtEl>
+                                        <p:attrNameLst>
+                                          <p:attrName>style.visibility</p:attrName>
+                                        </p:attrNameLst>
+                                      </p:cBhvr>
+                                      <p:to>
+                                        <p:strVal val="visible"/>
+                                      </p:to>
+                                    </p:set>
+                                  </p:childTnLst>
+                                </p:cTn>
+                              </p:par>
+                              <p:par>
+                                <p:cTn id="95" presetID="1" presetClass="entr" presetSubtype="0" fill="hold" nodeType="withEffect">
+                                  <p:stCondLst>
+                                    <p:cond delay="0"/>
+                                  </p:stCondLst>
+                                  <p:childTnLst>
+                                    <p:set>
+                                      <p:cBhvr>
+                                        <p:cTn id="96" dur="1" fill="hold">
+                                          <p:stCondLst>
+                                            <p:cond delay="0"/>
+                                          </p:stCondLst>
+                                        </p:cTn>
+                                        <p:tgtEl>
+                                          <p:spTgt spid="12"/>
+                                        </p:tgtEl>
+                                        <p:attrNameLst>
+                                          <p:attrName>style.visibility</p:attrName>
+                                        </p:attrNameLst>
+                                      </p:cBhvr>
+                                      <p:to>
+                                        <p:strVal val="visible"/>
+                                      </p:to>
+                                    </p:set>
+                                  </p:childTnLst>
+                                </p:cTn>
+                              </p:par>
+                              <p:par>
+                                <p:cTn id="97" presetID="1" presetClass="entr" presetSubtype="0" fill="hold" grpId="0" nodeType="withEffect">
+                                  <p:stCondLst>
+                                    <p:cond delay="0"/>
+                                  </p:stCondLst>
+                                  <p:childTnLst>
+                                    <p:set>
+                                      <p:cBhvr>
+                                        <p:cTn id="98" dur="1" fill="hold">
+                                          <p:stCondLst>
+                                            <p:cond delay="0"/>
+                                          </p:stCondLst>
+                                        </p:cTn>
+                                        <p:tgtEl>
+                                          <p:spTgt spid="11"/>
+                                        </p:tgtEl>
+                                        <p:attrNameLst>
+                                          <p:attrName>style.visibility</p:attrName>
+                                        </p:attrNameLst>
+                                      </p:cBhvr>
+                                      <p:to>
+                                        <p:strVal val="visible"/>
+                                      </p:to>
+                                    </p:set>
+                                  </p:childTnLst>
+                                </p:cTn>
+                              </p:par>
+                              <p:par>
+                                <p:cTn id="99" presetID="1" presetClass="entr" presetSubtype="0" fill="hold" grpId="0" nodeType="withEffect">
+                                  <p:stCondLst>
+                                    <p:cond delay="0"/>
+                                  </p:stCondLst>
+                                  <p:childTnLst>
+                                    <p:set>
+                                      <p:cBhvr>
+                                        <p:cTn id="100" dur="1" fill="hold">
+                                          <p:stCondLst>
+                                            <p:cond delay="0"/>
+                                          </p:stCondLst>
+                                        </p:cTn>
+                                        <p:tgtEl>
+                                          <p:spTgt spid="17"/>
+                                        </p:tgtEl>
+                                        <p:attrNameLst>
+                                          <p:attrName>style.visibility</p:attrName>
+                                        </p:attrNameLst>
+                                      </p:cBhvr>
+                                      <p:to>
+                                        <p:strVal val="visible"/>
+                                      </p:to>
+                                    </p:set>
+                                  </p:childTnLst>
+                                </p:cTn>
+                              </p:par>
+                              <p:par>
+                                <p:cTn id="101" presetID="1" presetClass="entr" presetSubtype="0" fill="hold" nodeType="withEffect">
+                                  <p:stCondLst>
+                                    <p:cond delay="0"/>
+                                  </p:stCondLst>
+                                  <p:childTnLst>
+                                    <p:set>
+                                      <p:cBhvr>
+                                        <p:cTn id="102" dur="1" fill="hold">
+                                          <p:stCondLst>
+                                            <p:cond delay="0"/>
+                                          </p:stCondLst>
+                                        </p:cTn>
+                                        <p:tgtEl>
+                                          <p:spTgt spid="16"/>
+                                        </p:tgtEl>
+                                        <p:attrNameLst>
+                                          <p:attrName>style.visibility</p:attrName>
+                                        </p:attrNameLst>
+                                      </p:cBhvr>
+                                      <p:to>
+                                        <p:strVal val="visible"/>
+                                      </p:to>
+                                    </p:set>
+                                  </p:childTnLst>
+                                </p:cTn>
+                              </p:par>
+                              <p:par>
+                                <p:cTn id="103" presetID="1" presetClass="entr" presetSubtype="0" fill="hold" nodeType="withEffect">
+                                  <p:stCondLst>
+                                    <p:cond delay="0"/>
+                                  </p:stCondLst>
+                                  <p:childTnLst>
+                                    <p:set>
+                                      <p:cBhvr>
+                                        <p:cTn id="104" dur="1" fill="hold">
+                                          <p:stCondLst>
+                                            <p:cond delay="0"/>
+                                          </p:stCondLst>
+                                        </p:cTn>
+                                        <p:tgtEl>
+                                          <p:spTgt spid="14"/>
+                                        </p:tgtEl>
+                                        <p:attrNameLst>
+                                          <p:attrName>style.visibility</p:attrName>
+                                        </p:attrNameLst>
+                                      </p:cBhvr>
+                                      <p:to>
+                                        <p:strVal val="visible"/>
+                                      </p:to>
+                                    </p:set>
+                                  </p:childTnLst>
+                                </p:cTn>
+                              </p:par>
+                              <p:par>
+                                <p:cTn id="105" presetID="1" presetClass="entr" presetSubtype="0" fill="hold" grpId="0" nodeType="withEffect">
+                                  <p:stCondLst>
+                                    <p:cond delay="0"/>
+                                  </p:stCondLst>
+                                  <p:childTnLst>
+                                    <p:set>
+                                      <p:cBhvr>
+                                        <p:cTn id="106" dur="1" fill="hold">
+                                          <p:stCondLst>
+                                            <p:cond delay="0"/>
+                                          </p:stCondLst>
+                                        </p:cTn>
+                                        <p:tgtEl>
+                                          <p:spTgt spid="15"/>
+                                        </p:tgtEl>
+                                        <p:attrNameLst>
+                                          <p:attrName>style.visibility</p:attrName>
+                                        </p:attrNameLst>
+                                      </p:cBhvr>
+                                      <p:to>
+                                        <p:strVal val="visible"/>
+                                      </p:to>
+                                    </p:set>
+                                  </p:childTnLst>
+                                </p:cTn>
+                              </p:par>
+                              <p:par>
+                                <p:cTn id="107" presetID="1" presetClass="entr" presetSubtype="0" fill="hold" grpId="0" nodeType="withEffect">
+                                  <p:stCondLst>
+                                    <p:cond delay="0"/>
+                                  </p:stCondLst>
+                                  <p:childTnLst>
+                                    <p:set>
+                                      <p:cBhvr>
+                                        <p:cTn id="108" dur="1" fill="hold">
+                                          <p:stCondLst>
+                                            <p:cond delay="0"/>
+                                          </p:stCondLst>
+                                        </p:cTn>
+                                        <p:tgtEl>
+                                          <p:spTgt spid="10"/>
+                                        </p:tgtEl>
+                                        <p:attrNameLst>
+                                          <p:attrName>style.visibility</p:attrName>
+                                        </p:attrNameLst>
+                                      </p:cBhvr>
+                                      <p:to>
+                                        <p:strVal val="visible"/>
+                                      </p:to>
+                                    </p:set>
+                                  </p:childTnLst>
+                                </p:cTn>
+                              </p:par>
+                              <p:par>
+                                <p:cTn id="109" presetID="1" presetClass="entr" presetSubtype="0" fill="hold" grpId="0" nodeType="withEffect">
+                                  <p:stCondLst>
+                                    <p:cond delay="0"/>
+                                  </p:stCondLst>
+                                  <p:childTnLst>
+                                    <p:set>
+                                      <p:cBhvr>
+                                        <p:cTn id="110" dur="1" fill="hold">
+                                          <p:stCondLst>
+                                            <p:cond delay="0"/>
+                                          </p:stCondLst>
+                                        </p:cTn>
+                                        <p:tgtEl>
+                                          <p:spTgt spid="29"/>
+                                        </p:tgtEl>
+                                        <p:attrNameLst>
+                                          <p:attrName>style.visibility</p:attrName>
+                                        </p:attrNameLst>
+                                      </p:cBhvr>
+                                      <p:to>
+                                        <p:strVal val="visible"/>
+                                      </p:to>
+                                    </p:set>
+                                  </p:childTnLst>
+                                </p:cTn>
+                              </p:par>
+                              <p:par>
+                                <p:cTn id="111" presetID="1" presetClass="entr" presetSubtype="0" fill="hold" nodeType="withEffect">
+                                  <p:stCondLst>
+                                    <p:cond delay="0"/>
+                                  </p:stCondLst>
+                                  <p:childTnLst>
+                                    <p:set>
+                                      <p:cBhvr>
+                                        <p:cTn id="112" dur="1" fill="hold">
+                                          <p:stCondLst>
+                                            <p:cond delay="0"/>
+                                          </p:stCondLst>
+                                        </p:cTn>
+                                        <p:tgtEl>
+                                          <p:spTgt spid="26"/>
+                                        </p:tgtEl>
+                                        <p:attrNameLst>
+                                          <p:attrName>style.visibility</p:attrName>
+                                        </p:attrNameLst>
+                                      </p:cBhvr>
+                                      <p:to>
+                                        <p:strVal val="visible"/>
+                                      </p:to>
+                                    </p:set>
+                                  </p:childTnLst>
+                                </p:cTn>
+                              </p:par>
+                              <p:par>
+                                <p:cTn id="113" presetID="1" presetClass="entr" presetSubtype="0" fill="hold" grpId="0" nodeType="withEffect">
+                                  <p:stCondLst>
+                                    <p:cond delay="0"/>
+                                  </p:stCondLst>
+                                  <p:childTnLst>
+                                    <p:set>
+                                      <p:cBhvr>
+                                        <p:cTn id="114" dur="1" fill="hold">
+                                          <p:stCondLst>
+                                            <p:cond delay="0"/>
+                                          </p:stCondLst>
+                                        </p:cTn>
+                                        <p:tgtEl>
+                                          <p:spTgt spid="31"/>
+                                        </p:tgtEl>
+                                        <p:attrNameLst>
+                                          <p:attrName>style.visibility</p:attrName>
+                                        </p:attrNameLst>
+                                      </p:cBhvr>
+                                      <p:to>
+                                        <p:strVal val="visible"/>
+                                      </p:to>
+                                    </p:set>
+                                  </p:childTnLst>
+                                </p:cTn>
+                              </p:par>
+                            </p:childTnLst>
+                          </p:cTn>
+                        </p:par>
+                      </p:childTnLst>
+                    </p:cTn>
+                  </p:par>
+                </p:childTnLst>
+              </p:cTn>
+              <p:prevCondLst>
+                <p:cond evt="onPrev" delay="0">
+                  <p:tgtEl>
+                    <p:sldTgt/>
+                  </p:tgtEl>
+                </p:cond>
+              </p:prevCondLst>
+              <p:nextCondLst>
+                <p:cond evt="onNext" delay="0">
+                  <p:tgtEl>
+                    <p:sldTgt/>
+                  </p:tgtEl>
+                </p:cond>
+              </p:nextCondLst>
+            </p:seq>
+          </p:childTnLst>
+        </p:cTn>
+      </p:par>
+    </p:tnLst>
+    <p:bldLst>
+      <p:bldP spid="4" grpId="0" animBg="1"/>
+      <p:bldP spid="18" grpId="0" animBg="1"/>
+      <p:bldP spid="19" grpId="0" animBg="1"/>
+      <p:bldP spid="20" grpId="0" animBg="1"/>
+      <p:bldP spid="21" grpId="0" animBg="1"/>
+      <p:bldP spid="22" grpId="0" animBg="1"/>
+      <p:bldP spid="23" grpId="0" animBg="1"/>
+      <p:bldP spid="24" grpId="0"/>
+      <p:bldP spid="25" grpId="0"/>
+      <p:bldP spid="32" grpId="0"/>
+      <p:bldP spid="33" grpId="0"/>
+      <p:bldP spid="47" grpId="0"/>
+      <p:bldP spid="49" grpId="0"/>
+      <p:bldP spid="58" grpId="0"/>
+      <p:bldP spid="60" grpId="0"/>
+      <p:bldP spid="65" grpId="0"/>
+      <p:bldP spid="66" grpId="0"/>
+      <p:bldP spid="68" grpId="0"/>
+      <p:bldP spid="7" grpId="0" animBg="1"/>
+      <p:bldP spid="9" grpId="0"/>
+      <p:bldP spid="10" grpId="0" animBg="1"/>
+      <p:bldP spid="11" grpId="0" animBg="1"/>
+      <p:bldP spid="13" grpId="0"/>
+      <p:bldP spid="15" grpId="0"/>
+      <p:bldP spid="17" grpId="0"/>
+      <p:bldP spid="29" grpId="0"/>
+      <p:bldP spid="30" grpId="0"/>
+      <p:bldP spid="31" grpId="0"/>
+    </p:bldLst>
+  </p:timing>
 </p:sld>
 </file>
 
@@ -31793,38 +36208,10 @@
       </p:grpSpPr>
       <p:sp>
         <p:nvSpPr>
-          <p:cNvPr id="2" name="Title 1">
-            <a:extLst>
-              <a:ext uri="{FF2B5EF4-FFF2-40B4-BE49-F238E27FC236}">
-                <a16:creationId xmlns:a16="http://schemas.microsoft.com/office/drawing/2014/main" id="{8C247F51-7974-6BFA-85AD-AE319D026DEE}"/>
-              </a:ext>
-            </a:extLst>
-          </p:cNvPr>
-          <p:cNvSpPr>
-            <a:spLocks noGrp="1"/>
-          </p:cNvSpPr>
-          <p:nvPr>
-            <p:ph type="title"/>
-          </p:nvPr>
-        </p:nvSpPr>
-        <p:spPr/>
-        <p:txBody>
-          <a:bodyPr/>
-          <a:lstStyle/>
-          <a:p>
-            <a:r>
-              <a:rPr lang="en-US" dirty="0"/>
-              <a:t>RG-STS: Logic for Modularity of Protocols</a:t>
-            </a:r>
-          </a:p>
-        </p:txBody>
-      </p:sp>
-      <p:sp>
-        <p:nvSpPr>
           <p:cNvPr id="3" name="Content Placeholder 2">
             <a:extLst>
               <a:ext uri="{FF2B5EF4-FFF2-40B4-BE49-F238E27FC236}">
-                <a16:creationId xmlns:a16="http://schemas.microsoft.com/office/drawing/2014/main" id="{3380684A-A042-8B0A-4D4B-3D3291078825}"/>
+                <a16:creationId xmlns:a16="http://schemas.microsoft.com/office/drawing/2014/main" id="{BFF2B646-AA21-3492-C127-C5076839C905}"/>
               </a:ext>
             </a:extLst>
           </p:cNvPr>
@@ -31835,82 +36222,82 @@
             <p:ph idx="1"/>
           </p:nvPr>
         </p:nvSpPr>
-        <p:spPr/>
+        <p:spPr>
+          <a:xfrm>
+            <a:off x="76201" y="1825625"/>
+            <a:ext cx="12049124" cy="4351338"/>
+          </a:xfrm>
+        </p:spPr>
         <p:txBody>
           <a:bodyPr/>
           <a:lstStyle/>
           <a:p>
+            <a:pPr marL="0" indent="0">
+              <a:buNone/>
+            </a:pPr>
+            <a:endParaRPr lang="en-US" dirty="0"/>
+          </a:p>
+          <a:p>
+            <a:pPr marL="0" indent="0">
+              <a:buNone/>
+            </a:pPr>
             <a:r>
               <a:rPr lang="en-US" dirty="0"/>
-              <a:t>Two major pieces</a:t>
-            </a:r>
-          </a:p>
-          <a:p>
-            <a:pPr lvl="1"/>
-            <a:r>
-              <a:rPr lang="en-US" dirty="0"/>
-              <a:t>Morphisms to relate two protocol (</a:t>
-            </a:r>
-            <a:r>
-              <a:rPr lang="en-US" b="1" dirty="0"/>
-              <a:t>RG-</a:t>
-            </a:r>
-            <a:r>
-              <a:rPr lang="en-US" b="1" dirty="0" err="1"/>
-              <a:t>Bisim</a:t>
-            </a:r>
-            <a:r>
-              <a:rPr lang="en-US" dirty="0"/>
+              <a:t>                	      		                </a:t>
+            </a:r>
+            <a:r>
+              <a:rPr lang="en-US" sz="4800" dirty="0"/>
+              <a:t>LOGIC</a:t>
+            </a:r>
+          </a:p>
+          <a:p>
+            <a:pPr marL="0" indent="0">
+              <a:buNone/>
+            </a:pPr>
+            <a:r>
+              <a:rPr lang="en-US" sz="3200" dirty="0"/>
+              <a:t>	</a:t>
+            </a:r>
+          </a:p>
+          <a:p>
+            <a:pPr marL="0" indent="0">
+              <a:buNone/>
+            </a:pPr>
+            <a:r>
+              <a:rPr lang="en-US" sz="3200" dirty="0"/>
+              <a:t>	(Exploiting </a:t>
+            </a:r>
+            <a:r>
+              <a:rPr lang="en-US" sz="3200" dirty="0" err="1"/>
+              <a:t>Kripke</a:t>
+            </a:r>
+            <a:r>
+              <a:rPr lang="en-US" sz="3200" dirty="0"/>
+              <a:t> Models, Generated </a:t>
+            </a:r>
+            <a:r>
+              <a:rPr lang="en-US" sz="3200" dirty="0" err="1"/>
+              <a:t>SubModels</a:t>
+            </a:r>
+            <a:r>
+              <a:rPr lang="en-US" sz="3200" dirty="0"/>
+              <a:t> &amp;</a:t>
+            </a:r>
+            <a:r>
+              <a:rPr lang="en-US" sz="3200" dirty="0" err="1"/>
+              <a:t>Bisimulation</a:t>
+            </a:r>
+            <a:r>
+              <a:rPr lang="en-US" sz="3200" dirty="0"/>
               <a:t>)</a:t>
             </a:r>
-          </a:p>
-          <a:p>
-            <a:pPr lvl="1"/>
-            <a:r>
-              <a:rPr lang="en-US" dirty="0"/>
-              <a:t>Linking to program logic through (</a:t>
-            </a:r>
-            <a:r>
-              <a:rPr lang="en-US" b="1" dirty="0" err="1"/>
-              <a:t>IslandUpdate</a:t>
-            </a:r>
-            <a:r>
-              <a:rPr lang="en-US" b="1" dirty="0"/>
-              <a:t> Rule)</a:t>
-            </a:r>
-          </a:p>
-          <a:p>
-            <a:pPr lvl="2"/>
-            <a:r>
-              <a:rPr lang="en-US" dirty="0"/>
-              <a:t>Proof rules </a:t>
-            </a:r>
-            <a:r>
-              <a:rPr lang="en-US" dirty="0" err="1"/>
-              <a:t>bisimilar</a:t>
-            </a:r>
-            <a:r>
-              <a:rPr lang="en-US" dirty="0"/>
-              <a:t> protocols</a:t>
-            </a:r>
-          </a:p>
-          <a:p>
-            <a:pPr lvl="2"/>
-            <a:r>
-              <a:rPr lang="en-US" dirty="0"/>
-              <a:t>Proof rules for generated smaller protocols</a:t>
-            </a:r>
-          </a:p>
-          <a:p>
-            <a:pPr lvl="2"/>
-            <a:endParaRPr lang="en-US" dirty="0"/>
           </a:p>
         </p:txBody>
       </p:sp>
     </p:spTree>
     <p:extLst>
       <p:ext uri="{BB962C8B-B14F-4D97-AF65-F5344CB8AC3E}">
-        <p14:creationId xmlns:p14="http://schemas.microsoft.com/office/powerpoint/2010/main" val="2934936581"/>
+        <p14:creationId xmlns:p14="http://schemas.microsoft.com/office/powerpoint/2010/main" val="3285897361"/>
       </p:ext>
     </p:extLst>
   </p:cSld>
@@ -31942,7 +36329,7 @@
           <p:cNvPr id="2" name="Title 1">
             <a:extLst>
               <a:ext uri="{FF2B5EF4-FFF2-40B4-BE49-F238E27FC236}">
-                <a16:creationId xmlns:a16="http://schemas.microsoft.com/office/drawing/2014/main" id="{94333BC2-CB1A-F174-6230-0C18B4E311EF}"/>
+                <a16:creationId xmlns:a16="http://schemas.microsoft.com/office/drawing/2014/main" id="{8C247F51-7974-6BFA-85AD-AE319D026DEE}"/>
               </a:ext>
             </a:extLst>
           </p:cNvPr>
@@ -31960,13 +36347,8 @@
           <a:p>
             <a:r>
               <a:rPr lang="en-US" dirty="0"/>
-              <a:t>RG-STS: The Law of RG-</a:t>
-            </a:r>
-            <a:r>
-              <a:rPr lang="en-US" dirty="0" err="1"/>
-              <a:t>Bisimulation</a:t>
-            </a:r>
-            <a:endParaRPr lang="en-US" dirty="0"/>
+              <a:t>RG-STS: Logic for Modularity of Protocols</a:t>
+            </a:r>
           </a:p>
         </p:txBody>
       </p:sp>
@@ -31975,7 +36357,7 @@
           <p:cNvPr id="3" name="Content Placeholder 2">
             <a:extLst>
               <a:ext uri="{FF2B5EF4-FFF2-40B4-BE49-F238E27FC236}">
-                <a16:creationId xmlns:a16="http://schemas.microsoft.com/office/drawing/2014/main" id="{BF7F15D2-D4EC-C5B9-F6CC-F93095C4B5A6}"/>
+                <a16:creationId xmlns:a16="http://schemas.microsoft.com/office/drawing/2014/main" id="{3380684A-A042-8B0A-4D4B-3D3291078825}"/>
               </a:ext>
             </a:extLst>
           </p:cNvPr>
@@ -31991,14 +36373,77 @@
           <a:bodyPr/>
           <a:lstStyle/>
           <a:p>
-            <a:endParaRPr lang="en-US"/>
+            <a:r>
+              <a:rPr lang="en-US" dirty="0"/>
+              <a:t>Two major pieces</a:t>
+            </a:r>
+          </a:p>
+          <a:p>
+            <a:pPr lvl="1"/>
+            <a:r>
+              <a:rPr lang="en-US" dirty="0"/>
+              <a:t>Morphisms to relate two protocol (</a:t>
+            </a:r>
+            <a:r>
+              <a:rPr lang="en-US" b="1" dirty="0"/>
+              <a:t>RG-</a:t>
+            </a:r>
+            <a:r>
+              <a:rPr lang="en-US" b="1" dirty="0" err="1"/>
+              <a:t>Bisim</a:t>
+            </a:r>
+            <a:r>
+              <a:rPr lang="en-US" dirty="0"/>
+              <a:t>)</a:t>
+            </a:r>
+          </a:p>
+          <a:p>
+            <a:pPr lvl="1"/>
+            <a:r>
+              <a:rPr lang="en-US" dirty="0"/>
+              <a:t>Linking to program logic through (</a:t>
+            </a:r>
+            <a:r>
+              <a:rPr lang="en-US" b="1" dirty="0" err="1"/>
+              <a:t>IslandUpdate</a:t>
+            </a:r>
+            <a:r>
+              <a:rPr lang="en-US" b="1" dirty="0"/>
+              <a:t> Rule)</a:t>
+            </a:r>
+          </a:p>
+          <a:p>
+            <a:pPr lvl="2"/>
+            <a:r>
+              <a:rPr lang="en-US" dirty="0"/>
+              <a:t>Proof rules </a:t>
+            </a:r>
+            <a:r>
+              <a:rPr lang="en-US" dirty="0" err="1"/>
+              <a:t>bisimilar</a:t>
+            </a:r>
+            <a:r>
+              <a:rPr lang="en-US" dirty="0"/>
+              <a:t> protocols</a:t>
+            </a:r>
+          </a:p>
+          <a:p>
+            <a:pPr lvl="2"/>
+            <a:r>
+              <a:rPr lang="en-US" dirty="0"/>
+              <a:t>Proof rules for generated smaller protocols</a:t>
+            </a:r>
+          </a:p>
+          <a:p>
+            <a:pPr lvl="2"/>
+            <a:endParaRPr lang="en-US" dirty="0"/>
           </a:p>
         </p:txBody>
       </p:sp>
     </p:spTree>
     <p:extLst>
       <p:ext uri="{BB962C8B-B14F-4D97-AF65-F5344CB8AC3E}">
-        <p14:creationId xmlns:p14="http://schemas.microsoft.com/office/powerpoint/2010/main" val="3467763286"/>
+        <p14:creationId xmlns:p14="http://schemas.microsoft.com/office/powerpoint/2010/main" val="2934936581"/>
       </p:ext>
     </p:extLst>
   </p:cSld>
@@ -32030,7 +36475,7 @@
           <p:cNvPr id="2" name="Title 1">
             <a:extLst>
               <a:ext uri="{FF2B5EF4-FFF2-40B4-BE49-F238E27FC236}">
-                <a16:creationId xmlns:a16="http://schemas.microsoft.com/office/drawing/2014/main" id="{7B9E512E-60F9-D90D-3941-CDEE61933F37}"/>
+                <a16:creationId xmlns:a16="http://schemas.microsoft.com/office/drawing/2014/main" id="{94333BC2-CB1A-F174-6230-0C18B4E311EF}"/>
               </a:ext>
             </a:extLst>
           </p:cNvPr>
@@ -32048,8 +36493,13 @@
           <a:p>
             <a:r>
               <a:rPr lang="en-US" dirty="0"/>
-              <a:t>RG-STS: The Law of Conformance</a:t>
-            </a:r>
+              <a:t>RG-STS: The Law of RG-</a:t>
+            </a:r>
+            <a:r>
+              <a:rPr lang="en-US" dirty="0" err="1"/>
+              <a:t>Bisimulation</a:t>
+            </a:r>
+            <a:endParaRPr lang="en-US" dirty="0"/>
           </a:p>
         </p:txBody>
       </p:sp>
@@ -32058,7 +36508,7 @@
           <p:cNvPr id="3" name="Content Placeholder 2">
             <a:extLst>
               <a:ext uri="{FF2B5EF4-FFF2-40B4-BE49-F238E27FC236}">
-                <a16:creationId xmlns:a16="http://schemas.microsoft.com/office/drawing/2014/main" id="{45C3D680-0694-DF04-F869-4B0A87058B97}"/>
+                <a16:creationId xmlns:a16="http://schemas.microsoft.com/office/drawing/2014/main" id="{BF7F15D2-D4EC-C5B9-F6CC-F93095C4B5A6}"/>
               </a:ext>
             </a:extLst>
           </p:cNvPr>
@@ -32081,7 +36531,7 @@
     </p:spTree>
     <p:extLst>
       <p:ext uri="{BB962C8B-B14F-4D97-AF65-F5344CB8AC3E}">
-        <p14:creationId xmlns:p14="http://schemas.microsoft.com/office/powerpoint/2010/main" val="4110734046"/>
+        <p14:creationId xmlns:p14="http://schemas.microsoft.com/office/powerpoint/2010/main" val="3467763286"/>
       </p:ext>
     </p:extLst>
   </p:cSld>
@@ -32113,7 +36563,7 @@
           <p:cNvPr id="2" name="Title 1">
             <a:extLst>
               <a:ext uri="{FF2B5EF4-FFF2-40B4-BE49-F238E27FC236}">
-                <a16:creationId xmlns:a16="http://schemas.microsoft.com/office/drawing/2014/main" id="{EE31D451-765F-D9FA-F280-5F58E345B4B7}"/>
+                <a16:creationId xmlns:a16="http://schemas.microsoft.com/office/drawing/2014/main" id="{7B9E512E-60F9-D90D-3941-CDEE61933F37}"/>
               </a:ext>
             </a:extLst>
           </p:cNvPr>
@@ -32131,7 +36581,7 @@
           <a:p>
             <a:r>
               <a:rPr lang="en-US" dirty="0"/>
-              <a:t>RG-STS: The Law of Tolerance</a:t>
+              <a:t>RG-STS: The Law of Conformance</a:t>
             </a:r>
           </a:p>
         </p:txBody>
@@ -32141,7 +36591,7 @@
           <p:cNvPr id="3" name="Content Placeholder 2">
             <a:extLst>
               <a:ext uri="{FF2B5EF4-FFF2-40B4-BE49-F238E27FC236}">
-                <a16:creationId xmlns:a16="http://schemas.microsoft.com/office/drawing/2014/main" id="{F3711FCA-6188-2F4D-02AE-AEBF33950F34}"/>
+                <a16:creationId xmlns:a16="http://schemas.microsoft.com/office/drawing/2014/main" id="{45C3D680-0694-DF04-F869-4B0A87058B97}"/>
               </a:ext>
             </a:extLst>
           </p:cNvPr>
@@ -32164,7 +36614,7 @@
     </p:spTree>
     <p:extLst>
       <p:ext uri="{BB962C8B-B14F-4D97-AF65-F5344CB8AC3E}">
-        <p14:creationId xmlns:p14="http://schemas.microsoft.com/office/powerpoint/2010/main" val="105396800"/>
+        <p14:creationId xmlns:p14="http://schemas.microsoft.com/office/powerpoint/2010/main" val="4110734046"/>
       </p:ext>
     </p:extLst>
   </p:cSld>
@@ -32337,7 +36787,7 @@
           <p:cNvPr id="2" name="Title 1">
             <a:extLst>
               <a:ext uri="{FF2B5EF4-FFF2-40B4-BE49-F238E27FC236}">
-                <a16:creationId xmlns:a16="http://schemas.microsoft.com/office/drawing/2014/main" id="{A124CB6A-F539-31F2-2CF0-92F79851DCA9}"/>
+                <a16:creationId xmlns:a16="http://schemas.microsoft.com/office/drawing/2014/main" id="{EE31D451-765F-D9FA-F280-5F58E345B4B7}"/>
               </a:ext>
             </a:extLst>
           </p:cNvPr>
@@ -32355,7 +36805,7 @@
           <a:p>
             <a:r>
               <a:rPr lang="en-US" dirty="0"/>
-              <a:t>RG-STS: Connecting to a Program Logic</a:t>
+              <a:t>RG-STS: The Law of Tolerance</a:t>
             </a:r>
           </a:p>
         </p:txBody>
@@ -32365,7 +36815,7 @@
           <p:cNvPr id="3" name="Content Placeholder 2">
             <a:extLst>
               <a:ext uri="{FF2B5EF4-FFF2-40B4-BE49-F238E27FC236}">
-                <a16:creationId xmlns:a16="http://schemas.microsoft.com/office/drawing/2014/main" id="{0DFD0B67-4A0A-C748-3DA2-2F188CBDC4D6}"/>
+                <a16:creationId xmlns:a16="http://schemas.microsoft.com/office/drawing/2014/main" id="{F3711FCA-6188-2F4D-02AE-AEBF33950F34}"/>
               </a:ext>
             </a:extLst>
           </p:cNvPr>
@@ -32388,7 +36838,7 @@
     </p:spTree>
     <p:extLst>
       <p:ext uri="{BB962C8B-B14F-4D97-AF65-F5344CB8AC3E}">
-        <p14:creationId xmlns:p14="http://schemas.microsoft.com/office/powerpoint/2010/main" val="2816408523"/>
+        <p14:creationId xmlns:p14="http://schemas.microsoft.com/office/powerpoint/2010/main" val="105396800"/>
       </p:ext>
     </p:extLst>
   </p:cSld>
@@ -32420,7 +36870,7 @@
           <p:cNvPr id="2" name="Title 1">
             <a:extLst>
               <a:ext uri="{FF2B5EF4-FFF2-40B4-BE49-F238E27FC236}">
-                <a16:creationId xmlns:a16="http://schemas.microsoft.com/office/drawing/2014/main" id="{632D8C67-9855-F94C-DF23-26192F6BC23E}"/>
+                <a16:creationId xmlns:a16="http://schemas.microsoft.com/office/drawing/2014/main" id="{A124CB6A-F539-31F2-2CF0-92F79851DCA9}"/>
               </a:ext>
             </a:extLst>
           </p:cNvPr>
@@ -32438,15 +36888,7 @@
           <a:p>
             <a:r>
               <a:rPr lang="en-US" dirty="0"/>
-              <a:t>RG-STS: Proof Rules for </a:t>
-            </a:r>
-            <a:r>
-              <a:rPr lang="en-US" dirty="0" err="1"/>
-              <a:t>Bisimilar</a:t>
-            </a:r>
-            <a:r>
-              <a:rPr lang="en-US" dirty="0"/>
-              <a:t> Protocols</a:t>
+              <a:t>RG-STS: Connecting to a Program Logic</a:t>
             </a:r>
           </a:p>
         </p:txBody>
@@ -32456,7 +36898,7 @@
           <p:cNvPr id="3" name="Content Placeholder 2">
             <a:extLst>
               <a:ext uri="{FF2B5EF4-FFF2-40B4-BE49-F238E27FC236}">
-                <a16:creationId xmlns:a16="http://schemas.microsoft.com/office/drawing/2014/main" id="{32E31EBD-9FBD-4498-F0A3-877AF12FEDB8}"/>
+                <a16:creationId xmlns:a16="http://schemas.microsoft.com/office/drawing/2014/main" id="{0DFD0B67-4A0A-C748-3DA2-2F188CBDC4D6}"/>
               </a:ext>
             </a:extLst>
           </p:cNvPr>
@@ -32479,7 +36921,7 @@
     </p:spTree>
     <p:extLst>
       <p:ext uri="{BB962C8B-B14F-4D97-AF65-F5344CB8AC3E}">
-        <p14:creationId xmlns:p14="http://schemas.microsoft.com/office/powerpoint/2010/main" val="4011935431"/>
+        <p14:creationId xmlns:p14="http://schemas.microsoft.com/office/powerpoint/2010/main" val="2816408523"/>
       </p:ext>
     </p:extLst>
   </p:cSld>
@@ -32511,6 +36953,97 @@
           <p:cNvPr id="2" name="Title 1">
             <a:extLst>
               <a:ext uri="{FF2B5EF4-FFF2-40B4-BE49-F238E27FC236}">
+                <a16:creationId xmlns:a16="http://schemas.microsoft.com/office/drawing/2014/main" id="{632D8C67-9855-F94C-DF23-26192F6BC23E}"/>
+              </a:ext>
+            </a:extLst>
+          </p:cNvPr>
+          <p:cNvSpPr>
+            <a:spLocks noGrp="1"/>
+          </p:cNvSpPr>
+          <p:nvPr>
+            <p:ph type="title"/>
+          </p:nvPr>
+        </p:nvSpPr>
+        <p:spPr/>
+        <p:txBody>
+          <a:bodyPr/>
+          <a:lstStyle/>
+          <a:p>
+            <a:r>
+              <a:rPr lang="en-US" dirty="0"/>
+              <a:t>RG-STS: Proof Rules for </a:t>
+            </a:r>
+            <a:r>
+              <a:rPr lang="en-US" dirty="0" err="1"/>
+              <a:t>Bisimilar</a:t>
+            </a:r>
+            <a:r>
+              <a:rPr lang="en-US" dirty="0"/>
+              <a:t> Protocols</a:t>
+            </a:r>
+          </a:p>
+        </p:txBody>
+      </p:sp>
+      <p:sp>
+        <p:nvSpPr>
+          <p:cNvPr id="3" name="Content Placeholder 2">
+            <a:extLst>
+              <a:ext uri="{FF2B5EF4-FFF2-40B4-BE49-F238E27FC236}">
+                <a16:creationId xmlns:a16="http://schemas.microsoft.com/office/drawing/2014/main" id="{32E31EBD-9FBD-4498-F0A3-877AF12FEDB8}"/>
+              </a:ext>
+            </a:extLst>
+          </p:cNvPr>
+          <p:cNvSpPr>
+            <a:spLocks noGrp="1"/>
+          </p:cNvSpPr>
+          <p:nvPr>
+            <p:ph idx="1"/>
+          </p:nvPr>
+        </p:nvSpPr>
+        <p:spPr/>
+        <p:txBody>
+          <a:bodyPr/>
+          <a:lstStyle/>
+          <a:p>
+            <a:endParaRPr lang="en-US"/>
+          </a:p>
+        </p:txBody>
+      </p:sp>
+    </p:spTree>
+    <p:extLst>
+      <p:ext uri="{BB962C8B-B14F-4D97-AF65-F5344CB8AC3E}">
+        <p14:creationId xmlns:p14="http://schemas.microsoft.com/office/powerpoint/2010/main" val="4011935431"/>
+      </p:ext>
+    </p:extLst>
+  </p:cSld>
+  <p:clrMapOvr>
+    <a:masterClrMapping/>
+  </p:clrMapOvr>
+</p:sld>
+</file>
+
+<file path=ppt/slides/slide43.xml><?xml version="1.0" encoding="utf-8"?>
+<p:sld xmlns:a="http://schemas.openxmlformats.org/drawingml/2006/main" xmlns:r="http://schemas.openxmlformats.org/officeDocument/2006/relationships" xmlns:p="http://schemas.openxmlformats.org/presentationml/2006/main">
+  <p:cSld>
+    <p:spTree>
+      <p:nvGrpSpPr>
+        <p:cNvPr id="1" name=""/>
+        <p:cNvGrpSpPr/>
+        <p:nvPr/>
+      </p:nvGrpSpPr>
+      <p:grpSpPr>
+        <a:xfrm>
+          <a:off x="0" y="0"/>
+          <a:ext cx="0" cy="0"/>
+          <a:chOff x="0" y="0"/>
+          <a:chExt cx="0" cy="0"/>
+        </a:xfrm>
+      </p:grpSpPr>
+      <p:sp>
+        <p:nvSpPr>
+          <p:cNvPr id="2" name="Title 1">
+            <a:extLst>
+              <a:ext uri="{FF2B5EF4-FFF2-40B4-BE49-F238E27FC236}">
                 <a16:creationId xmlns:a16="http://schemas.microsoft.com/office/drawing/2014/main" id="{49074C14-374B-7943-F1DC-88A056B80D77}"/>
               </a:ext>
             </a:extLst>
@@ -32697,7 +37230,7 @@
 </p:sld>
 </file>
 
-<file path=ppt/slides/slide43.xml><?xml version="1.0" encoding="utf-8"?>
+<file path=ppt/slides/slide44.xml><?xml version="1.0" encoding="utf-8"?>
 <p:sld xmlns:a="http://schemas.openxmlformats.org/drawingml/2006/main" xmlns:r="http://schemas.openxmlformats.org/officeDocument/2006/relationships" xmlns:p="http://schemas.openxmlformats.org/presentationml/2006/main">
   <p:cSld>
     <p:spTree>
@@ -32859,7 +37392,7 @@
 </p:sld>
 </file>
 
-<file path=ppt/slides/slide44.xml><?xml version="1.0" encoding="utf-8"?>
+<file path=ppt/slides/slide45.xml><?xml version="1.0" encoding="utf-8"?>
 <p:sld xmlns:a="http://schemas.openxmlformats.org/drawingml/2006/main" xmlns:r="http://schemas.openxmlformats.org/officeDocument/2006/relationships" xmlns:p="http://schemas.openxmlformats.org/presentationml/2006/main">
   <p:cSld>
     <p:spTree>
@@ -32946,7 +37479,7 @@
 </p:sld>
 </file>
 
-<file path=ppt/slides/slide45.xml><?xml version="1.0" encoding="utf-8"?>
+<file path=ppt/slides/slide46.xml><?xml version="1.0" encoding="utf-8"?>
 <p:sld xmlns:a="http://schemas.openxmlformats.org/drawingml/2006/main" xmlns:r="http://schemas.openxmlformats.org/officeDocument/2006/relationships" xmlns:p="http://schemas.openxmlformats.org/presentationml/2006/main">
   <p:cSld>
     <p:spTree>

--- a/thesis_proposal/proposal.pptx
+++ b/thesis_proposal/proposal.pptx
@@ -42,8 +42,8 @@
     <p:sldId id="286" r:id="rId33"/>
     <p:sldId id="293" r:id="rId34"/>
     <p:sldId id="287" r:id="rId35"/>
-    <p:sldId id="312" r:id="rId36"/>
-    <p:sldId id="289" r:id="rId37"/>
+    <p:sldId id="289" r:id="rId36"/>
+    <p:sldId id="312" r:id="rId37"/>
     <p:sldId id="304" r:id="rId38"/>
     <p:sldId id="305" r:id="rId39"/>
     <p:sldId id="306" r:id="rId40"/>
@@ -2491,6 +2491,90 @@
           <a:bodyPr/>
           <a:lstStyle/>
           <a:p>
+            <a:endParaRPr lang="en-US" dirty="0"/>
+          </a:p>
+        </p:txBody>
+      </p:sp>
+      <p:sp>
+        <p:nvSpPr>
+          <p:cNvPr id="4" name="Slide Number Placeholder 3"/>
+          <p:cNvSpPr>
+            <a:spLocks noGrp="1"/>
+          </p:cNvSpPr>
+          <p:nvPr>
+            <p:ph type="sldNum" sz="quarter" idx="5"/>
+          </p:nvPr>
+        </p:nvSpPr>
+        <p:spPr/>
+        <p:txBody>
+          <a:bodyPr/>
+          <a:lstStyle/>
+          <a:p>
+            <a:fld id="{180B0F4F-C4CA-F945-8BD8-C2A10415F31A}" type="slidenum">
+              <a:rPr lang="en-US" smtClean="0"/>
+              <a:t>34</a:t>
+            </a:fld>
+            <a:endParaRPr lang="en-US"/>
+          </a:p>
+        </p:txBody>
+      </p:sp>
+    </p:spTree>
+    <p:extLst>
+      <p:ext uri="{BB962C8B-B14F-4D97-AF65-F5344CB8AC3E}">
+        <p14:creationId xmlns:p14="http://schemas.microsoft.com/office/powerpoint/2010/main" val="3258998221"/>
+      </p:ext>
+    </p:extLst>
+  </p:cSld>
+  <p:clrMapOvr>
+    <a:masterClrMapping/>
+  </p:clrMapOvr>
+</p:notes>
+</file>
+
+<file path=ppt/notesSlides/notesSlide24.xml><?xml version="1.0" encoding="utf-8"?>
+<p:notes xmlns:a="http://schemas.openxmlformats.org/drawingml/2006/main" xmlns:r="http://schemas.openxmlformats.org/officeDocument/2006/relationships" xmlns:p="http://schemas.openxmlformats.org/presentationml/2006/main">
+  <p:cSld>
+    <p:spTree>
+      <p:nvGrpSpPr>
+        <p:cNvPr id="1" name=""/>
+        <p:cNvGrpSpPr/>
+        <p:nvPr/>
+      </p:nvGrpSpPr>
+      <p:grpSpPr>
+        <a:xfrm>
+          <a:off x="0" y="0"/>
+          <a:ext cx="0" cy="0"/>
+          <a:chOff x="0" y="0"/>
+          <a:chExt cx="0" cy="0"/>
+        </a:xfrm>
+      </p:grpSpPr>
+      <p:sp>
+        <p:nvSpPr>
+          <p:cNvPr id="2" name="Slide Image Placeholder 1"/>
+          <p:cNvSpPr>
+            <a:spLocks noGrp="1" noRot="1" noChangeAspect="1"/>
+          </p:cNvSpPr>
+          <p:nvPr>
+            <p:ph type="sldImg"/>
+          </p:nvPr>
+        </p:nvSpPr>
+        <p:spPr/>
+      </p:sp>
+      <p:sp>
+        <p:nvSpPr>
+          <p:cNvPr id="3" name="Notes Placeholder 2"/>
+          <p:cNvSpPr>
+            <a:spLocks noGrp="1"/>
+          </p:cNvSpPr>
+          <p:nvPr>
+            <p:ph type="body" idx="1"/>
+          </p:nvPr>
+        </p:nvSpPr>
+        <p:spPr/>
+        <p:txBody>
+          <a:bodyPr/>
+          <a:lstStyle/>
+          <a:p>
             <a:r>
               <a:rPr lang="en-US" dirty="0"/>
               <a:t>As backup slide.</a:t>
@@ -2534,7 +2618,7 @@
 </p:notes>
 </file>
 
-<file path=ppt/notesSlides/notesSlide24.xml><?xml version="1.0" encoding="utf-8"?>
+<file path=ppt/notesSlides/notesSlide25.xml><?xml version="1.0" encoding="utf-8"?>
 <p:notes xmlns:a="http://schemas.openxmlformats.org/drawingml/2006/main" xmlns:r="http://schemas.openxmlformats.org/officeDocument/2006/relationships" xmlns:p="http://schemas.openxmlformats.org/presentationml/2006/main">
   <p:cSld>
     <p:spTree>
@@ -32666,6 +32750,124 @@
       </p:grpSpPr>
       <p:sp>
         <p:nvSpPr>
+          <p:cNvPr id="3" name="Content Placeholder 2">
+            <a:extLst>
+              <a:ext uri="{FF2B5EF4-FFF2-40B4-BE49-F238E27FC236}">
+                <a16:creationId xmlns:a16="http://schemas.microsoft.com/office/drawing/2014/main" id="{BFF2B646-AA21-3492-C127-C5076839C905}"/>
+              </a:ext>
+            </a:extLst>
+          </p:cNvPr>
+          <p:cNvSpPr>
+            <a:spLocks noGrp="1"/>
+          </p:cNvSpPr>
+          <p:nvPr>
+            <p:ph idx="1"/>
+          </p:nvPr>
+        </p:nvSpPr>
+        <p:spPr>
+          <a:xfrm>
+            <a:off x="76201" y="1825625"/>
+            <a:ext cx="12049124" cy="4351338"/>
+          </a:xfrm>
+        </p:spPr>
+        <p:txBody>
+          <a:bodyPr/>
+          <a:lstStyle/>
+          <a:p>
+            <a:pPr marL="0" indent="0">
+              <a:buNone/>
+            </a:pPr>
+            <a:endParaRPr lang="en-US" dirty="0"/>
+          </a:p>
+          <a:p>
+            <a:pPr marL="0" indent="0">
+              <a:buNone/>
+            </a:pPr>
+            <a:r>
+              <a:rPr lang="en-US" dirty="0"/>
+              <a:t>                	      		                </a:t>
+            </a:r>
+            <a:r>
+              <a:rPr lang="en-US" sz="4800" dirty="0"/>
+              <a:t>LOGIC</a:t>
+            </a:r>
+          </a:p>
+          <a:p>
+            <a:pPr marL="0" indent="0">
+              <a:buNone/>
+            </a:pPr>
+            <a:r>
+              <a:rPr lang="en-US" sz="3200" dirty="0"/>
+              <a:t>	</a:t>
+            </a:r>
+          </a:p>
+          <a:p>
+            <a:pPr marL="0" indent="0">
+              <a:buNone/>
+            </a:pPr>
+            <a:r>
+              <a:rPr lang="en-US" sz="3200" dirty="0"/>
+              <a:t>	(Exploiting </a:t>
+            </a:r>
+            <a:r>
+              <a:rPr lang="en-US" sz="3200" dirty="0" err="1"/>
+              <a:t>Kripke</a:t>
+            </a:r>
+            <a:r>
+              <a:rPr lang="en-US" sz="3200" dirty="0"/>
+              <a:t> Models, Generated </a:t>
+            </a:r>
+            <a:r>
+              <a:rPr lang="en-US" sz="3200" dirty="0" err="1"/>
+              <a:t>SubModels</a:t>
+            </a:r>
+            <a:r>
+              <a:rPr lang="en-US" sz="3200" dirty="0"/>
+              <a:t> &amp;</a:t>
+            </a:r>
+            <a:r>
+              <a:rPr lang="en-US" sz="3200" dirty="0" err="1"/>
+              <a:t>Bisimulation</a:t>
+            </a:r>
+            <a:r>
+              <a:rPr lang="en-US" sz="3200" dirty="0"/>
+              <a:t>)</a:t>
+            </a:r>
+          </a:p>
+        </p:txBody>
+      </p:sp>
+    </p:spTree>
+    <p:extLst>
+      <p:ext uri="{BB962C8B-B14F-4D97-AF65-F5344CB8AC3E}">
+        <p14:creationId xmlns:p14="http://schemas.microsoft.com/office/powerpoint/2010/main" val="3285897361"/>
+      </p:ext>
+    </p:extLst>
+  </p:cSld>
+  <p:clrMapOvr>
+    <a:masterClrMapping/>
+  </p:clrMapOvr>
+</p:sld>
+</file>
+
+<file path=ppt/slides/slide36.xml><?xml version="1.0" encoding="utf-8"?>
+<p:sld xmlns:a="http://schemas.openxmlformats.org/drawingml/2006/main" xmlns:r="http://schemas.openxmlformats.org/officeDocument/2006/relationships" xmlns:p="http://schemas.openxmlformats.org/presentationml/2006/main">
+  <p:cSld>
+    <p:spTree>
+      <p:nvGrpSpPr>
+        <p:cNvPr id="1" name=""/>
+        <p:cNvGrpSpPr/>
+        <p:nvPr/>
+      </p:nvGrpSpPr>
+      <p:grpSpPr>
+        <a:xfrm>
+          <a:off x="0" y="0"/>
+          <a:ext cx="0" cy="0"/>
+          <a:chOff x="0" y="0"/>
+          <a:chExt cx="0" cy="0"/>
+        </a:xfrm>
+      </p:grpSpPr>
+      <p:sp>
+        <p:nvSpPr>
           <p:cNvPr id="4" name="Oval 3">
             <a:extLst>
               <a:ext uri="{FF2B5EF4-FFF2-40B4-BE49-F238E27FC236}">
@@ -34642,7 +34844,7 @@
         </p:nvSpPr>
         <p:spPr>
           <a:xfrm>
-            <a:off x="1014682" y="5830861"/>
+            <a:off x="466042" y="5830861"/>
             <a:ext cx="4723665" cy="369332"/>
           </a:xfrm>
           <a:prstGeom prst="rect">
@@ -34726,6 +34928,552 @@
             <a:r>
               <a:rPr lang="en-US" dirty="0"/>
               <a:t>) state</a:t>
+            </a:r>
+          </a:p>
+        </p:txBody>
+      </p:sp>
+      <p:cxnSp>
+        <p:nvCxnSpPr>
+          <p:cNvPr id="35" name="Curved Connector 34">
+            <a:extLst>
+              <a:ext uri="{FF2B5EF4-FFF2-40B4-BE49-F238E27FC236}">
+                <a16:creationId xmlns:a16="http://schemas.microsoft.com/office/drawing/2014/main" id="{1AE73E66-7B52-B54E-B5FD-C0EF65FD1582}"/>
+              </a:ext>
+            </a:extLst>
+          </p:cNvPr>
+          <p:cNvCxnSpPr>
+            <a:cxnSpLocks/>
+          </p:cNvCxnSpPr>
+          <p:nvPr/>
+        </p:nvCxnSpPr>
+        <p:spPr>
+          <a:xfrm flipV="1">
+            <a:off x="3484246" y="1592730"/>
+            <a:ext cx="4277974" cy="3691855"/>
+          </a:xfrm>
+          <a:prstGeom prst="curvedConnector3">
+            <a:avLst>
+              <a:gd name="adj1" fmla="val 47625"/>
+            </a:avLst>
+          </a:prstGeom>
+        </p:spPr>
+        <p:style>
+          <a:lnRef idx="1">
+            <a:schemeClr val="accent1"/>
+          </a:lnRef>
+          <a:fillRef idx="0">
+            <a:schemeClr val="accent1"/>
+          </a:fillRef>
+          <a:effectRef idx="0">
+            <a:schemeClr val="accent1"/>
+          </a:effectRef>
+          <a:fontRef idx="minor">
+            <a:schemeClr val="tx1"/>
+          </a:fontRef>
+        </p:style>
+      </p:cxnSp>
+      <p:cxnSp>
+        <p:nvCxnSpPr>
+          <p:cNvPr id="39" name="Curved Connector 38">
+            <a:extLst>
+              <a:ext uri="{FF2B5EF4-FFF2-40B4-BE49-F238E27FC236}">
+                <a16:creationId xmlns:a16="http://schemas.microsoft.com/office/drawing/2014/main" id="{F6651E1F-8777-6737-9A56-79465D7EB7C1}"/>
+              </a:ext>
+            </a:extLst>
+          </p:cNvPr>
+          <p:cNvCxnSpPr>
+            <a:cxnSpLocks/>
+          </p:cNvCxnSpPr>
+          <p:nvPr/>
+        </p:nvCxnSpPr>
+        <p:spPr>
+          <a:xfrm>
+            <a:off x="3390627" y="1783915"/>
+            <a:ext cx="3997677" cy="3500670"/>
+          </a:xfrm>
+          <a:prstGeom prst="curvedConnector3">
+            <a:avLst>
+              <a:gd name="adj1" fmla="val 53304"/>
+            </a:avLst>
+          </a:prstGeom>
+        </p:spPr>
+        <p:style>
+          <a:lnRef idx="1">
+            <a:schemeClr val="accent1"/>
+          </a:lnRef>
+          <a:fillRef idx="0">
+            <a:schemeClr val="accent1"/>
+          </a:fillRef>
+          <a:effectRef idx="0">
+            <a:schemeClr val="accent1"/>
+          </a:effectRef>
+          <a:fontRef idx="minor">
+            <a:schemeClr val="tx1"/>
+          </a:fontRef>
+        </p:style>
+      </p:cxnSp>
+      <p:sp>
+        <p:nvSpPr>
+          <p:cNvPr id="82" name="Freeform 81">
+            <a:extLst>
+              <a:ext uri="{FF2B5EF4-FFF2-40B4-BE49-F238E27FC236}">
+                <a16:creationId xmlns:a16="http://schemas.microsoft.com/office/drawing/2014/main" id="{C0F379FC-F26D-9843-0821-E82AFF5EA9D0}"/>
+              </a:ext>
+            </a:extLst>
+          </p:cNvPr>
+          <p:cNvSpPr/>
+          <p:nvPr/>
+        </p:nvSpPr>
+        <p:spPr>
+          <a:xfrm>
+            <a:off x="8203247" y="3510453"/>
+            <a:ext cx="2661920" cy="931155"/>
+          </a:xfrm>
+          <a:custGeom>
+            <a:avLst/>
+            <a:gdLst>
+              <a:gd name="connsiteX0" fmla="*/ 0 w 2661920"/>
+              <a:gd name="connsiteY0" fmla="*/ 634676 h 931155"/>
+              <a:gd name="connsiteX1" fmla="*/ 1148080 w 2661920"/>
+              <a:gd name="connsiteY1" fmla="*/ 4756 h 931155"/>
+              <a:gd name="connsiteX2" fmla="*/ 1584960 w 2661920"/>
+              <a:gd name="connsiteY2" fmla="*/ 929316 h 931155"/>
+              <a:gd name="connsiteX3" fmla="*/ 2661920 w 2661920"/>
+              <a:gd name="connsiteY3" fmla="*/ 238436 h 931155"/>
+            </a:gdLst>
+            <a:ahLst/>
+            <a:cxnLst>
+              <a:cxn ang="0">
+                <a:pos x="connsiteX0" y="connsiteY0"/>
+              </a:cxn>
+              <a:cxn ang="0">
+                <a:pos x="connsiteX1" y="connsiteY1"/>
+              </a:cxn>
+              <a:cxn ang="0">
+                <a:pos x="connsiteX2" y="connsiteY2"/>
+              </a:cxn>
+              <a:cxn ang="0">
+                <a:pos x="connsiteX3" y="connsiteY3"/>
+              </a:cxn>
+            </a:cxnLst>
+            <a:rect l="l" t="t" r="r" b="b"/>
+            <a:pathLst>
+              <a:path w="2661920" h="931155">
+                <a:moveTo>
+                  <a:pt x="0" y="634676"/>
+                </a:moveTo>
+                <a:cubicBezTo>
+                  <a:pt x="441960" y="295162"/>
+                  <a:pt x="883920" y="-44351"/>
+                  <a:pt x="1148080" y="4756"/>
+                </a:cubicBezTo>
+                <a:cubicBezTo>
+                  <a:pt x="1412240" y="53863"/>
+                  <a:pt x="1332653" y="890369"/>
+                  <a:pt x="1584960" y="929316"/>
+                </a:cubicBezTo>
+                <a:cubicBezTo>
+                  <a:pt x="1837267" y="968263"/>
+                  <a:pt x="2443480" y="377289"/>
+                  <a:pt x="2661920" y="238436"/>
+                </a:cubicBezTo>
+              </a:path>
+            </a:pathLst>
+          </a:custGeom>
+          <a:noFill/>
+        </p:spPr>
+        <p:style>
+          <a:lnRef idx="2">
+            <a:schemeClr val="accent1">
+              <a:shade val="15000"/>
+            </a:schemeClr>
+          </a:lnRef>
+          <a:fillRef idx="1">
+            <a:schemeClr val="accent1"/>
+          </a:fillRef>
+          <a:effectRef idx="0">
+            <a:schemeClr val="accent1"/>
+          </a:effectRef>
+          <a:fontRef idx="minor">
+            <a:schemeClr val="lt1"/>
+          </a:fontRef>
+        </p:style>
+        <p:txBody>
+          <a:bodyPr rtlCol="0" anchor="ctr"/>
+          <a:lstStyle/>
+          <a:p>
+            <a:pPr algn="ctr"/>
+            <a:endParaRPr lang="en-US"/>
+          </a:p>
+        </p:txBody>
+      </p:sp>
+      <p:sp>
+        <p:nvSpPr>
+          <p:cNvPr id="84" name="Freeform 83">
+            <a:extLst>
+              <a:ext uri="{FF2B5EF4-FFF2-40B4-BE49-F238E27FC236}">
+                <a16:creationId xmlns:a16="http://schemas.microsoft.com/office/drawing/2014/main" id="{00C29268-3760-645A-6A9C-B9435D4A4079}"/>
+              </a:ext>
+            </a:extLst>
+          </p:cNvPr>
+          <p:cNvSpPr/>
+          <p:nvPr/>
+        </p:nvSpPr>
+        <p:spPr>
+          <a:xfrm>
+            <a:off x="4716286" y="528320"/>
+            <a:ext cx="2123198" cy="804877"/>
+          </a:xfrm>
+          <a:custGeom>
+            <a:avLst/>
+            <a:gdLst>
+              <a:gd name="connsiteX0" fmla="*/ 0 w 2661920"/>
+              <a:gd name="connsiteY0" fmla="*/ 634676 h 931155"/>
+              <a:gd name="connsiteX1" fmla="*/ 1148080 w 2661920"/>
+              <a:gd name="connsiteY1" fmla="*/ 4756 h 931155"/>
+              <a:gd name="connsiteX2" fmla="*/ 1584960 w 2661920"/>
+              <a:gd name="connsiteY2" fmla="*/ 929316 h 931155"/>
+              <a:gd name="connsiteX3" fmla="*/ 2661920 w 2661920"/>
+              <a:gd name="connsiteY3" fmla="*/ 238436 h 931155"/>
+            </a:gdLst>
+            <a:ahLst/>
+            <a:cxnLst>
+              <a:cxn ang="0">
+                <a:pos x="connsiteX0" y="connsiteY0"/>
+              </a:cxn>
+              <a:cxn ang="0">
+                <a:pos x="connsiteX1" y="connsiteY1"/>
+              </a:cxn>
+              <a:cxn ang="0">
+                <a:pos x="connsiteX2" y="connsiteY2"/>
+              </a:cxn>
+              <a:cxn ang="0">
+                <a:pos x="connsiteX3" y="connsiteY3"/>
+              </a:cxn>
+            </a:cxnLst>
+            <a:rect l="l" t="t" r="r" b="b"/>
+            <a:pathLst>
+              <a:path w="2661920" h="931155">
+                <a:moveTo>
+                  <a:pt x="0" y="634676"/>
+                </a:moveTo>
+                <a:cubicBezTo>
+                  <a:pt x="441960" y="295162"/>
+                  <a:pt x="883920" y="-44351"/>
+                  <a:pt x="1148080" y="4756"/>
+                </a:cubicBezTo>
+                <a:cubicBezTo>
+                  <a:pt x="1412240" y="53863"/>
+                  <a:pt x="1332653" y="890369"/>
+                  <a:pt x="1584960" y="929316"/>
+                </a:cubicBezTo>
+                <a:cubicBezTo>
+                  <a:pt x="1837267" y="968263"/>
+                  <a:pt x="2443480" y="377289"/>
+                  <a:pt x="2661920" y="238436"/>
+                </a:cubicBezTo>
+              </a:path>
+            </a:pathLst>
+          </a:custGeom>
+          <a:noFill/>
+        </p:spPr>
+        <p:style>
+          <a:lnRef idx="2">
+            <a:schemeClr val="accent1">
+              <a:shade val="15000"/>
+            </a:schemeClr>
+          </a:lnRef>
+          <a:fillRef idx="1">
+            <a:schemeClr val="accent1"/>
+          </a:fillRef>
+          <a:effectRef idx="0">
+            <a:schemeClr val="accent1"/>
+          </a:effectRef>
+          <a:fontRef idx="minor">
+            <a:schemeClr val="lt1"/>
+          </a:fontRef>
+        </p:style>
+        <p:txBody>
+          <a:bodyPr rtlCol="0" anchor="ctr"/>
+          <a:lstStyle/>
+          <a:p>
+            <a:pPr algn="ctr"/>
+            <a:endParaRPr lang="en-US"/>
+          </a:p>
+        </p:txBody>
+      </p:sp>
+      <p:sp>
+        <p:nvSpPr>
+          <p:cNvPr id="85" name="Freeform 84">
+            <a:extLst>
+              <a:ext uri="{FF2B5EF4-FFF2-40B4-BE49-F238E27FC236}">
+                <a16:creationId xmlns:a16="http://schemas.microsoft.com/office/drawing/2014/main" id="{1F5255D8-0E06-32A2-2EDC-FCD1FB4F1A67}"/>
+              </a:ext>
+            </a:extLst>
+          </p:cNvPr>
+          <p:cNvSpPr/>
+          <p:nvPr/>
+        </p:nvSpPr>
+        <p:spPr>
+          <a:xfrm>
+            <a:off x="5177089" y="5664423"/>
+            <a:ext cx="2123198" cy="804877"/>
+          </a:xfrm>
+          <a:custGeom>
+            <a:avLst/>
+            <a:gdLst>
+              <a:gd name="connsiteX0" fmla="*/ 0 w 2661920"/>
+              <a:gd name="connsiteY0" fmla="*/ 634676 h 931155"/>
+              <a:gd name="connsiteX1" fmla="*/ 1148080 w 2661920"/>
+              <a:gd name="connsiteY1" fmla="*/ 4756 h 931155"/>
+              <a:gd name="connsiteX2" fmla="*/ 1584960 w 2661920"/>
+              <a:gd name="connsiteY2" fmla="*/ 929316 h 931155"/>
+              <a:gd name="connsiteX3" fmla="*/ 2661920 w 2661920"/>
+              <a:gd name="connsiteY3" fmla="*/ 238436 h 931155"/>
+            </a:gdLst>
+            <a:ahLst/>
+            <a:cxnLst>
+              <a:cxn ang="0">
+                <a:pos x="connsiteX0" y="connsiteY0"/>
+              </a:cxn>
+              <a:cxn ang="0">
+                <a:pos x="connsiteX1" y="connsiteY1"/>
+              </a:cxn>
+              <a:cxn ang="0">
+                <a:pos x="connsiteX2" y="connsiteY2"/>
+              </a:cxn>
+              <a:cxn ang="0">
+                <a:pos x="connsiteX3" y="connsiteY3"/>
+              </a:cxn>
+            </a:cxnLst>
+            <a:rect l="l" t="t" r="r" b="b"/>
+            <a:pathLst>
+              <a:path w="2661920" h="931155">
+                <a:moveTo>
+                  <a:pt x="0" y="634676"/>
+                </a:moveTo>
+                <a:cubicBezTo>
+                  <a:pt x="441960" y="295162"/>
+                  <a:pt x="883920" y="-44351"/>
+                  <a:pt x="1148080" y="4756"/>
+                </a:cubicBezTo>
+                <a:cubicBezTo>
+                  <a:pt x="1412240" y="53863"/>
+                  <a:pt x="1332653" y="890369"/>
+                  <a:pt x="1584960" y="929316"/>
+                </a:cubicBezTo>
+                <a:cubicBezTo>
+                  <a:pt x="1837267" y="968263"/>
+                  <a:pt x="2443480" y="377289"/>
+                  <a:pt x="2661920" y="238436"/>
+                </a:cubicBezTo>
+              </a:path>
+            </a:pathLst>
+          </a:custGeom>
+          <a:noFill/>
+        </p:spPr>
+        <p:style>
+          <a:lnRef idx="2">
+            <a:schemeClr val="accent1">
+              <a:shade val="15000"/>
+            </a:schemeClr>
+          </a:lnRef>
+          <a:fillRef idx="1">
+            <a:schemeClr val="accent1"/>
+          </a:fillRef>
+          <a:effectRef idx="0">
+            <a:schemeClr val="accent1"/>
+          </a:effectRef>
+          <a:fontRef idx="minor">
+            <a:schemeClr val="lt1"/>
+          </a:fontRef>
+        </p:style>
+        <p:txBody>
+          <a:bodyPr rtlCol="0" anchor="ctr"/>
+          <a:lstStyle/>
+          <a:p>
+            <a:pPr algn="ctr"/>
+            <a:endParaRPr lang="en-US"/>
+          </a:p>
+        </p:txBody>
+      </p:sp>
+      <p:sp>
+        <p:nvSpPr>
+          <p:cNvPr id="86" name="Freeform 85">
+            <a:extLst>
+              <a:ext uri="{FF2B5EF4-FFF2-40B4-BE49-F238E27FC236}">
+                <a16:creationId xmlns:a16="http://schemas.microsoft.com/office/drawing/2014/main" id="{48131D58-1711-EE3D-4D41-F929417BCF29}"/>
+              </a:ext>
+            </a:extLst>
+          </p:cNvPr>
+          <p:cNvSpPr/>
+          <p:nvPr/>
+        </p:nvSpPr>
+        <p:spPr>
+          <a:xfrm>
+            <a:off x="1167772" y="3495312"/>
+            <a:ext cx="2661920" cy="931155"/>
+          </a:xfrm>
+          <a:custGeom>
+            <a:avLst/>
+            <a:gdLst>
+              <a:gd name="connsiteX0" fmla="*/ 0 w 2661920"/>
+              <a:gd name="connsiteY0" fmla="*/ 634676 h 931155"/>
+              <a:gd name="connsiteX1" fmla="*/ 1148080 w 2661920"/>
+              <a:gd name="connsiteY1" fmla="*/ 4756 h 931155"/>
+              <a:gd name="connsiteX2" fmla="*/ 1584960 w 2661920"/>
+              <a:gd name="connsiteY2" fmla="*/ 929316 h 931155"/>
+              <a:gd name="connsiteX3" fmla="*/ 2661920 w 2661920"/>
+              <a:gd name="connsiteY3" fmla="*/ 238436 h 931155"/>
+            </a:gdLst>
+            <a:ahLst/>
+            <a:cxnLst>
+              <a:cxn ang="0">
+                <a:pos x="connsiteX0" y="connsiteY0"/>
+              </a:cxn>
+              <a:cxn ang="0">
+                <a:pos x="connsiteX1" y="connsiteY1"/>
+              </a:cxn>
+              <a:cxn ang="0">
+                <a:pos x="connsiteX2" y="connsiteY2"/>
+              </a:cxn>
+              <a:cxn ang="0">
+                <a:pos x="connsiteX3" y="connsiteY3"/>
+              </a:cxn>
+            </a:cxnLst>
+            <a:rect l="l" t="t" r="r" b="b"/>
+            <a:pathLst>
+              <a:path w="2661920" h="931155">
+                <a:moveTo>
+                  <a:pt x="0" y="634676"/>
+                </a:moveTo>
+                <a:cubicBezTo>
+                  <a:pt x="441960" y="295162"/>
+                  <a:pt x="883920" y="-44351"/>
+                  <a:pt x="1148080" y="4756"/>
+                </a:cubicBezTo>
+                <a:cubicBezTo>
+                  <a:pt x="1412240" y="53863"/>
+                  <a:pt x="1332653" y="890369"/>
+                  <a:pt x="1584960" y="929316"/>
+                </a:cubicBezTo>
+                <a:cubicBezTo>
+                  <a:pt x="1837267" y="968263"/>
+                  <a:pt x="2443480" y="377289"/>
+                  <a:pt x="2661920" y="238436"/>
+                </a:cubicBezTo>
+              </a:path>
+            </a:pathLst>
+          </a:custGeom>
+          <a:noFill/>
+        </p:spPr>
+        <p:style>
+          <a:lnRef idx="2">
+            <a:schemeClr val="accent1">
+              <a:shade val="15000"/>
+            </a:schemeClr>
+          </a:lnRef>
+          <a:fillRef idx="1">
+            <a:schemeClr val="accent1"/>
+          </a:fillRef>
+          <a:effectRef idx="0">
+            <a:schemeClr val="accent1"/>
+          </a:effectRef>
+          <a:fontRef idx="minor">
+            <a:schemeClr val="lt1"/>
+          </a:fontRef>
+        </p:style>
+        <p:txBody>
+          <a:bodyPr rtlCol="0" anchor="ctr"/>
+          <a:lstStyle/>
+          <a:p>
+            <a:pPr algn="ctr"/>
+            <a:endParaRPr lang="en-US"/>
+          </a:p>
+        </p:txBody>
+      </p:sp>
+      <p:sp>
+        <p:nvSpPr>
+          <p:cNvPr id="89" name="TextBox 88">
+            <a:extLst>
+              <a:ext uri="{FF2B5EF4-FFF2-40B4-BE49-F238E27FC236}">
+                <a16:creationId xmlns:a16="http://schemas.microsoft.com/office/drawing/2014/main" id="{04A9549D-220E-5689-C74B-15854C63CF08}"/>
+              </a:ext>
+            </a:extLst>
+          </p:cNvPr>
+          <p:cNvSpPr txBox="1"/>
+          <p:nvPr/>
+        </p:nvSpPr>
+        <p:spPr>
+          <a:xfrm>
+            <a:off x="4988560" y="2854960"/>
+            <a:ext cx="1984326" cy="369332"/>
+          </a:xfrm>
+          <a:prstGeom prst="rect">
+            <a:avLst/>
+          </a:prstGeom>
+          <a:noFill/>
+        </p:spPr>
+        <p:txBody>
+          <a:bodyPr wrap="none" rtlCol="0">
+            <a:spAutoFit/>
+          </a:bodyPr>
+          <a:lstStyle/>
+          <a:p>
+            <a:r>
+              <a:rPr lang="en-US" dirty="0"/>
+              <a:t>Iris, </a:t>
+            </a:r>
+            <a:r>
+              <a:rPr lang="en-US" dirty="0" err="1"/>
+              <a:t>CaReSL</a:t>
+            </a:r>
+            <a:r>
+              <a:rPr lang="en-US" dirty="0"/>
+              <a:t>, </a:t>
+            </a:r>
+            <a:r>
+              <a:rPr lang="en-US" dirty="0" err="1"/>
+              <a:t>iCap</a:t>
+            </a:r>
+            <a:r>
+              <a:rPr lang="en-US" dirty="0"/>
+              <a:t> ? </a:t>
+            </a:r>
+          </a:p>
+        </p:txBody>
+      </p:sp>
+      <p:sp>
+        <p:nvSpPr>
+          <p:cNvPr id="90" name="TextBox 89">
+            <a:extLst>
+              <a:ext uri="{FF2B5EF4-FFF2-40B4-BE49-F238E27FC236}">
+                <a16:creationId xmlns:a16="http://schemas.microsoft.com/office/drawing/2014/main" id="{E4F25F36-1A47-9151-66C8-0B589F7C7951}"/>
+              </a:ext>
+            </a:extLst>
+          </p:cNvPr>
+          <p:cNvSpPr txBox="1"/>
+          <p:nvPr/>
+        </p:nvSpPr>
+        <p:spPr>
+          <a:xfrm>
+            <a:off x="5017969" y="3299159"/>
+            <a:ext cx="775725" cy="369332"/>
+          </a:xfrm>
+          <a:prstGeom prst="rect">
+            <a:avLst/>
+          </a:prstGeom>
+          <a:noFill/>
+        </p:spPr>
+        <p:txBody>
+          <a:bodyPr wrap="none" rtlCol="0">
+            <a:spAutoFit/>
+          </a:bodyPr>
+          <a:lstStyle/>
+          <a:p>
+            <a:r>
+              <a:rPr lang="en-US" dirty="0"/>
+              <a:t>FCSL ?</a:t>
             </a:r>
           </a:p>
         </p:txBody>
@@ -36134,6 +36882,366 @@
                       </p:childTnLst>
                     </p:cTn>
                   </p:par>
+                  <p:par>
+                    <p:cTn id="115" fill="hold">
+                      <p:stCondLst>
+                        <p:cond delay="indefinite"/>
+                      </p:stCondLst>
+                      <p:childTnLst>
+                        <p:par>
+                          <p:cTn id="116" fill="hold">
+                            <p:stCondLst>
+                              <p:cond delay="0"/>
+                            </p:stCondLst>
+                            <p:childTnLst>
+                              <p:par>
+                                <p:cTn id="117" presetID="1" presetClass="entr" presetSubtype="0" fill="hold" grpId="0" nodeType="clickEffect">
+                                  <p:stCondLst>
+                                    <p:cond delay="0"/>
+                                  </p:stCondLst>
+                                  <p:childTnLst>
+                                    <p:set>
+                                      <p:cBhvr>
+                                        <p:cTn id="118" dur="1" fill="hold">
+                                          <p:stCondLst>
+                                            <p:cond delay="0"/>
+                                          </p:stCondLst>
+                                        </p:cTn>
+                                        <p:tgtEl>
+                                          <p:spTgt spid="84"/>
+                                        </p:tgtEl>
+                                        <p:attrNameLst>
+                                          <p:attrName>style.visibility</p:attrName>
+                                        </p:attrNameLst>
+                                      </p:cBhvr>
+                                      <p:to>
+                                        <p:strVal val="visible"/>
+                                      </p:to>
+                                    </p:set>
+                                  </p:childTnLst>
+                                </p:cTn>
+                              </p:par>
+                            </p:childTnLst>
+                          </p:cTn>
+                        </p:par>
+                      </p:childTnLst>
+                    </p:cTn>
+                  </p:par>
+                  <p:par>
+                    <p:cTn id="119" fill="hold">
+                      <p:stCondLst>
+                        <p:cond delay="indefinite"/>
+                      </p:stCondLst>
+                      <p:childTnLst>
+                        <p:par>
+                          <p:cTn id="120" fill="hold">
+                            <p:stCondLst>
+                              <p:cond delay="0"/>
+                            </p:stCondLst>
+                            <p:childTnLst>
+                              <p:par>
+                                <p:cTn id="121" presetID="1" presetClass="entr" presetSubtype="0" fill="hold" grpId="0" nodeType="clickEffect">
+                                  <p:stCondLst>
+                                    <p:cond delay="0"/>
+                                  </p:stCondLst>
+                                  <p:childTnLst>
+                                    <p:set>
+                                      <p:cBhvr>
+                                        <p:cTn id="122" dur="1" fill="hold">
+                                          <p:stCondLst>
+                                            <p:cond delay="0"/>
+                                          </p:stCondLst>
+                                        </p:cTn>
+                                        <p:tgtEl>
+                                          <p:spTgt spid="86"/>
+                                        </p:tgtEl>
+                                        <p:attrNameLst>
+                                          <p:attrName>style.visibility</p:attrName>
+                                        </p:attrNameLst>
+                                      </p:cBhvr>
+                                      <p:to>
+                                        <p:strVal val="visible"/>
+                                      </p:to>
+                                    </p:set>
+                                  </p:childTnLst>
+                                </p:cTn>
+                              </p:par>
+                            </p:childTnLst>
+                          </p:cTn>
+                        </p:par>
+                      </p:childTnLst>
+                    </p:cTn>
+                  </p:par>
+                  <p:par>
+                    <p:cTn id="123" fill="hold">
+                      <p:stCondLst>
+                        <p:cond delay="indefinite"/>
+                      </p:stCondLst>
+                      <p:childTnLst>
+                        <p:par>
+                          <p:cTn id="124" fill="hold">
+                            <p:stCondLst>
+                              <p:cond delay="0"/>
+                            </p:stCondLst>
+                            <p:childTnLst>
+                              <p:par>
+                                <p:cTn id="125" presetID="1" presetClass="entr" presetSubtype="0" fill="hold" grpId="0" nodeType="clickEffect">
+                                  <p:stCondLst>
+                                    <p:cond delay="0"/>
+                                  </p:stCondLst>
+                                  <p:childTnLst>
+                                    <p:set>
+                                      <p:cBhvr>
+                                        <p:cTn id="126" dur="1" fill="hold">
+                                          <p:stCondLst>
+                                            <p:cond delay="0"/>
+                                          </p:stCondLst>
+                                        </p:cTn>
+                                        <p:tgtEl>
+                                          <p:spTgt spid="82"/>
+                                        </p:tgtEl>
+                                        <p:attrNameLst>
+                                          <p:attrName>style.visibility</p:attrName>
+                                        </p:attrNameLst>
+                                      </p:cBhvr>
+                                      <p:to>
+                                        <p:strVal val="visible"/>
+                                      </p:to>
+                                    </p:set>
+                                  </p:childTnLst>
+                                </p:cTn>
+                              </p:par>
+                            </p:childTnLst>
+                          </p:cTn>
+                        </p:par>
+                      </p:childTnLst>
+                    </p:cTn>
+                  </p:par>
+                  <p:par>
+                    <p:cTn id="127" fill="hold">
+                      <p:stCondLst>
+                        <p:cond delay="indefinite"/>
+                      </p:stCondLst>
+                      <p:childTnLst>
+                        <p:par>
+                          <p:cTn id="128" fill="hold">
+                            <p:stCondLst>
+                              <p:cond delay="0"/>
+                            </p:stCondLst>
+                            <p:childTnLst>
+                              <p:par>
+                                <p:cTn id="129" presetID="1" presetClass="entr" presetSubtype="0" fill="hold" grpId="0" nodeType="clickEffect">
+                                  <p:stCondLst>
+                                    <p:cond delay="0"/>
+                                  </p:stCondLst>
+                                  <p:childTnLst>
+                                    <p:set>
+                                      <p:cBhvr>
+                                        <p:cTn id="130" dur="1" fill="hold">
+                                          <p:stCondLst>
+                                            <p:cond delay="0"/>
+                                          </p:stCondLst>
+                                        </p:cTn>
+                                        <p:tgtEl>
+                                          <p:spTgt spid="85"/>
+                                        </p:tgtEl>
+                                        <p:attrNameLst>
+                                          <p:attrName>style.visibility</p:attrName>
+                                        </p:attrNameLst>
+                                      </p:cBhvr>
+                                      <p:to>
+                                        <p:strVal val="visible"/>
+                                      </p:to>
+                                    </p:set>
+                                  </p:childTnLst>
+                                </p:cTn>
+                              </p:par>
+                            </p:childTnLst>
+                          </p:cTn>
+                        </p:par>
+                      </p:childTnLst>
+                    </p:cTn>
+                  </p:par>
+                  <p:par>
+                    <p:cTn id="131" fill="hold">
+                      <p:stCondLst>
+                        <p:cond delay="indefinite"/>
+                      </p:stCondLst>
+                      <p:childTnLst>
+                        <p:par>
+                          <p:cTn id="132" fill="hold">
+                            <p:stCondLst>
+                              <p:cond delay="0"/>
+                            </p:stCondLst>
+                            <p:childTnLst>
+                              <p:par>
+                                <p:cTn id="133" presetID="1" presetClass="entr" presetSubtype="0" fill="hold" nodeType="clickEffect">
+                                  <p:stCondLst>
+                                    <p:cond delay="0"/>
+                                  </p:stCondLst>
+                                  <p:childTnLst>
+                                    <p:set>
+                                      <p:cBhvr>
+                                        <p:cTn id="134" dur="1" fill="hold">
+                                          <p:stCondLst>
+                                            <p:cond delay="0"/>
+                                          </p:stCondLst>
+                                        </p:cTn>
+                                        <p:tgtEl>
+                                          <p:spTgt spid="39"/>
+                                        </p:tgtEl>
+                                        <p:attrNameLst>
+                                          <p:attrName>style.visibility</p:attrName>
+                                        </p:attrNameLst>
+                                      </p:cBhvr>
+                                      <p:to>
+                                        <p:strVal val="visible"/>
+                                      </p:to>
+                                    </p:set>
+                                  </p:childTnLst>
+                                </p:cTn>
+                              </p:par>
+                            </p:childTnLst>
+                          </p:cTn>
+                        </p:par>
+                      </p:childTnLst>
+                    </p:cTn>
+                  </p:par>
+                  <p:par>
+                    <p:cTn id="135" fill="hold">
+                      <p:stCondLst>
+                        <p:cond delay="indefinite"/>
+                      </p:stCondLst>
+                      <p:childTnLst>
+                        <p:par>
+                          <p:cTn id="136" fill="hold">
+                            <p:stCondLst>
+                              <p:cond delay="0"/>
+                            </p:stCondLst>
+                            <p:childTnLst>
+                              <p:par>
+                                <p:cTn id="137" presetID="1" presetClass="entr" presetSubtype="0" fill="hold" nodeType="clickEffect">
+                                  <p:stCondLst>
+                                    <p:cond delay="0"/>
+                                  </p:stCondLst>
+                                  <p:childTnLst>
+                                    <p:set>
+                                      <p:cBhvr>
+                                        <p:cTn id="138" dur="1" fill="hold">
+                                          <p:stCondLst>
+                                            <p:cond delay="0"/>
+                                          </p:stCondLst>
+                                        </p:cTn>
+                                        <p:tgtEl>
+                                          <p:spTgt spid="35"/>
+                                        </p:tgtEl>
+                                        <p:attrNameLst>
+                                          <p:attrName>style.visibility</p:attrName>
+                                        </p:attrNameLst>
+                                      </p:cBhvr>
+                                      <p:to>
+                                        <p:strVal val="visible"/>
+                                      </p:to>
+                                    </p:set>
+                                  </p:childTnLst>
+                                </p:cTn>
+                              </p:par>
+                            </p:childTnLst>
+                          </p:cTn>
+                        </p:par>
+                      </p:childTnLst>
+                    </p:cTn>
+                  </p:par>
+                  <p:par>
+                    <p:cTn id="139" fill="hold">
+                      <p:stCondLst>
+                        <p:cond delay="indefinite"/>
+                      </p:stCondLst>
+                      <p:childTnLst>
+                        <p:par>
+                          <p:cTn id="140" fill="hold">
+                            <p:stCondLst>
+                              <p:cond delay="0"/>
+                            </p:stCondLst>
+                            <p:childTnLst>
+                              <p:par>
+                                <p:cTn id="141" presetID="1" presetClass="entr" presetSubtype="0" fill="hold" grpId="0" nodeType="clickEffect">
+                                  <p:stCondLst>
+                                    <p:cond delay="0"/>
+                                  </p:stCondLst>
+                                  <p:childTnLst>
+                                    <p:set>
+                                      <p:cBhvr>
+                                        <p:cTn id="142" dur="1" fill="hold">
+                                          <p:stCondLst>
+                                            <p:cond delay="0"/>
+                                          </p:stCondLst>
+                                        </p:cTn>
+                                        <p:tgtEl>
+                                          <p:spTgt spid="89"/>
+                                        </p:tgtEl>
+                                        <p:attrNameLst>
+                                          <p:attrName>style.visibility</p:attrName>
+                                        </p:attrNameLst>
+                                      </p:cBhvr>
+                                      <p:to>
+                                        <p:strVal val="visible"/>
+                                      </p:to>
+                                    </p:set>
+                                  </p:childTnLst>
+                                </p:cTn>
+                              </p:par>
+                            </p:childTnLst>
+                          </p:cTn>
+                        </p:par>
+                      </p:childTnLst>
+                    </p:cTn>
+                  </p:par>
+                  <p:par>
+                    <p:cTn id="143" fill="hold">
+                      <p:stCondLst>
+                        <p:cond delay="indefinite"/>
+                      </p:stCondLst>
+                      <p:childTnLst>
+                        <p:par>
+                          <p:cTn id="144" fill="hold">
+                            <p:stCondLst>
+                              <p:cond delay="0"/>
+                            </p:stCondLst>
+                            <p:childTnLst>
+                              <p:par>
+                                <p:cTn id="145" presetID="1" presetClass="entr" presetSubtype="0" fill="hold" grpId="0" nodeType="clickEffect">
+                                  <p:stCondLst>
+                                    <p:cond delay="0"/>
+                                  </p:stCondLst>
+                                  <p:childTnLst>
+                                    <p:set>
+                                      <p:cBhvr>
+                                        <p:cTn id="146" dur="1" fill="hold">
+                                          <p:stCondLst>
+                                            <p:cond delay="0"/>
+                                          </p:stCondLst>
+                                        </p:cTn>
+                                        <p:tgtEl>
+                                          <p:spTgt spid="90"/>
+                                        </p:tgtEl>
+                                        <p:attrNameLst>
+                                          <p:attrName>style.visibility</p:attrName>
+                                        </p:attrNameLst>
+                                      </p:cBhvr>
+                                      <p:to>
+                                        <p:strVal val="visible"/>
+                                      </p:to>
+                                    </p:set>
+                                  </p:childTnLst>
+                                </p:cTn>
+                              </p:par>
+                            </p:childTnLst>
+                          </p:cTn>
+                        </p:par>
+                      </p:childTnLst>
+                    </p:cTn>
+                  </p:par>
                 </p:childTnLst>
               </p:cTn>
               <p:prevCondLst>
@@ -36184,126 +37292,14 @@
       <p:bldP spid="29" grpId="0"/>
       <p:bldP spid="30" grpId="0"/>
       <p:bldP spid="31" grpId="0"/>
+      <p:bldP spid="82" grpId="0" animBg="1"/>
+      <p:bldP spid="84" grpId="0" animBg="1"/>
+      <p:bldP spid="85" grpId="0" animBg="1"/>
+      <p:bldP spid="86" grpId="0" animBg="1"/>
+      <p:bldP spid="89" grpId="0"/>
+      <p:bldP spid="90" grpId="0"/>
     </p:bldLst>
   </p:timing>
-</p:sld>
-</file>
-
-<file path=ppt/slides/slide36.xml><?xml version="1.0" encoding="utf-8"?>
-<p:sld xmlns:a="http://schemas.openxmlformats.org/drawingml/2006/main" xmlns:r="http://schemas.openxmlformats.org/officeDocument/2006/relationships" xmlns:p="http://schemas.openxmlformats.org/presentationml/2006/main">
-  <p:cSld>
-    <p:spTree>
-      <p:nvGrpSpPr>
-        <p:cNvPr id="1" name=""/>
-        <p:cNvGrpSpPr/>
-        <p:nvPr/>
-      </p:nvGrpSpPr>
-      <p:grpSpPr>
-        <a:xfrm>
-          <a:off x="0" y="0"/>
-          <a:ext cx="0" cy="0"/>
-          <a:chOff x="0" y="0"/>
-          <a:chExt cx="0" cy="0"/>
-        </a:xfrm>
-      </p:grpSpPr>
-      <p:sp>
-        <p:nvSpPr>
-          <p:cNvPr id="3" name="Content Placeholder 2">
-            <a:extLst>
-              <a:ext uri="{FF2B5EF4-FFF2-40B4-BE49-F238E27FC236}">
-                <a16:creationId xmlns:a16="http://schemas.microsoft.com/office/drawing/2014/main" id="{BFF2B646-AA21-3492-C127-C5076839C905}"/>
-              </a:ext>
-            </a:extLst>
-          </p:cNvPr>
-          <p:cNvSpPr>
-            <a:spLocks noGrp="1"/>
-          </p:cNvSpPr>
-          <p:nvPr>
-            <p:ph idx="1"/>
-          </p:nvPr>
-        </p:nvSpPr>
-        <p:spPr>
-          <a:xfrm>
-            <a:off x="76201" y="1825625"/>
-            <a:ext cx="12049124" cy="4351338"/>
-          </a:xfrm>
-        </p:spPr>
-        <p:txBody>
-          <a:bodyPr/>
-          <a:lstStyle/>
-          <a:p>
-            <a:pPr marL="0" indent="0">
-              <a:buNone/>
-            </a:pPr>
-            <a:endParaRPr lang="en-US" dirty="0"/>
-          </a:p>
-          <a:p>
-            <a:pPr marL="0" indent="0">
-              <a:buNone/>
-            </a:pPr>
-            <a:r>
-              <a:rPr lang="en-US" dirty="0"/>
-              <a:t>                	      		                </a:t>
-            </a:r>
-            <a:r>
-              <a:rPr lang="en-US" sz="4800" dirty="0"/>
-              <a:t>LOGIC</a:t>
-            </a:r>
-          </a:p>
-          <a:p>
-            <a:pPr marL="0" indent="0">
-              <a:buNone/>
-            </a:pPr>
-            <a:r>
-              <a:rPr lang="en-US" sz="3200" dirty="0"/>
-              <a:t>	</a:t>
-            </a:r>
-          </a:p>
-          <a:p>
-            <a:pPr marL="0" indent="0">
-              <a:buNone/>
-            </a:pPr>
-            <a:r>
-              <a:rPr lang="en-US" sz="3200" dirty="0"/>
-              <a:t>	(Exploiting </a:t>
-            </a:r>
-            <a:r>
-              <a:rPr lang="en-US" sz="3200" dirty="0" err="1"/>
-              <a:t>Kripke</a:t>
-            </a:r>
-            <a:r>
-              <a:rPr lang="en-US" sz="3200" dirty="0"/>
-              <a:t> Models, Generated </a:t>
-            </a:r>
-            <a:r>
-              <a:rPr lang="en-US" sz="3200" dirty="0" err="1"/>
-              <a:t>SubModels</a:t>
-            </a:r>
-            <a:r>
-              <a:rPr lang="en-US" sz="3200" dirty="0"/>
-              <a:t> &amp;</a:t>
-            </a:r>
-            <a:r>
-              <a:rPr lang="en-US" sz="3200" dirty="0" err="1"/>
-              <a:t>Bisimulation</a:t>
-            </a:r>
-            <a:r>
-              <a:rPr lang="en-US" sz="3200" dirty="0"/>
-              <a:t>)</a:t>
-            </a:r>
-          </a:p>
-        </p:txBody>
-      </p:sp>
-    </p:spTree>
-    <p:extLst>
-      <p:ext uri="{BB962C8B-B14F-4D97-AF65-F5344CB8AC3E}">
-        <p14:creationId xmlns:p14="http://schemas.microsoft.com/office/powerpoint/2010/main" val="3285897361"/>
-      </p:ext>
-    </p:extLst>
-  </p:cSld>
-  <p:clrMapOvr>
-    <a:masterClrMapping/>
-  </p:clrMapOvr>
 </p:sld>
 </file>
 
@@ -36398,6 +37394,27 @@
             </a:r>
           </a:p>
           <a:p>
+            <a:pPr lvl="2"/>
+            <a:r>
+              <a:rPr lang="en-US" dirty="0"/>
+              <a:t>Tolerance</a:t>
+            </a:r>
+          </a:p>
+          <a:p>
+            <a:pPr lvl="2"/>
+            <a:r>
+              <a:rPr lang="en-US" dirty="0"/>
+              <a:t>Conformance</a:t>
+            </a:r>
+          </a:p>
+          <a:p>
+            <a:pPr lvl="2"/>
+            <a:r>
+              <a:rPr lang="en-US" dirty="0"/>
+              <a:t>Similarity</a:t>
+            </a:r>
+          </a:p>
+          <a:p>
             <a:pPr lvl="1"/>
             <a:r>
               <a:rPr lang="en-US" dirty="0"/>
@@ -36405,7 +37422,7 @@
             </a:r>
             <a:r>
               <a:rPr lang="en-US" b="1" dirty="0" err="1"/>
-              <a:t>IslandUpdate</a:t>
+              <a:t>IslandUpdateInvariance</a:t>
             </a:r>
             <a:r>
               <a:rPr lang="en-US" b="1" dirty="0"/>
@@ -36416,23 +37433,32 @@
             <a:pPr lvl="2"/>
             <a:r>
               <a:rPr lang="en-US" dirty="0"/>
-              <a:t>Proof rules </a:t>
+              <a:t>Proof rules</a:t>
+            </a:r>
+          </a:p>
+          <a:p>
+            <a:pPr lvl="3"/>
+            <a:r>
+              <a:rPr lang="en-US" dirty="0"/>
+              <a:t>Rule </a:t>
             </a:r>
             <a:r>
               <a:rPr lang="en-US" dirty="0" err="1"/>
-              <a:t>bisimilar</a:t>
-            </a:r>
+              <a:t>Bisim</a:t>
+            </a:r>
+            <a:endParaRPr lang="en-US" dirty="0"/>
+          </a:p>
+          <a:p>
+            <a:pPr lvl="3"/>
             <a:r>
               <a:rPr lang="en-US" dirty="0"/>
-              <a:t> protocols</a:t>
-            </a:r>
-          </a:p>
-          <a:p>
-            <a:pPr lvl="2"/>
-            <a:r>
-              <a:rPr lang="en-US" dirty="0"/>
-              <a:t>Proof rules for generated smaller protocols</a:t>
-            </a:r>
+              <a:t>Rule </a:t>
+            </a:r>
+            <a:r>
+              <a:rPr lang="en-US" dirty="0" err="1"/>
+              <a:t>Submodel</a:t>
+            </a:r>
+            <a:endParaRPr lang="en-US" dirty="0"/>
           </a:p>
           <a:p>
             <a:pPr lvl="2"/>
@@ -36493,13 +37519,8 @@
           <a:p>
             <a:r>
               <a:rPr lang="en-US" dirty="0"/>
-              <a:t>RG-STS: The Law of RG-</a:t>
-            </a:r>
-            <a:r>
-              <a:rPr lang="en-US" dirty="0" err="1"/>
-              <a:t>Bisimulation</a:t>
-            </a:r>
-            <a:endParaRPr lang="en-US" dirty="0"/>
+              <a:t>RG-STS: The Law of Similarity</a:t>
+            </a:r>
           </a:p>
         </p:txBody>
       </p:sp>
@@ -36524,10 +37545,80 @@
           <a:bodyPr/>
           <a:lstStyle/>
           <a:p>
-            <a:endParaRPr lang="en-US"/>
+            <a:r>
+              <a:rPr lang="en-US" dirty="0" err="1"/>
+              <a:t>Bisim</a:t>
+            </a:r>
+            <a:r>
+              <a:rPr lang="en-US" dirty="0"/>
+              <a:t> as an instance of our morphism definition</a:t>
+            </a:r>
+          </a:p>
+          <a:p>
+            <a:endParaRPr lang="en-US" dirty="0"/>
           </a:p>
         </p:txBody>
       </p:sp>
+      <p:pic>
+        <p:nvPicPr>
+          <p:cNvPr id="5" name="Picture 4" descr="A black symbol on a white background&#10;&#10;Description automatically generated">
+            <a:extLst>
+              <a:ext uri="{FF2B5EF4-FFF2-40B4-BE49-F238E27FC236}">
+                <a16:creationId xmlns:a16="http://schemas.microsoft.com/office/drawing/2014/main" id="{9BD456DE-87EC-264F-CD42-E877935EFB8A}"/>
+              </a:ext>
+            </a:extLst>
+          </p:cNvPr>
+          <p:cNvPicPr>
+            <a:picLocks noChangeAspect="1"/>
+          </p:cNvPicPr>
+          <p:nvPr/>
+        </p:nvPicPr>
+        <p:blipFill>
+          <a:blip r:embed="rId2"/>
+          <a:stretch>
+            <a:fillRect/>
+          </a:stretch>
+        </p:blipFill>
+        <p:spPr>
+          <a:xfrm>
+            <a:off x="8150860" y="1912620"/>
+            <a:ext cx="2311400" cy="330200"/>
+          </a:xfrm>
+          <a:prstGeom prst="rect">
+            <a:avLst/>
+          </a:prstGeom>
+        </p:spPr>
+      </p:pic>
+      <p:pic>
+        <p:nvPicPr>
+          <p:cNvPr id="7" name="Picture 6" descr="A black text on a white background&#10;&#10;Description automatically generated">
+            <a:extLst>
+              <a:ext uri="{FF2B5EF4-FFF2-40B4-BE49-F238E27FC236}">
+                <a16:creationId xmlns:a16="http://schemas.microsoft.com/office/drawing/2014/main" id="{BC31C2B5-766C-E17B-F54F-2C2D720CF3CC}"/>
+              </a:ext>
+            </a:extLst>
+          </p:cNvPr>
+          <p:cNvPicPr>
+            <a:picLocks noChangeAspect="1"/>
+          </p:cNvPicPr>
+          <p:nvPr/>
+        </p:nvPicPr>
+        <p:blipFill>
+          <a:blip r:embed="rId3"/>
+          <a:stretch>
+            <a:fillRect/>
+          </a:stretch>
+        </p:blipFill>
+        <p:spPr>
+          <a:xfrm>
+            <a:off x="1459230" y="5110602"/>
+            <a:ext cx="7772400" cy="1201298"/>
+          </a:xfrm>
+          <a:prstGeom prst="rect">
+            <a:avLst/>
+          </a:prstGeom>
+        </p:spPr>
+      </p:pic>
     </p:spTree>
     <p:extLst>
       <p:ext uri="{BB962C8B-B14F-4D97-AF65-F5344CB8AC3E}">
@@ -36538,6 +37629,112 @@
   <p:clrMapOvr>
     <a:masterClrMapping/>
   </p:clrMapOvr>
+  <p:timing>
+    <p:tnLst>
+      <p:par>
+        <p:cTn id="1" dur="indefinite" restart="never" nodeType="tmRoot">
+          <p:childTnLst>
+            <p:seq concurrent="1" nextAc="seek">
+              <p:cTn id="2" dur="indefinite" nodeType="mainSeq">
+                <p:childTnLst>
+                  <p:par>
+                    <p:cTn id="3" fill="hold">
+                      <p:stCondLst>
+                        <p:cond delay="indefinite"/>
+                      </p:stCondLst>
+                      <p:childTnLst>
+                        <p:par>
+                          <p:cTn id="4" fill="hold">
+                            <p:stCondLst>
+                              <p:cond delay="0"/>
+                            </p:stCondLst>
+                            <p:childTnLst>
+                              <p:par>
+                                <p:cTn id="5" presetID="1" presetClass="entr" presetSubtype="0" fill="hold" nodeType="clickEffect">
+                                  <p:stCondLst>
+                                    <p:cond delay="0"/>
+                                  </p:stCondLst>
+                                  <p:childTnLst>
+                                    <p:set>
+                                      <p:cBhvr>
+                                        <p:cTn id="6" dur="1" fill="hold">
+                                          <p:stCondLst>
+                                            <p:cond delay="0"/>
+                                          </p:stCondLst>
+                                        </p:cTn>
+                                        <p:tgtEl>
+                                          <p:spTgt spid="3">
+                                            <p:txEl>
+                                              <p:pRg st="0" end="0"/>
+                                            </p:txEl>
+                                          </p:spTgt>
+                                        </p:tgtEl>
+                                        <p:attrNameLst>
+                                          <p:attrName>style.visibility</p:attrName>
+                                        </p:attrNameLst>
+                                      </p:cBhvr>
+                                      <p:to>
+                                        <p:strVal val="visible"/>
+                                      </p:to>
+                                    </p:set>
+                                  </p:childTnLst>
+                                </p:cTn>
+                              </p:par>
+                              <p:par>
+                                <p:cTn id="7" presetID="1" presetClass="entr" presetSubtype="0" fill="hold" nodeType="withEffect">
+                                  <p:stCondLst>
+                                    <p:cond delay="0"/>
+                                  </p:stCondLst>
+                                  <p:childTnLst>
+                                    <p:set>
+                                      <p:cBhvr>
+                                        <p:cTn id="8" dur="1" fill="hold">
+                                          <p:stCondLst>
+                                            <p:cond delay="0"/>
+                                          </p:stCondLst>
+                                        </p:cTn>
+                                        <p:tgtEl>
+                                          <p:spTgt spid="5"/>
+                                        </p:tgtEl>
+                                        <p:attrNameLst>
+                                          <p:attrName>style.visibility</p:attrName>
+                                        </p:attrNameLst>
+                                      </p:cBhvr>
+                                      <p:to>
+                                        <p:strVal val="visible"/>
+                                      </p:to>
+                                    </p:set>
+                                  </p:childTnLst>
+                                </p:cTn>
+                              </p:par>
+                            </p:childTnLst>
+                          </p:cTn>
+                        </p:par>
+                      </p:childTnLst>
+                    </p:cTn>
+                  </p:par>
+                </p:childTnLst>
+              </p:cTn>
+              <p:prevCondLst>
+                <p:cond evt="onPrev" delay="0">
+                  <p:tgtEl>
+                    <p:sldTgt/>
+                  </p:tgtEl>
+                </p:cond>
+              </p:prevCondLst>
+              <p:nextCondLst>
+                <p:cond evt="onNext" delay="0">
+                  <p:tgtEl>
+                    <p:sldTgt/>
+                  </p:tgtEl>
+                </p:cond>
+              </p:nextCondLst>
+            </p:seq>
+          </p:childTnLst>
+        </p:cTn>
+      </p:par>
+    </p:tnLst>
+  </p:timing>
 </p:sld>
 </file>
 
@@ -36586,31 +37783,35 @@
           </a:p>
         </p:txBody>
       </p:sp>
-      <p:sp>
-        <p:nvSpPr>
-          <p:cNvPr id="3" name="Content Placeholder 2">
-            <a:extLst>
-              <a:ext uri="{FF2B5EF4-FFF2-40B4-BE49-F238E27FC236}">
-                <a16:creationId xmlns:a16="http://schemas.microsoft.com/office/drawing/2014/main" id="{45C3D680-0694-DF04-F869-4B0A87058B97}"/>
-              </a:ext>
-            </a:extLst>
-          </p:cNvPr>
-          <p:cNvSpPr>
-            <a:spLocks noGrp="1"/>
-          </p:cNvSpPr>
+      <p:pic>
+        <p:nvPicPr>
+          <p:cNvPr id="5" name="Content Placeholder 4" descr="A math equations and formulas&#10;&#10;Description automatically generated with medium confidence">
+            <a:extLst>
+              <a:ext uri="{FF2B5EF4-FFF2-40B4-BE49-F238E27FC236}">
+                <a16:creationId xmlns:a16="http://schemas.microsoft.com/office/drawing/2014/main" id="{6DD44075-41DC-404E-765D-794CAA9635AB}"/>
+              </a:ext>
+            </a:extLst>
+          </p:cNvPr>
+          <p:cNvPicPr>
+            <a:picLocks noGrp="1" noChangeAspect="1"/>
+          </p:cNvPicPr>
           <p:nvPr>
             <p:ph idx="1"/>
           </p:nvPr>
-        </p:nvSpPr>
-        <p:spPr/>
-        <p:txBody>
-          <a:bodyPr/>
-          <a:lstStyle/>
-          <a:p>
-            <a:endParaRPr lang="en-US"/>
-          </a:p>
-        </p:txBody>
-      </p:sp>
+        </p:nvPicPr>
+        <p:blipFill>
+          <a:blip r:embed="rId2"/>
+          <a:stretch>
+            <a:fillRect/>
+          </a:stretch>
+        </p:blipFill>
+        <p:spPr>
+          <a:xfrm>
+            <a:off x="909320" y="2067084"/>
+            <a:ext cx="8585200" cy="2324100"/>
+          </a:xfrm>
+        </p:spPr>
+      </p:pic>
     </p:spTree>
     <p:extLst>
       <p:ext uri="{BB962C8B-B14F-4D97-AF65-F5344CB8AC3E}">
@@ -36810,31 +38011,35 @@
           </a:p>
         </p:txBody>
       </p:sp>
-      <p:sp>
-        <p:nvSpPr>
-          <p:cNvPr id="3" name="Content Placeholder 2">
-            <a:extLst>
-              <a:ext uri="{FF2B5EF4-FFF2-40B4-BE49-F238E27FC236}">
-                <a16:creationId xmlns:a16="http://schemas.microsoft.com/office/drawing/2014/main" id="{F3711FCA-6188-2F4D-02AE-AEBF33950F34}"/>
-              </a:ext>
-            </a:extLst>
-          </p:cNvPr>
-          <p:cNvSpPr>
-            <a:spLocks noGrp="1"/>
-          </p:cNvSpPr>
+      <p:pic>
+        <p:nvPicPr>
+          <p:cNvPr id="5" name="Content Placeholder 4" descr="A white background with black text&#10;&#10;Description automatically generated">
+            <a:extLst>
+              <a:ext uri="{FF2B5EF4-FFF2-40B4-BE49-F238E27FC236}">
+                <a16:creationId xmlns:a16="http://schemas.microsoft.com/office/drawing/2014/main" id="{DF261F2E-D8BF-649F-F915-DD03E28B0B54}"/>
+              </a:ext>
+            </a:extLst>
+          </p:cNvPr>
+          <p:cNvPicPr>
+            <a:picLocks noGrp="1" noChangeAspect="1"/>
+          </p:cNvPicPr>
           <p:nvPr>
             <p:ph idx="1"/>
           </p:nvPr>
-        </p:nvSpPr>
-        <p:spPr/>
-        <p:txBody>
-          <a:bodyPr/>
-          <a:lstStyle/>
-          <a:p>
-            <a:endParaRPr lang="en-US"/>
-          </a:p>
-        </p:txBody>
-      </p:sp>
+        </p:nvPicPr>
+        <p:blipFill>
+          <a:blip r:embed="rId2"/>
+          <a:stretch>
+            <a:fillRect/>
+          </a:stretch>
+        </p:blipFill>
+        <p:spPr>
+          <a:xfrm>
+            <a:off x="2457450" y="2576354"/>
+            <a:ext cx="7277100" cy="1244600"/>
+          </a:xfrm>
+        </p:spPr>
+      </p:pic>
     </p:spTree>
     <p:extLst>
       <p:ext uri="{BB962C8B-B14F-4D97-AF65-F5344CB8AC3E}">
@@ -36893,31 +38098,35 @@
           </a:p>
         </p:txBody>
       </p:sp>
-      <p:sp>
-        <p:nvSpPr>
-          <p:cNvPr id="3" name="Content Placeholder 2">
-            <a:extLst>
-              <a:ext uri="{FF2B5EF4-FFF2-40B4-BE49-F238E27FC236}">
-                <a16:creationId xmlns:a16="http://schemas.microsoft.com/office/drawing/2014/main" id="{0DFD0B67-4A0A-C748-3DA2-2F188CBDC4D6}"/>
-              </a:ext>
-            </a:extLst>
-          </p:cNvPr>
-          <p:cNvSpPr>
-            <a:spLocks noGrp="1"/>
-          </p:cNvSpPr>
+      <p:pic>
+        <p:nvPicPr>
+          <p:cNvPr id="5" name="Content Placeholder 4" descr="A math equations and symbols&#10;&#10;Description automatically generated with medium confidence">
+            <a:extLst>
+              <a:ext uri="{FF2B5EF4-FFF2-40B4-BE49-F238E27FC236}">
+                <a16:creationId xmlns:a16="http://schemas.microsoft.com/office/drawing/2014/main" id="{4D38B21C-8C3A-4AC4-DEDB-36FFF1112B35}"/>
+              </a:ext>
+            </a:extLst>
+          </p:cNvPr>
+          <p:cNvPicPr>
+            <a:picLocks noGrp="1" noChangeAspect="1"/>
+          </p:cNvPicPr>
           <p:nvPr>
             <p:ph idx="1"/>
           </p:nvPr>
-        </p:nvSpPr>
-        <p:spPr/>
-        <p:txBody>
-          <a:bodyPr/>
-          <a:lstStyle/>
-          <a:p>
-            <a:endParaRPr lang="en-US"/>
-          </a:p>
-        </p:txBody>
-      </p:sp>
+        </p:nvPicPr>
+        <p:blipFill>
+          <a:blip r:embed="rId2"/>
+          <a:stretch>
+            <a:fillRect/>
+          </a:stretch>
+        </p:blipFill>
+        <p:spPr>
+          <a:xfrm>
+            <a:off x="967740" y="2122964"/>
+            <a:ext cx="8407400" cy="2781300"/>
+          </a:xfrm>
+        </p:spPr>
+      </p:pic>
     </p:spTree>
     <p:extLst>
       <p:ext uri="{BB962C8B-B14F-4D97-AF65-F5344CB8AC3E}">
@@ -36984,31 +38193,65 @@
           </a:p>
         </p:txBody>
       </p:sp>
-      <p:sp>
-        <p:nvSpPr>
-          <p:cNvPr id="3" name="Content Placeholder 2">
-            <a:extLst>
-              <a:ext uri="{FF2B5EF4-FFF2-40B4-BE49-F238E27FC236}">
-                <a16:creationId xmlns:a16="http://schemas.microsoft.com/office/drawing/2014/main" id="{32E31EBD-9FBD-4498-F0A3-877AF12FEDB8}"/>
-              </a:ext>
-            </a:extLst>
-          </p:cNvPr>
-          <p:cNvSpPr>
-            <a:spLocks noGrp="1"/>
-          </p:cNvSpPr>
+      <p:pic>
+        <p:nvPicPr>
+          <p:cNvPr id="5" name="Content Placeholder 4" descr="A diagram of mathematical equations&#10;&#10;Description automatically generated">
+            <a:extLst>
+              <a:ext uri="{FF2B5EF4-FFF2-40B4-BE49-F238E27FC236}">
+                <a16:creationId xmlns:a16="http://schemas.microsoft.com/office/drawing/2014/main" id="{B45A46CA-0387-CF00-929F-A9FE65D9DB40}"/>
+              </a:ext>
+            </a:extLst>
+          </p:cNvPr>
+          <p:cNvPicPr>
+            <a:picLocks noGrp="1" noChangeAspect="1"/>
+          </p:cNvPicPr>
           <p:nvPr>
             <p:ph idx="1"/>
           </p:nvPr>
-        </p:nvSpPr>
-        <p:spPr/>
-        <p:txBody>
-          <a:bodyPr/>
-          <a:lstStyle/>
-          <a:p>
-            <a:endParaRPr lang="en-US"/>
-          </a:p>
-        </p:txBody>
-      </p:sp>
+        </p:nvPicPr>
+        <p:blipFill>
+          <a:blip r:embed="rId2"/>
+          <a:stretch>
+            <a:fillRect/>
+          </a:stretch>
+        </p:blipFill>
+        <p:spPr>
+          <a:xfrm>
+            <a:off x="4169410" y="2189004"/>
+            <a:ext cx="3594100" cy="1714500"/>
+          </a:xfrm>
+        </p:spPr>
+      </p:pic>
+      <p:pic>
+        <p:nvPicPr>
+          <p:cNvPr id="7" name="Picture 6" descr="A black text on a white background&#10;&#10;Description automatically generated">
+            <a:extLst>
+              <a:ext uri="{FF2B5EF4-FFF2-40B4-BE49-F238E27FC236}">
+                <a16:creationId xmlns:a16="http://schemas.microsoft.com/office/drawing/2014/main" id="{D57ABFF9-F764-AF29-29FA-60D240A51DB2}"/>
+              </a:ext>
+            </a:extLst>
+          </p:cNvPr>
+          <p:cNvPicPr>
+            <a:picLocks noChangeAspect="1"/>
+          </p:cNvPicPr>
+          <p:nvPr/>
+        </p:nvPicPr>
+        <p:blipFill>
+          <a:blip r:embed="rId3"/>
+          <a:stretch>
+            <a:fillRect/>
+          </a:stretch>
+        </p:blipFill>
+        <p:spPr>
+          <a:xfrm>
+            <a:off x="4169410" y="4592320"/>
+            <a:ext cx="4584700" cy="1473200"/>
+          </a:xfrm>
+          <a:prstGeom prst="rect">
+            <a:avLst/>
+          </a:prstGeom>
+        </p:spPr>
+      </p:pic>
     </p:spTree>
     <p:extLst>
       <p:ext uri="{BB962C8B-B14F-4D97-AF65-F5344CB8AC3E}">

--- a/thesis_proposal/proposal.pptx
+++ b/thesis_proposal/proposal.pptx
@@ -35535,26 +35535,35 @@
                                   </p:childTnLst>
                                 </p:cTn>
                               </p:par>
-                            </p:childTnLst>
-                          </p:cTn>
-                        </p:par>
-                      </p:childTnLst>
-                    </p:cTn>
-                  </p:par>
-                  <p:par>
-                    <p:cTn id="7" fill="hold">
-                      <p:stCondLst>
-                        <p:cond delay="indefinite"/>
-                      </p:stCondLst>
-                      <p:childTnLst>
-                        <p:par>
-                          <p:cTn id="8" fill="hold">
-                            <p:stCondLst>
-                              <p:cond delay="0"/>
-                            </p:stCondLst>
-                            <p:childTnLst>
                               <p:par>
-                                <p:cTn id="9" presetID="1" presetClass="entr" presetSubtype="0" fill="hold" nodeType="clickEffect">
+                                <p:cTn id="7" presetID="1" presetClass="entr" presetSubtype="0" fill="hold" nodeType="withEffect">
+                                  <p:stCondLst>
+                                    <p:cond delay="0"/>
+                                  </p:stCondLst>
+                                  <p:childTnLst>
+                                    <p:set>
+                                      <p:cBhvr>
+                                        <p:cTn id="8" dur="1" fill="hold">
+                                          <p:stCondLst>
+                                            <p:cond delay="0"/>
+                                          </p:stCondLst>
+                                        </p:cTn>
+                                        <p:tgtEl>
+                                          <p:spTgt spid="27"/>
+                                        </p:tgtEl>
+                                        <p:attrNameLst>
+                                          <p:attrName>style.visibility</p:attrName>
+                                        </p:attrNameLst>
+                                      </p:cBhvr>
+                                      <p:to>
+                                        <p:strVal val="visible"/>
+                                      </p:to>
+                                    </p:set>
+                                  </p:childTnLst>
+                                </p:cTn>
+                              </p:par>
+                              <p:par>
+                                <p:cTn id="9" presetID="1" presetClass="entr" presetSubtype="0" fill="hold" grpId="0" nodeType="withEffect">
                                   <p:stCondLst>
                                     <p:cond delay="0"/>
                                   </p:stCondLst>
@@ -35567,7 +35576,7 @@
                                           </p:stCondLst>
                                         </p:cTn>
                                         <p:tgtEl>
-                                          <p:spTgt spid="27"/>
+                                          <p:spTgt spid="32"/>
                                         </p:tgtEl>
                                         <p:attrNameLst>
                                           <p:attrName>style.visibility</p:attrName>
@@ -35594,7 +35603,7 @@
                                           </p:stCondLst>
                                         </p:cTn>
                                         <p:tgtEl>
-                                          <p:spTgt spid="32"/>
+                                          <p:spTgt spid="18"/>
                                         </p:tgtEl>
                                         <p:attrNameLst>
                                           <p:attrName>style.visibility</p:attrName>
@@ -35621,7 +35630,7 @@
                                           </p:stCondLst>
                                         </p:cTn>
                                         <p:tgtEl>
-                                          <p:spTgt spid="18"/>
+                                          <p:spTgt spid="47"/>
                                         </p:tgtEl>
                                         <p:attrNameLst>
                                           <p:attrName>style.visibility</p:attrName>
@@ -35634,26 +35643,35 @@
                                   </p:childTnLst>
                                 </p:cTn>
                               </p:par>
-                            </p:childTnLst>
-                          </p:cTn>
-                        </p:par>
-                      </p:childTnLst>
-                    </p:cTn>
-                  </p:par>
-                  <p:par>
-                    <p:cTn id="15" fill="hold">
-                      <p:stCondLst>
-                        <p:cond delay="indefinite"/>
-                      </p:stCondLst>
-                      <p:childTnLst>
-                        <p:par>
-                          <p:cTn id="16" fill="hold">
-                            <p:stCondLst>
-                              <p:cond delay="0"/>
-                            </p:stCondLst>
-                            <p:childTnLst>
                               <p:par>
-                                <p:cTn id="17" presetID="1" presetClass="entr" presetSubtype="0" fill="hold" grpId="0" nodeType="clickEffect">
+                                <p:cTn id="15" presetID="1" presetClass="entr" presetSubtype="0" fill="hold" nodeType="withEffect">
+                                  <p:stCondLst>
+                                    <p:cond delay="0"/>
+                                  </p:stCondLst>
+                                  <p:childTnLst>
+                                    <p:set>
+                                      <p:cBhvr>
+                                        <p:cTn id="16" dur="1" fill="hold">
+                                          <p:stCondLst>
+                                            <p:cond delay="0"/>
+                                          </p:stCondLst>
+                                        </p:cTn>
+                                        <p:tgtEl>
+                                          <p:spTgt spid="36"/>
+                                        </p:tgtEl>
+                                        <p:attrNameLst>
+                                          <p:attrName>style.visibility</p:attrName>
+                                        </p:attrNameLst>
+                                      </p:cBhvr>
+                                      <p:to>
+                                        <p:strVal val="visible"/>
+                                      </p:to>
+                                    </p:set>
+                                  </p:childTnLst>
+                                </p:cTn>
+                              </p:par>
+                              <p:par>
+                                <p:cTn id="17" presetID="1" presetClass="entr" presetSubtype="0" fill="hold" grpId="0" nodeType="withEffect">
                                   <p:stCondLst>
                                     <p:cond delay="0"/>
                                   </p:stCondLst>
@@ -35666,7 +35684,7 @@
                                           </p:stCondLst>
                                         </p:cTn>
                                         <p:tgtEl>
-                                          <p:spTgt spid="47"/>
+                                          <p:spTgt spid="33"/>
                                         </p:tgtEl>
                                         <p:attrNameLst>
                                           <p:attrName>style.visibility</p:attrName>
@@ -35693,78 +35711,6 @@
                                           </p:stCondLst>
                                         </p:cTn>
                                         <p:tgtEl>
-                                          <p:spTgt spid="36"/>
-                                        </p:tgtEl>
-                                        <p:attrNameLst>
-                                          <p:attrName>style.visibility</p:attrName>
-                                        </p:attrNameLst>
-                                      </p:cBhvr>
-                                      <p:to>
-                                        <p:strVal val="visible"/>
-                                      </p:to>
-                                    </p:set>
-                                  </p:childTnLst>
-                                </p:cTn>
-                              </p:par>
-                            </p:childTnLst>
-                          </p:cTn>
-                        </p:par>
-                      </p:childTnLst>
-                    </p:cTn>
-                  </p:par>
-                  <p:par>
-                    <p:cTn id="21" fill="hold">
-                      <p:stCondLst>
-                        <p:cond delay="indefinite"/>
-                      </p:stCondLst>
-                      <p:childTnLst>
-                        <p:par>
-                          <p:cTn id="22" fill="hold">
-                            <p:stCondLst>
-                              <p:cond delay="0"/>
-                            </p:stCondLst>
-                            <p:childTnLst>
-                              <p:par>
-                                <p:cTn id="23" presetID="1" presetClass="entr" presetSubtype="0" fill="hold" grpId="0" nodeType="clickEffect">
-                                  <p:stCondLst>
-                                    <p:cond delay="0"/>
-                                  </p:stCondLst>
-                                  <p:childTnLst>
-                                    <p:set>
-                                      <p:cBhvr>
-                                        <p:cTn id="24" dur="1" fill="hold">
-                                          <p:stCondLst>
-                                            <p:cond delay="0"/>
-                                          </p:stCondLst>
-                                        </p:cTn>
-                                        <p:tgtEl>
-                                          <p:spTgt spid="33"/>
-                                        </p:tgtEl>
-                                        <p:attrNameLst>
-                                          <p:attrName>style.visibility</p:attrName>
-                                        </p:attrNameLst>
-                                      </p:cBhvr>
-                                      <p:to>
-                                        <p:strVal val="visible"/>
-                                      </p:to>
-                                    </p:set>
-                                  </p:childTnLst>
-                                </p:cTn>
-                              </p:par>
-                              <p:par>
-                                <p:cTn id="25" presetID="1" presetClass="entr" presetSubtype="0" fill="hold" nodeType="withEffect">
-                                  <p:stCondLst>
-                                    <p:cond delay="0"/>
-                                  </p:stCondLst>
-                                  <p:childTnLst>
-                                    <p:set>
-                                      <p:cBhvr>
-                                        <p:cTn id="26" dur="1" fill="hold">
-                                          <p:stCondLst>
-                                            <p:cond delay="0"/>
-                                          </p:stCondLst>
-                                        </p:cTn>
-                                        <p:tgtEl>
                                           <p:spTgt spid="28"/>
                                         </p:tgtEl>
                                         <p:attrNameLst>
@@ -35779,14 +35725,14 @@
                                 </p:cTn>
                               </p:par>
                               <p:par>
-                                <p:cTn id="27" presetID="1" presetClass="entr" presetSubtype="0" fill="hold" grpId="0" nodeType="withEffect">
+                                <p:cTn id="21" presetID="1" presetClass="entr" presetSubtype="0" fill="hold" grpId="0" nodeType="withEffect">
                                   <p:stCondLst>
                                     <p:cond delay="0"/>
                                   </p:stCondLst>
                                   <p:childTnLst>
                                     <p:set>
                                       <p:cBhvr>
-                                        <p:cTn id="28" dur="1" fill="hold">
+                                        <p:cTn id="22" dur="1" fill="hold">
                                           <p:stCondLst>
                                             <p:cond delay="0"/>
                                           </p:stCondLst>
@@ -35805,33 +35751,15 @@
                                   </p:childTnLst>
                                 </p:cTn>
                               </p:par>
-                            </p:childTnLst>
-                          </p:cTn>
-                        </p:par>
-                      </p:childTnLst>
-                    </p:cTn>
-                  </p:par>
-                  <p:par>
-                    <p:cTn id="29" fill="hold">
-                      <p:stCondLst>
-                        <p:cond delay="indefinite"/>
-                      </p:stCondLst>
-                      <p:childTnLst>
-                        <p:par>
-                          <p:cTn id="30" fill="hold">
-                            <p:stCondLst>
-                              <p:cond delay="0"/>
-                            </p:stCondLst>
-                            <p:childTnLst>
                               <p:par>
-                                <p:cTn id="31" presetID="1" presetClass="entr" presetSubtype="0" fill="hold" grpId="0" nodeType="clickEffect">
+                                <p:cTn id="23" presetID="1" presetClass="entr" presetSubtype="0" fill="hold" grpId="0" nodeType="withEffect">
                                   <p:stCondLst>
                                     <p:cond delay="0"/>
                                   </p:stCondLst>
                                   <p:childTnLst>
                                     <p:set>
                                       <p:cBhvr>
-                                        <p:cTn id="32" dur="1" fill="hold">
+                                        <p:cTn id="24" dur="1" fill="hold">
                                           <p:stCondLst>
                                             <p:cond delay="0"/>
                                           </p:stCondLst>
@@ -35850,33 +35778,15 @@
                                   </p:childTnLst>
                                 </p:cTn>
                               </p:par>
-                            </p:childTnLst>
-                          </p:cTn>
-                        </p:par>
-                      </p:childTnLst>
-                    </p:cTn>
-                  </p:par>
-                  <p:par>
-                    <p:cTn id="33" fill="hold">
-                      <p:stCondLst>
-                        <p:cond delay="indefinite"/>
-                      </p:stCondLst>
-                      <p:childTnLst>
-                        <p:par>
-                          <p:cTn id="34" fill="hold">
-                            <p:stCondLst>
-                              <p:cond delay="0"/>
-                            </p:stCondLst>
-                            <p:childTnLst>
                               <p:par>
-                                <p:cTn id="35" presetID="1" presetClass="entr" presetSubtype="0" fill="hold" grpId="0" nodeType="clickEffect">
+                                <p:cTn id="25" presetID="1" presetClass="entr" presetSubtype="0" fill="hold" grpId="0" nodeType="withEffect">
                                   <p:stCondLst>
                                     <p:cond delay="0"/>
                                   </p:stCondLst>
                                   <p:childTnLst>
                                     <p:set>
                                       <p:cBhvr>
-                                        <p:cTn id="36" dur="1" fill="hold">
+                                        <p:cTn id="26" dur="1" fill="hold">
                                           <p:stCondLst>
                                             <p:cond delay="0"/>
                                           </p:stCondLst>
@@ -35895,26 +35805,170 @@
                                   </p:childTnLst>
                                 </p:cTn>
                               </p:par>
-                            </p:childTnLst>
-                          </p:cTn>
-                        </p:par>
-                      </p:childTnLst>
-                    </p:cTn>
-                  </p:par>
-                  <p:par>
-                    <p:cTn id="37" fill="hold">
-                      <p:stCondLst>
-                        <p:cond delay="indefinite"/>
-                      </p:stCondLst>
-                      <p:childTnLst>
-                        <p:par>
-                          <p:cTn id="38" fill="hold">
-                            <p:stCondLst>
-                              <p:cond delay="0"/>
-                            </p:stCondLst>
-                            <p:childTnLst>
                               <p:par>
-                                <p:cTn id="39" presetID="1" presetClass="entr" presetSubtype="0" fill="hold" nodeType="clickEffect">
+                                <p:cTn id="27" presetID="1" presetClass="entr" presetSubtype="0" fill="hold" nodeType="withEffect">
+                                  <p:stCondLst>
+                                    <p:cond delay="0"/>
+                                  </p:stCondLst>
+                                  <p:childTnLst>
+                                    <p:set>
+                                      <p:cBhvr>
+                                        <p:cTn id="28" dur="1" fill="hold">
+                                          <p:stCondLst>
+                                            <p:cond delay="0"/>
+                                          </p:stCondLst>
+                                        </p:cTn>
+                                        <p:tgtEl>
+                                          <p:spTgt spid="63"/>
+                                        </p:tgtEl>
+                                        <p:attrNameLst>
+                                          <p:attrName>style.visibility</p:attrName>
+                                        </p:attrNameLst>
+                                      </p:cBhvr>
+                                      <p:to>
+                                        <p:strVal val="visible"/>
+                                      </p:to>
+                                    </p:set>
+                                  </p:childTnLst>
+                                </p:cTn>
+                              </p:par>
+                              <p:par>
+                                <p:cTn id="29" presetID="1" presetClass="entr" presetSubtype="0" fill="hold" grpId="0" nodeType="withEffect">
+                                  <p:stCondLst>
+                                    <p:cond delay="0"/>
+                                  </p:stCondLst>
+                                  <p:childTnLst>
+                                    <p:set>
+                                      <p:cBhvr>
+                                        <p:cTn id="30" dur="1" fill="hold">
+                                          <p:stCondLst>
+                                            <p:cond delay="0"/>
+                                          </p:stCondLst>
+                                        </p:cTn>
+                                        <p:tgtEl>
+                                          <p:spTgt spid="65"/>
+                                        </p:tgtEl>
+                                        <p:attrNameLst>
+                                          <p:attrName>style.visibility</p:attrName>
+                                        </p:attrNameLst>
+                                      </p:cBhvr>
+                                      <p:to>
+                                        <p:strVal val="visible"/>
+                                      </p:to>
+                                    </p:set>
+                                  </p:childTnLst>
+                                </p:cTn>
+                              </p:par>
+                              <p:par>
+                                <p:cTn id="31" presetID="1" presetClass="entr" presetSubtype="0" fill="hold" grpId="0" nodeType="withEffect">
+                                  <p:stCondLst>
+                                    <p:cond delay="0"/>
+                                  </p:stCondLst>
+                                  <p:childTnLst>
+                                    <p:set>
+                                      <p:cBhvr>
+                                        <p:cTn id="32" dur="1" fill="hold">
+                                          <p:stCondLst>
+                                            <p:cond delay="0"/>
+                                          </p:stCondLst>
+                                        </p:cTn>
+                                        <p:tgtEl>
+                                          <p:spTgt spid="21"/>
+                                        </p:tgtEl>
+                                        <p:attrNameLst>
+                                          <p:attrName>style.visibility</p:attrName>
+                                        </p:attrNameLst>
+                                      </p:cBhvr>
+                                      <p:to>
+                                        <p:strVal val="visible"/>
+                                      </p:to>
+                                    </p:set>
+                                  </p:childTnLst>
+                                </p:cTn>
+                              </p:par>
+                              <p:par>
+                                <p:cTn id="33" presetID="1" presetClass="entr" presetSubtype="0" fill="hold" nodeType="withEffect">
+                                  <p:stCondLst>
+                                    <p:cond delay="0"/>
+                                  </p:stCondLst>
+                                  <p:childTnLst>
+                                    <p:set>
+                                      <p:cBhvr>
+                                        <p:cTn id="34" dur="1" fill="hold">
+                                          <p:stCondLst>
+                                            <p:cond delay="0"/>
+                                          </p:stCondLst>
+                                        </p:cTn>
+                                        <p:tgtEl>
+                                          <p:spTgt spid="67"/>
+                                        </p:tgtEl>
+                                        <p:attrNameLst>
+                                          <p:attrName>style.visibility</p:attrName>
+                                        </p:attrNameLst>
+                                      </p:cBhvr>
+                                      <p:to>
+                                        <p:strVal val="visible"/>
+                                      </p:to>
+                                    </p:set>
+                                  </p:childTnLst>
+                                </p:cTn>
+                              </p:par>
+                              <p:par>
+                                <p:cTn id="35" presetID="1" presetClass="entr" presetSubtype="0" fill="hold" grpId="0" nodeType="withEffect">
+                                  <p:stCondLst>
+                                    <p:cond delay="0"/>
+                                  </p:stCondLst>
+                                  <p:childTnLst>
+                                    <p:set>
+                                      <p:cBhvr>
+                                        <p:cTn id="36" dur="1" fill="hold">
+                                          <p:stCondLst>
+                                            <p:cond delay="0"/>
+                                          </p:stCondLst>
+                                        </p:cTn>
+                                        <p:tgtEl>
+                                          <p:spTgt spid="68"/>
+                                        </p:tgtEl>
+                                        <p:attrNameLst>
+                                          <p:attrName>style.visibility</p:attrName>
+                                        </p:attrNameLst>
+                                      </p:cBhvr>
+                                      <p:to>
+                                        <p:strVal val="visible"/>
+                                      </p:to>
+                                    </p:set>
+                                  </p:childTnLst>
+                                </p:cTn>
+                              </p:par>
+                              <p:par>
+                                <p:cTn id="37" presetID="1" presetClass="entr" presetSubtype="0" fill="hold" grpId="0" nodeType="withEffect">
+                                  <p:stCondLst>
+                                    <p:cond delay="0"/>
+                                  </p:stCondLst>
+                                  <p:childTnLst>
+                                    <p:set>
+                                      <p:cBhvr>
+                                        <p:cTn id="38" dur="1" fill="hold">
+                                          <p:stCondLst>
+                                            <p:cond delay="0"/>
+                                          </p:stCondLst>
+                                        </p:cTn>
+                                        <p:tgtEl>
+                                          <p:spTgt spid="58"/>
+                                        </p:tgtEl>
+                                        <p:attrNameLst>
+                                          <p:attrName>style.visibility</p:attrName>
+                                        </p:attrNameLst>
+                                      </p:cBhvr>
+                                      <p:to>
+                                        <p:strVal val="visible"/>
+                                      </p:to>
+                                    </p:set>
+                                  </p:childTnLst>
+                                </p:cTn>
+                              </p:par>
+                              <p:par>
+                                <p:cTn id="39" presetID="1" presetClass="entr" presetSubtype="0" fill="hold" nodeType="withEffect">
                                   <p:stCondLst>
                                     <p:cond delay="0"/>
                                   </p:stCondLst>
@@ -35927,7 +35981,7 @@
                                           </p:stCondLst>
                                         </p:cTn>
                                         <p:tgtEl>
-                                          <p:spTgt spid="63"/>
+                                          <p:spTgt spid="57"/>
                                         </p:tgtEl>
                                         <p:attrNameLst>
                                           <p:attrName>style.visibility</p:attrName>
@@ -35954,7 +36008,7 @@
                                           </p:stCondLst>
                                         </p:cTn>
                                         <p:tgtEl>
-                                          <p:spTgt spid="65"/>
+                                          <p:spTgt spid="23"/>
                                         </p:tgtEl>
                                         <p:attrNameLst>
                                           <p:attrName>style.visibility</p:attrName>
@@ -35981,52 +36035,7 @@
                                           </p:stCondLst>
                                         </p:cTn>
                                         <p:tgtEl>
-                                          <p:spTgt spid="21"/>
-                                        </p:tgtEl>
-                                        <p:attrNameLst>
-                                          <p:attrName>style.visibility</p:attrName>
-                                        </p:attrNameLst>
-                                      </p:cBhvr>
-                                      <p:to>
-                                        <p:strVal val="visible"/>
-                                      </p:to>
-                                    </p:set>
-                                  </p:childTnLst>
-                                </p:cTn>
-                              </p:par>
-                            </p:childTnLst>
-                          </p:cTn>
-                        </p:par>
-                      </p:childTnLst>
-                    </p:cTn>
-                  </p:par>
-                  <p:par>
-                    <p:cTn id="45" fill="hold">
-                      <p:stCondLst>
-                        <p:cond delay="indefinite"/>
-                      </p:stCondLst>
-                      <p:childTnLst>
-                        <p:par>
-                          <p:cTn id="46" fill="hold">
-                            <p:stCondLst>
-                              <p:cond delay="0"/>
-                            </p:stCondLst>
-                            <p:childTnLst>
-                              <p:par>
-                                <p:cTn id="47" presetID="1" presetClass="entr" presetSubtype="0" fill="hold" nodeType="clickEffect">
-                                  <p:stCondLst>
-                                    <p:cond delay="0"/>
-                                  </p:stCondLst>
-                                  <p:childTnLst>
-                                    <p:set>
-                                      <p:cBhvr>
-                                        <p:cTn id="48" dur="1" fill="hold">
-                                          <p:stCondLst>
-                                            <p:cond delay="0"/>
-                                          </p:stCondLst>
-                                        </p:cTn>
-                                        <p:tgtEl>
-                                          <p:spTgt spid="67"/>
+                                          <p:spTgt spid="49"/>
                                         </p:tgtEl>
                                         <p:attrNameLst>
                                           <p:attrName>style.visibility</p:attrName>
@@ -36040,65 +36049,20 @@
                                 </p:cTn>
                               </p:par>
                               <p:par>
-                                <p:cTn id="49" presetID="1" presetClass="entr" presetSubtype="0" fill="hold" grpId="0" nodeType="withEffect">
+                                <p:cTn id="45" presetID="1" presetClass="entr" presetSubtype="0" fill="hold" nodeType="withEffect">
                                   <p:stCondLst>
                                     <p:cond delay="0"/>
                                   </p:stCondLst>
                                   <p:childTnLst>
                                     <p:set>
                                       <p:cBhvr>
-                                        <p:cTn id="50" dur="1" fill="hold">
+                                        <p:cTn id="46" dur="1" fill="hold">
                                           <p:stCondLst>
                                             <p:cond delay="0"/>
                                           </p:stCondLst>
                                         </p:cTn>
                                         <p:tgtEl>
-                                          <p:spTgt spid="68"/>
-                                        </p:tgtEl>
-                                        <p:attrNameLst>
-                                          <p:attrName>style.visibility</p:attrName>
-                                        </p:attrNameLst>
-                                      </p:cBhvr>
-                                      <p:to>
-                                        <p:strVal val="visible"/>
-                                      </p:to>
-                                    </p:set>
-                                  </p:childTnLst>
-                                </p:cTn>
-                              </p:par>
-                            </p:childTnLst>
-                          </p:cTn>
-                        </p:par>
-                      </p:childTnLst>
-                    </p:cTn>
-                  </p:par>
-                  <p:par>
-                    <p:cTn id="51" fill="hold">
-                      <p:stCondLst>
-                        <p:cond delay="indefinite"/>
-                      </p:stCondLst>
-                      <p:childTnLst>
-                        <p:par>
-                          <p:cTn id="52" fill="hold">
-                            <p:stCondLst>
-                              <p:cond delay="0"/>
-                            </p:stCondLst>
-                            <p:childTnLst>
-                              <p:par>
-                                <p:cTn id="53" presetID="1" presetClass="entr" presetSubtype="0" fill="hold" grpId="0" nodeType="clickEffect">
-                                  <p:stCondLst>
-                                    <p:cond delay="0"/>
-                                  </p:stCondLst>
-                                  <p:childTnLst>
-                                    <p:set>
-                                      <p:cBhvr>
-                                        <p:cTn id="54" dur="1" fill="hold">
-                                          <p:stCondLst>
-                                            <p:cond delay="0"/>
-                                          </p:stCondLst>
-                                        </p:cTn>
-                                        <p:tgtEl>
-                                          <p:spTgt spid="58"/>
+                                          <p:spTgt spid="48"/>
                                         </p:tgtEl>
                                         <p:attrNameLst>
                                           <p:attrName>style.visibility</p:attrName>
@@ -36112,7 +36076,115 @@
                                 </p:cTn>
                               </p:par>
                               <p:par>
-                                <p:cTn id="55" presetID="1" presetClass="entr" presetSubtype="0" fill="hold" nodeType="withEffect">
+                                <p:cTn id="47" presetID="1" presetClass="entr" presetSubtype="0" fill="hold" grpId="0" nodeType="withEffect">
+                                  <p:stCondLst>
+                                    <p:cond delay="0"/>
+                                  </p:stCondLst>
+                                  <p:childTnLst>
+                                    <p:set>
+                                      <p:cBhvr>
+                                        <p:cTn id="48" dur="1" fill="hold">
+                                          <p:stCondLst>
+                                            <p:cond delay="0"/>
+                                          </p:stCondLst>
+                                        </p:cTn>
+                                        <p:tgtEl>
+                                          <p:spTgt spid="60"/>
+                                        </p:tgtEl>
+                                        <p:attrNameLst>
+                                          <p:attrName>style.visibility</p:attrName>
+                                        </p:attrNameLst>
+                                      </p:cBhvr>
+                                      <p:to>
+                                        <p:strVal val="visible"/>
+                                      </p:to>
+                                    </p:set>
+                                  </p:childTnLst>
+                                </p:cTn>
+                              </p:par>
+                              <p:par>
+                                <p:cTn id="49" presetID="1" presetClass="entr" presetSubtype="0" fill="hold" nodeType="withEffect">
+                                  <p:stCondLst>
+                                    <p:cond delay="0"/>
+                                  </p:stCondLst>
+                                  <p:childTnLst>
+                                    <p:set>
+                                      <p:cBhvr>
+                                        <p:cTn id="50" dur="1" fill="hold">
+                                          <p:stCondLst>
+                                            <p:cond delay="0"/>
+                                          </p:stCondLst>
+                                        </p:cTn>
+                                        <p:tgtEl>
+                                          <p:spTgt spid="59"/>
+                                        </p:tgtEl>
+                                        <p:attrNameLst>
+                                          <p:attrName>style.visibility</p:attrName>
+                                        </p:attrNameLst>
+                                      </p:cBhvr>
+                                      <p:to>
+                                        <p:strVal val="visible"/>
+                                      </p:to>
+                                    </p:set>
+                                  </p:childTnLst>
+                                </p:cTn>
+                              </p:par>
+                              <p:par>
+                                <p:cTn id="51" presetID="1" presetClass="entr" presetSubtype="0" fill="hold" grpId="0" nodeType="withEffect">
+                                  <p:stCondLst>
+                                    <p:cond delay="0"/>
+                                  </p:stCondLst>
+                                  <p:childTnLst>
+                                    <p:set>
+                                      <p:cBhvr>
+                                        <p:cTn id="52" dur="1" fill="hold">
+                                          <p:stCondLst>
+                                            <p:cond delay="0"/>
+                                          </p:stCondLst>
+                                        </p:cTn>
+                                        <p:tgtEl>
+                                          <p:spTgt spid="66"/>
+                                        </p:tgtEl>
+                                        <p:attrNameLst>
+                                          <p:attrName>style.visibility</p:attrName>
+                                        </p:attrNameLst>
+                                      </p:cBhvr>
+                                      <p:to>
+                                        <p:strVal val="visible"/>
+                                      </p:to>
+                                    </p:set>
+                                  </p:childTnLst>
+                                </p:cTn>
+                              </p:par>
+                              <p:par>
+                                <p:cTn id="53" presetID="1" presetClass="entr" presetSubtype="0" fill="hold" nodeType="withEffect">
+                                  <p:stCondLst>
+                                    <p:cond delay="0"/>
+                                  </p:stCondLst>
+                                  <p:childTnLst>
+                                    <p:set>
+                                      <p:cBhvr>
+                                        <p:cTn id="54" dur="1" fill="hold">
+                                          <p:stCondLst>
+                                            <p:cond delay="0"/>
+                                          </p:stCondLst>
+                                        </p:cTn>
+                                        <p:tgtEl>
+                                          <p:spTgt spid="64"/>
+                                        </p:tgtEl>
+                                        <p:attrNameLst>
+                                          <p:attrName>style.visibility</p:attrName>
+                                        </p:attrNameLst>
+                                      </p:cBhvr>
+                                      <p:to>
+                                        <p:strVal val="visible"/>
+                                      </p:to>
+                                    </p:set>
+                                  </p:childTnLst>
+                                </p:cTn>
+                              </p:par>
+                              <p:par>
+                                <p:cTn id="55" presetID="1" presetClass="entr" presetSubtype="0" fill="hold" grpId="0" nodeType="withEffect">
                                   <p:stCondLst>
                                     <p:cond delay="0"/>
                                   </p:stCondLst>
@@ -36125,7 +36197,7 @@
                                           </p:stCondLst>
                                         </p:cTn>
                                         <p:tgtEl>
-                                          <p:spTgt spid="57"/>
+                                          <p:spTgt spid="22"/>
                                         </p:tgtEl>
                                         <p:attrNameLst>
                                           <p:attrName>style.visibility</p:attrName>
@@ -36152,7 +36224,7 @@
                                           </p:stCondLst>
                                         </p:cTn>
                                         <p:tgtEl>
-                                          <p:spTgt spid="23"/>
+                                          <p:spTgt spid="25"/>
                                         </p:tgtEl>
                                         <p:attrNameLst>
                                           <p:attrName>style.visibility</p:attrName>
@@ -36184,7 +36256,7 @@
                             </p:stCondLst>
                             <p:childTnLst>
                               <p:par>
-                                <p:cTn id="61" presetID="1" presetClass="entr" presetSubtype="0" fill="hold" grpId="0" nodeType="clickEffect">
+                                <p:cTn id="61" presetID="1" presetClass="entr" presetSubtype="0" fill="hold" nodeType="clickEffect">
                                   <p:stCondLst>
                                     <p:cond delay="0"/>
                                   </p:stCondLst>
@@ -36197,7 +36269,7 @@
                                           </p:stCondLst>
                                         </p:cTn>
                                         <p:tgtEl>
-                                          <p:spTgt spid="49"/>
+                                          <p:spTgt spid="8"/>
                                         </p:tgtEl>
                                         <p:attrNameLst>
                                           <p:attrName>style.visibility</p:attrName>
@@ -36211,7 +36283,7 @@
                                 </p:cTn>
                               </p:par>
                               <p:par>
-                                <p:cTn id="63" presetID="1" presetClass="entr" presetSubtype="0" fill="hold" nodeType="withEffect">
+                                <p:cTn id="63" presetID="1" presetClass="entr" presetSubtype="0" fill="hold" grpId="0" nodeType="withEffect">
                                   <p:stCondLst>
                                     <p:cond delay="0"/>
                                   </p:stCondLst>
@@ -36224,7 +36296,61 @@
                                           </p:stCondLst>
                                         </p:cTn>
                                         <p:tgtEl>
-                                          <p:spTgt spid="48"/>
+                                          <p:spTgt spid="9"/>
+                                        </p:tgtEl>
+                                        <p:attrNameLst>
+                                          <p:attrName>style.visibility</p:attrName>
+                                        </p:attrNameLst>
+                                      </p:cBhvr>
+                                      <p:to>
+                                        <p:strVal val="visible"/>
+                                      </p:to>
+                                    </p:set>
+                                  </p:childTnLst>
+                                </p:cTn>
+                              </p:par>
+                              <p:par>
+                                <p:cTn id="65" presetID="1" presetClass="entr" presetSubtype="0" fill="hold" grpId="0" nodeType="withEffect">
+                                  <p:stCondLst>
+                                    <p:cond delay="0"/>
+                                  </p:stCondLst>
+                                  <p:childTnLst>
+                                    <p:set>
+                                      <p:cBhvr>
+                                        <p:cTn id="66" dur="1" fill="hold">
+                                          <p:stCondLst>
+                                            <p:cond delay="0"/>
+                                          </p:stCondLst>
+                                        </p:cTn>
+                                        <p:tgtEl>
+                                          <p:spTgt spid="7"/>
+                                        </p:tgtEl>
+                                        <p:attrNameLst>
+                                          <p:attrName>style.visibility</p:attrName>
+                                        </p:attrNameLst>
+                                      </p:cBhvr>
+                                      <p:to>
+                                        <p:strVal val="visible"/>
+                                      </p:to>
+                                    </p:set>
+                                  </p:childTnLst>
+                                </p:cTn>
+                              </p:par>
+                              <p:par>
+                                <p:cTn id="67" presetID="1" presetClass="entr" presetSubtype="0" fill="hold" grpId="0" nodeType="withEffect">
+                                  <p:stCondLst>
+                                    <p:cond delay="0"/>
+                                  </p:stCondLst>
+                                  <p:childTnLst>
+                                    <p:set>
+                                      <p:cBhvr>
+                                        <p:cTn id="68" dur="1" fill="hold">
+                                          <p:stCondLst>
+                                            <p:cond delay="0"/>
+                                          </p:stCondLst>
+                                        </p:cTn>
+                                        <p:tgtEl>
+                                          <p:spTgt spid="30"/>
                                         </p:tgtEl>
                                         <p:attrNameLst>
                                           <p:attrName>style.visibility</p:attrName>
@@ -36244,32 +36370,32 @@
                     </p:cTn>
                   </p:par>
                   <p:par>
-                    <p:cTn id="65" fill="hold">
+                    <p:cTn id="69" fill="hold">
                       <p:stCondLst>
                         <p:cond delay="indefinite"/>
                       </p:stCondLst>
                       <p:childTnLst>
                         <p:par>
-                          <p:cTn id="66" fill="hold">
+                          <p:cTn id="70" fill="hold">
                             <p:stCondLst>
                               <p:cond delay="0"/>
                             </p:stCondLst>
                             <p:childTnLst>
                               <p:par>
-                                <p:cTn id="67" presetID="1" presetClass="entr" presetSubtype="0" fill="hold" grpId="0" nodeType="clickEffect">
+                                <p:cTn id="71" presetID="1" presetClass="entr" presetSubtype="0" fill="hold" grpId="0" nodeType="clickEffect">
                                   <p:stCondLst>
                                     <p:cond delay="0"/>
                                   </p:stCondLst>
                                   <p:childTnLst>
                                     <p:set>
                                       <p:cBhvr>
-                                        <p:cTn id="68" dur="1" fill="hold">
+                                        <p:cTn id="72" dur="1" fill="hold">
                                           <p:stCondLst>
                                             <p:cond delay="0"/>
                                           </p:stCondLst>
                                         </p:cTn>
                                         <p:tgtEl>
-                                          <p:spTgt spid="60"/>
+                                          <p:spTgt spid="13"/>
                                         </p:tgtEl>
                                         <p:attrNameLst>
                                           <p:attrName>style.visibility</p:attrName>
@@ -36283,52 +36409,7 @@
                                 </p:cTn>
                               </p:par>
                               <p:par>
-                                <p:cTn id="69" presetID="1" presetClass="entr" presetSubtype="0" fill="hold" nodeType="withEffect">
-                                  <p:stCondLst>
-                                    <p:cond delay="0"/>
-                                  </p:stCondLst>
-                                  <p:childTnLst>
-                                    <p:set>
-                                      <p:cBhvr>
-                                        <p:cTn id="70" dur="1" fill="hold">
-                                          <p:stCondLst>
-                                            <p:cond delay="0"/>
-                                          </p:stCondLst>
-                                        </p:cTn>
-                                        <p:tgtEl>
-                                          <p:spTgt spid="59"/>
-                                        </p:tgtEl>
-                                        <p:attrNameLst>
-                                          <p:attrName>style.visibility</p:attrName>
-                                        </p:attrNameLst>
-                                      </p:cBhvr>
-                                      <p:to>
-                                        <p:strVal val="visible"/>
-                                      </p:to>
-                                    </p:set>
-                                  </p:childTnLst>
-                                </p:cTn>
-                              </p:par>
-                            </p:childTnLst>
-                          </p:cTn>
-                        </p:par>
-                      </p:childTnLst>
-                    </p:cTn>
-                  </p:par>
-                  <p:par>
-                    <p:cTn id="71" fill="hold">
-                      <p:stCondLst>
-                        <p:cond delay="indefinite"/>
-                      </p:stCondLst>
-                      <p:childTnLst>
-                        <p:par>
-                          <p:cTn id="72" fill="hold">
-                            <p:stCondLst>
-                              <p:cond delay="0"/>
-                            </p:stCondLst>
-                            <p:childTnLst>
-                              <p:par>
-                                <p:cTn id="73" presetID="1" presetClass="entr" presetSubtype="0" fill="hold" grpId="0" nodeType="clickEffect">
+                                <p:cTn id="73" presetID="1" presetClass="entr" presetSubtype="0" fill="hold" nodeType="withEffect">
                                   <p:stCondLst>
                                     <p:cond delay="0"/>
                                   </p:stCondLst>
@@ -36341,7 +36422,7 @@
                                           </p:stCondLst>
                                         </p:cTn>
                                         <p:tgtEl>
-                                          <p:spTgt spid="66"/>
+                                          <p:spTgt spid="12"/>
                                         </p:tgtEl>
                                         <p:attrNameLst>
                                           <p:attrName>style.visibility</p:attrName>
@@ -36355,7 +36436,7 @@
                                 </p:cTn>
                               </p:par>
                               <p:par>
-                                <p:cTn id="75" presetID="1" presetClass="entr" presetSubtype="0" fill="hold" nodeType="withEffect">
+                                <p:cTn id="75" presetID="1" presetClass="entr" presetSubtype="0" fill="hold" grpId="0" nodeType="withEffect">
                                   <p:stCondLst>
                                     <p:cond delay="0"/>
                                   </p:stCondLst>
@@ -36368,7 +36449,7 @@
                                           </p:stCondLst>
                                         </p:cTn>
                                         <p:tgtEl>
-                                          <p:spTgt spid="64"/>
+                                          <p:spTgt spid="11"/>
                                         </p:tgtEl>
                                         <p:attrNameLst>
                                           <p:attrName>style.visibility</p:attrName>
@@ -36395,7 +36476,7 @@
                                           </p:stCondLst>
                                         </p:cTn>
                                         <p:tgtEl>
-                                          <p:spTgt spid="22"/>
+                                          <p:spTgt spid="17"/>
                                         </p:tgtEl>
                                         <p:attrNameLst>
                                           <p:attrName>style.visibility</p:attrName>
@@ -36409,7 +36490,7 @@
                                 </p:cTn>
                               </p:par>
                               <p:par>
-                                <p:cTn id="79" presetID="1" presetClass="entr" presetSubtype="0" fill="hold" grpId="0" nodeType="withEffect">
+                                <p:cTn id="79" presetID="1" presetClass="entr" presetSubtype="0" fill="hold" nodeType="withEffect">
                                   <p:stCondLst>
                                     <p:cond delay="0"/>
                                   </p:stCondLst>
@@ -36422,7 +36503,7 @@
                                           </p:stCondLst>
                                         </p:cTn>
                                         <p:tgtEl>
-                                          <p:spTgt spid="25"/>
+                                          <p:spTgt spid="16"/>
                                         </p:tgtEl>
                                         <p:attrNameLst>
                                           <p:attrName>style.visibility</p:attrName>
@@ -36435,26 +36516,35 @@
                                   </p:childTnLst>
                                 </p:cTn>
                               </p:par>
-                            </p:childTnLst>
-                          </p:cTn>
-                        </p:par>
-                      </p:childTnLst>
-                    </p:cTn>
-                  </p:par>
-                  <p:par>
-                    <p:cTn id="81" fill="hold">
-                      <p:stCondLst>
-                        <p:cond delay="indefinite"/>
-                      </p:stCondLst>
-                      <p:childTnLst>
-                        <p:par>
-                          <p:cTn id="82" fill="hold">
-                            <p:stCondLst>
-                              <p:cond delay="0"/>
-                            </p:stCondLst>
-                            <p:childTnLst>
                               <p:par>
-                                <p:cTn id="83" presetID="1" presetClass="entr" presetSubtype="0" fill="hold" nodeType="clickEffect">
+                                <p:cTn id="81" presetID="1" presetClass="entr" presetSubtype="0" fill="hold" nodeType="withEffect">
+                                  <p:stCondLst>
+                                    <p:cond delay="0"/>
+                                  </p:stCondLst>
+                                  <p:childTnLst>
+                                    <p:set>
+                                      <p:cBhvr>
+                                        <p:cTn id="82" dur="1" fill="hold">
+                                          <p:stCondLst>
+                                            <p:cond delay="0"/>
+                                          </p:stCondLst>
+                                        </p:cTn>
+                                        <p:tgtEl>
+                                          <p:spTgt spid="14"/>
+                                        </p:tgtEl>
+                                        <p:attrNameLst>
+                                          <p:attrName>style.visibility</p:attrName>
+                                        </p:attrNameLst>
+                                      </p:cBhvr>
+                                      <p:to>
+                                        <p:strVal val="visible"/>
+                                      </p:to>
+                                    </p:set>
+                                  </p:childTnLst>
+                                </p:cTn>
+                              </p:par>
+                              <p:par>
+                                <p:cTn id="83" presetID="1" presetClass="entr" presetSubtype="0" fill="hold" grpId="0" nodeType="withEffect">
                                   <p:stCondLst>
                                     <p:cond delay="0"/>
                                   </p:stCondLst>
@@ -36467,7 +36557,7 @@
                                           </p:stCondLst>
                                         </p:cTn>
                                         <p:tgtEl>
-                                          <p:spTgt spid="8"/>
+                                          <p:spTgt spid="15"/>
                                         </p:tgtEl>
                                         <p:attrNameLst>
                                           <p:attrName>style.visibility</p:attrName>
@@ -36494,7 +36584,7 @@
                                           </p:stCondLst>
                                         </p:cTn>
                                         <p:tgtEl>
-                                          <p:spTgt spid="9"/>
+                                          <p:spTgt spid="10"/>
                                         </p:tgtEl>
                                         <p:attrNameLst>
                                           <p:attrName>style.visibility</p:attrName>
@@ -36521,294 +36611,6 @@
                                           </p:stCondLst>
                                         </p:cTn>
                                         <p:tgtEl>
-                                          <p:spTgt spid="7"/>
-                                        </p:tgtEl>
-                                        <p:attrNameLst>
-                                          <p:attrName>style.visibility</p:attrName>
-                                        </p:attrNameLst>
-                                      </p:cBhvr>
-                                      <p:to>
-                                        <p:strVal val="visible"/>
-                                      </p:to>
-                                    </p:set>
-                                  </p:childTnLst>
-                                </p:cTn>
-                              </p:par>
-                              <p:par>
-                                <p:cTn id="89" presetID="1" presetClass="entr" presetSubtype="0" fill="hold" grpId="0" nodeType="withEffect">
-                                  <p:stCondLst>
-                                    <p:cond delay="0"/>
-                                  </p:stCondLst>
-                                  <p:childTnLst>
-                                    <p:set>
-                                      <p:cBhvr>
-                                        <p:cTn id="90" dur="1" fill="hold">
-                                          <p:stCondLst>
-                                            <p:cond delay="0"/>
-                                          </p:stCondLst>
-                                        </p:cTn>
-                                        <p:tgtEl>
-                                          <p:spTgt spid="30"/>
-                                        </p:tgtEl>
-                                        <p:attrNameLst>
-                                          <p:attrName>style.visibility</p:attrName>
-                                        </p:attrNameLst>
-                                      </p:cBhvr>
-                                      <p:to>
-                                        <p:strVal val="visible"/>
-                                      </p:to>
-                                    </p:set>
-                                  </p:childTnLst>
-                                </p:cTn>
-                              </p:par>
-                            </p:childTnLst>
-                          </p:cTn>
-                        </p:par>
-                      </p:childTnLst>
-                    </p:cTn>
-                  </p:par>
-                  <p:par>
-                    <p:cTn id="91" fill="hold">
-                      <p:stCondLst>
-                        <p:cond delay="indefinite"/>
-                      </p:stCondLst>
-                      <p:childTnLst>
-                        <p:par>
-                          <p:cTn id="92" fill="hold">
-                            <p:stCondLst>
-                              <p:cond delay="0"/>
-                            </p:stCondLst>
-                            <p:childTnLst>
-                              <p:par>
-                                <p:cTn id="93" presetID="1" presetClass="entr" presetSubtype="0" fill="hold" grpId="0" nodeType="clickEffect">
-                                  <p:stCondLst>
-                                    <p:cond delay="0"/>
-                                  </p:stCondLst>
-                                  <p:childTnLst>
-                                    <p:set>
-                                      <p:cBhvr>
-                                        <p:cTn id="94" dur="1" fill="hold">
-                                          <p:stCondLst>
-                                            <p:cond delay="0"/>
-                                          </p:stCondLst>
-                                        </p:cTn>
-                                        <p:tgtEl>
-                                          <p:spTgt spid="13"/>
-                                        </p:tgtEl>
-                                        <p:attrNameLst>
-                                          <p:attrName>style.visibility</p:attrName>
-                                        </p:attrNameLst>
-                                      </p:cBhvr>
-                                      <p:to>
-                                        <p:strVal val="visible"/>
-                                      </p:to>
-                                    </p:set>
-                                  </p:childTnLst>
-                                </p:cTn>
-                              </p:par>
-                              <p:par>
-                                <p:cTn id="95" presetID="1" presetClass="entr" presetSubtype="0" fill="hold" nodeType="withEffect">
-                                  <p:stCondLst>
-                                    <p:cond delay="0"/>
-                                  </p:stCondLst>
-                                  <p:childTnLst>
-                                    <p:set>
-                                      <p:cBhvr>
-                                        <p:cTn id="96" dur="1" fill="hold">
-                                          <p:stCondLst>
-                                            <p:cond delay="0"/>
-                                          </p:stCondLst>
-                                        </p:cTn>
-                                        <p:tgtEl>
-                                          <p:spTgt spid="12"/>
-                                        </p:tgtEl>
-                                        <p:attrNameLst>
-                                          <p:attrName>style.visibility</p:attrName>
-                                        </p:attrNameLst>
-                                      </p:cBhvr>
-                                      <p:to>
-                                        <p:strVal val="visible"/>
-                                      </p:to>
-                                    </p:set>
-                                  </p:childTnLst>
-                                </p:cTn>
-                              </p:par>
-                              <p:par>
-                                <p:cTn id="97" presetID="1" presetClass="entr" presetSubtype="0" fill="hold" grpId="0" nodeType="withEffect">
-                                  <p:stCondLst>
-                                    <p:cond delay="0"/>
-                                  </p:stCondLst>
-                                  <p:childTnLst>
-                                    <p:set>
-                                      <p:cBhvr>
-                                        <p:cTn id="98" dur="1" fill="hold">
-                                          <p:stCondLst>
-                                            <p:cond delay="0"/>
-                                          </p:stCondLst>
-                                        </p:cTn>
-                                        <p:tgtEl>
-                                          <p:spTgt spid="11"/>
-                                        </p:tgtEl>
-                                        <p:attrNameLst>
-                                          <p:attrName>style.visibility</p:attrName>
-                                        </p:attrNameLst>
-                                      </p:cBhvr>
-                                      <p:to>
-                                        <p:strVal val="visible"/>
-                                      </p:to>
-                                    </p:set>
-                                  </p:childTnLst>
-                                </p:cTn>
-                              </p:par>
-                              <p:par>
-                                <p:cTn id="99" presetID="1" presetClass="entr" presetSubtype="0" fill="hold" grpId="0" nodeType="withEffect">
-                                  <p:stCondLst>
-                                    <p:cond delay="0"/>
-                                  </p:stCondLst>
-                                  <p:childTnLst>
-                                    <p:set>
-                                      <p:cBhvr>
-                                        <p:cTn id="100" dur="1" fill="hold">
-                                          <p:stCondLst>
-                                            <p:cond delay="0"/>
-                                          </p:stCondLst>
-                                        </p:cTn>
-                                        <p:tgtEl>
-                                          <p:spTgt spid="17"/>
-                                        </p:tgtEl>
-                                        <p:attrNameLst>
-                                          <p:attrName>style.visibility</p:attrName>
-                                        </p:attrNameLst>
-                                      </p:cBhvr>
-                                      <p:to>
-                                        <p:strVal val="visible"/>
-                                      </p:to>
-                                    </p:set>
-                                  </p:childTnLst>
-                                </p:cTn>
-                              </p:par>
-                              <p:par>
-                                <p:cTn id="101" presetID="1" presetClass="entr" presetSubtype="0" fill="hold" nodeType="withEffect">
-                                  <p:stCondLst>
-                                    <p:cond delay="0"/>
-                                  </p:stCondLst>
-                                  <p:childTnLst>
-                                    <p:set>
-                                      <p:cBhvr>
-                                        <p:cTn id="102" dur="1" fill="hold">
-                                          <p:stCondLst>
-                                            <p:cond delay="0"/>
-                                          </p:stCondLst>
-                                        </p:cTn>
-                                        <p:tgtEl>
-                                          <p:spTgt spid="16"/>
-                                        </p:tgtEl>
-                                        <p:attrNameLst>
-                                          <p:attrName>style.visibility</p:attrName>
-                                        </p:attrNameLst>
-                                      </p:cBhvr>
-                                      <p:to>
-                                        <p:strVal val="visible"/>
-                                      </p:to>
-                                    </p:set>
-                                  </p:childTnLst>
-                                </p:cTn>
-                              </p:par>
-                              <p:par>
-                                <p:cTn id="103" presetID="1" presetClass="entr" presetSubtype="0" fill="hold" nodeType="withEffect">
-                                  <p:stCondLst>
-                                    <p:cond delay="0"/>
-                                  </p:stCondLst>
-                                  <p:childTnLst>
-                                    <p:set>
-                                      <p:cBhvr>
-                                        <p:cTn id="104" dur="1" fill="hold">
-                                          <p:stCondLst>
-                                            <p:cond delay="0"/>
-                                          </p:stCondLst>
-                                        </p:cTn>
-                                        <p:tgtEl>
-                                          <p:spTgt spid="14"/>
-                                        </p:tgtEl>
-                                        <p:attrNameLst>
-                                          <p:attrName>style.visibility</p:attrName>
-                                        </p:attrNameLst>
-                                      </p:cBhvr>
-                                      <p:to>
-                                        <p:strVal val="visible"/>
-                                      </p:to>
-                                    </p:set>
-                                  </p:childTnLst>
-                                </p:cTn>
-                              </p:par>
-                              <p:par>
-                                <p:cTn id="105" presetID="1" presetClass="entr" presetSubtype="0" fill="hold" grpId="0" nodeType="withEffect">
-                                  <p:stCondLst>
-                                    <p:cond delay="0"/>
-                                  </p:stCondLst>
-                                  <p:childTnLst>
-                                    <p:set>
-                                      <p:cBhvr>
-                                        <p:cTn id="106" dur="1" fill="hold">
-                                          <p:stCondLst>
-                                            <p:cond delay="0"/>
-                                          </p:stCondLst>
-                                        </p:cTn>
-                                        <p:tgtEl>
-                                          <p:spTgt spid="15"/>
-                                        </p:tgtEl>
-                                        <p:attrNameLst>
-                                          <p:attrName>style.visibility</p:attrName>
-                                        </p:attrNameLst>
-                                      </p:cBhvr>
-                                      <p:to>
-                                        <p:strVal val="visible"/>
-                                      </p:to>
-                                    </p:set>
-                                  </p:childTnLst>
-                                </p:cTn>
-                              </p:par>
-                              <p:par>
-                                <p:cTn id="107" presetID="1" presetClass="entr" presetSubtype="0" fill="hold" grpId="0" nodeType="withEffect">
-                                  <p:stCondLst>
-                                    <p:cond delay="0"/>
-                                  </p:stCondLst>
-                                  <p:childTnLst>
-                                    <p:set>
-                                      <p:cBhvr>
-                                        <p:cTn id="108" dur="1" fill="hold">
-                                          <p:stCondLst>
-                                            <p:cond delay="0"/>
-                                          </p:stCondLst>
-                                        </p:cTn>
-                                        <p:tgtEl>
-                                          <p:spTgt spid="10"/>
-                                        </p:tgtEl>
-                                        <p:attrNameLst>
-                                          <p:attrName>style.visibility</p:attrName>
-                                        </p:attrNameLst>
-                                      </p:cBhvr>
-                                      <p:to>
-                                        <p:strVal val="visible"/>
-                                      </p:to>
-                                    </p:set>
-                                  </p:childTnLst>
-                                </p:cTn>
-                              </p:par>
-                              <p:par>
-                                <p:cTn id="109" presetID="1" presetClass="entr" presetSubtype="0" fill="hold" grpId="0" nodeType="withEffect">
-                                  <p:stCondLst>
-                                    <p:cond delay="0"/>
-                                  </p:stCondLst>
-                                  <p:childTnLst>
-                                    <p:set>
-                                      <p:cBhvr>
-                                        <p:cTn id="110" dur="1" fill="hold">
-                                          <p:stCondLst>
-                                            <p:cond delay="0"/>
-                                          </p:stCondLst>
-                                        </p:cTn>
-                                        <p:tgtEl>
                                           <p:spTgt spid="29"/>
                                         </p:tgtEl>
                                         <p:attrNameLst>
@@ -36823,14 +36625,14 @@
                                 </p:cTn>
                               </p:par>
                               <p:par>
-                                <p:cTn id="111" presetID="1" presetClass="entr" presetSubtype="0" fill="hold" nodeType="withEffect">
+                                <p:cTn id="89" presetID="1" presetClass="entr" presetSubtype="0" fill="hold" nodeType="withEffect">
                                   <p:stCondLst>
                                     <p:cond delay="0"/>
                                   </p:stCondLst>
                                   <p:childTnLst>
                                     <p:set>
                                       <p:cBhvr>
-                                        <p:cTn id="112" dur="1" fill="hold">
+                                        <p:cTn id="90" dur="1" fill="hold">
                                           <p:stCondLst>
                                             <p:cond delay="0"/>
                                           </p:stCondLst>
@@ -36850,14 +36652,14 @@
                                 </p:cTn>
                               </p:par>
                               <p:par>
-                                <p:cTn id="113" presetID="1" presetClass="entr" presetSubtype="0" fill="hold" grpId="0" nodeType="withEffect">
+                                <p:cTn id="91" presetID="1" presetClass="entr" presetSubtype="0" fill="hold" grpId="0" nodeType="withEffect">
                                   <p:stCondLst>
                                     <p:cond delay="0"/>
                                   </p:stCondLst>
                                   <p:childTnLst>
                                     <p:set>
                                       <p:cBhvr>
-                                        <p:cTn id="114" dur="1" fill="hold">
+                                        <p:cTn id="92" dur="1" fill="hold">
                                           <p:stCondLst>
                                             <p:cond delay="0"/>
                                           </p:stCondLst>
@@ -36883,26 +36685,26 @@
                     </p:cTn>
                   </p:par>
                   <p:par>
-                    <p:cTn id="115" fill="hold">
+                    <p:cTn id="93" fill="hold">
                       <p:stCondLst>
                         <p:cond delay="indefinite"/>
                       </p:stCondLst>
                       <p:childTnLst>
                         <p:par>
-                          <p:cTn id="116" fill="hold">
+                          <p:cTn id="94" fill="hold">
                             <p:stCondLst>
                               <p:cond delay="0"/>
                             </p:stCondLst>
                             <p:childTnLst>
                               <p:par>
-                                <p:cTn id="117" presetID="1" presetClass="entr" presetSubtype="0" fill="hold" grpId="0" nodeType="clickEffect">
+                                <p:cTn id="95" presetID="1" presetClass="entr" presetSubtype="0" fill="hold" grpId="0" nodeType="clickEffect">
                                   <p:stCondLst>
                                     <p:cond delay="0"/>
                                   </p:stCondLst>
                                   <p:childTnLst>
                                     <p:set>
                                       <p:cBhvr>
-                                        <p:cTn id="118" dur="1" fill="hold">
+                                        <p:cTn id="96" dur="1" fill="hold">
                                           <p:stCondLst>
                                             <p:cond delay="0"/>
                                           </p:stCondLst>
@@ -36928,26 +36730,26 @@
                     </p:cTn>
                   </p:par>
                   <p:par>
-                    <p:cTn id="119" fill="hold">
+                    <p:cTn id="97" fill="hold">
                       <p:stCondLst>
                         <p:cond delay="indefinite"/>
                       </p:stCondLst>
                       <p:childTnLst>
                         <p:par>
-                          <p:cTn id="120" fill="hold">
+                          <p:cTn id="98" fill="hold">
                             <p:stCondLst>
                               <p:cond delay="0"/>
                             </p:stCondLst>
                             <p:childTnLst>
                               <p:par>
-                                <p:cTn id="121" presetID="1" presetClass="entr" presetSubtype="0" fill="hold" grpId="0" nodeType="clickEffect">
+                                <p:cTn id="99" presetID="1" presetClass="entr" presetSubtype="0" fill="hold" grpId="0" nodeType="clickEffect">
                                   <p:stCondLst>
                                     <p:cond delay="0"/>
                                   </p:stCondLst>
                                   <p:childTnLst>
                                     <p:set>
                                       <p:cBhvr>
-                                        <p:cTn id="122" dur="1" fill="hold">
+                                        <p:cTn id="100" dur="1" fill="hold">
                                           <p:stCondLst>
                                             <p:cond delay="0"/>
                                           </p:stCondLst>
@@ -36973,26 +36775,26 @@
                     </p:cTn>
                   </p:par>
                   <p:par>
-                    <p:cTn id="123" fill="hold">
+                    <p:cTn id="101" fill="hold">
                       <p:stCondLst>
                         <p:cond delay="indefinite"/>
                       </p:stCondLst>
                       <p:childTnLst>
                         <p:par>
-                          <p:cTn id="124" fill="hold">
+                          <p:cTn id="102" fill="hold">
                             <p:stCondLst>
                               <p:cond delay="0"/>
                             </p:stCondLst>
                             <p:childTnLst>
                               <p:par>
-                                <p:cTn id="125" presetID="1" presetClass="entr" presetSubtype="0" fill="hold" grpId="0" nodeType="clickEffect">
+                                <p:cTn id="103" presetID="1" presetClass="entr" presetSubtype="0" fill="hold" grpId="0" nodeType="clickEffect">
                                   <p:stCondLst>
                                     <p:cond delay="0"/>
                                   </p:stCondLst>
                                   <p:childTnLst>
                                     <p:set>
                                       <p:cBhvr>
-                                        <p:cTn id="126" dur="1" fill="hold">
+                                        <p:cTn id="104" dur="1" fill="hold">
                                           <p:stCondLst>
                                             <p:cond delay="0"/>
                                           </p:stCondLst>
@@ -37018,26 +36820,26 @@
                     </p:cTn>
                   </p:par>
                   <p:par>
-                    <p:cTn id="127" fill="hold">
+                    <p:cTn id="105" fill="hold">
                       <p:stCondLst>
                         <p:cond delay="indefinite"/>
                       </p:stCondLst>
                       <p:childTnLst>
                         <p:par>
-                          <p:cTn id="128" fill="hold">
+                          <p:cTn id="106" fill="hold">
                             <p:stCondLst>
                               <p:cond delay="0"/>
                             </p:stCondLst>
                             <p:childTnLst>
                               <p:par>
-                                <p:cTn id="129" presetID="1" presetClass="entr" presetSubtype="0" fill="hold" grpId="0" nodeType="clickEffect">
+                                <p:cTn id="107" presetID="1" presetClass="entr" presetSubtype="0" fill="hold" grpId="0" nodeType="clickEffect">
                                   <p:stCondLst>
                                     <p:cond delay="0"/>
                                   </p:stCondLst>
                                   <p:childTnLst>
                                     <p:set>
                                       <p:cBhvr>
-                                        <p:cTn id="130" dur="1" fill="hold">
+                                        <p:cTn id="108" dur="1" fill="hold">
                                           <p:stCondLst>
                                             <p:cond delay="0"/>
                                           </p:stCondLst>
@@ -37063,26 +36865,26 @@
                     </p:cTn>
                   </p:par>
                   <p:par>
-                    <p:cTn id="131" fill="hold">
+                    <p:cTn id="109" fill="hold">
                       <p:stCondLst>
                         <p:cond delay="indefinite"/>
                       </p:stCondLst>
                       <p:childTnLst>
                         <p:par>
-                          <p:cTn id="132" fill="hold">
+                          <p:cTn id="110" fill="hold">
                             <p:stCondLst>
                               <p:cond delay="0"/>
                             </p:stCondLst>
                             <p:childTnLst>
                               <p:par>
-                                <p:cTn id="133" presetID="1" presetClass="entr" presetSubtype="0" fill="hold" nodeType="clickEffect">
+                                <p:cTn id="111" presetID="1" presetClass="entr" presetSubtype="0" fill="hold" nodeType="clickEffect">
                                   <p:stCondLst>
                                     <p:cond delay="0"/>
                                   </p:stCondLst>
                                   <p:childTnLst>
                                     <p:set>
                                       <p:cBhvr>
-                                        <p:cTn id="134" dur="1" fill="hold">
+                                        <p:cTn id="112" dur="1" fill="hold">
                                           <p:stCondLst>
                                             <p:cond delay="0"/>
                                           </p:stCondLst>
@@ -37108,26 +36910,26 @@
                     </p:cTn>
                   </p:par>
                   <p:par>
-                    <p:cTn id="135" fill="hold">
+                    <p:cTn id="113" fill="hold">
                       <p:stCondLst>
                         <p:cond delay="indefinite"/>
                       </p:stCondLst>
                       <p:childTnLst>
                         <p:par>
-                          <p:cTn id="136" fill="hold">
+                          <p:cTn id="114" fill="hold">
                             <p:stCondLst>
                               <p:cond delay="0"/>
                             </p:stCondLst>
                             <p:childTnLst>
                               <p:par>
-                                <p:cTn id="137" presetID="1" presetClass="entr" presetSubtype="0" fill="hold" nodeType="clickEffect">
+                                <p:cTn id="115" presetID="1" presetClass="entr" presetSubtype="0" fill="hold" nodeType="clickEffect">
                                   <p:stCondLst>
                                     <p:cond delay="0"/>
                                   </p:stCondLst>
                                   <p:childTnLst>
                                     <p:set>
                                       <p:cBhvr>
-                                        <p:cTn id="138" dur="1" fill="hold">
+                                        <p:cTn id="116" dur="1" fill="hold">
                                           <p:stCondLst>
                                             <p:cond delay="0"/>
                                           </p:stCondLst>
@@ -37153,26 +36955,26 @@
                     </p:cTn>
                   </p:par>
                   <p:par>
-                    <p:cTn id="139" fill="hold">
+                    <p:cTn id="117" fill="hold">
                       <p:stCondLst>
                         <p:cond delay="indefinite"/>
                       </p:stCondLst>
                       <p:childTnLst>
                         <p:par>
-                          <p:cTn id="140" fill="hold">
+                          <p:cTn id="118" fill="hold">
                             <p:stCondLst>
                               <p:cond delay="0"/>
                             </p:stCondLst>
                             <p:childTnLst>
                               <p:par>
-                                <p:cTn id="141" presetID="1" presetClass="entr" presetSubtype="0" fill="hold" grpId="0" nodeType="clickEffect">
+                                <p:cTn id="119" presetID="1" presetClass="entr" presetSubtype="0" fill="hold" grpId="0" nodeType="clickEffect">
                                   <p:stCondLst>
                                     <p:cond delay="0"/>
                                   </p:stCondLst>
                                   <p:childTnLst>
                                     <p:set>
                                       <p:cBhvr>
-                                        <p:cTn id="142" dur="1" fill="hold">
+                                        <p:cTn id="120" dur="1" fill="hold">
                                           <p:stCondLst>
                                             <p:cond delay="0"/>
                                           </p:stCondLst>
@@ -37198,26 +37000,26 @@
                     </p:cTn>
                   </p:par>
                   <p:par>
-                    <p:cTn id="143" fill="hold">
+                    <p:cTn id="121" fill="hold">
                       <p:stCondLst>
                         <p:cond delay="indefinite"/>
                       </p:stCondLst>
                       <p:childTnLst>
                         <p:par>
-                          <p:cTn id="144" fill="hold">
+                          <p:cTn id="122" fill="hold">
                             <p:stCondLst>
                               <p:cond delay="0"/>
                             </p:stCondLst>
                             <p:childTnLst>
                               <p:par>
-                                <p:cTn id="145" presetID="1" presetClass="entr" presetSubtype="0" fill="hold" grpId="0" nodeType="clickEffect">
+                                <p:cTn id="123" presetID="1" presetClass="entr" presetSubtype="0" fill="hold" grpId="0" nodeType="clickEffect">
                                   <p:stCondLst>
                                     <p:cond delay="0"/>
                                   </p:stCondLst>
                                   <p:childTnLst>
                                     <p:set>
                                       <p:cBhvr>
-                                        <p:cTn id="146" dur="1" fill="hold">
+                                        <p:cTn id="124" dur="1" fill="hold">
                                           <p:stCondLst>
                                             <p:cond delay="0"/>
                                           </p:stCondLst>
@@ -37397,37 +37199,41 @@
             <a:pPr lvl="2"/>
             <a:r>
               <a:rPr lang="en-US" dirty="0"/>
-              <a:t>Tolerance</a:t>
+              <a:t>The Law of Tolerance</a:t>
             </a:r>
           </a:p>
           <a:p>
             <a:pPr lvl="2"/>
             <a:r>
               <a:rPr lang="en-US" dirty="0"/>
-              <a:t>Conformance</a:t>
+              <a:t>The Law of Conformance</a:t>
             </a:r>
           </a:p>
           <a:p>
             <a:pPr lvl="2"/>
             <a:r>
               <a:rPr lang="en-US" dirty="0"/>
-              <a:t>Similarity</a:t>
+              <a:t>The Law of Similarity</a:t>
             </a:r>
           </a:p>
           <a:p>
             <a:pPr lvl="1"/>
             <a:r>
               <a:rPr lang="en-US" dirty="0"/>
-              <a:t>Linking to program logic through (</a:t>
-            </a:r>
-            <a:r>
-              <a:rPr lang="en-US" b="1" dirty="0" err="1"/>
-              <a:t>IslandUpdateInvariance</a:t>
-            </a:r>
+              <a:t>Linking to program logic through </a:t>
+            </a:r>
+          </a:p>
+          <a:p>
+            <a:pPr lvl="2"/>
             <a:r>
               <a:rPr lang="en-US" b="1" dirty="0"/>
-              <a:t> Rule)</a:t>
-            </a:r>
+              <a:t>Island-Update-Invariance </a:t>
+            </a:r>
+            <a:r>
+              <a:rPr lang="en-US"/>
+              <a:t>for soundness</a:t>
+            </a:r>
+            <a:endParaRPr lang="en-US" b="1" dirty="0"/>
           </a:p>
           <a:p>
             <a:pPr lvl="2"/>

--- a/thesis_proposal/proposal.pptx
+++ b/thesis_proposal/proposal.pptx
@@ -5,7 +5,7 @@
     <p:sldMasterId id="2147483648" r:id="rId1"/>
   </p:sldMasterIdLst>
   <p:notesMasterIdLst>
-    <p:notesMasterId r:id="rId48"/>
+    <p:notesMasterId r:id="rId47"/>
   </p:notesMasterIdLst>
   <p:sldIdLst>
     <p:sldId id="256" r:id="rId2"/>
@@ -47,13 +47,12 @@
     <p:sldId id="304" r:id="rId38"/>
     <p:sldId id="305" r:id="rId39"/>
     <p:sldId id="306" r:id="rId40"/>
-    <p:sldId id="307" r:id="rId41"/>
-    <p:sldId id="308" r:id="rId42"/>
-    <p:sldId id="309" r:id="rId43"/>
-    <p:sldId id="295" r:id="rId44"/>
-    <p:sldId id="288" r:id="rId45"/>
-    <p:sldId id="268" r:id="rId46"/>
-    <p:sldId id="274" r:id="rId47"/>
+    <p:sldId id="308" r:id="rId41"/>
+    <p:sldId id="309" r:id="rId42"/>
+    <p:sldId id="295" r:id="rId43"/>
+    <p:sldId id="288" r:id="rId44"/>
+    <p:sldId id="268" r:id="rId45"/>
+    <p:sldId id="274" r:id="rId46"/>
   </p:sldIdLst>
   <p:sldSz cx="12192000" cy="6858000"/>
   <p:notesSz cx="6858000" cy="9144000"/>
@@ -2577,7 +2576,37 @@
           <a:p>
             <a:r>
               <a:rPr lang="en-US" dirty="0"/>
-              <a:t>As backup slide.</a:t>
+              <a:t>We want to prove, abstractly, that any island update performed in terms of the</a:t>
+            </a:r>
+          </a:p>
+          <a:p>
+            <a:r>
+              <a:rPr lang="en-US" dirty="0"/>
+              <a:t>      sub-STS is valid in terms of the original STS.  Intuitively, we'd like to think</a:t>
+            </a:r>
+          </a:p>
+          <a:p>
+            <a:r>
+              <a:rPr lang="en-US" dirty="0"/>
+              <a:t>      of an update in terms of the sub-STS as equivalent to a combination of</a:t>
+            </a:r>
+          </a:p>
+          <a:p>
+            <a:r>
+              <a:rPr lang="en-US" dirty="0"/>
+              <a:t>      consequence, local anti-frame (on tokens), and island update on the original.</a:t>
+            </a:r>
+          </a:p>
+          <a:p>
+            <a:r>
+              <a:rPr lang="en-US" dirty="0"/>
+              <a:t>      (Eventually, we'd also like to include an analog of anti-frame on invariants</a:t>
+            </a:r>
+          </a:p>
+          <a:p>
+            <a:r>
+              <a:rPr lang="en-US" dirty="0"/>
+              <a:t>      to permit ignoring unaffected state).</a:t>
             </a:r>
           </a:p>
         </p:txBody>
@@ -2599,7 +2628,7 @@
           <a:p>
             <a:fld id="{180B0F4F-C4CA-F945-8BD8-C2A10415F31A}" type="slidenum">
               <a:rPr lang="en-US" smtClean="0"/>
-              <a:t>45</a:t>
+              <a:t>40</a:t>
             </a:fld>
             <a:endParaRPr lang="en-US"/>
           </a:p>
@@ -2608,7 +2637,7 @@
     </p:spTree>
     <p:extLst>
       <p:ext uri="{BB962C8B-B14F-4D97-AF65-F5344CB8AC3E}">
-        <p14:creationId xmlns:p14="http://schemas.microsoft.com/office/powerpoint/2010/main" val="819162960"/>
+        <p14:creationId xmlns:p14="http://schemas.microsoft.com/office/powerpoint/2010/main" val="3756382041"/>
       </p:ext>
     </p:extLst>
   </p:cSld>
@@ -2664,13 +2693,7 @@
           <a:p>
             <a:r>
               <a:rPr lang="en-US" dirty="0"/>
-              <a:t>It might want to defrag / compress page tables </a:t>
-            </a:r>
-          </a:p>
-          <a:p>
-            <a:r>
-              <a:rPr lang="en-US" dirty="0"/>
-              <a:t>changes internal page-tables would violate</a:t>
+              <a:t>As backup slide.</a:t>
             </a:r>
           </a:p>
         </p:txBody>
@@ -2692,7 +2715,100 @@
           <a:p>
             <a:fld id="{180B0F4F-C4CA-F945-8BD8-C2A10415F31A}" type="slidenum">
               <a:rPr lang="en-US" smtClean="0"/>
-              <a:t>46</a:t>
+              <a:t>44</a:t>
+            </a:fld>
+            <a:endParaRPr lang="en-US"/>
+          </a:p>
+        </p:txBody>
+      </p:sp>
+    </p:spTree>
+    <p:extLst>
+      <p:ext uri="{BB962C8B-B14F-4D97-AF65-F5344CB8AC3E}">
+        <p14:creationId xmlns:p14="http://schemas.microsoft.com/office/powerpoint/2010/main" val="819162960"/>
+      </p:ext>
+    </p:extLst>
+  </p:cSld>
+  <p:clrMapOvr>
+    <a:masterClrMapping/>
+  </p:clrMapOvr>
+</p:notes>
+</file>
+
+<file path=ppt/notesSlides/notesSlide26.xml><?xml version="1.0" encoding="utf-8"?>
+<p:notes xmlns:a="http://schemas.openxmlformats.org/drawingml/2006/main" xmlns:r="http://schemas.openxmlformats.org/officeDocument/2006/relationships" xmlns:p="http://schemas.openxmlformats.org/presentationml/2006/main">
+  <p:cSld>
+    <p:spTree>
+      <p:nvGrpSpPr>
+        <p:cNvPr id="1" name=""/>
+        <p:cNvGrpSpPr/>
+        <p:nvPr/>
+      </p:nvGrpSpPr>
+      <p:grpSpPr>
+        <a:xfrm>
+          <a:off x="0" y="0"/>
+          <a:ext cx="0" cy="0"/>
+          <a:chOff x="0" y="0"/>
+          <a:chExt cx="0" cy="0"/>
+        </a:xfrm>
+      </p:grpSpPr>
+      <p:sp>
+        <p:nvSpPr>
+          <p:cNvPr id="2" name="Slide Image Placeholder 1"/>
+          <p:cNvSpPr>
+            <a:spLocks noGrp="1" noRot="1" noChangeAspect="1"/>
+          </p:cNvSpPr>
+          <p:nvPr>
+            <p:ph type="sldImg"/>
+          </p:nvPr>
+        </p:nvSpPr>
+        <p:spPr/>
+      </p:sp>
+      <p:sp>
+        <p:nvSpPr>
+          <p:cNvPr id="3" name="Notes Placeholder 2"/>
+          <p:cNvSpPr>
+            <a:spLocks noGrp="1"/>
+          </p:cNvSpPr>
+          <p:nvPr>
+            <p:ph type="body" idx="1"/>
+          </p:nvPr>
+        </p:nvSpPr>
+        <p:spPr/>
+        <p:txBody>
+          <a:bodyPr/>
+          <a:lstStyle/>
+          <a:p>
+            <a:r>
+              <a:rPr lang="en-US" dirty="0"/>
+              <a:t>It might want to defrag / compress page tables </a:t>
+            </a:r>
+          </a:p>
+          <a:p>
+            <a:r>
+              <a:rPr lang="en-US" dirty="0"/>
+              <a:t>changes internal page-tables would violate</a:t>
+            </a:r>
+          </a:p>
+        </p:txBody>
+      </p:sp>
+      <p:sp>
+        <p:nvSpPr>
+          <p:cNvPr id="4" name="Slide Number Placeholder 3"/>
+          <p:cNvSpPr>
+            <a:spLocks noGrp="1"/>
+          </p:cNvSpPr>
+          <p:nvPr>
+            <p:ph type="sldNum" sz="quarter" idx="5"/>
+          </p:nvPr>
+        </p:nvSpPr>
+        <p:spPr/>
+        <p:txBody>
+          <a:bodyPr/>
+          <a:lstStyle/>
+          <a:p>
+            <a:fld id="{180B0F4F-C4CA-F945-8BD8-C2A10415F31A}" type="slidenum">
+              <a:rPr lang="en-US" smtClean="0"/>
+              <a:t>45</a:t>
             </a:fld>
             <a:endParaRPr lang="en-US"/>
           </a:p>
@@ -8938,6 +9054,639 @@
           </a:p>
         </p:txBody>
       </p:sp>
+      <p:sp>
+        <p:nvSpPr>
+          <p:cNvPr id="4" name="Oval 3">
+            <a:extLst>
+              <a:ext uri="{FF2B5EF4-FFF2-40B4-BE49-F238E27FC236}">
+                <a16:creationId xmlns:a16="http://schemas.microsoft.com/office/drawing/2014/main" id="{4D7E4078-7A19-9BF1-304C-8ECA76D7681B}"/>
+              </a:ext>
+            </a:extLst>
+          </p:cNvPr>
+          <p:cNvSpPr/>
+          <p:nvPr/>
+        </p:nvSpPr>
+        <p:spPr>
+          <a:xfrm>
+            <a:off x="8335626" y="786339"/>
+            <a:ext cx="550546" cy="549910"/>
+          </a:xfrm>
+          <a:prstGeom prst="ellipse">
+            <a:avLst/>
+          </a:prstGeom>
+          <a:solidFill>
+            <a:schemeClr val="accent1">
+              <a:alpha val="35818"/>
+            </a:schemeClr>
+          </a:solidFill>
+          <a:ln>
+            <a:solidFill>
+              <a:schemeClr val="tx1">
+                <a:alpha val="74087"/>
+              </a:schemeClr>
+            </a:solidFill>
+          </a:ln>
+        </p:spPr>
+        <p:style>
+          <a:lnRef idx="2">
+            <a:schemeClr val="accent1">
+              <a:shade val="15000"/>
+            </a:schemeClr>
+          </a:lnRef>
+          <a:fillRef idx="1">
+            <a:schemeClr val="accent1"/>
+          </a:fillRef>
+          <a:effectRef idx="0">
+            <a:schemeClr val="accent1"/>
+          </a:effectRef>
+          <a:fontRef idx="minor">
+            <a:schemeClr val="lt1"/>
+          </a:fontRef>
+        </p:style>
+        <p:txBody>
+          <a:bodyPr rtlCol="0" anchor="ctr"/>
+          <a:lstStyle/>
+          <a:p>
+            <a:pPr algn="ctr"/>
+            <a:r>
+              <a:rPr lang="en-US" dirty="0" err="1">
+                <a:solidFill>
+                  <a:schemeClr val="tx1"/>
+                </a:solidFill>
+              </a:rPr>
+              <a:t>s</a:t>
+            </a:r>
+            <a:r>
+              <a:rPr lang="en-US" baseline="-25000" dirty="0" err="1">
+                <a:solidFill>
+                  <a:schemeClr val="tx1"/>
+                </a:solidFill>
+              </a:rPr>
+              <a:t>i</a:t>
+            </a:r>
+            <a:endParaRPr lang="en-US" baseline="-25000" dirty="0">
+              <a:solidFill>
+                <a:schemeClr val="tx1"/>
+              </a:solidFill>
+            </a:endParaRPr>
+          </a:p>
+        </p:txBody>
+      </p:sp>
+      <p:sp>
+        <p:nvSpPr>
+          <p:cNvPr id="5" name="Oval 4">
+            <a:extLst>
+              <a:ext uri="{FF2B5EF4-FFF2-40B4-BE49-F238E27FC236}">
+                <a16:creationId xmlns:a16="http://schemas.microsoft.com/office/drawing/2014/main" id="{3205E7C6-BD68-6E8E-ABEC-6B5A5C689E82}"/>
+              </a:ext>
+            </a:extLst>
+          </p:cNvPr>
+          <p:cNvSpPr/>
+          <p:nvPr/>
+        </p:nvSpPr>
+        <p:spPr>
+          <a:xfrm>
+            <a:off x="8305146" y="1874729"/>
+            <a:ext cx="550546" cy="549910"/>
+          </a:xfrm>
+          <a:prstGeom prst="ellipse">
+            <a:avLst/>
+          </a:prstGeom>
+          <a:solidFill>
+            <a:schemeClr val="accent1">
+              <a:alpha val="35818"/>
+            </a:schemeClr>
+          </a:solidFill>
+          <a:ln>
+            <a:solidFill>
+              <a:schemeClr val="tx1">
+                <a:alpha val="74087"/>
+              </a:schemeClr>
+            </a:solidFill>
+          </a:ln>
+        </p:spPr>
+        <p:style>
+          <a:lnRef idx="2">
+            <a:schemeClr val="accent1">
+              <a:shade val="15000"/>
+            </a:schemeClr>
+          </a:lnRef>
+          <a:fillRef idx="1">
+            <a:schemeClr val="accent1"/>
+          </a:fillRef>
+          <a:effectRef idx="0">
+            <a:schemeClr val="accent1"/>
+          </a:effectRef>
+          <a:fontRef idx="minor">
+            <a:schemeClr val="lt1"/>
+          </a:fontRef>
+        </p:style>
+        <p:txBody>
+          <a:bodyPr rtlCol="0" anchor="ctr"/>
+          <a:lstStyle/>
+          <a:p>
+            <a:pPr algn="ctr"/>
+            <a:r>
+              <a:rPr lang="en-US" dirty="0">
+                <a:solidFill>
+                  <a:schemeClr val="tx1"/>
+                </a:solidFill>
+              </a:rPr>
+              <a:t>s</a:t>
+            </a:r>
+            <a:r>
+              <a:rPr lang="en-US" baseline="-25000" dirty="0">
+                <a:solidFill>
+                  <a:schemeClr val="tx1"/>
+                </a:solidFill>
+              </a:rPr>
+              <a:t>o</a:t>
+            </a:r>
+          </a:p>
+        </p:txBody>
+      </p:sp>
+      <p:sp>
+        <p:nvSpPr>
+          <p:cNvPr id="6" name="Oval 5">
+            <a:extLst>
+              <a:ext uri="{FF2B5EF4-FFF2-40B4-BE49-F238E27FC236}">
+                <a16:creationId xmlns:a16="http://schemas.microsoft.com/office/drawing/2014/main" id="{89E21EC6-6985-EF58-5BEC-911E99F0D9D9}"/>
+              </a:ext>
+            </a:extLst>
+          </p:cNvPr>
+          <p:cNvSpPr/>
+          <p:nvPr/>
+        </p:nvSpPr>
+        <p:spPr>
+          <a:xfrm>
+            <a:off x="8315306" y="3009315"/>
+            <a:ext cx="550546" cy="549910"/>
+          </a:xfrm>
+          <a:prstGeom prst="ellipse">
+            <a:avLst/>
+          </a:prstGeom>
+          <a:solidFill>
+            <a:schemeClr val="accent1">
+              <a:alpha val="35818"/>
+            </a:schemeClr>
+          </a:solidFill>
+          <a:ln>
+            <a:solidFill>
+              <a:schemeClr val="tx1">
+                <a:alpha val="74087"/>
+              </a:schemeClr>
+            </a:solidFill>
+          </a:ln>
+        </p:spPr>
+        <p:style>
+          <a:lnRef idx="2">
+            <a:schemeClr val="accent1">
+              <a:shade val="15000"/>
+            </a:schemeClr>
+          </a:lnRef>
+          <a:fillRef idx="1">
+            <a:schemeClr val="accent1"/>
+          </a:fillRef>
+          <a:effectRef idx="0">
+            <a:schemeClr val="accent1"/>
+          </a:effectRef>
+          <a:fontRef idx="minor">
+            <a:schemeClr val="lt1"/>
+          </a:fontRef>
+        </p:style>
+        <p:txBody>
+          <a:bodyPr rtlCol="0" anchor="ctr"/>
+          <a:lstStyle/>
+          <a:p>
+            <a:pPr algn="ctr"/>
+            <a:r>
+              <a:rPr lang="en-US" dirty="0" err="1">
+                <a:solidFill>
+                  <a:schemeClr val="tx1"/>
+                </a:solidFill>
+              </a:rPr>
+              <a:t>s</a:t>
+            </a:r>
+            <a:r>
+              <a:rPr lang="en-US" baseline="-25000" dirty="0" err="1">
+                <a:solidFill>
+                  <a:schemeClr val="tx1"/>
+                </a:solidFill>
+              </a:rPr>
+              <a:t>c</a:t>
+            </a:r>
+            <a:endParaRPr lang="en-US" baseline="-25000" dirty="0">
+              <a:solidFill>
+                <a:schemeClr val="tx1"/>
+              </a:solidFill>
+            </a:endParaRPr>
+          </a:p>
+        </p:txBody>
+      </p:sp>
+      <p:cxnSp>
+        <p:nvCxnSpPr>
+          <p:cNvPr id="7" name="Straight Arrow Connector 6">
+            <a:extLst>
+              <a:ext uri="{FF2B5EF4-FFF2-40B4-BE49-F238E27FC236}">
+                <a16:creationId xmlns:a16="http://schemas.microsoft.com/office/drawing/2014/main" id="{F733D211-ED99-3F97-9219-D1D4AB5906AF}"/>
+              </a:ext>
+            </a:extLst>
+          </p:cNvPr>
+          <p:cNvCxnSpPr>
+            <a:cxnSpLocks/>
+            <a:stCxn id="4" idx="4"/>
+            <a:endCxn id="5" idx="0"/>
+          </p:cNvCxnSpPr>
+          <p:nvPr/>
+        </p:nvCxnSpPr>
+        <p:spPr>
+          <a:xfrm flipH="1">
+            <a:off x="8580419" y="1336249"/>
+            <a:ext cx="30480" cy="538480"/>
+          </a:xfrm>
+          <a:prstGeom prst="straightConnector1">
+            <a:avLst/>
+          </a:prstGeom>
+          <a:ln>
+            <a:tailEnd type="triangle"/>
+          </a:ln>
+        </p:spPr>
+        <p:style>
+          <a:lnRef idx="1">
+            <a:schemeClr val="accent1"/>
+          </a:lnRef>
+          <a:fillRef idx="0">
+            <a:schemeClr val="accent1"/>
+          </a:fillRef>
+          <a:effectRef idx="0">
+            <a:schemeClr val="accent1"/>
+          </a:effectRef>
+          <a:fontRef idx="minor">
+            <a:schemeClr val="tx1"/>
+          </a:fontRef>
+        </p:style>
+      </p:cxnSp>
+      <p:sp>
+        <p:nvSpPr>
+          <p:cNvPr id="8" name="TextBox 7">
+            <a:extLst>
+              <a:ext uri="{FF2B5EF4-FFF2-40B4-BE49-F238E27FC236}">
+                <a16:creationId xmlns:a16="http://schemas.microsoft.com/office/drawing/2014/main" id="{15960FFE-9F5E-1791-F64D-7887152183DF}"/>
+              </a:ext>
+            </a:extLst>
+          </p:cNvPr>
+          <p:cNvSpPr txBox="1"/>
+          <p:nvPr/>
+        </p:nvSpPr>
+        <p:spPr>
+          <a:xfrm>
+            <a:off x="8235032" y="1415108"/>
+            <a:ext cx="651140" cy="369332"/>
+          </a:xfrm>
+          <a:prstGeom prst="rect">
+            <a:avLst/>
+          </a:prstGeom>
+          <a:noFill/>
+        </p:spPr>
+        <p:txBody>
+          <a:bodyPr wrap="none" rtlCol="0">
+            <a:spAutoFit/>
+          </a:bodyPr>
+          <a:lstStyle/>
+          <a:p>
+            <a:pPr algn="r"/>
+            <a:r>
+              <a:rPr lang="en-US" i="1" dirty="0"/>
+              <a:t>open</a:t>
+            </a:r>
+          </a:p>
+        </p:txBody>
+      </p:sp>
+      <p:sp>
+        <p:nvSpPr>
+          <p:cNvPr id="9" name="TextBox 8">
+            <a:extLst>
+              <a:ext uri="{FF2B5EF4-FFF2-40B4-BE49-F238E27FC236}">
+                <a16:creationId xmlns:a16="http://schemas.microsoft.com/office/drawing/2014/main" id="{F33C0B0F-9642-5B69-BAAD-0A5BBBF6C500}"/>
+              </a:ext>
+            </a:extLst>
+          </p:cNvPr>
+          <p:cNvSpPr txBox="1"/>
+          <p:nvPr/>
+        </p:nvSpPr>
+        <p:spPr>
+          <a:xfrm>
+            <a:off x="8233429" y="2499648"/>
+            <a:ext cx="652743" cy="369332"/>
+          </a:xfrm>
+          <a:prstGeom prst="rect">
+            <a:avLst/>
+          </a:prstGeom>
+          <a:noFill/>
+        </p:spPr>
+        <p:txBody>
+          <a:bodyPr wrap="none" rtlCol="0">
+            <a:spAutoFit/>
+          </a:bodyPr>
+          <a:lstStyle/>
+          <a:p>
+            <a:pPr algn="r"/>
+            <a:r>
+              <a:rPr lang="en-US" i="1" dirty="0"/>
+              <a:t>close</a:t>
+            </a:r>
+          </a:p>
+        </p:txBody>
+      </p:sp>
+      <p:cxnSp>
+        <p:nvCxnSpPr>
+          <p:cNvPr id="10" name="Curved Connector 9">
+            <a:extLst>
+              <a:ext uri="{FF2B5EF4-FFF2-40B4-BE49-F238E27FC236}">
+                <a16:creationId xmlns:a16="http://schemas.microsoft.com/office/drawing/2014/main" id="{E8AFBF2C-C20A-A9BC-214E-98D1B7F52467}"/>
+              </a:ext>
+            </a:extLst>
+          </p:cNvPr>
+          <p:cNvCxnSpPr>
+            <a:cxnSpLocks/>
+            <a:stCxn id="5" idx="6"/>
+            <a:endCxn id="5" idx="7"/>
+          </p:cNvCxnSpPr>
+          <p:nvPr/>
+        </p:nvCxnSpPr>
+        <p:spPr>
+          <a:xfrm flipH="1" flipV="1">
+            <a:off x="8775066" y="1955261"/>
+            <a:ext cx="80626" cy="194423"/>
+          </a:xfrm>
+          <a:prstGeom prst="curvedConnector4">
+            <a:avLst>
+              <a:gd name="adj1" fmla="val -1430258"/>
+              <a:gd name="adj2" fmla="val 259000"/>
+            </a:avLst>
+          </a:prstGeom>
+          <a:ln>
+            <a:tailEnd type="triangle"/>
+          </a:ln>
+        </p:spPr>
+        <p:style>
+          <a:lnRef idx="1">
+            <a:schemeClr val="accent1"/>
+          </a:lnRef>
+          <a:fillRef idx="0">
+            <a:schemeClr val="accent1"/>
+          </a:fillRef>
+          <a:effectRef idx="0">
+            <a:schemeClr val="accent1"/>
+          </a:effectRef>
+          <a:fontRef idx="minor">
+            <a:schemeClr val="tx1"/>
+          </a:fontRef>
+        </p:style>
+      </p:cxnSp>
+      <p:sp>
+        <p:nvSpPr>
+          <p:cNvPr id="11" name="TextBox 10">
+            <a:extLst>
+              <a:ext uri="{FF2B5EF4-FFF2-40B4-BE49-F238E27FC236}">
+                <a16:creationId xmlns:a16="http://schemas.microsoft.com/office/drawing/2014/main" id="{5C273373-FA05-0977-8B68-06829984568C}"/>
+              </a:ext>
+            </a:extLst>
+          </p:cNvPr>
+          <p:cNvSpPr txBox="1"/>
+          <p:nvPr/>
+        </p:nvSpPr>
+        <p:spPr>
+          <a:xfrm>
+            <a:off x="9658332" y="1619006"/>
+            <a:ext cx="666273" cy="646331"/>
+          </a:xfrm>
+          <a:prstGeom prst="rect">
+            <a:avLst/>
+          </a:prstGeom>
+          <a:noFill/>
+        </p:spPr>
+        <p:txBody>
+          <a:bodyPr wrap="none" rtlCol="0">
+            <a:spAutoFit/>
+          </a:bodyPr>
+          <a:lstStyle/>
+          <a:p>
+            <a:r>
+              <a:rPr lang="en-US" i="1" dirty="0"/>
+              <a:t>read</a:t>
+            </a:r>
+          </a:p>
+          <a:p>
+            <a:r>
+              <a:rPr lang="en-US" i="1" dirty="0"/>
+              <a:t>write</a:t>
+            </a:r>
+          </a:p>
+        </p:txBody>
+      </p:sp>
+      <p:sp>
+        <p:nvSpPr>
+          <p:cNvPr id="12" name="Oval 11">
+            <a:extLst>
+              <a:ext uri="{FF2B5EF4-FFF2-40B4-BE49-F238E27FC236}">
+                <a16:creationId xmlns:a16="http://schemas.microsoft.com/office/drawing/2014/main" id="{07CF65D2-80D7-4916-3C5E-E7F5B57A8ED3}"/>
+              </a:ext>
+            </a:extLst>
+          </p:cNvPr>
+          <p:cNvSpPr/>
+          <p:nvPr/>
+        </p:nvSpPr>
+        <p:spPr>
+          <a:xfrm>
+            <a:off x="8299273" y="5627053"/>
+            <a:ext cx="550546" cy="549910"/>
+          </a:xfrm>
+          <a:prstGeom prst="ellipse">
+            <a:avLst/>
+          </a:prstGeom>
+          <a:solidFill>
+            <a:schemeClr val="accent1">
+              <a:alpha val="35818"/>
+            </a:schemeClr>
+          </a:solidFill>
+          <a:ln>
+            <a:solidFill>
+              <a:schemeClr val="tx1">
+                <a:alpha val="74087"/>
+              </a:schemeClr>
+            </a:solidFill>
+          </a:ln>
+        </p:spPr>
+        <p:style>
+          <a:lnRef idx="2">
+            <a:schemeClr val="accent1">
+              <a:shade val="15000"/>
+            </a:schemeClr>
+          </a:lnRef>
+          <a:fillRef idx="1">
+            <a:schemeClr val="accent1"/>
+          </a:fillRef>
+          <a:effectRef idx="0">
+            <a:schemeClr val="accent1"/>
+          </a:effectRef>
+          <a:fontRef idx="minor">
+            <a:schemeClr val="lt1"/>
+          </a:fontRef>
+        </p:style>
+        <p:txBody>
+          <a:bodyPr rtlCol="0" anchor="ctr"/>
+          <a:lstStyle/>
+          <a:p>
+            <a:pPr algn="ctr"/>
+            <a:r>
+              <a:rPr lang="en-US" dirty="0">
+                <a:solidFill>
+                  <a:schemeClr val="tx1"/>
+                </a:solidFill>
+              </a:rPr>
+              <a:t>s</a:t>
+            </a:r>
+            <a:r>
+              <a:rPr lang="en-US" baseline="-25000" dirty="0">
+                <a:solidFill>
+                  <a:schemeClr val="tx1"/>
+                </a:solidFill>
+              </a:rPr>
+              <a:t>o</a:t>
+            </a:r>
+          </a:p>
+        </p:txBody>
+      </p:sp>
+      <p:cxnSp>
+        <p:nvCxnSpPr>
+          <p:cNvPr id="13" name="Curved Connector 12">
+            <a:extLst>
+              <a:ext uri="{FF2B5EF4-FFF2-40B4-BE49-F238E27FC236}">
+                <a16:creationId xmlns:a16="http://schemas.microsoft.com/office/drawing/2014/main" id="{83716B24-B4F2-5EBD-D4C1-3DED2575FF53}"/>
+              </a:ext>
+            </a:extLst>
+          </p:cNvPr>
+          <p:cNvCxnSpPr>
+            <a:cxnSpLocks/>
+            <a:stCxn id="12" idx="6"/>
+            <a:endCxn id="12" idx="7"/>
+          </p:cNvCxnSpPr>
+          <p:nvPr/>
+        </p:nvCxnSpPr>
+        <p:spPr>
+          <a:xfrm flipH="1" flipV="1">
+            <a:off x="8769193" y="5707585"/>
+            <a:ext cx="80626" cy="194423"/>
+          </a:xfrm>
+          <a:prstGeom prst="curvedConnector4">
+            <a:avLst>
+              <a:gd name="adj1" fmla="val -1430258"/>
+              <a:gd name="adj2" fmla="val 259000"/>
+            </a:avLst>
+          </a:prstGeom>
+          <a:ln>
+            <a:tailEnd type="triangle"/>
+          </a:ln>
+        </p:spPr>
+        <p:style>
+          <a:lnRef idx="1">
+            <a:schemeClr val="accent1"/>
+          </a:lnRef>
+          <a:fillRef idx="0">
+            <a:schemeClr val="accent1"/>
+          </a:fillRef>
+          <a:effectRef idx="0">
+            <a:schemeClr val="accent1"/>
+          </a:effectRef>
+          <a:fontRef idx="minor">
+            <a:schemeClr val="tx1"/>
+          </a:fontRef>
+        </p:style>
+      </p:cxnSp>
+      <p:sp>
+        <p:nvSpPr>
+          <p:cNvPr id="14" name="TextBox 13">
+            <a:extLst>
+              <a:ext uri="{FF2B5EF4-FFF2-40B4-BE49-F238E27FC236}">
+                <a16:creationId xmlns:a16="http://schemas.microsoft.com/office/drawing/2014/main" id="{962986CA-2F72-BB89-8DB6-E661098068D6}"/>
+              </a:ext>
+            </a:extLst>
+          </p:cNvPr>
+          <p:cNvSpPr txBox="1"/>
+          <p:nvPr/>
+        </p:nvSpPr>
+        <p:spPr>
+          <a:xfrm>
+            <a:off x="9652459" y="5371330"/>
+            <a:ext cx="666273" cy="646331"/>
+          </a:xfrm>
+          <a:prstGeom prst="rect">
+            <a:avLst/>
+          </a:prstGeom>
+          <a:noFill/>
+        </p:spPr>
+        <p:txBody>
+          <a:bodyPr wrap="none" rtlCol="0">
+            <a:spAutoFit/>
+          </a:bodyPr>
+          <a:lstStyle/>
+          <a:p>
+            <a:r>
+              <a:rPr lang="en-US" i="1" dirty="0"/>
+              <a:t>read</a:t>
+            </a:r>
+          </a:p>
+          <a:p>
+            <a:r>
+              <a:rPr lang="en-US" i="1" dirty="0"/>
+              <a:t>write</a:t>
+            </a:r>
+          </a:p>
+        </p:txBody>
+      </p:sp>
+      <p:cxnSp>
+        <p:nvCxnSpPr>
+          <p:cNvPr id="17" name="Straight Arrow Connector 16">
+            <a:extLst>
+              <a:ext uri="{FF2B5EF4-FFF2-40B4-BE49-F238E27FC236}">
+                <a16:creationId xmlns:a16="http://schemas.microsoft.com/office/drawing/2014/main" id="{A492A713-6149-4AD5-49D1-02813D7B3CF6}"/>
+              </a:ext>
+            </a:extLst>
+          </p:cNvPr>
+          <p:cNvCxnSpPr>
+            <a:cxnSpLocks/>
+            <a:stCxn id="5" idx="4"/>
+          </p:cNvCxnSpPr>
+          <p:nvPr/>
+        </p:nvCxnSpPr>
+        <p:spPr>
+          <a:xfrm>
+            <a:off x="8580419" y="2424639"/>
+            <a:ext cx="0" cy="585272"/>
+          </a:xfrm>
+          <a:prstGeom prst="straightConnector1">
+            <a:avLst/>
+          </a:prstGeom>
+          <a:ln>
+            <a:tailEnd type="triangle"/>
+          </a:ln>
+        </p:spPr>
+        <p:style>
+          <a:lnRef idx="1">
+            <a:schemeClr val="accent1"/>
+          </a:lnRef>
+          <a:fillRef idx="0">
+            <a:schemeClr val="accent1"/>
+          </a:fillRef>
+          <a:effectRef idx="0">
+            <a:schemeClr val="accent1"/>
+          </a:effectRef>
+          <a:fontRef idx="minor">
+            <a:schemeClr val="tx1"/>
+          </a:fontRef>
+        </p:style>
+      </p:cxnSp>
     </p:spTree>
     <p:extLst>
       <p:ext uri="{BB962C8B-B14F-4D97-AF65-F5344CB8AC3E}">
@@ -37230,7 +37979,7 @@
               <a:t>Island-Update-Invariance </a:t>
             </a:r>
             <a:r>
-              <a:rPr lang="en-US"/>
+              <a:rPr lang="en-US" dirty="0"/>
               <a:t>for soundness</a:t>
             </a:r>
             <a:endParaRPr lang="en-US" b="1" dirty="0"/>
@@ -37357,8 +38106,107 @@
             </a:r>
             <a:r>
               <a:rPr lang="en-US" dirty="0"/>
-              <a:t> as an instance of our morphism definition</a:t>
-            </a:r>
+              <a:t>. as an instance of our morphism definition</a:t>
+            </a:r>
+          </a:p>
+          <a:p>
+            <a:r>
+              <a:rPr lang="en-US" dirty="0"/>
+              <a:t>We denote transitions in the environment</a:t>
+            </a:r>
+            <a:endParaRPr lang="en-US" b="1" i="1" dirty="0"/>
+          </a:p>
+          <a:p>
+            <a:pPr lvl="1"/>
+            <a:endParaRPr lang="en-US" dirty="0"/>
+          </a:p>
+          <a:p>
+            <a:pPr lvl="1"/>
+            <a:r>
+              <a:rPr lang="en-US" dirty="0"/>
+              <a:t>Essentially the generated </a:t>
+            </a:r>
+            <a:r>
+              <a:rPr lang="en-US" dirty="0" err="1"/>
+              <a:t>submodel</a:t>
+            </a:r>
+            <a:r>
+              <a:rPr lang="en-US" dirty="0"/>
+              <a:t> starting at [</a:t>
+            </a:r>
+            <a:r>
+              <a:rPr lang="en-US" b="1" i="1" dirty="0"/>
+              <a:t>s</a:t>
+            </a:r>
+            <a:r>
+              <a:rPr lang="en-US" dirty="0"/>
+              <a:t>] for </a:t>
+            </a:r>
+            <a:r>
+              <a:rPr lang="en-US" b="1" i="1" dirty="0" err="1"/>
+              <a:t>AllTok</a:t>
+            </a:r>
+            <a:r>
+              <a:rPr lang="en-US" dirty="0"/>
+              <a:t>/</a:t>
+            </a:r>
+            <a:r>
+              <a:rPr lang="en-US" b="1" i="1" dirty="0"/>
+              <a:t>T</a:t>
+            </a:r>
+          </a:p>
+          <a:p>
+            <a:r>
+              <a:rPr lang="en-US" dirty="0"/>
+              <a:t>The guarantee (the generated </a:t>
+            </a:r>
+            <a:r>
+              <a:rPr lang="en-US" dirty="0" err="1"/>
+              <a:t>submodel</a:t>
+            </a:r>
+            <a:r>
+              <a:rPr lang="en-US" dirty="0"/>
+              <a:t> starting at [</a:t>
+            </a:r>
+            <a:r>
+              <a:rPr lang="en-US" b="1" i="1" dirty="0"/>
+              <a:t>s</a:t>
+            </a:r>
+            <a:r>
+              <a:rPr lang="en-US" dirty="0"/>
+              <a:t>] for </a:t>
+            </a:r>
+            <a:r>
+              <a:rPr lang="en-US" b="1" i="1" dirty="0"/>
+              <a:t>T</a:t>
+            </a:r>
+            <a:r>
+              <a:rPr lang="en-US" dirty="0"/>
+              <a:t>)</a:t>
+            </a:r>
+          </a:p>
+          <a:p>
+            <a:r>
+              <a:rPr lang="en-US" dirty="0"/>
+              <a:t>Intuitively speaking, we need to preserve the rely-start-end pairs exactly</a:t>
+            </a:r>
+          </a:p>
+          <a:p>
+            <a:pPr lvl="1"/>
+            <a:r>
+              <a:rPr lang="en-US" dirty="0"/>
+              <a:t>Don’t drop plausible interference </a:t>
+            </a:r>
+          </a:p>
+          <a:p>
+            <a:pPr lvl="1"/>
+            <a:r>
+              <a:rPr lang="en-US" dirty="0"/>
+              <a:t>Acknowledge valid staring points</a:t>
+            </a:r>
+          </a:p>
+          <a:p>
+            <a:endParaRPr lang="en-US" dirty="0"/>
           </a:p>
           <a:p>
             <a:endParaRPr lang="en-US" dirty="0"/>
@@ -37397,10 +38245,10 @@
       </p:pic>
       <p:pic>
         <p:nvPicPr>
-          <p:cNvPr id="7" name="Picture 6" descr="A black text on a white background&#10;&#10;Description automatically generated">
-            <a:extLst>
-              <a:ext uri="{FF2B5EF4-FFF2-40B4-BE49-F238E27FC236}">
-                <a16:creationId xmlns:a16="http://schemas.microsoft.com/office/drawing/2014/main" id="{BC31C2B5-766C-E17B-F54F-2C2D720CF3CC}"/>
+          <p:cNvPr id="9" name="Picture 8">
+            <a:extLst>
+              <a:ext uri="{FF2B5EF4-FFF2-40B4-BE49-F238E27FC236}">
+                <a16:creationId xmlns:a16="http://schemas.microsoft.com/office/drawing/2014/main" id="{C6720A00-16EE-7A0E-E1F3-B08BE8A48753}"/>
               </a:ext>
             </a:extLst>
           </p:cNvPr>
@@ -37417,8 +38265,8 @@
         </p:blipFill>
         <p:spPr>
           <a:xfrm>
-            <a:off x="1459230" y="5110602"/>
-            <a:ext cx="7772400" cy="1201298"/>
+            <a:off x="7335520" y="2266949"/>
+            <a:ext cx="741680" cy="711407"/>
           </a:xfrm>
           <a:prstGeom prst="rect">
             <a:avLst/>
@@ -37519,6 +38367,621 @@
                       </p:childTnLst>
                     </p:cTn>
                   </p:par>
+                  <p:par>
+                    <p:cTn id="9" fill="hold">
+                      <p:stCondLst>
+                        <p:cond delay="indefinite"/>
+                      </p:stCondLst>
+                      <p:childTnLst>
+                        <p:par>
+                          <p:cTn id="10" fill="hold">
+                            <p:stCondLst>
+                              <p:cond delay="0"/>
+                            </p:stCondLst>
+                            <p:childTnLst>
+                              <p:par>
+                                <p:cTn id="11" presetID="1" presetClass="entr" presetSubtype="0" fill="hold" nodeType="clickEffect">
+                                  <p:stCondLst>
+                                    <p:cond delay="0"/>
+                                  </p:stCondLst>
+                                  <p:childTnLst>
+                                    <p:set>
+                                      <p:cBhvr>
+                                        <p:cTn id="12" dur="1" fill="hold">
+                                          <p:stCondLst>
+                                            <p:cond delay="0"/>
+                                          </p:stCondLst>
+                                        </p:cTn>
+                                        <p:tgtEl>
+                                          <p:spTgt spid="3">
+                                            <p:txEl>
+                                              <p:pRg st="1" end="1"/>
+                                            </p:txEl>
+                                          </p:spTgt>
+                                        </p:tgtEl>
+                                        <p:attrNameLst>
+                                          <p:attrName>style.visibility</p:attrName>
+                                        </p:attrNameLst>
+                                      </p:cBhvr>
+                                      <p:to>
+                                        <p:strVal val="visible"/>
+                                      </p:to>
+                                    </p:set>
+                                  </p:childTnLst>
+                                </p:cTn>
+                              </p:par>
+                              <p:par>
+                                <p:cTn id="13" presetID="1" presetClass="entr" presetSubtype="0" fill="hold" nodeType="withEffect">
+                                  <p:stCondLst>
+                                    <p:cond delay="0"/>
+                                  </p:stCondLst>
+                                  <p:childTnLst>
+                                    <p:set>
+                                      <p:cBhvr>
+                                        <p:cTn id="14" dur="1" fill="hold">
+                                          <p:stCondLst>
+                                            <p:cond delay="0"/>
+                                          </p:stCondLst>
+                                        </p:cTn>
+                                        <p:tgtEl>
+                                          <p:spTgt spid="9"/>
+                                        </p:tgtEl>
+                                        <p:attrNameLst>
+                                          <p:attrName>style.visibility</p:attrName>
+                                        </p:attrNameLst>
+                                      </p:cBhvr>
+                                      <p:to>
+                                        <p:strVal val="visible"/>
+                                      </p:to>
+                                    </p:set>
+                                  </p:childTnLst>
+                                </p:cTn>
+                              </p:par>
+                            </p:childTnLst>
+                          </p:cTn>
+                        </p:par>
+                      </p:childTnLst>
+                    </p:cTn>
+                  </p:par>
+                  <p:par>
+                    <p:cTn id="15" fill="hold">
+                      <p:stCondLst>
+                        <p:cond delay="indefinite"/>
+                      </p:stCondLst>
+                      <p:childTnLst>
+                        <p:par>
+                          <p:cTn id="16" fill="hold">
+                            <p:stCondLst>
+                              <p:cond delay="0"/>
+                            </p:stCondLst>
+                            <p:childTnLst>
+                              <p:par>
+                                <p:cTn id="17" presetID="1" presetClass="entr" presetSubtype="0" fill="hold" nodeType="clickEffect">
+                                  <p:stCondLst>
+                                    <p:cond delay="0"/>
+                                  </p:stCondLst>
+                                  <p:childTnLst>
+                                    <p:set>
+                                      <p:cBhvr>
+                                        <p:cTn id="18" dur="1" fill="hold">
+                                          <p:stCondLst>
+                                            <p:cond delay="0"/>
+                                          </p:stCondLst>
+                                        </p:cTn>
+                                        <p:tgtEl>
+                                          <p:spTgt spid="3">
+                                            <p:txEl>
+                                              <p:pRg st="4" end="4"/>
+                                            </p:txEl>
+                                          </p:spTgt>
+                                        </p:tgtEl>
+                                        <p:attrNameLst>
+                                          <p:attrName>style.visibility</p:attrName>
+                                        </p:attrNameLst>
+                                      </p:cBhvr>
+                                      <p:to>
+                                        <p:strVal val="visible"/>
+                                      </p:to>
+                                    </p:set>
+                                  </p:childTnLst>
+                                </p:cTn>
+                              </p:par>
+                            </p:childTnLst>
+                          </p:cTn>
+                        </p:par>
+                      </p:childTnLst>
+                    </p:cTn>
+                  </p:par>
+                  <p:par>
+                    <p:cTn id="19" fill="hold">
+                      <p:stCondLst>
+                        <p:cond delay="indefinite"/>
+                      </p:stCondLst>
+                      <p:childTnLst>
+                        <p:par>
+                          <p:cTn id="20" fill="hold">
+                            <p:stCondLst>
+                              <p:cond delay="0"/>
+                            </p:stCondLst>
+                            <p:childTnLst>
+                              <p:par>
+                                <p:cTn id="21" presetID="1" presetClass="entr" presetSubtype="0" fill="hold" nodeType="clickEffect">
+                                  <p:stCondLst>
+                                    <p:cond delay="0"/>
+                                  </p:stCondLst>
+                                  <p:childTnLst>
+                                    <p:set>
+                                      <p:cBhvr>
+                                        <p:cTn id="22" dur="1" fill="hold">
+                                          <p:stCondLst>
+                                            <p:cond delay="0"/>
+                                          </p:stCondLst>
+                                        </p:cTn>
+                                        <p:tgtEl>
+                                          <p:spTgt spid="3">
+                                            <p:txEl>
+                                              <p:pRg st="5" end="5"/>
+                                            </p:txEl>
+                                          </p:spTgt>
+                                        </p:tgtEl>
+                                        <p:attrNameLst>
+                                          <p:attrName>style.visibility</p:attrName>
+                                        </p:attrNameLst>
+                                      </p:cBhvr>
+                                      <p:to>
+                                        <p:strVal val="visible"/>
+                                      </p:to>
+                                    </p:set>
+                                  </p:childTnLst>
+                                </p:cTn>
+                              </p:par>
+                            </p:childTnLst>
+                          </p:cTn>
+                        </p:par>
+                      </p:childTnLst>
+                    </p:cTn>
+                  </p:par>
+                  <p:par>
+                    <p:cTn id="23" fill="hold">
+                      <p:stCondLst>
+                        <p:cond delay="indefinite"/>
+                      </p:stCondLst>
+                      <p:childTnLst>
+                        <p:par>
+                          <p:cTn id="24" fill="hold">
+                            <p:stCondLst>
+                              <p:cond delay="0"/>
+                            </p:stCondLst>
+                            <p:childTnLst>
+                              <p:par>
+                                <p:cTn id="25" presetID="1" presetClass="entr" presetSubtype="0" fill="hold" nodeType="clickEffect">
+                                  <p:stCondLst>
+                                    <p:cond delay="0"/>
+                                  </p:stCondLst>
+                                  <p:childTnLst>
+                                    <p:set>
+                                      <p:cBhvr>
+                                        <p:cTn id="26" dur="1" fill="hold">
+                                          <p:stCondLst>
+                                            <p:cond delay="0"/>
+                                          </p:stCondLst>
+                                        </p:cTn>
+                                        <p:tgtEl>
+                                          <p:spTgt spid="3">
+                                            <p:txEl>
+                                              <p:pRg st="6" end="6"/>
+                                            </p:txEl>
+                                          </p:spTgt>
+                                        </p:tgtEl>
+                                        <p:attrNameLst>
+                                          <p:attrName>style.visibility</p:attrName>
+                                        </p:attrNameLst>
+                                      </p:cBhvr>
+                                      <p:to>
+                                        <p:strVal val="visible"/>
+                                      </p:to>
+                                    </p:set>
+                                  </p:childTnLst>
+                                </p:cTn>
+                              </p:par>
+                            </p:childTnLst>
+                          </p:cTn>
+                        </p:par>
+                      </p:childTnLst>
+                    </p:cTn>
+                  </p:par>
+                  <p:par>
+                    <p:cTn id="27" fill="hold">
+                      <p:stCondLst>
+                        <p:cond delay="indefinite"/>
+                      </p:stCondLst>
+                      <p:childTnLst>
+                        <p:par>
+                          <p:cTn id="28" fill="hold">
+                            <p:stCondLst>
+                              <p:cond delay="0"/>
+                            </p:stCondLst>
+                            <p:childTnLst>
+                              <p:par>
+                                <p:cTn id="29" presetID="1" presetClass="entr" presetSubtype="0" fill="hold" nodeType="clickEffect">
+                                  <p:stCondLst>
+                                    <p:cond delay="0"/>
+                                  </p:stCondLst>
+                                  <p:childTnLst>
+                                    <p:set>
+                                      <p:cBhvr>
+                                        <p:cTn id="30" dur="1" fill="hold">
+                                          <p:stCondLst>
+                                            <p:cond delay="0"/>
+                                          </p:stCondLst>
+                                        </p:cTn>
+                                        <p:tgtEl>
+                                          <p:spTgt spid="3">
+                                            <p:txEl>
+                                              <p:pRg st="7" end="7"/>
+                                            </p:txEl>
+                                          </p:spTgt>
+                                        </p:tgtEl>
+                                        <p:attrNameLst>
+                                          <p:attrName>style.visibility</p:attrName>
+                                        </p:attrNameLst>
+                                      </p:cBhvr>
+                                      <p:to>
+                                        <p:strVal val="visible"/>
+                                      </p:to>
+                                    </p:set>
+                                  </p:childTnLst>
+                                </p:cTn>
+                              </p:par>
+                            </p:childTnLst>
+                          </p:cTn>
+                        </p:par>
+                      </p:childTnLst>
+                    </p:cTn>
+                  </p:par>
+                  <p:par>
+                    <p:cTn id="31" fill="hold">
+                      <p:stCondLst>
+                        <p:cond delay="indefinite"/>
+                      </p:stCondLst>
+                      <p:childTnLst>
+                        <p:par>
+                          <p:cTn id="32" fill="hold">
+                            <p:stCondLst>
+                              <p:cond delay="0"/>
+                            </p:stCondLst>
+                            <p:childTnLst>
+                              <p:par>
+                                <p:cTn id="33" presetID="1" presetClass="entr" presetSubtype="0" fill="hold" nodeType="clickEffect">
+                                  <p:stCondLst>
+                                    <p:cond delay="0"/>
+                                  </p:stCondLst>
+                                  <p:childTnLst>
+                                    <p:set>
+                                      <p:cBhvr>
+                                        <p:cTn id="34" dur="1" fill="hold">
+                                          <p:stCondLst>
+                                            <p:cond delay="0"/>
+                                          </p:stCondLst>
+                                        </p:cTn>
+                                        <p:tgtEl>
+                                          <p:spTgt spid="3">
+                                            <p:txEl>
+                                              <p:pRg st="3" end="3"/>
+                                            </p:txEl>
+                                          </p:spTgt>
+                                        </p:tgtEl>
+                                        <p:attrNameLst>
+                                          <p:attrName>style.visibility</p:attrName>
+                                        </p:attrNameLst>
+                                      </p:cBhvr>
+                                      <p:to>
+                                        <p:strVal val="visible"/>
+                                      </p:to>
+                                    </p:set>
+                                  </p:childTnLst>
+                                </p:cTn>
+                              </p:par>
+                            </p:childTnLst>
+                          </p:cTn>
+                        </p:par>
+                      </p:childTnLst>
+                    </p:cTn>
+                  </p:par>
+                  <p:par>
+                    <p:cTn id="35" fill="hold">
+                      <p:stCondLst>
+                        <p:cond delay="indefinite"/>
+                      </p:stCondLst>
+                      <p:childTnLst>
+                        <p:par>
+                          <p:cTn id="36" fill="hold">
+                            <p:stCondLst>
+                              <p:cond delay="0"/>
+                            </p:stCondLst>
+                            <p:childTnLst>
+                              <p:par>
+                                <p:cTn id="37" presetID="1" presetClass="entr" presetSubtype="0" fill="hold" nodeType="clickEffect">
+                                  <p:stCondLst>
+                                    <p:cond delay="0"/>
+                                  </p:stCondLst>
+                                  <p:childTnLst>
+                                    <p:set>
+                                      <p:cBhvr>
+                                        <p:cTn id="38" dur="1" fill="hold">
+                                          <p:stCondLst>
+                                            <p:cond delay="0"/>
+                                          </p:stCondLst>
+                                        </p:cTn>
+                                        <p:tgtEl>
+                                          <p:spTgt spid="3">
+                                            <p:txEl>
+                                              <p:pRg st="1" end="1"/>
+                                            </p:txEl>
+                                          </p:spTgt>
+                                        </p:tgtEl>
+                                        <p:attrNameLst>
+                                          <p:attrName>style.visibility</p:attrName>
+                                        </p:attrNameLst>
+                                      </p:cBhvr>
+                                      <p:to>
+                                        <p:strVal val="visible"/>
+                                      </p:to>
+                                    </p:set>
+                                  </p:childTnLst>
+                                </p:cTn>
+                              </p:par>
+                            </p:childTnLst>
+                          </p:cTn>
+                        </p:par>
+                      </p:childTnLst>
+                    </p:cTn>
+                  </p:par>
+                  <p:par>
+                    <p:cTn id="39" fill="hold">
+                      <p:stCondLst>
+                        <p:cond delay="indefinite"/>
+                      </p:stCondLst>
+                      <p:childTnLst>
+                        <p:par>
+                          <p:cTn id="40" fill="hold">
+                            <p:stCondLst>
+                              <p:cond delay="0"/>
+                            </p:stCondLst>
+                            <p:childTnLst>
+                              <p:par>
+                                <p:cTn id="41" presetID="1" presetClass="entr" presetSubtype="0" fill="hold" nodeType="clickEffect">
+                                  <p:stCondLst>
+                                    <p:cond delay="0"/>
+                                  </p:stCondLst>
+                                  <p:childTnLst>
+                                    <p:set>
+                                      <p:cBhvr>
+                                        <p:cTn id="42" dur="1" fill="hold">
+                                          <p:stCondLst>
+                                            <p:cond delay="0"/>
+                                          </p:stCondLst>
+                                        </p:cTn>
+                                        <p:tgtEl>
+                                          <p:spTgt spid="3">
+                                            <p:txEl>
+                                              <p:pRg st="4" end="4"/>
+                                            </p:txEl>
+                                          </p:spTgt>
+                                        </p:tgtEl>
+                                        <p:attrNameLst>
+                                          <p:attrName>style.visibility</p:attrName>
+                                        </p:attrNameLst>
+                                      </p:cBhvr>
+                                      <p:to>
+                                        <p:strVal val="visible"/>
+                                      </p:to>
+                                    </p:set>
+                                  </p:childTnLst>
+                                </p:cTn>
+                              </p:par>
+                            </p:childTnLst>
+                          </p:cTn>
+                        </p:par>
+                      </p:childTnLst>
+                    </p:cTn>
+                  </p:par>
+                  <p:par>
+                    <p:cTn id="43" fill="hold">
+                      <p:stCondLst>
+                        <p:cond delay="indefinite"/>
+                      </p:stCondLst>
+                      <p:childTnLst>
+                        <p:par>
+                          <p:cTn id="44" fill="hold">
+                            <p:stCondLst>
+                              <p:cond delay="0"/>
+                            </p:stCondLst>
+                            <p:childTnLst>
+                              <p:par>
+                                <p:cTn id="45" presetID="1" presetClass="entr" presetSubtype="0" fill="hold" nodeType="clickEffect">
+                                  <p:stCondLst>
+                                    <p:cond delay="0"/>
+                                  </p:stCondLst>
+                                  <p:childTnLst>
+                                    <p:set>
+                                      <p:cBhvr>
+                                        <p:cTn id="46" dur="1" fill="hold">
+                                          <p:stCondLst>
+                                            <p:cond delay="0"/>
+                                          </p:stCondLst>
+                                        </p:cTn>
+                                        <p:tgtEl>
+                                          <p:spTgt spid="3">
+                                            <p:txEl>
+                                              <p:pRg st="5" end="5"/>
+                                            </p:txEl>
+                                          </p:spTgt>
+                                        </p:tgtEl>
+                                        <p:attrNameLst>
+                                          <p:attrName>style.visibility</p:attrName>
+                                        </p:attrNameLst>
+                                      </p:cBhvr>
+                                      <p:to>
+                                        <p:strVal val="visible"/>
+                                      </p:to>
+                                    </p:set>
+                                  </p:childTnLst>
+                                </p:cTn>
+                              </p:par>
+                            </p:childTnLst>
+                          </p:cTn>
+                        </p:par>
+                      </p:childTnLst>
+                    </p:cTn>
+                  </p:par>
+                  <p:par>
+                    <p:cTn id="47" fill="hold">
+                      <p:stCondLst>
+                        <p:cond delay="indefinite"/>
+                      </p:stCondLst>
+                      <p:childTnLst>
+                        <p:par>
+                          <p:cTn id="48" fill="hold">
+                            <p:stCondLst>
+                              <p:cond delay="0"/>
+                            </p:stCondLst>
+                            <p:childTnLst>
+                              <p:par>
+                                <p:cTn id="49" presetID="1" presetClass="entr" presetSubtype="0" fill="hold" nodeType="clickEffect">
+                                  <p:stCondLst>
+                                    <p:cond delay="0"/>
+                                  </p:stCondLst>
+                                  <p:childTnLst>
+                                    <p:set>
+                                      <p:cBhvr>
+                                        <p:cTn id="50" dur="1" fill="hold">
+                                          <p:stCondLst>
+                                            <p:cond delay="0"/>
+                                          </p:stCondLst>
+                                        </p:cTn>
+                                        <p:tgtEl>
+                                          <p:spTgt spid="3">
+                                            <p:txEl>
+                                              <p:pRg st="6" end="6"/>
+                                            </p:txEl>
+                                          </p:spTgt>
+                                        </p:tgtEl>
+                                        <p:attrNameLst>
+                                          <p:attrName>style.visibility</p:attrName>
+                                        </p:attrNameLst>
+                                      </p:cBhvr>
+                                      <p:to>
+                                        <p:strVal val="visible"/>
+                                      </p:to>
+                                    </p:set>
+                                  </p:childTnLst>
+                                </p:cTn>
+                              </p:par>
+                            </p:childTnLst>
+                          </p:cTn>
+                        </p:par>
+                      </p:childTnLst>
+                    </p:cTn>
+                  </p:par>
+                  <p:par>
+                    <p:cTn id="51" fill="hold">
+                      <p:stCondLst>
+                        <p:cond delay="indefinite"/>
+                      </p:stCondLst>
+                      <p:childTnLst>
+                        <p:par>
+                          <p:cTn id="52" fill="hold">
+                            <p:stCondLst>
+                              <p:cond delay="0"/>
+                            </p:stCondLst>
+                            <p:childTnLst>
+                              <p:par>
+                                <p:cTn id="53" presetID="1" presetClass="entr" presetSubtype="0" fill="hold" nodeType="clickEffect">
+                                  <p:stCondLst>
+                                    <p:cond delay="0"/>
+                                  </p:stCondLst>
+                                  <p:childTnLst>
+                                    <p:set>
+                                      <p:cBhvr>
+                                        <p:cTn id="54" dur="1" fill="hold">
+                                          <p:stCondLst>
+                                            <p:cond delay="0"/>
+                                          </p:stCondLst>
+                                        </p:cTn>
+                                        <p:tgtEl>
+                                          <p:spTgt spid="3">
+                                            <p:txEl>
+                                              <p:pRg st="7" end="7"/>
+                                            </p:txEl>
+                                          </p:spTgt>
+                                        </p:tgtEl>
+                                        <p:attrNameLst>
+                                          <p:attrName>style.visibility</p:attrName>
+                                        </p:attrNameLst>
+                                      </p:cBhvr>
+                                      <p:to>
+                                        <p:strVal val="visible"/>
+                                      </p:to>
+                                    </p:set>
+                                  </p:childTnLst>
+                                </p:cTn>
+                              </p:par>
+                            </p:childTnLst>
+                          </p:cTn>
+                        </p:par>
+                      </p:childTnLst>
+                    </p:cTn>
+                  </p:par>
+                  <p:par>
+                    <p:cTn id="55" fill="hold">
+                      <p:stCondLst>
+                        <p:cond delay="indefinite"/>
+                      </p:stCondLst>
+                      <p:childTnLst>
+                        <p:par>
+                          <p:cTn id="56" fill="hold">
+                            <p:stCondLst>
+                              <p:cond delay="0"/>
+                            </p:stCondLst>
+                            <p:childTnLst>
+                              <p:par>
+                                <p:cTn id="57" presetID="1" presetClass="entr" presetSubtype="0" fill="hold" nodeType="clickEffect">
+                                  <p:stCondLst>
+                                    <p:cond delay="0"/>
+                                  </p:stCondLst>
+                                  <p:childTnLst>
+                                    <p:set>
+                                      <p:cBhvr>
+                                        <p:cTn id="58" dur="1" fill="hold">
+                                          <p:stCondLst>
+                                            <p:cond delay="0"/>
+                                          </p:stCondLst>
+                                        </p:cTn>
+                                        <p:tgtEl>
+                                          <p:spTgt spid="3">
+                                            <p:txEl>
+                                              <p:pRg st="3" end="3"/>
+                                            </p:txEl>
+                                          </p:spTgt>
+                                        </p:tgtEl>
+                                        <p:attrNameLst>
+                                          <p:attrName>style.visibility</p:attrName>
+                                        </p:attrNameLst>
+                                      </p:cBhvr>
+                                      <p:to>
+                                        <p:strVal val="visible"/>
+                                      </p:to>
+                                    </p:set>
+                                  </p:childTnLst>
+                                </p:cTn>
+                              </p:par>
+                            </p:childTnLst>
+                          </p:cTn>
+                        </p:par>
+                      </p:childTnLst>
+                    </p:cTn>
+                  </p:par>
                 </p:childTnLst>
               </p:cTn>
               <p:prevCondLst>
@@ -37584,7 +39047,7 @@
           <a:p>
             <a:r>
               <a:rPr lang="en-US" dirty="0"/>
-              <a:t>RG-STS: The Law of Conformance</a:t>
+              <a:t>RG-STS: The Laws of  of Conformance</a:t>
             </a:r>
           </a:p>
         </p:txBody>
@@ -37613,11 +39076,246 @@
         </p:blipFill>
         <p:spPr>
           <a:xfrm>
-            <a:off x="909320" y="2067084"/>
-            <a:ext cx="8585200" cy="2324100"/>
+            <a:off x="838200" y="4505369"/>
+            <a:ext cx="8346440" cy="2259465"/>
           </a:xfrm>
         </p:spPr>
       </p:pic>
+      <p:pic>
+        <p:nvPicPr>
+          <p:cNvPr id="7" name="Picture 6" descr="A close-up of a math problem&#10;&#10;Description automatically generated">
+            <a:extLst>
+              <a:ext uri="{FF2B5EF4-FFF2-40B4-BE49-F238E27FC236}">
+                <a16:creationId xmlns:a16="http://schemas.microsoft.com/office/drawing/2014/main" id="{86EE8642-5C9F-D441-E76E-EF4129C73720}"/>
+              </a:ext>
+            </a:extLst>
+          </p:cNvPr>
+          <p:cNvPicPr>
+            <a:picLocks noChangeAspect="1"/>
+          </p:cNvPicPr>
+          <p:nvPr/>
+        </p:nvPicPr>
+        <p:blipFill>
+          <a:blip r:embed="rId3"/>
+          <a:stretch>
+            <a:fillRect/>
+          </a:stretch>
+        </p:blipFill>
+        <p:spPr>
+          <a:xfrm>
+            <a:off x="838200" y="3092065"/>
+            <a:ext cx="6761480" cy="1138902"/>
+          </a:xfrm>
+          <a:prstGeom prst="rect">
+            <a:avLst/>
+          </a:prstGeom>
+        </p:spPr>
+      </p:pic>
+      <p:pic>
+        <p:nvPicPr>
+          <p:cNvPr id="9" name="Picture 8" descr="A close-up of a white background&#10;&#10;Description automatically generated">
+            <a:extLst>
+              <a:ext uri="{FF2B5EF4-FFF2-40B4-BE49-F238E27FC236}">
+                <a16:creationId xmlns:a16="http://schemas.microsoft.com/office/drawing/2014/main" id="{1FD2AAEE-A717-CB37-D744-3BAE7091139F}"/>
+              </a:ext>
+            </a:extLst>
+          </p:cNvPr>
+          <p:cNvPicPr>
+            <a:picLocks noChangeAspect="1"/>
+          </p:cNvPicPr>
+          <p:nvPr/>
+        </p:nvPicPr>
+        <p:blipFill>
+          <a:blip r:embed="rId4"/>
+          <a:stretch>
+            <a:fillRect/>
+          </a:stretch>
+        </p:blipFill>
+        <p:spPr>
+          <a:xfrm>
+            <a:off x="767080" y="1676799"/>
+            <a:ext cx="7834594" cy="1114038"/>
+          </a:xfrm>
+          <a:prstGeom prst="rect">
+            <a:avLst/>
+          </a:prstGeom>
+        </p:spPr>
+      </p:pic>
+      <p:sp>
+        <p:nvSpPr>
+          <p:cNvPr id="12" name="TextBox 11">
+            <a:extLst>
+              <a:ext uri="{FF2B5EF4-FFF2-40B4-BE49-F238E27FC236}">
+                <a16:creationId xmlns:a16="http://schemas.microsoft.com/office/drawing/2014/main" id="{96A87E02-3347-EB9E-B84C-A988A19D2CF7}"/>
+              </a:ext>
+            </a:extLst>
+          </p:cNvPr>
+          <p:cNvSpPr txBox="1"/>
+          <p:nvPr/>
+        </p:nvSpPr>
+        <p:spPr>
+          <a:xfrm>
+            <a:off x="9184640" y="2678607"/>
+            <a:ext cx="2637616" cy="923330"/>
+          </a:xfrm>
+          <a:prstGeom prst="rect">
+            <a:avLst/>
+          </a:prstGeom>
+          <a:noFill/>
+        </p:spPr>
+        <p:txBody>
+          <a:bodyPr wrap="square" rtlCol="0">
+            <a:spAutoFit/>
+          </a:bodyPr>
+          <a:lstStyle/>
+          <a:p>
+            <a:r>
+              <a:rPr lang="en-US" dirty="0"/>
+              <a:t>Post-Relays corresponds and preserves facts of the interpretation</a:t>
+            </a:r>
+          </a:p>
+        </p:txBody>
+      </p:sp>
+      <p:sp>
+        <p:nvSpPr>
+          <p:cNvPr id="13" name="Right Brace 12">
+            <a:extLst>
+              <a:ext uri="{FF2B5EF4-FFF2-40B4-BE49-F238E27FC236}">
+                <a16:creationId xmlns:a16="http://schemas.microsoft.com/office/drawing/2014/main" id="{A188EC30-F1F3-44BE-727F-E59A50FB7F2D}"/>
+              </a:ext>
+            </a:extLst>
+          </p:cNvPr>
+          <p:cNvSpPr/>
+          <p:nvPr/>
+        </p:nvSpPr>
+        <p:spPr>
+          <a:xfrm>
+            <a:off x="8601674" y="2072639"/>
+            <a:ext cx="487680" cy="2158327"/>
+          </a:xfrm>
+          <a:prstGeom prst="rightBrace">
+            <a:avLst>
+              <a:gd name="adj1" fmla="val 58333"/>
+              <a:gd name="adj2" fmla="val 50000"/>
+            </a:avLst>
+          </a:prstGeom>
+        </p:spPr>
+        <p:style>
+          <a:lnRef idx="1">
+            <a:schemeClr val="accent1"/>
+          </a:lnRef>
+          <a:fillRef idx="0">
+            <a:schemeClr val="accent1"/>
+          </a:fillRef>
+          <a:effectRef idx="0">
+            <a:schemeClr val="accent1"/>
+          </a:effectRef>
+          <a:fontRef idx="minor">
+            <a:schemeClr val="tx1"/>
+          </a:fontRef>
+        </p:style>
+        <p:txBody>
+          <a:bodyPr rtlCol="0" anchor="ctr"/>
+          <a:lstStyle/>
+          <a:p>
+            <a:pPr algn="ctr"/>
+            <a:endParaRPr lang="en-US"/>
+          </a:p>
+        </p:txBody>
+      </p:sp>
+      <p:sp>
+        <p:nvSpPr>
+          <p:cNvPr id="14" name="Oval Callout 13">
+            <a:extLst>
+              <a:ext uri="{FF2B5EF4-FFF2-40B4-BE49-F238E27FC236}">
+                <a16:creationId xmlns:a16="http://schemas.microsoft.com/office/drawing/2014/main" id="{F22CF91C-D249-E194-B5F7-E2DDAEF47425}"/>
+              </a:ext>
+            </a:extLst>
+          </p:cNvPr>
+          <p:cNvSpPr/>
+          <p:nvPr/>
+        </p:nvSpPr>
+        <p:spPr>
+          <a:xfrm>
+            <a:off x="7447280" y="4230966"/>
+            <a:ext cx="4551680" cy="1478954"/>
+          </a:xfrm>
+          <a:prstGeom prst="wedgeEllipseCallout">
+            <a:avLst>
+              <a:gd name="adj1" fmla="val -109698"/>
+              <a:gd name="adj2" fmla="val -11095"/>
+            </a:avLst>
+          </a:prstGeom>
+          <a:noFill/>
+        </p:spPr>
+        <p:style>
+          <a:lnRef idx="2">
+            <a:schemeClr val="accent1">
+              <a:shade val="15000"/>
+            </a:schemeClr>
+          </a:lnRef>
+          <a:fillRef idx="1">
+            <a:schemeClr val="accent1"/>
+          </a:fillRef>
+          <a:effectRef idx="0">
+            <a:schemeClr val="accent1"/>
+          </a:effectRef>
+          <a:fontRef idx="minor">
+            <a:schemeClr val="lt1"/>
+          </a:fontRef>
+        </p:style>
+        <p:txBody>
+          <a:bodyPr rtlCol="0" anchor="ctr"/>
+          <a:lstStyle/>
+          <a:p>
+            <a:pPr algn="ctr"/>
+            <a:endParaRPr lang="en-US"/>
+          </a:p>
+        </p:txBody>
+      </p:sp>
+      <p:sp>
+        <p:nvSpPr>
+          <p:cNvPr id="15" name="TextBox 14">
+            <a:extLst>
+              <a:ext uri="{FF2B5EF4-FFF2-40B4-BE49-F238E27FC236}">
+                <a16:creationId xmlns:a16="http://schemas.microsoft.com/office/drawing/2014/main" id="{F96F69D6-5415-752C-C930-39200E00BDE7}"/>
+              </a:ext>
+            </a:extLst>
+          </p:cNvPr>
+          <p:cNvSpPr txBox="1"/>
+          <p:nvPr/>
+        </p:nvSpPr>
+        <p:spPr>
+          <a:xfrm>
+            <a:off x="8306089" y="4536829"/>
+            <a:ext cx="3291551" cy="646331"/>
+          </a:xfrm>
+          <a:prstGeom prst="rect">
+            <a:avLst/>
+          </a:prstGeom>
+          <a:noFill/>
+        </p:spPr>
+        <p:txBody>
+          <a:bodyPr wrap="square" rtlCol="0">
+            <a:spAutoFit/>
+          </a:bodyPr>
+          <a:lstStyle/>
+          <a:p>
+            <a:r>
+              <a:rPr lang="en-US" dirty="0"/>
+              <a:t>Guarantees in the </a:t>
+            </a:r>
+            <a:r>
+              <a:rPr lang="en-US" dirty="0" err="1"/>
+              <a:t>submodel</a:t>
+            </a:r>
+            <a:r>
+              <a:rPr lang="en-US" dirty="0"/>
+              <a:t> preserved in the original.</a:t>
+            </a:r>
+          </a:p>
+        </p:txBody>
+      </p:sp>
     </p:spTree>
     <p:extLst>
       <p:ext uri="{BB962C8B-B14F-4D97-AF65-F5344CB8AC3E}">
@@ -37628,6 +39326,239 @@
   <p:clrMapOvr>
     <a:masterClrMapping/>
   </p:clrMapOvr>
+  <p:timing>
+    <p:tnLst>
+      <p:par>
+        <p:cTn id="1" dur="indefinite" restart="never" nodeType="tmRoot">
+          <p:childTnLst>
+            <p:seq concurrent="1" nextAc="seek">
+              <p:cTn id="2" dur="indefinite" nodeType="mainSeq">
+                <p:childTnLst>
+                  <p:par>
+                    <p:cTn id="3" fill="hold">
+                      <p:stCondLst>
+                        <p:cond delay="indefinite"/>
+                      </p:stCondLst>
+                      <p:childTnLst>
+                        <p:par>
+                          <p:cTn id="4" fill="hold">
+                            <p:stCondLst>
+                              <p:cond delay="0"/>
+                            </p:stCondLst>
+                            <p:childTnLst>
+                              <p:par>
+                                <p:cTn id="5" presetID="1" presetClass="entr" presetSubtype="0" fill="hold" nodeType="clickEffect">
+                                  <p:stCondLst>
+                                    <p:cond delay="0"/>
+                                  </p:stCondLst>
+                                  <p:childTnLst>
+                                    <p:set>
+                                      <p:cBhvr>
+                                        <p:cTn id="6" dur="1" fill="hold">
+                                          <p:stCondLst>
+                                            <p:cond delay="0"/>
+                                          </p:stCondLst>
+                                        </p:cTn>
+                                        <p:tgtEl>
+                                          <p:spTgt spid="9"/>
+                                        </p:tgtEl>
+                                        <p:attrNameLst>
+                                          <p:attrName>style.visibility</p:attrName>
+                                        </p:attrNameLst>
+                                      </p:cBhvr>
+                                      <p:to>
+                                        <p:strVal val="visible"/>
+                                      </p:to>
+                                    </p:set>
+                                  </p:childTnLst>
+                                </p:cTn>
+                              </p:par>
+                              <p:par>
+                                <p:cTn id="7" presetID="1" presetClass="entr" presetSubtype="0" fill="hold" nodeType="withEffect">
+                                  <p:stCondLst>
+                                    <p:cond delay="0"/>
+                                  </p:stCondLst>
+                                  <p:childTnLst>
+                                    <p:set>
+                                      <p:cBhvr>
+                                        <p:cTn id="8" dur="1" fill="hold">
+                                          <p:stCondLst>
+                                            <p:cond delay="0"/>
+                                          </p:stCondLst>
+                                        </p:cTn>
+                                        <p:tgtEl>
+                                          <p:spTgt spid="7"/>
+                                        </p:tgtEl>
+                                        <p:attrNameLst>
+                                          <p:attrName>style.visibility</p:attrName>
+                                        </p:attrNameLst>
+                                      </p:cBhvr>
+                                      <p:to>
+                                        <p:strVal val="visible"/>
+                                      </p:to>
+                                    </p:set>
+                                  </p:childTnLst>
+                                </p:cTn>
+                              </p:par>
+                              <p:par>
+                                <p:cTn id="9" presetID="1" presetClass="entr" presetSubtype="0" fill="hold" grpId="0" nodeType="withEffect">
+                                  <p:stCondLst>
+                                    <p:cond delay="0"/>
+                                  </p:stCondLst>
+                                  <p:childTnLst>
+                                    <p:set>
+                                      <p:cBhvr>
+                                        <p:cTn id="10" dur="1" fill="hold">
+                                          <p:stCondLst>
+                                            <p:cond delay="0"/>
+                                          </p:stCondLst>
+                                        </p:cTn>
+                                        <p:tgtEl>
+                                          <p:spTgt spid="12"/>
+                                        </p:tgtEl>
+                                        <p:attrNameLst>
+                                          <p:attrName>style.visibility</p:attrName>
+                                        </p:attrNameLst>
+                                      </p:cBhvr>
+                                      <p:to>
+                                        <p:strVal val="visible"/>
+                                      </p:to>
+                                    </p:set>
+                                  </p:childTnLst>
+                                </p:cTn>
+                              </p:par>
+                            </p:childTnLst>
+                          </p:cTn>
+                        </p:par>
+                      </p:childTnLst>
+                    </p:cTn>
+                  </p:par>
+                  <p:par>
+                    <p:cTn id="11" fill="hold">
+                      <p:stCondLst>
+                        <p:cond delay="indefinite"/>
+                      </p:stCondLst>
+                      <p:childTnLst>
+                        <p:par>
+                          <p:cTn id="12" fill="hold">
+                            <p:stCondLst>
+                              <p:cond delay="0"/>
+                            </p:stCondLst>
+                            <p:childTnLst>
+                              <p:par>
+                                <p:cTn id="13" presetID="1" presetClass="entr" presetSubtype="0" fill="hold" nodeType="clickEffect">
+                                  <p:stCondLst>
+                                    <p:cond delay="0"/>
+                                  </p:stCondLst>
+                                  <p:childTnLst>
+                                    <p:set>
+                                      <p:cBhvr>
+                                        <p:cTn id="14" dur="1" fill="hold">
+                                          <p:stCondLst>
+                                            <p:cond delay="0"/>
+                                          </p:stCondLst>
+                                        </p:cTn>
+                                        <p:tgtEl>
+                                          <p:spTgt spid="5"/>
+                                        </p:tgtEl>
+                                        <p:attrNameLst>
+                                          <p:attrName>style.visibility</p:attrName>
+                                        </p:attrNameLst>
+                                      </p:cBhvr>
+                                      <p:to>
+                                        <p:strVal val="visible"/>
+                                      </p:to>
+                                    </p:set>
+                                  </p:childTnLst>
+                                </p:cTn>
+                              </p:par>
+                              <p:par>
+                                <p:cTn id="15" presetID="1" presetClass="entr" presetSubtype="0" fill="hold" grpId="0" nodeType="withEffect">
+                                  <p:stCondLst>
+                                    <p:cond delay="0"/>
+                                  </p:stCondLst>
+                                  <p:childTnLst>
+                                    <p:set>
+                                      <p:cBhvr>
+                                        <p:cTn id="16" dur="1" fill="hold">
+                                          <p:stCondLst>
+                                            <p:cond delay="0"/>
+                                          </p:stCondLst>
+                                        </p:cTn>
+                                        <p:tgtEl>
+                                          <p:spTgt spid="14"/>
+                                        </p:tgtEl>
+                                        <p:attrNameLst>
+                                          <p:attrName>style.visibility</p:attrName>
+                                        </p:attrNameLst>
+                                      </p:cBhvr>
+                                      <p:to>
+                                        <p:strVal val="visible"/>
+                                      </p:to>
+                                    </p:set>
+                                  </p:childTnLst>
+                                </p:cTn>
+                              </p:par>
+                              <p:par>
+                                <p:cTn id="17" presetID="1" presetClass="entr" presetSubtype="0" fill="hold" grpId="0" nodeType="withEffect">
+                                  <p:stCondLst>
+                                    <p:cond delay="0"/>
+                                  </p:stCondLst>
+                                  <p:childTnLst>
+                                    <p:set>
+                                      <p:cBhvr>
+                                        <p:cTn id="18" dur="1" fill="hold">
+                                          <p:stCondLst>
+                                            <p:cond delay="0"/>
+                                          </p:stCondLst>
+                                        </p:cTn>
+                                        <p:tgtEl>
+                                          <p:spTgt spid="15"/>
+                                        </p:tgtEl>
+                                        <p:attrNameLst>
+                                          <p:attrName>style.visibility</p:attrName>
+                                        </p:attrNameLst>
+                                      </p:cBhvr>
+                                      <p:to>
+                                        <p:strVal val="visible"/>
+                                      </p:to>
+                                    </p:set>
+                                  </p:childTnLst>
+                                </p:cTn>
+                              </p:par>
+                            </p:childTnLst>
+                          </p:cTn>
+                        </p:par>
+                      </p:childTnLst>
+                    </p:cTn>
+                  </p:par>
+                </p:childTnLst>
+              </p:cTn>
+              <p:prevCondLst>
+                <p:cond evt="onPrev" delay="0">
+                  <p:tgtEl>
+                    <p:sldTgt/>
+                  </p:tgtEl>
+                </p:cond>
+              </p:prevCondLst>
+              <p:nextCondLst>
+                <p:cond evt="onNext" delay="0">
+                  <p:tgtEl>
+                    <p:sldTgt/>
+                  </p:tgtEl>
+                </p:cond>
+              </p:nextCondLst>
+            </p:seq>
+          </p:childTnLst>
+        </p:cTn>
+      </p:par>
+    </p:tnLst>
+    <p:bldLst>
+      <p:bldP spid="12" grpId="0"/>
+      <p:bldP spid="14" grpId="0" animBg="1"/>
+      <p:bldP spid="15" grpId="0"/>
+    </p:bldLst>
+  </p:timing>
 </p:sld>
 </file>
 
@@ -37794,7 +39725,7 @@
           <p:cNvPr id="2" name="Title 1">
             <a:extLst>
               <a:ext uri="{FF2B5EF4-FFF2-40B4-BE49-F238E27FC236}">
-                <a16:creationId xmlns:a16="http://schemas.microsoft.com/office/drawing/2014/main" id="{EE31D451-765F-D9FA-F280-5F58E345B4B7}"/>
+                <a16:creationId xmlns:a16="http://schemas.microsoft.com/office/drawing/2014/main" id="{A124CB6A-F539-31F2-2CF0-92F79851DCA9}"/>
               </a:ext>
             </a:extLst>
           </p:cNvPr>
@@ -37812,17 +39743,17 @@
           <a:p>
             <a:r>
               <a:rPr lang="en-US" dirty="0"/>
-              <a:t>RG-STS: The Law of Tolerance</a:t>
+              <a:t>Connecting to a Program Logic (Soundness)</a:t>
             </a:r>
           </a:p>
         </p:txBody>
       </p:sp>
       <p:pic>
         <p:nvPicPr>
-          <p:cNvPr id="5" name="Content Placeholder 4" descr="A white background with black text&#10;&#10;Description automatically generated">
-            <a:extLst>
-              <a:ext uri="{FF2B5EF4-FFF2-40B4-BE49-F238E27FC236}">
-                <a16:creationId xmlns:a16="http://schemas.microsoft.com/office/drawing/2014/main" id="{DF261F2E-D8BF-649F-F915-DD03E28B0B54}"/>
+          <p:cNvPr id="5" name="Content Placeholder 4" descr="A math equations and symbols&#10;&#10;Description automatically generated with medium confidence">
+            <a:extLst>
+              <a:ext uri="{FF2B5EF4-FFF2-40B4-BE49-F238E27FC236}">
+                <a16:creationId xmlns:a16="http://schemas.microsoft.com/office/drawing/2014/main" id="{4D38B21C-8C3A-4AC4-DEDB-36FFF1112B35}"/>
               </a:ext>
             </a:extLst>
           </p:cNvPr>
@@ -37834,28 +39765,232 @@
           </p:nvPr>
         </p:nvPicPr>
         <p:blipFill>
-          <a:blip r:embed="rId2"/>
+          <a:blip r:embed="rId3"/>
           <a:stretch>
             <a:fillRect/>
           </a:stretch>
         </p:blipFill>
         <p:spPr>
           <a:xfrm>
-            <a:off x="2457450" y="2576354"/>
-            <a:ext cx="7277100" cy="1244600"/>
+            <a:off x="838200" y="1690688"/>
+            <a:ext cx="8407400" cy="2781300"/>
           </a:xfrm>
         </p:spPr>
       </p:pic>
+      <p:sp>
+        <p:nvSpPr>
+          <p:cNvPr id="6" name="Oval Callout 5">
+            <a:extLst>
+              <a:ext uri="{FF2B5EF4-FFF2-40B4-BE49-F238E27FC236}">
+                <a16:creationId xmlns:a16="http://schemas.microsoft.com/office/drawing/2014/main" id="{0F5A7164-781E-2E5B-68DD-57D8375A99D2}"/>
+              </a:ext>
+            </a:extLst>
+          </p:cNvPr>
+          <p:cNvSpPr/>
+          <p:nvPr/>
+        </p:nvSpPr>
+        <p:spPr>
+          <a:xfrm>
+            <a:off x="3779520" y="4561840"/>
+            <a:ext cx="5618480" cy="2123440"/>
+          </a:xfrm>
+          <a:prstGeom prst="wedgeEllipseCallout">
+            <a:avLst>
+              <a:gd name="adj1" fmla="val -11424"/>
+              <a:gd name="adj2" fmla="val -174301"/>
+            </a:avLst>
+          </a:prstGeom>
+          <a:noFill/>
+        </p:spPr>
+        <p:style>
+          <a:lnRef idx="2">
+            <a:schemeClr val="accent1">
+              <a:shade val="15000"/>
+            </a:schemeClr>
+          </a:lnRef>
+          <a:fillRef idx="1">
+            <a:schemeClr val="accent1"/>
+          </a:fillRef>
+          <a:effectRef idx="0">
+            <a:schemeClr val="accent1"/>
+          </a:effectRef>
+          <a:fontRef idx="minor">
+            <a:schemeClr val="lt1"/>
+          </a:fontRef>
+        </p:style>
+        <p:txBody>
+          <a:bodyPr rtlCol="0" anchor="ctr"/>
+          <a:lstStyle/>
+          <a:p>
+            <a:pPr algn="ctr"/>
+            <a:endParaRPr lang="en-US"/>
+          </a:p>
+        </p:txBody>
+      </p:sp>
+      <p:sp>
+        <p:nvSpPr>
+          <p:cNvPr id="7" name="TextBox 6">
+            <a:extLst>
+              <a:ext uri="{FF2B5EF4-FFF2-40B4-BE49-F238E27FC236}">
+                <a16:creationId xmlns:a16="http://schemas.microsoft.com/office/drawing/2014/main" id="{F2550571-68E3-0631-77F9-A095340027AC}"/>
+              </a:ext>
+            </a:extLst>
+          </p:cNvPr>
+          <p:cNvSpPr txBox="1"/>
+          <p:nvPr/>
+        </p:nvSpPr>
+        <p:spPr>
+          <a:xfrm>
+            <a:off x="4775200" y="4774525"/>
+            <a:ext cx="3677920" cy="1754326"/>
+          </a:xfrm>
+          <a:prstGeom prst="rect">
+            <a:avLst/>
+          </a:prstGeom>
+          <a:noFill/>
+        </p:spPr>
+        <p:txBody>
+          <a:bodyPr wrap="square" rtlCol="0">
+            <a:spAutoFit/>
+          </a:bodyPr>
+          <a:lstStyle/>
+          <a:p>
+            <a:r>
+              <a:rPr lang="en-US" dirty="0"/>
+              <a:t>For any two protocols conformance is essential as we would like to see an update in the </a:t>
+            </a:r>
+            <a:r>
+              <a:rPr lang="en-US" dirty="0" err="1"/>
+              <a:t>subSTS</a:t>
+            </a:r>
+            <a:r>
+              <a:rPr lang="en-US" dirty="0"/>
+              <a:t> equivalent to one in the original under a logical consequence on the tokens. Proof by almost </a:t>
+            </a:r>
+            <a:r>
+              <a:rPr lang="en-US" b="1" dirty="0"/>
+              <a:t>conformance.</a:t>
+            </a:r>
+            <a:endParaRPr lang="en-US" dirty="0"/>
+          </a:p>
+        </p:txBody>
+      </p:sp>
     </p:spTree>
     <p:extLst>
       <p:ext uri="{BB962C8B-B14F-4D97-AF65-F5344CB8AC3E}">
-        <p14:creationId xmlns:p14="http://schemas.microsoft.com/office/powerpoint/2010/main" val="105396800"/>
+        <p14:creationId xmlns:p14="http://schemas.microsoft.com/office/powerpoint/2010/main" val="2816408523"/>
       </p:ext>
     </p:extLst>
   </p:cSld>
   <p:clrMapOvr>
     <a:masterClrMapping/>
   </p:clrMapOvr>
+  <p:timing>
+    <p:tnLst>
+      <p:par>
+        <p:cTn id="1" dur="indefinite" restart="never" nodeType="tmRoot">
+          <p:childTnLst>
+            <p:seq concurrent="1" nextAc="seek">
+              <p:cTn id="2" dur="indefinite" nodeType="mainSeq">
+                <p:childTnLst>
+                  <p:par>
+                    <p:cTn id="3" fill="hold">
+                      <p:stCondLst>
+                        <p:cond delay="indefinite"/>
+                      </p:stCondLst>
+                      <p:childTnLst>
+                        <p:par>
+                          <p:cTn id="4" fill="hold">
+                            <p:stCondLst>
+                              <p:cond delay="0"/>
+                            </p:stCondLst>
+                            <p:childTnLst>
+                              <p:par>
+                                <p:cTn id="5" presetID="1" presetClass="entr" presetSubtype="0" fill="hold" grpId="0" nodeType="clickEffect">
+                                  <p:stCondLst>
+                                    <p:cond delay="0"/>
+                                  </p:stCondLst>
+                                  <p:childTnLst>
+                                    <p:set>
+                                      <p:cBhvr>
+                                        <p:cTn id="6" dur="1" fill="hold">
+                                          <p:stCondLst>
+                                            <p:cond delay="0"/>
+                                          </p:stCondLst>
+                                        </p:cTn>
+                                        <p:tgtEl>
+                                          <p:spTgt spid="6"/>
+                                        </p:tgtEl>
+                                        <p:attrNameLst>
+                                          <p:attrName>style.visibility</p:attrName>
+                                        </p:attrNameLst>
+                                      </p:cBhvr>
+                                      <p:to>
+                                        <p:strVal val="visible"/>
+                                      </p:to>
+                                    </p:set>
+                                  </p:childTnLst>
+                                </p:cTn>
+                              </p:par>
+                              <p:par>
+                                <p:cTn id="7" presetID="1" presetClass="entr" presetSubtype="0" fill="hold" grpId="0" nodeType="withEffect">
+                                  <p:stCondLst>
+                                    <p:cond delay="0"/>
+                                  </p:stCondLst>
+                                  <p:childTnLst>
+                                    <p:set>
+                                      <p:cBhvr>
+                                        <p:cTn id="8" dur="1" fill="hold">
+                                          <p:stCondLst>
+                                            <p:cond delay="0"/>
+                                          </p:stCondLst>
+                                        </p:cTn>
+                                        <p:tgtEl>
+                                          <p:spTgt spid="7"/>
+                                        </p:tgtEl>
+                                        <p:attrNameLst>
+                                          <p:attrName>style.visibility</p:attrName>
+                                        </p:attrNameLst>
+                                      </p:cBhvr>
+                                      <p:to>
+                                        <p:strVal val="visible"/>
+                                      </p:to>
+                                    </p:set>
+                                  </p:childTnLst>
+                                </p:cTn>
+                              </p:par>
+                            </p:childTnLst>
+                          </p:cTn>
+                        </p:par>
+                      </p:childTnLst>
+                    </p:cTn>
+                  </p:par>
+                </p:childTnLst>
+              </p:cTn>
+              <p:prevCondLst>
+                <p:cond evt="onPrev" delay="0">
+                  <p:tgtEl>
+                    <p:sldTgt/>
+                  </p:tgtEl>
+                </p:cond>
+              </p:prevCondLst>
+              <p:nextCondLst>
+                <p:cond evt="onNext" delay="0">
+                  <p:tgtEl>
+                    <p:sldTgt/>
+                  </p:tgtEl>
+                </p:cond>
+              </p:nextCondLst>
+            </p:seq>
+          </p:childTnLst>
+        </p:cTn>
+      </p:par>
+    </p:tnLst>
+    <p:bldLst>
+      <p:bldP spid="6" grpId="0" animBg="1"/>
+      <p:bldP spid="7" grpId="0"/>
+    </p:bldLst>
+  </p:timing>
 </p:sld>
 </file>
 
@@ -37881,7 +40016,7 @@
           <p:cNvPr id="2" name="Title 1">
             <a:extLst>
               <a:ext uri="{FF2B5EF4-FFF2-40B4-BE49-F238E27FC236}">
-                <a16:creationId xmlns:a16="http://schemas.microsoft.com/office/drawing/2014/main" id="{A124CB6A-F539-31F2-2CF0-92F79851DCA9}"/>
+                <a16:creationId xmlns:a16="http://schemas.microsoft.com/office/drawing/2014/main" id="{632D8C67-9855-F94C-DF23-26192F6BC23E}"/>
               </a:ext>
             </a:extLst>
           </p:cNvPr>
@@ -37899,17 +40034,25 @@
           <a:p>
             <a:r>
               <a:rPr lang="en-US" dirty="0"/>
-              <a:t>RG-STS: Connecting to a Program Logic</a:t>
+              <a:t>RG-STS: Proof Rules for </a:t>
+            </a:r>
+            <a:r>
+              <a:rPr lang="en-US" dirty="0" err="1"/>
+              <a:t>Bisimilar</a:t>
+            </a:r>
+            <a:r>
+              <a:rPr lang="en-US" dirty="0"/>
+              <a:t> Protocols</a:t>
             </a:r>
           </a:p>
         </p:txBody>
       </p:sp>
       <p:pic>
         <p:nvPicPr>
-          <p:cNvPr id="5" name="Content Placeholder 4" descr="A math equations and symbols&#10;&#10;Description automatically generated with medium confidence">
-            <a:extLst>
-              <a:ext uri="{FF2B5EF4-FFF2-40B4-BE49-F238E27FC236}">
-                <a16:creationId xmlns:a16="http://schemas.microsoft.com/office/drawing/2014/main" id="{4D38B21C-8C3A-4AC4-DEDB-36FFF1112B35}"/>
+          <p:cNvPr id="5" name="Content Placeholder 4" descr="A diagram of mathematical equations&#10;&#10;Description automatically generated">
+            <a:extLst>
+              <a:ext uri="{FF2B5EF4-FFF2-40B4-BE49-F238E27FC236}">
+                <a16:creationId xmlns:a16="http://schemas.microsoft.com/office/drawing/2014/main" id="{B45A46CA-0387-CF00-929F-A9FE65D9DB40}"/>
               </a:ext>
             </a:extLst>
           </p:cNvPr>
@@ -37928,21 +40071,528 @@
         </p:blipFill>
         <p:spPr>
           <a:xfrm>
-            <a:off x="967740" y="2122964"/>
-            <a:ext cx="8407400" cy="2781300"/>
+            <a:off x="1192530" y="1619568"/>
+            <a:ext cx="4080634" cy="1946592"/>
           </a:xfrm>
         </p:spPr>
       </p:pic>
+      <p:pic>
+        <p:nvPicPr>
+          <p:cNvPr id="7" name="Picture 6" descr="A black text on a white background&#10;&#10;Description automatically generated">
+            <a:extLst>
+              <a:ext uri="{FF2B5EF4-FFF2-40B4-BE49-F238E27FC236}">
+                <a16:creationId xmlns:a16="http://schemas.microsoft.com/office/drawing/2014/main" id="{D57ABFF9-F764-AF29-29FA-60D240A51DB2}"/>
+              </a:ext>
+            </a:extLst>
+          </p:cNvPr>
+          <p:cNvPicPr>
+            <a:picLocks noChangeAspect="1"/>
+          </p:cNvPicPr>
+          <p:nvPr/>
+        </p:nvPicPr>
+        <p:blipFill>
+          <a:blip r:embed="rId3"/>
+          <a:stretch>
+            <a:fillRect/>
+          </a:stretch>
+        </p:blipFill>
+        <p:spPr>
+          <a:xfrm>
+            <a:off x="1192530" y="4277678"/>
+            <a:ext cx="5249678" cy="1686877"/>
+          </a:xfrm>
+          <a:prstGeom prst="rect">
+            <a:avLst/>
+          </a:prstGeom>
+        </p:spPr>
+      </p:pic>
+      <p:sp>
+        <p:nvSpPr>
+          <p:cNvPr id="8" name="Oval Callout 7">
+            <a:extLst>
+              <a:ext uri="{FF2B5EF4-FFF2-40B4-BE49-F238E27FC236}">
+                <a16:creationId xmlns:a16="http://schemas.microsoft.com/office/drawing/2014/main" id="{C86FCA6B-71D3-BC3A-8DD8-23C208EF4FD4}"/>
+              </a:ext>
+            </a:extLst>
+          </p:cNvPr>
+          <p:cNvSpPr/>
+          <p:nvPr/>
+        </p:nvSpPr>
+        <p:spPr>
+          <a:xfrm>
+            <a:off x="7406640" y="3032309"/>
+            <a:ext cx="2844800" cy="2239141"/>
+          </a:xfrm>
+          <a:prstGeom prst="wedgeEllipseCallout">
+            <a:avLst>
+              <a:gd name="adj1" fmla="val -90119"/>
+              <a:gd name="adj2" fmla="val 37593"/>
+            </a:avLst>
+          </a:prstGeom>
+          <a:noFill/>
+        </p:spPr>
+        <p:style>
+          <a:lnRef idx="2">
+            <a:schemeClr val="accent1">
+              <a:shade val="15000"/>
+            </a:schemeClr>
+          </a:lnRef>
+          <a:fillRef idx="1">
+            <a:schemeClr val="accent1"/>
+          </a:fillRef>
+          <a:effectRef idx="0">
+            <a:schemeClr val="accent1"/>
+          </a:effectRef>
+          <a:fontRef idx="minor">
+            <a:schemeClr val="lt1"/>
+          </a:fontRef>
+        </p:style>
+        <p:txBody>
+          <a:bodyPr rtlCol="0" anchor="ctr"/>
+          <a:lstStyle/>
+          <a:p>
+            <a:pPr algn="ctr"/>
+            <a:endParaRPr lang="en-US"/>
+          </a:p>
+        </p:txBody>
+      </p:sp>
+      <p:sp>
+        <p:nvSpPr>
+          <p:cNvPr id="9" name="Oval Callout 8">
+            <a:extLst>
+              <a:ext uri="{FF2B5EF4-FFF2-40B4-BE49-F238E27FC236}">
+                <a16:creationId xmlns:a16="http://schemas.microsoft.com/office/drawing/2014/main" id="{02744CD0-84DC-A710-942E-8D2D042DA03C}"/>
+              </a:ext>
+            </a:extLst>
+          </p:cNvPr>
+          <p:cNvSpPr/>
+          <p:nvPr/>
+        </p:nvSpPr>
+        <p:spPr>
+          <a:xfrm>
+            <a:off x="6238240" y="1341120"/>
+            <a:ext cx="3048000" cy="1590357"/>
+          </a:xfrm>
+          <a:prstGeom prst="wedgeEllipseCallout">
+            <a:avLst>
+              <a:gd name="adj1" fmla="val -81143"/>
+              <a:gd name="adj2" fmla="val 38863"/>
+            </a:avLst>
+          </a:prstGeom>
+          <a:noFill/>
+        </p:spPr>
+        <p:style>
+          <a:lnRef idx="2">
+            <a:schemeClr val="accent1">
+              <a:shade val="15000"/>
+            </a:schemeClr>
+          </a:lnRef>
+          <a:fillRef idx="1">
+            <a:schemeClr val="accent1"/>
+          </a:fillRef>
+          <a:effectRef idx="0">
+            <a:schemeClr val="accent1"/>
+          </a:effectRef>
+          <a:fontRef idx="minor">
+            <a:schemeClr val="lt1"/>
+          </a:fontRef>
+        </p:style>
+        <p:txBody>
+          <a:bodyPr rtlCol="0" anchor="ctr"/>
+          <a:lstStyle/>
+          <a:p>
+            <a:pPr algn="ctr"/>
+            <a:endParaRPr lang="en-US"/>
+          </a:p>
+        </p:txBody>
+      </p:sp>
+      <p:sp>
+        <p:nvSpPr>
+          <p:cNvPr id="10" name="TextBox 9">
+            <a:extLst>
+              <a:ext uri="{FF2B5EF4-FFF2-40B4-BE49-F238E27FC236}">
+                <a16:creationId xmlns:a16="http://schemas.microsoft.com/office/drawing/2014/main" id="{EFC8D568-119A-B809-D815-92BD5DA01E5E}"/>
+              </a:ext>
+            </a:extLst>
+          </p:cNvPr>
+          <p:cNvSpPr txBox="1"/>
+          <p:nvPr/>
+        </p:nvSpPr>
+        <p:spPr>
+          <a:xfrm>
+            <a:off x="6703607" y="1586550"/>
+            <a:ext cx="2410942" cy="1200329"/>
+          </a:xfrm>
+          <a:prstGeom prst="rect">
+            <a:avLst/>
+          </a:prstGeom>
+          <a:noFill/>
+        </p:spPr>
+        <p:txBody>
+          <a:bodyPr wrap="square" rtlCol="0">
+            <a:spAutoFit/>
+          </a:bodyPr>
+          <a:lstStyle/>
+          <a:p>
+            <a:r>
+              <a:rPr lang="en-US" dirty="0"/>
+              <a:t>Indistinguishable STS. Proof by the definition of </a:t>
+            </a:r>
+            <a:r>
+              <a:rPr lang="en-US" dirty="0" err="1"/>
+              <a:t>soundneess</a:t>
+            </a:r>
+            <a:r>
+              <a:rPr lang="en-US" dirty="0"/>
+              <a:t> for </a:t>
+            </a:r>
+            <a:r>
+              <a:rPr lang="en-US" dirty="0" err="1"/>
+              <a:t>CaReSL</a:t>
+            </a:r>
+            <a:endParaRPr lang="en-US" dirty="0"/>
+          </a:p>
+        </p:txBody>
+      </p:sp>
+      <p:sp>
+        <p:nvSpPr>
+          <p:cNvPr id="11" name="TextBox 10">
+            <a:extLst>
+              <a:ext uri="{FF2B5EF4-FFF2-40B4-BE49-F238E27FC236}">
+                <a16:creationId xmlns:a16="http://schemas.microsoft.com/office/drawing/2014/main" id="{71A957FF-DAFF-5738-3DFB-9C3DB41B4E42}"/>
+              </a:ext>
+            </a:extLst>
+          </p:cNvPr>
+          <p:cNvSpPr txBox="1"/>
+          <p:nvPr/>
+        </p:nvSpPr>
+        <p:spPr>
+          <a:xfrm>
+            <a:off x="7802880" y="3296920"/>
+            <a:ext cx="2164080" cy="1754326"/>
+          </a:xfrm>
+          <a:prstGeom prst="rect">
+            <a:avLst/>
+          </a:prstGeom>
+          <a:noFill/>
+        </p:spPr>
+        <p:txBody>
+          <a:bodyPr wrap="square" rtlCol="0">
+            <a:spAutoFit/>
+          </a:bodyPr>
+          <a:lstStyle/>
+          <a:p>
+            <a:r>
+              <a:rPr lang="en-US" dirty="0"/>
+              <a:t>Possible rely-reachable in the original STS with the </a:t>
+            </a:r>
+            <a:r>
+              <a:rPr lang="en-US" b="1" dirty="0"/>
+              <a:t>local</a:t>
+            </a:r>
+            <a:r>
+              <a:rPr lang="en-US" dirty="0"/>
+              <a:t> </a:t>
+            </a:r>
+            <a:r>
+              <a:rPr lang="en-US" b="1" dirty="0"/>
+              <a:t>tokens </a:t>
+            </a:r>
+            <a:r>
+              <a:rPr lang="en-US" dirty="0"/>
+              <a:t>contains the </a:t>
+            </a:r>
+            <a:r>
+              <a:rPr lang="en-US" b="1" dirty="0"/>
+              <a:t>same </a:t>
+            </a:r>
+            <a:r>
+              <a:rPr lang="en-US" dirty="0"/>
+              <a:t>rely-reachable states</a:t>
+            </a:r>
+          </a:p>
+        </p:txBody>
+      </p:sp>
     </p:spTree>
     <p:extLst>
       <p:ext uri="{BB962C8B-B14F-4D97-AF65-F5344CB8AC3E}">
-        <p14:creationId xmlns:p14="http://schemas.microsoft.com/office/powerpoint/2010/main" val="2816408523"/>
+        <p14:creationId xmlns:p14="http://schemas.microsoft.com/office/powerpoint/2010/main" val="4011935431"/>
       </p:ext>
     </p:extLst>
   </p:cSld>
   <p:clrMapOvr>
     <a:masterClrMapping/>
   </p:clrMapOvr>
+  <p:timing>
+    <p:tnLst>
+      <p:par>
+        <p:cTn id="1" dur="indefinite" restart="never" nodeType="tmRoot">
+          <p:childTnLst>
+            <p:seq concurrent="1" nextAc="seek">
+              <p:cTn id="2" dur="indefinite" nodeType="mainSeq">
+                <p:childTnLst>
+                  <p:par>
+                    <p:cTn id="3" fill="hold">
+                      <p:stCondLst>
+                        <p:cond delay="indefinite"/>
+                      </p:stCondLst>
+                      <p:childTnLst>
+                        <p:par>
+                          <p:cTn id="4" fill="hold">
+                            <p:stCondLst>
+                              <p:cond delay="0"/>
+                            </p:stCondLst>
+                            <p:childTnLst>
+                              <p:par>
+                                <p:cTn id="5" presetID="1" presetClass="entr" presetSubtype="0" fill="hold" nodeType="clickEffect">
+                                  <p:stCondLst>
+                                    <p:cond delay="0"/>
+                                  </p:stCondLst>
+                                  <p:childTnLst>
+                                    <p:set>
+                                      <p:cBhvr>
+                                        <p:cTn id="6" dur="1" fill="hold">
+                                          <p:stCondLst>
+                                            <p:cond delay="0"/>
+                                          </p:stCondLst>
+                                        </p:cTn>
+                                        <p:tgtEl>
+                                          <p:spTgt spid="5"/>
+                                        </p:tgtEl>
+                                        <p:attrNameLst>
+                                          <p:attrName>style.visibility</p:attrName>
+                                        </p:attrNameLst>
+                                      </p:cBhvr>
+                                      <p:to>
+                                        <p:strVal val="visible"/>
+                                      </p:to>
+                                    </p:set>
+                                  </p:childTnLst>
+                                </p:cTn>
+                              </p:par>
+                            </p:childTnLst>
+                          </p:cTn>
+                        </p:par>
+                      </p:childTnLst>
+                    </p:cTn>
+                  </p:par>
+                  <p:par>
+                    <p:cTn id="7" fill="hold">
+                      <p:stCondLst>
+                        <p:cond delay="indefinite"/>
+                      </p:stCondLst>
+                      <p:childTnLst>
+                        <p:par>
+                          <p:cTn id="8" fill="hold">
+                            <p:stCondLst>
+                              <p:cond delay="0"/>
+                            </p:stCondLst>
+                            <p:childTnLst>
+                              <p:par>
+                                <p:cTn id="9" presetID="1" presetClass="entr" presetSubtype="0" fill="hold" grpId="0" nodeType="clickEffect">
+                                  <p:stCondLst>
+                                    <p:cond delay="0"/>
+                                  </p:stCondLst>
+                                  <p:childTnLst>
+                                    <p:set>
+                                      <p:cBhvr>
+                                        <p:cTn id="10" dur="1" fill="hold">
+                                          <p:stCondLst>
+                                            <p:cond delay="0"/>
+                                          </p:stCondLst>
+                                        </p:cTn>
+                                        <p:tgtEl>
+                                          <p:spTgt spid="9"/>
+                                        </p:tgtEl>
+                                        <p:attrNameLst>
+                                          <p:attrName>style.visibility</p:attrName>
+                                        </p:attrNameLst>
+                                      </p:cBhvr>
+                                      <p:to>
+                                        <p:strVal val="visible"/>
+                                      </p:to>
+                                    </p:set>
+                                  </p:childTnLst>
+                                </p:cTn>
+                              </p:par>
+                              <p:par>
+                                <p:cTn id="11" presetID="1" presetClass="entr" presetSubtype="0" fill="hold" grpId="0" nodeType="withEffect">
+                                  <p:stCondLst>
+                                    <p:cond delay="0"/>
+                                  </p:stCondLst>
+                                  <p:childTnLst>
+                                    <p:set>
+                                      <p:cBhvr>
+                                        <p:cTn id="12" dur="1" fill="hold">
+                                          <p:stCondLst>
+                                            <p:cond delay="0"/>
+                                          </p:stCondLst>
+                                        </p:cTn>
+                                        <p:tgtEl>
+                                          <p:spTgt spid="10"/>
+                                        </p:tgtEl>
+                                        <p:attrNameLst>
+                                          <p:attrName>style.visibility</p:attrName>
+                                        </p:attrNameLst>
+                                      </p:cBhvr>
+                                      <p:to>
+                                        <p:strVal val="visible"/>
+                                      </p:to>
+                                    </p:set>
+                                  </p:childTnLst>
+                                </p:cTn>
+                              </p:par>
+                            </p:childTnLst>
+                          </p:cTn>
+                        </p:par>
+                      </p:childTnLst>
+                    </p:cTn>
+                  </p:par>
+                  <p:par>
+                    <p:cTn id="13" fill="hold">
+                      <p:stCondLst>
+                        <p:cond delay="indefinite"/>
+                      </p:stCondLst>
+                      <p:childTnLst>
+                        <p:par>
+                          <p:cTn id="14" fill="hold">
+                            <p:stCondLst>
+                              <p:cond delay="0"/>
+                            </p:stCondLst>
+                            <p:childTnLst>
+                              <p:par>
+                                <p:cTn id="15" presetID="1" presetClass="entr" presetSubtype="0" fill="hold" nodeType="clickEffect">
+                                  <p:stCondLst>
+                                    <p:cond delay="0"/>
+                                  </p:stCondLst>
+                                  <p:childTnLst>
+                                    <p:set>
+                                      <p:cBhvr>
+                                        <p:cTn id="16" dur="1" fill="hold">
+                                          <p:stCondLst>
+                                            <p:cond delay="0"/>
+                                          </p:stCondLst>
+                                        </p:cTn>
+                                        <p:tgtEl>
+                                          <p:spTgt spid="7"/>
+                                        </p:tgtEl>
+                                        <p:attrNameLst>
+                                          <p:attrName>style.visibility</p:attrName>
+                                        </p:attrNameLst>
+                                      </p:cBhvr>
+                                      <p:to>
+                                        <p:strVal val="visible"/>
+                                      </p:to>
+                                    </p:set>
+                                  </p:childTnLst>
+                                </p:cTn>
+                              </p:par>
+                            </p:childTnLst>
+                          </p:cTn>
+                        </p:par>
+                      </p:childTnLst>
+                    </p:cTn>
+                  </p:par>
+                  <p:par>
+                    <p:cTn id="17" fill="hold">
+                      <p:stCondLst>
+                        <p:cond delay="indefinite"/>
+                      </p:stCondLst>
+                      <p:childTnLst>
+                        <p:par>
+                          <p:cTn id="18" fill="hold">
+                            <p:stCondLst>
+                              <p:cond delay="0"/>
+                            </p:stCondLst>
+                            <p:childTnLst>
+                              <p:par>
+                                <p:cTn id="19" presetID="1" presetClass="entr" presetSubtype="0" fill="hold" grpId="0" nodeType="clickEffect">
+                                  <p:stCondLst>
+                                    <p:cond delay="0"/>
+                                  </p:stCondLst>
+                                  <p:childTnLst>
+                                    <p:set>
+                                      <p:cBhvr>
+                                        <p:cTn id="20" dur="1" fill="hold">
+                                          <p:stCondLst>
+                                            <p:cond delay="0"/>
+                                          </p:stCondLst>
+                                        </p:cTn>
+                                        <p:tgtEl>
+                                          <p:spTgt spid="8"/>
+                                        </p:tgtEl>
+                                        <p:attrNameLst>
+                                          <p:attrName>style.visibility</p:attrName>
+                                        </p:attrNameLst>
+                                      </p:cBhvr>
+                                      <p:to>
+                                        <p:strVal val="visible"/>
+                                      </p:to>
+                                    </p:set>
+                                  </p:childTnLst>
+                                </p:cTn>
+                              </p:par>
+                              <p:par>
+                                <p:cTn id="21" presetID="1" presetClass="entr" presetSubtype="0" fill="hold" grpId="0" nodeType="withEffect">
+                                  <p:stCondLst>
+                                    <p:cond delay="0"/>
+                                  </p:stCondLst>
+                                  <p:childTnLst>
+                                    <p:set>
+                                      <p:cBhvr>
+                                        <p:cTn id="22" dur="1" fill="hold">
+                                          <p:stCondLst>
+                                            <p:cond delay="0"/>
+                                          </p:stCondLst>
+                                        </p:cTn>
+                                        <p:tgtEl>
+                                          <p:spTgt spid="11"/>
+                                        </p:tgtEl>
+                                        <p:attrNameLst>
+                                          <p:attrName>style.visibility</p:attrName>
+                                        </p:attrNameLst>
+                                      </p:cBhvr>
+                                      <p:to>
+                                        <p:strVal val="visible"/>
+                                      </p:to>
+                                    </p:set>
+                                  </p:childTnLst>
+                                </p:cTn>
+                              </p:par>
+                            </p:childTnLst>
+                          </p:cTn>
+                        </p:par>
+                      </p:childTnLst>
+                    </p:cTn>
+                  </p:par>
+                </p:childTnLst>
+              </p:cTn>
+              <p:prevCondLst>
+                <p:cond evt="onPrev" delay="0">
+                  <p:tgtEl>
+                    <p:sldTgt/>
+                  </p:tgtEl>
+                </p:cond>
+              </p:prevCondLst>
+              <p:nextCondLst>
+                <p:cond evt="onNext" delay="0">
+                  <p:tgtEl>
+                    <p:sldTgt/>
+                  </p:tgtEl>
+                </p:cond>
+              </p:nextCondLst>
+            </p:seq>
+          </p:childTnLst>
+        </p:cTn>
+      </p:par>
+    </p:tnLst>
+    <p:bldLst>
+      <p:bldP spid="8" grpId="0" animBg="1"/>
+      <p:bldP spid="9" grpId="0" animBg="1"/>
+      <p:bldP spid="10" grpId="0"/>
+      <p:bldP spid="11" grpId="0"/>
+    </p:bldLst>
+  </p:timing>
 </p:sld>
 </file>
 
@@ -37968,131 +40618,6 @@
           <p:cNvPr id="2" name="Title 1">
             <a:extLst>
               <a:ext uri="{FF2B5EF4-FFF2-40B4-BE49-F238E27FC236}">
-                <a16:creationId xmlns:a16="http://schemas.microsoft.com/office/drawing/2014/main" id="{632D8C67-9855-F94C-DF23-26192F6BC23E}"/>
-              </a:ext>
-            </a:extLst>
-          </p:cNvPr>
-          <p:cNvSpPr>
-            <a:spLocks noGrp="1"/>
-          </p:cNvSpPr>
-          <p:nvPr>
-            <p:ph type="title"/>
-          </p:nvPr>
-        </p:nvSpPr>
-        <p:spPr/>
-        <p:txBody>
-          <a:bodyPr/>
-          <a:lstStyle/>
-          <a:p>
-            <a:r>
-              <a:rPr lang="en-US" dirty="0"/>
-              <a:t>RG-STS: Proof Rules for </a:t>
-            </a:r>
-            <a:r>
-              <a:rPr lang="en-US" dirty="0" err="1"/>
-              <a:t>Bisimilar</a:t>
-            </a:r>
-            <a:r>
-              <a:rPr lang="en-US" dirty="0"/>
-              <a:t> Protocols</a:t>
-            </a:r>
-          </a:p>
-        </p:txBody>
-      </p:sp>
-      <p:pic>
-        <p:nvPicPr>
-          <p:cNvPr id="5" name="Content Placeholder 4" descr="A diagram of mathematical equations&#10;&#10;Description automatically generated">
-            <a:extLst>
-              <a:ext uri="{FF2B5EF4-FFF2-40B4-BE49-F238E27FC236}">
-                <a16:creationId xmlns:a16="http://schemas.microsoft.com/office/drawing/2014/main" id="{B45A46CA-0387-CF00-929F-A9FE65D9DB40}"/>
-              </a:ext>
-            </a:extLst>
-          </p:cNvPr>
-          <p:cNvPicPr>
-            <a:picLocks noGrp="1" noChangeAspect="1"/>
-          </p:cNvPicPr>
-          <p:nvPr>
-            <p:ph idx="1"/>
-          </p:nvPr>
-        </p:nvPicPr>
-        <p:blipFill>
-          <a:blip r:embed="rId2"/>
-          <a:stretch>
-            <a:fillRect/>
-          </a:stretch>
-        </p:blipFill>
-        <p:spPr>
-          <a:xfrm>
-            <a:off x="4169410" y="2189004"/>
-            <a:ext cx="3594100" cy="1714500"/>
-          </a:xfrm>
-        </p:spPr>
-      </p:pic>
-      <p:pic>
-        <p:nvPicPr>
-          <p:cNvPr id="7" name="Picture 6" descr="A black text on a white background&#10;&#10;Description automatically generated">
-            <a:extLst>
-              <a:ext uri="{FF2B5EF4-FFF2-40B4-BE49-F238E27FC236}">
-                <a16:creationId xmlns:a16="http://schemas.microsoft.com/office/drawing/2014/main" id="{D57ABFF9-F764-AF29-29FA-60D240A51DB2}"/>
-              </a:ext>
-            </a:extLst>
-          </p:cNvPr>
-          <p:cNvPicPr>
-            <a:picLocks noChangeAspect="1"/>
-          </p:cNvPicPr>
-          <p:nvPr/>
-        </p:nvPicPr>
-        <p:blipFill>
-          <a:blip r:embed="rId3"/>
-          <a:stretch>
-            <a:fillRect/>
-          </a:stretch>
-        </p:blipFill>
-        <p:spPr>
-          <a:xfrm>
-            <a:off x="4169410" y="4592320"/>
-            <a:ext cx="4584700" cy="1473200"/>
-          </a:xfrm>
-          <a:prstGeom prst="rect">
-            <a:avLst/>
-          </a:prstGeom>
-        </p:spPr>
-      </p:pic>
-    </p:spTree>
-    <p:extLst>
-      <p:ext uri="{BB962C8B-B14F-4D97-AF65-F5344CB8AC3E}">
-        <p14:creationId xmlns:p14="http://schemas.microsoft.com/office/powerpoint/2010/main" val="4011935431"/>
-      </p:ext>
-    </p:extLst>
-  </p:cSld>
-  <p:clrMapOvr>
-    <a:masterClrMapping/>
-  </p:clrMapOvr>
-</p:sld>
-</file>
-
-<file path=ppt/slides/slide43.xml><?xml version="1.0" encoding="utf-8"?>
-<p:sld xmlns:a="http://schemas.openxmlformats.org/drawingml/2006/main" xmlns:r="http://schemas.openxmlformats.org/officeDocument/2006/relationships" xmlns:p="http://schemas.openxmlformats.org/presentationml/2006/main">
-  <p:cSld>
-    <p:spTree>
-      <p:nvGrpSpPr>
-        <p:cNvPr id="1" name=""/>
-        <p:cNvGrpSpPr/>
-        <p:nvPr/>
-      </p:nvGrpSpPr>
-      <p:grpSpPr>
-        <a:xfrm>
-          <a:off x="0" y="0"/>
-          <a:ext cx="0" cy="0"/>
-          <a:chOff x="0" y="0"/>
-          <a:chExt cx="0" cy="0"/>
-        </a:xfrm>
-      </p:grpSpPr>
-      <p:sp>
-        <p:nvSpPr>
-          <p:cNvPr id="2" name="Title 1">
-            <a:extLst>
-              <a:ext uri="{FF2B5EF4-FFF2-40B4-BE49-F238E27FC236}">
                 <a16:creationId xmlns:a16="http://schemas.microsoft.com/office/drawing/2014/main" id="{49074C14-374B-7943-F1DC-88A056B80D77}"/>
               </a:ext>
             </a:extLst>
@@ -38279,7 +40804,7 @@
 </p:sld>
 </file>
 
-<file path=ppt/slides/slide44.xml><?xml version="1.0" encoding="utf-8"?>
+<file path=ppt/slides/slide43.xml><?xml version="1.0" encoding="utf-8"?>
 <p:sld xmlns:a="http://schemas.openxmlformats.org/drawingml/2006/main" xmlns:r="http://schemas.openxmlformats.org/officeDocument/2006/relationships" xmlns:p="http://schemas.openxmlformats.org/presentationml/2006/main">
   <p:cSld>
     <p:spTree>
@@ -38441,7 +40966,7 @@
 </p:sld>
 </file>
 
-<file path=ppt/slides/slide45.xml><?xml version="1.0" encoding="utf-8"?>
+<file path=ppt/slides/slide44.xml><?xml version="1.0" encoding="utf-8"?>
 <p:sld xmlns:a="http://schemas.openxmlformats.org/drawingml/2006/main" xmlns:r="http://schemas.openxmlformats.org/officeDocument/2006/relationships" xmlns:p="http://schemas.openxmlformats.org/presentationml/2006/main">
   <p:cSld>
     <p:spTree>
@@ -38528,7 +41053,7 @@
 </p:sld>
 </file>
 
-<file path=ppt/slides/slide46.xml><?xml version="1.0" encoding="utf-8"?>
+<file path=ppt/slides/slide45.xml><?xml version="1.0" encoding="utf-8"?>
 <p:sld xmlns:a="http://schemas.openxmlformats.org/drawingml/2006/main" xmlns:r="http://schemas.openxmlformats.org/officeDocument/2006/relationships" xmlns:p="http://schemas.openxmlformats.org/presentationml/2006/main">
   <p:cSld>
     <p:spTree>
@@ -43739,7 +46264,7 @@
         </p:blipFill>
         <p:spPr>
           <a:xfrm>
-            <a:off x="3490729" y="2503804"/>
+            <a:off x="4265338" y="2836506"/>
             <a:ext cx="4028168" cy="2108200"/>
           </a:xfrm>
           <a:prstGeom prst="rect">
@@ -43769,7 +46294,7 @@
         </p:blipFill>
         <p:spPr>
           <a:xfrm>
-            <a:off x="2672598" y="2522774"/>
+            <a:off x="2338591" y="2869089"/>
             <a:ext cx="6256015" cy="2021761"/>
           </a:xfrm>
           <a:prstGeom prst="rect">
@@ -43799,7 +46324,7 @@
         </p:blipFill>
         <p:spPr>
           <a:xfrm>
-            <a:off x="5384800" y="4612004"/>
+            <a:off x="5301032" y="4771330"/>
             <a:ext cx="6419612" cy="2021761"/>
           </a:xfrm>
           <a:prstGeom prst="rect">

--- a/thesis_proposal/proposal.pptx
+++ b/thesis_proposal/proposal.pptx
@@ -9046,6 +9046,116 @@
           <a:bodyPr/>
           <a:lstStyle/>
           <a:p>
+            <a:r>
+              <a:rPr lang="en-US" dirty="0"/>
+              <a:t>(</a:t>
+            </a:r>
+            <a:r>
+              <a:rPr lang="en-US" dirty="0" err="1"/>
+              <a:t>s</a:t>
+            </a:r>
+            <a:r>
+              <a:rPr lang="en-US" baseline="-25000" dirty="0" err="1"/>
+              <a:t>i</a:t>
+            </a:r>
+            <a:r>
+              <a:rPr lang="en-US" baseline="-25000" dirty="0"/>
+              <a:t> , </a:t>
+            </a:r>
+            <a:r>
+              <a:rPr lang="en-US" dirty="0"/>
+              <a:t>s</a:t>
+            </a:r>
+            <a:r>
+              <a:rPr lang="en-US" baseline="-25000" dirty="0"/>
+              <a:t>o</a:t>
+            </a:r>
+            <a:r>
+              <a:rPr lang="en-US" dirty="0"/>
+              <a:t>) is element of </a:t>
+            </a:r>
+            <a:r>
+              <a:rPr lang="en-US" dirty="0" err="1"/>
+              <a:t>R</a:t>
+            </a:r>
+            <a:r>
+              <a:rPr lang="en-US" baseline="-25000" dirty="0" err="1"/>
+              <a:t>open</a:t>
+            </a:r>
+            <a:endParaRPr lang="en-US" baseline="-25000" dirty="0"/>
+          </a:p>
+          <a:p>
+            <a:pPr marL="0" indent="0">
+              <a:buNone/>
+            </a:pPr>
+            <a:endParaRPr lang="en-US" dirty="0"/>
+          </a:p>
+          <a:p>
+            <a:r>
+              <a:rPr lang="en-US" dirty="0"/>
+              <a:t>generate a </a:t>
+            </a:r>
+            <a:r>
+              <a:rPr lang="en-US" dirty="0" err="1"/>
+              <a:t>submodel</a:t>
+            </a:r>
+            <a:r>
+              <a:rPr lang="en-US" dirty="0"/>
+              <a:t> from a state [s</a:t>
+            </a:r>
+            <a:r>
+              <a:rPr lang="en-US" baseline="-25000" dirty="0"/>
+              <a:t>o</a:t>
+            </a:r>
+            <a:r>
+              <a:rPr lang="en-US" dirty="0"/>
+              <a:t>]</a:t>
+            </a:r>
+          </a:p>
+          <a:p>
+            <a:pPr marL="0" indent="0">
+              <a:buNone/>
+            </a:pPr>
+            <a:r>
+              <a:rPr lang="en-US" dirty="0"/>
+              <a:t>   with relations </a:t>
+            </a:r>
+            <a:r>
+              <a:rPr lang="en-US" dirty="0" err="1"/>
+              <a:t>R</a:t>
+            </a:r>
+            <a:r>
+              <a:rPr lang="en-US" baseline="-25000" dirty="0" err="1"/>
+              <a:t>read</a:t>
+            </a:r>
+            <a:r>
+              <a:rPr lang="en-US" baseline="-25000" dirty="0"/>
+              <a:t> </a:t>
+            </a:r>
+            <a:r>
+              <a:rPr lang="en-US" dirty="0"/>
+              <a:t>and </a:t>
+            </a:r>
+            <a:r>
+              <a:rPr lang="en-US" dirty="0" err="1"/>
+              <a:t>R</a:t>
+            </a:r>
+            <a:r>
+              <a:rPr lang="en-US" baseline="-25000" dirty="0" err="1"/>
+              <a:t>write</a:t>
+            </a:r>
+            <a:endParaRPr lang="en-US" dirty="0"/>
+          </a:p>
+          <a:p>
+            <a:pPr marL="457200" lvl="1" indent="0">
+              <a:buNone/>
+            </a:pPr>
+            <a:endParaRPr lang="en-US" dirty="0"/>
+          </a:p>
+          <a:p>
+            <a:pPr marL="0" indent="0">
+              <a:buNone/>
+            </a:pPr>
             <a:endParaRPr lang="en-US" dirty="0"/>
           </a:p>
           <a:p>
@@ -9499,7 +9609,7 @@
         </p:nvSpPr>
         <p:spPr>
           <a:xfrm>
-            <a:off x="8299273" y="5627053"/>
+            <a:off x="8233429" y="4721000"/>
             <a:ext cx="550546" cy="549910"/>
           </a:xfrm>
           <a:prstGeom prst="ellipse">
@@ -9576,7 +9686,7 @@
         </p:nvCxnSpPr>
         <p:spPr>
           <a:xfrm flipH="1" flipV="1">
-            <a:off x="8769193" y="5707585"/>
+            <a:off x="8703349" y="4801532"/>
             <a:ext cx="80626" cy="194423"/>
           </a:xfrm>
           <a:prstGeom prst="curvedConnector4">
@@ -9618,7 +9728,7 @@
         </p:nvSpPr>
         <p:spPr>
           <a:xfrm>
-            <a:off x="9652459" y="5371330"/>
+            <a:off x="9586615" y="4465277"/>
             <a:ext cx="666273" cy="646331"/>
           </a:xfrm>
           <a:prstGeom prst="rect">
@@ -9697,6 +9807,407 @@
   <p:clrMapOvr>
     <a:masterClrMapping/>
   </p:clrMapOvr>
+  <p:timing>
+    <p:tnLst>
+      <p:par>
+        <p:cTn id="1" dur="indefinite" restart="never" nodeType="tmRoot">
+          <p:childTnLst>
+            <p:seq concurrent="1" nextAc="seek">
+              <p:cTn id="2" dur="indefinite" nodeType="mainSeq">
+                <p:childTnLst>
+                  <p:par>
+                    <p:cTn id="3" fill="hold">
+                      <p:stCondLst>
+                        <p:cond delay="indefinite"/>
+                      </p:stCondLst>
+                      <p:childTnLst>
+                        <p:par>
+                          <p:cTn id="4" fill="hold">
+                            <p:stCondLst>
+                              <p:cond delay="0"/>
+                            </p:stCondLst>
+                            <p:childTnLst>
+                              <p:par>
+                                <p:cTn id="5" presetID="1" presetClass="entr" presetSubtype="0" fill="hold" nodeType="clickEffect">
+                                  <p:stCondLst>
+                                    <p:cond delay="0"/>
+                                  </p:stCondLst>
+                                  <p:childTnLst>
+                                    <p:set>
+                                      <p:cBhvr>
+                                        <p:cTn id="6" dur="1" fill="hold">
+                                          <p:stCondLst>
+                                            <p:cond delay="0"/>
+                                          </p:stCondLst>
+                                        </p:cTn>
+                                        <p:tgtEl>
+                                          <p:spTgt spid="3">
+                                            <p:txEl>
+                                              <p:pRg st="0" end="0"/>
+                                            </p:txEl>
+                                          </p:spTgt>
+                                        </p:tgtEl>
+                                        <p:attrNameLst>
+                                          <p:attrName>style.visibility</p:attrName>
+                                        </p:attrNameLst>
+                                      </p:cBhvr>
+                                      <p:to>
+                                        <p:strVal val="visible"/>
+                                      </p:to>
+                                    </p:set>
+                                  </p:childTnLst>
+                                </p:cTn>
+                              </p:par>
+                            </p:childTnLst>
+                          </p:cTn>
+                        </p:par>
+                      </p:childTnLst>
+                    </p:cTn>
+                  </p:par>
+                  <p:par>
+                    <p:cTn id="7" fill="hold">
+                      <p:stCondLst>
+                        <p:cond delay="indefinite"/>
+                      </p:stCondLst>
+                      <p:childTnLst>
+                        <p:par>
+                          <p:cTn id="8" fill="hold">
+                            <p:stCondLst>
+                              <p:cond delay="0"/>
+                            </p:stCondLst>
+                            <p:childTnLst>
+                              <p:par>
+                                <p:cTn id="9" presetID="1" presetClass="entr" presetSubtype="0" fill="hold" nodeType="clickEffect">
+                                  <p:stCondLst>
+                                    <p:cond delay="0"/>
+                                  </p:stCondLst>
+                                  <p:childTnLst>
+                                    <p:set>
+                                      <p:cBhvr>
+                                        <p:cTn id="10" dur="1" fill="hold">
+                                          <p:stCondLst>
+                                            <p:cond delay="0"/>
+                                          </p:stCondLst>
+                                        </p:cTn>
+                                        <p:tgtEl>
+                                          <p:spTgt spid="3">
+                                            <p:txEl>
+                                              <p:pRg st="2" end="2"/>
+                                            </p:txEl>
+                                          </p:spTgt>
+                                        </p:tgtEl>
+                                        <p:attrNameLst>
+                                          <p:attrName>style.visibility</p:attrName>
+                                        </p:attrNameLst>
+                                      </p:cBhvr>
+                                      <p:to>
+                                        <p:strVal val="visible"/>
+                                      </p:to>
+                                    </p:set>
+                                  </p:childTnLst>
+                                </p:cTn>
+                              </p:par>
+                            </p:childTnLst>
+                          </p:cTn>
+                        </p:par>
+                      </p:childTnLst>
+                    </p:cTn>
+                  </p:par>
+                  <p:par>
+                    <p:cTn id="11" fill="hold">
+                      <p:stCondLst>
+                        <p:cond delay="indefinite"/>
+                      </p:stCondLst>
+                      <p:childTnLst>
+                        <p:par>
+                          <p:cTn id="12" fill="hold">
+                            <p:stCondLst>
+                              <p:cond delay="0"/>
+                            </p:stCondLst>
+                            <p:childTnLst>
+                              <p:par>
+                                <p:cTn id="13" presetID="1" presetClass="entr" presetSubtype="0" fill="hold" nodeType="clickEffect">
+                                  <p:stCondLst>
+                                    <p:cond delay="0"/>
+                                  </p:stCondLst>
+                                  <p:childTnLst>
+                                    <p:set>
+                                      <p:cBhvr>
+                                        <p:cTn id="14" dur="1" fill="hold">
+                                          <p:stCondLst>
+                                            <p:cond delay="0"/>
+                                          </p:stCondLst>
+                                        </p:cTn>
+                                        <p:tgtEl>
+                                          <p:spTgt spid="3">
+                                            <p:txEl>
+                                              <p:pRg st="3" end="3"/>
+                                            </p:txEl>
+                                          </p:spTgt>
+                                        </p:tgtEl>
+                                        <p:attrNameLst>
+                                          <p:attrName>style.visibility</p:attrName>
+                                        </p:attrNameLst>
+                                      </p:cBhvr>
+                                      <p:to>
+                                        <p:strVal val="visible"/>
+                                      </p:to>
+                                    </p:set>
+                                  </p:childTnLst>
+                                </p:cTn>
+                              </p:par>
+                              <p:par>
+                                <p:cTn id="15" presetID="1" presetClass="entr" presetSubtype="0" fill="hold" grpId="0" nodeType="withEffect">
+                                  <p:stCondLst>
+                                    <p:cond delay="0"/>
+                                  </p:stCondLst>
+                                  <p:childTnLst>
+                                    <p:set>
+                                      <p:cBhvr>
+                                        <p:cTn id="16" dur="1" fill="hold">
+                                          <p:stCondLst>
+                                            <p:cond delay="0"/>
+                                          </p:stCondLst>
+                                        </p:cTn>
+                                        <p:tgtEl>
+                                          <p:spTgt spid="4"/>
+                                        </p:tgtEl>
+                                        <p:attrNameLst>
+                                          <p:attrName>style.visibility</p:attrName>
+                                        </p:attrNameLst>
+                                      </p:cBhvr>
+                                      <p:to>
+                                        <p:strVal val="visible"/>
+                                      </p:to>
+                                    </p:set>
+                                  </p:childTnLst>
+                                </p:cTn>
+                              </p:par>
+                              <p:par>
+                                <p:cTn id="17" presetID="1" presetClass="entr" presetSubtype="0" fill="hold" grpId="0" nodeType="withEffect">
+                                  <p:stCondLst>
+                                    <p:cond delay="0"/>
+                                  </p:stCondLst>
+                                  <p:childTnLst>
+                                    <p:set>
+                                      <p:cBhvr>
+                                        <p:cTn id="18" dur="1" fill="hold">
+                                          <p:stCondLst>
+                                            <p:cond delay="0"/>
+                                          </p:stCondLst>
+                                        </p:cTn>
+                                        <p:tgtEl>
+                                          <p:spTgt spid="5"/>
+                                        </p:tgtEl>
+                                        <p:attrNameLst>
+                                          <p:attrName>style.visibility</p:attrName>
+                                        </p:attrNameLst>
+                                      </p:cBhvr>
+                                      <p:to>
+                                        <p:strVal val="visible"/>
+                                      </p:to>
+                                    </p:set>
+                                  </p:childTnLst>
+                                </p:cTn>
+                              </p:par>
+                              <p:par>
+                                <p:cTn id="19" presetID="1" presetClass="entr" presetSubtype="0" fill="hold" grpId="0" nodeType="withEffect">
+                                  <p:stCondLst>
+                                    <p:cond delay="0"/>
+                                  </p:stCondLst>
+                                  <p:childTnLst>
+                                    <p:set>
+                                      <p:cBhvr>
+                                        <p:cTn id="20" dur="1" fill="hold">
+                                          <p:stCondLst>
+                                            <p:cond delay="0"/>
+                                          </p:stCondLst>
+                                        </p:cTn>
+                                        <p:tgtEl>
+                                          <p:spTgt spid="8"/>
+                                        </p:tgtEl>
+                                        <p:attrNameLst>
+                                          <p:attrName>style.visibility</p:attrName>
+                                        </p:attrNameLst>
+                                      </p:cBhvr>
+                                      <p:to>
+                                        <p:strVal val="visible"/>
+                                      </p:to>
+                                    </p:set>
+                                  </p:childTnLst>
+                                </p:cTn>
+                              </p:par>
+                              <p:par>
+                                <p:cTn id="21" presetID="1" presetClass="entr" presetSubtype="0" fill="hold" nodeType="withEffect">
+                                  <p:stCondLst>
+                                    <p:cond delay="0"/>
+                                  </p:stCondLst>
+                                  <p:childTnLst>
+                                    <p:set>
+                                      <p:cBhvr>
+                                        <p:cTn id="22" dur="1" fill="hold">
+                                          <p:stCondLst>
+                                            <p:cond delay="0"/>
+                                          </p:stCondLst>
+                                        </p:cTn>
+                                        <p:tgtEl>
+                                          <p:spTgt spid="17"/>
+                                        </p:tgtEl>
+                                        <p:attrNameLst>
+                                          <p:attrName>style.visibility</p:attrName>
+                                        </p:attrNameLst>
+                                      </p:cBhvr>
+                                      <p:to>
+                                        <p:strVal val="visible"/>
+                                      </p:to>
+                                    </p:set>
+                                  </p:childTnLst>
+                                </p:cTn>
+                              </p:par>
+                              <p:par>
+                                <p:cTn id="23" presetID="1" presetClass="entr" presetSubtype="0" fill="hold" grpId="0" nodeType="withEffect">
+                                  <p:stCondLst>
+                                    <p:cond delay="0"/>
+                                  </p:stCondLst>
+                                  <p:childTnLst>
+                                    <p:set>
+                                      <p:cBhvr>
+                                        <p:cTn id="24" dur="1" fill="hold">
+                                          <p:stCondLst>
+                                            <p:cond delay="0"/>
+                                          </p:stCondLst>
+                                        </p:cTn>
+                                        <p:tgtEl>
+                                          <p:spTgt spid="9"/>
+                                        </p:tgtEl>
+                                        <p:attrNameLst>
+                                          <p:attrName>style.visibility</p:attrName>
+                                        </p:attrNameLst>
+                                      </p:cBhvr>
+                                      <p:to>
+                                        <p:strVal val="visible"/>
+                                      </p:to>
+                                    </p:set>
+                                  </p:childTnLst>
+                                </p:cTn>
+                              </p:par>
+                              <p:par>
+                                <p:cTn id="25" presetID="1" presetClass="entr" presetSubtype="0" fill="hold" nodeType="withEffect">
+                                  <p:stCondLst>
+                                    <p:cond delay="0"/>
+                                  </p:stCondLst>
+                                  <p:childTnLst>
+                                    <p:set>
+                                      <p:cBhvr>
+                                        <p:cTn id="26" dur="1" fill="hold">
+                                          <p:stCondLst>
+                                            <p:cond delay="0"/>
+                                          </p:stCondLst>
+                                        </p:cTn>
+                                        <p:tgtEl>
+                                          <p:spTgt spid="10"/>
+                                        </p:tgtEl>
+                                        <p:attrNameLst>
+                                          <p:attrName>style.visibility</p:attrName>
+                                        </p:attrNameLst>
+                                      </p:cBhvr>
+                                      <p:to>
+                                        <p:strVal val="visible"/>
+                                      </p:to>
+                                    </p:set>
+                                  </p:childTnLst>
+                                </p:cTn>
+                              </p:par>
+                              <p:par>
+                                <p:cTn id="27" presetID="1" presetClass="entr" presetSubtype="0" fill="hold" grpId="0" nodeType="withEffect">
+                                  <p:stCondLst>
+                                    <p:cond delay="0"/>
+                                  </p:stCondLst>
+                                  <p:childTnLst>
+                                    <p:set>
+                                      <p:cBhvr>
+                                        <p:cTn id="28" dur="1" fill="hold">
+                                          <p:stCondLst>
+                                            <p:cond delay="0"/>
+                                          </p:stCondLst>
+                                        </p:cTn>
+                                        <p:tgtEl>
+                                          <p:spTgt spid="11"/>
+                                        </p:tgtEl>
+                                        <p:attrNameLst>
+                                          <p:attrName>style.visibility</p:attrName>
+                                        </p:attrNameLst>
+                                      </p:cBhvr>
+                                      <p:to>
+                                        <p:strVal val="visible"/>
+                                      </p:to>
+                                    </p:set>
+                                  </p:childTnLst>
+                                </p:cTn>
+                              </p:par>
+                              <p:par>
+                                <p:cTn id="29" presetID="1" presetClass="entr" presetSubtype="0" fill="hold" grpId="0" nodeType="withEffect">
+                                  <p:stCondLst>
+                                    <p:cond delay="0"/>
+                                  </p:stCondLst>
+                                  <p:childTnLst>
+                                    <p:set>
+                                      <p:cBhvr>
+                                        <p:cTn id="30" dur="1" fill="hold">
+                                          <p:stCondLst>
+                                            <p:cond delay="0"/>
+                                          </p:stCondLst>
+                                        </p:cTn>
+                                        <p:tgtEl>
+                                          <p:spTgt spid="6"/>
+                                        </p:tgtEl>
+                                        <p:attrNameLst>
+                                          <p:attrName>style.visibility</p:attrName>
+                                        </p:attrNameLst>
+                                      </p:cBhvr>
+                                      <p:to>
+                                        <p:strVal val="visible"/>
+                                      </p:to>
+                                    </p:set>
+                                  </p:childTnLst>
+                                </p:cTn>
+                              </p:par>
+                            </p:childTnLst>
+                          </p:cTn>
+                        </p:par>
+                      </p:childTnLst>
+                    </p:cTn>
+                  </p:par>
+                </p:childTnLst>
+              </p:cTn>
+              <p:prevCondLst>
+                <p:cond evt="onPrev" delay="0">
+                  <p:tgtEl>
+                    <p:sldTgt/>
+                  </p:tgtEl>
+                </p:cond>
+              </p:prevCondLst>
+              <p:nextCondLst>
+                <p:cond evt="onNext" delay="0">
+                  <p:tgtEl>
+                    <p:sldTgt/>
+                  </p:tgtEl>
+                </p:cond>
+              </p:nextCondLst>
+            </p:seq>
+          </p:childTnLst>
+        </p:cTn>
+      </p:par>
+    </p:tnLst>
+    <p:bldLst>
+      <p:bldP spid="4" grpId="0" animBg="1"/>
+      <p:bldP spid="5" grpId="0" animBg="1"/>
+      <p:bldP spid="6" grpId="0" animBg="1"/>
+      <p:bldP spid="8" grpId="0"/>
+      <p:bldP spid="9" grpId="0"/>
+      <p:bldP spid="11" grpId="0"/>
+    </p:bldLst>
+  </p:timing>
 </p:sld>
 </file>
 
@@ -45702,6 +46213,33 @@
                                   </p:childTnLst>
                                 </p:cTn>
                               </p:par>
+                              <p:par>
+                                <p:cTn id="13" presetID="1" presetClass="entr" presetSubtype="0" fill="hold" grpId="0" nodeType="withEffect">
+                                  <p:stCondLst>
+                                    <p:cond delay="0"/>
+                                  </p:stCondLst>
+                                  <p:childTnLst>
+                                    <p:set>
+                                      <p:cBhvr>
+                                        <p:cTn id="14" dur="1" fill="hold">
+                                          <p:stCondLst>
+                                            <p:cond delay="0"/>
+                                          </p:stCondLst>
+                                        </p:cTn>
+                                        <p:tgtEl>
+                                          <p:spTgt spid="18"/>
+                                        </p:tgtEl>
+                                        <p:attrNameLst>
+                                          <p:attrName>style.visibility</p:attrName>
+                                        </p:attrNameLst>
+                                      </p:cBhvr>
+                                      <p:to>
+                                        <p:strVal val="visible"/>
+                                      </p:to>
+                                    </p:set>
+                                  </p:childTnLst>
+                                </p:cTn>
+                              </p:par>
                             </p:childTnLst>
                           </p:cTn>
                         </p:par>
@@ -45709,26 +46247,26 @@
                     </p:cTn>
                   </p:par>
                   <p:par>
-                    <p:cTn id="13" fill="hold">
+                    <p:cTn id="15" fill="hold">
                       <p:stCondLst>
                         <p:cond delay="indefinite"/>
                       </p:stCondLst>
                       <p:childTnLst>
                         <p:par>
-                          <p:cTn id="14" fill="hold">
+                          <p:cTn id="16" fill="hold">
                             <p:stCondLst>
                               <p:cond delay="0"/>
                             </p:stCondLst>
                             <p:childTnLst>
                               <p:par>
-                                <p:cTn id="15" presetID="1" presetClass="entr" presetSubtype="0" fill="hold" grpId="0" nodeType="clickEffect">
-                                  <p:stCondLst>
-                                    <p:cond delay="0"/>
-                                  </p:stCondLst>
-                                  <p:childTnLst>
-                                    <p:set>
-                                      <p:cBhvr>
-                                        <p:cTn id="16" dur="1" fill="hold">
+                                <p:cTn id="17" presetID="1" presetClass="entr" presetSubtype="0" fill="hold" grpId="0" nodeType="clickEffect">
+                                  <p:stCondLst>
+                                    <p:cond delay="0"/>
+                                  </p:stCondLst>
+                                  <p:childTnLst>
+                                    <p:set>
+                                      <p:cBhvr>
+                                        <p:cTn id="18" dur="1" fill="hold">
                                           <p:stCondLst>
                                             <p:cond delay="0"/>
                                           </p:stCondLst>
@@ -45748,20 +46286,47 @@
                                 </p:cTn>
                               </p:par>
                               <p:par>
-                                <p:cTn id="17" presetID="1" presetClass="entr" presetSubtype="0" fill="hold" grpId="0" nodeType="withEffect">
-                                  <p:stCondLst>
-                                    <p:cond delay="0"/>
-                                  </p:stCondLst>
-                                  <p:childTnLst>
-                                    <p:set>
-                                      <p:cBhvr>
-                                        <p:cTn id="18" dur="1" fill="hold">
+                                <p:cTn id="19" presetID="1" presetClass="entr" presetSubtype="0" fill="hold" grpId="0" nodeType="withEffect">
+                                  <p:stCondLst>
+                                    <p:cond delay="0"/>
+                                  </p:stCondLst>
+                                  <p:childTnLst>
+                                    <p:set>
+                                      <p:cBhvr>
+                                        <p:cTn id="20" dur="1" fill="hold">
                                           <p:stCondLst>
                                             <p:cond delay="0"/>
                                           </p:stCondLst>
                                         </p:cTn>
                                         <p:tgtEl>
                                           <p:spTgt spid="16"/>
+                                        </p:tgtEl>
+                                        <p:attrNameLst>
+                                          <p:attrName>style.visibility</p:attrName>
+                                        </p:attrNameLst>
+                                      </p:cBhvr>
+                                      <p:to>
+                                        <p:strVal val="visible"/>
+                                      </p:to>
+                                    </p:set>
+                                  </p:childTnLst>
+                                </p:cTn>
+                              </p:par>
+                              <p:par>
+                                <p:cTn id="21" presetID="1" presetClass="entr" presetSubtype="0" fill="hold" grpId="0" nodeType="withEffect">
+                                  <p:stCondLst>
+                                    <p:cond delay="0"/>
+                                  </p:stCondLst>
+                                  <p:childTnLst>
+                                    <p:set>
+                                      <p:cBhvr>
+                                        <p:cTn id="22" dur="1" fill="hold">
+                                          <p:stCondLst>
+                                            <p:cond delay="0"/>
+                                          </p:stCondLst>
+                                        </p:cTn>
+                                        <p:tgtEl>
+                                          <p:spTgt spid="19"/>
                                         </p:tgtEl>
                                         <p:attrNameLst>
                                           <p:attrName>style.visibility</p:attrName>
@@ -45781,26 +46346,26 @@
                     </p:cTn>
                   </p:par>
                   <p:par>
-                    <p:cTn id="19" fill="hold">
+                    <p:cTn id="23" fill="hold">
                       <p:stCondLst>
                         <p:cond delay="indefinite"/>
                       </p:stCondLst>
                       <p:childTnLst>
                         <p:par>
-                          <p:cTn id="20" fill="hold">
+                          <p:cTn id="24" fill="hold">
                             <p:stCondLst>
                               <p:cond delay="0"/>
                             </p:stCondLst>
                             <p:childTnLst>
                               <p:par>
-                                <p:cTn id="21" presetID="1" presetClass="entr" presetSubtype="0" fill="hold" grpId="0" nodeType="clickEffect">
-                                  <p:stCondLst>
-                                    <p:cond delay="0"/>
-                                  </p:stCondLst>
-                                  <p:childTnLst>
-                                    <p:set>
-                                      <p:cBhvr>
-                                        <p:cTn id="22" dur="1" fill="hold">
+                                <p:cTn id="25" presetID="1" presetClass="entr" presetSubtype="0" fill="hold" grpId="0" nodeType="clickEffect">
+                                  <p:stCondLst>
+                                    <p:cond delay="0"/>
+                                  </p:stCondLst>
+                                  <p:childTnLst>
+                                    <p:set>
+                                      <p:cBhvr>
+                                        <p:cTn id="26" dur="1" fill="hold">
                                           <p:stCondLst>
                                             <p:cond delay="0"/>
                                           </p:stCondLst>
@@ -45820,20 +46385,47 @@
                                 </p:cTn>
                               </p:par>
                               <p:par>
-                                <p:cTn id="23" presetID="1" presetClass="entr" presetSubtype="0" fill="hold" grpId="0" nodeType="withEffect">
-                                  <p:stCondLst>
-                                    <p:cond delay="0"/>
-                                  </p:stCondLst>
-                                  <p:childTnLst>
-                                    <p:set>
-                                      <p:cBhvr>
-                                        <p:cTn id="24" dur="1" fill="hold">
+                                <p:cTn id="27" presetID="1" presetClass="entr" presetSubtype="0" fill="hold" grpId="0" nodeType="withEffect">
+                                  <p:stCondLst>
+                                    <p:cond delay="0"/>
+                                  </p:stCondLst>
+                                  <p:childTnLst>
+                                    <p:set>
+                                      <p:cBhvr>
+                                        <p:cTn id="28" dur="1" fill="hold">
                                           <p:stCondLst>
                                             <p:cond delay="0"/>
                                           </p:stCondLst>
                                         </p:cTn>
                                         <p:tgtEl>
                                           <p:spTgt spid="17"/>
+                                        </p:tgtEl>
+                                        <p:attrNameLst>
+                                          <p:attrName>style.visibility</p:attrName>
+                                        </p:attrNameLst>
+                                      </p:cBhvr>
+                                      <p:to>
+                                        <p:strVal val="visible"/>
+                                      </p:to>
+                                    </p:set>
+                                  </p:childTnLst>
+                                </p:cTn>
+                              </p:par>
+                              <p:par>
+                                <p:cTn id="29" presetID="1" presetClass="entr" presetSubtype="0" fill="hold" grpId="0" nodeType="withEffect">
+                                  <p:stCondLst>
+                                    <p:cond delay="0"/>
+                                  </p:stCondLst>
+                                  <p:childTnLst>
+                                    <p:set>
+                                      <p:cBhvr>
+                                        <p:cTn id="30" dur="1" fill="hold">
+                                          <p:stCondLst>
+                                            <p:cond delay="0"/>
+                                          </p:stCondLst>
+                                        </p:cTn>
+                                        <p:tgtEl>
+                                          <p:spTgt spid="23"/>
                                         </p:tgtEl>
                                         <p:attrNameLst>
                                           <p:attrName>style.visibility</p:attrName>
@@ -45853,26 +46445,26 @@
                     </p:cTn>
                   </p:par>
                   <p:par>
-                    <p:cTn id="25" fill="hold">
+                    <p:cTn id="31" fill="hold">
                       <p:stCondLst>
                         <p:cond delay="indefinite"/>
                       </p:stCondLst>
                       <p:childTnLst>
                         <p:par>
-                          <p:cTn id="26" fill="hold">
+                          <p:cTn id="32" fill="hold">
                             <p:stCondLst>
                               <p:cond delay="0"/>
                             </p:stCondLst>
                             <p:childTnLst>
                               <p:par>
-                                <p:cTn id="27" presetID="1" presetClass="exit" presetSubtype="0" fill="hold" nodeType="clickEffect">
-                                  <p:stCondLst>
-                                    <p:cond delay="0"/>
-                                  </p:stCondLst>
-                                  <p:childTnLst>
-                                    <p:set>
-                                      <p:cBhvr>
-                                        <p:cTn id="28" dur="1" fill="hold">
+                                <p:cTn id="33" presetID="1" presetClass="exit" presetSubtype="0" fill="hold" nodeType="clickEffect">
+                                  <p:stCondLst>
+                                    <p:cond delay="0"/>
+                                  </p:stCondLst>
+                                  <p:childTnLst>
+                                    <p:set>
+                                      <p:cBhvr>
+                                        <p:cTn id="34" dur="1" fill="hold">
                                           <p:stCondLst>
                                             <p:cond delay="0"/>
                                           </p:stCondLst>
@@ -45892,14 +46484,14 @@
                                 </p:cTn>
                               </p:par>
                               <p:par>
-                                <p:cTn id="29" presetID="1" presetClass="exit" presetSubtype="0" fill="hold" grpId="1" nodeType="withEffect">
-                                  <p:stCondLst>
-                                    <p:cond delay="0"/>
-                                  </p:stCondLst>
-                                  <p:childTnLst>
-                                    <p:set>
-                                      <p:cBhvr>
-                                        <p:cTn id="30" dur="1" fill="hold">
+                                <p:cTn id="35" presetID="1" presetClass="exit" presetSubtype="0" fill="hold" grpId="1" nodeType="withEffect">
+                                  <p:stCondLst>
+                                    <p:cond delay="0"/>
+                                  </p:stCondLst>
+                                  <p:childTnLst>
+                                    <p:set>
+                                      <p:cBhvr>
+                                        <p:cTn id="36" dur="1" fill="hold">
                                           <p:stCondLst>
                                             <p:cond delay="0"/>
                                           </p:stCondLst>
@@ -45919,14 +46511,14 @@
                                 </p:cTn>
                               </p:par>
                               <p:par>
-                                <p:cTn id="31" presetID="1" presetClass="exit" presetSubtype="0" fill="hold" grpId="1" nodeType="withEffect">
-                                  <p:stCondLst>
-                                    <p:cond delay="0"/>
-                                  </p:stCondLst>
-                                  <p:childTnLst>
-                                    <p:set>
-                                      <p:cBhvr>
-                                        <p:cTn id="32" dur="1" fill="hold">
+                                <p:cTn id="37" presetID="1" presetClass="exit" presetSubtype="0" fill="hold" grpId="1" nodeType="withEffect">
+                                  <p:stCondLst>
+                                    <p:cond delay="0"/>
+                                  </p:stCondLst>
+                                  <p:childTnLst>
+                                    <p:set>
+                                      <p:cBhvr>
+                                        <p:cTn id="38" dur="1" fill="hold">
                                           <p:stCondLst>
                                             <p:cond delay="0"/>
                                           </p:stCondLst>
@@ -45946,14 +46538,14 @@
                                 </p:cTn>
                               </p:par>
                               <p:par>
-                                <p:cTn id="33" presetID="1" presetClass="exit" presetSubtype="0" fill="hold" grpId="1" nodeType="withEffect">
-                                  <p:stCondLst>
-                                    <p:cond delay="0"/>
-                                  </p:stCondLst>
-                                  <p:childTnLst>
-                                    <p:set>
-                                      <p:cBhvr>
-                                        <p:cTn id="34" dur="1" fill="hold">
+                                <p:cTn id="39" presetID="1" presetClass="exit" presetSubtype="0" fill="hold" grpId="1" nodeType="withEffect">
+                                  <p:stCondLst>
+                                    <p:cond delay="0"/>
+                                  </p:stCondLst>
+                                  <p:childTnLst>
+                                    <p:set>
+                                      <p:cBhvr>
+                                        <p:cTn id="40" dur="1" fill="hold">
                                           <p:stCondLst>
                                             <p:cond delay="0"/>
                                           </p:stCondLst>
@@ -45973,14 +46565,14 @@
                                 </p:cTn>
                               </p:par>
                               <p:par>
-                                <p:cTn id="35" presetID="1" presetClass="exit" presetSubtype="0" fill="hold" grpId="1" nodeType="withEffect">
-                                  <p:stCondLst>
-                                    <p:cond delay="0"/>
-                                  </p:stCondLst>
-                                  <p:childTnLst>
-                                    <p:set>
-                                      <p:cBhvr>
-                                        <p:cTn id="36" dur="1" fill="hold">
+                                <p:cTn id="41" presetID="1" presetClass="exit" presetSubtype="0" fill="hold" grpId="1" nodeType="withEffect">
+                                  <p:stCondLst>
+                                    <p:cond delay="0"/>
+                                  </p:stCondLst>
+                                  <p:childTnLst>
+                                    <p:set>
+                                      <p:cBhvr>
+                                        <p:cTn id="42" dur="1" fill="hold">
                                           <p:stCondLst>
                                             <p:cond delay="0"/>
                                           </p:stCondLst>
@@ -46000,14 +46592,14 @@
                                 </p:cTn>
                               </p:par>
                               <p:par>
-                                <p:cTn id="37" presetID="1" presetClass="exit" presetSubtype="0" fill="hold" grpId="1" nodeType="withEffect">
-                                  <p:stCondLst>
-                                    <p:cond delay="0"/>
-                                  </p:stCondLst>
-                                  <p:childTnLst>
-                                    <p:set>
-                                      <p:cBhvr>
-                                        <p:cTn id="38" dur="1" fill="hold">
+                                <p:cTn id="43" presetID="1" presetClass="exit" presetSubtype="0" fill="hold" grpId="1" nodeType="withEffect">
+                                  <p:stCondLst>
+                                    <p:cond delay="0"/>
+                                  </p:stCondLst>
+                                  <p:childTnLst>
+                                    <p:set>
+                                      <p:cBhvr>
+                                        <p:cTn id="44" dur="1" fill="hold">
                                           <p:stCondLst>
                                             <p:cond delay="0"/>
                                           </p:stCondLst>
@@ -46027,20 +46619,101 @@
                                 </p:cTn>
                               </p:par>
                               <p:par>
-                                <p:cTn id="39" presetID="1" presetClass="exit" presetSubtype="0" fill="hold" grpId="1" nodeType="withEffect">
-                                  <p:stCondLst>
-                                    <p:cond delay="0"/>
-                                  </p:stCondLst>
-                                  <p:childTnLst>
-                                    <p:set>
-                                      <p:cBhvr>
-                                        <p:cTn id="40" dur="1" fill="hold">
+                                <p:cTn id="45" presetID="1" presetClass="exit" presetSubtype="0" fill="hold" grpId="1" nodeType="withEffect">
+                                  <p:stCondLst>
+                                    <p:cond delay="0"/>
+                                  </p:stCondLst>
+                                  <p:childTnLst>
+                                    <p:set>
+                                      <p:cBhvr>
+                                        <p:cTn id="46" dur="1" fill="hold">
                                           <p:stCondLst>
                                             <p:cond delay="0"/>
                                           </p:stCondLst>
                                         </p:cTn>
                                         <p:tgtEl>
                                           <p:spTgt spid="14"/>
+                                        </p:tgtEl>
+                                        <p:attrNameLst>
+                                          <p:attrName>style.visibility</p:attrName>
+                                        </p:attrNameLst>
+                                      </p:cBhvr>
+                                      <p:to>
+                                        <p:strVal val="hidden"/>
+                                      </p:to>
+                                    </p:set>
+                                  </p:childTnLst>
+                                </p:cTn>
+                              </p:par>
+                              <p:par>
+                                <p:cTn id="47" presetID="1" presetClass="exit" presetSubtype="0" fill="hold" grpId="1" nodeType="withEffect">
+                                  <p:stCondLst>
+                                    <p:cond delay="0"/>
+                                  </p:stCondLst>
+                                  <p:childTnLst>
+                                    <p:set>
+                                      <p:cBhvr>
+                                        <p:cTn id="48" dur="1" fill="hold">
+                                          <p:stCondLst>
+                                            <p:cond delay="0"/>
+                                          </p:stCondLst>
+                                        </p:cTn>
+                                        <p:tgtEl>
+                                          <p:spTgt spid="18"/>
+                                        </p:tgtEl>
+                                        <p:attrNameLst>
+                                          <p:attrName>style.visibility</p:attrName>
+                                        </p:attrNameLst>
+                                      </p:cBhvr>
+                                      <p:to>
+                                        <p:strVal val="hidden"/>
+                                      </p:to>
+                                    </p:set>
+                                  </p:childTnLst>
+                                </p:cTn>
+                              </p:par>
+                              <p:par>
+                                <p:cTn id="49" presetID="1" presetClass="exit" presetSubtype="0" fill="hold" grpId="1" nodeType="withEffect">
+                                  <p:stCondLst>
+                                    <p:cond delay="0"/>
+                                  </p:stCondLst>
+                                  <p:childTnLst>
+                                    <p:set>
+                                      <p:cBhvr>
+                                        <p:cTn id="50" dur="1" fill="hold">
+                                          <p:stCondLst>
+                                            <p:cond delay="0"/>
+                                          </p:stCondLst>
+                                        </p:cTn>
+                                        <p:tgtEl>
+                                          <p:spTgt spid="19"/>
+                                        </p:tgtEl>
+                                        <p:attrNameLst>
+                                          <p:attrName>style.visibility</p:attrName>
+                                        </p:attrNameLst>
+                                      </p:cBhvr>
+                                      <p:to>
+                                        <p:strVal val="hidden"/>
+                                      </p:to>
+                                    </p:set>
+                                  </p:childTnLst>
+                                </p:cTn>
+                              </p:par>
+                              <p:par>
+                                <p:cTn id="51" presetID="1" presetClass="exit" presetSubtype="0" fill="hold" grpId="1" nodeType="withEffect">
+                                  <p:stCondLst>
+                                    <p:cond delay="0"/>
+                                  </p:stCondLst>
+                                  <p:childTnLst>
+                                    <p:set>
+                                      <p:cBhvr>
+                                        <p:cTn id="52" dur="1" fill="hold">
+                                          <p:stCondLst>
+                                            <p:cond delay="0"/>
+                                          </p:stCondLst>
+                                        </p:cTn>
+                                        <p:tgtEl>
+                                          <p:spTgt spid="23"/>
                                         </p:tgtEl>
                                         <p:attrNameLst>
                                           <p:attrName>style.visibility</p:attrName>
@@ -46060,26 +46733,26 @@
                     </p:cTn>
                   </p:par>
                   <p:par>
-                    <p:cTn id="41" fill="hold">
+                    <p:cTn id="53" fill="hold">
                       <p:stCondLst>
                         <p:cond delay="indefinite"/>
                       </p:stCondLst>
                       <p:childTnLst>
                         <p:par>
-                          <p:cTn id="42" fill="hold">
+                          <p:cTn id="54" fill="hold">
                             <p:stCondLst>
                               <p:cond delay="0"/>
                             </p:stCondLst>
                             <p:childTnLst>
                               <p:par>
-                                <p:cTn id="43" presetID="1" presetClass="entr" presetSubtype="0" fill="hold" nodeType="clickEffect">
-                                  <p:stCondLst>
-                                    <p:cond delay="0"/>
-                                  </p:stCondLst>
-                                  <p:childTnLst>
-                                    <p:set>
-                                      <p:cBhvr>
-                                        <p:cTn id="44" dur="1" fill="hold">
+                                <p:cTn id="55" presetID="1" presetClass="entr" presetSubtype="0" fill="hold" nodeType="clickEffect">
+                                  <p:stCondLst>
+                                    <p:cond delay="0"/>
+                                  </p:stCondLst>
+                                  <p:childTnLst>
+                                    <p:set>
+                                      <p:cBhvr>
+                                        <p:cTn id="56" dur="1" fill="hold">
                                           <p:stCondLst>
                                             <p:cond delay="0"/>
                                           </p:stCondLst>
@@ -46138,6 +46811,12 @@
       <p:bldP spid="16" grpId="1" animBg="1"/>
       <p:bldP spid="17" grpId="0" animBg="1"/>
       <p:bldP spid="17" grpId="1" animBg="1"/>
+      <p:bldP spid="18" grpId="0"/>
+      <p:bldP spid="18" grpId="1"/>
+      <p:bldP spid="19" grpId="0"/>
+      <p:bldP spid="19" grpId="1"/>
+      <p:bldP spid="23" grpId="0"/>
+      <p:bldP spid="23" grpId="1"/>
     </p:bldLst>
   </p:timing>
 </p:sld>

--- a/thesis_proposal/proposal.pptx
+++ b/thesis_proposal/proposal.pptx
@@ -5,7 +5,7 @@
     <p:sldMasterId id="2147483648" r:id="rId1"/>
   </p:sldMasterIdLst>
   <p:notesMasterIdLst>
-    <p:notesMasterId r:id="rId47"/>
+    <p:notesMasterId r:id="rId48"/>
   </p:notesMasterIdLst>
   <p:sldIdLst>
     <p:sldId id="256" r:id="rId2"/>
@@ -37,22 +37,23 @@
     <p:sldId id="263" r:id="rId28"/>
     <p:sldId id="269" r:id="rId29"/>
     <p:sldId id="276" r:id="rId30"/>
-    <p:sldId id="290" r:id="rId31"/>
-    <p:sldId id="285" r:id="rId32"/>
-    <p:sldId id="286" r:id="rId33"/>
-    <p:sldId id="293" r:id="rId34"/>
-    <p:sldId id="287" r:id="rId35"/>
-    <p:sldId id="289" r:id="rId36"/>
-    <p:sldId id="312" r:id="rId37"/>
-    <p:sldId id="304" r:id="rId38"/>
-    <p:sldId id="305" r:id="rId39"/>
-    <p:sldId id="306" r:id="rId40"/>
-    <p:sldId id="308" r:id="rId41"/>
-    <p:sldId id="309" r:id="rId42"/>
-    <p:sldId id="295" r:id="rId43"/>
-    <p:sldId id="288" r:id="rId44"/>
-    <p:sldId id="268" r:id="rId45"/>
-    <p:sldId id="274" r:id="rId46"/>
+    <p:sldId id="313" r:id="rId31"/>
+    <p:sldId id="290" r:id="rId32"/>
+    <p:sldId id="285" r:id="rId33"/>
+    <p:sldId id="286" r:id="rId34"/>
+    <p:sldId id="293" r:id="rId35"/>
+    <p:sldId id="287" r:id="rId36"/>
+    <p:sldId id="289" r:id="rId37"/>
+    <p:sldId id="312" r:id="rId38"/>
+    <p:sldId id="304" r:id="rId39"/>
+    <p:sldId id="305" r:id="rId40"/>
+    <p:sldId id="306" r:id="rId41"/>
+    <p:sldId id="308" r:id="rId42"/>
+    <p:sldId id="309" r:id="rId43"/>
+    <p:sldId id="295" r:id="rId44"/>
+    <p:sldId id="288" r:id="rId45"/>
+    <p:sldId id="268" r:id="rId46"/>
+    <p:sldId id="274" r:id="rId47"/>
   </p:sldIdLst>
   <p:sldSz cx="12192000" cy="6858000"/>
   <p:notesSz cx="6858000" cy="9144000"/>
@@ -2511,7 +2512,7 @@
           <a:p>
             <a:fld id="{180B0F4F-C4CA-F945-8BD8-C2A10415F31A}" type="slidenum">
               <a:rPr lang="en-US" smtClean="0"/>
-              <a:t>34</a:t>
+              <a:t>35</a:t>
             </a:fld>
             <a:endParaRPr lang="en-US"/>
           </a:p>
@@ -2628,7 +2629,7 @@
           <a:p>
             <a:fld id="{180B0F4F-C4CA-F945-8BD8-C2A10415F31A}" type="slidenum">
               <a:rPr lang="en-US" smtClean="0"/>
-              <a:t>40</a:t>
+              <a:t>41</a:t>
             </a:fld>
             <a:endParaRPr lang="en-US"/>
           </a:p>
@@ -2715,7 +2716,7 @@
           <a:p>
             <a:fld id="{180B0F4F-C4CA-F945-8BD8-C2A10415F31A}" type="slidenum">
               <a:rPr lang="en-US" smtClean="0"/>
-              <a:t>44</a:t>
+              <a:t>45</a:t>
             </a:fld>
             <a:endParaRPr lang="en-US"/>
           </a:p>
@@ -2808,7 +2809,7 @@
           <a:p>
             <a:fld id="{180B0F4F-C4CA-F945-8BD8-C2A10415F31A}" type="slidenum">
               <a:rPr lang="en-US" smtClean="0"/>
-              <a:t>45</a:t>
+              <a:t>46</a:t>
             </a:fld>
             <a:endParaRPr lang="en-US"/>
           </a:p>
@@ -7095,24 +7096,74 @@
           <a:p>
             <a:r>
               <a:rPr lang="en-US" dirty="0"/>
-              <a:t>Hybrid logic</a:t>
+              <a:t>Hybrid logic [</a:t>
+            </a:r>
+            <a:r>
+              <a:rPr lang="en-US" dirty="0" err="1"/>
+              <a:t>Areces</a:t>
+            </a:r>
+            <a:r>
+              <a:rPr lang="en-US" dirty="0"/>
+              <a:t>, Blackburn, and Marx 2001]</a:t>
             </a:r>
           </a:p>
           <a:p>
             <a:pPr lvl="1"/>
             <a:r>
               <a:rPr lang="en-US" dirty="0"/>
-              <a:t>Inspired by dynamic logic’s satisfaction operator</a:t>
-            </a:r>
-          </a:p>
-          <a:p>
+              <a:t>Inspired by dynamic logic’s satisfaction operator [Fisher and Ladner 1977]</a:t>
+            </a:r>
+          </a:p>
+          <a:p>
+            <a:pPr lvl="1"/>
+            <a:r>
+              <a:rPr lang="en-US" dirty="0"/>
+              <a:t>[l]𝑃: 𝑃 is true in the specific alternate circumstance (</a:t>
+            </a:r>
             <a:r>
               <a:rPr lang="en-US" dirty="0" err="1"/>
               <a:t>Kripke</a:t>
             </a:r>
             <a:r>
               <a:rPr lang="en-US" dirty="0"/>
-              <a:t> models</a:t>
+              <a:t> world) named by the nominal l </a:t>
+            </a:r>
+          </a:p>
+          <a:p>
+            <a:pPr lvl="1"/>
+            <a:r>
+              <a:rPr lang="en-US" dirty="0"/>
+              <a:t>More than hiding: the choice of what state (world in </a:t>
+            </a:r>
+            <a:r>
+              <a:rPr lang="en-US" dirty="0" err="1"/>
+              <a:t>Kripke</a:t>
+            </a:r>
+            <a:r>
+              <a:rPr lang="en-US" dirty="0"/>
+              <a:t> Semantic) a modalized assertions is true </a:t>
+            </a:r>
+            <a:r>
+              <a:rPr lang="en-US" b="1" i="1" dirty="0"/>
+              <a:t>on the assertion itself</a:t>
+            </a:r>
+          </a:p>
+          <a:p>
+            <a:r>
+              <a:rPr lang="en-US" dirty="0" err="1"/>
+              <a:t>Kripke</a:t>
+            </a:r>
+            <a:r>
+              <a:rPr lang="en-US" dirty="0"/>
+              <a:t> models [Hughes and </a:t>
+            </a:r>
+            <a:r>
+              <a:rPr lang="en-US" dirty="0" err="1"/>
+              <a:t>Cresswell</a:t>
+            </a:r>
+            <a:r>
+              <a:rPr lang="en-US" dirty="0"/>
+              <a:t> 1996]</a:t>
             </a:r>
           </a:p>
           <a:p>
@@ -7245,37 +7296,6 @@
                                   </p:childTnLst>
                                 </p:cTn>
                               </p:par>
-                              <p:par>
-                                <p:cTn id="11" presetID="1" presetClass="entr" presetSubtype="0" fill="hold" nodeType="withEffect">
-                                  <p:stCondLst>
-                                    <p:cond delay="0"/>
-                                  </p:stCondLst>
-                                  <p:childTnLst>
-                                    <p:set>
-                                      <p:cBhvr>
-                                        <p:cTn id="12" dur="1" fill="hold">
-                                          <p:stCondLst>
-                                            <p:cond delay="0"/>
-                                          </p:stCondLst>
-                                        </p:cTn>
-                                        <p:tgtEl>
-                                          <p:spTgt spid="3">
-                                            <p:txEl>
-                                              <p:pRg st="2" end="2"/>
-                                            </p:txEl>
-                                          </p:spTgt>
-                                        </p:tgtEl>
-                                        <p:attrNameLst>
-                                          <p:attrName>style.visibility</p:attrName>
-                                        </p:attrNameLst>
-                                      </p:cBhvr>
-                                      <p:to>
-                                        <p:strVal val="visible"/>
-                                      </p:to>
-                                    </p:set>
-                                  </p:childTnLst>
-                                </p:cTn>
-                              </p:par>
                             </p:childTnLst>
                           </p:cTn>
                         </p:par>
@@ -7283,26 +7303,26 @@
                     </p:cTn>
                   </p:par>
                   <p:par>
-                    <p:cTn id="13" fill="hold">
+                    <p:cTn id="11" fill="hold">
                       <p:stCondLst>
                         <p:cond delay="indefinite"/>
                       </p:stCondLst>
                       <p:childTnLst>
                         <p:par>
-                          <p:cTn id="14" fill="hold">
+                          <p:cTn id="12" fill="hold">
                             <p:stCondLst>
                               <p:cond delay="0"/>
                             </p:stCondLst>
                             <p:childTnLst>
                               <p:par>
-                                <p:cTn id="15" presetID="1" presetClass="entr" presetSubtype="0" fill="hold" nodeType="clickEffect">
-                                  <p:stCondLst>
-                                    <p:cond delay="0"/>
-                                  </p:stCondLst>
-                                  <p:childTnLst>
-                                    <p:set>
-                                      <p:cBhvr>
-                                        <p:cTn id="16" dur="1" fill="hold">
+                                <p:cTn id="13" presetID="1" presetClass="entr" presetSubtype="0" fill="hold" nodeType="clickEffect">
+                                  <p:stCondLst>
+                                    <p:cond delay="0"/>
+                                  </p:stCondLst>
+                                  <p:childTnLst>
+                                    <p:set>
+                                      <p:cBhvr>
+                                        <p:cTn id="14" dur="1" fill="hold">
                                           <p:stCondLst>
                                             <p:cond delay="0"/>
                                           </p:stCondLst>
@@ -7310,7 +7330,7 @@
                                         <p:tgtEl>
                                           <p:spTgt spid="3">
                                             <p:txEl>
-                                              <p:pRg st="3" end="3"/>
+                                              <p:pRg st="2" end="2"/>
                                             </p:txEl>
                                           </p:spTgt>
                                         </p:tgtEl>
@@ -7332,26 +7352,75 @@
                     </p:cTn>
                   </p:par>
                   <p:par>
-                    <p:cTn id="17" fill="hold">
+                    <p:cTn id="15" fill="hold">
                       <p:stCondLst>
                         <p:cond delay="indefinite"/>
                       </p:stCondLst>
                       <p:childTnLst>
                         <p:par>
-                          <p:cTn id="18" fill="hold">
+                          <p:cTn id="16" fill="hold">
                             <p:stCondLst>
                               <p:cond delay="0"/>
                             </p:stCondLst>
                             <p:childTnLst>
                               <p:par>
-                                <p:cTn id="19" presetID="1" presetClass="entr" presetSubtype="0" fill="hold" nodeType="clickEffect">
-                                  <p:stCondLst>
-                                    <p:cond delay="0"/>
-                                  </p:stCondLst>
-                                  <p:childTnLst>
-                                    <p:set>
-                                      <p:cBhvr>
-                                        <p:cTn id="20" dur="1" fill="hold">
+                                <p:cTn id="17" presetID="1" presetClass="entr" presetSubtype="0" fill="hold" nodeType="clickEffect">
+                                  <p:stCondLst>
+                                    <p:cond delay="0"/>
+                                  </p:stCondLst>
+                                  <p:childTnLst>
+                                    <p:set>
+                                      <p:cBhvr>
+                                        <p:cTn id="18" dur="1" fill="hold">
+                                          <p:stCondLst>
+                                            <p:cond delay="0"/>
+                                          </p:stCondLst>
+                                        </p:cTn>
+                                        <p:tgtEl>
+                                          <p:spTgt spid="3">
+                                            <p:txEl>
+                                              <p:pRg st="3" end="3"/>
+                                            </p:txEl>
+                                          </p:spTgt>
+                                        </p:tgtEl>
+                                        <p:attrNameLst>
+                                          <p:attrName>style.visibility</p:attrName>
+                                        </p:attrNameLst>
+                                      </p:cBhvr>
+                                      <p:to>
+                                        <p:strVal val="visible"/>
+                                      </p:to>
+                                    </p:set>
+                                  </p:childTnLst>
+                                </p:cTn>
+                              </p:par>
+                            </p:childTnLst>
+                          </p:cTn>
+                        </p:par>
+                      </p:childTnLst>
+                    </p:cTn>
+                  </p:par>
+                  <p:par>
+                    <p:cTn id="19" fill="hold">
+                      <p:stCondLst>
+                        <p:cond delay="indefinite"/>
+                      </p:stCondLst>
+                      <p:childTnLst>
+                        <p:par>
+                          <p:cTn id="20" fill="hold">
+                            <p:stCondLst>
+                              <p:cond delay="0"/>
+                            </p:stCondLst>
+                            <p:childTnLst>
+                              <p:par>
+                                <p:cTn id="21" presetID="1" presetClass="entr" presetSubtype="0" fill="hold" nodeType="clickEffect">
+                                  <p:stCondLst>
+                                    <p:cond delay="0"/>
+                                  </p:stCondLst>
+                                  <p:childTnLst>
+                                    <p:set>
+                                      <p:cBhvr>
+                                        <p:cTn id="22" dur="1" fill="hold">
                                           <p:stCondLst>
                                             <p:cond delay="0"/>
                                           </p:stCondLst>
@@ -7374,15 +7443,33 @@
                                   </p:childTnLst>
                                 </p:cTn>
                               </p:par>
-                              <p:par>
-                                <p:cTn id="21" presetID="1" presetClass="entr" presetSubtype="0" fill="hold" nodeType="withEffect">
-                                  <p:stCondLst>
-                                    <p:cond delay="0"/>
-                                  </p:stCondLst>
-                                  <p:childTnLst>
-                                    <p:set>
-                                      <p:cBhvr>
-                                        <p:cTn id="22" dur="1" fill="hold">
+                            </p:childTnLst>
+                          </p:cTn>
+                        </p:par>
+                      </p:childTnLst>
+                    </p:cTn>
+                  </p:par>
+                  <p:par>
+                    <p:cTn id="23" fill="hold">
+                      <p:stCondLst>
+                        <p:cond delay="indefinite"/>
+                      </p:stCondLst>
+                      <p:childTnLst>
+                        <p:par>
+                          <p:cTn id="24" fill="hold">
+                            <p:stCondLst>
+                              <p:cond delay="0"/>
+                            </p:stCondLst>
+                            <p:childTnLst>
+                              <p:par>
+                                <p:cTn id="25" presetID="1" presetClass="entr" presetSubtype="0" fill="hold" nodeType="clickEffect">
+                                  <p:stCondLst>
+                                    <p:cond delay="0"/>
+                                  </p:stCondLst>
+                                  <p:childTnLst>
+                                    <p:set>
+                                      <p:cBhvr>
+                                        <p:cTn id="26" dur="1" fill="hold">
                                           <p:stCondLst>
                                             <p:cond delay="0"/>
                                           </p:stCondLst>
@@ -7391,6 +7478,86 @@
                                           <p:spTgt spid="3">
                                             <p:txEl>
                                               <p:pRg st="5" end="5"/>
+                                            </p:txEl>
+                                          </p:spTgt>
+                                        </p:tgtEl>
+                                        <p:attrNameLst>
+                                          <p:attrName>style.visibility</p:attrName>
+                                        </p:attrNameLst>
+                                      </p:cBhvr>
+                                      <p:to>
+                                        <p:strVal val="visible"/>
+                                      </p:to>
+                                    </p:set>
+                                  </p:childTnLst>
+                                </p:cTn>
+                              </p:par>
+                            </p:childTnLst>
+                          </p:cTn>
+                        </p:par>
+                      </p:childTnLst>
+                    </p:cTn>
+                  </p:par>
+                  <p:par>
+                    <p:cTn id="27" fill="hold">
+                      <p:stCondLst>
+                        <p:cond delay="indefinite"/>
+                      </p:stCondLst>
+                      <p:childTnLst>
+                        <p:par>
+                          <p:cTn id="28" fill="hold">
+                            <p:stCondLst>
+                              <p:cond delay="0"/>
+                            </p:stCondLst>
+                            <p:childTnLst>
+                              <p:par>
+                                <p:cTn id="29" presetID="1" presetClass="entr" presetSubtype="0" fill="hold" nodeType="clickEffect">
+                                  <p:stCondLst>
+                                    <p:cond delay="0"/>
+                                  </p:stCondLst>
+                                  <p:childTnLst>
+                                    <p:set>
+                                      <p:cBhvr>
+                                        <p:cTn id="30" dur="1" fill="hold">
+                                          <p:stCondLst>
+                                            <p:cond delay="0"/>
+                                          </p:stCondLst>
+                                        </p:cTn>
+                                        <p:tgtEl>
+                                          <p:spTgt spid="3">
+                                            <p:txEl>
+                                              <p:pRg st="6" end="6"/>
+                                            </p:txEl>
+                                          </p:spTgt>
+                                        </p:tgtEl>
+                                        <p:attrNameLst>
+                                          <p:attrName>style.visibility</p:attrName>
+                                        </p:attrNameLst>
+                                      </p:cBhvr>
+                                      <p:to>
+                                        <p:strVal val="visible"/>
+                                      </p:to>
+                                    </p:set>
+                                  </p:childTnLst>
+                                </p:cTn>
+                              </p:par>
+                              <p:par>
+                                <p:cTn id="31" presetID="1" presetClass="entr" presetSubtype="0" fill="hold" nodeType="withEffect">
+                                  <p:stCondLst>
+                                    <p:cond delay="0"/>
+                                  </p:stCondLst>
+                                  <p:childTnLst>
+                                    <p:set>
+                                      <p:cBhvr>
+                                        <p:cTn id="32" dur="1" fill="hold">
+                                          <p:stCondLst>
+                                            <p:cond delay="0"/>
+                                          </p:stCondLst>
+                                        </p:cTn>
+                                        <p:tgtEl>
+                                          <p:spTgt spid="3">
+                                            <p:txEl>
+                                              <p:pRg st="7" end="7"/>
                                             </p:txEl>
                                           </p:spTgt>
                                         </p:tgtEl>
@@ -7507,7 +7674,9 @@
         </p:nvSpPr>
         <p:spPr/>
         <p:txBody>
-          <a:bodyPr/>
+          <a:bodyPr>
+            <a:normAutofit lnSpcReduction="10000"/>
+          </a:bodyPr>
           <a:lstStyle/>
           <a:p>
             <a:r>
@@ -7665,11 +7834,26 @@
           </a:p>
           <a:p>
             <a:pPr lvl="1"/>
+            <a:endParaRPr lang="en-US" dirty="0">
+              <a:sym typeface="Wingdings" pitchFamily="2" charset="2"/>
+            </a:endParaRPr>
+          </a:p>
+          <a:p>
+            <a:pPr lvl="1"/>
             <a:r>
               <a:rPr lang="en-US" dirty="0">
                 <a:sym typeface="Wingdings" pitchFamily="2" charset="2"/>
               </a:rPr>
-              <a:t>Going back Hoare triple: P =&gt; [e]Q   or with the rules above &lt;m&gt;Q</a:t>
+              <a:t>Going back Hoare triple: P =&gt; [e]Q  or with the rules above &lt;m&gt;Q</a:t>
+            </a:r>
+          </a:p>
+          <a:p>
+            <a:pPr lvl="1"/>
+            <a:r>
+              <a:rPr lang="en-US" dirty="0">
+                <a:sym typeface="Wingdings" pitchFamily="2" charset="2"/>
+              </a:rPr>
+              <a:t>[e]Q  &lt;m&gt;Q ?</a:t>
             </a:r>
           </a:p>
           <a:p>
@@ -8067,7 +8251,7 @@
                                         <p:tgtEl>
                                           <p:spTgt spid="3">
                                             <p:txEl>
-                                              <p:pRg st="9" end="9"/>
+                                              <p:pRg st="10" end="10"/>
                                             </p:txEl>
                                           </p:spTgt>
                                         </p:tgtEl>
@@ -8115,6 +8299,55 @@
                                         </p:cTn>
                                         <p:tgtEl>
                                           <p:spTgt spid="6"/>
+                                        </p:tgtEl>
+                                        <p:attrNameLst>
+                                          <p:attrName>style.visibility</p:attrName>
+                                        </p:attrNameLst>
+                                      </p:cBhvr>
+                                      <p:to>
+                                        <p:strVal val="visible"/>
+                                      </p:to>
+                                    </p:set>
+                                  </p:childTnLst>
+                                </p:cTn>
+                              </p:par>
+                            </p:childTnLst>
+                          </p:cTn>
+                        </p:par>
+                      </p:childTnLst>
+                    </p:cTn>
+                  </p:par>
+                  <p:par>
+                    <p:cTn id="31" fill="hold">
+                      <p:stCondLst>
+                        <p:cond delay="indefinite"/>
+                      </p:stCondLst>
+                      <p:childTnLst>
+                        <p:par>
+                          <p:cTn id="32" fill="hold">
+                            <p:stCondLst>
+                              <p:cond delay="0"/>
+                            </p:stCondLst>
+                            <p:childTnLst>
+                              <p:par>
+                                <p:cTn id="33" presetID="1" presetClass="entr" presetSubtype="0" fill="hold" nodeType="clickEffect">
+                                  <p:stCondLst>
+                                    <p:cond delay="0"/>
+                                  </p:stCondLst>
+                                  <p:childTnLst>
+                                    <p:set>
+                                      <p:cBhvr>
+                                        <p:cTn id="34" dur="1" fill="hold">
+                                          <p:stCondLst>
+                                            <p:cond delay="0"/>
+                                          </p:stCondLst>
+                                        </p:cTn>
+                                        <p:tgtEl>
+                                          <p:spTgt spid="3">
+                                            <p:txEl>
+                                              <p:pRg st="11" end="11"/>
+                                            </p:txEl>
+                                          </p:spTgt>
                                         </p:tgtEl>
                                         <p:attrNameLst>
                                           <p:attrName>style.visibility</p:attrName>
@@ -8253,45 +8486,6 @@
             </a:r>
           </a:p>
           <a:p>
-            <a:pPr lvl="1"/>
-            <a:r>
-              <a:rPr lang="en-US" dirty="0"/>
-              <a:t>&lt;m&gt;P only for a unique </a:t>
-            </a:r>
-            <a:r>
-              <a:rPr lang="en-US" i="1" dirty="0"/>
-              <a:t>w’</a:t>
-            </a:r>
-            <a:r>
-              <a:rPr lang="en-US" dirty="0"/>
-              <a:t> that can be accessed </a:t>
-            </a:r>
-            <a:r>
-              <a:rPr lang="en-US" i="1" dirty="0"/>
-              <a:t>w</a:t>
-            </a:r>
-            <a:r>
-              <a:rPr lang="en-US" dirty="0"/>
-              <a:t> </a:t>
-            </a:r>
-            <a:r>
-              <a:rPr lang="en-US" i="1" dirty="0"/>
-              <a:t>R</a:t>
-            </a:r>
-            <a:r>
-              <a:rPr lang="en-US" baseline="-25000" dirty="0"/>
-              <a:t>m </a:t>
-            </a:r>
-            <a:r>
-              <a:rPr lang="en-US" i="1" dirty="0"/>
-              <a:t>w’ </a:t>
-            </a:r>
-            <a:r>
-              <a:rPr lang="en-US" dirty="0"/>
-              <a:t>?</a:t>
-            </a:r>
-          </a:p>
-          <a:p>
             <a:r>
               <a:rPr lang="en-US" dirty="0" err="1"/>
               <a:t>Bisimulation</a:t>
@@ -8308,12 +8502,6 @@
               <a:rPr lang="en-US" dirty="0"/>
               <a:t> Structures</a:t>
             </a:r>
-          </a:p>
-          <a:p>
-            <a:pPr marL="457200" lvl="1" indent="0">
-              <a:buNone/>
-            </a:pPr>
-            <a:endParaRPr lang="en-US" dirty="0"/>
           </a:p>
         </p:txBody>
       </p:sp>
@@ -8645,11 +8833,7 @@
                                           </p:stCondLst>
                                         </p:cTn>
                                         <p:tgtEl>
-                                          <p:spTgt spid="3">
-                                            <p:txEl>
-                                              <p:pRg st="2" end="2"/>
-                                            </p:txEl>
-                                          </p:spTgt>
+                                          <p:spTgt spid="5"/>
                                         </p:tgtEl>
                                         <p:attrNameLst>
                                           <p:attrName>style.visibility</p:attrName>
@@ -8681,7 +8865,7 @@
                             </p:stCondLst>
                             <p:childTnLst>
                               <p:par>
-                                <p:cTn id="17" presetID="1" presetClass="entr" presetSubtype="0" fill="hold" nodeType="clickEffect">
+                                <p:cTn id="17" presetID="1" presetClass="entr" presetSubtype="0" fill="hold" grpId="0" nodeType="clickEffect">
                                   <p:stCondLst>
                                     <p:cond delay="0"/>
                                   </p:stCondLst>
@@ -8694,7 +8878,7 @@
                                           </p:stCondLst>
                                         </p:cTn>
                                         <p:tgtEl>
-                                          <p:spTgt spid="5"/>
+                                          <p:spTgt spid="6"/>
                                         </p:tgtEl>
                                         <p:attrNameLst>
                                           <p:attrName>style.visibility</p:attrName>
@@ -8726,7 +8910,7 @@
                             </p:stCondLst>
                             <p:childTnLst>
                               <p:par>
-                                <p:cTn id="21" presetID="1" presetClass="entr" presetSubtype="0" fill="hold" grpId="0" nodeType="clickEffect">
+                                <p:cTn id="21" presetID="1" presetClass="exit" presetSubtype="0" fill="hold" grpId="1" nodeType="clickEffect">
                                   <p:stCondLst>
                                     <p:cond delay="0"/>
                                   </p:stCondLst>
@@ -8740,6 +8924,33 @@
                                         </p:cTn>
                                         <p:tgtEl>
                                           <p:spTgt spid="6"/>
+                                        </p:tgtEl>
+                                        <p:attrNameLst>
+                                          <p:attrName>style.visibility</p:attrName>
+                                        </p:attrNameLst>
+                                      </p:cBhvr>
+                                      <p:to>
+                                        <p:strVal val="hidden"/>
+                                      </p:to>
+                                    </p:set>
+                                  </p:childTnLst>
+                                </p:cTn>
+                              </p:par>
+                              <p:par>
+                                <p:cTn id="23" presetID="1" presetClass="entr" presetSubtype="0" fill="hold" grpId="0" nodeType="withEffect">
+                                  <p:stCondLst>
+                                    <p:cond delay="0"/>
+                                  </p:stCondLst>
+                                  <p:childTnLst>
+                                    <p:set>
+                                      <p:cBhvr>
+                                        <p:cTn id="24" dur="1" fill="hold">
+                                          <p:stCondLst>
+                                            <p:cond delay="0"/>
+                                          </p:stCondLst>
+                                        </p:cTn>
+                                        <p:tgtEl>
+                                          <p:spTgt spid="7"/>
                                         </p:tgtEl>
                                         <p:attrNameLst>
                                           <p:attrName>style.visibility</p:attrName>
@@ -8759,32 +8970,59 @@
                     </p:cTn>
                   </p:par>
                   <p:par>
-                    <p:cTn id="23" fill="hold">
+                    <p:cTn id="25" fill="hold">
                       <p:stCondLst>
                         <p:cond delay="indefinite"/>
                       </p:stCondLst>
                       <p:childTnLst>
                         <p:par>
-                          <p:cTn id="24" fill="hold">
+                          <p:cTn id="26" fill="hold">
                             <p:stCondLst>
                               <p:cond delay="0"/>
                             </p:stCondLst>
                             <p:childTnLst>
                               <p:par>
-                                <p:cTn id="25" presetID="1" presetClass="exit" presetSubtype="0" fill="hold" grpId="1" nodeType="clickEffect">
-                                  <p:stCondLst>
-                                    <p:cond delay="0"/>
-                                  </p:stCondLst>
-                                  <p:childTnLst>
-                                    <p:set>
-                                      <p:cBhvr>
-                                        <p:cTn id="26" dur="1" fill="hold">
-                                          <p:stCondLst>
-                                            <p:cond delay="0"/>
-                                          </p:stCondLst>
-                                        </p:cTn>
-                                        <p:tgtEl>
-                                          <p:spTgt spid="6"/>
+                                <p:cTn id="27" presetID="1" presetClass="entr" presetSubtype="0" fill="hold" grpId="0" nodeType="clickEffect">
+                                  <p:stCondLst>
+                                    <p:cond delay="0"/>
+                                  </p:stCondLst>
+                                  <p:childTnLst>
+                                    <p:set>
+                                      <p:cBhvr>
+                                        <p:cTn id="28" dur="1" fill="hold">
+                                          <p:stCondLst>
+                                            <p:cond delay="0"/>
+                                          </p:stCondLst>
+                                        </p:cTn>
+                                        <p:tgtEl>
+                                          <p:spTgt spid="8"/>
+                                        </p:tgtEl>
+                                        <p:attrNameLst>
+                                          <p:attrName>style.visibility</p:attrName>
+                                        </p:attrNameLst>
+                                      </p:cBhvr>
+                                      <p:to>
+                                        <p:strVal val="visible"/>
+                                      </p:to>
+                                    </p:set>
+                                  </p:childTnLst>
+                                </p:cTn>
+                              </p:par>
+                              <p:par>
+                                <p:cTn id="29" presetID="1" presetClass="exit" presetSubtype="0" fill="hold" grpId="1" nodeType="withEffect">
+                                  <p:stCondLst>
+                                    <p:cond delay="0"/>
+                                  </p:stCondLst>
+                                  <p:childTnLst>
+                                    <p:set>
+                                      <p:cBhvr>
+                                        <p:cTn id="30" dur="1" fill="hold">
+                                          <p:stCondLst>
+                                            <p:cond delay="0"/>
+                                          </p:stCondLst>
+                                        </p:cTn>
+                                        <p:tgtEl>
+                                          <p:spTgt spid="7"/>
                                         </p:tgtEl>
                                         <p:attrNameLst>
                                           <p:attrName>style.visibility</p:attrName>
@@ -8792,33 +9030,6 @@
                                       </p:cBhvr>
                                       <p:to>
                                         <p:strVal val="hidden"/>
-                                      </p:to>
-                                    </p:set>
-                                  </p:childTnLst>
-                                </p:cTn>
-                              </p:par>
-                              <p:par>
-                                <p:cTn id="27" presetID="1" presetClass="entr" presetSubtype="0" fill="hold" grpId="0" nodeType="withEffect">
-                                  <p:stCondLst>
-                                    <p:cond delay="0"/>
-                                  </p:stCondLst>
-                                  <p:childTnLst>
-                                    <p:set>
-                                      <p:cBhvr>
-                                        <p:cTn id="28" dur="1" fill="hold">
-                                          <p:stCondLst>
-                                            <p:cond delay="0"/>
-                                          </p:stCondLst>
-                                        </p:cTn>
-                                        <p:tgtEl>
-                                          <p:spTgt spid="7"/>
-                                        </p:tgtEl>
-                                        <p:attrNameLst>
-                                          <p:attrName>style.visibility</p:attrName>
-                                        </p:attrNameLst>
-                                      </p:cBhvr>
-                                      <p:to>
-                                        <p:strVal val="visible"/>
                                       </p:to>
                                     </p:set>
                                   </p:childTnLst>
@@ -8831,46 +9042,19 @@
                     </p:cTn>
                   </p:par>
                   <p:par>
-                    <p:cTn id="29" fill="hold">
+                    <p:cTn id="31" fill="hold">
                       <p:stCondLst>
                         <p:cond delay="indefinite"/>
                       </p:stCondLst>
                       <p:childTnLst>
                         <p:par>
-                          <p:cTn id="30" fill="hold">
+                          <p:cTn id="32" fill="hold">
                             <p:stCondLst>
                               <p:cond delay="0"/>
                             </p:stCondLst>
                             <p:childTnLst>
                               <p:par>
-                                <p:cTn id="31" presetID="1" presetClass="entr" presetSubtype="0" fill="hold" grpId="0" nodeType="clickEffect">
-                                  <p:stCondLst>
-                                    <p:cond delay="0"/>
-                                  </p:stCondLst>
-                                  <p:childTnLst>
-                                    <p:set>
-                                      <p:cBhvr>
-                                        <p:cTn id="32" dur="1" fill="hold">
-                                          <p:stCondLst>
-                                            <p:cond delay="0"/>
-                                          </p:stCondLst>
-                                        </p:cTn>
-                                        <p:tgtEl>
-                                          <p:spTgt spid="8"/>
-                                        </p:tgtEl>
-                                        <p:attrNameLst>
-                                          <p:attrName>style.visibility</p:attrName>
-                                        </p:attrNameLst>
-                                      </p:cBhvr>
-                                      <p:to>
-                                        <p:strVal val="visible"/>
-                                      </p:to>
-                                    </p:set>
-                                  </p:childTnLst>
-                                </p:cTn>
-                              </p:par>
-                              <p:par>
-                                <p:cTn id="33" presetID="1" presetClass="exit" presetSubtype="0" fill="hold" grpId="1" nodeType="withEffect">
+                                <p:cTn id="33" presetID="1" presetClass="exit" presetSubtype="0" fill="hold" grpId="1" nodeType="clickEffect">
                                   <p:stCondLst>
                                     <p:cond delay="0"/>
                                   </p:stCondLst>
@@ -8878,51 +9062,6 @@
                                     <p:set>
                                       <p:cBhvr>
                                         <p:cTn id="34" dur="1" fill="hold">
-                                          <p:stCondLst>
-                                            <p:cond delay="0"/>
-                                          </p:stCondLst>
-                                        </p:cTn>
-                                        <p:tgtEl>
-                                          <p:spTgt spid="7"/>
-                                        </p:tgtEl>
-                                        <p:attrNameLst>
-                                          <p:attrName>style.visibility</p:attrName>
-                                        </p:attrNameLst>
-                                      </p:cBhvr>
-                                      <p:to>
-                                        <p:strVal val="hidden"/>
-                                      </p:to>
-                                    </p:set>
-                                  </p:childTnLst>
-                                </p:cTn>
-                              </p:par>
-                            </p:childTnLst>
-                          </p:cTn>
-                        </p:par>
-                      </p:childTnLst>
-                    </p:cTn>
-                  </p:par>
-                  <p:par>
-                    <p:cTn id="35" fill="hold">
-                      <p:stCondLst>
-                        <p:cond delay="indefinite"/>
-                      </p:stCondLst>
-                      <p:childTnLst>
-                        <p:par>
-                          <p:cTn id="36" fill="hold">
-                            <p:stCondLst>
-                              <p:cond delay="0"/>
-                            </p:stCondLst>
-                            <p:childTnLst>
-                              <p:par>
-                                <p:cTn id="37" presetID="1" presetClass="exit" presetSubtype="0" fill="hold" grpId="1" nodeType="clickEffect">
-                                  <p:stCondLst>
-                                    <p:cond delay="0"/>
-                                  </p:stCondLst>
-                                  <p:childTnLst>
-                                    <p:set>
-                                      <p:cBhvr>
-                                        <p:cTn id="38" dur="1" fill="hold">
                                           <p:stCondLst>
                                             <p:cond delay="0"/>
                                           </p:stCondLst>
@@ -9841,11 +9980,223 @@
                                           </p:stCondLst>
                                         </p:cTn>
                                         <p:tgtEl>
-                                          <p:spTgt spid="3">
-                                            <p:txEl>
-                                              <p:pRg st="0" end="0"/>
-                                            </p:txEl>
-                                          </p:spTgt>
+                                          <p:spTgt spid="7"/>
+                                        </p:tgtEl>
+                                        <p:attrNameLst>
+                                          <p:attrName>style.visibility</p:attrName>
+                                        </p:attrNameLst>
+                                      </p:cBhvr>
+                                      <p:to>
+                                        <p:strVal val="visible"/>
+                                      </p:to>
+                                    </p:set>
+                                  </p:childTnLst>
+                                </p:cTn>
+                              </p:par>
+                              <p:par>
+                                <p:cTn id="7" presetID="1" presetClass="entr" presetSubtype="0" fill="hold" grpId="0" nodeType="withEffect">
+                                  <p:stCondLst>
+                                    <p:cond delay="0"/>
+                                  </p:stCondLst>
+                                  <p:childTnLst>
+                                    <p:set>
+                                      <p:cBhvr>
+                                        <p:cTn id="8" dur="1" fill="hold">
+                                          <p:stCondLst>
+                                            <p:cond delay="0"/>
+                                          </p:stCondLst>
+                                        </p:cTn>
+                                        <p:tgtEl>
+                                          <p:spTgt spid="8"/>
+                                        </p:tgtEl>
+                                        <p:attrNameLst>
+                                          <p:attrName>style.visibility</p:attrName>
+                                        </p:attrNameLst>
+                                      </p:cBhvr>
+                                      <p:to>
+                                        <p:strVal val="visible"/>
+                                      </p:to>
+                                    </p:set>
+                                  </p:childTnLst>
+                                </p:cTn>
+                              </p:par>
+                              <p:par>
+                                <p:cTn id="9" presetID="1" presetClass="entr" presetSubtype="0" fill="hold" grpId="0" nodeType="withEffect">
+                                  <p:stCondLst>
+                                    <p:cond delay="0"/>
+                                  </p:stCondLst>
+                                  <p:childTnLst>
+                                    <p:set>
+                                      <p:cBhvr>
+                                        <p:cTn id="10" dur="1" fill="hold">
+                                          <p:stCondLst>
+                                            <p:cond delay="0"/>
+                                          </p:stCondLst>
+                                        </p:cTn>
+                                        <p:tgtEl>
+                                          <p:spTgt spid="4"/>
+                                        </p:tgtEl>
+                                        <p:attrNameLst>
+                                          <p:attrName>style.visibility</p:attrName>
+                                        </p:attrNameLst>
+                                      </p:cBhvr>
+                                      <p:to>
+                                        <p:strVal val="visible"/>
+                                      </p:to>
+                                    </p:set>
+                                  </p:childTnLst>
+                                </p:cTn>
+                              </p:par>
+                              <p:par>
+                                <p:cTn id="11" presetID="1" presetClass="entr" presetSubtype="0" fill="hold" grpId="0" nodeType="withEffect">
+                                  <p:stCondLst>
+                                    <p:cond delay="0"/>
+                                  </p:stCondLst>
+                                  <p:childTnLst>
+                                    <p:set>
+                                      <p:cBhvr>
+                                        <p:cTn id="12" dur="1" fill="hold">
+                                          <p:stCondLst>
+                                            <p:cond delay="0"/>
+                                          </p:stCondLst>
+                                        </p:cTn>
+                                        <p:tgtEl>
+                                          <p:spTgt spid="11"/>
+                                        </p:tgtEl>
+                                        <p:attrNameLst>
+                                          <p:attrName>style.visibility</p:attrName>
+                                        </p:attrNameLst>
+                                      </p:cBhvr>
+                                      <p:to>
+                                        <p:strVal val="visible"/>
+                                      </p:to>
+                                    </p:set>
+                                  </p:childTnLst>
+                                </p:cTn>
+                              </p:par>
+                              <p:par>
+                                <p:cTn id="13" presetID="1" presetClass="entr" presetSubtype="0" fill="hold" nodeType="withEffect">
+                                  <p:stCondLst>
+                                    <p:cond delay="0"/>
+                                  </p:stCondLst>
+                                  <p:childTnLst>
+                                    <p:set>
+                                      <p:cBhvr>
+                                        <p:cTn id="14" dur="1" fill="hold">
+                                          <p:stCondLst>
+                                            <p:cond delay="0"/>
+                                          </p:stCondLst>
+                                        </p:cTn>
+                                        <p:tgtEl>
+                                          <p:spTgt spid="10"/>
+                                        </p:tgtEl>
+                                        <p:attrNameLst>
+                                          <p:attrName>style.visibility</p:attrName>
+                                        </p:attrNameLst>
+                                      </p:cBhvr>
+                                      <p:to>
+                                        <p:strVal val="visible"/>
+                                      </p:to>
+                                    </p:set>
+                                  </p:childTnLst>
+                                </p:cTn>
+                              </p:par>
+                              <p:par>
+                                <p:cTn id="15" presetID="1" presetClass="entr" presetSubtype="0" fill="hold" grpId="0" nodeType="withEffect">
+                                  <p:stCondLst>
+                                    <p:cond delay="0"/>
+                                  </p:stCondLst>
+                                  <p:childTnLst>
+                                    <p:set>
+                                      <p:cBhvr>
+                                        <p:cTn id="16" dur="1" fill="hold">
+                                          <p:stCondLst>
+                                            <p:cond delay="0"/>
+                                          </p:stCondLst>
+                                        </p:cTn>
+                                        <p:tgtEl>
+                                          <p:spTgt spid="5"/>
+                                        </p:tgtEl>
+                                        <p:attrNameLst>
+                                          <p:attrName>style.visibility</p:attrName>
+                                        </p:attrNameLst>
+                                      </p:cBhvr>
+                                      <p:to>
+                                        <p:strVal val="visible"/>
+                                      </p:to>
+                                    </p:set>
+                                  </p:childTnLst>
+                                </p:cTn>
+                              </p:par>
+                              <p:par>
+                                <p:cTn id="17" presetID="1" presetClass="entr" presetSubtype="0" fill="hold" nodeType="withEffect">
+                                  <p:stCondLst>
+                                    <p:cond delay="0"/>
+                                  </p:stCondLst>
+                                  <p:childTnLst>
+                                    <p:set>
+                                      <p:cBhvr>
+                                        <p:cTn id="18" dur="1" fill="hold">
+                                          <p:stCondLst>
+                                            <p:cond delay="0"/>
+                                          </p:stCondLst>
+                                        </p:cTn>
+                                        <p:tgtEl>
+                                          <p:spTgt spid="17"/>
+                                        </p:tgtEl>
+                                        <p:attrNameLst>
+                                          <p:attrName>style.visibility</p:attrName>
+                                        </p:attrNameLst>
+                                      </p:cBhvr>
+                                      <p:to>
+                                        <p:strVal val="visible"/>
+                                      </p:to>
+                                    </p:set>
+                                  </p:childTnLst>
+                                </p:cTn>
+                              </p:par>
+                              <p:par>
+                                <p:cTn id="19" presetID="1" presetClass="entr" presetSubtype="0" fill="hold" grpId="0" nodeType="withEffect">
+                                  <p:stCondLst>
+                                    <p:cond delay="0"/>
+                                  </p:stCondLst>
+                                  <p:childTnLst>
+                                    <p:set>
+                                      <p:cBhvr>
+                                        <p:cTn id="20" dur="1" fill="hold">
+                                          <p:stCondLst>
+                                            <p:cond delay="0"/>
+                                          </p:stCondLst>
+                                        </p:cTn>
+                                        <p:tgtEl>
+                                          <p:spTgt spid="9"/>
+                                        </p:tgtEl>
+                                        <p:attrNameLst>
+                                          <p:attrName>style.visibility</p:attrName>
+                                        </p:attrNameLst>
+                                      </p:cBhvr>
+                                      <p:to>
+                                        <p:strVal val="visible"/>
+                                      </p:to>
+                                    </p:set>
+                                  </p:childTnLst>
+                                </p:cTn>
+                              </p:par>
+                              <p:par>
+                                <p:cTn id="21" presetID="1" presetClass="entr" presetSubtype="0" fill="hold" grpId="0" nodeType="withEffect">
+                                  <p:stCondLst>
+                                    <p:cond delay="0"/>
+                                  </p:stCondLst>
+                                  <p:childTnLst>
+                                    <p:set>
+                                      <p:cBhvr>
+                                        <p:cTn id="22" dur="1" fill="hold">
+                                          <p:stCondLst>
+                                            <p:cond delay="0"/>
+                                          </p:stCondLst>
+                                        </p:cTn>
+                                        <p:tgtEl>
+                                          <p:spTgt spid="6"/>
                                         </p:tgtEl>
                                         <p:attrNameLst>
                                           <p:attrName>style.visibility</p:attrName>
@@ -9865,26 +10216,26 @@
                     </p:cTn>
                   </p:par>
                   <p:par>
-                    <p:cTn id="7" fill="hold">
+                    <p:cTn id="23" fill="hold">
                       <p:stCondLst>
                         <p:cond delay="indefinite"/>
                       </p:stCondLst>
                       <p:childTnLst>
                         <p:par>
-                          <p:cTn id="8" fill="hold">
+                          <p:cTn id="24" fill="hold">
                             <p:stCondLst>
                               <p:cond delay="0"/>
                             </p:stCondLst>
                             <p:childTnLst>
                               <p:par>
-                                <p:cTn id="9" presetID="1" presetClass="entr" presetSubtype="0" fill="hold" nodeType="clickEffect">
-                                  <p:stCondLst>
-                                    <p:cond delay="0"/>
-                                  </p:stCondLst>
-                                  <p:childTnLst>
-                                    <p:set>
-                                      <p:cBhvr>
-                                        <p:cTn id="10" dur="1" fill="hold">
+                                <p:cTn id="25" presetID="1" presetClass="entr" presetSubtype="0" fill="hold" nodeType="clickEffect">
+                                  <p:stCondLst>
+                                    <p:cond delay="0"/>
+                                  </p:stCondLst>
+                                  <p:childTnLst>
+                                    <p:set>
+                                      <p:cBhvr>
+                                        <p:cTn id="26" dur="1" fill="hold">
                                           <p:stCondLst>
                                             <p:cond delay="0"/>
                                           </p:stCondLst>
@@ -9892,7 +10243,7 @@
                                         <p:tgtEl>
                                           <p:spTgt spid="3">
                                             <p:txEl>
-                                              <p:pRg st="2" end="2"/>
+                                              <p:pRg st="0" end="0"/>
                                             </p:txEl>
                                           </p:spTgt>
                                         </p:tgtEl>
@@ -9914,26 +10265,57 @@
                     </p:cTn>
                   </p:par>
                   <p:par>
-                    <p:cTn id="11" fill="hold">
+                    <p:cTn id="27" fill="hold">
                       <p:stCondLst>
                         <p:cond delay="indefinite"/>
                       </p:stCondLst>
                       <p:childTnLst>
                         <p:par>
-                          <p:cTn id="12" fill="hold">
+                          <p:cTn id="28" fill="hold">
                             <p:stCondLst>
                               <p:cond delay="0"/>
                             </p:stCondLst>
                             <p:childTnLst>
                               <p:par>
-                                <p:cTn id="13" presetID="1" presetClass="entr" presetSubtype="0" fill="hold" nodeType="clickEffect">
-                                  <p:stCondLst>
-                                    <p:cond delay="0"/>
-                                  </p:stCondLst>
-                                  <p:childTnLst>
-                                    <p:set>
-                                      <p:cBhvr>
-                                        <p:cTn id="14" dur="1" fill="hold">
+                                <p:cTn id="29" presetID="1" presetClass="entr" presetSubtype="0" fill="hold" nodeType="clickEffect">
+                                  <p:stCondLst>
+                                    <p:cond delay="0"/>
+                                  </p:stCondLst>
+                                  <p:childTnLst>
+                                    <p:set>
+                                      <p:cBhvr>
+                                        <p:cTn id="30" dur="1" fill="hold">
+                                          <p:stCondLst>
+                                            <p:cond delay="0"/>
+                                          </p:stCondLst>
+                                        </p:cTn>
+                                        <p:tgtEl>
+                                          <p:spTgt spid="3">
+                                            <p:txEl>
+                                              <p:pRg st="2" end="2"/>
+                                            </p:txEl>
+                                          </p:spTgt>
+                                        </p:tgtEl>
+                                        <p:attrNameLst>
+                                          <p:attrName>style.visibility</p:attrName>
+                                        </p:attrNameLst>
+                                      </p:cBhvr>
+                                      <p:to>
+                                        <p:strVal val="visible"/>
+                                      </p:to>
+                                    </p:set>
+                                  </p:childTnLst>
+                                </p:cTn>
+                              </p:par>
+                              <p:par>
+                                <p:cTn id="31" presetID="1" presetClass="entr" presetSubtype="0" fill="hold" nodeType="withEffect">
+                                  <p:stCondLst>
+                                    <p:cond delay="0"/>
+                                  </p:stCondLst>
+                                  <p:childTnLst>
+                                    <p:set>
+                                      <p:cBhvr>
+                                        <p:cTn id="32" dur="1" fill="hold">
                                           <p:stCondLst>
                                             <p:cond delay="0"/>
                                           </p:stCondLst>
@@ -9956,21 +10338,39 @@
                                   </p:childTnLst>
                                 </p:cTn>
                               </p:par>
-                              <p:par>
-                                <p:cTn id="15" presetID="1" presetClass="entr" presetSubtype="0" fill="hold" grpId="0" nodeType="withEffect">
-                                  <p:stCondLst>
-                                    <p:cond delay="0"/>
-                                  </p:stCondLst>
-                                  <p:childTnLst>
-                                    <p:set>
-                                      <p:cBhvr>
-                                        <p:cTn id="16" dur="1" fill="hold">
-                                          <p:stCondLst>
-                                            <p:cond delay="0"/>
-                                          </p:stCondLst>
-                                        </p:cTn>
-                                        <p:tgtEl>
-                                          <p:spTgt spid="4"/>
+                            </p:childTnLst>
+                          </p:cTn>
+                        </p:par>
+                      </p:childTnLst>
+                    </p:cTn>
+                  </p:par>
+                  <p:par>
+                    <p:cTn id="33" fill="hold">
+                      <p:stCondLst>
+                        <p:cond delay="indefinite"/>
+                      </p:stCondLst>
+                      <p:childTnLst>
+                        <p:par>
+                          <p:cTn id="34" fill="hold">
+                            <p:stCondLst>
+                              <p:cond delay="0"/>
+                            </p:stCondLst>
+                            <p:childTnLst>
+                              <p:par>
+                                <p:cTn id="35" presetID="1" presetClass="entr" presetSubtype="0" fill="hold" grpId="0" nodeType="clickEffect">
+                                  <p:stCondLst>
+                                    <p:cond delay="0"/>
+                                  </p:stCondLst>
+                                  <p:childTnLst>
+                                    <p:set>
+                                      <p:cBhvr>
+                                        <p:cTn id="36" dur="1" fill="hold">
+                                          <p:stCondLst>
+                                            <p:cond delay="0"/>
+                                          </p:stCondLst>
+                                        </p:cTn>
+                                        <p:tgtEl>
+                                          <p:spTgt spid="14"/>
                                         </p:tgtEl>
                                         <p:attrNameLst>
                                           <p:attrName>style.visibility</p:attrName>
@@ -9984,20 +10384,20 @@
                                 </p:cTn>
                               </p:par>
                               <p:par>
-                                <p:cTn id="17" presetID="1" presetClass="entr" presetSubtype="0" fill="hold" grpId="0" nodeType="withEffect">
-                                  <p:stCondLst>
-                                    <p:cond delay="0"/>
-                                  </p:stCondLst>
-                                  <p:childTnLst>
-                                    <p:set>
-                                      <p:cBhvr>
-                                        <p:cTn id="18" dur="1" fill="hold">
-                                          <p:stCondLst>
-                                            <p:cond delay="0"/>
-                                          </p:stCondLst>
-                                        </p:cTn>
-                                        <p:tgtEl>
-                                          <p:spTgt spid="5"/>
+                                <p:cTn id="37" presetID="1" presetClass="entr" presetSubtype="0" fill="hold" nodeType="withEffect">
+                                  <p:stCondLst>
+                                    <p:cond delay="0"/>
+                                  </p:stCondLst>
+                                  <p:childTnLst>
+                                    <p:set>
+                                      <p:cBhvr>
+                                        <p:cTn id="38" dur="1" fill="hold">
+                                          <p:stCondLst>
+                                            <p:cond delay="0"/>
+                                          </p:stCondLst>
+                                        </p:cTn>
+                                        <p:tgtEl>
+                                          <p:spTgt spid="13"/>
                                         </p:tgtEl>
                                         <p:attrNameLst>
                                           <p:attrName>style.visibility</p:attrName>
@@ -10011,155 +10411,20 @@
                                 </p:cTn>
                               </p:par>
                               <p:par>
-                                <p:cTn id="19" presetID="1" presetClass="entr" presetSubtype="0" fill="hold" grpId="0" nodeType="withEffect">
-                                  <p:stCondLst>
-                                    <p:cond delay="0"/>
-                                  </p:stCondLst>
-                                  <p:childTnLst>
-                                    <p:set>
-                                      <p:cBhvr>
-                                        <p:cTn id="20" dur="1" fill="hold">
-                                          <p:stCondLst>
-                                            <p:cond delay="0"/>
-                                          </p:stCondLst>
-                                        </p:cTn>
-                                        <p:tgtEl>
-                                          <p:spTgt spid="8"/>
-                                        </p:tgtEl>
-                                        <p:attrNameLst>
-                                          <p:attrName>style.visibility</p:attrName>
-                                        </p:attrNameLst>
-                                      </p:cBhvr>
-                                      <p:to>
-                                        <p:strVal val="visible"/>
-                                      </p:to>
-                                    </p:set>
-                                  </p:childTnLst>
-                                </p:cTn>
-                              </p:par>
-                              <p:par>
-                                <p:cTn id="21" presetID="1" presetClass="entr" presetSubtype="0" fill="hold" nodeType="withEffect">
-                                  <p:stCondLst>
-                                    <p:cond delay="0"/>
-                                  </p:stCondLst>
-                                  <p:childTnLst>
-                                    <p:set>
-                                      <p:cBhvr>
-                                        <p:cTn id="22" dur="1" fill="hold">
-                                          <p:stCondLst>
-                                            <p:cond delay="0"/>
-                                          </p:stCondLst>
-                                        </p:cTn>
-                                        <p:tgtEl>
-                                          <p:spTgt spid="17"/>
-                                        </p:tgtEl>
-                                        <p:attrNameLst>
-                                          <p:attrName>style.visibility</p:attrName>
-                                        </p:attrNameLst>
-                                      </p:cBhvr>
-                                      <p:to>
-                                        <p:strVal val="visible"/>
-                                      </p:to>
-                                    </p:set>
-                                  </p:childTnLst>
-                                </p:cTn>
-                              </p:par>
-                              <p:par>
-                                <p:cTn id="23" presetID="1" presetClass="entr" presetSubtype="0" fill="hold" grpId="0" nodeType="withEffect">
-                                  <p:stCondLst>
-                                    <p:cond delay="0"/>
-                                  </p:stCondLst>
-                                  <p:childTnLst>
-                                    <p:set>
-                                      <p:cBhvr>
-                                        <p:cTn id="24" dur="1" fill="hold">
-                                          <p:stCondLst>
-                                            <p:cond delay="0"/>
-                                          </p:stCondLst>
-                                        </p:cTn>
-                                        <p:tgtEl>
-                                          <p:spTgt spid="9"/>
-                                        </p:tgtEl>
-                                        <p:attrNameLst>
-                                          <p:attrName>style.visibility</p:attrName>
-                                        </p:attrNameLst>
-                                      </p:cBhvr>
-                                      <p:to>
-                                        <p:strVal val="visible"/>
-                                      </p:to>
-                                    </p:set>
-                                  </p:childTnLst>
-                                </p:cTn>
-                              </p:par>
-                              <p:par>
-                                <p:cTn id="25" presetID="1" presetClass="entr" presetSubtype="0" fill="hold" nodeType="withEffect">
-                                  <p:stCondLst>
-                                    <p:cond delay="0"/>
-                                  </p:stCondLst>
-                                  <p:childTnLst>
-                                    <p:set>
-                                      <p:cBhvr>
-                                        <p:cTn id="26" dur="1" fill="hold">
-                                          <p:stCondLst>
-                                            <p:cond delay="0"/>
-                                          </p:stCondLst>
-                                        </p:cTn>
-                                        <p:tgtEl>
-                                          <p:spTgt spid="10"/>
-                                        </p:tgtEl>
-                                        <p:attrNameLst>
-                                          <p:attrName>style.visibility</p:attrName>
-                                        </p:attrNameLst>
-                                      </p:cBhvr>
-                                      <p:to>
-                                        <p:strVal val="visible"/>
-                                      </p:to>
-                                    </p:set>
-                                  </p:childTnLst>
-                                </p:cTn>
-                              </p:par>
-                              <p:par>
-                                <p:cTn id="27" presetID="1" presetClass="entr" presetSubtype="0" fill="hold" grpId="0" nodeType="withEffect">
-                                  <p:stCondLst>
-                                    <p:cond delay="0"/>
-                                  </p:stCondLst>
-                                  <p:childTnLst>
-                                    <p:set>
-                                      <p:cBhvr>
-                                        <p:cTn id="28" dur="1" fill="hold">
-                                          <p:stCondLst>
-                                            <p:cond delay="0"/>
-                                          </p:stCondLst>
-                                        </p:cTn>
-                                        <p:tgtEl>
-                                          <p:spTgt spid="11"/>
-                                        </p:tgtEl>
-                                        <p:attrNameLst>
-                                          <p:attrName>style.visibility</p:attrName>
-                                        </p:attrNameLst>
-                                      </p:cBhvr>
-                                      <p:to>
-                                        <p:strVal val="visible"/>
-                                      </p:to>
-                                    </p:set>
-                                  </p:childTnLst>
-                                </p:cTn>
-                              </p:par>
-                              <p:par>
-                                <p:cTn id="29" presetID="1" presetClass="entr" presetSubtype="0" fill="hold" grpId="0" nodeType="withEffect">
-                                  <p:stCondLst>
-                                    <p:cond delay="0"/>
-                                  </p:stCondLst>
-                                  <p:childTnLst>
-                                    <p:set>
-                                      <p:cBhvr>
-                                        <p:cTn id="30" dur="1" fill="hold">
-                                          <p:stCondLst>
-                                            <p:cond delay="0"/>
-                                          </p:stCondLst>
-                                        </p:cTn>
-                                        <p:tgtEl>
-                                          <p:spTgt spid="6"/>
+                                <p:cTn id="39" presetID="1" presetClass="entr" presetSubtype="0" fill="hold" grpId="0" nodeType="withEffect">
+                                  <p:stCondLst>
+                                    <p:cond delay="0"/>
+                                  </p:stCondLst>
+                                  <p:childTnLst>
+                                    <p:set>
+                                      <p:cBhvr>
+                                        <p:cTn id="40" dur="1" fill="hold">
+                                          <p:stCondLst>
+                                            <p:cond delay="0"/>
+                                          </p:stCondLst>
+                                        </p:cTn>
+                                        <p:tgtEl>
+                                          <p:spTgt spid="12"/>
                                         </p:tgtEl>
                                         <p:attrNameLst>
                                           <p:attrName>style.visibility</p:attrName>
@@ -10206,6 +10471,8 @@
       <p:bldP spid="8" grpId="0"/>
       <p:bldP spid="9" grpId="0"/>
       <p:bldP spid="11" grpId="0"/>
+      <p:bldP spid="12" grpId="0" animBg="1"/>
+      <p:bldP spid="14" grpId="0"/>
     </p:bldLst>
   </p:timing>
 </p:sld>
@@ -29390,7 +29657,7 @@
           <p:cNvPr id="2" name="Title 1">
             <a:extLst>
               <a:ext uri="{FF2B5EF4-FFF2-40B4-BE49-F238E27FC236}">
-                <a16:creationId xmlns:a16="http://schemas.microsoft.com/office/drawing/2014/main" id="{6607F88C-492F-CB6E-C9C7-5B6BCB2BC9E1}"/>
+                <a16:creationId xmlns:a16="http://schemas.microsoft.com/office/drawing/2014/main" id="{24839D20-5E2C-23F2-6CBB-ABF6B82F36CD}"/>
               </a:ext>
             </a:extLst>
           </p:cNvPr>
@@ -29408,7 +29675,7 @@
           <a:p>
             <a:r>
               <a:rPr lang="en-US" dirty="0"/>
-              <a:t>Current Status for x64Iris</a:t>
+              <a:t>More Experiments</a:t>
             </a:r>
           </a:p>
         </p:txBody>
@@ -29418,7 +29685,7 @@
           <p:cNvPr id="3" name="Content Placeholder 2">
             <a:extLst>
               <a:ext uri="{FF2B5EF4-FFF2-40B4-BE49-F238E27FC236}">
-                <a16:creationId xmlns:a16="http://schemas.microsoft.com/office/drawing/2014/main" id="{F4160E22-E85C-62C0-036D-B472B81E04E4}"/>
+                <a16:creationId xmlns:a16="http://schemas.microsoft.com/office/drawing/2014/main" id="{C51595FF-F9FA-2A77-B106-78D92CDA6D3A}"/>
               </a:ext>
             </a:extLst>
           </p:cNvPr>
@@ -29432,81 +29699,92 @@
         <p:spPr/>
         <p:txBody>
           <a:bodyPr>
-            <a:normAutofit lnSpcReduction="10000"/>
+            <a:normAutofit fontScale="92500" lnSpcReduction="10000"/>
           </a:bodyPr>
           <a:lstStyle/>
           <a:p>
             <a:r>
               <a:rPr lang="en-US" dirty="0"/>
-              <a:t>What is done?</a:t>
+              <a:t>Identity Mapping</a:t>
             </a:r>
           </a:p>
           <a:p>
             <a:pPr lvl="1"/>
             <a:r>
               <a:rPr lang="en-US" dirty="0"/>
-              <a:t>Machine model – subset of x86</a:t>
+              <a:t>Extended our address-space invariants to support:</a:t>
+            </a:r>
+          </a:p>
+          <a:p>
+            <a:pPr lvl="2"/>
+            <a:r>
+              <a:rPr lang="en-US" dirty="0">
+                <a:effectLst/>
+                <a:latin typeface="LinLibertineT"/>
+              </a:rPr>
+              <a:t>virtual address of any page used for a page table lives at a virtual address whose value is a constant offset from the physical address a</a:t>
+            </a:r>
+          </a:p>
+          <a:p>
+            <a:r>
+              <a:rPr lang="en-US" dirty="0">
+                <a:latin typeface="LinLibertineT"/>
+              </a:rPr>
+              <a:t>Page-table-traversal</a:t>
             </a:r>
           </a:p>
           <a:p>
             <a:pPr lvl="1"/>
             <a:r>
-              <a:rPr lang="en-US" dirty="0"/>
-              <a:t>Soundness proofs of all instructions except:</a:t>
-            </a:r>
-          </a:p>
-          <a:p>
-            <a:pPr marL="914400" lvl="2" indent="0">
+              <a:rPr lang="en-US" dirty="0">
+                <a:latin typeface="LinLibertineT"/>
+              </a:rPr>
+              <a:t>Using identity mappings</a:t>
+            </a:r>
+          </a:p>
+          <a:p>
+            <a:pPr lvl="1"/>
+            <a:r>
+              <a:rPr lang="en-US" b="1" i="1" dirty="0">
+                <a:latin typeface="LinLibertineT"/>
+              </a:rPr>
+              <a:t>Almost done!</a:t>
+            </a:r>
+          </a:p>
+          <a:p>
+            <a:r>
+              <a:rPr lang="en-US" dirty="0">
+                <a:latin typeface="LinLibertineT"/>
+              </a:rPr>
+              <a:t>Mapping a new page</a:t>
+            </a:r>
+          </a:p>
+          <a:p>
+            <a:pPr lvl="1"/>
+            <a:r>
+              <a:rPr lang="en-US" dirty="0">
+                <a:latin typeface="LinLibertineT"/>
+              </a:rPr>
+              <a:t>Prover with using the page-table-traversal as an axiom to locate L1 entry.</a:t>
+            </a:r>
+          </a:p>
+          <a:p>
+            <a:pPr lvl="1"/>
+            <a:endParaRPr lang="en-US" dirty="0">
+              <a:latin typeface="LinLibertineT"/>
+            </a:endParaRPr>
+          </a:p>
+          <a:p>
+            <a:pPr lvl="1"/>
+            <a:endParaRPr lang="en-US" dirty="0"/>
+          </a:p>
+          <a:p>
+            <a:pPr marL="457200" lvl="1" indent="0">
               <a:buNone/>
             </a:pPr>
             <a:r>
               <a:rPr lang="en-US" dirty="0"/>
-              <a:t>Segment selector related ones, Page fault interrupts</a:t>
-            </a:r>
-          </a:p>
-          <a:p>
-            <a:pPr lvl="1"/>
-            <a:r>
-              <a:rPr lang="en-US" dirty="0"/>
-              <a:t>Proof of address-space switching</a:t>
-            </a:r>
-          </a:p>
-          <a:p>
-            <a:pPr lvl="1"/>
-            <a:r>
-              <a:rPr lang="en-US" dirty="0"/>
-              <a:t>Proof of identity mapping</a:t>
-            </a:r>
-          </a:p>
-          <a:p>
-            <a:pPr lvl="1"/>
-            <a:r>
-              <a:rPr lang="en-US" dirty="0"/>
-              <a:t>Proof of adding a new-page axiomatizing </a:t>
-            </a:r>
-            <a:r>
-              <a:rPr lang="en-US" b="1" dirty="0"/>
-              <a:t>page-table-walk</a:t>
-            </a:r>
-          </a:p>
-          <a:p>
-            <a:r>
-              <a:rPr lang="en-US" dirty="0"/>
-              <a:t>To be done</a:t>
-            </a:r>
-          </a:p>
-          <a:p>
-            <a:pPr lvl="1"/>
-            <a:r>
-              <a:rPr lang="en-US" dirty="0"/>
-              <a:t>Proof of page-table-walk</a:t>
-            </a:r>
-          </a:p>
-          <a:p>
-            <a:pPr lvl="1"/>
-            <a:r>
-              <a:rPr lang="en-US" dirty="0"/>
-              <a:t>Fine-tuning instructions’ specs with extended address-space-invariants for identity mappings</a:t>
+              <a:t>	</a:t>
             </a:r>
           </a:p>
           <a:p>
@@ -29515,22 +29793,386 @@
             </a:pPr>
             <a:endParaRPr lang="en-US" dirty="0"/>
           </a:p>
-          <a:p>
-            <a:pPr lvl="1"/>
-            <a:endParaRPr lang="en-US" dirty="0"/>
-          </a:p>
         </p:txBody>
       </p:sp>
     </p:spTree>
     <p:extLst>
       <p:ext uri="{BB962C8B-B14F-4D97-AF65-F5344CB8AC3E}">
-        <p14:creationId xmlns:p14="http://schemas.microsoft.com/office/powerpoint/2010/main" val="4257692284"/>
+        <p14:creationId xmlns:p14="http://schemas.microsoft.com/office/powerpoint/2010/main" val="1188265222"/>
       </p:ext>
     </p:extLst>
   </p:cSld>
   <p:clrMapOvr>
     <a:masterClrMapping/>
   </p:clrMapOvr>
+  <p:timing>
+    <p:tnLst>
+      <p:par>
+        <p:cTn id="1" dur="indefinite" restart="never" nodeType="tmRoot">
+          <p:childTnLst>
+            <p:seq concurrent="1" nextAc="seek">
+              <p:cTn id="2" dur="indefinite" nodeType="mainSeq">
+                <p:childTnLst>
+                  <p:par>
+                    <p:cTn id="3" fill="hold">
+                      <p:stCondLst>
+                        <p:cond delay="indefinite"/>
+                      </p:stCondLst>
+                      <p:childTnLst>
+                        <p:par>
+                          <p:cTn id="4" fill="hold">
+                            <p:stCondLst>
+                              <p:cond delay="0"/>
+                            </p:stCondLst>
+                            <p:childTnLst>
+                              <p:par>
+                                <p:cTn id="5" presetID="1" presetClass="entr" presetSubtype="0" fill="hold" nodeType="clickEffect">
+                                  <p:stCondLst>
+                                    <p:cond delay="0"/>
+                                  </p:stCondLst>
+                                  <p:childTnLst>
+                                    <p:set>
+                                      <p:cBhvr>
+                                        <p:cTn id="6" dur="1" fill="hold">
+                                          <p:stCondLst>
+                                            <p:cond delay="0"/>
+                                          </p:stCondLst>
+                                        </p:cTn>
+                                        <p:tgtEl>
+                                          <p:spTgt spid="3">
+                                            <p:txEl>
+                                              <p:pRg st="0" end="0"/>
+                                            </p:txEl>
+                                          </p:spTgt>
+                                        </p:tgtEl>
+                                        <p:attrNameLst>
+                                          <p:attrName>style.visibility</p:attrName>
+                                        </p:attrNameLst>
+                                      </p:cBhvr>
+                                      <p:to>
+                                        <p:strVal val="visible"/>
+                                      </p:to>
+                                    </p:set>
+                                  </p:childTnLst>
+                                </p:cTn>
+                              </p:par>
+                            </p:childTnLst>
+                          </p:cTn>
+                        </p:par>
+                      </p:childTnLst>
+                    </p:cTn>
+                  </p:par>
+                  <p:par>
+                    <p:cTn id="7" fill="hold">
+                      <p:stCondLst>
+                        <p:cond delay="indefinite"/>
+                      </p:stCondLst>
+                      <p:childTnLst>
+                        <p:par>
+                          <p:cTn id="8" fill="hold">
+                            <p:stCondLst>
+                              <p:cond delay="0"/>
+                            </p:stCondLst>
+                            <p:childTnLst>
+                              <p:par>
+                                <p:cTn id="9" presetID="1" presetClass="entr" presetSubtype="0" fill="hold" nodeType="clickEffect">
+                                  <p:stCondLst>
+                                    <p:cond delay="0"/>
+                                  </p:stCondLst>
+                                  <p:childTnLst>
+                                    <p:set>
+                                      <p:cBhvr>
+                                        <p:cTn id="10" dur="1" fill="hold">
+                                          <p:stCondLst>
+                                            <p:cond delay="0"/>
+                                          </p:stCondLst>
+                                        </p:cTn>
+                                        <p:tgtEl>
+                                          <p:spTgt spid="3">
+                                            <p:txEl>
+                                              <p:pRg st="1" end="1"/>
+                                            </p:txEl>
+                                          </p:spTgt>
+                                        </p:tgtEl>
+                                        <p:attrNameLst>
+                                          <p:attrName>style.visibility</p:attrName>
+                                        </p:attrNameLst>
+                                      </p:cBhvr>
+                                      <p:to>
+                                        <p:strVal val="visible"/>
+                                      </p:to>
+                                    </p:set>
+                                  </p:childTnLst>
+                                </p:cTn>
+                              </p:par>
+                              <p:par>
+                                <p:cTn id="11" presetID="1" presetClass="entr" presetSubtype="0" fill="hold" nodeType="withEffect">
+                                  <p:stCondLst>
+                                    <p:cond delay="0"/>
+                                  </p:stCondLst>
+                                  <p:childTnLst>
+                                    <p:set>
+                                      <p:cBhvr>
+                                        <p:cTn id="12" dur="1" fill="hold">
+                                          <p:stCondLst>
+                                            <p:cond delay="0"/>
+                                          </p:stCondLst>
+                                        </p:cTn>
+                                        <p:tgtEl>
+                                          <p:spTgt spid="3">
+                                            <p:txEl>
+                                              <p:pRg st="2" end="2"/>
+                                            </p:txEl>
+                                          </p:spTgt>
+                                        </p:tgtEl>
+                                        <p:attrNameLst>
+                                          <p:attrName>style.visibility</p:attrName>
+                                        </p:attrNameLst>
+                                      </p:cBhvr>
+                                      <p:to>
+                                        <p:strVal val="visible"/>
+                                      </p:to>
+                                    </p:set>
+                                  </p:childTnLst>
+                                </p:cTn>
+                              </p:par>
+                            </p:childTnLst>
+                          </p:cTn>
+                        </p:par>
+                      </p:childTnLst>
+                    </p:cTn>
+                  </p:par>
+                  <p:par>
+                    <p:cTn id="13" fill="hold">
+                      <p:stCondLst>
+                        <p:cond delay="indefinite"/>
+                      </p:stCondLst>
+                      <p:childTnLst>
+                        <p:par>
+                          <p:cTn id="14" fill="hold">
+                            <p:stCondLst>
+                              <p:cond delay="0"/>
+                            </p:stCondLst>
+                            <p:childTnLst>
+                              <p:par>
+                                <p:cTn id="15" presetID="1" presetClass="entr" presetSubtype="0" fill="hold" nodeType="clickEffect">
+                                  <p:stCondLst>
+                                    <p:cond delay="0"/>
+                                  </p:stCondLst>
+                                  <p:childTnLst>
+                                    <p:set>
+                                      <p:cBhvr>
+                                        <p:cTn id="16" dur="1" fill="hold">
+                                          <p:stCondLst>
+                                            <p:cond delay="0"/>
+                                          </p:stCondLst>
+                                        </p:cTn>
+                                        <p:tgtEl>
+                                          <p:spTgt spid="3">
+                                            <p:txEl>
+                                              <p:pRg st="3" end="3"/>
+                                            </p:txEl>
+                                          </p:spTgt>
+                                        </p:tgtEl>
+                                        <p:attrNameLst>
+                                          <p:attrName>style.visibility</p:attrName>
+                                        </p:attrNameLst>
+                                      </p:cBhvr>
+                                      <p:to>
+                                        <p:strVal val="visible"/>
+                                      </p:to>
+                                    </p:set>
+                                  </p:childTnLst>
+                                </p:cTn>
+                              </p:par>
+                            </p:childTnLst>
+                          </p:cTn>
+                        </p:par>
+                      </p:childTnLst>
+                    </p:cTn>
+                  </p:par>
+                  <p:par>
+                    <p:cTn id="17" fill="hold">
+                      <p:stCondLst>
+                        <p:cond delay="indefinite"/>
+                      </p:stCondLst>
+                      <p:childTnLst>
+                        <p:par>
+                          <p:cTn id="18" fill="hold">
+                            <p:stCondLst>
+                              <p:cond delay="0"/>
+                            </p:stCondLst>
+                            <p:childTnLst>
+                              <p:par>
+                                <p:cTn id="19" presetID="1" presetClass="entr" presetSubtype="0" fill="hold" nodeType="clickEffect">
+                                  <p:stCondLst>
+                                    <p:cond delay="0"/>
+                                  </p:stCondLst>
+                                  <p:childTnLst>
+                                    <p:set>
+                                      <p:cBhvr>
+                                        <p:cTn id="20" dur="1" fill="hold">
+                                          <p:stCondLst>
+                                            <p:cond delay="0"/>
+                                          </p:stCondLst>
+                                        </p:cTn>
+                                        <p:tgtEl>
+                                          <p:spTgt spid="3">
+                                            <p:txEl>
+                                              <p:pRg st="4" end="4"/>
+                                            </p:txEl>
+                                          </p:spTgt>
+                                        </p:tgtEl>
+                                        <p:attrNameLst>
+                                          <p:attrName>style.visibility</p:attrName>
+                                        </p:attrNameLst>
+                                      </p:cBhvr>
+                                      <p:to>
+                                        <p:strVal val="visible"/>
+                                      </p:to>
+                                    </p:set>
+                                  </p:childTnLst>
+                                </p:cTn>
+                              </p:par>
+                              <p:par>
+                                <p:cTn id="21" presetID="1" presetClass="entr" presetSubtype="0" fill="hold" nodeType="withEffect">
+                                  <p:stCondLst>
+                                    <p:cond delay="0"/>
+                                  </p:stCondLst>
+                                  <p:childTnLst>
+                                    <p:set>
+                                      <p:cBhvr>
+                                        <p:cTn id="22" dur="1" fill="hold">
+                                          <p:stCondLst>
+                                            <p:cond delay="0"/>
+                                          </p:stCondLst>
+                                        </p:cTn>
+                                        <p:tgtEl>
+                                          <p:spTgt spid="3">
+                                            <p:txEl>
+                                              <p:pRg st="5" end="5"/>
+                                            </p:txEl>
+                                          </p:spTgt>
+                                        </p:tgtEl>
+                                        <p:attrNameLst>
+                                          <p:attrName>style.visibility</p:attrName>
+                                        </p:attrNameLst>
+                                      </p:cBhvr>
+                                      <p:to>
+                                        <p:strVal val="visible"/>
+                                      </p:to>
+                                    </p:set>
+                                  </p:childTnLst>
+                                </p:cTn>
+                              </p:par>
+                            </p:childTnLst>
+                          </p:cTn>
+                        </p:par>
+                      </p:childTnLst>
+                    </p:cTn>
+                  </p:par>
+                  <p:par>
+                    <p:cTn id="23" fill="hold">
+                      <p:stCondLst>
+                        <p:cond delay="indefinite"/>
+                      </p:stCondLst>
+                      <p:childTnLst>
+                        <p:par>
+                          <p:cTn id="24" fill="hold">
+                            <p:stCondLst>
+                              <p:cond delay="0"/>
+                            </p:stCondLst>
+                            <p:childTnLst>
+                              <p:par>
+                                <p:cTn id="25" presetID="1" presetClass="entr" presetSubtype="0" fill="hold" nodeType="clickEffect">
+                                  <p:stCondLst>
+                                    <p:cond delay="0"/>
+                                  </p:stCondLst>
+                                  <p:childTnLst>
+                                    <p:set>
+                                      <p:cBhvr>
+                                        <p:cTn id="26" dur="1" fill="hold">
+                                          <p:stCondLst>
+                                            <p:cond delay="0"/>
+                                          </p:stCondLst>
+                                        </p:cTn>
+                                        <p:tgtEl>
+                                          <p:spTgt spid="3">
+                                            <p:txEl>
+                                              <p:pRg st="6" end="6"/>
+                                            </p:txEl>
+                                          </p:spTgt>
+                                        </p:tgtEl>
+                                        <p:attrNameLst>
+                                          <p:attrName>style.visibility</p:attrName>
+                                        </p:attrNameLst>
+                                      </p:cBhvr>
+                                      <p:to>
+                                        <p:strVal val="visible"/>
+                                      </p:to>
+                                    </p:set>
+                                  </p:childTnLst>
+                                </p:cTn>
+                              </p:par>
+                              <p:par>
+                                <p:cTn id="27" presetID="1" presetClass="entr" presetSubtype="0" fill="hold" nodeType="withEffect">
+                                  <p:stCondLst>
+                                    <p:cond delay="0"/>
+                                  </p:stCondLst>
+                                  <p:childTnLst>
+                                    <p:set>
+                                      <p:cBhvr>
+                                        <p:cTn id="28" dur="1" fill="hold">
+                                          <p:stCondLst>
+                                            <p:cond delay="0"/>
+                                          </p:stCondLst>
+                                        </p:cTn>
+                                        <p:tgtEl>
+                                          <p:spTgt spid="3">
+                                            <p:txEl>
+                                              <p:pRg st="7" end="7"/>
+                                            </p:txEl>
+                                          </p:spTgt>
+                                        </p:tgtEl>
+                                        <p:attrNameLst>
+                                          <p:attrName>style.visibility</p:attrName>
+                                        </p:attrNameLst>
+                                      </p:cBhvr>
+                                      <p:to>
+                                        <p:strVal val="visible"/>
+                                      </p:to>
+                                    </p:set>
+                                  </p:childTnLst>
+                                </p:cTn>
+                              </p:par>
+                            </p:childTnLst>
+                          </p:cTn>
+                        </p:par>
+                      </p:childTnLst>
+                    </p:cTn>
+                  </p:par>
+                </p:childTnLst>
+              </p:cTn>
+              <p:prevCondLst>
+                <p:cond evt="onPrev" delay="0">
+                  <p:tgtEl>
+                    <p:sldTgt/>
+                  </p:tgtEl>
+                </p:cond>
+              </p:prevCondLst>
+              <p:nextCondLst>
+                <p:cond evt="onNext" delay="0">
+                  <p:tgtEl>
+                    <p:sldTgt/>
+                  </p:tgtEl>
+                </p:cond>
+              </p:nextCondLst>
+            </p:seq>
+          </p:childTnLst>
+        </p:cTn>
+      </p:par>
+    </p:tnLst>
+  </p:timing>
 </p:sld>
 </file>
 
@@ -29556,7 +30198,7 @@
           <p:cNvPr id="2" name="Title 1">
             <a:extLst>
               <a:ext uri="{FF2B5EF4-FFF2-40B4-BE49-F238E27FC236}">
-                <a16:creationId xmlns:a16="http://schemas.microsoft.com/office/drawing/2014/main" id="{269C6564-DED0-853B-B44C-D831EC6965DD}"/>
+                <a16:creationId xmlns:a16="http://schemas.microsoft.com/office/drawing/2014/main" id="{6607F88C-492F-CB6E-C9C7-5B6BCB2BC9E1}"/>
               </a:ext>
             </a:extLst>
           </p:cNvPr>
@@ -29569,16 +30211,13 @@
         </p:nvSpPr>
         <p:spPr/>
         <p:txBody>
-          <a:bodyPr>
-            <a:normAutofit/>
-          </a:bodyPr>
+          <a:bodyPr/>
           <a:lstStyle/>
           <a:p>
             <a:r>
-              <a:rPr lang="en-US" sz="7200" b="1" i="1" dirty="0"/>
-              <a:t>                Evolution</a:t>
-            </a:r>
-            <a:endParaRPr lang="en-US" sz="7200" dirty="0"/>
+              <a:rPr lang="en-US" dirty="0"/>
+              <a:t>Current Status for x64Iris</a:t>
+            </a:r>
           </a:p>
         </p:txBody>
       </p:sp>
@@ -29587,7 +30226,7 @@
           <p:cNvPr id="3" name="Content Placeholder 2">
             <a:extLst>
               <a:ext uri="{FF2B5EF4-FFF2-40B4-BE49-F238E27FC236}">
-                <a16:creationId xmlns:a16="http://schemas.microsoft.com/office/drawing/2014/main" id="{2F3F60BA-8075-ACE3-C85A-047CB4EB3A31}"/>
+                <a16:creationId xmlns:a16="http://schemas.microsoft.com/office/drawing/2014/main" id="{F4160E22-E85C-62C0-036D-B472B81E04E4}"/>
               </a:ext>
             </a:extLst>
           </p:cNvPr>
@@ -29598,39 +30237,102 @@
             <p:ph idx="1"/>
           </p:nvPr>
         </p:nvSpPr>
-        <p:spPr>
-          <a:xfrm>
-            <a:off x="142875" y="1825625"/>
-            <a:ext cx="11906250" cy="4351338"/>
-          </a:xfrm>
-        </p:spPr>
+        <p:spPr/>
         <p:txBody>
-          <a:bodyPr/>
+          <a:bodyPr>
+            <a:normAutofit lnSpcReduction="10000"/>
+          </a:bodyPr>
           <a:lstStyle/>
           <a:p>
-            <a:endParaRPr lang="en-US" dirty="0"/>
-          </a:p>
-          <a:p>
-            <a:endParaRPr lang="en-US" dirty="0"/>
-          </a:p>
-          <a:p>
-            <a:endParaRPr lang="en-US" dirty="0"/>
-          </a:p>
-          <a:p>
-            <a:pPr marL="0" indent="0">
+            <a:r>
+              <a:rPr lang="en-US" dirty="0"/>
+              <a:t>What is done?</a:t>
+            </a:r>
+          </a:p>
+          <a:p>
+            <a:pPr lvl="1"/>
+            <a:r>
+              <a:rPr lang="en-US" dirty="0"/>
+              <a:t>Machine model – subset of x86</a:t>
+            </a:r>
+          </a:p>
+          <a:p>
+            <a:pPr lvl="1"/>
+            <a:r>
+              <a:rPr lang="en-US" dirty="0"/>
+              <a:t>Soundness proofs of all instructions except:</a:t>
+            </a:r>
+          </a:p>
+          <a:p>
+            <a:pPr marL="914400" lvl="2" indent="0">
               <a:buNone/>
             </a:pPr>
             <a:r>
-              <a:rPr lang="en-US" sz="4800" b="1" dirty="0"/>
-              <a:t> Modal Understanding of Protocol Modularity</a:t>
-            </a:r>
+              <a:rPr lang="en-US" dirty="0"/>
+              <a:t>Segment selector related ones, Page fault interrupts</a:t>
+            </a:r>
+          </a:p>
+          <a:p>
+            <a:pPr lvl="1"/>
+            <a:r>
+              <a:rPr lang="en-US" dirty="0"/>
+              <a:t>Proof of address-space switching</a:t>
+            </a:r>
+          </a:p>
+          <a:p>
+            <a:pPr lvl="1"/>
+            <a:r>
+              <a:rPr lang="en-US" dirty="0"/>
+              <a:t>Proof of identity mapping</a:t>
+            </a:r>
+          </a:p>
+          <a:p>
+            <a:pPr lvl="1"/>
+            <a:r>
+              <a:rPr lang="en-US" dirty="0"/>
+              <a:t>Proof of adding a new-page axiomatizing </a:t>
+            </a:r>
+            <a:r>
+              <a:rPr lang="en-US" b="1" dirty="0"/>
+              <a:t>page-table-walk</a:t>
+            </a:r>
+          </a:p>
+          <a:p>
+            <a:r>
+              <a:rPr lang="en-US" dirty="0"/>
+              <a:t>To be done</a:t>
+            </a:r>
+          </a:p>
+          <a:p>
+            <a:pPr lvl="1"/>
+            <a:r>
+              <a:rPr lang="en-US" dirty="0"/>
+              <a:t>Proof of page-table-walk</a:t>
+            </a:r>
+          </a:p>
+          <a:p>
+            <a:pPr lvl="1"/>
+            <a:r>
+              <a:rPr lang="en-US" dirty="0"/>
+              <a:t>Fine-tuning instructions’ specs with extended address-space-invariants for identity mappings</a:t>
+            </a:r>
+          </a:p>
+          <a:p>
+            <a:pPr marL="457200" lvl="1" indent="0">
+              <a:buNone/>
+            </a:pPr>
+            <a:endParaRPr lang="en-US" dirty="0"/>
+          </a:p>
+          <a:p>
+            <a:pPr lvl="1"/>
+            <a:endParaRPr lang="en-US" dirty="0"/>
           </a:p>
         </p:txBody>
       </p:sp>
     </p:spTree>
     <p:extLst>
       <p:ext uri="{BB962C8B-B14F-4D97-AF65-F5344CB8AC3E}">
-        <p14:creationId xmlns:p14="http://schemas.microsoft.com/office/powerpoint/2010/main" val="3220351956"/>
+        <p14:creationId xmlns:p14="http://schemas.microsoft.com/office/powerpoint/2010/main" val="4257692284"/>
       </p:ext>
     </p:extLst>
   </p:cSld>
@@ -29662,6 +30364,112 @@
           <p:cNvPr id="2" name="Title 1">
             <a:extLst>
               <a:ext uri="{FF2B5EF4-FFF2-40B4-BE49-F238E27FC236}">
+                <a16:creationId xmlns:a16="http://schemas.microsoft.com/office/drawing/2014/main" id="{269C6564-DED0-853B-B44C-D831EC6965DD}"/>
+              </a:ext>
+            </a:extLst>
+          </p:cNvPr>
+          <p:cNvSpPr>
+            <a:spLocks noGrp="1"/>
+          </p:cNvSpPr>
+          <p:nvPr>
+            <p:ph type="title"/>
+          </p:nvPr>
+        </p:nvSpPr>
+        <p:spPr/>
+        <p:txBody>
+          <a:bodyPr>
+            <a:normAutofit/>
+          </a:bodyPr>
+          <a:lstStyle/>
+          <a:p>
+            <a:r>
+              <a:rPr lang="en-US" sz="7200" b="1" i="1" dirty="0"/>
+              <a:t>                Evolution</a:t>
+            </a:r>
+            <a:endParaRPr lang="en-US" sz="7200" dirty="0"/>
+          </a:p>
+        </p:txBody>
+      </p:sp>
+      <p:sp>
+        <p:nvSpPr>
+          <p:cNvPr id="3" name="Content Placeholder 2">
+            <a:extLst>
+              <a:ext uri="{FF2B5EF4-FFF2-40B4-BE49-F238E27FC236}">
+                <a16:creationId xmlns:a16="http://schemas.microsoft.com/office/drawing/2014/main" id="{2F3F60BA-8075-ACE3-C85A-047CB4EB3A31}"/>
+              </a:ext>
+            </a:extLst>
+          </p:cNvPr>
+          <p:cNvSpPr>
+            <a:spLocks noGrp="1"/>
+          </p:cNvSpPr>
+          <p:nvPr>
+            <p:ph idx="1"/>
+          </p:nvPr>
+        </p:nvSpPr>
+        <p:spPr>
+          <a:xfrm>
+            <a:off x="142875" y="1825625"/>
+            <a:ext cx="11906250" cy="4351338"/>
+          </a:xfrm>
+        </p:spPr>
+        <p:txBody>
+          <a:bodyPr/>
+          <a:lstStyle/>
+          <a:p>
+            <a:endParaRPr lang="en-US" dirty="0"/>
+          </a:p>
+          <a:p>
+            <a:endParaRPr lang="en-US" dirty="0"/>
+          </a:p>
+          <a:p>
+            <a:endParaRPr lang="en-US" dirty="0"/>
+          </a:p>
+          <a:p>
+            <a:pPr marL="0" indent="0">
+              <a:buNone/>
+            </a:pPr>
+            <a:r>
+              <a:rPr lang="en-US" sz="4800" b="1" dirty="0"/>
+              <a:t> Modal Understanding of Protocol Modularity</a:t>
+            </a:r>
+          </a:p>
+        </p:txBody>
+      </p:sp>
+    </p:spTree>
+    <p:extLst>
+      <p:ext uri="{BB962C8B-B14F-4D97-AF65-F5344CB8AC3E}">
+        <p14:creationId xmlns:p14="http://schemas.microsoft.com/office/powerpoint/2010/main" val="3220351956"/>
+      </p:ext>
+    </p:extLst>
+  </p:cSld>
+  <p:clrMapOvr>
+    <a:masterClrMapping/>
+  </p:clrMapOvr>
+</p:sld>
+</file>
+
+<file path=ppt/slides/slide33.xml><?xml version="1.0" encoding="utf-8"?>
+<p:sld xmlns:a="http://schemas.openxmlformats.org/drawingml/2006/main" xmlns:r="http://schemas.openxmlformats.org/officeDocument/2006/relationships" xmlns:p="http://schemas.openxmlformats.org/presentationml/2006/main">
+  <p:cSld>
+    <p:spTree>
+      <p:nvGrpSpPr>
+        <p:cNvPr id="1" name=""/>
+        <p:cNvGrpSpPr/>
+        <p:nvPr/>
+      </p:nvGrpSpPr>
+      <p:grpSpPr>
+        <a:xfrm>
+          <a:off x="0" y="0"/>
+          <a:ext cx="0" cy="0"/>
+          <a:chOff x="0" y="0"/>
+          <a:chExt cx="0" cy="0"/>
+        </a:xfrm>
+      </p:grpSpPr>
+      <p:sp>
+        <p:nvSpPr>
+          <p:cNvPr id="2" name="Title 1">
+            <a:extLst>
+              <a:ext uri="{FF2B5EF4-FFF2-40B4-BE49-F238E27FC236}">
                 <a16:creationId xmlns:a16="http://schemas.microsoft.com/office/drawing/2014/main" id="{4B815EFB-30B8-9FD1-A8E4-9F85936E827A}"/>
               </a:ext>
             </a:extLst>
@@ -29722,7 +30530,7 @@
 </p:sld>
 </file>
 
-<file path=ppt/slides/slide33.xml><?xml version="1.0" encoding="utf-8"?>
+<file path=ppt/slides/slide34.xml><?xml version="1.0" encoding="utf-8"?>
 <p:sld xmlns:a="http://schemas.openxmlformats.org/drawingml/2006/main" xmlns:r="http://schemas.openxmlformats.org/officeDocument/2006/relationships" xmlns:p="http://schemas.openxmlformats.org/presentationml/2006/main">
   <p:cSld>
     <p:spTree>
@@ -31584,7 +32392,7 @@
 </p:sld>
 </file>
 
-<file path=ppt/slides/slide34.xml><?xml version="1.0" encoding="utf-8"?>
+<file path=ppt/slides/slide35.xml><?xml version="1.0" encoding="utf-8"?>
 <p:sld xmlns:a="http://schemas.openxmlformats.org/drawingml/2006/main" xmlns:r="http://schemas.openxmlformats.org/officeDocument/2006/relationships" xmlns:p="http://schemas.openxmlformats.org/presentationml/2006/main">
   <p:cSld>
     <p:spTree>
@@ -33991,7 +34799,7 @@
 </p:sld>
 </file>
 
-<file path=ppt/slides/slide35.xml><?xml version="1.0" encoding="utf-8"?>
+<file path=ppt/slides/slide36.xml><?xml version="1.0" encoding="utf-8"?>
 <p:sld xmlns:a="http://schemas.openxmlformats.org/drawingml/2006/main" xmlns:r="http://schemas.openxmlformats.org/officeDocument/2006/relationships" xmlns:p="http://schemas.openxmlformats.org/presentationml/2006/main">
   <p:cSld>
     <p:spTree>
@@ -34109,7 +34917,7 @@
 </p:sld>
 </file>
 
-<file path=ppt/slides/slide36.xml><?xml version="1.0" encoding="utf-8"?>
+<file path=ppt/slides/slide37.xml><?xml version="1.0" encoding="utf-8"?>
 <p:sld xmlns:a="http://schemas.openxmlformats.org/drawingml/2006/main" xmlns:r="http://schemas.openxmlformats.org/officeDocument/2006/relationships" xmlns:p="http://schemas.openxmlformats.org/presentationml/2006/main">
   <p:cSld>
     <p:spTree>
@@ -38365,186 +39173,6 @@
 </p:sld>
 </file>
 
-<file path=ppt/slides/slide37.xml><?xml version="1.0" encoding="utf-8"?>
-<p:sld xmlns:a="http://schemas.openxmlformats.org/drawingml/2006/main" xmlns:r="http://schemas.openxmlformats.org/officeDocument/2006/relationships" xmlns:p="http://schemas.openxmlformats.org/presentationml/2006/main">
-  <p:cSld>
-    <p:spTree>
-      <p:nvGrpSpPr>
-        <p:cNvPr id="1" name=""/>
-        <p:cNvGrpSpPr/>
-        <p:nvPr/>
-      </p:nvGrpSpPr>
-      <p:grpSpPr>
-        <a:xfrm>
-          <a:off x="0" y="0"/>
-          <a:ext cx="0" cy="0"/>
-          <a:chOff x="0" y="0"/>
-          <a:chExt cx="0" cy="0"/>
-        </a:xfrm>
-      </p:grpSpPr>
-      <p:sp>
-        <p:nvSpPr>
-          <p:cNvPr id="2" name="Title 1">
-            <a:extLst>
-              <a:ext uri="{FF2B5EF4-FFF2-40B4-BE49-F238E27FC236}">
-                <a16:creationId xmlns:a16="http://schemas.microsoft.com/office/drawing/2014/main" id="{8C247F51-7974-6BFA-85AD-AE319D026DEE}"/>
-              </a:ext>
-            </a:extLst>
-          </p:cNvPr>
-          <p:cNvSpPr>
-            <a:spLocks noGrp="1"/>
-          </p:cNvSpPr>
-          <p:nvPr>
-            <p:ph type="title"/>
-          </p:nvPr>
-        </p:nvSpPr>
-        <p:spPr/>
-        <p:txBody>
-          <a:bodyPr/>
-          <a:lstStyle/>
-          <a:p>
-            <a:r>
-              <a:rPr lang="en-US" dirty="0"/>
-              <a:t>RG-STS: Logic for Modularity of Protocols</a:t>
-            </a:r>
-          </a:p>
-        </p:txBody>
-      </p:sp>
-      <p:sp>
-        <p:nvSpPr>
-          <p:cNvPr id="3" name="Content Placeholder 2">
-            <a:extLst>
-              <a:ext uri="{FF2B5EF4-FFF2-40B4-BE49-F238E27FC236}">
-                <a16:creationId xmlns:a16="http://schemas.microsoft.com/office/drawing/2014/main" id="{3380684A-A042-8B0A-4D4B-3D3291078825}"/>
-              </a:ext>
-            </a:extLst>
-          </p:cNvPr>
-          <p:cNvSpPr>
-            <a:spLocks noGrp="1"/>
-          </p:cNvSpPr>
-          <p:nvPr>
-            <p:ph idx="1"/>
-          </p:nvPr>
-        </p:nvSpPr>
-        <p:spPr/>
-        <p:txBody>
-          <a:bodyPr/>
-          <a:lstStyle/>
-          <a:p>
-            <a:r>
-              <a:rPr lang="en-US" dirty="0"/>
-              <a:t>Two major pieces</a:t>
-            </a:r>
-          </a:p>
-          <a:p>
-            <a:pPr lvl="1"/>
-            <a:r>
-              <a:rPr lang="en-US" dirty="0"/>
-              <a:t>Morphisms to relate two protocol (</a:t>
-            </a:r>
-            <a:r>
-              <a:rPr lang="en-US" b="1" dirty="0"/>
-              <a:t>RG-</a:t>
-            </a:r>
-            <a:r>
-              <a:rPr lang="en-US" b="1" dirty="0" err="1"/>
-              <a:t>Bisim</a:t>
-            </a:r>
-            <a:r>
-              <a:rPr lang="en-US" dirty="0"/>
-              <a:t>)</a:t>
-            </a:r>
-          </a:p>
-          <a:p>
-            <a:pPr lvl="2"/>
-            <a:r>
-              <a:rPr lang="en-US" dirty="0"/>
-              <a:t>The Law of Tolerance</a:t>
-            </a:r>
-          </a:p>
-          <a:p>
-            <a:pPr lvl="2"/>
-            <a:r>
-              <a:rPr lang="en-US" dirty="0"/>
-              <a:t>The Law of Conformance</a:t>
-            </a:r>
-          </a:p>
-          <a:p>
-            <a:pPr lvl="2"/>
-            <a:r>
-              <a:rPr lang="en-US" dirty="0"/>
-              <a:t>The Law of Similarity</a:t>
-            </a:r>
-          </a:p>
-          <a:p>
-            <a:pPr lvl="1"/>
-            <a:r>
-              <a:rPr lang="en-US" dirty="0"/>
-              <a:t>Linking to program logic through </a:t>
-            </a:r>
-          </a:p>
-          <a:p>
-            <a:pPr lvl="2"/>
-            <a:r>
-              <a:rPr lang="en-US" b="1" dirty="0"/>
-              <a:t>Island-Update-Invariance </a:t>
-            </a:r>
-            <a:r>
-              <a:rPr lang="en-US" dirty="0"/>
-              <a:t>for soundness</a:t>
-            </a:r>
-            <a:endParaRPr lang="en-US" b="1" dirty="0"/>
-          </a:p>
-          <a:p>
-            <a:pPr lvl="2"/>
-            <a:r>
-              <a:rPr lang="en-US" dirty="0"/>
-              <a:t>Proof rules</a:t>
-            </a:r>
-          </a:p>
-          <a:p>
-            <a:pPr lvl="3"/>
-            <a:r>
-              <a:rPr lang="en-US" dirty="0"/>
-              <a:t>Rule </a:t>
-            </a:r>
-            <a:r>
-              <a:rPr lang="en-US" dirty="0" err="1"/>
-              <a:t>Bisim</a:t>
-            </a:r>
-            <a:endParaRPr lang="en-US" dirty="0"/>
-          </a:p>
-          <a:p>
-            <a:pPr lvl="3"/>
-            <a:r>
-              <a:rPr lang="en-US" dirty="0"/>
-              <a:t>Rule </a:t>
-            </a:r>
-            <a:r>
-              <a:rPr lang="en-US" dirty="0" err="1"/>
-              <a:t>Submodel</a:t>
-            </a:r>
-            <a:endParaRPr lang="en-US" dirty="0"/>
-          </a:p>
-          <a:p>
-            <a:pPr lvl="2"/>
-            <a:endParaRPr lang="en-US" dirty="0"/>
-          </a:p>
-        </p:txBody>
-      </p:sp>
-    </p:spTree>
-    <p:extLst>
-      <p:ext uri="{BB962C8B-B14F-4D97-AF65-F5344CB8AC3E}">
-        <p14:creationId xmlns:p14="http://schemas.microsoft.com/office/powerpoint/2010/main" val="2934936581"/>
-      </p:ext>
-    </p:extLst>
-  </p:cSld>
-  <p:clrMapOvr>
-    <a:masterClrMapping/>
-  </p:clrMapOvr>
-</p:sld>
-</file>
-
 <file path=ppt/slides/slide38.xml><?xml version="1.0" encoding="utf-8"?>
 <p:sld xmlns:a="http://schemas.openxmlformats.org/drawingml/2006/main" xmlns:r="http://schemas.openxmlformats.org/officeDocument/2006/relationships" xmlns:p="http://schemas.openxmlformats.org/presentationml/2006/main">
   <p:cSld>
@@ -38567,7 +39195,7 @@
           <p:cNvPr id="2" name="Title 1">
             <a:extLst>
               <a:ext uri="{FF2B5EF4-FFF2-40B4-BE49-F238E27FC236}">
-                <a16:creationId xmlns:a16="http://schemas.microsoft.com/office/drawing/2014/main" id="{94333BC2-CB1A-F174-6230-0C18B4E311EF}"/>
+                <a16:creationId xmlns:a16="http://schemas.microsoft.com/office/drawing/2014/main" id="{8C247F51-7974-6BFA-85AD-AE319D026DEE}"/>
               </a:ext>
             </a:extLst>
           </p:cNvPr>
@@ -38585,7 +39213,7 @@
           <a:p>
             <a:r>
               <a:rPr lang="en-US" dirty="0"/>
-              <a:t>RG-STS: The Law of Similarity</a:t>
+              <a:t>RG-STS: Logic for Modularity of Protocols</a:t>
             </a:r>
           </a:p>
         </p:txBody>
@@ -38595,7 +39223,7 @@
           <p:cNvPr id="3" name="Content Placeholder 2">
             <a:extLst>
               <a:ext uri="{FF2B5EF4-FFF2-40B4-BE49-F238E27FC236}">
-                <a16:creationId xmlns:a16="http://schemas.microsoft.com/office/drawing/2014/main" id="{BF7F15D2-D4EC-C5B9-F6CC-F93095C4B5A6}"/>
+                <a16:creationId xmlns:a16="http://schemas.microsoft.com/office/drawing/2014/main" id="{3380684A-A042-8B0A-4D4B-3D3291078825}"/>
               </a:ext>
             </a:extLst>
           </p:cNvPr>
@@ -38612,12 +39240,184 @@
           <a:lstStyle/>
           <a:p>
             <a:r>
+              <a:rPr lang="en-US" dirty="0"/>
+              <a:t>Two major pieces</a:t>
+            </a:r>
+          </a:p>
+          <a:p>
+            <a:pPr lvl="1"/>
+            <a:r>
+              <a:rPr lang="en-US" dirty="0"/>
+              <a:t>Morphisms to relate two protocol </a:t>
+            </a:r>
+          </a:p>
+          <a:p>
+            <a:pPr lvl="2"/>
+            <a:r>
+              <a:rPr lang="en-US" dirty="0"/>
+              <a:t>The Law of Tolerance</a:t>
+            </a:r>
+          </a:p>
+          <a:p>
+            <a:pPr lvl="2"/>
+            <a:r>
+              <a:rPr lang="en-US" dirty="0"/>
+              <a:t>The Law of Conformance</a:t>
+            </a:r>
+          </a:p>
+          <a:p>
+            <a:pPr lvl="2"/>
+            <a:r>
+              <a:rPr lang="en-US" dirty="0"/>
+              <a:t>The Law of Similarity</a:t>
+            </a:r>
+          </a:p>
+          <a:p>
+            <a:pPr lvl="1"/>
+            <a:r>
+              <a:rPr lang="en-US" dirty="0"/>
+              <a:t>Linking to program logic through </a:t>
+            </a:r>
+          </a:p>
+          <a:p>
+            <a:pPr lvl="2"/>
+            <a:r>
+              <a:rPr lang="en-US" b="1" dirty="0"/>
+              <a:t>Island-Update-Invariance </a:t>
+            </a:r>
+            <a:r>
+              <a:rPr lang="en-US" dirty="0"/>
+              <a:t>for soundness</a:t>
+            </a:r>
+            <a:endParaRPr lang="en-US" b="1" dirty="0"/>
+          </a:p>
+          <a:p>
+            <a:pPr lvl="2"/>
+            <a:r>
+              <a:rPr lang="en-US" dirty="0"/>
+              <a:t>Proof rules</a:t>
+            </a:r>
+          </a:p>
+          <a:p>
+            <a:pPr lvl="3"/>
+            <a:r>
+              <a:rPr lang="en-US" dirty="0"/>
+              <a:t>Rule </a:t>
+            </a:r>
+            <a:r>
               <a:rPr lang="en-US" dirty="0" err="1"/>
               <a:t>Bisim</a:t>
             </a:r>
+            <a:endParaRPr lang="en-US" dirty="0"/>
+          </a:p>
+          <a:p>
+            <a:pPr lvl="3"/>
             <a:r>
               <a:rPr lang="en-US" dirty="0"/>
-              <a:t>. as an instance of our morphism definition</a:t>
+              <a:t>Rule </a:t>
+            </a:r>
+            <a:r>
+              <a:rPr lang="en-US" dirty="0" err="1"/>
+              <a:t>Submodel</a:t>
+            </a:r>
+            <a:endParaRPr lang="en-US" dirty="0"/>
+          </a:p>
+          <a:p>
+            <a:pPr lvl="2"/>
+            <a:endParaRPr lang="en-US" dirty="0"/>
+          </a:p>
+        </p:txBody>
+      </p:sp>
+    </p:spTree>
+    <p:extLst>
+      <p:ext uri="{BB962C8B-B14F-4D97-AF65-F5344CB8AC3E}">
+        <p14:creationId xmlns:p14="http://schemas.microsoft.com/office/powerpoint/2010/main" val="2934936581"/>
+      </p:ext>
+    </p:extLst>
+  </p:cSld>
+  <p:clrMapOvr>
+    <a:masterClrMapping/>
+  </p:clrMapOvr>
+</p:sld>
+</file>
+
+<file path=ppt/slides/slide39.xml><?xml version="1.0" encoding="utf-8"?>
+<p:sld xmlns:a="http://schemas.openxmlformats.org/drawingml/2006/main" xmlns:r="http://schemas.openxmlformats.org/officeDocument/2006/relationships" xmlns:p="http://schemas.openxmlformats.org/presentationml/2006/main">
+  <p:cSld>
+    <p:spTree>
+      <p:nvGrpSpPr>
+        <p:cNvPr id="1" name=""/>
+        <p:cNvGrpSpPr/>
+        <p:nvPr/>
+      </p:nvGrpSpPr>
+      <p:grpSpPr>
+        <a:xfrm>
+          <a:off x="0" y="0"/>
+          <a:ext cx="0" cy="0"/>
+          <a:chOff x="0" y="0"/>
+          <a:chExt cx="0" cy="0"/>
+        </a:xfrm>
+      </p:grpSpPr>
+      <p:sp>
+        <p:nvSpPr>
+          <p:cNvPr id="2" name="Title 1">
+            <a:extLst>
+              <a:ext uri="{FF2B5EF4-FFF2-40B4-BE49-F238E27FC236}">
+                <a16:creationId xmlns:a16="http://schemas.microsoft.com/office/drawing/2014/main" id="{94333BC2-CB1A-F174-6230-0C18B4E311EF}"/>
+              </a:ext>
+            </a:extLst>
+          </p:cNvPr>
+          <p:cNvSpPr>
+            <a:spLocks noGrp="1"/>
+          </p:cNvSpPr>
+          <p:nvPr>
+            <p:ph type="title"/>
+          </p:nvPr>
+        </p:nvSpPr>
+        <p:spPr/>
+        <p:txBody>
+          <a:bodyPr/>
+          <a:lstStyle/>
+          <a:p>
+            <a:r>
+              <a:rPr lang="en-US" dirty="0"/>
+              <a:t>RG-STS: </a:t>
+            </a:r>
+            <a:r>
+              <a:rPr lang="en-US" dirty="0" err="1"/>
+              <a:t>Bisimulation</a:t>
+            </a:r>
+            <a:r>
+              <a:rPr lang="en-US" dirty="0"/>
+              <a:t> </a:t>
+            </a:r>
+          </a:p>
+        </p:txBody>
+      </p:sp>
+      <p:sp>
+        <p:nvSpPr>
+          <p:cNvPr id="3" name="Content Placeholder 2">
+            <a:extLst>
+              <a:ext uri="{FF2B5EF4-FFF2-40B4-BE49-F238E27FC236}">
+                <a16:creationId xmlns:a16="http://schemas.microsoft.com/office/drawing/2014/main" id="{BF7F15D2-D4EC-C5B9-F6CC-F93095C4B5A6}"/>
+              </a:ext>
+            </a:extLst>
+          </p:cNvPr>
+          <p:cNvSpPr>
+            <a:spLocks noGrp="1"/>
+          </p:cNvSpPr>
+          <p:nvPr>
+            <p:ph idx="1"/>
+          </p:nvPr>
+        </p:nvSpPr>
+        <p:spPr/>
+        <p:txBody>
+          <a:bodyPr/>
+          <a:lstStyle/>
+          <a:p>
+            <a:r>
+              <a:rPr lang="en-US" dirty="0"/>
+              <a:t>As an instance of our morphism definition</a:t>
             </a:r>
           </a:p>
           <a:p>
@@ -38713,7 +39513,7 @@
             <a:pPr lvl="1"/>
             <a:r>
               <a:rPr lang="en-US" dirty="0"/>
-              <a:t>Acknowledge valid staring points</a:t>
+              <a:t>Acknowledge valid starting points</a:t>
             </a:r>
           </a:p>
           <a:p>
@@ -38746,7 +39546,7 @@
         </p:blipFill>
         <p:spPr>
           <a:xfrm>
-            <a:off x="8150860" y="1912620"/>
+            <a:off x="7490460" y="1869281"/>
             <a:ext cx="2311400" cy="330200"/>
           </a:xfrm>
           <a:prstGeom prst="rect">
@@ -38948,6 +39748,37 @@
                                   </p:childTnLst>
                                 </p:cTn>
                               </p:par>
+                              <p:par>
+                                <p:cTn id="15" presetID="1" presetClass="entr" presetSubtype="0" fill="hold" nodeType="withEffect">
+                                  <p:stCondLst>
+                                    <p:cond delay="0"/>
+                                  </p:stCondLst>
+                                  <p:childTnLst>
+                                    <p:set>
+                                      <p:cBhvr>
+                                        <p:cTn id="16" dur="1" fill="hold">
+                                          <p:stCondLst>
+                                            <p:cond delay="0"/>
+                                          </p:stCondLst>
+                                        </p:cTn>
+                                        <p:tgtEl>
+                                          <p:spTgt spid="3">
+                                            <p:txEl>
+                                              <p:pRg st="3" end="3"/>
+                                            </p:txEl>
+                                          </p:spTgt>
+                                        </p:tgtEl>
+                                        <p:attrNameLst>
+                                          <p:attrName>style.visibility</p:attrName>
+                                        </p:attrNameLst>
+                                      </p:cBhvr>
+                                      <p:to>
+                                        <p:strVal val="visible"/>
+                                      </p:to>
+                                    </p:set>
+                                  </p:childTnLst>
+                                </p:cTn>
+                              </p:par>
                             </p:childTnLst>
                           </p:cTn>
                         </p:par>
@@ -38955,26 +39786,26 @@
                     </p:cTn>
                   </p:par>
                   <p:par>
-                    <p:cTn id="15" fill="hold">
+                    <p:cTn id="17" fill="hold">
                       <p:stCondLst>
                         <p:cond delay="indefinite"/>
                       </p:stCondLst>
                       <p:childTnLst>
                         <p:par>
-                          <p:cTn id="16" fill="hold">
+                          <p:cTn id="18" fill="hold">
                             <p:stCondLst>
                               <p:cond delay="0"/>
                             </p:stCondLst>
                             <p:childTnLst>
                               <p:par>
-                                <p:cTn id="17" presetID="1" presetClass="entr" presetSubtype="0" fill="hold" nodeType="clickEffect">
-                                  <p:stCondLst>
-                                    <p:cond delay="0"/>
-                                  </p:stCondLst>
-                                  <p:childTnLst>
-                                    <p:set>
-                                      <p:cBhvr>
-                                        <p:cTn id="18" dur="1" fill="hold">
+                                <p:cTn id="19" presetID="1" presetClass="entr" presetSubtype="0" fill="hold" nodeType="clickEffect">
+                                  <p:stCondLst>
+                                    <p:cond delay="0"/>
+                                  </p:stCondLst>
+                                  <p:childTnLst>
+                                    <p:set>
+                                      <p:cBhvr>
+                                        <p:cTn id="20" dur="1" fill="hold">
                                           <p:stCondLst>
                                             <p:cond delay="0"/>
                                           </p:stCondLst>
@@ -39004,26 +39835,26 @@
                     </p:cTn>
                   </p:par>
                   <p:par>
-                    <p:cTn id="19" fill="hold">
+                    <p:cTn id="21" fill="hold">
                       <p:stCondLst>
                         <p:cond delay="indefinite"/>
                       </p:stCondLst>
                       <p:childTnLst>
                         <p:par>
-                          <p:cTn id="20" fill="hold">
+                          <p:cTn id="22" fill="hold">
                             <p:stCondLst>
                               <p:cond delay="0"/>
                             </p:stCondLst>
                             <p:childTnLst>
                               <p:par>
-                                <p:cTn id="21" presetID="1" presetClass="entr" presetSubtype="0" fill="hold" nodeType="clickEffect">
-                                  <p:stCondLst>
-                                    <p:cond delay="0"/>
-                                  </p:stCondLst>
-                                  <p:childTnLst>
-                                    <p:set>
-                                      <p:cBhvr>
-                                        <p:cTn id="22" dur="1" fill="hold">
+                                <p:cTn id="23" presetID="1" presetClass="entr" presetSubtype="0" fill="hold" nodeType="clickEffect">
+                                  <p:stCondLst>
+                                    <p:cond delay="0"/>
+                                  </p:stCondLst>
+                                  <p:childTnLst>
+                                    <p:set>
+                                      <p:cBhvr>
+                                        <p:cTn id="24" dur="1" fill="hold">
                                           <p:stCondLst>
                                             <p:cond delay="0"/>
                                           </p:stCondLst>
@@ -39053,26 +39884,26 @@
                     </p:cTn>
                   </p:par>
                   <p:par>
-                    <p:cTn id="23" fill="hold">
+                    <p:cTn id="25" fill="hold">
                       <p:stCondLst>
                         <p:cond delay="indefinite"/>
                       </p:stCondLst>
                       <p:childTnLst>
                         <p:par>
-                          <p:cTn id="24" fill="hold">
+                          <p:cTn id="26" fill="hold">
                             <p:stCondLst>
                               <p:cond delay="0"/>
                             </p:stCondLst>
                             <p:childTnLst>
                               <p:par>
-                                <p:cTn id="25" presetID="1" presetClass="entr" presetSubtype="0" fill="hold" nodeType="clickEffect">
-                                  <p:stCondLst>
-                                    <p:cond delay="0"/>
-                                  </p:stCondLst>
-                                  <p:childTnLst>
-                                    <p:set>
-                                      <p:cBhvr>
-                                        <p:cTn id="26" dur="1" fill="hold">
+                                <p:cTn id="27" presetID="1" presetClass="entr" presetSubtype="0" fill="hold" nodeType="clickEffect">
+                                  <p:stCondLst>
+                                    <p:cond delay="0"/>
+                                  </p:stCondLst>
+                                  <p:childTnLst>
+                                    <p:set>
+                                      <p:cBhvr>
+                                        <p:cTn id="28" dur="1" fill="hold">
                                           <p:stCondLst>
                                             <p:cond delay="0"/>
                                           </p:stCondLst>
@@ -39102,26 +39933,26 @@
                     </p:cTn>
                   </p:par>
                   <p:par>
-                    <p:cTn id="27" fill="hold">
+                    <p:cTn id="29" fill="hold">
                       <p:stCondLst>
                         <p:cond delay="indefinite"/>
                       </p:stCondLst>
                       <p:childTnLst>
                         <p:par>
-                          <p:cTn id="28" fill="hold">
+                          <p:cTn id="30" fill="hold">
                             <p:stCondLst>
                               <p:cond delay="0"/>
                             </p:stCondLst>
                             <p:childTnLst>
                               <p:par>
-                                <p:cTn id="29" presetID="1" presetClass="entr" presetSubtype="0" fill="hold" nodeType="clickEffect">
-                                  <p:stCondLst>
-                                    <p:cond delay="0"/>
-                                  </p:stCondLst>
-                                  <p:childTnLst>
-                                    <p:set>
-                                      <p:cBhvr>
-                                        <p:cTn id="30" dur="1" fill="hold">
+                                <p:cTn id="31" presetID="1" presetClass="entr" presetSubtype="0" fill="hold" nodeType="clickEffect">
+                                  <p:stCondLst>
+                                    <p:cond delay="0"/>
+                                  </p:stCondLst>
+                                  <p:childTnLst>
+                                    <p:set>
+                                      <p:cBhvr>
+                                        <p:cTn id="32" dur="1" fill="hold">
                                           <p:stCondLst>
                                             <p:cond delay="0"/>
                                           </p:stCondLst>
@@ -39130,349 +39961,6 @@
                                           <p:spTgt spid="3">
                                             <p:txEl>
                                               <p:pRg st="7" end="7"/>
-                                            </p:txEl>
-                                          </p:spTgt>
-                                        </p:tgtEl>
-                                        <p:attrNameLst>
-                                          <p:attrName>style.visibility</p:attrName>
-                                        </p:attrNameLst>
-                                      </p:cBhvr>
-                                      <p:to>
-                                        <p:strVal val="visible"/>
-                                      </p:to>
-                                    </p:set>
-                                  </p:childTnLst>
-                                </p:cTn>
-                              </p:par>
-                            </p:childTnLst>
-                          </p:cTn>
-                        </p:par>
-                      </p:childTnLst>
-                    </p:cTn>
-                  </p:par>
-                  <p:par>
-                    <p:cTn id="31" fill="hold">
-                      <p:stCondLst>
-                        <p:cond delay="indefinite"/>
-                      </p:stCondLst>
-                      <p:childTnLst>
-                        <p:par>
-                          <p:cTn id="32" fill="hold">
-                            <p:stCondLst>
-                              <p:cond delay="0"/>
-                            </p:stCondLst>
-                            <p:childTnLst>
-                              <p:par>
-                                <p:cTn id="33" presetID="1" presetClass="entr" presetSubtype="0" fill="hold" nodeType="clickEffect">
-                                  <p:stCondLst>
-                                    <p:cond delay="0"/>
-                                  </p:stCondLst>
-                                  <p:childTnLst>
-                                    <p:set>
-                                      <p:cBhvr>
-                                        <p:cTn id="34" dur="1" fill="hold">
-                                          <p:stCondLst>
-                                            <p:cond delay="0"/>
-                                          </p:stCondLst>
-                                        </p:cTn>
-                                        <p:tgtEl>
-                                          <p:spTgt spid="3">
-                                            <p:txEl>
-                                              <p:pRg st="3" end="3"/>
-                                            </p:txEl>
-                                          </p:spTgt>
-                                        </p:tgtEl>
-                                        <p:attrNameLst>
-                                          <p:attrName>style.visibility</p:attrName>
-                                        </p:attrNameLst>
-                                      </p:cBhvr>
-                                      <p:to>
-                                        <p:strVal val="visible"/>
-                                      </p:to>
-                                    </p:set>
-                                  </p:childTnLst>
-                                </p:cTn>
-                              </p:par>
-                            </p:childTnLst>
-                          </p:cTn>
-                        </p:par>
-                      </p:childTnLst>
-                    </p:cTn>
-                  </p:par>
-                  <p:par>
-                    <p:cTn id="35" fill="hold">
-                      <p:stCondLst>
-                        <p:cond delay="indefinite"/>
-                      </p:stCondLst>
-                      <p:childTnLst>
-                        <p:par>
-                          <p:cTn id="36" fill="hold">
-                            <p:stCondLst>
-                              <p:cond delay="0"/>
-                            </p:stCondLst>
-                            <p:childTnLst>
-                              <p:par>
-                                <p:cTn id="37" presetID="1" presetClass="entr" presetSubtype="0" fill="hold" nodeType="clickEffect">
-                                  <p:stCondLst>
-                                    <p:cond delay="0"/>
-                                  </p:stCondLst>
-                                  <p:childTnLst>
-                                    <p:set>
-                                      <p:cBhvr>
-                                        <p:cTn id="38" dur="1" fill="hold">
-                                          <p:stCondLst>
-                                            <p:cond delay="0"/>
-                                          </p:stCondLst>
-                                        </p:cTn>
-                                        <p:tgtEl>
-                                          <p:spTgt spid="3">
-                                            <p:txEl>
-                                              <p:pRg st="1" end="1"/>
-                                            </p:txEl>
-                                          </p:spTgt>
-                                        </p:tgtEl>
-                                        <p:attrNameLst>
-                                          <p:attrName>style.visibility</p:attrName>
-                                        </p:attrNameLst>
-                                      </p:cBhvr>
-                                      <p:to>
-                                        <p:strVal val="visible"/>
-                                      </p:to>
-                                    </p:set>
-                                  </p:childTnLst>
-                                </p:cTn>
-                              </p:par>
-                            </p:childTnLst>
-                          </p:cTn>
-                        </p:par>
-                      </p:childTnLst>
-                    </p:cTn>
-                  </p:par>
-                  <p:par>
-                    <p:cTn id="39" fill="hold">
-                      <p:stCondLst>
-                        <p:cond delay="indefinite"/>
-                      </p:stCondLst>
-                      <p:childTnLst>
-                        <p:par>
-                          <p:cTn id="40" fill="hold">
-                            <p:stCondLst>
-                              <p:cond delay="0"/>
-                            </p:stCondLst>
-                            <p:childTnLst>
-                              <p:par>
-                                <p:cTn id="41" presetID="1" presetClass="entr" presetSubtype="0" fill="hold" nodeType="clickEffect">
-                                  <p:stCondLst>
-                                    <p:cond delay="0"/>
-                                  </p:stCondLst>
-                                  <p:childTnLst>
-                                    <p:set>
-                                      <p:cBhvr>
-                                        <p:cTn id="42" dur="1" fill="hold">
-                                          <p:stCondLst>
-                                            <p:cond delay="0"/>
-                                          </p:stCondLst>
-                                        </p:cTn>
-                                        <p:tgtEl>
-                                          <p:spTgt spid="3">
-                                            <p:txEl>
-                                              <p:pRg st="4" end="4"/>
-                                            </p:txEl>
-                                          </p:spTgt>
-                                        </p:tgtEl>
-                                        <p:attrNameLst>
-                                          <p:attrName>style.visibility</p:attrName>
-                                        </p:attrNameLst>
-                                      </p:cBhvr>
-                                      <p:to>
-                                        <p:strVal val="visible"/>
-                                      </p:to>
-                                    </p:set>
-                                  </p:childTnLst>
-                                </p:cTn>
-                              </p:par>
-                            </p:childTnLst>
-                          </p:cTn>
-                        </p:par>
-                      </p:childTnLst>
-                    </p:cTn>
-                  </p:par>
-                  <p:par>
-                    <p:cTn id="43" fill="hold">
-                      <p:stCondLst>
-                        <p:cond delay="indefinite"/>
-                      </p:stCondLst>
-                      <p:childTnLst>
-                        <p:par>
-                          <p:cTn id="44" fill="hold">
-                            <p:stCondLst>
-                              <p:cond delay="0"/>
-                            </p:stCondLst>
-                            <p:childTnLst>
-                              <p:par>
-                                <p:cTn id="45" presetID="1" presetClass="entr" presetSubtype="0" fill="hold" nodeType="clickEffect">
-                                  <p:stCondLst>
-                                    <p:cond delay="0"/>
-                                  </p:stCondLst>
-                                  <p:childTnLst>
-                                    <p:set>
-                                      <p:cBhvr>
-                                        <p:cTn id="46" dur="1" fill="hold">
-                                          <p:stCondLst>
-                                            <p:cond delay="0"/>
-                                          </p:stCondLst>
-                                        </p:cTn>
-                                        <p:tgtEl>
-                                          <p:spTgt spid="3">
-                                            <p:txEl>
-                                              <p:pRg st="5" end="5"/>
-                                            </p:txEl>
-                                          </p:spTgt>
-                                        </p:tgtEl>
-                                        <p:attrNameLst>
-                                          <p:attrName>style.visibility</p:attrName>
-                                        </p:attrNameLst>
-                                      </p:cBhvr>
-                                      <p:to>
-                                        <p:strVal val="visible"/>
-                                      </p:to>
-                                    </p:set>
-                                  </p:childTnLst>
-                                </p:cTn>
-                              </p:par>
-                            </p:childTnLst>
-                          </p:cTn>
-                        </p:par>
-                      </p:childTnLst>
-                    </p:cTn>
-                  </p:par>
-                  <p:par>
-                    <p:cTn id="47" fill="hold">
-                      <p:stCondLst>
-                        <p:cond delay="indefinite"/>
-                      </p:stCondLst>
-                      <p:childTnLst>
-                        <p:par>
-                          <p:cTn id="48" fill="hold">
-                            <p:stCondLst>
-                              <p:cond delay="0"/>
-                            </p:stCondLst>
-                            <p:childTnLst>
-                              <p:par>
-                                <p:cTn id="49" presetID="1" presetClass="entr" presetSubtype="0" fill="hold" nodeType="clickEffect">
-                                  <p:stCondLst>
-                                    <p:cond delay="0"/>
-                                  </p:stCondLst>
-                                  <p:childTnLst>
-                                    <p:set>
-                                      <p:cBhvr>
-                                        <p:cTn id="50" dur="1" fill="hold">
-                                          <p:stCondLst>
-                                            <p:cond delay="0"/>
-                                          </p:stCondLst>
-                                        </p:cTn>
-                                        <p:tgtEl>
-                                          <p:spTgt spid="3">
-                                            <p:txEl>
-                                              <p:pRg st="6" end="6"/>
-                                            </p:txEl>
-                                          </p:spTgt>
-                                        </p:tgtEl>
-                                        <p:attrNameLst>
-                                          <p:attrName>style.visibility</p:attrName>
-                                        </p:attrNameLst>
-                                      </p:cBhvr>
-                                      <p:to>
-                                        <p:strVal val="visible"/>
-                                      </p:to>
-                                    </p:set>
-                                  </p:childTnLst>
-                                </p:cTn>
-                              </p:par>
-                            </p:childTnLst>
-                          </p:cTn>
-                        </p:par>
-                      </p:childTnLst>
-                    </p:cTn>
-                  </p:par>
-                  <p:par>
-                    <p:cTn id="51" fill="hold">
-                      <p:stCondLst>
-                        <p:cond delay="indefinite"/>
-                      </p:stCondLst>
-                      <p:childTnLst>
-                        <p:par>
-                          <p:cTn id="52" fill="hold">
-                            <p:stCondLst>
-                              <p:cond delay="0"/>
-                            </p:stCondLst>
-                            <p:childTnLst>
-                              <p:par>
-                                <p:cTn id="53" presetID="1" presetClass="entr" presetSubtype="0" fill="hold" nodeType="clickEffect">
-                                  <p:stCondLst>
-                                    <p:cond delay="0"/>
-                                  </p:stCondLst>
-                                  <p:childTnLst>
-                                    <p:set>
-                                      <p:cBhvr>
-                                        <p:cTn id="54" dur="1" fill="hold">
-                                          <p:stCondLst>
-                                            <p:cond delay="0"/>
-                                          </p:stCondLst>
-                                        </p:cTn>
-                                        <p:tgtEl>
-                                          <p:spTgt spid="3">
-                                            <p:txEl>
-                                              <p:pRg st="7" end="7"/>
-                                            </p:txEl>
-                                          </p:spTgt>
-                                        </p:tgtEl>
-                                        <p:attrNameLst>
-                                          <p:attrName>style.visibility</p:attrName>
-                                        </p:attrNameLst>
-                                      </p:cBhvr>
-                                      <p:to>
-                                        <p:strVal val="visible"/>
-                                      </p:to>
-                                    </p:set>
-                                  </p:childTnLst>
-                                </p:cTn>
-                              </p:par>
-                            </p:childTnLst>
-                          </p:cTn>
-                        </p:par>
-                      </p:childTnLst>
-                    </p:cTn>
-                  </p:par>
-                  <p:par>
-                    <p:cTn id="55" fill="hold">
-                      <p:stCondLst>
-                        <p:cond delay="indefinite"/>
-                      </p:stCondLst>
-                      <p:childTnLst>
-                        <p:par>
-                          <p:cTn id="56" fill="hold">
-                            <p:stCondLst>
-                              <p:cond delay="0"/>
-                            </p:stCondLst>
-                            <p:childTnLst>
-                              <p:par>
-                                <p:cTn id="57" presetID="1" presetClass="entr" presetSubtype="0" fill="hold" nodeType="clickEffect">
-                                  <p:stCondLst>
-                                    <p:cond delay="0"/>
-                                  </p:stCondLst>
-                                  <p:childTnLst>
-                                    <p:set>
-                                      <p:cBhvr>
-                                        <p:cTn id="58" dur="1" fill="hold">
-                                          <p:stCondLst>
-                                            <p:cond delay="0"/>
-                                          </p:stCondLst>
-                                        </p:cTn>
-                                        <p:tgtEl>
-                                          <p:spTgt spid="3">
-                                            <p:txEl>
-                                              <p:pRg st="3" end="3"/>
                                             </p:txEl>
                                           </p:spTgt>
                                         </p:tgtEl>
@@ -39518,7 +40006,7 @@
 </p:sld>
 </file>
 
-<file path=ppt/slides/slide39.xml><?xml version="1.0" encoding="utf-8"?>
+<file path=ppt/slides/slide4.xml><?xml version="1.0" encoding="utf-8"?>
 <p:sld xmlns:a="http://schemas.openxmlformats.org/drawingml/2006/main" xmlns:r="http://schemas.openxmlformats.org/officeDocument/2006/relationships" xmlns:p="http://schemas.openxmlformats.org/presentationml/2006/main">
   <p:cSld>
     <p:spTree>
@@ -39540,7 +40028,7 @@
           <p:cNvPr id="2" name="Title 1">
             <a:extLst>
               <a:ext uri="{FF2B5EF4-FFF2-40B4-BE49-F238E27FC236}">
-                <a16:creationId xmlns:a16="http://schemas.microsoft.com/office/drawing/2014/main" id="{7B9E512E-60F9-D90D-3941-CDEE61933F37}"/>
+                <a16:creationId xmlns:a16="http://schemas.microsoft.com/office/drawing/2014/main" id="{843B7DFB-42FA-7C12-9E71-3C4F5DB97CC6}"/>
               </a:ext>
             </a:extLst>
           </p:cNvPr>
@@ -39558,7 +40046,148 @@
           <a:p>
             <a:r>
               <a:rPr lang="en-US" dirty="0"/>
-              <a:t>RG-STS: The Laws of  of Conformance</a:t>
+              <a:t>Why Verification? Why OS Kernels?</a:t>
+            </a:r>
+          </a:p>
+        </p:txBody>
+      </p:sp>
+      <p:sp>
+        <p:nvSpPr>
+          <p:cNvPr id="3" name="Content Placeholder 2">
+            <a:extLst>
+              <a:ext uri="{FF2B5EF4-FFF2-40B4-BE49-F238E27FC236}">
+                <a16:creationId xmlns:a16="http://schemas.microsoft.com/office/drawing/2014/main" id="{856F201B-61FB-46D3-8039-7FDB48C155D6}"/>
+              </a:ext>
+            </a:extLst>
+          </p:cNvPr>
+          <p:cNvSpPr>
+            <a:spLocks noGrp="1"/>
+          </p:cNvSpPr>
+          <p:nvPr>
+            <p:ph idx="1"/>
+          </p:nvPr>
+        </p:nvSpPr>
+        <p:spPr/>
+        <p:txBody>
+          <a:bodyPr/>
+          <a:lstStyle/>
+          <a:p>
+            <a:r>
+              <a:rPr lang="en-US" dirty="0"/>
+              <a:t>Kernels are piece of constructs speaking to the bare-metal</a:t>
+            </a:r>
+          </a:p>
+          <a:p>
+            <a:pPr lvl="1"/>
+            <a:r>
+              <a:rPr lang="en-US" dirty="0"/>
+              <a:t>One of the closest software artifacts operating something physical!</a:t>
+            </a:r>
+          </a:p>
+          <a:p>
+            <a:pPr lvl="1"/>
+            <a:r>
+              <a:rPr lang="en-US" dirty="0"/>
+              <a:t>Convincing ourselves on their (almost) correctness!</a:t>
+            </a:r>
+          </a:p>
+          <a:p>
+            <a:r>
+              <a:rPr lang="en-US" dirty="0"/>
+              <a:t>Long story of verification attempts OS Kernels</a:t>
+            </a:r>
+          </a:p>
+          <a:p>
+            <a:pPr lvl="1"/>
+            <a:r>
+              <a:rPr lang="en-US" dirty="0" err="1"/>
+              <a:t>Verisoft</a:t>
+            </a:r>
+            <a:r>
+              <a:rPr lang="en-US" dirty="0"/>
+              <a:t> – custom-hardware</a:t>
+            </a:r>
+          </a:p>
+          <a:p>
+            <a:pPr lvl="1"/>
+            <a:r>
+              <a:rPr lang="en-US" dirty="0" err="1"/>
+              <a:t>CertiKOS</a:t>
+            </a:r>
+            <a:r>
+              <a:rPr lang="en-US" dirty="0"/>
+              <a:t>, SeL4 </a:t>
+            </a:r>
+          </a:p>
+          <a:p>
+            <a:pPr marL="457200" lvl="1" indent="0">
+              <a:buNone/>
+            </a:pPr>
+            <a:endParaRPr lang="en-US" dirty="0"/>
+          </a:p>
+          <a:p>
+            <a:endParaRPr lang="en-US" dirty="0"/>
+          </a:p>
+          <a:p>
+            <a:pPr lvl="1"/>
+            <a:endParaRPr lang="en-US" dirty="0"/>
+          </a:p>
+        </p:txBody>
+      </p:sp>
+    </p:spTree>
+    <p:extLst>
+      <p:ext uri="{BB962C8B-B14F-4D97-AF65-F5344CB8AC3E}">
+        <p14:creationId xmlns:p14="http://schemas.microsoft.com/office/powerpoint/2010/main" val="2951211648"/>
+      </p:ext>
+    </p:extLst>
+  </p:cSld>
+  <p:clrMapOvr>
+    <a:masterClrMapping/>
+  </p:clrMapOvr>
+</p:sld>
+</file>
+
+<file path=ppt/slides/slide40.xml><?xml version="1.0" encoding="utf-8"?>
+<p:sld xmlns:a="http://schemas.openxmlformats.org/drawingml/2006/main" xmlns:r="http://schemas.openxmlformats.org/officeDocument/2006/relationships" xmlns:p="http://schemas.openxmlformats.org/presentationml/2006/main">
+  <p:cSld>
+    <p:spTree>
+      <p:nvGrpSpPr>
+        <p:cNvPr id="1" name=""/>
+        <p:cNvGrpSpPr/>
+        <p:nvPr/>
+      </p:nvGrpSpPr>
+      <p:grpSpPr>
+        <a:xfrm>
+          <a:off x="0" y="0"/>
+          <a:ext cx="0" cy="0"/>
+          <a:chOff x="0" y="0"/>
+          <a:chExt cx="0" cy="0"/>
+        </a:xfrm>
+      </p:grpSpPr>
+      <p:sp>
+        <p:nvSpPr>
+          <p:cNvPr id="2" name="Title 1">
+            <a:extLst>
+              <a:ext uri="{FF2B5EF4-FFF2-40B4-BE49-F238E27FC236}">
+                <a16:creationId xmlns:a16="http://schemas.microsoft.com/office/drawing/2014/main" id="{7B9E512E-60F9-D90D-3941-CDEE61933F37}"/>
+              </a:ext>
+            </a:extLst>
+          </p:cNvPr>
+          <p:cNvSpPr>
+            <a:spLocks noGrp="1"/>
+          </p:cNvSpPr>
+          <p:nvPr>
+            <p:ph type="title"/>
+          </p:nvPr>
+        </p:nvSpPr>
+        <p:spPr/>
+        <p:txBody>
+          <a:bodyPr/>
+          <a:lstStyle/>
+          <a:p>
+            <a:r>
+              <a:rPr lang="en-US" dirty="0"/>
+              <a:t>RG-STS: The Laws</a:t>
             </a:r>
           </a:p>
         </p:txBody>
@@ -39911,33 +40540,6 @@
                                   </p:childTnLst>
                                 </p:cTn>
                               </p:par>
-                              <p:par>
-                                <p:cTn id="9" presetID="1" presetClass="entr" presetSubtype="0" fill="hold" grpId="0" nodeType="withEffect">
-                                  <p:stCondLst>
-                                    <p:cond delay="0"/>
-                                  </p:stCondLst>
-                                  <p:childTnLst>
-                                    <p:set>
-                                      <p:cBhvr>
-                                        <p:cTn id="10" dur="1" fill="hold">
-                                          <p:stCondLst>
-                                            <p:cond delay="0"/>
-                                          </p:stCondLst>
-                                        </p:cTn>
-                                        <p:tgtEl>
-                                          <p:spTgt spid="12"/>
-                                        </p:tgtEl>
-                                        <p:attrNameLst>
-                                          <p:attrName>style.visibility</p:attrName>
-                                        </p:attrNameLst>
-                                      </p:cBhvr>
-                                      <p:to>
-                                        <p:strVal val="visible"/>
-                                      </p:to>
-                                    </p:set>
-                                  </p:childTnLst>
-                                </p:cTn>
-                              </p:par>
                             </p:childTnLst>
                           </p:cTn>
                         </p:par>
@@ -39945,19 +40547,46 @@
                     </p:cTn>
                   </p:par>
                   <p:par>
-                    <p:cTn id="11" fill="hold">
+                    <p:cTn id="9" fill="hold">
                       <p:stCondLst>
                         <p:cond delay="indefinite"/>
                       </p:stCondLst>
                       <p:childTnLst>
                         <p:par>
-                          <p:cTn id="12" fill="hold">
+                          <p:cTn id="10" fill="hold">
                             <p:stCondLst>
                               <p:cond delay="0"/>
                             </p:stCondLst>
                             <p:childTnLst>
                               <p:par>
-                                <p:cTn id="13" presetID="1" presetClass="entr" presetSubtype="0" fill="hold" nodeType="clickEffect">
+                                <p:cTn id="11" presetID="1" presetClass="entr" presetSubtype="0" fill="hold" grpId="0" nodeType="clickEffect">
+                                  <p:stCondLst>
+                                    <p:cond delay="0"/>
+                                  </p:stCondLst>
+                                  <p:childTnLst>
+                                    <p:set>
+                                      <p:cBhvr>
+                                        <p:cTn id="12" dur="1" fill="hold">
+                                          <p:stCondLst>
+                                            <p:cond delay="0"/>
+                                          </p:stCondLst>
+                                        </p:cTn>
+                                        <p:tgtEl>
+                                          <p:spTgt spid="12"/>
+                                        </p:tgtEl>
+                                        <p:attrNameLst>
+                                          <p:attrName>style.visibility</p:attrName>
+                                        </p:attrNameLst>
+                                      </p:cBhvr>
+                                      <p:to>
+                                        <p:strVal val="visible"/>
+                                      </p:to>
+                                    </p:set>
+                                  </p:childTnLst>
+                                </p:cTn>
+                              </p:par>
+                              <p:par>
+                                <p:cTn id="13" presetID="1" presetClass="entr" presetSubtype="0" fill="hold" grpId="0" nodeType="withEffect">
                                   <p:stCondLst>
                                     <p:cond delay="0"/>
                                   </p:stCondLst>
@@ -39970,6 +40599,51 @@
                                           </p:stCondLst>
                                         </p:cTn>
                                         <p:tgtEl>
+                                          <p:spTgt spid="13"/>
+                                        </p:tgtEl>
+                                        <p:attrNameLst>
+                                          <p:attrName>style.visibility</p:attrName>
+                                        </p:attrNameLst>
+                                      </p:cBhvr>
+                                      <p:to>
+                                        <p:strVal val="visible"/>
+                                      </p:to>
+                                    </p:set>
+                                  </p:childTnLst>
+                                </p:cTn>
+                              </p:par>
+                            </p:childTnLst>
+                          </p:cTn>
+                        </p:par>
+                      </p:childTnLst>
+                    </p:cTn>
+                  </p:par>
+                  <p:par>
+                    <p:cTn id="15" fill="hold">
+                      <p:stCondLst>
+                        <p:cond delay="indefinite"/>
+                      </p:stCondLst>
+                      <p:childTnLst>
+                        <p:par>
+                          <p:cTn id="16" fill="hold">
+                            <p:stCondLst>
+                              <p:cond delay="0"/>
+                            </p:stCondLst>
+                            <p:childTnLst>
+                              <p:par>
+                                <p:cTn id="17" presetID="1" presetClass="entr" presetSubtype="0" fill="hold" nodeType="clickEffect">
+                                  <p:stCondLst>
+                                    <p:cond delay="0"/>
+                                  </p:stCondLst>
+                                  <p:childTnLst>
+                                    <p:set>
+                                      <p:cBhvr>
+                                        <p:cTn id="18" dur="1" fill="hold">
+                                          <p:stCondLst>
+                                            <p:cond delay="0"/>
+                                          </p:stCondLst>
+                                        </p:cTn>
+                                        <p:tgtEl>
                                           <p:spTgt spid="5"/>
                                         </p:tgtEl>
                                         <p:attrNameLst>
@@ -39983,15 +40657,33 @@
                                   </p:childTnLst>
                                 </p:cTn>
                               </p:par>
-                              <p:par>
-                                <p:cTn id="15" presetID="1" presetClass="entr" presetSubtype="0" fill="hold" grpId="0" nodeType="withEffect">
-                                  <p:stCondLst>
-                                    <p:cond delay="0"/>
-                                  </p:stCondLst>
-                                  <p:childTnLst>
-                                    <p:set>
-                                      <p:cBhvr>
-                                        <p:cTn id="16" dur="1" fill="hold">
+                            </p:childTnLst>
+                          </p:cTn>
+                        </p:par>
+                      </p:childTnLst>
+                    </p:cTn>
+                  </p:par>
+                  <p:par>
+                    <p:cTn id="19" fill="hold">
+                      <p:stCondLst>
+                        <p:cond delay="indefinite"/>
+                      </p:stCondLst>
+                      <p:childTnLst>
+                        <p:par>
+                          <p:cTn id="20" fill="hold">
+                            <p:stCondLst>
+                              <p:cond delay="0"/>
+                            </p:stCondLst>
+                            <p:childTnLst>
+                              <p:par>
+                                <p:cTn id="21" presetID="1" presetClass="entr" presetSubtype="0" fill="hold" grpId="0" nodeType="clickEffect">
+                                  <p:stCondLst>
+                                    <p:cond delay="0"/>
+                                  </p:stCondLst>
+                                  <p:childTnLst>
+                                    <p:set>
+                                      <p:cBhvr>
+                                        <p:cTn id="22" dur="1" fill="hold">
                                           <p:stCondLst>
                                             <p:cond delay="0"/>
                                           </p:stCondLst>
@@ -40011,14 +40703,14 @@
                                 </p:cTn>
                               </p:par>
                               <p:par>
-                                <p:cTn id="17" presetID="1" presetClass="entr" presetSubtype="0" fill="hold" grpId="0" nodeType="withEffect">
-                                  <p:stCondLst>
-                                    <p:cond delay="0"/>
-                                  </p:stCondLst>
-                                  <p:childTnLst>
-                                    <p:set>
-                                      <p:cBhvr>
-                                        <p:cTn id="18" dur="1" fill="hold">
+                                <p:cTn id="23" presetID="1" presetClass="entr" presetSubtype="0" fill="hold" grpId="0" nodeType="withEffect">
+                                  <p:stCondLst>
+                                    <p:cond delay="0"/>
+                                  </p:stCondLst>
+                                  <p:childTnLst>
+                                    <p:set>
+                                      <p:cBhvr>
+                                        <p:cTn id="24" dur="1" fill="hold">
                                           <p:stCondLst>
                                             <p:cond delay="0"/>
                                           </p:stCondLst>
@@ -40066,6 +40758,7 @@
     </p:tnLst>
     <p:bldLst>
       <p:bldP spid="12" grpId="0"/>
+      <p:bldP spid="13" grpId="0" animBg="1"/>
       <p:bldP spid="14" grpId="0" animBg="1"/>
       <p:bldP spid="15" grpId="0"/>
     </p:bldLst>
@@ -40073,148 +40766,7 @@
 </p:sld>
 </file>
 
-<file path=ppt/slides/slide4.xml><?xml version="1.0" encoding="utf-8"?>
-<p:sld xmlns:a="http://schemas.openxmlformats.org/drawingml/2006/main" xmlns:r="http://schemas.openxmlformats.org/officeDocument/2006/relationships" xmlns:p="http://schemas.openxmlformats.org/presentationml/2006/main">
-  <p:cSld>
-    <p:spTree>
-      <p:nvGrpSpPr>
-        <p:cNvPr id="1" name=""/>
-        <p:cNvGrpSpPr/>
-        <p:nvPr/>
-      </p:nvGrpSpPr>
-      <p:grpSpPr>
-        <a:xfrm>
-          <a:off x="0" y="0"/>
-          <a:ext cx="0" cy="0"/>
-          <a:chOff x="0" y="0"/>
-          <a:chExt cx="0" cy="0"/>
-        </a:xfrm>
-      </p:grpSpPr>
-      <p:sp>
-        <p:nvSpPr>
-          <p:cNvPr id="2" name="Title 1">
-            <a:extLst>
-              <a:ext uri="{FF2B5EF4-FFF2-40B4-BE49-F238E27FC236}">
-                <a16:creationId xmlns:a16="http://schemas.microsoft.com/office/drawing/2014/main" id="{843B7DFB-42FA-7C12-9E71-3C4F5DB97CC6}"/>
-              </a:ext>
-            </a:extLst>
-          </p:cNvPr>
-          <p:cNvSpPr>
-            <a:spLocks noGrp="1"/>
-          </p:cNvSpPr>
-          <p:nvPr>
-            <p:ph type="title"/>
-          </p:nvPr>
-        </p:nvSpPr>
-        <p:spPr/>
-        <p:txBody>
-          <a:bodyPr/>
-          <a:lstStyle/>
-          <a:p>
-            <a:r>
-              <a:rPr lang="en-US" dirty="0"/>
-              <a:t>Why Verification? Why OS Kernels?</a:t>
-            </a:r>
-          </a:p>
-        </p:txBody>
-      </p:sp>
-      <p:sp>
-        <p:nvSpPr>
-          <p:cNvPr id="3" name="Content Placeholder 2">
-            <a:extLst>
-              <a:ext uri="{FF2B5EF4-FFF2-40B4-BE49-F238E27FC236}">
-                <a16:creationId xmlns:a16="http://schemas.microsoft.com/office/drawing/2014/main" id="{856F201B-61FB-46D3-8039-7FDB48C155D6}"/>
-              </a:ext>
-            </a:extLst>
-          </p:cNvPr>
-          <p:cNvSpPr>
-            <a:spLocks noGrp="1"/>
-          </p:cNvSpPr>
-          <p:nvPr>
-            <p:ph idx="1"/>
-          </p:nvPr>
-        </p:nvSpPr>
-        <p:spPr/>
-        <p:txBody>
-          <a:bodyPr/>
-          <a:lstStyle/>
-          <a:p>
-            <a:r>
-              <a:rPr lang="en-US" dirty="0"/>
-              <a:t>Kernels are piece of constructs speaking to the bare-metal</a:t>
-            </a:r>
-          </a:p>
-          <a:p>
-            <a:pPr lvl="1"/>
-            <a:r>
-              <a:rPr lang="en-US" dirty="0"/>
-              <a:t>One of the closest software artifacts operating something physical!</a:t>
-            </a:r>
-          </a:p>
-          <a:p>
-            <a:pPr lvl="1"/>
-            <a:r>
-              <a:rPr lang="en-US" dirty="0"/>
-              <a:t>Convincing ourselves on their (almost) correctness!</a:t>
-            </a:r>
-          </a:p>
-          <a:p>
-            <a:r>
-              <a:rPr lang="en-US" dirty="0"/>
-              <a:t>Long story of verification attempts OS Kernels</a:t>
-            </a:r>
-          </a:p>
-          <a:p>
-            <a:pPr lvl="1"/>
-            <a:r>
-              <a:rPr lang="en-US" dirty="0" err="1"/>
-              <a:t>Verisoft</a:t>
-            </a:r>
-            <a:r>
-              <a:rPr lang="en-US" dirty="0"/>
-              <a:t> – custom-hardware</a:t>
-            </a:r>
-          </a:p>
-          <a:p>
-            <a:pPr lvl="1"/>
-            <a:r>
-              <a:rPr lang="en-US" dirty="0" err="1"/>
-              <a:t>CertiKOS</a:t>
-            </a:r>
-            <a:r>
-              <a:rPr lang="en-US" dirty="0"/>
-              <a:t>, SeL4 </a:t>
-            </a:r>
-          </a:p>
-          <a:p>
-            <a:pPr marL="457200" lvl="1" indent="0">
-              <a:buNone/>
-            </a:pPr>
-            <a:endParaRPr lang="en-US" dirty="0"/>
-          </a:p>
-          <a:p>
-            <a:endParaRPr lang="en-US" dirty="0"/>
-          </a:p>
-          <a:p>
-            <a:pPr lvl="1"/>
-            <a:endParaRPr lang="en-US" dirty="0"/>
-          </a:p>
-        </p:txBody>
-      </p:sp>
-    </p:spTree>
-    <p:extLst>
-      <p:ext uri="{BB962C8B-B14F-4D97-AF65-F5344CB8AC3E}">
-        <p14:creationId xmlns:p14="http://schemas.microsoft.com/office/powerpoint/2010/main" val="2951211648"/>
-      </p:ext>
-    </p:extLst>
-  </p:cSld>
-  <p:clrMapOvr>
-    <a:masterClrMapping/>
-  </p:clrMapOvr>
-</p:sld>
-</file>
-
-<file path=ppt/slides/slide40.xml><?xml version="1.0" encoding="utf-8"?>
+<file path=ppt/slides/slide41.xml><?xml version="1.0" encoding="utf-8"?>
 <p:sld xmlns:a="http://schemas.openxmlformats.org/drawingml/2006/main" xmlns:r="http://schemas.openxmlformats.org/officeDocument/2006/relationships" xmlns:p="http://schemas.openxmlformats.org/presentationml/2006/main">
   <p:cSld>
     <p:spTree>
@@ -40505,7 +41057,7 @@
 </p:sld>
 </file>
 
-<file path=ppt/slides/slide41.xml><?xml version="1.0" encoding="utf-8"?>
+<file path=ppt/slides/slide42.xml><?xml version="1.0" encoding="utf-8"?>
 <p:sld xmlns:a="http://schemas.openxmlformats.org/drawingml/2006/main" xmlns:r="http://schemas.openxmlformats.org/officeDocument/2006/relationships" xmlns:p="http://schemas.openxmlformats.org/presentationml/2006/main">
   <p:cSld>
     <p:spTree>
@@ -41107,7 +41659,7 @@
 </p:sld>
 </file>
 
-<file path=ppt/slides/slide42.xml><?xml version="1.0" encoding="utf-8"?>
+<file path=ppt/slides/slide43.xml><?xml version="1.0" encoding="utf-8"?>
 <p:sld xmlns:a="http://schemas.openxmlformats.org/drawingml/2006/main" xmlns:r="http://schemas.openxmlformats.org/officeDocument/2006/relationships" xmlns:p="http://schemas.openxmlformats.org/presentationml/2006/main">
   <p:cSld>
     <p:spTree>
@@ -41315,7 +41867,7 @@
 </p:sld>
 </file>
 
-<file path=ppt/slides/slide43.xml><?xml version="1.0" encoding="utf-8"?>
+<file path=ppt/slides/slide44.xml><?xml version="1.0" encoding="utf-8"?>
 <p:sld xmlns:a="http://schemas.openxmlformats.org/drawingml/2006/main" xmlns:r="http://schemas.openxmlformats.org/officeDocument/2006/relationships" xmlns:p="http://schemas.openxmlformats.org/presentationml/2006/main">
   <p:cSld>
     <p:spTree>
@@ -41477,7 +42029,7 @@
 </p:sld>
 </file>
 
-<file path=ppt/slides/slide44.xml><?xml version="1.0" encoding="utf-8"?>
+<file path=ppt/slides/slide45.xml><?xml version="1.0" encoding="utf-8"?>
 <p:sld xmlns:a="http://schemas.openxmlformats.org/drawingml/2006/main" xmlns:r="http://schemas.openxmlformats.org/officeDocument/2006/relationships" xmlns:p="http://schemas.openxmlformats.org/presentationml/2006/main">
   <p:cSld>
     <p:spTree>
@@ -41564,7 +42116,7 @@
 </p:sld>
 </file>
 
-<file path=ppt/slides/slide45.xml><?xml version="1.0" encoding="utf-8"?>
+<file path=ppt/slides/slide46.xml><?xml version="1.0" encoding="utf-8"?>
 <p:sld xmlns:a="http://schemas.openxmlformats.org/drawingml/2006/main" xmlns:r="http://schemas.openxmlformats.org/officeDocument/2006/relationships" xmlns:p="http://schemas.openxmlformats.org/presentationml/2006/main">
   <p:cSld>
     <p:spTree>
@@ -47694,6 +48246,13 @@
             <a:pPr lvl="1"/>
             <a:r>
               <a:rPr lang="en-US" dirty="0"/>
+              <a:t>Jones introduced Rely-Guarantee reasoning</a:t>
+            </a:r>
+          </a:p>
+          <a:p>
+            <a:pPr lvl="2"/>
+            <a:r>
+              <a:rPr lang="en-US" dirty="0"/>
               <a:t>Current local </a:t>
             </a:r>
             <a:r>
@@ -47714,7 +48273,7 @@
             </a:r>
           </a:p>
           <a:p>
-            <a:pPr lvl="1"/>
+            <a:pPr lvl="2"/>
             <a:r>
               <a:rPr lang="en-US" dirty="0"/>
               <a:t>Other </a:t>
@@ -47737,14 +48296,14 @@
             </a:r>
           </a:p>
           <a:p>
-            <a:pPr lvl="2"/>
+            <a:pPr lvl="3"/>
             <a:r>
               <a:rPr lang="en-US" dirty="0"/>
               <a:t>Local state is unchanged</a:t>
             </a:r>
           </a:p>
           <a:p>
-            <a:pPr lvl="2"/>
+            <a:pPr lvl="3"/>
             <a:r>
               <a:rPr lang="en-US" dirty="0"/>
               <a:t>The change in the global state is described by the </a:t>
@@ -47977,68 +48536,6 @@
                                   </p:childTnLst>
                                 </p:cTn>
                               </p:par>
-                              <p:par>
-                                <p:cTn id="19" presetID="1" presetClass="entr" presetSubtype="0" fill="hold" nodeType="withEffect">
-                                  <p:stCondLst>
-                                    <p:cond delay="0"/>
-                                  </p:stCondLst>
-                                  <p:childTnLst>
-                                    <p:set>
-                                      <p:cBhvr>
-                                        <p:cTn id="20" dur="1" fill="hold">
-                                          <p:stCondLst>
-                                            <p:cond delay="0"/>
-                                          </p:stCondLst>
-                                        </p:cTn>
-                                        <p:tgtEl>
-                                          <p:spTgt spid="3">
-                                            <p:txEl>
-                                              <p:pRg st="4" end="4"/>
-                                            </p:txEl>
-                                          </p:spTgt>
-                                        </p:tgtEl>
-                                        <p:attrNameLst>
-                                          <p:attrName>style.visibility</p:attrName>
-                                        </p:attrNameLst>
-                                      </p:cBhvr>
-                                      <p:to>
-                                        <p:strVal val="visible"/>
-                                      </p:to>
-                                    </p:set>
-                                  </p:childTnLst>
-                                </p:cTn>
-                              </p:par>
-                              <p:par>
-                                <p:cTn id="21" presetID="1" presetClass="entr" presetSubtype="0" fill="hold" nodeType="withEffect">
-                                  <p:stCondLst>
-                                    <p:cond delay="0"/>
-                                  </p:stCondLst>
-                                  <p:childTnLst>
-                                    <p:set>
-                                      <p:cBhvr>
-                                        <p:cTn id="22" dur="1" fill="hold">
-                                          <p:stCondLst>
-                                            <p:cond delay="0"/>
-                                          </p:stCondLst>
-                                        </p:cTn>
-                                        <p:tgtEl>
-                                          <p:spTgt spid="3">
-                                            <p:txEl>
-                                              <p:pRg st="5" end="5"/>
-                                            </p:txEl>
-                                          </p:spTgt>
-                                        </p:tgtEl>
-                                        <p:attrNameLst>
-                                          <p:attrName>style.visibility</p:attrName>
-                                        </p:attrNameLst>
-                                      </p:cBhvr>
-                                      <p:to>
-                                        <p:strVal val="visible"/>
-                                      </p:to>
-                                    </p:set>
-                                  </p:childTnLst>
-                                </p:cTn>
-                              </p:par>
                             </p:childTnLst>
                           </p:cTn>
                         </p:par>
@@ -48046,19 +48543,81 @@
                     </p:cTn>
                   </p:par>
                   <p:par>
-                    <p:cTn id="23" fill="hold">
+                    <p:cTn id="19" fill="hold">
                       <p:stCondLst>
                         <p:cond delay="indefinite"/>
                       </p:stCondLst>
                       <p:childTnLst>
                         <p:par>
-                          <p:cTn id="24" fill="hold">
+                          <p:cTn id="20" fill="hold">
                             <p:stCondLst>
                               <p:cond delay="0"/>
                             </p:stCondLst>
                             <p:childTnLst>
                               <p:par>
-                                <p:cTn id="25" presetID="1" presetClass="entr" presetSubtype="0" fill="hold" nodeType="clickEffect">
+                                <p:cTn id="21" presetID="1" presetClass="entr" presetSubtype="0" fill="hold" nodeType="clickEffect">
+                                  <p:stCondLst>
+                                    <p:cond delay="0"/>
+                                  </p:stCondLst>
+                                  <p:childTnLst>
+                                    <p:set>
+                                      <p:cBhvr>
+                                        <p:cTn id="22" dur="1" fill="hold">
+                                          <p:stCondLst>
+                                            <p:cond delay="0"/>
+                                          </p:stCondLst>
+                                        </p:cTn>
+                                        <p:tgtEl>
+                                          <p:spTgt spid="3">
+                                            <p:txEl>
+                                              <p:pRg st="4" end="4"/>
+                                            </p:txEl>
+                                          </p:spTgt>
+                                        </p:tgtEl>
+                                        <p:attrNameLst>
+                                          <p:attrName>style.visibility</p:attrName>
+                                        </p:attrNameLst>
+                                      </p:cBhvr>
+                                      <p:to>
+                                        <p:strVal val="visible"/>
+                                      </p:to>
+                                    </p:set>
+                                  </p:childTnLst>
+                                </p:cTn>
+                              </p:par>
+                              <p:par>
+                                <p:cTn id="23" presetID="1" presetClass="entr" presetSubtype="0" fill="hold" nodeType="withEffect">
+                                  <p:stCondLst>
+                                    <p:cond delay="0"/>
+                                  </p:stCondLst>
+                                  <p:childTnLst>
+                                    <p:set>
+                                      <p:cBhvr>
+                                        <p:cTn id="24" dur="1" fill="hold">
+                                          <p:stCondLst>
+                                            <p:cond delay="0"/>
+                                          </p:stCondLst>
+                                        </p:cTn>
+                                        <p:tgtEl>
+                                          <p:spTgt spid="3">
+                                            <p:txEl>
+                                              <p:pRg st="5" end="5"/>
+                                            </p:txEl>
+                                          </p:spTgt>
+                                        </p:tgtEl>
+                                        <p:attrNameLst>
+                                          <p:attrName>style.visibility</p:attrName>
+                                        </p:attrNameLst>
+                                      </p:cBhvr>
+                                      <p:to>
+                                        <p:strVal val="visible"/>
+                                      </p:to>
+                                    </p:set>
+                                  </p:childTnLst>
+                                </p:cTn>
+                              </p:par>
+                              <p:par>
+                                <p:cTn id="25" presetID="1" presetClass="entr" presetSubtype="0" fill="hold" nodeType="withEffect">
                                   <p:stCondLst>
                                     <p:cond delay="0"/>
                                   </p:stCondLst>
@@ -48123,6 +48682,55 @@
                                           <p:spTgt spid="3">
                                             <p:txEl>
                                               <p:pRg st="7" end="7"/>
+                                            </p:txEl>
+                                          </p:spTgt>
+                                        </p:tgtEl>
+                                        <p:attrNameLst>
+                                          <p:attrName>style.visibility</p:attrName>
+                                        </p:attrNameLst>
+                                      </p:cBhvr>
+                                      <p:to>
+                                        <p:strVal val="visible"/>
+                                      </p:to>
+                                    </p:set>
+                                  </p:childTnLst>
+                                </p:cTn>
+                              </p:par>
+                            </p:childTnLst>
+                          </p:cTn>
+                        </p:par>
+                      </p:childTnLst>
+                    </p:cTn>
+                  </p:par>
+                  <p:par>
+                    <p:cTn id="31" fill="hold">
+                      <p:stCondLst>
+                        <p:cond delay="indefinite"/>
+                      </p:stCondLst>
+                      <p:childTnLst>
+                        <p:par>
+                          <p:cTn id="32" fill="hold">
+                            <p:stCondLst>
+                              <p:cond delay="0"/>
+                            </p:stCondLst>
+                            <p:childTnLst>
+                              <p:par>
+                                <p:cTn id="33" presetID="1" presetClass="entr" presetSubtype="0" fill="hold" nodeType="clickEffect">
+                                  <p:stCondLst>
+                                    <p:cond delay="0"/>
+                                  </p:stCondLst>
+                                  <p:childTnLst>
+                                    <p:set>
+                                      <p:cBhvr>
+                                        <p:cTn id="34" dur="1" fill="hold">
+                                          <p:stCondLst>
+                                            <p:cond delay="0"/>
+                                          </p:stCondLst>
+                                        </p:cTn>
+                                        <p:tgtEl>
+                                          <p:spTgt spid="3">
+                                            <p:txEl>
+                                              <p:pRg st="8" end="8"/>
                                             </p:txEl>
                                           </p:spTgt>
                                         </p:tgtEl>
@@ -48244,7 +48852,22 @@
             </a:r>
             <a:r>
               <a:rPr lang="en-US" dirty="0"/>
-              <a:t>s</a:t>
+              <a:t>s </a:t>
+            </a:r>
+          </a:p>
+          <a:p>
+            <a:pPr lvl="1"/>
+            <a:r>
+              <a:rPr lang="en-US" dirty="0"/>
+              <a:t>In addition to many others (in the paper), Iris from Jung </a:t>
+            </a:r>
+            <a:r>
+              <a:rPr lang="en-US" dirty="0" err="1"/>
+              <a:t>et.al</a:t>
+            </a:r>
+            <a:r>
+              <a:rPr lang="en-US" dirty="0"/>
+              <a:t>.</a:t>
             </a:r>
           </a:p>
           <a:p>
@@ -48325,7 +48948,9 @@
             <a:endParaRPr lang="en-US" i="1" dirty="0"/>
           </a:p>
           <a:p>
-            <a:pPr lvl="2"/>
+            <a:pPr marL="914400" lvl="2" indent="0">
+              <a:buNone/>
+            </a:pPr>
             <a:r>
               <a:rPr lang="en-US" i="1" dirty="0"/>
               <a:t>                                                              </a:t>
@@ -48356,7 +48981,7 @@
         </p:blipFill>
         <p:spPr>
           <a:xfrm>
-            <a:off x="4241800" y="2787252"/>
+            <a:off x="4229182" y="3140890"/>
             <a:ext cx="1386840" cy="554736"/>
           </a:xfrm>
           <a:prstGeom prst="rect">
@@ -48602,7 +49227,11 @@
                                           </p:stCondLst>
                                         </p:cTn>
                                         <p:tgtEl>
-                                          <p:spTgt spid="5"/>
+                                          <p:spTgt spid="3">
+                                            <p:txEl>
+                                              <p:pRg st="2" end="2"/>
+                                            </p:txEl>
+                                          </p:spTgt>
                                         </p:tgtEl>
                                         <p:attrNameLst>
                                           <p:attrName>style.visibility</p:attrName>
@@ -48647,11 +49276,7 @@
                                           </p:stCondLst>
                                         </p:cTn>
                                         <p:tgtEl>
-                                          <p:spTgt spid="3">
-                                            <p:txEl>
-                                              <p:pRg st="4" end="4"/>
-                                            </p:txEl>
-                                          </p:spTgt>
+                                          <p:spTgt spid="5"/>
                                         </p:tgtEl>
                                         <p:attrNameLst>
                                           <p:attrName>style.visibility</p:attrName>
@@ -48794,6 +49419,55 @@
                                           </p:stCondLst>
                                         </p:cTn>
                                         <p:tgtEl>
+                                          <p:spTgt spid="3">
+                                            <p:txEl>
+                                              <p:pRg st="7" end="7"/>
+                                            </p:txEl>
+                                          </p:spTgt>
+                                        </p:tgtEl>
+                                        <p:attrNameLst>
+                                          <p:attrName>style.visibility</p:attrName>
+                                        </p:attrNameLst>
+                                      </p:cBhvr>
+                                      <p:to>
+                                        <p:strVal val="visible"/>
+                                      </p:to>
+                                    </p:set>
+                                  </p:childTnLst>
+                                </p:cTn>
+                              </p:par>
+                            </p:childTnLst>
+                          </p:cTn>
+                        </p:par>
+                      </p:childTnLst>
+                    </p:cTn>
+                  </p:par>
+                  <p:par>
+                    <p:cTn id="31" fill="hold">
+                      <p:stCondLst>
+                        <p:cond delay="indefinite"/>
+                      </p:stCondLst>
+                      <p:childTnLst>
+                        <p:par>
+                          <p:cTn id="32" fill="hold">
+                            <p:stCondLst>
+                              <p:cond delay="0"/>
+                            </p:stCondLst>
+                            <p:childTnLst>
+                              <p:par>
+                                <p:cTn id="33" presetID="1" presetClass="entr" presetSubtype="0" fill="hold" nodeType="clickEffect">
+                                  <p:stCondLst>
+                                    <p:cond delay="0"/>
+                                  </p:stCondLst>
+                                  <p:childTnLst>
+                                    <p:set>
+                                      <p:cBhvr>
+                                        <p:cTn id="34" dur="1" fill="hold">
+                                          <p:stCondLst>
+                                            <p:cond delay="0"/>
+                                          </p:stCondLst>
+                                        </p:cTn>
+                                        <p:tgtEl>
                                           <p:spTgt spid="11"/>
                                         </p:tgtEl>
                                         <p:attrNameLst>
@@ -48808,14 +49482,14 @@
                                 </p:cTn>
                               </p:par>
                               <p:par>
-                                <p:cTn id="31" presetID="1" presetClass="entr" presetSubtype="0" fill="hold" grpId="0" nodeType="withEffect">
-                                  <p:stCondLst>
-                                    <p:cond delay="0"/>
-                                  </p:stCondLst>
-                                  <p:childTnLst>
-                                    <p:set>
-                                      <p:cBhvr>
-                                        <p:cTn id="32" dur="1" fill="hold">
+                                <p:cTn id="35" presetID="1" presetClass="entr" presetSubtype="0" fill="hold" grpId="0" nodeType="withEffect">
+                                  <p:stCondLst>
+                                    <p:cond delay="0"/>
+                                  </p:stCondLst>
+                                  <p:childTnLst>
+                                    <p:set>
+                                      <p:cBhvr>
+                                        <p:cTn id="36" dur="1" fill="hold">
                                           <p:stCondLst>
                                             <p:cond delay="0"/>
                                           </p:stCondLst>
@@ -48835,14 +49509,14 @@
                                 </p:cTn>
                               </p:par>
                               <p:par>
-                                <p:cTn id="33" presetID="1" presetClass="entr" presetSubtype="0" fill="hold" nodeType="withEffect">
-                                  <p:stCondLst>
-                                    <p:cond delay="0"/>
-                                  </p:stCondLst>
-                                  <p:childTnLst>
-                                    <p:set>
-                                      <p:cBhvr>
-                                        <p:cTn id="34" dur="1" fill="hold">
+                                <p:cTn id="37" presetID="1" presetClass="entr" presetSubtype="0" fill="hold" nodeType="withEffect">
+                                  <p:stCondLst>
+                                    <p:cond delay="0"/>
+                                  </p:stCondLst>
+                                  <p:childTnLst>
+                                    <p:set>
+                                      <p:cBhvr>
+                                        <p:cTn id="38" dur="1" fill="hold">
                                           <p:stCondLst>
                                             <p:cond delay="0"/>
                                           </p:stCondLst>
@@ -48935,7 +49609,7 @@
           <a:p>
             <a:r>
               <a:rPr lang="en-US" dirty="0"/>
-              <a:t>Separation Logic: Sharing Knowledge</a:t>
+              <a:t>Separation Logic: Iris Invariants</a:t>
             </a:r>
           </a:p>
         </p:txBody>

--- a/thesis_proposal/proposal.pptx
+++ b/thesis_proposal/proposal.pptx
@@ -763,543 +763,6 @@
         <p:txBody>
           <a:bodyPr/>
           <a:lstStyle/>
-          <a:p>
-            <a:pPr>
-              <a:buFont typeface="+mj-lt"/>
-              <a:buAutoNum type="arabicPeriod" startAt="491"/>
-            </a:pPr>
-            <a:r>
-              <a:rPr lang="en-US" sz="1800" dirty="0">
-                <a:effectLst/>
-                <a:latin typeface="NimbusRomNo9L"/>
-              </a:rPr>
-              <a:t>Clearly this holds when for any </a:t>
-            </a:r>
-            <a:r>
-              <a:rPr lang="en-US" sz="1800" dirty="0">
-                <a:effectLst/>
-                <a:latin typeface="LibertineMathMI"/>
-              </a:rPr>
-              <a:t>𝑤 </a:t>
-            </a:r>
-            <a:r>
-              <a:rPr lang="en-US" sz="1800" dirty="0">
-                <a:effectLst/>
-                <a:latin typeface="NimbusRomNo9L"/>
-              </a:rPr>
-              <a:t>and </a:t>
-            </a:r>
-            <a:r>
-              <a:rPr lang="en-US" sz="1800" dirty="0">
-                <a:effectLst/>
-                <a:latin typeface="LibertineMathMI"/>
-              </a:rPr>
-              <a:t>𝑚</a:t>
-            </a:r>
-            <a:r>
-              <a:rPr lang="en-US" sz="1800" dirty="0">
-                <a:effectLst/>
-                <a:latin typeface="NimbusRomNo9L"/>
-              </a:rPr>
-              <a:t>, there is exactly one </a:t>
-            </a:r>
-            <a:r>
-              <a:rPr lang="en-US" sz="1800" dirty="0">
-                <a:effectLst/>
-                <a:latin typeface="LibertineMathMI"/>
-              </a:rPr>
-              <a:t>𝑤</a:t>
-            </a:r>
-            <a:r>
-              <a:rPr lang="en-US" sz="1800" dirty="0">
-                <a:effectLst/>
-                <a:latin typeface="txsys"/>
-              </a:rPr>
-              <a:t>′ </a:t>
-            </a:r>
-            <a:r>
-              <a:rPr lang="en-US" sz="1800" dirty="0">
-                <a:effectLst/>
-                <a:latin typeface="NimbusRomNo9L"/>
-              </a:rPr>
-              <a:t>such that </a:t>
-            </a:r>
-            <a:r>
-              <a:rPr lang="en-US" sz="1800" dirty="0">
-                <a:effectLst/>
-                <a:latin typeface="LibertineMathMI"/>
-              </a:rPr>
-              <a:t>𝑤𝑅</a:t>
-            </a:r>
-            <a:r>
-              <a:rPr lang="en-US" sz="1800" dirty="0">
-                <a:effectLst/>
-                <a:latin typeface="LibertineMathMI7"/>
-              </a:rPr>
-              <a:t>𝑚</a:t>
-            </a:r>
-            <a:r>
-              <a:rPr lang="en-US" sz="1800" dirty="0">
-                <a:effectLst/>
-                <a:latin typeface="LibertineMathMI"/>
-              </a:rPr>
-              <a:t>𝑤</a:t>
-            </a:r>
-            <a:r>
-              <a:rPr lang="en-US" sz="1800" dirty="0">
-                <a:effectLst/>
-                <a:latin typeface="txsys"/>
-              </a:rPr>
-              <a:t>′</a:t>
-            </a:r>
-            <a:r>
-              <a:rPr lang="en-US" sz="1800" dirty="0">
-                <a:effectLst/>
-                <a:latin typeface="NimbusRomNo9L"/>
-              </a:rPr>
-              <a:t>. </a:t>
-            </a:r>
-            <a:endParaRPr lang="en-US" dirty="0">
-              <a:effectLst/>
-            </a:endParaRPr>
-          </a:p>
-          <a:p>
-            <a:pPr>
-              <a:buFont typeface="+mj-lt"/>
-              <a:buAutoNum type="arabicPeriod" startAt="491"/>
-            </a:pPr>
-            <a:r>
-              <a:rPr lang="en-US" sz="1800" dirty="0">
-                <a:solidFill>
-                  <a:srgbClr val="FF0000"/>
-                </a:solidFill>
-                <a:effectLst/>
-                <a:latin typeface="NimbusRomNo9L"/>
-              </a:rPr>
-              <a:t>500  </a:t>
-            </a:r>
-            <a:r>
-              <a:rPr lang="en-US" sz="1800" dirty="0">
-                <a:effectLst/>
-                <a:latin typeface="NimbusRomNo9L"/>
-              </a:rPr>
-              <a:t>However, it also holds for a broad class of intuitively similar models: those where instead of requiring </a:t>
-            </a:r>
-            <a:endParaRPr lang="en-US" dirty="0">
-              <a:effectLst/>
-            </a:endParaRPr>
-          </a:p>
-          <a:p>
-            <a:pPr>
-              <a:buFont typeface="+mj-lt"/>
-              <a:buAutoNum type="arabicPeriod" startAt="491"/>
-            </a:pPr>
-            <a:r>
-              <a:rPr lang="en-US" sz="1800" dirty="0">
-                <a:solidFill>
-                  <a:srgbClr val="FF0000"/>
-                </a:solidFill>
-                <a:effectLst/>
-                <a:latin typeface="NimbusRomNo9L"/>
-              </a:rPr>
-              <a:t>501  </a:t>
-            </a:r>
-            <a:r>
-              <a:rPr lang="en-US" sz="1800" dirty="0">
-                <a:effectLst/>
-                <a:latin typeface="NimbusRomNo9L"/>
-              </a:rPr>
-              <a:t>that each state have exactly one successor for each relation, we instead require that when a world has </a:t>
-            </a:r>
-            <a:endParaRPr lang="en-US" dirty="0">
-              <a:effectLst/>
-            </a:endParaRPr>
-          </a:p>
-          <a:p>
-            <a:pPr>
-              <a:buFont typeface="+mj-lt"/>
-              <a:buAutoNum type="arabicPeriod" startAt="491"/>
-            </a:pPr>
-            <a:r>
-              <a:rPr lang="en-US" sz="1800" dirty="0">
-                <a:solidFill>
-                  <a:srgbClr val="FF0000"/>
-                </a:solidFill>
-                <a:effectLst/>
-                <a:latin typeface="NimbusRomNo9L"/>
-              </a:rPr>
-              <a:t>502  </a:t>
-            </a:r>
-            <a:r>
-              <a:rPr lang="en-US" sz="1800" dirty="0">
-                <a:effectLst/>
-                <a:latin typeface="NimbusRomNo9L"/>
-              </a:rPr>
-              <a:t>multiple </a:t>
-            </a:r>
-            <a:r>
-              <a:rPr lang="en-US" sz="1800" dirty="0" err="1">
-                <a:effectLst/>
-                <a:latin typeface="NimbusRomNo9L"/>
-              </a:rPr>
-              <a:t>sucessor</a:t>
-            </a:r>
-            <a:r>
-              <a:rPr lang="en-US" sz="1800" dirty="0">
-                <a:effectLst/>
-                <a:latin typeface="NimbusRomNo9L"/>
-              </a:rPr>
-              <a:t> states, they have all the same successors and the same propositional variables are </a:t>
-            </a:r>
-            <a:endParaRPr lang="en-US" dirty="0">
-              <a:effectLst/>
-            </a:endParaRPr>
-          </a:p>
-          <a:p>
-            <a:pPr>
-              <a:buFont typeface="+mj-lt"/>
-              <a:buAutoNum type="arabicPeriod" startAt="491"/>
-            </a:pPr>
-            <a:r>
-              <a:rPr lang="en-US" sz="1800" dirty="0">
-                <a:solidFill>
-                  <a:srgbClr val="FF0000"/>
-                </a:solidFill>
-                <a:effectLst/>
-                <a:latin typeface="NimbusRomNo9L"/>
-              </a:rPr>
-              <a:t>503  </a:t>
-            </a:r>
-            <a:r>
-              <a:rPr lang="en-US" sz="1800" dirty="0">
-                <a:effectLst/>
-                <a:latin typeface="NimbusRomNo9L"/>
-              </a:rPr>
-              <a:t>true in each: </a:t>
-            </a:r>
-            <a:endParaRPr lang="en-US" dirty="0">
-              <a:effectLst/>
-            </a:endParaRPr>
-          </a:p>
-          <a:p>
-            <a:r>
-              <a:rPr lang="en-US" sz="1800" dirty="0">
-                <a:solidFill>
-                  <a:srgbClr val="FF0000"/>
-                </a:solidFill>
-                <a:effectLst/>
-                <a:latin typeface="NimbusRomNo9L"/>
-              </a:rPr>
-              <a:t>504</a:t>
-            </a:r>
-            <a:br>
-              <a:rPr lang="en-US" sz="1800" dirty="0">
-                <a:solidFill>
-                  <a:srgbClr val="FF0000"/>
-                </a:solidFill>
-                <a:effectLst/>
-                <a:latin typeface="NimbusRomNo9L"/>
-              </a:rPr>
-            </a:br>
-            <a:r>
-              <a:rPr lang="en-US" sz="1800" dirty="0">
-                <a:solidFill>
-                  <a:srgbClr val="FF0000"/>
-                </a:solidFill>
-                <a:effectLst/>
-                <a:latin typeface="NimbusRomNo9L"/>
-              </a:rPr>
-              <a:t>505 </a:t>
-            </a:r>
-            <a:r>
-              <a:rPr lang="en-US" sz="1800" dirty="0">
-                <a:effectLst/>
-                <a:latin typeface="txsys"/>
-              </a:rPr>
-              <a:t>∀</a:t>
-            </a:r>
-            <a:r>
-              <a:rPr lang="en-US" sz="1800" dirty="0">
-                <a:effectLst/>
-                <a:latin typeface="LibertineMathMI"/>
-              </a:rPr>
-              <a:t>𝑤,𝑤</a:t>
-            </a:r>
-            <a:r>
-              <a:rPr lang="en-US" sz="1800" dirty="0">
-                <a:effectLst/>
-                <a:latin typeface="txsys"/>
-              </a:rPr>
-              <a:t>′</a:t>
-            </a:r>
-            <a:r>
-              <a:rPr lang="en-US" sz="1800" dirty="0">
-                <a:effectLst/>
-                <a:latin typeface="LibertineMathMI"/>
-              </a:rPr>
-              <a:t>,𝑤</a:t>
-            </a:r>
-            <a:r>
-              <a:rPr lang="en-US" sz="1800" dirty="0">
-                <a:effectLst/>
-                <a:latin typeface="txsys"/>
-              </a:rPr>
-              <a:t>′′</a:t>
-            </a:r>
-            <a:r>
-              <a:rPr lang="en-US" sz="1800" dirty="0">
-                <a:effectLst/>
-                <a:latin typeface="LibertineMathMI"/>
-              </a:rPr>
-              <a:t>,𝑚.𝑤𝑅</a:t>
-            </a:r>
-            <a:r>
-              <a:rPr lang="en-US" sz="1800" dirty="0">
-                <a:effectLst/>
-                <a:latin typeface="LibertineMathMI7"/>
-              </a:rPr>
-              <a:t>𝑚</a:t>
-            </a:r>
-            <a:r>
-              <a:rPr lang="en-US" sz="1800" dirty="0">
-                <a:effectLst/>
-                <a:latin typeface="LibertineMathMI"/>
-              </a:rPr>
-              <a:t>𝑤</a:t>
-            </a:r>
-            <a:r>
-              <a:rPr lang="en-US" sz="1800" dirty="0">
-                <a:effectLst/>
-                <a:latin typeface="txsys"/>
-              </a:rPr>
-              <a:t>′ ∧</a:t>
-            </a:r>
-            <a:r>
-              <a:rPr lang="en-US" sz="1800" dirty="0">
-                <a:effectLst/>
-                <a:latin typeface="LibertineMathMI"/>
-              </a:rPr>
-              <a:t>𝑤𝑅</a:t>
-            </a:r>
-            <a:r>
-              <a:rPr lang="en-US" sz="1800" dirty="0">
-                <a:effectLst/>
-                <a:latin typeface="LibertineMathMI7"/>
-              </a:rPr>
-              <a:t>𝑚</a:t>
-            </a:r>
-            <a:r>
-              <a:rPr lang="en-US" sz="1800" dirty="0">
-                <a:effectLst/>
-                <a:latin typeface="LibertineMathMI"/>
-              </a:rPr>
-              <a:t>𝑤</a:t>
-            </a:r>
-            <a:r>
-              <a:rPr lang="en-US" sz="1800" dirty="0">
-                <a:effectLst/>
-                <a:latin typeface="txsys"/>
-              </a:rPr>
-              <a:t>′′ ⇒ (∀</a:t>
-            </a:r>
-            <a:r>
-              <a:rPr lang="en-US" sz="1800" dirty="0">
-                <a:effectLst/>
-                <a:latin typeface="LibertineMathMI"/>
-              </a:rPr>
-              <a:t>𝑝.𝑤</a:t>
-            </a:r>
-            <a:r>
-              <a:rPr lang="en-US" sz="1800" dirty="0">
-                <a:effectLst/>
-                <a:latin typeface="txsys"/>
-              </a:rPr>
-              <a:t>′ ∈ </a:t>
-            </a:r>
-            <a:r>
-              <a:rPr lang="en-US" sz="1800" dirty="0">
-                <a:effectLst/>
-                <a:latin typeface="LibertineMathMI"/>
-              </a:rPr>
-              <a:t>𝑉 </a:t>
-            </a:r>
-            <a:r>
-              <a:rPr lang="en-US" sz="1800" dirty="0">
-                <a:effectLst/>
-                <a:latin typeface="txsys"/>
-              </a:rPr>
-              <a:t>(</a:t>
-            </a:r>
-            <a:r>
-              <a:rPr lang="en-US" sz="1800" dirty="0">
-                <a:effectLst/>
-                <a:latin typeface="LibertineMathMI"/>
-              </a:rPr>
-              <a:t>𝑝</a:t>
-            </a:r>
-            <a:r>
-              <a:rPr lang="en-US" sz="1800" dirty="0">
-                <a:effectLst/>
-                <a:latin typeface="txsys"/>
-              </a:rPr>
-              <a:t>) ⇔ </a:t>
-            </a:r>
-            <a:r>
-              <a:rPr lang="en-US" sz="1800" dirty="0">
-                <a:effectLst/>
-                <a:latin typeface="LibertineMathMI"/>
-              </a:rPr>
-              <a:t>𝑤</a:t>
-            </a:r>
-            <a:r>
-              <a:rPr lang="en-US" sz="1800" dirty="0">
-                <a:effectLst/>
-                <a:latin typeface="txsys"/>
-              </a:rPr>
-              <a:t>′′ ∈ </a:t>
-            </a:r>
-            <a:r>
-              <a:rPr lang="en-US" sz="1800" dirty="0">
-                <a:effectLst/>
-                <a:latin typeface="LibertineMathMI"/>
-              </a:rPr>
-              <a:t>𝑉 </a:t>
-            </a:r>
-            <a:r>
-              <a:rPr lang="en-US" sz="1800" dirty="0">
-                <a:effectLst/>
-                <a:latin typeface="txsys"/>
-              </a:rPr>
-              <a:t>(</a:t>
-            </a:r>
-            <a:r>
-              <a:rPr lang="en-US" sz="1800" dirty="0">
-                <a:effectLst/>
-                <a:latin typeface="LibertineMathMI"/>
-              </a:rPr>
-              <a:t>𝑝</a:t>
-            </a:r>
-            <a:r>
-              <a:rPr lang="en-US" sz="1800" dirty="0">
-                <a:effectLst/>
-                <a:latin typeface="txsys"/>
-              </a:rPr>
-              <a:t>)) ∧ (∀</a:t>
-            </a:r>
-            <a:r>
-              <a:rPr lang="en-US" sz="1800" dirty="0">
-                <a:effectLst/>
-                <a:latin typeface="LibertineMathMI"/>
-              </a:rPr>
-              <a:t>𝑠,𝑚</a:t>
-            </a:r>
-            <a:r>
-              <a:rPr lang="en-US" sz="1800" dirty="0">
-                <a:effectLst/>
-                <a:latin typeface="txsys"/>
-              </a:rPr>
-              <a:t>′</a:t>
-            </a:r>
-            <a:r>
-              <a:rPr lang="en-US" sz="1800" dirty="0">
-                <a:effectLst/>
-                <a:latin typeface="LibertineMathMI"/>
-              </a:rPr>
-              <a:t>.𝑤</a:t>
-            </a:r>
-            <a:r>
-              <a:rPr lang="en-US" sz="1800" dirty="0">
-                <a:effectLst/>
-                <a:latin typeface="txsys"/>
-              </a:rPr>
-              <a:t>′</a:t>
-            </a:r>
-            <a:r>
-              <a:rPr lang="en-US" sz="1800" dirty="0">
-                <a:effectLst/>
-                <a:latin typeface="LibertineMathMI"/>
-              </a:rPr>
-              <a:t>𝑅</a:t>
-            </a:r>
-            <a:r>
-              <a:rPr lang="en-US" sz="1800" dirty="0">
-                <a:effectLst/>
-                <a:latin typeface="LibertineMathMI7"/>
-              </a:rPr>
-              <a:t>𝑚</a:t>
-            </a:r>
-            <a:r>
-              <a:rPr lang="en-US" sz="1800" dirty="0">
-                <a:effectLst/>
-                <a:latin typeface="txsys"/>
-              </a:rPr>
-              <a:t>′</a:t>
-            </a:r>
-            <a:r>
-              <a:rPr lang="en-US" sz="1800" dirty="0">
-                <a:effectLst/>
-                <a:latin typeface="LibertineMathMI"/>
-              </a:rPr>
-              <a:t>𝑠 </a:t>
-            </a:r>
-            <a:r>
-              <a:rPr lang="en-US" sz="1800" dirty="0">
-                <a:effectLst/>
-                <a:latin typeface="txsys"/>
-              </a:rPr>
-              <a:t>⇔ </a:t>
-            </a:r>
-            <a:r>
-              <a:rPr lang="en-US" sz="1800" dirty="0">
-                <a:effectLst/>
-                <a:latin typeface="LibertineMathMI"/>
-              </a:rPr>
-              <a:t>𝑤</a:t>
-            </a:r>
-            <a:r>
-              <a:rPr lang="en-US" sz="1800" dirty="0">
-                <a:effectLst/>
-                <a:latin typeface="txsys"/>
-              </a:rPr>
-              <a:t>′′</a:t>
-            </a:r>
-            <a:r>
-              <a:rPr lang="en-US" sz="1800" dirty="0">
-                <a:effectLst/>
-                <a:latin typeface="LibertineMathMI"/>
-              </a:rPr>
-              <a:t>𝑅</a:t>
-            </a:r>
-            <a:r>
-              <a:rPr lang="en-US" sz="1800" dirty="0">
-                <a:effectLst/>
-                <a:latin typeface="LibertineMathMI7"/>
-              </a:rPr>
-              <a:t>𝑚</a:t>
-            </a:r>
-            <a:r>
-              <a:rPr lang="en-US" sz="1800" dirty="0">
-                <a:effectLst/>
-                <a:latin typeface="txsys"/>
-              </a:rPr>
-              <a:t>′</a:t>
-            </a:r>
-            <a:r>
-              <a:rPr lang="en-US" sz="1800" dirty="0">
-                <a:effectLst/>
-                <a:latin typeface="LibertineMathMI"/>
-              </a:rPr>
-              <a:t>𝑠</a:t>
-            </a:r>
-            <a:r>
-              <a:rPr lang="en-US" sz="1800" dirty="0">
-                <a:effectLst/>
-                <a:latin typeface="txsys"/>
-              </a:rPr>
-              <a:t>) </a:t>
-            </a:r>
-            <a:endParaRPr lang="en-US" dirty="0"/>
-          </a:p>
           <a:p>
             <a:endParaRPr lang="en-US" dirty="0"/>
           </a:p>
